--- a/3b) Vortrag/Präsentation.pptx
+++ b/3b) Vortrag/Präsentation.pptx
@@ -5,28 +5,30 @@
     <p:sldMasterId id="2147483648" r:id="rId1"/>
   </p:sldMasterIdLst>
   <p:notesMasterIdLst>
-    <p:notesMasterId r:id="rId21"/>
+    <p:notesMasterId r:id="rId23"/>
   </p:notesMasterIdLst>
   <p:sldIdLst>
     <p:sldId id="256" r:id="rId2"/>
     <p:sldId id="257" r:id="rId3"/>
-    <p:sldId id="269" r:id="rId4"/>
+    <p:sldId id="277" r:id="rId4"/>
     <p:sldId id="258" r:id="rId5"/>
-    <p:sldId id="264" r:id="rId6"/>
+    <p:sldId id="278" r:id="rId6"/>
     <p:sldId id="259" r:id="rId7"/>
-    <p:sldId id="265" r:id="rId8"/>
+    <p:sldId id="279" r:id="rId8"/>
     <p:sldId id="260" r:id="rId9"/>
-    <p:sldId id="266" r:id="rId10"/>
+    <p:sldId id="280" r:id="rId10"/>
     <p:sldId id="261" r:id="rId11"/>
-    <p:sldId id="267" r:id="rId12"/>
+    <p:sldId id="281" r:id="rId12"/>
     <p:sldId id="262" r:id="rId13"/>
-    <p:sldId id="270" r:id="rId14"/>
+    <p:sldId id="282" r:id="rId14"/>
     <p:sldId id="273" r:id="rId15"/>
-    <p:sldId id="271" r:id="rId16"/>
+    <p:sldId id="283" r:id="rId16"/>
     <p:sldId id="274" r:id="rId17"/>
-    <p:sldId id="272" r:id="rId18"/>
+    <p:sldId id="284" r:id="rId18"/>
     <p:sldId id="276" r:id="rId19"/>
-    <p:sldId id="275" r:id="rId20"/>
+    <p:sldId id="285" r:id="rId20"/>
+    <p:sldId id="286" r:id="rId21"/>
+    <p:sldId id="275" r:id="rId22"/>
   </p:sldIdLst>
   <p:sldSz cx="12192000" cy="6858000"/>
   <p:notesSz cx="6858000" cy="9144000"/>
@@ -3856,29 +3858,6 @@
       </p:grpSpPr>
       <p:sp>
         <p:nvSpPr>
-          <p:cNvPr id="2" name="Titel 1"/>
-          <p:cNvSpPr>
-            <a:spLocks noGrp="1"/>
-          </p:cNvSpPr>
-          <p:nvPr>
-            <p:ph type="title"/>
-          </p:nvPr>
-        </p:nvSpPr>
-        <p:spPr/>
-        <p:txBody>
-          <a:bodyPr/>
-          <a:lstStyle/>
-          <a:p>
-            <a:r>
-              <a:rPr lang="de-DE" b="1" dirty="0" smtClean="0"/>
-              <a:t>Inhaltsverzeichnis</a:t>
-            </a:r>
-            <a:endParaRPr lang="de-DE" b="1" dirty="0"/>
-          </a:p>
-        </p:txBody>
-      </p:sp>
-      <p:sp>
-        <p:nvSpPr>
           <p:cNvPr id="4" name="Datumsplatzhalter 3"/>
           <p:cNvSpPr>
             <a:spLocks noGrp="1"/>
@@ -3959,7 +3938,7 @@
         <p:spPr/>
         <p:txBody>
           <a:bodyPr>
-            <a:normAutofit fontScale="92500" lnSpcReduction="10000"/>
+            <a:normAutofit fontScale="92500" lnSpcReduction="20000"/>
           </a:bodyPr>
           <a:lstStyle/>
           <a:p>
@@ -3986,7 +3965,7 @@
             </a:pPr>
             <a:r>
               <a:rPr lang="de-DE" dirty="0" smtClean="0"/>
-              <a:t>Konzeption des Anwendung</a:t>
+              <a:t>Konzeption der Anwendung</a:t>
             </a:r>
           </a:p>
           <a:p>
@@ -4027,6 +4006,33 @@
             </a:r>
           </a:p>
           <a:p>
+            <a:pPr marL="571500" indent="-571500">
+              <a:buFont typeface="+mj-lt"/>
+              <a:buAutoNum type="romanUcPeriod"/>
+            </a:pPr>
+            <a:r>
+              <a:rPr lang="de-DE" dirty="0" smtClean="0"/>
+              <a:t>Zusammenführung der Komponenten</a:t>
+            </a:r>
+          </a:p>
+          <a:p>
+            <a:pPr marL="571500" indent="-571500">
+              <a:buFont typeface="+mj-lt"/>
+              <a:buAutoNum type="romanUcPeriod"/>
+            </a:pPr>
+            <a:endParaRPr lang="de-DE" sz="100" dirty="0" smtClean="0"/>
+          </a:p>
+          <a:p>
+            <a:pPr marL="571500" indent="-571500">
+              <a:buFont typeface="+mj-lt"/>
+              <a:buAutoNum type="romanUcPeriod"/>
+            </a:pPr>
+            <a:r>
+              <a:rPr lang="de-DE" dirty="0" smtClean="0"/>
+              <a:t>Vorstellung der Anwendung</a:t>
+            </a:r>
+          </a:p>
+          <a:p>
             <a:pPr marL="285750" indent="-285750">
               <a:buFont typeface="+mj-lt"/>
               <a:buAutoNum type="romanUcPeriod"/>
@@ -4040,30 +4046,19 @@
             </a:pPr>
             <a:r>
               <a:rPr lang="de-DE" dirty="0" smtClean="0"/>
-              <a:t>Zusammenführung der Komponenten</a:t>
-            </a:r>
-          </a:p>
-          <a:p>
-            <a:pPr marL="285750" indent="-285750">
-              <a:buFont typeface="+mj-lt"/>
-              <a:buAutoNum type="romanUcPeriod"/>
+              <a:t>Analyse</a:t>
+            </a:r>
+          </a:p>
+          <a:p>
+            <a:pPr marL="0" indent="0">
+              <a:buNone/>
             </a:pPr>
             <a:endParaRPr lang="de-DE" sz="100" dirty="0" smtClean="0"/>
           </a:p>
           <a:p>
             <a:pPr marL="571500" indent="-571500">
               <a:buFont typeface="+mj-lt"/>
-              <a:buAutoNum type="romanUcPeriod"/>
-            </a:pPr>
-            <a:r>
-              <a:rPr lang="de-DE" dirty="0" smtClean="0"/>
-              <a:t>Analyse</a:t>
-            </a:r>
-          </a:p>
-          <a:p>
-            <a:pPr marL="571500" indent="-571500">
-              <a:buFont typeface="+mj-lt"/>
-              <a:buAutoNum type="romanUcPeriod"/>
+              <a:buAutoNum type="romanUcPeriod" startAt="9"/>
             </a:pPr>
             <a:r>
               <a:rPr lang="de-DE" dirty="0" smtClean="0"/>
@@ -4073,7 +4068,7 @@
           <a:p>
             <a:pPr marL="571500" indent="-571500">
               <a:buFont typeface="+mj-lt"/>
-              <a:buAutoNum type="romanUcPeriod"/>
+              <a:buAutoNum type="romanUcPeriod" startAt="9"/>
             </a:pPr>
             <a:endParaRPr lang="de-DE" dirty="0"/>
           </a:p>
@@ -4119,7 +4114,7 @@
     </p:spTree>
     <p:extLst>
       <p:ext uri="{BB962C8B-B14F-4D97-AF65-F5344CB8AC3E}">
-        <p14:creationId xmlns:p14="http://schemas.microsoft.com/office/powerpoint/2010/main" val="1306764805"/>
+        <p14:creationId xmlns:p14="http://schemas.microsoft.com/office/powerpoint/2010/main" val="3353182248"/>
       </p:ext>
     </p:extLst>
   </p:cSld>
@@ -4307,29 +4302,6 @@
       </p:grpSpPr>
       <p:sp>
         <p:nvSpPr>
-          <p:cNvPr id="2" name="Titel 1"/>
-          <p:cNvSpPr>
-            <a:spLocks noGrp="1"/>
-          </p:cNvSpPr>
-          <p:nvPr>
-            <p:ph type="title"/>
-          </p:nvPr>
-        </p:nvSpPr>
-        <p:spPr/>
-        <p:txBody>
-          <a:bodyPr/>
-          <a:lstStyle/>
-          <a:p>
-            <a:r>
-              <a:rPr lang="de-DE" b="1" dirty="0" smtClean="0"/>
-              <a:t>Inhaltsverzeichnis</a:t>
-            </a:r>
-            <a:endParaRPr lang="de-DE" b="1" dirty="0"/>
-          </a:p>
-        </p:txBody>
-      </p:sp>
-      <p:sp>
-        <p:nvSpPr>
           <p:cNvPr id="4" name="Datumsplatzhalter 3"/>
           <p:cNvSpPr>
             <a:spLocks noGrp="1"/>
@@ -4410,7 +4382,7 @@
         <p:spPr/>
         <p:txBody>
           <a:bodyPr>
-            <a:normAutofit fontScale="92500" lnSpcReduction="10000"/>
+            <a:normAutofit fontScale="92500" lnSpcReduction="20000"/>
           </a:bodyPr>
           <a:lstStyle/>
           <a:p>
@@ -4437,7 +4409,7 @@
             </a:pPr>
             <a:r>
               <a:rPr lang="de-DE" dirty="0" smtClean="0"/>
-              <a:t>Konzeption des Anwendung</a:t>
+              <a:t>Konzeption der Anwendung</a:t>
             </a:r>
           </a:p>
           <a:p>
@@ -4476,13 +4448,6 @@
               <a:rPr lang="de-DE" dirty="0" smtClean="0"/>
               <a:t>Umsetzung des künstlichen neuronalen Netzes</a:t>
             </a:r>
-          </a:p>
-          <a:p>
-            <a:pPr marL="285750" indent="-285750">
-              <a:buFont typeface="+mj-lt"/>
-              <a:buAutoNum type="romanUcPeriod"/>
-            </a:pPr>
-            <a:endParaRPr lang="de-DE" sz="100" dirty="0" smtClean="0"/>
           </a:p>
           <a:p>
             <a:pPr marL="571500" indent="-571500">
@@ -4495,6 +4460,23 @@
             </a:r>
           </a:p>
           <a:p>
+            <a:pPr marL="571500" indent="-571500">
+              <a:buFont typeface="+mj-lt"/>
+              <a:buAutoNum type="romanUcPeriod"/>
+            </a:pPr>
+            <a:endParaRPr lang="de-DE" sz="100" dirty="0" smtClean="0"/>
+          </a:p>
+          <a:p>
+            <a:pPr marL="571500" indent="-571500">
+              <a:buFont typeface="+mj-lt"/>
+              <a:buAutoNum type="romanUcPeriod"/>
+            </a:pPr>
+            <a:r>
+              <a:rPr lang="de-DE" dirty="0" smtClean="0"/>
+              <a:t>Vorstellung der Anwendung</a:t>
+            </a:r>
+          </a:p>
+          <a:p>
             <a:pPr marL="285750" indent="-285750">
               <a:buFont typeface="+mj-lt"/>
               <a:buAutoNum type="romanUcPeriod"/>
@@ -4512,9 +4494,15 @@
             </a:r>
           </a:p>
           <a:p>
-            <a:pPr marL="571500" indent="-571500">
-              <a:buFont typeface="+mj-lt"/>
-              <a:buAutoNum type="romanUcPeriod"/>
+            <a:pPr marL="0" indent="0">
+              <a:buNone/>
+            </a:pPr>
+            <a:endParaRPr lang="de-DE" sz="100" dirty="0" smtClean="0"/>
+          </a:p>
+          <a:p>
+            <a:pPr marL="571500" indent="-571500">
+              <a:buFont typeface="+mj-lt"/>
+              <a:buAutoNum type="romanUcPeriod" startAt="9"/>
             </a:pPr>
             <a:r>
               <a:rPr lang="de-DE" dirty="0" smtClean="0"/>
@@ -4524,7 +4512,7 @@
           <a:p>
             <a:pPr marL="571500" indent="-571500">
               <a:buFont typeface="+mj-lt"/>
-              <a:buAutoNum type="romanUcPeriod"/>
+              <a:buAutoNum type="romanUcPeriod" startAt="9"/>
             </a:pPr>
             <a:endParaRPr lang="de-DE" dirty="0"/>
           </a:p>
@@ -4570,7 +4558,7 @@
     </p:spTree>
     <p:extLst>
       <p:ext uri="{BB962C8B-B14F-4D97-AF65-F5344CB8AC3E}">
-        <p14:creationId xmlns:p14="http://schemas.microsoft.com/office/powerpoint/2010/main" val="987622492"/>
+        <p14:creationId xmlns:p14="http://schemas.microsoft.com/office/powerpoint/2010/main" val="2535866213"/>
       </p:ext>
     </p:extLst>
   </p:cSld>
@@ -4758,29 +4746,6 @@
       </p:grpSpPr>
       <p:sp>
         <p:nvSpPr>
-          <p:cNvPr id="2" name="Titel 1"/>
-          <p:cNvSpPr>
-            <a:spLocks noGrp="1"/>
-          </p:cNvSpPr>
-          <p:nvPr>
-            <p:ph type="title"/>
-          </p:nvPr>
-        </p:nvSpPr>
-        <p:spPr/>
-        <p:txBody>
-          <a:bodyPr/>
-          <a:lstStyle/>
-          <a:p>
-            <a:r>
-              <a:rPr lang="de-DE" b="1" dirty="0" smtClean="0"/>
-              <a:t>Inhaltsverzeichnis</a:t>
-            </a:r>
-            <a:endParaRPr lang="de-DE" b="1" dirty="0"/>
-          </a:p>
-        </p:txBody>
-      </p:sp>
-      <p:sp>
-        <p:nvSpPr>
           <p:cNvPr id="4" name="Datumsplatzhalter 3"/>
           <p:cNvSpPr>
             <a:spLocks noGrp="1"/>
@@ -4861,7 +4826,7 @@
         <p:spPr/>
         <p:txBody>
           <a:bodyPr>
-            <a:normAutofit fontScale="92500" lnSpcReduction="10000"/>
+            <a:normAutofit fontScale="92500" lnSpcReduction="20000"/>
           </a:bodyPr>
           <a:lstStyle/>
           <a:p>
@@ -4888,7 +4853,7 @@
             </a:pPr>
             <a:r>
               <a:rPr lang="de-DE" dirty="0" smtClean="0"/>
-              <a:t>Konzeption des Anwendung</a:t>
+              <a:t>Konzeption der Anwendung</a:t>
             </a:r>
           </a:p>
           <a:p>
@@ -4929,6 +4894,33 @@
             </a:r>
           </a:p>
           <a:p>
+            <a:pPr marL="571500" indent="-571500">
+              <a:buFont typeface="+mj-lt"/>
+              <a:buAutoNum type="romanUcPeriod"/>
+            </a:pPr>
+            <a:r>
+              <a:rPr lang="de-DE" dirty="0" smtClean="0"/>
+              <a:t>Zusammenführung der Komponenten</a:t>
+            </a:r>
+          </a:p>
+          <a:p>
+            <a:pPr marL="571500" indent="-571500">
+              <a:buFont typeface="+mj-lt"/>
+              <a:buAutoNum type="romanUcPeriod"/>
+            </a:pPr>
+            <a:endParaRPr lang="de-DE" sz="100" dirty="0" smtClean="0"/>
+          </a:p>
+          <a:p>
+            <a:pPr marL="571500" indent="-571500">
+              <a:buFont typeface="+mj-lt"/>
+              <a:buAutoNum type="romanUcPeriod"/>
+            </a:pPr>
+            <a:r>
+              <a:rPr lang="de-DE" b="1" dirty="0" smtClean="0"/>
+              <a:t>Vorstellung der Anwendung</a:t>
+            </a:r>
+          </a:p>
+          <a:p>
             <a:pPr marL="285750" indent="-285750">
               <a:buFont typeface="+mj-lt"/>
               <a:buAutoNum type="romanUcPeriod"/>
@@ -4942,30 +4934,19 @@
             </a:pPr>
             <a:r>
               <a:rPr lang="de-DE" dirty="0" smtClean="0"/>
-              <a:t>Zusammenführung der Komponenten</a:t>
-            </a:r>
-          </a:p>
-          <a:p>
-            <a:pPr marL="285750" indent="-285750">
-              <a:buFont typeface="+mj-lt"/>
-              <a:buAutoNum type="romanUcPeriod"/>
+              <a:t>Analyse</a:t>
+            </a:r>
+          </a:p>
+          <a:p>
+            <a:pPr marL="0" indent="0">
+              <a:buNone/>
             </a:pPr>
             <a:endParaRPr lang="de-DE" sz="100" dirty="0" smtClean="0"/>
           </a:p>
           <a:p>
             <a:pPr marL="571500" indent="-571500">
               <a:buFont typeface="+mj-lt"/>
-              <a:buAutoNum type="romanUcPeriod"/>
-            </a:pPr>
-            <a:r>
-              <a:rPr lang="de-DE" b="1" dirty="0" smtClean="0"/>
-              <a:t>Analyse</a:t>
-            </a:r>
-          </a:p>
-          <a:p>
-            <a:pPr marL="571500" indent="-571500">
-              <a:buFont typeface="+mj-lt"/>
-              <a:buAutoNum type="romanUcPeriod"/>
+              <a:buAutoNum type="romanUcPeriod" startAt="9"/>
             </a:pPr>
             <a:r>
               <a:rPr lang="de-DE" dirty="0" smtClean="0"/>
@@ -4975,7 +4956,7 @@
           <a:p>
             <a:pPr marL="571500" indent="-571500">
               <a:buFont typeface="+mj-lt"/>
-              <a:buAutoNum type="romanUcPeriod"/>
+              <a:buAutoNum type="romanUcPeriod" startAt="9"/>
             </a:pPr>
             <a:endParaRPr lang="de-DE" dirty="0"/>
           </a:p>
@@ -5021,7 +5002,7 @@
     </p:spTree>
     <p:extLst>
       <p:ext uri="{BB962C8B-B14F-4D97-AF65-F5344CB8AC3E}">
-        <p14:creationId xmlns:p14="http://schemas.microsoft.com/office/powerpoint/2010/main" val="364228408"/>
+        <p14:creationId xmlns:p14="http://schemas.microsoft.com/office/powerpoint/2010/main" val="4094910121"/>
       </p:ext>
     </p:extLst>
   </p:cSld>
@@ -5076,7 +5057,7 @@
             </a:pPr>
             <a:r>
               <a:rPr lang="de-DE" b="1" dirty="0" smtClean="0"/>
-              <a:t>Analyse</a:t>
+              <a:t>Vorstellung der Anwendung</a:t>
             </a:r>
             <a:endParaRPr lang="de-DE" b="1" dirty="0"/>
           </a:p>
@@ -5209,29 +5190,6 @@
       </p:grpSpPr>
       <p:sp>
         <p:nvSpPr>
-          <p:cNvPr id="2" name="Titel 1"/>
-          <p:cNvSpPr>
-            <a:spLocks noGrp="1"/>
-          </p:cNvSpPr>
-          <p:nvPr>
-            <p:ph type="title"/>
-          </p:nvPr>
-        </p:nvSpPr>
-        <p:spPr/>
-        <p:txBody>
-          <a:bodyPr/>
-          <a:lstStyle/>
-          <a:p>
-            <a:r>
-              <a:rPr lang="de-DE" b="1" dirty="0" smtClean="0"/>
-              <a:t>Inhaltsverzeichnis</a:t>
-            </a:r>
-            <a:endParaRPr lang="de-DE" b="1" dirty="0"/>
-          </a:p>
-        </p:txBody>
-      </p:sp>
-      <p:sp>
-        <p:nvSpPr>
           <p:cNvPr id="4" name="Datumsplatzhalter 3"/>
           <p:cNvSpPr>
             <a:spLocks noGrp="1"/>
@@ -5312,7 +5270,7 @@
         <p:spPr/>
         <p:txBody>
           <a:bodyPr>
-            <a:normAutofit fontScale="92500" lnSpcReduction="10000"/>
+            <a:normAutofit fontScale="92500" lnSpcReduction="20000"/>
           </a:bodyPr>
           <a:lstStyle/>
           <a:p>
@@ -5339,7 +5297,7 @@
             </a:pPr>
             <a:r>
               <a:rPr lang="de-DE" dirty="0" smtClean="0"/>
-              <a:t>Konzeption des Anwendung</a:t>
+              <a:t>Konzeption der Anwendung</a:t>
             </a:r>
           </a:p>
           <a:p>
@@ -5380,6 +5338,33 @@
             </a:r>
           </a:p>
           <a:p>
+            <a:pPr marL="571500" indent="-571500">
+              <a:buFont typeface="+mj-lt"/>
+              <a:buAutoNum type="romanUcPeriod"/>
+            </a:pPr>
+            <a:r>
+              <a:rPr lang="de-DE" dirty="0" smtClean="0"/>
+              <a:t>Zusammenführung der Komponenten</a:t>
+            </a:r>
+          </a:p>
+          <a:p>
+            <a:pPr marL="571500" indent="-571500">
+              <a:buFont typeface="+mj-lt"/>
+              <a:buAutoNum type="romanUcPeriod"/>
+            </a:pPr>
+            <a:endParaRPr lang="de-DE" sz="100" dirty="0" smtClean="0"/>
+          </a:p>
+          <a:p>
+            <a:pPr marL="571500" indent="-571500">
+              <a:buFont typeface="+mj-lt"/>
+              <a:buAutoNum type="romanUcPeriod"/>
+            </a:pPr>
+            <a:r>
+              <a:rPr lang="de-DE" dirty="0" smtClean="0"/>
+              <a:t>Vorstellung der Anwendung</a:t>
+            </a:r>
+          </a:p>
+          <a:p>
             <a:pPr marL="285750" indent="-285750">
               <a:buFont typeface="+mj-lt"/>
               <a:buAutoNum type="romanUcPeriod"/>
@@ -5392,41 +5377,30 @@
               <a:buAutoNum type="romanUcPeriod"/>
             </a:pPr>
             <a:r>
-              <a:rPr lang="de-DE" dirty="0" smtClean="0"/>
-              <a:t>Zusammenführung der Komponenten</a:t>
-            </a:r>
-          </a:p>
-          <a:p>
-            <a:pPr marL="285750" indent="-285750">
-              <a:buFont typeface="+mj-lt"/>
-              <a:buAutoNum type="romanUcPeriod"/>
+              <a:rPr lang="de-DE" b="1" dirty="0" smtClean="0"/>
+              <a:t>Analyse</a:t>
+            </a:r>
+          </a:p>
+          <a:p>
+            <a:pPr marL="0" indent="0">
+              <a:buNone/>
             </a:pPr>
             <a:endParaRPr lang="de-DE" sz="100" dirty="0" smtClean="0"/>
           </a:p>
           <a:p>
             <a:pPr marL="571500" indent="-571500">
               <a:buFont typeface="+mj-lt"/>
-              <a:buAutoNum type="romanUcPeriod"/>
-            </a:pPr>
-            <a:r>
-              <a:rPr lang="de-DE" dirty="0" smtClean="0"/>
-              <a:t>Analyse</a:t>
-            </a:r>
-          </a:p>
-          <a:p>
-            <a:pPr marL="571500" indent="-571500">
-              <a:buFont typeface="+mj-lt"/>
-              <a:buAutoNum type="romanUcPeriod"/>
-            </a:pPr>
-            <a:r>
-              <a:rPr lang="de-DE" b="1" dirty="0" smtClean="0"/>
+              <a:buAutoNum type="romanUcPeriod" startAt="9"/>
+            </a:pPr>
+            <a:r>
+              <a:rPr lang="de-DE" dirty="0" smtClean="0"/>
               <a:t>Fazit</a:t>
             </a:r>
           </a:p>
           <a:p>
             <a:pPr marL="571500" indent="-571500">
               <a:buFont typeface="+mj-lt"/>
-              <a:buAutoNum type="romanUcPeriod"/>
+              <a:buAutoNum type="romanUcPeriod" startAt="9"/>
             </a:pPr>
             <a:endParaRPr lang="de-DE" dirty="0"/>
           </a:p>
@@ -5472,7 +5446,7 @@
     </p:spTree>
     <p:extLst>
       <p:ext uri="{BB962C8B-B14F-4D97-AF65-F5344CB8AC3E}">
-        <p14:creationId xmlns:p14="http://schemas.microsoft.com/office/powerpoint/2010/main" val="2720744785"/>
+        <p14:creationId xmlns:p14="http://schemas.microsoft.com/office/powerpoint/2010/main" val="3444133165"/>
       </p:ext>
     </p:extLst>
   </p:cSld>
@@ -5527,7 +5501,7 @@
             </a:pPr>
             <a:r>
               <a:rPr lang="de-DE" b="1" dirty="0" smtClean="0"/>
-              <a:t>Fazit</a:t>
+              <a:t>Analyse</a:t>
             </a:r>
             <a:endParaRPr lang="de-DE" b="1" dirty="0"/>
           </a:p>
@@ -5660,6 +5634,765 @@
       </p:grpSpPr>
       <p:sp>
         <p:nvSpPr>
+          <p:cNvPr id="4" name="Datumsplatzhalter 3"/>
+          <p:cNvSpPr>
+            <a:spLocks noGrp="1"/>
+          </p:cNvSpPr>
+          <p:nvPr>
+            <p:ph type="dt" sz="half" idx="10"/>
+          </p:nvPr>
+        </p:nvSpPr>
+        <p:spPr/>
+        <p:txBody>
+          <a:bodyPr/>
+          <a:lstStyle/>
+          <a:p>
+            <a:fld id="{7AC709DD-AC18-4FBA-B4E6-46DED743653E}" type="datetime1">
+              <a:rPr lang="de-DE" smtClean="0"/>
+              <a:t>25.11.2015</a:t>
+            </a:fld>
+            <a:endParaRPr lang="de-DE"/>
+          </a:p>
+        </p:txBody>
+      </p:sp>
+      <p:sp>
+        <p:nvSpPr>
+          <p:cNvPr id="5" name="Fußzeilenplatzhalter 4"/>
+          <p:cNvSpPr>
+            <a:spLocks noGrp="1"/>
+          </p:cNvSpPr>
+          <p:nvPr>
+            <p:ph type="ftr" sz="quarter" idx="11"/>
+          </p:nvPr>
+        </p:nvSpPr>
+        <p:spPr/>
+        <p:txBody>
+          <a:bodyPr/>
+          <a:lstStyle/>
+          <a:p>
+            <a:r>
+              <a:rPr lang="de-DE" dirty="0" smtClean="0"/>
+              <a:t>Fakultät Informatik             Sebastian Schötteler &amp; Benedikt Hofrichter</a:t>
+            </a:r>
+            <a:endParaRPr lang="de-DE" dirty="0"/>
+          </a:p>
+        </p:txBody>
+      </p:sp>
+      <p:sp>
+        <p:nvSpPr>
+          <p:cNvPr id="6" name="Foliennummernplatzhalter 5"/>
+          <p:cNvSpPr>
+            <a:spLocks noGrp="1"/>
+          </p:cNvSpPr>
+          <p:nvPr>
+            <p:ph type="sldNum" sz="quarter" idx="12"/>
+          </p:nvPr>
+        </p:nvSpPr>
+        <p:spPr/>
+        <p:txBody>
+          <a:bodyPr/>
+          <a:lstStyle/>
+          <a:p>
+            <a:fld id="{0E226D3C-400E-4353-AAC2-09A0472DC536}" type="slidenum">
+              <a:rPr lang="de-DE" smtClean="0"/>
+              <a:t>18</a:t>
+            </a:fld>
+            <a:endParaRPr lang="de-DE" dirty="0"/>
+          </a:p>
+        </p:txBody>
+      </p:sp>
+      <p:sp>
+        <p:nvSpPr>
+          <p:cNvPr id="8" name="Inhaltsplatzhalter 7"/>
+          <p:cNvSpPr>
+            <a:spLocks noGrp="1"/>
+          </p:cNvSpPr>
+          <p:nvPr>
+            <p:ph idx="1"/>
+          </p:nvPr>
+        </p:nvSpPr>
+        <p:spPr/>
+        <p:txBody>
+          <a:bodyPr>
+            <a:normAutofit fontScale="92500" lnSpcReduction="20000"/>
+          </a:bodyPr>
+          <a:lstStyle/>
+          <a:p>
+            <a:pPr marL="571500" indent="-571500">
+              <a:buFont typeface="+mj-lt"/>
+              <a:buAutoNum type="romanUcPeriod"/>
+            </a:pPr>
+            <a:r>
+              <a:rPr lang="de-DE" dirty="0" smtClean="0"/>
+              <a:t>Motivation</a:t>
+            </a:r>
+          </a:p>
+          <a:p>
+            <a:pPr marL="285750" indent="-285750">
+              <a:buFont typeface="+mj-lt"/>
+              <a:buAutoNum type="romanUcPeriod"/>
+            </a:pPr>
+            <a:endParaRPr lang="de-DE" sz="100" dirty="0" smtClean="0"/>
+          </a:p>
+          <a:p>
+            <a:pPr marL="571500" indent="-571500">
+              <a:buFont typeface="+mj-lt"/>
+              <a:buAutoNum type="romanUcPeriod"/>
+            </a:pPr>
+            <a:r>
+              <a:rPr lang="de-DE" dirty="0" smtClean="0"/>
+              <a:t>Konzeption der Anwendung</a:t>
+            </a:r>
+          </a:p>
+          <a:p>
+            <a:pPr marL="571500" indent="-571500">
+              <a:buFont typeface="+mj-lt"/>
+              <a:buAutoNum type="romanUcPeriod"/>
+            </a:pPr>
+            <a:r>
+              <a:rPr lang="de-DE" dirty="0" smtClean="0"/>
+              <a:t>Konzeption des künstlichen neuronalen Netzes</a:t>
+            </a:r>
+          </a:p>
+          <a:p>
+            <a:pPr marL="285750" indent="-285750">
+              <a:buFont typeface="+mj-lt"/>
+              <a:buAutoNum type="romanUcPeriod"/>
+            </a:pPr>
+            <a:endParaRPr lang="de-DE" sz="100" dirty="0" smtClean="0"/>
+          </a:p>
+          <a:p>
+            <a:pPr marL="571500" indent="-571500">
+              <a:buFont typeface="+mj-lt"/>
+              <a:buAutoNum type="romanUcPeriod"/>
+            </a:pPr>
+            <a:r>
+              <a:rPr lang="de-DE" dirty="0" smtClean="0"/>
+              <a:t>Umsetzung der Anwendung</a:t>
+            </a:r>
+          </a:p>
+          <a:p>
+            <a:pPr marL="571500" indent="-571500">
+              <a:buFont typeface="+mj-lt"/>
+              <a:buAutoNum type="romanUcPeriod"/>
+            </a:pPr>
+            <a:r>
+              <a:rPr lang="de-DE" dirty="0" smtClean="0"/>
+              <a:t>Umsetzung des künstlichen neuronalen Netzes</a:t>
+            </a:r>
+          </a:p>
+          <a:p>
+            <a:pPr marL="571500" indent="-571500">
+              <a:buFont typeface="+mj-lt"/>
+              <a:buAutoNum type="romanUcPeriod"/>
+            </a:pPr>
+            <a:r>
+              <a:rPr lang="de-DE" dirty="0" smtClean="0"/>
+              <a:t>Zusammenführung der Komponenten</a:t>
+            </a:r>
+          </a:p>
+          <a:p>
+            <a:pPr marL="571500" indent="-571500">
+              <a:buFont typeface="+mj-lt"/>
+              <a:buAutoNum type="romanUcPeriod"/>
+            </a:pPr>
+            <a:endParaRPr lang="de-DE" sz="100" dirty="0" smtClean="0"/>
+          </a:p>
+          <a:p>
+            <a:pPr marL="571500" indent="-571500">
+              <a:buFont typeface="+mj-lt"/>
+              <a:buAutoNum type="romanUcPeriod"/>
+            </a:pPr>
+            <a:r>
+              <a:rPr lang="de-DE" dirty="0" smtClean="0"/>
+              <a:t>Vorstellung der Anwendung</a:t>
+            </a:r>
+          </a:p>
+          <a:p>
+            <a:pPr marL="285750" indent="-285750">
+              <a:buFont typeface="+mj-lt"/>
+              <a:buAutoNum type="romanUcPeriod"/>
+            </a:pPr>
+            <a:endParaRPr lang="de-DE" sz="100" dirty="0" smtClean="0"/>
+          </a:p>
+          <a:p>
+            <a:pPr marL="571500" indent="-571500">
+              <a:buFont typeface="+mj-lt"/>
+              <a:buAutoNum type="romanUcPeriod"/>
+            </a:pPr>
+            <a:r>
+              <a:rPr lang="de-DE" dirty="0" smtClean="0"/>
+              <a:t>Analyse</a:t>
+            </a:r>
+          </a:p>
+          <a:p>
+            <a:pPr marL="0" indent="0">
+              <a:buNone/>
+            </a:pPr>
+            <a:endParaRPr lang="de-DE" sz="100" dirty="0" smtClean="0"/>
+          </a:p>
+          <a:p>
+            <a:pPr marL="571500" indent="-571500">
+              <a:buFont typeface="+mj-lt"/>
+              <a:buAutoNum type="romanUcPeriod" startAt="9"/>
+            </a:pPr>
+            <a:r>
+              <a:rPr lang="de-DE" b="1" dirty="0" smtClean="0"/>
+              <a:t>Fazit</a:t>
+            </a:r>
+          </a:p>
+          <a:p>
+            <a:pPr marL="571500" indent="-571500">
+              <a:buFont typeface="+mj-lt"/>
+              <a:buAutoNum type="romanUcPeriod" startAt="9"/>
+            </a:pPr>
+            <a:endParaRPr lang="de-DE" dirty="0"/>
+          </a:p>
+        </p:txBody>
+      </p:sp>
+      <p:pic>
+        <p:nvPicPr>
+          <p:cNvPr id="9" name="Inhaltsplatzhalter 6"/>
+          <p:cNvPicPr>
+            <a:picLocks noChangeAspect="1"/>
+          </p:cNvPicPr>
+          <p:nvPr/>
+        </p:nvPicPr>
+        <p:blipFill>
+          <a:blip r:embed="rId2">
+            <a:duotone>
+              <a:schemeClr val="bg2">
+                <a:shade val="45000"/>
+                <a:satMod val="135000"/>
+              </a:schemeClr>
+              <a:prstClr val="white"/>
+            </a:duotone>
+            <a:extLst>
+              <a:ext uri="{28A0092B-C50C-407E-A947-70E740481C1C}">
+                <a14:useLocalDpi xmlns:a14="http://schemas.microsoft.com/office/drawing/2010/main" val="0"/>
+              </a:ext>
+            </a:extLst>
+          </a:blip>
+          <a:stretch>
+            <a:fillRect/>
+          </a:stretch>
+        </p:blipFill>
+        <p:spPr>
+          <a:xfrm>
+            <a:off x="8566434" y="365125"/>
+            <a:ext cx="3250865" cy="2589856"/>
+          </a:xfrm>
+          <a:prstGeom prst="rect">
+            <a:avLst/>
+          </a:prstGeom>
+        </p:spPr>
+      </p:pic>
+    </p:spTree>
+    <p:extLst>
+      <p:ext uri="{BB962C8B-B14F-4D97-AF65-F5344CB8AC3E}">
+        <p14:creationId xmlns:p14="http://schemas.microsoft.com/office/powerpoint/2010/main" val="1459782202"/>
+      </p:ext>
+    </p:extLst>
+  </p:cSld>
+  <p:clrMapOvr>
+    <a:masterClrMapping/>
+  </p:clrMapOvr>
+  <p:timing>
+    <p:tnLst>
+      <p:par>
+        <p:cTn id="1" dur="indefinite" restart="never" nodeType="tmRoot"/>
+      </p:par>
+    </p:tnLst>
+  </p:timing>
+</p:sld>
+</file>
+
+<file path=ppt/slides/slide2.xml><?xml version="1.0" encoding="utf-8"?>
+<p:sld xmlns:a="http://schemas.openxmlformats.org/drawingml/2006/main" xmlns:r="http://schemas.openxmlformats.org/officeDocument/2006/relationships" xmlns:p="http://schemas.openxmlformats.org/presentationml/2006/main">
+  <p:cSld>
+    <p:spTree>
+      <p:nvGrpSpPr>
+        <p:cNvPr id="1" name=""/>
+        <p:cNvGrpSpPr/>
+        <p:nvPr/>
+      </p:nvGrpSpPr>
+      <p:grpSpPr>
+        <a:xfrm>
+          <a:off x="0" y="0"/>
+          <a:ext cx="0" cy="0"/>
+          <a:chOff x="0" y="0"/>
+          <a:chExt cx="0" cy="0"/>
+        </a:xfrm>
+      </p:grpSpPr>
+      <p:sp>
+        <p:nvSpPr>
+          <p:cNvPr id="2" name="Titel 1"/>
+          <p:cNvSpPr>
+            <a:spLocks noGrp="1"/>
+          </p:cNvSpPr>
+          <p:nvPr>
+            <p:ph type="title"/>
+          </p:nvPr>
+        </p:nvSpPr>
+        <p:spPr/>
+        <p:txBody>
+          <a:bodyPr/>
+          <a:lstStyle/>
+          <a:p>
+            <a:r>
+              <a:rPr lang="de-DE" b="1" dirty="0" smtClean="0"/>
+              <a:t>Inhaltsverzeichnis</a:t>
+            </a:r>
+            <a:endParaRPr lang="de-DE" b="1" dirty="0"/>
+          </a:p>
+        </p:txBody>
+      </p:sp>
+      <p:sp>
+        <p:nvSpPr>
+          <p:cNvPr id="4" name="Datumsplatzhalter 3"/>
+          <p:cNvSpPr>
+            <a:spLocks noGrp="1"/>
+          </p:cNvSpPr>
+          <p:nvPr>
+            <p:ph type="dt" sz="half" idx="10"/>
+          </p:nvPr>
+        </p:nvSpPr>
+        <p:spPr/>
+        <p:txBody>
+          <a:bodyPr/>
+          <a:lstStyle/>
+          <a:p>
+            <a:fld id="{7AC709DD-AC18-4FBA-B4E6-46DED743653E}" type="datetime1">
+              <a:rPr lang="de-DE" smtClean="0"/>
+              <a:t>25.11.2015</a:t>
+            </a:fld>
+            <a:endParaRPr lang="de-DE"/>
+          </a:p>
+        </p:txBody>
+      </p:sp>
+      <p:sp>
+        <p:nvSpPr>
+          <p:cNvPr id="5" name="Fußzeilenplatzhalter 4"/>
+          <p:cNvSpPr>
+            <a:spLocks noGrp="1"/>
+          </p:cNvSpPr>
+          <p:nvPr>
+            <p:ph type="ftr" sz="quarter" idx="11"/>
+          </p:nvPr>
+        </p:nvSpPr>
+        <p:spPr/>
+        <p:txBody>
+          <a:bodyPr/>
+          <a:lstStyle/>
+          <a:p>
+            <a:r>
+              <a:rPr lang="de-DE" dirty="0" smtClean="0"/>
+              <a:t>Fakultät Informatik             Sebastian Schötteler &amp; Benedikt Hofrichter</a:t>
+            </a:r>
+            <a:endParaRPr lang="de-DE" dirty="0"/>
+          </a:p>
+        </p:txBody>
+      </p:sp>
+      <p:sp>
+        <p:nvSpPr>
+          <p:cNvPr id="6" name="Foliennummernplatzhalter 5"/>
+          <p:cNvSpPr>
+            <a:spLocks noGrp="1"/>
+          </p:cNvSpPr>
+          <p:nvPr>
+            <p:ph type="sldNum" sz="quarter" idx="12"/>
+          </p:nvPr>
+        </p:nvSpPr>
+        <p:spPr/>
+        <p:txBody>
+          <a:bodyPr/>
+          <a:lstStyle/>
+          <a:p>
+            <a:fld id="{0E226D3C-400E-4353-AAC2-09A0472DC536}" type="slidenum">
+              <a:rPr lang="de-DE" smtClean="0"/>
+              <a:t>1</a:t>
+            </a:fld>
+            <a:endParaRPr lang="de-DE" dirty="0"/>
+          </a:p>
+        </p:txBody>
+      </p:sp>
+      <p:sp>
+        <p:nvSpPr>
+          <p:cNvPr id="8" name="Inhaltsplatzhalter 7"/>
+          <p:cNvSpPr>
+            <a:spLocks noGrp="1"/>
+          </p:cNvSpPr>
+          <p:nvPr>
+            <p:ph idx="1"/>
+          </p:nvPr>
+        </p:nvSpPr>
+        <p:spPr/>
+        <p:txBody>
+          <a:bodyPr>
+            <a:normAutofit fontScale="92500" lnSpcReduction="20000"/>
+          </a:bodyPr>
+          <a:lstStyle/>
+          <a:p>
+            <a:pPr marL="571500" indent="-571500">
+              <a:buFont typeface="+mj-lt"/>
+              <a:buAutoNum type="romanUcPeriod"/>
+            </a:pPr>
+            <a:r>
+              <a:rPr lang="de-DE" dirty="0" smtClean="0"/>
+              <a:t>Motivation</a:t>
+            </a:r>
+          </a:p>
+          <a:p>
+            <a:pPr marL="285750" indent="-285750">
+              <a:buFont typeface="+mj-lt"/>
+              <a:buAutoNum type="romanUcPeriod"/>
+            </a:pPr>
+            <a:endParaRPr lang="de-DE" sz="100" dirty="0" smtClean="0"/>
+          </a:p>
+          <a:p>
+            <a:pPr marL="571500" indent="-571500">
+              <a:buFont typeface="+mj-lt"/>
+              <a:buAutoNum type="romanUcPeriod"/>
+            </a:pPr>
+            <a:r>
+              <a:rPr lang="de-DE" dirty="0" smtClean="0"/>
+              <a:t>Konzeption der Anwendung</a:t>
+            </a:r>
+          </a:p>
+          <a:p>
+            <a:pPr marL="571500" indent="-571500">
+              <a:buFont typeface="+mj-lt"/>
+              <a:buAutoNum type="romanUcPeriod"/>
+            </a:pPr>
+            <a:r>
+              <a:rPr lang="de-DE" dirty="0" smtClean="0"/>
+              <a:t>Konzeption des künstlichen neuronalen Netzes</a:t>
+            </a:r>
+          </a:p>
+          <a:p>
+            <a:pPr marL="285750" indent="-285750">
+              <a:buFont typeface="+mj-lt"/>
+              <a:buAutoNum type="romanUcPeriod"/>
+            </a:pPr>
+            <a:endParaRPr lang="de-DE" sz="100" dirty="0" smtClean="0"/>
+          </a:p>
+          <a:p>
+            <a:pPr marL="571500" indent="-571500">
+              <a:buFont typeface="+mj-lt"/>
+              <a:buAutoNum type="romanUcPeriod"/>
+            </a:pPr>
+            <a:r>
+              <a:rPr lang="de-DE" dirty="0" smtClean="0"/>
+              <a:t>Umsetzung der Anwendung</a:t>
+            </a:r>
+          </a:p>
+          <a:p>
+            <a:pPr marL="571500" indent="-571500">
+              <a:buFont typeface="+mj-lt"/>
+              <a:buAutoNum type="romanUcPeriod"/>
+            </a:pPr>
+            <a:r>
+              <a:rPr lang="de-DE" dirty="0" smtClean="0"/>
+              <a:t>Umsetzung des künstlichen neuronalen Netzes</a:t>
+            </a:r>
+          </a:p>
+          <a:p>
+            <a:pPr marL="571500" indent="-571500">
+              <a:buFont typeface="+mj-lt"/>
+              <a:buAutoNum type="romanUcPeriod"/>
+            </a:pPr>
+            <a:r>
+              <a:rPr lang="de-DE" dirty="0" smtClean="0"/>
+              <a:t>Zusammenführung der Komponenten</a:t>
+            </a:r>
+          </a:p>
+          <a:p>
+            <a:pPr marL="571500" indent="-571500">
+              <a:buFont typeface="+mj-lt"/>
+              <a:buAutoNum type="romanUcPeriod"/>
+            </a:pPr>
+            <a:endParaRPr lang="de-DE" sz="100" dirty="0" smtClean="0"/>
+          </a:p>
+          <a:p>
+            <a:pPr marL="571500" indent="-571500">
+              <a:buFont typeface="+mj-lt"/>
+              <a:buAutoNum type="romanUcPeriod"/>
+            </a:pPr>
+            <a:r>
+              <a:rPr lang="de-DE" dirty="0" smtClean="0"/>
+              <a:t>Vorstellung der Anwendung</a:t>
+            </a:r>
+          </a:p>
+          <a:p>
+            <a:pPr marL="285750" indent="-285750">
+              <a:buFont typeface="+mj-lt"/>
+              <a:buAutoNum type="romanUcPeriod"/>
+            </a:pPr>
+            <a:endParaRPr lang="de-DE" sz="100" dirty="0" smtClean="0"/>
+          </a:p>
+          <a:p>
+            <a:pPr marL="571500" indent="-571500">
+              <a:buFont typeface="+mj-lt"/>
+              <a:buAutoNum type="romanUcPeriod"/>
+            </a:pPr>
+            <a:r>
+              <a:rPr lang="de-DE" dirty="0" smtClean="0"/>
+              <a:t>Analyse</a:t>
+            </a:r>
+          </a:p>
+          <a:p>
+            <a:pPr marL="0" indent="0">
+              <a:buNone/>
+            </a:pPr>
+            <a:endParaRPr lang="de-DE" sz="100" dirty="0" smtClean="0"/>
+          </a:p>
+          <a:p>
+            <a:pPr marL="571500" indent="-571500">
+              <a:buFont typeface="+mj-lt"/>
+              <a:buAutoNum type="romanUcPeriod" startAt="9"/>
+            </a:pPr>
+            <a:r>
+              <a:rPr lang="de-DE" dirty="0" smtClean="0"/>
+              <a:t>Fazit</a:t>
+            </a:r>
+          </a:p>
+          <a:p>
+            <a:pPr marL="571500" indent="-571500">
+              <a:buFont typeface="+mj-lt"/>
+              <a:buAutoNum type="romanUcPeriod" startAt="9"/>
+            </a:pPr>
+            <a:endParaRPr lang="de-DE" dirty="0"/>
+          </a:p>
+        </p:txBody>
+      </p:sp>
+      <p:pic>
+        <p:nvPicPr>
+          <p:cNvPr id="9" name="Inhaltsplatzhalter 6"/>
+          <p:cNvPicPr>
+            <a:picLocks noChangeAspect="1"/>
+          </p:cNvPicPr>
+          <p:nvPr/>
+        </p:nvPicPr>
+        <p:blipFill>
+          <a:blip r:embed="rId2">
+            <a:duotone>
+              <a:schemeClr val="bg2">
+                <a:shade val="45000"/>
+                <a:satMod val="135000"/>
+              </a:schemeClr>
+              <a:prstClr val="white"/>
+            </a:duotone>
+            <a:extLst>
+              <a:ext uri="{28A0092B-C50C-407E-A947-70E740481C1C}">
+                <a14:useLocalDpi xmlns:a14="http://schemas.microsoft.com/office/drawing/2010/main" val="0"/>
+              </a:ext>
+            </a:extLst>
+          </a:blip>
+          <a:stretch>
+            <a:fillRect/>
+          </a:stretch>
+        </p:blipFill>
+        <p:spPr>
+          <a:xfrm>
+            <a:off x="8566434" y="365125"/>
+            <a:ext cx="3250865" cy="2589856"/>
+          </a:xfrm>
+          <a:prstGeom prst="rect">
+            <a:avLst/>
+          </a:prstGeom>
+        </p:spPr>
+      </p:pic>
+    </p:spTree>
+    <p:extLst>
+      <p:ext uri="{BB962C8B-B14F-4D97-AF65-F5344CB8AC3E}">
+        <p14:creationId xmlns:p14="http://schemas.microsoft.com/office/powerpoint/2010/main" val="420869904"/>
+      </p:ext>
+    </p:extLst>
+  </p:cSld>
+  <p:clrMapOvr>
+    <a:masterClrMapping/>
+  </p:clrMapOvr>
+  <p:timing>
+    <p:tnLst>
+      <p:par>
+        <p:cTn id="1" dur="indefinite" restart="never" nodeType="tmRoot"/>
+      </p:par>
+    </p:tnLst>
+  </p:timing>
+</p:sld>
+</file>
+
+<file path=ppt/slides/slide20.xml><?xml version="1.0" encoding="utf-8"?>
+<p:sld xmlns:a="http://schemas.openxmlformats.org/drawingml/2006/main" xmlns:r="http://schemas.openxmlformats.org/officeDocument/2006/relationships" xmlns:p="http://schemas.openxmlformats.org/presentationml/2006/main">
+  <p:cSld>
+    <p:spTree>
+      <p:nvGrpSpPr>
+        <p:cNvPr id="1" name=""/>
+        <p:cNvGrpSpPr/>
+        <p:nvPr/>
+      </p:nvGrpSpPr>
+      <p:grpSpPr>
+        <a:xfrm>
+          <a:off x="0" y="0"/>
+          <a:ext cx="0" cy="0"/>
+          <a:chOff x="0" y="0"/>
+          <a:chExt cx="0" cy="0"/>
+        </a:xfrm>
+      </p:grpSpPr>
+      <p:sp>
+        <p:nvSpPr>
+          <p:cNvPr id="2" name="Titel 1"/>
+          <p:cNvSpPr>
+            <a:spLocks noGrp="1"/>
+          </p:cNvSpPr>
+          <p:nvPr>
+            <p:ph type="title"/>
+          </p:nvPr>
+        </p:nvSpPr>
+        <p:spPr/>
+        <p:txBody>
+          <a:bodyPr/>
+          <a:lstStyle/>
+          <a:p>
+            <a:pPr marL="857250" indent="-857250">
+              <a:buFont typeface="+mj-lt"/>
+              <a:buAutoNum type="romanUcPeriod" startAt="9"/>
+            </a:pPr>
+            <a:r>
+              <a:rPr lang="de-DE" b="1" dirty="0" smtClean="0"/>
+              <a:t>Fazit</a:t>
+            </a:r>
+            <a:endParaRPr lang="de-DE" b="1" dirty="0"/>
+          </a:p>
+        </p:txBody>
+      </p:sp>
+      <p:sp>
+        <p:nvSpPr>
+          <p:cNvPr id="3" name="Inhaltsplatzhalter 2"/>
+          <p:cNvSpPr>
+            <a:spLocks noGrp="1"/>
+          </p:cNvSpPr>
+          <p:nvPr>
+            <p:ph idx="1"/>
+          </p:nvPr>
+        </p:nvSpPr>
+        <p:spPr/>
+        <p:txBody>
+          <a:bodyPr/>
+          <a:lstStyle/>
+          <a:p>
+            <a:endParaRPr lang="de-DE"/>
+          </a:p>
+        </p:txBody>
+      </p:sp>
+      <p:sp>
+        <p:nvSpPr>
+          <p:cNvPr id="4" name="Datumsplatzhalter 3"/>
+          <p:cNvSpPr>
+            <a:spLocks noGrp="1"/>
+          </p:cNvSpPr>
+          <p:nvPr>
+            <p:ph type="dt" sz="half" idx="10"/>
+          </p:nvPr>
+        </p:nvSpPr>
+        <p:spPr/>
+        <p:txBody>
+          <a:bodyPr/>
+          <a:lstStyle/>
+          <a:p>
+            <a:fld id="{7AC709DD-AC18-4FBA-B4E6-46DED743653E}" type="datetime1">
+              <a:rPr lang="de-DE" smtClean="0"/>
+              <a:t>25.11.2015</a:t>
+            </a:fld>
+            <a:endParaRPr lang="de-DE"/>
+          </a:p>
+        </p:txBody>
+      </p:sp>
+      <p:sp>
+        <p:nvSpPr>
+          <p:cNvPr id="5" name="Fußzeilenplatzhalter 4"/>
+          <p:cNvSpPr>
+            <a:spLocks noGrp="1"/>
+          </p:cNvSpPr>
+          <p:nvPr>
+            <p:ph type="ftr" sz="quarter" idx="11"/>
+          </p:nvPr>
+        </p:nvSpPr>
+        <p:spPr/>
+        <p:txBody>
+          <a:bodyPr/>
+          <a:lstStyle/>
+          <a:p>
+            <a:r>
+              <a:rPr lang="de-DE" smtClean="0"/>
+              <a:t>Fakultät Informatik             Sebastian Schötteler &amp; Benedikt Hofrichter</a:t>
+            </a:r>
+            <a:endParaRPr lang="de-DE" dirty="0"/>
+          </a:p>
+        </p:txBody>
+      </p:sp>
+      <p:sp>
+        <p:nvSpPr>
+          <p:cNvPr id="6" name="Foliennummernplatzhalter 5"/>
+          <p:cNvSpPr>
+            <a:spLocks noGrp="1"/>
+          </p:cNvSpPr>
+          <p:nvPr>
+            <p:ph type="sldNum" sz="quarter" idx="12"/>
+          </p:nvPr>
+        </p:nvSpPr>
+        <p:spPr/>
+        <p:txBody>
+          <a:bodyPr/>
+          <a:lstStyle/>
+          <a:p>
+            <a:fld id="{0E226D3C-400E-4353-AAC2-09A0472DC536}" type="slidenum">
+              <a:rPr lang="de-DE" smtClean="0"/>
+              <a:t>19</a:t>
+            </a:fld>
+            <a:endParaRPr lang="de-DE" dirty="0"/>
+          </a:p>
+        </p:txBody>
+      </p:sp>
+    </p:spTree>
+    <p:extLst>
+      <p:ext uri="{BB962C8B-B14F-4D97-AF65-F5344CB8AC3E}">
+        <p14:creationId xmlns:p14="http://schemas.microsoft.com/office/powerpoint/2010/main" val="3854880417"/>
+      </p:ext>
+    </p:extLst>
+  </p:cSld>
+  <p:clrMapOvr>
+    <a:masterClrMapping/>
+  </p:clrMapOvr>
+  <p:timing>
+    <p:tnLst>
+      <p:par>
+        <p:cTn id="1" dur="indefinite" restart="never" nodeType="tmRoot"/>
+      </p:par>
+    </p:tnLst>
+  </p:timing>
+</p:sld>
+</file>
+
+<file path=ppt/slides/slide21.xml><?xml version="1.0" encoding="utf-8"?>
+<p:sld xmlns:a="http://schemas.openxmlformats.org/drawingml/2006/main" xmlns:r="http://schemas.openxmlformats.org/officeDocument/2006/relationships" xmlns:p="http://schemas.openxmlformats.org/presentationml/2006/main">
+  <p:cSld>
+    <p:spTree>
+      <p:nvGrpSpPr>
+        <p:cNvPr id="1" name=""/>
+        <p:cNvGrpSpPr/>
+        <p:nvPr/>
+      </p:nvGrpSpPr>
+      <p:grpSpPr>
+        <a:xfrm>
+          <a:off x="0" y="0"/>
+          <a:ext cx="0" cy="0"/>
+          <a:chOff x="0" y="0"/>
+          <a:chExt cx="0" cy="0"/>
+        </a:xfrm>
+      </p:grpSpPr>
+      <p:sp>
+        <p:nvSpPr>
           <p:cNvPr id="2" name="Titel 1"/>
           <p:cNvSpPr>
             <a:spLocks noGrp="1"/>
@@ -5750,7 +6483,7 @@
           <a:p>
             <a:fld id="{0E226D3C-400E-4353-AAC2-09A0472DC536}" type="slidenum">
               <a:rPr lang="de-DE" smtClean="0"/>
-              <a:t>18</a:t>
+              <a:t>20</a:t>
             </a:fld>
             <a:endParaRPr lang="de-DE" dirty="0"/>
           </a:p>
@@ -5813,7 +6546,7 @@
 </p:sld>
 </file>
 
-<file path=ppt/slides/slide2.xml><?xml version="1.0" encoding="utf-8"?>
+<file path=ppt/slides/slide3.xml><?xml version="1.0" encoding="utf-8"?>
 <p:sld xmlns:a="http://schemas.openxmlformats.org/drawingml/2006/main" xmlns:r="http://schemas.openxmlformats.org/officeDocument/2006/relationships" xmlns:p="http://schemas.openxmlformats.org/presentationml/2006/main">
   <p:cSld>
     <p:spTree>
@@ -5832,29 +6565,6 @@
       </p:grpSpPr>
       <p:sp>
         <p:nvSpPr>
-          <p:cNvPr id="2" name="Titel 1"/>
-          <p:cNvSpPr>
-            <a:spLocks noGrp="1"/>
-          </p:cNvSpPr>
-          <p:nvPr>
-            <p:ph type="title"/>
-          </p:nvPr>
-        </p:nvSpPr>
-        <p:spPr/>
-        <p:txBody>
-          <a:bodyPr/>
-          <a:lstStyle/>
-          <a:p>
-            <a:r>
-              <a:rPr lang="de-DE" b="1" dirty="0" smtClean="0"/>
-              <a:t>Inhaltsverzeichnis</a:t>
-            </a:r>
-            <a:endParaRPr lang="de-DE" b="1" dirty="0"/>
-          </a:p>
-        </p:txBody>
-      </p:sp>
-      <p:sp>
-        <p:nvSpPr>
           <p:cNvPr id="4" name="Datumsplatzhalter 3"/>
           <p:cNvSpPr>
             <a:spLocks noGrp="1"/>
@@ -5916,7 +6626,7 @@
           <a:p>
             <a:fld id="{0E226D3C-400E-4353-AAC2-09A0472DC536}" type="slidenum">
               <a:rPr lang="de-DE" smtClean="0"/>
-              <a:t>1</a:t>
+              <a:t>2</a:t>
             </a:fld>
             <a:endParaRPr lang="de-DE" dirty="0"/>
           </a:p>
@@ -5935,7 +6645,7 @@
         <p:spPr/>
         <p:txBody>
           <a:bodyPr>
-            <a:normAutofit fontScale="92500" lnSpcReduction="10000"/>
+            <a:normAutofit fontScale="92500" lnSpcReduction="20000"/>
           </a:bodyPr>
           <a:lstStyle/>
           <a:p>
@@ -5944,7 +6654,7 @@
               <a:buAutoNum type="romanUcPeriod"/>
             </a:pPr>
             <a:r>
-              <a:rPr lang="de-DE" dirty="0" smtClean="0"/>
+              <a:rPr lang="de-DE" b="1" dirty="0" smtClean="0"/>
               <a:t>Motivation</a:t>
             </a:r>
           </a:p>
@@ -6003,6 +6713,33 @@
             </a:r>
           </a:p>
           <a:p>
+            <a:pPr marL="571500" indent="-571500">
+              <a:buFont typeface="+mj-lt"/>
+              <a:buAutoNum type="romanUcPeriod"/>
+            </a:pPr>
+            <a:r>
+              <a:rPr lang="de-DE" dirty="0" smtClean="0"/>
+              <a:t>Zusammenführung der Komponenten</a:t>
+            </a:r>
+          </a:p>
+          <a:p>
+            <a:pPr marL="571500" indent="-571500">
+              <a:buFont typeface="+mj-lt"/>
+              <a:buAutoNum type="romanUcPeriod"/>
+            </a:pPr>
+            <a:endParaRPr lang="de-DE" sz="100" dirty="0" smtClean="0"/>
+          </a:p>
+          <a:p>
+            <a:pPr marL="571500" indent="-571500">
+              <a:buFont typeface="+mj-lt"/>
+              <a:buAutoNum type="romanUcPeriod"/>
+            </a:pPr>
+            <a:r>
+              <a:rPr lang="de-DE" dirty="0" smtClean="0"/>
+              <a:t>Vorstellung der Anwendung</a:t>
+            </a:r>
+          </a:p>
+          <a:p>
             <a:pPr marL="285750" indent="-285750">
               <a:buFont typeface="+mj-lt"/>
               <a:buAutoNum type="romanUcPeriod"/>
@@ -6016,30 +6753,19 @@
             </a:pPr>
             <a:r>
               <a:rPr lang="de-DE" dirty="0" smtClean="0"/>
-              <a:t>Zusammenführung der Komponenten</a:t>
-            </a:r>
-          </a:p>
-          <a:p>
-            <a:pPr marL="285750" indent="-285750">
-              <a:buFont typeface="+mj-lt"/>
-              <a:buAutoNum type="romanUcPeriod"/>
+              <a:t>Analyse</a:t>
+            </a:r>
+          </a:p>
+          <a:p>
+            <a:pPr marL="0" indent="0">
+              <a:buNone/>
             </a:pPr>
             <a:endParaRPr lang="de-DE" sz="100" dirty="0" smtClean="0"/>
           </a:p>
           <a:p>
             <a:pPr marL="571500" indent="-571500">
               <a:buFont typeface="+mj-lt"/>
-              <a:buAutoNum type="romanUcPeriod"/>
-            </a:pPr>
-            <a:r>
-              <a:rPr lang="de-DE" dirty="0" smtClean="0"/>
-              <a:t>Analyse</a:t>
-            </a:r>
-          </a:p>
-          <a:p>
-            <a:pPr marL="571500" indent="-571500">
-              <a:buFont typeface="+mj-lt"/>
-              <a:buAutoNum type="romanUcPeriod"/>
+              <a:buAutoNum type="romanUcPeriod" startAt="9"/>
             </a:pPr>
             <a:r>
               <a:rPr lang="de-DE" dirty="0" smtClean="0"/>
@@ -6049,7 +6775,7 @@
           <a:p>
             <a:pPr marL="571500" indent="-571500">
               <a:buFont typeface="+mj-lt"/>
-              <a:buAutoNum type="romanUcPeriod"/>
+              <a:buAutoNum type="romanUcPeriod" startAt="9"/>
             </a:pPr>
             <a:endParaRPr lang="de-DE" dirty="0"/>
           </a:p>
@@ -6095,7 +6821,7 @@
     </p:spTree>
     <p:extLst>
       <p:ext uri="{BB962C8B-B14F-4D97-AF65-F5344CB8AC3E}">
-        <p14:creationId xmlns:p14="http://schemas.microsoft.com/office/powerpoint/2010/main" val="420869904"/>
+        <p14:creationId xmlns:p14="http://schemas.microsoft.com/office/powerpoint/2010/main" val="1827760998"/>
       </p:ext>
     </p:extLst>
   </p:cSld>
@@ -6112,7 +6838,7 @@
 </p:sld>
 </file>
 
-<file path=ppt/slides/slide3.xml><?xml version="1.0" encoding="utf-8"?>
+<file path=ppt/slides/slide4.xml><?xml version="1.0" encoding="utf-8"?>
 <p:sld xmlns:a="http://schemas.openxmlformats.org/drawingml/2006/main" xmlns:r="http://schemas.openxmlformats.org/officeDocument/2006/relationships" xmlns:p="http://schemas.openxmlformats.org/presentationml/2006/main">
   <p:cSld>
     <p:spTree>
@@ -6144,11 +6870,40 @@
           <a:bodyPr/>
           <a:lstStyle/>
           <a:p>
+            <a:pPr marL="857250" indent="-857250">
+              <a:buFont typeface="+mj-lt"/>
+              <a:buAutoNum type="romanUcPeriod"/>
+            </a:pPr>
             <a:r>
               <a:rPr lang="de-DE" b="1" dirty="0" smtClean="0"/>
-              <a:t>Inhaltsverzeichnis</a:t>
+              <a:t>Motivation</a:t>
             </a:r>
             <a:endParaRPr lang="de-DE" b="1" dirty="0"/>
+          </a:p>
+        </p:txBody>
+      </p:sp>
+      <p:sp>
+        <p:nvSpPr>
+          <p:cNvPr id="3" name="Inhaltsplatzhalter 2"/>
+          <p:cNvSpPr>
+            <a:spLocks noGrp="1"/>
+          </p:cNvSpPr>
+          <p:nvPr>
+            <p:ph idx="1"/>
+          </p:nvPr>
+        </p:nvSpPr>
+        <p:spPr/>
+        <p:txBody>
+          <a:bodyPr>
+            <a:normAutofit/>
+          </a:bodyPr>
+          <a:lstStyle/>
+          <a:p>
+            <a:pPr>
+              <a:buFont typeface="Wingdings" panose="05000000000000000000" pitchFamily="2" charset="2"/>
+              <a:buChar char="§"/>
+            </a:pPr>
+            <a:endParaRPr lang="de-DE" sz="2400" dirty="0"/>
           </a:p>
         </p:txBody>
       </p:sp>
@@ -6191,7 +6946,7 @@
           <a:lstStyle/>
           <a:p>
             <a:r>
-              <a:rPr lang="de-DE" dirty="0" smtClean="0"/>
+              <a:rPr lang="de-DE" smtClean="0"/>
               <a:t>Fakultät Informatik             Sebastian Schötteler &amp; Benedikt Hofrichter</a:t>
             </a:r>
             <a:endParaRPr lang="de-DE" dirty="0"/>
@@ -6215,12 +6970,118 @@
           <a:p>
             <a:fld id="{0E226D3C-400E-4353-AAC2-09A0472DC536}" type="slidenum">
               <a:rPr lang="de-DE" smtClean="0"/>
-              <a:t>2</a:t>
+              <a:t>3</a:t>
             </a:fld>
             <a:endParaRPr lang="de-DE" dirty="0"/>
           </a:p>
         </p:txBody>
       </p:sp>
+    </p:spTree>
+    <p:extLst>
+      <p:ext uri="{BB962C8B-B14F-4D97-AF65-F5344CB8AC3E}">
+        <p14:creationId xmlns:p14="http://schemas.microsoft.com/office/powerpoint/2010/main" val="3880735644"/>
+      </p:ext>
+    </p:extLst>
+  </p:cSld>
+  <p:clrMapOvr>
+    <a:masterClrMapping/>
+  </p:clrMapOvr>
+  <p:timing>
+    <p:tnLst>
+      <p:par>
+        <p:cTn id="1" dur="indefinite" restart="never" nodeType="tmRoot"/>
+      </p:par>
+    </p:tnLst>
+  </p:timing>
+</p:sld>
+</file>
+
+<file path=ppt/slides/slide5.xml><?xml version="1.0" encoding="utf-8"?>
+<p:sld xmlns:a="http://schemas.openxmlformats.org/drawingml/2006/main" xmlns:r="http://schemas.openxmlformats.org/officeDocument/2006/relationships" xmlns:p="http://schemas.openxmlformats.org/presentationml/2006/main">
+  <p:cSld>
+    <p:spTree>
+      <p:nvGrpSpPr>
+        <p:cNvPr id="1" name=""/>
+        <p:cNvGrpSpPr/>
+        <p:nvPr/>
+      </p:nvGrpSpPr>
+      <p:grpSpPr>
+        <a:xfrm>
+          <a:off x="0" y="0"/>
+          <a:ext cx="0" cy="0"/>
+          <a:chOff x="0" y="0"/>
+          <a:chExt cx="0" cy="0"/>
+        </a:xfrm>
+      </p:grpSpPr>
+      <p:sp>
+        <p:nvSpPr>
+          <p:cNvPr id="4" name="Datumsplatzhalter 3"/>
+          <p:cNvSpPr>
+            <a:spLocks noGrp="1"/>
+          </p:cNvSpPr>
+          <p:nvPr>
+            <p:ph type="dt" sz="half" idx="10"/>
+          </p:nvPr>
+        </p:nvSpPr>
+        <p:spPr/>
+        <p:txBody>
+          <a:bodyPr/>
+          <a:lstStyle/>
+          <a:p>
+            <a:fld id="{7AC709DD-AC18-4FBA-B4E6-46DED743653E}" type="datetime1">
+              <a:rPr lang="de-DE" smtClean="0"/>
+              <a:t>25.11.2015</a:t>
+            </a:fld>
+            <a:endParaRPr lang="de-DE"/>
+          </a:p>
+        </p:txBody>
+      </p:sp>
+      <p:sp>
+        <p:nvSpPr>
+          <p:cNvPr id="5" name="Fußzeilenplatzhalter 4"/>
+          <p:cNvSpPr>
+            <a:spLocks noGrp="1"/>
+          </p:cNvSpPr>
+          <p:nvPr>
+            <p:ph type="ftr" sz="quarter" idx="11"/>
+          </p:nvPr>
+        </p:nvSpPr>
+        <p:spPr/>
+        <p:txBody>
+          <a:bodyPr/>
+          <a:lstStyle/>
+          <a:p>
+            <a:r>
+              <a:rPr lang="de-DE" dirty="0" smtClean="0"/>
+              <a:t>Fakultät Informatik             Sebastian Schötteler &amp; Benedikt Hofrichter</a:t>
+            </a:r>
+            <a:endParaRPr lang="de-DE" dirty="0"/>
+          </a:p>
+        </p:txBody>
+      </p:sp>
+      <p:sp>
+        <p:nvSpPr>
+          <p:cNvPr id="6" name="Foliennummernplatzhalter 5"/>
+          <p:cNvSpPr>
+            <a:spLocks noGrp="1"/>
+          </p:cNvSpPr>
+          <p:nvPr>
+            <p:ph type="sldNum" sz="quarter" idx="12"/>
+          </p:nvPr>
+        </p:nvSpPr>
+        <p:spPr/>
+        <p:txBody>
+          <a:bodyPr/>
+          <a:lstStyle/>
+          <a:p>
+            <a:fld id="{0E226D3C-400E-4353-AAC2-09A0472DC536}" type="slidenum">
+              <a:rPr lang="de-DE" smtClean="0"/>
+              <a:t>4</a:t>
+            </a:fld>
+            <a:endParaRPr lang="de-DE" dirty="0"/>
+          </a:p>
+        </p:txBody>
+      </p:sp>
       <p:sp>
         <p:nvSpPr>
           <p:cNvPr id="8" name="Inhaltsplatzhalter 7"/>
@@ -6234,7 +7095,7 @@
         <p:spPr/>
         <p:txBody>
           <a:bodyPr>
-            <a:normAutofit fontScale="92500" lnSpcReduction="10000"/>
+            <a:normAutofit fontScale="92500" lnSpcReduction="20000"/>
           </a:bodyPr>
           <a:lstStyle/>
           <a:p>
@@ -6243,8 +7104,35 @@
               <a:buAutoNum type="romanUcPeriod"/>
             </a:pPr>
             <a:r>
+              <a:rPr lang="de-DE" dirty="0" smtClean="0"/>
+              <a:t>Motivation</a:t>
+            </a:r>
+          </a:p>
+          <a:p>
+            <a:pPr marL="285750" indent="-285750">
+              <a:buFont typeface="+mj-lt"/>
+              <a:buAutoNum type="romanUcPeriod"/>
+            </a:pPr>
+            <a:endParaRPr lang="de-DE" sz="100" dirty="0" smtClean="0"/>
+          </a:p>
+          <a:p>
+            <a:pPr marL="571500" indent="-571500">
+              <a:buFont typeface="+mj-lt"/>
+              <a:buAutoNum type="romanUcPeriod"/>
+            </a:pPr>
+            <a:r>
               <a:rPr lang="de-DE" b="1" dirty="0" smtClean="0"/>
-              <a:t>Motivation</a:t>
+              <a:t>Konzeption der Anwendung</a:t>
+            </a:r>
+          </a:p>
+          <a:p>
+            <a:pPr marL="571500" indent="-571500">
+              <a:buFont typeface="+mj-lt"/>
+              <a:buAutoNum type="romanUcPeriod"/>
+            </a:pPr>
+            <a:r>
+              <a:rPr lang="de-DE" dirty="0" smtClean="0"/>
+              <a:t>Konzeption des künstlichen neuronalen Netzes</a:t>
             </a:r>
           </a:p>
           <a:p>
@@ -6261,17 +7149,44 @@
             </a:pPr>
             <a:r>
               <a:rPr lang="de-DE" dirty="0" smtClean="0"/>
-              <a:t>Konzeption der Anwendung</a:t>
-            </a:r>
-          </a:p>
-          <a:p>
-            <a:pPr marL="571500" indent="-571500">
-              <a:buFont typeface="+mj-lt"/>
-              <a:buAutoNum type="romanUcPeriod"/>
-            </a:pPr>
-            <a:r>
-              <a:rPr lang="de-DE" dirty="0" smtClean="0"/>
-              <a:t>Konzeption des künstlichen neuronalen Netzes</a:t>
+              <a:t>Umsetzung der Anwendung</a:t>
+            </a:r>
+          </a:p>
+          <a:p>
+            <a:pPr marL="571500" indent="-571500">
+              <a:buFont typeface="+mj-lt"/>
+              <a:buAutoNum type="romanUcPeriod"/>
+            </a:pPr>
+            <a:r>
+              <a:rPr lang="de-DE" dirty="0" smtClean="0"/>
+              <a:t>Umsetzung des künstlichen neuronalen Netzes</a:t>
+            </a:r>
+          </a:p>
+          <a:p>
+            <a:pPr marL="571500" indent="-571500">
+              <a:buFont typeface="+mj-lt"/>
+              <a:buAutoNum type="romanUcPeriod"/>
+            </a:pPr>
+            <a:r>
+              <a:rPr lang="de-DE" dirty="0" smtClean="0"/>
+              <a:t>Zusammenführung der Komponenten</a:t>
+            </a:r>
+          </a:p>
+          <a:p>
+            <a:pPr marL="571500" indent="-571500">
+              <a:buFont typeface="+mj-lt"/>
+              <a:buAutoNum type="romanUcPeriod"/>
+            </a:pPr>
+            <a:endParaRPr lang="de-DE" sz="100" dirty="0" smtClean="0"/>
+          </a:p>
+          <a:p>
+            <a:pPr marL="571500" indent="-571500">
+              <a:buFont typeface="+mj-lt"/>
+              <a:buAutoNum type="romanUcPeriod"/>
+            </a:pPr>
+            <a:r>
+              <a:rPr lang="de-DE" dirty="0" smtClean="0"/>
+              <a:t>Vorstellung der Anwendung</a:t>
             </a:r>
           </a:p>
           <a:p>
@@ -6288,57 +7203,19 @@
             </a:pPr>
             <a:r>
               <a:rPr lang="de-DE" dirty="0" smtClean="0"/>
-              <a:t>Umsetzung der Anwendung</a:t>
-            </a:r>
-          </a:p>
-          <a:p>
-            <a:pPr marL="571500" indent="-571500">
-              <a:buFont typeface="+mj-lt"/>
-              <a:buAutoNum type="romanUcPeriod"/>
-            </a:pPr>
-            <a:r>
-              <a:rPr lang="de-DE" dirty="0" smtClean="0"/>
-              <a:t>Umsetzung des künstlichen neuronalen Netzes</a:t>
-            </a:r>
-          </a:p>
-          <a:p>
-            <a:pPr marL="285750" indent="-285750">
-              <a:buFont typeface="+mj-lt"/>
-              <a:buAutoNum type="romanUcPeriod"/>
+              <a:t>Analyse</a:t>
+            </a:r>
+          </a:p>
+          <a:p>
+            <a:pPr marL="0" indent="0">
+              <a:buNone/>
             </a:pPr>
             <a:endParaRPr lang="de-DE" sz="100" dirty="0" smtClean="0"/>
           </a:p>
           <a:p>
             <a:pPr marL="571500" indent="-571500">
               <a:buFont typeface="+mj-lt"/>
-              <a:buAutoNum type="romanUcPeriod"/>
-            </a:pPr>
-            <a:r>
-              <a:rPr lang="de-DE" dirty="0" smtClean="0"/>
-              <a:t>Zusammenführung der Komponenten</a:t>
-            </a:r>
-          </a:p>
-          <a:p>
-            <a:pPr marL="285750" indent="-285750">
-              <a:buFont typeface="+mj-lt"/>
-              <a:buAutoNum type="romanUcPeriod"/>
-            </a:pPr>
-            <a:endParaRPr lang="de-DE" sz="100" dirty="0" smtClean="0"/>
-          </a:p>
-          <a:p>
-            <a:pPr marL="571500" indent="-571500">
-              <a:buFont typeface="+mj-lt"/>
-              <a:buAutoNum type="romanUcPeriod"/>
-            </a:pPr>
-            <a:r>
-              <a:rPr lang="de-DE" dirty="0" smtClean="0"/>
-              <a:t>Analyse</a:t>
-            </a:r>
-          </a:p>
-          <a:p>
-            <a:pPr marL="571500" indent="-571500">
-              <a:buFont typeface="+mj-lt"/>
-              <a:buAutoNum type="romanUcPeriod"/>
+              <a:buAutoNum type="romanUcPeriod" startAt="9"/>
             </a:pPr>
             <a:r>
               <a:rPr lang="de-DE" dirty="0" smtClean="0"/>
@@ -6348,7 +7225,7 @@
           <a:p>
             <a:pPr marL="571500" indent="-571500">
               <a:buFont typeface="+mj-lt"/>
-              <a:buAutoNum type="romanUcPeriod"/>
+              <a:buAutoNum type="romanUcPeriod" startAt="9"/>
             </a:pPr>
             <a:endParaRPr lang="de-DE" dirty="0"/>
           </a:p>
@@ -6394,7 +7271,7 @@
     </p:spTree>
     <p:extLst>
       <p:ext uri="{BB962C8B-B14F-4D97-AF65-F5344CB8AC3E}">
-        <p14:creationId xmlns:p14="http://schemas.microsoft.com/office/powerpoint/2010/main" val="1424282578"/>
+        <p14:creationId xmlns:p14="http://schemas.microsoft.com/office/powerpoint/2010/main" val="3147936108"/>
       </p:ext>
     </p:extLst>
   </p:cSld>
@@ -6411,7 +7288,7 @@
 </p:sld>
 </file>
 
-<file path=ppt/slides/slide4.xml><?xml version="1.0" encoding="utf-8"?>
+<file path=ppt/slides/slide6.xml><?xml version="1.0" encoding="utf-8"?>
 <p:sld xmlns:a="http://schemas.openxmlformats.org/drawingml/2006/main" xmlns:r="http://schemas.openxmlformats.org/officeDocument/2006/relationships" xmlns:p="http://schemas.openxmlformats.org/presentationml/2006/main">
   <p:cSld>
     <p:spTree>
@@ -6445,11 +7322,11 @@
           <a:p>
             <a:pPr marL="857250" indent="-857250">
               <a:buFont typeface="+mj-lt"/>
-              <a:buAutoNum type="romanUcPeriod"/>
+              <a:buAutoNum type="romanUcPeriod" startAt="2"/>
             </a:pPr>
             <a:r>
               <a:rPr lang="de-DE" b="1" dirty="0" smtClean="0"/>
-              <a:t>Motivation</a:t>
+              <a:t>Konzeption der Anwendung</a:t>
             </a:r>
             <a:endParaRPr lang="de-DE" b="1" dirty="0"/>
           </a:p>
@@ -6467,16 +7344,10 @@
         </p:nvSpPr>
         <p:spPr/>
         <p:txBody>
-          <a:bodyPr>
-            <a:normAutofit/>
-          </a:bodyPr>
-          <a:lstStyle/>
-          <a:p>
-            <a:pPr>
-              <a:buFont typeface="Wingdings" panose="05000000000000000000" pitchFamily="2" charset="2"/>
-              <a:buChar char="§"/>
-            </a:pPr>
-            <a:endParaRPr lang="de-DE" sz="2400" dirty="0"/>
+          <a:bodyPr/>
+          <a:lstStyle/>
+          <a:p>
+            <a:endParaRPr lang="de-DE" dirty="0"/>
           </a:p>
         </p:txBody>
       </p:sp>
@@ -6543,7 +7414,7 @@
           <a:p>
             <a:fld id="{0E226D3C-400E-4353-AAC2-09A0472DC536}" type="slidenum">
               <a:rPr lang="de-DE" smtClean="0"/>
-              <a:t>3</a:t>
+              <a:t>5</a:t>
             </a:fld>
             <a:endParaRPr lang="de-DE" dirty="0"/>
           </a:p>
@@ -6552,7 +7423,7 @@
     </p:spTree>
     <p:extLst>
       <p:ext uri="{BB962C8B-B14F-4D97-AF65-F5344CB8AC3E}">
-        <p14:creationId xmlns:p14="http://schemas.microsoft.com/office/powerpoint/2010/main" val="3880735644"/>
+        <p14:creationId xmlns:p14="http://schemas.microsoft.com/office/powerpoint/2010/main" val="590560392"/>
       </p:ext>
     </p:extLst>
   </p:cSld>
@@ -6569,7 +7440,7 @@
 </p:sld>
 </file>
 
-<file path=ppt/slides/slide5.xml><?xml version="1.0" encoding="utf-8"?>
+<file path=ppt/slides/slide7.xml><?xml version="1.0" encoding="utf-8"?>
 <p:sld xmlns:a="http://schemas.openxmlformats.org/drawingml/2006/main" xmlns:r="http://schemas.openxmlformats.org/officeDocument/2006/relationships" xmlns:p="http://schemas.openxmlformats.org/presentationml/2006/main">
   <p:cSld>
     <p:spTree>
@@ -6588,29 +7459,6 @@
       </p:grpSpPr>
       <p:sp>
         <p:nvSpPr>
-          <p:cNvPr id="2" name="Titel 1"/>
-          <p:cNvSpPr>
-            <a:spLocks noGrp="1"/>
-          </p:cNvSpPr>
-          <p:nvPr>
-            <p:ph type="title"/>
-          </p:nvPr>
-        </p:nvSpPr>
-        <p:spPr/>
-        <p:txBody>
-          <a:bodyPr/>
-          <a:lstStyle/>
-          <a:p>
-            <a:r>
-              <a:rPr lang="de-DE" b="1" dirty="0" smtClean="0"/>
-              <a:t>Inhaltsverzeichnis</a:t>
-            </a:r>
-            <a:endParaRPr lang="de-DE" b="1" dirty="0"/>
-          </a:p>
-        </p:txBody>
-      </p:sp>
-      <p:sp>
-        <p:nvSpPr>
           <p:cNvPr id="4" name="Datumsplatzhalter 3"/>
           <p:cNvSpPr>
             <a:spLocks noGrp="1"/>
@@ -6672,7 +7520,7 @@
           <a:p>
             <a:fld id="{0E226D3C-400E-4353-AAC2-09A0472DC536}" type="slidenum">
               <a:rPr lang="de-DE" smtClean="0"/>
-              <a:t>4</a:t>
+              <a:t>6</a:t>
             </a:fld>
             <a:endParaRPr lang="de-DE" dirty="0"/>
           </a:p>
@@ -6691,7 +7539,7 @@
         <p:spPr/>
         <p:txBody>
           <a:bodyPr>
-            <a:normAutofit fontScale="92500" lnSpcReduction="10000"/>
+            <a:normAutofit fontScale="92500" lnSpcReduction="20000"/>
           </a:bodyPr>
           <a:lstStyle/>
           <a:p>
@@ -6717,17 +7565,17 @@
               <a:buAutoNum type="romanUcPeriod"/>
             </a:pPr>
             <a:r>
+              <a:rPr lang="de-DE" dirty="0" smtClean="0"/>
+              <a:t>Konzeption der Anwendung</a:t>
+            </a:r>
+          </a:p>
+          <a:p>
+            <a:pPr marL="571500" indent="-571500">
+              <a:buFont typeface="+mj-lt"/>
+              <a:buAutoNum type="romanUcPeriod"/>
+            </a:pPr>
+            <a:r>
               <a:rPr lang="de-DE" b="1" dirty="0" smtClean="0"/>
-              <a:t>Konzeption der Anwendung</a:t>
-            </a:r>
-          </a:p>
-          <a:p>
-            <a:pPr marL="571500" indent="-571500">
-              <a:buFont typeface="+mj-lt"/>
-              <a:buAutoNum type="romanUcPeriod"/>
-            </a:pPr>
-            <a:r>
-              <a:rPr lang="de-DE" dirty="0" smtClean="0"/>
               <a:t>Konzeption des künstlichen neuronalen Netzes</a:t>
             </a:r>
           </a:p>
@@ -6759,6 +7607,33 @@
             </a:r>
           </a:p>
           <a:p>
+            <a:pPr marL="571500" indent="-571500">
+              <a:buFont typeface="+mj-lt"/>
+              <a:buAutoNum type="romanUcPeriod"/>
+            </a:pPr>
+            <a:r>
+              <a:rPr lang="de-DE" dirty="0" smtClean="0"/>
+              <a:t>Zusammenführung der Komponenten</a:t>
+            </a:r>
+          </a:p>
+          <a:p>
+            <a:pPr marL="571500" indent="-571500">
+              <a:buFont typeface="+mj-lt"/>
+              <a:buAutoNum type="romanUcPeriod"/>
+            </a:pPr>
+            <a:endParaRPr lang="de-DE" sz="100" dirty="0" smtClean="0"/>
+          </a:p>
+          <a:p>
+            <a:pPr marL="571500" indent="-571500">
+              <a:buFont typeface="+mj-lt"/>
+              <a:buAutoNum type="romanUcPeriod"/>
+            </a:pPr>
+            <a:r>
+              <a:rPr lang="de-DE" dirty="0" smtClean="0"/>
+              <a:t>Vorstellung der Anwendung</a:t>
+            </a:r>
+          </a:p>
+          <a:p>
             <a:pPr marL="285750" indent="-285750">
               <a:buFont typeface="+mj-lt"/>
               <a:buAutoNum type="romanUcPeriod"/>
@@ -6772,30 +7647,19 @@
             </a:pPr>
             <a:r>
               <a:rPr lang="de-DE" dirty="0" smtClean="0"/>
-              <a:t>Zusammenführung der Komponenten</a:t>
-            </a:r>
-          </a:p>
-          <a:p>
-            <a:pPr marL="285750" indent="-285750">
-              <a:buFont typeface="+mj-lt"/>
-              <a:buAutoNum type="romanUcPeriod"/>
+              <a:t>Analyse</a:t>
+            </a:r>
+          </a:p>
+          <a:p>
+            <a:pPr marL="0" indent="0">
+              <a:buNone/>
             </a:pPr>
             <a:endParaRPr lang="de-DE" sz="100" dirty="0" smtClean="0"/>
           </a:p>
           <a:p>
             <a:pPr marL="571500" indent="-571500">
               <a:buFont typeface="+mj-lt"/>
-              <a:buAutoNum type="romanUcPeriod"/>
-            </a:pPr>
-            <a:r>
-              <a:rPr lang="de-DE" dirty="0" smtClean="0"/>
-              <a:t>Analyse</a:t>
-            </a:r>
-          </a:p>
-          <a:p>
-            <a:pPr marL="571500" indent="-571500">
-              <a:buFont typeface="+mj-lt"/>
-              <a:buAutoNum type="romanUcPeriod"/>
+              <a:buAutoNum type="romanUcPeriod" startAt="9"/>
             </a:pPr>
             <a:r>
               <a:rPr lang="de-DE" dirty="0" smtClean="0"/>
@@ -6805,7 +7669,7 @@
           <a:p>
             <a:pPr marL="571500" indent="-571500">
               <a:buFont typeface="+mj-lt"/>
-              <a:buAutoNum type="romanUcPeriod"/>
+              <a:buAutoNum type="romanUcPeriod" startAt="9"/>
             </a:pPr>
             <a:endParaRPr lang="de-DE" dirty="0"/>
           </a:p>
@@ -6851,7 +7715,7 @@
     </p:spTree>
     <p:extLst>
       <p:ext uri="{BB962C8B-B14F-4D97-AF65-F5344CB8AC3E}">
-        <p14:creationId xmlns:p14="http://schemas.microsoft.com/office/powerpoint/2010/main" val="602276911"/>
+        <p14:creationId xmlns:p14="http://schemas.microsoft.com/office/powerpoint/2010/main" val="1153470875"/>
       </p:ext>
     </p:extLst>
   </p:cSld>
@@ -6868,7 +7732,7 @@
 </p:sld>
 </file>
 
-<file path=ppt/slides/slide6.xml><?xml version="1.0" encoding="utf-8"?>
+<file path=ppt/slides/slide8.xml><?xml version="1.0" encoding="utf-8"?>
 <p:sld xmlns:a="http://schemas.openxmlformats.org/drawingml/2006/main" xmlns:r="http://schemas.openxmlformats.org/officeDocument/2006/relationships" xmlns:p="http://schemas.openxmlformats.org/presentationml/2006/main">
   <p:cSld>
     <p:spTree>
@@ -6902,13 +7766,13 @@
           <a:p>
             <a:pPr marL="857250" indent="-857250">
               <a:buFont typeface="+mj-lt"/>
-              <a:buAutoNum type="romanUcPeriod" startAt="2"/>
+              <a:buAutoNum type="romanUcPeriod" startAt="3"/>
             </a:pPr>
             <a:r>
               <a:rPr lang="de-DE" b="1" dirty="0" smtClean="0"/>
-              <a:t>Konzeption der Anwendung</a:t>
-            </a:r>
-            <a:endParaRPr lang="de-DE" b="1" dirty="0"/>
+              <a:t>Konzeption des künstlichen neuronalen Netzes</a:t>
+            </a:r>
+            <a:endParaRPr lang="de-DE" dirty="0"/>
           </a:p>
         </p:txBody>
       </p:sp>
@@ -6927,7 +7791,7 @@
           <a:bodyPr/>
           <a:lstStyle/>
           <a:p>
-            <a:endParaRPr lang="de-DE" dirty="0"/>
+            <a:endParaRPr lang="de-DE"/>
           </a:p>
         </p:txBody>
       </p:sp>
@@ -6994,7 +7858,7 @@
           <a:p>
             <a:fld id="{0E226D3C-400E-4353-AAC2-09A0472DC536}" type="slidenum">
               <a:rPr lang="de-DE" smtClean="0"/>
-              <a:t>5</a:t>
+              <a:t>7</a:t>
             </a:fld>
             <a:endParaRPr lang="de-DE" dirty="0"/>
           </a:p>
@@ -7003,7 +7867,7 @@
     </p:spTree>
     <p:extLst>
       <p:ext uri="{BB962C8B-B14F-4D97-AF65-F5344CB8AC3E}">
-        <p14:creationId xmlns:p14="http://schemas.microsoft.com/office/powerpoint/2010/main" val="590560392"/>
+        <p14:creationId xmlns:p14="http://schemas.microsoft.com/office/powerpoint/2010/main" val="3440681286"/>
       </p:ext>
     </p:extLst>
   </p:cSld>
@@ -7020,7 +7884,7 @@
 </p:sld>
 </file>
 
-<file path=ppt/slides/slide7.xml><?xml version="1.0" encoding="utf-8"?>
+<file path=ppt/slides/slide9.xml><?xml version="1.0" encoding="utf-8"?>
 <p:sld xmlns:a="http://schemas.openxmlformats.org/drawingml/2006/main" xmlns:r="http://schemas.openxmlformats.org/officeDocument/2006/relationships" xmlns:p="http://schemas.openxmlformats.org/presentationml/2006/main">
   <p:cSld>
     <p:spTree>
@@ -7039,29 +7903,6 @@
       </p:grpSpPr>
       <p:sp>
         <p:nvSpPr>
-          <p:cNvPr id="2" name="Titel 1"/>
-          <p:cNvSpPr>
-            <a:spLocks noGrp="1"/>
-          </p:cNvSpPr>
-          <p:nvPr>
-            <p:ph type="title"/>
-          </p:nvPr>
-        </p:nvSpPr>
-        <p:spPr/>
-        <p:txBody>
-          <a:bodyPr/>
-          <a:lstStyle/>
-          <a:p>
-            <a:r>
-              <a:rPr lang="de-DE" b="1" dirty="0" smtClean="0"/>
-              <a:t>Inhaltsverzeichnis</a:t>
-            </a:r>
-            <a:endParaRPr lang="de-DE" b="1" dirty="0"/>
-          </a:p>
-        </p:txBody>
-      </p:sp>
-      <p:sp>
-        <p:nvSpPr>
           <p:cNvPr id="4" name="Datumsplatzhalter 3"/>
           <p:cNvSpPr>
             <a:spLocks noGrp="1"/>
@@ -7123,7 +7964,7 @@
           <a:p>
             <a:fld id="{0E226D3C-400E-4353-AAC2-09A0472DC536}" type="slidenum">
               <a:rPr lang="de-DE" smtClean="0"/>
-              <a:t>6</a:t>
+              <a:t>8</a:t>
             </a:fld>
             <a:endParaRPr lang="de-DE" dirty="0"/>
           </a:p>
@@ -7142,7 +7983,7 @@
         <p:spPr/>
         <p:txBody>
           <a:bodyPr>
-            <a:normAutofit fontScale="92500" lnSpcReduction="10000"/>
+            <a:normAutofit fontScale="92500" lnSpcReduction="20000"/>
           </a:bodyPr>
           <a:lstStyle/>
           <a:p>
@@ -7169,8 +8010,25 @@
             </a:pPr>
             <a:r>
               <a:rPr lang="de-DE" dirty="0" smtClean="0"/>
-              <a:t>Konzeption des Anwendung</a:t>
-            </a:r>
+              <a:t>Konzeption der Anwendung</a:t>
+            </a:r>
+          </a:p>
+          <a:p>
+            <a:pPr marL="571500" indent="-571500">
+              <a:buFont typeface="+mj-lt"/>
+              <a:buAutoNum type="romanUcPeriod"/>
+            </a:pPr>
+            <a:r>
+              <a:rPr lang="de-DE" dirty="0" smtClean="0"/>
+              <a:t>Konzeption des künstlichen neuronalen Netzes</a:t>
+            </a:r>
+          </a:p>
+          <a:p>
+            <a:pPr marL="285750" indent="-285750">
+              <a:buFont typeface="+mj-lt"/>
+              <a:buAutoNum type="romanUcPeriod"/>
+            </a:pPr>
+            <a:endParaRPr lang="de-DE" sz="100" dirty="0" smtClean="0"/>
           </a:p>
           <a:p>
             <a:pPr marL="571500" indent="-571500">
@@ -7179,7 +8037,44 @@
             </a:pPr>
             <a:r>
               <a:rPr lang="de-DE" b="1" dirty="0" smtClean="0"/>
-              <a:t>Konzeption des künstlichen neuronalen Netzes</a:t>
+              <a:t>Umsetzung der Anwendung</a:t>
+            </a:r>
+          </a:p>
+          <a:p>
+            <a:pPr marL="571500" indent="-571500">
+              <a:buFont typeface="+mj-lt"/>
+              <a:buAutoNum type="romanUcPeriod"/>
+            </a:pPr>
+            <a:r>
+              <a:rPr lang="de-DE" dirty="0" smtClean="0"/>
+              <a:t>Umsetzung des künstlichen neuronalen Netzes</a:t>
+            </a:r>
+          </a:p>
+          <a:p>
+            <a:pPr marL="571500" indent="-571500">
+              <a:buFont typeface="+mj-lt"/>
+              <a:buAutoNum type="romanUcPeriod"/>
+            </a:pPr>
+            <a:r>
+              <a:rPr lang="de-DE" dirty="0" smtClean="0"/>
+              <a:t>Zusammenführung der Komponenten</a:t>
+            </a:r>
+          </a:p>
+          <a:p>
+            <a:pPr marL="571500" indent="-571500">
+              <a:buFont typeface="+mj-lt"/>
+              <a:buAutoNum type="romanUcPeriod"/>
+            </a:pPr>
+            <a:endParaRPr lang="de-DE" sz="100" dirty="0" smtClean="0"/>
+          </a:p>
+          <a:p>
+            <a:pPr marL="571500" indent="-571500">
+              <a:buFont typeface="+mj-lt"/>
+              <a:buAutoNum type="romanUcPeriod"/>
+            </a:pPr>
+            <a:r>
+              <a:rPr lang="de-DE" dirty="0" smtClean="0"/>
+              <a:t>Vorstellung der Anwendung</a:t>
             </a:r>
           </a:p>
           <a:p>
@@ -7196,57 +8091,19 @@
             </a:pPr>
             <a:r>
               <a:rPr lang="de-DE" dirty="0" smtClean="0"/>
-              <a:t>Umsetzung der Anwendung</a:t>
-            </a:r>
-          </a:p>
-          <a:p>
-            <a:pPr marL="571500" indent="-571500">
-              <a:buFont typeface="+mj-lt"/>
-              <a:buAutoNum type="romanUcPeriod"/>
-            </a:pPr>
-            <a:r>
-              <a:rPr lang="de-DE" dirty="0" smtClean="0"/>
-              <a:t>Umsetzung des künstlichen neuronalen Netzes</a:t>
-            </a:r>
-          </a:p>
-          <a:p>
-            <a:pPr marL="285750" indent="-285750">
-              <a:buFont typeface="+mj-lt"/>
-              <a:buAutoNum type="romanUcPeriod"/>
+              <a:t>Analyse</a:t>
+            </a:r>
+          </a:p>
+          <a:p>
+            <a:pPr marL="0" indent="0">
+              <a:buNone/>
             </a:pPr>
             <a:endParaRPr lang="de-DE" sz="100" dirty="0" smtClean="0"/>
           </a:p>
           <a:p>
             <a:pPr marL="571500" indent="-571500">
               <a:buFont typeface="+mj-lt"/>
-              <a:buAutoNum type="romanUcPeriod"/>
-            </a:pPr>
-            <a:r>
-              <a:rPr lang="de-DE" dirty="0" smtClean="0"/>
-              <a:t>Zusammenführung der Komponenten</a:t>
-            </a:r>
-          </a:p>
-          <a:p>
-            <a:pPr marL="285750" indent="-285750">
-              <a:buFont typeface="+mj-lt"/>
-              <a:buAutoNum type="romanUcPeriod"/>
-            </a:pPr>
-            <a:endParaRPr lang="de-DE" sz="100" dirty="0" smtClean="0"/>
-          </a:p>
-          <a:p>
-            <a:pPr marL="571500" indent="-571500">
-              <a:buFont typeface="+mj-lt"/>
-              <a:buAutoNum type="romanUcPeriod"/>
-            </a:pPr>
-            <a:r>
-              <a:rPr lang="de-DE" dirty="0" smtClean="0"/>
-              <a:t>Analyse</a:t>
-            </a:r>
-          </a:p>
-          <a:p>
-            <a:pPr marL="571500" indent="-571500">
-              <a:buFont typeface="+mj-lt"/>
-              <a:buAutoNum type="romanUcPeriod"/>
+              <a:buAutoNum type="romanUcPeriod" startAt="9"/>
             </a:pPr>
             <a:r>
               <a:rPr lang="de-DE" dirty="0" smtClean="0"/>
@@ -7256,7 +8113,7 @@
           <a:p>
             <a:pPr marL="571500" indent="-571500">
               <a:buFont typeface="+mj-lt"/>
-              <a:buAutoNum type="romanUcPeriod"/>
+              <a:buAutoNum type="romanUcPeriod" startAt="9"/>
             </a:pPr>
             <a:endParaRPr lang="de-DE" dirty="0"/>
           </a:p>
@@ -7302,458 +8159,7 @@
     </p:spTree>
     <p:extLst>
       <p:ext uri="{BB962C8B-B14F-4D97-AF65-F5344CB8AC3E}">
-        <p14:creationId xmlns:p14="http://schemas.microsoft.com/office/powerpoint/2010/main" val="1758136878"/>
-      </p:ext>
-    </p:extLst>
-  </p:cSld>
-  <p:clrMapOvr>
-    <a:masterClrMapping/>
-  </p:clrMapOvr>
-  <p:timing>
-    <p:tnLst>
-      <p:par>
-        <p:cTn id="1" dur="indefinite" restart="never" nodeType="tmRoot"/>
-      </p:par>
-    </p:tnLst>
-  </p:timing>
-</p:sld>
-</file>
-
-<file path=ppt/slides/slide8.xml><?xml version="1.0" encoding="utf-8"?>
-<p:sld xmlns:a="http://schemas.openxmlformats.org/drawingml/2006/main" xmlns:r="http://schemas.openxmlformats.org/officeDocument/2006/relationships" xmlns:p="http://schemas.openxmlformats.org/presentationml/2006/main">
-  <p:cSld>
-    <p:spTree>
-      <p:nvGrpSpPr>
-        <p:cNvPr id="1" name=""/>
-        <p:cNvGrpSpPr/>
-        <p:nvPr/>
-      </p:nvGrpSpPr>
-      <p:grpSpPr>
-        <a:xfrm>
-          <a:off x="0" y="0"/>
-          <a:ext cx="0" cy="0"/>
-          <a:chOff x="0" y="0"/>
-          <a:chExt cx="0" cy="0"/>
-        </a:xfrm>
-      </p:grpSpPr>
-      <p:sp>
-        <p:nvSpPr>
-          <p:cNvPr id="2" name="Titel 1"/>
-          <p:cNvSpPr>
-            <a:spLocks noGrp="1"/>
-          </p:cNvSpPr>
-          <p:nvPr>
-            <p:ph type="title"/>
-          </p:nvPr>
-        </p:nvSpPr>
-        <p:spPr/>
-        <p:txBody>
-          <a:bodyPr/>
-          <a:lstStyle/>
-          <a:p>
-            <a:pPr marL="857250" indent="-857250">
-              <a:buFont typeface="+mj-lt"/>
-              <a:buAutoNum type="romanUcPeriod" startAt="3"/>
-            </a:pPr>
-            <a:r>
-              <a:rPr lang="de-DE" b="1" dirty="0" smtClean="0"/>
-              <a:t>Konzeption des künstlichen neuronalen Netzes</a:t>
-            </a:r>
-            <a:endParaRPr lang="de-DE" dirty="0"/>
-          </a:p>
-        </p:txBody>
-      </p:sp>
-      <p:sp>
-        <p:nvSpPr>
-          <p:cNvPr id="3" name="Inhaltsplatzhalter 2"/>
-          <p:cNvSpPr>
-            <a:spLocks noGrp="1"/>
-          </p:cNvSpPr>
-          <p:nvPr>
-            <p:ph idx="1"/>
-          </p:nvPr>
-        </p:nvSpPr>
-        <p:spPr/>
-        <p:txBody>
-          <a:bodyPr/>
-          <a:lstStyle/>
-          <a:p>
-            <a:endParaRPr lang="de-DE"/>
-          </a:p>
-        </p:txBody>
-      </p:sp>
-      <p:sp>
-        <p:nvSpPr>
-          <p:cNvPr id="4" name="Datumsplatzhalter 3"/>
-          <p:cNvSpPr>
-            <a:spLocks noGrp="1"/>
-          </p:cNvSpPr>
-          <p:nvPr>
-            <p:ph type="dt" sz="half" idx="10"/>
-          </p:nvPr>
-        </p:nvSpPr>
-        <p:spPr/>
-        <p:txBody>
-          <a:bodyPr/>
-          <a:lstStyle/>
-          <a:p>
-            <a:fld id="{7AC709DD-AC18-4FBA-B4E6-46DED743653E}" type="datetime1">
-              <a:rPr lang="de-DE" smtClean="0"/>
-              <a:t>25.11.2015</a:t>
-            </a:fld>
-            <a:endParaRPr lang="de-DE"/>
-          </a:p>
-        </p:txBody>
-      </p:sp>
-      <p:sp>
-        <p:nvSpPr>
-          <p:cNvPr id="5" name="Fußzeilenplatzhalter 4"/>
-          <p:cNvSpPr>
-            <a:spLocks noGrp="1"/>
-          </p:cNvSpPr>
-          <p:nvPr>
-            <p:ph type="ftr" sz="quarter" idx="11"/>
-          </p:nvPr>
-        </p:nvSpPr>
-        <p:spPr/>
-        <p:txBody>
-          <a:bodyPr/>
-          <a:lstStyle/>
-          <a:p>
-            <a:r>
-              <a:rPr lang="de-DE" smtClean="0"/>
-              <a:t>Fakultät Informatik             Sebastian Schötteler &amp; Benedikt Hofrichter</a:t>
-            </a:r>
-            <a:endParaRPr lang="de-DE" dirty="0"/>
-          </a:p>
-        </p:txBody>
-      </p:sp>
-      <p:sp>
-        <p:nvSpPr>
-          <p:cNvPr id="6" name="Foliennummernplatzhalter 5"/>
-          <p:cNvSpPr>
-            <a:spLocks noGrp="1"/>
-          </p:cNvSpPr>
-          <p:nvPr>
-            <p:ph type="sldNum" sz="quarter" idx="12"/>
-          </p:nvPr>
-        </p:nvSpPr>
-        <p:spPr/>
-        <p:txBody>
-          <a:bodyPr/>
-          <a:lstStyle/>
-          <a:p>
-            <a:fld id="{0E226D3C-400E-4353-AAC2-09A0472DC536}" type="slidenum">
-              <a:rPr lang="de-DE" smtClean="0"/>
-              <a:t>7</a:t>
-            </a:fld>
-            <a:endParaRPr lang="de-DE" dirty="0"/>
-          </a:p>
-        </p:txBody>
-      </p:sp>
-    </p:spTree>
-    <p:extLst>
-      <p:ext uri="{BB962C8B-B14F-4D97-AF65-F5344CB8AC3E}">
-        <p14:creationId xmlns:p14="http://schemas.microsoft.com/office/powerpoint/2010/main" val="3440681286"/>
-      </p:ext>
-    </p:extLst>
-  </p:cSld>
-  <p:clrMapOvr>
-    <a:masterClrMapping/>
-  </p:clrMapOvr>
-  <p:timing>
-    <p:tnLst>
-      <p:par>
-        <p:cTn id="1" dur="indefinite" restart="never" nodeType="tmRoot"/>
-      </p:par>
-    </p:tnLst>
-  </p:timing>
-</p:sld>
-</file>
-
-<file path=ppt/slides/slide9.xml><?xml version="1.0" encoding="utf-8"?>
-<p:sld xmlns:a="http://schemas.openxmlformats.org/drawingml/2006/main" xmlns:r="http://schemas.openxmlformats.org/officeDocument/2006/relationships" xmlns:p="http://schemas.openxmlformats.org/presentationml/2006/main">
-  <p:cSld>
-    <p:spTree>
-      <p:nvGrpSpPr>
-        <p:cNvPr id="1" name=""/>
-        <p:cNvGrpSpPr/>
-        <p:nvPr/>
-      </p:nvGrpSpPr>
-      <p:grpSpPr>
-        <a:xfrm>
-          <a:off x="0" y="0"/>
-          <a:ext cx="0" cy="0"/>
-          <a:chOff x="0" y="0"/>
-          <a:chExt cx="0" cy="0"/>
-        </a:xfrm>
-      </p:grpSpPr>
-      <p:sp>
-        <p:nvSpPr>
-          <p:cNvPr id="2" name="Titel 1"/>
-          <p:cNvSpPr>
-            <a:spLocks noGrp="1"/>
-          </p:cNvSpPr>
-          <p:nvPr>
-            <p:ph type="title"/>
-          </p:nvPr>
-        </p:nvSpPr>
-        <p:spPr/>
-        <p:txBody>
-          <a:bodyPr/>
-          <a:lstStyle/>
-          <a:p>
-            <a:r>
-              <a:rPr lang="de-DE" b="1" dirty="0" smtClean="0"/>
-              <a:t>Inhaltsverzeichnis</a:t>
-            </a:r>
-            <a:endParaRPr lang="de-DE" b="1" dirty="0"/>
-          </a:p>
-        </p:txBody>
-      </p:sp>
-      <p:sp>
-        <p:nvSpPr>
-          <p:cNvPr id="4" name="Datumsplatzhalter 3"/>
-          <p:cNvSpPr>
-            <a:spLocks noGrp="1"/>
-          </p:cNvSpPr>
-          <p:nvPr>
-            <p:ph type="dt" sz="half" idx="10"/>
-          </p:nvPr>
-        </p:nvSpPr>
-        <p:spPr/>
-        <p:txBody>
-          <a:bodyPr/>
-          <a:lstStyle/>
-          <a:p>
-            <a:fld id="{7AC709DD-AC18-4FBA-B4E6-46DED743653E}" type="datetime1">
-              <a:rPr lang="de-DE" smtClean="0"/>
-              <a:t>25.11.2015</a:t>
-            </a:fld>
-            <a:endParaRPr lang="de-DE"/>
-          </a:p>
-        </p:txBody>
-      </p:sp>
-      <p:sp>
-        <p:nvSpPr>
-          <p:cNvPr id="5" name="Fußzeilenplatzhalter 4"/>
-          <p:cNvSpPr>
-            <a:spLocks noGrp="1"/>
-          </p:cNvSpPr>
-          <p:nvPr>
-            <p:ph type="ftr" sz="quarter" idx="11"/>
-          </p:nvPr>
-        </p:nvSpPr>
-        <p:spPr/>
-        <p:txBody>
-          <a:bodyPr/>
-          <a:lstStyle/>
-          <a:p>
-            <a:r>
-              <a:rPr lang="de-DE" dirty="0" smtClean="0"/>
-              <a:t>Fakultät Informatik             Sebastian Schötteler &amp; Benedikt Hofrichter</a:t>
-            </a:r>
-            <a:endParaRPr lang="de-DE" dirty="0"/>
-          </a:p>
-        </p:txBody>
-      </p:sp>
-      <p:sp>
-        <p:nvSpPr>
-          <p:cNvPr id="6" name="Foliennummernplatzhalter 5"/>
-          <p:cNvSpPr>
-            <a:spLocks noGrp="1"/>
-          </p:cNvSpPr>
-          <p:nvPr>
-            <p:ph type="sldNum" sz="quarter" idx="12"/>
-          </p:nvPr>
-        </p:nvSpPr>
-        <p:spPr/>
-        <p:txBody>
-          <a:bodyPr/>
-          <a:lstStyle/>
-          <a:p>
-            <a:fld id="{0E226D3C-400E-4353-AAC2-09A0472DC536}" type="slidenum">
-              <a:rPr lang="de-DE" smtClean="0"/>
-              <a:t>8</a:t>
-            </a:fld>
-            <a:endParaRPr lang="de-DE" dirty="0"/>
-          </a:p>
-        </p:txBody>
-      </p:sp>
-      <p:sp>
-        <p:nvSpPr>
-          <p:cNvPr id="8" name="Inhaltsplatzhalter 7"/>
-          <p:cNvSpPr>
-            <a:spLocks noGrp="1"/>
-          </p:cNvSpPr>
-          <p:nvPr>
-            <p:ph idx="1"/>
-          </p:nvPr>
-        </p:nvSpPr>
-        <p:spPr/>
-        <p:txBody>
-          <a:bodyPr>
-            <a:normAutofit fontScale="92500" lnSpcReduction="10000"/>
-          </a:bodyPr>
-          <a:lstStyle/>
-          <a:p>
-            <a:pPr marL="571500" indent="-571500">
-              <a:buFont typeface="+mj-lt"/>
-              <a:buAutoNum type="romanUcPeriod"/>
-            </a:pPr>
-            <a:r>
-              <a:rPr lang="de-DE" dirty="0" smtClean="0"/>
-              <a:t>Motivation</a:t>
-            </a:r>
-          </a:p>
-          <a:p>
-            <a:pPr marL="285750" indent="-285750">
-              <a:buFont typeface="+mj-lt"/>
-              <a:buAutoNum type="romanUcPeriod"/>
-            </a:pPr>
-            <a:endParaRPr lang="de-DE" sz="100" dirty="0" smtClean="0"/>
-          </a:p>
-          <a:p>
-            <a:pPr marL="571500" indent="-571500">
-              <a:buFont typeface="+mj-lt"/>
-              <a:buAutoNum type="romanUcPeriod"/>
-            </a:pPr>
-            <a:r>
-              <a:rPr lang="de-DE" dirty="0" smtClean="0"/>
-              <a:t>Konzeption des Anwendung</a:t>
-            </a:r>
-          </a:p>
-          <a:p>
-            <a:pPr marL="571500" indent="-571500">
-              <a:buFont typeface="+mj-lt"/>
-              <a:buAutoNum type="romanUcPeriod"/>
-            </a:pPr>
-            <a:r>
-              <a:rPr lang="de-DE" dirty="0" smtClean="0"/>
-              <a:t>Konzeption des künstlichen neuronalen Netzes</a:t>
-            </a:r>
-          </a:p>
-          <a:p>
-            <a:pPr marL="285750" indent="-285750">
-              <a:buFont typeface="+mj-lt"/>
-              <a:buAutoNum type="romanUcPeriod"/>
-            </a:pPr>
-            <a:endParaRPr lang="de-DE" sz="100" dirty="0" smtClean="0"/>
-          </a:p>
-          <a:p>
-            <a:pPr marL="571500" indent="-571500">
-              <a:buFont typeface="+mj-lt"/>
-              <a:buAutoNum type="romanUcPeriod"/>
-            </a:pPr>
-            <a:r>
-              <a:rPr lang="de-DE" b="1" dirty="0" smtClean="0"/>
-              <a:t>Umsetzung der Anwendung</a:t>
-            </a:r>
-          </a:p>
-          <a:p>
-            <a:pPr marL="571500" indent="-571500">
-              <a:buFont typeface="+mj-lt"/>
-              <a:buAutoNum type="romanUcPeriod"/>
-            </a:pPr>
-            <a:r>
-              <a:rPr lang="de-DE" dirty="0" smtClean="0"/>
-              <a:t>Umsetzung des künstlichen neuronalen Netzes</a:t>
-            </a:r>
-          </a:p>
-          <a:p>
-            <a:pPr marL="285750" indent="-285750">
-              <a:buFont typeface="+mj-lt"/>
-              <a:buAutoNum type="romanUcPeriod"/>
-            </a:pPr>
-            <a:endParaRPr lang="de-DE" sz="100" dirty="0" smtClean="0"/>
-          </a:p>
-          <a:p>
-            <a:pPr marL="571500" indent="-571500">
-              <a:buFont typeface="+mj-lt"/>
-              <a:buAutoNum type="romanUcPeriod"/>
-            </a:pPr>
-            <a:r>
-              <a:rPr lang="de-DE" dirty="0" smtClean="0"/>
-              <a:t>Zusammenführung der Komponenten</a:t>
-            </a:r>
-          </a:p>
-          <a:p>
-            <a:pPr marL="285750" indent="-285750">
-              <a:buFont typeface="+mj-lt"/>
-              <a:buAutoNum type="romanUcPeriod"/>
-            </a:pPr>
-            <a:endParaRPr lang="de-DE" sz="100" dirty="0" smtClean="0"/>
-          </a:p>
-          <a:p>
-            <a:pPr marL="571500" indent="-571500">
-              <a:buFont typeface="+mj-lt"/>
-              <a:buAutoNum type="romanUcPeriod"/>
-            </a:pPr>
-            <a:r>
-              <a:rPr lang="de-DE" dirty="0" smtClean="0"/>
-              <a:t>Analyse</a:t>
-            </a:r>
-          </a:p>
-          <a:p>
-            <a:pPr marL="571500" indent="-571500">
-              <a:buFont typeface="+mj-lt"/>
-              <a:buAutoNum type="romanUcPeriod"/>
-            </a:pPr>
-            <a:r>
-              <a:rPr lang="de-DE" dirty="0" smtClean="0"/>
-              <a:t>Fazit</a:t>
-            </a:r>
-          </a:p>
-          <a:p>
-            <a:pPr marL="571500" indent="-571500">
-              <a:buFont typeface="+mj-lt"/>
-              <a:buAutoNum type="romanUcPeriod"/>
-            </a:pPr>
-            <a:endParaRPr lang="de-DE" dirty="0"/>
-          </a:p>
-        </p:txBody>
-      </p:sp>
-      <p:pic>
-        <p:nvPicPr>
-          <p:cNvPr id="9" name="Inhaltsplatzhalter 6"/>
-          <p:cNvPicPr>
-            <a:picLocks noChangeAspect="1"/>
-          </p:cNvPicPr>
-          <p:nvPr/>
-        </p:nvPicPr>
-        <p:blipFill>
-          <a:blip r:embed="rId2">
-            <a:duotone>
-              <a:schemeClr val="bg2">
-                <a:shade val="45000"/>
-                <a:satMod val="135000"/>
-              </a:schemeClr>
-              <a:prstClr val="white"/>
-            </a:duotone>
-            <a:extLst>
-              <a:ext uri="{28A0092B-C50C-407E-A947-70E740481C1C}">
-                <a14:useLocalDpi xmlns:a14="http://schemas.microsoft.com/office/drawing/2010/main" val="0"/>
-              </a:ext>
-            </a:extLst>
-          </a:blip>
-          <a:stretch>
-            <a:fillRect/>
-          </a:stretch>
-        </p:blipFill>
-        <p:spPr>
-          <a:xfrm>
-            <a:off x="8566434" y="365125"/>
-            <a:ext cx="3250865" cy="2589856"/>
-          </a:xfrm>
-          <a:prstGeom prst="rect">
-            <a:avLst/>
-          </a:prstGeom>
-        </p:spPr>
-      </p:pic>
-    </p:spTree>
-    <p:extLst>
-      <p:ext uri="{BB962C8B-B14F-4D97-AF65-F5344CB8AC3E}">
-        <p14:creationId xmlns:p14="http://schemas.microsoft.com/office/powerpoint/2010/main" val="3815999347"/>
+        <p14:creationId xmlns:p14="http://schemas.microsoft.com/office/powerpoint/2010/main" val="479520524"/>
       </p:ext>
     </p:extLst>
   </p:cSld>

--- a/3b) Vortrag/Präsentation.pptx
+++ b/3b) Vortrag/Präsentation.pptx
@@ -5,7 +5,7 @@
     <p:sldMasterId id="2147483648" r:id="rId1"/>
   </p:sldMasterIdLst>
   <p:notesMasterIdLst>
-    <p:notesMasterId r:id="rId23"/>
+    <p:notesMasterId r:id="rId36"/>
   </p:notesMasterIdLst>
   <p:sldIdLst>
     <p:sldId id="256" r:id="rId2"/>
@@ -15,20 +15,33 @@
     <p:sldId id="278" r:id="rId6"/>
     <p:sldId id="259" r:id="rId7"/>
     <p:sldId id="279" r:id="rId8"/>
-    <p:sldId id="260" r:id="rId9"/>
-    <p:sldId id="280" r:id="rId10"/>
-    <p:sldId id="261" r:id="rId11"/>
-    <p:sldId id="281" r:id="rId12"/>
-    <p:sldId id="262" r:id="rId13"/>
-    <p:sldId id="282" r:id="rId14"/>
-    <p:sldId id="273" r:id="rId15"/>
-    <p:sldId id="283" r:id="rId16"/>
-    <p:sldId id="274" r:id="rId17"/>
-    <p:sldId id="284" r:id="rId18"/>
-    <p:sldId id="276" r:id="rId19"/>
-    <p:sldId id="285" r:id="rId20"/>
-    <p:sldId id="286" r:id="rId21"/>
-    <p:sldId id="275" r:id="rId22"/>
+    <p:sldId id="294" r:id="rId9"/>
+    <p:sldId id="297" r:id="rId10"/>
+    <p:sldId id="295" r:id="rId11"/>
+    <p:sldId id="298" r:id="rId12"/>
+    <p:sldId id="299" r:id="rId13"/>
+    <p:sldId id="300" r:id="rId14"/>
+    <p:sldId id="296" r:id="rId15"/>
+    <p:sldId id="260" r:id="rId16"/>
+    <p:sldId id="287" r:id="rId17"/>
+    <p:sldId id="288" r:id="rId18"/>
+    <p:sldId id="290" r:id="rId19"/>
+    <p:sldId id="291" r:id="rId20"/>
+    <p:sldId id="292" r:id="rId21"/>
+    <p:sldId id="293" r:id="rId22"/>
+    <p:sldId id="280" r:id="rId23"/>
+    <p:sldId id="261" r:id="rId24"/>
+    <p:sldId id="281" r:id="rId25"/>
+    <p:sldId id="262" r:id="rId26"/>
+    <p:sldId id="282" r:id="rId27"/>
+    <p:sldId id="273" r:id="rId28"/>
+    <p:sldId id="283" r:id="rId29"/>
+    <p:sldId id="274" r:id="rId30"/>
+    <p:sldId id="284" r:id="rId31"/>
+    <p:sldId id="276" r:id="rId32"/>
+    <p:sldId id="285" r:id="rId33"/>
+    <p:sldId id="286" r:id="rId34"/>
+    <p:sldId id="275" r:id="rId35"/>
   </p:sldIdLst>
   <p:sldSz cx="12192000" cy="6858000"/>
   <p:notesSz cx="6858000" cy="9144000"/>
@@ -127,6 +140,11 @@
       </a:defRPr>
     </a:lvl9pPr>
   </p:defaultTextStyle>
+  <p:extLst>
+    <p:ext uri="{EFAFB233-063F-42B5-8137-9DF3F51BA10A}">
+      <p15:sldGuideLst xmlns:p15="http://schemas.microsoft.com/office/powerpoint/2012/main"/>
+    </p:ext>
+  </p:extLst>
 </p:presentation>
 </file>
 
@@ -212,7 +230,7 @@
           <a:p>
             <a:fld id="{5120BD12-1583-495B-85C5-BFC7DD39358E}" type="datetimeFigureOut">
               <a:rPr lang="de-DE" smtClean="0"/>
-              <a:t>25.11.2015</a:t>
+              <a:t>26.11.2015</a:t>
             </a:fld>
             <a:endParaRPr lang="de-DE"/>
           </a:p>
@@ -545,7 +563,7 @@
           <a:p>
             <a:fld id="{0B7A52FC-885B-48D0-94A7-F9F16D60E366}" type="slidenum">
               <a:rPr lang="de-DE" smtClean="0"/>
-              <a:t>11</a:t>
+              <a:t>24</a:t>
             </a:fld>
             <a:endParaRPr lang="de-DE"/>
           </a:p>
@@ -815,7 +833,7 @@
           <a:p>
             <a:fld id="{FEB60944-69D9-40E2-805F-52E6DDFC3E05}" type="datetime1">
               <a:rPr lang="de-DE" smtClean="0"/>
-              <a:t>25.11.2015</a:t>
+              <a:t>26.11.2015</a:t>
             </a:fld>
             <a:endParaRPr lang="de-DE"/>
           </a:p>
@@ -1006,7 +1024,7 @@
           <a:p>
             <a:fld id="{43C6271B-4DF3-4799-BDC9-4973FE68CB18}" type="datetime1">
               <a:rPr lang="de-DE" smtClean="0"/>
-              <a:t>25.11.2015</a:t>
+              <a:t>26.11.2015</a:t>
             </a:fld>
             <a:endParaRPr lang="de-DE"/>
           </a:p>
@@ -1188,7 +1206,7 @@
           <a:p>
             <a:fld id="{7AC709DD-AC18-4FBA-B4E6-46DED743653E}" type="datetime1">
               <a:rPr lang="de-DE" smtClean="0"/>
-              <a:t>25.11.2015</a:t>
+              <a:t>26.11.2015</a:t>
             </a:fld>
             <a:endParaRPr lang="de-DE"/>
           </a:p>
@@ -1445,7 +1463,7 @@
           <a:p>
             <a:fld id="{F3A5CA38-DE03-43E0-AAE8-40DE9D126515}" type="datetime1">
               <a:rPr lang="de-DE" smtClean="0"/>
-              <a:t>25.11.2015</a:t>
+              <a:t>26.11.2015</a:t>
             </a:fld>
             <a:endParaRPr lang="de-DE"/>
           </a:p>
@@ -1688,7 +1706,7 @@
           <a:p>
             <a:fld id="{11090321-36FA-45A6-9663-BC38008A0E9B}" type="datetime1">
               <a:rPr lang="de-DE" smtClean="0"/>
-              <a:t>25.11.2015</a:t>
+              <a:t>26.11.2015</a:t>
             </a:fld>
             <a:endParaRPr lang="de-DE"/>
           </a:p>
@@ -2066,7 +2084,7 @@
           <a:p>
             <a:fld id="{256C77CD-8025-4CCE-8E91-02984A062E73}" type="datetime1">
               <a:rPr lang="de-DE" smtClean="0"/>
-              <a:t>25.11.2015</a:t>
+              <a:t>26.11.2015</a:t>
             </a:fld>
             <a:endParaRPr lang="de-DE"/>
           </a:p>
@@ -2195,7 +2213,7 @@
           <a:p>
             <a:fld id="{613140FE-C567-4560-9D45-46486DBA67D5}" type="datetime1">
               <a:rPr lang="de-DE" smtClean="0"/>
-              <a:t>25.11.2015</a:t>
+              <a:t>26.11.2015</a:t>
             </a:fld>
             <a:endParaRPr lang="de-DE"/>
           </a:p>
@@ -2301,7 +2319,7 @@
           <a:p>
             <a:fld id="{664489CE-C1E2-4395-A707-33A40D5C0A6A}" type="datetime1">
               <a:rPr lang="de-DE" smtClean="0"/>
-              <a:t>25.11.2015</a:t>
+              <a:t>26.11.2015</a:t>
             </a:fld>
             <a:endParaRPr lang="de-DE"/>
           </a:p>
@@ -2589,7 +2607,7 @@
           <a:p>
             <a:fld id="{BE84FF2F-E5B7-4AEF-A728-DCB9E7CE66D1}" type="datetime1">
               <a:rPr lang="de-DE" smtClean="0"/>
-              <a:t>25.11.2015</a:t>
+              <a:t>26.11.2015</a:t>
             </a:fld>
             <a:endParaRPr lang="de-DE"/>
           </a:p>
@@ -2853,7 +2871,7 @@
           <a:p>
             <a:fld id="{1C1C31E4-1EA5-4909-922A-9F42F675C505}" type="datetime1">
               <a:rPr lang="de-DE" smtClean="0"/>
-              <a:t>25.11.2015</a:t>
+              <a:t>26.11.2015</a:t>
             </a:fld>
             <a:endParaRPr lang="de-DE"/>
           </a:p>
@@ -3060,7 +3078,7 @@
           <a:p>
             <a:fld id="{19652882-9BC8-4FD3-AB94-9F037815DBC2}" type="datetime1">
               <a:rPr lang="de-DE" smtClean="0"/>
-              <a:t>25.11.2015</a:t>
+              <a:t>26.11.2015</a:t>
             </a:fld>
             <a:endParaRPr lang="de-DE" dirty="0"/>
           </a:p>
@@ -3721,11 +3739,11 @@
           <a:p>
             <a:pPr marL="857250" indent="-857250">
               <a:buFont typeface="+mj-lt"/>
-              <a:buAutoNum type="romanUcPeriod" startAt="4"/>
+              <a:buAutoNum type="romanUcPeriod" startAt="3"/>
             </a:pPr>
             <a:r>
               <a:rPr lang="de-DE" b="1" dirty="0" smtClean="0"/>
-              <a:t>Umsetzung der Anwendung</a:t>
+              <a:t>Konzeption des künstlichen neuronalen Netzes</a:t>
             </a:r>
             <a:endParaRPr lang="de-DE" dirty="0"/>
           </a:p>
@@ -3746,7 +3764,31 @@
           <a:bodyPr/>
           <a:lstStyle/>
           <a:p>
-            <a:endParaRPr lang="de-DE"/>
+            <a:r>
+              <a:rPr lang="de-DE" dirty="0" smtClean="0"/>
+              <a:t>Netztyp</a:t>
+            </a:r>
+          </a:p>
+          <a:p>
+            <a:pPr lvl="1"/>
+            <a:r>
+              <a:rPr lang="de-DE" dirty="0" smtClean="0"/>
+              <a:t>Theoreme zur weiteren Bestimmung des Netztyps</a:t>
+            </a:r>
+          </a:p>
+          <a:p>
+            <a:pPr lvl="2"/>
+            <a:r>
+              <a:rPr lang="de-DE" dirty="0" smtClean="0"/>
+              <a:t>Theorem der linearen Separierbarkeit</a:t>
+            </a:r>
+          </a:p>
+          <a:p>
+            <a:pPr lvl="2"/>
+            <a:r>
+              <a:rPr lang="de-DE" dirty="0" smtClean="0"/>
+              <a:t>Theorem von Komolgorov</a:t>
+            </a:r>
           </a:p>
         </p:txBody>
       </p:sp>
@@ -3767,7 +3809,7 @@
           <a:p>
             <a:fld id="{7AC709DD-AC18-4FBA-B4E6-46DED743653E}" type="datetime1">
               <a:rPr lang="de-DE" smtClean="0"/>
-              <a:t>25.11.2015</a:t>
+              <a:t>26.11.2015</a:t>
             </a:fld>
             <a:endParaRPr lang="de-DE"/>
           </a:p>
@@ -3822,7 +3864,7 @@
     </p:spTree>
     <p:extLst>
       <p:ext uri="{BB962C8B-B14F-4D97-AF65-F5344CB8AC3E}">
-        <p14:creationId xmlns:p14="http://schemas.microsoft.com/office/powerpoint/2010/main" val="3300698628"/>
+        <p14:creationId xmlns:p14="http://schemas.microsoft.com/office/powerpoint/2010/main" val="1524166730"/>
       </p:ext>
     </p:extLst>
   </p:cSld>
@@ -3858,6 +3900,62 @@
       </p:grpSpPr>
       <p:sp>
         <p:nvSpPr>
+          <p:cNvPr id="2" name="Titel 1"/>
+          <p:cNvSpPr>
+            <a:spLocks noGrp="1"/>
+          </p:cNvSpPr>
+          <p:nvPr>
+            <p:ph type="title"/>
+          </p:nvPr>
+        </p:nvSpPr>
+        <p:spPr/>
+        <p:txBody>
+          <a:bodyPr/>
+          <a:lstStyle/>
+          <a:p>
+            <a:pPr marL="857250" indent="-857250">
+              <a:buFont typeface="+mj-lt"/>
+              <a:buAutoNum type="romanUcPeriod" startAt="3"/>
+            </a:pPr>
+            <a:r>
+              <a:rPr lang="de-DE" b="1" dirty="0" smtClean="0"/>
+              <a:t>Konzeption des künstlichen neuronalen Netzes</a:t>
+            </a:r>
+            <a:endParaRPr lang="de-DE" dirty="0"/>
+          </a:p>
+        </p:txBody>
+      </p:sp>
+      <p:sp>
+        <p:nvSpPr>
+          <p:cNvPr id="3" name="Inhaltsplatzhalter 2"/>
+          <p:cNvSpPr>
+            <a:spLocks noGrp="1"/>
+          </p:cNvSpPr>
+          <p:nvPr>
+            <p:ph idx="1"/>
+          </p:nvPr>
+        </p:nvSpPr>
+        <p:spPr/>
+        <p:txBody>
+          <a:bodyPr/>
+          <a:lstStyle/>
+          <a:p>
+            <a:r>
+              <a:rPr lang="de-DE" dirty="0" smtClean="0"/>
+              <a:t>Netztyp</a:t>
+            </a:r>
+          </a:p>
+          <a:p>
+            <a:pPr lvl="1"/>
+            <a:r>
+              <a:rPr lang="de-DE" dirty="0" smtClean="0"/>
+              <a:t>Theorem der linearen Separierbarkeit</a:t>
+            </a:r>
+          </a:p>
+        </p:txBody>
+      </p:sp>
+      <p:sp>
+        <p:nvSpPr>
           <p:cNvPr id="4" name="Datumsplatzhalter 3"/>
           <p:cNvSpPr>
             <a:spLocks noGrp="1"/>
@@ -3873,7 +3971,7 @@
           <a:p>
             <a:fld id="{7AC709DD-AC18-4FBA-B4E6-46DED743653E}" type="datetime1">
               <a:rPr lang="de-DE" smtClean="0"/>
-              <a:t>25.11.2015</a:t>
+              <a:t>26.11.2015</a:t>
             </a:fld>
             <a:endParaRPr lang="de-DE"/>
           </a:p>
@@ -3895,7 +3993,7 @@
           <a:lstStyle/>
           <a:p>
             <a:r>
-              <a:rPr lang="de-DE" dirty="0" smtClean="0"/>
+              <a:rPr lang="de-DE" smtClean="0"/>
               <a:t>Fakultät Informatik             Sebastian Schötteler &amp; Benedikt Hofrichter</a:t>
             </a:r>
             <a:endParaRPr lang="de-DE" dirty="0"/>
@@ -3925,196 +4023,10 @@
           </a:p>
         </p:txBody>
       </p:sp>
-      <p:sp>
-        <p:nvSpPr>
-          <p:cNvPr id="8" name="Inhaltsplatzhalter 7"/>
-          <p:cNvSpPr>
-            <a:spLocks noGrp="1"/>
-          </p:cNvSpPr>
-          <p:nvPr>
-            <p:ph idx="1"/>
-          </p:nvPr>
-        </p:nvSpPr>
-        <p:spPr/>
-        <p:txBody>
-          <a:bodyPr>
-            <a:normAutofit fontScale="92500" lnSpcReduction="20000"/>
-          </a:bodyPr>
-          <a:lstStyle/>
-          <a:p>
-            <a:pPr marL="571500" indent="-571500">
-              <a:buFont typeface="+mj-lt"/>
-              <a:buAutoNum type="romanUcPeriod"/>
-            </a:pPr>
-            <a:r>
-              <a:rPr lang="de-DE" dirty="0" smtClean="0"/>
-              <a:t>Motivation</a:t>
-            </a:r>
-          </a:p>
-          <a:p>
-            <a:pPr marL="285750" indent="-285750">
-              <a:buFont typeface="+mj-lt"/>
-              <a:buAutoNum type="romanUcPeriod"/>
-            </a:pPr>
-            <a:endParaRPr lang="de-DE" sz="100" dirty="0" smtClean="0"/>
-          </a:p>
-          <a:p>
-            <a:pPr marL="571500" indent="-571500">
-              <a:buFont typeface="+mj-lt"/>
-              <a:buAutoNum type="romanUcPeriod"/>
-            </a:pPr>
-            <a:r>
-              <a:rPr lang="de-DE" dirty="0" smtClean="0"/>
-              <a:t>Konzeption der Anwendung</a:t>
-            </a:r>
-          </a:p>
-          <a:p>
-            <a:pPr marL="571500" indent="-571500">
-              <a:buFont typeface="+mj-lt"/>
-              <a:buAutoNum type="romanUcPeriod"/>
-            </a:pPr>
-            <a:r>
-              <a:rPr lang="de-DE" dirty="0" smtClean="0"/>
-              <a:t>Konzeption des künstlichen neuronalen Netzes</a:t>
-            </a:r>
-          </a:p>
-          <a:p>
-            <a:pPr marL="285750" indent="-285750">
-              <a:buFont typeface="+mj-lt"/>
-              <a:buAutoNum type="romanUcPeriod"/>
-            </a:pPr>
-            <a:endParaRPr lang="de-DE" sz="100" dirty="0" smtClean="0"/>
-          </a:p>
-          <a:p>
-            <a:pPr marL="571500" indent="-571500">
-              <a:buFont typeface="+mj-lt"/>
-              <a:buAutoNum type="romanUcPeriod"/>
-            </a:pPr>
-            <a:r>
-              <a:rPr lang="de-DE" dirty="0" smtClean="0"/>
-              <a:t>Umsetzung der Anwendung</a:t>
-            </a:r>
-          </a:p>
-          <a:p>
-            <a:pPr marL="571500" indent="-571500">
-              <a:buFont typeface="+mj-lt"/>
-              <a:buAutoNum type="romanUcPeriod"/>
-            </a:pPr>
-            <a:r>
-              <a:rPr lang="de-DE" b="1" dirty="0" smtClean="0"/>
-              <a:t>Umsetzung des künstlichen neuronalen Netzes</a:t>
-            </a:r>
-          </a:p>
-          <a:p>
-            <a:pPr marL="571500" indent="-571500">
-              <a:buFont typeface="+mj-lt"/>
-              <a:buAutoNum type="romanUcPeriod"/>
-            </a:pPr>
-            <a:r>
-              <a:rPr lang="de-DE" dirty="0" smtClean="0"/>
-              <a:t>Zusammenführung der Komponenten</a:t>
-            </a:r>
-          </a:p>
-          <a:p>
-            <a:pPr marL="571500" indent="-571500">
-              <a:buFont typeface="+mj-lt"/>
-              <a:buAutoNum type="romanUcPeriod"/>
-            </a:pPr>
-            <a:endParaRPr lang="de-DE" sz="100" dirty="0" smtClean="0"/>
-          </a:p>
-          <a:p>
-            <a:pPr marL="571500" indent="-571500">
-              <a:buFont typeface="+mj-lt"/>
-              <a:buAutoNum type="romanUcPeriod"/>
-            </a:pPr>
-            <a:r>
-              <a:rPr lang="de-DE" dirty="0" smtClean="0"/>
-              <a:t>Vorstellung der Anwendung</a:t>
-            </a:r>
-          </a:p>
-          <a:p>
-            <a:pPr marL="285750" indent="-285750">
-              <a:buFont typeface="+mj-lt"/>
-              <a:buAutoNum type="romanUcPeriod"/>
-            </a:pPr>
-            <a:endParaRPr lang="de-DE" sz="100" dirty="0" smtClean="0"/>
-          </a:p>
-          <a:p>
-            <a:pPr marL="571500" indent="-571500">
-              <a:buFont typeface="+mj-lt"/>
-              <a:buAutoNum type="romanUcPeriod"/>
-            </a:pPr>
-            <a:r>
-              <a:rPr lang="de-DE" dirty="0" smtClean="0"/>
-              <a:t>Analyse</a:t>
-            </a:r>
-          </a:p>
-          <a:p>
-            <a:pPr marL="0" indent="0">
-              <a:buNone/>
-            </a:pPr>
-            <a:endParaRPr lang="de-DE" sz="100" dirty="0" smtClean="0"/>
-          </a:p>
-          <a:p>
-            <a:pPr marL="571500" indent="-571500">
-              <a:buFont typeface="+mj-lt"/>
-              <a:buAutoNum type="romanUcPeriod" startAt="9"/>
-            </a:pPr>
-            <a:r>
-              <a:rPr lang="de-DE" dirty="0" smtClean="0"/>
-              <a:t>Fazit</a:t>
-            </a:r>
-          </a:p>
-          <a:p>
-            <a:pPr marL="571500" indent="-571500">
-              <a:buFont typeface="+mj-lt"/>
-              <a:buAutoNum type="romanUcPeriod" startAt="9"/>
-            </a:pPr>
-            <a:endParaRPr lang="de-DE" dirty="0"/>
-          </a:p>
-        </p:txBody>
-      </p:sp>
-      <p:pic>
-        <p:nvPicPr>
-          <p:cNvPr id="9" name="Inhaltsplatzhalter 6"/>
-          <p:cNvPicPr>
-            <a:picLocks noChangeAspect="1"/>
-          </p:cNvPicPr>
-          <p:nvPr/>
-        </p:nvPicPr>
-        <p:blipFill>
-          <a:blip r:embed="rId2">
-            <a:duotone>
-              <a:schemeClr val="bg2">
-                <a:shade val="45000"/>
-                <a:satMod val="135000"/>
-              </a:schemeClr>
-              <a:prstClr val="white"/>
-            </a:duotone>
-            <a:extLst>
-              <a:ext uri="{28A0092B-C50C-407E-A947-70E740481C1C}">
-                <a14:useLocalDpi xmlns:a14="http://schemas.microsoft.com/office/drawing/2010/main" val="0"/>
-              </a:ext>
-            </a:extLst>
-          </a:blip>
-          <a:stretch>
-            <a:fillRect/>
-          </a:stretch>
-        </p:blipFill>
-        <p:spPr>
-          <a:xfrm>
-            <a:off x="8566434" y="365125"/>
-            <a:ext cx="3250865" cy="2589856"/>
-          </a:xfrm>
-          <a:prstGeom prst="rect">
-            <a:avLst/>
-          </a:prstGeom>
-        </p:spPr>
-      </p:pic>
     </p:spTree>
     <p:extLst>
       <p:ext uri="{BB962C8B-B14F-4D97-AF65-F5344CB8AC3E}">
-        <p14:creationId xmlns:p14="http://schemas.microsoft.com/office/powerpoint/2010/main" val="3353182248"/>
+        <p14:creationId xmlns:p14="http://schemas.microsoft.com/office/powerpoint/2010/main" val="135089769"/>
       </p:ext>
     </p:extLst>
   </p:cSld>
@@ -4165,11 +4077,11 @@
           <a:p>
             <a:pPr marL="857250" indent="-857250">
               <a:buFont typeface="+mj-lt"/>
-              <a:buAutoNum type="romanUcPeriod" startAt="5"/>
+              <a:buAutoNum type="romanUcPeriod" startAt="3"/>
             </a:pPr>
             <a:r>
               <a:rPr lang="de-DE" b="1" dirty="0" smtClean="0"/>
-              <a:t>Umsetzung des künstlichen neuronalen Netzes</a:t>
+              <a:t>Konzeption des künstlichen neuronalen Netzes</a:t>
             </a:r>
             <a:endParaRPr lang="de-DE" dirty="0"/>
           </a:p>
@@ -4190,7 +4102,17 @@
           <a:bodyPr/>
           <a:lstStyle/>
           <a:p>
-            <a:endParaRPr lang="de-DE"/>
+            <a:r>
+              <a:rPr lang="de-DE" dirty="0" smtClean="0"/>
+              <a:t>Netztyp</a:t>
+            </a:r>
+          </a:p>
+          <a:p>
+            <a:pPr lvl="1"/>
+            <a:r>
+              <a:rPr lang="de-DE" dirty="0" smtClean="0"/>
+              <a:t>Theorem der linearen Separierbarkeit</a:t>
+            </a:r>
           </a:p>
         </p:txBody>
       </p:sp>
@@ -4211,7 +4133,7 @@
           <a:p>
             <a:fld id="{7AC709DD-AC18-4FBA-B4E6-46DED743653E}" type="datetime1">
               <a:rPr lang="de-DE" smtClean="0"/>
-              <a:t>25.11.2015</a:t>
+              <a:t>26.11.2015</a:t>
             </a:fld>
             <a:endParaRPr lang="de-DE"/>
           </a:p>
@@ -4263,10 +4185,40 @@
           </a:p>
         </p:txBody>
       </p:sp>
+      <p:pic>
+        <p:nvPicPr>
+          <p:cNvPr id="7" name="Grafik 6"/>
+          <p:cNvPicPr>
+            <a:picLocks noChangeAspect="1"/>
+          </p:cNvPicPr>
+          <p:nvPr/>
+        </p:nvPicPr>
+        <p:blipFill>
+          <a:blip r:embed="rId2">
+            <a:extLst>
+              <a:ext uri="{28A0092B-C50C-407E-A947-70E740481C1C}">
+                <a14:useLocalDpi xmlns:a14="http://schemas.microsoft.com/office/drawing/2010/main" val="0"/>
+              </a:ext>
+            </a:extLst>
+          </a:blip>
+          <a:stretch>
+            <a:fillRect/>
+          </a:stretch>
+        </p:blipFill>
+        <p:spPr>
+          <a:xfrm>
+            <a:off x="3087801" y="2821380"/>
+            <a:ext cx="6016397" cy="3355583"/>
+          </a:xfrm>
+          <a:prstGeom prst="rect">
+            <a:avLst/>
+          </a:prstGeom>
+        </p:spPr>
+      </p:pic>
     </p:spTree>
     <p:extLst>
       <p:ext uri="{BB962C8B-B14F-4D97-AF65-F5344CB8AC3E}">
-        <p14:creationId xmlns:p14="http://schemas.microsoft.com/office/powerpoint/2010/main" val="4218416104"/>
+        <p14:creationId xmlns:p14="http://schemas.microsoft.com/office/powerpoint/2010/main" val="1107345084"/>
       </p:ext>
     </p:extLst>
   </p:cSld>
@@ -4302,6 +4254,69 @@
       </p:grpSpPr>
       <p:sp>
         <p:nvSpPr>
+          <p:cNvPr id="2" name="Titel 1"/>
+          <p:cNvSpPr>
+            <a:spLocks noGrp="1"/>
+          </p:cNvSpPr>
+          <p:nvPr>
+            <p:ph type="title"/>
+          </p:nvPr>
+        </p:nvSpPr>
+        <p:spPr/>
+        <p:txBody>
+          <a:bodyPr/>
+          <a:lstStyle/>
+          <a:p>
+            <a:pPr marL="857250" indent="-857250">
+              <a:buFont typeface="+mj-lt"/>
+              <a:buAutoNum type="romanUcPeriod" startAt="3"/>
+            </a:pPr>
+            <a:r>
+              <a:rPr lang="de-DE" b="1" dirty="0" smtClean="0"/>
+              <a:t>Konzeption des künstlichen neuronalen Netzes</a:t>
+            </a:r>
+            <a:endParaRPr lang="de-DE" dirty="0"/>
+          </a:p>
+        </p:txBody>
+      </p:sp>
+      <p:sp>
+        <p:nvSpPr>
+          <p:cNvPr id="3" name="Inhaltsplatzhalter 2"/>
+          <p:cNvSpPr>
+            <a:spLocks noGrp="1"/>
+          </p:cNvSpPr>
+          <p:nvPr>
+            <p:ph idx="1"/>
+          </p:nvPr>
+        </p:nvSpPr>
+        <p:spPr/>
+        <p:txBody>
+          <a:bodyPr/>
+          <a:lstStyle/>
+          <a:p>
+            <a:r>
+              <a:rPr lang="de-DE" dirty="0" smtClean="0"/>
+              <a:t>Netztyp</a:t>
+            </a:r>
+          </a:p>
+          <a:p>
+            <a:pPr lvl="1"/>
+            <a:r>
+              <a:rPr lang="de-DE" dirty="0" smtClean="0"/>
+              <a:t>Theorem der linearen Separierbarkeit</a:t>
+            </a:r>
+          </a:p>
+          <a:p>
+            <a:pPr lvl="2"/>
+            <a:r>
+              <a:rPr lang="de-DE" dirty="0" smtClean="0"/>
+              <a:t>Bildlicher Beweis der Nonlinearität</a:t>
+            </a:r>
+          </a:p>
+        </p:txBody>
+      </p:sp>
+      <p:sp>
+        <p:nvSpPr>
           <p:cNvPr id="4" name="Datumsplatzhalter 3"/>
           <p:cNvSpPr>
             <a:spLocks noGrp="1"/>
@@ -4317,7 +4332,7 @@
           <a:p>
             <a:fld id="{7AC709DD-AC18-4FBA-B4E6-46DED743653E}" type="datetime1">
               <a:rPr lang="de-DE" smtClean="0"/>
-              <a:t>25.11.2015</a:t>
+              <a:t>26.11.2015</a:t>
             </a:fld>
             <a:endParaRPr lang="de-DE"/>
           </a:p>
@@ -4339,7 +4354,7 @@
           <a:lstStyle/>
           <a:p>
             <a:r>
-              <a:rPr lang="de-DE" dirty="0" smtClean="0"/>
+              <a:rPr lang="de-DE" smtClean="0"/>
               <a:t>Fakultät Informatik             Sebastian Schötteler &amp; Benedikt Hofrichter</a:t>
             </a:r>
             <a:endParaRPr lang="de-DE" dirty="0"/>
@@ -4369,196 +4384,10 @@
           </a:p>
         </p:txBody>
       </p:sp>
-      <p:sp>
-        <p:nvSpPr>
-          <p:cNvPr id="8" name="Inhaltsplatzhalter 7"/>
-          <p:cNvSpPr>
-            <a:spLocks noGrp="1"/>
-          </p:cNvSpPr>
-          <p:nvPr>
-            <p:ph idx="1"/>
-          </p:nvPr>
-        </p:nvSpPr>
-        <p:spPr/>
-        <p:txBody>
-          <a:bodyPr>
-            <a:normAutofit fontScale="92500" lnSpcReduction="20000"/>
-          </a:bodyPr>
-          <a:lstStyle/>
-          <a:p>
-            <a:pPr marL="571500" indent="-571500">
-              <a:buFont typeface="+mj-lt"/>
-              <a:buAutoNum type="romanUcPeriod"/>
-            </a:pPr>
-            <a:r>
-              <a:rPr lang="de-DE" dirty="0" smtClean="0"/>
-              <a:t>Motivation</a:t>
-            </a:r>
-          </a:p>
-          <a:p>
-            <a:pPr marL="285750" indent="-285750">
-              <a:buFont typeface="+mj-lt"/>
-              <a:buAutoNum type="romanUcPeriod"/>
-            </a:pPr>
-            <a:endParaRPr lang="de-DE" sz="100" dirty="0" smtClean="0"/>
-          </a:p>
-          <a:p>
-            <a:pPr marL="571500" indent="-571500">
-              <a:buFont typeface="+mj-lt"/>
-              <a:buAutoNum type="romanUcPeriod"/>
-            </a:pPr>
-            <a:r>
-              <a:rPr lang="de-DE" dirty="0" smtClean="0"/>
-              <a:t>Konzeption der Anwendung</a:t>
-            </a:r>
-          </a:p>
-          <a:p>
-            <a:pPr marL="571500" indent="-571500">
-              <a:buFont typeface="+mj-lt"/>
-              <a:buAutoNum type="romanUcPeriod"/>
-            </a:pPr>
-            <a:r>
-              <a:rPr lang="de-DE" dirty="0" smtClean="0"/>
-              <a:t>Konzeption des künstlichen neuronalen Netzes</a:t>
-            </a:r>
-          </a:p>
-          <a:p>
-            <a:pPr marL="285750" indent="-285750">
-              <a:buFont typeface="+mj-lt"/>
-              <a:buAutoNum type="romanUcPeriod"/>
-            </a:pPr>
-            <a:endParaRPr lang="de-DE" sz="100" dirty="0" smtClean="0"/>
-          </a:p>
-          <a:p>
-            <a:pPr marL="571500" indent="-571500">
-              <a:buFont typeface="+mj-lt"/>
-              <a:buAutoNum type="romanUcPeriod"/>
-            </a:pPr>
-            <a:r>
-              <a:rPr lang="de-DE" dirty="0" smtClean="0"/>
-              <a:t>Umsetzung der Anwendung</a:t>
-            </a:r>
-          </a:p>
-          <a:p>
-            <a:pPr marL="571500" indent="-571500">
-              <a:buFont typeface="+mj-lt"/>
-              <a:buAutoNum type="romanUcPeriod"/>
-            </a:pPr>
-            <a:r>
-              <a:rPr lang="de-DE" dirty="0" smtClean="0"/>
-              <a:t>Umsetzung des künstlichen neuronalen Netzes</a:t>
-            </a:r>
-          </a:p>
-          <a:p>
-            <a:pPr marL="571500" indent="-571500">
-              <a:buFont typeface="+mj-lt"/>
-              <a:buAutoNum type="romanUcPeriod"/>
-            </a:pPr>
-            <a:r>
-              <a:rPr lang="de-DE" b="1" dirty="0" smtClean="0"/>
-              <a:t>Zusammenführung der Komponenten</a:t>
-            </a:r>
-          </a:p>
-          <a:p>
-            <a:pPr marL="571500" indent="-571500">
-              <a:buFont typeface="+mj-lt"/>
-              <a:buAutoNum type="romanUcPeriod"/>
-            </a:pPr>
-            <a:endParaRPr lang="de-DE" sz="100" dirty="0" smtClean="0"/>
-          </a:p>
-          <a:p>
-            <a:pPr marL="571500" indent="-571500">
-              <a:buFont typeface="+mj-lt"/>
-              <a:buAutoNum type="romanUcPeriod"/>
-            </a:pPr>
-            <a:r>
-              <a:rPr lang="de-DE" dirty="0" smtClean="0"/>
-              <a:t>Vorstellung der Anwendung</a:t>
-            </a:r>
-          </a:p>
-          <a:p>
-            <a:pPr marL="285750" indent="-285750">
-              <a:buFont typeface="+mj-lt"/>
-              <a:buAutoNum type="romanUcPeriod"/>
-            </a:pPr>
-            <a:endParaRPr lang="de-DE" sz="100" dirty="0" smtClean="0"/>
-          </a:p>
-          <a:p>
-            <a:pPr marL="571500" indent="-571500">
-              <a:buFont typeface="+mj-lt"/>
-              <a:buAutoNum type="romanUcPeriod"/>
-            </a:pPr>
-            <a:r>
-              <a:rPr lang="de-DE" dirty="0" smtClean="0"/>
-              <a:t>Analyse</a:t>
-            </a:r>
-          </a:p>
-          <a:p>
-            <a:pPr marL="0" indent="0">
-              <a:buNone/>
-            </a:pPr>
-            <a:endParaRPr lang="de-DE" sz="100" dirty="0" smtClean="0"/>
-          </a:p>
-          <a:p>
-            <a:pPr marL="571500" indent="-571500">
-              <a:buFont typeface="+mj-lt"/>
-              <a:buAutoNum type="romanUcPeriod" startAt="9"/>
-            </a:pPr>
-            <a:r>
-              <a:rPr lang="de-DE" dirty="0" smtClean="0"/>
-              <a:t>Fazit</a:t>
-            </a:r>
-          </a:p>
-          <a:p>
-            <a:pPr marL="571500" indent="-571500">
-              <a:buFont typeface="+mj-lt"/>
-              <a:buAutoNum type="romanUcPeriod" startAt="9"/>
-            </a:pPr>
-            <a:endParaRPr lang="de-DE" dirty="0"/>
-          </a:p>
-        </p:txBody>
-      </p:sp>
-      <p:pic>
-        <p:nvPicPr>
-          <p:cNvPr id="9" name="Inhaltsplatzhalter 6"/>
-          <p:cNvPicPr>
-            <a:picLocks noChangeAspect="1"/>
-          </p:cNvPicPr>
-          <p:nvPr/>
-        </p:nvPicPr>
-        <p:blipFill>
-          <a:blip r:embed="rId2">
-            <a:duotone>
-              <a:schemeClr val="bg2">
-                <a:shade val="45000"/>
-                <a:satMod val="135000"/>
-              </a:schemeClr>
-              <a:prstClr val="white"/>
-            </a:duotone>
-            <a:extLst>
-              <a:ext uri="{28A0092B-C50C-407E-A947-70E740481C1C}">
-                <a14:useLocalDpi xmlns:a14="http://schemas.microsoft.com/office/drawing/2010/main" val="0"/>
-              </a:ext>
-            </a:extLst>
-          </a:blip>
-          <a:stretch>
-            <a:fillRect/>
-          </a:stretch>
-        </p:blipFill>
-        <p:spPr>
-          <a:xfrm>
-            <a:off x="8566434" y="365125"/>
-            <a:ext cx="3250865" cy="2589856"/>
-          </a:xfrm>
-          <a:prstGeom prst="rect">
-            <a:avLst/>
-          </a:prstGeom>
-        </p:spPr>
-      </p:pic>
     </p:spTree>
     <p:extLst>
       <p:ext uri="{BB962C8B-B14F-4D97-AF65-F5344CB8AC3E}">
-        <p14:creationId xmlns:p14="http://schemas.microsoft.com/office/powerpoint/2010/main" val="2535866213"/>
+        <p14:creationId xmlns:p14="http://schemas.microsoft.com/office/powerpoint/2010/main" val="2876336470"/>
       </p:ext>
     </p:extLst>
   </p:cSld>
@@ -4609,11 +4438,11 @@
           <a:p>
             <a:pPr marL="857250" indent="-857250">
               <a:buFont typeface="+mj-lt"/>
-              <a:buAutoNum type="romanUcPeriod" startAt="6"/>
+              <a:buAutoNum type="romanUcPeriod" startAt="3"/>
             </a:pPr>
             <a:r>
               <a:rPr lang="de-DE" b="1" dirty="0" smtClean="0"/>
-              <a:t>Zusammenführung der Komponenten</a:t>
+              <a:t>Konzeption des künstlichen neuronalen Netzes</a:t>
             </a:r>
             <a:endParaRPr lang="de-DE" dirty="0"/>
           </a:p>
@@ -4634,7 +4463,18 @@
           <a:bodyPr/>
           <a:lstStyle/>
           <a:p>
-            <a:endParaRPr lang="de-DE"/>
+            <a:r>
+              <a:rPr lang="de-DE" dirty="0" smtClean="0"/>
+              <a:t>Netztyp</a:t>
+            </a:r>
+          </a:p>
+          <a:p>
+            <a:pPr lvl="1"/>
+            <a:r>
+              <a:rPr lang="de-DE" dirty="0" smtClean="0"/>
+              <a:t>Theorem von Komolgorov</a:t>
+            </a:r>
+            <a:endParaRPr lang="de-DE" dirty="0"/>
           </a:p>
         </p:txBody>
       </p:sp>
@@ -4655,7 +4495,7 @@
           <a:p>
             <a:fld id="{7AC709DD-AC18-4FBA-B4E6-46DED743653E}" type="datetime1">
               <a:rPr lang="de-DE" smtClean="0"/>
-              <a:t>25.11.2015</a:t>
+              <a:t>26.11.2015</a:t>
             </a:fld>
             <a:endParaRPr lang="de-DE"/>
           </a:p>
@@ -4710,7 +4550,7 @@
     </p:spTree>
     <p:extLst>
       <p:ext uri="{BB962C8B-B14F-4D97-AF65-F5344CB8AC3E}">
-        <p14:creationId xmlns:p14="http://schemas.microsoft.com/office/powerpoint/2010/main" val="403237695"/>
+        <p14:creationId xmlns:p14="http://schemas.microsoft.com/office/powerpoint/2010/main" val="2559932396"/>
       </p:ext>
     </p:extLst>
   </p:cSld>
@@ -4746,6 +4586,126 @@
       </p:grpSpPr>
       <p:sp>
         <p:nvSpPr>
+          <p:cNvPr id="2" name="Titel 1"/>
+          <p:cNvSpPr>
+            <a:spLocks noGrp="1"/>
+          </p:cNvSpPr>
+          <p:nvPr>
+            <p:ph type="title"/>
+          </p:nvPr>
+        </p:nvSpPr>
+        <p:spPr/>
+        <p:txBody>
+          <a:bodyPr/>
+          <a:lstStyle/>
+          <a:p>
+            <a:pPr marL="857250" indent="-857250">
+              <a:buFont typeface="+mj-lt"/>
+              <a:buAutoNum type="romanUcPeriod" startAt="3"/>
+            </a:pPr>
+            <a:r>
+              <a:rPr lang="de-DE" b="1" dirty="0" smtClean="0"/>
+              <a:t>Konzeption des künstlichen neuronalen Netzes</a:t>
+            </a:r>
+            <a:endParaRPr lang="de-DE" dirty="0"/>
+          </a:p>
+        </p:txBody>
+      </p:sp>
+      <p:sp>
+        <p:nvSpPr>
+          <p:cNvPr id="3" name="Inhaltsplatzhalter 2"/>
+          <p:cNvSpPr>
+            <a:spLocks noGrp="1"/>
+          </p:cNvSpPr>
+          <p:nvPr>
+            <p:ph idx="1"/>
+          </p:nvPr>
+        </p:nvSpPr>
+        <p:spPr/>
+        <p:txBody>
+          <a:bodyPr/>
+          <a:lstStyle/>
+          <a:p>
+            <a:r>
+              <a:rPr lang="de-DE" dirty="0" smtClean="0"/>
+              <a:t>Topologie</a:t>
+            </a:r>
+          </a:p>
+          <a:p>
+            <a:pPr lvl="1"/>
+            <a:r>
+              <a:rPr lang="de-DE" dirty="0" smtClean="0"/>
+              <a:t>K</a:t>
+            </a:r>
+            <a:r>
+              <a:rPr lang="de-DE" baseline="-25000" dirty="0" smtClean="0"/>
+              <a:t>i</a:t>
+            </a:r>
+            <a:r>
+              <a:rPr lang="de-DE" dirty="0" smtClean="0"/>
+              <a:t> = Börsenkurs des DAX am Tag i.</a:t>
+            </a:r>
+            <a:endParaRPr lang="de-DE" dirty="0" smtClean="0"/>
+          </a:p>
+          <a:p>
+            <a:pPr lvl="1"/>
+            <a:r>
+              <a:rPr lang="de-DE" dirty="0" smtClean="0"/>
+              <a:t>Ein Vektor V mit V = ((K</a:t>
+            </a:r>
+            <a:r>
+              <a:rPr lang="de-DE" baseline="-25000" dirty="0" smtClean="0"/>
+              <a:t>i-3</a:t>
+            </a:r>
+            <a:r>
+              <a:rPr lang="de-DE" dirty="0" smtClean="0"/>
+              <a:t>),(K</a:t>
+            </a:r>
+            <a:r>
+              <a:rPr lang="de-DE" baseline="-25000" dirty="0" smtClean="0"/>
+              <a:t>i-2</a:t>
+            </a:r>
+            <a:r>
+              <a:rPr lang="de-DE" dirty="0" smtClean="0"/>
+              <a:t>),(K</a:t>
+            </a:r>
+            <a:r>
+              <a:rPr lang="de-DE" baseline="-25000" dirty="0" smtClean="0"/>
+              <a:t>i-1</a:t>
+            </a:r>
+            <a:r>
+              <a:rPr lang="de-DE" dirty="0" smtClean="0"/>
+              <a:t>),(K</a:t>
+            </a:r>
+            <a:r>
+              <a:rPr lang="de-DE" baseline="-25000" dirty="0" smtClean="0"/>
+              <a:t>i</a:t>
+            </a:r>
+            <a:r>
+              <a:rPr lang="de-DE" dirty="0" smtClean="0"/>
+              <a:t>)) der Länge 4 als Input</a:t>
+            </a:r>
+          </a:p>
+          <a:p>
+            <a:pPr lvl="1"/>
+            <a:r>
+              <a:rPr lang="de-DE" dirty="0" smtClean="0"/>
+              <a:t>Ein Skalarwert K</a:t>
+            </a:r>
+            <a:r>
+              <a:rPr lang="de-DE" baseline="-25000" dirty="0" smtClean="0"/>
+              <a:t>i+1</a:t>
+            </a:r>
+            <a:r>
+              <a:rPr lang="de-DE" dirty="0" smtClean="0"/>
+              <a:t> als Output</a:t>
+            </a:r>
+            <a:endParaRPr lang="de-DE" dirty="0"/>
+          </a:p>
+        </p:txBody>
+      </p:sp>
+      <p:sp>
+        <p:nvSpPr>
           <p:cNvPr id="4" name="Datumsplatzhalter 3"/>
           <p:cNvSpPr>
             <a:spLocks noGrp="1"/>
@@ -4761,7 +4721,7 @@
           <a:p>
             <a:fld id="{7AC709DD-AC18-4FBA-B4E6-46DED743653E}" type="datetime1">
               <a:rPr lang="de-DE" smtClean="0"/>
-              <a:t>25.11.2015</a:t>
+              <a:t>26.11.2015</a:t>
             </a:fld>
             <a:endParaRPr lang="de-DE"/>
           </a:p>
@@ -4783,7 +4743,7 @@
           <a:lstStyle/>
           <a:p>
             <a:r>
-              <a:rPr lang="de-DE" dirty="0" smtClean="0"/>
+              <a:rPr lang="de-DE" smtClean="0"/>
               <a:t>Fakultät Informatik             Sebastian Schötteler &amp; Benedikt Hofrichter</a:t>
             </a:r>
             <a:endParaRPr lang="de-DE" dirty="0"/>
@@ -4813,196 +4773,10 @@
           </a:p>
         </p:txBody>
       </p:sp>
-      <p:sp>
-        <p:nvSpPr>
-          <p:cNvPr id="8" name="Inhaltsplatzhalter 7"/>
-          <p:cNvSpPr>
-            <a:spLocks noGrp="1"/>
-          </p:cNvSpPr>
-          <p:nvPr>
-            <p:ph idx="1"/>
-          </p:nvPr>
-        </p:nvSpPr>
-        <p:spPr/>
-        <p:txBody>
-          <a:bodyPr>
-            <a:normAutofit fontScale="92500" lnSpcReduction="20000"/>
-          </a:bodyPr>
-          <a:lstStyle/>
-          <a:p>
-            <a:pPr marL="571500" indent="-571500">
-              <a:buFont typeface="+mj-lt"/>
-              <a:buAutoNum type="romanUcPeriod"/>
-            </a:pPr>
-            <a:r>
-              <a:rPr lang="de-DE" dirty="0" smtClean="0"/>
-              <a:t>Motivation</a:t>
-            </a:r>
-          </a:p>
-          <a:p>
-            <a:pPr marL="285750" indent="-285750">
-              <a:buFont typeface="+mj-lt"/>
-              <a:buAutoNum type="romanUcPeriod"/>
-            </a:pPr>
-            <a:endParaRPr lang="de-DE" sz="100" dirty="0" smtClean="0"/>
-          </a:p>
-          <a:p>
-            <a:pPr marL="571500" indent="-571500">
-              <a:buFont typeface="+mj-lt"/>
-              <a:buAutoNum type="romanUcPeriod"/>
-            </a:pPr>
-            <a:r>
-              <a:rPr lang="de-DE" dirty="0" smtClean="0"/>
-              <a:t>Konzeption der Anwendung</a:t>
-            </a:r>
-          </a:p>
-          <a:p>
-            <a:pPr marL="571500" indent="-571500">
-              <a:buFont typeface="+mj-lt"/>
-              <a:buAutoNum type="romanUcPeriod"/>
-            </a:pPr>
-            <a:r>
-              <a:rPr lang="de-DE" dirty="0" smtClean="0"/>
-              <a:t>Konzeption des künstlichen neuronalen Netzes</a:t>
-            </a:r>
-          </a:p>
-          <a:p>
-            <a:pPr marL="285750" indent="-285750">
-              <a:buFont typeface="+mj-lt"/>
-              <a:buAutoNum type="romanUcPeriod"/>
-            </a:pPr>
-            <a:endParaRPr lang="de-DE" sz="100" dirty="0" smtClean="0"/>
-          </a:p>
-          <a:p>
-            <a:pPr marL="571500" indent="-571500">
-              <a:buFont typeface="+mj-lt"/>
-              <a:buAutoNum type="romanUcPeriod"/>
-            </a:pPr>
-            <a:r>
-              <a:rPr lang="de-DE" dirty="0" smtClean="0"/>
-              <a:t>Umsetzung der Anwendung</a:t>
-            </a:r>
-          </a:p>
-          <a:p>
-            <a:pPr marL="571500" indent="-571500">
-              <a:buFont typeface="+mj-lt"/>
-              <a:buAutoNum type="romanUcPeriod"/>
-            </a:pPr>
-            <a:r>
-              <a:rPr lang="de-DE" dirty="0" smtClean="0"/>
-              <a:t>Umsetzung des künstlichen neuronalen Netzes</a:t>
-            </a:r>
-          </a:p>
-          <a:p>
-            <a:pPr marL="571500" indent="-571500">
-              <a:buFont typeface="+mj-lt"/>
-              <a:buAutoNum type="romanUcPeriod"/>
-            </a:pPr>
-            <a:r>
-              <a:rPr lang="de-DE" dirty="0" smtClean="0"/>
-              <a:t>Zusammenführung der Komponenten</a:t>
-            </a:r>
-          </a:p>
-          <a:p>
-            <a:pPr marL="571500" indent="-571500">
-              <a:buFont typeface="+mj-lt"/>
-              <a:buAutoNum type="romanUcPeriod"/>
-            </a:pPr>
-            <a:endParaRPr lang="de-DE" sz="100" dirty="0" smtClean="0"/>
-          </a:p>
-          <a:p>
-            <a:pPr marL="571500" indent="-571500">
-              <a:buFont typeface="+mj-lt"/>
-              <a:buAutoNum type="romanUcPeriod"/>
-            </a:pPr>
-            <a:r>
-              <a:rPr lang="de-DE" b="1" dirty="0" smtClean="0"/>
-              <a:t>Vorstellung der Anwendung</a:t>
-            </a:r>
-          </a:p>
-          <a:p>
-            <a:pPr marL="285750" indent="-285750">
-              <a:buFont typeface="+mj-lt"/>
-              <a:buAutoNum type="romanUcPeriod"/>
-            </a:pPr>
-            <a:endParaRPr lang="de-DE" sz="100" dirty="0" smtClean="0"/>
-          </a:p>
-          <a:p>
-            <a:pPr marL="571500" indent="-571500">
-              <a:buFont typeface="+mj-lt"/>
-              <a:buAutoNum type="romanUcPeriod"/>
-            </a:pPr>
-            <a:r>
-              <a:rPr lang="de-DE" dirty="0" smtClean="0"/>
-              <a:t>Analyse</a:t>
-            </a:r>
-          </a:p>
-          <a:p>
-            <a:pPr marL="0" indent="0">
-              <a:buNone/>
-            </a:pPr>
-            <a:endParaRPr lang="de-DE" sz="100" dirty="0" smtClean="0"/>
-          </a:p>
-          <a:p>
-            <a:pPr marL="571500" indent="-571500">
-              <a:buFont typeface="+mj-lt"/>
-              <a:buAutoNum type="romanUcPeriod" startAt="9"/>
-            </a:pPr>
-            <a:r>
-              <a:rPr lang="de-DE" dirty="0" smtClean="0"/>
-              <a:t>Fazit</a:t>
-            </a:r>
-          </a:p>
-          <a:p>
-            <a:pPr marL="571500" indent="-571500">
-              <a:buFont typeface="+mj-lt"/>
-              <a:buAutoNum type="romanUcPeriod" startAt="9"/>
-            </a:pPr>
-            <a:endParaRPr lang="de-DE" dirty="0"/>
-          </a:p>
-        </p:txBody>
-      </p:sp>
-      <p:pic>
-        <p:nvPicPr>
-          <p:cNvPr id="9" name="Inhaltsplatzhalter 6"/>
-          <p:cNvPicPr>
-            <a:picLocks noChangeAspect="1"/>
-          </p:cNvPicPr>
-          <p:nvPr/>
-        </p:nvPicPr>
-        <p:blipFill>
-          <a:blip r:embed="rId2">
-            <a:duotone>
-              <a:schemeClr val="bg2">
-                <a:shade val="45000"/>
-                <a:satMod val="135000"/>
-              </a:schemeClr>
-              <a:prstClr val="white"/>
-            </a:duotone>
-            <a:extLst>
-              <a:ext uri="{28A0092B-C50C-407E-A947-70E740481C1C}">
-                <a14:useLocalDpi xmlns:a14="http://schemas.microsoft.com/office/drawing/2010/main" val="0"/>
-              </a:ext>
-            </a:extLst>
-          </a:blip>
-          <a:stretch>
-            <a:fillRect/>
-          </a:stretch>
-        </p:blipFill>
-        <p:spPr>
-          <a:xfrm>
-            <a:off x="8566434" y="365125"/>
-            <a:ext cx="3250865" cy="2589856"/>
-          </a:xfrm>
-          <a:prstGeom prst="rect">
-            <a:avLst/>
-          </a:prstGeom>
-        </p:spPr>
-      </p:pic>
     </p:spTree>
     <p:extLst>
       <p:ext uri="{BB962C8B-B14F-4D97-AF65-F5344CB8AC3E}">
-        <p14:creationId xmlns:p14="http://schemas.microsoft.com/office/powerpoint/2010/main" val="4094910121"/>
+        <p14:creationId xmlns:p14="http://schemas.microsoft.com/office/powerpoint/2010/main" val="3440681286"/>
       </p:ext>
     </p:extLst>
   </p:cSld>
@@ -5053,13 +4827,13 @@
           <a:p>
             <a:pPr marL="857250" indent="-857250">
               <a:buFont typeface="+mj-lt"/>
-              <a:buAutoNum type="romanUcPeriod" startAt="7"/>
+              <a:buAutoNum type="romanUcPeriod" startAt="3"/>
             </a:pPr>
             <a:r>
               <a:rPr lang="de-DE" b="1" dirty="0" smtClean="0"/>
-              <a:t>Vorstellung der Anwendung</a:t>
-            </a:r>
-            <a:endParaRPr lang="de-DE" b="1" dirty="0"/>
+              <a:t>Konzeption des künstlichen neuronalen Netzes</a:t>
+            </a:r>
+            <a:endParaRPr lang="de-DE" dirty="0"/>
           </a:p>
         </p:txBody>
       </p:sp>
@@ -5078,7 +4852,10 @@
           <a:bodyPr/>
           <a:lstStyle/>
           <a:p>
-            <a:endParaRPr lang="de-DE"/>
+            <a:r>
+              <a:rPr lang="de-DE" dirty="0" smtClean="0"/>
+              <a:t>Topologie</a:t>
+            </a:r>
           </a:p>
         </p:txBody>
       </p:sp>
@@ -5099,7 +4876,7 @@
           <a:p>
             <a:fld id="{7AC709DD-AC18-4FBA-B4E6-46DED743653E}" type="datetime1">
               <a:rPr lang="de-DE" smtClean="0"/>
-              <a:t>25.11.2015</a:t>
+              <a:t>26.11.2015</a:t>
             </a:fld>
             <a:endParaRPr lang="de-DE"/>
           </a:p>
@@ -5151,10 +4928,34 @@
           </a:p>
         </p:txBody>
       </p:sp>
+      <p:pic>
+        <p:nvPicPr>
+          <p:cNvPr id="8" name="Grafik 7"/>
+          <p:cNvPicPr>
+            <a:picLocks noChangeAspect="1"/>
+          </p:cNvPicPr>
+          <p:nvPr/>
+        </p:nvPicPr>
+        <p:blipFill>
+          <a:blip r:embed="rId2"/>
+          <a:stretch>
+            <a:fillRect/>
+          </a:stretch>
+        </p:blipFill>
+        <p:spPr>
+          <a:xfrm>
+            <a:off x="3296748" y="2212704"/>
+            <a:ext cx="6021121" cy="3964260"/>
+          </a:xfrm>
+          <a:prstGeom prst="rect">
+            <a:avLst/>
+          </a:prstGeom>
+        </p:spPr>
+      </p:pic>
     </p:spTree>
     <p:extLst>
       <p:ext uri="{BB962C8B-B14F-4D97-AF65-F5344CB8AC3E}">
-        <p14:creationId xmlns:p14="http://schemas.microsoft.com/office/powerpoint/2010/main" val="214419860"/>
+        <p14:creationId xmlns:p14="http://schemas.microsoft.com/office/powerpoint/2010/main" val="2237393648"/>
       </p:ext>
     </p:extLst>
   </p:cSld>
@@ -5190,6 +4991,55 @@
       </p:grpSpPr>
       <p:sp>
         <p:nvSpPr>
+          <p:cNvPr id="2" name="Titel 1"/>
+          <p:cNvSpPr>
+            <a:spLocks noGrp="1"/>
+          </p:cNvSpPr>
+          <p:nvPr>
+            <p:ph type="title"/>
+          </p:nvPr>
+        </p:nvSpPr>
+        <p:spPr/>
+        <p:txBody>
+          <a:bodyPr/>
+          <a:lstStyle/>
+          <a:p>
+            <a:pPr marL="857250" indent="-857250">
+              <a:buFont typeface="+mj-lt"/>
+              <a:buAutoNum type="romanUcPeriod" startAt="3"/>
+            </a:pPr>
+            <a:r>
+              <a:rPr lang="de-DE" b="1" dirty="0" smtClean="0"/>
+              <a:t>Konzeption des künstlichen neuronalen Netzes</a:t>
+            </a:r>
+            <a:endParaRPr lang="de-DE" dirty="0"/>
+          </a:p>
+        </p:txBody>
+      </p:sp>
+      <p:sp>
+        <p:nvSpPr>
+          <p:cNvPr id="3" name="Inhaltsplatzhalter 2"/>
+          <p:cNvSpPr>
+            <a:spLocks noGrp="1"/>
+          </p:cNvSpPr>
+          <p:nvPr>
+            <p:ph idx="1"/>
+          </p:nvPr>
+        </p:nvSpPr>
+        <p:spPr/>
+        <p:txBody>
+          <a:bodyPr/>
+          <a:lstStyle/>
+          <a:p>
+            <a:r>
+              <a:rPr lang="de-DE" dirty="0" smtClean="0"/>
+              <a:t>Topologie</a:t>
+            </a:r>
+          </a:p>
+        </p:txBody>
+      </p:sp>
+      <p:sp>
+        <p:nvSpPr>
           <p:cNvPr id="4" name="Datumsplatzhalter 3"/>
           <p:cNvSpPr>
             <a:spLocks noGrp="1"/>
@@ -5205,7 +5055,7 @@
           <a:p>
             <a:fld id="{7AC709DD-AC18-4FBA-B4E6-46DED743653E}" type="datetime1">
               <a:rPr lang="de-DE" smtClean="0"/>
-              <a:t>25.11.2015</a:t>
+              <a:t>26.11.2015</a:t>
             </a:fld>
             <a:endParaRPr lang="de-DE"/>
           </a:p>
@@ -5227,7 +5077,7 @@
           <a:lstStyle/>
           <a:p>
             <a:r>
-              <a:rPr lang="de-DE" dirty="0" smtClean="0"/>
+              <a:rPr lang="de-DE" smtClean="0"/>
               <a:t>Fakultät Informatik             Sebastian Schötteler &amp; Benedikt Hofrichter</a:t>
             </a:r>
             <a:endParaRPr lang="de-DE" dirty="0"/>
@@ -5257,196 +5107,80 @@
           </a:p>
         </p:txBody>
       </p:sp>
-      <p:sp>
-        <p:nvSpPr>
-          <p:cNvPr id="8" name="Inhaltsplatzhalter 7"/>
-          <p:cNvSpPr>
-            <a:spLocks noGrp="1"/>
-          </p:cNvSpPr>
-          <p:nvPr>
-            <p:ph idx="1"/>
-          </p:nvPr>
-        </p:nvSpPr>
-        <p:spPr/>
-        <p:txBody>
-          <a:bodyPr>
-            <a:normAutofit fontScale="92500" lnSpcReduction="20000"/>
-          </a:bodyPr>
-          <a:lstStyle/>
-          <a:p>
-            <a:pPr marL="571500" indent="-571500">
-              <a:buFont typeface="+mj-lt"/>
-              <a:buAutoNum type="romanUcPeriod"/>
-            </a:pPr>
-            <a:r>
-              <a:rPr lang="de-DE" dirty="0" smtClean="0"/>
-              <a:t>Motivation</a:t>
-            </a:r>
-          </a:p>
-          <a:p>
-            <a:pPr marL="285750" indent="-285750">
-              <a:buFont typeface="+mj-lt"/>
-              <a:buAutoNum type="romanUcPeriod"/>
-            </a:pPr>
-            <a:endParaRPr lang="de-DE" sz="100" dirty="0" smtClean="0"/>
-          </a:p>
-          <a:p>
-            <a:pPr marL="571500" indent="-571500">
-              <a:buFont typeface="+mj-lt"/>
-              <a:buAutoNum type="romanUcPeriod"/>
-            </a:pPr>
-            <a:r>
-              <a:rPr lang="de-DE" dirty="0" smtClean="0"/>
-              <a:t>Konzeption der Anwendung</a:t>
-            </a:r>
-          </a:p>
-          <a:p>
-            <a:pPr marL="571500" indent="-571500">
-              <a:buFont typeface="+mj-lt"/>
-              <a:buAutoNum type="romanUcPeriod"/>
-            </a:pPr>
-            <a:r>
-              <a:rPr lang="de-DE" dirty="0" smtClean="0"/>
-              <a:t>Konzeption des künstlichen neuronalen Netzes</a:t>
-            </a:r>
-          </a:p>
-          <a:p>
-            <a:pPr marL="285750" indent="-285750">
-              <a:buFont typeface="+mj-lt"/>
-              <a:buAutoNum type="romanUcPeriod"/>
-            </a:pPr>
-            <a:endParaRPr lang="de-DE" sz="100" dirty="0" smtClean="0"/>
-          </a:p>
-          <a:p>
-            <a:pPr marL="571500" indent="-571500">
-              <a:buFont typeface="+mj-lt"/>
-              <a:buAutoNum type="romanUcPeriod"/>
-            </a:pPr>
-            <a:r>
-              <a:rPr lang="de-DE" dirty="0" smtClean="0"/>
-              <a:t>Umsetzung der Anwendung</a:t>
-            </a:r>
-          </a:p>
-          <a:p>
-            <a:pPr marL="571500" indent="-571500">
-              <a:buFont typeface="+mj-lt"/>
-              <a:buAutoNum type="romanUcPeriod"/>
-            </a:pPr>
-            <a:r>
-              <a:rPr lang="de-DE" dirty="0" smtClean="0"/>
-              <a:t>Umsetzung des künstlichen neuronalen Netzes</a:t>
-            </a:r>
-          </a:p>
-          <a:p>
-            <a:pPr marL="571500" indent="-571500">
-              <a:buFont typeface="+mj-lt"/>
-              <a:buAutoNum type="romanUcPeriod"/>
-            </a:pPr>
-            <a:r>
-              <a:rPr lang="de-DE" dirty="0" smtClean="0"/>
-              <a:t>Zusammenführung der Komponenten</a:t>
-            </a:r>
-          </a:p>
-          <a:p>
-            <a:pPr marL="571500" indent="-571500">
-              <a:buFont typeface="+mj-lt"/>
-              <a:buAutoNum type="romanUcPeriod"/>
-            </a:pPr>
-            <a:endParaRPr lang="de-DE" sz="100" dirty="0" smtClean="0"/>
-          </a:p>
-          <a:p>
-            <a:pPr marL="571500" indent="-571500">
-              <a:buFont typeface="+mj-lt"/>
-              <a:buAutoNum type="romanUcPeriod"/>
-            </a:pPr>
-            <a:r>
-              <a:rPr lang="de-DE" dirty="0" smtClean="0"/>
-              <a:t>Vorstellung der Anwendung</a:t>
-            </a:r>
-          </a:p>
-          <a:p>
-            <a:pPr marL="285750" indent="-285750">
-              <a:buFont typeface="+mj-lt"/>
-              <a:buAutoNum type="romanUcPeriod"/>
-            </a:pPr>
-            <a:endParaRPr lang="de-DE" sz="100" dirty="0" smtClean="0"/>
-          </a:p>
-          <a:p>
-            <a:pPr marL="571500" indent="-571500">
-              <a:buFont typeface="+mj-lt"/>
-              <a:buAutoNum type="romanUcPeriod"/>
-            </a:pPr>
-            <a:r>
-              <a:rPr lang="de-DE" b="1" dirty="0" smtClean="0"/>
-              <a:t>Analyse</a:t>
-            </a:r>
-          </a:p>
-          <a:p>
-            <a:pPr marL="0" indent="0">
-              <a:buNone/>
-            </a:pPr>
-            <a:endParaRPr lang="de-DE" sz="100" dirty="0" smtClean="0"/>
-          </a:p>
-          <a:p>
-            <a:pPr marL="571500" indent="-571500">
-              <a:buFont typeface="+mj-lt"/>
-              <a:buAutoNum type="romanUcPeriod" startAt="9"/>
-            </a:pPr>
-            <a:r>
-              <a:rPr lang="de-DE" dirty="0" smtClean="0"/>
-              <a:t>Fazit</a:t>
-            </a:r>
-          </a:p>
-          <a:p>
-            <a:pPr marL="571500" indent="-571500">
-              <a:buFont typeface="+mj-lt"/>
-              <a:buAutoNum type="romanUcPeriod" startAt="9"/>
-            </a:pPr>
-            <a:endParaRPr lang="de-DE" dirty="0"/>
-          </a:p>
-        </p:txBody>
-      </p:sp>
       <p:pic>
         <p:nvPicPr>
-          <p:cNvPr id="9" name="Inhaltsplatzhalter 6"/>
+          <p:cNvPr id="8" name="Grafik 7"/>
           <p:cNvPicPr>
             <a:picLocks noChangeAspect="1"/>
           </p:cNvPicPr>
           <p:nvPr/>
         </p:nvPicPr>
         <p:blipFill>
-          <a:blip r:embed="rId2">
-            <a:duotone>
-              <a:schemeClr val="bg2">
-                <a:shade val="45000"/>
-                <a:satMod val="135000"/>
-              </a:schemeClr>
-              <a:prstClr val="white"/>
-            </a:duotone>
-            <a:extLst>
-              <a:ext uri="{28A0092B-C50C-407E-A947-70E740481C1C}">
-                <a14:useLocalDpi xmlns:a14="http://schemas.microsoft.com/office/drawing/2010/main" val="0"/>
-              </a:ext>
-            </a:extLst>
-          </a:blip>
+          <a:blip r:embed="rId2"/>
           <a:stretch>
             <a:fillRect/>
           </a:stretch>
         </p:blipFill>
         <p:spPr>
           <a:xfrm>
-            <a:off x="8566434" y="365125"/>
-            <a:ext cx="3250865" cy="2589856"/>
+            <a:off x="3296748" y="2212704"/>
+            <a:ext cx="6021121" cy="3964260"/>
           </a:xfrm>
           <a:prstGeom prst="rect">
             <a:avLst/>
           </a:prstGeom>
         </p:spPr>
       </p:pic>
+      <p:sp>
+        <p:nvSpPr>
+          <p:cNvPr id="7" name="Rechteck 6"/>
+          <p:cNvSpPr/>
+          <p:nvPr/>
+        </p:nvSpPr>
+        <p:spPr>
+          <a:xfrm>
+            <a:off x="3515709" y="3547241"/>
+            <a:ext cx="5760000" cy="1277007"/>
+          </a:xfrm>
+          <a:prstGeom prst="rect">
+            <a:avLst/>
+          </a:prstGeom>
+          <a:noFill/>
+          <a:ln w="25400">
+            <a:solidFill>
+              <a:schemeClr val="tx1"/>
+            </a:solidFill>
+          </a:ln>
+        </p:spPr>
+        <p:style>
+          <a:lnRef idx="2">
+            <a:schemeClr val="accent1">
+              <a:shade val="50000"/>
+            </a:schemeClr>
+          </a:lnRef>
+          <a:fillRef idx="1">
+            <a:schemeClr val="accent1"/>
+          </a:fillRef>
+          <a:effectRef idx="0">
+            <a:schemeClr val="accent1"/>
+          </a:effectRef>
+          <a:fontRef idx="minor">
+            <a:schemeClr val="lt1"/>
+          </a:fontRef>
+        </p:style>
+        <p:txBody>
+          <a:bodyPr rtlCol="0" anchor="ctr"/>
+          <a:lstStyle/>
+          <a:p>
+            <a:pPr algn="ctr"/>
+            <a:endParaRPr lang="de-DE"/>
+          </a:p>
+        </p:txBody>
+      </p:sp>
     </p:spTree>
     <p:extLst>
       <p:ext uri="{BB962C8B-B14F-4D97-AF65-F5344CB8AC3E}">
-        <p14:creationId xmlns:p14="http://schemas.microsoft.com/office/powerpoint/2010/main" val="3444133165"/>
+        <p14:creationId xmlns:p14="http://schemas.microsoft.com/office/powerpoint/2010/main" val="2998904"/>
       </p:ext>
     </p:extLst>
   </p:cSld>
@@ -5497,13 +5231,13 @@
           <a:p>
             <a:pPr marL="857250" indent="-857250">
               <a:buFont typeface="+mj-lt"/>
-              <a:buAutoNum type="romanUcPeriod" startAt="8"/>
+              <a:buAutoNum type="romanUcPeriod" startAt="3"/>
             </a:pPr>
             <a:r>
               <a:rPr lang="de-DE" b="1" dirty="0" smtClean="0"/>
-              <a:t>Analyse</a:t>
-            </a:r>
-            <a:endParaRPr lang="de-DE" b="1" dirty="0"/>
+              <a:t>Konzeption des künstlichen neuronalen Netzes</a:t>
+            </a:r>
+            <a:endParaRPr lang="de-DE" dirty="0"/>
           </a:p>
         </p:txBody>
       </p:sp>
@@ -5522,7 +5256,46 @@
           <a:bodyPr/>
           <a:lstStyle/>
           <a:p>
-            <a:endParaRPr lang="de-DE"/>
+            <a:r>
+              <a:rPr lang="de-DE" dirty="0" smtClean="0"/>
+              <a:t>Topologie</a:t>
+            </a:r>
+          </a:p>
+          <a:p>
+            <a:pPr lvl="1"/>
+            <a:r>
+              <a:rPr lang="de-DE" dirty="0" smtClean="0"/>
+              <a:t>Regeln zur Bestimmung der Anzahl der Neuronen in der versteckten Schicht:</a:t>
+            </a:r>
+          </a:p>
+          <a:p>
+            <a:pPr lvl="2"/>
+            <a:r>
+              <a:rPr lang="de-DE" dirty="0" smtClean="0"/>
+              <a:t>Regel A</a:t>
+            </a:r>
+          </a:p>
+          <a:p>
+            <a:pPr lvl="2"/>
+            <a:r>
+              <a:rPr lang="de-DE" dirty="0" smtClean="0"/>
+              <a:t>Regel B</a:t>
+            </a:r>
+          </a:p>
+          <a:p>
+            <a:pPr lvl="2"/>
+            <a:r>
+              <a:rPr lang="de-DE" dirty="0" smtClean="0"/>
+              <a:t>Regel C</a:t>
+            </a:r>
+          </a:p>
+          <a:p>
+            <a:pPr lvl="2"/>
+            <a:r>
+              <a:rPr lang="de-DE" dirty="0" smtClean="0"/>
+              <a:t>Regel D</a:t>
+            </a:r>
+            <a:endParaRPr lang="de-DE" dirty="0" smtClean="0"/>
           </a:p>
         </p:txBody>
       </p:sp>
@@ -5543,7 +5316,7 @@
           <a:p>
             <a:fld id="{7AC709DD-AC18-4FBA-B4E6-46DED743653E}" type="datetime1">
               <a:rPr lang="de-DE" smtClean="0"/>
-              <a:t>25.11.2015</a:t>
+              <a:t>26.11.2015</a:t>
             </a:fld>
             <a:endParaRPr lang="de-DE"/>
           </a:p>
@@ -5598,7 +5371,7 @@
     </p:spTree>
     <p:extLst>
       <p:ext uri="{BB962C8B-B14F-4D97-AF65-F5344CB8AC3E}">
-        <p14:creationId xmlns:p14="http://schemas.microsoft.com/office/powerpoint/2010/main" val="1153376532"/>
+        <p14:creationId xmlns:p14="http://schemas.microsoft.com/office/powerpoint/2010/main" val="917414293"/>
       </p:ext>
     </p:extLst>
   </p:cSld>
@@ -5634,6 +5407,55 @@
       </p:grpSpPr>
       <p:sp>
         <p:nvSpPr>
+          <p:cNvPr id="2" name="Titel 1"/>
+          <p:cNvSpPr>
+            <a:spLocks noGrp="1"/>
+          </p:cNvSpPr>
+          <p:nvPr>
+            <p:ph type="title"/>
+          </p:nvPr>
+        </p:nvSpPr>
+        <p:spPr/>
+        <p:txBody>
+          <a:bodyPr/>
+          <a:lstStyle/>
+          <a:p>
+            <a:pPr marL="857250" indent="-857250">
+              <a:buFont typeface="+mj-lt"/>
+              <a:buAutoNum type="romanUcPeriod" startAt="3"/>
+            </a:pPr>
+            <a:r>
+              <a:rPr lang="de-DE" b="1" dirty="0" smtClean="0"/>
+              <a:t>Konzeption des künstlichen neuronalen Netzes</a:t>
+            </a:r>
+            <a:endParaRPr lang="de-DE" dirty="0"/>
+          </a:p>
+        </p:txBody>
+      </p:sp>
+      <p:sp>
+        <p:nvSpPr>
+          <p:cNvPr id="3" name="Inhaltsplatzhalter 2"/>
+          <p:cNvSpPr>
+            <a:spLocks noGrp="1"/>
+          </p:cNvSpPr>
+          <p:nvPr>
+            <p:ph idx="1"/>
+          </p:nvPr>
+        </p:nvSpPr>
+        <p:spPr/>
+        <p:txBody>
+          <a:bodyPr/>
+          <a:lstStyle/>
+          <a:p>
+            <a:r>
+              <a:rPr lang="de-DE" dirty="0" smtClean="0"/>
+              <a:t>Topologie</a:t>
+            </a:r>
+          </a:p>
+        </p:txBody>
+      </p:sp>
+      <p:sp>
+        <p:nvSpPr>
           <p:cNvPr id="4" name="Datumsplatzhalter 3"/>
           <p:cNvSpPr>
             <a:spLocks noGrp="1"/>
@@ -5649,7 +5471,7 @@
           <a:p>
             <a:fld id="{7AC709DD-AC18-4FBA-B4E6-46DED743653E}" type="datetime1">
               <a:rPr lang="de-DE" smtClean="0"/>
-              <a:t>25.11.2015</a:t>
+              <a:t>26.11.2015</a:t>
             </a:fld>
             <a:endParaRPr lang="de-DE"/>
           </a:p>
@@ -5671,7 +5493,7 @@
           <a:lstStyle/>
           <a:p>
             <a:r>
-              <a:rPr lang="de-DE" dirty="0" smtClean="0"/>
+              <a:rPr lang="de-DE" smtClean="0"/>
               <a:t>Fakultät Informatik             Sebastian Schötteler &amp; Benedikt Hofrichter</a:t>
             </a:r>
             <a:endParaRPr lang="de-DE" dirty="0"/>
@@ -5701,196 +5523,10 @@
           </a:p>
         </p:txBody>
       </p:sp>
-      <p:sp>
-        <p:nvSpPr>
-          <p:cNvPr id="8" name="Inhaltsplatzhalter 7"/>
-          <p:cNvSpPr>
-            <a:spLocks noGrp="1"/>
-          </p:cNvSpPr>
-          <p:nvPr>
-            <p:ph idx="1"/>
-          </p:nvPr>
-        </p:nvSpPr>
-        <p:spPr/>
-        <p:txBody>
-          <a:bodyPr>
-            <a:normAutofit fontScale="92500" lnSpcReduction="20000"/>
-          </a:bodyPr>
-          <a:lstStyle/>
-          <a:p>
-            <a:pPr marL="571500" indent="-571500">
-              <a:buFont typeface="+mj-lt"/>
-              <a:buAutoNum type="romanUcPeriod"/>
-            </a:pPr>
-            <a:r>
-              <a:rPr lang="de-DE" dirty="0" smtClean="0"/>
-              <a:t>Motivation</a:t>
-            </a:r>
-          </a:p>
-          <a:p>
-            <a:pPr marL="285750" indent="-285750">
-              <a:buFont typeface="+mj-lt"/>
-              <a:buAutoNum type="romanUcPeriod"/>
-            </a:pPr>
-            <a:endParaRPr lang="de-DE" sz="100" dirty="0" smtClean="0"/>
-          </a:p>
-          <a:p>
-            <a:pPr marL="571500" indent="-571500">
-              <a:buFont typeface="+mj-lt"/>
-              <a:buAutoNum type="romanUcPeriod"/>
-            </a:pPr>
-            <a:r>
-              <a:rPr lang="de-DE" dirty="0" smtClean="0"/>
-              <a:t>Konzeption der Anwendung</a:t>
-            </a:r>
-          </a:p>
-          <a:p>
-            <a:pPr marL="571500" indent="-571500">
-              <a:buFont typeface="+mj-lt"/>
-              <a:buAutoNum type="romanUcPeriod"/>
-            </a:pPr>
-            <a:r>
-              <a:rPr lang="de-DE" dirty="0" smtClean="0"/>
-              <a:t>Konzeption des künstlichen neuronalen Netzes</a:t>
-            </a:r>
-          </a:p>
-          <a:p>
-            <a:pPr marL="285750" indent="-285750">
-              <a:buFont typeface="+mj-lt"/>
-              <a:buAutoNum type="romanUcPeriod"/>
-            </a:pPr>
-            <a:endParaRPr lang="de-DE" sz="100" dirty="0" smtClean="0"/>
-          </a:p>
-          <a:p>
-            <a:pPr marL="571500" indent="-571500">
-              <a:buFont typeface="+mj-lt"/>
-              <a:buAutoNum type="romanUcPeriod"/>
-            </a:pPr>
-            <a:r>
-              <a:rPr lang="de-DE" dirty="0" smtClean="0"/>
-              <a:t>Umsetzung der Anwendung</a:t>
-            </a:r>
-          </a:p>
-          <a:p>
-            <a:pPr marL="571500" indent="-571500">
-              <a:buFont typeface="+mj-lt"/>
-              <a:buAutoNum type="romanUcPeriod"/>
-            </a:pPr>
-            <a:r>
-              <a:rPr lang="de-DE" dirty="0" smtClean="0"/>
-              <a:t>Umsetzung des künstlichen neuronalen Netzes</a:t>
-            </a:r>
-          </a:p>
-          <a:p>
-            <a:pPr marL="571500" indent="-571500">
-              <a:buFont typeface="+mj-lt"/>
-              <a:buAutoNum type="romanUcPeriod"/>
-            </a:pPr>
-            <a:r>
-              <a:rPr lang="de-DE" dirty="0" smtClean="0"/>
-              <a:t>Zusammenführung der Komponenten</a:t>
-            </a:r>
-          </a:p>
-          <a:p>
-            <a:pPr marL="571500" indent="-571500">
-              <a:buFont typeface="+mj-lt"/>
-              <a:buAutoNum type="romanUcPeriod"/>
-            </a:pPr>
-            <a:endParaRPr lang="de-DE" sz="100" dirty="0" smtClean="0"/>
-          </a:p>
-          <a:p>
-            <a:pPr marL="571500" indent="-571500">
-              <a:buFont typeface="+mj-lt"/>
-              <a:buAutoNum type="romanUcPeriod"/>
-            </a:pPr>
-            <a:r>
-              <a:rPr lang="de-DE" dirty="0" smtClean="0"/>
-              <a:t>Vorstellung der Anwendung</a:t>
-            </a:r>
-          </a:p>
-          <a:p>
-            <a:pPr marL="285750" indent="-285750">
-              <a:buFont typeface="+mj-lt"/>
-              <a:buAutoNum type="romanUcPeriod"/>
-            </a:pPr>
-            <a:endParaRPr lang="de-DE" sz="100" dirty="0" smtClean="0"/>
-          </a:p>
-          <a:p>
-            <a:pPr marL="571500" indent="-571500">
-              <a:buFont typeface="+mj-lt"/>
-              <a:buAutoNum type="romanUcPeriod"/>
-            </a:pPr>
-            <a:r>
-              <a:rPr lang="de-DE" dirty="0" smtClean="0"/>
-              <a:t>Analyse</a:t>
-            </a:r>
-          </a:p>
-          <a:p>
-            <a:pPr marL="0" indent="0">
-              <a:buNone/>
-            </a:pPr>
-            <a:endParaRPr lang="de-DE" sz="100" dirty="0" smtClean="0"/>
-          </a:p>
-          <a:p>
-            <a:pPr marL="571500" indent="-571500">
-              <a:buFont typeface="+mj-lt"/>
-              <a:buAutoNum type="romanUcPeriod" startAt="9"/>
-            </a:pPr>
-            <a:r>
-              <a:rPr lang="de-DE" b="1" dirty="0" smtClean="0"/>
-              <a:t>Fazit</a:t>
-            </a:r>
-          </a:p>
-          <a:p>
-            <a:pPr marL="571500" indent="-571500">
-              <a:buFont typeface="+mj-lt"/>
-              <a:buAutoNum type="romanUcPeriod" startAt="9"/>
-            </a:pPr>
-            <a:endParaRPr lang="de-DE" dirty="0"/>
-          </a:p>
-        </p:txBody>
-      </p:sp>
-      <p:pic>
-        <p:nvPicPr>
-          <p:cNvPr id="9" name="Inhaltsplatzhalter 6"/>
-          <p:cNvPicPr>
-            <a:picLocks noChangeAspect="1"/>
-          </p:cNvPicPr>
-          <p:nvPr/>
-        </p:nvPicPr>
-        <p:blipFill>
-          <a:blip r:embed="rId2">
-            <a:duotone>
-              <a:schemeClr val="bg2">
-                <a:shade val="45000"/>
-                <a:satMod val="135000"/>
-              </a:schemeClr>
-              <a:prstClr val="white"/>
-            </a:duotone>
-            <a:extLst>
-              <a:ext uri="{28A0092B-C50C-407E-A947-70E740481C1C}">
-                <a14:useLocalDpi xmlns:a14="http://schemas.microsoft.com/office/drawing/2010/main" val="0"/>
-              </a:ext>
-            </a:extLst>
-          </a:blip>
-          <a:stretch>
-            <a:fillRect/>
-          </a:stretch>
-        </p:blipFill>
-        <p:spPr>
-          <a:xfrm>
-            <a:off x="8566434" y="365125"/>
-            <a:ext cx="3250865" cy="2589856"/>
-          </a:xfrm>
-          <a:prstGeom prst="rect">
-            <a:avLst/>
-          </a:prstGeom>
-        </p:spPr>
-      </p:pic>
     </p:spTree>
     <p:extLst>
       <p:ext uri="{BB962C8B-B14F-4D97-AF65-F5344CB8AC3E}">
-        <p14:creationId xmlns:p14="http://schemas.microsoft.com/office/powerpoint/2010/main" val="1459782202"/>
+        <p14:creationId xmlns:p14="http://schemas.microsoft.com/office/powerpoint/2010/main" val="348523590"/>
       </p:ext>
     </p:extLst>
   </p:cSld>
@@ -5964,7 +5600,7 @@
           <a:p>
             <a:fld id="{7AC709DD-AC18-4FBA-B4E6-46DED743653E}" type="datetime1">
               <a:rPr lang="de-DE" smtClean="0"/>
-              <a:t>25.11.2015</a:t>
+              <a:t>26.11.2015</a:t>
             </a:fld>
             <a:endParaRPr lang="de-DE"/>
           </a:p>
@@ -6256,13 +5892,13 @@
           <a:p>
             <a:pPr marL="857250" indent="-857250">
               <a:buFont typeface="+mj-lt"/>
-              <a:buAutoNum type="romanUcPeriod" startAt="9"/>
+              <a:buAutoNum type="romanUcPeriod" startAt="3"/>
             </a:pPr>
             <a:r>
               <a:rPr lang="de-DE" b="1" dirty="0" smtClean="0"/>
-              <a:t>Fazit</a:t>
-            </a:r>
-            <a:endParaRPr lang="de-DE" b="1" dirty="0"/>
+              <a:t>Konzeption des künstlichen neuronalen Netzes</a:t>
+            </a:r>
+            <a:endParaRPr lang="de-DE" dirty="0"/>
           </a:p>
         </p:txBody>
       </p:sp>
@@ -6281,7 +5917,11 @@
           <a:bodyPr/>
           <a:lstStyle/>
           <a:p>
-            <a:endParaRPr lang="de-DE"/>
+            <a:r>
+              <a:rPr lang="de-DE" dirty="0" smtClean="0"/>
+              <a:t>Lernverfahren</a:t>
+            </a:r>
+            <a:endParaRPr lang="de-DE" dirty="0" smtClean="0"/>
           </a:p>
         </p:txBody>
       </p:sp>
@@ -6302,7 +5942,7 @@
           <a:p>
             <a:fld id="{7AC709DD-AC18-4FBA-B4E6-46DED743653E}" type="datetime1">
               <a:rPr lang="de-DE" smtClean="0"/>
-              <a:t>25.11.2015</a:t>
+              <a:t>26.11.2015</a:t>
             </a:fld>
             <a:endParaRPr lang="de-DE"/>
           </a:p>
@@ -6357,7 +5997,7 @@
     </p:spTree>
     <p:extLst>
       <p:ext uri="{BB962C8B-B14F-4D97-AF65-F5344CB8AC3E}">
-        <p14:creationId xmlns:p14="http://schemas.microsoft.com/office/powerpoint/2010/main" val="3854880417"/>
+        <p14:creationId xmlns:p14="http://schemas.microsoft.com/office/powerpoint/2010/main" val="1965030083"/>
       </p:ext>
     </p:extLst>
   </p:cSld>
@@ -6401,6 +6041,3118 @@
             <p:ph type="title"/>
           </p:nvPr>
         </p:nvSpPr>
+        <p:spPr/>
+        <p:txBody>
+          <a:bodyPr/>
+          <a:lstStyle/>
+          <a:p>
+            <a:pPr marL="857250" indent="-857250">
+              <a:buFont typeface="+mj-lt"/>
+              <a:buAutoNum type="romanUcPeriod" startAt="3"/>
+            </a:pPr>
+            <a:r>
+              <a:rPr lang="de-DE" b="1" dirty="0" smtClean="0"/>
+              <a:t>Konzeption des künstlichen neuronalen Netzes</a:t>
+            </a:r>
+            <a:endParaRPr lang="de-DE" dirty="0"/>
+          </a:p>
+        </p:txBody>
+      </p:sp>
+      <p:sp>
+        <p:nvSpPr>
+          <p:cNvPr id="3" name="Inhaltsplatzhalter 2"/>
+          <p:cNvSpPr>
+            <a:spLocks noGrp="1"/>
+          </p:cNvSpPr>
+          <p:nvPr>
+            <p:ph idx="1"/>
+          </p:nvPr>
+        </p:nvSpPr>
+        <p:spPr/>
+        <p:txBody>
+          <a:bodyPr/>
+          <a:lstStyle/>
+          <a:p>
+            <a:r>
+              <a:rPr lang="de-DE" dirty="0" smtClean="0"/>
+              <a:t>Lernverfahren</a:t>
+            </a:r>
+            <a:endParaRPr lang="de-DE" dirty="0" smtClean="0"/>
+          </a:p>
+        </p:txBody>
+      </p:sp>
+      <p:sp>
+        <p:nvSpPr>
+          <p:cNvPr id="4" name="Datumsplatzhalter 3"/>
+          <p:cNvSpPr>
+            <a:spLocks noGrp="1"/>
+          </p:cNvSpPr>
+          <p:nvPr>
+            <p:ph type="dt" sz="half" idx="10"/>
+          </p:nvPr>
+        </p:nvSpPr>
+        <p:spPr/>
+        <p:txBody>
+          <a:bodyPr/>
+          <a:lstStyle/>
+          <a:p>
+            <a:fld id="{7AC709DD-AC18-4FBA-B4E6-46DED743653E}" type="datetime1">
+              <a:rPr lang="de-DE" smtClean="0"/>
+              <a:t>26.11.2015</a:t>
+            </a:fld>
+            <a:endParaRPr lang="de-DE"/>
+          </a:p>
+        </p:txBody>
+      </p:sp>
+      <p:sp>
+        <p:nvSpPr>
+          <p:cNvPr id="5" name="Fußzeilenplatzhalter 4"/>
+          <p:cNvSpPr>
+            <a:spLocks noGrp="1"/>
+          </p:cNvSpPr>
+          <p:nvPr>
+            <p:ph type="ftr" sz="quarter" idx="11"/>
+          </p:nvPr>
+        </p:nvSpPr>
+        <p:spPr/>
+        <p:txBody>
+          <a:bodyPr/>
+          <a:lstStyle/>
+          <a:p>
+            <a:r>
+              <a:rPr lang="de-DE" smtClean="0"/>
+              <a:t>Fakultät Informatik             Sebastian Schötteler &amp; Benedikt Hofrichter</a:t>
+            </a:r>
+            <a:endParaRPr lang="de-DE" dirty="0"/>
+          </a:p>
+        </p:txBody>
+      </p:sp>
+      <p:sp>
+        <p:nvSpPr>
+          <p:cNvPr id="6" name="Foliennummernplatzhalter 5"/>
+          <p:cNvSpPr>
+            <a:spLocks noGrp="1"/>
+          </p:cNvSpPr>
+          <p:nvPr>
+            <p:ph type="sldNum" sz="quarter" idx="12"/>
+          </p:nvPr>
+        </p:nvSpPr>
+        <p:spPr/>
+        <p:txBody>
+          <a:bodyPr/>
+          <a:lstStyle/>
+          <a:p>
+            <a:fld id="{0E226D3C-400E-4353-AAC2-09A0472DC536}" type="slidenum">
+              <a:rPr lang="de-DE" smtClean="0"/>
+              <a:t>20</a:t>
+            </a:fld>
+            <a:endParaRPr lang="de-DE" dirty="0"/>
+          </a:p>
+        </p:txBody>
+      </p:sp>
+    </p:spTree>
+    <p:extLst>
+      <p:ext uri="{BB962C8B-B14F-4D97-AF65-F5344CB8AC3E}">
+        <p14:creationId xmlns:p14="http://schemas.microsoft.com/office/powerpoint/2010/main" val="1929306173"/>
+      </p:ext>
+    </p:extLst>
+  </p:cSld>
+  <p:clrMapOvr>
+    <a:masterClrMapping/>
+  </p:clrMapOvr>
+  <p:timing>
+    <p:tnLst>
+      <p:par>
+        <p:cTn id="1" dur="indefinite" restart="never" nodeType="tmRoot"/>
+      </p:par>
+    </p:tnLst>
+  </p:timing>
+</p:sld>
+</file>
+
+<file path=ppt/slides/slide22.xml><?xml version="1.0" encoding="utf-8"?>
+<p:sld xmlns:a="http://schemas.openxmlformats.org/drawingml/2006/main" xmlns:r="http://schemas.openxmlformats.org/officeDocument/2006/relationships" xmlns:p="http://schemas.openxmlformats.org/presentationml/2006/main">
+  <p:cSld>
+    <p:spTree>
+      <p:nvGrpSpPr>
+        <p:cNvPr id="1" name=""/>
+        <p:cNvGrpSpPr/>
+        <p:nvPr/>
+      </p:nvGrpSpPr>
+      <p:grpSpPr>
+        <a:xfrm>
+          <a:off x="0" y="0"/>
+          <a:ext cx="0" cy="0"/>
+          <a:chOff x="0" y="0"/>
+          <a:chExt cx="0" cy="0"/>
+        </a:xfrm>
+      </p:grpSpPr>
+      <p:sp>
+        <p:nvSpPr>
+          <p:cNvPr id="4" name="Datumsplatzhalter 3"/>
+          <p:cNvSpPr>
+            <a:spLocks noGrp="1"/>
+          </p:cNvSpPr>
+          <p:nvPr>
+            <p:ph type="dt" sz="half" idx="10"/>
+          </p:nvPr>
+        </p:nvSpPr>
+        <p:spPr/>
+        <p:txBody>
+          <a:bodyPr/>
+          <a:lstStyle/>
+          <a:p>
+            <a:fld id="{7AC709DD-AC18-4FBA-B4E6-46DED743653E}" type="datetime1">
+              <a:rPr lang="de-DE" smtClean="0"/>
+              <a:t>26.11.2015</a:t>
+            </a:fld>
+            <a:endParaRPr lang="de-DE"/>
+          </a:p>
+        </p:txBody>
+      </p:sp>
+      <p:sp>
+        <p:nvSpPr>
+          <p:cNvPr id="5" name="Fußzeilenplatzhalter 4"/>
+          <p:cNvSpPr>
+            <a:spLocks noGrp="1"/>
+          </p:cNvSpPr>
+          <p:nvPr>
+            <p:ph type="ftr" sz="quarter" idx="11"/>
+          </p:nvPr>
+        </p:nvSpPr>
+        <p:spPr/>
+        <p:txBody>
+          <a:bodyPr/>
+          <a:lstStyle/>
+          <a:p>
+            <a:r>
+              <a:rPr lang="de-DE" dirty="0" smtClean="0"/>
+              <a:t>Fakultät Informatik             Sebastian Schötteler &amp; Benedikt Hofrichter</a:t>
+            </a:r>
+            <a:endParaRPr lang="de-DE" dirty="0"/>
+          </a:p>
+        </p:txBody>
+      </p:sp>
+      <p:sp>
+        <p:nvSpPr>
+          <p:cNvPr id="6" name="Foliennummernplatzhalter 5"/>
+          <p:cNvSpPr>
+            <a:spLocks noGrp="1"/>
+          </p:cNvSpPr>
+          <p:nvPr>
+            <p:ph type="sldNum" sz="quarter" idx="12"/>
+          </p:nvPr>
+        </p:nvSpPr>
+        <p:spPr/>
+        <p:txBody>
+          <a:bodyPr/>
+          <a:lstStyle/>
+          <a:p>
+            <a:fld id="{0E226D3C-400E-4353-AAC2-09A0472DC536}" type="slidenum">
+              <a:rPr lang="de-DE" smtClean="0"/>
+              <a:t>21</a:t>
+            </a:fld>
+            <a:endParaRPr lang="de-DE" dirty="0"/>
+          </a:p>
+        </p:txBody>
+      </p:sp>
+      <p:sp>
+        <p:nvSpPr>
+          <p:cNvPr id="8" name="Inhaltsplatzhalter 7"/>
+          <p:cNvSpPr>
+            <a:spLocks noGrp="1"/>
+          </p:cNvSpPr>
+          <p:nvPr>
+            <p:ph idx="1"/>
+          </p:nvPr>
+        </p:nvSpPr>
+        <p:spPr/>
+        <p:txBody>
+          <a:bodyPr>
+            <a:normAutofit fontScale="92500" lnSpcReduction="20000"/>
+          </a:bodyPr>
+          <a:lstStyle/>
+          <a:p>
+            <a:pPr marL="571500" indent="-571500">
+              <a:buFont typeface="+mj-lt"/>
+              <a:buAutoNum type="romanUcPeriod"/>
+            </a:pPr>
+            <a:r>
+              <a:rPr lang="de-DE" dirty="0" smtClean="0"/>
+              <a:t>Motivation</a:t>
+            </a:r>
+          </a:p>
+          <a:p>
+            <a:pPr marL="285750" indent="-285750">
+              <a:buFont typeface="+mj-lt"/>
+              <a:buAutoNum type="romanUcPeriod"/>
+            </a:pPr>
+            <a:endParaRPr lang="de-DE" sz="100" dirty="0" smtClean="0"/>
+          </a:p>
+          <a:p>
+            <a:pPr marL="571500" indent="-571500">
+              <a:buFont typeface="+mj-lt"/>
+              <a:buAutoNum type="romanUcPeriod"/>
+            </a:pPr>
+            <a:r>
+              <a:rPr lang="de-DE" dirty="0" smtClean="0"/>
+              <a:t>Konzeption der Anwendung</a:t>
+            </a:r>
+          </a:p>
+          <a:p>
+            <a:pPr marL="571500" indent="-571500">
+              <a:buFont typeface="+mj-lt"/>
+              <a:buAutoNum type="romanUcPeriod"/>
+            </a:pPr>
+            <a:r>
+              <a:rPr lang="de-DE" dirty="0" smtClean="0"/>
+              <a:t>Konzeption des künstlichen neuronalen Netzes</a:t>
+            </a:r>
+          </a:p>
+          <a:p>
+            <a:pPr marL="285750" indent="-285750">
+              <a:buFont typeface="+mj-lt"/>
+              <a:buAutoNum type="romanUcPeriod"/>
+            </a:pPr>
+            <a:endParaRPr lang="de-DE" sz="100" dirty="0" smtClean="0"/>
+          </a:p>
+          <a:p>
+            <a:pPr marL="571500" indent="-571500">
+              <a:buFont typeface="+mj-lt"/>
+              <a:buAutoNum type="romanUcPeriod"/>
+            </a:pPr>
+            <a:r>
+              <a:rPr lang="de-DE" b="1" dirty="0" smtClean="0"/>
+              <a:t>Umsetzung der Anwendung</a:t>
+            </a:r>
+          </a:p>
+          <a:p>
+            <a:pPr marL="571500" indent="-571500">
+              <a:buFont typeface="+mj-lt"/>
+              <a:buAutoNum type="romanUcPeriod"/>
+            </a:pPr>
+            <a:r>
+              <a:rPr lang="de-DE" dirty="0" smtClean="0"/>
+              <a:t>Umsetzung des künstlichen neuronalen Netzes</a:t>
+            </a:r>
+          </a:p>
+          <a:p>
+            <a:pPr marL="571500" indent="-571500">
+              <a:buFont typeface="+mj-lt"/>
+              <a:buAutoNum type="romanUcPeriod"/>
+            </a:pPr>
+            <a:r>
+              <a:rPr lang="de-DE" dirty="0" smtClean="0"/>
+              <a:t>Zusammenführung der Komponenten</a:t>
+            </a:r>
+          </a:p>
+          <a:p>
+            <a:pPr marL="571500" indent="-571500">
+              <a:buFont typeface="+mj-lt"/>
+              <a:buAutoNum type="romanUcPeriod"/>
+            </a:pPr>
+            <a:endParaRPr lang="de-DE" sz="100" dirty="0" smtClean="0"/>
+          </a:p>
+          <a:p>
+            <a:pPr marL="571500" indent="-571500">
+              <a:buFont typeface="+mj-lt"/>
+              <a:buAutoNum type="romanUcPeriod"/>
+            </a:pPr>
+            <a:r>
+              <a:rPr lang="de-DE" dirty="0" smtClean="0"/>
+              <a:t>Vorstellung der Anwendung</a:t>
+            </a:r>
+          </a:p>
+          <a:p>
+            <a:pPr marL="285750" indent="-285750">
+              <a:buFont typeface="+mj-lt"/>
+              <a:buAutoNum type="romanUcPeriod"/>
+            </a:pPr>
+            <a:endParaRPr lang="de-DE" sz="100" dirty="0" smtClean="0"/>
+          </a:p>
+          <a:p>
+            <a:pPr marL="571500" indent="-571500">
+              <a:buFont typeface="+mj-lt"/>
+              <a:buAutoNum type="romanUcPeriod"/>
+            </a:pPr>
+            <a:r>
+              <a:rPr lang="de-DE" dirty="0" smtClean="0"/>
+              <a:t>Analyse</a:t>
+            </a:r>
+          </a:p>
+          <a:p>
+            <a:pPr marL="0" indent="0">
+              <a:buNone/>
+            </a:pPr>
+            <a:endParaRPr lang="de-DE" sz="100" dirty="0" smtClean="0"/>
+          </a:p>
+          <a:p>
+            <a:pPr marL="571500" indent="-571500">
+              <a:buFont typeface="+mj-lt"/>
+              <a:buAutoNum type="romanUcPeriod" startAt="9"/>
+            </a:pPr>
+            <a:r>
+              <a:rPr lang="de-DE" dirty="0" smtClean="0"/>
+              <a:t>Fazit</a:t>
+            </a:r>
+          </a:p>
+          <a:p>
+            <a:pPr marL="571500" indent="-571500">
+              <a:buFont typeface="+mj-lt"/>
+              <a:buAutoNum type="romanUcPeriod" startAt="9"/>
+            </a:pPr>
+            <a:endParaRPr lang="de-DE" dirty="0"/>
+          </a:p>
+        </p:txBody>
+      </p:sp>
+      <p:pic>
+        <p:nvPicPr>
+          <p:cNvPr id="9" name="Inhaltsplatzhalter 6"/>
+          <p:cNvPicPr>
+            <a:picLocks noChangeAspect="1"/>
+          </p:cNvPicPr>
+          <p:nvPr/>
+        </p:nvPicPr>
+        <p:blipFill>
+          <a:blip r:embed="rId2">
+            <a:duotone>
+              <a:schemeClr val="bg2">
+                <a:shade val="45000"/>
+                <a:satMod val="135000"/>
+              </a:schemeClr>
+              <a:prstClr val="white"/>
+            </a:duotone>
+            <a:extLst>
+              <a:ext uri="{28A0092B-C50C-407E-A947-70E740481C1C}">
+                <a14:useLocalDpi xmlns:a14="http://schemas.microsoft.com/office/drawing/2010/main" val="0"/>
+              </a:ext>
+            </a:extLst>
+          </a:blip>
+          <a:stretch>
+            <a:fillRect/>
+          </a:stretch>
+        </p:blipFill>
+        <p:spPr>
+          <a:xfrm>
+            <a:off x="8566434" y="365125"/>
+            <a:ext cx="3250865" cy="2589856"/>
+          </a:xfrm>
+          <a:prstGeom prst="rect">
+            <a:avLst/>
+          </a:prstGeom>
+        </p:spPr>
+      </p:pic>
+    </p:spTree>
+    <p:extLst>
+      <p:ext uri="{BB962C8B-B14F-4D97-AF65-F5344CB8AC3E}">
+        <p14:creationId xmlns:p14="http://schemas.microsoft.com/office/powerpoint/2010/main" val="479520524"/>
+      </p:ext>
+    </p:extLst>
+  </p:cSld>
+  <p:clrMapOvr>
+    <a:masterClrMapping/>
+  </p:clrMapOvr>
+  <p:timing>
+    <p:tnLst>
+      <p:par>
+        <p:cTn id="1" dur="indefinite" restart="never" nodeType="tmRoot"/>
+      </p:par>
+    </p:tnLst>
+  </p:timing>
+</p:sld>
+</file>
+
+<file path=ppt/slides/slide23.xml><?xml version="1.0" encoding="utf-8"?>
+<p:sld xmlns:a="http://schemas.openxmlformats.org/drawingml/2006/main" xmlns:r="http://schemas.openxmlformats.org/officeDocument/2006/relationships" xmlns:p="http://schemas.openxmlformats.org/presentationml/2006/main">
+  <p:cSld>
+    <p:spTree>
+      <p:nvGrpSpPr>
+        <p:cNvPr id="1" name=""/>
+        <p:cNvGrpSpPr/>
+        <p:nvPr/>
+      </p:nvGrpSpPr>
+      <p:grpSpPr>
+        <a:xfrm>
+          <a:off x="0" y="0"/>
+          <a:ext cx="0" cy="0"/>
+          <a:chOff x="0" y="0"/>
+          <a:chExt cx="0" cy="0"/>
+        </a:xfrm>
+      </p:grpSpPr>
+      <p:sp>
+        <p:nvSpPr>
+          <p:cNvPr id="2" name="Titel 1"/>
+          <p:cNvSpPr>
+            <a:spLocks noGrp="1"/>
+          </p:cNvSpPr>
+          <p:nvPr>
+            <p:ph type="title"/>
+          </p:nvPr>
+        </p:nvSpPr>
+        <p:spPr/>
+        <p:txBody>
+          <a:bodyPr/>
+          <a:lstStyle/>
+          <a:p>
+            <a:pPr marL="857250" indent="-857250">
+              <a:buFont typeface="+mj-lt"/>
+              <a:buAutoNum type="romanUcPeriod" startAt="4"/>
+            </a:pPr>
+            <a:r>
+              <a:rPr lang="de-DE" b="1" dirty="0" smtClean="0"/>
+              <a:t>Umsetzung der Anwendung</a:t>
+            </a:r>
+            <a:endParaRPr lang="de-DE" dirty="0"/>
+          </a:p>
+        </p:txBody>
+      </p:sp>
+      <p:sp>
+        <p:nvSpPr>
+          <p:cNvPr id="3" name="Inhaltsplatzhalter 2"/>
+          <p:cNvSpPr>
+            <a:spLocks noGrp="1"/>
+          </p:cNvSpPr>
+          <p:nvPr>
+            <p:ph idx="1"/>
+          </p:nvPr>
+        </p:nvSpPr>
+        <p:spPr/>
+        <p:txBody>
+          <a:bodyPr/>
+          <a:lstStyle/>
+          <a:p>
+            <a:endParaRPr lang="de-DE"/>
+          </a:p>
+        </p:txBody>
+      </p:sp>
+      <p:sp>
+        <p:nvSpPr>
+          <p:cNvPr id="4" name="Datumsplatzhalter 3"/>
+          <p:cNvSpPr>
+            <a:spLocks noGrp="1"/>
+          </p:cNvSpPr>
+          <p:nvPr>
+            <p:ph type="dt" sz="half" idx="10"/>
+          </p:nvPr>
+        </p:nvSpPr>
+        <p:spPr/>
+        <p:txBody>
+          <a:bodyPr/>
+          <a:lstStyle/>
+          <a:p>
+            <a:fld id="{7AC709DD-AC18-4FBA-B4E6-46DED743653E}" type="datetime1">
+              <a:rPr lang="de-DE" smtClean="0"/>
+              <a:t>26.11.2015</a:t>
+            </a:fld>
+            <a:endParaRPr lang="de-DE"/>
+          </a:p>
+        </p:txBody>
+      </p:sp>
+      <p:sp>
+        <p:nvSpPr>
+          <p:cNvPr id="5" name="Fußzeilenplatzhalter 4"/>
+          <p:cNvSpPr>
+            <a:spLocks noGrp="1"/>
+          </p:cNvSpPr>
+          <p:nvPr>
+            <p:ph type="ftr" sz="quarter" idx="11"/>
+          </p:nvPr>
+        </p:nvSpPr>
+        <p:spPr/>
+        <p:txBody>
+          <a:bodyPr/>
+          <a:lstStyle/>
+          <a:p>
+            <a:r>
+              <a:rPr lang="de-DE" smtClean="0"/>
+              <a:t>Fakultät Informatik             Sebastian Schötteler &amp; Benedikt Hofrichter</a:t>
+            </a:r>
+            <a:endParaRPr lang="de-DE" dirty="0"/>
+          </a:p>
+        </p:txBody>
+      </p:sp>
+      <p:sp>
+        <p:nvSpPr>
+          <p:cNvPr id="6" name="Foliennummernplatzhalter 5"/>
+          <p:cNvSpPr>
+            <a:spLocks noGrp="1"/>
+          </p:cNvSpPr>
+          <p:nvPr>
+            <p:ph type="sldNum" sz="quarter" idx="12"/>
+          </p:nvPr>
+        </p:nvSpPr>
+        <p:spPr/>
+        <p:txBody>
+          <a:bodyPr/>
+          <a:lstStyle/>
+          <a:p>
+            <a:fld id="{0E226D3C-400E-4353-AAC2-09A0472DC536}" type="slidenum">
+              <a:rPr lang="de-DE" smtClean="0"/>
+              <a:t>22</a:t>
+            </a:fld>
+            <a:endParaRPr lang="de-DE" dirty="0"/>
+          </a:p>
+        </p:txBody>
+      </p:sp>
+    </p:spTree>
+    <p:extLst>
+      <p:ext uri="{BB962C8B-B14F-4D97-AF65-F5344CB8AC3E}">
+        <p14:creationId xmlns:p14="http://schemas.microsoft.com/office/powerpoint/2010/main" val="3300698628"/>
+      </p:ext>
+    </p:extLst>
+  </p:cSld>
+  <p:clrMapOvr>
+    <a:masterClrMapping/>
+  </p:clrMapOvr>
+  <p:timing>
+    <p:tnLst>
+      <p:par>
+        <p:cTn id="1" dur="indefinite" restart="never" nodeType="tmRoot"/>
+      </p:par>
+    </p:tnLst>
+  </p:timing>
+</p:sld>
+</file>
+
+<file path=ppt/slides/slide24.xml><?xml version="1.0" encoding="utf-8"?>
+<p:sld xmlns:a="http://schemas.openxmlformats.org/drawingml/2006/main" xmlns:r="http://schemas.openxmlformats.org/officeDocument/2006/relationships" xmlns:p="http://schemas.openxmlformats.org/presentationml/2006/main">
+  <p:cSld>
+    <p:spTree>
+      <p:nvGrpSpPr>
+        <p:cNvPr id="1" name=""/>
+        <p:cNvGrpSpPr/>
+        <p:nvPr/>
+      </p:nvGrpSpPr>
+      <p:grpSpPr>
+        <a:xfrm>
+          <a:off x="0" y="0"/>
+          <a:ext cx="0" cy="0"/>
+          <a:chOff x="0" y="0"/>
+          <a:chExt cx="0" cy="0"/>
+        </a:xfrm>
+      </p:grpSpPr>
+      <p:sp>
+        <p:nvSpPr>
+          <p:cNvPr id="4" name="Datumsplatzhalter 3"/>
+          <p:cNvSpPr>
+            <a:spLocks noGrp="1"/>
+          </p:cNvSpPr>
+          <p:nvPr>
+            <p:ph type="dt" sz="half" idx="10"/>
+          </p:nvPr>
+        </p:nvSpPr>
+        <p:spPr/>
+        <p:txBody>
+          <a:bodyPr/>
+          <a:lstStyle/>
+          <a:p>
+            <a:fld id="{7AC709DD-AC18-4FBA-B4E6-46DED743653E}" type="datetime1">
+              <a:rPr lang="de-DE" smtClean="0"/>
+              <a:t>26.11.2015</a:t>
+            </a:fld>
+            <a:endParaRPr lang="de-DE"/>
+          </a:p>
+        </p:txBody>
+      </p:sp>
+      <p:sp>
+        <p:nvSpPr>
+          <p:cNvPr id="5" name="Fußzeilenplatzhalter 4"/>
+          <p:cNvSpPr>
+            <a:spLocks noGrp="1"/>
+          </p:cNvSpPr>
+          <p:nvPr>
+            <p:ph type="ftr" sz="quarter" idx="11"/>
+          </p:nvPr>
+        </p:nvSpPr>
+        <p:spPr/>
+        <p:txBody>
+          <a:bodyPr/>
+          <a:lstStyle/>
+          <a:p>
+            <a:r>
+              <a:rPr lang="de-DE" dirty="0" smtClean="0"/>
+              <a:t>Fakultät Informatik             Sebastian Schötteler &amp; Benedikt Hofrichter</a:t>
+            </a:r>
+            <a:endParaRPr lang="de-DE" dirty="0"/>
+          </a:p>
+        </p:txBody>
+      </p:sp>
+      <p:sp>
+        <p:nvSpPr>
+          <p:cNvPr id="6" name="Foliennummernplatzhalter 5"/>
+          <p:cNvSpPr>
+            <a:spLocks noGrp="1"/>
+          </p:cNvSpPr>
+          <p:nvPr>
+            <p:ph type="sldNum" sz="quarter" idx="12"/>
+          </p:nvPr>
+        </p:nvSpPr>
+        <p:spPr/>
+        <p:txBody>
+          <a:bodyPr/>
+          <a:lstStyle/>
+          <a:p>
+            <a:fld id="{0E226D3C-400E-4353-AAC2-09A0472DC536}" type="slidenum">
+              <a:rPr lang="de-DE" smtClean="0"/>
+              <a:t>23</a:t>
+            </a:fld>
+            <a:endParaRPr lang="de-DE" dirty="0"/>
+          </a:p>
+        </p:txBody>
+      </p:sp>
+      <p:sp>
+        <p:nvSpPr>
+          <p:cNvPr id="8" name="Inhaltsplatzhalter 7"/>
+          <p:cNvSpPr>
+            <a:spLocks noGrp="1"/>
+          </p:cNvSpPr>
+          <p:nvPr>
+            <p:ph idx="1"/>
+          </p:nvPr>
+        </p:nvSpPr>
+        <p:spPr/>
+        <p:txBody>
+          <a:bodyPr>
+            <a:normAutofit fontScale="92500" lnSpcReduction="20000"/>
+          </a:bodyPr>
+          <a:lstStyle/>
+          <a:p>
+            <a:pPr marL="571500" indent="-571500">
+              <a:buFont typeface="+mj-lt"/>
+              <a:buAutoNum type="romanUcPeriod"/>
+            </a:pPr>
+            <a:r>
+              <a:rPr lang="de-DE" dirty="0" smtClean="0"/>
+              <a:t>Motivation</a:t>
+            </a:r>
+          </a:p>
+          <a:p>
+            <a:pPr marL="285750" indent="-285750">
+              <a:buFont typeface="+mj-lt"/>
+              <a:buAutoNum type="romanUcPeriod"/>
+            </a:pPr>
+            <a:endParaRPr lang="de-DE" sz="100" dirty="0" smtClean="0"/>
+          </a:p>
+          <a:p>
+            <a:pPr marL="571500" indent="-571500">
+              <a:buFont typeface="+mj-lt"/>
+              <a:buAutoNum type="romanUcPeriod"/>
+            </a:pPr>
+            <a:r>
+              <a:rPr lang="de-DE" dirty="0" smtClean="0"/>
+              <a:t>Konzeption der Anwendung</a:t>
+            </a:r>
+          </a:p>
+          <a:p>
+            <a:pPr marL="571500" indent="-571500">
+              <a:buFont typeface="+mj-lt"/>
+              <a:buAutoNum type="romanUcPeriod"/>
+            </a:pPr>
+            <a:r>
+              <a:rPr lang="de-DE" dirty="0" smtClean="0"/>
+              <a:t>Konzeption des künstlichen neuronalen Netzes</a:t>
+            </a:r>
+          </a:p>
+          <a:p>
+            <a:pPr marL="285750" indent="-285750">
+              <a:buFont typeface="+mj-lt"/>
+              <a:buAutoNum type="romanUcPeriod"/>
+            </a:pPr>
+            <a:endParaRPr lang="de-DE" sz="100" dirty="0" smtClean="0"/>
+          </a:p>
+          <a:p>
+            <a:pPr marL="571500" indent="-571500">
+              <a:buFont typeface="+mj-lt"/>
+              <a:buAutoNum type="romanUcPeriod"/>
+            </a:pPr>
+            <a:r>
+              <a:rPr lang="de-DE" dirty="0" smtClean="0"/>
+              <a:t>Umsetzung der Anwendung</a:t>
+            </a:r>
+          </a:p>
+          <a:p>
+            <a:pPr marL="571500" indent="-571500">
+              <a:buFont typeface="+mj-lt"/>
+              <a:buAutoNum type="romanUcPeriod"/>
+            </a:pPr>
+            <a:r>
+              <a:rPr lang="de-DE" b="1" dirty="0" smtClean="0"/>
+              <a:t>Umsetzung des künstlichen neuronalen Netzes</a:t>
+            </a:r>
+          </a:p>
+          <a:p>
+            <a:pPr marL="571500" indent="-571500">
+              <a:buFont typeface="+mj-lt"/>
+              <a:buAutoNum type="romanUcPeriod"/>
+            </a:pPr>
+            <a:r>
+              <a:rPr lang="de-DE" dirty="0" smtClean="0"/>
+              <a:t>Zusammenführung der Komponenten</a:t>
+            </a:r>
+          </a:p>
+          <a:p>
+            <a:pPr marL="571500" indent="-571500">
+              <a:buFont typeface="+mj-lt"/>
+              <a:buAutoNum type="romanUcPeriod"/>
+            </a:pPr>
+            <a:endParaRPr lang="de-DE" sz="100" dirty="0" smtClean="0"/>
+          </a:p>
+          <a:p>
+            <a:pPr marL="571500" indent="-571500">
+              <a:buFont typeface="+mj-lt"/>
+              <a:buAutoNum type="romanUcPeriod"/>
+            </a:pPr>
+            <a:r>
+              <a:rPr lang="de-DE" dirty="0" smtClean="0"/>
+              <a:t>Vorstellung der Anwendung</a:t>
+            </a:r>
+          </a:p>
+          <a:p>
+            <a:pPr marL="285750" indent="-285750">
+              <a:buFont typeface="+mj-lt"/>
+              <a:buAutoNum type="romanUcPeriod"/>
+            </a:pPr>
+            <a:endParaRPr lang="de-DE" sz="100" dirty="0" smtClean="0"/>
+          </a:p>
+          <a:p>
+            <a:pPr marL="571500" indent="-571500">
+              <a:buFont typeface="+mj-lt"/>
+              <a:buAutoNum type="romanUcPeriod"/>
+            </a:pPr>
+            <a:r>
+              <a:rPr lang="de-DE" dirty="0" smtClean="0"/>
+              <a:t>Analyse</a:t>
+            </a:r>
+          </a:p>
+          <a:p>
+            <a:pPr marL="0" indent="0">
+              <a:buNone/>
+            </a:pPr>
+            <a:endParaRPr lang="de-DE" sz="100" dirty="0" smtClean="0"/>
+          </a:p>
+          <a:p>
+            <a:pPr marL="571500" indent="-571500">
+              <a:buFont typeface="+mj-lt"/>
+              <a:buAutoNum type="romanUcPeriod" startAt="9"/>
+            </a:pPr>
+            <a:r>
+              <a:rPr lang="de-DE" dirty="0" smtClean="0"/>
+              <a:t>Fazit</a:t>
+            </a:r>
+          </a:p>
+          <a:p>
+            <a:pPr marL="571500" indent="-571500">
+              <a:buFont typeface="+mj-lt"/>
+              <a:buAutoNum type="romanUcPeriod" startAt="9"/>
+            </a:pPr>
+            <a:endParaRPr lang="de-DE" dirty="0"/>
+          </a:p>
+        </p:txBody>
+      </p:sp>
+      <p:pic>
+        <p:nvPicPr>
+          <p:cNvPr id="9" name="Inhaltsplatzhalter 6"/>
+          <p:cNvPicPr>
+            <a:picLocks noChangeAspect="1"/>
+          </p:cNvPicPr>
+          <p:nvPr/>
+        </p:nvPicPr>
+        <p:blipFill>
+          <a:blip r:embed="rId2">
+            <a:duotone>
+              <a:schemeClr val="bg2">
+                <a:shade val="45000"/>
+                <a:satMod val="135000"/>
+              </a:schemeClr>
+              <a:prstClr val="white"/>
+            </a:duotone>
+            <a:extLst>
+              <a:ext uri="{28A0092B-C50C-407E-A947-70E740481C1C}">
+                <a14:useLocalDpi xmlns:a14="http://schemas.microsoft.com/office/drawing/2010/main" val="0"/>
+              </a:ext>
+            </a:extLst>
+          </a:blip>
+          <a:stretch>
+            <a:fillRect/>
+          </a:stretch>
+        </p:blipFill>
+        <p:spPr>
+          <a:xfrm>
+            <a:off x="8566434" y="365125"/>
+            <a:ext cx="3250865" cy="2589856"/>
+          </a:xfrm>
+          <a:prstGeom prst="rect">
+            <a:avLst/>
+          </a:prstGeom>
+        </p:spPr>
+      </p:pic>
+    </p:spTree>
+    <p:extLst>
+      <p:ext uri="{BB962C8B-B14F-4D97-AF65-F5344CB8AC3E}">
+        <p14:creationId xmlns:p14="http://schemas.microsoft.com/office/powerpoint/2010/main" val="3353182248"/>
+      </p:ext>
+    </p:extLst>
+  </p:cSld>
+  <p:clrMapOvr>
+    <a:masterClrMapping/>
+  </p:clrMapOvr>
+  <p:timing>
+    <p:tnLst>
+      <p:par>
+        <p:cTn id="1" dur="indefinite" restart="never" nodeType="tmRoot"/>
+      </p:par>
+    </p:tnLst>
+  </p:timing>
+</p:sld>
+</file>
+
+<file path=ppt/slides/slide25.xml><?xml version="1.0" encoding="utf-8"?>
+<p:sld xmlns:a="http://schemas.openxmlformats.org/drawingml/2006/main" xmlns:r="http://schemas.openxmlformats.org/officeDocument/2006/relationships" xmlns:p="http://schemas.openxmlformats.org/presentationml/2006/main">
+  <p:cSld>
+    <p:spTree>
+      <p:nvGrpSpPr>
+        <p:cNvPr id="1" name=""/>
+        <p:cNvGrpSpPr/>
+        <p:nvPr/>
+      </p:nvGrpSpPr>
+      <p:grpSpPr>
+        <a:xfrm>
+          <a:off x="0" y="0"/>
+          <a:ext cx="0" cy="0"/>
+          <a:chOff x="0" y="0"/>
+          <a:chExt cx="0" cy="0"/>
+        </a:xfrm>
+      </p:grpSpPr>
+      <p:sp>
+        <p:nvSpPr>
+          <p:cNvPr id="2" name="Titel 1"/>
+          <p:cNvSpPr>
+            <a:spLocks noGrp="1"/>
+          </p:cNvSpPr>
+          <p:nvPr>
+            <p:ph type="title"/>
+          </p:nvPr>
+        </p:nvSpPr>
+        <p:spPr/>
+        <p:txBody>
+          <a:bodyPr/>
+          <a:lstStyle/>
+          <a:p>
+            <a:pPr marL="857250" indent="-857250">
+              <a:buFont typeface="+mj-lt"/>
+              <a:buAutoNum type="romanUcPeriod" startAt="5"/>
+            </a:pPr>
+            <a:r>
+              <a:rPr lang="de-DE" b="1" dirty="0" smtClean="0"/>
+              <a:t>Umsetzung des künstlichen neuronalen Netzes</a:t>
+            </a:r>
+            <a:endParaRPr lang="de-DE" dirty="0"/>
+          </a:p>
+        </p:txBody>
+      </p:sp>
+      <p:sp>
+        <p:nvSpPr>
+          <p:cNvPr id="3" name="Inhaltsplatzhalter 2"/>
+          <p:cNvSpPr>
+            <a:spLocks noGrp="1"/>
+          </p:cNvSpPr>
+          <p:nvPr>
+            <p:ph idx="1"/>
+          </p:nvPr>
+        </p:nvSpPr>
+        <p:spPr/>
+        <p:txBody>
+          <a:bodyPr/>
+          <a:lstStyle/>
+          <a:p>
+            <a:endParaRPr lang="de-DE"/>
+          </a:p>
+        </p:txBody>
+      </p:sp>
+      <p:sp>
+        <p:nvSpPr>
+          <p:cNvPr id="4" name="Datumsplatzhalter 3"/>
+          <p:cNvSpPr>
+            <a:spLocks noGrp="1"/>
+          </p:cNvSpPr>
+          <p:nvPr>
+            <p:ph type="dt" sz="half" idx="10"/>
+          </p:nvPr>
+        </p:nvSpPr>
+        <p:spPr/>
+        <p:txBody>
+          <a:bodyPr/>
+          <a:lstStyle/>
+          <a:p>
+            <a:fld id="{7AC709DD-AC18-4FBA-B4E6-46DED743653E}" type="datetime1">
+              <a:rPr lang="de-DE" smtClean="0"/>
+              <a:t>26.11.2015</a:t>
+            </a:fld>
+            <a:endParaRPr lang="de-DE"/>
+          </a:p>
+        </p:txBody>
+      </p:sp>
+      <p:sp>
+        <p:nvSpPr>
+          <p:cNvPr id="5" name="Fußzeilenplatzhalter 4"/>
+          <p:cNvSpPr>
+            <a:spLocks noGrp="1"/>
+          </p:cNvSpPr>
+          <p:nvPr>
+            <p:ph type="ftr" sz="quarter" idx="11"/>
+          </p:nvPr>
+        </p:nvSpPr>
+        <p:spPr/>
+        <p:txBody>
+          <a:bodyPr/>
+          <a:lstStyle/>
+          <a:p>
+            <a:r>
+              <a:rPr lang="de-DE" smtClean="0"/>
+              <a:t>Fakultät Informatik             Sebastian Schötteler &amp; Benedikt Hofrichter</a:t>
+            </a:r>
+            <a:endParaRPr lang="de-DE" dirty="0"/>
+          </a:p>
+        </p:txBody>
+      </p:sp>
+      <p:sp>
+        <p:nvSpPr>
+          <p:cNvPr id="6" name="Foliennummernplatzhalter 5"/>
+          <p:cNvSpPr>
+            <a:spLocks noGrp="1"/>
+          </p:cNvSpPr>
+          <p:nvPr>
+            <p:ph type="sldNum" sz="quarter" idx="12"/>
+          </p:nvPr>
+        </p:nvSpPr>
+        <p:spPr/>
+        <p:txBody>
+          <a:bodyPr/>
+          <a:lstStyle/>
+          <a:p>
+            <a:fld id="{0E226D3C-400E-4353-AAC2-09A0472DC536}" type="slidenum">
+              <a:rPr lang="de-DE" smtClean="0"/>
+              <a:t>24</a:t>
+            </a:fld>
+            <a:endParaRPr lang="de-DE" dirty="0"/>
+          </a:p>
+        </p:txBody>
+      </p:sp>
+    </p:spTree>
+    <p:extLst>
+      <p:ext uri="{BB962C8B-B14F-4D97-AF65-F5344CB8AC3E}">
+        <p14:creationId xmlns:p14="http://schemas.microsoft.com/office/powerpoint/2010/main" val="4218416104"/>
+      </p:ext>
+    </p:extLst>
+  </p:cSld>
+  <p:clrMapOvr>
+    <a:masterClrMapping/>
+  </p:clrMapOvr>
+  <p:timing>
+    <p:tnLst>
+      <p:par>
+        <p:cTn id="1" dur="indefinite" restart="never" nodeType="tmRoot"/>
+      </p:par>
+    </p:tnLst>
+  </p:timing>
+</p:sld>
+</file>
+
+<file path=ppt/slides/slide26.xml><?xml version="1.0" encoding="utf-8"?>
+<p:sld xmlns:a="http://schemas.openxmlformats.org/drawingml/2006/main" xmlns:r="http://schemas.openxmlformats.org/officeDocument/2006/relationships" xmlns:p="http://schemas.openxmlformats.org/presentationml/2006/main">
+  <p:cSld>
+    <p:spTree>
+      <p:nvGrpSpPr>
+        <p:cNvPr id="1" name=""/>
+        <p:cNvGrpSpPr/>
+        <p:nvPr/>
+      </p:nvGrpSpPr>
+      <p:grpSpPr>
+        <a:xfrm>
+          <a:off x="0" y="0"/>
+          <a:ext cx="0" cy="0"/>
+          <a:chOff x="0" y="0"/>
+          <a:chExt cx="0" cy="0"/>
+        </a:xfrm>
+      </p:grpSpPr>
+      <p:sp>
+        <p:nvSpPr>
+          <p:cNvPr id="4" name="Datumsplatzhalter 3"/>
+          <p:cNvSpPr>
+            <a:spLocks noGrp="1"/>
+          </p:cNvSpPr>
+          <p:nvPr>
+            <p:ph type="dt" sz="half" idx="10"/>
+          </p:nvPr>
+        </p:nvSpPr>
+        <p:spPr/>
+        <p:txBody>
+          <a:bodyPr/>
+          <a:lstStyle/>
+          <a:p>
+            <a:fld id="{7AC709DD-AC18-4FBA-B4E6-46DED743653E}" type="datetime1">
+              <a:rPr lang="de-DE" smtClean="0"/>
+              <a:t>26.11.2015</a:t>
+            </a:fld>
+            <a:endParaRPr lang="de-DE"/>
+          </a:p>
+        </p:txBody>
+      </p:sp>
+      <p:sp>
+        <p:nvSpPr>
+          <p:cNvPr id="5" name="Fußzeilenplatzhalter 4"/>
+          <p:cNvSpPr>
+            <a:spLocks noGrp="1"/>
+          </p:cNvSpPr>
+          <p:nvPr>
+            <p:ph type="ftr" sz="quarter" idx="11"/>
+          </p:nvPr>
+        </p:nvSpPr>
+        <p:spPr/>
+        <p:txBody>
+          <a:bodyPr/>
+          <a:lstStyle/>
+          <a:p>
+            <a:r>
+              <a:rPr lang="de-DE" dirty="0" smtClean="0"/>
+              <a:t>Fakultät Informatik             Sebastian Schötteler &amp; Benedikt Hofrichter</a:t>
+            </a:r>
+            <a:endParaRPr lang="de-DE" dirty="0"/>
+          </a:p>
+        </p:txBody>
+      </p:sp>
+      <p:sp>
+        <p:nvSpPr>
+          <p:cNvPr id="6" name="Foliennummernplatzhalter 5"/>
+          <p:cNvSpPr>
+            <a:spLocks noGrp="1"/>
+          </p:cNvSpPr>
+          <p:nvPr>
+            <p:ph type="sldNum" sz="quarter" idx="12"/>
+          </p:nvPr>
+        </p:nvSpPr>
+        <p:spPr/>
+        <p:txBody>
+          <a:bodyPr/>
+          <a:lstStyle/>
+          <a:p>
+            <a:fld id="{0E226D3C-400E-4353-AAC2-09A0472DC536}" type="slidenum">
+              <a:rPr lang="de-DE" smtClean="0"/>
+              <a:t>25</a:t>
+            </a:fld>
+            <a:endParaRPr lang="de-DE" dirty="0"/>
+          </a:p>
+        </p:txBody>
+      </p:sp>
+      <p:sp>
+        <p:nvSpPr>
+          <p:cNvPr id="8" name="Inhaltsplatzhalter 7"/>
+          <p:cNvSpPr>
+            <a:spLocks noGrp="1"/>
+          </p:cNvSpPr>
+          <p:nvPr>
+            <p:ph idx="1"/>
+          </p:nvPr>
+        </p:nvSpPr>
+        <p:spPr/>
+        <p:txBody>
+          <a:bodyPr>
+            <a:normAutofit fontScale="92500" lnSpcReduction="20000"/>
+          </a:bodyPr>
+          <a:lstStyle/>
+          <a:p>
+            <a:pPr marL="571500" indent="-571500">
+              <a:buFont typeface="+mj-lt"/>
+              <a:buAutoNum type="romanUcPeriod"/>
+            </a:pPr>
+            <a:r>
+              <a:rPr lang="de-DE" dirty="0" smtClean="0"/>
+              <a:t>Motivation</a:t>
+            </a:r>
+          </a:p>
+          <a:p>
+            <a:pPr marL="285750" indent="-285750">
+              <a:buFont typeface="+mj-lt"/>
+              <a:buAutoNum type="romanUcPeriod"/>
+            </a:pPr>
+            <a:endParaRPr lang="de-DE" sz="100" dirty="0" smtClean="0"/>
+          </a:p>
+          <a:p>
+            <a:pPr marL="571500" indent="-571500">
+              <a:buFont typeface="+mj-lt"/>
+              <a:buAutoNum type="romanUcPeriod"/>
+            </a:pPr>
+            <a:r>
+              <a:rPr lang="de-DE" dirty="0" smtClean="0"/>
+              <a:t>Konzeption der Anwendung</a:t>
+            </a:r>
+          </a:p>
+          <a:p>
+            <a:pPr marL="571500" indent="-571500">
+              <a:buFont typeface="+mj-lt"/>
+              <a:buAutoNum type="romanUcPeriod"/>
+            </a:pPr>
+            <a:r>
+              <a:rPr lang="de-DE" dirty="0" smtClean="0"/>
+              <a:t>Konzeption des künstlichen neuronalen Netzes</a:t>
+            </a:r>
+          </a:p>
+          <a:p>
+            <a:pPr marL="285750" indent="-285750">
+              <a:buFont typeface="+mj-lt"/>
+              <a:buAutoNum type="romanUcPeriod"/>
+            </a:pPr>
+            <a:endParaRPr lang="de-DE" sz="100" dirty="0" smtClean="0"/>
+          </a:p>
+          <a:p>
+            <a:pPr marL="571500" indent="-571500">
+              <a:buFont typeface="+mj-lt"/>
+              <a:buAutoNum type="romanUcPeriod"/>
+            </a:pPr>
+            <a:r>
+              <a:rPr lang="de-DE" dirty="0" smtClean="0"/>
+              <a:t>Umsetzung der Anwendung</a:t>
+            </a:r>
+          </a:p>
+          <a:p>
+            <a:pPr marL="571500" indent="-571500">
+              <a:buFont typeface="+mj-lt"/>
+              <a:buAutoNum type="romanUcPeriod"/>
+            </a:pPr>
+            <a:r>
+              <a:rPr lang="de-DE" dirty="0" smtClean="0"/>
+              <a:t>Umsetzung des künstlichen neuronalen Netzes</a:t>
+            </a:r>
+          </a:p>
+          <a:p>
+            <a:pPr marL="571500" indent="-571500">
+              <a:buFont typeface="+mj-lt"/>
+              <a:buAutoNum type="romanUcPeriod"/>
+            </a:pPr>
+            <a:r>
+              <a:rPr lang="de-DE" b="1" dirty="0" smtClean="0"/>
+              <a:t>Zusammenführung der Komponenten</a:t>
+            </a:r>
+          </a:p>
+          <a:p>
+            <a:pPr marL="571500" indent="-571500">
+              <a:buFont typeface="+mj-lt"/>
+              <a:buAutoNum type="romanUcPeriod"/>
+            </a:pPr>
+            <a:endParaRPr lang="de-DE" sz="100" dirty="0" smtClean="0"/>
+          </a:p>
+          <a:p>
+            <a:pPr marL="571500" indent="-571500">
+              <a:buFont typeface="+mj-lt"/>
+              <a:buAutoNum type="romanUcPeriod"/>
+            </a:pPr>
+            <a:r>
+              <a:rPr lang="de-DE" dirty="0" smtClean="0"/>
+              <a:t>Vorstellung der Anwendung</a:t>
+            </a:r>
+          </a:p>
+          <a:p>
+            <a:pPr marL="285750" indent="-285750">
+              <a:buFont typeface="+mj-lt"/>
+              <a:buAutoNum type="romanUcPeriod"/>
+            </a:pPr>
+            <a:endParaRPr lang="de-DE" sz="100" dirty="0" smtClean="0"/>
+          </a:p>
+          <a:p>
+            <a:pPr marL="571500" indent="-571500">
+              <a:buFont typeface="+mj-lt"/>
+              <a:buAutoNum type="romanUcPeriod"/>
+            </a:pPr>
+            <a:r>
+              <a:rPr lang="de-DE" dirty="0" smtClean="0"/>
+              <a:t>Analyse</a:t>
+            </a:r>
+          </a:p>
+          <a:p>
+            <a:pPr marL="0" indent="0">
+              <a:buNone/>
+            </a:pPr>
+            <a:endParaRPr lang="de-DE" sz="100" dirty="0" smtClean="0"/>
+          </a:p>
+          <a:p>
+            <a:pPr marL="571500" indent="-571500">
+              <a:buFont typeface="+mj-lt"/>
+              <a:buAutoNum type="romanUcPeriod" startAt="9"/>
+            </a:pPr>
+            <a:r>
+              <a:rPr lang="de-DE" dirty="0" smtClean="0"/>
+              <a:t>Fazit</a:t>
+            </a:r>
+          </a:p>
+          <a:p>
+            <a:pPr marL="571500" indent="-571500">
+              <a:buFont typeface="+mj-lt"/>
+              <a:buAutoNum type="romanUcPeriod" startAt="9"/>
+            </a:pPr>
+            <a:endParaRPr lang="de-DE" dirty="0"/>
+          </a:p>
+        </p:txBody>
+      </p:sp>
+      <p:pic>
+        <p:nvPicPr>
+          <p:cNvPr id="9" name="Inhaltsplatzhalter 6"/>
+          <p:cNvPicPr>
+            <a:picLocks noChangeAspect="1"/>
+          </p:cNvPicPr>
+          <p:nvPr/>
+        </p:nvPicPr>
+        <p:blipFill>
+          <a:blip r:embed="rId2">
+            <a:duotone>
+              <a:schemeClr val="bg2">
+                <a:shade val="45000"/>
+                <a:satMod val="135000"/>
+              </a:schemeClr>
+              <a:prstClr val="white"/>
+            </a:duotone>
+            <a:extLst>
+              <a:ext uri="{28A0092B-C50C-407E-A947-70E740481C1C}">
+                <a14:useLocalDpi xmlns:a14="http://schemas.microsoft.com/office/drawing/2010/main" val="0"/>
+              </a:ext>
+            </a:extLst>
+          </a:blip>
+          <a:stretch>
+            <a:fillRect/>
+          </a:stretch>
+        </p:blipFill>
+        <p:spPr>
+          <a:xfrm>
+            <a:off x="8566434" y="365125"/>
+            <a:ext cx="3250865" cy="2589856"/>
+          </a:xfrm>
+          <a:prstGeom prst="rect">
+            <a:avLst/>
+          </a:prstGeom>
+        </p:spPr>
+      </p:pic>
+    </p:spTree>
+    <p:extLst>
+      <p:ext uri="{BB962C8B-B14F-4D97-AF65-F5344CB8AC3E}">
+        <p14:creationId xmlns:p14="http://schemas.microsoft.com/office/powerpoint/2010/main" val="2535866213"/>
+      </p:ext>
+    </p:extLst>
+  </p:cSld>
+  <p:clrMapOvr>
+    <a:masterClrMapping/>
+  </p:clrMapOvr>
+  <p:timing>
+    <p:tnLst>
+      <p:par>
+        <p:cTn id="1" dur="indefinite" restart="never" nodeType="tmRoot"/>
+      </p:par>
+    </p:tnLst>
+  </p:timing>
+</p:sld>
+</file>
+
+<file path=ppt/slides/slide27.xml><?xml version="1.0" encoding="utf-8"?>
+<p:sld xmlns:a="http://schemas.openxmlformats.org/drawingml/2006/main" xmlns:r="http://schemas.openxmlformats.org/officeDocument/2006/relationships" xmlns:p="http://schemas.openxmlformats.org/presentationml/2006/main">
+  <p:cSld>
+    <p:spTree>
+      <p:nvGrpSpPr>
+        <p:cNvPr id="1" name=""/>
+        <p:cNvGrpSpPr/>
+        <p:nvPr/>
+      </p:nvGrpSpPr>
+      <p:grpSpPr>
+        <a:xfrm>
+          <a:off x="0" y="0"/>
+          <a:ext cx="0" cy="0"/>
+          <a:chOff x="0" y="0"/>
+          <a:chExt cx="0" cy="0"/>
+        </a:xfrm>
+      </p:grpSpPr>
+      <p:sp>
+        <p:nvSpPr>
+          <p:cNvPr id="2" name="Titel 1"/>
+          <p:cNvSpPr>
+            <a:spLocks noGrp="1"/>
+          </p:cNvSpPr>
+          <p:nvPr>
+            <p:ph type="title"/>
+          </p:nvPr>
+        </p:nvSpPr>
+        <p:spPr/>
+        <p:txBody>
+          <a:bodyPr/>
+          <a:lstStyle/>
+          <a:p>
+            <a:pPr marL="857250" indent="-857250">
+              <a:buFont typeface="+mj-lt"/>
+              <a:buAutoNum type="romanUcPeriod" startAt="6"/>
+            </a:pPr>
+            <a:r>
+              <a:rPr lang="de-DE" b="1" dirty="0" smtClean="0"/>
+              <a:t>Zusammenführung der Komponenten</a:t>
+            </a:r>
+            <a:endParaRPr lang="de-DE" dirty="0"/>
+          </a:p>
+        </p:txBody>
+      </p:sp>
+      <p:sp>
+        <p:nvSpPr>
+          <p:cNvPr id="3" name="Inhaltsplatzhalter 2"/>
+          <p:cNvSpPr>
+            <a:spLocks noGrp="1"/>
+          </p:cNvSpPr>
+          <p:nvPr>
+            <p:ph idx="1"/>
+          </p:nvPr>
+        </p:nvSpPr>
+        <p:spPr/>
+        <p:txBody>
+          <a:bodyPr/>
+          <a:lstStyle/>
+          <a:p>
+            <a:endParaRPr lang="de-DE"/>
+          </a:p>
+        </p:txBody>
+      </p:sp>
+      <p:sp>
+        <p:nvSpPr>
+          <p:cNvPr id="4" name="Datumsplatzhalter 3"/>
+          <p:cNvSpPr>
+            <a:spLocks noGrp="1"/>
+          </p:cNvSpPr>
+          <p:nvPr>
+            <p:ph type="dt" sz="half" idx="10"/>
+          </p:nvPr>
+        </p:nvSpPr>
+        <p:spPr/>
+        <p:txBody>
+          <a:bodyPr/>
+          <a:lstStyle/>
+          <a:p>
+            <a:fld id="{7AC709DD-AC18-4FBA-B4E6-46DED743653E}" type="datetime1">
+              <a:rPr lang="de-DE" smtClean="0"/>
+              <a:t>26.11.2015</a:t>
+            </a:fld>
+            <a:endParaRPr lang="de-DE"/>
+          </a:p>
+        </p:txBody>
+      </p:sp>
+      <p:sp>
+        <p:nvSpPr>
+          <p:cNvPr id="5" name="Fußzeilenplatzhalter 4"/>
+          <p:cNvSpPr>
+            <a:spLocks noGrp="1"/>
+          </p:cNvSpPr>
+          <p:nvPr>
+            <p:ph type="ftr" sz="quarter" idx="11"/>
+          </p:nvPr>
+        </p:nvSpPr>
+        <p:spPr/>
+        <p:txBody>
+          <a:bodyPr/>
+          <a:lstStyle/>
+          <a:p>
+            <a:r>
+              <a:rPr lang="de-DE" smtClean="0"/>
+              <a:t>Fakultät Informatik             Sebastian Schötteler &amp; Benedikt Hofrichter</a:t>
+            </a:r>
+            <a:endParaRPr lang="de-DE" dirty="0"/>
+          </a:p>
+        </p:txBody>
+      </p:sp>
+      <p:sp>
+        <p:nvSpPr>
+          <p:cNvPr id="6" name="Foliennummernplatzhalter 5"/>
+          <p:cNvSpPr>
+            <a:spLocks noGrp="1"/>
+          </p:cNvSpPr>
+          <p:nvPr>
+            <p:ph type="sldNum" sz="quarter" idx="12"/>
+          </p:nvPr>
+        </p:nvSpPr>
+        <p:spPr/>
+        <p:txBody>
+          <a:bodyPr/>
+          <a:lstStyle/>
+          <a:p>
+            <a:fld id="{0E226D3C-400E-4353-AAC2-09A0472DC536}" type="slidenum">
+              <a:rPr lang="de-DE" smtClean="0"/>
+              <a:t>26</a:t>
+            </a:fld>
+            <a:endParaRPr lang="de-DE" dirty="0"/>
+          </a:p>
+        </p:txBody>
+      </p:sp>
+    </p:spTree>
+    <p:extLst>
+      <p:ext uri="{BB962C8B-B14F-4D97-AF65-F5344CB8AC3E}">
+        <p14:creationId xmlns:p14="http://schemas.microsoft.com/office/powerpoint/2010/main" val="403237695"/>
+      </p:ext>
+    </p:extLst>
+  </p:cSld>
+  <p:clrMapOvr>
+    <a:masterClrMapping/>
+  </p:clrMapOvr>
+  <p:timing>
+    <p:tnLst>
+      <p:par>
+        <p:cTn id="1" dur="indefinite" restart="never" nodeType="tmRoot"/>
+      </p:par>
+    </p:tnLst>
+  </p:timing>
+</p:sld>
+</file>
+
+<file path=ppt/slides/slide28.xml><?xml version="1.0" encoding="utf-8"?>
+<p:sld xmlns:a="http://schemas.openxmlformats.org/drawingml/2006/main" xmlns:r="http://schemas.openxmlformats.org/officeDocument/2006/relationships" xmlns:p="http://schemas.openxmlformats.org/presentationml/2006/main">
+  <p:cSld>
+    <p:spTree>
+      <p:nvGrpSpPr>
+        <p:cNvPr id="1" name=""/>
+        <p:cNvGrpSpPr/>
+        <p:nvPr/>
+      </p:nvGrpSpPr>
+      <p:grpSpPr>
+        <a:xfrm>
+          <a:off x="0" y="0"/>
+          <a:ext cx="0" cy="0"/>
+          <a:chOff x="0" y="0"/>
+          <a:chExt cx="0" cy="0"/>
+        </a:xfrm>
+      </p:grpSpPr>
+      <p:sp>
+        <p:nvSpPr>
+          <p:cNvPr id="4" name="Datumsplatzhalter 3"/>
+          <p:cNvSpPr>
+            <a:spLocks noGrp="1"/>
+          </p:cNvSpPr>
+          <p:nvPr>
+            <p:ph type="dt" sz="half" idx="10"/>
+          </p:nvPr>
+        </p:nvSpPr>
+        <p:spPr/>
+        <p:txBody>
+          <a:bodyPr/>
+          <a:lstStyle/>
+          <a:p>
+            <a:fld id="{7AC709DD-AC18-4FBA-B4E6-46DED743653E}" type="datetime1">
+              <a:rPr lang="de-DE" smtClean="0"/>
+              <a:t>26.11.2015</a:t>
+            </a:fld>
+            <a:endParaRPr lang="de-DE"/>
+          </a:p>
+        </p:txBody>
+      </p:sp>
+      <p:sp>
+        <p:nvSpPr>
+          <p:cNvPr id="5" name="Fußzeilenplatzhalter 4"/>
+          <p:cNvSpPr>
+            <a:spLocks noGrp="1"/>
+          </p:cNvSpPr>
+          <p:nvPr>
+            <p:ph type="ftr" sz="quarter" idx="11"/>
+          </p:nvPr>
+        </p:nvSpPr>
+        <p:spPr/>
+        <p:txBody>
+          <a:bodyPr/>
+          <a:lstStyle/>
+          <a:p>
+            <a:r>
+              <a:rPr lang="de-DE" dirty="0" smtClean="0"/>
+              <a:t>Fakultät Informatik             Sebastian Schötteler &amp; Benedikt Hofrichter</a:t>
+            </a:r>
+            <a:endParaRPr lang="de-DE" dirty="0"/>
+          </a:p>
+        </p:txBody>
+      </p:sp>
+      <p:sp>
+        <p:nvSpPr>
+          <p:cNvPr id="6" name="Foliennummernplatzhalter 5"/>
+          <p:cNvSpPr>
+            <a:spLocks noGrp="1"/>
+          </p:cNvSpPr>
+          <p:nvPr>
+            <p:ph type="sldNum" sz="quarter" idx="12"/>
+          </p:nvPr>
+        </p:nvSpPr>
+        <p:spPr/>
+        <p:txBody>
+          <a:bodyPr/>
+          <a:lstStyle/>
+          <a:p>
+            <a:fld id="{0E226D3C-400E-4353-AAC2-09A0472DC536}" type="slidenum">
+              <a:rPr lang="de-DE" smtClean="0"/>
+              <a:t>27</a:t>
+            </a:fld>
+            <a:endParaRPr lang="de-DE" dirty="0"/>
+          </a:p>
+        </p:txBody>
+      </p:sp>
+      <p:sp>
+        <p:nvSpPr>
+          <p:cNvPr id="8" name="Inhaltsplatzhalter 7"/>
+          <p:cNvSpPr>
+            <a:spLocks noGrp="1"/>
+          </p:cNvSpPr>
+          <p:nvPr>
+            <p:ph idx="1"/>
+          </p:nvPr>
+        </p:nvSpPr>
+        <p:spPr/>
+        <p:txBody>
+          <a:bodyPr>
+            <a:normAutofit fontScale="92500" lnSpcReduction="20000"/>
+          </a:bodyPr>
+          <a:lstStyle/>
+          <a:p>
+            <a:pPr marL="571500" indent="-571500">
+              <a:buFont typeface="+mj-lt"/>
+              <a:buAutoNum type="romanUcPeriod"/>
+            </a:pPr>
+            <a:r>
+              <a:rPr lang="de-DE" dirty="0" smtClean="0"/>
+              <a:t>Motivation</a:t>
+            </a:r>
+          </a:p>
+          <a:p>
+            <a:pPr marL="285750" indent="-285750">
+              <a:buFont typeface="+mj-lt"/>
+              <a:buAutoNum type="romanUcPeriod"/>
+            </a:pPr>
+            <a:endParaRPr lang="de-DE" sz="100" dirty="0" smtClean="0"/>
+          </a:p>
+          <a:p>
+            <a:pPr marL="571500" indent="-571500">
+              <a:buFont typeface="+mj-lt"/>
+              <a:buAutoNum type="romanUcPeriod"/>
+            </a:pPr>
+            <a:r>
+              <a:rPr lang="de-DE" dirty="0" smtClean="0"/>
+              <a:t>Konzeption der Anwendung</a:t>
+            </a:r>
+          </a:p>
+          <a:p>
+            <a:pPr marL="571500" indent="-571500">
+              <a:buFont typeface="+mj-lt"/>
+              <a:buAutoNum type="romanUcPeriod"/>
+            </a:pPr>
+            <a:r>
+              <a:rPr lang="de-DE" dirty="0" smtClean="0"/>
+              <a:t>Konzeption des künstlichen neuronalen Netzes</a:t>
+            </a:r>
+          </a:p>
+          <a:p>
+            <a:pPr marL="285750" indent="-285750">
+              <a:buFont typeface="+mj-lt"/>
+              <a:buAutoNum type="romanUcPeriod"/>
+            </a:pPr>
+            <a:endParaRPr lang="de-DE" sz="100" dirty="0" smtClean="0"/>
+          </a:p>
+          <a:p>
+            <a:pPr marL="571500" indent="-571500">
+              <a:buFont typeface="+mj-lt"/>
+              <a:buAutoNum type="romanUcPeriod"/>
+            </a:pPr>
+            <a:r>
+              <a:rPr lang="de-DE" dirty="0" smtClean="0"/>
+              <a:t>Umsetzung der Anwendung</a:t>
+            </a:r>
+          </a:p>
+          <a:p>
+            <a:pPr marL="571500" indent="-571500">
+              <a:buFont typeface="+mj-lt"/>
+              <a:buAutoNum type="romanUcPeriod"/>
+            </a:pPr>
+            <a:r>
+              <a:rPr lang="de-DE" dirty="0" smtClean="0"/>
+              <a:t>Umsetzung des künstlichen neuronalen Netzes</a:t>
+            </a:r>
+          </a:p>
+          <a:p>
+            <a:pPr marL="571500" indent="-571500">
+              <a:buFont typeface="+mj-lt"/>
+              <a:buAutoNum type="romanUcPeriod"/>
+            </a:pPr>
+            <a:r>
+              <a:rPr lang="de-DE" dirty="0" smtClean="0"/>
+              <a:t>Zusammenführung der Komponenten</a:t>
+            </a:r>
+          </a:p>
+          <a:p>
+            <a:pPr marL="571500" indent="-571500">
+              <a:buFont typeface="+mj-lt"/>
+              <a:buAutoNum type="romanUcPeriod"/>
+            </a:pPr>
+            <a:endParaRPr lang="de-DE" sz="100" dirty="0" smtClean="0"/>
+          </a:p>
+          <a:p>
+            <a:pPr marL="571500" indent="-571500">
+              <a:buFont typeface="+mj-lt"/>
+              <a:buAutoNum type="romanUcPeriod"/>
+            </a:pPr>
+            <a:r>
+              <a:rPr lang="de-DE" b="1" dirty="0" smtClean="0"/>
+              <a:t>Vorstellung der Anwendung</a:t>
+            </a:r>
+          </a:p>
+          <a:p>
+            <a:pPr marL="285750" indent="-285750">
+              <a:buFont typeface="+mj-lt"/>
+              <a:buAutoNum type="romanUcPeriod"/>
+            </a:pPr>
+            <a:endParaRPr lang="de-DE" sz="100" dirty="0" smtClean="0"/>
+          </a:p>
+          <a:p>
+            <a:pPr marL="571500" indent="-571500">
+              <a:buFont typeface="+mj-lt"/>
+              <a:buAutoNum type="romanUcPeriod"/>
+            </a:pPr>
+            <a:r>
+              <a:rPr lang="de-DE" dirty="0" smtClean="0"/>
+              <a:t>Analyse</a:t>
+            </a:r>
+          </a:p>
+          <a:p>
+            <a:pPr marL="0" indent="0">
+              <a:buNone/>
+            </a:pPr>
+            <a:endParaRPr lang="de-DE" sz="100" dirty="0" smtClean="0"/>
+          </a:p>
+          <a:p>
+            <a:pPr marL="571500" indent="-571500">
+              <a:buFont typeface="+mj-lt"/>
+              <a:buAutoNum type="romanUcPeriod" startAt="9"/>
+            </a:pPr>
+            <a:r>
+              <a:rPr lang="de-DE" dirty="0" smtClean="0"/>
+              <a:t>Fazit</a:t>
+            </a:r>
+          </a:p>
+          <a:p>
+            <a:pPr marL="571500" indent="-571500">
+              <a:buFont typeface="+mj-lt"/>
+              <a:buAutoNum type="romanUcPeriod" startAt="9"/>
+            </a:pPr>
+            <a:endParaRPr lang="de-DE" dirty="0"/>
+          </a:p>
+        </p:txBody>
+      </p:sp>
+      <p:pic>
+        <p:nvPicPr>
+          <p:cNvPr id="9" name="Inhaltsplatzhalter 6"/>
+          <p:cNvPicPr>
+            <a:picLocks noChangeAspect="1"/>
+          </p:cNvPicPr>
+          <p:nvPr/>
+        </p:nvPicPr>
+        <p:blipFill>
+          <a:blip r:embed="rId2">
+            <a:duotone>
+              <a:schemeClr val="bg2">
+                <a:shade val="45000"/>
+                <a:satMod val="135000"/>
+              </a:schemeClr>
+              <a:prstClr val="white"/>
+            </a:duotone>
+            <a:extLst>
+              <a:ext uri="{28A0092B-C50C-407E-A947-70E740481C1C}">
+                <a14:useLocalDpi xmlns:a14="http://schemas.microsoft.com/office/drawing/2010/main" val="0"/>
+              </a:ext>
+            </a:extLst>
+          </a:blip>
+          <a:stretch>
+            <a:fillRect/>
+          </a:stretch>
+        </p:blipFill>
+        <p:spPr>
+          <a:xfrm>
+            <a:off x="8566434" y="365125"/>
+            <a:ext cx="3250865" cy="2589856"/>
+          </a:xfrm>
+          <a:prstGeom prst="rect">
+            <a:avLst/>
+          </a:prstGeom>
+        </p:spPr>
+      </p:pic>
+    </p:spTree>
+    <p:extLst>
+      <p:ext uri="{BB962C8B-B14F-4D97-AF65-F5344CB8AC3E}">
+        <p14:creationId xmlns:p14="http://schemas.microsoft.com/office/powerpoint/2010/main" val="4094910121"/>
+      </p:ext>
+    </p:extLst>
+  </p:cSld>
+  <p:clrMapOvr>
+    <a:masterClrMapping/>
+  </p:clrMapOvr>
+  <p:timing>
+    <p:tnLst>
+      <p:par>
+        <p:cTn id="1" dur="indefinite" restart="never" nodeType="tmRoot"/>
+      </p:par>
+    </p:tnLst>
+  </p:timing>
+</p:sld>
+</file>
+
+<file path=ppt/slides/slide29.xml><?xml version="1.0" encoding="utf-8"?>
+<p:sld xmlns:a="http://schemas.openxmlformats.org/drawingml/2006/main" xmlns:r="http://schemas.openxmlformats.org/officeDocument/2006/relationships" xmlns:p="http://schemas.openxmlformats.org/presentationml/2006/main">
+  <p:cSld>
+    <p:spTree>
+      <p:nvGrpSpPr>
+        <p:cNvPr id="1" name=""/>
+        <p:cNvGrpSpPr/>
+        <p:nvPr/>
+      </p:nvGrpSpPr>
+      <p:grpSpPr>
+        <a:xfrm>
+          <a:off x="0" y="0"/>
+          <a:ext cx="0" cy="0"/>
+          <a:chOff x="0" y="0"/>
+          <a:chExt cx="0" cy="0"/>
+        </a:xfrm>
+      </p:grpSpPr>
+      <p:sp>
+        <p:nvSpPr>
+          <p:cNvPr id="2" name="Titel 1"/>
+          <p:cNvSpPr>
+            <a:spLocks noGrp="1"/>
+          </p:cNvSpPr>
+          <p:nvPr>
+            <p:ph type="title"/>
+          </p:nvPr>
+        </p:nvSpPr>
+        <p:spPr/>
+        <p:txBody>
+          <a:bodyPr/>
+          <a:lstStyle/>
+          <a:p>
+            <a:pPr marL="857250" indent="-857250">
+              <a:buFont typeface="+mj-lt"/>
+              <a:buAutoNum type="romanUcPeriod" startAt="7"/>
+            </a:pPr>
+            <a:r>
+              <a:rPr lang="de-DE" b="1" dirty="0" smtClean="0"/>
+              <a:t>Vorstellung der Anwendung</a:t>
+            </a:r>
+            <a:endParaRPr lang="de-DE" b="1" dirty="0"/>
+          </a:p>
+        </p:txBody>
+      </p:sp>
+      <p:sp>
+        <p:nvSpPr>
+          <p:cNvPr id="3" name="Inhaltsplatzhalter 2"/>
+          <p:cNvSpPr>
+            <a:spLocks noGrp="1"/>
+          </p:cNvSpPr>
+          <p:nvPr>
+            <p:ph idx="1"/>
+          </p:nvPr>
+        </p:nvSpPr>
+        <p:spPr/>
+        <p:txBody>
+          <a:bodyPr/>
+          <a:lstStyle/>
+          <a:p>
+            <a:endParaRPr lang="de-DE"/>
+          </a:p>
+        </p:txBody>
+      </p:sp>
+      <p:sp>
+        <p:nvSpPr>
+          <p:cNvPr id="4" name="Datumsplatzhalter 3"/>
+          <p:cNvSpPr>
+            <a:spLocks noGrp="1"/>
+          </p:cNvSpPr>
+          <p:nvPr>
+            <p:ph type="dt" sz="half" idx="10"/>
+          </p:nvPr>
+        </p:nvSpPr>
+        <p:spPr/>
+        <p:txBody>
+          <a:bodyPr/>
+          <a:lstStyle/>
+          <a:p>
+            <a:fld id="{7AC709DD-AC18-4FBA-B4E6-46DED743653E}" type="datetime1">
+              <a:rPr lang="de-DE" smtClean="0"/>
+              <a:t>26.11.2015</a:t>
+            </a:fld>
+            <a:endParaRPr lang="de-DE"/>
+          </a:p>
+        </p:txBody>
+      </p:sp>
+      <p:sp>
+        <p:nvSpPr>
+          <p:cNvPr id="5" name="Fußzeilenplatzhalter 4"/>
+          <p:cNvSpPr>
+            <a:spLocks noGrp="1"/>
+          </p:cNvSpPr>
+          <p:nvPr>
+            <p:ph type="ftr" sz="quarter" idx="11"/>
+          </p:nvPr>
+        </p:nvSpPr>
+        <p:spPr/>
+        <p:txBody>
+          <a:bodyPr/>
+          <a:lstStyle/>
+          <a:p>
+            <a:r>
+              <a:rPr lang="de-DE" smtClean="0"/>
+              <a:t>Fakultät Informatik             Sebastian Schötteler &amp; Benedikt Hofrichter</a:t>
+            </a:r>
+            <a:endParaRPr lang="de-DE" dirty="0"/>
+          </a:p>
+        </p:txBody>
+      </p:sp>
+      <p:sp>
+        <p:nvSpPr>
+          <p:cNvPr id="6" name="Foliennummernplatzhalter 5"/>
+          <p:cNvSpPr>
+            <a:spLocks noGrp="1"/>
+          </p:cNvSpPr>
+          <p:nvPr>
+            <p:ph type="sldNum" sz="quarter" idx="12"/>
+          </p:nvPr>
+        </p:nvSpPr>
+        <p:spPr/>
+        <p:txBody>
+          <a:bodyPr/>
+          <a:lstStyle/>
+          <a:p>
+            <a:fld id="{0E226D3C-400E-4353-AAC2-09A0472DC536}" type="slidenum">
+              <a:rPr lang="de-DE" smtClean="0"/>
+              <a:t>28</a:t>
+            </a:fld>
+            <a:endParaRPr lang="de-DE" dirty="0"/>
+          </a:p>
+        </p:txBody>
+      </p:sp>
+    </p:spTree>
+    <p:extLst>
+      <p:ext uri="{BB962C8B-B14F-4D97-AF65-F5344CB8AC3E}">
+        <p14:creationId xmlns:p14="http://schemas.microsoft.com/office/powerpoint/2010/main" val="214419860"/>
+      </p:ext>
+    </p:extLst>
+  </p:cSld>
+  <p:clrMapOvr>
+    <a:masterClrMapping/>
+  </p:clrMapOvr>
+  <p:timing>
+    <p:tnLst>
+      <p:par>
+        <p:cTn id="1" dur="indefinite" restart="never" nodeType="tmRoot"/>
+      </p:par>
+    </p:tnLst>
+  </p:timing>
+</p:sld>
+</file>
+
+<file path=ppt/slides/slide3.xml><?xml version="1.0" encoding="utf-8"?>
+<p:sld xmlns:a="http://schemas.openxmlformats.org/drawingml/2006/main" xmlns:r="http://schemas.openxmlformats.org/officeDocument/2006/relationships" xmlns:p="http://schemas.openxmlformats.org/presentationml/2006/main">
+  <p:cSld>
+    <p:spTree>
+      <p:nvGrpSpPr>
+        <p:cNvPr id="1" name=""/>
+        <p:cNvGrpSpPr/>
+        <p:nvPr/>
+      </p:nvGrpSpPr>
+      <p:grpSpPr>
+        <a:xfrm>
+          <a:off x="0" y="0"/>
+          <a:ext cx="0" cy="0"/>
+          <a:chOff x="0" y="0"/>
+          <a:chExt cx="0" cy="0"/>
+        </a:xfrm>
+      </p:grpSpPr>
+      <p:sp>
+        <p:nvSpPr>
+          <p:cNvPr id="4" name="Datumsplatzhalter 3"/>
+          <p:cNvSpPr>
+            <a:spLocks noGrp="1"/>
+          </p:cNvSpPr>
+          <p:nvPr>
+            <p:ph type="dt" sz="half" idx="10"/>
+          </p:nvPr>
+        </p:nvSpPr>
+        <p:spPr/>
+        <p:txBody>
+          <a:bodyPr/>
+          <a:lstStyle/>
+          <a:p>
+            <a:fld id="{7AC709DD-AC18-4FBA-B4E6-46DED743653E}" type="datetime1">
+              <a:rPr lang="de-DE" smtClean="0"/>
+              <a:t>26.11.2015</a:t>
+            </a:fld>
+            <a:endParaRPr lang="de-DE"/>
+          </a:p>
+        </p:txBody>
+      </p:sp>
+      <p:sp>
+        <p:nvSpPr>
+          <p:cNvPr id="5" name="Fußzeilenplatzhalter 4"/>
+          <p:cNvSpPr>
+            <a:spLocks noGrp="1"/>
+          </p:cNvSpPr>
+          <p:nvPr>
+            <p:ph type="ftr" sz="quarter" idx="11"/>
+          </p:nvPr>
+        </p:nvSpPr>
+        <p:spPr/>
+        <p:txBody>
+          <a:bodyPr/>
+          <a:lstStyle/>
+          <a:p>
+            <a:r>
+              <a:rPr lang="de-DE" dirty="0" smtClean="0"/>
+              <a:t>Fakultät Informatik             Sebastian Schötteler &amp; Benedikt Hofrichter</a:t>
+            </a:r>
+            <a:endParaRPr lang="de-DE" dirty="0"/>
+          </a:p>
+        </p:txBody>
+      </p:sp>
+      <p:sp>
+        <p:nvSpPr>
+          <p:cNvPr id="6" name="Foliennummernplatzhalter 5"/>
+          <p:cNvSpPr>
+            <a:spLocks noGrp="1"/>
+          </p:cNvSpPr>
+          <p:nvPr>
+            <p:ph type="sldNum" sz="quarter" idx="12"/>
+          </p:nvPr>
+        </p:nvSpPr>
+        <p:spPr/>
+        <p:txBody>
+          <a:bodyPr/>
+          <a:lstStyle/>
+          <a:p>
+            <a:fld id="{0E226D3C-400E-4353-AAC2-09A0472DC536}" type="slidenum">
+              <a:rPr lang="de-DE" smtClean="0"/>
+              <a:t>2</a:t>
+            </a:fld>
+            <a:endParaRPr lang="de-DE" dirty="0"/>
+          </a:p>
+        </p:txBody>
+      </p:sp>
+      <p:sp>
+        <p:nvSpPr>
+          <p:cNvPr id="8" name="Inhaltsplatzhalter 7"/>
+          <p:cNvSpPr>
+            <a:spLocks noGrp="1"/>
+          </p:cNvSpPr>
+          <p:nvPr>
+            <p:ph idx="1"/>
+          </p:nvPr>
+        </p:nvSpPr>
+        <p:spPr/>
+        <p:txBody>
+          <a:bodyPr>
+            <a:normAutofit fontScale="92500" lnSpcReduction="20000"/>
+          </a:bodyPr>
+          <a:lstStyle/>
+          <a:p>
+            <a:pPr marL="571500" indent="-571500">
+              <a:buFont typeface="+mj-lt"/>
+              <a:buAutoNum type="romanUcPeriod"/>
+            </a:pPr>
+            <a:r>
+              <a:rPr lang="de-DE" b="1" dirty="0" smtClean="0"/>
+              <a:t>Motivation</a:t>
+            </a:r>
+          </a:p>
+          <a:p>
+            <a:pPr marL="285750" indent="-285750">
+              <a:buFont typeface="+mj-lt"/>
+              <a:buAutoNum type="romanUcPeriod"/>
+            </a:pPr>
+            <a:endParaRPr lang="de-DE" sz="100" dirty="0" smtClean="0"/>
+          </a:p>
+          <a:p>
+            <a:pPr marL="571500" indent="-571500">
+              <a:buFont typeface="+mj-lt"/>
+              <a:buAutoNum type="romanUcPeriod"/>
+            </a:pPr>
+            <a:r>
+              <a:rPr lang="de-DE" dirty="0" smtClean="0"/>
+              <a:t>Konzeption der Anwendung</a:t>
+            </a:r>
+          </a:p>
+          <a:p>
+            <a:pPr marL="571500" indent="-571500">
+              <a:buFont typeface="+mj-lt"/>
+              <a:buAutoNum type="romanUcPeriod"/>
+            </a:pPr>
+            <a:r>
+              <a:rPr lang="de-DE" dirty="0" smtClean="0"/>
+              <a:t>Konzeption des künstlichen neuronalen Netzes</a:t>
+            </a:r>
+          </a:p>
+          <a:p>
+            <a:pPr marL="285750" indent="-285750">
+              <a:buFont typeface="+mj-lt"/>
+              <a:buAutoNum type="romanUcPeriod"/>
+            </a:pPr>
+            <a:endParaRPr lang="de-DE" sz="100" dirty="0" smtClean="0"/>
+          </a:p>
+          <a:p>
+            <a:pPr marL="571500" indent="-571500">
+              <a:buFont typeface="+mj-lt"/>
+              <a:buAutoNum type="romanUcPeriod"/>
+            </a:pPr>
+            <a:r>
+              <a:rPr lang="de-DE" dirty="0" smtClean="0"/>
+              <a:t>Umsetzung der Anwendung</a:t>
+            </a:r>
+          </a:p>
+          <a:p>
+            <a:pPr marL="571500" indent="-571500">
+              <a:buFont typeface="+mj-lt"/>
+              <a:buAutoNum type="romanUcPeriod"/>
+            </a:pPr>
+            <a:r>
+              <a:rPr lang="de-DE" dirty="0" smtClean="0"/>
+              <a:t>Umsetzung des künstlichen neuronalen Netzes</a:t>
+            </a:r>
+          </a:p>
+          <a:p>
+            <a:pPr marL="571500" indent="-571500">
+              <a:buFont typeface="+mj-lt"/>
+              <a:buAutoNum type="romanUcPeriod"/>
+            </a:pPr>
+            <a:r>
+              <a:rPr lang="de-DE" dirty="0" smtClean="0"/>
+              <a:t>Zusammenführung der Komponenten</a:t>
+            </a:r>
+          </a:p>
+          <a:p>
+            <a:pPr marL="571500" indent="-571500">
+              <a:buFont typeface="+mj-lt"/>
+              <a:buAutoNum type="romanUcPeriod"/>
+            </a:pPr>
+            <a:endParaRPr lang="de-DE" sz="100" dirty="0" smtClean="0"/>
+          </a:p>
+          <a:p>
+            <a:pPr marL="571500" indent="-571500">
+              <a:buFont typeface="+mj-lt"/>
+              <a:buAutoNum type="romanUcPeriod"/>
+            </a:pPr>
+            <a:r>
+              <a:rPr lang="de-DE" dirty="0" smtClean="0"/>
+              <a:t>Vorstellung der Anwendung</a:t>
+            </a:r>
+          </a:p>
+          <a:p>
+            <a:pPr marL="285750" indent="-285750">
+              <a:buFont typeface="+mj-lt"/>
+              <a:buAutoNum type="romanUcPeriod"/>
+            </a:pPr>
+            <a:endParaRPr lang="de-DE" sz="100" dirty="0" smtClean="0"/>
+          </a:p>
+          <a:p>
+            <a:pPr marL="571500" indent="-571500">
+              <a:buFont typeface="+mj-lt"/>
+              <a:buAutoNum type="romanUcPeriod"/>
+            </a:pPr>
+            <a:r>
+              <a:rPr lang="de-DE" dirty="0" smtClean="0"/>
+              <a:t>Analyse</a:t>
+            </a:r>
+          </a:p>
+          <a:p>
+            <a:pPr marL="0" indent="0">
+              <a:buNone/>
+            </a:pPr>
+            <a:endParaRPr lang="de-DE" sz="100" dirty="0" smtClean="0"/>
+          </a:p>
+          <a:p>
+            <a:pPr marL="571500" indent="-571500">
+              <a:buFont typeface="+mj-lt"/>
+              <a:buAutoNum type="romanUcPeriod" startAt="9"/>
+            </a:pPr>
+            <a:r>
+              <a:rPr lang="de-DE" dirty="0" smtClean="0"/>
+              <a:t>Fazit</a:t>
+            </a:r>
+          </a:p>
+          <a:p>
+            <a:pPr marL="571500" indent="-571500">
+              <a:buFont typeface="+mj-lt"/>
+              <a:buAutoNum type="romanUcPeriod" startAt="9"/>
+            </a:pPr>
+            <a:endParaRPr lang="de-DE" dirty="0"/>
+          </a:p>
+        </p:txBody>
+      </p:sp>
+      <p:pic>
+        <p:nvPicPr>
+          <p:cNvPr id="9" name="Inhaltsplatzhalter 6"/>
+          <p:cNvPicPr>
+            <a:picLocks noChangeAspect="1"/>
+          </p:cNvPicPr>
+          <p:nvPr/>
+        </p:nvPicPr>
+        <p:blipFill>
+          <a:blip r:embed="rId2">
+            <a:duotone>
+              <a:schemeClr val="bg2">
+                <a:shade val="45000"/>
+                <a:satMod val="135000"/>
+              </a:schemeClr>
+              <a:prstClr val="white"/>
+            </a:duotone>
+            <a:extLst>
+              <a:ext uri="{28A0092B-C50C-407E-A947-70E740481C1C}">
+                <a14:useLocalDpi xmlns:a14="http://schemas.microsoft.com/office/drawing/2010/main" val="0"/>
+              </a:ext>
+            </a:extLst>
+          </a:blip>
+          <a:stretch>
+            <a:fillRect/>
+          </a:stretch>
+        </p:blipFill>
+        <p:spPr>
+          <a:xfrm>
+            <a:off x="8566434" y="365125"/>
+            <a:ext cx="3250865" cy="2589856"/>
+          </a:xfrm>
+          <a:prstGeom prst="rect">
+            <a:avLst/>
+          </a:prstGeom>
+        </p:spPr>
+      </p:pic>
+    </p:spTree>
+    <p:extLst>
+      <p:ext uri="{BB962C8B-B14F-4D97-AF65-F5344CB8AC3E}">
+        <p14:creationId xmlns:p14="http://schemas.microsoft.com/office/powerpoint/2010/main" val="1827760998"/>
+      </p:ext>
+    </p:extLst>
+  </p:cSld>
+  <p:clrMapOvr>
+    <a:masterClrMapping/>
+  </p:clrMapOvr>
+  <p:timing>
+    <p:tnLst>
+      <p:par>
+        <p:cTn id="1" dur="indefinite" restart="never" nodeType="tmRoot"/>
+      </p:par>
+    </p:tnLst>
+  </p:timing>
+</p:sld>
+</file>
+
+<file path=ppt/slides/slide30.xml><?xml version="1.0" encoding="utf-8"?>
+<p:sld xmlns:a="http://schemas.openxmlformats.org/drawingml/2006/main" xmlns:r="http://schemas.openxmlformats.org/officeDocument/2006/relationships" xmlns:p="http://schemas.openxmlformats.org/presentationml/2006/main">
+  <p:cSld>
+    <p:spTree>
+      <p:nvGrpSpPr>
+        <p:cNvPr id="1" name=""/>
+        <p:cNvGrpSpPr/>
+        <p:nvPr/>
+      </p:nvGrpSpPr>
+      <p:grpSpPr>
+        <a:xfrm>
+          <a:off x="0" y="0"/>
+          <a:ext cx="0" cy="0"/>
+          <a:chOff x="0" y="0"/>
+          <a:chExt cx="0" cy="0"/>
+        </a:xfrm>
+      </p:grpSpPr>
+      <p:sp>
+        <p:nvSpPr>
+          <p:cNvPr id="4" name="Datumsplatzhalter 3"/>
+          <p:cNvSpPr>
+            <a:spLocks noGrp="1"/>
+          </p:cNvSpPr>
+          <p:nvPr>
+            <p:ph type="dt" sz="half" idx="10"/>
+          </p:nvPr>
+        </p:nvSpPr>
+        <p:spPr/>
+        <p:txBody>
+          <a:bodyPr/>
+          <a:lstStyle/>
+          <a:p>
+            <a:fld id="{7AC709DD-AC18-4FBA-B4E6-46DED743653E}" type="datetime1">
+              <a:rPr lang="de-DE" smtClean="0"/>
+              <a:t>26.11.2015</a:t>
+            </a:fld>
+            <a:endParaRPr lang="de-DE"/>
+          </a:p>
+        </p:txBody>
+      </p:sp>
+      <p:sp>
+        <p:nvSpPr>
+          <p:cNvPr id="5" name="Fußzeilenplatzhalter 4"/>
+          <p:cNvSpPr>
+            <a:spLocks noGrp="1"/>
+          </p:cNvSpPr>
+          <p:nvPr>
+            <p:ph type="ftr" sz="quarter" idx="11"/>
+          </p:nvPr>
+        </p:nvSpPr>
+        <p:spPr/>
+        <p:txBody>
+          <a:bodyPr/>
+          <a:lstStyle/>
+          <a:p>
+            <a:r>
+              <a:rPr lang="de-DE" dirty="0" smtClean="0"/>
+              <a:t>Fakultät Informatik             Sebastian Schötteler &amp; Benedikt Hofrichter</a:t>
+            </a:r>
+            <a:endParaRPr lang="de-DE" dirty="0"/>
+          </a:p>
+        </p:txBody>
+      </p:sp>
+      <p:sp>
+        <p:nvSpPr>
+          <p:cNvPr id="6" name="Foliennummernplatzhalter 5"/>
+          <p:cNvSpPr>
+            <a:spLocks noGrp="1"/>
+          </p:cNvSpPr>
+          <p:nvPr>
+            <p:ph type="sldNum" sz="quarter" idx="12"/>
+          </p:nvPr>
+        </p:nvSpPr>
+        <p:spPr/>
+        <p:txBody>
+          <a:bodyPr/>
+          <a:lstStyle/>
+          <a:p>
+            <a:fld id="{0E226D3C-400E-4353-AAC2-09A0472DC536}" type="slidenum">
+              <a:rPr lang="de-DE" smtClean="0"/>
+              <a:t>29</a:t>
+            </a:fld>
+            <a:endParaRPr lang="de-DE" dirty="0"/>
+          </a:p>
+        </p:txBody>
+      </p:sp>
+      <p:sp>
+        <p:nvSpPr>
+          <p:cNvPr id="8" name="Inhaltsplatzhalter 7"/>
+          <p:cNvSpPr>
+            <a:spLocks noGrp="1"/>
+          </p:cNvSpPr>
+          <p:nvPr>
+            <p:ph idx="1"/>
+          </p:nvPr>
+        </p:nvSpPr>
+        <p:spPr/>
+        <p:txBody>
+          <a:bodyPr>
+            <a:normAutofit fontScale="92500" lnSpcReduction="20000"/>
+          </a:bodyPr>
+          <a:lstStyle/>
+          <a:p>
+            <a:pPr marL="571500" indent="-571500">
+              <a:buFont typeface="+mj-lt"/>
+              <a:buAutoNum type="romanUcPeriod"/>
+            </a:pPr>
+            <a:r>
+              <a:rPr lang="de-DE" dirty="0" smtClean="0"/>
+              <a:t>Motivation</a:t>
+            </a:r>
+          </a:p>
+          <a:p>
+            <a:pPr marL="285750" indent="-285750">
+              <a:buFont typeface="+mj-lt"/>
+              <a:buAutoNum type="romanUcPeriod"/>
+            </a:pPr>
+            <a:endParaRPr lang="de-DE" sz="100" dirty="0" smtClean="0"/>
+          </a:p>
+          <a:p>
+            <a:pPr marL="571500" indent="-571500">
+              <a:buFont typeface="+mj-lt"/>
+              <a:buAutoNum type="romanUcPeriod"/>
+            </a:pPr>
+            <a:r>
+              <a:rPr lang="de-DE" dirty="0" smtClean="0"/>
+              <a:t>Konzeption der Anwendung</a:t>
+            </a:r>
+          </a:p>
+          <a:p>
+            <a:pPr marL="571500" indent="-571500">
+              <a:buFont typeface="+mj-lt"/>
+              <a:buAutoNum type="romanUcPeriod"/>
+            </a:pPr>
+            <a:r>
+              <a:rPr lang="de-DE" dirty="0" smtClean="0"/>
+              <a:t>Konzeption des künstlichen neuronalen Netzes</a:t>
+            </a:r>
+          </a:p>
+          <a:p>
+            <a:pPr marL="285750" indent="-285750">
+              <a:buFont typeface="+mj-lt"/>
+              <a:buAutoNum type="romanUcPeriod"/>
+            </a:pPr>
+            <a:endParaRPr lang="de-DE" sz="100" dirty="0" smtClean="0"/>
+          </a:p>
+          <a:p>
+            <a:pPr marL="571500" indent="-571500">
+              <a:buFont typeface="+mj-lt"/>
+              <a:buAutoNum type="romanUcPeriod"/>
+            </a:pPr>
+            <a:r>
+              <a:rPr lang="de-DE" dirty="0" smtClean="0"/>
+              <a:t>Umsetzung der Anwendung</a:t>
+            </a:r>
+          </a:p>
+          <a:p>
+            <a:pPr marL="571500" indent="-571500">
+              <a:buFont typeface="+mj-lt"/>
+              <a:buAutoNum type="romanUcPeriod"/>
+            </a:pPr>
+            <a:r>
+              <a:rPr lang="de-DE" dirty="0" smtClean="0"/>
+              <a:t>Umsetzung des künstlichen neuronalen Netzes</a:t>
+            </a:r>
+          </a:p>
+          <a:p>
+            <a:pPr marL="571500" indent="-571500">
+              <a:buFont typeface="+mj-lt"/>
+              <a:buAutoNum type="romanUcPeriod"/>
+            </a:pPr>
+            <a:r>
+              <a:rPr lang="de-DE" dirty="0" smtClean="0"/>
+              <a:t>Zusammenführung der Komponenten</a:t>
+            </a:r>
+          </a:p>
+          <a:p>
+            <a:pPr marL="571500" indent="-571500">
+              <a:buFont typeface="+mj-lt"/>
+              <a:buAutoNum type="romanUcPeriod"/>
+            </a:pPr>
+            <a:endParaRPr lang="de-DE" sz="100" dirty="0" smtClean="0"/>
+          </a:p>
+          <a:p>
+            <a:pPr marL="571500" indent="-571500">
+              <a:buFont typeface="+mj-lt"/>
+              <a:buAutoNum type="romanUcPeriod"/>
+            </a:pPr>
+            <a:r>
+              <a:rPr lang="de-DE" dirty="0" smtClean="0"/>
+              <a:t>Vorstellung der Anwendung</a:t>
+            </a:r>
+          </a:p>
+          <a:p>
+            <a:pPr marL="285750" indent="-285750">
+              <a:buFont typeface="+mj-lt"/>
+              <a:buAutoNum type="romanUcPeriod"/>
+            </a:pPr>
+            <a:endParaRPr lang="de-DE" sz="100" dirty="0" smtClean="0"/>
+          </a:p>
+          <a:p>
+            <a:pPr marL="571500" indent="-571500">
+              <a:buFont typeface="+mj-lt"/>
+              <a:buAutoNum type="romanUcPeriod"/>
+            </a:pPr>
+            <a:r>
+              <a:rPr lang="de-DE" b="1" dirty="0" smtClean="0"/>
+              <a:t>Analyse</a:t>
+            </a:r>
+          </a:p>
+          <a:p>
+            <a:pPr marL="0" indent="0">
+              <a:buNone/>
+            </a:pPr>
+            <a:endParaRPr lang="de-DE" sz="100" dirty="0" smtClean="0"/>
+          </a:p>
+          <a:p>
+            <a:pPr marL="571500" indent="-571500">
+              <a:buFont typeface="+mj-lt"/>
+              <a:buAutoNum type="romanUcPeriod" startAt="9"/>
+            </a:pPr>
+            <a:r>
+              <a:rPr lang="de-DE" dirty="0" smtClean="0"/>
+              <a:t>Fazit</a:t>
+            </a:r>
+          </a:p>
+          <a:p>
+            <a:pPr marL="571500" indent="-571500">
+              <a:buFont typeface="+mj-lt"/>
+              <a:buAutoNum type="romanUcPeriod" startAt="9"/>
+            </a:pPr>
+            <a:endParaRPr lang="de-DE" dirty="0"/>
+          </a:p>
+        </p:txBody>
+      </p:sp>
+      <p:pic>
+        <p:nvPicPr>
+          <p:cNvPr id="9" name="Inhaltsplatzhalter 6"/>
+          <p:cNvPicPr>
+            <a:picLocks noChangeAspect="1"/>
+          </p:cNvPicPr>
+          <p:nvPr/>
+        </p:nvPicPr>
+        <p:blipFill>
+          <a:blip r:embed="rId2">
+            <a:duotone>
+              <a:schemeClr val="bg2">
+                <a:shade val="45000"/>
+                <a:satMod val="135000"/>
+              </a:schemeClr>
+              <a:prstClr val="white"/>
+            </a:duotone>
+            <a:extLst>
+              <a:ext uri="{28A0092B-C50C-407E-A947-70E740481C1C}">
+                <a14:useLocalDpi xmlns:a14="http://schemas.microsoft.com/office/drawing/2010/main" val="0"/>
+              </a:ext>
+            </a:extLst>
+          </a:blip>
+          <a:stretch>
+            <a:fillRect/>
+          </a:stretch>
+        </p:blipFill>
+        <p:spPr>
+          <a:xfrm>
+            <a:off x="8566434" y="365125"/>
+            <a:ext cx="3250865" cy="2589856"/>
+          </a:xfrm>
+          <a:prstGeom prst="rect">
+            <a:avLst/>
+          </a:prstGeom>
+        </p:spPr>
+      </p:pic>
+    </p:spTree>
+    <p:extLst>
+      <p:ext uri="{BB962C8B-B14F-4D97-AF65-F5344CB8AC3E}">
+        <p14:creationId xmlns:p14="http://schemas.microsoft.com/office/powerpoint/2010/main" val="3444133165"/>
+      </p:ext>
+    </p:extLst>
+  </p:cSld>
+  <p:clrMapOvr>
+    <a:masterClrMapping/>
+  </p:clrMapOvr>
+  <p:timing>
+    <p:tnLst>
+      <p:par>
+        <p:cTn id="1" dur="indefinite" restart="never" nodeType="tmRoot"/>
+      </p:par>
+    </p:tnLst>
+  </p:timing>
+</p:sld>
+</file>
+
+<file path=ppt/slides/slide31.xml><?xml version="1.0" encoding="utf-8"?>
+<p:sld xmlns:a="http://schemas.openxmlformats.org/drawingml/2006/main" xmlns:r="http://schemas.openxmlformats.org/officeDocument/2006/relationships" xmlns:p="http://schemas.openxmlformats.org/presentationml/2006/main">
+  <p:cSld>
+    <p:spTree>
+      <p:nvGrpSpPr>
+        <p:cNvPr id="1" name=""/>
+        <p:cNvGrpSpPr/>
+        <p:nvPr/>
+      </p:nvGrpSpPr>
+      <p:grpSpPr>
+        <a:xfrm>
+          <a:off x="0" y="0"/>
+          <a:ext cx="0" cy="0"/>
+          <a:chOff x="0" y="0"/>
+          <a:chExt cx="0" cy="0"/>
+        </a:xfrm>
+      </p:grpSpPr>
+      <p:sp>
+        <p:nvSpPr>
+          <p:cNvPr id="2" name="Titel 1"/>
+          <p:cNvSpPr>
+            <a:spLocks noGrp="1"/>
+          </p:cNvSpPr>
+          <p:nvPr>
+            <p:ph type="title"/>
+          </p:nvPr>
+        </p:nvSpPr>
+        <p:spPr/>
+        <p:txBody>
+          <a:bodyPr/>
+          <a:lstStyle/>
+          <a:p>
+            <a:pPr marL="857250" indent="-857250">
+              <a:buFont typeface="+mj-lt"/>
+              <a:buAutoNum type="romanUcPeriod" startAt="8"/>
+            </a:pPr>
+            <a:r>
+              <a:rPr lang="de-DE" b="1" dirty="0" smtClean="0"/>
+              <a:t>Analyse</a:t>
+            </a:r>
+            <a:endParaRPr lang="de-DE" b="1" dirty="0"/>
+          </a:p>
+        </p:txBody>
+      </p:sp>
+      <p:sp>
+        <p:nvSpPr>
+          <p:cNvPr id="3" name="Inhaltsplatzhalter 2"/>
+          <p:cNvSpPr>
+            <a:spLocks noGrp="1"/>
+          </p:cNvSpPr>
+          <p:nvPr>
+            <p:ph idx="1"/>
+          </p:nvPr>
+        </p:nvSpPr>
+        <p:spPr/>
+        <p:txBody>
+          <a:bodyPr/>
+          <a:lstStyle/>
+          <a:p>
+            <a:endParaRPr lang="de-DE"/>
+          </a:p>
+        </p:txBody>
+      </p:sp>
+      <p:sp>
+        <p:nvSpPr>
+          <p:cNvPr id="4" name="Datumsplatzhalter 3"/>
+          <p:cNvSpPr>
+            <a:spLocks noGrp="1"/>
+          </p:cNvSpPr>
+          <p:nvPr>
+            <p:ph type="dt" sz="half" idx="10"/>
+          </p:nvPr>
+        </p:nvSpPr>
+        <p:spPr/>
+        <p:txBody>
+          <a:bodyPr/>
+          <a:lstStyle/>
+          <a:p>
+            <a:fld id="{7AC709DD-AC18-4FBA-B4E6-46DED743653E}" type="datetime1">
+              <a:rPr lang="de-DE" smtClean="0"/>
+              <a:t>26.11.2015</a:t>
+            </a:fld>
+            <a:endParaRPr lang="de-DE"/>
+          </a:p>
+        </p:txBody>
+      </p:sp>
+      <p:sp>
+        <p:nvSpPr>
+          <p:cNvPr id="5" name="Fußzeilenplatzhalter 4"/>
+          <p:cNvSpPr>
+            <a:spLocks noGrp="1"/>
+          </p:cNvSpPr>
+          <p:nvPr>
+            <p:ph type="ftr" sz="quarter" idx="11"/>
+          </p:nvPr>
+        </p:nvSpPr>
+        <p:spPr/>
+        <p:txBody>
+          <a:bodyPr/>
+          <a:lstStyle/>
+          <a:p>
+            <a:r>
+              <a:rPr lang="de-DE" smtClean="0"/>
+              <a:t>Fakultät Informatik             Sebastian Schötteler &amp; Benedikt Hofrichter</a:t>
+            </a:r>
+            <a:endParaRPr lang="de-DE" dirty="0"/>
+          </a:p>
+        </p:txBody>
+      </p:sp>
+      <p:sp>
+        <p:nvSpPr>
+          <p:cNvPr id="6" name="Foliennummernplatzhalter 5"/>
+          <p:cNvSpPr>
+            <a:spLocks noGrp="1"/>
+          </p:cNvSpPr>
+          <p:nvPr>
+            <p:ph type="sldNum" sz="quarter" idx="12"/>
+          </p:nvPr>
+        </p:nvSpPr>
+        <p:spPr/>
+        <p:txBody>
+          <a:bodyPr/>
+          <a:lstStyle/>
+          <a:p>
+            <a:fld id="{0E226D3C-400E-4353-AAC2-09A0472DC536}" type="slidenum">
+              <a:rPr lang="de-DE" smtClean="0"/>
+              <a:t>30</a:t>
+            </a:fld>
+            <a:endParaRPr lang="de-DE" dirty="0"/>
+          </a:p>
+        </p:txBody>
+      </p:sp>
+    </p:spTree>
+    <p:extLst>
+      <p:ext uri="{BB962C8B-B14F-4D97-AF65-F5344CB8AC3E}">
+        <p14:creationId xmlns:p14="http://schemas.microsoft.com/office/powerpoint/2010/main" val="1153376532"/>
+      </p:ext>
+    </p:extLst>
+  </p:cSld>
+  <p:clrMapOvr>
+    <a:masterClrMapping/>
+  </p:clrMapOvr>
+  <p:timing>
+    <p:tnLst>
+      <p:par>
+        <p:cTn id="1" dur="indefinite" restart="never" nodeType="tmRoot"/>
+      </p:par>
+    </p:tnLst>
+  </p:timing>
+</p:sld>
+</file>
+
+<file path=ppt/slides/slide32.xml><?xml version="1.0" encoding="utf-8"?>
+<p:sld xmlns:a="http://schemas.openxmlformats.org/drawingml/2006/main" xmlns:r="http://schemas.openxmlformats.org/officeDocument/2006/relationships" xmlns:p="http://schemas.openxmlformats.org/presentationml/2006/main">
+  <p:cSld>
+    <p:spTree>
+      <p:nvGrpSpPr>
+        <p:cNvPr id="1" name=""/>
+        <p:cNvGrpSpPr/>
+        <p:nvPr/>
+      </p:nvGrpSpPr>
+      <p:grpSpPr>
+        <a:xfrm>
+          <a:off x="0" y="0"/>
+          <a:ext cx="0" cy="0"/>
+          <a:chOff x="0" y="0"/>
+          <a:chExt cx="0" cy="0"/>
+        </a:xfrm>
+      </p:grpSpPr>
+      <p:sp>
+        <p:nvSpPr>
+          <p:cNvPr id="4" name="Datumsplatzhalter 3"/>
+          <p:cNvSpPr>
+            <a:spLocks noGrp="1"/>
+          </p:cNvSpPr>
+          <p:nvPr>
+            <p:ph type="dt" sz="half" idx="10"/>
+          </p:nvPr>
+        </p:nvSpPr>
+        <p:spPr/>
+        <p:txBody>
+          <a:bodyPr/>
+          <a:lstStyle/>
+          <a:p>
+            <a:fld id="{7AC709DD-AC18-4FBA-B4E6-46DED743653E}" type="datetime1">
+              <a:rPr lang="de-DE" smtClean="0"/>
+              <a:t>26.11.2015</a:t>
+            </a:fld>
+            <a:endParaRPr lang="de-DE"/>
+          </a:p>
+        </p:txBody>
+      </p:sp>
+      <p:sp>
+        <p:nvSpPr>
+          <p:cNvPr id="5" name="Fußzeilenplatzhalter 4"/>
+          <p:cNvSpPr>
+            <a:spLocks noGrp="1"/>
+          </p:cNvSpPr>
+          <p:nvPr>
+            <p:ph type="ftr" sz="quarter" idx="11"/>
+          </p:nvPr>
+        </p:nvSpPr>
+        <p:spPr/>
+        <p:txBody>
+          <a:bodyPr/>
+          <a:lstStyle/>
+          <a:p>
+            <a:r>
+              <a:rPr lang="de-DE" dirty="0" smtClean="0"/>
+              <a:t>Fakultät Informatik             Sebastian Schötteler &amp; Benedikt Hofrichter</a:t>
+            </a:r>
+            <a:endParaRPr lang="de-DE" dirty="0"/>
+          </a:p>
+        </p:txBody>
+      </p:sp>
+      <p:sp>
+        <p:nvSpPr>
+          <p:cNvPr id="6" name="Foliennummernplatzhalter 5"/>
+          <p:cNvSpPr>
+            <a:spLocks noGrp="1"/>
+          </p:cNvSpPr>
+          <p:nvPr>
+            <p:ph type="sldNum" sz="quarter" idx="12"/>
+          </p:nvPr>
+        </p:nvSpPr>
+        <p:spPr/>
+        <p:txBody>
+          <a:bodyPr/>
+          <a:lstStyle/>
+          <a:p>
+            <a:fld id="{0E226D3C-400E-4353-AAC2-09A0472DC536}" type="slidenum">
+              <a:rPr lang="de-DE" smtClean="0"/>
+              <a:t>31</a:t>
+            </a:fld>
+            <a:endParaRPr lang="de-DE" dirty="0"/>
+          </a:p>
+        </p:txBody>
+      </p:sp>
+      <p:sp>
+        <p:nvSpPr>
+          <p:cNvPr id="8" name="Inhaltsplatzhalter 7"/>
+          <p:cNvSpPr>
+            <a:spLocks noGrp="1"/>
+          </p:cNvSpPr>
+          <p:nvPr>
+            <p:ph idx="1"/>
+          </p:nvPr>
+        </p:nvSpPr>
+        <p:spPr/>
+        <p:txBody>
+          <a:bodyPr>
+            <a:normAutofit fontScale="92500" lnSpcReduction="20000"/>
+          </a:bodyPr>
+          <a:lstStyle/>
+          <a:p>
+            <a:pPr marL="571500" indent="-571500">
+              <a:buFont typeface="+mj-lt"/>
+              <a:buAutoNum type="romanUcPeriod"/>
+            </a:pPr>
+            <a:r>
+              <a:rPr lang="de-DE" dirty="0" smtClean="0"/>
+              <a:t>Motivation</a:t>
+            </a:r>
+          </a:p>
+          <a:p>
+            <a:pPr marL="285750" indent="-285750">
+              <a:buFont typeface="+mj-lt"/>
+              <a:buAutoNum type="romanUcPeriod"/>
+            </a:pPr>
+            <a:endParaRPr lang="de-DE" sz="100" dirty="0" smtClean="0"/>
+          </a:p>
+          <a:p>
+            <a:pPr marL="571500" indent="-571500">
+              <a:buFont typeface="+mj-lt"/>
+              <a:buAutoNum type="romanUcPeriod"/>
+            </a:pPr>
+            <a:r>
+              <a:rPr lang="de-DE" dirty="0" smtClean="0"/>
+              <a:t>Konzeption der Anwendung</a:t>
+            </a:r>
+          </a:p>
+          <a:p>
+            <a:pPr marL="571500" indent="-571500">
+              <a:buFont typeface="+mj-lt"/>
+              <a:buAutoNum type="romanUcPeriod"/>
+            </a:pPr>
+            <a:r>
+              <a:rPr lang="de-DE" dirty="0" smtClean="0"/>
+              <a:t>Konzeption des künstlichen neuronalen Netzes</a:t>
+            </a:r>
+          </a:p>
+          <a:p>
+            <a:pPr marL="285750" indent="-285750">
+              <a:buFont typeface="+mj-lt"/>
+              <a:buAutoNum type="romanUcPeriod"/>
+            </a:pPr>
+            <a:endParaRPr lang="de-DE" sz="100" dirty="0" smtClean="0"/>
+          </a:p>
+          <a:p>
+            <a:pPr marL="571500" indent="-571500">
+              <a:buFont typeface="+mj-lt"/>
+              <a:buAutoNum type="romanUcPeriod"/>
+            </a:pPr>
+            <a:r>
+              <a:rPr lang="de-DE" dirty="0" smtClean="0"/>
+              <a:t>Umsetzung der Anwendung</a:t>
+            </a:r>
+          </a:p>
+          <a:p>
+            <a:pPr marL="571500" indent="-571500">
+              <a:buFont typeface="+mj-lt"/>
+              <a:buAutoNum type="romanUcPeriod"/>
+            </a:pPr>
+            <a:r>
+              <a:rPr lang="de-DE" dirty="0" smtClean="0"/>
+              <a:t>Umsetzung des künstlichen neuronalen Netzes</a:t>
+            </a:r>
+          </a:p>
+          <a:p>
+            <a:pPr marL="571500" indent="-571500">
+              <a:buFont typeface="+mj-lt"/>
+              <a:buAutoNum type="romanUcPeriod"/>
+            </a:pPr>
+            <a:r>
+              <a:rPr lang="de-DE" dirty="0" smtClean="0"/>
+              <a:t>Zusammenführung der Komponenten</a:t>
+            </a:r>
+          </a:p>
+          <a:p>
+            <a:pPr marL="571500" indent="-571500">
+              <a:buFont typeface="+mj-lt"/>
+              <a:buAutoNum type="romanUcPeriod"/>
+            </a:pPr>
+            <a:endParaRPr lang="de-DE" sz="100" dirty="0" smtClean="0"/>
+          </a:p>
+          <a:p>
+            <a:pPr marL="571500" indent="-571500">
+              <a:buFont typeface="+mj-lt"/>
+              <a:buAutoNum type="romanUcPeriod"/>
+            </a:pPr>
+            <a:r>
+              <a:rPr lang="de-DE" dirty="0" smtClean="0"/>
+              <a:t>Vorstellung der Anwendung</a:t>
+            </a:r>
+          </a:p>
+          <a:p>
+            <a:pPr marL="285750" indent="-285750">
+              <a:buFont typeface="+mj-lt"/>
+              <a:buAutoNum type="romanUcPeriod"/>
+            </a:pPr>
+            <a:endParaRPr lang="de-DE" sz="100" dirty="0" smtClean="0"/>
+          </a:p>
+          <a:p>
+            <a:pPr marL="571500" indent="-571500">
+              <a:buFont typeface="+mj-lt"/>
+              <a:buAutoNum type="romanUcPeriod"/>
+            </a:pPr>
+            <a:r>
+              <a:rPr lang="de-DE" dirty="0" smtClean="0"/>
+              <a:t>Analyse</a:t>
+            </a:r>
+          </a:p>
+          <a:p>
+            <a:pPr marL="0" indent="0">
+              <a:buNone/>
+            </a:pPr>
+            <a:endParaRPr lang="de-DE" sz="100" dirty="0" smtClean="0"/>
+          </a:p>
+          <a:p>
+            <a:pPr marL="571500" indent="-571500">
+              <a:buFont typeface="+mj-lt"/>
+              <a:buAutoNum type="romanUcPeriod" startAt="9"/>
+            </a:pPr>
+            <a:r>
+              <a:rPr lang="de-DE" b="1" dirty="0" smtClean="0"/>
+              <a:t>Fazit</a:t>
+            </a:r>
+          </a:p>
+          <a:p>
+            <a:pPr marL="571500" indent="-571500">
+              <a:buFont typeface="+mj-lt"/>
+              <a:buAutoNum type="romanUcPeriod" startAt="9"/>
+            </a:pPr>
+            <a:endParaRPr lang="de-DE" dirty="0"/>
+          </a:p>
+        </p:txBody>
+      </p:sp>
+      <p:pic>
+        <p:nvPicPr>
+          <p:cNvPr id="9" name="Inhaltsplatzhalter 6"/>
+          <p:cNvPicPr>
+            <a:picLocks noChangeAspect="1"/>
+          </p:cNvPicPr>
+          <p:nvPr/>
+        </p:nvPicPr>
+        <p:blipFill>
+          <a:blip r:embed="rId2">
+            <a:duotone>
+              <a:schemeClr val="bg2">
+                <a:shade val="45000"/>
+                <a:satMod val="135000"/>
+              </a:schemeClr>
+              <a:prstClr val="white"/>
+            </a:duotone>
+            <a:extLst>
+              <a:ext uri="{28A0092B-C50C-407E-A947-70E740481C1C}">
+                <a14:useLocalDpi xmlns:a14="http://schemas.microsoft.com/office/drawing/2010/main" val="0"/>
+              </a:ext>
+            </a:extLst>
+          </a:blip>
+          <a:stretch>
+            <a:fillRect/>
+          </a:stretch>
+        </p:blipFill>
+        <p:spPr>
+          <a:xfrm>
+            <a:off x="8566434" y="365125"/>
+            <a:ext cx="3250865" cy="2589856"/>
+          </a:xfrm>
+          <a:prstGeom prst="rect">
+            <a:avLst/>
+          </a:prstGeom>
+        </p:spPr>
+      </p:pic>
+    </p:spTree>
+    <p:extLst>
+      <p:ext uri="{BB962C8B-B14F-4D97-AF65-F5344CB8AC3E}">
+        <p14:creationId xmlns:p14="http://schemas.microsoft.com/office/powerpoint/2010/main" val="1459782202"/>
+      </p:ext>
+    </p:extLst>
+  </p:cSld>
+  <p:clrMapOvr>
+    <a:masterClrMapping/>
+  </p:clrMapOvr>
+  <p:timing>
+    <p:tnLst>
+      <p:par>
+        <p:cTn id="1" dur="indefinite" restart="never" nodeType="tmRoot"/>
+      </p:par>
+    </p:tnLst>
+  </p:timing>
+</p:sld>
+</file>
+
+<file path=ppt/slides/slide33.xml><?xml version="1.0" encoding="utf-8"?>
+<p:sld xmlns:a="http://schemas.openxmlformats.org/drawingml/2006/main" xmlns:r="http://schemas.openxmlformats.org/officeDocument/2006/relationships" xmlns:p="http://schemas.openxmlformats.org/presentationml/2006/main">
+  <p:cSld>
+    <p:spTree>
+      <p:nvGrpSpPr>
+        <p:cNvPr id="1" name=""/>
+        <p:cNvGrpSpPr/>
+        <p:nvPr/>
+      </p:nvGrpSpPr>
+      <p:grpSpPr>
+        <a:xfrm>
+          <a:off x="0" y="0"/>
+          <a:ext cx="0" cy="0"/>
+          <a:chOff x="0" y="0"/>
+          <a:chExt cx="0" cy="0"/>
+        </a:xfrm>
+      </p:grpSpPr>
+      <p:sp>
+        <p:nvSpPr>
+          <p:cNvPr id="2" name="Titel 1"/>
+          <p:cNvSpPr>
+            <a:spLocks noGrp="1"/>
+          </p:cNvSpPr>
+          <p:nvPr>
+            <p:ph type="title"/>
+          </p:nvPr>
+        </p:nvSpPr>
+        <p:spPr/>
+        <p:txBody>
+          <a:bodyPr/>
+          <a:lstStyle/>
+          <a:p>
+            <a:pPr marL="857250" indent="-857250">
+              <a:buFont typeface="+mj-lt"/>
+              <a:buAutoNum type="romanUcPeriod" startAt="9"/>
+            </a:pPr>
+            <a:r>
+              <a:rPr lang="de-DE" b="1" dirty="0" smtClean="0"/>
+              <a:t>Fazit</a:t>
+            </a:r>
+            <a:endParaRPr lang="de-DE" b="1" dirty="0"/>
+          </a:p>
+        </p:txBody>
+      </p:sp>
+      <p:sp>
+        <p:nvSpPr>
+          <p:cNvPr id="3" name="Inhaltsplatzhalter 2"/>
+          <p:cNvSpPr>
+            <a:spLocks noGrp="1"/>
+          </p:cNvSpPr>
+          <p:nvPr>
+            <p:ph idx="1"/>
+          </p:nvPr>
+        </p:nvSpPr>
+        <p:spPr/>
+        <p:txBody>
+          <a:bodyPr/>
+          <a:lstStyle/>
+          <a:p>
+            <a:endParaRPr lang="de-DE"/>
+          </a:p>
+        </p:txBody>
+      </p:sp>
+      <p:sp>
+        <p:nvSpPr>
+          <p:cNvPr id="4" name="Datumsplatzhalter 3"/>
+          <p:cNvSpPr>
+            <a:spLocks noGrp="1"/>
+          </p:cNvSpPr>
+          <p:nvPr>
+            <p:ph type="dt" sz="half" idx="10"/>
+          </p:nvPr>
+        </p:nvSpPr>
+        <p:spPr/>
+        <p:txBody>
+          <a:bodyPr/>
+          <a:lstStyle/>
+          <a:p>
+            <a:fld id="{7AC709DD-AC18-4FBA-B4E6-46DED743653E}" type="datetime1">
+              <a:rPr lang="de-DE" smtClean="0"/>
+              <a:t>26.11.2015</a:t>
+            </a:fld>
+            <a:endParaRPr lang="de-DE"/>
+          </a:p>
+        </p:txBody>
+      </p:sp>
+      <p:sp>
+        <p:nvSpPr>
+          <p:cNvPr id="5" name="Fußzeilenplatzhalter 4"/>
+          <p:cNvSpPr>
+            <a:spLocks noGrp="1"/>
+          </p:cNvSpPr>
+          <p:nvPr>
+            <p:ph type="ftr" sz="quarter" idx="11"/>
+          </p:nvPr>
+        </p:nvSpPr>
+        <p:spPr/>
+        <p:txBody>
+          <a:bodyPr/>
+          <a:lstStyle/>
+          <a:p>
+            <a:r>
+              <a:rPr lang="de-DE" smtClean="0"/>
+              <a:t>Fakultät Informatik             Sebastian Schötteler &amp; Benedikt Hofrichter</a:t>
+            </a:r>
+            <a:endParaRPr lang="de-DE" dirty="0"/>
+          </a:p>
+        </p:txBody>
+      </p:sp>
+      <p:sp>
+        <p:nvSpPr>
+          <p:cNvPr id="6" name="Foliennummernplatzhalter 5"/>
+          <p:cNvSpPr>
+            <a:spLocks noGrp="1"/>
+          </p:cNvSpPr>
+          <p:nvPr>
+            <p:ph type="sldNum" sz="quarter" idx="12"/>
+          </p:nvPr>
+        </p:nvSpPr>
+        <p:spPr/>
+        <p:txBody>
+          <a:bodyPr/>
+          <a:lstStyle/>
+          <a:p>
+            <a:fld id="{0E226D3C-400E-4353-AAC2-09A0472DC536}" type="slidenum">
+              <a:rPr lang="de-DE" smtClean="0"/>
+              <a:t>32</a:t>
+            </a:fld>
+            <a:endParaRPr lang="de-DE" dirty="0"/>
+          </a:p>
+        </p:txBody>
+      </p:sp>
+    </p:spTree>
+    <p:extLst>
+      <p:ext uri="{BB962C8B-B14F-4D97-AF65-F5344CB8AC3E}">
+        <p14:creationId xmlns:p14="http://schemas.microsoft.com/office/powerpoint/2010/main" val="3854880417"/>
+      </p:ext>
+    </p:extLst>
+  </p:cSld>
+  <p:clrMapOvr>
+    <a:masterClrMapping/>
+  </p:clrMapOvr>
+  <p:timing>
+    <p:tnLst>
+      <p:par>
+        <p:cTn id="1" dur="indefinite" restart="never" nodeType="tmRoot"/>
+      </p:par>
+    </p:tnLst>
+  </p:timing>
+</p:sld>
+</file>
+
+<file path=ppt/slides/slide34.xml><?xml version="1.0" encoding="utf-8"?>
+<p:sld xmlns:a="http://schemas.openxmlformats.org/drawingml/2006/main" xmlns:r="http://schemas.openxmlformats.org/officeDocument/2006/relationships" xmlns:p="http://schemas.openxmlformats.org/presentationml/2006/main">
+  <p:cSld>
+    <p:spTree>
+      <p:nvGrpSpPr>
+        <p:cNvPr id="1" name=""/>
+        <p:cNvGrpSpPr/>
+        <p:nvPr/>
+      </p:nvGrpSpPr>
+      <p:grpSpPr>
+        <a:xfrm>
+          <a:off x="0" y="0"/>
+          <a:ext cx="0" cy="0"/>
+          <a:chOff x="0" y="0"/>
+          <a:chExt cx="0" cy="0"/>
+        </a:xfrm>
+      </p:grpSpPr>
+      <p:sp>
+        <p:nvSpPr>
+          <p:cNvPr id="2" name="Titel 1"/>
+          <p:cNvSpPr>
+            <a:spLocks noGrp="1"/>
+          </p:cNvSpPr>
+          <p:nvPr>
+            <p:ph type="title"/>
+          </p:nvPr>
+        </p:nvSpPr>
         <p:spPr>
           <a:xfrm>
             <a:off x="838200" y="2954981"/>
@@ -6437,7 +9189,7 @@
           <a:p>
             <a:fld id="{7AC709DD-AC18-4FBA-B4E6-46DED743653E}" type="datetime1">
               <a:rPr lang="de-DE" smtClean="0"/>
-              <a:t>25.11.2015</a:t>
+              <a:t>26.11.2015</a:t>
             </a:fld>
             <a:endParaRPr lang="de-DE"/>
           </a:p>
@@ -6483,7 +9235,7 @@
           <a:p>
             <a:fld id="{0E226D3C-400E-4353-AAC2-09A0472DC536}" type="slidenum">
               <a:rPr lang="de-DE" smtClean="0"/>
-              <a:t>20</a:t>
+              <a:t>33</a:t>
             </a:fld>
             <a:endParaRPr lang="de-DE" dirty="0"/>
           </a:p>
@@ -6546,298 +9298,6 @@
 </p:sld>
 </file>
 
-<file path=ppt/slides/slide3.xml><?xml version="1.0" encoding="utf-8"?>
-<p:sld xmlns:a="http://schemas.openxmlformats.org/drawingml/2006/main" xmlns:r="http://schemas.openxmlformats.org/officeDocument/2006/relationships" xmlns:p="http://schemas.openxmlformats.org/presentationml/2006/main">
-  <p:cSld>
-    <p:spTree>
-      <p:nvGrpSpPr>
-        <p:cNvPr id="1" name=""/>
-        <p:cNvGrpSpPr/>
-        <p:nvPr/>
-      </p:nvGrpSpPr>
-      <p:grpSpPr>
-        <a:xfrm>
-          <a:off x="0" y="0"/>
-          <a:ext cx="0" cy="0"/>
-          <a:chOff x="0" y="0"/>
-          <a:chExt cx="0" cy="0"/>
-        </a:xfrm>
-      </p:grpSpPr>
-      <p:sp>
-        <p:nvSpPr>
-          <p:cNvPr id="4" name="Datumsplatzhalter 3"/>
-          <p:cNvSpPr>
-            <a:spLocks noGrp="1"/>
-          </p:cNvSpPr>
-          <p:nvPr>
-            <p:ph type="dt" sz="half" idx="10"/>
-          </p:nvPr>
-        </p:nvSpPr>
-        <p:spPr/>
-        <p:txBody>
-          <a:bodyPr/>
-          <a:lstStyle/>
-          <a:p>
-            <a:fld id="{7AC709DD-AC18-4FBA-B4E6-46DED743653E}" type="datetime1">
-              <a:rPr lang="de-DE" smtClean="0"/>
-              <a:t>25.11.2015</a:t>
-            </a:fld>
-            <a:endParaRPr lang="de-DE"/>
-          </a:p>
-        </p:txBody>
-      </p:sp>
-      <p:sp>
-        <p:nvSpPr>
-          <p:cNvPr id="5" name="Fußzeilenplatzhalter 4"/>
-          <p:cNvSpPr>
-            <a:spLocks noGrp="1"/>
-          </p:cNvSpPr>
-          <p:nvPr>
-            <p:ph type="ftr" sz="quarter" idx="11"/>
-          </p:nvPr>
-        </p:nvSpPr>
-        <p:spPr/>
-        <p:txBody>
-          <a:bodyPr/>
-          <a:lstStyle/>
-          <a:p>
-            <a:r>
-              <a:rPr lang="de-DE" dirty="0" smtClean="0"/>
-              <a:t>Fakultät Informatik             Sebastian Schötteler &amp; Benedikt Hofrichter</a:t>
-            </a:r>
-            <a:endParaRPr lang="de-DE" dirty="0"/>
-          </a:p>
-        </p:txBody>
-      </p:sp>
-      <p:sp>
-        <p:nvSpPr>
-          <p:cNvPr id="6" name="Foliennummernplatzhalter 5"/>
-          <p:cNvSpPr>
-            <a:spLocks noGrp="1"/>
-          </p:cNvSpPr>
-          <p:nvPr>
-            <p:ph type="sldNum" sz="quarter" idx="12"/>
-          </p:nvPr>
-        </p:nvSpPr>
-        <p:spPr/>
-        <p:txBody>
-          <a:bodyPr/>
-          <a:lstStyle/>
-          <a:p>
-            <a:fld id="{0E226D3C-400E-4353-AAC2-09A0472DC536}" type="slidenum">
-              <a:rPr lang="de-DE" smtClean="0"/>
-              <a:t>2</a:t>
-            </a:fld>
-            <a:endParaRPr lang="de-DE" dirty="0"/>
-          </a:p>
-        </p:txBody>
-      </p:sp>
-      <p:sp>
-        <p:nvSpPr>
-          <p:cNvPr id="8" name="Inhaltsplatzhalter 7"/>
-          <p:cNvSpPr>
-            <a:spLocks noGrp="1"/>
-          </p:cNvSpPr>
-          <p:nvPr>
-            <p:ph idx="1"/>
-          </p:nvPr>
-        </p:nvSpPr>
-        <p:spPr/>
-        <p:txBody>
-          <a:bodyPr>
-            <a:normAutofit fontScale="92500" lnSpcReduction="20000"/>
-          </a:bodyPr>
-          <a:lstStyle/>
-          <a:p>
-            <a:pPr marL="571500" indent="-571500">
-              <a:buFont typeface="+mj-lt"/>
-              <a:buAutoNum type="romanUcPeriod"/>
-            </a:pPr>
-            <a:r>
-              <a:rPr lang="de-DE" b="1" dirty="0" smtClean="0"/>
-              <a:t>Motivation</a:t>
-            </a:r>
-          </a:p>
-          <a:p>
-            <a:pPr marL="285750" indent="-285750">
-              <a:buFont typeface="+mj-lt"/>
-              <a:buAutoNum type="romanUcPeriod"/>
-            </a:pPr>
-            <a:endParaRPr lang="de-DE" sz="100" dirty="0" smtClean="0"/>
-          </a:p>
-          <a:p>
-            <a:pPr marL="571500" indent="-571500">
-              <a:buFont typeface="+mj-lt"/>
-              <a:buAutoNum type="romanUcPeriod"/>
-            </a:pPr>
-            <a:r>
-              <a:rPr lang="de-DE" dirty="0" smtClean="0"/>
-              <a:t>Konzeption der Anwendung</a:t>
-            </a:r>
-          </a:p>
-          <a:p>
-            <a:pPr marL="571500" indent="-571500">
-              <a:buFont typeface="+mj-lt"/>
-              <a:buAutoNum type="romanUcPeriod"/>
-            </a:pPr>
-            <a:r>
-              <a:rPr lang="de-DE" dirty="0" smtClean="0"/>
-              <a:t>Konzeption des künstlichen neuronalen Netzes</a:t>
-            </a:r>
-          </a:p>
-          <a:p>
-            <a:pPr marL="285750" indent="-285750">
-              <a:buFont typeface="+mj-lt"/>
-              <a:buAutoNum type="romanUcPeriod"/>
-            </a:pPr>
-            <a:endParaRPr lang="de-DE" sz="100" dirty="0" smtClean="0"/>
-          </a:p>
-          <a:p>
-            <a:pPr marL="571500" indent="-571500">
-              <a:buFont typeface="+mj-lt"/>
-              <a:buAutoNum type="romanUcPeriod"/>
-            </a:pPr>
-            <a:r>
-              <a:rPr lang="de-DE" dirty="0" smtClean="0"/>
-              <a:t>Umsetzung der Anwendung</a:t>
-            </a:r>
-          </a:p>
-          <a:p>
-            <a:pPr marL="571500" indent="-571500">
-              <a:buFont typeface="+mj-lt"/>
-              <a:buAutoNum type="romanUcPeriod"/>
-            </a:pPr>
-            <a:r>
-              <a:rPr lang="de-DE" dirty="0" smtClean="0"/>
-              <a:t>Umsetzung des künstlichen neuronalen Netzes</a:t>
-            </a:r>
-          </a:p>
-          <a:p>
-            <a:pPr marL="571500" indent="-571500">
-              <a:buFont typeface="+mj-lt"/>
-              <a:buAutoNum type="romanUcPeriod"/>
-            </a:pPr>
-            <a:r>
-              <a:rPr lang="de-DE" dirty="0" smtClean="0"/>
-              <a:t>Zusammenführung der Komponenten</a:t>
-            </a:r>
-          </a:p>
-          <a:p>
-            <a:pPr marL="571500" indent="-571500">
-              <a:buFont typeface="+mj-lt"/>
-              <a:buAutoNum type="romanUcPeriod"/>
-            </a:pPr>
-            <a:endParaRPr lang="de-DE" sz="100" dirty="0" smtClean="0"/>
-          </a:p>
-          <a:p>
-            <a:pPr marL="571500" indent="-571500">
-              <a:buFont typeface="+mj-lt"/>
-              <a:buAutoNum type="romanUcPeriod"/>
-            </a:pPr>
-            <a:r>
-              <a:rPr lang="de-DE" dirty="0" smtClean="0"/>
-              <a:t>Vorstellung der Anwendung</a:t>
-            </a:r>
-          </a:p>
-          <a:p>
-            <a:pPr marL="285750" indent="-285750">
-              <a:buFont typeface="+mj-lt"/>
-              <a:buAutoNum type="romanUcPeriod"/>
-            </a:pPr>
-            <a:endParaRPr lang="de-DE" sz="100" dirty="0" smtClean="0"/>
-          </a:p>
-          <a:p>
-            <a:pPr marL="571500" indent="-571500">
-              <a:buFont typeface="+mj-lt"/>
-              <a:buAutoNum type="romanUcPeriod"/>
-            </a:pPr>
-            <a:r>
-              <a:rPr lang="de-DE" dirty="0" smtClean="0"/>
-              <a:t>Analyse</a:t>
-            </a:r>
-          </a:p>
-          <a:p>
-            <a:pPr marL="0" indent="0">
-              <a:buNone/>
-            </a:pPr>
-            <a:endParaRPr lang="de-DE" sz="100" dirty="0" smtClean="0"/>
-          </a:p>
-          <a:p>
-            <a:pPr marL="571500" indent="-571500">
-              <a:buFont typeface="+mj-lt"/>
-              <a:buAutoNum type="romanUcPeriod" startAt="9"/>
-            </a:pPr>
-            <a:r>
-              <a:rPr lang="de-DE" dirty="0" smtClean="0"/>
-              <a:t>Fazit</a:t>
-            </a:r>
-          </a:p>
-          <a:p>
-            <a:pPr marL="571500" indent="-571500">
-              <a:buFont typeface="+mj-lt"/>
-              <a:buAutoNum type="romanUcPeriod" startAt="9"/>
-            </a:pPr>
-            <a:endParaRPr lang="de-DE" dirty="0"/>
-          </a:p>
-        </p:txBody>
-      </p:sp>
-      <p:pic>
-        <p:nvPicPr>
-          <p:cNvPr id="9" name="Inhaltsplatzhalter 6"/>
-          <p:cNvPicPr>
-            <a:picLocks noChangeAspect="1"/>
-          </p:cNvPicPr>
-          <p:nvPr/>
-        </p:nvPicPr>
-        <p:blipFill>
-          <a:blip r:embed="rId2">
-            <a:duotone>
-              <a:schemeClr val="bg2">
-                <a:shade val="45000"/>
-                <a:satMod val="135000"/>
-              </a:schemeClr>
-              <a:prstClr val="white"/>
-            </a:duotone>
-            <a:extLst>
-              <a:ext uri="{28A0092B-C50C-407E-A947-70E740481C1C}">
-                <a14:useLocalDpi xmlns:a14="http://schemas.microsoft.com/office/drawing/2010/main" val="0"/>
-              </a:ext>
-            </a:extLst>
-          </a:blip>
-          <a:stretch>
-            <a:fillRect/>
-          </a:stretch>
-        </p:blipFill>
-        <p:spPr>
-          <a:xfrm>
-            <a:off x="8566434" y="365125"/>
-            <a:ext cx="3250865" cy="2589856"/>
-          </a:xfrm>
-          <a:prstGeom prst="rect">
-            <a:avLst/>
-          </a:prstGeom>
-        </p:spPr>
-      </p:pic>
-    </p:spTree>
-    <p:extLst>
-      <p:ext uri="{BB962C8B-B14F-4D97-AF65-F5344CB8AC3E}">
-        <p14:creationId xmlns:p14="http://schemas.microsoft.com/office/powerpoint/2010/main" val="1827760998"/>
-      </p:ext>
-    </p:extLst>
-  </p:cSld>
-  <p:clrMapOvr>
-    <a:masterClrMapping/>
-  </p:clrMapOvr>
-  <p:timing>
-    <p:tnLst>
-      <p:par>
-        <p:cTn id="1" dur="indefinite" restart="never" nodeType="tmRoot"/>
-      </p:par>
-    </p:tnLst>
-  </p:timing>
-</p:sld>
-</file>
-
 <file path=ppt/slides/slide4.xml><?xml version="1.0" encoding="utf-8"?>
 <p:sld xmlns:a="http://schemas.openxmlformats.org/drawingml/2006/main" xmlns:r="http://schemas.openxmlformats.org/officeDocument/2006/relationships" xmlns:p="http://schemas.openxmlformats.org/presentationml/2006/main">
   <p:cSld>
@@ -6924,7 +9384,7 @@
           <a:p>
             <a:fld id="{7AC709DD-AC18-4FBA-B4E6-46DED743653E}" type="datetime1">
               <a:rPr lang="de-DE" smtClean="0"/>
-              <a:t>25.11.2015</a:t>
+              <a:t>26.11.2015</a:t>
             </a:fld>
             <a:endParaRPr lang="de-DE"/>
           </a:p>
@@ -7030,7 +9490,7 @@
           <a:p>
             <a:fld id="{7AC709DD-AC18-4FBA-B4E6-46DED743653E}" type="datetime1">
               <a:rPr lang="de-DE" smtClean="0"/>
-              <a:t>25.11.2015</a:t>
+              <a:t>26.11.2015</a:t>
             </a:fld>
             <a:endParaRPr lang="de-DE"/>
           </a:p>
@@ -7368,7 +9828,7 @@
           <a:p>
             <a:fld id="{7AC709DD-AC18-4FBA-B4E6-46DED743653E}" type="datetime1">
               <a:rPr lang="de-DE" smtClean="0"/>
-              <a:t>25.11.2015</a:t>
+              <a:t>26.11.2015</a:t>
             </a:fld>
             <a:endParaRPr lang="de-DE"/>
           </a:p>
@@ -7474,7 +9934,7 @@
           <a:p>
             <a:fld id="{7AC709DD-AC18-4FBA-B4E6-46DED743653E}" type="datetime1">
               <a:rPr lang="de-DE" smtClean="0"/>
-              <a:t>25.11.2015</a:t>
+              <a:t>26.11.2015</a:t>
             </a:fld>
             <a:endParaRPr lang="de-DE"/>
           </a:p>
@@ -7786,12 +10246,102 @@
             <p:ph idx="1"/>
           </p:nvPr>
         </p:nvSpPr>
-        <p:spPr/>
-        <p:txBody>
-          <a:bodyPr/>
-          <a:lstStyle/>
-          <a:p>
-            <a:endParaRPr lang="de-DE"/>
+        <p:spPr>
+          <a:xfrm>
+            <a:off x="838199" y="1825625"/>
+            <a:ext cx="10602433" cy="4351338"/>
+          </a:xfrm>
+        </p:spPr>
+        <p:txBody>
+          <a:bodyPr/>
+          <a:lstStyle/>
+          <a:p>
+            <a:r>
+              <a:rPr lang="de-DE" dirty="0" smtClean="0"/>
+              <a:t>Netztyp</a:t>
+            </a:r>
+          </a:p>
+          <a:p>
+            <a:pPr lvl="1"/>
+            <a:r>
+              <a:rPr lang="de-DE" dirty="0" smtClean="0"/>
+              <a:t>Heteroassoziative Netze	:</a:t>
+            </a:r>
+            <a:r>
+              <a:rPr lang="de-DE" dirty="0"/>
+              <a:t> </a:t>
+            </a:r>
+          </a:p>
+          <a:p>
+            <a:pPr lvl="2"/>
+            <a:r>
+              <a:rPr lang="de-DE" dirty="0" smtClean="0"/>
+              <a:t>Bilden einen Inputvektor V</a:t>
+            </a:r>
+            <a:r>
+              <a:rPr lang="de-DE" baseline="-25000" dirty="0" smtClean="0"/>
+              <a:t>i</a:t>
+            </a:r>
+            <a:r>
+              <a:rPr lang="de-DE" dirty="0" smtClean="0"/>
+              <a:t> der Länge n auf einen Outputvektor V</a:t>
+            </a:r>
+            <a:r>
+              <a:rPr lang="de-DE" baseline="-25000" dirty="0" smtClean="0"/>
+              <a:t>o </a:t>
+            </a:r>
+            <a:r>
+              <a:rPr lang="de-DE" dirty="0" smtClean="0"/>
+              <a:t>der Länge 1 bis n ab.</a:t>
+            </a:r>
+          </a:p>
+          <a:p>
+            <a:pPr lvl="1"/>
+            <a:r>
+              <a:rPr lang="de-DE" dirty="0" smtClean="0"/>
+              <a:t>Autoassoziative Netze: </a:t>
+            </a:r>
+          </a:p>
+          <a:p>
+            <a:pPr lvl="2"/>
+            <a:r>
+              <a:rPr lang="de-DE" dirty="0" smtClean="0"/>
+              <a:t>Bilden einen Inputvektor </a:t>
+            </a:r>
+            <a:r>
+              <a:rPr lang="de-DE" dirty="0"/>
+              <a:t>V</a:t>
+            </a:r>
+            <a:r>
+              <a:rPr lang="de-DE" baseline="-25000" dirty="0"/>
+              <a:t>i </a:t>
+            </a:r>
+            <a:r>
+              <a:rPr lang="de-DE" baseline="-25000" dirty="0" smtClean="0"/>
+              <a:t> </a:t>
+            </a:r>
+            <a:r>
+              <a:rPr lang="de-DE" dirty="0" smtClean="0"/>
+              <a:t>der Länge n auf einen Outputvektor V</a:t>
+            </a:r>
+            <a:r>
+              <a:rPr lang="de-DE" baseline="-25000" dirty="0" smtClean="0"/>
+              <a:t>o</a:t>
+            </a:r>
+            <a:r>
+              <a:rPr lang="de-DE" dirty="0" smtClean="0"/>
+              <a:t> der gleichen Länge ab.</a:t>
+            </a:r>
+          </a:p>
+          <a:p>
+            <a:pPr lvl="2"/>
+            <a:endParaRPr lang="de-DE" dirty="0"/>
+          </a:p>
+          <a:p>
+            <a:pPr marL="914400" lvl="2" indent="0">
+              <a:buNone/>
+            </a:pPr>
+            <a:endParaRPr lang="de-DE" dirty="0" smtClean="0"/>
           </a:p>
         </p:txBody>
       </p:sp>
@@ -7812,7 +10362,7 @@
           <a:p>
             <a:fld id="{7AC709DD-AC18-4FBA-B4E6-46DED743653E}" type="datetime1">
               <a:rPr lang="de-DE" smtClean="0"/>
-              <a:t>25.11.2015</a:t>
+              <a:t>26.11.2015</a:t>
             </a:fld>
             <a:endParaRPr lang="de-DE"/>
           </a:p>
@@ -7864,10 +10414,564 @@
           </a:p>
         </p:txBody>
       </p:sp>
+      <p:graphicFrame>
+        <p:nvGraphicFramePr>
+          <p:cNvPr id="8" name="Tabelle 7"/>
+          <p:cNvGraphicFramePr>
+            <a:graphicFrameLocks noGrp="1"/>
+          </p:cNvGraphicFramePr>
+          <p:nvPr>
+            <p:extLst>
+              <p:ext uri="{D42A27DB-BD31-4B8C-83A1-F6EECF244321}">
+                <p14:modId xmlns:p14="http://schemas.microsoft.com/office/powerpoint/2010/main" val="1476804641"/>
+              </p:ext>
+            </p:extLst>
+          </p:nvPr>
+        </p:nvGraphicFramePr>
+        <p:xfrm>
+          <a:off x="2425579" y="4015759"/>
+          <a:ext cx="8128000" cy="1854200"/>
+        </p:xfrm>
+        <a:graphic>
+          <a:graphicData uri="http://schemas.openxmlformats.org/drawingml/2006/table">
+            <a:tbl>
+              <a:tblPr firstRow="1" bandRow="1">
+                <a:tableStyleId>{2D5ABB26-0587-4C30-8999-92F81FD0307C}</a:tableStyleId>
+              </a:tblPr>
+              <a:tblGrid>
+                <a:gridCol w="4064000"/>
+                <a:gridCol w="4064000"/>
+              </a:tblGrid>
+              <a:tr h="370840">
+                <a:tc>
+                  <a:txBody>
+                    <a:bodyPr/>
+                    <a:lstStyle/>
+                    <a:p>
+                      <a:pPr algn="ctr"/>
+                      <a:r>
+                        <a:rPr lang="de-DE" b="1" dirty="0" smtClean="0"/>
+                        <a:t>Heteroassoziative</a:t>
+                      </a:r>
+                      <a:r>
+                        <a:rPr lang="de-DE" b="1" baseline="0" dirty="0" smtClean="0"/>
+                        <a:t> Netze</a:t>
+                      </a:r>
+                      <a:endParaRPr lang="de-DE" b="1" dirty="0"/>
+                    </a:p>
+                  </a:txBody>
+                  <a:tcPr anchor="ctr">
+                    <a:lnL w="12700" cap="flat" cmpd="sng" algn="ctr">
+                      <a:solidFill>
+                        <a:schemeClr val="tx1"/>
+                      </a:solidFill>
+                      <a:prstDash val="solid"/>
+                      <a:round/>
+                      <a:headEnd type="none" w="med" len="med"/>
+                      <a:tailEnd type="none" w="med" len="med"/>
+                    </a:lnL>
+                    <a:lnR w="12700" cap="flat" cmpd="sng" algn="ctr">
+                      <a:solidFill>
+                        <a:schemeClr val="tx1"/>
+                      </a:solidFill>
+                      <a:prstDash val="solid"/>
+                      <a:round/>
+                      <a:headEnd type="none" w="med" len="med"/>
+                      <a:tailEnd type="none" w="med" len="med"/>
+                    </a:lnR>
+                    <a:lnT w="12700" cap="flat" cmpd="sng" algn="ctr">
+                      <a:solidFill>
+                        <a:schemeClr val="tx1"/>
+                      </a:solidFill>
+                      <a:prstDash val="solid"/>
+                      <a:round/>
+                      <a:headEnd type="none" w="med" len="med"/>
+                      <a:tailEnd type="none" w="med" len="med"/>
+                    </a:lnT>
+                    <a:lnB w="12700" cap="flat" cmpd="sng" algn="ctr">
+                      <a:solidFill>
+                        <a:schemeClr val="tx1"/>
+                      </a:solidFill>
+                      <a:prstDash val="solid"/>
+                      <a:round/>
+                      <a:headEnd type="none" w="med" len="med"/>
+                      <a:tailEnd type="none" w="med" len="med"/>
+                    </a:lnB>
+                  </a:tcPr>
+                </a:tc>
+                <a:tc>
+                  <a:txBody>
+                    <a:bodyPr/>
+                    <a:lstStyle/>
+                    <a:p>
+                      <a:pPr algn="ctr"/>
+                      <a:r>
+                        <a:rPr lang="de-DE" b="1" dirty="0" smtClean="0"/>
+                        <a:t>Autoassoziative</a:t>
+                      </a:r>
+                      <a:r>
+                        <a:rPr lang="de-DE" b="1" baseline="0" dirty="0" smtClean="0"/>
+                        <a:t> Netze</a:t>
+                      </a:r>
+                      <a:endParaRPr lang="de-DE" b="1" dirty="0"/>
+                    </a:p>
+                  </a:txBody>
+                  <a:tcPr anchor="ctr">
+                    <a:lnL w="12700" cap="flat" cmpd="sng" algn="ctr">
+                      <a:solidFill>
+                        <a:schemeClr val="tx1"/>
+                      </a:solidFill>
+                      <a:prstDash val="solid"/>
+                      <a:round/>
+                      <a:headEnd type="none" w="med" len="med"/>
+                      <a:tailEnd type="none" w="med" len="med"/>
+                    </a:lnL>
+                    <a:lnR w="12700" cap="flat" cmpd="sng" algn="ctr">
+                      <a:solidFill>
+                        <a:schemeClr val="tx1"/>
+                      </a:solidFill>
+                      <a:prstDash val="solid"/>
+                      <a:round/>
+                      <a:headEnd type="none" w="med" len="med"/>
+                      <a:tailEnd type="none" w="med" len="med"/>
+                    </a:lnR>
+                    <a:lnT w="12700" cap="flat" cmpd="sng" algn="ctr">
+                      <a:solidFill>
+                        <a:schemeClr val="tx1"/>
+                      </a:solidFill>
+                      <a:prstDash val="solid"/>
+                      <a:round/>
+                      <a:headEnd type="none" w="med" len="med"/>
+                      <a:tailEnd type="none" w="med" len="med"/>
+                    </a:lnT>
+                    <a:lnB w="12700" cap="flat" cmpd="sng" algn="ctr">
+                      <a:solidFill>
+                        <a:schemeClr val="tx1"/>
+                      </a:solidFill>
+                      <a:prstDash val="solid"/>
+                      <a:round/>
+                      <a:headEnd type="none" w="med" len="med"/>
+                      <a:tailEnd type="none" w="med" len="med"/>
+                    </a:lnB>
+                  </a:tcPr>
+                </a:tc>
+              </a:tr>
+              <a:tr h="370840">
+                <a:tc>
+                  <a:txBody>
+                    <a:bodyPr/>
+                    <a:lstStyle/>
+                    <a:p>
+                      <a:pPr algn="ctr"/>
+                      <a:r>
+                        <a:rPr lang="de-DE" dirty="0" err="1" smtClean="0"/>
+                        <a:t>Adaline</a:t>
+                      </a:r>
+                      <a:endParaRPr lang="de-DE" dirty="0"/>
+                    </a:p>
+                  </a:txBody>
+                  <a:tcPr>
+                    <a:lnL w="12700" cap="flat" cmpd="sng" algn="ctr">
+                      <a:solidFill>
+                        <a:schemeClr val="tx1"/>
+                      </a:solidFill>
+                      <a:prstDash val="solid"/>
+                      <a:round/>
+                      <a:headEnd type="none" w="med" len="med"/>
+                      <a:tailEnd type="none" w="med" len="med"/>
+                    </a:lnL>
+                    <a:lnR w="12700" cap="flat" cmpd="sng" algn="ctr">
+                      <a:solidFill>
+                        <a:schemeClr val="tx1"/>
+                      </a:solidFill>
+                      <a:prstDash val="solid"/>
+                      <a:round/>
+                      <a:headEnd type="none" w="med" len="med"/>
+                      <a:tailEnd type="none" w="med" len="med"/>
+                    </a:lnR>
+                    <a:lnT w="12700" cap="flat" cmpd="sng" algn="ctr">
+                      <a:solidFill>
+                        <a:schemeClr val="tx1"/>
+                      </a:solidFill>
+                      <a:prstDash val="solid"/>
+                      <a:round/>
+                      <a:headEnd type="none" w="med" len="med"/>
+                      <a:tailEnd type="none" w="med" len="med"/>
+                    </a:lnT>
+                    <a:lnB w="12700" cap="flat" cmpd="sng" algn="ctr">
+                      <a:solidFill>
+                        <a:schemeClr val="tx1"/>
+                      </a:solidFill>
+                      <a:prstDash val="solid"/>
+                      <a:round/>
+                      <a:headEnd type="none" w="med" len="med"/>
+                      <a:tailEnd type="none" w="med" len="med"/>
+                    </a:lnB>
+                  </a:tcPr>
+                </a:tc>
+                <a:tc>
+                  <a:txBody>
+                    <a:bodyPr/>
+                    <a:lstStyle/>
+                    <a:p>
+                      <a:pPr algn="ctr"/>
+                      <a:endParaRPr lang="de-DE" dirty="0"/>
+                    </a:p>
+                  </a:txBody>
+                  <a:tcPr>
+                    <a:lnL w="12700" cap="flat" cmpd="sng" algn="ctr">
+                      <a:solidFill>
+                        <a:schemeClr val="tx1"/>
+                      </a:solidFill>
+                      <a:prstDash val="solid"/>
+                      <a:round/>
+                      <a:headEnd type="none" w="med" len="med"/>
+                      <a:tailEnd type="none" w="med" len="med"/>
+                    </a:lnL>
+                    <a:lnR w="12700" cap="flat" cmpd="sng" algn="ctr">
+                      <a:solidFill>
+                        <a:schemeClr val="tx1"/>
+                      </a:solidFill>
+                      <a:prstDash val="solid"/>
+                      <a:round/>
+                      <a:headEnd type="none" w="med" len="med"/>
+                      <a:tailEnd type="none" w="med" len="med"/>
+                    </a:lnR>
+                    <a:lnT w="12700" cap="flat" cmpd="sng" algn="ctr">
+                      <a:solidFill>
+                        <a:schemeClr val="tx1"/>
+                      </a:solidFill>
+                      <a:prstDash val="solid"/>
+                      <a:round/>
+                      <a:headEnd type="none" w="med" len="med"/>
+                      <a:tailEnd type="none" w="med" len="med"/>
+                    </a:lnT>
+                    <a:lnB w="12700" cap="flat" cmpd="sng" algn="ctr">
+                      <a:solidFill>
+                        <a:schemeClr val="tx1"/>
+                      </a:solidFill>
+                      <a:prstDash val="solid"/>
+                      <a:round/>
+                      <a:headEnd type="none" w="med" len="med"/>
+                      <a:tailEnd type="none" w="med" len="med"/>
+                    </a:lnB>
+                  </a:tcPr>
+                </a:tc>
+              </a:tr>
+              <a:tr h="370840">
+                <a:tc>
+                  <a:txBody>
+                    <a:bodyPr/>
+                    <a:lstStyle/>
+                    <a:p>
+                      <a:pPr algn="ctr"/>
+                      <a:r>
+                        <a:rPr lang="de-DE" dirty="0" err="1" smtClean="0"/>
+                        <a:t>Madaline</a:t>
+                      </a:r>
+                      <a:endParaRPr lang="de-DE" dirty="0"/>
+                    </a:p>
+                  </a:txBody>
+                  <a:tcPr>
+                    <a:lnL w="12700" cap="flat" cmpd="sng" algn="ctr">
+                      <a:solidFill>
+                        <a:schemeClr val="tx1"/>
+                      </a:solidFill>
+                      <a:prstDash val="solid"/>
+                      <a:round/>
+                      <a:headEnd type="none" w="med" len="med"/>
+                      <a:tailEnd type="none" w="med" len="med"/>
+                    </a:lnL>
+                    <a:lnR w="12700" cap="flat" cmpd="sng" algn="ctr">
+                      <a:solidFill>
+                        <a:schemeClr val="tx1"/>
+                      </a:solidFill>
+                      <a:prstDash val="solid"/>
+                      <a:round/>
+                      <a:headEnd type="none" w="med" len="med"/>
+                      <a:tailEnd type="none" w="med" len="med"/>
+                    </a:lnR>
+                    <a:lnT w="12700" cap="flat" cmpd="sng" algn="ctr">
+                      <a:solidFill>
+                        <a:schemeClr val="tx1"/>
+                      </a:solidFill>
+                      <a:prstDash val="solid"/>
+                      <a:round/>
+                      <a:headEnd type="none" w="med" len="med"/>
+                      <a:tailEnd type="none" w="med" len="med"/>
+                    </a:lnT>
+                    <a:lnB w="12700" cap="flat" cmpd="sng" algn="ctr">
+                      <a:solidFill>
+                        <a:schemeClr val="tx1"/>
+                      </a:solidFill>
+                      <a:prstDash val="solid"/>
+                      <a:round/>
+                      <a:headEnd type="none" w="med" len="med"/>
+                      <a:tailEnd type="none" w="med" len="med"/>
+                    </a:lnB>
+                  </a:tcPr>
+                </a:tc>
+                <a:tc>
+                  <a:txBody>
+                    <a:bodyPr/>
+                    <a:lstStyle/>
+                    <a:p>
+                      <a:pPr algn="ctr"/>
+                      <a:endParaRPr lang="de-DE" dirty="0"/>
+                    </a:p>
+                  </a:txBody>
+                  <a:tcPr>
+                    <a:lnL w="12700" cap="flat" cmpd="sng" algn="ctr">
+                      <a:solidFill>
+                        <a:schemeClr val="tx1"/>
+                      </a:solidFill>
+                      <a:prstDash val="solid"/>
+                      <a:round/>
+                      <a:headEnd type="none" w="med" len="med"/>
+                      <a:tailEnd type="none" w="med" len="med"/>
+                    </a:lnL>
+                    <a:lnR w="12700" cap="flat" cmpd="sng" algn="ctr">
+                      <a:solidFill>
+                        <a:schemeClr val="tx1"/>
+                      </a:solidFill>
+                      <a:prstDash val="solid"/>
+                      <a:round/>
+                      <a:headEnd type="none" w="med" len="med"/>
+                      <a:tailEnd type="none" w="med" len="med"/>
+                    </a:lnR>
+                    <a:lnT w="12700" cap="flat" cmpd="sng" algn="ctr">
+                      <a:solidFill>
+                        <a:schemeClr val="tx1"/>
+                      </a:solidFill>
+                      <a:prstDash val="solid"/>
+                      <a:round/>
+                      <a:headEnd type="none" w="med" len="med"/>
+                      <a:tailEnd type="none" w="med" len="med"/>
+                    </a:lnT>
+                    <a:lnB w="12700" cap="flat" cmpd="sng" algn="ctr">
+                      <a:solidFill>
+                        <a:schemeClr val="tx1"/>
+                      </a:solidFill>
+                      <a:prstDash val="solid"/>
+                      <a:round/>
+                      <a:headEnd type="none" w="med" len="med"/>
+                      <a:tailEnd type="none" w="med" len="med"/>
+                    </a:lnB>
+                  </a:tcPr>
+                </a:tc>
+              </a:tr>
+              <a:tr h="370840">
+                <a:tc>
+                  <a:txBody>
+                    <a:bodyPr/>
+                    <a:lstStyle/>
+                    <a:p>
+                      <a:pPr algn="ctr"/>
+                      <a:r>
+                        <a:rPr lang="de-DE" dirty="0" err="1" smtClean="0"/>
+                        <a:t>Perzeptron</a:t>
+                      </a:r>
+                      <a:endParaRPr lang="de-DE" dirty="0"/>
+                    </a:p>
+                  </a:txBody>
+                  <a:tcPr>
+                    <a:lnL w="12700" cap="flat" cmpd="sng" algn="ctr">
+                      <a:solidFill>
+                        <a:schemeClr val="tx1"/>
+                      </a:solidFill>
+                      <a:prstDash val="solid"/>
+                      <a:round/>
+                      <a:headEnd type="none" w="med" len="med"/>
+                      <a:tailEnd type="none" w="med" len="med"/>
+                    </a:lnL>
+                    <a:lnR w="12700" cap="flat" cmpd="sng" algn="ctr">
+                      <a:solidFill>
+                        <a:schemeClr val="tx1"/>
+                      </a:solidFill>
+                      <a:prstDash val="solid"/>
+                      <a:round/>
+                      <a:headEnd type="none" w="med" len="med"/>
+                      <a:tailEnd type="none" w="med" len="med"/>
+                    </a:lnR>
+                    <a:lnT w="12700" cap="flat" cmpd="sng" algn="ctr">
+                      <a:solidFill>
+                        <a:schemeClr val="tx1"/>
+                      </a:solidFill>
+                      <a:prstDash val="solid"/>
+                      <a:round/>
+                      <a:headEnd type="none" w="med" len="med"/>
+                      <a:tailEnd type="none" w="med" len="med"/>
+                    </a:lnT>
+                    <a:lnB w="12700" cap="flat" cmpd="sng" algn="ctr">
+                      <a:solidFill>
+                        <a:schemeClr val="tx1"/>
+                      </a:solidFill>
+                      <a:prstDash val="solid"/>
+                      <a:round/>
+                      <a:headEnd type="none" w="med" len="med"/>
+                      <a:tailEnd type="none" w="med" len="med"/>
+                    </a:lnB>
+                  </a:tcPr>
+                </a:tc>
+                <a:tc>
+                  <a:txBody>
+                    <a:bodyPr/>
+                    <a:lstStyle/>
+                    <a:p>
+                      <a:pPr algn="ctr"/>
+                      <a:endParaRPr lang="de-DE" dirty="0"/>
+                    </a:p>
+                  </a:txBody>
+                  <a:tcPr>
+                    <a:lnL w="12700" cap="flat" cmpd="sng" algn="ctr">
+                      <a:solidFill>
+                        <a:schemeClr val="tx1"/>
+                      </a:solidFill>
+                      <a:prstDash val="solid"/>
+                      <a:round/>
+                      <a:headEnd type="none" w="med" len="med"/>
+                      <a:tailEnd type="none" w="med" len="med"/>
+                    </a:lnL>
+                    <a:lnR w="12700" cap="flat" cmpd="sng" algn="ctr">
+                      <a:solidFill>
+                        <a:schemeClr val="tx1"/>
+                      </a:solidFill>
+                      <a:prstDash val="solid"/>
+                      <a:round/>
+                      <a:headEnd type="none" w="med" len="med"/>
+                      <a:tailEnd type="none" w="med" len="med"/>
+                    </a:lnR>
+                    <a:lnT w="12700" cap="flat" cmpd="sng" algn="ctr">
+                      <a:solidFill>
+                        <a:schemeClr val="tx1"/>
+                      </a:solidFill>
+                      <a:prstDash val="solid"/>
+                      <a:round/>
+                      <a:headEnd type="none" w="med" len="med"/>
+                      <a:tailEnd type="none" w="med" len="med"/>
+                    </a:lnT>
+                    <a:lnB w="12700" cap="flat" cmpd="sng" algn="ctr">
+                      <a:solidFill>
+                        <a:schemeClr val="tx1"/>
+                      </a:solidFill>
+                      <a:prstDash val="solid"/>
+                      <a:round/>
+                      <a:headEnd type="none" w="med" len="med"/>
+                      <a:tailEnd type="none" w="med" len="med"/>
+                    </a:lnB>
+                  </a:tcPr>
+                </a:tc>
+              </a:tr>
+              <a:tr h="370840">
+                <a:tc>
+                  <a:txBody>
+                    <a:bodyPr/>
+                    <a:lstStyle/>
+                    <a:p>
+                      <a:pPr algn="ctr"/>
+                      <a:r>
+                        <a:rPr lang="de-DE" dirty="0" err="1" smtClean="0"/>
+                        <a:t>Multilayerperzeptron</a:t>
+                      </a:r>
+                      <a:endParaRPr lang="de-DE" dirty="0"/>
+                    </a:p>
+                  </a:txBody>
+                  <a:tcPr>
+                    <a:lnL w="12700" cap="flat" cmpd="sng" algn="ctr">
+                      <a:solidFill>
+                        <a:schemeClr val="tx1"/>
+                      </a:solidFill>
+                      <a:prstDash val="solid"/>
+                      <a:round/>
+                      <a:headEnd type="none" w="med" len="med"/>
+                      <a:tailEnd type="none" w="med" len="med"/>
+                    </a:lnL>
+                    <a:lnR w="12700" cap="flat" cmpd="sng" algn="ctr">
+                      <a:solidFill>
+                        <a:schemeClr val="tx1"/>
+                      </a:solidFill>
+                      <a:prstDash val="solid"/>
+                      <a:round/>
+                      <a:headEnd type="none" w="med" len="med"/>
+                      <a:tailEnd type="none" w="med" len="med"/>
+                    </a:lnR>
+                    <a:lnT w="12700" cap="flat" cmpd="sng" algn="ctr">
+                      <a:solidFill>
+                        <a:schemeClr val="tx1"/>
+                      </a:solidFill>
+                      <a:prstDash val="solid"/>
+                      <a:round/>
+                      <a:headEnd type="none" w="med" len="med"/>
+                      <a:tailEnd type="none" w="med" len="med"/>
+                    </a:lnT>
+                    <a:lnB w="12700" cap="flat" cmpd="sng" algn="ctr">
+                      <a:solidFill>
+                        <a:schemeClr val="tx1"/>
+                      </a:solidFill>
+                      <a:prstDash val="solid"/>
+                      <a:round/>
+                      <a:headEnd type="none" w="med" len="med"/>
+                      <a:tailEnd type="none" w="med" len="med"/>
+                    </a:lnB>
+                  </a:tcPr>
+                </a:tc>
+                <a:tc>
+                  <a:txBody>
+                    <a:bodyPr/>
+                    <a:lstStyle/>
+                    <a:p>
+                      <a:pPr algn="ctr"/>
+                      <a:endParaRPr lang="de-DE" dirty="0"/>
+                    </a:p>
+                  </a:txBody>
+                  <a:tcPr>
+                    <a:lnL w="12700" cap="flat" cmpd="sng" algn="ctr">
+                      <a:solidFill>
+                        <a:schemeClr val="tx1"/>
+                      </a:solidFill>
+                      <a:prstDash val="solid"/>
+                      <a:round/>
+                      <a:headEnd type="none" w="med" len="med"/>
+                      <a:tailEnd type="none" w="med" len="med"/>
+                    </a:lnL>
+                    <a:lnR w="12700" cap="flat" cmpd="sng" algn="ctr">
+                      <a:solidFill>
+                        <a:schemeClr val="tx1"/>
+                      </a:solidFill>
+                      <a:prstDash val="solid"/>
+                      <a:round/>
+                      <a:headEnd type="none" w="med" len="med"/>
+                      <a:tailEnd type="none" w="med" len="med"/>
+                    </a:lnR>
+                    <a:lnT w="12700" cap="flat" cmpd="sng" algn="ctr">
+                      <a:solidFill>
+                        <a:schemeClr val="tx1"/>
+                      </a:solidFill>
+                      <a:prstDash val="solid"/>
+                      <a:round/>
+                      <a:headEnd type="none" w="med" len="med"/>
+                      <a:tailEnd type="none" w="med" len="med"/>
+                    </a:lnT>
+                    <a:lnB w="12700" cap="flat" cmpd="sng" algn="ctr">
+                      <a:solidFill>
+                        <a:schemeClr val="tx1"/>
+                      </a:solidFill>
+                      <a:prstDash val="solid"/>
+                      <a:round/>
+                      <a:headEnd type="none" w="med" len="med"/>
+                      <a:tailEnd type="none" w="med" len="med"/>
+                    </a:lnB>
+                  </a:tcPr>
+                </a:tc>
+              </a:tr>
+            </a:tbl>
+          </a:graphicData>
+        </a:graphic>
+      </p:graphicFrame>
     </p:spTree>
     <p:extLst>
       <p:ext uri="{BB962C8B-B14F-4D97-AF65-F5344CB8AC3E}">
-        <p14:creationId xmlns:p14="http://schemas.microsoft.com/office/powerpoint/2010/main" val="3440681286"/>
+        <p14:creationId xmlns:p14="http://schemas.microsoft.com/office/powerpoint/2010/main" val="1724622261"/>
       </p:ext>
     </p:extLst>
   </p:cSld>
@@ -7903,6 +11007,74 @@
       </p:grpSpPr>
       <p:sp>
         <p:nvSpPr>
+          <p:cNvPr id="2" name="Titel 1"/>
+          <p:cNvSpPr>
+            <a:spLocks noGrp="1"/>
+          </p:cNvSpPr>
+          <p:nvPr>
+            <p:ph type="title"/>
+          </p:nvPr>
+        </p:nvSpPr>
+        <p:spPr/>
+        <p:txBody>
+          <a:bodyPr/>
+          <a:lstStyle/>
+          <a:p>
+            <a:pPr marL="857250" indent="-857250">
+              <a:buFont typeface="+mj-lt"/>
+              <a:buAutoNum type="romanUcPeriod" startAt="3"/>
+            </a:pPr>
+            <a:r>
+              <a:rPr lang="de-DE" b="1" dirty="0" smtClean="0"/>
+              <a:t>Konzeption des künstlichen neuronalen Netzes</a:t>
+            </a:r>
+            <a:endParaRPr lang="de-DE" dirty="0"/>
+          </a:p>
+        </p:txBody>
+      </p:sp>
+      <p:sp>
+        <p:nvSpPr>
+          <p:cNvPr id="3" name="Inhaltsplatzhalter 2"/>
+          <p:cNvSpPr>
+            <a:spLocks noGrp="1"/>
+          </p:cNvSpPr>
+          <p:nvPr>
+            <p:ph idx="1"/>
+          </p:nvPr>
+        </p:nvSpPr>
+        <p:spPr>
+          <a:xfrm>
+            <a:off x="838199" y="1825625"/>
+            <a:ext cx="10602433" cy="4351338"/>
+          </a:xfrm>
+        </p:spPr>
+        <p:txBody>
+          <a:bodyPr/>
+          <a:lstStyle/>
+          <a:p>
+            <a:r>
+              <a:rPr lang="de-DE" dirty="0" smtClean="0"/>
+              <a:t>Netztyp</a:t>
+            </a:r>
+          </a:p>
+          <a:p>
+            <a:pPr lvl="1"/>
+            <a:r>
+              <a:rPr lang="de-DE" dirty="0" smtClean="0"/>
+              <a:t>Wir bilden einen Eingabevektor auf einen skalaren Wert ab.</a:t>
+            </a:r>
+            <a:endParaRPr lang="de-DE" dirty="0"/>
+          </a:p>
+          <a:p>
+            <a:pPr marL="914400" lvl="2" indent="0">
+              <a:buNone/>
+            </a:pPr>
+            <a:endParaRPr lang="de-DE" dirty="0" smtClean="0"/>
+          </a:p>
+        </p:txBody>
+      </p:sp>
+      <p:sp>
+        <p:nvSpPr>
           <p:cNvPr id="4" name="Datumsplatzhalter 3"/>
           <p:cNvSpPr>
             <a:spLocks noGrp="1"/>
@@ -7918,7 +11090,7 @@
           <a:p>
             <a:fld id="{7AC709DD-AC18-4FBA-B4E6-46DED743653E}" type="datetime1">
               <a:rPr lang="de-DE" smtClean="0"/>
-              <a:t>25.11.2015</a:t>
+              <a:t>26.11.2015</a:t>
             </a:fld>
             <a:endParaRPr lang="de-DE"/>
           </a:p>
@@ -7940,7 +11112,7 @@
           <a:lstStyle/>
           <a:p>
             <a:r>
-              <a:rPr lang="de-DE" dirty="0" smtClean="0"/>
+              <a:rPr lang="de-DE" smtClean="0"/>
               <a:t>Fakultät Informatik             Sebastian Schötteler &amp; Benedikt Hofrichter</a:t>
             </a:r>
             <a:endParaRPr lang="de-DE" dirty="0"/>
@@ -7970,196 +11142,604 @@
           </a:p>
         </p:txBody>
       </p:sp>
-      <p:sp>
-        <p:nvSpPr>
-          <p:cNvPr id="8" name="Inhaltsplatzhalter 7"/>
-          <p:cNvSpPr>
-            <a:spLocks noGrp="1"/>
-          </p:cNvSpPr>
-          <p:nvPr>
-            <p:ph idx="1"/>
-          </p:nvPr>
-        </p:nvSpPr>
-        <p:spPr/>
-        <p:txBody>
-          <a:bodyPr>
-            <a:normAutofit fontScale="92500" lnSpcReduction="20000"/>
-          </a:bodyPr>
-          <a:lstStyle/>
-          <a:p>
-            <a:pPr marL="571500" indent="-571500">
-              <a:buFont typeface="+mj-lt"/>
-              <a:buAutoNum type="romanUcPeriod"/>
-            </a:pPr>
-            <a:r>
-              <a:rPr lang="de-DE" dirty="0" smtClean="0"/>
-              <a:t>Motivation</a:t>
-            </a:r>
-          </a:p>
-          <a:p>
-            <a:pPr marL="285750" indent="-285750">
-              <a:buFont typeface="+mj-lt"/>
-              <a:buAutoNum type="romanUcPeriod"/>
-            </a:pPr>
-            <a:endParaRPr lang="de-DE" sz="100" dirty="0" smtClean="0"/>
-          </a:p>
-          <a:p>
-            <a:pPr marL="571500" indent="-571500">
-              <a:buFont typeface="+mj-lt"/>
-              <a:buAutoNum type="romanUcPeriod"/>
-            </a:pPr>
-            <a:r>
-              <a:rPr lang="de-DE" dirty="0" smtClean="0"/>
-              <a:t>Konzeption der Anwendung</a:t>
-            </a:r>
-          </a:p>
-          <a:p>
-            <a:pPr marL="571500" indent="-571500">
-              <a:buFont typeface="+mj-lt"/>
-              <a:buAutoNum type="romanUcPeriod"/>
-            </a:pPr>
-            <a:r>
-              <a:rPr lang="de-DE" dirty="0" smtClean="0"/>
-              <a:t>Konzeption des künstlichen neuronalen Netzes</a:t>
-            </a:r>
-          </a:p>
-          <a:p>
-            <a:pPr marL="285750" indent="-285750">
-              <a:buFont typeface="+mj-lt"/>
-              <a:buAutoNum type="romanUcPeriod"/>
-            </a:pPr>
-            <a:endParaRPr lang="de-DE" sz="100" dirty="0" smtClean="0"/>
-          </a:p>
-          <a:p>
-            <a:pPr marL="571500" indent="-571500">
-              <a:buFont typeface="+mj-lt"/>
-              <a:buAutoNum type="romanUcPeriod"/>
-            </a:pPr>
-            <a:r>
-              <a:rPr lang="de-DE" b="1" dirty="0" smtClean="0"/>
-              <a:t>Umsetzung der Anwendung</a:t>
-            </a:r>
-          </a:p>
-          <a:p>
-            <a:pPr marL="571500" indent="-571500">
-              <a:buFont typeface="+mj-lt"/>
-              <a:buAutoNum type="romanUcPeriod"/>
-            </a:pPr>
-            <a:r>
-              <a:rPr lang="de-DE" dirty="0" smtClean="0"/>
-              <a:t>Umsetzung des künstlichen neuronalen Netzes</a:t>
-            </a:r>
-          </a:p>
-          <a:p>
-            <a:pPr marL="571500" indent="-571500">
-              <a:buFont typeface="+mj-lt"/>
-              <a:buAutoNum type="romanUcPeriod"/>
-            </a:pPr>
-            <a:r>
-              <a:rPr lang="de-DE" dirty="0" smtClean="0"/>
-              <a:t>Zusammenführung der Komponenten</a:t>
-            </a:r>
-          </a:p>
-          <a:p>
-            <a:pPr marL="571500" indent="-571500">
-              <a:buFont typeface="+mj-lt"/>
-              <a:buAutoNum type="romanUcPeriod"/>
-            </a:pPr>
-            <a:endParaRPr lang="de-DE" sz="100" dirty="0" smtClean="0"/>
-          </a:p>
-          <a:p>
-            <a:pPr marL="571500" indent="-571500">
-              <a:buFont typeface="+mj-lt"/>
-              <a:buAutoNum type="romanUcPeriod"/>
-            </a:pPr>
-            <a:r>
-              <a:rPr lang="de-DE" dirty="0" smtClean="0"/>
-              <a:t>Vorstellung der Anwendung</a:t>
-            </a:r>
-          </a:p>
-          <a:p>
-            <a:pPr marL="285750" indent="-285750">
-              <a:buFont typeface="+mj-lt"/>
-              <a:buAutoNum type="romanUcPeriod"/>
-            </a:pPr>
-            <a:endParaRPr lang="de-DE" sz="100" dirty="0" smtClean="0"/>
-          </a:p>
-          <a:p>
-            <a:pPr marL="571500" indent="-571500">
-              <a:buFont typeface="+mj-lt"/>
-              <a:buAutoNum type="romanUcPeriod"/>
-            </a:pPr>
-            <a:r>
-              <a:rPr lang="de-DE" dirty="0" smtClean="0"/>
-              <a:t>Analyse</a:t>
-            </a:r>
-          </a:p>
-          <a:p>
-            <a:pPr marL="0" indent="0">
-              <a:buNone/>
-            </a:pPr>
-            <a:endParaRPr lang="de-DE" sz="100" dirty="0" smtClean="0"/>
-          </a:p>
-          <a:p>
-            <a:pPr marL="571500" indent="-571500">
-              <a:buFont typeface="+mj-lt"/>
-              <a:buAutoNum type="romanUcPeriod" startAt="9"/>
-            </a:pPr>
-            <a:r>
-              <a:rPr lang="de-DE" dirty="0" smtClean="0"/>
-              <a:t>Fazit</a:t>
-            </a:r>
-          </a:p>
-          <a:p>
-            <a:pPr marL="571500" indent="-571500">
-              <a:buFont typeface="+mj-lt"/>
-              <a:buAutoNum type="romanUcPeriod" startAt="9"/>
-            </a:pPr>
-            <a:endParaRPr lang="de-DE" dirty="0"/>
-          </a:p>
-        </p:txBody>
-      </p:sp>
-      <p:pic>
-        <p:nvPicPr>
-          <p:cNvPr id="9" name="Inhaltsplatzhalter 6"/>
-          <p:cNvPicPr>
-            <a:picLocks noChangeAspect="1"/>
-          </p:cNvPicPr>
+      <p:graphicFrame>
+        <p:nvGraphicFramePr>
+          <p:cNvPr id="8" name="Tabelle 7"/>
+          <p:cNvGraphicFramePr>
+            <a:graphicFrameLocks noGrp="1"/>
+          </p:cNvGraphicFramePr>
           <p:nvPr/>
-        </p:nvPicPr>
-        <p:blipFill>
-          <a:blip r:embed="rId2">
-            <a:duotone>
-              <a:schemeClr val="bg2">
-                <a:shade val="45000"/>
-                <a:satMod val="135000"/>
-              </a:schemeClr>
-              <a:prstClr val="white"/>
-            </a:duotone>
-            <a:extLst>
-              <a:ext uri="{28A0092B-C50C-407E-A947-70E740481C1C}">
-                <a14:useLocalDpi xmlns:a14="http://schemas.microsoft.com/office/drawing/2010/main" val="0"/>
-              </a:ext>
-            </a:extLst>
-          </a:blip>
-          <a:stretch>
-            <a:fillRect/>
-          </a:stretch>
-        </p:blipFill>
+        </p:nvGraphicFramePr>
+        <p:xfrm>
+          <a:off x="2425579" y="4015759"/>
+          <a:ext cx="8128000" cy="1854200"/>
+        </p:xfrm>
+        <a:graphic>
+          <a:graphicData uri="http://schemas.openxmlformats.org/drawingml/2006/table">
+            <a:tbl>
+              <a:tblPr firstRow="1" bandRow="1">
+                <a:tableStyleId>{2D5ABB26-0587-4C30-8999-92F81FD0307C}</a:tableStyleId>
+              </a:tblPr>
+              <a:tblGrid>
+                <a:gridCol w="4064000"/>
+                <a:gridCol w="4064000"/>
+              </a:tblGrid>
+              <a:tr h="370840">
+                <a:tc>
+                  <a:txBody>
+                    <a:bodyPr/>
+                    <a:lstStyle/>
+                    <a:p>
+                      <a:pPr algn="ctr"/>
+                      <a:r>
+                        <a:rPr lang="de-DE" b="1" dirty="0" smtClean="0"/>
+                        <a:t>Heteroassoziative</a:t>
+                      </a:r>
+                      <a:r>
+                        <a:rPr lang="de-DE" b="1" baseline="0" dirty="0" smtClean="0"/>
+                        <a:t> Netze</a:t>
+                      </a:r>
+                      <a:endParaRPr lang="de-DE" b="1" dirty="0"/>
+                    </a:p>
+                  </a:txBody>
+                  <a:tcPr anchor="ctr">
+                    <a:lnL w="12700" cap="flat" cmpd="sng" algn="ctr">
+                      <a:solidFill>
+                        <a:schemeClr val="tx1"/>
+                      </a:solidFill>
+                      <a:prstDash val="solid"/>
+                      <a:round/>
+                      <a:headEnd type="none" w="med" len="med"/>
+                      <a:tailEnd type="none" w="med" len="med"/>
+                    </a:lnL>
+                    <a:lnR w="12700" cap="flat" cmpd="sng" algn="ctr">
+                      <a:solidFill>
+                        <a:schemeClr val="tx1"/>
+                      </a:solidFill>
+                      <a:prstDash val="solid"/>
+                      <a:round/>
+                      <a:headEnd type="none" w="med" len="med"/>
+                      <a:tailEnd type="none" w="med" len="med"/>
+                    </a:lnR>
+                    <a:lnT w="12700" cap="flat" cmpd="sng" algn="ctr">
+                      <a:solidFill>
+                        <a:schemeClr val="tx1"/>
+                      </a:solidFill>
+                      <a:prstDash val="solid"/>
+                      <a:round/>
+                      <a:headEnd type="none" w="med" len="med"/>
+                      <a:tailEnd type="none" w="med" len="med"/>
+                    </a:lnT>
+                    <a:lnB w="12700" cap="flat" cmpd="sng" algn="ctr">
+                      <a:solidFill>
+                        <a:schemeClr val="tx1"/>
+                      </a:solidFill>
+                      <a:prstDash val="solid"/>
+                      <a:round/>
+                      <a:headEnd type="none" w="med" len="med"/>
+                      <a:tailEnd type="none" w="med" len="med"/>
+                    </a:lnB>
+                  </a:tcPr>
+                </a:tc>
+                <a:tc>
+                  <a:txBody>
+                    <a:bodyPr/>
+                    <a:lstStyle/>
+                    <a:p>
+                      <a:pPr algn="ctr"/>
+                      <a:r>
+                        <a:rPr lang="de-DE" b="1" dirty="0" smtClean="0"/>
+                        <a:t>Autoassoziative</a:t>
+                      </a:r>
+                      <a:r>
+                        <a:rPr lang="de-DE" b="1" baseline="0" dirty="0" smtClean="0"/>
+                        <a:t> Netze</a:t>
+                      </a:r>
+                      <a:endParaRPr lang="de-DE" b="1" dirty="0"/>
+                    </a:p>
+                  </a:txBody>
+                  <a:tcPr anchor="ctr">
+                    <a:lnL w="12700" cap="flat" cmpd="sng" algn="ctr">
+                      <a:solidFill>
+                        <a:schemeClr val="tx1"/>
+                      </a:solidFill>
+                      <a:prstDash val="solid"/>
+                      <a:round/>
+                      <a:headEnd type="none" w="med" len="med"/>
+                      <a:tailEnd type="none" w="med" len="med"/>
+                    </a:lnL>
+                    <a:lnR w="12700" cap="flat" cmpd="sng" algn="ctr">
+                      <a:solidFill>
+                        <a:schemeClr val="tx1"/>
+                      </a:solidFill>
+                      <a:prstDash val="solid"/>
+                      <a:round/>
+                      <a:headEnd type="none" w="med" len="med"/>
+                      <a:tailEnd type="none" w="med" len="med"/>
+                    </a:lnR>
+                    <a:lnT w="12700" cap="flat" cmpd="sng" algn="ctr">
+                      <a:solidFill>
+                        <a:schemeClr val="tx1"/>
+                      </a:solidFill>
+                      <a:prstDash val="solid"/>
+                      <a:round/>
+                      <a:headEnd type="none" w="med" len="med"/>
+                      <a:tailEnd type="none" w="med" len="med"/>
+                    </a:lnT>
+                    <a:lnB w="12700" cap="flat" cmpd="sng" algn="ctr">
+                      <a:solidFill>
+                        <a:schemeClr val="tx1"/>
+                      </a:solidFill>
+                      <a:prstDash val="solid"/>
+                      <a:round/>
+                      <a:headEnd type="none" w="med" len="med"/>
+                      <a:tailEnd type="none" w="med" len="med"/>
+                    </a:lnB>
+                  </a:tcPr>
+                </a:tc>
+              </a:tr>
+              <a:tr h="370840">
+                <a:tc>
+                  <a:txBody>
+                    <a:bodyPr/>
+                    <a:lstStyle/>
+                    <a:p>
+                      <a:pPr algn="ctr"/>
+                      <a:r>
+                        <a:rPr lang="de-DE" dirty="0" err="1" smtClean="0"/>
+                        <a:t>Adaline</a:t>
+                      </a:r>
+                      <a:endParaRPr lang="de-DE" dirty="0"/>
+                    </a:p>
+                  </a:txBody>
+                  <a:tcPr>
+                    <a:lnL w="12700" cap="flat" cmpd="sng" algn="ctr">
+                      <a:solidFill>
+                        <a:schemeClr val="tx1"/>
+                      </a:solidFill>
+                      <a:prstDash val="solid"/>
+                      <a:round/>
+                      <a:headEnd type="none" w="med" len="med"/>
+                      <a:tailEnd type="none" w="med" len="med"/>
+                    </a:lnL>
+                    <a:lnR w="12700" cap="flat" cmpd="sng" algn="ctr">
+                      <a:solidFill>
+                        <a:schemeClr val="tx1"/>
+                      </a:solidFill>
+                      <a:prstDash val="solid"/>
+                      <a:round/>
+                      <a:headEnd type="none" w="med" len="med"/>
+                      <a:tailEnd type="none" w="med" len="med"/>
+                    </a:lnR>
+                    <a:lnT w="12700" cap="flat" cmpd="sng" algn="ctr">
+                      <a:solidFill>
+                        <a:schemeClr val="tx1"/>
+                      </a:solidFill>
+                      <a:prstDash val="solid"/>
+                      <a:round/>
+                      <a:headEnd type="none" w="med" len="med"/>
+                      <a:tailEnd type="none" w="med" len="med"/>
+                    </a:lnT>
+                    <a:lnB w="12700" cap="flat" cmpd="sng" algn="ctr">
+                      <a:solidFill>
+                        <a:schemeClr val="tx1"/>
+                      </a:solidFill>
+                      <a:prstDash val="solid"/>
+                      <a:round/>
+                      <a:headEnd type="none" w="med" len="med"/>
+                      <a:tailEnd type="none" w="med" len="med"/>
+                    </a:lnB>
+                  </a:tcPr>
+                </a:tc>
+                <a:tc>
+                  <a:txBody>
+                    <a:bodyPr/>
+                    <a:lstStyle/>
+                    <a:p>
+                      <a:pPr algn="ctr"/>
+                      <a:endParaRPr lang="de-DE" dirty="0"/>
+                    </a:p>
+                  </a:txBody>
+                  <a:tcPr>
+                    <a:lnL w="12700" cap="flat" cmpd="sng" algn="ctr">
+                      <a:solidFill>
+                        <a:schemeClr val="tx1"/>
+                      </a:solidFill>
+                      <a:prstDash val="solid"/>
+                      <a:round/>
+                      <a:headEnd type="none" w="med" len="med"/>
+                      <a:tailEnd type="none" w="med" len="med"/>
+                    </a:lnL>
+                    <a:lnR w="12700" cap="flat" cmpd="sng" algn="ctr">
+                      <a:solidFill>
+                        <a:schemeClr val="tx1"/>
+                      </a:solidFill>
+                      <a:prstDash val="solid"/>
+                      <a:round/>
+                      <a:headEnd type="none" w="med" len="med"/>
+                      <a:tailEnd type="none" w="med" len="med"/>
+                    </a:lnR>
+                    <a:lnT w="12700" cap="flat" cmpd="sng" algn="ctr">
+                      <a:solidFill>
+                        <a:schemeClr val="tx1"/>
+                      </a:solidFill>
+                      <a:prstDash val="solid"/>
+                      <a:round/>
+                      <a:headEnd type="none" w="med" len="med"/>
+                      <a:tailEnd type="none" w="med" len="med"/>
+                    </a:lnT>
+                    <a:lnB w="12700" cap="flat" cmpd="sng" algn="ctr">
+                      <a:solidFill>
+                        <a:schemeClr val="tx1"/>
+                      </a:solidFill>
+                      <a:prstDash val="solid"/>
+                      <a:round/>
+                      <a:headEnd type="none" w="med" len="med"/>
+                      <a:tailEnd type="none" w="med" len="med"/>
+                    </a:lnB>
+                  </a:tcPr>
+                </a:tc>
+              </a:tr>
+              <a:tr h="370840">
+                <a:tc>
+                  <a:txBody>
+                    <a:bodyPr/>
+                    <a:lstStyle/>
+                    <a:p>
+                      <a:pPr algn="ctr"/>
+                      <a:r>
+                        <a:rPr lang="de-DE" dirty="0" err="1" smtClean="0"/>
+                        <a:t>Madaline</a:t>
+                      </a:r>
+                      <a:endParaRPr lang="de-DE" dirty="0"/>
+                    </a:p>
+                  </a:txBody>
+                  <a:tcPr>
+                    <a:lnL w="12700" cap="flat" cmpd="sng" algn="ctr">
+                      <a:solidFill>
+                        <a:schemeClr val="tx1"/>
+                      </a:solidFill>
+                      <a:prstDash val="solid"/>
+                      <a:round/>
+                      <a:headEnd type="none" w="med" len="med"/>
+                      <a:tailEnd type="none" w="med" len="med"/>
+                    </a:lnL>
+                    <a:lnR w="12700" cap="flat" cmpd="sng" algn="ctr">
+                      <a:solidFill>
+                        <a:schemeClr val="tx1"/>
+                      </a:solidFill>
+                      <a:prstDash val="solid"/>
+                      <a:round/>
+                      <a:headEnd type="none" w="med" len="med"/>
+                      <a:tailEnd type="none" w="med" len="med"/>
+                    </a:lnR>
+                    <a:lnT w="12700" cap="flat" cmpd="sng" algn="ctr">
+                      <a:solidFill>
+                        <a:schemeClr val="tx1"/>
+                      </a:solidFill>
+                      <a:prstDash val="solid"/>
+                      <a:round/>
+                      <a:headEnd type="none" w="med" len="med"/>
+                      <a:tailEnd type="none" w="med" len="med"/>
+                    </a:lnT>
+                    <a:lnB w="12700" cap="flat" cmpd="sng" algn="ctr">
+                      <a:solidFill>
+                        <a:schemeClr val="tx1"/>
+                      </a:solidFill>
+                      <a:prstDash val="solid"/>
+                      <a:round/>
+                      <a:headEnd type="none" w="med" len="med"/>
+                      <a:tailEnd type="none" w="med" len="med"/>
+                    </a:lnB>
+                  </a:tcPr>
+                </a:tc>
+                <a:tc>
+                  <a:txBody>
+                    <a:bodyPr/>
+                    <a:lstStyle/>
+                    <a:p>
+                      <a:pPr algn="ctr"/>
+                      <a:endParaRPr lang="de-DE" dirty="0"/>
+                    </a:p>
+                  </a:txBody>
+                  <a:tcPr>
+                    <a:lnL w="12700" cap="flat" cmpd="sng" algn="ctr">
+                      <a:solidFill>
+                        <a:schemeClr val="tx1"/>
+                      </a:solidFill>
+                      <a:prstDash val="solid"/>
+                      <a:round/>
+                      <a:headEnd type="none" w="med" len="med"/>
+                      <a:tailEnd type="none" w="med" len="med"/>
+                    </a:lnL>
+                    <a:lnR w="12700" cap="flat" cmpd="sng" algn="ctr">
+                      <a:solidFill>
+                        <a:schemeClr val="tx1"/>
+                      </a:solidFill>
+                      <a:prstDash val="solid"/>
+                      <a:round/>
+                      <a:headEnd type="none" w="med" len="med"/>
+                      <a:tailEnd type="none" w="med" len="med"/>
+                    </a:lnR>
+                    <a:lnT w="12700" cap="flat" cmpd="sng" algn="ctr">
+                      <a:solidFill>
+                        <a:schemeClr val="tx1"/>
+                      </a:solidFill>
+                      <a:prstDash val="solid"/>
+                      <a:round/>
+                      <a:headEnd type="none" w="med" len="med"/>
+                      <a:tailEnd type="none" w="med" len="med"/>
+                    </a:lnT>
+                    <a:lnB w="12700" cap="flat" cmpd="sng" algn="ctr">
+                      <a:solidFill>
+                        <a:schemeClr val="tx1"/>
+                      </a:solidFill>
+                      <a:prstDash val="solid"/>
+                      <a:round/>
+                      <a:headEnd type="none" w="med" len="med"/>
+                      <a:tailEnd type="none" w="med" len="med"/>
+                    </a:lnB>
+                  </a:tcPr>
+                </a:tc>
+              </a:tr>
+              <a:tr h="370840">
+                <a:tc>
+                  <a:txBody>
+                    <a:bodyPr/>
+                    <a:lstStyle/>
+                    <a:p>
+                      <a:pPr algn="ctr"/>
+                      <a:r>
+                        <a:rPr lang="de-DE" dirty="0" err="1" smtClean="0"/>
+                        <a:t>Perzeptron</a:t>
+                      </a:r>
+                      <a:endParaRPr lang="de-DE" dirty="0"/>
+                    </a:p>
+                  </a:txBody>
+                  <a:tcPr>
+                    <a:lnL w="12700" cap="flat" cmpd="sng" algn="ctr">
+                      <a:solidFill>
+                        <a:schemeClr val="tx1"/>
+                      </a:solidFill>
+                      <a:prstDash val="solid"/>
+                      <a:round/>
+                      <a:headEnd type="none" w="med" len="med"/>
+                      <a:tailEnd type="none" w="med" len="med"/>
+                    </a:lnL>
+                    <a:lnR w="12700" cap="flat" cmpd="sng" algn="ctr">
+                      <a:solidFill>
+                        <a:schemeClr val="tx1"/>
+                      </a:solidFill>
+                      <a:prstDash val="solid"/>
+                      <a:round/>
+                      <a:headEnd type="none" w="med" len="med"/>
+                      <a:tailEnd type="none" w="med" len="med"/>
+                    </a:lnR>
+                    <a:lnT w="12700" cap="flat" cmpd="sng" algn="ctr">
+                      <a:solidFill>
+                        <a:schemeClr val="tx1"/>
+                      </a:solidFill>
+                      <a:prstDash val="solid"/>
+                      <a:round/>
+                      <a:headEnd type="none" w="med" len="med"/>
+                      <a:tailEnd type="none" w="med" len="med"/>
+                    </a:lnT>
+                    <a:lnB w="12700" cap="flat" cmpd="sng" algn="ctr">
+                      <a:solidFill>
+                        <a:schemeClr val="tx1"/>
+                      </a:solidFill>
+                      <a:prstDash val="solid"/>
+                      <a:round/>
+                      <a:headEnd type="none" w="med" len="med"/>
+                      <a:tailEnd type="none" w="med" len="med"/>
+                    </a:lnB>
+                  </a:tcPr>
+                </a:tc>
+                <a:tc>
+                  <a:txBody>
+                    <a:bodyPr/>
+                    <a:lstStyle/>
+                    <a:p>
+                      <a:pPr algn="ctr"/>
+                      <a:endParaRPr lang="de-DE" dirty="0"/>
+                    </a:p>
+                  </a:txBody>
+                  <a:tcPr>
+                    <a:lnL w="12700" cap="flat" cmpd="sng" algn="ctr">
+                      <a:solidFill>
+                        <a:schemeClr val="tx1"/>
+                      </a:solidFill>
+                      <a:prstDash val="solid"/>
+                      <a:round/>
+                      <a:headEnd type="none" w="med" len="med"/>
+                      <a:tailEnd type="none" w="med" len="med"/>
+                    </a:lnL>
+                    <a:lnR w="12700" cap="flat" cmpd="sng" algn="ctr">
+                      <a:solidFill>
+                        <a:schemeClr val="tx1"/>
+                      </a:solidFill>
+                      <a:prstDash val="solid"/>
+                      <a:round/>
+                      <a:headEnd type="none" w="med" len="med"/>
+                      <a:tailEnd type="none" w="med" len="med"/>
+                    </a:lnR>
+                    <a:lnT w="12700" cap="flat" cmpd="sng" algn="ctr">
+                      <a:solidFill>
+                        <a:schemeClr val="tx1"/>
+                      </a:solidFill>
+                      <a:prstDash val="solid"/>
+                      <a:round/>
+                      <a:headEnd type="none" w="med" len="med"/>
+                      <a:tailEnd type="none" w="med" len="med"/>
+                    </a:lnT>
+                    <a:lnB w="12700" cap="flat" cmpd="sng" algn="ctr">
+                      <a:solidFill>
+                        <a:schemeClr val="tx1"/>
+                      </a:solidFill>
+                      <a:prstDash val="solid"/>
+                      <a:round/>
+                      <a:headEnd type="none" w="med" len="med"/>
+                      <a:tailEnd type="none" w="med" len="med"/>
+                    </a:lnB>
+                  </a:tcPr>
+                </a:tc>
+              </a:tr>
+              <a:tr h="370840">
+                <a:tc>
+                  <a:txBody>
+                    <a:bodyPr/>
+                    <a:lstStyle/>
+                    <a:p>
+                      <a:pPr algn="ctr"/>
+                      <a:r>
+                        <a:rPr lang="de-DE" dirty="0" err="1" smtClean="0"/>
+                        <a:t>Multilayerperzeptron</a:t>
+                      </a:r>
+                      <a:endParaRPr lang="de-DE" dirty="0"/>
+                    </a:p>
+                  </a:txBody>
+                  <a:tcPr>
+                    <a:lnL w="12700" cap="flat" cmpd="sng" algn="ctr">
+                      <a:solidFill>
+                        <a:schemeClr val="tx1"/>
+                      </a:solidFill>
+                      <a:prstDash val="solid"/>
+                      <a:round/>
+                      <a:headEnd type="none" w="med" len="med"/>
+                      <a:tailEnd type="none" w="med" len="med"/>
+                    </a:lnL>
+                    <a:lnR w="12700" cap="flat" cmpd="sng" algn="ctr">
+                      <a:solidFill>
+                        <a:schemeClr val="tx1"/>
+                      </a:solidFill>
+                      <a:prstDash val="solid"/>
+                      <a:round/>
+                      <a:headEnd type="none" w="med" len="med"/>
+                      <a:tailEnd type="none" w="med" len="med"/>
+                    </a:lnR>
+                    <a:lnT w="12700" cap="flat" cmpd="sng" algn="ctr">
+                      <a:solidFill>
+                        <a:schemeClr val="tx1"/>
+                      </a:solidFill>
+                      <a:prstDash val="solid"/>
+                      <a:round/>
+                      <a:headEnd type="none" w="med" len="med"/>
+                      <a:tailEnd type="none" w="med" len="med"/>
+                    </a:lnT>
+                    <a:lnB w="12700" cap="flat" cmpd="sng" algn="ctr">
+                      <a:solidFill>
+                        <a:schemeClr val="tx1"/>
+                      </a:solidFill>
+                      <a:prstDash val="solid"/>
+                      <a:round/>
+                      <a:headEnd type="none" w="med" len="med"/>
+                      <a:tailEnd type="none" w="med" len="med"/>
+                    </a:lnB>
+                  </a:tcPr>
+                </a:tc>
+                <a:tc>
+                  <a:txBody>
+                    <a:bodyPr/>
+                    <a:lstStyle/>
+                    <a:p>
+                      <a:pPr algn="ctr"/>
+                      <a:endParaRPr lang="de-DE" dirty="0"/>
+                    </a:p>
+                  </a:txBody>
+                  <a:tcPr>
+                    <a:lnL w="12700" cap="flat" cmpd="sng" algn="ctr">
+                      <a:solidFill>
+                        <a:schemeClr val="tx1"/>
+                      </a:solidFill>
+                      <a:prstDash val="solid"/>
+                      <a:round/>
+                      <a:headEnd type="none" w="med" len="med"/>
+                      <a:tailEnd type="none" w="med" len="med"/>
+                    </a:lnL>
+                    <a:lnR w="12700" cap="flat" cmpd="sng" algn="ctr">
+                      <a:solidFill>
+                        <a:schemeClr val="tx1"/>
+                      </a:solidFill>
+                      <a:prstDash val="solid"/>
+                      <a:round/>
+                      <a:headEnd type="none" w="med" len="med"/>
+                      <a:tailEnd type="none" w="med" len="med"/>
+                    </a:lnR>
+                    <a:lnT w="12700" cap="flat" cmpd="sng" algn="ctr">
+                      <a:solidFill>
+                        <a:schemeClr val="tx1"/>
+                      </a:solidFill>
+                      <a:prstDash val="solid"/>
+                      <a:round/>
+                      <a:headEnd type="none" w="med" len="med"/>
+                      <a:tailEnd type="none" w="med" len="med"/>
+                    </a:lnT>
+                    <a:lnB w="12700" cap="flat" cmpd="sng" algn="ctr">
+                      <a:solidFill>
+                        <a:schemeClr val="tx1"/>
+                      </a:solidFill>
+                      <a:prstDash val="solid"/>
+                      <a:round/>
+                      <a:headEnd type="none" w="med" len="med"/>
+                      <a:tailEnd type="none" w="med" len="med"/>
+                    </a:lnB>
+                  </a:tcPr>
+                </a:tc>
+              </a:tr>
+            </a:tbl>
+          </a:graphicData>
+        </a:graphic>
+      </p:graphicFrame>
+      <p:sp>
+        <p:nvSpPr>
+          <p:cNvPr id="9" name="Rechteck 8"/>
+          <p:cNvSpPr/>
+          <p:nvPr/>
+        </p:nvSpPr>
         <p:spPr>
           <a:xfrm>
-            <a:off x="8566434" y="365125"/>
-            <a:ext cx="3250865" cy="2589856"/>
+            <a:off x="2413591" y="4032000"/>
+            <a:ext cx="4068000" cy="1836000"/>
           </a:xfrm>
           <a:prstGeom prst="rect">
             <a:avLst/>
           </a:prstGeom>
+          <a:noFill/>
+          <a:ln w="31750">
+            <a:solidFill>
+              <a:schemeClr val="tx1"/>
+            </a:solidFill>
+          </a:ln>
         </p:spPr>
-      </p:pic>
+        <p:style>
+          <a:lnRef idx="2">
+            <a:schemeClr val="accent1">
+              <a:shade val="50000"/>
+            </a:schemeClr>
+          </a:lnRef>
+          <a:fillRef idx="1">
+            <a:schemeClr val="accent1"/>
+          </a:fillRef>
+          <a:effectRef idx="0">
+            <a:schemeClr val="accent1"/>
+          </a:effectRef>
+          <a:fontRef idx="minor">
+            <a:schemeClr val="lt1"/>
+          </a:fontRef>
+        </p:style>
+        <p:txBody>
+          <a:bodyPr rtlCol="0" anchor="ctr"/>
+          <a:lstStyle/>
+          <a:p>
+            <a:pPr algn="ctr"/>
+            <a:endParaRPr lang="de-DE"/>
+          </a:p>
+        </p:txBody>
+      </p:sp>
     </p:spTree>
     <p:extLst>
       <p:ext uri="{BB962C8B-B14F-4D97-AF65-F5344CB8AC3E}">
-        <p14:creationId xmlns:p14="http://schemas.microsoft.com/office/powerpoint/2010/main" val="479520524"/>
+        <p14:creationId xmlns:p14="http://schemas.microsoft.com/office/powerpoint/2010/main" val="3275898228"/>
       </p:ext>
     </p:extLst>
   </p:cSld>

--- a/3b) Vortrag/Präsentation.pptx
+++ b/3b) Vortrag/Präsentation.pptx
@@ -5,7 +5,7 @@
     <p:sldMasterId id="2147483648" r:id="rId1"/>
   </p:sldMasterIdLst>
   <p:notesMasterIdLst>
-    <p:notesMasterId r:id="rId36"/>
+    <p:notesMasterId r:id="rId37"/>
   </p:notesMasterIdLst>
   <p:sldIdLst>
     <p:sldId id="256" r:id="rId2"/>
@@ -21,27 +21,28 @@
     <p:sldId id="298" r:id="rId12"/>
     <p:sldId id="299" r:id="rId13"/>
     <p:sldId id="300" r:id="rId14"/>
-    <p:sldId id="296" r:id="rId15"/>
-    <p:sldId id="260" r:id="rId16"/>
-    <p:sldId id="287" r:id="rId17"/>
-    <p:sldId id="288" r:id="rId18"/>
-    <p:sldId id="290" r:id="rId19"/>
-    <p:sldId id="291" r:id="rId20"/>
-    <p:sldId id="292" r:id="rId21"/>
-    <p:sldId id="293" r:id="rId22"/>
-    <p:sldId id="280" r:id="rId23"/>
-    <p:sldId id="261" r:id="rId24"/>
-    <p:sldId id="281" r:id="rId25"/>
-    <p:sldId id="262" r:id="rId26"/>
-    <p:sldId id="282" r:id="rId27"/>
-    <p:sldId id="273" r:id="rId28"/>
-    <p:sldId id="283" r:id="rId29"/>
-    <p:sldId id="274" r:id="rId30"/>
-    <p:sldId id="284" r:id="rId31"/>
-    <p:sldId id="276" r:id="rId32"/>
-    <p:sldId id="285" r:id="rId33"/>
-    <p:sldId id="286" r:id="rId34"/>
-    <p:sldId id="275" r:id="rId35"/>
+    <p:sldId id="301" r:id="rId15"/>
+    <p:sldId id="302" r:id="rId16"/>
+    <p:sldId id="296" r:id="rId17"/>
+    <p:sldId id="260" r:id="rId18"/>
+    <p:sldId id="287" r:id="rId19"/>
+    <p:sldId id="288" r:id="rId20"/>
+    <p:sldId id="290" r:id="rId21"/>
+    <p:sldId id="292" r:id="rId22"/>
+    <p:sldId id="293" r:id="rId23"/>
+    <p:sldId id="280" r:id="rId24"/>
+    <p:sldId id="261" r:id="rId25"/>
+    <p:sldId id="281" r:id="rId26"/>
+    <p:sldId id="262" r:id="rId27"/>
+    <p:sldId id="282" r:id="rId28"/>
+    <p:sldId id="273" r:id="rId29"/>
+    <p:sldId id="283" r:id="rId30"/>
+    <p:sldId id="274" r:id="rId31"/>
+    <p:sldId id="284" r:id="rId32"/>
+    <p:sldId id="276" r:id="rId33"/>
+    <p:sldId id="285" r:id="rId34"/>
+    <p:sldId id="286" r:id="rId35"/>
+    <p:sldId id="275" r:id="rId36"/>
   </p:sldIdLst>
   <p:sldSz cx="12192000" cy="6858000"/>
   <p:notesSz cx="6858000" cy="9144000"/>
@@ -563,7 +564,7 @@
           <a:p>
             <a:fld id="{0B7A52FC-885B-48D0-94A7-F9F16D60E366}" type="slidenum">
               <a:rPr lang="de-DE" smtClean="0"/>
-              <a:t>24</a:t>
+              <a:t>25</a:t>
             </a:fld>
             <a:endParaRPr lang="de-DE"/>
           </a:p>
@@ -3773,14 +3774,26 @@
             <a:pPr lvl="1"/>
             <a:r>
               <a:rPr lang="de-DE" dirty="0" smtClean="0"/>
-              <a:t>Theoreme zur weiteren Bestimmung des Netztyps</a:t>
+              <a:t>Definition &amp; Theorem </a:t>
+            </a:r>
+            <a:r>
+              <a:rPr lang="de-DE" dirty="0" smtClean="0"/>
+              <a:t>zur weiteren Bestimmung des Netztyps</a:t>
             </a:r>
           </a:p>
           <a:p>
             <a:pPr lvl="2"/>
             <a:r>
               <a:rPr lang="de-DE" dirty="0" smtClean="0"/>
-              <a:t>Theorem der linearen Separierbarkeit</a:t>
+              <a:t>Definition</a:t>
+            </a:r>
+            <a:r>
+              <a:rPr lang="de-DE" dirty="0" smtClean="0"/>
+              <a:t> </a:t>
+            </a:r>
+            <a:r>
+              <a:rPr lang="de-DE" dirty="0" smtClean="0"/>
+              <a:t>der linearen Separierbarkeit</a:t>
             </a:r>
           </a:p>
           <a:p>
@@ -3925,35 +3938,208 @@
           </a:p>
         </p:txBody>
       </p:sp>
-      <p:sp>
-        <p:nvSpPr>
-          <p:cNvPr id="3" name="Inhaltsplatzhalter 2"/>
-          <p:cNvSpPr>
-            <a:spLocks noGrp="1"/>
-          </p:cNvSpPr>
-          <p:nvPr>
-            <p:ph idx="1"/>
-          </p:nvPr>
-        </p:nvSpPr>
-        <p:spPr/>
-        <p:txBody>
-          <a:bodyPr/>
-          <a:lstStyle/>
-          <a:p>
-            <a:r>
-              <a:rPr lang="de-DE" dirty="0" smtClean="0"/>
-              <a:t>Netztyp</a:t>
-            </a:r>
-          </a:p>
-          <a:p>
-            <a:pPr lvl="1"/>
-            <a:r>
-              <a:rPr lang="de-DE" dirty="0" smtClean="0"/>
-              <a:t>Theorem der linearen Separierbarkeit</a:t>
-            </a:r>
-          </a:p>
-        </p:txBody>
-      </p:sp>
+      <mc:AlternateContent xmlns:mc="http://schemas.openxmlformats.org/markup-compatibility/2006">
+        <mc:Choice xmlns:a14="http://schemas.microsoft.com/office/drawing/2010/main" Requires="a14">
+          <p:sp>
+            <p:nvSpPr>
+              <p:cNvPr id="3" name="Inhaltsplatzhalter 2"/>
+              <p:cNvSpPr>
+                <a:spLocks noGrp="1"/>
+              </p:cNvSpPr>
+              <p:nvPr>
+                <p:ph idx="1"/>
+              </p:nvPr>
+            </p:nvSpPr>
+            <p:spPr/>
+            <p:txBody>
+              <a:bodyPr/>
+              <a:lstStyle/>
+              <a:p>
+                <a:r>
+                  <a:rPr lang="de-DE" dirty="0" smtClean="0"/>
+                  <a:t>Netztyp</a:t>
+                </a:r>
+              </a:p>
+              <a:p>
+                <a:pPr lvl="1"/>
+                <a:r>
+                  <a:rPr lang="de-DE" dirty="0" smtClean="0"/>
+                  <a:t>Definition </a:t>
+                </a:r>
+                <a:r>
+                  <a:rPr lang="de-DE" dirty="0" smtClean="0"/>
+                  <a:t>der linearen </a:t>
+                </a:r>
+                <a:r>
+                  <a:rPr lang="de-DE" dirty="0" smtClean="0"/>
+                  <a:t>Separierbarkeit:</a:t>
+                </a:r>
+              </a:p>
+              <a:p>
+                <a:pPr lvl="1"/>
+                <a:endParaRPr lang="de-DE" dirty="0"/>
+              </a:p>
+              <a:p>
+                <a:pPr marL="457200" lvl="1" indent="0">
+                  <a:buNone/>
+                </a:pPr>
+                <a:r>
+                  <a:rPr lang="de-DE" dirty="0" smtClean="0"/>
+                  <a:t>Zwei Teilmengen </a:t>
+                </a:r>
+                <a14:m>
+                  <m:oMath xmlns:m="http://schemas.openxmlformats.org/officeDocument/2006/math">
+                    <m:r>
+                      <a:rPr lang="de-DE" b="0" i="1" smtClean="0">
+                        <a:latin typeface="Cambria Math" panose="02040503050406030204" pitchFamily="18" charset="0"/>
+                      </a:rPr>
+                      <m:t>𝐴</m:t>
+                    </m:r>
+                    <m:r>
+                      <a:rPr lang="de-DE" b="0" i="1" smtClean="0">
+                        <a:latin typeface="Cambria Math" panose="02040503050406030204" pitchFamily="18" charset="0"/>
+                      </a:rPr>
+                      <m:t> ⊆</m:t>
+                    </m:r>
+                    <m:r>
+                      <a:rPr lang="de-DE" b="0" i="1" smtClean="0">
+                        <a:latin typeface="Cambria Math" panose="02040503050406030204" pitchFamily="18" charset="0"/>
+                        <a:ea typeface="Cambria Math" panose="02040503050406030204" pitchFamily="18" charset="0"/>
+                      </a:rPr>
+                      <m:t>𝑉</m:t>
+                    </m:r>
+                    <m:r>
+                      <a:rPr lang="de-DE" b="0" i="1" smtClean="0">
+                        <a:latin typeface="Cambria Math" panose="02040503050406030204" pitchFamily="18" charset="0"/>
+                        <a:ea typeface="Cambria Math" panose="02040503050406030204" pitchFamily="18" charset="0"/>
+                      </a:rPr>
+                      <m:t>, </m:t>
+                    </m:r>
+                    <m:r>
+                      <a:rPr lang="de-DE" b="0" i="1" smtClean="0">
+                        <a:latin typeface="Cambria Math" panose="02040503050406030204" pitchFamily="18" charset="0"/>
+                        <a:ea typeface="Cambria Math" panose="02040503050406030204" pitchFamily="18" charset="0"/>
+                      </a:rPr>
+                      <m:t>𝐵</m:t>
+                    </m:r>
+                    <m:r>
+                      <a:rPr lang="de-DE" b="0" i="1" smtClean="0">
+                        <a:latin typeface="Cambria Math" panose="02040503050406030204" pitchFamily="18" charset="0"/>
+                        <a:ea typeface="Cambria Math" panose="02040503050406030204" pitchFamily="18" charset="0"/>
+                      </a:rPr>
+                      <m:t> ⊆ </m:t>
+                    </m:r>
+                    <m:sSup>
+                      <m:sSupPr>
+                        <m:ctrlPr>
+                          <a:rPr lang="de-DE" b="0" i="1" smtClean="0">
+                            <a:latin typeface="Cambria Math" panose="02040503050406030204" pitchFamily="18" charset="0"/>
+                            <a:ea typeface="Cambria Math" panose="02040503050406030204" pitchFamily="18" charset="0"/>
+                          </a:rPr>
+                        </m:ctrlPr>
+                      </m:sSupPr>
+                      <m:e>
+                        <m:r>
+                          <a:rPr lang="de-DE" b="0" i="1" smtClean="0">
+                            <a:latin typeface="Cambria Math" panose="02040503050406030204" pitchFamily="18" charset="0"/>
+                            <a:ea typeface="Cambria Math" panose="02040503050406030204" pitchFamily="18" charset="0"/>
+                          </a:rPr>
+                          <m:t>ℝ</m:t>
+                        </m:r>
+                      </m:e>
+                      <m:sup>
+                        <m:r>
+                          <a:rPr lang="de-DE" b="0" i="1" smtClean="0">
+                            <a:latin typeface="Cambria Math" panose="02040503050406030204" pitchFamily="18" charset="0"/>
+                            <a:ea typeface="Cambria Math" panose="02040503050406030204" pitchFamily="18" charset="0"/>
+                          </a:rPr>
+                          <m:t>𝑛</m:t>
+                        </m:r>
+                      </m:sup>
+                    </m:sSup>
+                  </m:oMath>
+                </a14:m>
+                <a:r>
+                  <a:rPr lang="de-DE" dirty="0" smtClean="0"/>
+                  <a:t> heißen genau dann linear separierbar, wenn</a:t>
+                </a:r>
+              </a:p>
+              <a:p>
+                <a:pPr marL="457200" lvl="1" indent="0">
+                  <a:buNone/>
+                </a:pPr>
+                <a:r>
+                  <a:rPr lang="de-DE" dirty="0" smtClean="0"/>
+                  <a:t>N+1 reelle Zahlen w1….wn+1 existieren, sodass für alle a = (a1,---an) </a:t>
+                </a:r>
+              </a:p>
+              <a:p>
+                <a:pPr marL="457200" lvl="1" indent="0">
+                  <a:buNone/>
+                </a:pPr>
+                <a:endParaRPr lang="de-DE" dirty="0"/>
+              </a:p>
+              <a:p>
+                <a:pPr marL="457200" lvl="1" indent="0">
+                  <a:buNone/>
+                </a:pPr>
+                <a:endParaRPr lang="de-DE" dirty="0"/>
+              </a:p>
+              <a:p>
+                <a:pPr lvl="1"/>
+                <a:r>
+                  <a:rPr lang="de-DE" dirty="0" smtClean="0"/>
+                  <a:t>2 Klassen sind linear separierbar, wenn ihre konvexen Hüllen disjunkt sind.</a:t>
+                </a:r>
+              </a:p>
+              <a:p>
+                <a:pPr lvl="2"/>
+                <a:r>
+                  <a:rPr lang="de-DE" dirty="0" smtClean="0"/>
+                  <a:t>Wenn sie durch eine Gerade geteilt werden können.</a:t>
+                </a:r>
+                <a:r>
+                  <a:rPr lang="de-DE" dirty="0" smtClean="0"/>
+                  <a:t> </a:t>
+                </a:r>
+              </a:p>
+            </p:txBody>
+          </p:sp>
+        </mc:Choice>
+        <mc:Fallback>
+          <p:sp>
+            <p:nvSpPr>
+              <p:cNvPr id="3" name="Inhaltsplatzhalter 2"/>
+              <p:cNvSpPr>
+                <a:spLocks noGrp="1" noRot="1" noChangeAspect="1" noMove="1" noResize="1" noEditPoints="1" noAdjustHandles="1" noChangeArrowheads="1" noChangeShapeType="1" noTextEdit="1"/>
+              </p:cNvSpPr>
+              <p:nvPr>
+                <p:ph idx="1"/>
+              </p:nvPr>
+            </p:nvSpPr>
+            <p:spPr>
+              <a:blipFill rotWithShape="0">
+                <a:blip r:embed="rId2"/>
+                <a:stretch>
+                  <a:fillRect l="-1043" t="-2241"/>
+                </a:stretch>
+              </a:blipFill>
+            </p:spPr>
+            <p:txBody>
+              <a:bodyPr/>
+              <a:lstStyle/>
+              <a:p>
+                <a:r>
+                  <a:rPr lang="de-DE">
+                    <a:noFill/>
+                  </a:rPr>
+                  <a:t> </a:t>
+                </a:r>
+              </a:p>
+            </p:txBody>
+          </p:sp>
+        </mc:Fallback>
+      </mc:AlternateContent>
       <p:sp>
         <p:nvSpPr>
           <p:cNvPr id="4" name="Datumsplatzhalter 3"/>
@@ -4111,8 +4297,9 @@
             <a:pPr lvl="1"/>
             <a:r>
               <a:rPr lang="de-DE" dirty="0" smtClean="0"/>
-              <a:t>Theorem der linearen Separierbarkeit</a:t>
-            </a:r>
+              <a:t>Einschichtige neuronale Netze können nur linear separierbare Funktionen klassifizieren </a:t>
+            </a:r>
+            <a:endParaRPr lang="de-DE" dirty="0" smtClean="0"/>
           </a:p>
         </p:txBody>
       </p:sp>
@@ -4207,8 +4394,38 @@
         </p:blipFill>
         <p:spPr>
           <a:xfrm>
-            <a:off x="3087801" y="2821380"/>
+            <a:off x="4395604" y="2736321"/>
             <a:ext cx="6016397" cy="3355583"/>
+          </a:xfrm>
+          <a:prstGeom prst="rect">
+            <a:avLst/>
+          </a:prstGeom>
+        </p:spPr>
+      </p:pic>
+      <p:pic>
+        <p:nvPicPr>
+          <p:cNvPr id="8" name="Grafik 7"/>
+          <p:cNvPicPr>
+            <a:picLocks noChangeAspect="1"/>
+          </p:cNvPicPr>
+          <p:nvPr/>
+        </p:nvPicPr>
+        <p:blipFill>
+          <a:blip r:embed="rId3">
+            <a:extLst>
+              <a:ext uri="{28A0092B-C50C-407E-A947-70E740481C1C}">
+                <a14:useLocalDpi xmlns:a14="http://schemas.microsoft.com/office/drawing/2010/main" val="0"/>
+              </a:ext>
+            </a:extLst>
+          </a:blip>
+          <a:stretch>
+            <a:fillRect/>
+          </a:stretch>
+        </p:blipFill>
+        <p:spPr>
+          <a:xfrm>
+            <a:off x="1720702" y="3162672"/>
+            <a:ext cx="2228571" cy="2123810"/>
           </a:xfrm>
           <a:prstGeom prst="rect">
             <a:avLst/>
@@ -4289,7 +4506,12 @@
             <p:ph idx="1"/>
           </p:nvPr>
         </p:nvSpPr>
-        <p:spPr/>
+        <p:spPr>
+          <a:xfrm>
+            <a:off x="838200" y="1846890"/>
+            <a:ext cx="10515600" cy="4351338"/>
+          </a:xfrm>
+        </p:spPr>
         <p:txBody>
           <a:bodyPr/>
           <a:lstStyle/>
@@ -4303,15 +4525,18 @@
             <a:pPr lvl="1"/>
             <a:r>
               <a:rPr lang="de-DE" dirty="0" smtClean="0"/>
-              <a:t>Theorem der linearen Separierbarkeit</a:t>
-            </a:r>
-          </a:p>
-          <a:p>
-            <a:pPr lvl="2"/>
-            <a:r>
-              <a:rPr lang="de-DE" dirty="0" smtClean="0"/>
-              <a:t>Bildlicher Beweis der Nonlinearität</a:t>
-            </a:r>
+              <a:t>Kontradiktionsbeweis der eingeschränkten Fähigkeit von einschichtigen neuronalen Netzen beim XOR-Problem nach Minski / Papert:</a:t>
+            </a:r>
+          </a:p>
+          <a:p>
+            <a:pPr marL="457200" lvl="1" indent="0">
+              <a:buNone/>
+            </a:pPr>
+            <a:r>
+              <a:rPr lang="de-DE" dirty="0" smtClean="0"/>
+              <a:t> </a:t>
+            </a:r>
+            <a:endParaRPr lang="de-DE" dirty="0" smtClean="0"/>
           </a:p>
         </p:txBody>
       </p:sp>
@@ -4381,6 +4606,350 @@
               <a:t>12</a:t>
             </a:fld>
             <a:endParaRPr lang="de-DE" dirty="0"/>
+          </a:p>
+        </p:txBody>
+      </p:sp>
+      <p:pic>
+        <p:nvPicPr>
+          <p:cNvPr id="7" name="Grafik 6"/>
+          <p:cNvPicPr>
+            <a:picLocks noChangeAspect="1"/>
+          </p:cNvPicPr>
+          <p:nvPr/>
+        </p:nvPicPr>
+        <p:blipFill>
+          <a:blip r:embed="rId2"/>
+          <a:stretch>
+            <a:fillRect/>
+          </a:stretch>
+        </p:blipFill>
+        <p:spPr>
+          <a:xfrm>
+            <a:off x="4722197" y="3235500"/>
+            <a:ext cx="4725263" cy="387000"/>
+          </a:xfrm>
+          <a:prstGeom prst="rect">
+            <a:avLst/>
+          </a:prstGeom>
+        </p:spPr>
+      </p:pic>
+      <p:pic>
+        <p:nvPicPr>
+          <p:cNvPr id="8" name="Grafik 7"/>
+          <p:cNvPicPr>
+            <a:picLocks noChangeAspect="1"/>
+          </p:cNvPicPr>
+          <p:nvPr/>
+        </p:nvPicPr>
+        <p:blipFill>
+          <a:blip r:embed="rId3"/>
+          <a:stretch>
+            <a:fillRect/>
+          </a:stretch>
+        </p:blipFill>
+        <p:spPr>
+          <a:xfrm>
+            <a:off x="4723194" y="3706796"/>
+            <a:ext cx="4713629" cy="401333"/>
+          </a:xfrm>
+          <a:prstGeom prst="rect">
+            <a:avLst/>
+          </a:prstGeom>
+        </p:spPr>
+      </p:pic>
+      <p:pic>
+        <p:nvPicPr>
+          <p:cNvPr id="9" name="Grafik 8"/>
+          <p:cNvPicPr>
+            <a:picLocks noChangeAspect="1"/>
+          </p:cNvPicPr>
+          <p:nvPr/>
+        </p:nvPicPr>
+        <p:blipFill>
+          <a:blip r:embed="rId4"/>
+          <a:stretch>
+            <a:fillRect/>
+          </a:stretch>
+        </p:blipFill>
+        <p:spPr>
+          <a:xfrm>
+            <a:off x="4712566" y="4192433"/>
+            <a:ext cx="4713628" cy="387000"/>
+          </a:xfrm>
+          <a:prstGeom prst="rect">
+            <a:avLst/>
+          </a:prstGeom>
+        </p:spPr>
+      </p:pic>
+      <p:pic>
+        <p:nvPicPr>
+          <p:cNvPr id="10" name="Grafik 9"/>
+          <p:cNvPicPr>
+            <a:picLocks noChangeAspect="1"/>
+          </p:cNvPicPr>
+          <p:nvPr/>
+        </p:nvPicPr>
+        <p:blipFill>
+          <a:blip r:embed="rId5">
+            <a:extLst>
+              <a:ext uri="{28A0092B-C50C-407E-A947-70E740481C1C}">
+                <a14:useLocalDpi xmlns:a14="http://schemas.microsoft.com/office/drawing/2010/main" val="0"/>
+              </a:ext>
+            </a:extLst>
+          </a:blip>
+          <a:stretch>
+            <a:fillRect/>
+          </a:stretch>
+        </p:blipFill>
+        <p:spPr>
+          <a:xfrm>
+            <a:off x="1922719" y="3162672"/>
+            <a:ext cx="2228571" cy="2123810"/>
+          </a:xfrm>
+          <a:prstGeom prst="rect">
+            <a:avLst/>
+          </a:prstGeom>
+        </p:spPr>
+      </p:pic>
+      <p:pic>
+        <p:nvPicPr>
+          <p:cNvPr id="11" name="Grafik 10"/>
+          <p:cNvPicPr>
+            <a:picLocks noChangeAspect="1"/>
+          </p:cNvPicPr>
+          <p:nvPr/>
+        </p:nvPicPr>
+        <p:blipFill>
+          <a:blip r:embed="rId6"/>
+          <a:stretch>
+            <a:fillRect/>
+          </a:stretch>
+        </p:blipFill>
+        <p:spPr>
+          <a:xfrm>
+            <a:off x="4707692" y="4642342"/>
+            <a:ext cx="5201851" cy="422833"/>
+          </a:xfrm>
+          <a:prstGeom prst="rect">
+            <a:avLst/>
+          </a:prstGeom>
+        </p:spPr>
+      </p:pic>
+      <p:sp>
+        <p:nvSpPr>
+          <p:cNvPr id="13" name="AutoShape 5"/>
+          <p:cNvSpPr>
+            <a:spLocks noChangeArrowheads="1"/>
+          </p:cNvSpPr>
+          <p:nvPr/>
+        </p:nvSpPr>
+        <p:spPr bwMode="auto">
+          <a:xfrm>
+            <a:off x="5904473" y="5127773"/>
+            <a:ext cx="2808287" cy="1081088"/>
+          </a:xfrm>
+          <a:prstGeom prst="upArrow">
+            <a:avLst>
+              <a:gd name="adj1" fmla="val 50824"/>
+              <a:gd name="adj2" fmla="val 37884"/>
+            </a:avLst>
+          </a:prstGeom>
+          <a:noFill/>
+          <a:ln w="9525">
+            <a:solidFill>
+              <a:srgbClr val="000000"/>
+            </a:solidFill>
+            <a:miter lim="800000"/>
+            <a:headEnd/>
+            <a:tailEnd/>
+          </a:ln>
+          <a:effectLst/>
+          <a:extLst>
+            <a:ext uri="{909E8E84-426E-40DD-AFC4-6F175D3DCCD1}">
+              <a14:hiddenFill xmlns:a14="http://schemas.microsoft.com/office/drawing/2010/main">
+                <a:solidFill>
+                  <a:schemeClr val="accent1"/>
+                </a:solidFill>
+              </a14:hiddenFill>
+            </a:ext>
+            <a:ext uri="{AF507438-7753-43E0-B8FC-AC1667EBCBE1}">
+              <a14:hiddenEffects xmlns:a14="http://schemas.microsoft.com/office/drawing/2010/main">
+                <a:effectLst>
+                  <a:outerShdw dist="35921" dir="2700000" algn="ctr" rotWithShape="0">
+                    <a:schemeClr val="bg2"/>
+                  </a:outerShdw>
+                </a:effectLst>
+              </a14:hiddenEffects>
+            </a:ext>
+          </a:extLst>
+        </p:spPr>
+        <p:txBody>
+          <a:bodyPr wrap="none" anchor="ctr"/>
+          <a:lstStyle>
+            <a:defPPr>
+              <a:defRPr lang="en-GB"/>
+            </a:defPPr>
+            <a:lvl1pPr algn="l" defTabSz="449263" rtl="0" fontAlgn="base">
+              <a:spcBef>
+                <a:spcPct val="0"/>
+              </a:spcBef>
+              <a:spcAft>
+                <a:spcPct val="0"/>
+              </a:spcAft>
+              <a:buClr>
+                <a:srgbClr val="000000"/>
+              </a:buClr>
+              <a:buSzPct val="100000"/>
+              <a:buFont typeface="Arial" panose="020B0604020202020204" pitchFamily="34" charset="0"/>
+              <a:defRPr sz="1000" kern="1200">
+                <a:solidFill>
+                  <a:schemeClr val="bg1"/>
+                </a:solidFill>
+                <a:latin typeface="Arial" panose="020B0604020202020204" pitchFamily="34" charset="0"/>
+                <a:ea typeface="+mn-ea"/>
+                <a:cs typeface="+mn-cs"/>
+              </a:defRPr>
+            </a:lvl1pPr>
+            <a:lvl2pPr marL="457200" algn="l" defTabSz="449263" rtl="0" fontAlgn="base">
+              <a:spcBef>
+                <a:spcPct val="0"/>
+              </a:spcBef>
+              <a:spcAft>
+                <a:spcPct val="0"/>
+              </a:spcAft>
+              <a:buClr>
+                <a:srgbClr val="000000"/>
+              </a:buClr>
+              <a:buSzPct val="100000"/>
+              <a:buFont typeface="Arial" panose="020B0604020202020204" pitchFamily="34" charset="0"/>
+              <a:defRPr sz="1000" kern="1200">
+                <a:solidFill>
+                  <a:schemeClr val="bg1"/>
+                </a:solidFill>
+                <a:latin typeface="Arial" panose="020B0604020202020204" pitchFamily="34" charset="0"/>
+                <a:ea typeface="+mn-ea"/>
+                <a:cs typeface="+mn-cs"/>
+              </a:defRPr>
+            </a:lvl2pPr>
+            <a:lvl3pPr marL="914400" algn="l" defTabSz="449263" rtl="0" fontAlgn="base">
+              <a:spcBef>
+                <a:spcPct val="0"/>
+              </a:spcBef>
+              <a:spcAft>
+                <a:spcPct val="0"/>
+              </a:spcAft>
+              <a:buClr>
+                <a:srgbClr val="000000"/>
+              </a:buClr>
+              <a:buSzPct val="100000"/>
+              <a:buFont typeface="Arial" panose="020B0604020202020204" pitchFamily="34" charset="0"/>
+              <a:defRPr sz="1000" kern="1200">
+                <a:solidFill>
+                  <a:schemeClr val="bg1"/>
+                </a:solidFill>
+                <a:latin typeface="Arial" panose="020B0604020202020204" pitchFamily="34" charset="0"/>
+                <a:ea typeface="+mn-ea"/>
+                <a:cs typeface="+mn-cs"/>
+              </a:defRPr>
+            </a:lvl3pPr>
+            <a:lvl4pPr marL="1371600" algn="l" defTabSz="449263" rtl="0" fontAlgn="base">
+              <a:spcBef>
+                <a:spcPct val="0"/>
+              </a:spcBef>
+              <a:spcAft>
+                <a:spcPct val="0"/>
+              </a:spcAft>
+              <a:buClr>
+                <a:srgbClr val="000000"/>
+              </a:buClr>
+              <a:buSzPct val="100000"/>
+              <a:buFont typeface="Arial" panose="020B0604020202020204" pitchFamily="34" charset="0"/>
+              <a:defRPr sz="1000" kern="1200">
+                <a:solidFill>
+                  <a:schemeClr val="bg1"/>
+                </a:solidFill>
+                <a:latin typeface="Arial" panose="020B0604020202020204" pitchFamily="34" charset="0"/>
+                <a:ea typeface="+mn-ea"/>
+                <a:cs typeface="+mn-cs"/>
+              </a:defRPr>
+            </a:lvl4pPr>
+            <a:lvl5pPr marL="1828800" algn="l" defTabSz="449263" rtl="0" fontAlgn="base">
+              <a:spcBef>
+                <a:spcPct val="0"/>
+              </a:spcBef>
+              <a:spcAft>
+                <a:spcPct val="0"/>
+              </a:spcAft>
+              <a:buClr>
+                <a:srgbClr val="000000"/>
+              </a:buClr>
+              <a:buSzPct val="100000"/>
+              <a:buFont typeface="Arial" panose="020B0604020202020204" pitchFamily="34" charset="0"/>
+              <a:defRPr sz="1000" kern="1200">
+                <a:solidFill>
+                  <a:schemeClr val="bg1"/>
+                </a:solidFill>
+                <a:latin typeface="Arial" panose="020B0604020202020204" pitchFamily="34" charset="0"/>
+                <a:ea typeface="+mn-ea"/>
+                <a:cs typeface="+mn-cs"/>
+              </a:defRPr>
+            </a:lvl5pPr>
+            <a:lvl6pPr marL="2286000" algn="l" defTabSz="914400" rtl="0" eaLnBrk="1" latinLnBrk="0" hangingPunct="1">
+              <a:defRPr sz="1000" kern="1200">
+                <a:solidFill>
+                  <a:schemeClr val="bg1"/>
+                </a:solidFill>
+                <a:latin typeface="Arial" panose="020B0604020202020204" pitchFamily="34" charset="0"/>
+                <a:ea typeface="+mn-ea"/>
+                <a:cs typeface="+mn-cs"/>
+              </a:defRPr>
+            </a:lvl6pPr>
+            <a:lvl7pPr marL="2743200" algn="l" defTabSz="914400" rtl="0" eaLnBrk="1" latinLnBrk="0" hangingPunct="1">
+              <a:defRPr sz="1000" kern="1200">
+                <a:solidFill>
+                  <a:schemeClr val="bg1"/>
+                </a:solidFill>
+                <a:latin typeface="Arial" panose="020B0604020202020204" pitchFamily="34" charset="0"/>
+                <a:ea typeface="+mn-ea"/>
+                <a:cs typeface="+mn-cs"/>
+              </a:defRPr>
+            </a:lvl7pPr>
+            <a:lvl8pPr marL="3200400" algn="l" defTabSz="914400" rtl="0" eaLnBrk="1" latinLnBrk="0" hangingPunct="1">
+              <a:defRPr sz="1000" kern="1200">
+                <a:solidFill>
+                  <a:schemeClr val="bg1"/>
+                </a:solidFill>
+                <a:latin typeface="Arial" panose="020B0604020202020204" pitchFamily="34" charset="0"/>
+                <a:ea typeface="+mn-ea"/>
+                <a:cs typeface="+mn-cs"/>
+              </a:defRPr>
+            </a:lvl8pPr>
+            <a:lvl9pPr marL="3657600" algn="l" defTabSz="914400" rtl="0" eaLnBrk="1" latinLnBrk="0" hangingPunct="1">
+              <a:defRPr sz="1000" kern="1200">
+                <a:solidFill>
+                  <a:schemeClr val="bg1"/>
+                </a:solidFill>
+                <a:latin typeface="Arial" panose="020B0604020202020204" pitchFamily="34" charset="0"/>
+                <a:ea typeface="+mn-ea"/>
+                <a:cs typeface="+mn-cs"/>
+              </a:defRPr>
+            </a:lvl9pPr>
+          </a:lstStyle>
+          <a:p>
+            <a:pPr algn="ctr">
+              <a:buClrTx/>
+              <a:buSzTx/>
+              <a:buFontTx/>
+              <a:buNone/>
+            </a:pPr>
+            <a:r>
+              <a:rPr lang="de-DE" sz="1800">
+                <a:solidFill>
+                  <a:schemeClr val="tx1"/>
+                </a:solidFill>
+              </a:rPr>
+              <a:t>Widerspruch!</a:t>
+            </a:r>
           </a:p>
         </p:txBody>
       </p:sp>
@@ -4458,23 +5027,85 @@
             <p:ph idx="1"/>
           </p:nvPr>
         </p:nvSpPr>
-        <p:spPr/>
-        <p:txBody>
-          <a:bodyPr/>
-          <a:lstStyle/>
-          <a:p>
-            <a:r>
-              <a:rPr lang="de-DE" dirty="0" smtClean="0"/>
-              <a:t>Netztyp</a:t>
+        <p:spPr>
+          <a:xfrm>
+            <a:off x="838200" y="1857523"/>
+            <a:ext cx="10515600" cy="4351338"/>
+          </a:xfrm>
+        </p:spPr>
+        <p:txBody>
+          <a:bodyPr/>
+          <a:lstStyle/>
+          <a:p>
+            <a:r>
+              <a:rPr lang="de-DE" dirty="0" smtClean="0"/>
+              <a:t>Netztyp:</a:t>
+            </a:r>
+            <a:r>
+              <a:rPr lang="de-DE" dirty="0" smtClean="0"/>
+              <a:t> </a:t>
             </a:r>
           </a:p>
           <a:p>
             <a:pPr lvl="1"/>
             <a:r>
-              <a:rPr lang="de-DE" dirty="0" smtClean="0"/>
-              <a:t>Theorem von Komolgorov</a:t>
-            </a:r>
+              <a:rPr lang="de-DE" dirty="0"/>
+              <a:t>Ein einstufiges </a:t>
+            </a:r>
+            <a:r>
+              <a:rPr lang="de-DE" dirty="0" smtClean="0"/>
+              <a:t>Perzeptron </a:t>
+            </a:r>
+            <a:r>
+              <a:rPr lang="de-DE" dirty="0"/>
+              <a:t>kann nur linear separierbare </a:t>
+            </a:r>
+            <a:r>
+              <a:rPr lang="de-DE" dirty="0" smtClean="0"/>
+              <a:t>Mengen klassifizieren</a:t>
+            </a:r>
+          </a:p>
+          <a:p>
+            <a:pPr lvl="1"/>
+            <a:r>
+              <a:rPr lang="de-DE" dirty="0" smtClean="0"/>
+              <a:t>Man Betrachte den folgenden Börsenkurs:</a:t>
+            </a:r>
+          </a:p>
+          <a:p>
+            <a:pPr lvl="1"/>
             <a:endParaRPr lang="de-DE" dirty="0"/>
+          </a:p>
+          <a:p>
+            <a:pPr lvl="1"/>
+            <a:endParaRPr lang="de-DE" dirty="0" smtClean="0"/>
+          </a:p>
+          <a:p>
+            <a:pPr lvl="1"/>
+            <a:endParaRPr lang="de-DE" dirty="0"/>
+          </a:p>
+          <a:p>
+            <a:pPr lvl="1"/>
+            <a:endParaRPr lang="de-DE" dirty="0" smtClean="0"/>
+          </a:p>
+          <a:p>
+            <a:pPr lvl="1"/>
+            <a:endParaRPr lang="de-DE" dirty="0"/>
+          </a:p>
+          <a:p>
+            <a:pPr lvl="1"/>
+            <a:endParaRPr lang="de-DE" dirty="0" smtClean="0"/>
+          </a:p>
+          <a:p>
+            <a:pPr lvl="1">
+              <a:buFont typeface="Wingdings" panose="05000000000000000000" pitchFamily="2" charset="2"/>
+              <a:buChar char="Ø"/>
+            </a:pPr>
+            <a:r>
+              <a:rPr lang="de-DE" dirty="0" smtClean="0"/>
+              <a:t>Börsenkursfunktion nicht linear separierbar </a:t>
+            </a:r>
+            <a:endParaRPr lang="de-DE" dirty="0" smtClean="0"/>
           </a:p>
         </p:txBody>
       </p:sp>
@@ -4550,7 +5181,7 @@
     </p:spTree>
     <p:extLst>
       <p:ext uri="{BB962C8B-B14F-4D97-AF65-F5344CB8AC3E}">
-        <p14:creationId xmlns:p14="http://schemas.microsoft.com/office/powerpoint/2010/main" val="2559932396"/>
+        <p14:creationId xmlns:p14="http://schemas.microsoft.com/office/powerpoint/2010/main" val="1795565008"/>
       </p:ext>
     </p:extLst>
   </p:cSld>
@@ -4621,86 +5252,63 @@
             <p:ph idx="1"/>
           </p:nvPr>
         </p:nvSpPr>
-        <p:spPr/>
-        <p:txBody>
-          <a:bodyPr/>
-          <a:lstStyle/>
-          <a:p>
-            <a:r>
-              <a:rPr lang="de-DE" dirty="0" smtClean="0"/>
-              <a:t>Topologie</a:t>
-            </a:r>
+        <p:spPr>
+          <a:xfrm>
+            <a:off x="838200" y="1825624"/>
+            <a:ext cx="10515600" cy="4351338"/>
+          </a:xfrm>
+        </p:spPr>
+        <p:txBody>
+          <a:bodyPr/>
+          <a:lstStyle/>
+          <a:p>
+            <a:r>
+              <a:rPr lang="de-DE" dirty="0" smtClean="0"/>
+              <a:t>Netztyp:</a:t>
+            </a:r>
+          </a:p>
+          <a:p>
+            <a:endParaRPr lang="de-DE" dirty="0"/>
+          </a:p>
+          <a:p>
+            <a:endParaRPr lang="de-DE" dirty="0" smtClean="0"/>
+          </a:p>
+          <a:p>
+            <a:endParaRPr lang="de-DE" dirty="0"/>
+          </a:p>
+          <a:p>
+            <a:endParaRPr lang="de-DE" dirty="0" smtClean="0"/>
           </a:p>
           <a:p>
             <a:pPr lvl="1"/>
-            <a:r>
-              <a:rPr lang="de-DE" dirty="0" smtClean="0"/>
-              <a:t>K</a:t>
-            </a:r>
-            <a:r>
-              <a:rPr lang="de-DE" baseline="-25000" dirty="0" smtClean="0"/>
-              <a:t>i</a:t>
-            </a:r>
-            <a:r>
-              <a:rPr lang="de-DE" dirty="0" smtClean="0"/>
-              <a:t> = Börsenkurs des DAX am Tag i.</a:t>
-            </a:r>
             <a:endParaRPr lang="de-DE" dirty="0" smtClean="0"/>
           </a:p>
           <a:p>
             <a:pPr lvl="1"/>
             <a:r>
               <a:rPr lang="de-DE" dirty="0" smtClean="0"/>
-              <a:t>Ein Vektor V mit V = ((K</a:t>
-            </a:r>
-            <a:r>
-              <a:rPr lang="de-DE" baseline="-25000" dirty="0" smtClean="0"/>
-              <a:t>i-3</a:t>
-            </a:r>
-            <a:r>
-              <a:rPr lang="de-DE" dirty="0" smtClean="0"/>
-              <a:t>),(K</a:t>
-            </a:r>
-            <a:r>
-              <a:rPr lang="de-DE" baseline="-25000" dirty="0" smtClean="0"/>
-              <a:t>i-2</a:t>
-            </a:r>
-            <a:r>
-              <a:rPr lang="de-DE" dirty="0" smtClean="0"/>
-              <a:t>),(K</a:t>
-            </a:r>
-            <a:r>
-              <a:rPr lang="de-DE" baseline="-25000" dirty="0" smtClean="0"/>
-              <a:t>i-1</a:t>
-            </a:r>
-            <a:r>
-              <a:rPr lang="de-DE" dirty="0" smtClean="0"/>
-              <a:t>),(K</a:t>
-            </a:r>
-            <a:r>
-              <a:rPr lang="de-DE" baseline="-25000" dirty="0" smtClean="0"/>
-              <a:t>i</a:t>
-            </a:r>
-            <a:r>
-              <a:rPr lang="de-DE" dirty="0" smtClean="0"/>
-              <a:t>)) der Länge 4 als Input</a:t>
-            </a:r>
-          </a:p>
-          <a:p>
-            <a:pPr lvl="1"/>
-            <a:r>
-              <a:rPr lang="de-DE" dirty="0" smtClean="0"/>
-              <a:t>Ein Skalarwert K</a:t>
-            </a:r>
-            <a:r>
-              <a:rPr lang="de-DE" baseline="-25000" dirty="0" smtClean="0"/>
-              <a:t>i+1</a:t>
-            </a:r>
-            <a:r>
-              <a:rPr lang="de-DE" dirty="0" smtClean="0"/>
-              <a:t> als Output</a:t>
-            </a:r>
-            <a:endParaRPr lang="de-DE" dirty="0"/>
+              <a:t>Ist </a:t>
+            </a:r>
+            <a:r>
+              <a:rPr lang="de-DE" dirty="0"/>
+              <a:t>ein Multylayerperzeptron zur Vorhersage von Börsenprognosen geeignet?</a:t>
+            </a:r>
+          </a:p>
+          <a:p>
+            <a:pPr lvl="2"/>
+            <a:r>
+              <a:rPr lang="de-DE" dirty="0"/>
+              <a:t>Theorem von Komolgorov</a:t>
+            </a:r>
+          </a:p>
+          <a:p>
+            <a:pPr marL="0" indent="0">
+              <a:buNone/>
+            </a:pPr>
+            <a:r>
+              <a:rPr lang="de-DE" dirty="0" smtClean="0"/>
+              <a:t> </a:t>
+            </a:r>
           </a:p>
         </p:txBody>
       </p:sp>
@@ -4773,10 +5381,361 @@
           </a:p>
         </p:txBody>
       </p:sp>
+      <p:graphicFrame>
+        <p:nvGraphicFramePr>
+          <p:cNvPr id="19" name="Tabelle 18"/>
+          <p:cNvGraphicFramePr>
+            <a:graphicFrameLocks noGrp="1"/>
+          </p:cNvGraphicFramePr>
+          <p:nvPr>
+            <p:extLst>
+              <p:ext uri="{D42A27DB-BD31-4B8C-83A1-F6EECF244321}">
+                <p14:modId xmlns:p14="http://schemas.microsoft.com/office/powerpoint/2010/main" val="2953860886"/>
+              </p:ext>
+            </p:extLst>
+          </p:nvPr>
+        </p:nvGraphicFramePr>
+        <p:xfrm>
+          <a:off x="838200" y="2546981"/>
+          <a:ext cx="4035973" cy="1854200"/>
+        </p:xfrm>
+        <a:graphic>
+          <a:graphicData uri="http://schemas.openxmlformats.org/drawingml/2006/table">
+            <a:tbl>
+              <a:tblPr firstRow="1" bandRow="1">
+                <a:tableStyleId>{2D5ABB26-0587-4C30-8999-92F81FD0307C}</a:tableStyleId>
+              </a:tblPr>
+              <a:tblGrid>
+                <a:gridCol w="4035973"/>
+              </a:tblGrid>
+              <a:tr h="370840">
+                <a:tc>
+                  <a:txBody>
+                    <a:bodyPr/>
+                    <a:lstStyle/>
+                    <a:p>
+                      <a:pPr algn="ctr"/>
+                      <a:r>
+                        <a:rPr lang="de-DE" b="1" dirty="0" smtClean="0"/>
+                        <a:t>Heteroassoziative</a:t>
+                      </a:r>
+                      <a:r>
+                        <a:rPr lang="de-DE" b="1" baseline="0" dirty="0" smtClean="0"/>
+                        <a:t> Netze</a:t>
+                      </a:r>
+                      <a:endParaRPr lang="de-DE" b="1" dirty="0"/>
+                    </a:p>
+                  </a:txBody>
+                  <a:tcPr anchor="ctr">
+                    <a:lnL w="12700" cap="flat" cmpd="sng" algn="ctr">
+                      <a:solidFill>
+                        <a:schemeClr val="tx1"/>
+                      </a:solidFill>
+                      <a:prstDash val="solid"/>
+                      <a:round/>
+                      <a:headEnd type="none" w="med" len="med"/>
+                      <a:tailEnd type="none" w="med" len="med"/>
+                    </a:lnL>
+                    <a:lnR w="12700" cap="flat" cmpd="sng" algn="ctr">
+                      <a:solidFill>
+                        <a:schemeClr val="tx1"/>
+                      </a:solidFill>
+                      <a:prstDash val="solid"/>
+                      <a:round/>
+                      <a:headEnd type="none" w="med" len="med"/>
+                      <a:tailEnd type="none" w="med" len="med"/>
+                    </a:lnR>
+                    <a:lnT w="12700" cap="flat" cmpd="sng" algn="ctr">
+                      <a:solidFill>
+                        <a:schemeClr val="tx1"/>
+                      </a:solidFill>
+                      <a:prstDash val="solid"/>
+                      <a:round/>
+                      <a:headEnd type="none" w="med" len="med"/>
+                      <a:tailEnd type="none" w="med" len="med"/>
+                    </a:lnT>
+                    <a:lnB w="12700" cap="flat" cmpd="sng" algn="ctr">
+                      <a:solidFill>
+                        <a:schemeClr val="tx1"/>
+                      </a:solidFill>
+                      <a:prstDash val="solid"/>
+                      <a:round/>
+                      <a:headEnd type="none" w="med" len="med"/>
+                      <a:tailEnd type="none" w="med" len="med"/>
+                    </a:lnB>
+                  </a:tcPr>
+                </a:tc>
+              </a:tr>
+              <a:tr h="370840">
+                <a:tc>
+                  <a:txBody>
+                    <a:bodyPr/>
+                    <a:lstStyle/>
+                    <a:p>
+                      <a:pPr algn="ctr"/>
+                      <a:r>
+                        <a:rPr lang="de-DE" dirty="0" err="1" smtClean="0"/>
+                        <a:t>Adaline</a:t>
+                      </a:r>
+                      <a:endParaRPr lang="de-DE" dirty="0"/>
+                    </a:p>
+                  </a:txBody>
+                  <a:tcPr>
+                    <a:lnL w="12700" cap="flat" cmpd="sng" algn="ctr">
+                      <a:solidFill>
+                        <a:schemeClr val="tx1"/>
+                      </a:solidFill>
+                      <a:prstDash val="solid"/>
+                      <a:round/>
+                      <a:headEnd type="none" w="med" len="med"/>
+                      <a:tailEnd type="none" w="med" len="med"/>
+                    </a:lnL>
+                    <a:lnR w="12700" cap="flat" cmpd="sng" algn="ctr">
+                      <a:solidFill>
+                        <a:schemeClr val="tx1"/>
+                      </a:solidFill>
+                      <a:prstDash val="solid"/>
+                      <a:round/>
+                      <a:headEnd type="none" w="med" len="med"/>
+                      <a:tailEnd type="none" w="med" len="med"/>
+                    </a:lnR>
+                    <a:lnT w="12700" cap="flat" cmpd="sng" algn="ctr">
+                      <a:solidFill>
+                        <a:schemeClr val="tx1"/>
+                      </a:solidFill>
+                      <a:prstDash val="solid"/>
+                      <a:round/>
+                      <a:headEnd type="none" w="med" len="med"/>
+                      <a:tailEnd type="none" w="med" len="med"/>
+                    </a:lnT>
+                    <a:lnB w="12700" cap="flat" cmpd="sng" algn="ctr">
+                      <a:solidFill>
+                        <a:schemeClr val="tx1"/>
+                      </a:solidFill>
+                      <a:prstDash val="solid"/>
+                      <a:round/>
+                      <a:headEnd type="none" w="med" len="med"/>
+                      <a:tailEnd type="none" w="med" len="med"/>
+                    </a:lnB>
+                  </a:tcPr>
+                </a:tc>
+              </a:tr>
+              <a:tr h="370840">
+                <a:tc>
+                  <a:txBody>
+                    <a:bodyPr/>
+                    <a:lstStyle/>
+                    <a:p>
+                      <a:pPr algn="ctr"/>
+                      <a:r>
+                        <a:rPr lang="de-DE" dirty="0" err="1" smtClean="0"/>
+                        <a:t>Madaline</a:t>
+                      </a:r>
+                      <a:endParaRPr lang="de-DE" dirty="0"/>
+                    </a:p>
+                  </a:txBody>
+                  <a:tcPr>
+                    <a:lnL w="12700" cap="flat" cmpd="sng" algn="ctr">
+                      <a:solidFill>
+                        <a:schemeClr val="tx1"/>
+                      </a:solidFill>
+                      <a:prstDash val="solid"/>
+                      <a:round/>
+                      <a:headEnd type="none" w="med" len="med"/>
+                      <a:tailEnd type="none" w="med" len="med"/>
+                    </a:lnL>
+                    <a:lnR w="12700" cap="flat" cmpd="sng" algn="ctr">
+                      <a:solidFill>
+                        <a:schemeClr val="tx1"/>
+                      </a:solidFill>
+                      <a:prstDash val="solid"/>
+                      <a:round/>
+                      <a:headEnd type="none" w="med" len="med"/>
+                      <a:tailEnd type="none" w="med" len="med"/>
+                    </a:lnR>
+                    <a:lnT w="12700" cap="flat" cmpd="sng" algn="ctr">
+                      <a:solidFill>
+                        <a:schemeClr val="tx1"/>
+                      </a:solidFill>
+                      <a:prstDash val="solid"/>
+                      <a:round/>
+                      <a:headEnd type="none" w="med" len="med"/>
+                      <a:tailEnd type="none" w="med" len="med"/>
+                    </a:lnT>
+                    <a:lnB w="12700" cap="flat" cmpd="sng" algn="ctr">
+                      <a:solidFill>
+                        <a:schemeClr val="tx1"/>
+                      </a:solidFill>
+                      <a:prstDash val="solid"/>
+                      <a:round/>
+                      <a:headEnd type="none" w="med" len="med"/>
+                      <a:tailEnd type="none" w="med" len="med"/>
+                    </a:lnB>
+                  </a:tcPr>
+                </a:tc>
+              </a:tr>
+              <a:tr h="370840">
+                <a:tc>
+                  <a:txBody>
+                    <a:bodyPr/>
+                    <a:lstStyle/>
+                    <a:p>
+                      <a:pPr algn="ctr"/>
+                      <a:r>
+                        <a:rPr lang="de-DE" dirty="0" smtClean="0"/>
+                        <a:t>Perzeptron</a:t>
+                      </a:r>
+                      <a:endParaRPr lang="de-DE" dirty="0"/>
+                    </a:p>
+                  </a:txBody>
+                  <a:tcPr>
+                    <a:lnL w="12700" cap="flat" cmpd="sng" algn="ctr">
+                      <a:solidFill>
+                        <a:schemeClr val="tx1"/>
+                      </a:solidFill>
+                      <a:prstDash val="solid"/>
+                      <a:round/>
+                      <a:headEnd type="none" w="med" len="med"/>
+                      <a:tailEnd type="none" w="med" len="med"/>
+                    </a:lnL>
+                    <a:lnR w="12700" cap="flat" cmpd="sng" algn="ctr">
+                      <a:solidFill>
+                        <a:schemeClr val="tx1"/>
+                      </a:solidFill>
+                      <a:prstDash val="solid"/>
+                      <a:round/>
+                      <a:headEnd type="none" w="med" len="med"/>
+                      <a:tailEnd type="none" w="med" len="med"/>
+                    </a:lnR>
+                    <a:lnT w="12700" cap="flat" cmpd="sng" algn="ctr">
+                      <a:solidFill>
+                        <a:schemeClr val="tx1"/>
+                      </a:solidFill>
+                      <a:prstDash val="solid"/>
+                      <a:round/>
+                      <a:headEnd type="none" w="med" len="med"/>
+                      <a:tailEnd type="none" w="med" len="med"/>
+                    </a:lnT>
+                    <a:lnB w="12700" cap="flat" cmpd="sng" algn="ctr">
+                      <a:solidFill>
+                        <a:schemeClr val="tx1"/>
+                      </a:solidFill>
+                      <a:prstDash val="solid"/>
+                      <a:round/>
+                      <a:headEnd type="none" w="med" len="med"/>
+                      <a:tailEnd type="none" w="med" len="med"/>
+                    </a:lnB>
+                  </a:tcPr>
+                </a:tc>
+              </a:tr>
+              <a:tr h="370840">
+                <a:tc>
+                  <a:txBody>
+                    <a:bodyPr/>
+                    <a:lstStyle/>
+                    <a:p>
+                      <a:pPr algn="ctr"/>
+                      <a:r>
+                        <a:rPr lang="de-DE" dirty="0" err="1" smtClean="0"/>
+                        <a:t>Multilayerperzeptron</a:t>
+                      </a:r>
+                      <a:endParaRPr lang="de-DE" dirty="0"/>
+                    </a:p>
+                  </a:txBody>
+                  <a:tcPr>
+                    <a:lnL w="12700" cap="flat" cmpd="sng" algn="ctr">
+                      <a:solidFill>
+                        <a:schemeClr val="tx1"/>
+                      </a:solidFill>
+                      <a:prstDash val="solid"/>
+                      <a:round/>
+                      <a:headEnd type="none" w="med" len="med"/>
+                      <a:tailEnd type="none" w="med" len="med"/>
+                    </a:lnL>
+                    <a:lnR w="12700" cap="flat" cmpd="sng" algn="ctr">
+                      <a:solidFill>
+                        <a:schemeClr val="tx1"/>
+                      </a:solidFill>
+                      <a:prstDash val="solid"/>
+                      <a:round/>
+                      <a:headEnd type="none" w="med" len="med"/>
+                      <a:tailEnd type="none" w="med" len="med"/>
+                    </a:lnR>
+                    <a:lnT w="12700" cap="flat" cmpd="sng" algn="ctr">
+                      <a:solidFill>
+                        <a:schemeClr val="tx1"/>
+                      </a:solidFill>
+                      <a:prstDash val="solid"/>
+                      <a:round/>
+                      <a:headEnd type="none" w="med" len="med"/>
+                      <a:tailEnd type="none" w="med" len="med"/>
+                    </a:lnT>
+                    <a:lnB w="12700" cap="flat" cmpd="sng" algn="ctr">
+                      <a:solidFill>
+                        <a:schemeClr val="tx1"/>
+                      </a:solidFill>
+                      <a:prstDash val="solid"/>
+                      <a:round/>
+                      <a:headEnd type="none" w="med" len="med"/>
+                      <a:tailEnd type="none" w="med" len="med"/>
+                    </a:lnB>
+                  </a:tcPr>
+                </a:tc>
+              </a:tr>
+            </a:tbl>
+          </a:graphicData>
+        </a:graphic>
+      </p:graphicFrame>
+      <p:sp>
+        <p:nvSpPr>
+          <p:cNvPr id="20" name="Rechteck 19"/>
+          <p:cNvSpPr/>
+          <p:nvPr/>
+        </p:nvSpPr>
+        <p:spPr>
+          <a:xfrm>
+            <a:off x="838200" y="4026578"/>
+            <a:ext cx="4035973" cy="396000"/>
+          </a:xfrm>
+          <a:prstGeom prst="rect">
+            <a:avLst/>
+          </a:prstGeom>
+          <a:noFill/>
+          <a:ln w="57150">
+            <a:solidFill>
+              <a:schemeClr val="tx1"/>
+            </a:solidFill>
+          </a:ln>
+        </p:spPr>
+        <p:style>
+          <a:lnRef idx="2">
+            <a:schemeClr val="accent1">
+              <a:shade val="50000"/>
+            </a:schemeClr>
+          </a:lnRef>
+          <a:fillRef idx="1">
+            <a:schemeClr val="accent1"/>
+          </a:fillRef>
+          <a:effectRef idx="0">
+            <a:schemeClr val="accent1"/>
+          </a:effectRef>
+          <a:fontRef idx="minor">
+            <a:schemeClr val="lt1"/>
+          </a:fontRef>
+        </p:style>
+        <p:txBody>
+          <a:bodyPr rtlCol="0" anchor="ctr"/>
+          <a:lstStyle/>
+          <a:p>
+            <a:pPr algn="ctr"/>
+            <a:endParaRPr lang="de-DE"/>
+          </a:p>
+        </p:txBody>
+      </p:sp>
     </p:spTree>
     <p:extLst>
       <p:ext uri="{BB962C8B-B14F-4D97-AF65-F5344CB8AC3E}">
-        <p14:creationId xmlns:p14="http://schemas.microsoft.com/office/powerpoint/2010/main" val="3440681286"/>
+        <p14:creationId xmlns:p14="http://schemas.microsoft.com/office/powerpoint/2010/main" val="2870538324"/>
       </p:ext>
     </p:extLst>
   </p:cSld>
@@ -4854,8 +5813,84 @@
           <a:p>
             <a:r>
               <a:rPr lang="de-DE" dirty="0" smtClean="0"/>
-              <a:t>Topologie</a:t>
-            </a:r>
+              <a:t>Netztyp</a:t>
+            </a:r>
+          </a:p>
+          <a:p>
+            <a:pPr lvl="1"/>
+            <a:r>
+              <a:rPr lang="de-DE" dirty="0" smtClean="0"/>
+              <a:t>Ist ein Multylayerperzeptron zur Vorhersage von Börsenprognosen geeignet?</a:t>
+            </a:r>
+            <a:endParaRPr lang="de-DE" dirty="0" smtClean="0"/>
+          </a:p>
+          <a:p>
+            <a:pPr lvl="2"/>
+            <a:r>
+              <a:rPr lang="de-DE" dirty="0" smtClean="0"/>
+              <a:t>Theorem von </a:t>
+            </a:r>
+            <a:r>
+              <a:rPr lang="de-DE" dirty="0" smtClean="0"/>
+              <a:t>Komolgorov:</a:t>
+            </a:r>
+          </a:p>
+          <a:p>
+            <a:pPr lvl="2"/>
+            <a:endParaRPr lang="de-DE" dirty="0"/>
+          </a:p>
+          <a:p>
+            <a:pPr marL="914400" lvl="2" indent="0">
+              <a:buNone/>
+            </a:pPr>
+            <a:r>
+              <a:rPr lang="de-DE" sz="2800" dirty="0" smtClean="0"/>
+              <a:t>„Mit Hilfe eines dreischichtigen neuronalen Netzes lassen sich Funktionen </a:t>
+            </a:r>
+            <a:r>
+              <a:rPr lang="de-DE" sz="2800" dirty="0"/>
+              <a:t>beliebig </a:t>
+            </a:r>
+            <a:r>
+              <a:rPr lang="de-DE" sz="2800" dirty="0" smtClean="0"/>
+              <a:t>genau approximieren“</a:t>
+            </a:r>
+          </a:p>
+          <a:p>
+            <a:pPr marL="914400" lvl="2" indent="0">
+              <a:buNone/>
+            </a:pPr>
+            <a:endParaRPr lang="de-DE" sz="2800" dirty="0"/>
+          </a:p>
+          <a:p>
+            <a:pPr marL="914400" lvl="2" indent="0">
+              <a:buNone/>
+            </a:pPr>
+            <a:endParaRPr lang="de-DE" sz="2800" dirty="0" smtClean="0"/>
+          </a:p>
+          <a:p>
+            <a:pPr lvl="1"/>
+            <a:r>
+              <a:rPr lang="de-DE" sz="2800" dirty="0" smtClean="0"/>
+              <a:t>Fazit: </a:t>
+            </a:r>
+            <a:r>
+              <a:rPr lang="de-DE" sz="2800" dirty="0" err="1" smtClean="0"/>
+              <a:t>Multilayerperzeptron</a:t>
+            </a:r>
+            <a:endParaRPr lang="de-DE" dirty="0" smtClean="0"/>
+          </a:p>
+          <a:p>
+            <a:pPr marL="914400" lvl="2" indent="0">
+              <a:buNone/>
+            </a:pPr>
+            <a:endParaRPr lang="de-DE" sz="2800" dirty="0"/>
+          </a:p>
+          <a:p>
+            <a:pPr marL="914400" lvl="2" indent="0">
+              <a:buNone/>
+            </a:pPr>
+            <a:endParaRPr lang="de-DE" dirty="0" smtClean="0"/>
           </a:p>
         </p:txBody>
       </p:sp>
@@ -4923,6 +5958,386 @@
             <a:fld id="{0E226D3C-400E-4353-AAC2-09A0472DC536}" type="slidenum">
               <a:rPr lang="de-DE" smtClean="0"/>
               <a:t>15</a:t>
+            </a:fld>
+            <a:endParaRPr lang="de-DE" dirty="0"/>
+          </a:p>
+        </p:txBody>
+      </p:sp>
+    </p:spTree>
+    <p:extLst>
+      <p:ext uri="{BB962C8B-B14F-4D97-AF65-F5344CB8AC3E}">
+        <p14:creationId xmlns:p14="http://schemas.microsoft.com/office/powerpoint/2010/main" val="2559932396"/>
+      </p:ext>
+    </p:extLst>
+  </p:cSld>
+  <p:clrMapOvr>
+    <a:masterClrMapping/>
+  </p:clrMapOvr>
+  <p:timing>
+    <p:tnLst>
+      <p:par>
+        <p:cTn id="1" dur="indefinite" restart="never" nodeType="tmRoot"/>
+      </p:par>
+    </p:tnLst>
+  </p:timing>
+</p:sld>
+</file>
+
+<file path=ppt/slides/slide17.xml><?xml version="1.0" encoding="utf-8"?>
+<p:sld xmlns:a="http://schemas.openxmlformats.org/drawingml/2006/main" xmlns:r="http://schemas.openxmlformats.org/officeDocument/2006/relationships" xmlns:p="http://schemas.openxmlformats.org/presentationml/2006/main">
+  <p:cSld>
+    <p:spTree>
+      <p:nvGrpSpPr>
+        <p:cNvPr id="1" name=""/>
+        <p:cNvGrpSpPr/>
+        <p:nvPr/>
+      </p:nvGrpSpPr>
+      <p:grpSpPr>
+        <a:xfrm>
+          <a:off x="0" y="0"/>
+          <a:ext cx="0" cy="0"/>
+          <a:chOff x="0" y="0"/>
+          <a:chExt cx="0" cy="0"/>
+        </a:xfrm>
+      </p:grpSpPr>
+      <p:sp>
+        <p:nvSpPr>
+          <p:cNvPr id="2" name="Titel 1"/>
+          <p:cNvSpPr>
+            <a:spLocks noGrp="1"/>
+          </p:cNvSpPr>
+          <p:nvPr>
+            <p:ph type="title"/>
+          </p:nvPr>
+        </p:nvSpPr>
+        <p:spPr/>
+        <p:txBody>
+          <a:bodyPr/>
+          <a:lstStyle/>
+          <a:p>
+            <a:pPr marL="857250" indent="-857250">
+              <a:buFont typeface="+mj-lt"/>
+              <a:buAutoNum type="romanUcPeriod" startAt="3"/>
+            </a:pPr>
+            <a:r>
+              <a:rPr lang="de-DE" b="1" dirty="0" smtClean="0"/>
+              <a:t>Konzeption des künstlichen neuronalen Netzes</a:t>
+            </a:r>
+            <a:endParaRPr lang="de-DE" dirty="0"/>
+          </a:p>
+        </p:txBody>
+      </p:sp>
+      <p:sp>
+        <p:nvSpPr>
+          <p:cNvPr id="3" name="Inhaltsplatzhalter 2"/>
+          <p:cNvSpPr>
+            <a:spLocks noGrp="1"/>
+          </p:cNvSpPr>
+          <p:nvPr>
+            <p:ph idx="1"/>
+          </p:nvPr>
+        </p:nvSpPr>
+        <p:spPr/>
+        <p:txBody>
+          <a:bodyPr/>
+          <a:lstStyle/>
+          <a:p>
+            <a:r>
+              <a:rPr lang="de-DE" dirty="0" smtClean="0"/>
+              <a:t>Topologie</a:t>
+            </a:r>
+          </a:p>
+          <a:p>
+            <a:pPr lvl="1"/>
+            <a:r>
+              <a:rPr lang="de-DE" dirty="0" smtClean="0"/>
+              <a:t>K</a:t>
+            </a:r>
+            <a:r>
+              <a:rPr lang="de-DE" baseline="-25000" dirty="0" smtClean="0"/>
+              <a:t>i</a:t>
+            </a:r>
+            <a:r>
+              <a:rPr lang="de-DE" dirty="0" smtClean="0"/>
+              <a:t> = Börsenkurs des DAX am Tag i.</a:t>
+            </a:r>
+          </a:p>
+          <a:p>
+            <a:pPr lvl="1"/>
+            <a:r>
+              <a:rPr lang="de-DE" dirty="0" smtClean="0"/>
+              <a:t>Ein Vektor V mit V = ((K</a:t>
+            </a:r>
+            <a:r>
+              <a:rPr lang="de-DE" baseline="-25000" dirty="0" smtClean="0"/>
+              <a:t>i-3</a:t>
+            </a:r>
+            <a:r>
+              <a:rPr lang="de-DE" dirty="0" smtClean="0"/>
+              <a:t>),(K</a:t>
+            </a:r>
+            <a:r>
+              <a:rPr lang="de-DE" baseline="-25000" dirty="0" smtClean="0"/>
+              <a:t>i-2</a:t>
+            </a:r>
+            <a:r>
+              <a:rPr lang="de-DE" dirty="0" smtClean="0"/>
+              <a:t>),(K</a:t>
+            </a:r>
+            <a:r>
+              <a:rPr lang="de-DE" baseline="-25000" dirty="0" smtClean="0"/>
+              <a:t>i-1</a:t>
+            </a:r>
+            <a:r>
+              <a:rPr lang="de-DE" dirty="0" smtClean="0"/>
+              <a:t>),(K</a:t>
+            </a:r>
+            <a:r>
+              <a:rPr lang="de-DE" baseline="-25000" dirty="0" smtClean="0"/>
+              <a:t>i</a:t>
+            </a:r>
+            <a:r>
+              <a:rPr lang="de-DE" dirty="0" smtClean="0"/>
+              <a:t>)) der Länge 4 als Input</a:t>
+            </a:r>
+          </a:p>
+          <a:p>
+            <a:pPr lvl="1"/>
+            <a:r>
+              <a:rPr lang="de-DE" dirty="0" smtClean="0"/>
+              <a:t>Ein Skalarwert K</a:t>
+            </a:r>
+            <a:r>
+              <a:rPr lang="de-DE" baseline="-25000" dirty="0" smtClean="0"/>
+              <a:t>i+1</a:t>
+            </a:r>
+            <a:r>
+              <a:rPr lang="de-DE" dirty="0" smtClean="0"/>
+              <a:t> als Output</a:t>
+            </a:r>
+            <a:endParaRPr lang="de-DE" dirty="0"/>
+          </a:p>
+        </p:txBody>
+      </p:sp>
+      <p:sp>
+        <p:nvSpPr>
+          <p:cNvPr id="4" name="Datumsplatzhalter 3"/>
+          <p:cNvSpPr>
+            <a:spLocks noGrp="1"/>
+          </p:cNvSpPr>
+          <p:nvPr>
+            <p:ph type="dt" sz="half" idx="10"/>
+          </p:nvPr>
+        </p:nvSpPr>
+        <p:spPr/>
+        <p:txBody>
+          <a:bodyPr/>
+          <a:lstStyle/>
+          <a:p>
+            <a:fld id="{7AC709DD-AC18-4FBA-B4E6-46DED743653E}" type="datetime1">
+              <a:rPr lang="de-DE" smtClean="0"/>
+              <a:t>26.11.2015</a:t>
+            </a:fld>
+            <a:endParaRPr lang="de-DE"/>
+          </a:p>
+        </p:txBody>
+      </p:sp>
+      <p:sp>
+        <p:nvSpPr>
+          <p:cNvPr id="5" name="Fußzeilenplatzhalter 4"/>
+          <p:cNvSpPr>
+            <a:spLocks noGrp="1"/>
+          </p:cNvSpPr>
+          <p:nvPr>
+            <p:ph type="ftr" sz="quarter" idx="11"/>
+          </p:nvPr>
+        </p:nvSpPr>
+        <p:spPr/>
+        <p:txBody>
+          <a:bodyPr/>
+          <a:lstStyle/>
+          <a:p>
+            <a:r>
+              <a:rPr lang="de-DE" smtClean="0"/>
+              <a:t>Fakultät Informatik             Sebastian Schötteler &amp; Benedikt Hofrichter</a:t>
+            </a:r>
+            <a:endParaRPr lang="de-DE" dirty="0"/>
+          </a:p>
+        </p:txBody>
+      </p:sp>
+      <p:sp>
+        <p:nvSpPr>
+          <p:cNvPr id="6" name="Foliennummernplatzhalter 5"/>
+          <p:cNvSpPr>
+            <a:spLocks noGrp="1"/>
+          </p:cNvSpPr>
+          <p:nvPr>
+            <p:ph type="sldNum" sz="quarter" idx="12"/>
+          </p:nvPr>
+        </p:nvSpPr>
+        <p:spPr/>
+        <p:txBody>
+          <a:bodyPr/>
+          <a:lstStyle/>
+          <a:p>
+            <a:fld id="{0E226D3C-400E-4353-AAC2-09A0472DC536}" type="slidenum">
+              <a:rPr lang="de-DE" smtClean="0"/>
+              <a:t>16</a:t>
+            </a:fld>
+            <a:endParaRPr lang="de-DE" dirty="0"/>
+          </a:p>
+        </p:txBody>
+      </p:sp>
+    </p:spTree>
+    <p:extLst>
+      <p:ext uri="{BB962C8B-B14F-4D97-AF65-F5344CB8AC3E}">
+        <p14:creationId xmlns:p14="http://schemas.microsoft.com/office/powerpoint/2010/main" val="3440681286"/>
+      </p:ext>
+    </p:extLst>
+  </p:cSld>
+  <p:clrMapOvr>
+    <a:masterClrMapping/>
+  </p:clrMapOvr>
+  <p:timing>
+    <p:tnLst>
+      <p:par>
+        <p:cTn id="1" dur="indefinite" restart="never" nodeType="tmRoot"/>
+      </p:par>
+    </p:tnLst>
+  </p:timing>
+</p:sld>
+</file>
+
+<file path=ppt/slides/slide18.xml><?xml version="1.0" encoding="utf-8"?>
+<p:sld xmlns:a="http://schemas.openxmlformats.org/drawingml/2006/main" xmlns:r="http://schemas.openxmlformats.org/officeDocument/2006/relationships" xmlns:p="http://schemas.openxmlformats.org/presentationml/2006/main">
+  <p:cSld>
+    <p:spTree>
+      <p:nvGrpSpPr>
+        <p:cNvPr id="1" name=""/>
+        <p:cNvGrpSpPr/>
+        <p:nvPr/>
+      </p:nvGrpSpPr>
+      <p:grpSpPr>
+        <a:xfrm>
+          <a:off x="0" y="0"/>
+          <a:ext cx="0" cy="0"/>
+          <a:chOff x="0" y="0"/>
+          <a:chExt cx="0" cy="0"/>
+        </a:xfrm>
+      </p:grpSpPr>
+      <p:sp>
+        <p:nvSpPr>
+          <p:cNvPr id="2" name="Titel 1"/>
+          <p:cNvSpPr>
+            <a:spLocks noGrp="1"/>
+          </p:cNvSpPr>
+          <p:nvPr>
+            <p:ph type="title"/>
+          </p:nvPr>
+        </p:nvSpPr>
+        <p:spPr/>
+        <p:txBody>
+          <a:bodyPr/>
+          <a:lstStyle/>
+          <a:p>
+            <a:pPr marL="857250" indent="-857250">
+              <a:buFont typeface="+mj-lt"/>
+              <a:buAutoNum type="romanUcPeriod" startAt="3"/>
+            </a:pPr>
+            <a:r>
+              <a:rPr lang="de-DE" b="1" dirty="0" smtClean="0"/>
+              <a:t>Konzeption des künstlichen neuronalen Netzes</a:t>
+            </a:r>
+            <a:endParaRPr lang="de-DE" dirty="0"/>
+          </a:p>
+        </p:txBody>
+      </p:sp>
+      <p:sp>
+        <p:nvSpPr>
+          <p:cNvPr id="3" name="Inhaltsplatzhalter 2"/>
+          <p:cNvSpPr>
+            <a:spLocks noGrp="1"/>
+          </p:cNvSpPr>
+          <p:nvPr>
+            <p:ph idx="1"/>
+          </p:nvPr>
+        </p:nvSpPr>
+        <p:spPr/>
+        <p:txBody>
+          <a:bodyPr/>
+          <a:lstStyle/>
+          <a:p>
+            <a:r>
+              <a:rPr lang="de-DE" dirty="0" smtClean="0"/>
+              <a:t>Topologie</a:t>
+            </a:r>
+          </a:p>
+        </p:txBody>
+      </p:sp>
+      <p:sp>
+        <p:nvSpPr>
+          <p:cNvPr id="4" name="Datumsplatzhalter 3"/>
+          <p:cNvSpPr>
+            <a:spLocks noGrp="1"/>
+          </p:cNvSpPr>
+          <p:nvPr>
+            <p:ph type="dt" sz="half" idx="10"/>
+          </p:nvPr>
+        </p:nvSpPr>
+        <p:spPr/>
+        <p:txBody>
+          <a:bodyPr/>
+          <a:lstStyle/>
+          <a:p>
+            <a:fld id="{7AC709DD-AC18-4FBA-B4E6-46DED743653E}" type="datetime1">
+              <a:rPr lang="de-DE" smtClean="0"/>
+              <a:t>26.11.2015</a:t>
+            </a:fld>
+            <a:endParaRPr lang="de-DE"/>
+          </a:p>
+        </p:txBody>
+      </p:sp>
+      <p:sp>
+        <p:nvSpPr>
+          <p:cNvPr id="5" name="Fußzeilenplatzhalter 4"/>
+          <p:cNvSpPr>
+            <a:spLocks noGrp="1"/>
+          </p:cNvSpPr>
+          <p:nvPr>
+            <p:ph type="ftr" sz="quarter" idx="11"/>
+          </p:nvPr>
+        </p:nvSpPr>
+        <p:spPr/>
+        <p:txBody>
+          <a:bodyPr/>
+          <a:lstStyle/>
+          <a:p>
+            <a:r>
+              <a:rPr lang="de-DE" smtClean="0"/>
+              <a:t>Fakultät Informatik             Sebastian Schötteler &amp; Benedikt Hofrichter</a:t>
+            </a:r>
+            <a:endParaRPr lang="de-DE" dirty="0"/>
+          </a:p>
+        </p:txBody>
+      </p:sp>
+      <p:sp>
+        <p:nvSpPr>
+          <p:cNvPr id="6" name="Foliennummernplatzhalter 5"/>
+          <p:cNvSpPr>
+            <a:spLocks noGrp="1"/>
+          </p:cNvSpPr>
+          <p:nvPr>
+            <p:ph type="sldNum" sz="quarter" idx="12"/>
+          </p:nvPr>
+        </p:nvSpPr>
+        <p:spPr/>
+        <p:txBody>
+          <a:bodyPr/>
+          <a:lstStyle/>
+          <a:p>
+            <a:fld id="{0E226D3C-400E-4353-AAC2-09A0472DC536}" type="slidenum">
+              <a:rPr lang="de-DE" smtClean="0"/>
+              <a:t>17</a:t>
             </a:fld>
             <a:endParaRPr lang="de-DE" dirty="0"/>
           </a:p>
@@ -4972,7 +6387,7 @@
 </p:sld>
 </file>
 
-<file path=ppt/slides/slide17.xml><?xml version="1.0" encoding="utf-8"?>
+<file path=ppt/slides/slide19.xml><?xml version="1.0" encoding="utf-8"?>
 <p:sld xmlns:a="http://schemas.openxmlformats.org/drawingml/2006/main" xmlns:r="http://schemas.openxmlformats.org/officeDocument/2006/relationships" xmlns:p="http://schemas.openxmlformats.org/presentationml/2006/main">
   <p:cSld>
     <p:spTree>
@@ -5101,7 +6516,7 @@
           <a:p>
             <a:fld id="{0E226D3C-400E-4353-AAC2-09A0472DC536}" type="slidenum">
               <a:rPr lang="de-DE" smtClean="0"/>
-              <a:t>16</a:t>
+              <a:t>18</a:t>
             </a:fld>
             <a:endParaRPr lang="de-DE" dirty="0"/>
           </a:p>
@@ -5181,352 +6596,6 @@
     <p:extLst>
       <p:ext uri="{BB962C8B-B14F-4D97-AF65-F5344CB8AC3E}">
         <p14:creationId xmlns:p14="http://schemas.microsoft.com/office/powerpoint/2010/main" val="2998904"/>
-      </p:ext>
-    </p:extLst>
-  </p:cSld>
-  <p:clrMapOvr>
-    <a:masterClrMapping/>
-  </p:clrMapOvr>
-  <p:timing>
-    <p:tnLst>
-      <p:par>
-        <p:cTn id="1" dur="indefinite" restart="never" nodeType="tmRoot"/>
-      </p:par>
-    </p:tnLst>
-  </p:timing>
-</p:sld>
-</file>
-
-<file path=ppt/slides/slide18.xml><?xml version="1.0" encoding="utf-8"?>
-<p:sld xmlns:a="http://schemas.openxmlformats.org/drawingml/2006/main" xmlns:r="http://schemas.openxmlformats.org/officeDocument/2006/relationships" xmlns:p="http://schemas.openxmlformats.org/presentationml/2006/main">
-  <p:cSld>
-    <p:spTree>
-      <p:nvGrpSpPr>
-        <p:cNvPr id="1" name=""/>
-        <p:cNvGrpSpPr/>
-        <p:nvPr/>
-      </p:nvGrpSpPr>
-      <p:grpSpPr>
-        <a:xfrm>
-          <a:off x="0" y="0"/>
-          <a:ext cx="0" cy="0"/>
-          <a:chOff x="0" y="0"/>
-          <a:chExt cx="0" cy="0"/>
-        </a:xfrm>
-      </p:grpSpPr>
-      <p:sp>
-        <p:nvSpPr>
-          <p:cNvPr id="2" name="Titel 1"/>
-          <p:cNvSpPr>
-            <a:spLocks noGrp="1"/>
-          </p:cNvSpPr>
-          <p:nvPr>
-            <p:ph type="title"/>
-          </p:nvPr>
-        </p:nvSpPr>
-        <p:spPr/>
-        <p:txBody>
-          <a:bodyPr/>
-          <a:lstStyle/>
-          <a:p>
-            <a:pPr marL="857250" indent="-857250">
-              <a:buFont typeface="+mj-lt"/>
-              <a:buAutoNum type="romanUcPeriod" startAt="3"/>
-            </a:pPr>
-            <a:r>
-              <a:rPr lang="de-DE" b="1" dirty="0" smtClean="0"/>
-              <a:t>Konzeption des künstlichen neuronalen Netzes</a:t>
-            </a:r>
-            <a:endParaRPr lang="de-DE" dirty="0"/>
-          </a:p>
-        </p:txBody>
-      </p:sp>
-      <p:sp>
-        <p:nvSpPr>
-          <p:cNvPr id="3" name="Inhaltsplatzhalter 2"/>
-          <p:cNvSpPr>
-            <a:spLocks noGrp="1"/>
-          </p:cNvSpPr>
-          <p:nvPr>
-            <p:ph idx="1"/>
-          </p:nvPr>
-        </p:nvSpPr>
-        <p:spPr/>
-        <p:txBody>
-          <a:bodyPr/>
-          <a:lstStyle/>
-          <a:p>
-            <a:r>
-              <a:rPr lang="de-DE" dirty="0" smtClean="0"/>
-              <a:t>Topologie</a:t>
-            </a:r>
-          </a:p>
-          <a:p>
-            <a:pPr lvl="1"/>
-            <a:r>
-              <a:rPr lang="de-DE" dirty="0" smtClean="0"/>
-              <a:t>Regeln zur Bestimmung der Anzahl der Neuronen in der versteckten Schicht:</a:t>
-            </a:r>
-          </a:p>
-          <a:p>
-            <a:pPr lvl="2"/>
-            <a:r>
-              <a:rPr lang="de-DE" dirty="0" smtClean="0"/>
-              <a:t>Regel A</a:t>
-            </a:r>
-          </a:p>
-          <a:p>
-            <a:pPr lvl="2"/>
-            <a:r>
-              <a:rPr lang="de-DE" dirty="0" smtClean="0"/>
-              <a:t>Regel B</a:t>
-            </a:r>
-          </a:p>
-          <a:p>
-            <a:pPr lvl="2"/>
-            <a:r>
-              <a:rPr lang="de-DE" dirty="0" smtClean="0"/>
-              <a:t>Regel C</a:t>
-            </a:r>
-          </a:p>
-          <a:p>
-            <a:pPr lvl="2"/>
-            <a:r>
-              <a:rPr lang="de-DE" dirty="0" smtClean="0"/>
-              <a:t>Regel D</a:t>
-            </a:r>
-            <a:endParaRPr lang="de-DE" dirty="0" smtClean="0"/>
-          </a:p>
-        </p:txBody>
-      </p:sp>
-      <p:sp>
-        <p:nvSpPr>
-          <p:cNvPr id="4" name="Datumsplatzhalter 3"/>
-          <p:cNvSpPr>
-            <a:spLocks noGrp="1"/>
-          </p:cNvSpPr>
-          <p:nvPr>
-            <p:ph type="dt" sz="half" idx="10"/>
-          </p:nvPr>
-        </p:nvSpPr>
-        <p:spPr/>
-        <p:txBody>
-          <a:bodyPr/>
-          <a:lstStyle/>
-          <a:p>
-            <a:fld id="{7AC709DD-AC18-4FBA-B4E6-46DED743653E}" type="datetime1">
-              <a:rPr lang="de-DE" smtClean="0"/>
-              <a:t>26.11.2015</a:t>
-            </a:fld>
-            <a:endParaRPr lang="de-DE"/>
-          </a:p>
-        </p:txBody>
-      </p:sp>
-      <p:sp>
-        <p:nvSpPr>
-          <p:cNvPr id="5" name="Fußzeilenplatzhalter 4"/>
-          <p:cNvSpPr>
-            <a:spLocks noGrp="1"/>
-          </p:cNvSpPr>
-          <p:nvPr>
-            <p:ph type="ftr" sz="quarter" idx="11"/>
-          </p:nvPr>
-        </p:nvSpPr>
-        <p:spPr/>
-        <p:txBody>
-          <a:bodyPr/>
-          <a:lstStyle/>
-          <a:p>
-            <a:r>
-              <a:rPr lang="de-DE" smtClean="0"/>
-              <a:t>Fakultät Informatik             Sebastian Schötteler &amp; Benedikt Hofrichter</a:t>
-            </a:r>
-            <a:endParaRPr lang="de-DE" dirty="0"/>
-          </a:p>
-        </p:txBody>
-      </p:sp>
-      <p:sp>
-        <p:nvSpPr>
-          <p:cNvPr id="6" name="Foliennummernplatzhalter 5"/>
-          <p:cNvSpPr>
-            <a:spLocks noGrp="1"/>
-          </p:cNvSpPr>
-          <p:nvPr>
-            <p:ph type="sldNum" sz="quarter" idx="12"/>
-          </p:nvPr>
-        </p:nvSpPr>
-        <p:spPr/>
-        <p:txBody>
-          <a:bodyPr/>
-          <a:lstStyle/>
-          <a:p>
-            <a:fld id="{0E226D3C-400E-4353-AAC2-09A0472DC536}" type="slidenum">
-              <a:rPr lang="de-DE" smtClean="0"/>
-              <a:t>17</a:t>
-            </a:fld>
-            <a:endParaRPr lang="de-DE" dirty="0"/>
-          </a:p>
-        </p:txBody>
-      </p:sp>
-    </p:spTree>
-    <p:extLst>
-      <p:ext uri="{BB962C8B-B14F-4D97-AF65-F5344CB8AC3E}">
-        <p14:creationId xmlns:p14="http://schemas.microsoft.com/office/powerpoint/2010/main" val="917414293"/>
-      </p:ext>
-    </p:extLst>
-  </p:cSld>
-  <p:clrMapOvr>
-    <a:masterClrMapping/>
-  </p:clrMapOvr>
-  <p:timing>
-    <p:tnLst>
-      <p:par>
-        <p:cTn id="1" dur="indefinite" restart="never" nodeType="tmRoot"/>
-      </p:par>
-    </p:tnLst>
-  </p:timing>
-</p:sld>
-</file>
-
-<file path=ppt/slides/slide19.xml><?xml version="1.0" encoding="utf-8"?>
-<p:sld xmlns:a="http://schemas.openxmlformats.org/drawingml/2006/main" xmlns:r="http://schemas.openxmlformats.org/officeDocument/2006/relationships" xmlns:p="http://schemas.openxmlformats.org/presentationml/2006/main">
-  <p:cSld>
-    <p:spTree>
-      <p:nvGrpSpPr>
-        <p:cNvPr id="1" name=""/>
-        <p:cNvGrpSpPr/>
-        <p:nvPr/>
-      </p:nvGrpSpPr>
-      <p:grpSpPr>
-        <a:xfrm>
-          <a:off x="0" y="0"/>
-          <a:ext cx="0" cy="0"/>
-          <a:chOff x="0" y="0"/>
-          <a:chExt cx="0" cy="0"/>
-        </a:xfrm>
-      </p:grpSpPr>
-      <p:sp>
-        <p:nvSpPr>
-          <p:cNvPr id="2" name="Titel 1"/>
-          <p:cNvSpPr>
-            <a:spLocks noGrp="1"/>
-          </p:cNvSpPr>
-          <p:nvPr>
-            <p:ph type="title"/>
-          </p:nvPr>
-        </p:nvSpPr>
-        <p:spPr/>
-        <p:txBody>
-          <a:bodyPr/>
-          <a:lstStyle/>
-          <a:p>
-            <a:pPr marL="857250" indent="-857250">
-              <a:buFont typeface="+mj-lt"/>
-              <a:buAutoNum type="romanUcPeriod" startAt="3"/>
-            </a:pPr>
-            <a:r>
-              <a:rPr lang="de-DE" b="1" dirty="0" smtClean="0"/>
-              <a:t>Konzeption des künstlichen neuronalen Netzes</a:t>
-            </a:r>
-            <a:endParaRPr lang="de-DE" dirty="0"/>
-          </a:p>
-        </p:txBody>
-      </p:sp>
-      <p:sp>
-        <p:nvSpPr>
-          <p:cNvPr id="3" name="Inhaltsplatzhalter 2"/>
-          <p:cNvSpPr>
-            <a:spLocks noGrp="1"/>
-          </p:cNvSpPr>
-          <p:nvPr>
-            <p:ph idx="1"/>
-          </p:nvPr>
-        </p:nvSpPr>
-        <p:spPr/>
-        <p:txBody>
-          <a:bodyPr/>
-          <a:lstStyle/>
-          <a:p>
-            <a:r>
-              <a:rPr lang="de-DE" dirty="0" smtClean="0"/>
-              <a:t>Topologie</a:t>
-            </a:r>
-          </a:p>
-        </p:txBody>
-      </p:sp>
-      <p:sp>
-        <p:nvSpPr>
-          <p:cNvPr id="4" name="Datumsplatzhalter 3"/>
-          <p:cNvSpPr>
-            <a:spLocks noGrp="1"/>
-          </p:cNvSpPr>
-          <p:nvPr>
-            <p:ph type="dt" sz="half" idx="10"/>
-          </p:nvPr>
-        </p:nvSpPr>
-        <p:spPr/>
-        <p:txBody>
-          <a:bodyPr/>
-          <a:lstStyle/>
-          <a:p>
-            <a:fld id="{7AC709DD-AC18-4FBA-B4E6-46DED743653E}" type="datetime1">
-              <a:rPr lang="de-DE" smtClean="0"/>
-              <a:t>26.11.2015</a:t>
-            </a:fld>
-            <a:endParaRPr lang="de-DE"/>
-          </a:p>
-        </p:txBody>
-      </p:sp>
-      <p:sp>
-        <p:nvSpPr>
-          <p:cNvPr id="5" name="Fußzeilenplatzhalter 4"/>
-          <p:cNvSpPr>
-            <a:spLocks noGrp="1"/>
-          </p:cNvSpPr>
-          <p:nvPr>
-            <p:ph type="ftr" sz="quarter" idx="11"/>
-          </p:nvPr>
-        </p:nvSpPr>
-        <p:spPr/>
-        <p:txBody>
-          <a:bodyPr/>
-          <a:lstStyle/>
-          <a:p>
-            <a:r>
-              <a:rPr lang="de-DE" smtClean="0"/>
-              <a:t>Fakultät Informatik             Sebastian Schötteler &amp; Benedikt Hofrichter</a:t>
-            </a:r>
-            <a:endParaRPr lang="de-DE" dirty="0"/>
-          </a:p>
-        </p:txBody>
-      </p:sp>
-      <p:sp>
-        <p:nvSpPr>
-          <p:cNvPr id="6" name="Foliennummernplatzhalter 5"/>
-          <p:cNvSpPr>
-            <a:spLocks noGrp="1"/>
-          </p:cNvSpPr>
-          <p:nvPr>
-            <p:ph type="sldNum" sz="quarter" idx="12"/>
-          </p:nvPr>
-        </p:nvSpPr>
-        <p:spPr/>
-        <p:txBody>
-          <a:bodyPr/>
-          <a:lstStyle/>
-          <a:p>
-            <a:fld id="{0E226D3C-400E-4353-AAC2-09A0472DC536}" type="slidenum">
-              <a:rPr lang="de-DE" smtClean="0"/>
-              <a:t>18</a:t>
-            </a:fld>
-            <a:endParaRPr lang="de-DE" dirty="0"/>
-          </a:p>
-        </p:txBody>
-      </p:sp>
-    </p:spTree>
-    <p:extLst>
-      <p:ext uri="{BB962C8B-B14F-4D97-AF65-F5344CB8AC3E}">
-        <p14:creationId xmlns:p14="http://schemas.microsoft.com/office/powerpoint/2010/main" val="348523590"/>
       </p:ext>
     </p:extLst>
   </p:cSld>
@@ -5919,9 +6988,43 @@
           <a:p>
             <a:r>
               <a:rPr lang="de-DE" dirty="0" smtClean="0"/>
-              <a:t>Lernverfahren</a:t>
-            </a:r>
-            <a:endParaRPr lang="de-DE" dirty="0" smtClean="0"/>
+              <a:t>Topologie</a:t>
+            </a:r>
+          </a:p>
+          <a:p>
+            <a:pPr lvl="1"/>
+            <a:r>
+              <a:rPr lang="de-DE" dirty="0" smtClean="0"/>
+              <a:t>Regeln zur Bestimmung der Anzahl der Neuronen in der versteckten Schicht:</a:t>
+            </a:r>
+          </a:p>
+          <a:p>
+            <a:pPr lvl="2"/>
+            <a:r>
+              <a:rPr lang="de-DE" dirty="0" smtClean="0"/>
+              <a:t>Regel A</a:t>
+            </a:r>
+          </a:p>
+          <a:p>
+            <a:pPr lvl="2"/>
+            <a:r>
+              <a:rPr lang="de-DE" dirty="0" smtClean="0"/>
+              <a:t>Regel B</a:t>
+            </a:r>
+          </a:p>
+          <a:p>
+            <a:pPr lvl="2"/>
+            <a:r>
+              <a:rPr lang="de-DE" dirty="0" smtClean="0"/>
+              <a:t>Regel C</a:t>
+            </a:r>
+          </a:p>
+          <a:p>
+            <a:pPr lvl="2"/>
+            <a:r>
+              <a:rPr lang="de-DE" dirty="0" smtClean="0"/>
+              <a:t>Regel D</a:t>
+            </a:r>
           </a:p>
         </p:txBody>
       </p:sp>
@@ -5997,7 +7100,7 @@
     </p:spTree>
     <p:extLst>
       <p:ext uri="{BB962C8B-B14F-4D97-AF65-F5344CB8AC3E}">
-        <p14:creationId xmlns:p14="http://schemas.microsoft.com/office/powerpoint/2010/main" val="1965030083"/>
+        <p14:creationId xmlns:p14="http://schemas.microsoft.com/office/powerpoint/2010/main" val="917414293"/>
       </p:ext>
     </p:extLst>
   </p:cSld>
@@ -6077,7 +7180,6 @@
               <a:rPr lang="de-DE" dirty="0" smtClean="0"/>
               <a:t>Lernverfahren</a:t>
             </a:r>
-            <a:endParaRPr lang="de-DE" dirty="0" smtClean="0"/>
           </a:p>
         </p:txBody>
       </p:sp>
@@ -6153,7 +7255,7 @@
     </p:spTree>
     <p:extLst>
       <p:ext uri="{BB962C8B-B14F-4D97-AF65-F5344CB8AC3E}">
-        <p14:creationId xmlns:p14="http://schemas.microsoft.com/office/powerpoint/2010/main" val="1929306173"/>
+        <p14:creationId xmlns:p14="http://schemas.microsoft.com/office/powerpoint/2010/main" val="1965030083"/>
       </p:ext>
     </p:extLst>
   </p:cSld>
@@ -6189,6 +7291,55 @@
       </p:grpSpPr>
       <p:sp>
         <p:nvSpPr>
+          <p:cNvPr id="2" name="Titel 1"/>
+          <p:cNvSpPr>
+            <a:spLocks noGrp="1"/>
+          </p:cNvSpPr>
+          <p:nvPr>
+            <p:ph type="title"/>
+          </p:nvPr>
+        </p:nvSpPr>
+        <p:spPr/>
+        <p:txBody>
+          <a:bodyPr/>
+          <a:lstStyle/>
+          <a:p>
+            <a:pPr marL="857250" indent="-857250">
+              <a:buFont typeface="+mj-lt"/>
+              <a:buAutoNum type="romanUcPeriod" startAt="3"/>
+            </a:pPr>
+            <a:r>
+              <a:rPr lang="de-DE" b="1" dirty="0" smtClean="0"/>
+              <a:t>Konzeption des künstlichen neuronalen Netzes</a:t>
+            </a:r>
+            <a:endParaRPr lang="de-DE" dirty="0"/>
+          </a:p>
+        </p:txBody>
+      </p:sp>
+      <p:sp>
+        <p:nvSpPr>
+          <p:cNvPr id="3" name="Inhaltsplatzhalter 2"/>
+          <p:cNvSpPr>
+            <a:spLocks noGrp="1"/>
+          </p:cNvSpPr>
+          <p:nvPr>
+            <p:ph idx="1"/>
+          </p:nvPr>
+        </p:nvSpPr>
+        <p:spPr/>
+        <p:txBody>
+          <a:bodyPr/>
+          <a:lstStyle/>
+          <a:p>
+            <a:r>
+              <a:rPr lang="de-DE" dirty="0" smtClean="0"/>
+              <a:t>Lernverfahren</a:t>
+            </a:r>
+          </a:p>
+        </p:txBody>
+      </p:sp>
+      <p:sp>
+        <p:nvSpPr>
           <p:cNvPr id="4" name="Datumsplatzhalter 3"/>
           <p:cNvSpPr>
             <a:spLocks noGrp="1"/>
@@ -6226,7 +7377,7 @@
           <a:lstStyle/>
           <a:p>
             <a:r>
-              <a:rPr lang="de-DE" dirty="0" smtClean="0"/>
+              <a:rPr lang="de-DE" smtClean="0"/>
               <a:t>Fakultät Informatik             Sebastian Schötteler &amp; Benedikt Hofrichter</a:t>
             </a:r>
             <a:endParaRPr lang="de-DE" dirty="0"/>
@@ -6251,6 +7402,112 @@
             <a:fld id="{0E226D3C-400E-4353-AAC2-09A0472DC536}" type="slidenum">
               <a:rPr lang="de-DE" smtClean="0"/>
               <a:t>21</a:t>
+            </a:fld>
+            <a:endParaRPr lang="de-DE" dirty="0"/>
+          </a:p>
+        </p:txBody>
+      </p:sp>
+    </p:spTree>
+    <p:extLst>
+      <p:ext uri="{BB962C8B-B14F-4D97-AF65-F5344CB8AC3E}">
+        <p14:creationId xmlns:p14="http://schemas.microsoft.com/office/powerpoint/2010/main" val="1929306173"/>
+      </p:ext>
+    </p:extLst>
+  </p:cSld>
+  <p:clrMapOvr>
+    <a:masterClrMapping/>
+  </p:clrMapOvr>
+  <p:timing>
+    <p:tnLst>
+      <p:par>
+        <p:cTn id="1" dur="indefinite" restart="never" nodeType="tmRoot"/>
+      </p:par>
+    </p:tnLst>
+  </p:timing>
+</p:sld>
+</file>
+
+<file path=ppt/slides/slide23.xml><?xml version="1.0" encoding="utf-8"?>
+<p:sld xmlns:a="http://schemas.openxmlformats.org/drawingml/2006/main" xmlns:r="http://schemas.openxmlformats.org/officeDocument/2006/relationships" xmlns:p="http://schemas.openxmlformats.org/presentationml/2006/main">
+  <p:cSld>
+    <p:spTree>
+      <p:nvGrpSpPr>
+        <p:cNvPr id="1" name=""/>
+        <p:cNvGrpSpPr/>
+        <p:nvPr/>
+      </p:nvGrpSpPr>
+      <p:grpSpPr>
+        <a:xfrm>
+          <a:off x="0" y="0"/>
+          <a:ext cx="0" cy="0"/>
+          <a:chOff x="0" y="0"/>
+          <a:chExt cx="0" cy="0"/>
+        </a:xfrm>
+      </p:grpSpPr>
+      <p:sp>
+        <p:nvSpPr>
+          <p:cNvPr id="4" name="Datumsplatzhalter 3"/>
+          <p:cNvSpPr>
+            <a:spLocks noGrp="1"/>
+          </p:cNvSpPr>
+          <p:nvPr>
+            <p:ph type="dt" sz="half" idx="10"/>
+          </p:nvPr>
+        </p:nvSpPr>
+        <p:spPr/>
+        <p:txBody>
+          <a:bodyPr/>
+          <a:lstStyle/>
+          <a:p>
+            <a:fld id="{7AC709DD-AC18-4FBA-B4E6-46DED743653E}" type="datetime1">
+              <a:rPr lang="de-DE" smtClean="0"/>
+              <a:t>26.11.2015</a:t>
+            </a:fld>
+            <a:endParaRPr lang="de-DE"/>
+          </a:p>
+        </p:txBody>
+      </p:sp>
+      <p:sp>
+        <p:nvSpPr>
+          <p:cNvPr id="5" name="Fußzeilenplatzhalter 4"/>
+          <p:cNvSpPr>
+            <a:spLocks noGrp="1"/>
+          </p:cNvSpPr>
+          <p:nvPr>
+            <p:ph type="ftr" sz="quarter" idx="11"/>
+          </p:nvPr>
+        </p:nvSpPr>
+        <p:spPr/>
+        <p:txBody>
+          <a:bodyPr/>
+          <a:lstStyle/>
+          <a:p>
+            <a:r>
+              <a:rPr lang="de-DE" dirty="0" smtClean="0"/>
+              <a:t>Fakultät Informatik             Sebastian Schötteler &amp; Benedikt Hofrichter</a:t>
+            </a:r>
+            <a:endParaRPr lang="de-DE" dirty="0"/>
+          </a:p>
+        </p:txBody>
+      </p:sp>
+      <p:sp>
+        <p:nvSpPr>
+          <p:cNvPr id="6" name="Foliennummernplatzhalter 5"/>
+          <p:cNvSpPr>
+            <a:spLocks noGrp="1"/>
+          </p:cNvSpPr>
+          <p:nvPr>
+            <p:ph type="sldNum" sz="quarter" idx="12"/>
+          </p:nvPr>
+        </p:nvSpPr>
+        <p:spPr/>
+        <p:txBody>
+          <a:bodyPr/>
+          <a:lstStyle/>
+          <a:p>
+            <a:fld id="{0E226D3C-400E-4353-AAC2-09A0472DC536}" type="slidenum">
+              <a:rPr lang="de-DE" smtClean="0"/>
+              <a:t>22</a:t>
             </a:fld>
             <a:endParaRPr lang="de-DE" dirty="0"/>
           </a:p>
@@ -6462,7 +7719,7 @@
 </p:sld>
 </file>
 
-<file path=ppt/slides/slide23.xml><?xml version="1.0" encoding="utf-8"?>
+<file path=ppt/slides/slide24.xml><?xml version="1.0" encoding="utf-8"?>
 <p:sld xmlns:a="http://schemas.openxmlformats.org/drawingml/2006/main" xmlns:r="http://schemas.openxmlformats.org/officeDocument/2006/relationships" xmlns:p="http://schemas.openxmlformats.org/presentationml/2006/main">
   <p:cSld>
     <p:spTree>
@@ -6588,7 +7845,7 @@
           <a:p>
             <a:fld id="{0E226D3C-400E-4353-AAC2-09A0472DC536}" type="slidenum">
               <a:rPr lang="de-DE" smtClean="0"/>
-              <a:t>22</a:t>
+              <a:t>23</a:t>
             </a:fld>
             <a:endParaRPr lang="de-DE" dirty="0"/>
           </a:p>
@@ -6614,7 +7871,7 @@
 </p:sld>
 </file>
 
-<file path=ppt/slides/slide24.xml><?xml version="1.0" encoding="utf-8"?>
+<file path=ppt/slides/slide25.xml><?xml version="1.0" encoding="utf-8"?>
 <p:sld xmlns:a="http://schemas.openxmlformats.org/drawingml/2006/main" xmlns:r="http://schemas.openxmlformats.org/officeDocument/2006/relationships" xmlns:p="http://schemas.openxmlformats.org/presentationml/2006/main">
   <p:cSld>
     <p:spTree>
@@ -6694,7 +7951,7 @@
           <a:p>
             <a:fld id="{0E226D3C-400E-4353-AAC2-09A0472DC536}" type="slidenum">
               <a:rPr lang="de-DE" smtClean="0"/>
-              <a:t>23</a:t>
+              <a:t>24</a:t>
             </a:fld>
             <a:endParaRPr lang="de-DE" dirty="0"/>
           </a:p>
@@ -6906,7 +8163,7 @@
 </p:sld>
 </file>
 
-<file path=ppt/slides/slide25.xml><?xml version="1.0" encoding="utf-8"?>
+<file path=ppt/slides/slide26.xml><?xml version="1.0" encoding="utf-8"?>
 <p:sld xmlns:a="http://schemas.openxmlformats.org/drawingml/2006/main" xmlns:r="http://schemas.openxmlformats.org/officeDocument/2006/relationships" xmlns:p="http://schemas.openxmlformats.org/presentationml/2006/main">
   <p:cSld>
     <p:spTree>
@@ -7032,7 +8289,7 @@
           <a:p>
             <a:fld id="{0E226D3C-400E-4353-AAC2-09A0472DC536}" type="slidenum">
               <a:rPr lang="de-DE" smtClean="0"/>
-              <a:t>24</a:t>
+              <a:t>25</a:t>
             </a:fld>
             <a:endParaRPr lang="de-DE" dirty="0"/>
           </a:p>
@@ -7058,7 +8315,7 @@
 </p:sld>
 </file>
 
-<file path=ppt/slides/slide26.xml><?xml version="1.0" encoding="utf-8"?>
+<file path=ppt/slides/slide27.xml><?xml version="1.0" encoding="utf-8"?>
 <p:sld xmlns:a="http://schemas.openxmlformats.org/drawingml/2006/main" xmlns:r="http://schemas.openxmlformats.org/officeDocument/2006/relationships" xmlns:p="http://schemas.openxmlformats.org/presentationml/2006/main">
   <p:cSld>
     <p:spTree>
@@ -7138,7 +8395,7 @@
           <a:p>
             <a:fld id="{0E226D3C-400E-4353-AAC2-09A0472DC536}" type="slidenum">
               <a:rPr lang="de-DE" smtClean="0"/>
-              <a:t>25</a:t>
+              <a:t>26</a:t>
             </a:fld>
             <a:endParaRPr lang="de-DE" dirty="0"/>
           </a:p>
@@ -7350,7 +8607,7 @@
 </p:sld>
 </file>
 
-<file path=ppt/slides/slide27.xml><?xml version="1.0" encoding="utf-8"?>
+<file path=ppt/slides/slide28.xml><?xml version="1.0" encoding="utf-8"?>
 <p:sld xmlns:a="http://schemas.openxmlformats.org/drawingml/2006/main" xmlns:r="http://schemas.openxmlformats.org/officeDocument/2006/relationships" xmlns:p="http://schemas.openxmlformats.org/presentationml/2006/main">
   <p:cSld>
     <p:spTree>
@@ -7476,7 +8733,7 @@
           <a:p>
             <a:fld id="{0E226D3C-400E-4353-AAC2-09A0472DC536}" type="slidenum">
               <a:rPr lang="de-DE" smtClean="0"/>
-              <a:t>26</a:t>
+              <a:t>27</a:t>
             </a:fld>
             <a:endParaRPr lang="de-DE" dirty="0"/>
           </a:p>
@@ -7502,7 +8759,7 @@
 </p:sld>
 </file>
 
-<file path=ppt/slides/slide28.xml><?xml version="1.0" encoding="utf-8"?>
+<file path=ppt/slides/slide29.xml><?xml version="1.0" encoding="utf-8"?>
 <p:sld xmlns:a="http://schemas.openxmlformats.org/drawingml/2006/main" xmlns:r="http://schemas.openxmlformats.org/officeDocument/2006/relationships" xmlns:p="http://schemas.openxmlformats.org/presentationml/2006/main">
   <p:cSld>
     <p:spTree>
@@ -7582,7 +8839,7 @@
           <a:p>
             <a:fld id="{0E226D3C-400E-4353-AAC2-09A0472DC536}" type="slidenum">
               <a:rPr lang="de-DE" smtClean="0"/>
-              <a:t>27</a:t>
+              <a:t>28</a:t>
             </a:fld>
             <a:endParaRPr lang="de-DE" dirty="0"/>
           </a:p>
@@ -7778,158 +9035,6 @@
     <p:extLst>
       <p:ext uri="{BB962C8B-B14F-4D97-AF65-F5344CB8AC3E}">
         <p14:creationId xmlns:p14="http://schemas.microsoft.com/office/powerpoint/2010/main" val="4094910121"/>
-      </p:ext>
-    </p:extLst>
-  </p:cSld>
-  <p:clrMapOvr>
-    <a:masterClrMapping/>
-  </p:clrMapOvr>
-  <p:timing>
-    <p:tnLst>
-      <p:par>
-        <p:cTn id="1" dur="indefinite" restart="never" nodeType="tmRoot"/>
-      </p:par>
-    </p:tnLst>
-  </p:timing>
-</p:sld>
-</file>
-
-<file path=ppt/slides/slide29.xml><?xml version="1.0" encoding="utf-8"?>
-<p:sld xmlns:a="http://schemas.openxmlformats.org/drawingml/2006/main" xmlns:r="http://schemas.openxmlformats.org/officeDocument/2006/relationships" xmlns:p="http://schemas.openxmlformats.org/presentationml/2006/main">
-  <p:cSld>
-    <p:spTree>
-      <p:nvGrpSpPr>
-        <p:cNvPr id="1" name=""/>
-        <p:cNvGrpSpPr/>
-        <p:nvPr/>
-      </p:nvGrpSpPr>
-      <p:grpSpPr>
-        <a:xfrm>
-          <a:off x="0" y="0"/>
-          <a:ext cx="0" cy="0"/>
-          <a:chOff x="0" y="0"/>
-          <a:chExt cx="0" cy="0"/>
-        </a:xfrm>
-      </p:grpSpPr>
-      <p:sp>
-        <p:nvSpPr>
-          <p:cNvPr id="2" name="Titel 1"/>
-          <p:cNvSpPr>
-            <a:spLocks noGrp="1"/>
-          </p:cNvSpPr>
-          <p:nvPr>
-            <p:ph type="title"/>
-          </p:nvPr>
-        </p:nvSpPr>
-        <p:spPr/>
-        <p:txBody>
-          <a:bodyPr/>
-          <a:lstStyle/>
-          <a:p>
-            <a:pPr marL="857250" indent="-857250">
-              <a:buFont typeface="+mj-lt"/>
-              <a:buAutoNum type="romanUcPeriod" startAt="7"/>
-            </a:pPr>
-            <a:r>
-              <a:rPr lang="de-DE" b="1" dirty="0" smtClean="0"/>
-              <a:t>Vorstellung der Anwendung</a:t>
-            </a:r>
-            <a:endParaRPr lang="de-DE" b="1" dirty="0"/>
-          </a:p>
-        </p:txBody>
-      </p:sp>
-      <p:sp>
-        <p:nvSpPr>
-          <p:cNvPr id="3" name="Inhaltsplatzhalter 2"/>
-          <p:cNvSpPr>
-            <a:spLocks noGrp="1"/>
-          </p:cNvSpPr>
-          <p:nvPr>
-            <p:ph idx="1"/>
-          </p:nvPr>
-        </p:nvSpPr>
-        <p:spPr/>
-        <p:txBody>
-          <a:bodyPr/>
-          <a:lstStyle/>
-          <a:p>
-            <a:endParaRPr lang="de-DE"/>
-          </a:p>
-        </p:txBody>
-      </p:sp>
-      <p:sp>
-        <p:nvSpPr>
-          <p:cNvPr id="4" name="Datumsplatzhalter 3"/>
-          <p:cNvSpPr>
-            <a:spLocks noGrp="1"/>
-          </p:cNvSpPr>
-          <p:nvPr>
-            <p:ph type="dt" sz="half" idx="10"/>
-          </p:nvPr>
-        </p:nvSpPr>
-        <p:spPr/>
-        <p:txBody>
-          <a:bodyPr/>
-          <a:lstStyle/>
-          <a:p>
-            <a:fld id="{7AC709DD-AC18-4FBA-B4E6-46DED743653E}" type="datetime1">
-              <a:rPr lang="de-DE" smtClean="0"/>
-              <a:t>26.11.2015</a:t>
-            </a:fld>
-            <a:endParaRPr lang="de-DE"/>
-          </a:p>
-        </p:txBody>
-      </p:sp>
-      <p:sp>
-        <p:nvSpPr>
-          <p:cNvPr id="5" name="Fußzeilenplatzhalter 4"/>
-          <p:cNvSpPr>
-            <a:spLocks noGrp="1"/>
-          </p:cNvSpPr>
-          <p:nvPr>
-            <p:ph type="ftr" sz="quarter" idx="11"/>
-          </p:nvPr>
-        </p:nvSpPr>
-        <p:spPr/>
-        <p:txBody>
-          <a:bodyPr/>
-          <a:lstStyle/>
-          <a:p>
-            <a:r>
-              <a:rPr lang="de-DE" smtClean="0"/>
-              <a:t>Fakultät Informatik             Sebastian Schötteler &amp; Benedikt Hofrichter</a:t>
-            </a:r>
-            <a:endParaRPr lang="de-DE" dirty="0"/>
-          </a:p>
-        </p:txBody>
-      </p:sp>
-      <p:sp>
-        <p:nvSpPr>
-          <p:cNvPr id="6" name="Foliennummernplatzhalter 5"/>
-          <p:cNvSpPr>
-            <a:spLocks noGrp="1"/>
-          </p:cNvSpPr>
-          <p:nvPr>
-            <p:ph type="sldNum" sz="quarter" idx="12"/>
-          </p:nvPr>
-        </p:nvSpPr>
-        <p:spPr/>
-        <p:txBody>
-          <a:bodyPr/>
-          <a:lstStyle/>
-          <a:p>
-            <a:fld id="{0E226D3C-400E-4353-AAC2-09A0472DC536}" type="slidenum">
-              <a:rPr lang="de-DE" smtClean="0"/>
-              <a:t>28</a:t>
-            </a:fld>
-            <a:endParaRPr lang="de-DE" dirty="0"/>
-          </a:p>
-        </p:txBody>
-      </p:sp>
-    </p:spTree>
-    <p:extLst>
-      <p:ext uri="{BB962C8B-B14F-4D97-AF65-F5344CB8AC3E}">
-        <p14:creationId xmlns:p14="http://schemas.microsoft.com/office/powerpoint/2010/main" val="214419860"/>
       </p:ext>
     </p:extLst>
   </p:cSld>
@@ -8257,6 +9362,52 @@
       </p:grpSpPr>
       <p:sp>
         <p:nvSpPr>
+          <p:cNvPr id="2" name="Titel 1"/>
+          <p:cNvSpPr>
+            <a:spLocks noGrp="1"/>
+          </p:cNvSpPr>
+          <p:nvPr>
+            <p:ph type="title"/>
+          </p:nvPr>
+        </p:nvSpPr>
+        <p:spPr/>
+        <p:txBody>
+          <a:bodyPr/>
+          <a:lstStyle/>
+          <a:p>
+            <a:pPr marL="857250" indent="-857250">
+              <a:buFont typeface="+mj-lt"/>
+              <a:buAutoNum type="romanUcPeriod" startAt="7"/>
+            </a:pPr>
+            <a:r>
+              <a:rPr lang="de-DE" b="1" dirty="0" smtClean="0"/>
+              <a:t>Vorstellung der Anwendung</a:t>
+            </a:r>
+            <a:endParaRPr lang="de-DE" b="1" dirty="0"/>
+          </a:p>
+        </p:txBody>
+      </p:sp>
+      <p:sp>
+        <p:nvSpPr>
+          <p:cNvPr id="3" name="Inhaltsplatzhalter 2"/>
+          <p:cNvSpPr>
+            <a:spLocks noGrp="1"/>
+          </p:cNvSpPr>
+          <p:nvPr>
+            <p:ph idx="1"/>
+          </p:nvPr>
+        </p:nvSpPr>
+        <p:spPr/>
+        <p:txBody>
+          <a:bodyPr/>
+          <a:lstStyle/>
+          <a:p>
+            <a:endParaRPr lang="de-DE"/>
+          </a:p>
+        </p:txBody>
+      </p:sp>
+      <p:sp>
+        <p:nvSpPr>
           <p:cNvPr id="4" name="Datumsplatzhalter 3"/>
           <p:cNvSpPr>
             <a:spLocks noGrp="1"/>
@@ -8294,7 +9445,7 @@
           <a:lstStyle/>
           <a:p>
             <a:r>
-              <a:rPr lang="de-DE" dirty="0" smtClean="0"/>
+              <a:rPr lang="de-DE" smtClean="0"/>
               <a:t>Fakultät Informatik             Sebastian Schötteler &amp; Benedikt Hofrichter</a:t>
             </a:r>
             <a:endParaRPr lang="de-DE" dirty="0"/>
@@ -8319,6 +9470,112 @@
             <a:fld id="{0E226D3C-400E-4353-AAC2-09A0472DC536}" type="slidenum">
               <a:rPr lang="de-DE" smtClean="0"/>
               <a:t>29</a:t>
+            </a:fld>
+            <a:endParaRPr lang="de-DE" dirty="0"/>
+          </a:p>
+        </p:txBody>
+      </p:sp>
+    </p:spTree>
+    <p:extLst>
+      <p:ext uri="{BB962C8B-B14F-4D97-AF65-F5344CB8AC3E}">
+        <p14:creationId xmlns:p14="http://schemas.microsoft.com/office/powerpoint/2010/main" val="214419860"/>
+      </p:ext>
+    </p:extLst>
+  </p:cSld>
+  <p:clrMapOvr>
+    <a:masterClrMapping/>
+  </p:clrMapOvr>
+  <p:timing>
+    <p:tnLst>
+      <p:par>
+        <p:cTn id="1" dur="indefinite" restart="never" nodeType="tmRoot"/>
+      </p:par>
+    </p:tnLst>
+  </p:timing>
+</p:sld>
+</file>
+
+<file path=ppt/slides/slide31.xml><?xml version="1.0" encoding="utf-8"?>
+<p:sld xmlns:a="http://schemas.openxmlformats.org/drawingml/2006/main" xmlns:r="http://schemas.openxmlformats.org/officeDocument/2006/relationships" xmlns:p="http://schemas.openxmlformats.org/presentationml/2006/main">
+  <p:cSld>
+    <p:spTree>
+      <p:nvGrpSpPr>
+        <p:cNvPr id="1" name=""/>
+        <p:cNvGrpSpPr/>
+        <p:nvPr/>
+      </p:nvGrpSpPr>
+      <p:grpSpPr>
+        <a:xfrm>
+          <a:off x="0" y="0"/>
+          <a:ext cx="0" cy="0"/>
+          <a:chOff x="0" y="0"/>
+          <a:chExt cx="0" cy="0"/>
+        </a:xfrm>
+      </p:grpSpPr>
+      <p:sp>
+        <p:nvSpPr>
+          <p:cNvPr id="4" name="Datumsplatzhalter 3"/>
+          <p:cNvSpPr>
+            <a:spLocks noGrp="1"/>
+          </p:cNvSpPr>
+          <p:nvPr>
+            <p:ph type="dt" sz="half" idx="10"/>
+          </p:nvPr>
+        </p:nvSpPr>
+        <p:spPr/>
+        <p:txBody>
+          <a:bodyPr/>
+          <a:lstStyle/>
+          <a:p>
+            <a:fld id="{7AC709DD-AC18-4FBA-B4E6-46DED743653E}" type="datetime1">
+              <a:rPr lang="de-DE" smtClean="0"/>
+              <a:t>26.11.2015</a:t>
+            </a:fld>
+            <a:endParaRPr lang="de-DE"/>
+          </a:p>
+        </p:txBody>
+      </p:sp>
+      <p:sp>
+        <p:nvSpPr>
+          <p:cNvPr id="5" name="Fußzeilenplatzhalter 4"/>
+          <p:cNvSpPr>
+            <a:spLocks noGrp="1"/>
+          </p:cNvSpPr>
+          <p:nvPr>
+            <p:ph type="ftr" sz="quarter" idx="11"/>
+          </p:nvPr>
+        </p:nvSpPr>
+        <p:spPr/>
+        <p:txBody>
+          <a:bodyPr/>
+          <a:lstStyle/>
+          <a:p>
+            <a:r>
+              <a:rPr lang="de-DE" dirty="0" smtClean="0"/>
+              <a:t>Fakultät Informatik             Sebastian Schötteler &amp; Benedikt Hofrichter</a:t>
+            </a:r>
+            <a:endParaRPr lang="de-DE" dirty="0"/>
+          </a:p>
+        </p:txBody>
+      </p:sp>
+      <p:sp>
+        <p:nvSpPr>
+          <p:cNvPr id="6" name="Foliennummernplatzhalter 5"/>
+          <p:cNvSpPr>
+            <a:spLocks noGrp="1"/>
+          </p:cNvSpPr>
+          <p:nvPr>
+            <p:ph type="sldNum" sz="quarter" idx="12"/>
+          </p:nvPr>
+        </p:nvSpPr>
+        <p:spPr/>
+        <p:txBody>
+          <a:bodyPr/>
+          <a:lstStyle/>
+          <a:p>
+            <a:fld id="{0E226D3C-400E-4353-AAC2-09A0472DC536}" type="slidenum">
+              <a:rPr lang="de-DE" smtClean="0"/>
+              <a:t>30</a:t>
             </a:fld>
             <a:endParaRPr lang="de-DE" dirty="0"/>
           </a:p>
@@ -8530,7 +9787,7 @@
 </p:sld>
 </file>
 
-<file path=ppt/slides/slide31.xml><?xml version="1.0" encoding="utf-8"?>
+<file path=ppt/slides/slide32.xml><?xml version="1.0" encoding="utf-8"?>
 <p:sld xmlns:a="http://schemas.openxmlformats.org/drawingml/2006/main" xmlns:r="http://schemas.openxmlformats.org/officeDocument/2006/relationships" xmlns:p="http://schemas.openxmlformats.org/presentationml/2006/main">
   <p:cSld>
     <p:spTree>
@@ -8656,7 +9913,7 @@
           <a:p>
             <a:fld id="{0E226D3C-400E-4353-AAC2-09A0472DC536}" type="slidenum">
               <a:rPr lang="de-DE" smtClean="0"/>
-              <a:t>30</a:t>
+              <a:t>31</a:t>
             </a:fld>
             <a:endParaRPr lang="de-DE" dirty="0"/>
           </a:p>
@@ -8682,7 +9939,7 @@
 </p:sld>
 </file>
 
-<file path=ppt/slides/slide32.xml><?xml version="1.0" encoding="utf-8"?>
+<file path=ppt/slides/slide33.xml><?xml version="1.0" encoding="utf-8"?>
 <p:sld xmlns:a="http://schemas.openxmlformats.org/drawingml/2006/main" xmlns:r="http://schemas.openxmlformats.org/officeDocument/2006/relationships" xmlns:p="http://schemas.openxmlformats.org/presentationml/2006/main">
   <p:cSld>
     <p:spTree>
@@ -8762,7 +10019,7 @@
           <a:p>
             <a:fld id="{0E226D3C-400E-4353-AAC2-09A0472DC536}" type="slidenum">
               <a:rPr lang="de-DE" smtClean="0"/>
-              <a:t>31</a:t>
+              <a:t>32</a:t>
             </a:fld>
             <a:endParaRPr lang="de-DE" dirty="0"/>
           </a:p>
@@ -8974,7 +10231,7 @@
 </p:sld>
 </file>
 
-<file path=ppt/slides/slide33.xml><?xml version="1.0" encoding="utf-8"?>
+<file path=ppt/slides/slide34.xml><?xml version="1.0" encoding="utf-8"?>
 <p:sld xmlns:a="http://schemas.openxmlformats.org/drawingml/2006/main" xmlns:r="http://schemas.openxmlformats.org/officeDocument/2006/relationships" xmlns:p="http://schemas.openxmlformats.org/presentationml/2006/main">
   <p:cSld>
     <p:spTree>
@@ -9100,7 +10357,7 @@
           <a:p>
             <a:fld id="{0E226D3C-400E-4353-AAC2-09A0472DC536}" type="slidenum">
               <a:rPr lang="de-DE" smtClean="0"/>
-              <a:t>32</a:t>
+              <a:t>33</a:t>
             </a:fld>
             <a:endParaRPr lang="de-DE" dirty="0"/>
           </a:p>
@@ -9126,7 +10383,7 @@
 </p:sld>
 </file>
 
-<file path=ppt/slides/slide34.xml><?xml version="1.0" encoding="utf-8"?>
+<file path=ppt/slides/slide35.xml><?xml version="1.0" encoding="utf-8"?>
 <p:sld xmlns:a="http://schemas.openxmlformats.org/drawingml/2006/main" xmlns:r="http://schemas.openxmlformats.org/officeDocument/2006/relationships" xmlns:p="http://schemas.openxmlformats.org/presentationml/2006/main">
   <p:cSld>
     <p:spTree>
@@ -9235,7 +10492,7 @@
           <a:p>
             <a:fld id="{0E226D3C-400E-4353-AAC2-09A0472DC536}" type="slidenum">
               <a:rPr lang="de-DE" smtClean="0"/>
-              <a:t>33</a:t>
+              <a:t>34</a:t>
             </a:fld>
             <a:endParaRPr lang="de-DE" dirty="0"/>
           </a:p>
@@ -10768,7 +12025,7 @@
                     <a:p>
                       <a:pPr algn="ctr"/>
                       <a:r>
-                        <a:rPr lang="de-DE" dirty="0" err="1" smtClean="0"/>
+                        <a:rPr lang="de-DE" dirty="0" smtClean="0"/>
                         <a:t>Perzeptron</a:t>
                       </a:r>
                       <a:endParaRPr lang="de-DE" dirty="0"/>
@@ -11490,7 +12747,7 @@
                     <a:p>
                       <a:pPr algn="ctr"/>
                       <a:r>
-                        <a:rPr lang="de-DE" dirty="0" err="1" smtClean="0"/>
+                        <a:rPr lang="de-DE" dirty="0" smtClean="0"/>
                         <a:t>Perzeptron</a:t>
                       </a:r>
                       <a:endParaRPr lang="de-DE" dirty="0"/>

--- a/3b) Vortrag/Präsentation.pptx
+++ b/3b) Vortrag/Präsentation.pptx
@@ -5,7 +5,7 @@
     <p:sldMasterId id="2147483648" r:id="rId1"/>
   </p:sldMasterIdLst>
   <p:notesMasterIdLst>
-    <p:notesMasterId r:id="rId41"/>
+    <p:notesMasterId r:id="rId43"/>
   </p:notesMasterIdLst>
   <p:sldIdLst>
     <p:sldId id="256" r:id="rId2"/>
@@ -32,21 +32,23 @@
     <p:sldId id="290" r:id="rId23"/>
     <p:sldId id="305" r:id="rId24"/>
     <p:sldId id="292" r:id="rId25"/>
-    <p:sldId id="280" r:id="rId26"/>
-    <p:sldId id="261" r:id="rId27"/>
-    <p:sldId id="281" r:id="rId28"/>
-    <p:sldId id="262" r:id="rId29"/>
-    <p:sldId id="282" r:id="rId30"/>
-    <p:sldId id="273" r:id="rId31"/>
-    <p:sldId id="283" r:id="rId32"/>
-    <p:sldId id="274" r:id="rId33"/>
-    <p:sldId id="284" r:id="rId34"/>
-    <p:sldId id="276" r:id="rId35"/>
-    <p:sldId id="285" r:id="rId36"/>
-    <p:sldId id="286" r:id="rId37"/>
-    <p:sldId id="307" r:id="rId38"/>
-    <p:sldId id="306" r:id="rId39"/>
-    <p:sldId id="275" r:id="rId40"/>
+    <p:sldId id="309" r:id="rId26"/>
+    <p:sldId id="308" r:id="rId27"/>
+    <p:sldId id="280" r:id="rId28"/>
+    <p:sldId id="261" r:id="rId29"/>
+    <p:sldId id="281" r:id="rId30"/>
+    <p:sldId id="262" r:id="rId31"/>
+    <p:sldId id="282" r:id="rId32"/>
+    <p:sldId id="273" r:id="rId33"/>
+    <p:sldId id="283" r:id="rId34"/>
+    <p:sldId id="274" r:id="rId35"/>
+    <p:sldId id="284" r:id="rId36"/>
+    <p:sldId id="276" r:id="rId37"/>
+    <p:sldId id="285" r:id="rId38"/>
+    <p:sldId id="286" r:id="rId39"/>
+    <p:sldId id="307" r:id="rId40"/>
+    <p:sldId id="306" r:id="rId41"/>
+    <p:sldId id="275" r:id="rId42"/>
   </p:sldIdLst>
   <p:sldSz cx="12192000" cy="6858000"/>
   <p:notesSz cx="6858000" cy="9144000"/>
@@ -662,7 +664,7 @@
           <a:p>
             <a:fld id="{0B7A52FC-885B-48D0-94A7-F9F16D60E366}" type="slidenum">
               <a:rPr lang="de-DE" smtClean="0"/>
-              <a:t>27</a:t>
+              <a:t>29</a:t>
             </a:fld>
             <a:endParaRPr lang="de-DE"/>
           </a:p>
@@ -4661,25 +4663,15 @@
             <a:pPr lvl="2"/>
             <a:r>
               <a:rPr lang="de-DE" dirty="0" smtClean="0"/>
-              <a:t>Definition der linearen </a:t>
-            </a:r>
-            <a:r>
-              <a:rPr lang="de-DE" dirty="0" smtClean="0"/>
-              <a:t>Separierbarkeit &amp; Konvergenz-Theorem</a:t>
-            </a:r>
-            <a:endParaRPr lang="de-DE" dirty="0" smtClean="0"/>
+              <a:t>Definition der linearen Separierbarkeit &amp; Konvergenz-Theorem</a:t>
+            </a:r>
           </a:p>
           <a:p>
             <a:pPr lvl="2"/>
             <a:r>
               <a:rPr lang="de-DE" dirty="0" smtClean="0"/>
-              <a:t>Theorem von </a:t>
-            </a:r>
-            <a:r>
-              <a:rPr lang="de-DE" dirty="0" smtClean="0"/>
-              <a:t>Kolmogorov</a:t>
-            </a:r>
-            <a:endParaRPr lang="de-DE" dirty="0" smtClean="0"/>
+              <a:t>Theorem von Kolmogorov</a:t>
+            </a:r>
           </a:p>
         </p:txBody>
       </p:sp>
@@ -5466,22 +5458,27 @@
                 <p:ph idx="1"/>
               </p:nvPr>
             </p:nvSpPr>
-            <p:spPr/>
+            <p:spPr>
+              <a:xfrm>
+                <a:off x="838200" y="1889423"/>
+                <a:ext cx="10515600" cy="4351338"/>
+              </a:xfrm>
+            </p:spPr>
             <p:txBody>
               <a:bodyPr>
-                <a:normAutofit fontScale="92500" lnSpcReduction="10000"/>
+                <a:normAutofit fontScale="92500" lnSpcReduction="20000"/>
               </a:bodyPr>
               <a:lstStyle/>
               <a:p>
                 <a:r>
-                  <a:rPr lang="de-DE" dirty="0" smtClean="0"/>
+                  <a:rPr lang="de-DE" sz="3000" dirty="0" smtClean="0"/>
                   <a:t>Netztyp</a:t>
                 </a:r>
               </a:p>
               <a:p>
                 <a:pPr lvl="1"/>
                 <a:r>
-                  <a:rPr lang="de-DE" dirty="0" smtClean="0"/>
+                  <a:rPr lang="de-DE" sz="2600" dirty="0" smtClean="0"/>
                   <a:t>Definition der linearen Separierbarkeit:</a:t>
                 </a:r>
               </a:p>
@@ -5596,11 +5593,7 @@
                 </a14:m>
                 <a:r>
                   <a:rPr lang="de-DE" dirty="0" smtClean="0"/>
-                  <a:t> </a:t>
-                </a:r>
-                <a:r>
-                  <a:rPr lang="de-DE" dirty="0" smtClean="0"/>
-                  <a:t>reelle Zahlen </a:t>
+                  <a:t> reelle Zahlen </a:t>
                 </a:r>
                 <a14:m>
                   <m:oMath xmlns:m="http://schemas.openxmlformats.org/officeDocument/2006/math">
@@ -5676,15 +5669,7 @@
                 </a14:m>
                 <a:r>
                   <a:rPr lang="de-DE" dirty="0" smtClean="0"/>
-                  <a:t>existieren</a:t>
-                </a:r>
-                <a:r>
-                  <a:rPr lang="de-DE" dirty="0" smtClean="0"/>
-                  <a:t>, sodass für </a:t>
-                </a:r>
-                <a:r>
-                  <a:rPr lang="de-DE" dirty="0" smtClean="0"/>
-                  <a:t>alle </a:t>
+                  <a:t>existieren, sodass für alle </a:t>
                 </a:r>
                 <a14:m>
                   <m:oMath xmlns:m="http://schemas.openxmlformats.org/officeDocument/2006/math">
@@ -6186,23 +6171,15 @@
               <a:p>
                 <a:pPr lvl="1"/>
                 <a:r>
-                  <a:rPr lang="de-DE" dirty="0" smtClean="0"/>
+                  <a:rPr lang="de-DE" sz="2600" dirty="0" smtClean="0"/>
                   <a:t>2 Klassen sind linear separierbar, wenn ihre konvexen Hüllen disjunkt sind.</a:t>
                 </a:r>
               </a:p>
               <a:p>
                 <a:pPr lvl="2"/>
                 <a:r>
-                  <a:rPr lang="de-DE" dirty="0" smtClean="0"/>
-                  <a:t>…Also w</a:t>
-                </a:r>
-                <a:r>
-                  <a:rPr lang="de-DE" dirty="0" smtClean="0"/>
-                  <a:t>enn </a:t>
-                </a:r>
-                <a:r>
-                  <a:rPr lang="de-DE" dirty="0" smtClean="0"/>
-                  <a:t>sie durch eine Gerade geteilt werden können. </a:t>
+                  <a:rPr lang="de-DE" sz="2600" dirty="0" smtClean="0"/>
+                  <a:t>…Also wenn sie durch eine Gerade geteilt werden können. </a:t>
                 </a:r>
               </a:p>
             </p:txBody>
@@ -6220,10 +6197,14 @@
               </p:nvPr>
             </p:nvSpPr>
             <p:spPr>
+              <a:xfrm>
+                <a:off x="838200" y="1889423"/>
+                <a:ext cx="10515600" cy="4351338"/>
+              </a:xfrm>
               <a:blipFill rotWithShape="0">
                 <a:blip r:embed="rId2"/>
                 <a:stretch>
-                  <a:fillRect l="-928" t="-2801"/>
+                  <a:fillRect l="-1043" t="-3922"/>
                 </a:stretch>
               </a:blipFill>
             </p:spPr>
@@ -6609,7 +6590,7 @@
         </p:nvSpPr>
         <p:spPr>
           <a:xfrm>
-            <a:off x="838200" y="1846890"/>
+            <a:off x="838200" y="1825624"/>
             <a:ext cx="10515600" cy="4351338"/>
           </a:xfrm>
         </p:spPr>
@@ -6750,7 +6731,7 @@
             <p:spPr>
               <a:xfrm>
                 <a:off x="3942907" y="3058907"/>
-                <a:ext cx="7410893" cy="3554819"/>
+                <a:ext cx="7410893" cy="3831818"/>
               </a:xfrm>
               <a:prstGeom prst="rect">
                 <a:avLst/>
@@ -6763,7 +6744,6 @@
               </a:bodyPr>
               <a:lstStyle/>
               <a:p>
-                <a:pPr/>
                 <a:r>
                   <a:rPr lang="de-DE" dirty="0" smtClean="0">
                     <a:latin typeface="Cambria Math" panose="02040503050406030204" pitchFamily="18" charset="0"/>
@@ -7281,14 +7261,7 @@
                         <m:nor/>
                       </m:rPr>
                       <a:rPr lang="de-DE"/>
-                      <m:t>Ø</m:t>
-                    </m:r>
-                    <m:r>
-                      <m:rPr>
-                        <m:nor/>
-                      </m:rPr>
-                      <a:rPr lang="de-DE"/>
-                      <m:t>  </m:t>
+                      <m:t>Ø  </m:t>
                     </m:r>
                     <m:r>
                       <m:rPr>
@@ -7462,14 +7435,7 @@
                         <m:nor/>
                       </m:rPr>
                       <a:rPr lang="de-DE"/>
-                      <m:t>Ø</m:t>
-                    </m:r>
-                    <m:r>
-                      <m:rPr>
-                        <m:nor/>
-                      </m:rPr>
-                      <a:rPr lang="de-DE"/>
-                      <m:t>  </m:t>
+                      <m:t>Ø  </m:t>
                     </m:r>
                     <m:r>
                       <m:rPr>
@@ -7636,14 +7602,7 @@
                         <m:nor/>
                       </m:rPr>
                       <a:rPr lang="de-DE"/>
-                      <m:t>Ø</m:t>
-                    </m:r>
-                    <m:r>
-                      <m:rPr>
-                        <m:nor/>
-                      </m:rPr>
-                      <a:rPr lang="de-DE"/>
-                      <m:t>  </m:t>
+                      <m:t>Ø  </m:t>
                     </m:r>
                     <m:r>
                       <m:rPr>
@@ -7711,9 +7670,24 @@
                     <a:spcPct val="150000"/>
                   </a:lnSpc>
                 </a:pPr>
+                <a14:m>
+                  <m:oMath xmlns:m="http://schemas.openxmlformats.org/officeDocument/2006/math">
+                    <m:r>
+                      <a:rPr lang="de-DE" i="1" smtClean="0">
+                        <a:latin typeface="Cambria Math" panose="02040503050406030204" pitchFamily="18" charset="0"/>
+                        <a:ea typeface="Cambria Math" panose="02040503050406030204" pitchFamily="18" charset="0"/>
+                      </a:rPr>
+                      <m:t>→</m:t>
+                    </m:r>
+                  </m:oMath>
+                </a14:m>
                 <a:r>
                   <a:rPr lang="de-DE" dirty="0" smtClean="0"/>
-                  <a:t>=&gt; Widerspruch:  </a:t>
+                  <a:t> </a:t>
+                </a:r>
+                <a:r>
+                  <a:rPr lang="de-DE" dirty="0" smtClean="0"/>
+                  <a:t>Widerspruch:  </a:t>
                 </a:r>
                 <a14:m>
                   <m:oMath xmlns:m="http://schemas.openxmlformats.org/officeDocument/2006/math">
@@ -7967,9 +7941,16 @@
                 <a:endParaRPr lang="de-DE" dirty="0" smtClean="0"/>
               </a:p>
               <a:p>
+                <a:endParaRPr lang="de-DE" dirty="0" smtClean="0"/>
+              </a:p>
+              <a:p>
                 <a:r>
                   <a:rPr lang="de-DE" dirty="0" smtClean="0"/>
-                  <a:t>=&gt; Beweis auf andere nicht linear separierbare Funktionen anwendbar.</a:t>
+                  <a:t>Beweis </a:t>
+                </a:r>
+                <a:r>
+                  <a:rPr lang="de-DE" dirty="0" smtClean="0"/>
+                  <a:t>auf andere nicht linear separierbare Funktionen anwendbar.</a:t>
                 </a:r>
               </a:p>
               <a:p>
@@ -7993,7 +7974,7 @@
             <p:spPr>
               <a:xfrm>
                 <a:off x="3942907" y="3058907"/>
-                <a:ext cx="7410893" cy="3554819"/>
+                <a:ext cx="7410893" cy="3831818"/>
               </a:xfrm>
               <a:prstGeom prst="rect">
                 <a:avLst/>
@@ -8001,7 +7982,7 @@
               <a:blipFill rotWithShape="0">
                 <a:blip r:embed="rId4"/>
                 <a:stretch>
-                  <a:fillRect l="-740" t="-1201"/>
+                  <a:fillRect l="-740" t="-1115"/>
                 </a:stretch>
               </a:blipFill>
             </p:spPr>
@@ -8020,6 +8001,46 @@
           </p:sp>
         </mc:Fallback>
       </mc:AlternateContent>
+      <p:sp>
+        <p:nvSpPr>
+          <p:cNvPr id="7" name="Pfeil nach rechts 6"/>
+          <p:cNvSpPr/>
+          <p:nvPr/>
+        </p:nvSpPr>
+        <p:spPr>
+          <a:xfrm>
+            <a:off x="3623412" y="6071192"/>
+            <a:ext cx="310635" cy="126026"/>
+          </a:xfrm>
+          <a:prstGeom prst="rightArrow">
+            <a:avLst/>
+          </a:prstGeom>
+        </p:spPr>
+        <p:style>
+          <a:lnRef idx="2">
+            <a:schemeClr val="dk1">
+              <a:shade val="50000"/>
+            </a:schemeClr>
+          </a:lnRef>
+          <a:fillRef idx="1">
+            <a:schemeClr val="dk1"/>
+          </a:fillRef>
+          <a:effectRef idx="0">
+            <a:schemeClr val="dk1"/>
+          </a:effectRef>
+          <a:fontRef idx="minor">
+            <a:schemeClr val="lt1"/>
+          </a:fontRef>
+        </p:style>
+        <p:txBody>
+          <a:bodyPr rtlCol="0" anchor="ctr"/>
+          <a:lstStyle/>
+          <a:p>
+            <a:pPr algn="ctr"/>
+            <a:endParaRPr lang="de-DE"/>
+          </a:p>
+        </p:txBody>
+      </p:sp>
     </p:spTree>
     <p:extLst>
       <p:ext uri="{BB962C8B-B14F-4D97-AF65-F5344CB8AC3E}">
@@ -8350,7 +8371,7 @@
                                         <p:tgtEl>
                                           <p:spTgt spid="16">
                                             <p:txEl>
-                                              <p:pRg st="9" end="9"/>
+                                              <p:pRg st="10" end="10"/>
                                             </p:txEl>
                                           </p:spTgt>
                                         </p:tgtEl>
@@ -8454,20 +8475,21 @@
             </p:nvSpPr>
             <p:spPr>
               <a:xfrm>
-                <a:off x="838200" y="1857523"/>
+                <a:off x="838200" y="1825624"/>
                 <a:ext cx="10515600" cy="4351338"/>
               </a:xfrm>
             </p:spPr>
             <p:txBody>
               <a:bodyPr>
-                <a:normAutofit fontScale="92500"/>
+                <a:noAutofit/>
               </a:bodyPr>
               <a:lstStyle/>
               <a:p>
                 <a:r>
                   <a:rPr lang="de-DE" dirty="0" smtClean="0"/>
-                  <a:t>Netztyp: </a:t>
+                  <a:t>Netztyp</a:t>
                 </a:r>
+                <a:endParaRPr lang="de-DE" dirty="0" smtClean="0"/>
               </a:p>
               <a:p>
                 <a:pPr lvl="1"/>
@@ -8477,11 +8499,7 @@
                 </a:r>
                 <a:r>
                   <a:rPr lang="de-DE" dirty="0" smtClean="0"/>
-                  <a:t>neuronales Netz</a:t>
-                </a:r>
-                <a:r>
-                  <a:rPr lang="de-DE" dirty="0" smtClean="0"/>
-                  <a:t> </a:t>
+                  <a:t>neuronales Netz </a:t>
                 </a:r>
                 <a:r>
                   <a:rPr lang="de-DE" dirty="0"/>
@@ -8489,11 +8507,7 @@
                 </a:r>
                 <a:r>
                   <a:rPr lang="de-DE" dirty="0" smtClean="0"/>
-                  <a:t>Mengen </a:t>
-                </a:r>
-                <a:r>
-                  <a:rPr lang="de-DE" dirty="0" smtClean="0"/>
-                  <a:t>klassifizieren.</a:t>
+                  <a:t>Mengen klassifizieren.</a:t>
                 </a:r>
               </a:p>
               <a:p>
@@ -8607,13 +8621,13 @@
             </p:nvSpPr>
             <p:spPr>
               <a:xfrm>
-                <a:off x="838200" y="1857523"/>
+                <a:off x="838200" y="1825624"/>
                 <a:ext cx="10515600" cy="4351338"/>
               </a:xfrm>
               <a:blipFill rotWithShape="0">
                 <a:blip r:embed="rId2"/>
                 <a:stretch>
-                  <a:fillRect l="-928" t="-2241"/>
+                  <a:fillRect l="-1043" t="-2241"/>
                 </a:stretch>
               </a:blipFill>
             </p:spPr>
@@ -8779,7 +8793,7 @@
             </p:nvSpPr>
             <p:spPr>
               <a:xfrm>
-                <a:off x="838200" y="1857523"/>
+                <a:off x="838200" y="1825624"/>
                 <a:ext cx="10515600" cy="4351338"/>
               </a:xfrm>
             </p:spPr>
@@ -8791,15 +8805,17 @@
               <a:p>
                 <a:r>
                   <a:rPr lang="de-DE" dirty="0" smtClean="0"/>
-                  <a:t>Netztyp:</a:t>
+                  <a:t>Netztyp</a:t>
                 </a:r>
+                <a:endParaRPr lang="de-DE" dirty="0" smtClean="0"/>
               </a:p>
               <a:p>
                 <a:pPr lvl="1"/>
                 <a:r>
                   <a:rPr lang="de-DE" dirty="0" smtClean="0"/>
-                  <a:t>Test:</a:t>
+                  <a:t>Test auf linearer Separierbarkeit:</a:t>
                 </a:r>
+                <a:endParaRPr lang="de-DE" dirty="0" smtClean="0"/>
               </a:p>
               <a:p>
                 <a:pPr lvl="1"/>
@@ -8848,12 +8864,28 @@
                 </a14:m>
                 <a:r>
                   <a:rPr lang="de-DE" dirty="0" smtClean="0"/>
-                  <a:t> Börsenkurs nicht linear separabel.</a:t>
+                  <a:t> Börsenkurs nicht linear </a:t>
                 </a:r>
                 <a:r>
                   <a:rPr lang="de-DE" dirty="0" smtClean="0"/>
-                  <a:t> </a:t>
+                  <a:t>separabel </a:t>
                 </a:r>
+                <a14:m>
+                  <m:oMath xmlns:m="http://schemas.openxmlformats.org/officeDocument/2006/math">
+                    <m:r>
+                      <a:rPr lang="de-DE" i="1">
+                        <a:latin typeface="Cambria Math" panose="02040503050406030204" pitchFamily="18" charset="0"/>
+                        <a:ea typeface="Cambria Math" panose="02040503050406030204" pitchFamily="18" charset="0"/>
+                      </a:rPr>
+                      <m:t>→</m:t>
+                    </m:r>
+                  </m:oMath>
+                </a14:m>
+                <a:r>
+                  <a:rPr lang="de-DE" dirty="0" smtClean="0"/>
+                  <a:t> einlagige neuronale Netze nicht zur Prognose des Börsenkurses geeignet. </a:t>
+                </a:r>
+                <a:endParaRPr lang="de-DE" dirty="0" smtClean="0"/>
               </a:p>
               <a:p>
                 <a:pPr lvl="1"/>
@@ -8881,13 +8913,13 @@
             </p:nvSpPr>
             <p:spPr>
               <a:xfrm>
-                <a:off x="838200" y="1857523"/>
+                <a:off x="838200" y="1825624"/>
                 <a:ext cx="10515600" cy="4351338"/>
               </a:xfrm>
               <a:blipFill rotWithShape="0">
                 <a:blip r:embed="rId2"/>
                 <a:stretch>
-                  <a:fillRect l="-1043" t="-2381"/>
+                  <a:fillRect l="-1043" t="-2241" r="-290" b="-2941"/>
                 </a:stretch>
               </a:blipFill>
             </p:spPr>
@@ -8997,7 +9029,7 @@
         </p:blipFill>
         <p:spPr>
           <a:xfrm>
-            <a:off x="4129541" y="2281094"/>
+            <a:off x="1120526" y="2667959"/>
             <a:ext cx="3276190" cy="2666667"/>
           </a:xfrm>
           <a:prstGeom prst="rect">
@@ -9091,8 +9123,9 @@
           <a:p>
             <a:r>
               <a:rPr lang="de-DE" dirty="0" smtClean="0"/>
-              <a:t>Netztyp:</a:t>
-            </a:r>
+              <a:t>Netztyp</a:t>
+            </a:r>
+            <a:endParaRPr lang="de-DE" dirty="0" smtClean="0"/>
           </a:p>
           <a:p>
             <a:endParaRPr lang="de-DE" dirty="0"/>
@@ -9649,15 +9682,7 @@
             <a:pPr lvl="1"/>
             <a:r>
               <a:rPr lang="de-DE" dirty="0" smtClean="0"/>
-              <a:t>Ist ein </a:t>
-            </a:r>
-            <a:r>
-              <a:rPr lang="de-DE" dirty="0" smtClean="0"/>
-              <a:t>Multilayerperzeptron </a:t>
-            </a:r>
-            <a:r>
-              <a:rPr lang="de-DE" dirty="0" smtClean="0"/>
-              <a:t>zur Vorhersage von Börsenprognosen geeignet?</a:t>
+              <a:t>Ist ein Multilayerperzeptron zur Vorhersage von Börsenprognosen geeignet?</a:t>
             </a:r>
           </a:p>
           <a:p>
@@ -9677,15 +9702,7 @@
             </a:r>
             <a:r>
               <a:rPr lang="de-DE" sz="2000" dirty="0" smtClean="0"/>
-              <a:t>    „</a:t>
-            </a:r>
-            <a:r>
-              <a:rPr lang="de-DE" sz="2000" dirty="0" smtClean="0"/>
-              <a:t>Mit Hilfe eines dreischichtigen neuronalen Netzes lassen sich </a:t>
-            </a:r>
-            <a:r>
-              <a:rPr lang="de-DE" sz="2000" dirty="0" smtClean="0"/>
-              <a:t>Funktionen</a:t>
+              <a:t>    „Mit Hilfe eines dreischichtigen neuronalen Netzes lassen sich Funktionen</a:t>
             </a:r>
           </a:p>
           <a:p>
@@ -9698,13 +9715,20 @@
             </a:r>
             <a:r>
               <a:rPr lang="de-DE" sz="2000" dirty="0" smtClean="0"/>
-              <a:t>         beliebig genau approximieren.“</a:t>
-            </a:r>
-          </a:p>
-          <a:p>
-            <a:pPr marL="457200" lvl="1" indent="0">
-              <a:buNone/>
-            </a:pPr>
+              <a:t>         </a:t>
+            </a:r>
+            <a:r>
+              <a:rPr lang="de-DE" sz="2000" dirty="0" smtClean="0"/>
+              <a:t>   beliebig </a:t>
+            </a:r>
+            <a:r>
+              <a:rPr lang="de-DE" sz="2000" dirty="0" smtClean="0"/>
+              <a:t>genau approximieren</a:t>
+            </a:r>
+            <a:r>
+              <a:rPr lang="de-DE" sz="2000" dirty="0" smtClean="0"/>
+              <a:t>.“</a:t>
+            </a:r>
             <a:endParaRPr lang="de-DE" sz="2800" dirty="0" smtClean="0"/>
           </a:p>
           <a:p>
@@ -9724,7 +9748,11 @@
           <a:p>
             <a:r>
               <a:rPr lang="de-DE" dirty="0" smtClean="0"/>
-              <a:t>Fazit: Multilayerperzeptron</a:t>
+              <a:t>Fazit: </a:t>
+            </a:r>
+            <a:r>
+              <a:rPr lang="de-DE" dirty="0" smtClean="0"/>
+              <a:t>Multilayerperzeptron geeignet.</a:t>
             </a:r>
             <a:endParaRPr lang="de-DE" sz="2400" dirty="0" smtClean="0"/>
           </a:p>
@@ -9894,7 +9922,7 @@
               <a:p>
                 <a:r>
                   <a:rPr lang="de-DE" dirty="0" smtClean="0"/>
-                  <a:t>Topologie:</a:t>
+                  <a:t>Topologie</a:t>
                 </a:r>
                 <a:endParaRPr lang="de-DE" dirty="0" smtClean="0"/>
               </a:p>
@@ -9931,11 +9959,7 @@
                 </a14:m>
                 <a:r>
                   <a:rPr lang="de-DE" dirty="0" smtClean="0"/>
-                  <a:t> </a:t>
-                </a:r>
-                <a:r>
-                  <a:rPr lang="de-DE" dirty="0" smtClean="0"/>
-                  <a:t>= Börsenkurs des DAX am Tag </a:t>
+                  <a:t> = Börsenkurs des DAX am Tag </a:t>
                 </a:r>
                 <a14:m>
                   <m:oMath xmlns:m="http://schemas.openxmlformats.org/officeDocument/2006/math">
@@ -9951,7 +9975,6 @@
                   <a:rPr lang="de-DE" dirty="0" smtClean="0"/>
                   <a:t>.</a:t>
                 </a:r>
-                <a:endParaRPr lang="de-DE" dirty="0" smtClean="0"/>
               </a:p>
               <a:p>
                 <a:pPr lvl="1"/>
@@ -9971,11 +9994,7 @@
                 </a14:m>
                 <a:r>
                   <a:rPr lang="de-DE" dirty="0" smtClean="0"/>
-                  <a:t> </a:t>
-                </a:r>
-                <a:r>
-                  <a:rPr lang="de-DE" dirty="0" smtClean="0"/>
-                  <a:t>mit </a:t>
+                  <a:t> mit </a:t>
                 </a:r>
                 <a14:m>
                   <m:oMath xmlns:m="http://schemas.openxmlformats.org/officeDocument/2006/math">
@@ -10026,11 +10045,7 @@
                 </a14:m>
                 <a:r>
                   <a:rPr lang="de-DE" dirty="0" smtClean="0"/>
-                  <a:t>,</a:t>
-                </a:r>
-                <a:r>
-                  <a:rPr lang="de-DE" dirty="0" smtClean="0"/>
-                  <a:t> </a:t>
+                  <a:t>, </a:t>
                 </a:r>
                 <a14:m>
                   <m:oMath xmlns:m="http://schemas.openxmlformats.org/officeDocument/2006/math">
@@ -10155,17 +10170,8 @@
                 </a14:m>
                 <a:r>
                   <a:rPr lang="de-DE" dirty="0" smtClean="0"/>
-                  <a:t>der </a:t>
+                  <a:t>der Länge 4 als Input.</a:t>
                 </a:r>
-                <a:r>
-                  <a:rPr lang="de-DE" dirty="0" smtClean="0"/>
-                  <a:t>Länge 4 als </a:t>
-                </a:r>
-                <a:r>
-                  <a:rPr lang="de-DE" dirty="0" smtClean="0"/>
-                  <a:t>Input.</a:t>
-                </a:r>
-                <a:endParaRPr lang="de-DE" dirty="0" smtClean="0"/>
               </a:p>
               <a:p>
                 <a:pPr lvl="1"/>
@@ -10210,15 +10216,7 @@
                 </a14:m>
                 <a:r>
                   <a:rPr lang="de-DE" dirty="0" smtClean="0"/>
-                  <a:t> </a:t>
-                </a:r>
-                <a:r>
-                  <a:rPr lang="de-DE" dirty="0" smtClean="0"/>
-                  <a:t>als </a:t>
-                </a:r>
-                <a:r>
-                  <a:rPr lang="de-DE" dirty="0" smtClean="0"/>
-                  <a:t>Output.</a:t>
+                  <a:t> als Output.</a:t>
                 </a:r>
                 <a:endParaRPr lang="de-DE" dirty="0"/>
               </a:p>
@@ -10724,7 +10722,7 @@
           <a:p>
             <a:r>
               <a:rPr lang="de-DE" dirty="0" smtClean="0"/>
-              <a:t>Topologie:</a:t>
+              <a:t>Topologie</a:t>
             </a:r>
             <a:endParaRPr lang="de-DE" dirty="0" smtClean="0"/>
           </a:p>
@@ -10801,7 +10799,7 @@
       </p:sp>
       <p:pic>
         <p:nvPicPr>
-          <p:cNvPr id="8" name="Grafik 7"/>
+          <p:cNvPr id="9" name="Grafik 8"/>
           <p:cNvPicPr>
             <a:picLocks noChangeAspect="1"/>
           </p:cNvPicPr>
@@ -10815,8 +10813,8 @@
         </p:blipFill>
         <p:spPr>
           <a:xfrm>
-            <a:off x="3601544" y="2243738"/>
-            <a:ext cx="5768229" cy="3797758"/>
+            <a:off x="3296748" y="2212704"/>
+            <a:ext cx="6021121" cy="3964260"/>
           </a:xfrm>
           <a:prstGeom prst="rect">
             <a:avLst/>
@@ -10906,6 +10904,7 @@
               <a:rPr lang="de-DE" dirty="0" smtClean="0"/>
               <a:t>Topologie</a:t>
             </a:r>
+            <a:endParaRPr lang="de-DE" dirty="0" smtClean="0"/>
           </a:p>
         </p:txBody>
       </p:sp>
@@ -11048,36 +11047,6 @@
           </a:p>
         </p:txBody>
       </p:sp>
-      <p:pic>
-        <p:nvPicPr>
-          <p:cNvPr id="9" name="Grafik 8"/>
-          <p:cNvPicPr>
-            <a:picLocks noChangeAspect="1"/>
-          </p:cNvPicPr>
-          <p:nvPr/>
-        </p:nvPicPr>
-        <p:blipFill>
-          <a:blip r:embed="rId3">
-            <a:extLst>
-              <a:ext uri="{28A0092B-C50C-407E-A947-70E740481C1C}">
-                <a14:useLocalDpi xmlns:a14="http://schemas.microsoft.com/office/drawing/2010/main" val="0"/>
-              </a:ext>
-            </a:extLst>
-          </a:blip>
-          <a:stretch>
-            <a:fillRect/>
-          </a:stretch>
-        </p:blipFill>
-        <p:spPr>
-          <a:xfrm>
-            <a:off x="3354686" y="2212704"/>
-            <a:ext cx="6025386" cy="3964259"/>
-          </a:xfrm>
-          <a:prstGeom prst="rect">
-            <a:avLst/>
-          </a:prstGeom>
-        </p:spPr>
-      </p:pic>
     </p:spTree>
     <p:extLst>
       <p:ext uri="{BB962C8B-B14F-4D97-AF65-F5344CB8AC3E}">
@@ -11157,7 +11126,7 @@
             <p:spPr/>
             <p:txBody>
               <a:bodyPr>
-                <a:normAutofit fontScale="92500" lnSpcReduction="20000"/>
+                <a:normAutofit/>
               </a:bodyPr>
               <a:lstStyle/>
               <a:p>
@@ -11419,7 +11388,6 @@
                   <a:rPr lang="de-DE" dirty="0" smtClean="0"/>
                   <a:t>Es werden 450 Trainingsdaten verwendet. </a:t>
                 </a:r>
-                <a:endParaRPr lang="de-DE" dirty="0" smtClean="0"/>
               </a:p>
               <a:p>
                 <a:pPr lvl="2"/>
@@ -11470,20 +11438,11 @@
                 </a14:m>
                 <a:r>
                   <a:rPr lang="de-DE" dirty="0" smtClean="0"/>
-                  <a:t> Anzahl Outpurneuronen.</a:t>
+                  <a:t> Anzahl Outpurneuronen</a:t>
                 </a:r>
-                <a:endParaRPr lang="de-DE" dirty="0" smtClean="0"/>
-              </a:p>
-              <a:p>
-                <a:pPr marL="914400" lvl="2" indent="0">
-                  <a:buNone/>
-                </a:pPr>
-                <a:endParaRPr lang="de-DE" dirty="0"/>
-              </a:p>
-              <a:p>
                 <a:r>
                   <a:rPr lang="de-DE" dirty="0" smtClean="0"/>
-                  <a:t>Diese Richtlinien bieten nur einen Anhaltspunkt.</a:t>
+                  <a:t>.</a:t>
                 </a:r>
                 <a:endParaRPr lang="de-DE" dirty="0" smtClean="0"/>
               </a:p>
@@ -11505,7 +11464,7 @@
               <a:blipFill rotWithShape="0">
                 <a:blip r:embed="rId2"/>
                 <a:stretch>
-                  <a:fillRect l="-928" t="-3501"/>
+                  <a:fillRect l="-1043" t="-2241"/>
                 </a:stretch>
               </a:blipFill>
             </p:spPr>
@@ -11589,6 +11548,74 @@
               <a:rPr lang="de-DE" smtClean="0"/>
               <a:t>21</a:t>
             </a:fld>
+            <a:endParaRPr lang="de-DE" dirty="0"/>
+          </a:p>
+        </p:txBody>
+      </p:sp>
+      <p:sp>
+        <p:nvSpPr>
+          <p:cNvPr id="7" name="Geschweifte Klammer rechts 6"/>
+          <p:cNvSpPr/>
+          <p:nvPr/>
+        </p:nvSpPr>
+        <p:spPr>
+          <a:xfrm>
+            <a:off x="9348384" y="2222205"/>
+            <a:ext cx="593056" cy="3817088"/>
+          </a:xfrm>
+          <a:prstGeom prst="rightBrace">
+            <a:avLst/>
+          </a:prstGeom>
+        </p:spPr>
+        <p:style>
+          <a:lnRef idx="1">
+            <a:schemeClr val="accent1"/>
+          </a:lnRef>
+          <a:fillRef idx="0">
+            <a:schemeClr val="accent1"/>
+          </a:fillRef>
+          <a:effectRef idx="0">
+            <a:schemeClr val="accent1"/>
+          </a:effectRef>
+          <a:fontRef idx="minor">
+            <a:schemeClr val="tx1"/>
+          </a:fontRef>
+        </p:style>
+        <p:txBody>
+          <a:bodyPr rtlCol="0" anchor="ctr"/>
+          <a:lstStyle/>
+          <a:p>
+            <a:pPr algn="ctr"/>
+            <a:endParaRPr lang="de-DE" dirty="0"/>
+          </a:p>
+        </p:txBody>
+      </p:sp>
+      <p:sp>
+        <p:nvSpPr>
+          <p:cNvPr id="8" name="Textfeld 7"/>
+          <p:cNvSpPr txBox="1"/>
+          <p:nvPr/>
+        </p:nvSpPr>
+        <p:spPr>
+          <a:xfrm>
+            <a:off x="9941438" y="3806453"/>
+            <a:ext cx="1910318" cy="646331"/>
+          </a:xfrm>
+          <a:prstGeom prst="rect">
+            <a:avLst/>
+          </a:prstGeom>
+          <a:noFill/>
+        </p:spPr>
+        <p:txBody>
+          <a:bodyPr wrap="square" rtlCol="0">
+            <a:spAutoFit/>
+          </a:bodyPr>
+          <a:lstStyle/>
+          <a:p>
+            <a:r>
+              <a:rPr lang="de-DE" dirty="0" smtClean="0"/>
+              <a:t>Bieten nur einen Anhaltspunkt</a:t>
+            </a:r>
             <a:endParaRPr lang="de-DE" dirty="0"/>
           </a:p>
         </p:txBody>
@@ -11852,15 +11879,123 @@
             <p:ph idx="1"/>
           </p:nvPr>
         </p:nvSpPr>
-        <p:spPr/>
-        <p:txBody>
-          <a:bodyPr/>
-          <a:lstStyle/>
-          <a:p>
-            <a:r>
-              <a:rPr lang="de-DE" dirty="0" smtClean="0"/>
+        <p:spPr>
+          <a:xfrm>
+            <a:off x="838200" y="1889423"/>
+            <a:ext cx="10515600" cy="4351338"/>
+          </a:xfrm>
+        </p:spPr>
+        <p:txBody>
+          <a:bodyPr>
+            <a:normAutofit fontScale="70000" lnSpcReduction="20000"/>
+          </a:bodyPr>
+          <a:lstStyle/>
+          <a:p>
+            <a:r>
+              <a:rPr lang="de-DE" sz="4000" dirty="0" smtClean="0"/>
               <a:t>Lernverfahren</a:t>
             </a:r>
+          </a:p>
+          <a:p>
+            <a:pPr lvl="1"/>
+            <a:r>
+              <a:rPr lang="de-DE" sz="3400" dirty="0" smtClean="0"/>
+              <a:t>Überwachtes Lernen</a:t>
+            </a:r>
+          </a:p>
+          <a:p>
+            <a:pPr lvl="2"/>
+            <a:r>
+              <a:rPr lang="de-DE" sz="2800" dirty="0" smtClean="0"/>
+              <a:t>Eingabewerte bekannt</a:t>
+            </a:r>
+          </a:p>
+          <a:p>
+            <a:pPr lvl="2"/>
+            <a:r>
+              <a:rPr lang="de-DE" sz="2800" dirty="0" smtClean="0"/>
+              <a:t>Erwartete Ausgabewerte bekannt</a:t>
+            </a:r>
+          </a:p>
+          <a:p>
+            <a:pPr lvl="2"/>
+            <a:r>
+              <a:rPr lang="de-DE" sz="2800" dirty="0" smtClean="0"/>
+              <a:t>Tatsächlicher Wert wird mit erwarteten Ausgabewert verglichen.</a:t>
+            </a:r>
+          </a:p>
+          <a:p>
+            <a:pPr lvl="2"/>
+            <a:r>
+              <a:rPr lang="de-DE" sz="2800" dirty="0" smtClean="0"/>
+              <a:t>MSE wird gebildet und zum „trainieren“ des Netzes genutzt.</a:t>
+            </a:r>
+          </a:p>
+          <a:p>
+            <a:pPr marL="914400" lvl="2" indent="0">
+              <a:buNone/>
+            </a:pPr>
+            <a:endParaRPr lang="de-DE" sz="1600" dirty="0" smtClean="0"/>
+          </a:p>
+          <a:p>
+            <a:pPr lvl="1"/>
+            <a:r>
+              <a:rPr lang="de-DE" sz="3400" dirty="0" smtClean="0"/>
+              <a:t>Bestärkendes Lernen</a:t>
+            </a:r>
+          </a:p>
+          <a:p>
+            <a:pPr lvl="2"/>
+            <a:r>
+              <a:rPr lang="de-DE" sz="3200" dirty="0" smtClean="0"/>
+              <a:t>Ähnlich wie überwachtes Lernen. </a:t>
+            </a:r>
+            <a:endParaRPr lang="de-DE" sz="3000" dirty="0" smtClean="0"/>
+          </a:p>
+          <a:p>
+            <a:pPr lvl="2"/>
+            <a:r>
+              <a:rPr lang="de-DE" sz="2800" dirty="0" smtClean="0"/>
+              <a:t>Anwendbar, wenn keine Ausgabewerte zur Verfügung stehen.</a:t>
+            </a:r>
+          </a:p>
+          <a:p>
+            <a:pPr lvl="2"/>
+            <a:r>
+              <a:rPr lang="de-DE" sz="2800" dirty="0" smtClean="0"/>
+              <a:t>Netz erhält nur Information ob richtig oder falsch und muss damit trainiert werden.</a:t>
+            </a:r>
+          </a:p>
+          <a:p>
+            <a:pPr lvl="2"/>
+            <a:endParaRPr lang="de-DE" sz="1400" dirty="0" smtClean="0"/>
+          </a:p>
+          <a:p>
+            <a:pPr lvl="1"/>
+            <a:r>
+              <a:rPr lang="de-DE" sz="3400" dirty="0" smtClean="0"/>
+              <a:t>Nicht überwachtes Lernen</a:t>
+            </a:r>
+          </a:p>
+          <a:p>
+            <a:pPr lvl="2"/>
+            <a:r>
+              <a:rPr lang="de-DE" sz="2800" dirty="0" smtClean="0"/>
+              <a:t>Sehr nah am biologischen Vorbild. </a:t>
+            </a:r>
+          </a:p>
+          <a:p>
+            <a:pPr lvl="2"/>
+            <a:r>
+              <a:rPr lang="de-DE" sz="2800" dirty="0" smtClean="0"/>
+              <a:t>Das Neuronale Netz verändert sich entsprechend den Eingabemustern von selbst.</a:t>
+            </a:r>
+          </a:p>
+          <a:p>
+            <a:pPr marL="914400" lvl="2" indent="0">
+              <a:buNone/>
+            </a:pPr>
+            <a:endParaRPr lang="de-DE" dirty="0" smtClean="0"/>
           </a:p>
         </p:txBody>
       </p:sp>
@@ -11972,6 +12107,334 @@
       </p:grpSpPr>
       <p:sp>
         <p:nvSpPr>
+          <p:cNvPr id="2" name="Titel 1"/>
+          <p:cNvSpPr>
+            <a:spLocks noGrp="1"/>
+          </p:cNvSpPr>
+          <p:nvPr>
+            <p:ph type="title"/>
+          </p:nvPr>
+        </p:nvSpPr>
+        <p:spPr/>
+        <p:txBody>
+          <a:bodyPr/>
+          <a:lstStyle/>
+          <a:p>
+            <a:pPr marL="857250" indent="-857250">
+              <a:buFont typeface="+mj-lt"/>
+              <a:buAutoNum type="romanUcPeriod" startAt="3"/>
+            </a:pPr>
+            <a:r>
+              <a:rPr lang="de-DE" b="1" dirty="0" smtClean="0"/>
+              <a:t>Konzeption des künstlichen neuronalen Netzes</a:t>
+            </a:r>
+            <a:endParaRPr lang="de-DE" dirty="0"/>
+          </a:p>
+        </p:txBody>
+      </p:sp>
+      <mc:AlternateContent xmlns:mc="http://schemas.openxmlformats.org/markup-compatibility/2006">
+        <mc:Choice xmlns:a14="http://schemas.microsoft.com/office/drawing/2010/main" Requires="a14">
+          <p:sp>
+            <p:nvSpPr>
+              <p:cNvPr id="3" name="Inhaltsplatzhalter 2"/>
+              <p:cNvSpPr>
+                <a:spLocks noGrp="1"/>
+              </p:cNvSpPr>
+              <p:nvPr>
+                <p:ph idx="1"/>
+              </p:nvPr>
+            </p:nvSpPr>
+            <p:spPr>
+              <a:xfrm>
+                <a:off x="838200" y="1889423"/>
+                <a:ext cx="10515600" cy="4351338"/>
+              </a:xfrm>
+            </p:spPr>
+            <p:txBody>
+              <a:bodyPr>
+                <a:normAutofit fontScale="92500" lnSpcReduction="20000"/>
+              </a:bodyPr>
+              <a:lstStyle/>
+              <a:p>
+                <a:r>
+                  <a:rPr lang="de-DE" sz="3000" dirty="0" smtClean="0"/>
+                  <a:t>Lernverfahren</a:t>
+                </a:r>
+              </a:p>
+              <a:p>
+                <a:pPr lvl="1"/>
+                <a:r>
+                  <a:rPr lang="de-DE" sz="2600" dirty="0" smtClean="0"/>
+                  <a:t>Überwachtes Lernen</a:t>
+                </a:r>
+              </a:p>
+              <a:p>
+                <a:pPr lvl="2"/>
+                <a:r>
+                  <a:rPr lang="de-DE" sz="2200" dirty="0" smtClean="0"/>
+                  <a:t>Eingabewerte bekannt</a:t>
+                </a:r>
+              </a:p>
+              <a:p>
+                <a:pPr lvl="2"/>
+                <a:r>
+                  <a:rPr lang="de-DE" sz="2200" dirty="0" smtClean="0"/>
+                  <a:t>Erwartete Ausgabewerte bekannt</a:t>
+                </a:r>
+              </a:p>
+              <a:p>
+                <a:pPr lvl="2"/>
+                <a:r>
+                  <a:rPr lang="de-DE" sz="2200" dirty="0" smtClean="0"/>
+                  <a:t>Tatsächlicher Wert wird mit erwarteten Ausgabewert verglichen.</a:t>
+                </a:r>
+              </a:p>
+              <a:p>
+                <a:pPr lvl="2"/>
+                <a:r>
+                  <a:rPr lang="de-DE" sz="2200" dirty="0" smtClean="0"/>
+                  <a:t>MSE wird gebildet und zum „trainieren“ des Netzes genutzt.</a:t>
+                </a:r>
+              </a:p>
+              <a:p>
+                <a:pPr lvl="2"/>
+                <a:endParaRPr lang="de-DE" dirty="0"/>
+              </a:p>
+              <a:p>
+                <a:pPr lvl="1"/>
+                <a:r>
+                  <a:rPr lang="de-DE" sz="2600" dirty="0" smtClean="0"/>
+                  <a:t>MSE - Funktion:</a:t>
+                </a:r>
+              </a:p>
+              <a:p>
+                <a:pPr lvl="1"/>
+                <a:endParaRPr lang="de-DE" dirty="0" smtClean="0"/>
+              </a:p>
+              <a:p>
+                <a:pPr marL="457200" lvl="1" indent="0">
+                  <a:buNone/>
+                </a:pPr>
+                <a:endParaRPr lang="de-DE" dirty="0"/>
+              </a:p>
+              <a:p>
+                <a:pPr lvl="1"/>
+                <a:endParaRPr lang="de-DE" dirty="0" smtClean="0"/>
+              </a:p>
+              <a:p>
+                <a:pPr lvl="1"/>
+                <a:endParaRPr lang="de-DE" sz="600" dirty="0" smtClean="0"/>
+              </a:p>
+              <a:p>
+                <a:pPr lvl="1"/>
+                <a14:m>
+                  <m:oMath xmlns:m="http://schemas.openxmlformats.org/officeDocument/2006/math">
+                    <m:sSub>
+                      <m:sSubPr>
+                        <m:ctrlPr>
+                          <a:rPr lang="de-DE" sz="2600" b="0" i="1" smtClean="0">
+                            <a:latin typeface="Cambria Math" panose="02040503050406030204" pitchFamily="18" charset="0"/>
+                          </a:rPr>
+                        </m:ctrlPr>
+                      </m:sSubPr>
+                      <m:e>
+                        <m:r>
+                          <a:rPr lang="de-DE" sz="2600" b="0" i="1" smtClean="0">
+                            <a:latin typeface="Cambria Math" panose="02040503050406030204" pitchFamily="18" charset="0"/>
+                          </a:rPr>
+                          <m:t>𝑘</m:t>
+                        </m:r>
+                      </m:e>
+                      <m:sub>
+                        <m:r>
+                          <a:rPr lang="de-DE" sz="2600" b="0" i="1" smtClean="0">
+                            <a:latin typeface="Cambria Math" panose="02040503050406030204" pitchFamily="18" charset="0"/>
+                          </a:rPr>
+                          <m:t>𝑖</m:t>
+                        </m:r>
+                        <m:r>
+                          <a:rPr lang="de-DE" sz="2600" b="0" i="1" smtClean="0">
+                            <a:latin typeface="Cambria Math" panose="02040503050406030204" pitchFamily="18" charset="0"/>
+                          </a:rPr>
+                          <m:t>+1</m:t>
+                        </m:r>
+                      </m:sub>
+                    </m:sSub>
+                    <m:r>
+                      <a:rPr lang="de-DE" sz="2600" b="0" i="1" smtClean="0">
+                        <a:latin typeface="Cambria Math" panose="02040503050406030204" pitchFamily="18" charset="0"/>
+                      </a:rPr>
+                      <m:t>= </m:t>
+                    </m:r>
+                  </m:oMath>
+                </a14:m>
+                <a:r>
+                  <a:rPr lang="de-DE" sz="2600" dirty="0" smtClean="0"/>
+                  <a:t> Prognostizierter Kurs des KNN zum Tag </a:t>
+                </a:r>
+                <a14:m>
+                  <m:oMath xmlns:m="http://schemas.openxmlformats.org/officeDocument/2006/math">
+                    <m:r>
+                      <a:rPr lang="de-DE" sz="2600" b="0" i="1" smtClean="0">
+                        <a:latin typeface="Cambria Math" panose="02040503050406030204" pitchFamily="18" charset="0"/>
+                      </a:rPr>
+                      <m:t>𝑖</m:t>
+                    </m:r>
+                    <m:r>
+                      <a:rPr lang="de-DE" sz="2600" b="0" i="1" smtClean="0">
+                        <a:latin typeface="Cambria Math" panose="02040503050406030204" pitchFamily="18" charset="0"/>
+                      </a:rPr>
+                      <m:t>+1</m:t>
+                    </m:r>
+                  </m:oMath>
+                </a14:m>
+                <a:r>
+                  <a:rPr lang="de-DE" sz="2600" dirty="0" smtClean="0"/>
+                  <a:t>.</a:t>
+                </a:r>
+              </a:p>
+              <a:p>
+                <a:pPr lvl="1"/>
+                <a14:m>
+                  <m:oMath xmlns:m="http://schemas.openxmlformats.org/officeDocument/2006/math">
+                    <m:sSup>
+                      <m:sSupPr>
+                        <m:ctrlPr>
+                          <a:rPr lang="de-DE" sz="2600" b="0" i="0" smtClean="0">
+                            <a:latin typeface="Cambria Math" panose="02040503050406030204" pitchFamily="18" charset="0"/>
+                          </a:rPr>
+                        </m:ctrlPr>
+                      </m:sSupPr>
+                      <m:e>
+                        <m:sSub>
+                          <m:sSubPr>
+                            <m:ctrlPr>
+                              <a:rPr lang="de-DE" sz="2600" i="1">
+                                <a:latin typeface="Cambria Math" panose="02040503050406030204" pitchFamily="18" charset="0"/>
+                              </a:rPr>
+                            </m:ctrlPr>
+                          </m:sSubPr>
+                          <m:e>
+                            <m:r>
+                              <a:rPr lang="de-DE" sz="2600" i="1">
+                                <a:latin typeface="Cambria Math" panose="02040503050406030204" pitchFamily="18" charset="0"/>
+                              </a:rPr>
+                              <m:t>𝑘</m:t>
+                            </m:r>
+                          </m:e>
+                          <m:sub>
+                            <m:r>
+                              <a:rPr lang="de-DE" sz="2600" i="1">
+                                <a:latin typeface="Cambria Math" panose="02040503050406030204" pitchFamily="18" charset="0"/>
+                              </a:rPr>
+                              <m:t>𝑖</m:t>
+                            </m:r>
+                            <m:r>
+                              <a:rPr lang="de-DE" sz="2600" i="1">
+                                <a:latin typeface="Cambria Math" panose="02040503050406030204" pitchFamily="18" charset="0"/>
+                              </a:rPr>
+                              <m:t>+1</m:t>
+                            </m:r>
+                          </m:sub>
+                        </m:sSub>
+                      </m:e>
+                      <m:sup>
+                        <m:r>
+                          <a:rPr lang="de-DE" sz="2600" b="0" i="0" smtClean="0">
+                            <a:latin typeface="Cambria Math" panose="02040503050406030204" pitchFamily="18" charset="0"/>
+                          </a:rPr>
+                          <m:t>′</m:t>
+                        </m:r>
+                      </m:sup>
+                    </m:sSup>
+                    <m:r>
+                      <a:rPr lang="de-DE" sz="2600" b="0" i="0" smtClean="0">
+                        <a:latin typeface="Cambria Math" panose="02040503050406030204" pitchFamily="18" charset="0"/>
+                      </a:rPr>
+                      <m:t>= </m:t>
+                    </m:r>
+                  </m:oMath>
+                </a14:m>
+                <a:r>
+                  <a:rPr lang="de-DE" sz="2600" dirty="0" smtClean="0"/>
+                  <a:t>Echter Kurs zum Tag </a:t>
+                </a:r>
+                <a14:m>
+                  <m:oMath xmlns:m="http://schemas.openxmlformats.org/officeDocument/2006/math">
+                    <m:r>
+                      <a:rPr lang="de-DE" sz="2600" i="1">
+                        <a:latin typeface="Cambria Math" panose="02040503050406030204" pitchFamily="18" charset="0"/>
+                      </a:rPr>
+                      <m:t>𝑖</m:t>
+                    </m:r>
+                    <m:r>
+                      <a:rPr lang="de-DE" sz="2600" i="1">
+                        <a:latin typeface="Cambria Math" panose="02040503050406030204" pitchFamily="18" charset="0"/>
+                      </a:rPr>
+                      <m:t>+1</m:t>
+                    </m:r>
+                  </m:oMath>
+                </a14:m>
+                <a:r>
+                  <a:rPr lang="de-DE" sz="2600" dirty="0" smtClean="0"/>
+                  <a:t>.</a:t>
+                </a:r>
+              </a:p>
+              <a:p>
+                <a:pPr marL="914400" lvl="2" indent="0">
+                  <a:buNone/>
+                </a:pPr>
+                <a:endParaRPr lang="de-DE" sz="1600" dirty="0" smtClean="0"/>
+              </a:p>
+              <a:p>
+                <a:pPr marL="914400" lvl="2" indent="0">
+                  <a:buNone/>
+                </a:pPr>
+                <a:endParaRPr lang="de-DE" dirty="0" smtClean="0"/>
+              </a:p>
+            </p:txBody>
+          </p:sp>
+        </mc:Choice>
+        <mc:Fallback>
+          <p:sp>
+            <p:nvSpPr>
+              <p:cNvPr id="3" name="Inhaltsplatzhalter 2"/>
+              <p:cNvSpPr>
+                <a:spLocks noGrp="1" noRot="1" noChangeAspect="1" noMove="1" noResize="1" noEditPoints="1" noAdjustHandles="1" noChangeArrowheads="1" noChangeShapeType="1" noTextEdit="1"/>
+              </p:cNvSpPr>
+              <p:nvPr>
+                <p:ph idx="1"/>
+              </p:nvPr>
+            </p:nvSpPr>
+            <p:spPr>
+              <a:xfrm>
+                <a:off x="838200" y="1889423"/>
+                <a:ext cx="10515600" cy="4351338"/>
+              </a:xfrm>
+              <a:blipFill rotWithShape="0">
+                <a:blip r:embed="rId2"/>
+                <a:stretch>
+                  <a:fillRect l="-1043" t="-3922"/>
+                </a:stretch>
+              </a:blipFill>
+            </p:spPr>
+            <p:txBody>
+              <a:bodyPr/>
+              <a:lstStyle/>
+              <a:p>
+                <a:r>
+                  <a:rPr lang="de-DE">
+                    <a:noFill/>
+                  </a:rPr>
+                  <a:t> </a:t>
+                </a:r>
+              </a:p>
+            </p:txBody>
+          </p:sp>
+        </mc:Fallback>
+      </mc:AlternateContent>
+      <p:sp>
+        <p:nvSpPr>
           <p:cNvPr id="4" name="Datumsplatzhalter 3"/>
           <p:cNvSpPr>
             <a:spLocks noGrp="1"/>
@@ -12009,7 +12472,7 @@
           <a:lstStyle/>
           <a:p>
             <a:r>
-              <a:rPr lang="de-DE" dirty="0" smtClean="0"/>
+              <a:rPr lang="de-DE" smtClean="0"/>
               <a:t>Fakultät Informatik             Sebastian Schötteler &amp; Benedikt Hofrichter</a:t>
             </a:r>
             <a:endParaRPr lang="de-DE" dirty="0"/>
@@ -12034,6 +12497,607 @@
             <a:fld id="{0E226D3C-400E-4353-AAC2-09A0472DC536}" type="slidenum">
               <a:rPr lang="de-DE" smtClean="0"/>
               <a:t>24</a:t>
+            </a:fld>
+            <a:endParaRPr lang="de-DE" dirty="0"/>
+          </a:p>
+        </p:txBody>
+      </p:sp>
+      <mc:AlternateContent xmlns:mc="http://schemas.openxmlformats.org/markup-compatibility/2006">
+        <mc:Choice xmlns:a14="http://schemas.microsoft.com/office/drawing/2010/main" Requires="a14">
+          <p:sp>
+            <p:nvSpPr>
+              <p:cNvPr id="7" name="Textfeld 6"/>
+              <p:cNvSpPr txBox="1"/>
+              <p:nvPr/>
+            </p:nvSpPr>
+            <p:spPr>
+              <a:xfrm>
+                <a:off x="1399930" y="4279609"/>
+                <a:ext cx="3729995" cy="875111"/>
+              </a:xfrm>
+              <a:prstGeom prst="rect">
+                <a:avLst/>
+              </a:prstGeom>
+              <a:noFill/>
+            </p:spPr>
+            <p:txBody>
+              <a:bodyPr wrap="none" lIns="0" tIns="0" rIns="0" bIns="0" rtlCol="0">
+                <a:spAutoFit/>
+              </a:bodyPr>
+              <a:lstStyle/>
+              <a:p>
+                <a14:m>
+                  <m:oMathPara xmlns:m="http://schemas.openxmlformats.org/officeDocument/2006/math">
+                    <m:oMathParaPr>
+                      <m:jc m:val="centerGroup"/>
+                    </m:oMathParaPr>
+                    <m:oMath xmlns:m="http://schemas.openxmlformats.org/officeDocument/2006/math">
+                      <m:r>
+                        <a:rPr lang="de-DE" sz="2000" b="0" i="1" smtClean="0">
+                          <a:latin typeface="Cambria Math" panose="02040503050406030204" pitchFamily="18" charset="0"/>
+                        </a:rPr>
+                        <m:t>𝑀𝑆𝐸</m:t>
+                      </m:r>
+                      <m:r>
+                        <a:rPr lang="de-DE" sz="2000" b="0" i="1" smtClean="0">
+                          <a:latin typeface="Cambria Math" panose="02040503050406030204" pitchFamily="18" charset="0"/>
+                        </a:rPr>
+                        <m:t>=</m:t>
+                      </m:r>
+                      <m:f>
+                        <m:fPr>
+                          <m:ctrlPr>
+                            <a:rPr lang="de-DE" sz="2000" b="0" i="1" smtClean="0">
+                              <a:latin typeface="Cambria Math" panose="02040503050406030204" pitchFamily="18" charset="0"/>
+                            </a:rPr>
+                          </m:ctrlPr>
+                        </m:fPr>
+                        <m:num>
+                          <m:r>
+                            <a:rPr lang="de-DE" sz="2000" b="0" i="1" smtClean="0">
+                              <a:latin typeface="Cambria Math" panose="02040503050406030204" pitchFamily="18" charset="0"/>
+                            </a:rPr>
+                            <m:t>1</m:t>
+                          </m:r>
+                        </m:num>
+                        <m:den>
+                          <m:r>
+                            <a:rPr lang="de-DE" sz="2000" b="0" i="1" smtClean="0">
+                              <a:latin typeface="Cambria Math" panose="02040503050406030204" pitchFamily="18" charset="0"/>
+                            </a:rPr>
+                            <m:t>2</m:t>
+                          </m:r>
+                        </m:den>
+                      </m:f>
+                      <m:nary>
+                        <m:naryPr>
+                          <m:chr m:val="∑"/>
+                          <m:ctrlPr>
+                            <a:rPr lang="de-DE" sz="2000" b="0" i="1" smtClean="0">
+                              <a:latin typeface="Cambria Math" panose="02040503050406030204" pitchFamily="18" charset="0"/>
+                            </a:rPr>
+                          </m:ctrlPr>
+                        </m:naryPr>
+                        <m:sub>
+                          <m:r>
+                            <m:rPr>
+                              <m:brk m:alnAt="23"/>
+                            </m:rPr>
+                            <a:rPr lang="de-DE" sz="2000" b="0" i="1" smtClean="0">
+                              <a:latin typeface="Cambria Math" panose="02040503050406030204" pitchFamily="18" charset="0"/>
+                            </a:rPr>
+                            <m:t>𝑗</m:t>
+                          </m:r>
+                        </m:sub>
+                        <m:sup>
+                          <m:r>
+                            <a:rPr lang="de-DE" sz="2000" b="0" i="1" smtClean="0">
+                              <a:latin typeface="Cambria Math" panose="02040503050406030204" pitchFamily="18" charset="0"/>
+                            </a:rPr>
+                            <m:t>𝑛</m:t>
+                          </m:r>
+                        </m:sup>
+                        <m:e>
+                          <m:sSup>
+                            <m:sSupPr>
+                              <m:ctrlPr>
+                                <a:rPr lang="de-DE" sz="2000" b="0" i="1" smtClean="0">
+                                  <a:latin typeface="Cambria Math" panose="02040503050406030204" pitchFamily="18" charset="0"/>
+                                </a:rPr>
+                              </m:ctrlPr>
+                            </m:sSupPr>
+                            <m:e>
+                              <m:r>
+                                <a:rPr lang="de-DE" sz="2000" b="0" i="1" smtClean="0">
+                                  <a:latin typeface="Cambria Math" panose="02040503050406030204" pitchFamily="18" charset="0"/>
+                                </a:rPr>
+                                <m:t>((</m:t>
+                              </m:r>
+                              <m:sSub>
+                                <m:sSubPr>
+                                  <m:ctrlPr>
+                                    <a:rPr lang="de-DE" sz="2000" b="0" i="1" smtClean="0">
+                                      <a:latin typeface="Cambria Math" panose="02040503050406030204" pitchFamily="18" charset="0"/>
+                                    </a:rPr>
+                                  </m:ctrlPr>
+                                </m:sSubPr>
+                                <m:e>
+                                  <m:sSub>
+                                    <m:sSubPr>
+                                      <m:ctrlPr>
+                                        <a:rPr lang="de-DE" sz="2000" i="1">
+                                          <a:latin typeface="Cambria Math" panose="02040503050406030204" pitchFamily="18" charset="0"/>
+                                        </a:rPr>
+                                      </m:ctrlPr>
+                                    </m:sSubPr>
+                                    <m:e>
+                                      <m:r>
+                                        <a:rPr lang="de-DE" sz="2000" i="1">
+                                          <a:latin typeface="Cambria Math" panose="02040503050406030204" pitchFamily="18" charset="0"/>
+                                        </a:rPr>
+                                        <m:t>𝑘</m:t>
+                                      </m:r>
+                                    </m:e>
+                                    <m:sub>
+                                      <m:r>
+                                        <a:rPr lang="de-DE" sz="2000" i="1">
+                                          <a:latin typeface="Cambria Math" panose="02040503050406030204" pitchFamily="18" charset="0"/>
+                                        </a:rPr>
+                                        <m:t>𝑖</m:t>
+                                      </m:r>
+                                      <m:r>
+                                        <a:rPr lang="de-DE" sz="2000" i="1">
+                                          <a:latin typeface="Cambria Math" panose="02040503050406030204" pitchFamily="18" charset="0"/>
+                                        </a:rPr>
+                                        <m:t>+1</m:t>
+                                      </m:r>
+                                    </m:sub>
+                                  </m:sSub>
+                                  <m:r>
+                                    <a:rPr lang="de-DE" sz="2000" b="0" i="1" smtClean="0">
+                                      <a:latin typeface="Cambria Math" panose="02040503050406030204" pitchFamily="18" charset="0"/>
+                                    </a:rPr>
+                                    <m:t>)</m:t>
+                                  </m:r>
+                                </m:e>
+                                <m:sub>
+                                  <m:r>
+                                    <a:rPr lang="de-DE" sz="2000" b="0" i="1" smtClean="0">
+                                      <a:latin typeface="Cambria Math" panose="02040503050406030204" pitchFamily="18" charset="0"/>
+                                    </a:rPr>
+                                    <m:t>𝑗</m:t>
+                                  </m:r>
+                                </m:sub>
+                              </m:sSub>
+                              <m:r>
+                                <a:rPr lang="de-DE" sz="2000" b="0" i="1" smtClean="0">
+                                  <a:latin typeface="Cambria Math" panose="02040503050406030204" pitchFamily="18" charset="0"/>
+                                </a:rPr>
+                                <m:t>−</m:t>
+                              </m:r>
+                              <m:sSub>
+                                <m:sSubPr>
+                                  <m:ctrlPr>
+                                    <a:rPr lang="de-DE" sz="2000" b="0" i="1" smtClean="0">
+                                      <a:latin typeface="Cambria Math" panose="02040503050406030204" pitchFamily="18" charset="0"/>
+                                    </a:rPr>
+                                  </m:ctrlPr>
+                                </m:sSubPr>
+                                <m:e>
+                                  <m:sSup>
+                                    <m:sSupPr>
+                                      <m:ctrlPr>
+                                        <a:rPr lang="de-DE" sz="2000" i="1">
+                                          <a:latin typeface="Cambria Math" panose="02040503050406030204" pitchFamily="18" charset="0"/>
+                                        </a:rPr>
+                                      </m:ctrlPr>
+                                    </m:sSupPr>
+                                    <m:e>
+                                      <m:sSub>
+                                        <m:sSubPr>
+                                          <m:ctrlPr>
+                                            <a:rPr lang="de-DE" sz="2000" i="1">
+                                              <a:latin typeface="Cambria Math" panose="02040503050406030204" pitchFamily="18" charset="0"/>
+                                            </a:rPr>
+                                          </m:ctrlPr>
+                                        </m:sSubPr>
+                                        <m:e>
+                                          <m:r>
+                                            <a:rPr lang="de-DE" sz="2000" b="0" i="1" smtClean="0">
+                                              <a:latin typeface="Cambria Math" panose="02040503050406030204" pitchFamily="18" charset="0"/>
+                                            </a:rPr>
+                                            <m:t>(</m:t>
+                                          </m:r>
+                                          <m:r>
+                                            <a:rPr lang="de-DE" sz="2000" i="1">
+                                              <a:latin typeface="Cambria Math" panose="02040503050406030204" pitchFamily="18" charset="0"/>
+                                            </a:rPr>
+                                            <m:t>𝑘</m:t>
+                                          </m:r>
+                                        </m:e>
+                                        <m:sub>
+                                          <m:r>
+                                            <a:rPr lang="de-DE" sz="2000" i="1">
+                                              <a:latin typeface="Cambria Math" panose="02040503050406030204" pitchFamily="18" charset="0"/>
+                                            </a:rPr>
+                                            <m:t>𝑖</m:t>
+                                          </m:r>
+                                          <m:r>
+                                            <a:rPr lang="de-DE" sz="2000" i="1">
+                                              <a:latin typeface="Cambria Math" panose="02040503050406030204" pitchFamily="18" charset="0"/>
+                                            </a:rPr>
+                                            <m:t>+1</m:t>
+                                          </m:r>
+                                        </m:sub>
+                                      </m:sSub>
+                                    </m:e>
+                                    <m:sup>
+                                      <m:r>
+                                        <a:rPr lang="de-DE" sz="2000">
+                                          <a:latin typeface="Cambria Math" panose="02040503050406030204" pitchFamily="18" charset="0"/>
+                                        </a:rPr>
+                                        <m:t>′</m:t>
+                                      </m:r>
+                                    </m:sup>
+                                  </m:sSup>
+                                  <m:r>
+                                    <a:rPr lang="de-DE" sz="2000" b="0" i="1" smtClean="0">
+                                      <a:latin typeface="Cambria Math" panose="02040503050406030204" pitchFamily="18" charset="0"/>
+                                    </a:rPr>
+                                    <m:t>)</m:t>
+                                  </m:r>
+                                </m:e>
+                                <m:sub>
+                                  <m:r>
+                                    <a:rPr lang="de-DE" sz="2000" b="0" i="1" smtClean="0">
+                                      <a:latin typeface="Cambria Math" panose="02040503050406030204" pitchFamily="18" charset="0"/>
+                                    </a:rPr>
+                                    <m:t>𝑗</m:t>
+                                  </m:r>
+                                </m:sub>
+                              </m:sSub>
+                              <m:r>
+                                <a:rPr lang="de-DE" sz="2000" b="0" i="1" smtClean="0">
+                                  <a:latin typeface="Cambria Math" panose="02040503050406030204" pitchFamily="18" charset="0"/>
+                                </a:rPr>
+                                <m:t>)</m:t>
+                              </m:r>
+                            </m:e>
+                            <m:sup>
+                              <m:r>
+                                <a:rPr lang="de-DE" sz="2000" b="0" i="1" smtClean="0">
+                                  <a:latin typeface="Cambria Math" panose="02040503050406030204" pitchFamily="18" charset="0"/>
+                                </a:rPr>
+                                <m:t>2</m:t>
+                              </m:r>
+                            </m:sup>
+                          </m:sSup>
+                        </m:e>
+                      </m:nary>
+                    </m:oMath>
+                  </m:oMathPara>
+                </a14:m>
+                <a:endParaRPr lang="de-DE" sz="2000" dirty="0"/>
+              </a:p>
+            </p:txBody>
+          </p:sp>
+        </mc:Choice>
+        <mc:Fallback>
+          <p:sp>
+            <p:nvSpPr>
+              <p:cNvPr id="7" name="Textfeld 6"/>
+              <p:cNvSpPr txBox="1">
+                <a:spLocks noRot="1" noChangeAspect="1" noMove="1" noResize="1" noEditPoints="1" noAdjustHandles="1" noChangeArrowheads="1" noChangeShapeType="1" noTextEdit="1"/>
+              </p:cNvSpPr>
+              <p:nvPr/>
+            </p:nvSpPr>
+            <p:spPr>
+              <a:xfrm>
+                <a:off x="1399930" y="4279609"/>
+                <a:ext cx="3729995" cy="875111"/>
+              </a:xfrm>
+              <a:prstGeom prst="rect">
+                <a:avLst/>
+              </a:prstGeom>
+              <a:blipFill rotWithShape="0">
+                <a:blip r:embed="rId3"/>
+                <a:stretch>
+                  <a:fillRect/>
+                </a:stretch>
+              </a:blipFill>
+            </p:spPr>
+            <p:txBody>
+              <a:bodyPr/>
+              <a:lstStyle/>
+              <a:p>
+                <a:r>
+                  <a:rPr lang="de-DE">
+                    <a:noFill/>
+                  </a:rPr>
+                  <a:t> </a:t>
+                </a:r>
+              </a:p>
+            </p:txBody>
+          </p:sp>
+        </mc:Fallback>
+      </mc:AlternateContent>
+    </p:spTree>
+    <p:extLst>
+      <p:ext uri="{BB962C8B-B14F-4D97-AF65-F5344CB8AC3E}">
+        <p14:creationId xmlns:p14="http://schemas.microsoft.com/office/powerpoint/2010/main" val="104963679"/>
+      </p:ext>
+    </p:extLst>
+  </p:cSld>
+  <p:clrMapOvr>
+    <a:masterClrMapping/>
+  </p:clrMapOvr>
+  <p:timing>
+    <p:tnLst>
+      <p:par>
+        <p:cTn id="1" dur="indefinite" restart="never" nodeType="tmRoot"/>
+      </p:par>
+    </p:tnLst>
+  </p:timing>
+</p:sld>
+</file>
+
+<file path=ppt/slides/slide26.xml><?xml version="1.0" encoding="utf-8"?>
+<p:sld xmlns:a="http://schemas.openxmlformats.org/drawingml/2006/main" xmlns:r="http://schemas.openxmlformats.org/officeDocument/2006/relationships" xmlns:p="http://schemas.openxmlformats.org/presentationml/2006/main">
+  <p:cSld>
+    <p:spTree>
+      <p:nvGrpSpPr>
+        <p:cNvPr id="1" name=""/>
+        <p:cNvGrpSpPr/>
+        <p:nvPr/>
+      </p:nvGrpSpPr>
+      <p:grpSpPr>
+        <a:xfrm>
+          <a:off x="0" y="0"/>
+          <a:ext cx="0" cy="0"/>
+          <a:chOff x="0" y="0"/>
+          <a:chExt cx="0" cy="0"/>
+        </a:xfrm>
+      </p:grpSpPr>
+      <p:sp>
+        <p:nvSpPr>
+          <p:cNvPr id="2" name="Titel 1"/>
+          <p:cNvSpPr>
+            <a:spLocks noGrp="1"/>
+          </p:cNvSpPr>
+          <p:nvPr>
+            <p:ph type="title"/>
+          </p:nvPr>
+        </p:nvSpPr>
+        <p:spPr/>
+        <p:txBody>
+          <a:bodyPr/>
+          <a:lstStyle/>
+          <a:p>
+            <a:pPr marL="857250" indent="-857250">
+              <a:buFont typeface="+mj-lt"/>
+              <a:buAutoNum type="romanUcPeriod" startAt="3"/>
+            </a:pPr>
+            <a:r>
+              <a:rPr lang="de-DE" b="1" dirty="0" smtClean="0"/>
+              <a:t>Konzeption des künstlichen neuronalen Netzes</a:t>
+            </a:r>
+            <a:endParaRPr lang="de-DE" dirty="0"/>
+          </a:p>
+        </p:txBody>
+      </p:sp>
+      <p:sp>
+        <p:nvSpPr>
+          <p:cNvPr id="3" name="Inhaltsplatzhalter 2"/>
+          <p:cNvSpPr>
+            <a:spLocks noGrp="1"/>
+          </p:cNvSpPr>
+          <p:nvPr>
+            <p:ph idx="1"/>
+          </p:nvPr>
+        </p:nvSpPr>
+        <p:spPr/>
+        <p:txBody>
+          <a:bodyPr/>
+          <a:lstStyle/>
+          <a:p>
+            <a:r>
+              <a:rPr lang="de-DE" dirty="0" smtClean="0"/>
+              <a:t>Lernverfahren</a:t>
+            </a:r>
+          </a:p>
+          <a:p>
+            <a:pPr lvl="1"/>
+            <a:r>
+              <a:rPr lang="de-DE" dirty="0" smtClean="0"/>
+              <a:t>Überwachtes Lernen</a:t>
+            </a:r>
+          </a:p>
+          <a:p>
+            <a:pPr lvl="2"/>
+            <a:r>
+              <a:rPr lang="de-DE" dirty="0" smtClean="0"/>
+              <a:t>Trainingsdaten: 450</a:t>
+            </a:r>
+          </a:p>
+          <a:p>
+            <a:pPr lvl="2"/>
+            <a:r>
+              <a:rPr lang="de-DE" dirty="0" smtClean="0"/>
+              <a:t>Testdaten zur Generalisierungsfähigkeit: 90 </a:t>
+            </a:r>
+          </a:p>
+        </p:txBody>
+      </p:sp>
+      <p:sp>
+        <p:nvSpPr>
+          <p:cNvPr id="4" name="Datumsplatzhalter 3"/>
+          <p:cNvSpPr>
+            <a:spLocks noGrp="1"/>
+          </p:cNvSpPr>
+          <p:nvPr>
+            <p:ph type="dt" sz="half" idx="10"/>
+          </p:nvPr>
+        </p:nvSpPr>
+        <p:spPr/>
+        <p:txBody>
+          <a:bodyPr/>
+          <a:lstStyle/>
+          <a:p>
+            <a:fld id="{7AC709DD-AC18-4FBA-B4E6-46DED743653E}" type="datetime1">
+              <a:rPr lang="de-DE" smtClean="0"/>
+              <a:t>05.12.2015</a:t>
+            </a:fld>
+            <a:endParaRPr lang="de-DE"/>
+          </a:p>
+        </p:txBody>
+      </p:sp>
+      <p:sp>
+        <p:nvSpPr>
+          <p:cNvPr id="5" name="Fußzeilenplatzhalter 4"/>
+          <p:cNvSpPr>
+            <a:spLocks noGrp="1"/>
+          </p:cNvSpPr>
+          <p:nvPr>
+            <p:ph type="ftr" sz="quarter" idx="11"/>
+          </p:nvPr>
+        </p:nvSpPr>
+        <p:spPr/>
+        <p:txBody>
+          <a:bodyPr/>
+          <a:lstStyle/>
+          <a:p>
+            <a:r>
+              <a:rPr lang="de-DE" smtClean="0"/>
+              <a:t>Fakultät Informatik             Sebastian Schötteler &amp; Benedikt Hofrichter</a:t>
+            </a:r>
+            <a:endParaRPr lang="de-DE" dirty="0"/>
+          </a:p>
+        </p:txBody>
+      </p:sp>
+      <p:sp>
+        <p:nvSpPr>
+          <p:cNvPr id="6" name="Foliennummernplatzhalter 5"/>
+          <p:cNvSpPr>
+            <a:spLocks noGrp="1"/>
+          </p:cNvSpPr>
+          <p:nvPr>
+            <p:ph type="sldNum" sz="quarter" idx="12"/>
+          </p:nvPr>
+        </p:nvSpPr>
+        <p:spPr/>
+        <p:txBody>
+          <a:bodyPr/>
+          <a:lstStyle/>
+          <a:p>
+            <a:fld id="{0E226D3C-400E-4353-AAC2-09A0472DC536}" type="slidenum">
+              <a:rPr lang="de-DE" smtClean="0"/>
+              <a:t>25</a:t>
+            </a:fld>
+            <a:endParaRPr lang="de-DE" dirty="0"/>
+          </a:p>
+        </p:txBody>
+      </p:sp>
+    </p:spTree>
+    <p:extLst>
+      <p:ext uri="{BB962C8B-B14F-4D97-AF65-F5344CB8AC3E}">
+        <p14:creationId xmlns:p14="http://schemas.microsoft.com/office/powerpoint/2010/main" val="3321005639"/>
+      </p:ext>
+    </p:extLst>
+  </p:cSld>
+  <p:clrMapOvr>
+    <a:masterClrMapping/>
+  </p:clrMapOvr>
+  <p:timing>
+    <p:tnLst>
+      <p:par>
+        <p:cTn id="1" dur="indefinite" restart="never" nodeType="tmRoot"/>
+      </p:par>
+    </p:tnLst>
+  </p:timing>
+</p:sld>
+</file>
+
+<file path=ppt/slides/slide27.xml><?xml version="1.0" encoding="utf-8"?>
+<p:sld xmlns:a="http://schemas.openxmlformats.org/drawingml/2006/main" xmlns:r="http://schemas.openxmlformats.org/officeDocument/2006/relationships" xmlns:p="http://schemas.openxmlformats.org/presentationml/2006/main">
+  <p:cSld>
+    <p:spTree>
+      <p:nvGrpSpPr>
+        <p:cNvPr id="1" name=""/>
+        <p:cNvGrpSpPr/>
+        <p:nvPr/>
+      </p:nvGrpSpPr>
+      <p:grpSpPr>
+        <a:xfrm>
+          <a:off x="0" y="0"/>
+          <a:ext cx="0" cy="0"/>
+          <a:chOff x="0" y="0"/>
+          <a:chExt cx="0" cy="0"/>
+        </a:xfrm>
+      </p:grpSpPr>
+      <p:sp>
+        <p:nvSpPr>
+          <p:cNvPr id="4" name="Datumsplatzhalter 3"/>
+          <p:cNvSpPr>
+            <a:spLocks noGrp="1"/>
+          </p:cNvSpPr>
+          <p:nvPr>
+            <p:ph type="dt" sz="half" idx="10"/>
+          </p:nvPr>
+        </p:nvSpPr>
+        <p:spPr/>
+        <p:txBody>
+          <a:bodyPr/>
+          <a:lstStyle/>
+          <a:p>
+            <a:fld id="{7AC709DD-AC18-4FBA-B4E6-46DED743653E}" type="datetime1">
+              <a:rPr lang="de-DE" smtClean="0"/>
+              <a:t>05.12.2015</a:t>
+            </a:fld>
+            <a:endParaRPr lang="de-DE"/>
+          </a:p>
+        </p:txBody>
+      </p:sp>
+      <p:sp>
+        <p:nvSpPr>
+          <p:cNvPr id="5" name="Fußzeilenplatzhalter 4"/>
+          <p:cNvSpPr>
+            <a:spLocks noGrp="1"/>
+          </p:cNvSpPr>
+          <p:nvPr>
+            <p:ph type="ftr" sz="quarter" idx="11"/>
+          </p:nvPr>
+        </p:nvSpPr>
+        <p:spPr/>
+        <p:txBody>
+          <a:bodyPr/>
+          <a:lstStyle/>
+          <a:p>
+            <a:r>
+              <a:rPr lang="de-DE" dirty="0" smtClean="0"/>
+              <a:t>Fakultät Informatik             Sebastian Schötteler &amp; Benedikt Hofrichter</a:t>
+            </a:r>
+            <a:endParaRPr lang="de-DE" dirty="0"/>
+          </a:p>
+        </p:txBody>
+      </p:sp>
+      <p:sp>
+        <p:nvSpPr>
+          <p:cNvPr id="6" name="Foliennummernplatzhalter 5"/>
+          <p:cNvSpPr>
+            <a:spLocks noGrp="1"/>
+          </p:cNvSpPr>
+          <p:nvPr>
+            <p:ph type="sldNum" sz="quarter" idx="12"/>
+          </p:nvPr>
+        </p:nvSpPr>
+        <p:spPr/>
+        <p:txBody>
+          <a:bodyPr/>
+          <a:lstStyle/>
+          <a:p>
+            <a:fld id="{0E226D3C-400E-4353-AAC2-09A0472DC536}" type="slidenum">
+              <a:rPr lang="de-DE" smtClean="0"/>
+              <a:t>26</a:t>
             </a:fld>
             <a:endParaRPr lang="de-DE" dirty="0"/>
           </a:p>
@@ -12245,7 +13309,7 @@
 </p:sld>
 </file>
 
-<file path=ppt/slides/slide26.xml><?xml version="1.0" encoding="utf-8"?>
+<file path=ppt/slides/slide28.xml><?xml version="1.0" encoding="utf-8"?>
 <p:sld xmlns:a="http://schemas.openxmlformats.org/drawingml/2006/main" xmlns:r="http://schemas.openxmlformats.org/officeDocument/2006/relationships" xmlns:p="http://schemas.openxmlformats.org/presentationml/2006/main">
   <p:cSld>
     <p:spTree>
@@ -12375,7 +13439,7 @@
           <a:p>
             <a:fld id="{0E226D3C-400E-4353-AAC2-09A0472DC536}" type="slidenum">
               <a:rPr lang="de-DE" smtClean="0"/>
-              <a:t>25</a:t>
+              <a:t>27</a:t>
             </a:fld>
             <a:endParaRPr lang="de-DE" dirty="0"/>
           </a:p>
@@ -12401,7 +13465,7 @@
 </p:sld>
 </file>
 
-<file path=ppt/slides/slide27.xml><?xml version="1.0" encoding="utf-8"?>
+<file path=ppt/slides/slide29.xml><?xml version="1.0" encoding="utf-8"?>
 <p:sld xmlns:a="http://schemas.openxmlformats.org/drawingml/2006/main" xmlns:r="http://schemas.openxmlformats.org/officeDocument/2006/relationships" xmlns:p="http://schemas.openxmlformats.org/presentationml/2006/main">
   <p:cSld>
     <p:spTree>
@@ -12481,7 +13545,7 @@
           <a:p>
             <a:fld id="{0E226D3C-400E-4353-AAC2-09A0472DC536}" type="slidenum">
               <a:rPr lang="de-DE" smtClean="0"/>
-              <a:t>26</a:t>
+              <a:t>28</a:t>
             </a:fld>
             <a:endParaRPr lang="de-DE" dirty="0"/>
           </a:p>
@@ -12677,450 +13741,6 @@
     <p:extLst>
       <p:ext uri="{BB962C8B-B14F-4D97-AF65-F5344CB8AC3E}">
         <p14:creationId xmlns:p14="http://schemas.microsoft.com/office/powerpoint/2010/main" val="3353182248"/>
-      </p:ext>
-    </p:extLst>
-  </p:cSld>
-  <p:clrMapOvr>
-    <a:masterClrMapping/>
-  </p:clrMapOvr>
-  <p:timing>
-    <p:tnLst>
-      <p:par>
-        <p:cTn id="1" dur="indefinite" restart="never" nodeType="tmRoot"/>
-      </p:par>
-    </p:tnLst>
-  </p:timing>
-</p:sld>
-</file>
-
-<file path=ppt/slides/slide28.xml><?xml version="1.0" encoding="utf-8"?>
-<p:sld xmlns:a="http://schemas.openxmlformats.org/drawingml/2006/main" xmlns:r="http://schemas.openxmlformats.org/officeDocument/2006/relationships" xmlns:p="http://schemas.openxmlformats.org/presentationml/2006/main">
-  <p:cSld>
-    <p:spTree>
-      <p:nvGrpSpPr>
-        <p:cNvPr id="1" name=""/>
-        <p:cNvGrpSpPr/>
-        <p:nvPr/>
-      </p:nvGrpSpPr>
-      <p:grpSpPr>
-        <a:xfrm>
-          <a:off x="0" y="0"/>
-          <a:ext cx="0" cy="0"/>
-          <a:chOff x="0" y="0"/>
-          <a:chExt cx="0" cy="0"/>
-        </a:xfrm>
-      </p:grpSpPr>
-      <p:sp>
-        <p:nvSpPr>
-          <p:cNvPr id="2" name="Titel 1"/>
-          <p:cNvSpPr>
-            <a:spLocks noGrp="1"/>
-          </p:cNvSpPr>
-          <p:nvPr>
-            <p:ph type="title"/>
-          </p:nvPr>
-        </p:nvSpPr>
-        <p:spPr/>
-        <p:txBody>
-          <a:bodyPr/>
-          <a:lstStyle/>
-          <a:p>
-            <a:pPr marL="857250" indent="-857250">
-              <a:buFont typeface="+mj-lt"/>
-              <a:buAutoNum type="romanUcPeriod" startAt="5"/>
-            </a:pPr>
-            <a:r>
-              <a:rPr lang="de-DE" b="1" dirty="0" smtClean="0"/>
-              <a:t>Umsetzung des künstlichen neuronalen Netzes</a:t>
-            </a:r>
-            <a:endParaRPr lang="de-DE" dirty="0"/>
-          </a:p>
-        </p:txBody>
-      </p:sp>
-      <p:sp>
-        <p:nvSpPr>
-          <p:cNvPr id="3" name="Inhaltsplatzhalter 2"/>
-          <p:cNvSpPr>
-            <a:spLocks noGrp="1"/>
-          </p:cNvSpPr>
-          <p:nvPr>
-            <p:ph idx="1"/>
-          </p:nvPr>
-        </p:nvSpPr>
-        <p:spPr/>
-        <p:txBody>
-          <a:bodyPr/>
-          <a:lstStyle/>
-          <a:p>
-            <a:endParaRPr lang="de-DE"/>
-          </a:p>
-        </p:txBody>
-      </p:sp>
-      <p:sp>
-        <p:nvSpPr>
-          <p:cNvPr id="4" name="Datumsplatzhalter 3"/>
-          <p:cNvSpPr>
-            <a:spLocks noGrp="1"/>
-          </p:cNvSpPr>
-          <p:nvPr>
-            <p:ph type="dt" sz="half" idx="10"/>
-          </p:nvPr>
-        </p:nvSpPr>
-        <p:spPr/>
-        <p:txBody>
-          <a:bodyPr/>
-          <a:lstStyle/>
-          <a:p>
-            <a:fld id="{7AC709DD-AC18-4FBA-B4E6-46DED743653E}" type="datetime1">
-              <a:rPr lang="de-DE" smtClean="0"/>
-              <a:t>05.12.2015</a:t>
-            </a:fld>
-            <a:endParaRPr lang="de-DE"/>
-          </a:p>
-        </p:txBody>
-      </p:sp>
-      <p:sp>
-        <p:nvSpPr>
-          <p:cNvPr id="5" name="Fußzeilenplatzhalter 4"/>
-          <p:cNvSpPr>
-            <a:spLocks noGrp="1"/>
-          </p:cNvSpPr>
-          <p:nvPr>
-            <p:ph type="ftr" sz="quarter" idx="11"/>
-          </p:nvPr>
-        </p:nvSpPr>
-        <p:spPr/>
-        <p:txBody>
-          <a:bodyPr/>
-          <a:lstStyle/>
-          <a:p>
-            <a:r>
-              <a:rPr lang="de-DE" smtClean="0"/>
-              <a:t>Fakultät Informatik             Sebastian Schötteler &amp; Benedikt Hofrichter</a:t>
-            </a:r>
-            <a:endParaRPr lang="de-DE" dirty="0"/>
-          </a:p>
-        </p:txBody>
-      </p:sp>
-      <p:sp>
-        <p:nvSpPr>
-          <p:cNvPr id="6" name="Foliennummernplatzhalter 5"/>
-          <p:cNvSpPr>
-            <a:spLocks noGrp="1"/>
-          </p:cNvSpPr>
-          <p:nvPr>
-            <p:ph type="sldNum" sz="quarter" idx="12"/>
-          </p:nvPr>
-        </p:nvSpPr>
-        <p:spPr/>
-        <p:txBody>
-          <a:bodyPr/>
-          <a:lstStyle/>
-          <a:p>
-            <a:fld id="{0E226D3C-400E-4353-AAC2-09A0472DC536}" type="slidenum">
-              <a:rPr lang="de-DE" smtClean="0"/>
-              <a:t>27</a:t>
-            </a:fld>
-            <a:endParaRPr lang="de-DE" dirty="0"/>
-          </a:p>
-        </p:txBody>
-      </p:sp>
-    </p:spTree>
-    <p:extLst>
-      <p:ext uri="{BB962C8B-B14F-4D97-AF65-F5344CB8AC3E}">
-        <p14:creationId xmlns:p14="http://schemas.microsoft.com/office/powerpoint/2010/main" val="4218416104"/>
-      </p:ext>
-    </p:extLst>
-  </p:cSld>
-  <p:clrMapOvr>
-    <a:masterClrMapping/>
-  </p:clrMapOvr>
-  <p:timing>
-    <p:tnLst>
-      <p:par>
-        <p:cTn id="1" dur="indefinite" restart="never" nodeType="tmRoot"/>
-      </p:par>
-    </p:tnLst>
-  </p:timing>
-</p:sld>
-</file>
-
-<file path=ppt/slides/slide29.xml><?xml version="1.0" encoding="utf-8"?>
-<p:sld xmlns:a="http://schemas.openxmlformats.org/drawingml/2006/main" xmlns:r="http://schemas.openxmlformats.org/officeDocument/2006/relationships" xmlns:p="http://schemas.openxmlformats.org/presentationml/2006/main">
-  <p:cSld>
-    <p:spTree>
-      <p:nvGrpSpPr>
-        <p:cNvPr id="1" name=""/>
-        <p:cNvGrpSpPr/>
-        <p:nvPr/>
-      </p:nvGrpSpPr>
-      <p:grpSpPr>
-        <a:xfrm>
-          <a:off x="0" y="0"/>
-          <a:ext cx="0" cy="0"/>
-          <a:chOff x="0" y="0"/>
-          <a:chExt cx="0" cy="0"/>
-        </a:xfrm>
-      </p:grpSpPr>
-      <p:sp>
-        <p:nvSpPr>
-          <p:cNvPr id="4" name="Datumsplatzhalter 3"/>
-          <p:cNvSpPr>
-            <a:spLocks noGrp="1"/>
-          </p:cNvSpPr>
-          <p:nvPr>
-            <p:ph type="dt" sz="half" idx="10"/>
-          </p:nvPr>
-        </p:nvSpPr>
-        <p:spPr/>
-        <p:txBody>
-          <a:bodyPr/>
-          <a:lstStyle/>
-          <a:p>
-            <a:fld id="{7AC709DD-AC18-4FBA-B4E6-46DED743653E}" type="datetime1">
-              <a:rPr lang="de-DE" smtClean="0"/>
-              <a:t>05.12.2015</a:t>
-            </a:fld>
-            <a:endParaRPr lang="de-DE"/>
-          </a:p>
-        </p:txBody>
-      </p:sp>
-      <p:sp>
-        <p:nvSpPr>
-          <p:cNvPr id="5" name="Fußzeilenplatzhalter 4"/>
-          <p:cNvSpPr>
-            <a:spLocks noGrp="1"/>
-          </p:cNvSpPr>
-          <p:nvPr>
-            <p:ph type="ftr" sz="quarter" idx="11"/>
-          </p:nvPr>
-        </p:nvSpPr>
-        <p:spPr/>
-        <p:txBody>
-          <a:bodyPr/>
-          <a:lstStyle/>
-          <a:p>
-            <a:r>
-              <a:rPr lang="de-DE" dirty="0" smtClean="0"/>
-              <a:t>Fakultät Informatik             Sebastian Schötteler &amp; Benedikt Hofrichter</a:t>
-            </a:r>
-            <a:endParaRPr lang="de-DE" dirty="0"/>
-          </a:p>
-        </p:txBody>
-      </p:sp>
-      <p:sp>
-        <p:nvSpPr>
-          <p:cNvPr id="6" name="Foliennummernplatzhalter 5"/>
-          <p:cNvSpPr>
-            <a:spLocks noGrp="1"/>
-          </p:cNvSpPr>
-          <p:nvPr>
-            <p:ph type="sldNum" sz="quarter" idx="12"/>
-          </p:nvPr>
-        </p:nvSpPr>
-        <p:spPr/>
-        <p:txBody>
-          <a:bodyPr/>
-          <a:lstStyle/>
-          <a:p>
-            <a:fld id="{0E226D3C-400E-4353-AAC2-09A0472DC536}" type="slidenum">
-              <a:rPr lang="de-DE" smtClean="0"/>
-              <a:t>28</a:t>
-            </a:fld>
-            <a:endParaRPr lang="de-DE" dirty="0"/>
-          </a:p>
-        </p:txBody>
-      </p:sp>
-      <p:sp>
-        <p:nvSpPr>
-          <p:cNvPr id="8" name="Inhaltsplatzhalter 7"/>
-          <p:cNvSpPr>
-            <a:spLocks noGrp="1"/>
-          </p:cNvSpPr>
-          <p:nvPr>
-            <p:ph idx="1"/>
-          </p:nvPr>
-        </p:nvSpPr>
-        <p:spPr/>
-        <p:txBody>
-          <a:bodyPr>
-            <a:normAutofit fontScale="92500" lnSpcReduction="20000"/>
-          </a:bodyPr>
-          <a:lstStyle/>
-          <a:p>
-            <a:pPr marL="571500" indent="-571500">
-              <a:buFont typeface="+mj-lt"/>
-              <a:buAutoNum type="romanUcPeriod"/>
-            </a:pPr>
-            <a:r>
-              <a:rPr lang="de-DE" dirty="0" smtClean="0"/>
-              <a:t>Motivation</a:t>
-            </a:r>
-          </a:p>
-          <a:p>
-            <a:pPr marL="285750" indent="-285750">
-              <a:buFont typeface="+mj-lt"/>
-              <a:buAutoNum type="romanUcPeriod"/>
-            </a:pPr>
-            <a:endParaRPr lang="de-DE" sz="100" dirty="0" smtClean="0"/>
-          </a:p>
-          <a:p>
-            <a:pPr marL="571500" indent="-571500">
-              <a:buFont typeface="+mj-lt"/>
-              <a:buAutoNum type="romanUcPeriod"/>
-            </a:pPr>
-            <a:r>
-              <a:rPr lang="de-DE" dirty="0" smtClean="0"/>
-              <a:t>Konzeption der Anwendung</a:t>
-            </a:r>
-          </a:p>
-          <a:p>
-            <a:pPr marL="571500" indent="-571500">
-              <a:buFont typeface="+mj-lt"/>
-              <a:buAutoNum type="romanUcPeriod"/>
-            </a:pPr>
-            <a:r>
-              <a:rPr lang="de-DE" dirty="0" smtClean="0"/>
-              <a:t>Konzeption des künstlichen neuronalen Netzes</a:t>
-            </a:r>
-          </a:p>
-          <a:p>
-            <a:pPr marL="285750" indent="-285750">
-              <a:buFont typeface="+mj-lt"/>
-              <a:buAutoNum type="romanUcPeriod"/>
-            </a:pPr>
-            <a:endParaRPr lang="de-DE" sz="100" dirty="0" smtClean="0"/>
-          </a:p>
-          <a:p>
-            <a:pPr marL="571500" indent="-571500">
-              <a:buFont typeface="+mj-lt"/>
-              <a:buAutoNum type="romanUcPeriod"/>
-            </a:pPr>
-            <a:r>
-              <a:rPr lang="de-DE" dirty="0" smtClean="0"/>
-              <a:t>Umsetzung der Anwendung</a:t>
-            </a:r>
-          </a:p>
-          <a:p>
-            <a:pPr marL="571500" indent="-571500">
-              <a:buFont typeface="+mj-lt"/>
-              <a:buAutoNum type="romanUcPeriod"/>
-            </a:pPr>
-            <a:r>
-              <a:rPr lang="de-DE" dirty="0" smtClean="0"/>
-              <a:t>Umsetzung des künstlichen neuronalen Netzes</a:t>
-            </a:r>
-          </a:p>
-          <a:p>
-            <a:pPr marL="571500" indent="-571500">
-              <a:buFont typeface="+mj-lt"/>
-              <a:buAutoNum type="romanUcPeriod"/>
-            </a:pPr>
-            <a:r>
-              <a:rPr lang="de-DE" b="1" dirty="0" smtClean="0"/>
-              <a:t>Zusammenführung der Komponenten</a:t>
-            </a:r>
-          </a:p>
-          <a:p>
-            <a:pPr marL="571500" indent="-571500">
-              <a:buFont typeface="+mj-lt"/>
-              <a:buAutoNum type="romanUcPeriod"/>
-            </a:pPr>
-            <a:endParaRPr lang="de-DE" sz="100" dirty="0" smtClean="0"/>
-          </a:p>
-          <a:p>
-            <a:pPr marL="571500" indent="-571500">
-              <a:buFont typeface="+mj-lt"/>
-              <a:buAutoNum type="romanUcPeriod"/>
-            </a:pPr>
-            <a:r>
-              <a:rPr lang="de-DE" dirty="0" smtClean="0"/>
-              <a:t>Vorstellung der Anwendung</a:t>
-            </a:r>
-          </a:p>
-          <a:p>
-            <a:pPr marL="285750" indent="-285750">
-              <a:buFont typeface="+mj-lt"/>
-              <a:buAutoNum type="romanUcPeriod"/>
-            </a:pPr>
-            <a:endParaRPr lang="de-DE" sz="100" dirty="0" smtClean="0"/>
-          </a:p>
-          <a:p>
-            <a:pPr marL="571500" indent="-571500">
-              <a:buFont typeface="+mj-lt"/>
-              <a:buAutoNum type="romanUcPeriod"/>
-            </a:pPr>
-            <a:r>
-              <a:rPr lang="de-DE" dirty="0" smtClean="0"/>
-              <a:t>Analyse</a:t>
-            </a:r>
-          </a:p>
-          <a:p>
-            <a:pPr marL="0" indent="0">
-              <a:buNone/>
-            </a:pPr>
-            <a:endParaRPr lang="de-DE" sz="100" dirty="0" smtClean="0"/>
-          </a:p>
-          <a:p>
-            <a:pPr marL="571500" indent="-571500">
-              <a:buFont typeface="+mj-lt"/>
-              <a:buAutoNum type="romanUcPeriod" startAt="9"/>
-            </a:pPr>
-            <a:r>
-              <a:rPr lang="de-DE" dirty="0" smtClean="0"/>
-              <a:t>Fazit</a:t>
-            </a:r>
-          </a:p>
-          <a:p>
-            <a:pPr marL="571500" indent="-571500">
-              <a:buFont typeface="+mj-lt"/>
-              <a:buAutoNum type="romanUcPeriod" startAt="9"/>
-            </a:pPr>
-            <a:endParaRPr lang="de-DE" dirty="0"/>
-          </a:p>
-        </p:txBody>
-      </p:sp>
-      <p:pic>
-        <p:nvPicPr>
-          <p:cNvPr id="9" name="Inhaltsplatzhalter 6"/>
-          <p:cNvPicPr>
-            <a:picLocks noChangeAspect="1"/>
-          </p:cNvPicPr>
-          <p:nvPr/>
-        </p:nvPicPr>
-        <p:blipFill>
-          <a:blip r:embed="rId2">
-            <a:duotone>
-              <a:schemeClr val="bg2">
-                <a:shade val="45000"/>
-                <a:satMod val="135000"/>
-              </a:schemeClr>
-              <a:prstClr val="white"/>
-            </a:duotone>
-            <a:extLst>
-              <a:ext uri="{28A0092B-C50C-407E-A947-70E740481C1C}">
-                <a14:useLocalDpi xmlns:a14="http://schemas.microsoft.com/office/drawing/2010/main" val="0"/>
-              </a:ext>
-            </a:extLst>
-          </a:blip>
-          <a:stretch>
-            <a:fillRect/>
-          </a:stretch>
-        </p:blipFill>
-        <p:spPr>
-          <a:xfrm>
-            <a:off x="8566434" y="365125"/>
-            <a:ext cx="3250865" cy="2589856"/>
-          </a:xfrm>
-          <a:prstGeom prst="rect">
-            <a:avLst/>
-          </a:prstGeom>
-        </p:spPr>
-      </p:pic>
-    </p:spTree>
-    <p:extLst>
-      <p:ext uri="{BB962C8B-B14F-4D97-AF65-F5344CB8AC3E}">
-        <p14:creationId xmlns:p14="http://schemas.microsoft.com/office/powerpoint/2010/main" val="2535866213"/>
       </p:ext>
     </p:extLst>
   </p:cSld>
@@ -13463,11 +14083,11 @@
           <a:p>
             <a:pPr marL="857250" indent="-857250">
               <a:buFont typeface="+mj-lt"/>
-              <a:buAutoNum type="romanUcPeriod" startAt="6"/>
+              <a:buAutoNum type="romanUcPeriod" startAt="5"/>
             </a:pPr>
             <a:r>
               <a:rPr lang="de-DE" b="1" dirty="0" smtClean="0"/>
-              <a:t>Zusammenführung der Komponenten</a:t>
+              <a:t>Umsetzung des künstlichen neuronalen Netzes</a:t>
             </a:r>
             <a:endParaRPr lang="de-DE" dirty="0"/>
           </a:p>
@@ -13488,10 +14108,6 @@
           <a:bodyPr/>
           <a:lstStyle/>
           <a:p>
-            <a:r>
-              <a:rPr lang="de-DE" dirty="0" smtClean="0"/>
-              <a:t>&lt;&lt;Benedikt&gt;&gt;</a:t>
-            </a:r>
             <a:endParaRPr lang="de-DE" dirty="0"/>
           </a:p>
         </p:txBody>
@@ -13568,7 +14184,7 @@
     </p:spTree>
     <p:extLst>
       <p:ext uri="{BB962C8B-B14F-4D97-AF65-F5344CB8AC3E}">
-        <p14:creationId xmlns:p14="http://schemas.microsoft.com/office/powerpoint/2010/main" val="403237695"/>
+        <p14:creationId xmlns:p14="http://schemas.microsoft.com/office/powerpoint/2010/main" val="4218416104"/>
       </p:ext>
     </p:extLst>
   </p:cSld>
@@ -13666,6 +14282,454 @@
             <a:fld id="{0E226D3C-400E-4353-AAC2-09A0472DC536}" type="slidenum">
               <a:rPr lang="de-DE" smtClean="0"/>
               <a:t>30</a:t>
+            </a:fld>
+            <a:endParaRPr lang="de-DE" dirty="0"/>
+          </a:p>
+        </p:txBody>
+      </p:sp>
+      <p:sp>
+        <p:nvSpPr>
+          <p:cNvPr id="8" name="Inhaltsplatzhalter 7"/>
+          <p:cNvSpPr>
+            <a:spLocks noGrp="1"/>
+          </p:cNvSpPr>
+          <p:nvPr>
+            <p:ph idx="1"/>
+          </p:nvPr>
+        </p:nvSpPr>
+        <p:spPr/>
+        <p:txBody>
+          <a:bodyPr>
+            <a:normAutofit fontScale="92500" lnSpcReduction="20000"/>
+          </a:bodyPr>
+          <a:lstStyle/>
+          <a:p>
+            <a:pPr marL="571500" indent="-571500">
+              <a:buFont typeface="+mj-lt"/>
+              <a:buAutoNum type="romanUcPeriod"/>
+            </a:pPr>
+            <a:r>
+              <a:rPr lang="de-DE" dirty="0" smtClean="0"/>
+              <a:t>Motivation</a:t>
+            </a:r>
+          </a:p>
+          <a:p>
+            <a:pPr marL="285750" indent="-285750">
+              <a:buFont typeface="+mj-lt"/>
+              <a:buAutoNum type="romanUcPeriod"/>
+            </a:pPr>
+            <a:endParaRPr lang="de-DE" sz="100" dirty="0" smtClean="0"/>
+          </a:p>
+          <a:p>
+            <a:pPr marL="571500" indent="-571500">
+              <a:buFont typeface="+mj-lt"/>
+              <a:buAutoNum type="romanUcPeriod"/>
+            </a:pPr>
+            <a:r>
+              <a:rPr lang="de-DE" dirty="0" smtClean="0"/>
+              <a:t>Konzeption der Anwendung</a:t>
+            </a:r>
+          </a:p>
+          <a:p>
+            <a:pPr marL="571500" indent="-571500">
+              <a:buFont typeface="+mj-lt"/>
+              <a:buAutoNum type="romanUcPeriod"/>
+            </a:pPr>
+            <a:r>
+              <a:rPr lang="de-DE" dirty="0" smtClean="0"/>
+              <a:t>Konzeption des künstlichen neuronalen Netzes</a:t>
+            </a:r>
+          </a:p>
+          <a:p>
+            <a:pPr marL="285750" indent="-285750">
+              <a:buFont typeface="+mj-lt"/>
+              <a:buAutoNum type="romanUcPeriod"/>
+            </a:pPr>
+            <a:endParaRPr lang="de-DE" sz="100" dirty="0" smtClean="0"/>
+          </a:p>
+          <a:p>
+            <a:pPr marL="571500" indent="-571500">
+              <a:buFont typeface="+mj-lt"/>
+              <a:buAutoNum type="romanUcPeriod"/>
+            </a:pPr>
+            <a:r>
+              <a:rPr lang="de-DE" dirty="0" smtClean="0"/>
+              <a:t>Umsetzung der Anwendung</a:t>
+            </a:r>
+          </a:p>
+          <a:p>
+            <a:pPr marL="571500" indent="-571500">
+              <a:buFont typeface="+mj-lt"/>
+              <a:buAutoNum type="romanUcPeriod"/>
+            </a:pPr>
+            <a:r>
+              <a:rPr lang="de-DE" dirty="0" smtClean="0"/>
+              <a:t>Umsetzung des künstlichen neuronalen Netzes</a:t>
+            </a:r>
+          </a:p>
+          <a:p>
+            <a:pPr marL="571500" indent="-571500">
+              <a:buFont typeface="+mj-lt"/>
+              <a:buAutoNum type="romanUcPeriod"/>
+            </a:pPr>
+            <a:r>
+              <a:rPr lang="de-DE" b="1" dirty="0" smtClean="0"/>
+              <a:t>Zusammenführung der Komponenten</a:t>
+            </a:r>
+          </a:p>
+          <a:p>
+            <a:pPr marL="571500" indent="-571500">
+              <a:buFont typeface="+mj-lt"/>
+              <a:buAutoNum type="romanUcPeriod"/>
+            </a:pPr>
+            <a:endParaRPr lang="de-DE" sz="100" dirty="0" smtClean="0"/>
+          </a:p>
+          <a:p>
+            <a:pPr marL="571500" indent="-571500">
+              <a:buFont typeface="+mj-lt"/>
+              <a:buAutoNum type="romanUcPeriod"/>
+            </a:pPr>
+            <a:r>
+              <a:rPr lang="de-DE" dirty="0" smtClean="0"/>
+              <a:t>Vorstellung der Anwendung</a:t>
+            </a:r>
+          </a:p>
+          <a:p>
+            <a:pPr marL="285750" indent="-285750">
+              <a:buFont typeface="+mj-lt"/>
+              <a:buAutoNum type="romanUcPeriod"/>
+            </a:pPr>
+            <a:endParaRPr lang="de-DE" sz="100" dirty="0" smtClean="0"/>
+          </a:p>
+          <a:p>
+            <a:pPr marL="571500" indent="-571500">
+              <a:buFont typeface="+mj-lt"/>
+              <a:buAutoNum type="romanUcPeriod"/>
+            </a:pPr>
+            <a:r>
+              <a:rPr lang="de-DE" dirty="0" smtClean="0"/>
+              <a:t>Analyse</a:t>
+            </a:r>
+          </a:p>
+          <a:p>
+            <a:pPr marL="0" indent="0">
+              <a:buNone/>
+            </a:pPr>
+            <a:endParaRPr lang="de-DE" sz="100" dirty="0" smtClean="0"/>
+          </a:p>
+          <a:p>
+            <a:pPr marL="571500" indent="-571500">
+              <a:buFont typeface="+mj-lt"/>
+              <a:buAutoNum type="romanUcPeriod" startAt="9"/>
+            </a:pPr>
+            <a:r>
+              <a:rPr lang="de-DE" dirty="0" smtClean="0"/>
+              <a:t>Fazit</a:t>
+            </a:r>
+          </a:p>
+          <a:p>
+            <a:pPr marL="571500" indent="-571500">
+              <a:buFont typeface="+mj-lt"/>
+              <a:buAutoNum type="romanUcPeriod" startAt="9"/>
+            </a:pPr>
+            <a:endParaRPr lang="de-DE" dirty="0"/>
+          </a:p>
+        </p:txBody>
+      </p:sp>
+      <p:pic>
+        <p:nvPicPr>
+          <p:cNvPr id="9" name="Inhaltsplatzhalter 6"/>
+          <p:cNvPicPr>
+            <a:picLocks noChangeAspect="1"/>
+          </p:cNvPicPr>
+          <p:nvPr/>
+        </p:nvPicPr>
+        <p:blipFill>
+          <a:blip r:embed="rId2">
+            <a:duotone>
+              <a:schemeClr val="bg2">
+                <a:shade val="45000"/>
+                <a:satMod val="135000"/>
+              </a:schemeClr>
+              <a:prstClr val="white"/>
+            </a:duotone>
+            <a:extLst>
+              <a:ext uri="{28A0092B-C50C-407E-A947-70E740481C1C}">
+                <a14:useLocalDpi xmlns:a14="http://schemas.microsoft.com/office/drawing/2010/main" val="0"/>
+              </a:ext>
+            </a:extLst>
+          </a:blip>
+          <a:stretch>
+            <a:fillRect/>
+          </a:stretch>
+        </p:blipFill>
+        <p:spPr>
+          <a:xfrm>
+            <a:off x="8566434" y="365125"/>
+            <a:ext cx="3250865" cy="2589856"/>
+          </a:xfrm>
+          <a:prstGeom prst="rect">
+            <a:avLst/>
+          </a:prstGeom>
+        </p:spPr>
+      </p:pic>
+    </p:spTree>
+    <p:extLst>
+      <p:ext uri="{BB962C8B-B14F-4D97-AF65-F5344CB8AC3E}">
+        <p14:creationId xmlns:p14="http://schemas.microsoft.com/office/powerpoint/2010/main" val="2535866213"/>
+      </p:ext>
+    </p:extLst>
+  </p:cSld>
+  <p:clrMapOvr>
+    <a:masterClrMapping/>
+  </p:clrMapOvr>
+  <p:timing>
+    <p:tnLst>
+      <p:par>
+        <p:cTn id="1" dur="indefinite" restart="never" nodeType="tmRoot"/>
+      </p:par>
+    </p:tnLst>
+  </p:timing>
+</p:sld>
+</file>
+
+<file path=ppt/slides/slide32.xml><?xml version="1.0" encoding="utf-8"?>
+<p:sld xmlns:a="http://schemas.openxmlformats.org/drawingml/2006/main" xmlns:r="http://schemas.openxmlformats.org/officeDocument/2006/relationships" xmlns:p="http://schemas.openxmlformats.org/presentationml/2006/main">
+  <p:cSld>
+    <p:spTree>
+      <p:nvGrpSpPr>
+        <p:cNvPr id="1" name=""/>
+        <p:cNvGrpSpPr/>
+        <p:nvPr/>
+      </p:nvGrpSpPr>
+      <p:grpSpPr>
+        <a:xfrm>
+          <a:off x="0" y="0"/>
+          <a:ext cx="0" cy="0"/>
+          <a:chOff x="0" y="0"/>
+          <a:chExt cx="0" cy="0"/>
+        </a:xfrm>
+      </p:grpSpPr>
+      <p:sp>
+        <p:nvSpPr>
+          <p:cNvPr id="2" name="Titel 1"/>
+          <p:cNvSpPr>
+            <a:spLocks noGrp="1"/>
+          </p:cNvSpPr>
+          <p:nvPr>
+            <p:ph type="title"/>
+          </p:nvPr>
+        </p:nvSpPr>
+        <p:spPr/>
+        <p:txBody>
+          <a:bodyPr/>
+          <a:lstStyle/>
+          <a:p>
+            <a:pPr marL="857250" indent="-857250">
+              <a:buFont typeface="+mj-lt"/>
+              <a:buAutoNum type="romanUcPeriod" startAt="6"/>
+            </a:pPr>
+            <a:r>
+              <a:rPr lang="de-DE" b="1" dirty="0" smtClean="0"/>
+              <a:t>Zusammenführung der Komponenten</a:t>
+            </a:r>
+            <a:endParaRPr lang="de-DE" dirty="0"/>
+          </a:p>
+        </p:txBody>
+      </p:sp>
+      <p:sp>
+        <p:nvSpPr>
+          <p:cNvPr id="3" name="Inhaltsplatzhalter 2"/>
+          <p:cNvSpPr>
+            <a:spLocks noGrp="1"/>
+          </p:cNvSpPr>
+          <p:nvPr>
+            <p:ph idx="1"/>
+          </p:nvPr>
+        </p:nvSpPr>
+        <p:spPr/>
+        <p:txBody>
+          <a:bodyPr/>
+          <a:lstStyle/>
+          <a:p>
+            <a:r>
+              <a:rPr lang="de-DE" dirty="0" smtClean="0"/>
+              <a:t>&lt;&lt;Benedikt&gt;&gt;</a:t>
+            </a:r>
+            <a:endParaRPr lang="de-DE" dirty="0"/>
+          </a:p>
+        </p:txBody>
+      </p:sp>
+      <p:sp>
+        <p:nvSpPr>
+          <p:cNvPr id="4" name="Datumsplatzhalter 3"/>
+          <p:cNvSpPr>
+            <a:spLocks noGrp="1"/>
+          </p:cNvSpPr>
+          <p:nvPr>
+            <p:ph type="dt" sz="half" idx="10"/>
+          </p:nvPr>
+        </p:nvSpPr>
+        <p:spPr/>
+        <p:txBody>
+          <a:bodyPr/>
+          <a:lstStyle/>
+          <a:p>
+            <a:fld id="{7AC709DD-AC18-4FBA-B4E6-46DED743653E}" type="datetime1">
+              <a:rPr lang="de-DE" smtClean="0"/>
+              <a:t>05.12.2015</a:t>
+            </a:fld>
+            <a:endParaRPr lang="de-DE"/>
+          </a:p>
+        </p:txBody>
+      </p:sp>
+      <p:sp>
+        <p:nvSpPr>
+          <p:cNvPr id="5" name="Fußzeilenplatzhalter 4"/>
+          <p:cNvSpPr>
+            <a:spLocks noGrp="1"/>
+          </p:cNvSpPr>
+          <p:nvPr>
+            <p:ph type="ftr" sz="quarter" idx="11"/>
+          </p:nvPr>
+        </p:nvSpPr>
+        <p:spPr/>
+        <p:txBody>
+          <a:bodyPr/>
+          <a:lstStyle/>
+          <a:p>
+            <a:r>
+              <a:rPr lang="de-DE" smtClean="0"/>
+              <a:t>Fakultät Informatik             Sebastian Schötteler &amp; Benedikt Hofrichter</a:t>
+            </a:r>
+            <a:endParaRPr lang="de-DE" dirty="0"/>
+          </a:p>
+        </p:txBody>
+      </p:sp>
+      <p:sp>
+        <p:nvSpPr>
+          <p:cNvPr id="6" name="Foliennummernplatzhalter 5"/>
+          <p:cNvSpPr>
+            <a:spLocks noGrp="1"/>
+          </p:cNvSpPr>
+          <p:nvPr>
+            <p:ph type="sldNum" sz="quarter" idx="12"/>
+          </p:nvPr>
+        </p:nvSpPr>
+        <p:spPr/>
+        <p:txBody>
+          <a:bodyPr/>
+          <a:lstStyle/>
+          <a:p>
+            <a:fld id="{0E226D3C-400E-4353-AAC2-09A0472DC536}" type="slidenum">
+              <a:rPr lang="de-DE" smtClean="0"/>
+              <a:t>31</a:t>
+            </a:fld>
+            <a:endParaRPr lang="de-DE" dirty="0"/>
+          </a:p>
+        </p:txBody>
+      </p:sp>
+    </p:spTree>
+    <p:extLst>
+      <p:ext uri="{BB962C8B-B14F-4D97-AF65-F5344CB8AC3E}">
+        <p14:creationId xmlns:p14="http://schemas.microsoft.com/office/powerpoint/2010/main" val="403237695"/>
+      </p:ext>
+    </p:extLst>
+  </p:cSld>
+  <p:clrMapOvr>
+    <a:masterClrMapping/>
+  </p:clrMapOvr>
+  <p:timing>
+    <p:tnLst>
+      <p:par>
+        <p:cTn id="1" dur="indefinite" restart="never" nodeType="tmRoot"/>
+      </p:par>
+    </p:tnLst>
+  </p:timing>
+</p:sld>
+</file>
+
+<file path=ppt/slides/slide33.xml><?xml version="1.0" encoding="utf-8"?>
+<p:sld xmlns:a="http://schemas.openxmlformats.org/drawingml/2006/main" xmlns:r="http://schemas.openxmlformats.org/officeDocument/2006/relationships" xmlns:p="http://schemas.openxmlformats.org/presentationml/2006/main">
+  <p:cSld>
+    <p:spTree>
+      <p:nvGrpSpPr>
+        <p:cNvPr id="1" name=""/>
+        <p:cNvGrpSpPr/>
+        <p:nvPr/>
+      </p:nvGrpSpPr>
+      <p:grpSpPr>
+        <a:xfrm>
+          <a:off x="0" y="0"/>
+          <a:ext cx="0" cy="0"/>
+          <a:chOff x="0" y="0"/>
+          <a:chExt cx="0" cy="0"/>
+        </a:xfrm>
+      </p:grpSpPr>
+      <p:sp>
+        <p:nvSpPr>
+          <p:cNvPr id="4" name="Datumsplatzhalter 3"/>
+          <p:cNvSpPr>
+            <a:spLocks noGrp="1"/>
+          </p:cNvSpPr>
+          <p:nvPr>
+            <p:ph type="dt" sz="half" idx="10"/>
+          </p:nvPr>
+        </p:nvSpPr>
+        <p:spPr/>
+        <p:txBody>
+          <a:bodyPr/>
+          <a:lstStyle/>
+          <a:p>
+            <a:fld id="{7AC709DD-AC18-4FBA-B4E6-46DED743653E}" type="datetime1">
+              <a:rPr lang="de-DE" smtClean="0"/>
+              <a:t>05.12.2015</a:t>
+            </a:fld>
+            <a:endParaRPr lang="de-DE"/>
+          </a:p>
+        </p:txBody>
+      </p:sp>
+      <p:sp>
+        <p:nvSpPr>
+          <p:cNvPr id="5" name="Fußzeilenplatzhalter 4"/>
+          <p:cNvSpPr>
+            <a:spLocks noGrp="1"/>
+          </p:cNvSpPr>
+          <p:nvPr>
+            <p:ph type="ftr" sz="quarter" idx="11"/>
+          </p:nvPr>
+        </p:nvSpPr>
+        <p:spPr/>
+        <p:txBody>
+          <a:bodyPr/>
+          <a:lstStyle/>
+          <a:p>
+            <a:r>
+              <a:rPr lang="de-DE" dirty="0" smtClean="0"/>
+              <a:t>Fakultät Informatik             Sebastian Schötteler &amp; Benedikt Hofrichter</a:t>
+            </a:r>
+            <a:endParaRPr lang="de-DE" dirty="0"/>
+          </a:p>
+        </p:txBody>
+      </p:sp>
+      <p:sp>
+        <p:nvSpPr>
+          <p:cNvPr id="6" name="Foliennummernplatzhalter 5"/>
+          <p:cNvSpPr>
+            <a:spLocks noGrp="1"/>
+          </p:cNvSpPr>
+          <p:nvPr>
+            <p:ph type="sldNum" sz="quarter" idx="12"/>
+          </p:nvPr>
+        </p:nvSpPr>
+        <p:spPr/>
+        <p:txBody>
+          <a:bodyPr/>
+          <a:lstStyle/>
+          <a:p>
+            <a:fld id="{0E226D3C-400E-4353-AAC2-09A0472DC536}" type="slidenum">
+              <a:rPr lang="de-DE" smtClean="0"/>
+              <a:t>32</a:t>
             </a:fld>
             <a:endParaRPr lang="de-DE" dirty="0"/>
           </a:p>
@@ -13877,7 +14941,7 @@
 </p:sld>
 </file>
 
-<file path=ppt/slides/slide32.xml><?xml version="1.0" encoding="utf-8"?>
+<file path=ppt/slides/slide34.xml><?xml version="1.0" encoding="utf-8"?>
 <p:sld xmlns:a="http://schemas.openxmlformats.org/drawingml/2006/main" xmlns:r="http://schemas.openxmlformats.org/officeDocument/2006/relationships" xmlns:p="http://schemas.openxmlformats.org/presentationml/2006/main">
   <p:cSld>
     <p:spTree>
@@ -14007,7 +15071,7 @@
           <a:p>
             <a:fld id="{0E226D3C-400E-4353-AAC2-09A0472DC536}" type="slidenum">
               <a:rPr lang="de-DE" smtClean="0"/>
-              <a:t>31</a:t>
+              <a:t>33</a:t>
             </a:fld>
             <a:endParaRPr lang="de-DE" dirty="0"/>
           </a:p>
@@ -14033,7 +15097,7 @@
 </p:sld>
 </file>
 
-<file path=ppt/slides/slide33.xml><?xml version="1.0" encoding="utf-8"?>
+<file path=ppt/slides/slide35.xml><?xml version="1.0" encoding="utf-8"?>
 <p:sld xmlns:a="http://schemas.openxmlformats.org/drawingml/2006/main" xmlns:r="http://schemas.openxmlformats.org/officeDocument/2006/relationships" xmlns:p="http://schemas.openxmlformats.org/presentationml/2006/main">
   <p:cSld>
     <p:spTree>
@@ -14113,7 +15177,7 @@
           <a:p>
             <a:fld id="{0E226D3C-400E-4353-AAC2-09A0472DC536}" type="slidenum">
               <a:rPr lang="de-DE" smtClean="0"/>
-              <a:t>32</a:t>
+              <a:t>34</a:t>
             </a:fld>
             <a:endParaRPr lang="de-DE" dirty="0"/>
           </a:p>
@@ -14325,7 +15389,7 @@
 </p:sld>
 </file>
 
-<file path=ppt/slides/slide34.xml><?xml version="1.0" encoding="utf-8"?>
+<file path=ppt/slides/slide36.xml><?xml version="1.0" encoding="utf-8"?>
 <p:sld xmlns:a="http://schemas.openxmlformats.org/drawingml/2006/main" xmlns:r="http://schemas.openxmlformats.org/officeDocument/2006/relationships" xmlns:p="http://schemas.openxmlformats.org/presentationml/2006/main">
   <p:cSld>
     <p:spTree>
@@ -14451,7 +15515,7 @@
           <a:p>
             <a:fld id="{0E226D3C-400E-4353-AAC2-09A0472DC536}" type="slidenum">
               <a:rPr lang="de-DE" smtClean="0"/>
-              <a:t>33</a:t>
+              <a:t>35</a:t>
             </a:fld>
             <a:endParaRPr lang="de-DE" dirty="0"/>
           </a:p>
@@ -14477,7 +15541,7 @@
 </p:sld>
 </file>
 
-<file path=ppt/slides/slide35.xml><?xml version="1.0" encoding="utf-8"?>
+<file path=ppt/slides/slide37.xml><?xml version="1.0" encoding="utf-8"?>
 <p:sld xmlns:a="http://schemas.openxmlformats.org/drawingml/2006/main" xmlns:r="http://schemas.openxmlformats.org/officeDocument/2006/relationships" xmlns:p="http://schemas.openxmlformats.org/presentationml/2006/main">
   <p:cSld>
     <p:spTree>
@@ -14557,7 +15621,7 @@
           <a:p>
             <a:fld id="{0E226D3C-400E-4353-AAC2-09A0472DC536}" type="slidenum">
               <a:rPr lang="de-DE" smtClean="0"/>
-              <a:t>34</a:t>
+              <a:t>36</a:t>
             </a:fld>
             <a:endParaRPr lang="de-DE" dirty="0"/>
           </a:p>
@@ -14769,430 +15833,6 @@
 </p:sld>
 </file>
 
-<file path=ppt/slides/slide36.xml><?xml version="1.0" encoding="utf-8"?>
-<p:sld xmlns:a="http://schemas.openxmlformats.org/drawingml/2006/main" xmlns:r="http://schemas.openxmlformats.org/officeDocument/2006/relationships" xmlns:p="http://schemas.openxmlformats.org/presentationml/2006/main">
-  <p:cSld>
-    <p:spTree>
-      <p:nvGrpSpPr>
-        <p:cNvPr id="1" name=""/>
-        <p:cNvGrpSpPr/>
-        <p:nvPr/>
-      </p:nvGrpSpPr>
-      <p:grpSpPr>
-        <a:xfrm>
-          <a:off x="0" y="0"/>
-          <a:ext cx="0" cy="0"/>
-          <a:chOff x="0" y="0"/>
-          <a:chExt cx="0" cy="0"/>
-        </a:xfrm>
-      </p:grpSpPr>
-      <p:sp>
-        <p:nvSpPr>
-          <p:cNvPr id="2" name="Titel 1"/>
-          <p:cNvSpPr>
-            <a:spLocks noGrp="1"/>
-          </p:cNvSpPr>
-          <p:nvPr>
-            <p:ph type="title"/>
-          </p:nvPr>
-        </p:nvSpPr>
-        <p:spPr/>
-        <p:txBody>
-          <a:bodyPr/>
-          <a:lstStyle/>
-          <a:p>
-            <a:pPr marL="857250" indent="-857250">
-              <a:buFont typeface="+mj-lt"/>
-              <a:buAutoNum type="romanUcPeriod" startAt="9"/>
-            </a:pPr>
-            <a:r>
-              <a:rPr lang="de-DE" b="1" dirty="0" smtClean="0"/>
-              <a:t>Fazit</a:t>
-            </a:r>
-            <a:endParaRPr lang="de-DE" b="1" dirty="0"/>
-          </a:p>
-        </p:txBody>
-      </p:sp>
-      <p:sp>
-        <p:nvSpPr>
-          <p:cNvPr id="3" name="Inhaltsplatzhalter 2"/>
-          <p:cNvSpPr>
-            <a:spLocks noGrp="1"/>
-          </p:cNvSpPr>
-          <p:nvPr>
-            <p:ph idx="1"/>
-          </p:nvPr>
-        </p:nvSpPr>
-        <p:spPr/>
-        <p:txBody>
-          <a:bodyPr>
-            <a:normAutofit/>
-          </a:bodyPr>
-          <a:lstStyle/>
-          <a:p>
-            <a:r>
-              <a:rPr lang="de-DE" dirty="0" smtClean="0"/>
-              <a:t>Die Prognose von Börsenkursen ist prinzipiell möglich.</a:t>
-            </a:r>
-          </a:p>
-          <a:p>
-            <a:r>
-              <a:rPr lang="de-DE" dirty="0" smtClean="0"/>
-              <a:t>Basismodell arbeitet lediglich linearen Zusammenhängen.</a:t>
-            </a:r>
-          </a:p>
-          <a:p>
-            <a:pPr lvl="1"/>
-            <a:r>
-              <a:rPr lang="de-DE" dirty="0" smtClean="0"/>
-              <a:t>Abgeschottete Welt -&gt; KNN kann nicht auf Weltereignisse reagieren.</a:t>
-            </a:r>
-          </a:p>
-          <a:p>
-            <a:pPr lvl="1"/>
-            <a:r>
-              <a:rPr lang="de-DE" dirty="0" smtClean="0"/>
-              <a:t>Erweiterung auf nichtlineare Zusammenhänge möglich:</a:t>
-            </a:r>
-          </a:p>
-          <a:p>
-            <a:pPr lvl="2"/>
-            <a:r>
-              <a:rPr lang="de-DE" dirty="0" smtClean="0"/>
-              <a:t>Leitzins</a:t>
-            </a:r>
-          </a:p>
-          <a:p>
-            <a:pPr lvl="2"/>
-            <a:r>
-              <a:rPr lang="de-DE" dirty="0" smtClean="0"/>
-              <a:t>Nachrichten</a:t>
-            </a:r>
-          </a:p>
-          <a:p>
-            <a:pPr lvl="2"/>
-            <a:r>
-              <a:rPr lang="de-DE" dirty="0" smtClean="0"/>
-              <a:t>Kurse Anderer Börsen</a:t>
-            </a:r>
-          </a:p>
-          <a:p>
-            <a:pPr lvl="2"/>
-            <a:endParaRPr lang="de-DE" dirty="0"/>
-          </a:p>
-          <a:p>
-            <a:pPr lvl="3"/>
-            <a:endParaRPr lang="de-DE" dirty="0"/>
-          </a:p>
-          <a:p>
-            <a:pPr marL="1371600" lvl="3" indent="0">
-              <a:buNone/>
-            </a:pPr>
-            <a:endParaRPr lang="de-DE" dirty="0" smtClean="0"/>
-          </a:p>
-        </p:txBody>
-      </p:sp>
-      <p:sp>
-        <p:nvSpPr>
-          <p:cNvPr id="4" name="Datumsplatzhalter 3"/>
-          <p:cNvSpPr>
-            <a:spLocks noGrp="1"/>
-          </p:cNvSpPr>
-          <p:nvPr>
-            <p:ph type="dt" sz="half" idx="10"/>
-          </p:nvPr>
-        </p:nvSpPr>
-        <p:spPr/>
-        <p:txBody>
-          <a:bodyPr/>
-          <a:lstStyle/>
-          <a:p>
-            <a:fld id="{7AC709DD-AC18-4FBA-B4E6-46DED743653E}" type="datetime1">
-              <a:rPr lang="de-DE" smtClean="0"/>
-              <a:t>05.12.2015</a:t>
-            </a:fld>
-            <a:endParaRPr lang="de-DE"/>
-          </a:p>
-        </p:txBody>
-      </p:sp>
-      <p:sp>
-        <p:nvSpPr>
-          <p:cNvPr id="5" name="Fußzeilenplatzhalter 4"/>
-          <p:cNvSpPr>
-            <a:spLocks noGrp="1"/>
-          </p:cNvSpPr>
-          <p:nvPr>
-            <p:ph type="ftr" sz="quarter" idx="11"/>
-          </p:nvPr>
-        </p:nvSpPr>
-        <p:spPr/>
-        <p:txBody>
-          <a:bodyPr/>
-          <a:lstStyle/>
-          <a:p>
-            <a:r>
-              <a:rPr lang="de-DE" smtClean="0"/>
-              <a:t>Fakultät Informatik             Sebastian Schötteler &amp; Benedikt Hofrichter</a:t>
-            </a:r>
-            <a:endParaRPr lang="de-DE" dirty="0"/>
-          </a:p>
-        </p:txBody>
-      </p:sp>
-      <p:sp>
-        <p:nvSpPr>
-          <p:cNvPr id="6" name="Foliennummernplatzhalter 5"/>
-          <p:cNvSpPr>
-            <a:spLocks noGrp="1"/>
-          </p:cNvSpPr>
-          <p:nvPr>
-            <p:ph type="sldNum" sz="quarter" idx="12"/>
-          </p:nvPr>
-        </p:nvSpPr>
-        <p:spPr/>
-        <p:txBody>
-          <a:bodyPr/>
-          <a:lstStyle/>
-          <a:p>
-            <a:fld id="{0E226D3C-400E-4353-AAC2-09A0472DC536}" type="slidenum">
-              <a:rPr lang="de-DE" smtClean="0"/>
-              <a:t>35</a:t>
-            </a:fld>
-            <a:endParaRPr lang="de-DE" dirty="0"/>
-          </a:p>
-        </p:txBody>
-      </p:sp>
-    </p:spTree>
-    <p:extLst>
-      <p:ext uri="{BB962C8B-B14F-4D97-AF65-F5344CB8AC3E}">
-        <p14:creationId xmlns:p14="http://schemas.microsoft.com/office/powerpoint/2010/main" val="3854880417"/>
-      </p:ext>
-    </p:extLst>
-  </p:cSld>
-  <p:clrMapOvr>
-    <a:masterClrMapping/>
-  </p:clrMapOvr>
-  <p:timing>
-    <p:tnLst>
-      <p:par>
-        <p:cTn id="1" dur="indefinite" restart="never" nodeType="tmRoot"/>
-      </p:par>
-    </p:tnLst>
-  </p:timing>
-</p:sld>
-</file>
-
-<file path=ppt/slides/slide37.xml><?xml version="1.0" encoding="utf-8"?>
-<p:sld xmlns:a="http://schemas.openxmlformats.org/drawingml/2006/main" xmlns:r="http://schemas.openxmlformats.org/officeDocument/2006/relationships" xmlns:p="http://schemas.openxmlformats.org/presentationml/2006/main">
-  <p:cSld>
-    <p:spTree>
-      <p:nvGrpSpPr>
-        <p:cNvPr id="1" name=""/>
-        <p:cNvGrpSpPr/>
-        <p:nvPr/>
-      </p:nvGrpSpPr>
-      <p:grpSpPr>
-        <a:xfrm>
-          <a:off x="0" y="0"/>
-          <a:ext cx="0" cy="0"/>
-          <a:chOff x="0" y="0"/>
-          <a:chExt cx="0" cy="0"/>
-        </a:xfrm>
-      </p:grpSpPr>
-      <p:sp>
-        <p:nvSpPr>
-          <p:cNvPr id="2" name="Titel 1"/>
-          <p:cNvSpPr>
-            <a:spLocks noGrp="1"/>
-          </p:cNvSpPr>
-          <p:nvPr>
-            <p:ph type="title"/>
-          </p:nvPr>
-        </p:nvSpPr>
-        <p:spPr/>
-        <p:txBody>
-          <a:bodyPr/>
-          <a:lstStyle/>
-          <a:p>
-            <a:pPr marL="857250" indent="-857250">
-              <a:buFont typeface="+mj-lt"/>
-              <a:buAutoNum type="romanUcPeriod" startAt="9"/>
-            </a:pPr>
-            <a:r>
-              <a:rPr lang="de-DE" b="1" dirty="0" smtClean="0"/>
-              <a:t>Fazit</a:t>
-            </a:r>
-            <a:endParaRPr lang="de-DE" b="1" dirty="0"/>
-          </a:p>
-        </p:txBody>
-      </p:sp>
-      <p:sp>
-        <p:nvSpPr>
-          <p:cNvPr id="3" name="Inhaltsplatzhalter 2"/>
-          <p:cNvSpPr>
-            <a:spLocks noGrp="1"/>
-          </p:cNvSpPr>
-          <p:nvPr>
-            <p:ph idx="1"/>
-          </p:nvPr>
-        </p:nvSpPr>
-        <p:spPr/>
-        <p:txBody>
-          <a:bodyPr>
-            <a:normAutofit/>
-          </a:bodyPr>
-          <a:lstStyle/>
-          <a:p>
-            <a:r>
-              <a:rPr lang="de-DE" dirty="0" smtClean="0"/>
-              <a:t>Die Prognose von Börsenkursen ist prinzipiell möglich.</a:t>
-            </a:r>
-          </a:p>
-          <a:p>
-            <a:r>
-              <a:rPr lang="de-DE" dirty="0" smtClean="0"/>
-              <a:t>Basismodell arbeitet lediglich linearen Zusammenhängen.</a:t>
-            </a:r>
-          </a:p>
-          <a:p>
-            <a:pPr lvl="1"/>
-            <a:r>
-              <a:rPr lang="de-DE" dirty="0" smtClean="0"/>
-              <a:t>Abgeschottete Welt -&gt; KNN kann nicht auf Weltereignisse reagieren.</a:t>
-            </a:r>
-          </a:p>
-          <a:p>
-            <a:pPr lvl="1"/>
-            <a:r>
-              <a:rPr lang="de-DE" dirty="0" smtClean="0"/>
-              <a:t>Erweiterung auf nichtlineare Zusammenhänge möglich:</a:t>
-            </a:r>
-          </a:p>
-          <a:p>
-            <a:pPr lvl="2"/>
-            <a:r>
-              <a:rPr lang="de-DE" dirty="0" smtClean="0"/>
-              <a:t>Leitzins</a:t>
-            </a:r>
-          </a:p>
-          <a:p>
-            <a:pPr lvl="2"/>
-            <a:r>
-              <a:rPr lang="de-DE" dirty="0" smtClean="0"/>
-              <a:t>Nachrichten</a:t>
-            </a:r>
-          </a:p>
-          <a:p>
-            <a:pPr lvl="2"/>
-            <a:r>
-              <a:rPr lang="de-DE" dirty="0" smtClean="0"/>
-              <a:t>Kurse Anderer Börsen</a:t>
-            </a:r>
-          </a:p>
-          <a:p>
-            <a:pPr lvl="2"/>
-            <a:endParaRPr lang="de-DE" dirty="0"/>
-          </a:p>
-          <a:p>
-            <a:pPr lvl="3"/>
-            <a:endParaRPr lang="de-DE" dirty="0"/>
-          </a:p>
-          <a:p>
-            <a:pPr marL="1371600" lvl="3" indent="0">
-              <a:buNone/>
-            </a:pPr>
-            <a:endParaRPr lang="de-DE" dirty="0" smtClean="0"/>
-          </a:p>
-        </p:txBody>
-      </p:sp>
-      <p:sp>
-        <p:nvSpPr>
-          <p:cNvPr id="4" name="Datumsplatzhalter 3"/>
-          <p:cNvSpPr>
-            <a:spLocks noGrp="1"/>
-          </p:cNvSpPr>
-          <p:nvPr>
-            <p:ph type="dt" sz="half" idx="10"/>
-          </p:nvPr>
-        </p:nvSpPr>
-        <p:spPr/>
-        <p:txBody>
-          <a:bodyPr/>
-          <a:lstStyle/>
-          <a:p>
-            <a:fld id="{7AC709DD-AC18-4FBA-B4E6-46DED743653E}" type="datetime1">
-              <a:rPr lang="de-DE" smtClean="0"/>
-              <a:t>05.12.2015</a:t>
-            </a:fld>
-            <a:endParaRPr lang="de-DE"/>
-          </a:p>
-        </p:txBody>
-      </p:sp>
-      <p:sp>
-        <p:nvSpPr>
-          <p:cNvPr id="5" name="Fußzeilenplatzhalter 4"/>
-          <p:cNvSpPr>
-            <a:spLocks noGrp="1"/>
-          </p:cNvSpPr>
-          <p:nvPr>
-            <p:ph type="ftr" sz="quarter" idx="11"/>
-          </p:nvPr>
-        </p:nvSpPr>
-        <p:spPr/>
-        <p:txBody>
-          <a:bodyPr/>
-          <a:lstStyle/>
-          <a:p>
-            <a:r>
-              <a:rPr lang="de-DE" smtClean="0"/>
-              <a:t>Fakultät Informatik             Sebastian Schötteler &amp; Benedikt Hofrichter</a:t>
-            </a:r>
-            <a:endParaRPr lang="de-DE" dirty="0"/>
-          </a:p>
-        </p:txBody>
-      </p:sp>
-      <p:sp>
-        <p:nvSpPr>
-          <p:cNvPr id="6" name="Foliennummernplatzhalter 5"/>
-          <p:cNvSpPr>
-            <a:spLocks noGrp="1"/>
-          </p:cNvSpPr>
-          <p:nvPr>
-            <p:ph type="sldNum" sz="quarter" idx="12"/>
-          </p:nvPr>
-        </p:nvSpPr>
-        <p:spPr/>
-        <p:txBody>
-          <a:bodyPr/>
-          <a:lstStyle/>
-          <a:p>
-            <a:fld id="{0E226D3C-400E-4353-AAC2-09A0472DC536}" type="slidenum">
-              <a:rPr lang="de-DE" smtClean="0"/>
-              <a:t>36</a:t>
-            </a:fld>
-            <a:endParaRPr lang="de-DE" dirty="0"/>
-          </a:p>
-        </p:txBody>
-      </p:sp>
-    </p:spTree>
-    <p:extLst>
-      <p:ext uri="{BB962C8B-B14F-4D97-AF65-F5344CB8AC3E}">
-        <p14:creationId xmlns:p14="http://schemas.microsoft.com/office/powerpoint/2010/main" val="3983310229"/>
-      </p:ext>
-    </p:extLst>
-  </p:cSld>
-  <p:clrMapOvr>
-    <a:masterClrMapping/>
-  </p:clrMapOvr>
-  <p:timing>
-    <p:tnLst>
-      <p:par>
-        <p:cTn id="1" dur="indefinite" restart="never" nodeType="tmRoot"/>
-      </p:par>
-    </p:tnLst>
-  </p:timing>
-</p:sld>
-</file>
-
 <file path=ppt/slides/slide38.xml><?xml version="1.0" encoding="utf-8"?>
 <p:sld xmlns:a="http://schemas.openxmlformats.org/drawingml/2006/main" xmlns:r="http://schemas.openxmlformats.org/officeDocument/2006/relationships" xmlns:p="http://schemas.openxmlformats.org/presentationml/2006/main">
   <p:cSld>
@@ -15256,14 +15896,63 @@
           <a:p>
             <a:r>
               <a:rPr lang="de-DE" dirty="0" smtClean="0"/>
-              <a:t>Prognose umstritten</a:t>
-            </a:r>
-          </a:p>
-          <a:p>
-            <a:r>
-              <a:rPr lang="de-DE" dirty="0" smtClean="0"/>
-              <a:t>Fazit Hilfsmittel</a:t>
-            </a:r>
+              <a:t>Die Prognose von Börsenkursen ist prinzipiell möglich.</a:t>
+            </a:r>
+          </a:p>
+          <a:p>
+            <a:r>
+              <a:rPr lang="de-DE" dirty="0" smtClean="0"/>
+              <a:t>Basismodell arbeitet lediglich linearen Zusammenhängen.</a:t>
+            </a:r>
+          </a:p>
+          <a:p>
+            <a:pPr lvl="1"/>
+            <a:r>
+              <a:rPr lang="de-DE" dirty="0" smtClean="0"/>
+              <a:t>Abgeschottete Welt -&gt; KNN kann nicht auf Weltereignisse reagieren.</a:t>
+            </a:r>
+          </a:p>
+          <a:p>
+            <a:pPr lvl="1"/>
+            <a:r>
+              <a:rPr lang="de-DE" dirty="0" smtClean="0"/>
+              <a:t>Erweiterung auf nichtlineare Zusammenhänge möglich:</a:t>
+            </a:r>
+          </a:p>
+          <a:p>
+            <a:pPr lvl="2"/>
+            <a:r>
+              <a:rPr lang="de-DE" dirty="0" smtClean="0"/>
+              <a:t>Leitzins</a:t>
+            </a:r>
+          </a:p>
+          <a:p>
+            <a:pPr lvl="2"/>
+            <a:r>
+              <a:rPr lang="de-DE" dirty="0" smtClean="0"/>
+              <a:t>Nachrichten</a:t>
+            </a:r>
+          </a:p>
+          <a:p>
+            <a:pPr lvl="2"/>
+            <a:r>
+              <a:rPr lang="de-DE" dirty="0" smtClean="0"/>
+              <a:t>Kurse Anderer Börsen</a:t>
+            </a:r>
+          </a:p>
+          <a:p>
+            <a:pPr lvl="2"/>
+            <a:endParaRPr lang="de-DE" dirty="0"/>
+          </a:p>
+          <a:p>
+            <a:pPr lvl="3"/>
+            <a:endParaRPr lang="de-DE" dirty="0"/>
+          </a:p>
+          <a:p>
+            <a:pPr marL="1371600" lvl="3" indent="0">
+              <a:buNone/>
+            </a:pPr>
+            <a:endParaRPr lang="de-DE" dirty="0" smtClean="0"/>
           </a:p>
         </p:txBody>
       </p:sp>
@@ -15339,7 +16028,7 @@
     </p:spTree>
     <p:extLst>
       <p:ext uri="{BB962C8B-B14F-4D97-AF65-F5344CB8AC3E}">
-        <p14:creationId xmlns:p14="http://schemas.microsoft.com/office/powerpoint/2010/main" val="2340749465"/>
+        <p14:creationId xmlns:p14="http://schemas.microsoft.com/office/powerpoint/2010/main" val="3854880417"/>
       </p:ext>
     </p:extLst>
   </p:cSld>
@@ -15383,6 +16072,633 @@
             <p:ph type="title"/>
           </p:nvPr>
         </p:nvSpPr>
+        <p:spPr/>
+        <p:txBody>
+          <a:bodyPr/>
+          <a:lstStyle/>
+          <a:p>
+            <a:pPr marL="857250" indent="-857250">
+              <a:buFont typeface="+mj-lt"/>
+              <a:buAutoNum type="romanUcPeriod" startAt="9"/>
+            </a:pPr>
+            <a:r>
+              <a:rPr lang="de-DE" b="1" dirty="0" smtClean="0"/>
+              <a:t>Fazit</a:t>
+            </a:r>
+            <a:endParaRPr lang="de-DE" b="1" dirty="0"/>
+          </a:p>
+        </p:txBody>
+      </p:sp>
+      <p:sp>
+        <p:nvSpPr>
+          <p:cNvPr id="3" name="Inhaltsplatzhalter 2"/>
+          <p:cNvSpPr>
+            <a:spLocks noGrp="1"/>
+          </p:cNvSpPr>
+          <p:nvPr>
+            <p:ph idx="1"/>
+          </p:nvPr>
+        </p:nvSpPr>
+        <p:spPr/>
+        <p:txBody>
+          <a:bodyPr>
+            <a:normAutofit/>
+          </a:bodyPr>
+          <a:lstStyle/>
+          <a:p>
+            <a:r>
+              <a:rPr lang="de-DE" dirty="0" smtClean="0"/>
+              <a:t>Die Prognose von Börsenkursen ist prinzipiell möglich.</a:t>
+            </a:r>
+          </a:p>
+          <a:p>
+            <a:r>
+              <a:rPr lang="de-DE" dirty="0" smtClean="0"/>
+              <a:t>Basismodell arbeitet lediglich linearen Zusammenhängen.</a:t>
+            </a:r>
+          </a:p>
+          <a:p>
+            <a:pPr lvl="1"/>
+            <a:r>
+              <a:rPr lang="de-DE" dirty="0" smtClean="0"/>
+              <a:t>Abgeschottete Welt -&gt; KNN kann nicht auf Weltereignisse reagieren.</a:t>
+            </a:r>
+          </a:p>
+          <a:p>
+            <a:pPr lvl="1"/>
+            <a:r>
+              <a:rPr lang="de-DE" dirty="0" smtClean="0"/>
+              <a:t>Erweiterung auf nichtlineare Zusammenhänge möglich:</a:t>
+            </a:r>
+          </a:p>
+          <a:p>
+            <a:pPr lvl="2"/>
+            <a:r>
+              <a:rPr lang="de-DE" dirty="0" smtClean="0"/>
+              <a:t>Leitzins</a:t>
+            </a:r>
+          </a:p>
+          <a:p>
+            <a:pPr lvl="2"/>
+            <a:r>
+              <a:rPr lang="de-DE" dirty="0" smtClean="0"/>
+              <a:t>Nachrichten</a:t>
+            </a:r>
+          </a:p>
+          <a:p>
+            <a:pPr lvl="2"/>
+            <a:r>
+              <a:rPr lang="de-DE" dirty="0" smtClean="0"/>
+              <a:t>Kurse Anderer Börsen</a:t>
+            </a:r>
+          </a:p>
+          <a:p>
+            <a:pPr lvl="2"/>
+            <a:endParaRPr lang="de-DE" dirty="0"/>
+          </a:p>
+          <a:p>
+            <a:pPr lvl="3"/>
+            <a:endParaRPr lang="de-DE" dirty="0"/>
+          </a:p>
+          <a:p>
+            <a:pPr marL="1371600" lvl="3" indent="0">
+              <a:buNone/>
+            </a:pPr>
+            <a:endParaRPr lang="de-DE" dirty="0" smtClean="0"/>
+          </a:p>
+        </p:txBody>
+      </p:sp>
+      <p:sp>
+        <p:nvSpPr>
+          <p:cNvPr id="4" name="Datumsplatzhalter 3"/>
+          <p:cNvSpPr>
+            <a:spLocks noGrp="1"/>
+          </p:cNvSpPr>
+          <p:nvPr>
+            <p:ph type="dt" sz="half" idx="10"/>
+          </p:nvPr>
+        </p:nvSpPr>
+        <p:spPr/>
+        <p:txBody>
+          <a:bodyPr/>
+          <a:lstStyle/>
+          <a:p>
+            <a:fld id="{7AC709DD-AC18-4FBA-B4E6-46DED743653E}" type="datetime1">
+              <a:rPr lang="de-DE" smtClean="0"/>
+              <a:t>05.12.2015</a:t>
+            </a:fld>
+            <a:endParaRPr lang="de-DE"/>
+          </a:p>
+        </p:txBody>
+      </p:sp>
+      <p:sp>
+        <p:nvSpPr>
+          <p:cNvPr id="5" name="Fußzeilenplatzhalter 4"/>
+          <p:cNvSpPr>
+            <a:spLocks noGrp="1"/>
+          </p:cNvSpPr>
+          <p:nvPr>
+            <p:ph type="ftr" sz="quarter" idx="11"/>
+          </p:nvPr>
+        </p:nvSpPr>
+        <p:spPr/>
+        <p:txBody>
+          <a:bodyPr/>
+          <a:lstStyle/>
+          <a:p>
+            <a:r>
+              <a:rPr lang="de-DE" smtClean="0"/>
+              <a:t>Fakultät Informatik             Sebastian Schötteler &amp; Benedikt Hofrichter</a:t>
+            </a:r>
+            <a:endParaRPr lang="de-DE" dirty="0"/>
+          </a:p>
+        </p:txBody>
+      </p:sp>
+      <p:sp>
+        <p:nvSpPr>
+          <p:cNvPr id="6" name="Foliennummernplatzhalter 5"/>
+          <p:cNvSpPr>
+            <a:spLocks noGrp="1"/>
+          </p:cNvSpPr>
+          <p:nvPr>
+            <p:ph type="sldNum" sz="quarter" idx="12"/>
+          </p:nvPr>
+        </p:nvSpPr>
+        <p:spPr/>
+        <p:txBody>
+          <a:bodyPr/>
+          <a:lstStyle/>
+          <a:p>
+            <a:fld id="{0E226D3C-400E-4353-AAC2-09A0472DC536}" type="slidenum">
+              <a:rPr lang="de-DE" smtClean="0"/>
+              <a:t>38</a:t>
+            </a:fld>
+            <a:endParaRPr lang="de-DE" dirty="0"/>
+          </a:p>
+        </p:txBody>
+      </p:sp>
+    </p:spTree>
+    <p:extLst>
+      <p:ext uri="{BB962C8B-B14F-4D97-AF65-F5344CB8AC3E}">
+        <p14:creationId xmlns:p14="http://schemas.microsoft.com/office/powerpoint/2010/main" val="3983310229"/>
+      </p:ext>
+    </p:extLst>
+  </p:cSld>
+  <p:clrMapOvr>
+    <a:masterClrMapping/>
+  </p:clrMapOvr>
+  <p:timing>
+    <p:tnLst>
+      <p:par>
+        <p:cTn id="1" dur="indefinite" restart="never" nodeType="tmRoot"/>
+      </p:par>
+    </p:tnLst>
+  </p:timing>
+</p:sld>
+</file>
+
+<file path=ppt/slides/slide4.xml><?xml version="1.0" encoding="utf-8"?>
+<p:sld xmlns:a="http://schemas.openxmlformats.org/drawingml/2006/main" xmlns:r="http://schemas.openxmlformats.org/officeDocument/2006/relationships" xmlns:p="http://schemas.openxmlformats.org/presentationml/2006/main">
+  <p:cSld>
+    <p:spTree>
+      <p:nvGrpSpPr>
+        <p:cNvPr id="1" name=""/>
+        <p:cNvGrpSpPr/>
+        <p:nvPr/>
+      </p:nvGrpSpPr>
+      <p:grpSpPr>
+        <a:xfrm>
+          <a:off x="0" y="0"/>
+          <a:ext cx="0" cy="0"/>
+          <a:chOff x="0" y="0"/>
+          <a:chExt cx="0" cy="0"/>
+        </a:xfrm>
+      </p:grpSpPr>
+      <p:sp>
+        <p:nvSpPr>
+          <p:cNvPr id="2" name="Titel 1"/>
+          <p:cNvSpPr>
+            <a:spLocks noGrp="1"/>
+          </p:cNvSpPr>
+          <p:nvPr>
+            <p:ph type="title"/>
+          </p:nvPr>
+        </p:nvSpPr>
+        <p:spPr/>
+        <p:txBody>
+          <a:bodyPr/>
+          <a:lstStyle/>
+          <a:p>
+            <a:pPr marL="857250" indent="-857250">
+              <a:buFont typeface="+mj-lt"/>
+              <a:buAutoNum type="romanUcPeriod"/>
+            </a:pPr>
+            <a:r>
+              <a:rPr lang="de-DE" b="1" dirty="0" smtClean="0"/>
+              <a:t>Motivation</a:t>
+            </a:r>
+            <a:endParaRPr lang="de-DE" b="1" dirty="0"/>
+          </a:p>
+        </p:txBody>
+      </p:sp>
+      <p:sp>
+        <p:nvSpPr>
+          <p:cNvPr id="3" name="Inhaltsplatzhalter 2"/>
+          <p:cNvSpPr>
+            <a:spLocks noGrp="1"/>
+          </p:cNvSpPr>
+          <p:nvPr>
+            <p:ph idx="1"/>
+          </p:nvPr>
+        </p:nvSpPr>
+        <p:spPr/>
+        <p:txBody>
+          <a:bodyPr>
+            <a:normAutofit/>
+          </a:bodyPr>
+          <a:lstStyle/>
+          <a:p>
+            <a:pPr>
+              <a:buFont typeface="Wingdings" panose="05000000000000000000" pitchFamily="2" charset="2"/>
+              <a:buChar char="§"/>
+            </a:pPr>
+            <a:r>
+              <a:rPr lang="de-DE" dirty="0" smtClean="0"/>
+              <a:t>Künstliche neuronale Netze sind </a:t>
+            </a:r>
+            <a:r>
+              <a:rPr lang="de-DE" dirty="0" smtClean="0"/>
+              <a:t>gutes ein </a:t>
+            </a:r>
+            <a:r>
+              <a:rPr lang="de-DE" dirty="0" smtClean="0"/>
+              <a:t>Hilfsmittel zur  </a:t>
+            </a:r>
+            <a:r>
+              <a:rPr lang="de-DE" dirty="0" smtClean="0"/>
+              <a:t>Prognose:</a:t>
+            </a:r>
+            <a:endParaRPr lang="de-DE" dirty="0" smtClean="0"/>
+          </a:p>
+          <a:p>
+            <a:pPr lvl="1"/>
+            <a:r>
+              <a:rPr lang="de-DE" dirty="0" smtClean="0"/>
+              <a:t>Therapieverläufen </a:t>
+            </a:r>
+            <a:r>
+              <a:rPr lang="de-DE" dirty="0"/>
+              <a:t>in der </a:t>
+            </a:r>
+            <a:r>
+              <a:rPr lang="de-DE" dirty="0" smtClean="0"/>
+              <a:t>Medizin</a:t>
+            </a:r>
+          </a:p>
+          <a:p>
+            <a:pPr lvl="1"/>
+            <a:r>
+              <a:rPr lang="de-DE" dirty="0" smtClean="0"/>
+              <a:t>Arbeitslosenzahlen </a:t>
+            </a:r>
+            <a:r>
+              <a:rPr lang="de-DE" dirty="0"/>
+              <a:t>auf dem </a:t>
+            </a:r>
+            <a:r>
+              <a:rPr lang="de-DE" dirty="0" smtClean="0"/>
+              <a:t>Arbeitsmarkt</a:t>
+            </a:r>
+          </a:p>
+          <a:p>
+            <a:pPr lvl="1"/>
+            <a:r>
+              <a:rPr lang="de-DE" dirty="0" smtClean="0"/>
+              <a:t>Börsenkursen</a:t>
+            </a:r>
+            <a:endParaRPr lang="de-DE" dirty="0"/>
+          </a:p>
+          <a:p>
+            <a:pPr lvl="1"/>
+            <a:endParaRPr lang="de-DE" sz="2000" dirty="0" smtClean="0"/>
+          </a:p>
+          <a:p>
+            <a:r>
+              <a:rPr lang="de-DE" dirty="0" smtClean="0"/>
+              <a:t>Besonderheit:</a:t>
+            </a:r>
+          </a:p>
+          <a:p>
+            <a:pPr lvl="1"/>
+            <a:r>
+              <a:rPr lang="de-DE" dirty="0" smtClean="0"/>
+              <a:t>Fähigkeit, nichtlineare Zusammenhänge zu erkennen.</a:t>
+            </a:r>
+          </a:p>
+          <a:p>
+            <a:pPr lvl="1"/>
+            <a:r>
+              <a:rPr lang="de-DE" dirty="0" smtClean="0"/>
+              <a:t>Prognostiziert objektiv und vorurteilsfrei.</a:t>
+            </a:r>
+          </a:p>
+          <a:p>
+            <a:pPr marL="0" indent="0">
+              <a:buNone/>
+            </a:pPr>
+            <a:endParaRPr lang="de-DE" dirty="0" smtClean="0"/>
+          </a:p>
+          <a:p>
+            <a:pPr lvl="1"/>
+            <a:endParaRPr lang="de-DE" sz="2000" dirty="0"/>
+          </a:p>
+          <a:p>
+            <a:endParaRPr lang="de-DE" dirty="0" smtClean="0"/>
+          </a:p>
+          <a:p>
+            <a:endParaRPr lang="de-DE" dirty="0"/>
+          </a:p>
+        </p:txBody>
+      </p:sp>
+      <p:sp>
+        <p:nvSpPr>
+          <p:cNvPr id="4" name="Datumsplatzhalter 3"/>
+          <p:cNvSpPr>
+            <a:spLocks noGrp="1"/>
+          </p:cNvSpPr>
+          <p:nvPr>
+            <p:ph type="dt" sz="half" idx="10"/>
+          </p:nvPr>
+        </p:nvSpPr>
+        <p:spPr/>
+        <p:txBody>
+          <a:bodyPr/>
+          <a:lstStyle/>
+          <a:p>
+            <a:fld id="{7AC709DD-AC18-4FBA-B4E6-46DED743653E}" type="datetime1">
+              <a:rPr lang="de-DE" smtClean="0"/>
+              <a:t>05.12.2015</a:t>
+            </a:fld>
+            <a:endParaRPr lang="de-DE"/>
+          </a:p>
+        </p:txBody>
+      </p:sp>
+      <p:sp>
+        <p:nvSpPr>
+          <p:cNvPr id="5" name="Fußzeilenplatzhalter 4"/>
+          <p:cNvSpPr>
+            <a:spLocks noGrp="1"/>
+          </p:cNvSpPr>
+          <p:nvPr>
+            <p:ph type="ftr" sz="quarter" idx="11"/>
+          </p:nvPr>
+        </p:nvSpPr>
+        <p:spPr/>
+        <p:txBody>
+          <a:bodyPr/>
+          <a:lstStyle/>
+          <a:p>
+            <a:r>
+              <a:rPr lang="de-DE" smtClean="0"/>
+              <a:t>Fakultät Informatik             Sebastian Schötteler &amp; Benedikt Hofrichter</a:t>
+            </a:r>
+            <a:endParaRPr lang="de-DE" dirty="0"/>
+          </a:p>
+        </p:txBody>
+      </p:sp>
+      <p:sp>
+        <p:nvSpPr>
+          <p:cNvPr id="6" name="Foliennummernplatzhalter 5"/>
+          <p:cNvSpPr>
+            <a:spLocks noGrp="1"/>
+          </p:cNvSpPr>
+          <p:nvPr>
+            <p:ph type="sldNum" sz="quarter" idx="12"/>
+          </p:nvPr>
+        </p:nvSpPr>
+        <p:spPr/>
+        <p:txBody>
+          <a:bodyPr/>
+          <a:lstStyle/>
+          <a:p>
+            <a:fld id="{0E226D3C-400E-4353-AAC2-09A0472DC536}" type="slidenum">
+              <a:rPr lang="de-DE" smtClean="0"/>
+              <a:t>3</a:t>
+            </a:fld>
+            <a:endParaRPr lang="de-DE" dirty="0"/>
+          </a:p>
+        </p:txBody>
+      </p:sp>
+    </p:spTree>
+    <p:extLst>
+      <p:ext uri="{BB962C8B-B14F-4D97-AF65-F5344CB8AC3E}">
+        <p14:creationId xmlns:p14="http://schemas.microsoft.com/office/powerpoint/2010/main" val="3880735644"/>
+      </p:ext>
+    </p:extLst>
+  </p:cSld>
+  <p:clrMapOvr>
+    <a:masterClrMapping/>
+  </p:clrMapOvr>
+  <p:timing>
+    <p:tnLst>
+      <p:par>
+        <p:cTn id="1" dur="indefinite" restart="never" nodeType="tmRoot"/>
+      </p:par>
+    </p:tnLst>
+  </p:timing>
+</p:sld>
+</file>
+
+<file path=ppt/slides/slide40.xml><?xml version="1.0" encoding="utf-8"?>
+<p:sld xmlns:a="http://schemas.openxmlformats.org/drawingml/2006/main" xmlns:r="http://schemas.openxmlformats.org/officeDocument/2006/relationships" xmlns:p="http://schemas.openxmlformats.org/presentationml/2006/main">
+  <p:cSld>
+    <p:spTree>
+      <p:nvGrpSpPr>
+        <p:cNvPr id="1" name=""/>
+        <p:cNvGrpSpPr/>
+        <p:nvPr/>
+      </p:nvGrpSpPr>
+      <p:grpSpPr>
+        <a:xfrm>
+          <a:off x="0" y="0"/>
+          <a:ext cx="0" cy="0"/>
+          <a:chOff x="0" y="0"/>
+          <a:chExt cx="0" cy="0"/>
+        </a:xfrm>
+      </p:grpSpPr>
+      <p:sp>
+        <p:nvSpPr>
+          <p:cNvPr id="2" name="Titel 1"/>
+          <p:cNvSpPr>
+            <a:spLocks noGrp="1"/>
+          </p:cNvSpPr>
+          <p:nvPr>
+            <p:ph type="title"/>
+          </p:nvPr>
+        </p:nvSpPr>
+        <p:spPr/>
+        <p:txBody>
+          <a:bodyPr/>
+          <a:lstStyle/>
+          <a:p>
+            <a:pPr marL="857250" indent="-857250">
+              <a:buFont typeface="+mj-lt"/>
+              <a:buAutoNum type="romanUcPeriod" startAt="9"/>
+            </a:pPr>
+            <a:r>
+              <a:rPr lang="de-DE" b="1" dirty="0" smtClean="0"/>
+              <a:t>Fazit</a:t>
+            </a:r>
+            <a:endParaRPr lang="de-DE" b="1" dirty="0"/>
+          </a:p>
+        </p:txBody>
+      </p:sp>
+      <p:sp>
+        <p:nvSpPr>
+          <p:cNvPr id="3" name="Inhaltsplatzhalter 2"/>
+          <p:cNvSpPr>
+            <a:spLocks noGrp="1"/>
+          </p:cNvSpPr>
+          <p:nvPr>
+            <p:ph idx="1"/>
+          </p:nvPr>
+        </p:nvSpPr>
+        <p:spPr/>
+        <p:txBody>
+          <a:bodyPr>
+            <a:normAutofit/>
+          </a:bodyPr>
+          <a:lstStyle/>
+          <a:p>
+            <a:r>
+              <a:rPr lang="de-DE" dirty="0" smtClean="0"/>
+              <a:t>Prognose umstritten</a:t>
+            </a:r>
+          </a:p>
+          <a:p>
+            <a:r>
+              <a:rPr lang="de-DE" dirty="0" smtClean="0"/>
+              <a:t>Fazit Hilfsmittel</a:t>
+            </a:r>
+          </a:p>
+        </p:txBody>
+      </p:sp>
+      <p:sp>
+        <p:nvSpPr>
+          <p:cNvPr id="4" name="Datumsplatzhalter 3"/>
+          <p:cNvSpPr>
+            <a:spLocks noGrp="1"/>
+          </p:cNvSpPr>
+          <p:nvPr>
+            <p:ph type="dt" sz="half" idx="10"/>
+          </p:nvPr>
+        </p:nvSpPr>
+        <p:spPr/>
+        <p:txBody>
+          <a:bodyPr/>
+          <a:lstStyle/>
+          <a:p>
+            <a:fld id="{7AC709DD-AC18-4FBA-B4E6-46DED743653E}" type="datetime1">
+              <a:rPr lang="de-DE" smtClean="0"/>
+              <a:t>05.12.2015</a:t>
+            </a:fld>
+            <a:endParaRPr lang="de-DE"/>
+          </a:p>
+        </p:txBody>
+      </p:sp>
+      <p:sp>
+        <p:nvSpPr>
+          <p:cNvPr id="5" name="Fußzeilenplatzhalter 4"/>
+          <p:cNvSpPr>
+            <a:spLocks noGrp="1"/>
+          </p:cNvSpPr>
+          <p:nvPr>
+            <p:ph type="ftr" sz="quarter" idx="11"/>
+          </p:nvPr>
+        </p:nvSpPr>
+        <p:spPr/>
+        <p:txBody>
+          <a:bodyPr/>
+          <a:lstStyle/>
+          <a:p>
+            <a:r>
+              <a:rPr lang="de-DE" smtClean="0"/>
+              <a:t>Fakultät Informatik             Sebastian Schötteler &amp; Benedikt Hofrichter</a:t>
+            </a:r>
+            <a:endParaRPr lang="de-DE" dirty="0"/>
+          </a:p>
+        </p:txBody>
+      </p:sp>
+      <p:sp>
+        <p:nvSpPr>
+          <p:cNvPr id="6" name="Foliennummernplatzhalter 5"/>
+          <p:cNvSpPr>
+            <a:spLocks noGrp="1"/>
+          </p:cNvSpPr>
+          <p:nvPr>
+            <p:ph type="sldNum" sz="quarter" idx="12"/>
+          </p:nvPr>
+        </p:nvSpPr>
+        <p:spPr/>
+        <p:txBody>
+          <a:bodyPr/>
+          <a:lstStyle/>
+          <a:p>
+            <a:fld id="{0E226D3C-400E-4353-AAC2-09A0472DC536}" type="slidenum">
+              <a:rPr lang="de-DE" smtClean="0"/>
+              <a:t>39</a:t>
+            </a:fld>
+            <a:endParaRPr lang="de-DE" dirty="0"/>
+          </a:p>
+        </p:txBody>
+      </p:sp>
+    </p:spTree>
+    <p:extLst>
+      <p:ext uri="{BB962C8B-B14F-4D97-AF65-F5344CB8AC3E}">
+        <p14:creationId xmlns:p14="http://schemas.microsoft.com/office/powerpoint/2010/main" val="2340749465"/>
+      </p:ext>
+    </p:extLst>
+  </p:cSld>
+  <p:clrMapOvr>
+    <a:masterClrMapping/>
+  </p:clrMapOvr>
+  <p:timing>
+    <p:tnLst>
+      <p:par>
+        <p:cTn id="1" dur="indefinite" restart="never" nodeType="tmRoot"/>
+      </p:par>
+    </p:tnLst>
+  </p:timing>
+</p:sld>
+</file>
+
+<file path=ppt/slides/slide41.xml><?xml version="1.0" encoding="utf-8"?>
+<p:sld xmlns:a="http://schemas.openxmlformats.org/drawingml/2006/main" xmlns:r="http://schemas.openxmlformats.org/officeDocument/2006/relationships" xmlns:p="http://schemas.openxmlformats.org/presentationml/2006/main">
+  <p:cSld>
+    <p:spTree>
+      <p:nvGrpSpPr>
+        <p:cNvPr id="1" name=""/>
+        <p:cNvGrpSpPr/>
+        <p:nvPr/>
+      </p:nvGrpSpPr>
+      <p:grpSpPr>
+        <a:xfrm>
+          <a:off x="0" y="0"/>
+          <a:ext cx="0" cy="0"/>
+          <a:chOff x="0" y="0"/>
+          <a:chExt cx="0" cy="0"/>
+        </a:xfrm>
+      </p:grpSpPr>
+      <p:sp>
+        <p:nvSpPr>
+          <p:cNvPr id="2" name="Titel 1"/>
+          <p:cNvSpPr>
+            <a:spLocks noGrp="1"/>
+          </p:cNvSpPr>
+          <p:nvPr>
+            <p:ph type="title"/>
+          </p:nvPr>
+        </p:nvSpPr>
         <p:spPr>
           <a:xfrm>
             <a:off x="838200" y="2954981"/>
@@ -15465,7 +16781,7 @@
           <a:p>
             <a:fld id="{0E226D3C-400E-4353-AAC2-09A0472DC536}" type="slidenum">
               <a:rPr lang="de-DE" smtClean="0"/>
-              <a:t>38</a:t>
+              <a:t>40</a:t>
             </a:fld>
             <a:endParaRPr lang="de-DE" dirty="0"/>
           </a:p>
@@ -15528,245 +16844,6 @@
 </p:sld>
 </file>
 
-<file path=ppt/slides/slide4.xml><?xml version="1.0" encoding="utf-8"?>
-<p:sld xmlns:a="http://schemas.openxmlformats.org/drawingml/2006/main" xmlns:r="http://schemas.openxmlformats.org/officeDocument/2006/relationships" xmlns:p="http://schemas.openxmlformats.org/presentationml/2006/main">
-  <p:cSld>
-    <p:spTree>
-      <p:nvGrpSpPr>
-        <p:cNvPr id="1" name=""/>
-        <p:cNvGrpSpPr/>
-        <p:nvPr/>
-      </p:nvGrpSpPr>
-      <p:grpSpPr>
-        <a:xfrm>
-          <a:off x="0" y="0"/>
-          <a:ext cx="0" cy="0"/>
-          <a:chOff x="0" y="0"/>
-          <a:chExt cx="0" cy="0"/>
-        </a:xfrm>
-      </p:grpSpPr>
-      <p:sp>
-        <p:nvSpPr>
-          <p:cNvPr id="2" name="Titel 1"/>
-          <p:cNvSpPr>
-            <a:spLocks noGrp="1"/>
-          </p:cNvSpPr>
-          <p:nvPr>
-            <p:ph type="title"/>
-          </p:nvPr>
-        </p:nvSpPr>
-        <p:spPr/>
-        <p:txBody>
-          <a:bodyPr/>
-          <a:lstStyle/>
-          <a:p>
-            <a:pPr marL="857250" indent="-857250">
-              <a:buFont typeface="+mj-lt"/>
-              <a:buAutoNum type="romanUcPeriod"/>
-            </a:pPr>
-            <a:r>
-              <a:rPr lang="de-DE" b="1" dirty="0" smtClean="0"/>
-              <a:t>Motivation</a:t>
-            </a:r>
-            <a:endParaRPr lang="de-DE" b="1" dirty="0"/>
-          </a:p>
-        </p:txBody>
-      </p:sp>
-      <p:sp>
-        <p:nvSpPr>
-          <p:cNvPr id="3" name="Inhaltsplatzhalter 2"/>
-          <p:cNvSpPr>
-            <a:spLocks noGrp="1"/>
-          </p:cNvSpPr>
-          <p:nvPr>
-            <p:ph idx="1"/>
-          </p:nvPr>
-        </p:nvSpPr>
-        <p:spPr/>
-        <p:txBody>
-          <a:bodyPr>
-            <a:normAutofit/>
-          </a:bodyPr>
-          <a:lstStyle/>
-          <a:p>
-            <a:pPr>
-              <a:buFont typeface="Wingdings" panose="05000000000000000000" pitchFamily="2" charset="2"/>
-              <a:buChar char="§"/>
-            </a:pPr>
-            <a:r>
-              <a:rPr lang="de-DE" dirty="0" smtClean="0"/>
-              <a:t>Künstliche neuronale Netze sind gutes Hilfsmittel zur  Prognose.</a:t>
-            </a:r>
-          </a:p>
-          <a:p>
-            <a:pPr lvl="1"/>
-            <a:r>
-              <a:rPr lang="de-DE" dirty="0" smtClean="0"/>
-              <a:t>Therapieverläufen </a:t>
-            </a:r>
-            <a:r>
-              <a:rPr lang="de-DE" dirty="0"/>
-              <a:t>in der </a:t>
-            </a:r>
-            <a:r>
-              <a:rPr lang="de-DE" dirty="0" smtClean="0"/>
-              <a:t>Medizin</a:t>
-            </a:r>
-          </a:p>
-          <a:p>
-            <a:pPr lvl="1"/>
-            <a:r>
-              <a:rPr lang="de-DE" dirty="0" smtClean="0"/>
-              <a:t>Arbeitslosenzahlen </a:t>
-            </a:r>
-            <a:r>
-              <a:rPr lang="de-DE" dirty="0"/>
-              <a:t>auf dem </a:t>
-            </a:r>
-            <a:r>
-              <a:rPr lang="de-DE" dirty="0" smtClean="0"/>
-              <a:t>Arbeitsmarkt</a:t>
-            </a:r>
-          </a:p>
-          <a:p>
-            <a:pPr lvl="1"/>
-            <a:r>
-              <a:rPr lang="de-DE" dirty="0" smtClean="0"/>
-              <a:t>Börsenkursen</a:t>
-            </a:r>
-            <a:endParaRPr lang="de-DE" dirty="0"/>
-          </a:p>
-          <a:p>
-            <a:pPr lvl="1"/>
-            <a:endParaRPr lang="de-DE" sz="2000" dirty="0" smtClean="0"/>
-          </a:p>
-          <a:p>
-            <a:r>
-              <a:rPr lang="de-DE" dirty="0" smtClean="0"/>
-              <a:t>Besonderheit:</a:t>
-            </a:r>
-          </a:p>
-          <a:p>
-            <a:pPr lvl="1"/>
-            <a:r>
-              <a:rPr lang="de-DE" dirty="0" smtClean="0"/>
-              <a:t>Fähigkeit, nichtlineare Zusammenhänge zu erkennen.</a:t>
-            </a:r>
-          </a:p>
-          <a:p>
-            <a:pPr lvl="1"/>
-            <a:r>
-              <a:rPr lang="de-DE" dirty="0" smtClean="0"/>
-              <a:t>Prognostiziert objektiv und vorurteilsfrei.</a:t>
-            </a:r>
-          </a:p>
-          <a:p>
-            <a:pPr marL="0" indent="0">
-              <a:buNone/>
-            </a:pPr>
-            <a:endParaRPr lang="de-DE" dirty="0" smtClean="0"/>
-          </a:p>
-          <a:p>
-            <a:pPr lvl="1"/>
-            <a:endParaRPr lang="de-DE" sz="2000" dirty="0"/>
-          </a:p>
-          <a:p>
-            <a:endParaRPr lang="de-DE" dirty="0" smtClean="0"/>
-          </a:p>
-          <a:p>
-            <a:endParaRPr lang="de-DE" dirty="0"/>
-          </a:p>
-        </p:txBody>
-      </p:sp>
-      <p:sp>
-        <p:nvSpPr>
-          <p:cNvPr id="4" name="Datumsplatzhalter 3"/>
-          <p:cNvSpPr>
-            <a:spLocks noGrp="1"/>
-          </p:cNvSpPr>
-          <p:nvPr>
-            <p:ph type="dt" sz="half" idx="10"/>
-          </p:nvPr>
-        </p:nvSpPr>
-        <p:spPr/>
-        <p:txBody>
-          <a:bodyPr/>
-          <a:lstStyle/>
-          <a:p>
-            <a:fld id="{7AC709DD-AC18-4FBA-B4E6-46DED743653E}" type="datetime1">
-              <a:rPr lang="de-DE" smtClean="0"/>
-              <a:t>05.12.2015</a:t>
-            </a:fld>
-            <a:endParaRPr lang="de-DE"/>
-          </a:p>
-        </p:txBody>
-      </p:sp>
-      <p:sp>
-        <p:nvSpPr>
-          <p:cNvPr id="5" name="Fußzeilenplatzhalter 4"/>
-          <p:cNvSpPr>
-            <a:spLocks noGrp="1"/>
-          </p:cNvSpPr>
-          <p:nvPr>
-            <p:ph type="ftr" sz="quarter" idx="11"/>
-          </p:nvPr>
-        </p:nvSpPr>
-        <p:spPr/>
-        <p:txBody>
-          <a:bodyPr/>
-          <a:lstStyle/>
-          <a:p>
-            <a:r>
-              <a:rPr lang="de-DE" smtClean="0"/>
-              <a:t>Fakultät Informatik             Sebastian Schötteler &amp; Benedikt Hofrichter</a:t>
-            </a:r>
-            <a:endParaRPr lang="de-DE" dirty="0"/>
-          </a:p>
-        </p:txBody>
-      </p:sp>
-      <p:sp>
-        <p:nvSpPr>
-          <p:cNvPr id="6" name="Foliennummernplatzhalter 5"/>
-          <p:cNvSpPr>
-            <a:spLocks noGrp="1"/>
-          </p:cNvSpPr>
-          <p:nvPr>
-            <p:ph type="sldNum" sz="quarter" idx="12"/>
-          </p:nvPr>
-        </p:nvSpPr>
-        <p:spPr/>
-        <p:txBody>
-          <a:bodyPr/>
-          <a:lstStyle/>
-          <a:p>
-            <a:fld id="{0E226D3C-400E-4353-AAC2-09A0472DC536}" type="slidenum">
-              <a:rPr lang="de-DE" smtClean="0"/>
-              <a:t>3</a:t>
-            </a:fld>
-            <a:endParaRPr lang="de-DE" dirty="0"/>
-          </a:p>
-        </p:txBody>
-      </p:sp>
-    </p:spTree>
-    <p:extLst>
-      <p:ext uri="{BB962C8B-B14F-4D97-AF65-F5344CB8AC3E}">
-        <p14:creationId xmlns:p14="http://schemas.microsoft.com/office/powerpoint/2010/main" val="3880735644"/>
-      </p:ext>
-    </p:extLst>
-  </p:cSld>
-  <p:clrMapOvr>
-    <a:masterClrMapping/>
-  </p:clrMapOvr>
-  <p:timing>
-    <p:tnLst>
-      <p:par>
-        <p:cTn id="1" dur="indefinite" restart="never" nodeType="tmRoot"/>
-      </p:par>
-    </p:tnLst>
-  </p:timing>
-</p:sld>
-</file>
-
 <file path=ppt/slides/slide5.xml><?xml version="1.0" encoding="utf-8"?>
 <p:sld xmlns:a="http://schemas.openxmlformats.org/drawingml/2006/main" xmlns:r="http://schemas.openxmlformats.org/officeDocument/2006/relationships" xmlns:p="http://schemas.openxmlformats.org/presentationml/2006/main">
   <p:cSld>
@@ -15844,14 +16921,31 @@
             <a:pPr lvl="2"/>
             <a:r>
               <a:rPr lang="de-DE" dirty="0" smtClean="0"/>
-              <a:t>Fokus liegt auch Erlangen eines Grundverständnisses über KNN, nicht auf Präzision.</a:t>
-            </a:r>
+              <a:t>Fokus liegt </a:t>
+            </a:r>
+            <a:r>
+              <a:rPr lang="de-DE" dirty="0" smtClean="0"/>
+              <a:t>auf </a:t>
+            </a:r>
+            <a:r>
+              <a:rPr lang="de-DE" dirty="0" smtClean="0"/>
+              <a:t>Erlangen eines Grundverständnisses über KNN, nicht auf </a:t>
+            </a:r>
+            <a:r>
+              <a:rPr lang="de-DE" dirty="0" smtClean="0"/>
+              <a:t>Präzision.</a:t>
+            </a:r>
+            <a:endParaRPr lang="de-DE" dirty="0" smtClean="0"/>
           </a:p>
           <a:p>
             <a:pPr lvl="2"/>
             <a:r>
               <a:rPr lang="de-DE" dirty="0" smtClean="0"/>
-              <a:t>Präzision sollte jedoch auch nicht vernachlässigt werden.</a:t>
+              <a:t>Präzision der Prognosen sollte </a:t>
+            </a:r>
+            <a:r>
+              <a:rPr lang="de-DE" dirty="0" smtClean="0"/>
+              <a:t>jedoch auch nicht vernachlässigt werden.</a:t>
             </a:r>
           </a:p>
           <a:p>
@@ -15868,14 +16962,42 @@
             <a:pPr lvl="1"/>
             <a:r>
               <a:rPr lang="de-DE" dirty="0" smtClean="0"/>
-              <a:t>Den zukünftigen Kurs verschiedener Börsen prognostizieren zu können.</a:t>
+              <a:t>…d</a:t>
+            </a:r>
+            <a:r>
+              <a:rPr lang="de-DE" dirty="0" smtClean="0"/>
+              <a:t>en </a:t>
+            </a:r>
+            <a:r>
+              <a:rPr lang="de-DE" dirty="0" smtClean="0"/>
+              <a:t>zukünftigen Kurs </a:t>
+            </a:r>
+            <a:r>
+              <a:rPr lang="de-DE" dirty="0" smtClean="0"/>
+              <a:t>des DAX prognostizieren </a:t>
+            </a:r>
+            <a:r>
+              <a:rPr lang="de-DE" dirty="0" smtClean="0"/>
+              <a:t>zu können.</a:t>
             </a:r>
           </a:p>
           <a:p>
             <a:pPr lvl="1"/>
             <a:r>
               <a:rPr lang="de-DE" dirty="0" smtClean="0"/>
-              <a:t>Eine genaue Analyse der Prognose liefern.</a:t>
+              <a:t>…eine </a:t>
+            </a:r>
+            <a:r>
+              <a:rPr lang="de-DE" dirty="0" smtClean="0"/>
+              <a:t>genaue </a:t>
+            </a:r>
+            <a:r>
+              <a:rPr lang="de-DE" dirty="0" smtClean="0"/>
+              <a:t>statistische Analyse </a:t>
+            </a:r>
+            <a:r>
+              <a:rPr lang="de-DE" dirty="0" smtClean="0"/>
+              <a:t>der Prognose liefern.</a:t>
             </a:r>
           </a:p>
           <a:p>

--- a/3b) Vortrag/Präsentation.pptx
+++ b/3b) Vortrag/Präsentation.pptx
@@ -5,7 +5,7 @@
     <p:sldMasterId id="2147483648" r:id="rId1"/>
   </p:sldMasterIdLst>
   <p:notesMasterIdLst>
-    <p:notesMasterId r:id="rId43"/>
+    <p:notesMasterId r:id="rId41"/>
   </p:notesMasterIdLst>
   <p:sldIdLst>
     <p:sldId id="256" r:id="rId2"/>
@@ -33,22 +33,20 @@
     <p:sldId id="305" r:id="rId24"/>
     <p:sldId id="292" r:id="rId25"/>
     <p:sldId id="309" r:id="rId26"/>
-    <p:sldId id="308" r:id="rId27"/>
-    <p:sldId id="280" r:id="rId28"/>
-    <p:sldId id="261" r:id="rId29"/>
-    <p:sldId id="281" r:id="rId30"/>
-    <p:sldId id="262" r:id="rId31"/>
-    <p:sldId id="282" r:id="rId32"/>
-    <p:sldId id="273" r:id="rId33"/>
-    <p:sldId id="283" r:id="rId34"/>
-    <p:sldId id="274" r:id="rId35"/>
-    <p:sldId id="284" r:id="rId36"/>
-    <p:sldId id="276" r:id="rId37"/>
-    <p:sldId id="285" r:id="rId38"/>
-    <p:sldId id="286" r:id="rId39"/>
-    <p:sldId id="307" r:id="rId40"/>
-    <p:sldId id="306" r:id="rId41"/>
-    <p:sldId id="275" r:id="rId42"/>
+    <p:sldId id="280" r:id="rId27"/>
+    <p:sldId id="261" r:id="rId28"/>
+    <p:sldId id="281" r:id="rId29"/>
+    <p:sldId id="262" r:id="rId30"/>
+    <p:sldId id="282" r:id="rId31"/>
+    <p:sldId id="273" r:id="rId32"/>
+    <p:sldId id="283" r:id="rId33"/>
+    <p:sldId id="274" r:id="rId34"/>
+    <p:sldId id="284" r:id="rId35"/>
+    <p:sldId id="276" r:id="rId36"/>
+    <p:sldId id="285" r:id="rId37"/>
+    <p:sldId id="286" r:id="rId38"/>
+    <p:sldId id="306" r:id="rId39"/>
+    <p:sldId id="275" r:id="rId40"/>
   </p:sldIdLst>
   <p:sldSz cx="12192000" cy="6858000"/>
   <p:notesSz cx="6858000" cy="9144000"/>
@@ -643,6 +641,10 @@
           <a:bodyPr/>
           <a:lstStyle/>
           <a:p>
+            <a:r>
+              <a:rPr lang="de-DE" dirty="0" smtClean="0"/>
+              <a:t>Testdaten zur Generalisierungsfähigkeit</a:t>
+            </a:r>
             <a:endParaRPr lang="de-DE" dirty="0"/>
           </a:p>
         </p:txBody>
@@ -664,7 +666,91 @@
           <a:p>
             <a:fld id="{0B7A52FC-885B-48D0-94A7-F9F16D60E366}" type="slidenum">
               <a:rPr lang="de-DE" smtClean="0"/>
-              <a:t>29</a:t>
+              <a:t>21</a:t>
+            </a:fld>
+            <a:endParaRPr lang="de-DE"/>
+          </a:p>
+        </p:txBody>
+      </p:sp>
+    </p:spTree>
+    <p:extLst>
+      <p:ext uri="{BB962C8B-B14F-4D97-AF65-F5344CB8AC3E}">
+        <p14:creationId xmlns:p14="http://schemas.microsoft.com/office/powerpoint/2010/main" val="3377859432"/>
+      </p:ext>
+    </p:extLst>
+  </p:cSld>
+  <p:clrMapOvr>
+    <a:masterClrMapping/>
+  </p:clrMapOvr>
+</p:notes>
+</file>
+
+<file path=ppt/notesSlides/notesSlide3.xml><?xml version="1.0" encoding="utf-8"?>
+<p:notes xmlns:a="http://schemas.openxmlformats.org/drawingml/2006/main" xmlns:r="http://schemas.openxmlformats.org/officeDocument/2006/relationships" xmlns:p="http://schemas.openxmlformats.org/presentationml/2006/main">
+  <p:cSld>
+    <p:spTree>
+      <p:nvGrpSpPr>
+        <p:cNvPr id="1" name=""/>
+        <p:cNvGrpSpPr/>
+        <p:nvPr/>
+      </p:nvGrpSpPr>
+      <p:grpSpPr>
+        <a:xfrm>
+          <a:off x="0" y="0"/>
+          <a:ext cx="0" cy="0"/>
+          <a:chOff x="0" y="0"/>
+          <a:chExt cx="0" cy="0"/>
+        </a:xfrm>
+      </p:grpSpPr>
+      <p:sp>
+        <p:nvSpPr>
+          <p:cNvPr id="2" name="Folienbildplatzhalter 1"/>
+          <p:cNvSpPr>
+            <a:spLocks noGrp="1" noRot="1" noChangeAspect="1"/>
+          </p:cNvSpPr>
+          <p:nvPr>
+            <p:ph type="sldImg"/>
+          </p:nvPr>
+        </p:nvSpPr>
+        <p:spPr/>
+      </p:sp>
+      <p:sp>
+        <p:nvSpPr>
+          <p:cNvPr id="3" name="Notizenplatzhalter 2"/>
+          <p:cNvSpPr>
+            <a:spLocks noGrp="1"/>
+          </p:cNvSpPr>
+          <p:nvPr>
+            <p:ph type="body" idx="1"/>
+          </p:nvPr>
+        </p:nvSpPr>
+        <p:spPr/>
+        <p:txBody>
+          <a:bodyPr/>
+          <a:lstStyle/>
+          <a:p>
+            <a:endParaRPr lang="de-DE" dirty="0"/>
+          </a:p>
+        </p:txBody>
+      </p:sp>
+      <p:sp>
+        <p:nvSpPr>
+          <p:cNvPr id="4" name="Foliennummernplatzhalter 3"/>
+          <p:cNvSpPr>
+            <a:spLocks noGrp="1"/>
+          </p:cNvSpPr>
+          <p:nvPr>
+            <p:ph type="sldNum" sz="quarter" idx="10"/>
+          </p:nvPr>
+        </p:nvSpPr>
+        <p:spPr/>
+        <p:txBody>
+          <a:bodyPr/>
+          <a:lstStyle/>
+          <a:p>
+            <a:fld id="{0B7A52FC-885B-48D0-94A7-F9F16D60E366}" type="slidenum">
+              <a:rPr lang="de-DE" smtClean="0"/>
+              <a:t>28</a:t>
             </a:fld>
             <a:endParaRPr lang="de-DE"/>
           </a:p>
@@ -3658,7 +3744,15 @@
           <a:p>
             <a:r>
               <a:rPr lang="de-DE" sz="4400" dirty="0" smtClean="0"/>
-              <a:t>Extrapolation von Zeitreihen mit Hilfe von künstlichen neuronalen Netzen am Beispiel von Börsenprognosen</a:t>
+              <a:t>Prognose</a:t>
+            </a:r>
+            <a:r>
+              <a:rPr lang="de-DE" sz="4400" dirty="0" smtClean="0"/>
+              <a:t> </a:t>
+            </a:r>
+            <a:r>
+              <a:rPr lang="de-DE" sz="4400" dirty="0" smtClean="0"/>
+              <a:t>von Zeitreihen mit Hilfe von künstlichen neuronalen Netzen am Beispiel von Börsenprognosen</a:t>
             </a:r>
             <a:endParaRPr lang="de-DE" sz="4400" dirty="0"/>
           </a:p>
@@ -5446,8 +5540,8 @@
           </a:p>
         </p:txBody>
       </p:sp>
-      <mc:AlternateContent xmlns:mc="http://schemas.openxmlformats.org/markup-compatibility/2006">
-        <mc:Choice xmlns:a14="http://schemas.microsoft.com/office/drawing/2010/main" Requires="a14">
+      <mc:AlternateContent xmlns:mc="http://schemas.openxmlformats.org/markup-compatibility/2006" xmlns:a14="http://schemas.microsoft.com/office/drawing/2010/main">
+        <mc:Choice Requires="a14">
           <p:sp>
             <p:nvSpPr>
               <p:cNvPr id="3" name="Inhaltsplatzhalter 2"/>
@@ -6185,7 +6279,7 @@
             </p:txBody>
           </p:sp>
         </mc:Choice>
-        <mc:Fallback>
+        <mc:Fallback xmlns="">
           <p:sp>
             <p:nvSpPr>
               <p:cNvPr id="3" name="Inhaltsplatzhalter 2"/>
@@ -6720,8 +6814,8 @@
           </a:prstGeom>
         </p:spPr>
       </p:pic>
-      <mc:AlternateContent xmlns:mc="http://schemas.openxmlformats.org/markup-compatibility/2006">
-        <mc:Choice xmlns:a14="http://schemas.microsoft.com/office/drawing/2010/main" Requires="a14">
+      <mc:AlternateContent xmlns:mc="http://schemas.openxmlformats.org/markup-compatibility/2006" xmlns:a14="http://schemas.microsoft.com/office/drawing/2010/main">
+        <mc:Choice Requires="a14">
           <p:sp>
             <p:nvSpPr>
               <p:cNvPr id="16" name="Textfeld 15"/>
@@ -7683,11 +7777,7 @@
                 </a14:m>
                 <a:r>
                   <a:rPr lang="de-DE" dirty="0" smtClean="0"/>
-                  <a:t> </a:t>
-                </a:r>
-                <a:r>
-                  <a:rPr lang="de-DE" dirty="0" smtClean="0"/>
-                  <a:t>Widerspruch:  </a:t>
+                  <a:t> Widerspruch:  </a:t>
                 </a:r>
                 <a14:m>
                   <m:oMath xmlns:m="http://schemas.openxmlformats.org/officeDocument/2006/math">
@@ -7946,11 +8036,7 @@
               <a:p>
                 <a:r>
                   <a:rPr lang="de-DE" dirty="0" smtClean="0"/>
-                  <a:t>Beweis </a:t>
-                </a:r>
-                <a:r>
-                  <a:rPr lang="de-DE" dirty="0" smtClean="0"/>
-                  <a:t>auf andere nicht linear separierbare Funktionen anwendbar.</a:t>
+                  <a:t>Beweis auf andere nicht linear separierbare Funktionen anwendbar.</a:t>
                 </a:r>
               </a:p>
               <a:p>
@@ -7962,7 +8048,7 @@
             </p:txBody>
           </p:sp>
         </mc:Choice>
-        <mc:Fallback>
+        <mc:Fallback xmlns="">
           <p:sp>
             <p:nvSpPr>
               <p:cNvPr id="16" name="Textfeld 15"/>
@@ -8461,8 +8547,8 @@
           </a:p>
         </p:txBody>
       </p:sp>
-      <mc:AlternateContent xmlns:mc="http://schemas.openxmlformats.org/markup-compatibility/2006">
-        <mc:Choice xmlns:a14="http://schemas.microsoft.com/office/drawing/2010/main" Requires="a14">
+      <mc:AlternateContent xmlns:mc="http://schemas.openxmlformats.org/markup-compatibility/2006" xmlns:a14="http://schemas.microsoft.com/office/drawing/2010/main">
+        <mc:Choice Requires="a14">
           <p:sp>
             <p:nvSpPr>
               <p:cNvPr id="3" name="Inhaltsplatzhalter 2"/>
@@ -8489,7 +8575,6 @@
                   <a:rPr lang="de-DE" dirty="0" smtClean="0"/>
                   <a:t>Netztyp</a:t>
                 </a:r>
-                <a:endParaRPr lang="de-DE" dirty="0" smtClean="0"/>
               </a:p>
               <a:p>
                 <a:pPr lvl="1"/>
@@ -8608,7 +8693,7 @@
             </p:txBody>
           </p:sp>
         </mc:Choice>
-        <mc:Fallback>
+        <mc:Fallback xmlns="">
           <p:sp>
             <p:nvSpPr>
               <p:cNvPr id="3" name="Inhaltsplatzhalter 2"/>
@@ -8779,8 +8864,8 @@
           </a:p>
         </p:txBody>
       </p:sp>
-      <mc:AlternateContent xmlns:mc="http://schemas.openxmlformats.org/markup-compatibility/2006">
-        <mc:Choice xmlns:a14="http://schemas.microsoft.com/office/drawing/2010/main" Requires="a14">
+      <mc:AlternateContent xmlns:mc="http://schemas.openxmlformats.org/markup-compatibility/2006" xmlns:a14="http://schemas.microsoft.com/office/drawing/2010/main">
+        <mc:Choice Requires="a14">
           <p:sp>
             <p:nvSpPr>
               <p:cNvPr id="3" name="Inhaltsplatzhalter 2"/>
@@ -8807,7 +8892,6 @@
                   <a:rPr lang="de-DE" dirty="0" smtClean="0"/>
                   <a:t>Netztyp</a:t>
                 </a:r>
-                <a:endParaRPr lang="de-DE" dirty="0" smtClean="0"/>
               </a:p>
               <a:p>
                 <a:pPr lvl="1"/>
@@ -8815,7 +8899,6 @@
                   <a:rPr lang="de-DE" dirty="0" smtClean="0"/>
                   <a:t>Test auf linearer Separierbarkeit:</a:t>
                 </a:r>
-                <a:endParaRPr lang="de-DE" dirty="0" smtClean="0"/>
               </a:p>
               <a:p>
                 <a:pPr lvl="1"/>
@@ -8864,11 +8947,7 @@
                 </a14:m>
                 <a:r>
                   <a:rPr lang="de-DE" dirty="0" smtClean="0"/>
-                  <a:t> Börsenkurs nicht linear </a:t>
-                </a:r>
-                <a:r>
-                  <a:rPr lang="de-DE" dirty="0" smtClean="0"/>
-                  <a:t>separabel </a:t>
+                  <a:t> Börsenkurs nicht linear separabel </a:t>
                 </a:r>
                 <a14:m>
                   <m:oMath xmlns:m="http://schemas.openxmlformats.org/officeDocument/2006/math">
@@ -8885,7 +8964,6 @@
                   <a:rPr lang="de-DE" dirty="0" smtClean="0"/>
                   <a:t> einlagige neuronale Netze nicht zur Prognose des Börsenkurses geeignet. </a:t>
                 </a:r>
-                <a:endParaRPr lang="de-DE" dirty="0" smtClean="0"/>
               </a:p>
               <a:p>
                 <a:pPr lvl="1"/>
@@ -8900,7 +8978,7 @@
             </p:txBody>
           </p:sp>
         </mc:Choice>
-        <mc:Fallback>
+        <mc:Fallback xmlns="">
           <p:sp>
             <p:nvSpPr>
               <p:cNvPr id="3" name="Inhaltsplatzhalter 2"/>
@@ -9125,7 +9203,6 @@
               <a:rPr lang="de-DE" dirty="0" smtClean="0"/>
               <a:t>Netztyp</a:t>
             </a:r>
-            <a:endParaRPr lang="de-DE" dirty="0" smtClean="0"/>
           </a:p>
           <a:p>
             <a:endParaRPr lang="de-DE" dirty="0"/>
@@ -9715,19 +9792,7 @@
             </a:r>
             <a:r>
               <a:rPr lang="de-DE" sz="2000" dirty="0" smtClean="0"/>
-              <a:t>         </a:t>
-            </a:r>
-            <a:r>
-              <a:rPr lang="de-DE" sz="2000" dirty="0" smtClean="0"/>
-              <a:t>   beliebig </a:t>
-            </a:r>
-            <a:r>
-              <a:rPr lang="de-DE" sz="2000" dirty="0" smtClean="0"/>
-              <a:t>genau approximieren</a:t>
-            </a:r>
-            <a:r>
-              <a:rPr lang="de-DE" sz="2000" dirty="0" smtClean="0"/>
-              <a:t>.“</a:t>
+              <a:t>            beliebig genau approximieren.“</a:t>
             </a:r>
             <a:endParaRPr lang="de-DE" sz="2800" dirty="0" smtClean="0"/>
           </a:p>
@@ -9748,11 +9813,7 @@
           <a:p>
             <a:r>
               <a:rPr lang="de-DE" dirty="0" smtClean="0"/>
-              <a:t>Fazit: </a:t>
-            </a:r>
-            <a:r>
-              <a:rPr lang="de-DE" dirty="0" smtClean="0"/>
-              <a:t>Multilayerperzeptron geeignet.</a:t>
+              <a:t>Fazit: Multilayerperzeptron geeignet.</a:t>
             </a:r>
             <a:endParaRPr lang="de-DE" sz="2400" dirty="0" smtClean="0"/>
           </a:p>
@@ -9903,8 +9964,8 @@
           </a:p>
         </p:txBody>
       </p:sp>
-      <mc:AlternateContent xmlns:mc="http://schemas.openxmlformats.org/markup-compatibility/2006">
-        <mc:Choice xmlns:a14="http://schemas.microsoft.com/office/drawing/2010/main" Requires="a14">
+      <mc:AlternateContent xmlns:mc="http://schemas.openxmlformats.org/markup-compatibility/2006" xmlns:a14="http://schemas.microsoft.com/office/drawing/2010/main">
+        <mc:Choice Requires="a14">
           <p:sp>
             <p:nvSpPr>
               <p:cNvPr id="3" name="Inhaltsplatzhalter 2"/>
@@ -9924,7 +9985,6 @@
                   <a:rPr lang="de-DE" dirty="0" smtClean="0"/>
                   <a:t>Topologie</a:t>
                 </a:r>
-                <a:endParaRPr lang="de-DE" dirty="0" smtClean="0"/>
               </a:p>
               <a:p>
                 <a:pPr lvl="1"/>
@@ -10223,7 +10283,7 @@
             </p:txBody>
           </p:sp>
         </mc:Choice>
-        <mc:Fallback>
+        <mc:Fallback xmlns="">
           <p:sp>
             <p:nvSpPr>
               <p:cNvPr id="3" name="Inhaltsplatzhalter 2"/>
@@ -10724,7 +10784,6 @@
               <a:rPr lang="de-DE" dirty="0" smtClean="0"/>
               <a:t>Topologie</a:t>
             </a:r>
-            <a:endParaRPr lang="de-DE" dirty="0" smtClean="0"/>
           </a:p>
         </p:txBody>
       </p:sp>
@@ -10904,7 +10963,6 @@
               <a:rPr lang="de-DE" dirty="0" smtClean="0"/>
               <a:t>Topologie</a:t>
             </a:r>
-            <a:endParaRPr lang="de-DE" dirty="0" smtClean="0"/>
           </a:p>
         </p:txBody>
       </p:sp>
@@ -11301,7 +11359,7 @@
                             <a:rPr lang="de-DE" b="0" i="1" smtClean="0">
                               <a:latin typeface="Cambria Math" panose="02040503050406030204" pitchFamily="18" charset="0"/>
                             </a:rPr>
-                            <m:t>300</m:t>
+                            <m:t>450</m:t>
                           </m:r>
                         </m:num>
                         <m:den>
@@ -11386,7 +11444,15 @@
                 <a:pPr lvl="2"/>
                 <a:r>
                   <a:rPr lang="de-DE" dirty="0" smtClean="0"/>
-                  <a:t>Es werden 450 Trainingsdaten verwendet. </a:t>
+                  <a:t>Es werden 450 </a:t>
+                </a:r>
+                <a:r>
+                  <a:rPr lang="de-DE" dirty="0" smtClean="0"/>
+                  <a:t>Trainingsdaten und 150 Testdaten </a:t>
+                </a:r>
+                <a:r>
+                  <a:rPr lang="de-DE" dirty="0" smtClean="0"/>
+                  <a:t>verwendet. </a:t>
                 </a:r>
               </a:p>
               <a:p>
@@ -11438,13 +11504,8 @@
                 </a14:m>
                 <a:r>
                   <a:rPr lang="de-DE" dirty="0" smtClean="0"/>
-                  <a:t> Anzahl Outpurneuronen</a:t>
+                  <a:t> Anzahl Outpurneuronen.</a:t>
                 </a:r>
-                <a:r>
-                  <a:rPr lang="de-DE" dirty="0" smtClean="0"/>
-                  <a:t>.</a:t>
-                </a:r>
-                <a:endParaRPr lang="de-DE" dirty="0" smtClean="0"/>
               </a:p>
             </p:txBody>
           </p:sp>
@@ -11462,7 +11523,7 @@
             </p:nvSpPr>
             <p:spPr>
               <a:blipFill rotWithShape="0">
-                <a:blip r:embed="rId2"/>
+                <a:blip r:embed="rId3"/>
                 <a:stretch>
                   <a:fillRect l="-1043" t="-2241"/>
                 </a:stretch>
@@ -12172,7 +12233,11 @@
                 <a:pPr lvl="2"/>
                 <a:r>
                   <a:rPr lang="de-DE" sz="2200" dirty="0" smtClean="0"/>
-                  <a:t>Eingabewerte bekannt</a:t>
+                  <a:t>Eingabewerte </a:t>
+                </a:r>
+                <a:r>
+                  <a:rPr lang="de-DE" sz="2200" dirty="0" smtClean="0"/>
+                  <a:t>bekannt  </a:t>
                 </a:r>
               </a:p>
               <a:p>
@@ -12186,7 +12251,11 @@
                 <a:pPr lvl="2"/>
                 <a:r>
                   <a:rPr lang="de-DE" sz="2200" dirty="0" smtClean="0"/>
-                  <a:t>Tatsächlicher Wert wird mit erwarteten Ausgabewert verglichen.</a:t>
+                  <a:t>Tatsächlicher </a:t>
+                </a:r>
+                <a:r>
+                  <a:rPr lang="de-DE" sz="2200" dirty="0" smtClean="0"/>
+                  <a:t>Wert wird mit erwarteten Ausgabewert verglichen.</a:t>
                 </a:r>
               </a:p>
               <a:p>
@@ -12300,7 +12369,7 @@
                     <m:sSup>
                       <m:sSupPr>
                         <m:ctrlPr>
-                          <a:rPr lang="de-DE" sz="2600" b="0" i="0" smtClean="0">
+                          <a:rPr lang="de-DE" sz="2600" b="0" i="1" smtClean="0">
                             <a:latin typeface="Cambria Math" panose="02040503050406030204" pitchFamily="18" charset="0"/>
                           </a:rPr>
                         </m:ctrlPr>
@@ -12502,8 +12571,8 @@
           </a:p>
         </p:txBody>
       </p:sp>
-      <mc:AlternateContent xmlns:mc="http://schemas.openxmlformats.org/markup-compatibility/2006">
-        <mc:Choice xmlns:a14="http://schemas.microsoft.com/office/drawing/2010/main" Requires="a14">
+      <mc:AlternateContent xmlns:mc="http://schemas.openxmlformats.org/markup-compatibility/2006" xmlns:a14="http://schemas.microsoft.com/office/drawing/2010/main">
+        <mc:Choice Requires="a14">
           <p:sp>
             <p:nvSpPr>
               <p:cNvPr id="7" name="Textfeld 6"/>
@@ -12526,6 +12595,7 @@
               </a:bodyPr>
               <a:lstStyle/>
               <a:p>
+                <a:pPr/>
                 <a14:m>
                   <m:oMathPara xmlns:m="http://schemas.openxmlformats.org/officeDocument/2006/math">
                     <m:oMathParaPr>
@@ -12782,7 +12852,7 @@
             </p:txBody>
           </p:sp>
         </mc:Choice>
-        <mc:Fallback>
+        <mc:Fallback xmlns="">
           <p:sp>
             <p:nvSpPr>
               <p:cNvPr id="7" name="Textfeld 6"/>
@@ -12860,76 +12930,6 @@
       </p:grpSpPr>
       <p:sp>
         <p:nvSpPr>
-          <p:cNvPr id="2" name="Titel 1"/>
-          <p:cNvSpPr>
-            <a:spLocks noGrp="1"/>
-          </p:cNvSpPr>
-          <p:nvPr>
-            <p:ph type="title"/>
-          </p:nvPr>
-        </p:nvSpPr>
-        <p:spPr/>
-        <p:txBody>
-          <a:bodyPr/>
-          <a:lstStyle/>
-          <a:p>
-            <a:pPr marL="857250" indent="-857250">
-              <a:buFont typeface="+mj-lt"/>
-              <a:buAutoNum type="romanUcPeriod" startAt="3"/>
-            </a:pPr>
-            <a:r>
-              <a:rPr lang="de-DE" b="1" dirty="0" smtClean="0"/>
-              <a:t>Konzeption des künstlichen neuronalen Netzes</a:t>
-            </a:r>
-            <a:endParaRPr lang="de-DE" dirty="0"/>
-          </a:p>
-        </p:txBody>
-      </p:sp>
-      <p:sp>
-        <p:nvSpPr>
-          <p:cNvPr id="3" name="Inhaltsplatzhalter 2"/>
-          <p:cNvSpPr>
-            <a:spLocks noGrp="1"/>
-          </p:cNvSpPr>
-          <p:nvPr>
-            <p:ph idx="1"/>
-          </p:nvPr>
-        </p:nvSpPr>
-        <p:spPr/>
-        <p:txBody>
-          <a:bodyPr/>
-          <a:lstStyle/>
-          <a:p>
-            <a:r>
-              <a:rPr lang="de-DE" dirty="0" smtClean="0"/>
-              <a:t>Lernverfahren</a:t>
-            </a:r>
-          </a:p>
-          <a:p>
-            <a:pPr lvl="1"/>
-            <a:r>
-              <a:rPr lang="de-DE" dirty="0" smtClean="0"/>
-              <a:t>Überwachtes Lernen</a:t>
-            </a:r>
-          </a:p>
-          <a:p>
-            <a:pPr lvl="2"/>
-            <a:r>
-              <a:rPr lang="de-DE" dirty="0" smtClean="0"/>
-              <a:t>Trainingsdaten: 450</a:t>
-            </a:r>
-          </a:p>
-          <a:p>
-            <a:pPr lvl="2"/>
-            <a:r>
-              <a:rPr lang="de-DE" dirty="0" smtClean="0"/>
-              <a:t>Testdaten zur Generalisierungsfähigkeit: 90 </a:t>
-            </a:r>
-          </a:p>
-        </p:txBody>
-      </p:sp>
-      <p:sp>
-        <p:nvSpPr>
           <p:cNvPr id="4" name="Datumsplatzhalter 3"/>
           <p:cNvSpPr>
             <a:spLocks noGrp="1"/>
@@ -12967,7 +12967,7 @@
           <a:lstStyle/>
           <a:p>
             <a:r>
-              <a:rPr lang="de-DE" smtClean="0"/>
+              <a:rPr lang="de-DE" dirty="0" smtClean="0"/>
               <a:t>Fakultät Informatik             Sebastian Schötteler &amp; Benedikt Hofrichter</a:t>
             </a:r>
             <a:endParaRPr lang="de-DE" dirty="0"/>
@@ -12992,112 +12992,6 @@
             <a:fld id="{0E226D3C-400E-4353-AAC2-09A0472DC536}" type="slidenum">
               <a:rPr lang="de-DE" smtClean="0"/>
               <a:t>25</a:t>
-            </a:fld>
-            <a:endParaRPr lang="de-DE" dirty="0"/>
-          </a:p>
-        </p:txBody>
-      </p:sp>
-    </p:spTree>
-    <p:extLst>
-      <p:ext uri="{BB962C8B-B14F-4D97-AF65-F5344CB8AC3E}">
-        <p14:creationId xmlns:p14="http://schemas.microsoft.com/office/powerpoint/2010/main" val="3321005639"/>
-      </p:ext>
-    </p:extLst>
-  </p:cSld>
-  <p:clrMapOvr>
-    <a:masterClrMapping/>
-  </p:clrMapOvr>
-  <p:timing>
-    <p:tnLst>
-      <p:par>
-        <p:cTn id="1" dur="indefinite" restart="never" nodeType="tmRoot"/>
-      </p:par>
-    </p:tnLst>
-  </p:timing>
-</p:sld>
-</file>
-
-<file path=ppt/slides/slide27.xml><?xml version="1.0" encoding="utf-8"?>
-<p:sld xmlns:a="http://schemas.openxmlformats.org/drawingml/2006/main" xmlns:r="http://schemas.openxmlformats.org/officeDocument/2006/relationships" xmlns:p="http://schemas.openxmlformats.org/presentationml/2006/main">
-  <p:cSld>
-    <p:spTree>
-      <p:nvGrpSpPr>
-        <p:cNvPr id="1" name=""/>
-        <p:cNvGrpSpPr/>
-        <p:nvPr/>
-      </p:nvGrpSpPr>
-      <p:grpSpPr>
-        <a:xfrm>
-          <a:off x="0" y="0"/>
-          <a:ext cx="0" cy="0"/>
-          <a:chOff x="0" y="0"/>
-          <a:chExt cx="0" cy="0"/>
-        </a:xfrm>
-      </p:grpSpPr>
-      <p:sp>
-        <p:nvSpPr>
-          <p:cNvPr id="4" name="Datumsplatzhalter 3"/>
-          <p:cNvSpPr>
-            <a:spLocks noGrp="1"/>
-          </p:cNvSpPr>
-          <p:nvPr>
-            <p:ph type="dt" sz="half" idx="10"/>
-          </p:nvPr>
-        </p:nvSpPr>
-        <p:spPr/>
-        <p:txBody>
-          <a:bodyPr/>
-          <a:lstStyle/>
-          <a:p>
-            <a:fld id="{7AC709DD-AC18-4FBA-B4E6-46DED743653E}" type="datetime1">
-              <a:rPr lang="de-DE" smtClean="0"/>
-              <a:t>05.12.2015</a:t>
-            </a:fld>
-            <a:endParaRPr lang="de-DE"/>
-          </a:p>
-        </p:txBody>
-      </p:sp>
-      <p:sp>
-        <p:nvSpPr>
-          <p:cNvPr id="5" name="Fußzeilenplatzhalter 4"/>
-          <p:cNvSpPr>
-            <a:spLocks noGrp="1"/>
-          </p:cNvSpPr>
-          <p:nvPr>
-            <p:ph type="ftr" sz="quarter" idx="11"/>
-          </p:nvPr>
-        </p:nvSpPr>
-        <p:spPr/>
-        <p:txBody>
-          <a:bodyPr/>
-          <a:lstStyle/>
-          <a:p>
-            <a:r>
-              <a:rPr lang="de-DE" dirty="0" smtClean="0"/>
-              <a:t>Fakultät Informatik             Sebastian Schötteler &amp; Benedikt Hofrichter</a:t>
-            </a:r>
-            <a:endParaRPr lang="de-DE" dirty="0"/>
-          </a:p>
-        </p:txBody>
-      </p:sp>
-      <p:sp>
-        <p:nvSpPr>
-          <p:cNvPr id="6" name="Foliennummernplatzhalter 5"/>
-          <p:cNvSpPr>
-            <a:spLocks noGrp="1"/>
-          </p:cNvSpPr>
-          <p:nvPr>
-            <p:ph type="sldNum" sz="quarter" idx="12"/>
-          </p:nvPr>
-        </p:nvSpPr>
-        <p:spPr/>
-        <p:txBody>
-          <a:bodyPr/>
-          <a:lstStyle/>
-          <a:p>
-            <a:fld id="{0E226D3C-400E-4353-AAC2-09A0472DC536}" type="slidenum">
-              <a:rPr lang="de-DE" smtClean="0"/>
-              <a:t>26</a:t>
             </a:fld>
             <a:endParaRPr lang="de-DE" dirty="0"/>
           </a:p>
@@ -13309,7 +13203,7 @@
 </p:sld>
 </file>
 
-<file path=ppt/slides/slide28.xml><?xml version="1.0" encoding="utf-8"?>
+<file path=ppt/slides/slide27.xml><?xml version="1.0" encoding="utf-8"?>
 <p:sld xmlns:a="http://schemas.openxmlformats.org/drawingml/2006/main" xmlns:r="http://schemas.openxmlformats.org/officeDocument/2006/relationships" xmlns:p="http://schemas.openxmlformats.org/presentationml/2006/main">
   <p:cSld>
     <p:spTree>
@@ -13439,7 +13333,7 @@
           <a:p>
             <a:fld id="{0E226D3C-400E-4353-AAC2-09A0472DC536}" type="slidenum">
               <a:rPr lang="de-DE" smtClean="0"/>
-              <a:t>27</a:t>
+              <a:t>26</a:t>
             </a:fld>
             <a:endParaRPr lang="de-DE" dirty="0"/>
           </a:p>
@@ -13465,7 +13359,7 @@
 </p:sld>
 </file>
 
-<file path=ppt/slides/slide29.xml><?xml version="1.0" encoding="utf-8"?>
+<file path=ppt/slides/slide28.xml><?xml version="1.0" encoding="utf-8"?>
 <p:sld xmlns:a="http://schemas.openxmlformats.org/drawingml/2006/main" xmlns:r="http://schemas.openxmlformats.org/officeDocument/2006/relationships" xmlns:p="http://schemas.openxmlformats.org/presentationml/2006/main">
   <p:cSld>
     <p:spTree>
@@ -13545,7 +13439,7 @@
           <a:p>
             <a:fld id="{0E226D3C-400E-4353-AAC2-09A0472DC536}" type="slidenum">
               <a:rPr lang="de-DE" smtClean="0"/>
-              <a:t>28</a:t>
+              <a:t>27</a:t>
             </a:fld>
             <a:endParaRPr lang="de-DE" dirty="0"/>
           </a:p>
@@ -13741,6 +13635,162 @@
     <p:extLst>
       <p:ext uri="{BB962C8B-B14F-4D97-AF65-F5344CB8AC3E}">
         <p14:creationId xmlns:p14="http://schemas.microsoft.com/office/powerpoint/2010/main" val="3353182248"/>
+      </p:ext>
+    </p:extLst>
+  </p:cSld>
+  <p:clrMapOvr>
+    <a:masterClrMapping/>
+  </p:clrMapOvr>
+  <p:timing>
+    <p:tnLst>
+      <p:par>
+        <p:cTn id="1" dur="indefinite" restart="never" nodeType="tmRoot"/>
+      </p:par>
+    </p:tnLst>
+  </p:timing>
+</p:sld>
+</file>
+
+<file path=ppt/slides/slide29.xml><?xml version="1.0" encoding="utf-8"?>
+<p:sld xmlns:a="http://schemas.openxmlformats.org/drawingml/2006/main" xmlns:r="http://schemas.openxmlformats.org/officeDocument/2006/relationships" xmlns:p="http://schemas.openxmlformats.org/presentationml/2006/main">
+  <p:cSld>
+    <p:spTree>
+      <p:nvGrpSpPr>
+        <p:cNvPr id="1" name=""/>
+        <p:cNvGrpSpPr/>
+        <p:nvPr/>
+      </p:nvGrpSpPr>
+      <p:grpSpPr>
+        <a:xfrm>
+          <a:off x="0" y="0"/>
+          <a:ext cx="0" cy="0"/>
+          <a:chOff x="0" y="0"/>
+          <a:chExt cx="0" cy="0"/>
+        </a:xfrm>
+      </p:grpSpPr>
+      <p:sp>
+        <p:nvSpPr>
+          <p:cNvPr id="2" name="Titel 1"/>
+          <p:cNvSpPr>
+            <a:spLocks noGrp="1"/>
+          </p:cNvSpPr>
+          <p:nvPr>
+            <p:ph type="title"/>
+          </p:nvPr>
+        </p:nvSpPr>
+        <p:spPr/>
+        <p:txBody>
+          <a:bodyPr/>
+          <a:lstStyle/>
+          <a:p>
+            <a:pPr marL="857250" indent="-857250">
+              <a:buFont typeface="+mj-lt"/>
+              <a:buAutoNum type="romanUcPeriod" startAt="5"/>
+            </a:pPr>
+            <a:r>
+              <a:rPr lang="de-DE" b="1" dirty="0" smtClean="0"/>
+              <a:t>Umsetzung des künstlichen neuronalen Netzes</a:t>
+            </a:r>
+            <a:endParaRPr lang="de-DE" dirty="0"/>
+          </a:p>
+        </p:txBody>
+      </p:sp>
+      <p:sp>
+        <p:nvSpPr>
+          <p:cNvPr id="3" name="Inhaltsplatzhalter 2"/>
+          <p:cNvSpPr>
+            <a:spLocks noGrp="1"/>
+          </p:cNvSpPr>
+          <p:nvPr>
+            <p:ph idx="1"/>
+          </p:nvPr>
+        </p:nvSpPr>
+        <p:spPr/>
+        <p:txBody>
+          <a:bodyPr/>
+          <a:lstStyle/>
+          <a:p>
+            <a:r>
+              <a:rPr lang="de-DE" dirty="0" smtClean="0"/>
+              <a:t>&lt;&lt;Sebastian&gt;&gt;</a:t>
+            </a:r>
+            <a:endParaRPr lang="de-DE" dirty="0"/>
+          </a:p>
+        </p:txBody>
+      </p:sp>
+      <p:sp>
+        <p:nvSpPr>
+          <p:cNvPr id="4" name="Datumsplatzhalter 3"/>
+          <p:cNvSpPr>
+            <a:spLocks noGrp="1"/>
+          </p:cNvSpPr>
+          <p:nvPr>
+            <p:ph type="dt" sz="half" idx="10"/>
+          </p:nvPr>
+        </p:nvSpPr>
+        <p:spPr/>
+        <p:txBody>
+          <a:bodyPr/>
+          <a:lstStyle/>
+          <a:p>
+            <a:fld id="{7AC709DD-AC18-4FBA-B4E6-46DED743653E}" type="datetime1">
+              <a:rPr lang="de-DE" smtClean="0"/>
+              <a:t>05.12.2015</a:t>
+            </a:fld>
+            <a:endParaRPr lang="de-DE"/>
+          </a:p>
+        </p:txBody>
+      </p:sp>
+      <p:sp>
+        <p:nvSpPr>
+          <p:cNvPr id="5" name="Fußzeilenplatzhalter 4"/>
+          <p:cNvSpPr>
+            <a:spLocks noGrp="1"/>
+          </p:cNvSpPr>
+          <p:nvPr>
+            <p:ph type="ftr" sz="quarter" idx="11"/>
+          </p:nvPr>
+        </p:nvSpPr>
+        <p:spPr/>
+        <p:txBody>
+          <a:bodyPr/>
+          <a:lstStyle/>
+          <a:p>
+            <a:r>
+              <a:rPr lang="de-DE" smtClean="0"/>
+              <a:t>Fakultät Informatik             Sebastian Schötteler &amp; Benedikt Hofrichter</a:t>
+            </a:r>
+            <a:endParaRPr lang="de-DE" dirty="0"/>
+          </a:p>
+        </p:txBody>
+      </p:sp>
+      <p:sp>
+        <p:nvSpPr>
+          <p:cNvPr id="6" name="Foliennummernplatzhalter 5"/>
+          <p:cNvSpPr>
+            <a:spLocks noGrp="1"/>
+          </p:cNvSpPr>
+          <p:nvPr>
+            <p:ph type="sldNum" sz="quarter" idx="12"/>
+          </p:nvPr>
+        </p:nvSpPr>
+        <p:spPr/>
+        <p:txBody>
+          <a:bodyPr/>
+          <a:lstStyle/>
+          <a:p>
+            <a:fld id="{0E226D3C-400E-4353-AAC2-09A0472DC536}" type="slidenum">
+              <a:rPr lang="de-DE" smtClean="0"/>
+              <a:t>28</a:t>
+            </a:fld>
+            <a:endParaRPr lang="de-DE" dirty="0"/>
+          </a:p>
+        </p:txBody>
+      </p:sp>
+    </p:spTree>
+    <p:extLst>
+      <p:ext uri="{BB962C8B-B14F-4D97-AF65-F5344CB8AC3E}">
+        <p14:creationId xmlns:p14="http://schemas.microsoft.com/office/powerpoint/2010/main" val="4218416104"/>
       </p:ext>
     </p:extLst>
   </p:cSld>
@@ -14068,52 +14118,6 @@
       </p:grpSpPr>
       <p:sp>
         <p:nvSpPr>
-          <p:cNvPr id="2" name="Titel 1"/>
-          <p:cNvSpPr>
-            <a:spLocks noGrp="1"/>
-          </p:cNvSpPr>
-          <p:nvPr>
-            <p:ph type="title"/>
-          </p:nvPr>
-        </p:nvSpPr>
-        <p:spPr/>
-        <p:txBody>
-          <a:bodyPr/>
-          <a:lstStyle/>
-          <a:p>
-            <a:pPr marL="857250" indent="-857250">
-              <a:buFont typeface="+mj-lt"/>
-              <a:buAutoNum type="romanUcPeriod" startAt="5"/>
-            </a:pPr>
-            <a:r>
-              <a:rPr lang="de-DE" b="1" dirty="0" smtClean="0"/>
-              <a:t>Umsetzung des künstlichen neuronalen Netzes</a:t>
-            </a:r>
-            <a:endParaRPr lang="de-DE" dirty="0"/>
-          </a:p>
-        </p:txBody>
-      </p:sp>
-      <p:sp>
-        <p:nvSpPr>
-          <p:cNvPr id="3" name="Inhaltsplatzhalter 2"/>
-          <p:cNvSpPr>
-            <a:spLocks noGrp="1"/>
-          </p:cNvSpPr>
-          <p:nvPr>
-            <p:ph idx="1"/>
-          </p:nvPr>
-        </p:nvSpPr>
-        <p:spPr/>
-        <p:txBody>
-          <a:bodyPr/>
-          <a:lstStyle/>
-          <a:p>
-            <a:endParaRPr lang="de-DE" dirty="0"/>
-          </a:p>
-        </p:txBody>
-      </p:sp>
-      <p:sp>
-        <p:nvSpPr>
           <p:cNvPr id="4" name="Datumsplatzhalter 3"/>
           <p:cNvSpPr>
             <a:spLocks noGrp="1"/>
@@ -14151,7 +14155,7 @@
           <a:lstStyle/>
           <a:p>
             <a:r>
-              <a:rPr lang="de-DE" smtClean="0"/>
+              <a:rPr lang="de-DE" dirty="0" smtClean="0"/>
               <a:t>Fakultät Informatik             Sebastian Schötteler &amp; Benedikt Hofrichter</a:t>
             </a:r>
             <a:endParaRPr lang="de-DE" dirty="0"/>
@@ -14176,112 +14180,6 @@
             <a:fld id="{0E226D3C-400E-4353-AAC2-09A0472DC536}" type="slidenum">
               <a:rPr lang="de-DE" smtClean="0"/>
               <a:t>29</a:t>
-            </a:fld>
-            <a:endParaRPr lang="de-DE" dirty="0"/>
-          </a:p>
-        </p:txBody>
-      </p:sp>
-    </p:spTree>
-    <p:extLst>
-      <p:ext uri="{BB962C8B-B14F-4D97-AF65-F5344CB8AC3E}">
-        <p14:creationId xmlns:p14="http://schemas.microsoft.com/office/powerpoint/2010/main" val="4218416104"/>
-      </p:ext>
-    </p:extLst>
-  </p:cSld>
-  <p:clrMapOvr>
-    <a:masterClrMapping/>
-  </p:clrMapOvr>
-  <p:timing>
-    <p:tnLst>
-      <p:par>
-        <p:cTn id="1" dur="indefinite" restart="never" nodeType="tmRoot"/>
-      </p:par>
-    </p:tnLst>
-  </p:timing>
-</p:sld>
-</file>
-
-<file path=ppt/slides/slide31.xml><?xml version="1.0" encoding="utf-8"?>
-<p:sld xmlns:a="http://schemas.openxmlformats.org/drawingml/2006/main" xmlns:r="http://schemas.openxmlformats.org/officeDocument/2006/relationships" xmlns:p="http://schemas.openxmlformats.org/presentationml/2006/main">
-  <p:cSld>
-    <p:spTree>
-      <p:nvGrpSpPr>
-        <p:cNvPr id="1" name=""/>
-        <p:cNvGrpSpPr/>
-        <p:nvPr/>
-      </p:nvGrpSpPr>
-      <p:grpSpPr>
-        <a:xfrm>
-          <a:off x="0" y="0"/>
-          <a:ext cx="0" cy="0"/>
-          <a:chOff x="0" y="0"/>
-          <a:chExt cx="0" cy="0"/>
-        </a:xfrm>
-      </p:grpSpPr>
-      <p:sp>
-        <p:nvSpPr>
-          <p:cNvPr id="4" name="Datumsplatzhalter 3"/>
-          <p:cNvSpPr>
-            <a:spLocks noGrp="1"/>
-          </p:cNvSpPr>
-          <p:nvPr>
-            <p:ph type="dt" sz="half" idx="10"/>
-          </p:nvPr>
-        </p:nvSpPr>
-        <p:spPr/>
-        <p:txBody>
-          <a:bodyPr/>
-          <a:lstStyle/>
-          <a:p>
-            <a:fld id="{7AC709DD-AC18-4FBA-B4E6-46DED743653E}" type="datetime1">
-              <a:rPr lang="de-DE" smtClean="0"/>
-              <a:t>05.12.2015</a:t>
-            </a:fld>
-            <a:endParaRPr lang="de-DE"/>
-          </a:p>
-        </p:txBody>
-      </p:sp>
-      <p:sp>
-        <p:nvSpPr>
-          <p:cNvPr id="5" name="Fußzeilenplatzhalter 4"/>
-          <p:cNvSpPr>
-            <a:spLocks noGrp="1"/>
-          </p:cNvSpPr>
-          <p:nvPr>
-            <p:ph type="ftr" sz="quarter" idx="11"/>
-          </p:nvPr>
-        </p:nvSpPr>
-        <p:spPr/>
-        <p:txBody>
-          <a:bodyPr/>
-          <a:lstStyle/>
-          <a:p>
-            <a:r>
-              <a:rPr lang="de-DE" dirty="0" smtClean="0"/>
-              <a:t>Fakultät Informatik             Sebastian Schötteler &amp; Benedikt Hofrichter</a:t>
-            </a:r>
-            <a:endParaRPr lang="de-DE" dirty="0"/>
-          </a:p>
-        </p:txBody>
-      </p:sp>
-      <p:sp>
-        <p:nvSpPr>
-          <p:cNvPr id="6" name="Foliennummernplatzhalter 5"/>
-          <p:cNvSpPr>
-            <a:spLocks noGrp="1"/>
-          </p:cNvSpPr>
-          <p:nvPr>
-            <p:ph type="sldNum" sz="quarter" idx="12"/>
-          </p:nvPr>
-        </p:nvSpPr>
-        <p:spPr/>
-        <p:txBody>
-          <a:bodyPr/>
-          <a:lstStyle/>
-          <a:p>
-            <a:fld id="{0E226D3C-400E-4353-AAC2-09A0472DC536}" type="slidenum">
-              <a:rPr lang="de-DE" smtClean="0"/>
-              <a:t>30</a:t>
             </a:fld>
             <a:endParaRPr lang="de-DE" dirty="0"/>
           </a:p>
@@ -14493,7 +14391,7 @@
 </p:sld>
 </file>
 
-<file path=ppt/slides/slide32.xml><?xml version="1.0" encoding="utf-8"?>
+<file path=ppt/slides/slide31.xml><?xml version="1.0" encoding="utf-8"?>
 <p:sld xmlns:a="http://schemas.openxmlformats.org/drawingml/2006/main" xmlns:r="http://schemas.openxmlformats.org/officeDocument/2006/relationships" xmlns:p="http://schemas.openxmlformats.org/presentationml/2006/main">
   <p:cSld>
     <p:spTree>
@@ -14623,7 +14521,7 @@
           <a:p>
             <a:fld id="{0E226D3C-400E-4353-AAC2-09A0472DC536}" type="slidenum">
               <a:rPr lang="de-DE" smtClean="0"/>
-              <a:t>31</a:t>
+              <a:t>30</a:t>
             </a:fld>
             <a:endParaRPr lang="de-DE" dirty="0"/>
           </a:p>
@@ -14649,7 +14547,7 @@
 </p:sld>
 </file>
 
-<file path=ppt/slides/slide33.xml><?xml version="1.0" encoding="utf-8"?>
+<file path=ppt/slides/slide32.xml><?xml version="1.0" encoding="utf-8"?>
 <p:sld xmlns:a="http://schemas.openxmlformats.org/drawingml/2006/main" xmlns:r="http://schemas.openxmlformats.org/officeDocument/2006/relationships" xmlns:p="http://schemas.openxmlformats.org/presentationml/2006/main">
   <p:cSld>
     <p:spTree>
@@ -14729,7 +14627,7 @@
           <a:p>
             <a:fld id="{0E226D3C-400E-4353-AAC2-09A0472DC536}" type="slidenum">
               <a:rPr lang="de-DE" smtClean="0"/>
-              <a:t>32</a:t>
+              <a:t>31</a:t>
             </a:fld>
             <a:endParaRPr lang="de-DE" dirty="0"/>
           </a:p>
@@ -14941,7 +14839,7 @@
 </p:sld>
 </file>
 
-<file path=ppt/slides/slide34.xml><?xml version="1.0" encoding="utf-8"?>
+<file path=ppt/slides/slide33.xml><?xml version="1.0" encoding="utf-8"?>
 <p:sld xmlns:a="http://schemas.openxmlformats.org/drawingml/2006/main" xmlns:r="http://schemas.openxmlformats.org/officeDocument/2006/relationships" xmlns:p="http://schemas.openxmlformats.org/presentationml/2006/main">
   <p:cSld>
     <p:spTree>
@@ -15002,7 +14900,11 @@
           <a:p>
             <a:r>
               <a:rPr lang="de-DE" dirty="0" smtClean="0"/>
-              <a:t>&lt;&lt;Beide&gt;&gt;</a:t>
+              <a:t>&lt;&lt;</a:t>
+            </a:r>
+            <a:r>
+              <a:rPr lang="de-DE" dirty="0" smtClean="0"/>
+              <a:t>Benedikt&gt;&gt;</a:t>
             </a:r>
             <a:endParaRPr lang="de-DE" dirty="0"/>
           </a:p>
@@ -15071,7 +14973,7 @@
           <a:p>
             <a:fld id="{0E226D3C-400E-4353-AAC2-09A0472DC536}" type="slidenum">
               <a:rPr lang="de-DE" smtClean="0"/>
-              <a:t>33</a:t>
+              <a:t>32</a:t>
             </a:fld>
             <a:endParaRPr lang="de-DE" dirty="0"/>
           </a:p>
@@ -15097,7 +14999,7 @@
 </p:sld>
 </file>
 
-<file path=ppt/slides/slide35.xml><?xml version="1.0" encoding="utf-8"?>
+<file path=ppt/slides/slide34.xml><?xml version="1.0" encoding="utf-8"?>
 <p:sld xmlns:a="http://schemas.openxmlformats.org/drawingml/2006/main" xmlns:r="http://schemas.openxmlformats.org/officeDocument/2006/relationships" xmlns:p="http://schemas.openxmlformats.org/presentationml/2006/main">
   <p:cSld>
     <p:spTree>
@@ -15177,7 +15079,7 @@
           <a:p>
             <a:fld id="{0E226D3C-400E-4353-AAC2-09A0472DC536}" type="slidenum">
               <a:rPr lang="de-DE" smtClean="0"/>
-              <a:t>34</a:t>
+              <a:t>33</a:t>
             </a:fld>
             <a:endParaRPr lang="de-DE" dirty="0"/>
           </a:p>
@@ -15389,7 +15291,7 @@
 </p:sld>
 </file>
 
-<file path=ppt/slides/slide36.xml><?xml version="1.0" encoding="utf-8"?>
+<file path=ppt/slides/slide35.xml><?xml version="1.0" encoding="utf-8"?>
 <p:sld xmlns:a="http://schemas.openxmlformats.org/drawingml/2006/main" xmlns:r="http://schemas.openxmlformats.org/officeDocument/2006/relationships" xmlns:p="http://schemas.openxmlformats.org/presentationml/2006/main">
   <p:cSld>
     <p:spTree>
@@ -15448,7 +15350,18 @@
           <a:bodyPr/>
           <a:lstStyle/>
           <a:p>
-            <a:endParaRPr lang="de-DE"/>
+            <a:r>
+              <a:rPr lang="de-DE" dirty="0"/>
+              <a:t>&lt;&lt;</a:t>
+            </a:r>
+            <a:r>
+              <a:rPr lang="de-DE" dirty="0" smtClean="0"/>
+              <a:t>Beide&gt;&gt;</a:t>
+            </a:r>
+            <a:endParaRPr lang="de-DE" dirty="0"/>
+          </a:p>
+          <a:p>
+            <a:endParaRPr lang="de-DE" dirty="0"/>
           </a:p>
         </p:txBody>
       </p:sp>
@@ -15515,7 +15428,7 @@
           <a:p>
             <a:fld id="{0E226D3C-400E-4353-AAC2-09A0472DC536}" type="slidenum">
               <a:rPr lang="de-DE" smtClean="0"/>
-              <a:t>35</a:t>
+              <a:t>34</a:t>
             </a:fld>
             <a:endParaRPr lang="de-DE" dirty="0"/>
           </a:p>
@@ -15541,7 +15454,7 @@
 </p:sld>
 </file>
 
-<file path=ppt/slides/slide37.xml><?xml version="1.0" encoding="utf-8"?>
+<file path=ppt/slides/slide36.xml><?xml version="1.0" encoding="utf-8"?>
 <p:sld xmlns:a="http://schemas.openxmlformats.org/drawingml/2006/main" xmlns:r="http://schemas.openxmlformats.org/officeDocument/2006/relationships" xmlns:p="http://schemas.openxmlformats.org/presentationml/2006/main">
   <p:cSld>
     <p:spTree>
@@ -15621,7 +15534,7 @@
           <a:p>
             <a:fld id="{0E226D3C-400E-4353-AAC2-09A0472DC536}" type="slidenum">
               <a:rPr lang="de-DE" smtClean="0"/>
-              <a:t>36</a:t>
+              <a:t>35</a:t>
             </a:fld>
             <a:endParaRPr lang="de-DE" dirty="0"/>
           </a:p>
@@ -15833,6 +15746,325 @@
 </p:sld>
 </file>
 
+<file path=ppt/slides/slide37.xml><?xml version="1.0" encoding="utf-8"?>
+<p:sld xmlns:a="http://schemas.openxmlformats.org/drawingml/2006/main" xmlns:r="http://schemas.openxmlformats.org/officeDocument/2006/relationships" xmlns:p="http://schemas.openxmlformats.org/presentationml/2006/main">
+  <p:cSld>
+    <p:spTree>
+      <p:nvGrpSpPr>
+        <p:cNvPr id="1" name=""/>
+        <p:cNvGrpSpPr/>
+        <p:nvPr/>
+      </p:nvGrpSpPr>
+      <p:grpSpPr>
+        <a:xfrm>
+          <a:off x="0" y="0"/>
+          <a:ext cx="0" cy="0"/>
+          <a:chOff x="0" y="0"/>
+          <a:chExt cx="0" cy="0"/>
+        </a:xfrm>
+      </p:grpSpPr>
+      <p:sp>
+        <p:nvSpPr>
+          <p:cNvPr id="2" name="Titel 1"/>
+          <p:cNvSpPr>
+            <a:spLocks noGrp="1"/>
+          </p:cNvSpPr>
+          <p:nvPr>
+            <p:ph type="title"/>
+          </p:nvPr>
+        </p:nvSpPr>
+        <p:spPr/>
+        <p:txBody>
+          <a:bodyPr/>
+          <a:lstStyle/>
+          <a:p>
+            <a:pPr marL="857250" indent="-857250">
+              <a:buFont typeface="+mj-lt"/>
+              <a:buAutoNum type="romanUcPeriod" startAt="9"/>
+            </a:pPr>
+            <a:r>
+              <a:rPr lang="de-DE" b="1" dirty="0" smtClean="0"/>
+              <a:t>Fazit</a:t>
+            </a:r>
+            <a:endParaRPr lang="de-DE" b="1" dirty="0"/>
+          </a:p>
+        </p:txBody>
+      </p:sp>
+      <p:sp>
+        <p:nvSpPr>
+          <p:cNvPr id="3" name="Inhaltsplatzhalter 2"/>
+          <p:cNvSpPr>
+            <a:spLocks noGrp="1"/>
+          </p:cNvSpPr>
+          <p:nvPr>
+            <p:ph idx="1"/>
+          </p:nvPr>
+        </p:nvSpPr>
+        <p:spPr/>
+        <p:txBody>
+          <a:bodyPr>
+            <a:normAutofit lnSpcReduction="10000"/>
+          </a:bodyPr>
+          <a:lstStyle/>
+          <a:p>
+            <a:r>
+              <a:rPr lang="de-DE" dirty="0" smtClean="0"/>
+              <a:t>Die Prognose von Börsenkursen ist prinzipiell möglich.</a:t>
+            </a:r>
+          </a:p>
+          <a:p>
+            <a:r>
+              <a:rPr lang="de-DE" dirty="0" smtClean="0"/>
+              <a:t>Basismodell arbeitet </a:t>
+            </a:r>
+            <a:r>
+              <a:rPr lang="de-DE" dirty="0" smtClean="0"/>
+              <a:t>nur mit</a:t>
+            </a:r>
+            <a:r>
+              <a:rPr lang="de-DE" dirty="0" smtClean="0"/>
+              <a:t> </a:t>
+            </a:r>
+            <a:r>
+              <a:rPr lang="de-DE" dirty="0" smtClean="0"/>
+              <a:t>linearen Zusammenhängen.</a:t>
+            </a:r>
+          </a:p>
+          <a:p>
+            <a:pPr lvl="1"/>
+            <a:r>
+              <a:rPr lang="de-DE" dirty="0" smtClean="0"/>
+              <a:t>Abgeschottete </a:t>
+            </a:r>
+            <a:r>
+              <a:rPr lang="de-DE" dirty="0" smtClean="0"/>
+              <a:t>Welt   </a:t>
+            </a:r>
+          </a:p>
+          <a:p>
+            <a:pPr lvl="1"/>
+            <a:r>
+              <a:rPr lang="de-DE" dirty="0" smtClean="0"/>
+              <a:t>Erweiterung </a:t>
+            </a:r>
+            <a:r>
+              <a:rPr lang="de-DE" dirty="0" smtClean="0"/>
+              <a:t>durch</a:t>
+            </a:r>
+            <a:r>
+              <a:rPr lang="de-DE" dirty="0" smtClean="0"/>
+              <a:t> </a:t>
+            </a:r>
+            <a:r>
+              <a:rPr lang="de-DE" dirty="0" smtClean="0"/>
+              <a:t>nichtlineare Zusammenhänge möglich:</a:t>
+            </a:r>
+          </a:p>
+          <a:p>
+            <a:pPr lvl="2"/>
+            <a:r>
+              <a:rPr lang="de-DE" dirty="0" smtClean="0"/>
+              <a:t>Leitzins</a:t>
+            </a:r>
+          </a:p>
+          <a:p>
+            <a:pPr lvl="2"/>
+            <a:r>
+              <a:rPr lang="de-DE" dirty="0" smtClean="0"/>
+              <a:t>Weltereignisse</a:t>
+            </a:r>
+            <a:endParaRPr lang="de-DE" dirty="0" smtClean="0"/>
+          </a:p>
+          <a:p>
+            <a:pPr lvl="2"/>
+            <a:r>
+              <a:rPr lang="de-DE" dirty="0" smtClean="0"/>
+              <a:t>Kurse </a:t>
+            </a:r>
+            <a:r>
+              <a:rPr lang="de-DE" dirty="0" smtClean="0"/>
+              <a:t>anderer Börsen</a:t>
+            </a:r>
+          </a:p>
+          <a:p>
+            <a:pPr lvl="2"/>
+            <a:endParaRPr lang="de-DE" dirty="0"/>
+          </a:p>
+          <a:p>
+            <a:r>
+              <a:rPr lang="de-DE" dirty="0" smtClean="0"/>
+              <a:t>Prognosen mit neuronalen Netzen sind umstritten:</a:t>
+            </a:r>
+          </a:p>
+          <a:p>
+            <a:pPr lvl="1"/>
+            <a:r>
+              <a:rPr lang="de-DE" dirty="0" smtClean="0"/>
+              <a:t>Befürworter: nichtlineare Muster erkennen wertvoll.</a:t>
+            </a:r>
+          </a:p>
+          <a:p>
+            <a:pPr lvl="1"/>
+            <a:r>
+              <a:rPr lang="de-DE" dirty="0" smtClean="0"/>
+              <a:t>Kritiker: KNN denkt wie ein Mensch        macht die gleichen Fehler. </a:t>
+            </a:r>
+          </a:p>
+          <a:p>
+            <a:pPr marL="914400" lvl="2" indent="0">
+              <a:buNone/>
+            </a:pPr>
+            <a:endParaRPr lang="de-DE" dirty="0"/>
+          </a:p>
+          <a:p>
+            <a:pPr lvl="2"/>
+            <a:endParaRPr lang="de-DE" dirty="0" smtClean="0"/>
+          </a:p>
+          <a:p>
+            <a:pPr lvl="2"/>
+            <a:endParaRPr lang="de-DE" dirty="0"/>
+          </a:p>
+          <a:p>
+            <a:pPr lvl="3"/>
+            <a:endParaRPr lang="de-DE" dirty="0"/>
+          </a:p>
+          <a:p>
+            <a:pPr marL="1371600" lvl="3" indent="0">
+              <a:buNone/>
+            </a:pPr>
+            <a:endParaRPr lang="de-DE" dirty="0" smtClean="0"/>
+          </a:p>
+        </p:txBody>
+      </p:sp>
+      <p:sp>
+        <p:nvSpPr>
+          <p:cNvPr id="4" name="Datumsplatzhalter 3"/>
+          <p:cNvSpPr>
+            <a:spLocks noGrp="1"/>
+          </p:cNvSpPr>
+          <p:nvPr>
+            <p:ph type="dt" sz="half" idx="10"/>
+          </p:nvPr>
+        </p:nvSpPr>
+        <p:spPr/>
+        <p:txBody>
+          <a:bodyPr/>
+          <a:lstStyle/>
+          <a:p>
+            <a:fld id="{7AC709DD-AC18-4FBA-B4E6-46DED743653E}" type="datetime1">
+              <a:rPr lang="de-DE" smtClean="0"/>
+              <a:t>05.12.2015</a:t>
+            </a:fld>
+            <a:endParaRPr lang="de-DE"/>
+          </a:p>
+        </p:txBody>
+      </p:sp>
+      <p:sp>
+        <p:nvSpPr>
+          <p:cNvPr id="5" name="Fußzeilenplatzhalter 4"/>
+          <p:cNvSpPr>
+            <a:spLocks noGrp="1"/>
+          </p:cNvSpPr>
+          <p:nvPr>
+            <p:ph type="ftr" sz="quarter" idx="11"/>
+          </p:nvPr>
+        </p:nvSpPr>
+        <p:spPr/>
+        <p:txBody>
+          <a:bodyPr/>
+          <a:lstStyle/>
+          <a:p>
+            <a:r>
+              <a:rPr lang="de-DE" smtClean="0"/>
+              <a:t>Fakultät Informatik             Sebastian Schötteler &amp; Benedikt Hofrichter</a:t>
+            </a:r>
+            <a:endParaRPr lang="de-DE" dirty="0"/>
+          </a:p>
+        </p:txBody>
+      </p:sp>
+      <p:sp>
+        <p:nvSpPr>
+          <p:cNvPr id="6" name="Foliennummernplatzhalter 5"/>
+          <p:cNvSpPr>
+            <a:spLocks noGrp="1"/>
+          </p:cNvSpPr>
+          <p:nvPr>
+            <p:ph type="sldNum" sz="quarter" idx="12"/>
+          </p:nvPr>
+        </p:nvSpPr>
+        <p:spPr/>
+        <p:txBody>
+          <a:bodyPr/>
+          <a:lstStyle/>
+          <a:p>
+            <a:fld id="{0E226D3C-400E-4353-AAC2-09A0472DC536}" type="slidenum">
+              <a:rPr lang="de-DE" smtClean="0"/>
+              <a:t>36</a:t>
+            </a:fld>
+            <a:endParaRPr lang="de-DE" dirty="0"/>
+          </a:p>
+        </p:txBody>
+      </p:sp>
+      <p:sp>
+        <p:nvSpPr>
+          <p:cNvPr id="8" name="Pfeil nach rechts 7"/>
+          <p:cNvSpPr/>
+          <p:nvPr/>
+        </p:nvSpPr>
+        <p:spPr>
+          <a:xfrm>
+            <a:off x="6133731" y="5582095"/>
+            <a:ext cx="310635" cy="126026"/>
+          </a:xfrm>
+          <a:prstGeom prst="rightArrow">
+            <a:avLst/>
+          </a:prstGeom>
+        </p:spPr>
+        <p:style>
+          <a:lnRef idx="2">
+            <a:schemeClr val="dk1">
+              <a:shade val="50000"/>
+            </a:schemeClr>
+          </a:lnRef>
+          <a:fillRef idx="1">
+            <a:schemeClr val="dk1"/>
+          </a:fillRef>
+          <a:effectRef idx="0">
+            <a:schemeClr val="dk1"/>
+          </a:effectRef>
+          <a:fontRef idx="minor">
+            <a:schemeClr val="lt1"/>
+          </a:fontRef>
+        </p:style>
+        <p:txBody>
+          <a:bodyPr rtlCol="0" anchor="ctr"/>
+          <a:lstStyle/>
+          <a:p>
+            <a:pPr algn="ctr"/>
+            <a:endParaRPr lang="de-DE"/>
+          </a:p>
+        </p:txBody>
+      </p:sp>
+    </p:spTree>
+    <p:extLst>
+      <p:ext uri="{BB962C8B-B14F-4D97-AF65-F5344CB8AC3E}">
+        <p14:creationId xmlns:p14="http://schemas.microsoft.com/office/powerpoint/2010/main" val="3854880417"/>
+      </p:ext>
+    </p:extLst>
+  </p:cSld>
+  <p:clrMapOvr>
+    <a:masterClrMapping/>
+  </p:clrMapOvr>
+  <p:timing>
+    <p:tnLst>
+      <p:par>
+        <p:cTn id="1" dur="indefinite" restart="never" nodeType="tmRoot"/>
+      </p:par>
+    </p:tnLst>
+  </p:timing>
+</p:sld>
+</file>
+
 <file path=ppt/slides/slide38.xml><?xml version="1.0" encoding="utf-8"?>
 <p:sld xmlns:a="http://schemas.openxmlformats.org/drawingml/2006/main" xmlns:r="http://schemas.openxmlformats.org/officeDocument/2006/relationships" xmlns:p="http://schemas.openxmlformats.org/presentationml/2006/main">
   <p:cSld>
@@ -15896,62 +16128,52 @@
           <a:p>
             <a:r>
               <a:rPr lang="de-DE" dirty="0" smtClean="0"/>
-              <a:t>Die Prognose von Börsenkursen ist prinzipiell möglich.</a:t>
-            </a:r>
-          </a:p>
-          <a:p>
-            <a:r>
-              <a:rPr lang="de-DE" dirty="0" smtClean="0"/>
-              <a:t>Basismodell arbeitet lediglich linearen Zusammenhängen.</a:t>
+              <a:t>KNN als Ergänzung sinnvoll, nicht als alleiniges Prognoseintrument.</a:t>
+            </a:r>
+          </a:p>
+          <a:p>
+            <a:endParaRPr lang="de-DE" dirty="0"/>
+          </a:p>
+          <a:p>
+            <a:r>
+              <a:rPr lang="de-DE" dirty="0" smtClean="0"/>
+              <a:t>Anwendungen dieser Art bereits zahlreich auf dem Markt vorhanden:</a:t>
             </a:r>
           </a:p>
           <a:p>
             <a:pPr lvl="1"/>
             <a:r>
               <a:rPr lang="de-DE" dirty="0" smtClean="0"/>
-              <a:t>Abgeschottete Welt -&gt; KNN kann nicht auf Weltereignisse reagieren.</a:t>
+              <a:t>Neuroshell Trader</a:t>
             </a:r>
           </a:p>
           <a:p>
             <a:pPr lvl="1"/>
             <a:r>
               <a:rPr lang="de-DE" dirty="0" smtClean="0"/>
-              <a:t>Erweiterung auf nichtlineare Zusammenhänge möglich:</a:t>
-            </a:r>
-          </a:p>
-          <a:p>
-            <a:pPr lvl="2"/>
-            <a:r>
-              <a:rPr lang="de-DE" dirty="0" smtClean="0"/>
-              <a:t>Leitzins</a:t>
-            </a:r>
-          </a:p>
-          <a:p>
-            <a:pPr lvl="2"/>
-            <a:r>
-              <a:rPr lang="de-DE" dirty="0" smtClean="0"/>
-              <a:t>Nachrichten</a:t>
-            </a:r>
-          </a:p>
-          <a:p>
-            <a:pPr lvl="2"/>
-            <a:r>
-              <a:rPr lang="de-DE" dirty="0" smtClean="0"/>
-              <a:t>Kurse Anderer Börsen</a:t>
-            </a:r>
-          </a:p>
-          <a:p>
-            <a:pPr lvl="2"/>
+              <a:t>Altredo</a:t>
+            </a:r>
+          </a:p>
+          <a:p>
+            <a:pPr lvl="1"/>
+            <a:r>
+              <a:rPr lang="de-DE" dirty="0" smtClean="0"/>
+              <a:t>…</a:t>
+            </a:r>
+          </a:p>
+          <a:p>
+            <a:pPr lvl="1"/>
             <a:endParaRPr lang="de-DE" dirty="0"/>
           </a:p>
           <a:p>
-            <a:pPr lvl="3"/>
-            <a:endParaRPr lang="de-DE" dirty="0"/>
-          </a:p>
-          <a:p>
-            <a:pPr marL="1371600" lvl="3" indent="0">
-              <a:buNone/>
-            </a:pPr>
+            <a:pPr lvl="1"/>
+            <a:endParaRPr lang="de-DE" dirty="0" smtClean="0"/>
+          </a:p>
+          <a:p>
+            <a:pPr lvl="1"/>
+            <a:endParaRPr lang="de-DE" dirty="0" smtClean="0"/>
+          </a:p>
+          <a:p>
             <a:endParaRPr lang="de-DE" dirty="0" smtClean="0"/>
           </a:p>
         </p:txBody>
@@ -16028,7 +16250,7 @@
     </p:spTree>
     <p:extLst>
       <p:ext uri="{BB962C8B-B14F-4D97-AF65-F5344CB8AC3E}">
-        <p14:creationId xmlns:p14="http://schemas.microsoft.com/office/powerpoint/2010/main" val="3854880417"/>
+        <p14:creationId xmlns:p14="http://schemas.microsoft.com/office/powerpoint/2010/main" val="2340749465"/>
       </p:ext>
     </p:extLst>
   </p:cSld>
@@ -16072,633 +16294,6 @@
             <p:ph type="title"/>
           </p:nvPr>
         </p:nvSpPr>
-        <p:spPr/>
-        <p:txBody>
-          <a:bodyPr/>
-          <a:lstStyle/>
-          <a:p>
-            <a:pPr marL="857250" indent="-857250">
-              <a:buFont typeface="+mj-lt"/>
-              <a:buAutoNum type="romanUcPeriod" startAt="9"/>
-            </a:pPr>
-            <a:r>
-              <a:rPr lang="de-DE" b="1" dirty="0" smtClean="0"/>
-              <a:t>Fazit</a:t>
-            </a:r>
-            <a:endParaRPr lang="de-DE" b="1" dirty="0"/>
-          </a:p>
-        </p:txBody>
-      </p:sp>
-      <p:sp>
-        <p:nvSpPr>
-          <p:cNvPr id="3" name="Inhaltsplatzhalter 2"/>
-          <p:cNvSpPr>
-            <a:spLocks noGrp="1"/>
-          </p:cNvSpPr>
-          <p:nvPr>
-            <p:ph idx="1"/>
-          </p:nvPr>
-        </p:nvSpPr>
-        <p:spPr/>
-        <p:txBody>
-          <a:bodyPr>
-            <a:normAutofit/>
-          </a:bodyPr>
-          <a:lstStyle/>
-          <a:p>
-            <a:r>
-              <a:rPr lang="de-DE" dirty="0" smtClean="0"/>
-              <a:t>Die Prognose von Börsenkursen ist prinzipiell möglich.</a:t>
-            </a:r>
-          </a:p>
-          <a:p>
-            <a:r>
-              <a:rPr lang="de-DE" dirty="0" smtClean="0"/>
-              <a:t>Basismodell arbeitet lediglich linearen Zusammenhängen.</a:t>
-            </a:r>
-          </a:p>
-          <a:p>
-            <a:pPr lvl="1"/>
-            <a:r>
-              <a:rPr lang="de-DE" dirty="0" smtClean="0"/>
-              <a:t>Abgeschottete Welt -&gt; KNN kann nicht auf Weltereignisse reagieren.</a:t>
-            </a:r>
-          </a:p>
-          <a:p>
-            <a:pPr lvl="1"/>
-            <a:r>
-              <a:rPr lang="de-DE" dirty="0" smtClean="0"/>
-              <a:t>Erweiterung auf nichtlineare Zusammenhänge möglich:</a:t>
-            </a:r>
-          </a:p>
-          <a:p>
-            <a:pPr lvl="2"/>
-            <a:r>
-              <a:rPr lang="de-DE" dirty="0" smtClean="0"/>
-              <a:t>Leitzins</a:t>
-            </a:r>
-          </a:p>
-          <a:p>
-            <a:pPr lvl="2"/>
-            <a:r>
-              <a:rPr lang="de-DE" dirty="0" smtClean="0"/>
-              <a:t>Nachrichten</a:t>
-            </a:r>
-          </a:p>
-          <a:p>
-            <a:pPr lvl="2"/>
-            <a:r>
-              <a:rPr lang="de-DE" dirty="0" smtClean="0"/>
-              <a:t>Kurse Anderer Börsen</a:t>
-            </a:r>
-          </a:p>
-          <a:p>
-            <a:pPr lvl="2"/>
-            <a:endParaRPr lang="de-DE" dirty="0"/>
-          </a:p>
-          <a:p>
-            <a:pPr lvl="3"/>
-            <a:endParaRPr lang="de-DE" dirty="0"/>
-          </a:p>
-          <a:p>
-            <a:pPr marL="1371600" lvl="3" indent="0">
-              <a:buNone/>
-            </a:pPr>
-            <a:endParaRPr lang="de-DE" dirty="0" smtClean="0"/>
-          </a:p>
-        </p:txBody>
-      </p:sp>
-      <p:sp>
-        <p:nvSpPr>
-          <p:cNvPr id="4" name="Datumsplatzhalter 3"/>
-          <p:cNvSpPr>
-            <a:spLocks noGrp="1"/>
-          </p:cNvSpPr>
-          <p:nvPr>
-            <p:ph type="dt" sz="half" idx="10"/>
-          </p:nvPr>
-        </p:nvSpPr>
-        <p:spPr/>
-        <p:txBody>
-          <a:bodyPr/>
-          <a:lstStyle/>
-          <a:p>
-            <a:fld id="{7AC709DD-AC18-4FBA-B4E6-46DED743653E}" type="datetime1">
-              <a:rPr lang="de-DE" smtClean="0"/>
-              <a:t>05.12.2015</a:t>
-            </a:fld>
-            <a:endParaRPr lang="de-DE"/>
-          </a:p>
-        </p:txBody>
-      </p:sp>
-      <p:sp>
-        <p:nvSpPr>
-          <p:cNvPr id="5" name="Fußzeilenplatzhalter 4"/>
-          <p:cNvSpPr>
-            <a:spLocks noGrp="1"/>
-          </p:cNvSpPr>
-          <p:nvPr>
-            <p:ph type="ftr" sz="quarter" idx="11"/>
-          </p:nvPr>
-        </p:nvSpPr>
-        <p:spPr/>
-        <p:txBody>
-          <a:bodyPr/>
-          <a:lstStyle/>
-          <a:p>
-            <a:r>
-              <a:rPr lang="de-DE" smtClean="0"/>
-              <a:t>Fakultät Informatik             Sebastian Schötteler &amp; Benedikt Hofrichter</a:t>
-            </a:r>
-            <a:endParaRPr lang="de-DE" dirty="0"/>
-          </a:p>
-        </p:txBody>
-      </p:sp>
-      <p:sp>
-        <p:nvSpPr>
-          <p:cNvPr id="6" name="Foliennummernplatzhalter 5"/>
-          <p:cNvSpPr>
-            <a:spLocks noGrp="1"/>
-          </p:cNvSpPr>
-          <p:nvPr>
-            <p:ph type="sldNum" sz="quarter" idx="12"/>
-          </p:nvPr>
-        </p:nvSpPr>
-        <p:spPr/>
-        <p:txBody>
-          <a:bodyPr/>
-          <a:lstStyle/>
-          <a:p>
-            <a:fld id="{0E226D3C-400E-4353-AAC2-09A0472DC536}" type="slidenum">
-              <a:rPr lang="de-DE" smtClean="0"/>
-              <a:t>38</a:t>
-            </a:fld>
-            <a:endParaRPr lang="de-DE" dirty="0"/>
-          </a:p>
-        </p:txBody>
-      </p:sp>
-    </p:spTree>
-    <p:extLst>
-      <p:ext uri="{BB962C8B-B14F-4D97-AF65-F5344CB8AC3E}">
-        <p14:creationId xmlns:p14="http://schemas.microsoft.com/office/powerpoint/2010/main" val="3983310229"/>
-      </p:ext>
-    </p:extLst>
-  </p:cSld>
-  <p:clrMapOvr>
-    <a:masterClrMapping/>
-  </p:clrMapOvr>
-  <p:timing>
-    <p:tnLst>
-      <p:par>
-        <p:cTn id="1" dur="indefinite" restart="never" nodeType="tmRoot"/>
-      </p:par>
-    </p:tnLst>
-  </p:timing>
-</p:sld>
-</file>
-
-<file path=ppt/slides/slide4.xml><?xml version="1.0" encoding="utf-8"?>
-<p:sld xmlns:a="http://schemas.openxmlformats.org/drawingml/2006/main" xmlns:r="http://schemas.openxmlformats.org/officeDocument/2006/relationships" xmlns:p="http://schemas.openxmlformats.org/presentationml/2006/main">
-  <p:cSld>
-    <p:spTree>
-      <p:nvGrpSpPr>
-        <p:cNvPr id="1" name=""/>
-        <p:cNvGrpSpPr/>
-        <p:nvPr/>
-      </p:nvGrpSpPr>
-      <p:grpSpPr>
-        <a:xfrm>
-          <a:off x="0" y="0"/>
-          <a:ext cx="0" cy="0"/>
-          <a:chOff x="0" y="0"/>
-          <a:chExt cx="0" cy="0"/>
-        </a:xfrm>
-      </p:grpSpPr>
-      <p:sp>
-        <p:nvSpPr>
-          <p:cNvPr id="2" name="Titel 1"/>
-          <p:cNvSpPr>
-            <a:spLocks noGrp="1"/>
-          </p:cNvSpPr>
-          <p:nvPr>
-            <p:ph type="title"/>
-          </p:nvPr>
-        </p:nvSpPr>
-        <p:spPr/>
-        <p:txBody>
-          <a:bodyPr/>
-          <a:lstStyle/>
-          <a:p>
-            <a:pPr marL="857250" indent="-857250">
-              <a:buFont typeface="+mj-lt"/>
-              <a:buAutoNum type="romanUcPeriod"/>
-            </a:pPr>
-            <a:r>
-              <a:rPr lang="de-DE" b="1" dirty="0" smtClean="0"/>
-              <a:t>Motivation</a:t>
-            </a:r>
-            <a:endParaRPr lang="de-DE" b="1" dirty="0"/>
-          </a:p>
-        </p:txBody>
-      </p:sp>
-      <p:sp>
-        <p:nvSpPr>
-          <p:cNvPr id="3" name="Inhaltsplatzhalter 2"/>
-          <p:cNvSpPr>
-            <a:spLocks noGrp="1"/>
-          </p:cNvSpPr>
-          <p:nvPr>
-            <p:ph idx="1"/>
-          </p:nvPr>
-        </p:nvSpPr>
-        <p:spPr/>
-        <p:txBody>
-          <a:bodyPr>
-            <a:normAutofit/>
-          </a:bodyPr>
-          <a:lstStyle/>
-          <a:p>
-            <a:pPr>
-              <a:buFont typeface="Wingdings" panose="05000000000000000000" pitchFamily="2" charset="2"/>
-              <a:buChar char="§"/>
-            </a:pPr>
-            <a:r>
-              <a:rPr lang="de-DE" dirty="0" smtClean="0"/>
-              <a:t>Künstliche neuronale Netze sind </a:t>
-            </a:r>
-            <a:r>
-              <a:rPr lang="de-DE" dirty="0" smtClean="0"/>
-              <a:t>gutes ein </a:t>
-            </a:r>
-            <a:r>
-              <a:rPr lang="de-DE" dirty="0" smtClean="0"/>
-              <a:t>Hilfsmittel zur  </a:t>
-            </a:r>
-            <a:r>
-              <a:rPr lang="de-DE" dirty="0" smtClean="0"/>
-              <a:t>Prognose:</a:t>
-            </a:r>
-            <a:endParaRPr lang="de-DE" dirty="0" smtClean="0"/>
-          </a:p>
-          <a:p>
-            <a:pPr lvl="1"/>
-            <a:r>
-              <a:rPr lang="de-DE" dirty="0" smtClean="0"/>
-              <a:t>Therapieverläufen </a:t>
-            </a:r>
-            <a:r>
-              <a:rPr lang="de-DE" dirty="0"/>
-              <a:t>in der </a:t>
-            </a:r>
-            <a:r>
-              <a:rPr lang="de-DE" dirty="0" smtClean="0"/>
-              <a:t>Medizin</a:t>
-            </a:r>
-          </a:p>
-          <a:p>
-            <a:pPr lvl="1"/>
-            <a:r>
-              <a:rPr lang="de-DE" dirty="0" smtClean="0"/>
-              <a:t>Arbeitslosenzahlen </a:t>
-            </a:r>
-            <a:r>
-              <a:rPr lang="de-DE" dirty="0"/>
-              <a:t>auf dem </a:t>
-            </a:r>
-            <a:r>
-              <a:rPr lang="de-DE" dirty="0" smtClean="0"/>
-              <a:t>Arbeitsmarkt</a:t>
-            </a:r>
-          </a:p>
-          <a:p>
-            <a:pPr lvl="1"/>
-            <a:r>
-              <a:rPr lang="de-DE" dirty="0" smtClean="0"/>
-              <a:t>Börsenkursen</a:t>
-            </a:r>
-            <a:endParaRPr lang="de-DE" dirty="0"/>
-          </a:p>
-          <a:p>
-            <a:pPr lvl="1"/>
-            <a:endParaRPr lang="de-DE" sz="2000" dirty="0" smtClean="0"/>
-          </a:p>
-          <a:p>
-            <a:r>
-              <a:rPr lang="de-DE" dirty="0" smtClean="0"/>
-              <a:t>Besonderheit:</a:t>
-            </a:r>
-          </a:p>
-          <a:p>
-            <a:pPr lvl="1"/>
-            <a:r>
-              <a:rPr lang="de-DE" dirty="0" smtClean="0"/>
-              <a:t>Fähigkeit, nichtlineare Zusammenhänge zu erkennen.</a:t>
-            </a:r>
-          </a:p>
-          <a:p>
-            <a:pPr lvl="1"/>
-            <a:r>
-              <a:rPr lang="de-DE" dirty="0" smtClean="0"/>
-              <a:t>Prognostiziert objektiv und vorurteilsfrei.</a:t>
-            </a:r>
-          </a:p>
-          <a:p>
-            <a:pPr marL="0" indent="0">
-              <a:buNone/>
-            </a:pPr>
-            <a:endParaRPr lang="de-DE" dirty="0" smtClean="0"/>
-          </a:p>
-          <a:p>
-            <a:pPr lvl="1"/>
-            <a:endParaRPr lang="de-DE" sz="2000" dirty="0"/>
-          </a:p>
-          <a:p>
-            <a:endParaRPr lang="de-DE" dirty="0" smtClean="0"/>
-          </a:p>
-          <a:p>
-            <a:endParaRPr lang="de-DE" dirty="0"/>
-          </a:p>
-        </p:txBody>
-      </p:sp>
-      <p:sp>
-        <p:nvSpPr>
-          <p:cNvPr id="4" name="Datumsplatzhalter 3"/>
-          <p:cNvSpPr>
-            <a:spLocks noGrp="1"/>
-          </p:cNvSpPr>
-          <p:nvPr>
-            <p:ph type="dt" sz="half" idx="10"/>
-          </p:nvPr>
-        </p:nvSpPr>
-        <p:spPr/>
-        <p:txBody>
-          <a:bodyPr/>
-          <a:lstStyle/>
-          <a:p>
-            <a:fld id="{7AC709DD-AC18-4FBA-B4E6-46DED743653E}" type="datetime1">
-              <a:rPr lang="de-DE" smtClean="0"/>
-              <a:t>05.12.2015</a:t>
-            </a:fld>
-            <a:endParaRPr lang="de-DE"/>
-          </a:p>
-        </p:txBody>
-      </p:sp>
-      <p:sp>
-        <p:nvSpPr>
-          <p:cNvPr id="5" name="Fußzeilenplatzhalter 4"/>
-          <p:cNvSpPr>
-            <a:spLocks noGrp="1"/>
-          </p:cNvSpPr>
-          <p:nvPr>
-            <p:ph type="ftr" sz="quarter" idx="11"/>
-          </p:nvPr>
-        </p:nvSpPr>
-        <p:spPr/>
-        <p:txBody>
-          <a:bodyPr/>
-          <a:lstStyle/>
-          <a:p>
-            <a:r>
-              <a:rPr lang="de-DE" smtClean="0"/>
-              <a:t>Fakultät Informatik             Sebastian Schötteler &amp; Benedikt Hofrichter</a:t>
-            </a:r>
-            <a:endParaRPr lang="de-DE" dirty="0"/>
-          </a:p>
-        </p:txBody>
-      </p:sp>
-      <p:sp>
-        <p:nvSpPr>
-          <p:cNvPr id="6" name="Foliennummernplatzhalter 5"/>
-          <p:cNvSpPr>
-            <a:spLocks noGrp="1"/>
-          </p:cNvSpPr>
-          <p:nvPr>
-            <p:ph type="sldNum" sz="quarter" idx="12"/>
-          </p:nvPr>
-        </p:nvSpPr>
-        <p:spPr/>
-        <p:txBody>
-          <a:bodyPr/>
-          <a:lstStyle/>
-          <a:p>
-            <a:fld id="{0E226D3C-400E-4353-AAC2-09A0472DC536}" type="slidenum">
-              <a:rPr lang="de-DE" smtClean="0"/>
-              <a:t>3</a:t>
-            </a:fld>
-            <a:endParaRPr lang="de-DE" dirty="0"/>
-          </a:p>
-        </p:txBody>
-      </p:sp>
-    </p:spTree>
-    <p:extLst>
-      <p:ext uri="{BB962C8B-B14F-4D97-AF65-F5344CB8AC3E}">
-        <p14:creationId xmlns:p14="http://schemas.microsoft.com/office/powerpoint/2010/main" val="3880735644"/>
-      </p:ext>
-    </p:extLst>
-  </p:cSld>
-  <p:clrMapOvr>
-    <a:masterClrMapping/>
-  </p:clrMapOvr>
-  <p:timing>
-    <p:tnLst>
-      <p:par>
-        <p:cTn id="1" dur="indefinite" restart="never" nodeType="tmRoot"/>
-      </p:par>
-    </p:tnLst>
-  </p:timing>
-</p:sld>
-</file>
-
-<file path=ppt/slides/slide40.xml><?xml version="1.0" encoding="utf-8"?>
-<p:sld xmlns:a="http://schemas.openxmlformats.org/drawingml/2006/main" xmlns:r="http://schemas.openxmlformats.org/officeDocument/2006/relationships" xmlns:p="http://schemas.openxmlformats.org/presentationml/2006/main">
-  <p:cSld>
-    <p:spTree>
-      <p:nvGrpSpPr>
-        <p:cNvPr id="1" name=""/>
-        <p:cNvGrpSpPr/>
-        <p:nvPr/>
-      </p:nvGrpSpPr>
-      <p:grpSpPr>
-        <a:xfrm>
-          <a:off x="0" y="0"/>
-          <a:ext cx="0" cy="0"/>
-          <a:chOff x="0" y="0"/>
-          <a:chExt cx="0" cy="0"/>
-        </a:xfrm>
-      </p:grpSpPr>
-      <p:sp>
-        <p:nvSpPr>
-          <p:cNvPr id="2" name="Titel 1"/>
-          <p:cNvSpPr>
-            <a:spLocks noGrp="1"/>
-          </p:cNvSpPr>
-          <p:nvPr>
-            <p:ph type="title"/>
-          </p:nvPr>
-        </p:nvSpPr>
-        <p:spPr/>
-        <p:txBody>
-          <a:bodyPr/>
-          <a:lstStyle/>
-          <a:p>
-            <a:pPr marL="857250" indent="-857250">
-              <a:buFont typeface="+mj-lt"/>
-              <a:buAutoNum type="romanUcPeriod" startAt="9"/>
-            </a:pPr>
-            <a:r>
-              <a:rPr lang="de-DE" b="1" dirty="0" smtClean="0"/>
-              <a:t>Fazit</a:t>
-            </a:r>
-            <a:endParaRPr lang="de-DE" b="1" dirty="0"/>
-          </a:p>
-        </p:txBody>
-      </p:sp>
-      <p:sp>
-        <p:nvSpPr>
-          <p:cNvPr id="3" name="Inhaltsplatzhalter 2"/>
-          <p:cNvSpPr>
-            <a:spLocks noGrp="1"/>
-          </p:cNvSpPr>
-          <p:nvPr>
-            <p:ph idx="1"/>
-          </p:nvPr>
-        </p:nvSpPr>
-        <p:spPr/>
-        <p:txBody>
-          <a:bodyPr>
-            <a:normAutofit/>
-          </a:bodyPr>
-          <a:lstStyle/>
-          <a:p>
-            <a:r>
-              <a:rPr lang="de-DE" dirty="0" smtClean="0"/>
-              <a:t>Prognose umstritten</a:t>
-            </a:r>
-          </a:p>
-          <a:p>
-            <a:r>
-              <a:rPr lang="de-DE" dirty="0" smtClean="0"/>
-              <a:t>Fazit Hilfsmittel</a:t>
-            </a:r>
-          </a:p>
-        </p:txBody>
-      </p:sp>
-      <p:sp>
-        <p:nvSpPr>
-          <p:cNvPr id="4" name="Datumsplatzhalter 3"/>
-          <p:cNvSpPr>
-            <a:spLocks noGrp="1"/>
-          </p:cNvSpPr>
-          <p:nvPr>
-            <p:ph type="dt" sz="half" idx="10"/>
-          </p:nvPr>
-        </p:nvSpPr>
-        <p:spPr/>
-        <p:txBody>
-          <a:bodyPr/>
-          <a:lstStyle/>
-          <a:p>
-            <a:fld id="{7AC709DD-AC18-4FBA-B4E6-46DED743653E}" type="datetime1">
-              <a:rPr lang="de-DE" smtClean="0"/>
-              <a:t>05.12.2015</a:t>
-            </a:fld>
-            <a:endParaRPr lang="de-DE"/>
-          </a:p>
-        </p:txBody>
-      </p:sp>
-      <p:sp>
-        <p:nvSpPr>
-          <p:cNvPr id="5" name="Fußzeilenplatzhalter 4"/>
-          <p:cNvSpPr>
-            <a:spLocks noGrp="1"/>
-          </p:cNvSpPr>
-          <p:nvPr>
-            <p:ph type="ftr" sz="quarter" idx="11"/>
-          </p:nvPr>
-        </p:nvSpPr>
-        <p:spPr/>
-        <p:txBody>
-          <a:bodyPr/>
-          <a:lstStyle/>
-          <a:p>
-            <a:r>
-              <a:rPr lang="de-DE" smtClean="0"/>
-              <a:t>Fakultät Informatik             Sebastian Schötteler &amp; Benedikt Hofrichter</a:t>
-            </a:r>
-            <a:endParaRPr lang="de-DE" dirty="0"/>
-          </a:p>
-        </p:txBody>
-      </p:sp>
-      <p:sp>
-        <p:nvSpPr>
-          <p:cNvPr id="6" name="Foliennummernplatzhalter 5"/>
-          <p:cNvSpPr>
-            <a:spLocks noGrp="1"/>
-          </p:cNvSpPr>
-          <p:nvPr>
-            <p:ph type="sldNum" sz="quarter" idx="12"/>
-          </p:nvPr>
-        </p:nvSpPr>
-        <p:spPr/>
-        <p:txBody>
-          <a:bodyPr/>
-          <a:lstStyle/>
-          <a:p>
-            <a:fld id="{0E226D3C-400E-4353-AAC2-09A0472DC536}" type="slidenum">
-              <a:rPr lang="de-DE" smtClean="0"/>
-              <a:t>39</a:t>
-            </a:fld>
-            <a:endParaRPr lang="de-DE" dirty="0"/>
-          </a:p>
-        </p:txBody>
-      </p:sp>
-    </p:spTree>
-    <p:extLst>
-      <p:ext uri="{BB962C8B-B14F-4D97-AF65-F5344CB8AC3E}">
-        <p14:creationId xmlns:p14="http://schemas.microsoft.com/office/powerpoint/2010/main" val="2340749465"/>
-      </p:ext>
-    </p:extLst>
-  </p:cSld>
-  <p:clrMapOvr>
-    <a:masterClrMapping/>
-  </p:clrMapOvr>
-  <p:timing>
-    <p:tnLst>
-      <p:par>
-        <p:cTn id="1" dur="indefinite" restart="never" nodeType="tmRoot"/>
-      </p:par>
-    </p:tnLst>
-  </p:timing>
-</p:sld>
-</file>
-
-<file path=ppt/slides/slide41.xml><?xml version="1.0" encoding="utf-8"?>
-<p:sld xmlns:a="http://schemas.openxmlformats.org/drawingml/2006/main" xmlns:r="http://schemas.openxmlformats.org/officeDocument/2006/relationships" xmlns:p="http://schemas.openxmlformats.org/presentationml/2006/main">
-  <p:cSld>
-    <p:spTree>
-      <p:nvGrpSpPr>
-        <p:cNvPr id="1" name=""/>
-        <p:cNvGrpSpPr/>
-        <p:nvPr/>
-      </p:nvGrpSpPr>
-      <p:grpSpPr>
-        <a:xfrm>
-          <a:off x="0" y="0"/>
-          <a:ext cx="0" cy="0"/>
-          <a:chOff x="0" y="0"/>
-          <a:chExt cx="0" cy="0"/>
-        </a:xfrm>
-      </p:grpSpPr>
-      <p:sp>
-        <p:nvSpPr>
-          <p:cNvPr id="2" name="Titel 1"/>
-          <p:cNvSpPr>
-            <a:spLocks noGrp="1"/>
-          </p:cNvSpPr>
-          <p:nvPr>
-            <p:ph type="title"/>
-          </p:nvPr>
-        </p:nvSpPr>
         <p:spPr>
           <a:xfrm>
             <a:off x="838200" y="2954981"/>
@@ -16781,7 +16376,7 @@
           <a:p>
             <a:fld id="{0E226D3C-400E-4353-AAC2-09A0472DC536}" type="slidenum">
               <a:rPr lang="de-DE" smtClean="0"/>
-              <a:t>40</a:t>
+              <a:t>38</a:t>
             </a:fld>
             <a:endParaRPr lang="de-DE" dirty="0"/>
           </a:p>
@@ -16844,6 +16439,245 @@
 </p:sld>
 </file>
 
+<file path=ppt/slides/slide4.xml><?xml version="1.0" encoding="utf-8"?>
+<p:sld xmlns:a="http://schemas.openxmlformats.org/drawingml/2006/main" xmlns:r="http://schemas.openxmlformats.org/officeDocument/2006/relationships" xmlns:p="http://schemas.openxmlformats.org/presentationml/2006/main">
+  <p:cSld>
+    <p:spTree>
+      <p:nvGrpSpPr>
+        <p:cNvPr id="1" name=""/>
+        <p:cNvGrpSpPr/>
+        <p:nvPr/>
+      </p:nvGrpSpPr>
+      <p:grpSpPr>
+        <a:xfrm>
+          <a:off x="0" y="0"/>
+          <a:ext cx="0" cy="0"/>
+          <a:chOff x="0" y="0"/>
+          <a:chExt cx="0" cy="0"/>
+        </a:xfrm>
+      </p:grpSpPr>
+      <p:sp>
+        <p:nvSpPr>
+          <p:cNvPr id="2" name="Titel 1"/>
+          <p:cNvSpPr>
+            <a:spLocks noGrp="1"/>
+          </p:cNvSpPr>
+          <p:nvPr>
+            <p:ph type="title"/>
+          </p:nvPr>
+        </p:nvSpPr>
+        <p:spPr/>
+        <p:txBody>
+          <a:bodyPr/>
+          <a:lstStyle/>
+          <a:p>
+            <a:pPr marL="857250" indent="-857250">
+              <a:buFont typeface="+mj-lt"/>
+              <a:buAutoNum type="romanUcPeriod"/>
+            </a:pPr>
+            <a:r>
+              <a:rPr lang="de-DE" b="1" dirty="0" smtClean="0"/>
+              <a:t>Motivation</a:t>
+            </a:r>
+            <a:endParaRPr lang="de-DE" b="1" dirty="0"/>
+          </a:p>
+        </p:txBody>
+      </p:sp>
+      <p:sp>
+        <p:nvSpPr>
+          <p:cNvPr id="3" name="Inhaltsplatzhalter 2"/>
+          <p:cNvSpPr>
+            <a:spLocks noGrp="1"/>
+          </p:cNvSpPr>
+          <p:nvPr>
+            <p:ph idx="1"/>
+          </p:nvPr>
+        </p:nvSpPr>
+        <p:spPr/>
+        <p:txBody>
+          <a:bodyPr>
+            <a:normAutofit/>
+          </a:bodyPr>
+          <a:lstStyle/>
+          <a:p>
+            <a:pPr>
+              <a:buFont typeface="Wingdings" panose="05000000000000000000" pitchFamily="2" charset="2"/>
+              <a:buChar char="§"/>
+            </a:pPr>
+            <a:r>
+              <a:rPr lang="de-DE" dirty="0" smtClean="0"/>
+              <a:t>Künstliche neuronale Netze sind gutes ein Hilfsmittel zur  Prognose:</a:t>
+            </a:r>
+          </a:p>
+          <a:p>
+            <a:pPr lvl="1"/>
+            <a:r>
+              <a:rPr lang="de-DE" dirty="0" smtClean="0"/>
+              <a:t>Therapieverläufen </a:t>
+            </a:r>
+            <a:r>
+              <a:rPr lang="de-DE" dirty="0"/>
+              <a:t>in der </a:t>
+            </a:r>
+            <a:r>
+              <a:rPr lang="de-DE" dirty="0" smtClean="0"/>
+              <a:t>Medizin</a:t>
+            </a:r>
+          </a:p>
+          <a:p>
+            <a:pPr lvl="1"/>
+            <a:r>
+              <a:rPr lang="de-DE" dirty="0" smtClean="0"/>
+              <a:t>Arbeitslosenzahlen </a:t>
+            </a:r>
+            <a:r>
+              <a:rPr lang="de-DE" dirty="0"/>
+              <a:t>auf dem </a:t>
+            </a:r>
+            <a:r>
+              <a:rPr lang="de-DE" dirty="0" smtClean="0"/>
+              <a:t>Arbeitsmarkt</a:t>
+            </a:r>
+          </a:p>
+          <a:p>
+            <a:pPr lvl="1"/>
+            <a:r>
+              <a:rPr lang="de-DE" dirty="0" smtClean="0"/>
+              <a:t>Börsenkursen</a:t>
+            </a:r>
+            <a:endParaRPr lang="de-DE" dirty="0"/>
+          </a:p>
+          <a:p>
+            <a:pPr lvl="1"/>
+            <a:endParaRPr lang="de-DE" sz="2000" dirty="0" smtClean="0"/>
+          </a:p>
+          <a:p>
+            <a:r>
+              <a:rPr lang="de-DE" dirty="0" smtClean="0"/>
+              <a:t>Besonderheit:</a:t>
+            </a:r>
+          </a:p>
+          <a:p>
+            <a:pPr lvl="1"/>
+            <a:r>
+              <a:rPr lang="de-DE" dirty="0" smtClean="0"/>
+              <a:t>Fähigkeit, nichtlineare Zusammenhänge zu erkennen.</a:t>
+            </a:r>
+          </a:p>
+          <a:p>
+            <a:pPr lvl="1"/>
+            <a:r>
+              <a:rPr lang="de-DE" dirty="0" smtClean="0"/>
+              <a:t>Prognostiziert objektiv und vorurteilsfrei.</a:t>
+            </a:r>
+          </a:p>
+          <a:p>
+            <a:pPr marL="0" indent="0">
+              <a:buNone/>
+            </a:pPr>
+            <a:endParaRPr lang="de-DE" dirty="0" smtClean="0"/>
+          </a:p>
+          <a:p>
+            <a:pPr lvl="1"/>
+            <a:endParaRPr lang="de-DE" sz="2000" dirty="0"/>
+          </a:p>
+          <a:p>
+            <a:endParaRPr lang="de-DE" dirty="0" smtClean="0"/>
+          </a:p>
+          <a:p>
+            <a:endParaRPr lang="de-DE" dirty="0"/>
+          </a:p>
+        </p:txBody>
+      </p:sp>
+      <p:sp>
+        <p:nvSpPr>
+          <p:cNvPr id="4" name="Datumsplatzhalter 3"/>
+          <p:cNvSpPr>
+            <a:spLocks noGrp="1"/>
+          </p:cNvSpPr>
+          <p:nvPr>
+            <p:ph type="dt" sz="half" idx="10"/>
+          </p:nvPr>
+        </p:nvSpPr>
+        <p:spPr/>
+        <p:txBody>
+          <a:bodyPr/>
+          <a:lstStyle/>
+          <a:p>
+            <a:fld id="{7AC709DD-AC18-4FBA-B4E6-46DED743653E}" type="datetime1">
+              <a:rPr lang="de-DE" smtClean="0"/>
+              <a:t>05.12.2015</a:t>
+            </a:fld>
+            <a:endParaRPr lang="de-DE"/>
+          </a:p>
+        </p:txBody>
+      </p:sp>
+      <p:sp>
+        <p:nvSpPr>
+          <p:cNvPr id="5" name="Fußzeilenplatzhalter 4"/>
+          <p:cNvSpPr>
+            <a:spLocks noGrp="1"/>
+          </p:cNvSpPr>
+          <p:nvPr>
+            <p:ph type="ftr" sz="quarter" idx="11"/>
+          </p:nvPr>
+        </p:nvSpPr>
+        <p:spPr/>
+        <p:txBody>
+          <a:bodyPr/>
+          <a:lstStyle/>
+          <a:p>
+            <a:r>
+              <a:rPr lang="de-DE" smtClean="0"/>
+              <a:t>Fakultät Informatik             Sebastian Schötteler &amp; Benedikt Hofrichter</a:t>
+            </a:r>
+            <a:endParaRPr lang="de-DE" dirty="0"/>
+          </a:p>
+        </p:txBody>
+      </p:sp>
+      <p:sp>
+        <p:nvSpPr>
+          <p:cNvPr id="6" name="Foliennummernplatzhalter 5"/>
+          <p:cNvSpPr>
+            <a:spLocks noGrp="1"/>
+          </p:cNvSpPr>
+          <p:nvPr>
+            <p:ph type="sldNum" sz="quarter" idx="12"/>
+          </p:nvPr>
+        </p:nvSpPr>
+        <p:spPr/>
+        <p:txBody>
+          <a:bodyPr/>
+          <a:lstStyle/>
+          <a:p>
+            <a:fld id="{0E226D3C-400E-4353-AAC2-09A0472DC536}" type="slidenum">
+              <a:rPr lang="de-DE" smtClean="0"/>
+              <a:t>3</a:t>
+            </a:fld>
+            <a:endParaRPr lang="de-DE" dirty="0"/>
+          </a:p>
+        </p:txBody>
+      </p:sp>
+    </p:spTree>
+    <p:extLst>
+      <p:ext uri="{BB962C8B-B14F-4D97-AF65-F5344CB8AC3E}">
+        <p14:creationId xmlns:p14="http://schemas.microsoft.com/office/powerpoint/2010/main" val="3880735644"/>
+      </p:ext>
+    </p:extLst>
+  </p:cSld>
+  <p:clrMapOvr>
+    <a:masterClrMapping/>
+  </p:clrMapOvr>
+  <p:timing>
+    <p:tnLst>
+      <p:par>
+        <p:cTn id="1" dur="indefinite" restart="never" nodeType="tmRoot"/>
+      </p:par>
+    </p:tnLst>
+  </p:timing>
+</p:sld>
+</file>
+
 <file path=ppt/slides/slide5.xml><?xml version="1.0" encoding="utf-8"?>
 <p:sld xmlns:a="http://schemas.openxmlformats.org/drawingml/2006/main" xmlns:r="http://schemas.openxmlformats.org/officeDocument/2006/relationships" xmlns:p="http://schemas.openxmlformats.org/presentationml/2006/main">
   <p:cSld>
@@ -16921,31 +16755,14 @@
             <a:pPr lvl="2"/>
             <a:r>
               <a:rPr lang="de-DE" dirty="0" smtClean="0"/>
-              <a:t>Fokus liegt </a:t>
-            </a:r>
-            <a:r>
-              <a:rPr lang="de-DE" dirty="0" smtClean="0"/>
-              <a:t>auf </a:t>
-            </a:r>
-            <a:r>
-              <a:rPr lang="de-DE" dirty="0" smtClean="0"/>
-              <a:t>Erlangen eines Grundverständnisses über KNN, nicht auf </a:t>
-            </a:r>
-            <a:r>
-              <a:rPr lang="de-DE" dirty="0" smtClean="0"/>
-              <a:t>Präzision.</a:t>
-            </a:r>
-            <a:endParaRPr lang="de-DE" dirty="0" smtClean="0"/>
+              <a:t>Fokus liegt auf Erlangen eines Grundverständnisses über KNN, nicht auf Präzision.</a:t>
+            </a:r>
           </a:p>
           <a:p>
             <a:pPr lvl="2"/>
             <a:r>
               <a:rPr lang="de-DE" dirty="0" smtClean="0"/>
-              <a:t>Präzision der Prognosen sollte </a:t>
-            </a:r>
-            <a:r>
-              <a:rPr lang="de-DE" dirty="0" smtClean="0"/>
-              <a:t>jedoch auch nicht vernachlässigt werden.</a:t>
+              <a:t>Präzision der Prognosen sollte jedoch auch nicht vernachlässigt werden.</a:t>
             </a:r>
           </a:p>
           <a:p>
@@ -16962,42 +16779,14 @@
             <a:pPr lvl="1"/>
             <a:r>
               <a:rPr lang="de-DE" dirty="0" smtClean="0"/>
-              <a:t>…d</a:t>
-            </a:r>
-            <a:r>
-              <a:rPr lang="de-DE" dirty="0" smtClean="0"/>
-              <a:t>en </a:t>
-            </a:r>
-            <a:r>
-              <a:rPr lang="de-DE" dirty="0" smtClean="0"/>
-              <a:t>zukünftigen Kurs </a:t>
-            </a:r>
-            <a:r>
-              <a:rPr lang="de-DE" dirty="0" smtClean="0"/>
-              <a:t>des DAX prognostizieren </a:t>
-            </a:r>
-            <a:r>
-              <a:rPr lang="de-DE" dirty="0" smtClean="0"/>
-              <a:t>zu können.</a:t>
+              <a:t>…den zukünftigen Kurs des DAX prognostizieren zu können.</a:t>
             </a:r>
           </a:p>
           <a:p>
             <a:pPr lvl="1"/>
             <a:r>
               <a:rPr lang="de-DE" dirty="0" smtClean="0"/>
-              <a:t>…eine </a:t>
-            </a:r>
-            <a:r>
-              <a:rPr lang="de-DE" dirty="0" smtClean="0"/>
-              <a:t>genaue </a:t>
-            </a:r>
-            <a:r>
-              <a:rPr lang="de-DE" dirty="0" smtClean="0"/>
-              <a:t>statistische Analyse </a:t>
-            </a:r>
-            <a:r>
-              <a:rPr lang="de-DE" dirty="0" smtClean="0"/>
-              <a:t>der Prognose liefern.</a:t>
+              <a:t>…eine genaue statistische Analyse der Prognose liefern.</a:t>
             </a:r>
           </a:p>
           <a:p>

--- a/3b) Vortrag/Präsentation.pptx
+++ b/3b) Vortrag/Präsentation.pptx
@@ -5,7 +5,7 @@
     <p:sldMasterId id="2147483648" r:id="rId1"/>
   </p:sldMasterIdLst>
   <p:notesMasterIdLst>
-    <p:notesMasterId r:id="rId41"/>
+    <p:notesMasterId r:id="rId47"/>
   </p:notesMasterIdLst>
   <p:sldIdLst>
     <p:sldId id="256" r:id="rId2"/>
@@ -37,16 +37,22 @@
     <p:sldId id="261" r:id="rId28"/>
     <p:sldId id="281" r:id="rId29"/>
     <p:sldId id="262" r:id="rId30"/>
-    <p:sldId id="282" r:id="rId31"/>
-    <p:sldId id="273" r:id="rId32"/>
-    <p:sldId id="283" r:id="rId33"/>
-    <p:sldId id="274" r:id="rId34"/>
-    <p:sldId id="284" r:id="rId35"/>
-    <p:sldId id="276" r:id="rId36"/>
-    <p:sldId id="285" r:id="rId37"/>
-    <p:sldId id="286" r:id="rId38"/>
-    <p:sldId id="306" r:id="rId39"/>
-    <p:sldId id="275" r:id="rId40"/>
+    <p:sldId id="310" r:id="rId31"/>
+    <p:sldId id="315" r:id="rId32"/>
+    <p:sldId id="311" r:id="rId33"/>
+    <p:sldId id="312" r:id="rId34"/>
+    <p:sldId id="313" r:id="rId35"/>
+    <p:sldId id="314" r:id="rId36"/>
+    <p:sldId id="282" r:id="rId37"/>
+    <p:sldId id="273" r:id="rId38"/>
+    <p:sldId id="283" r:id="rId39"/>
+    <p:sldId id="274" r:id="rId40"/>
+    <p:sldId id="284" r:id="rId41"/>
+    <p:sldId id="276" r:id="rId42"/>
+    <p:sldId id="285" r:id="rId43"/>
+    <p:sldId id="286" r:id="rId44"/>
+    <p:sldId id="306" r:id="rId45"/>
+    <p:sldId id="275" r:id="rId46"/>
   </p:sldIdLst>
   <p:sldSz cx="12192000" cy="6858000"/>
   <p:notesSz cx="6858000" cy="9144000"/>
@@ -760,6 +766,510 @@
     <p:extLst>
       <p:ext uri="{BB962C8B-B14F-4D97-AF65-F5344CB8AC3E}">
         <p14:creationId xmlns:p14="http://schemas.microsoft.com/office/powerpoint/2010/main" val="205740175"/>
+      </p:ext>
+    </p:extLst>
+  </p:cSld>
+  <p:clrMapOvr>
+    <a:masterClrMapping/>
+  </p:clrMapOvr>
+</p:notes>
+</file>
+
+<file path=ppt/notesSlides/notesSlide4.xml><?xml version="1.0" encoding="utf-8"?>
+<p:notes xmlns:a="http://schemas.openxmlformats.org/drawingml/2006/main" xmlns:r="http://schemas.openxmlformats.org/officeDocument/2006/relationships" xmlns:p="http://schemas.openxmlformats.org/presentationml/2006/main">
+  <p:cSld>
+    <p:spTree>
+      <p:nvGrpSpPr>
+        <p:cNvPr id="1" name=""/>
+        <p:cNvGrpSpPr/>
+        <p:nvPr/>
+      </p:nvGrpSpPr>
+      <p:grpSpPr>
+        <a:xfrm>
+          <a:off x="0" y="0"/>
+          <a:ext cx="0" cy="0"/>
+          <a:chOff x="0" y="0"/>
+          <a:chExt cx="0" cy="0"/>
+        </a:xfrm>
+      </p:grpSpPr>
+      <p:sp>
+        <p:nvSpPr>
+          <p:cNvPr id="2" name="Folienbildplatzhalter 1"/>
+          <p:cNvSpPr>
+            <a:spLocks noGrp="1" noRot="1" noChangeAspect="1"/>
+          </p:cNvSpPr>
+          <p:nvPr>
+            <p:ph type="sldImg"/>
+          </p:nvPr>
+        </p:nvSpPr>
+        <p:spPr/>
+      </p:sp>
+      <p:sp>
+        <p:nvSpPr>
+          <p:cNvPr id="3" name="Notizenplatzhalter 2"/>
+          <p:cNvSpPr>
+            <a:spLocks noGrp="1"/>
+          </p:cNvSpPr>
+          <p:nvPr>
+            <p:ph type="body" idx="1"/>
+          </p:nvPr>
+        </p:nvSpPr>
+        <p:spPr/>
+        <p:txBody>
+          <a:bodyPr/>
+          <a:lstStyle/>
+          <a:p>
+            <a:endParaRPr lang="de-DE" dirty="0"/>
+          </a:p>
+        </p:txBody>
+      </p:sp>
+      <p:sp>
+        <p:nvSpPr>
+          <p:cNvPr id="4" name="Foliennummernplatzhalter 3"/>
+          <p:cNvSpPr>
+            <a:spLocks noGrp="1"/>
+          </p:cNvSpPr>
+          <p:nvPr>
+            <p:ph type="sldNum" sz="quarter" idx="10"/>
+          </p:nvPr>
+        </p:nvSpPr>
+        <p:spPr/>
+        <p:txBody>
+          <a:bodyPr/>
+          <a:lstStyle/>
+          <a:p>
+            <a:fld id="{0B7A52FC-885B-48D0-94A7-F9F16D60E366}" type="slidenum">
+              <a:rPr lang="de-DE" smtClean="0"/>
+              <a:t>29</a:t>
+            </a:fld>
+            <a:endParaRPr lang="de-DE"/>
+          </a:p>
+        </p:txBody>
+      </p:sp>
+    </p:spTree>
+    <p:extLst>
+      <p:ext uri="{BB962C8B-B14F-4D97-AF65-F5344CB8AC3E}">
+        <p14:creationId xmlns:p14="http://schemas.microsoft.com/office/powerpoint/2010/main" val="3394450454"/>
+      </p:ext>
+    </p:extLst>
+  </p:cSld>
+  <p:clrMapOvr>
+    <a:masterClrMapping/>
+  </p:clrMapOvr>
+</p:notes>
+</file>
+
+<file path=ppt/notesSlides/notesSlide5.xml><?xml version="1.0" encoding="utf-8"?>
+<p:notes xmlns:a="http://schemas.openxmlformats.org/drawingml/2006/main" xmlns:r="http://schemas.openxmlformats.org/officeDocument/2006/relationships" xmlns:p="http://schemas.openxmlformats.org/presentationml/2006/main">
+  <p:cSld>
+    <p:spTree>
+      <p:nvGrpSpPr>
+        <p:cNvPr id="1" name=""/>
+        <p:cNvGrpSpPr/>
+        <p:nvPr/>
+      </p:nvGrpSpPr>
+      <p:grpSpPr>
+        <a:xfrm>
+          <a:off x="0" y="0"/>
+          <a:ext cx="0" cy="0"/>
+          <a:chOff x="0" y="0"/>
+          <a:chExt cx="0" cy="0"/>
+        </a:xfrm>
+      </p:grpSpPr>
+      <p:sp>
+        <p:nvSpPr>
+          <p:cNvPr id="2" name="Folienbildplatzhalter 1"/>
+          <p:cNvSpPr>
+            <a:spLocks noGrp="1" noRot="1" noChangeAspect="1"/>
+          </p:cNvSpPr>
+          <p:nvPr>
+            <p:ph type="sldImg"/>
+          </p:nvPr>
+        </p:nvSpPr>
+        <p:spPr/>
+      </p:sp>
+      <p:sp>
+        <p:nvSpPr>
+          <p:cNvPr id="3" name="Notizenplatzhalter 2"/>
+          <p:cNvSpPr>
+            <a:spLocks noGrp="1"/>
+          </p:cNvSpPr>
+          <p:nvPr>
+            <p:ph type="body" idx="1"/>
+          </p:nvPr>
+        </p:nvSpPr>
+        <p:spPr/>
+        <p:txBody>
+          <a:bodyPr/>
+          <a:lstStyle/>
+          <a:p>
+            <a:endParaRPr lang="de-DE" dirty="0"/>
+          </a:p>
+        </p:txBody>
+      </p:sp>
+      <p:sp>
+        <p:nvSpPr>
+          <p:cNvPr id="4" name="Foliennummernplatzhalter 3"/>
+          <p:cNvSpPr>
+            <a:spLocks noGrp="1"/>
+          </p:cNvSpPr>
+          <p:nvPr>
+            <p:ph type="sldNum" sz="quarter" idx="10"/>
+          </p:nvPr>
+        </p:nvSpPr>
+        <p:spPr/>
+        <p:txBody>
+          <a:bodyPr/>
+          <a:lstStyle/>
+          <a:p>
+            <a:fld id="{0B7A52FC-885B-48D0-94A7-F9F16D60E366}" type="slidenum">
+              <a:rPr lang="de-DE" smtClean="0"/>
+              <a:t>30</a:t>
+            </a:fld>
+            <a:endParaRPr lang="de-DE"/>
+          </a:p>
+        </p:txBody>
+      </p:sp>
+    </p:spTree>
+    <p:extLst>
+      <p:ext uri="{BB962C8B-B14F-4D97-AF65-F5344CB8AC3E}">
+        <p14:creationId xmlns:p14="http://schemas.microsoft.com/office/powerpoint/2010/main" val="2205954297"/>
+      </p:ext>
+    </p:extLst>
+  </p:cSld>
+  <p:clrMapOvr>
+    <a:masterClrMapping/>
+  </p:clrMapOvr>
+</p:notes>
+</file>
+
+<file path=ppt/notesSlides/notesSlide6.xml><?xml version="1.0" encoding="utf-8"?>
+<p:notes xmlns:a="http://schemas.openxmlformats.org/drawingml/2006/main" xmlns:r="http://schemas.openxmlformats.org/officeDocument/2006/relationships" xmlns:p="http://schemas.openxmlformats.org/presentationml/2006/main">
+  <p:cSld>
+    <p:spTree>
+      <p:nvGrpSpPr>
+        <p:cNvPr id="1" name=""/>
+        <p:cNvGrpSpPr/>
+        <p:nvPr/>
+      </p:nvGrpSpPr>
+      <p:grpSpPr>
+        <a:xfrm>
+          <a:off x="0" y="0"/>
+          <a:ext cx="0" cy="0"/>
+          <a:chOff x="0" y="0"/>
+          <a:chExt cx="0" cy="0"/>
+        </a:xfrm>
+      </p:grpSpPr>
+      <p:sp>
+        <p:nvSpPr>
+          <p:cNvPr id="2" name="Folienbildplatzhalter 1"/>
+          <p:cNvSpPr>
+            <a:spLocks noGrp="1" noRot="1" noChangeAspect="1"/>
+          </p:cNvSpPr>
+          <p:nvPr>
+            <p:ph type="sldImg"/>
+          </p:nvPr>
+        </p:nvSpPr>
+        <p:spPr/>
+      </p:sp>
+      <p:sp>
+        <p:nvSpPr>
+          <p:cNvPr id="3" name="Notizenplatzhalter 2"/>
+          <p:cNvSpPr>
+            <a:spLocks noGrp="1"/>
+          </p:cNvSpPr>
+          <p:nvPr>
+            <p:ph type="body" idx="1"/>
+          </p:nvPr>
+        </p:nvSpPr>
+        <p:spPr/>
+        <p:txBody>
+          <a:bodyPr/>
+          <a:lstStyle/>
+          <a:p>
+            <a:endParaRPr lang="de-DE" dirty="0"/>
+          </a:p>
+        </p:txBody>
+      </p:sp>
+      <p:sp>
+        <p:nvSpPr>
+          <p:cNvPr id="4" name="Foliennummernplatzhalter 3"/>
+          <p:cNvSpPr>
+            <a:spLocks noGrp="1"/>
+          </p:cNvSpPr>
+          <p:nvPr>
+            <p:ph type="sldNum" sz="quarter" idx="10"/>
+          </p:nvPr>
+        </p:nvSpPr>
+        <p:spPr/>
+        <p:txBody>
+          <a:bodyPr/>
+          <a:lstStyle/>
+          <a:p>
+            <a:fld id="{0B7A52FC-885B-48D0-94A7-F9F16D60E366}" type="slidenum">
+              <a:rPr lang="de-DE" smtClean="0"/>
+              <a:t>31</a:t>
+            </a:fld>
+            <a:endParaRPr lang="de-DE"/>
+          </a:p>
+        </p:txBody>
+      </p:sp>
+    </p:spTree>
+    <p:extLst>
+      <p:ext uri="{BB962C8B-B14F-4D97-AF65-F5344CB8AC3E}">
+        <p14:creationId xmlns:p14="http://schemas.microsoft.com/office/powerpoint/2010/main" val="3403097708"/>
+      </p:ext>
+    </p:extLst>
+  </p:cSld>
+  <p:clrMapOvr>
+    <a:masterClrMapping/>
+  </p:clrMapOvr>
+</p:notes>
+</file>
+
+<file path=ppt/notesSlides/notesSlide7.xml><?xml version="1.0" encoding="utf-8"?>
+<p:notes xmlns:a="http://schemas.openxmlformats.org/drawingml/2006/main" xmlns:r="http://schemas.openxmlformats.org/officeDocument/2006/relationships" xmlns:p="http://schemas.openxmlformats.org/presentationml/2006/main">
+  <p:cSld>
+    <p:spTree>
+      <p:nvGrpSpPr>
+        <p:cNvPr id="1" name=""/>
+        <p:cNvGrpSpPr/>
+        <p:nvPr/>
+      </p:nvGrpSpPr>
+      <p:grpSpPr>
+        <a:xfrm>
+          <a:off x="0" y="0"/>
+          <a:ext cx="0" cy="0"/>
+          <a:chOff x="0" y="0"/>
+          <a:chExt cx="0" cy="0"/>
+        </a:xfrm>
+      </p:grpSpPr>
+      <p:sp>
+        <p:nvSpPr>
+          <p:cNvPr id="2" name="Folienbildplatzhalter 1"/>
+          <p:cNvSpPr>
+            <a:spLocks noGrp="1" noRot="1" noChangeAspect="1"/>
+          </p:cNvSpPr>
+          <p:nvPr>
+            <p:ph type="sldImg"/>
+          </p:nvPr>
+        </p:nvSpPr>
+        <p:spPr/>
+      </p:sp>
+      <p:sp>
+        <p:nvSpPr>
+          <p:cNvPr id="3" name="Notizenplatzhalter 2"/>
+          <p:cNvSpPr>
+            <a:spLocks noGrp="1"/>
+          </p:cNvSpPr>
+          <p:nvPr>
+            <p:ph type="body" idx="1"/>
+          </p:nvPr>
+        </p:nvSpPr>
+        <p:spPr/>
+        <p:txBody>
+          <a:bodyPr/>
+          <a:lstStyle/>
+          <a:p>
+            <a:endParaRPr lang="de-DE" dirty="0"/>
+          </a:p>
+        </p:txBody>
+      </p:sp>
+      <p:sp>
+        <p:nvSpPr>
+          <p:cNvPr id="4" name="Foliennummernplatzhalter 3"/>
+          <p:cNvSpPr>
+            <a:spLocks noGrp="1"/>
+          </p:cNvSpPr>
+          <p:nvPr>
+            <p:ph type="sldNum" sz="quarter" idx="10"/>
+          </p:nvPr>
+        </p:nvSpPr>
+        <p:spPr/>
+        <p:txBody>
+          <a:bodyPr/>
+          <a:lstStyle/>
+          <a:p>
+            <a:fld id="{0B7A52FC-885B-48D0-94A7-F9F16D60E366}" type="slidenum">
+              <a:rPr lang="de-DE" smtClean="0"/>
+              <a:t>32</a:t>
+            </a:fld>
+            <a:endParaRPr lang="de-DE"/>
+          </a:p>
+        </p:txBody>
+      </p:sp>
+    </p:spTree>
+    <p:extLst>
+      <p:ext uri="{BB962C8B-B14F-4D97-AF65-F5344CB8AC3E}">
+        <p14:creationId xmlns:p14="http://schemas.microsoft.com/office/powerpoint/2010/main" val="1760629340"/>
+      </p:ext>
+    </p:extLst>
+  </p:cSld>
+  <p:clrMapOvr>
+    <a:masterClrMapping/>
+  </p:clrMapOvr>
+</p:notes>
+</file>
+
+<file path=ppt/notesSlides/notesSlide8.xml><?xml version="1.0" encoding="utf-8"?>
+<p:notes xmlns:a="http://schemas.openxmlformats.org/drawingml/2006/main" xmlns:r="http://schemas.openxmlformats.org/officeDocument/2006/relationships" xmlns:p="http://schemas.openxmlformats.org/presentationml/2006/main">
+  <p:cSld>
+    <p:spTree>
+      <p:nvGrpSpPr>
+        <p:cNvPr id="1" name=""/>
+        <p:cNvGrpSpPr/>
+        <p:nvPr/>
+      </p:nvGrpSpPr>
+      <p:grpSpPr>
+        <a:xfrm>
+          <a:off x="0" y="0"/>
+          <a:ext cx="0" cy="0"/>
+          <a:chOff x="0" y="0"/>
+          <a:chExt cx="0" cy="0"/>
+        </a:xfrm>
+      </p:grpSpPr>
+      <p:sp>
+        <p:nvSpPr>
+          <p:cNvPr id="2" name="Folienbildplatzhalter 1"/>
+          <p:cNvSpPr>
+            <a:spLocks noGrp="1" noRot="1" noChangeAspect="1"/>
+          </p:cNvSpPr>
+          <p:nvPr>
+            <p:ph type="sldImg"/>
+          </p:nvPr>
+        </p:nvSpPr>
+        <p:spPr/>
+      </p:sp>
+      <p:sp>
+        <p:nvSpPr>
+          <p:cNvPr id="3" name="Notizenplatzhalter 2"/>
+          <p:cNvSpPr>
+            <a:spLocks noGrp="1"/>
+          </p:cNvSpPr>
+          <p:nvPr>
+            <p:ph type="body" idx="1"/>
+          </p:nvPr>
+        </p:nvSpPr>
+        <p:spPr/>
+        <p:txBody>
+          <a:bodyPr/>
+          <a:lstStyle/>
+          <a:p>
+            <a:endParaRPr lang="de-DE" dirty="0"/>
+          </a:p>
+        </p:txBody>
+      </p:sp>
+      <p:sp>
+        <p:nvSpPr>
+          <p:cNvPr id="4" name="Foliennummernplatzhalter 3"/>
+          <p:cNvSpPr>
+            <a:spLocks noGrp="1"/>
+          </p:cNvSpPr>
+          <p:nvPr>
+            <p:ph type="sldNum" sz="quarter" idx="10"/>
+          </p:nvPr>
+        </p:nvSpPr>
+        <p:spPr/>
+        <p:txBody>
+          <a:bodyPr/>
+          <a:lstStyle/>
+          <a:p>
+            <a:fld id="{0B7A52FC-885B-48D0-94A7-F9F16D60E366}" type="slidenum">
+              <a:rPr lang="de-DE" smtClean="0"/>
+              <a:t>33</a:t>
+            </a:fld>
+            <a:endParaRPr lang="de-DE"/>
+          </a:p>
+        </p:txBody>
+      </p:sp>
+    </p:spTree>
+    <p:extLst>
+      <p:ext uri="{BB962C8B-B14F-4D97-AF65-F5344CB8AC3E}">
+        <p14:creationId xmlns:p14="http://schemas.microsoft.com/office/powerpoint/2010/main" val="2972790320"/>
+      </p:ext>
+    </p:extLst>
+  </p:cSld>
+  <p:clrMapOvr>
+    <a:masterClrMapping/>
+  </p:clrMapOvr>
+</p:notes>
+</file>
+
+<file path=ppt/notesSlides/notesSlide9.xml><?xml version="1.0" encoding="utf-8"?>
+<p:notes xmlns:a="http://schemas.openxmlformats.org/drawingml/2006/main" xmlns:r="http://schemas.openxmlformats.org/officeDocument/2006/relationships" xmlns:p="http://schemas.openxmlformats.org/presentationml/2006/main">
+  <p:cSld>
+    <p:spTree>
+      <p:nvGrpSpPr>
+        <p:cNvPr id="1" name=""/>
+        <p:cNvGrpSpPr/>
+        <p:nvPr/>
+      </p:nvGrpSpPr>
+      <p:grpSpPr>
+        <a:xfrm>
+          <a:off x="0" y="0"/>
+          <a:ext cx="0" cy="0"/>
+          <a:chOff x="0" y="0"/>
+          <a:chExt cx="0" cy="0"/>
+        </a:xfrm>
+      </p:grpSpPr>
+      <p:sp>
+        <p:nvSpPr>
+          <p:cNvPr id="2" name="Folienbildplatzhalter 1"/>
+          <p:cNvSpPr>
+            <a:spLocks noGrp="1" noRot="1" noChangeAspect="1"/>
+          </p:cNvSpPr>
+          <p:nvPr>
+            <p:ph type="sldImg"/>
+          </p:nvPr>
+        </p:nvSpPr>
+        <p:spPr/>
+      </p:sp>
+      <p:sp>
+        <p:nvSpPr>
+          <p:cNvPr id="3" name="Notizenplatzhalter 2"/>
+          <p:cNvSpPr>
+            <a:spLocks noGrp="1"/>
+          </p:cNvSpPr>
+          <p:nvPr>
+            <p:ph type="body" idx="1"/>
+          </p:nvPr>
+        </p:nvSpPr>
+        <p:spPr/>
+        <p:txBody>
+          <a:bodyPr/>
+          <a:lstStyle/>
+          <a:p>
+            <a:endParaRPr lang="de-DE" dirty="0"/>
+          </a:p>
+        </p:txBody>
+      </p:sp>
+      <p:sp>
+        <p:nvSpPr>
+          <p:cNvPr id="4" name="Foliennummernplatzhalter 3"/>
+          <p:cNvSpPr>
+            <a:spLocks noGrp="1"/>
+          </p:cNvSpPr>
+          <p:nvPr>
+            <p:ph type="sldNum" sz="quarter" idx="10"/>
+          </p:nvPr>
+        </p:nvSpPr>
+        <p:spPr/>
+        <p:txBody>
+          <a:bodyPr/>
+          <a:lstStyle/>
+          <a:p>
+            <a:fld id="{0B7A52FC-885B-48D0-94A7-F9F16D60E366}" type="slidenum">
+              <a:rPr lang="de-DE" smtClean="0"/>
+              <a:t>34</a:t>
+            </a:fld>
+            <a:endParaRPr lang="de-DE"/>
+          </a:p>
+        </p:txBody>
+      </p:sp>
+    </p:spTree>
+    <p:extLst>
+      <p:ext uri="{BB962C8B-B14F-4D97-AF65-F5344CB8AC3E}">
+        <p14:creationId xmlns:p14="http://schemas.microsoft.com/office/powerpoint/2010/main" val="3642219201"/>
       </p:ext>
     </p:extLst>
   </p:cSld>
@@ -3744,15 +4254,7 @@
           <a:p>
             <a:r>
               <a:rPr lang="de-DE" sz="4400" dirty="0" smtClean="0"/>
-              <a:t>Prognose</a:t>
-            </a:r>
-            <a:r>
-              <a:rPr lang="de-DE" sz="4400" dirty="0" smtClean="0"/>
-              <a:t> </a:t>
-            </a:r>
-            <a:r>
-              <a:rPr lang="de-DE" sz="4400" dirty="0" smtClean="0"/>
-              <a:t>von Zeitreihen mit Hilfe von künstlichen neuronalen Netzen am Beispiel von Börsenprognosen</a:t>
+              <a:t>Prognose von Zeitreihen mit Hilfe von künstlichen neuronalen Netzen am Beispiel von Börsenprognosen</a:t>
             </a:r>
             <a:endParaRPr lang="de-DE" sz="4400" dirty="0"/>
           </a:p>
@@ -11169,8 +11671,8 @@
           </a:p>
         </p:txBody>
       </p:sp>
-      <mc:AlternateContent xmlns:mc="http://schemas.openxmlformats.org/markup-compatibility/2006">
-        <mc:Choice xmlns:a14="http://schemas.microsoft.com/office/drawing/2010/main" Requires="a14">
+      <mc:AlternateContent xmlns:mc="http://schemas.openxmlformats.org/markup-compatibility/2006" xmlns:a14="http://schemas.microsoft.com/office/drawing/2010/main">
+        <mc:Choice Requires="a14">
           <p:sp>
             <p:nvSpPr>
               <p:cNvPr id="3" name="Inhaltsplatzhalter 2"/>
@@ -11444,15 +11946,7 @@
                 <a:pPr lvl="2"/>
                 <a:r>
                   <a:rPr lang="de-DE" dirty="0" smtClean="0"/>
-                  <a:t>Es werden 450 </a:t>
-                </a:r>
-                <a:r>
-                  <a:rPr lang="de-DE" dirty="0" smtClean="0"/>
-                  <a:t>Trainingsdaten und 150 Testdaten </a:t>
-                </a:r>
-                <a:r>
-                  <a:rPr lang="de-DE" dirty="0" smtClean="0"/>
-                  <a:t>verwendet. </a:t>
+                  <a:t>Es werden 450 Trainingsdaten und 150 Testdaten verwendet. </a:t>
                 </a:r>
               </a:p>
               <a:p>
@@ -11510,7 +12004,7 @@
             </p:txBody>
           </p:sp>
         </mc:Choice>
-        <mc:Fallback>
+        <mc:Fallback xmlns="">
           <p:sp>
             <p:nvSpPr>
               <p:cNvPr id="3" name="Inhaltsplatzhalter 2"/>
@@ -12193,8 +12687,8 @@
           </a:p>
         </p:txBody>
       </p:sp>
-      <mc:AlternateContent xmlns:mc="http://schemas.openxmlformats.org/markup-compatibility/2006">
-        <mc:Choice xmlns:a14="http://schemas.microsoft.com/office/drawing/2010/main" Requires="a14">
+      <mc:AlternateContent xmlns:mc="http://schemas.openxmlformats.org/markup-compatibility/2006" xmlns:a14="http://schemas.microsoft.com/office/drawing/2010/main">
+        <mc:Choice Requires="a14">
           <p:sp>
             <p:nvSpPr>
               <p:cNvPr id="3" name="Inhaltsplatzhalter 2"/>
@@ -12233,11 +12727,7 @@
                 <a:pPr lvl="2"/>
                 <a:r>
                   <a:rPr lang="de-DE" sz="2200" dirty="0" smtClean="0"/>
-                  <a:t>Eingabewerte </a:t>
-                </a:r>
-                <a:r>
-                  <a:rPr lang="de-DE" sz="2200" dirty="0" smtClean="0"/>
-                  <a:t>bekannt  </a:t>
+                  <a:t>Eingabewerte bekannt  </a:t>
                 </a:r>
               </a:p>
               <a:p>
@@ -12251,11 +12741,7 @@
                 <a:pPr lvl="2"/>
                 <a:r>
                   <a:rPr lang="de-DE" sz="2200" dirty="0" smtClean="0"/>
-                  <a:t>Tatsächlicher </a:t>
-                </a:r>
-                <a:r>
-                  <a:rPr lang="de-DE" sz="2200" dirty="0" smtClean="0"/>
-                  <a:t>Wert wird mit erwarteten Ausgabewert verglichen.</a:t>
+                  <a:t>Tatsächlicher Wert wird mit erwarteten Ausgabewert verglichen.</a:t>
                 </a:r>
               </a:p>
               <a:p>
@@ -12464,7 +12950,7 @@
             </p:txBody>
           </p:sp>
         </mc:Choice>
-        <mc:Fallback>
+        <mc:Fallback xmlns="">
           <p:sp>
             <p:nvSpPr>
               <p:cNvPr id="3" name="Inhaltsplatzhalter 2"/>
@@ -13712,9 +14198,52 @@
           <a:p>
             <a:r>
               <a:rPr lang="de-DE" dirty="0" smtClean="0"/>
-              <a:t>&lt;&lt;Sebastian&gt;&gt;</a:t>
-            </a:r>
+              <a:t>Umsetzung mit Neuroph</a:t>
+            </a:r>
+          </a:p>
+          <a:p>
+            <a:pPr marL="457200" lvl="1" indent="0">
+              <a:buNone/>
+            </a:pPr>
             <a:endParaRPr lang="de-DE" dirty="0"/>
+          </a:p>
+          <a:p>
+            <a:pPr lvl="1"/>
+            <a:endParaRPr lang="de-DE" dirty="0" smtClean="0"/>
+          </a:p>
+          <a:p>
+            <a:pPr marL="457200" lvl="1" indent="0">
+              <a:buNone/>
+            </a:pPr>
+            <a:endParaRPr lang="de-DE" dirty="0" smtClean="0"/>
+          </a:p>
+          <a:p>
+            <a:pPr lvl="1"/>
+            <a:endParaRPr lang="de-DE" dirty="0" smtClean="0"/>
+          </a:p>
+          <a:p>
+            <a:endParaRPr lang="de-DE" dirty="0" smtClean="0"/>
+          </a:p>
+          <a:p>
+            <a:endParaRPr lang="de-DE" dirty="0"/>
+          </a:p>
+          <a:p>
+            <a:endParaRPr lang="de-DE" dirty="0" smtClean="0"/>
+          </a:p>
+          <a:p>
+            <a:endParaRPr lang="de-DE" dirty="0"/>
+          </a:p>
+          <a:p>
+            <a:pPr marL="0" indent="0">
+              <a:buNone/>
+            </a:pPr>
+            <a:endParaRPr lang="de-DE" dirty="0"/>
+          </a:p>
+          <a:p>
+            <a:pPr marL="0" indent="0">
+              <a:buNone/>
+            </a:pPr>
+            <a:endParaRPr lang="de-DE" dirty="0" smtClean="0"/>
           </a:p>
         </p:txBody>
       </p:sp>
@@ -13787,6 +14316,66 @@
           </a:p>
         </p:txBody>
       </p:sp>
+      <p:pic>
+        <p:nvPicPr>
+          <p:cNvPr id="8" name="Grafik 7"/>
+          <p:cNvPicPr>
+            <a:picLocks noChangeAspect="1"/>
+          </p:cNvPicPr>
+          <p:nvPr/>
+        </p:nvPicPr>
+        <p:blipFill>
+          <a:blip r:embed="rId3">
+            <a:extLst>
+              <a:ext uri="{28A0092B-C50C-407E-A947-70E740481C1C}">
+                <a14:useLocalDpi xmlns:a14="http://schemas.microsoft.com/office/drawing/2010/main" val="0"/>
+              </a:ext>
+            </a:extLst>
+          </a:blip>
+          <a:stretch>
+            <a:fillRect/>
+          </a:stretch>
+        </p:blipFill>
+        <p:spPr>
+          <a:xfrm>
+            <a:off x="8127245" y="3358356"/>
+            <a:ext cx="2381250" cy="1285875"/>
+          </a:xfrm>
+          <a:prstGeom prst="rect">
+            <a:avLst/>
+          </a:prstGeom>
+        </p:spPr>
+      </p:pic>
+      <p:pic>
+        <p:nvPicPr>
+          <p:cNvPr id="9" name="Grafik 8"/>
+          <p:cNvPicPr>
+            <a:picLocks noChangeAspect="1"/>
+          </p:cNvPicPr>
+          <p:nvPr/>
+        </p:nvPicPr>
+        <p:blipFill>
+          <a:blip r:embed="rId4">
+            <a:extLst>
+              <a:ext uri="{28A0092B-C50C-407E-A947-70E740481C1C}">
+                <a14:useLocalDpi xmlns:a14="http://schemas.microsoft.com/office/drawing/2010/main" val="0"/>
+              </a:ext>
+            </a:extLst>
+          </a:blip>
+          <a:stretch>
+            <a:fillRect/>
+          </a:stretch>
+        </p:blipFill>
+        <p:spPr>
+          <a:xfrm>
+            <a:off x="838200" y="2509989"/>
+            <a:ext cx="5940379" cy="3403343"/>
+          </a:xfrm>
+          <a:prstGeom prst="rect">
+            <a:avLst/>
+          </a:prstGeom>
+        </p:spPr>
+      </p:pic>
     </p:spTree>
     <p:extLst>
       <p:ext uri="{BB962C8B-B14F-4D97-AF65-F5344CB8AC3E}">
@@ -14118,6 +14707,122 @@
       </p:grpSpPr>
       <p:sp>
         <p:nvSpPr>
+          <p:cNvPr id="2" name="Titel 1"/>
+          <p:cNvSpPr>
+            <a:spLocks noGrp="1"/>
+          </p:cNvSpPr>
+          <p:nvPr>
+            <p:ph type="title"/>
+          </p:nvPr>
+        </p:nvSpPr>
+        <p:spPr/>
+        <p:txBody>
+          <a:bodyPr/>
+          <a:lstStyle/>
+          <a:p>
+            <a:pPr marL="857250" indent="-857250">
+              <a:buFont typeface="+mj-lt"/>
+              <a:buAutoNum type="romanUcPeriod" startAt="5"/>
+            </a:pPr>
+            <a:r>
+              <a:rPr lang="de-DE" b="1" dirty="0" smtClean="0"/>
+              <a:t>Umsetzung des künstlichen neuronalen Netzes</a:t>
+            </a:r>
+            <a:endParaRPr lang="de-DE" dirty="0"/>
+          </a:p>
+        </p:txBody>
+      </p:sp>
+      <p:sp>
+        <p:nvSpPr>
+          <p:cNvPr id="3" name="Inhaltsplatzhalter 2"/>
+          <p:cNvSpPr>
+            <a:spLocks noGrp="1"/>
+          </p:cNvSpPr>
+          <p:nvPr>
+            <p:ph idx="1"/>
+          </p:nvPr>
+        </p:nvSpPr>
+        <p:spPr/>
+        <p:txBody>
+          <a:bodyPr>
+            <a:normAutofit/>
+          </a:bodyPr>
+          <a:lstStyle/>
+          <a:p>
+            <a:r>
+              <a:rPr lang="de-DE" dirty="0" smtClean="0"/>
+              <a:t>Startnetz aus der Konzeption</a:t>
+            </a:r>
+          </a:p>
+          <a:p>
+            <a:endParaRPr lang="de-DE" dirty="0"/>
+          </a:p>
+          <a:p>
+            <a:pPr marL="0" indent="0">
+              <a:buNone/>
+            </a:pPr>
+            <a:endParaRPr lang="de-DE" dirty="0" smtClean="0"/>
+          </a:p>
+          <a:p>
+            <a:endParaRPr lang="de-DE" dirty="0"/>
+          </a:p>
+          <a:p>
+            <a:pPr marL="0" indent="0">
+              <a:buNone/>
+            </a:pPr>
+            <a:endParaRPr lang="de-DE" dirty="0" smtClean="0"/>
+          </a:p>
+          <a:p>
+            <a:pPr marL="0" indent="0">
+              <a:buNone/>
+            </a:pPr>
+            <a:endParaRPr lang="de-DE" dirty="0" smtClean="0"/>
+          </a:p>
+          <a:p>
+            <a:pPr marL="0" indent="0">
+              <a:buNone/>
+            </a:pPr>
+            <a:endParaRPr lang="de-DE" dirty="0" smtClean="0"/>
+          </a:p>
+          <a:p>
+            <a:r>
+              <a:rPr lang="de-DE" dirty="0" smtClean="0"/>
+              <a:t>Sukzessive Optimierung: </a:t>
+            </a:r>
+            <a:r>
+              <a:rPr lang="de-DE" dirty="0" smtClean="0"/>
+              <a:t>Topologie, Transferfunktion, Lernrate</a:t>
+            </a:r>
+            <a:endParaRPr lang="de-DE" dirty="0" smtClean="0"/>
+          </a:p>
+          <a:p>
+            <a:endParaRPr lang="de-DE" dirty="0" smtClean="0"/>
+          </a:p>
+          <a:p>
+            <a:endParaRPr lang="de-DE" dirty="0"/>
+          </a:p>
+          <a:p>
+            <a:endParaRPr lang="de-DE" dirty="0" smtClean="0"/>
+          </a:p>
+          <a:p>
+            <a:endParaRPr lang="de-DE" dirty="0"/>
+          </a:p>
+          <a:p>
+            <a:pPr marL="0" indent="0">
+              <a:buNone/>
+            </a:pPr>
+            <a:endParaRPr lang="de-DE" dirty="0"/>
+          </a:p>
+          <a:p>
+            <a:pPr marL="0" indent="0">
+              <a:buNone/>
+            </a:pPr>
+            <a:endParaRPr lang="de-DE" dirty="0" smtClean="0"/>
+          </a:p>
+        </p:txBody>
+      </p:sp>
+      <p:sp>
+        <p:nvSpPr>
           <p:cNvPr id="4" name="Datumsplatzhalter 3"/>
           <p:cNvSpPr>
             <a:spLocks noGrp="1"/>
@@ -14155,6 +14860,1181 @@
           <a:lstStyle/>
           <a:p>
             <a:r>
+              <a:rPr lang="de-DE" smtClean="0"/>
+              <a:t>Fakultät Informatik             Sebastian Schötteler &amp; Benedikt Hofrichter</a:t>
+            </a:r>
+            <a:endParaRPr lang="de-DE" dirty="0"/>
+          </a:p>
+        </p:txBody>
+      </p:sp>
+      <p:sp>
+        <p:nvSpPr>
+          <p:cNvPr id="6" name="Foliennummernplatzhalter 5"/>
+          <p:cNvSpPr>
+            <a:spLocks noGrp="1"/>
+          </p:cNvSpPr>
+          <p:nvPr>
+            <p:ph type="sldNum" sz="quarter" idx="12"/>
+          </p:nvPr>
+        </p:nvSpPr>
+        <p:spPr/>
+        <p:txBody>
+          <a:bodyPr/>
+          <a:lstStyle/>
+          <a:p>
+            <a:fld id="{0E226D3C-400E-4353-AAC2-09A0472DC536}" type="slidenum">
+              <a:rPr lang="de-DE" smtClean="0"/>
+              <a:t>29</a:t>
+            </a:fld>
+            <a:endParaRPr lang="de-DE" dirty="0"/>
+          </a:p>
+        </p:txBody>
+      </p:sp>
+    </p:spTree>
+    <p:extLst>
+      <p:ext uri="{BB962C8B-B14F-4D97-AF65-F5344CB8AC3E}">
+        <p14:creationId xmlns:p14="http://schemas.microsoft.com/office/powerpoint/2010/main" val="2471252029"/>
+      </p:ext>
+    </p:extLst>
+  </p:cSld>
+  <p:clrMapOvr>
+    <a:masterClrMapping/>
+  </p:clrMapOvr>
+  <p:timing>
+    <p:tnLst>
+      <p:par>
+        <p:cTn id="1" dur="indefinite" restart="never" nodeType="tmRoot"/>
+      </p:par>
+    </p:tnLst>
+  </p:timing>
+</p:sld>
+</file>
+
+<file path=ppt/slides/slide31.xml><?xml version="1.0" encoding="utf-8"?>
+<p:sld xmlns:a="http://schemas.openxmlformats.org/drawingml/2006/main" xmlns:r="http://schemas.openxmlformats.org/officeDocument/2006/relationships" xmlns:p="http://schemas.openxmlformats.org/presentationml/2006/main">
+  <p:cSld>
+    <p:spTree>
+      <p:nvGrpSpPr>
+        <p:cNvPr id="1" name=""/>
+        <p:cNvGrpSpPr/>
+        <p:nvPr/>
+      </p:nvGrpSpPr>
+      <p:grpSpPr>
+        <a:xfrm>
+          <a:off x="0" y="0"/>
+          <a:ext cx="0" cy="0"/>
+          <a:chOff x="0" y="0"/>
+          <a:chExt cx="0" cy="0"/>
+        </a:xfrm>
+      </p:grpSpPr>
+      <p:sp>
+        <p:nvSpPr>
+          <p:cNvPr id="2" name="Titel 1"/>
+          <p:cNvSpPr>
+            <a:spLocks noGrp="1"/>
+          </p:cNvSpPr>
+          <p:nvPr>
+            <p:ph type="title"/>
+          </p:nvPr>
+        </p:nvSpPr>
+        <p:spPr/>
+        <p:txBody>
+          <a:bodyPr/>
+          <a:lstStyle/>
+          <a:p>
+            <a:pPr marL="857250" indent="-857250">
+              <a:buFont typeface="+mj-lt"/>
+              <a:buAutoNum type="romanUcPeriod" startAt="5"/>
+            </a:pPr>
+            <a:r>
+              <a:rPr lang="de-DE" b="1" dirty="0" smtClean="0"/>
+              <a:t>Umsetzung des künstlichen neuronalen Netzes</a:t>
+            </a:r>
+            <a:endParaRPr lang="de-DE" dirty="0"/>
+          </a:p>
+        </p:txBody>
+      </p:sp>
+      <p:sp>
+        <p:nvSpPr>
+          <p:cNvPr id="3" name="Inhaltsplatzhalter 2"/>
+          <p:cNvSpPr>
+            <a:spLocks noGrp="1"/>
+          </p:cNvSpPr>
+          <p:nvPr>
+            <p:ph idx="1"/>
+          </p:nvPr>
+        </p:nvSpPr>
+        <p:spPr/>
+        <p:txBody>
+          <a:bodyPr>
+            <a:noAutofit/>
+          </a:bodyPr>
+          <a:lstStyle/>
+          <a:p>
+            <a:r>
+              <a:rPr lang="de-DE" dirty="0" smtClean="0"/>
+              <a:t>Datensätze</a:t>
+            </a:r>
+          </a:p>
+          <a:p>
+            <a:pPr lvl="1"/>
+            <a:r>
+              <a:rPr lang="de-DE" dirty="0" smtClean="0"/>
+              <a:t>Train +</a:t>
+            </a:r>
+            <a:r>
+              <a:rPr lang="de-DE" smtClean="0"/>
+              <a:t>date</a:t>
+            </a:r>
+            <a:endParaRPr lang="de-DE" dirty="0" smtClean="0"/>
+          </a:p>
+          <a:p>
+            <a:pPr lvl="1"/>
+            <a:r>
+              <a:rPr lang="de-DE" dirty="0" smtClean="0"/>
+              <a:t>Test</a:t>
+            </a:r>
+          </a:p>
+          <a:p>
+            <a:pPr lvl="1"/>
+            <a:r>
+              <a:rPr lang="de-DE" dirty="0" smtClean="0"/>
+              <a:t>Formel</a:t>
+            </a:r>
+          </a:p>
+          <a:p>
+            <a:pPr lvl="1"/>
+            <a:r>
+              <a:rPr lang="de-DE" dirty="0" smtClean="0"/>
+              <a:t>Bild</a:t>
+            </a:r>
+          </a:p>
+          <a:p>
+            <a:pPr marL="0" indent="0">
+              <a:buNone/>
+            </a:pPr>
+            <a:endParaRPr lang="de-DE" dirty="0" smtClean="0"/>
+          </a:p>
+          <a:p>
+            <a:pPr marL="0" indent="0">
+              <a:buNone/>
+            </a:pPr>
+            <a:endParaRPr lang="de-DE" dirty="0" smtClean="0"/>
+          </a:p>
+          <a:p>
+            <a:pPr marL="0" indent="0">
+              <a:buNone/>
+            </a:pPr>
+            <a:endParaRPr lang="de-DE" dirty="0" smtClean="0"/>
+          </a:p>
+          <a:p>
+            <a:pPr marL="0" indent="0">
+              <a:buNone/>
+            </a:pPr>
+            <a:endParaRPr lang="de-DE" dirty="0" smtClean="0"/>
+          </a:p>
+        </p:txBody>
+      </p:sp>
+      <p:sp>
+        <p:nvSpPr>
+          <p:cNvPr id="4" name="Datumsplatzhalter 3"/>
+          <p:cNvSpPr>
+            <a:spLocks noGrp="1"/>
+          </p:cNvSpPr>
+          <p:nvPr>
+            <p:ph type="dt" sz="half" idx="10"/>
+          </p:nvPr>
+        </p:nvSpPr>
+        <p:spPr/>
+        <p:txBody>
+          <a:bodyPr/>
+          <a:lstStyle/>
+          <a:p>
+            <a:fld id="{7AC709DD-AC18-4FBA-B4E6-46DED743653E}" type="datetime1">
+              <a:rPr lang="de-DE" smtClean="0"/>
+              <a:t>05.12.2015</a:t>
+            </a:fld>
+            <a:endParaRPr lang="de-DE"/>
+          </a:p>
+        </p:txBody>
+      </p:sp>
+      <p:sp>
+        <p:nvSpPr>
+          <p:cNvPr id="5" name="Fußzeilenplatzhalter 4"/>
+          <p:cNvSpPr>
+            <a:spLocks noGrp="1"/>
+          </p:cNvSpPr>
+          <p:nvPr>
+            <p:ph type="ftr" sz="quarter" idx="11"/>
+          </p:nvPr>
+        </p:nvSpPr>
+        <p:spPr/>
+        <p:txBody>
+          <a:bodyPr/>
+          <a:lstStyle/>
+          <a:p>
+            <a:r>
+              <a:rPr lang="de-DE" smtClean="0"/>
+              <a:t>Fakultät Informatik             Sebastian Schötteler &amp; Benedikt Hofrichter</a:t>
+            </a:r>
+            <a:endParaRPr lang="de-DE" dirty="0"/>
+          </a:p>
+        </p:txBody>
+      </p:sp>
+      <p:sp>
+        <p:nvSpPr>
+          <p:cNvPr id="6" name="Foliennummernplatzhalter 5"/>
+          <p:cNvSpPr>
+            <a:spLocks noGrp="1"/>
+          </p:cNvSpPr>
+          <p:nvPr>
+            <p:ph type="sldNum" sz="quarter" idx="12"/>
+          </p:nvPr>
+        </p:nvSpPr>
+        <p:spPr/>
+        <p:txBody>
+          <a:bodyPr/>
+          <a:lstStyle/>
+          <a:p>
+            <a:fld id="{0E226D3C-400E-4353-AAC2-09A0472DC536}" type="slidenum">
+              <a:rPr lang="de-DE" smtClean="0"/>
+              <a:t>30</a:t>
+            </a:fld>
+            <a:endParaRPr lang="de-DE" dirty="0"/>
+          </a:p>
+        </p:txBody>
+      </p:sp>
+    </p:spTree>
+    <p:extLst>
+      <p:ext uri="{BB962C8B-B14F-4D97-AF65-F5344CB8AC3E}">
+        <p14:creationId xmlns:p14="http://schemas.microsoft.com/office/powerpoint/2010/main" val="1970576914"/>
+      </p:ext>
+    </p:extLst>
+  </p:cSld>
+  <p:clrMapOvr>
+    <a:masterClrMapping/>
+  </p:clrMapOvr>
+  <p:timing>
+    <p:tnLst>
+      <p:par>
+        <p:cTn id="1" dur="indefinite" restart="never" nodeType="tmRoot"/>
+      </p:par>
+    </p:tnLst>
+  </p:timing>
+</p:sld>
+</file>
+
+<file path=ppt/slides/slide32.xml><?xml version="1.0" encoding="utf-8"?>
+<p:sld xmlns:a="http://schemas.openxmlformats.org/drawingml/2006/main" xmlns:r="http://schemas.openxmlformats.org/officeDocument/2006/relationships" xmlns:p="http://schemas.openxmlformats.org/presentationml/2006/main">
+  <p:cSld>
+    <p:spTree>
+      <p:nvGrpSpPr>
+        <p:cNvPr id="1" name=""/>
+        <p:cNvGrpSpPr/>
+        <p:nvPr/>
+      </p:nvGrpSpPr>
+      <p:grpSpPr>
+        <a:xfrm>
+          <a:off x="0" y="0"/>
+          <a:ext cx="0" cy="0"/>
+          <a:chOff x="0" y="0"/>
+          <a:chExt cx="0" cy="0"/>
+        </a:xfrm>
+      </p:grpSpPr>
+      <p:sp>
+        <p:nvSpPr>
+          <p:cNvPr id="2" name="Titel 1"/>
+          <p:cNvSpPr>
+            <a:spLocks noGrp="1"/>
+          </p:cNvSpPr>
+          <p:nvPr>
+            <p:ph type="title"/>
+          </p:nvPr>
+        </p:nvSpPr>
+        <p:spPr/>
+        <p:txBody>
+          <a:bodyPr/>
+          <a:lstStyle/>
+          <a:p>
+            <a:pPr marL="857250" indent="-857250">
+              <a:buFont typeface="+mj-lt"/>
+              <a:buAutoNum type="romanUcPeriod" startAt="5"/>
+            </a:pPr>
+            <a:r>
+              <a:rPr lang="de-DE" b="1" dirty="0" smtClean="0"/>
+              <a:t>Umsetzung des künstlichen neuronalen Netzes</a:t>
+            </a:r>
+            <a:endParaRPr lang="de-DE" dirty="0"/>
+          </a:p>
+        </p:txBody>
+      </p:sp>
+      <p:sp>
+        <p:nvSpPr>
+          <p:cNvPr id="3" name="Inhaltsplatzhalter 2"/>
+          <p:cNvSpPr>
+            <a:spLocks noGrp="1"/>
+          </p:cNvSpPr>
+          <p:nvPr>
+            <p:ph idx="1"/>
+          </p:nvPr>
+        </p:nvSpPr>
+        <p:spPr/>
+        <p:txBody>
+          <a:bodyPr>
+            <a:normAutofit/>
+          </a:bodyPr>
+          <a:lstStyle/>
+          <a:p>
+            <a:r>
+              <a:rPr lang="de-DE" dirty="0" smtClean="0"/>
+              <a:t>Optimierung der Topologie</a:t>
+            </a:r>
+          </a:p>
+          <a:p>
+            <a:pPr marL="0" indent="0">
+              <a:buNone/>
+            </a:pPr>
+            <a:endParaRPr lang="de-DE" dirty="0"/>
+          </a:p>
+          <a:p>
+            <a:endParaRPr lang="de-DE" dirty="0" smtClean="0"/>
+          </a:p>
+          <a:p>
+            <a:endParaRPr lang="de-DE" dirty="0"/>
+          </a:p>
+          <a:p>
+            <a:pPr marL="0" indent="0">
+              <a:buNone/>
+            </a:pPr>
+            <a:endParaRPr lang="de-DE" dirty="0" smtClean="0"/>
+          </a:p>
+          <a:p>
+            <a:pPr marL="0" indent="0">
+              <a:buNone/>
+            </a:pPr>
+            <a:endParaRPr lang="de-DE" dirty="0" smtClean="0"/>
+          </a:p>
+          <a:p>
+            <a:pPr marL="0" indent="0">
+              <a:buNone/>
+            </a:pPr>
+            <a:endParaRPr lang="de-DE" dirty="0" smtClean="0"/>
+          </a:p>
+          <a:p>
+            <a:pPr marL="0" indent="0">
+              <a:buNone/>
+            </a:pPr>
+            <a:endParaRPr lang="de-DE" dirty="0" smtClean="0"/>
+          </a:p>
+          <a:p>
+            <a:endParaRPr lang="de-DE" dirty="0"/>
+          </a:p>
+          <a:p>
+            <a:endParaRPr lang="de-DE" dirty="0" smtClean="0"/>
+          </a:p>
+          <a:p>
+            <a:endParaRPr lang="de-DE" dirty="0"/>
+          </a:p>
+          <a:p>
+            <a:pPr marL="0" indent="0">
+              <a:buNone/>
+            </a:pPr>
+            <a:endParaRPr lang="de-DE" dirty="0"/>
+          </a:p>
+          <a:p>
+            <a:pPr marL="0" indent="0">
+              <a:buNone/>
+            </a:pPr>
+            <a:endParaRPr lang="de-DE" dirty="0" smtClean="0"/>
+          </a:p>
+        </p:txBody>
+      </p:sp>
+      <p:sp>
+        <p:nvSpPr>
+          <p:cNvPr id="4" name="Datumsplatzhalter 3"/>
+          <p:cNvSpPr>
+            <a:spLocks noGrp="1"/>
+          </p:cNvSpPr>
+          <p:nvPr>
+            <p:ph type="dt" sz="half" idx="10"/>
+          </p:nvPr>
+        </p:nvSpPr>
+        <p:spPr/>
+        <p:txBody>
+          <a:bodyPr/>
+          <a:lstStyle/>
+          <a:p>
+            <a:fld id="{7AC709DD-AC18-4FBA-B4E6-46DED743653E}" type="datetime1">
+              <a:rPr lang="de-DE" smtClean="0"/>
+              <a:t>05.12.2015</a:t>
+            </a:fld>
+            <a:endParaRPr lang="de-DE"/>
+          </a:p>
+        </p:txBody>
+      </p:sp>
+      <p:sp>
+        <p:nvSpPr>
+          <p:cNvPr id="5" name="Fußzeilenplatzhalter 4"/>
+          <p:cNvSpPr>
+            <a:spLocks noGrp="1"/>
+          </p:cNvSpPr>
+          <p:nvPr>
+            <p:ph type="ftr" sz="quarter" idx="11"/>
+          </p:nvPr>
+        </p:nvSpPr>
+        <p:spPr/>
+        <p:txBody>
+          <a:bodyPr/>
+          <a:lstStyle/>
+          <a:p>
+            <a:r>
+              <a:rPr lang="de-DE" smtClean="0"/>
+              <a:t>Fakultät Informatik             Sebastian Schötteler &amp; Benedikt Hofrichter</a:t>
+            </a:r>
+            <a:endParaRPr lang="de-DE" dirty="0"/>
+          </a:p>
+        </p:txBody>
+      </p:sp>
+      <p:sp>
+        <p:nvSpPr>
+          <p:cNvPr id="6" name="Foliennummernplatzhalter 5"/>
+          <p:cNvSpPr>
+            <a:spLocks noGrp="1"/>
+          </p:cNvSpPr>
+          <p:nvPr>
+            <p:ph type="sldNum" sz="quarter" idx="12"/>
+          </p:nvPr>
+        </p:nvSpPr>
+        <p:spPr/>
+        <p:txBody>
+          <a:bodyPr/>
+          <a:lstStyle/>
+          <a:p>
+            <a:fld id="{0E226D3C-400E-4353-AAC2-09A0472DC536}" type="slidenum">
+              <a:rPr lang="de-DE" smtClean="0"/>
+              <a:t>31</a:t>
+            </a:fld>
+            <a:endParaRPr lang="de-DE" dirty="0"/>
+          </a:p>
+        </p:txBody>
+      </p:sp>
+    </p:spTree>
+    <p:extLst>
+      <p:ext uri="{BB962C8B-B14F-4D97-AF65-F5344CB8AC3E}">
+        <p14:creationId xmlns:p14="http://schemas.microsoft.com/office/powerpoint/2010/main" val="2364851816"/>
+      </p:ext>
+    </p:extLst>
+  </p:cSld>
+  <p:clrMapOvr>
+    <a:masterClrMapping/>
+  </p:clrMapOvr>
+  <p:timing>
+    <p:tnLst>
+      <p:par>
+        <p:cTn id="1" dur="indefinite" restart="never" nodeType="tmRoot"/>
+      </p:par>
+    </p:tnLst>
+  </p:timing>
+</p:sld>
+</file>
+
+<file path=ppt/slides/slide33.xml><?xml version="1.0" encoding="utf-8"?>
+<p:sld xmlns:a="http://schemas.openxmlformats.org/drawingml/2006/main" xmlns:r="http://schemas.openxmlformats.org/officeDocument/2006/relationships" xmlns:p="http://schemas.openxmlformats.org/presentationml/2006/main">
+  <p:cSld>
+    <p:spTree>
+      <p:nvGrpSpPr>
+        <p:cNvPr id="1" name=""/>
+        <p:cNvGrpSpPr/>
+        <p:nvPr/>
+      </p:nvGrpSpPr>
+      <p:grpSpPr>
+        <a:xfrm>
+          <a:off x="0" y="0"/>
+          <a:ext cx="0" cy="0"/>
+          <a:chOff x="0" y="0"/>
+          <a:chExt cx="0" cy="0"/>
+        </a:xfrm>
+      </p:grpSpPr>
+      <p:sp>
+        <p:nvSpPr>
+          <p:cNvPr id="2" name="Titel 1"/>
+          <p:cNvSpPr>
+            <a:spLocks noGrp="1"/>
+          </p:cNvSpPr>
+          <p:nvPr>
+            <p:ph type="title"/>
+          </p:nvPr>
+        </p:nvSpPr>
+        <p:spPr/>
+        <p:txBody>
+          <a:bodyPr/>
+          <a:lstStyle/>
+          <a:p>
+            <a:pPr marL="857250" indent="-857250">
+              <a:buFont typeface="+mj-lt"/>
+              <a:buAutoNum type="romanUcPeriod" startAt="5"/>
+            </a:pPr>
+            <a:r>
+              <a:rPr lang="de-DE" b="1" dirty="0" smtClean="0"/>
+              <a:t>Umsetzung des künstlichen neuronalen Netzes</a:t>
+            </a:r>
+            <a:endParaRPr lang="de-DE" dirty="0"/>
+          </a:p>
+        </p:txBody>
+      </p:sp>
+      <p:sp>
+        <p:nvSpPr>
+          <p:cNvPr id="3" name="Inhaltsplatzhalter 2"/>
+          <p:cNvSpPr>
+            <a:spLocks noGrp="1"/>
+          </p:cNvSpPr>
+          <p:nvPr>
+            <p:ph idx="1"/>
+          </p:nvPr>
+        </p:nvSpPr>
+        <p:spPr/>
+        <p:txBody>
+          <a:bodyPr>
+            <a:normAutofit/>
+          </a:bodyPr>
+          <a:lstStyle/>
+          <a:p>
+            <a:r>
+              <a:rPr lang="de-DE" dirty="0" smtClean="0"/>
+              <a:t>Optimierung der Transferfunktion</a:t>
+            </a:r>
+          </a:p>
+          <a:p>
+            <a:pPr marL="0" indent="0">
+              <a:buNone/>
+            </a:pPr>
+            <a:endParaRPr lang="de-DE" dirty="0"/>
+          </a:p>
+          <a:p>
+            <a:endParaRPr lang="de-DE" dirty="0" smtClean="0"/>
+          </a:p>
+          <a:p>
+            <a:endParaRPr lang="de-DE" dirty="0"/>
+          </a:p>
+          <a:p>
+            <a:pPr marL="0" indent="0">
+              <a:buNone/>
+            </a:pPr>
+            <a:endParaRPr lang="de-DE" dirty="0" smtClean="0"/>
+          </a:p>
+          <a:p>
+            <a:pPr marL="0" indent="0">
+              <a:buNone/>
+            </a:pPr>
+            <a:endParaRPr lang="de-DE" dirty="0" smtClean="0"/>
+          </a:p>
+          <a:p>
+            <a:pPr marL="0" indent="0">
+              <a:buNone/>
+            </a:pPr>
+            <a:endParaRPr lang="de-DE" dirty="0" smtClean="0"/>
+          </a:p>
+          <a:p>
+            <a:pPr marL="0" indent="0">
+              <a:buNone/>
+            </a:pPr>
+            <a:endParaRPr lang="de-DE" dirty="0" smtClean="0"/>
+          </a:p>
+          <a:p>
+            <a:endParaRPr lang="de-DE" dirty="0"/>
+          </a:p>
+          <a:p>
+            <a:endParaRPr lang="de-DE" dirty="0" smtClean="0"/>
+          </a:p>
+          <a:p>
+            <a:endParaRPr lang="de-DE" dirty="0"/>
+          </a:p>
+          <a:p>
+            <a:pPr marL="0" indent="0">
+              <a:buNone/>
+            </a:pPr>
+            <a:endParaRPr lang="de-DE" dirty="0"/>
+          </a:p>
+          <a:p>
+            <a:pPr marL="0" indent="0">
+              <a:buNone/>
+            </a:pPr>
+            <a:endParaRPr lang="de-DE" dirty="0" smtClean="0"/>
+          </a:p>
+        </p:txBody>
+      </p:sp>
+      <p:sp>
+        <p:nvSpPr>
+          <p:cNvPr id="4" name="Datumsplatzhalter 3"/>
+          <p:cNvSpPr>
+            <a:spLocks noGrp="1"/>
+          </p:cNvSpPr>
+          <p:nvPr>
+            <p:ph type="dt" sz="half" idx="10"/>
+          </p:nvPr>
+        </p:nvSpPr>
+        <p:spPr/>
+        <p:txBody>
+          <a:bodyPr/>
+          <a:lstStyle/>
+          <a:p>
+            <a:fld id="{7AC709DD-AC18-4FBA-B4E6-46DED743653E}" type="datetime1">
+              <a:rPr lang="de-DE" smtClean="0"/>
+              <a:t>05.12.2015</a:t>
+            </a:fld>
+            <a:endParaRPr lang="de-DE"/>
+          </a:p>
+        </p:txBody>
+      </p:sp>
+      <p:sp>
+        <p:nvSpPr>
+          <p:cNvPr id="5" name="Fußzeilenplatzhalter 4"/>
+          <p:cNvSpPr>
+            <a:spLocks noGrp="1"/>
+          </p:cNvSpPr>
+          <p:nvPr>
+            <p:ph type="ftr" sz="quarter" idx="11"/>
+          </p:nvPr>
+        </p:nvSpPr>
+        <p:spPr/>
+        <p:txBody>
+          <a:bodyPr/>
+          <a:lstStyle/>
+          <a:p>
+            <a:r>
+              <a:rPr lang="de-DE" smtClean="0"/>
+              <a:t>Fakultät Informatik             Sebastian Schötteler &amp; Benedikt Hofrichter</a:t>
+            </a:r>
+            <a:endParaRPr lang="de-DE" dirty="0"/>
+          </a:p>
+        </p:txBody>
+      </p:sp>
+      <p:sp>
+        <p:nvSpPr>
+          <p:cNvPr id="6" name="Foliennummernplatzhalter 5"/>
+          <p:cNvSpPr>
+            <a:spLocks noGrp="1"/>
+          </p:cNvSpPr>
+          <p:nvPr>
+            <p:ph type="sldNum" sz="quarter" idx="12"/>
+          </p:nvPr>
+        </p:nvSpPr>
+        <p:spPr/>
+        <p:txBody>
+          <a:bodyPr/>
+          <a:lstStyle/>
+          <a:p>
+            <a:fld id="{0E226D3C-400E-4353-AAC2-09A0472DC536}" type="slidenum">
+              <a:rPr lang="de-DE" smtClean="0"/>
+              <a:t>32</a:t>
+            </a:fld>
+            <a:endParaRPr lang="de-DE" dirty="0"/>
+          </a:p>
+        </p:txBody>
+      </p:sp>
+    </p:spTree>
+    <p:extLst>
+      <p:ext uri="{BB962C8B-B14F-4D97-AF65-F5344CB8AC3E}">
+        <p14:creationId xmlns:p14="http://schemas.microsoft.com/office/powerpoint/2010/main" val="1192999301"/>
+      </p:ext>
+    </p:extLst>
+  </p:cSld>
+  <p:clrMapOvr>
+    <a:masterClrMapping/>
+  </p:clrMapOvr>
+  <p:timing>
+    <p:tnLst>
+      <p:par>
+        <p:cTn id="1" dur="indefinite" restart="never" nodeType="tmRoot"/>
+      </p:par>
+    </p:tnLst>
+  </p:timing>
+</p:sld>
+</file>
+
+<file path=ppt/slides/slide34.xml><?xml version="1.0" encoding="utf-8"?>
+<p:sld xmlns:a="http://schemas.openxmlformats.org/drawingml/2006/main" xmlns:r="http://schemas.openxmlformats.org/officeDocument/2006/relationships" xmlns:p="http://schemas.openxmlformats.org/presentationml/2006/main">
+  <p:cSld>
+    <p:spTree>
+      <p:nvGrpSpPr>
+        <p:cNvPr id="1" name=""/>
+        <p:cNvGrpSpPr/>
+        <p:nvPr/>
+      </p:nvGrpSpPr>
+      <p:grpSpPr>
+        <a:xfrm>
+          <a:off x="0" y="0"/>
+          <a:ext cx="0" cy="0"/>
+          <a:chOff x="0" y="0"/>
+          <a:chExt cx="0" cy="0"/>
+        </a:xfrm>
+      </p:grpSpPr>
+      <p:sp>
+        <p:nvSpPr>
+          <p:cNvPr id="2" name="Titel 1"/>
+          <p:cNvSpPr>
+            <a:spLocks noGrp="1"/>
+          </p:cNvSpPr>
+          <p:nvPr>
+            <p:ph type="title"/>
+          </p:nvPr>
+        </p:nvSpPr>
+        <p:spPr/>
+        <p:txBody>
+          <a:bodyPr/>
+          <a:lstStyle/>
+          <a:p>
+            <a:pPr marL="857250" indent="-857250">
+              <a:buFont typeface="+mj-lt"/>
+              <a:buAutoNum type="romanUcPeriod" startAt="5"/>
+            </a:pPr>
+            <a:r>
+              <a:rPr lang="de-DE" b="1" dirty="0" smtClean="0"/>
+              <a:t>Umsetzung des künstlichen neuronalen Netzes</a:t>
+            </a:r>
+            <a:endParaRPr lang="de-DE" dirty="0"/>
+          </a:p>
+        </p:txBody>
+      </p:sp>
+      <p:sp>
+        <p:nvSpPr>
+          <p:cNvPr id="3" name="Inhaltsplatzhalter 2"/>
+          <p:cNvSpPr>
+            <a:spLocks noGrp="1"/>
+          </p:cNvSpPr>
+          <p:nvPr>
+            <p:ph idx="1"/>
+          </p:nvPr>
+        </p:nvSpPr>
+        <p:spPr/>
+        <p:txBody>
+          <a:bodyPr>
+            <a:normAutofit/>
+          </a:bodyPr>
+          <a:lstStyle/>
+          <a:p>
+            <a:r>
+              <a:rPr lang="de-DE" dirty="0" smtClean="0"/>
+              <a:t>Optimierung der Lernrate</a:t>
+            </a:r>
+            <a:endParaRPr lang="de-DE" dirty="0"/>
+          </a:p>
+          <a:p>
+            <a:endParaRPr lang="de-DE" dirty="0" smtClean="0"/>
+          </a:p>
+          <a:p>
+            <a:endParaRPr lang="de-DE" dirty="0"/>
+          </a:p>
+          <a:p>
+            <a:pPr marL="0" indent="0">
+              <a:buNone/>
+            </a:pPr>
+            <a:endParaRPr lang="de-DE" dirty="0" smtClean="0"/>
+          </a:p>
+          <a:p>
+            <a:pPr marL="0" indent="0">
+              <a:buNone/>
+            </a:pPr>
+            <a:endParaRPr lang="de-DE" dirty="0" smtClean="0"/>
+          </a:p>
+          <a:p>
+            <a:pPr marL="0" indent="0">
+              <a:buNone/>
+            </a:pPr>
+            <a:endParaRPr lang="de-DE" dirty="0" smtClean="0"/>
+          </a:p>
+          <a:p>
+            <a:pPr marL="0" indent="0">
+              <a:buNone/>
+            </a:pPr>
+            <a:endParaRPr lang="de-DE" dirty="0" smtClean="0"/>
+          </a:p>
+          <a:p>
+            <a:endParaRPr lang="de-DE" dirty="0" smtClean="0"/>
+          </a:p>
+          <a:p>
+            <a:endParaRPr lang="de-DE" dirty="0"/>
+          </a:p>
+          <a:p>
+            <a:endParaRPr lang="de-DE" dirty="0" smtClean="0"/>
+          </a:p>
+          <a:p>
+            <a:endParaRPr lang="de-DE" dirty="0"/>
+          </a:p>
+          <a:p>
+            <a:pPr marL="0" indent="0">
+              <a:buNone/>
+            </a:pPr>
+            <a:endParaRPr lang="de-DE" dirty="0"/>
+          </a:p>
+          <a:p>
+            <a:pPr marL="0" indent="0">
+              <a:buNone/>
+            </a:pPr>
+            <a:endParaRPr lang="de-DE" dirty="0" smtClean="0"/>
+          </a:p>
+        </p:txBody>
+      </p:sp>
+      <p:sp>
+        <p:nvSpPr>
+          <p:cNvPr id="4" name="Datumsplatzhalter 3"/>
+          <p:cNvSpPr>
+            <a:spLocks noGrp="1"/>
+          </p:cNvSpPr>
+          <p:nvPr>
+            <p:ph type="dt" sz="half" idx="10"/>
+          </p:nvPr>
+        </p:nvSpPr>
+        <p:spPr/>
+        <p:txBody>
+          <a:bodyPr/>
+          <a:lstStyle/>
+          <a:p>
+            <a:fld id="{7AC709DD-AC18-4FBA-B4E6-46DED743653E}" type="datetime1">
+              <a:rPr lang="de-DE" smtClean="0"/>
+              <a:t>05.12.2015</a:t>
+            </a:fld>
+            <a:endParaRPr lang="de-DE"/>
+          </a:p>
+        </p:txBody>
+      </p:sp>
+      <p:sp>
+        <p:nvSpPr>
+          <p:cNvPr id="5" name="Fußzeilenplatzhalter 4"/>
+          <p:cNvSpPr>
+            <a:spLocks noGrp="1"/>
+          </p:cNvSpPr>
+          <p:nvPr>
+            <p:ph type="ftr" sz="quarter" idx="11"/>
+          </p:nvPr>
+        </p:nvSpPr>
+        <p:spPr/>
+        <p:txBody>
+          <a:bodyPr/>
+          <a:lstStyle/>
+          <a:p>
+            <a:r>
+              <a:rPr lang="de-DE" smtClean="0"/>
+              <a:t>Fakultät Informatik             Sebastian Schötteler &amp; Benedikt Hofrichter</a:t>
+            </a:r>
+            <a:endParaRPr lang="de-DE" dirty="0"/>
+          </a:p>
+        </p:txBody>
+      </p:sp>
+      <p:sp>
+        <p:nvSpPr>
+          <p:cNvPr id="6" name="Foliennummernplatzhalter 5"/>
+          <p:cNvSpPr>
+            <a:spLocks noGrp="1"/>
+          </p:cNvSpPr>
+          <p:nvPr>
+            <p:ph type="sldNum" sz="quarter" idx="12"/>
+          </p:nvPr>
+        </p:nvSpPr>
+        <p:spPr/>
+        <p:txBody>
+          <a:bodyPr/>
+          <a:lstStyle/>
+          <a:p>
+            <a:fld id="{0E226D3C-400E-4353-AAC2-09A0472DC536}" type="slidenum">
+              <a:rPr lang="de-DE" smtClean="0"/>
+              <a:t>33</a:t>
+            </a:fld>
+            <a:endParaRPr lang="de-DE" dirty="0"/>
+          </a:p>
+        </p:txBody>
+      </p:sp>
+    </p:spTree>
+    <p:extLst>
+      <p:ext uri="{BB962C8B-B14F-4D97-AF65-F5344CB8AC3E}">
+        <p14:creationId xmlns:p14="http://schemas.microsoft.com/office/powerpoint/2010/main" val="2972030942"/>
+      </p:ext>
+    </p:extLst>
+  </p:cSld>
+  <p:clrMapOvr>
+    <a:masterClrMapping/>
+  </p:clrMapOvr>
+  <p:timing>
+    <p:tnLst>
+      <p:par>
+        <p:cTn id="1" dur="indefinite" restart="never" nodeType="tmRoot"/>
+      </p:par>
+    </p:tnLst>
+  </p:timing>
+</p:sld>
+</file>
+
+<file path=ppt/slides/slide35.xml><?xml version="1.0" encoding="utf-8"?>
+<p:sld xmlns:a="http://schemas.openxmlformats.org/drawingml/2006/main" xmlns:r="http://schemas.openxmlformats.org/officeDocument/2006/relationships" xmlns:p="http://schemas.openxmlformats.org/presentationml/2006/main">
+  <p:cSld>
+    <p:spTree>
+      <p:nvGrpSpPr>
+        <p:cNvPr id="1" name=""/>
+        <p:cNvGrpSpPr/>
+        <p:nvPr/>
+      </p:nvGrpSpPr>
+      <p:grpSpPr>
+        <a:xfrm>
+          <a:off x="0" y="0"/>
+          <a:ext cx="0" cy="0"/>
+          <a:chOff x="0" y="0"/>
+          <a:chExt cx="0" cy="0"/>
+        </a:xfrm>
+      </p:grpSpPr>
+      <p:sp>
+        <p:nvSpPr>
+          <p:cNvPr id="2" name="Titel 1"/>
+          <p:cNvSpPr>
+            <a:spLocks noGrp="1"/>
+          </p:cNvSpPr>
+          <p:nvPr>
+            <p:ph type="title"/>
+          </p:nvPr>
+        </p:nvSpPr>
+        <p:spPr/>
+        <p:txBody>
+          <a:bodyPr/>
+          <a:lstStyle/>
+          <a:p>
+            <a:pPr marL="857250" indent="-857250">
+              <a:buFont typeface="+mj-lt"/>
+              <a:buAutoNum type="romanUcPeriod" startAt="5"/>
+            </a:pPr>
+            <a:r>
+              <a:rPr lang="de-DE" b="1" dirty="0" smtClean="0"/>
+              <a:t>Umsetzung des künstlichen neuronalen Netzes</a:t>
+            </a:r>
+            <a:endParaRPr lang="de-DE" dirty="0"/>
+          </a:p>
+        </p:txBody>
+      </p:sp>
+      <p:sp>
+        <p:nvSpPr>
+          <p:cNvPr id="3" name="Inhaltsplatzhalter 2"/>
+          <p:cNvSpPr>
+            <a:spLocks noGrp="1"/>
+          </p:cNvSpPr>
+          <p:nvPr>
+            <p:ph idx="1"/>
+          </p:nvPr>
+        </p:nvSpPr>
+        <p:spPr/>
+        <p:txBody>
+          <a:bodyPr>
+            <a:normAutofit/>
+          </a:bodyPr>
+          <a:lstStyle/>
+          <a:p>
+            <a:r>
+              <a:rPr lang="de-DE" dirty="0" smtClean="0"/>
+              <a:t>Endergebnis</a:t>
+            </a:r>
+            <a:endParaRPr lang="de-DE" dirty="0"/>
+          </a:p>
+          <a:p>
+            <a:endParaRPr lang="de-DE" dirty="0" smtClean="0"/>
+          </a:p>
+          <a:p>
+            <a:endParaRPr lang="de-DE" dirty="0"/>
+          </a:p>
+          <a:p>
+            <a:pPr marL="0" indent="0">
+              <a:buNone/>
+            </a:pPr>
+            <a:endParaRPr lang="de-DE" dirty="0" smtClean="0"/>
+          </a:p>
+          <a:p>
+            <a:pPr marL="0" indent="0">
+              <a:buNone/>
+            </a:pPr>
+            <a:endParaRPr lang="de-DE" dirty="0" smtClean="0"/>
+          </a:p>
+          <a:p>
+            <a:pPr marL="0" indent="0">
+              <a:buNone/>
+            </a:pPr>
+            <a:endParaRPr lang="de-DE" dirty="0" smtClean="0"/>
+          </a:p>
+          <a:p>
+            <a:pPr marL="0" indent="0">
+              <a:buNone/>
+            </a:pPr>
+            <a:endParaRPr lang="de-DE" dirty="0" smtClean="0"/>
+          </a:p>
+          <a:p>
+            <a:pPr marL="0" indent="0">
+              <a:buNone/>
+            </a:pPr>
+            <a:endParaRPr lang="de-DE" dirty="0" smtClean="0"/>
+          </a:p>
+          <a:p>
+            <a:endParaRPr lang="de-DE" dirty="0"/>
+          </a:p>
+          <a:p>
+            <a:endParaRPr lang="de-DE" dirty="0" smtClean="0"/>
+          </a:p>
+          <a:p>
+            <a:endParaRPr lang="de-DE" dirty="0"/>
+          </a:p>
+          <a:p>
+            <a:pPr marL="0" indent="0">
+              <a:buNone/>
+            </a:pPr>
+            <a:endParaRPr lang="de-DE" dirty="0"/>
+          </a:p>
+          <a:p>
+            <a:pPr marL="0" indent="0">
+              <a:buNone/>
+            </a:pPr>
+            <a:endParaRPr lang="de-DE" dirty="0" smtClean="0"/>
+          </a:p>
+        </p:txBody>
+      </p:sp>
+      <p:sp>
+        <p:nvSpPr>
+          <p:cNvPr id="4" name="Datumsplatzhalter 3"/>
+          <p:cNvSpPr>
+            <a:spLocks noGrp="1"/>
+          </p:cNvSpPr>
+          <p:nvPr>
+            <p:ph type="dt" sz="half" idx="10"/>
+          </p:nvPr>
+        </p:nvSpPr>
+        <p:spPr/>
+        <p:txBody>
+          <a:bodyPr/>
+          <a:lstStyle/>
+          <a:p>
+            <a:fld id="{7AC709DD-AC18-4FBA-B4E6-46DED743653E}" type="datetime1">
+              <a:rPr lang="de-DE" smtClean="0"/>
+              <a:t>05.12.2015</a:t>
+            </a:fld>
+            <a:endParaRPr lang="de-DE"/>
+          </a:p>
+        </p:txBody>
+      </p:sp>
+      <p:sp>
+        <p:nvSpPr>
+          <p:cNvPr id="5" name="Fußzeilenplatzhalter 4"/>
+          <p:cNvSpPr>
+            <a:spLocks noGrp="1"/>
+          </p:cNvSpPr>
+          <p:nvPr>
+            <p:ph type="ftr" sz="quarter" idx="11"/>
+          </p:nvPr>
+        </p:nvSpPr>
+        <p:spPr/>
+        <p:txBody>
+          <a:bodyPr/>
+          <a:lstStyle/>
+          <a:p>
+            <a:r>
+              <a:rPr lang="de-DE" smtClean="0"/>
+              <a:t>Fakultät Informatik             Sebastian Schötteler &amp; Benedikt Hofrichter</a:t>
+            </a:r>
+            <a:endParaRPr lang="de-DE" dirty="0"/>
+          </a:p>
+        </p:txBody>
+      </p:sp>
+      <p:sp>
+        <p:nvSpPr>
+          <p:cNvPr id="6" name="Foliennummernplatzhalter 5"/>
+          <p:cNvSpPr>
+            <a:spLocks noGrp="1"/>
+          </p:cNvSpPr>
+          <p:nvPr>
+            <p:ph type="sldNum" sz="quarter" idx="12"/>
+          </p:nvPr>
+        </p:nvSpPr>
+        <p:spPr/>
+        <p:txBody>
+          <a:bodyPr/>
+          <a:lstStyle/>
+          <a:p>
+            <a:fld id="{0E226D3C-400E-4353-AAC2-09A0472DC536}" type="slidenum">
+              <a:rPr lang="de-DE" smtClean="0"/>
+              <a:t>34</a:t>
+            </a:fld>
+            <a:endParaRPr lang="de-DE" dirty="0"/>
+          </a:p>
+        </p:txBody>
+      </p:sp>
+    </p:spTree>
+    <p:extLst>
+      <p:ext uri="{BB962C8B-B14F-4D97-AF65-F5344CB8AC3E}">
+        <p14:creationId xmlns:p14="http://schemas.microsoft.com/office/powerpoint/2010/main" val="3258359345"/>
+      </p:ext>
+    </p:extLst>
+  </p:cSld>
+  <p:clrMapOvr>
+    <a:masterClrMapping/>
+  </p:clrMapOvr>
+  <p:timing>
+    <p:tnLst>
+      <p:par>
+        <p:cTn id="1" dur="indefinite" restart="never" nodeType="tmRoot"/>
+      </p:par>
+    </p:tnLst>
+  </p:timing>
+</p:sld>
+</file>
+
+<file path=ppt/slides/slide36.xml><?xml version="1.0" encoding="utf-8"?>
+<p:sld xmlns:a="http://schemas.openxmlformats.org/drawingml/2006/main" xmlns:r="http://schemas.openxmlformats.org/officeDocument/2006/relationships" xmlns:p="http://schemas.openxmlformats.org/presentationml/2006/main">
+  <p:cSld>
+    <p:spTree>
+      <p:nvGrpSpPr>
+        <p:cNvPr id="1" name=""/>
+        <p:cNvGrpSpPr/>
+        <p:nvPr/>
+      </p:nvGrpSpPr>
+      <p:grpSpPr>
+        <a:xfrm>
+          <a:off x="0" y="0"/>
+          <a:ext cx="0" cy="0"/>
+          <a:chOff x="0" y="0"/>
+          <a:chExt cx="0" cy="0"/>
+        </a:xfrm>
+      </p:grpSpPr>
+      <p:sp>
+        <p:nvSpPr>
+          <p:cNvPr id="4" name="Datumsplatzhalter 3"/>
+          <p:cNvSpPr>
+            <a:spLocks noGrp="1"/>
+          </p:cNvSpPr>
+          <p:nvPr>
+            <p:ph type="dt" sz="half" idx="10"/>
+          </p:nvPr>
+        </p:nvSpPr>
+        <p:spPr/>
+        <p:txBody>
+          <a:bodyPr/>
+          <a:lstStyle/>
+          <a:p>
+            <a:fld id="{7AC709DD-AC18-4FBA-B4E6-46DED743653E}" type="datetime1">
+              <a:rPr lang="de-DE" smtClean="0"/>
+              <a:t>05.12.2015</a:t>
+            </a:fld>
+            <a:endParaRPr lang="de-DE"/>
+          </a:p>
+        </p:txBody>
+      </p:sp>
+      <p:sp>
+        <p:nvSpPr>
+          <p:cNvPr id="5" name="Fußzeilenplatzhalter 4"/>
+          <p:cNvSpPr>
+            <a:spLocks noGrp="1"/>
+          </p:cNvSpPr>
+          <p:nvPr>
+            <p:ph type="ftr" sz="quarter" idx="11"/>
+          </p:nvPr>
+        </p:nvSpPr>
+        <p:spPr/>
+        <p:txBody>
+          <a:bodyPr/>
+          <a:lstStyle/>
+          <a:p>
+            <a:r>
               <a:rPr lang="de-DE" dirty="0" smtClean="0"/>
               <a:t>Fakultät Informatik             Sebastian Schötteler &amp; Benedikt Hofrichter</a:t>
             </a:r>
@@ -14179,7 +16059,7 @@
           <a:p>
             <a:fld id="{0E226D3C-400E-4353-AAC2-09A0472DC536}" type="slidenum">
               <a:rPr lang="de-DE" smtClean="0"/>
-              <a:t>29</a:t>
+              <a:t>35</a:t>
             </a:fld>
             <a:endParaRPr lang="de-DE" dirty="0"/>
           </a:p>
@@ -14391,7 +16271,7 @@
 </p:sld>
 </file>
 
-<file path=ppt/slides/slide31.xml><?xml version="1.0" encoding="utf-8"?>
+<file path=ppt/slides/slide37.xml><?xml version="1.0" encoding="utf-8"?>
 <p:sld xmlns:a="http://schemas.openxmlformats.org/drawingml/2006/main" xmlns:r="http://schemas.openxmlformats.org/officeDocument/2006/relationships" xmlns:p="http://schemas.openxmlformats.org/presentationml/2006/main">
   <p:cSld>
     <p:spTree>
@@ -14521,7 +16401,7 @@
           <a:p>
             <a:fld id="{0E226D3C-400E-4353-AAC2-09A0472DC536}" type="slidenum">
               <a:rPr lang="de-DE" smtClean="0"/>
-              <a:t>30</a:t>
+              <a:t>36</a:t>
             </a:fld>
             <a:endParaRPr lang="de-DE" dirty="0"/>
           </a:p>
@@ -14547,7 +16427,7 @@
 </p:sld>
 </file>
 
-<file path=ppt/slides/slide32.xml><?xml version="1.0" encoding="utf-8"?>
+<file path=ppt/slides/slide38.xml><?xml version="1.0" encoding="utf-8"?>
 <p:sld xmlns:a="http://schemas.openxmlformats.org/drawingml/2006/main" xmlns:r="http://schemas.openxmlformats.org/officeDocument/2006/relationships" xmlns:p="http://schemas.openxmlformats.org/presentationml/2006/main">
   <p:cSld>
     <p:spTree>
@@ -14627,7 +16507,7 @@
           <a:p>
             <a:fld id="{0E226D3C-400E-4353-AAC2-09A0472DC536}" type="slidenum">
               <a:rPr lang="de-DE" smtClean="0"/>
-              <a:t>31</a:t>
+              <a:t>37</a:t>
             </a:fld>
             <a:endParaRPr lang="de-DE" dirty="0"/>
           </a:p>
@@ -14839,7 +16719,7 @@
 </p:sld>
 </file>
 
-<file path=ppt/slides/slide33.xml><?xml version="1.0" encoding="utf-8"?>
+<file path=ppt/slides/slide39.xml><?xml version="1.0" encoding="utf-8"?>
 <p:sld xmlns:a="http://schemas.openxmlformats.org/drawingml/2006/main" xmlns:r="http://schemas.openxmlformats.org/officeDocument/2006/relationships" xmlns:p="http://schemas.openxmlformats.org/presentationml/2006/main">
   <p:cSld>
     <p:spTree>
@@ -14900,11 +16780,7 @@
           <a:p>
             <a:r>
               <a:rPr lang="de-DE" dirty="0" smtClean="0"/>
-              <a:t>&lt;&lt;</a:t>
-            </a:r>
-            <a:r>
-              <a:rPr lang="de-DE" dirty="0" smtClean="0"/>
-              <a:t>Benedikt&gt;&gt;</a:t>
+              <a:t>&lt;&lt;Benedikt&gt;&gt;</a:t>
             </a:r>
             <a:endParaRPr lang="de-DE" dirty="0"/>
           </a:p>
@@ -14973,7 +16849,7 @@
           <a:p>
             <a:fld id="{0E226D3C-400E-4353-AAC2-09A0472DC536}" type="slidenum">
               <a:rPr lang="de-DE" smtClean="0"/>
-              <a:t>32</a:t>
+              <a:t>38</a:t>
             </a:fld>
             <a:endParaRPr lang="de-DE" dirty="0"/>
           </a:p>
@@ -14999,7 +16875,7 @@
 </p:sld>
 </file>
 
-<file path=ppt/slides/slide34.xml><?xml version="1.0" encoding="utf-8"?>
+<file path=ppt/slides/slide4.xml><?xml version="1.0" encoding="utf-8"?>
 <p:sld xmlns:a="http://schemas.openxmlformats.org/drawingml/2006/main" xmlns:r="http://schemas.openxmlformats.org/officeDocument/2006/relationships" xmlns:p="http://schemas.openxmlformats.org/presentationml/2006/main">
   <p:cSld>
     <p:spTree>
@@ -15018,6 +16894,139 @@
       </p:grpSpPr>
       <p:sp>
         <p:nvSpPr>
+          <p:cNvPr id="2" name="Titel 1"/>
+          <p:cNvSpPr>
+            <a:spLocks noGrp="1"/>
+          </p:cNvSpPr>
+          <p:nvPr>
+            <p:ph type="title"/>
+          </p:nvPr>
+        </p:nvSpPr>
+        <p:spPr/>
+        <p:txBody>
+          <a:bodyPr/>
+          <a:lstStyle/>
+          <a:p>
+            <a:pPr marL="857250" indent="-857250">
+              <a:buFont typeface="+mj-lt"/>
+              <a:buAutoNum type="romanUcPeriod"/>
+            </a:pPr>
+            <a:r>
+              <a:rPr lang="de-DE" b="1" dirty="0" smtClean="0"/>
+              <a:t>Motivation</a:t>
+            </a:r>
+            <a:endParaRPr lang="de-DE" b="1" dirty="0"/>
+          </a:p>
+        </p:txBody>
+      </p:sp>
+      <p:sp>
+        <p:nvSpPr>
+          <p:cNvPr id="3" name="Inhaltsplatzhalter 2"/>
+          <p:cNvSpPr>
+            <a:spLocks noGrp="1"/>
+          </p:cNvSpPr>
+          <p:nvPr>
+            <p:ph idx="1"/>
+          </p:nvPr>
+        </p:nvSpPr>
+        <p:spPr/>
+        <p:txBody>
+          <a:bodyPr>
+            <a:normAutofit/>
+          </a:bodyPr>
+          <a:lstStyle/>
+          <a:p>
+            <a:pPr>
+              <a:buFont typeface="Wingdings" panose="05000000000000000000" pitchFamily="2" charset="2"/>
+              <a:buChar char="§"/>
+            </a:pPr>
+            <a:r>
+              <a:rPr lang="de-DE" dirty="0" smtClean="0"/>
+              <a:t>Künstliche neuronale Netze sind gutes ein Hilfsmittel zur  Prognose:</a:t>
+            </a:r>
+          </a:p>
+          <a:p>
+            <a:pPr lvl="1"/>
+            <a:r>
+              <a:rPr lang="de-DE" dirty="0" smtClean="0"/>
+              <a:t>Therapieverläufen </a:t>
+            </a:r>
+            <a:r>
+              <a:rPr lang="de-DE" dirty="0"/>
+              <a:t>in der </a:t>
+            </a:r>
+            <a:r>
+              <a:rPr lang="de-DE" dirty="0" smtClean="0"/>
+              <a:t>Medizin</a:t>
+            </a:r>
+          </a:p>
+          <a:p>
+            <a:pPr lvl="1"/>
+            <a:r>
+              <a:rPr lang="de-DE" dirty="0" smtClean="0"/>
+              <a:t>Arbeitslosenzahlen </a:t>
+            </a:r>
+            <a:r>
+              <a:rPr lang="de-DE" dirty="0"/>
+              <a:t>auf dem </a:t>
+            </a:r>
+            <a:r>
+              <a:rPr lang="de-DE" dirty="0" smtClean="0"/>
+              <a:t>Arbeitsmarkt</a:t>
+            </a:r>
+          </a:p>
+          <a:p>
+            <a:pPr lvl="1"/>
+            <a:r>
+              <a:rPr lang="de-DE" dirty="0" smtClean="0"/>
+              <a:t>Börsenkursen</a:t>
+            </a:r>
+            <a:endParaRPr lang="de-DE" dirty="0"/>
+          </a:p>
+          <a:p>
+            <a:pPr lvl="1"/>
+            <a:endParaRPr lang="de-DE" sz="2000" dirty="0" smtClean="0"/>
+          </a:p>
+          <a:p>
+            <a:r>
+              <a:rPr lang="de-DE" dirty="0" smtClean="0"/>
+              <a:t>Besonderheit:</a:t>
+            </a:r>
+          </a:p>
+          <a:p>
+            <a:pPr lvl="1"/>
+            <a:r>
+              <a:rPr lang="de-DE" dirty="0" smtClean="0"/>
+              <a:t>Fähigkeit, nichtlineare Zusammenhänge zu erkennen.</a:t>
+            </a:r>
+          </a:p>
+          <a:p>
+            <a:pPr lvl="1"/>
+            <a:r>
+              <a:rPr lang="de-DE" dirty="0" smtClean="0"/>
+              <a:t>Prognostiziert objektiv und vorurteilsfrei.</a:t>
+            </a:r>
+          </a:p>
+          <a:p>
+            <a:pPr marL="0" indent="0">
+              <a:buNone/>
+            </a:pPr>
+            <a:endParaRPr lang="de-DE" dirty="0" smtClean="0"/>
+          </a:p>
+          <a:p>
+            <a:pPr lvl="1"/>
+            <a:endParaRPr lang="de-DE" sz="2000" dirty="0"/>
+          </a:p>
+          <a:p>
+            <a:endParaRPr lang="de-DE" dirty="0" smtClean="0"/>
+          </a:p>
+          <a:p>
+            <a:endParaRPr lang="de-DE" dirty="0"/>
+          </a:p>
+        </p:txBody>
+      </p:sp>
+      <p:sp>
+        <p:nvSpPr>
           <p:cNvPr id="4" name="Datumsplatzhalter 3"/>
           <p:cNvSpPr>
             <a:spLocks noGrp="1"/>
@@ -15055,6 +17064,112 @@
           <a:lstStyle/>
           <a:p>
             <a:r>
+              <a:rPr lang="de-DE" smtClean="0"/>
+              <a:t>Fakultät Informatik             Sebastian Schötteler &amp; Benedikt Hofrichter</a:t>
+            </a:r>
+            <a:endParaRPr lang="de-DE" dirty="0"/>
+          </a:p>
+        </p:txBody>
+      </p:sp>
+      <p:sp>
+        <p:nvSpPr>
+          <p:cNvPr id="6" name="Foliennummernplatzhalter 5"/>
+          <p:cNvSpPr>
+            <a:spLocks noGrp="1"/>
+          </p:cNvSpPr>
+          <p:nvPr>
+            <p:ph type="sldNum" sz="quarter" idx="12"/>
+          </p:nvPr>
+        </p:nvSpPr>
+        <p:spPr/>
+        <p:txBody>
+          <a:bodyPr/>
+          <a:lstStyle/>
+          <a:p>
+            <a:fld id="{0E226D3C-400E-4353-AAC2-09A0472DC536}" type="slidenum">
+              <a:rPr lang="de-DE" smtClean="0"/>
+              <a:t>3</a:t>
+            </a:fld>
+            <a:endParaRPr lang="de-DE" dirty="0"/>
+          </a:p>
+        </p:txBody>
+      </p:sp>
+    </p:spTree>
+    <p:extLst>
+      <p:ext uri="{BB962C8B-B14F-4D97-AF65-F5344CB8AC3E}">
+        <p14:creationId xmlns:p14="http://schemas.microsoft.com/office/powerpoint/2010/main" val="3880735644"/>
+      </p:ext>
+    </p:extLst>
+  </p:cSld>
+  <p:clrMapOvr>
+    <a:masterClrMapping/>
+  </p:clrMapOvr>
+  <p:timing>
+    <p:tnLst>
+      <p:par>
+        <p:cTn id="1" dur="indefinite" restart="never" nodeType="tmRoot"/>
+      </p:par>
+    </p:tnLst>
+  </p:timing>
+</p:sld>
+</file>
+
+<file path=ppt/slides/slide40.xml><?xml version="1.0" encoding="utf-8"?>
+<p:sld xmlns:a="http://schemas.openxmlformats.org/drawingml/2006/main" xmlns:r="http://schemas.openxmlformats.org/officeDocument/2006/relationships" xmlns:p="http://schemas.openxmlformats.org/presentationml/2006/main">
+  <p:cSld>
+    <p:spTree>
+      <p:nvGrpSpPr>
+        <p:cNvPr id="1" name=""/>
+        <p:cNvGrpSpPr/>
+        <p:nvPr/>
+      </p:nvGrpSpPr>
+      <p:grpSpPr>
+        <a:xfrm>
+          <a:off x="0" y="0"/>
+          <a:ext cx="0" cy="0"/>
+          <a:chOff x="0" y="0"/>
+          <a:chExt cx="0" cy="0"/>
+        </a:xfrm>
+      </p:grpSpPr>
+      <p:sp>
+        <p:nvSpPr>
+          <p:cNvPr id="4" name="Datumsplatzhalter 3"/>
+          <p:cNvSpPr>
+            <a:spLocks noGrp="1"/>
+          </p:cNvSpPr>
+          <p:nvPr>
+            <p:ph type="dt" sz="half" idx="10"/>
+          </p:nvPr>
+        </p:nvSpPr>
+        <p:spPr/>
+        <p:txBody>
+          <a:bodyPr/>
+          <a:lstStyle/>
+          <a:p>
+            <a:fld id="{7AC709DD-AC18-4FBA-B4E6-46DED743653E}" type="datetime1">
+              <a:rPr lang="de-DE" smtClean="0"/>
+              <a:t>05.12.2015</a:t>
+            </a:fld>
+            <a:endParaRPr lang="de-DE"/>
+          </a:p>
+        </p:txBody>
+      </p:sp>
+      <p:sp>
+        <p:nvSpPr>
+          <p:cNvPr id="5" name="Fußzeilenplatzhalter 4"/>
+          <p:cNvSpPr>
+            <a:spLocks noGrp="1"/>
+          </p:cNvSpPr>
+          <p:nvPr>
+            <p:ph type="ftr" sz="quarter" idx="11"/>
+          </p:nvPr>
+        </p:nvSpPr>
+        <p:spPr/>
+        <p:txBody>
+          <a:bodyPr/>
+          <a:lstStyle/>
+          <a:p>
+            <a:r>
               <a:rPr lang="de-DE" dirty="0" smtClean="0"/>
               <a:t>Fakultät Informatik             Sebastian Schötteler &amp; Benedikt Hofrichter</a:t>
             </a:r>
@@ -15079,7 +17194,7 @@
           <a:p>
             <a:fld id="{0E226D3C-400E-4353-AAC2-09A0472DC536}" type="slidenum">
               <a:rPr lang="de-DE" smtClean="0"/>
-              <a:t>33</a:t>
+              <a:t>39</a:t>
             </a:fld>
             <a:endParaRPr lang="de-DE" dirty="0"/>
           </a:p>
@@ -15291,7 +17406,7 @@
 </p:sld>
 </file>
 
-<file path=ppt/slides/slide35.xml><?xml version="1.0" encoding="utf-8"?>
+<file path=ppt/slides/slide41.xml><?xml version="1.0" encoding="utf-8"?>
 <p:sld xmlns:a="http://schemas.openxmlformats.org/drawingml/2006/main" xmlns:r="http://schemas.openxmlformats.org/officeDocument/2006/relationships" xmlns:p="http://schemas.openxmlformats.org/presentationml/2006/main">
   <p:cSld>
     <p:spTree>
@@ -15428,7 +17543,7 @@
           <a:p>
             <a:fld id="{0E226D3C-400E-4353-AAC2-09A0472DC536}" type="slidenum">
               <a:rPr lang="de-DE" smtClean="0"/>
-              <a:t>34</a:t>
+              <a:t>40</a:t>
             </a:fld>
             <a:endParaRPr lang="de-DE" dirty="0"/>
           </a:p>
@@ -15454,7 +17569,7 @@
 </p:sld>
 </file>
 
-<file path=ppt/slides/slide36.xml><?xml version="1.0" encoding="utf-8"?>
+<file path=ppt/slides/slide42.xml><?xml version="1.0" encoding="utf-8"?>
 <p:sld xmlns:a="http://schemas.openxmlformats.org/drawingml/2006/main" xmlns:r="http://schemas.openxmlformats.org/officeDocument/2006/relationships" xmlns:p="http://schemas.openxmlformats.org/presentationml/2006/main">
   <p:cSld>
     <p:spTree>
@@ -15534,7 +17649,7 @@
           <a:p>
             <a:fld id="{0E226D3C-400E-4353-AAC2-09A0472DC536}" type="slidenum">
               <a:rPr lang="de-DE" smtClean="0"/>
-              <a:t>35</a:t>
+              <a:t>41</a:t>
             </a:fld>
             <a:endParaRPr lang="de-DE" dirty="0"/>
           </a:p>
@@ -15746,7 +17861,7 @@
 </p:sld>
 </file>
 
-<file path=ppt/slides/slide37.xml><?xml version="1.0" encoding="utf-8"?>
+<file path=ppt/slides/slide43.xml><?xml version="1.0" encoding="utf-8"?>
 <p:sld xmlns:a="http://schemas.openxmlformats.org/drawingml/2006/main" xmlns:r="http://schemas.openxmlformats.org/officeDocument/2006/relationships" xmlns:p="http://schemas.openxmlformats.org/presentationml/2006/main">
   <p:cSld>
     <p:spTree>
@@ -15815,49 +17930,21 @@
           <a:p>
             <a:r>
               <a:rPr lang="de-DE" dirty="0" smtClean="0"/>
-              <a:t>Basismodell arbeitet </a:t>
-            </a:r>
+              <a:t>Basismodell arbeitet nur mit linearen Zusammenhängen.</a:t>
+            </a:r>
+          </a:p>
+          <a:p>
+            <a:pPr lvl="1"/>
             <a:r>
               <a:rPr lang="de-DE" dirty="0" smtClean="0"/>
-              <a:t>nur mit</a:t>
-            </a:r>
+              <a:t>Abgeschottete Welt   </a:t>
+            </a:r>
+          </a:p>
+          <a:p>
+            <a:pPr lvl="1"/>
             <a:r>
               <a:rPr lang="de-DE" dirty="0" smtClean="0"/>
-              <a:t> </a:t>
-            </a:r>
-            <a:r>
-              <a:rPr lang="de-DE" dirty="0" smtClean="0"/>
-              <a:t>linearen Zusammenhängen.</a:t>
-            </a:r>
-          </a:p>
-          <a:p>
-            <a:pPr lvl="1"/>
-            <a:r>
-              <a:rPr lang="de-DE" dirty="0" smtClean="0"/>
-              <a:t>Abgeschottete </a:t>
-            </a:r>
-            <a:r>
-              <a:rPr lang="de-DE" dirty="0" smtClean="0"/>
-              <a:t>Welt   </a:t>
-            </a:r>
-          </a:p>
-          <a:p>
-            <a:pPr lvl="1"/>
-            <a:r>
-              <a:rPr lang="de-DE" dirty="0" smtClean="0"/>
-              <a:t>Erweiterung </a:t>
-            </a:r>
-            <a:r>
-              <a:rPr lang="de-DE" dirty="0" smtClean="0"/>
-              <a:t>durch</a:t>
-            </a:r>
-            <a:r>
-              <a:rPr lang="de-DE" dirty="0" smtClean="0"/>
-              <a:t> </a:t>
-            </a:r>
-            <a:r>
-              <a:rPr lang="de-DE" dirty="0" smtClean="0"/>
-              <a:t>nichtlineare Zusammenhänge möglich:</a:t>
+              <a:t>Erweiterung durch nichtlineare Zusammenhänge möglich:</a:t>
             </a:r>
           </a:p>
           <a:p>
@@ -15873,17 +17960,12 @@
               <a:rPr lang="de-DE" dirty="0" smtClean="0"/>
               <a:t>Weltereignisse</a:t>
             </a:r>
-            <a:endParaRPr lang="de-DE" dirty="0" smtClean="0"/>
           </a:p>
           <a:p>
             <a:pPr lvl="2"/>
             <a:r>
               <a:rPr lang="de-DE" dirty="0" smtClean="0"/>
-              <a:t>Kurse </a:t>
-            </a:r>
-            <a:r>
-              <a:rPr lang="de-DE" dirty="0" smtClean="0"/>
-              <a:t>anderer Börsen</a:t>
+              <a:t>Kurse anderer Börsen</a:t>
             </a:r>
           </a:p>
           <a:p>
@@ -15999,7 +18081,7 @@
           <a:p>
             <a:fld id="{0E226D3C-400E-4353-AAC2-09A0472DC536}" type="slidenum">
               <a:rPr lang="de-DE" smtClean="0"/>
-              <a:t>36</a:t>
+              <a:t>42</a:t>
             </a:fld>
             <a:endParaRPr lang="de-DE" dirty="0"/>
           </a:p>
@@ -16065,7 +18147,7 @@
 </p:sld>
 </file>
 
-<file path=ppt/slides/slide38.xml><?xml version="1.0" encoding="utf-8"?>
+<file path=ppt/slides/slide44.xml><?xml version="1.0" encoding="utf-8"?>
 <p:sld xmlns:a="http://schemas.openxmlformats.org/drawingml/2006/main" xmlns:r="http://schemas.openxmlformats.org/officeDocument/2006/relationships" xmlns:p="http://schemas.openxmlformats.org/presentationml/2006/main">
   <p:cSld>
     <p:spTree>
@@ -16241,7 +18323,7 @@
           <a:p>
             <a:fld id="{0E226D3C-400E-4353-AAC2-09A0472DC536}" type="slidenum">
               <a:rPr lang="de-DE" smtClean="0"/>
-              <a:t>37</a:t>
+              <a:t>43</a:t>
             </a:fld>
             <a:endParaRPr lang="de-DE" dirty="0"/>
           </a:p>
@@ -16267,7 +18349,7 @@
 </p:sld>
 </file>
 
-<file path=ppt/slides/slide39.xml><?xml version="1.0" encoding="utf-8"?>
+<file path=ppt/slides/slide45.xml><?xml version="1.0" encoding="utf-8"?>
 <p:sld xmlns:a="http://schemas.openxmlformats.org/drawingml/2006/main" xmlns:r="http://schemas.openxmlformats.org/officeDocument/2006/relationships" xmlns:p="http://schemas.openxmlformats.org/presentationml/2006/main">
   <p:cSld>
     <p:spTree>
@@ -16376,7 +18458,7 @@
           <a:p>
             <a:fld id="{0E226D3C-400E-4353-AAC2-09A0472DC536}" type="slidenum">
               <a:rPr lang="de-DE" smtClean="0"/>
-              <a:t>38</a:t>
+              <a:t>44</a:t>
             </a:fld>
             <a:endParaRPr lang="de-DE" dirty="0"/>
           </a:p>
@@ -16423,245 +18505,6 @@
     <p:extLst>
       <p:ext uri="{BB962C8B-B14F-4D97-AF65-F5344CB8AC3E}">
         <p14:creationId xmlns:p14="http://schemas.microsoft.com/office/powerpoint/2010/main" val="2919543323"/>
-      </p:ext>
-    </p:extLst>
-  </p:cSld>
-  <p:clrMapOvr>
-    <a:masterClrMapping/>
-  </p:clrMapOvr>
-  <p:timing>
-    <p:tnLst>
-      <p:par>
-        <p:cTn id="1" dur="indefinite" restart="never" nodeType="tmRoot"/>
-      </p:par>
-    </p:tnLst>
-  </p:timing>
-</p:sld>
-</file>
-
-<file path=ppt/slides/slide4.xml><?xml version="1.0" encoding="utf-8"?>
-<p:sld xmlns:a="http://schemas.openxmlformats.org/drawingml/2006/main" xmlns:r="http://schemas.openxmlformats.org/officeDocument/2006/relationships" xmlns:p="http://schemas.openxmlformats.org/presentationml/2006/main">
-  <p:cSld>
-    <p:spTree>
-      <p:nvGrpSpPr>
-        <p:cNvPr id="1" name=""/>
-        <p:cNvGrpSpPr/>
-        <p:nvPr/>
-      </p:nvGrpSpPr>
-      <p:grpSpPr>
-        <a:xfrm>
-          <a:off x="0" y="0"/>
-          <a:ext cx="0" cy="0"/>
-          <a:chOff x="0" y="0"/>
-          <a:chExt cx="0" cy="0"/>
-        </a:xfrm>
-      </p:grpSpPr>
-      <p:sp>
-        <p:nvSpPr>
-          <p:cNvPr id="2" name="Titel 1"/>
-          <p:cNvSpPr>
-            <a:spLocks noGrp="1"/>
-          </p:cNvSpPr>
-          <p:nvPr>
-            <p:ph type="title"/>
-          </p:nvPr>
-        </p:nvSpPr>
-        <p:spPr/>
-        <p:txBody>
-          <a:bodyPr/>
-          <a:lstStyle/>
-          <a:p>
-            <a:pPr marL="857250" indent="-857250">
-              <a:buFont typeface="+mj-lt"/>
-              <a:buAutoNum type="romanUcPeriod"/>
-            </a:pPr>
-            <a:r>
-              <a:rPr lang="de-DE" b="1" dirty="0" smtClean="0"/>
-              <a:t>Motivation</a:t>
-            </a:r>
-            <a:endParaRPr lang="de-DE" b="1" dirty="0"/>
-          </a:p>
-        </p:txBody>
-      </p:sp>
-      <p:sp>
-        <p:nvSpPr>
-          <p:cNvPr id="3" name="Inhaltsplatzhalter 2"/>
-          <p:cNvSpPr>
-            <a:spLocks noGrp="1"/>
-          </p:cNvSpPr>
-          <p:nvPr>
-            <p:ph idx="1"/>
-          </p:nvPr>
-        </p:nvSpPr>
-        <p:spPr/>
-        <p:txBody>
-          <a:bodyPr>
-            <a:normAutofit/>
-          </a:bodyPr>
-          <a:lstStyle/>
-          <a:p>
-            <a:pPr>
-              <a:buFont typeface="Wingdings" panose="05000000000000000000" pitchFamily="2" charset="2"/>
-              <a:buChar char="§"/>
-            </a:pPr>
-            <a:r>
-              <a:rPr lang="de-DE" dirty="0" smtClean="0"/>
-              <a:t>Künstliche neuronale Netze sind gutes ein Hilfsmittel zur  Prognose:</a:t>
-            </a:r>
-          </a:p>
-          <a:p>
-            <a:pPr lvl="1"/>
-            <a:r>
-              <a:rPr lang="de-DE" dirty="0" smtClean="0"/>
-              <a:t>Therapieverläufen </a:t>
-            </a:r>
-            <a:r>
-              <a:rPr lang="de-DE" dirty="0"/>
-              <a:t>in der </a:t>
-            </a:r>
-            <a:r>
-              <a:rPr lang="de-DE" dirty="0" smtClean="0"/>
-              <a:t>Medizin</a:t>
-            </a:r>
-          </a:p>
-          <a:p>
-            <a:pPr lvl="1"/>
-            <a:r>
-              <a:rPr lang="de-DE" dirty="0" smtClean="0"/>
-              <a:t>Arbeitslosenzahlen </a:t>
-            </a:r>
-            <a:r>
-              <a:rPr lang="de-DE" dirty="0"/>
-              <a:t>auf dem </a:t>
-            </a:r>
-            <a:r>
-              <a:rPr lang="de-DE" dirty="0" smtClean="0"/>
-              <a:t>Arbeitsmarkt</a:t>
-            </a:r>
-          </a:p>
-          <a:p>
-            <a:pPr lvl="1"/>
-            <a:r>
-              <a:rPr lang="de-DE" dirty="0" smtClean="0"/>
-              <a:t>Börsenkursen</a:t>
-            </a:r>
-            <a:endParaRPr lang="de-DE" dirty="0"/>
-          </a:p>
-          <a:p>
-            <a:pPr lvl="1"/>
-            <a:endParaRPr lang="de-DE" sz="2000" dirty="0" smtClean="0"/>
-          </a:p>
-          <a:p>
-            <a:r>
-              <a:rPr lang="de-DE" dirty="0" smtClean="0"/>
-              <a:t>Besonderheit:</a:t>
-            </a:r>
-          </a:p>
-          <a:p>
-            <a:pPr lvl="1"/>
-            <a:r>
-              <a:rPr lang="de-DE" dirty="0" smtClean="0"/>
-              <a:t>Fähigkeit, nichtlineare Zusammenhänge zu erkennen.</a:t>
-            </a:r>
-          </a:p>
-          <a:p>
-            <a:pPr lvl="1"/>
-            <a:r>
-              <a:rPr lang="de-DE" dirty="0" smtClean="0"/>
-              <a:t>Prognostiziert objektiv und vorurteilsfrei.</a:t>
-            </a:r>
-          </a:p>
-          <a:p>
-            <a:pPr marL="0" indent="0">
-              <a:buNone/>
-            </a:pPr>
-            <a:endParaRPr lang="de-DE" dirty="0" smtClean="0"/>
-          </a:p>
-          <a:p>
-            <a:pPr lvl="1"/>
-            <a:endParaRPr lang="de-DE" sz="2000" dirty="0"/>
-          </a:p>
-          <a:p>
-            <a:endParaRPr lang="de-DE" dirty="0" smtClean="0"/>
-          </a:p>
-          <a:p>
-            <a:endParaRPr lang="de-DE" dirty="0"/>
-          </a:p>
-        </p:txBody>
-      </p:sp>
-      <p:sp>
-        <p:nvSpPr>
-          <p:cNvPr id="4" name="Datumsplatzhalter 3"/>
-          <p:cNvSpPr>
-            <a:spLocks noGrp="1"/>
-          </p:cNvSpPr>
-          <p:nvPr>
-            <p:ph type="dt" sz="half" idx="10"/>
-          </p:nvPr>
-        </p:nvSpPr>
-        <p:spPr/>
-        <p:txBody>
-          <a:bodyPr/>
-          <a:lstStyle/>
-          <a:p>
-            <a:fld id="{7AC709DD-AC18-4FBA-B4E6-46DED743653E}" type="datetime1">
-              <a:rPr lang="de-DE" smtClean="0"/>
-              <a:t>05.12.2015</a:t>
-            </a:fld>
-            <a:endParaRPr lang="de-DE"/>
-          </a:p>
-        </p:txBody>
-      </p:sp>
-      <p:sp>
-        <p:nvSpPr>
-          <p:cNvPr id="5" name="Fußzeilenplatzhalter 4"/>
-          <p:cNvSpPr>
-            <a:spLocks noGrp="1"/>
-          </p:cNvSpPr>
-          <p:nvPr>
-            <p:ph type="ftr" sz="quarter" idx="11"/>
-          </p:nvPr>
-        </p:nvSpPr>
-        <p:spPr/>
-        <p:txBody>
-          <a:bodyPr/>
-          <a:lstStyle/>
-          <a:p>
-            <a:r>
-              <a:rPr lang="de-DE" smtClean="0"/>
-              <a:t>Fakultät Informatik             Sebastian Schötteler &amp; Benedikt Hofrichter</a:t>
-            </a:r>
-            <a:endParaRPr lang="de-DE" dirty="0"/>
-          </a:p>
-        </p:txBody>
-      </p:sp>
-      <p:sp>
-        <p:nvSpPr>
-          <p:cNvPr id="6" name="Foliennummernplatzhalter 5"/>
-          <p:cNvSpPr>
-            <a:spLocks noGrp="1"/>
-          </p:cNvSpPr>
-          <p:nvPr>
-            <p:ph type="sldNum" sz="quarter" idx="12"/>
-          </p:nvPr>
-        </p:nvSpPr>
-        <p:spPr/>
-        <p:txBody>
-          <a:bodyPr/>
-          <a:lstStyle/>
-          <a:p>
-            <a:fld id="{0E226D3C-400E-4353-AAC2-09A0472DC536}" type="slidenum">
-              <a:rPr lang="de-DE" smtClean="0"/>
-              <a:t>3</a:t>
-            </a:fld>
-            <a:endParaRPr lang="de-DE" dirty="0"/>
-          </a:p>
-        </p:txBody>
-      </p:sp>
-    </p:spTree>
-    <p:extLst>
-      <p:ext uri="{BB962C8B-B14F-4D97-AF65-F5344CB8AC3E}">
-        <p14:creationId xmlns:p14="http://schemas.microsoft.com/office/powerpoint/2010/main" val="3880735644"/>
       </p:ext>
     </p:extLst>
   </p:cSld>

--- a/3b) Vortrag/Präsentation.pptx
+++ b/3b) Vortrag/Präsentation.pptx
@@ -14755,18 +14755,12 @@
             </a:r>
           </a:p>
           <a:p>
-            <a:endParaRPr lang="de-DE" dirty="0"/>
-          </a:p>
-          <a:p>
             <a:pPr marL="0" indent="0">
               <a:buNone/>
             </a:pPr>
             <a:endParaRPr lang="de-DE" dirty="0" smtClean="0"/>
           </a:p>
           <a:p>
-            <a:endParaRPr lang="de-DE" dirty="0"/>
-          </a:p>
-          <a:p>
             <a:pPr marL="0" indent="0">
               <a:buNone/>
             </a:pPr>
@@ -14785,17 +14779,15 @@
             <a:endParaRPr lang="de-DE" dirty="0" smtClean="0"/>
           </a:p>
           <a:p>
-            <a:r>
-              <a:rPr lang="de-DE" dirty="0" smtClean="0"/>
-              <a:t>Sukzessive Optimierung: </a:t>
-            </a:r>
-            <a:r>
-              <a:rPr lang="de-DE" dirty="0" smtClean="0"/>
-              <a:t>Topologie, Transferfunktion, Lernrate</a:t>
-            </a:r>
+            <a:pPr marL="0" indent="0">
+              <a:buNone/>
+            </a:pPr>
             <a:endParaRPr lang="de-DE" dirty="0" smtClean="0"/>
           </a:p>
           <a:p>
+            <a:pPr marL="0" indent="0">
+              <a:buNone/>
+            </a:pPr>
             <a:endParaRPr lang="de-DE" dirty="0" smtClean="0"/>
           </a:p>
           <a:p>
@@ -14890,6 +14882,186 @@
           </a:p>
         </p:txBody>
       </p:sp>
+      <p:pic>
+        <p:nvPicPr>
+          <p:cNvPr id="9" name="Grafik 8"/>
+          <p:cNvPicPr>
+            <a:picLocks noChangeAspect="1"/>
+          </p:cNvPicPr>
+          <p:nvPr/>
+        </p:nvPicPr>
+        <p:blipFill>
+          <a:blip r:embed="rId3">
+            <a:extLst>
+              <a:ext uri="{28A0092B-C50C-407E-A947-70E740481C1C}">
+                <a14:useLocalDpi xmlns:a14="http://schemas.microsoft.com/office/drawing/2010/main" val="0"/>
+              </a:ext>
+            </a:extLst>
+          </a:blip>
+          <a:stretch>
+            <a:fillRect/>
+          </a:stretch>
+        </p:blipFill>
+        <p:spPr>
+          <a:xfrm>
+            <a:off x="1111215" y="2300887"/>
+            <a:ext cx="5863740" cy="3857908"/>
+          </a:xfrm>
+          <a:prstGeom prst="rect">
+            <a:avLst/>
+          </a:prstGeom>
+        </p:spPr>
+      </p:pic>
+      <p:sp>
+        <p:nvSpPr>
+          <p:cNvPr id="10" name="Textfeld 9"/>
+          <p:cNvSpPr txBox="1"/>
+          <p:nvPr/>
+        </p:nvSpPr>
+        <p:spPr>
+          <a:xfrm>
+            <a:off x="7432174" y="2300887"/>
+            <a:ext cx="3413625" cy="2923877"/>
+          </a:xfrm>
+          <a:prstGeom prst="rect">
+            <a:avLst/>
+          </a:prstGeom>
+          <a:ln>
+            <a:noFill/>
+          </a:ln>
+        </p:spPr>
+        <p:style>
+          <a:lnRef idx="2">
+            <a:schemeClr val="dk1"/>
+          </a:lnRef>
+          <a:fillRef idx="1">
+            <a:schemeClr val="lt1"/>
+          </a:fillRef>
+          <a:effectRef idx="0">
+            <a:schemeClr val="dk1"/>
+          </a:effectRef>
+          <a:fontRef idx="minor">
+            <a:schemeClr val="dk1"/>
+          </a:fontRef>
+        </p:style>
+        <p:txBody>
+          <a:bodyPr wrap="square" rtlCol="0">
+            <a:spAutoFit/>
+          </a:bodyPr>
+          <a:lstStyle/>
+          <a:p>
+            <a:pPr marL="285750" indent="-285750">
+              <a:buFont typeface="Wingdings" panose="05000000000000000000" pitchFamily="2" charset="2"/>
+              <a:buChar char="§"/>
+            </a:pPr>
+            <a:r>
+              <a:rPr lang="de-DE" sz="2400" dirty="0" smtClean="0"/>
+              <a:t>Sukzessive optimieren:</a:t>
+            </a:r>
+          </a:p>
+          <a:p>
+            <a:pPr marL="742950" lvl="1" indent="-285750">
+              <a:buFont typeface="Wingdings" panose="05000000000000000000" pitchFamily="2" charset="2"/>
+              <a:buChar char="§"/>
+            </a:pPr>
+            <a:r>
+              <a:rPr lang="de-DE" sz="2000" dirty="0" smtClean="0"/>
+              <a:t>Topologie</a:t>
+            </a:r>
+          </a:p>
+          <a:p>
+            <a:pPr marL="742950" lvl="1" indent="-285750">
+              <a:buFont typeface="Wingdings" panose="05000000000000000000" pitchFamily="2" charset="2"/>
+              <a:buChar char="§"/>
+            </a:pPr>
+            <a:r>
+              <a:rPr lang="de-DE" sz="2000" dirty="0" smtClean="0"/>
+              <a:t>Transferfunktion</a:t>
+            </a:r>
+          </a:p>
+          <a:p>
+            <a:pPr marL="742950" lvl="1" indent="-285750">
+              <a:buFont typeface="Wingdings" panose="05000000000000000000" pitchFamily="2" charset="2"/>
+              <a:buChar char="§"/>
+            </a:pPr>
+            <a:r>
+              <a:rPr lang="de-DE" sz="2000" dirty="0" smtClean="0"/>
+              <a:t>Lernregel</a:t>
+            </a:r>
+          </a:p>
+          <a:p>
+            <a:pPr marL="285750" indent="-285750">
+              <a:buFont typeface="Wingdings" panose="05000000000000000000" pitchFamily="2" charset="2"/>
+              <a:buChar char="§"/>
+            </a:pPr>
+            <a:endParaRPr lang="de-DE" sz="2000" dirty="0"/>
+          </a:p>
+          <a:p>
+            <a:pPr marL="285750" indent="-285750">
+              <a:buFont typeface="Wingdings" panose="05000000000000000000" pitchFamily="2" charset="2"/>
+              <a:buChar char="§"/>
+            </a:pPr>
+            <a:endParaRPr lang="de-DE" sz="2000" dirty="0" smtClean="0"/>
+          </a:p>
+          <a:p>
+            <a:pPr marL="285750" indent="-285750">
+              <a:buFont typeface="Wingdings" panose="05000000000000000000" pitchFamily="2" charset="2"/>
+              <a:buChar char="§"/>
+            </a:pPr>
+            <a:endParaRPr lang="de-DE" sz="2000" dirty="0"/>
+          </a:p>
+          <a:p>
+            <a:r>
+              <a:rPr lang="de-DE" sz="2000" dirty="0"/>
+              <a:t> </a:t>
+            </a:r>
+            <a:r>
+              <a:rPr lang="de-DE" sz="2000" dirty="0" smtClean="0"/>
+              <a:t>  Jeweils Training und Test</a:t>
+            </a:r>
+          </a:p>
+          <a:p>
+            <a:r>
+              <a:rPr lang="de-DE" sz="2000" dirty="0" smtClean="0"/>
+              <a:t>   bis optimaler Wert gefunden</a:t>
+            </a:r>
+            <a:endParaRPr lang="de-DE" sz="2000" dirty="0"/>
+          </a:p>
+        </p:txBody>
+      </p:sp>
+      <p:cxnSp>
+        <p:nvCxnSpPr>
+          <p:cNvPr id="12" name="Gerade Verbindung mit Pfeil 11"/>
+          <p:cNvCxnSpPr/>
+          <p:nvPr/>
+        </p:nvCxnSpPr>
+        <p:spPr>
+          <a:xfrm>
+            <a:off x="8963247" y="3870251"/>
+            <a:ext cx="0" cy="595423"/>
+          </a:xfrm>
+          <a:prstGeom prst="straightConnector1">
+            <a:avLst/>
+          </a:prstGeom>
+          <a:ln w="76200">
+            <a:tailEnd type="triangle"/>
+          </a:ln>
+        </p:spPr>
+        <p:style>
+          <a:lnRef idx="1">
+            <a:schemeClr val="dk1"/>
+          </a:lnRef>
+          <a:fillRef idx="0">
+            <a:schemeClr val="dk1"/>
+          </a:fillRef>
+          <a:effectRef idx="0">
+            <a:schemeClr val="dk1"/>
+          </a:effectRef>
+          <a:fontRef idx="minor">
+            <a:schemeClr val="tx1"/>
+          </a:fontRef>
+        </p:style>
+      </p:cxnSp>
     </p:spTree>
     <p:extLst>
       <p:ext uri="{BB962C8B-B14F-4D97-AF65-F5344CB8AC3E}">
@@ -14980,11 +15152,7 @@
             <a:pPr lvl="1"/>
             <a:r>
               <a:rPr lang="de-DE" dirty="0" smtClean="0"/>
-              <a:t>Train +</a:t>
-            </a:r>
-            <a:r>
-              <a:rPr lang="de-DE" smtClean="0"/>
-              <a:t>date</a:t>
+              <a:t>Trainingsdatensatz: 450 Daten – vom xx.xx.2013 bis zum xx.xx.2014 </a:t>
             </a:r>
             <a:endParaRPr lang="de-DE" dirty="0" smtClean="0"/>
           </a:p>
@@ -14992,22 +15160,15 @@
             <a:pPr lvl="1"/>
             <a:r>
               <a:rPr lang="de-DE" dirty="0" smtClean="0"/>
-              <a:t>Test</a:t>
-            </a:r>
-          </a:p>
-          <a:p>
-            <a:pPr lvl="1"/>
-            <a:r>
-              <a:rPr lang="de-DE" dirty="0" smtClean="0"/>
-              <a:t>Formel</a:t>
-            </a:r>
-          </a:p>
-          <a:p>
-            <a:pPr lvl="1"/>
-            <a:r>
-              <a:rPr lang="de-DE" dirty="0" smtClean="0"/>
-              <a:t>Bild</a:t>
-            </a:r>
+              <a:t>Testdatensatz: 150 Daten –  vom xx.xx.2015 bis zum 29.10.2015</a:t>
+            </a:r>
+            <a:endParaRPr lang="de-DE" dirty="0" smtClean="0"/>
+          </a:p>
+          <a:p>
+            <a:pPr marL="457200" lvl="1" indent="0">
+              <a:buNone/>
+            </a:pPr>
+            <a:endParaRPr lang="de-DE" dirty="0" smtClean="0"/>
           </a:p>
           <a:p>
             <a:pPr marL="0" indent="0">
@@ -15104,6 +15265,991 @@
           </a:p>
         </p:txBody>
       </p:sp>
+      <mc:AlternateContent xmlns:mc="http://schemas.openxmlformats.org/markup-compatibility/2006">
+        <mc:Choice xmlns:a14="http://schemas.microsoft.com/office/drawing/2010/main" Requires="a14">
+          <p:sp>
+            <p:nvSpPr>
+              <p:cNvPr id="7" name="Textfeld 6"/>
+              <p:cNvSpPr txBox="1"/>
+              <p:nvPr/>
+            </p:nvSpPr>
+            <p:spPr>
+              <a:xfrm>
+                <a:off x="7669141" y="3809910"/>
+                <a:ext cx="3297458" cy="1223092"/>
+              </a:xfrm>
+              <a:prstGeom prst="rect">
+                <a:avLst/>
+              </a:prstGeom>
+            </p:spPr>
+            <p:style>
+              <a:lnRef idx="2">
+                <a:schemeClr val="dk1"/>
+              </a:lnRef>
+              <a:fillRef idx="1">
+                <a:schemeClr val="lt1"/>
+              </a:fillRef>
+              <a:effectRef idx="0">
+                <a:schemeClr val="dk1"/>
+              </a:effectRef>
+              <a:fontRef idx="minor">
+                <a:schemeClr val="dk1"/>
+              </a:fontRef>
+            </p:style>
+            <p:txBody>
+              <a:bodyPr wrap="square" rtlCol="0">
+                <a:spAutoFit/>
+              </a:bodyPr>
+              <a:lstStyle/>
+              <a:p>
+                <a:r>
+                  <a:rPr lang="de-DE" dirty="0" smtClean="0">
+                    <a:latin typeface="Cambria Math" panose="02040503050406030204" pitchFamily="18" charset="0"/>
+                  </a:rPr>
+                  <a:t>Normalisierungsformel:</a:t>
+                </a:r>
+              </a:p>
+              <a:p>
+                <a:pPr/>
+                <a:endParaRPr lang="de-DE" i="1" dirty="0" smtClean="0">
+                  <a:latin typeface="Cambria Math" panose="02040503050406030204" pitchFamily="18" charset="0"/>
+                </a:endParaRPr>
+              </a:p>
+              <a:p>
+                <a:pPr/>
+                <a14:m>
+                  <m:oMathPara xmlns:m="http://schemas.openxmlformats.org/officeDocument/2006/math">
+                    <m:oMathParaPr>
+                      <m:jc m:val="left"/>
+                    </m:oMathParaPr>
+                    <m:oMath xmlns:m="http://schemas.openxmlformats.org/officeDocument/2006/math">
+                      <m:r>
+                        <a:rPr lang="de-DE" i="1">
+                          <a:latin typeface="Cambria Math" panose="02040503050406030204" pitchFamily="18" charset="0"/>
+                        </a:rPr>
+                        <m:t>𝑁𝑜𝑟𝑚</m:t>
+                      </m:r>
+                      <m:r>
+                        <a:rPr lang="de-DE" i="1">
+                          <a:latin typeface="Cambria Math" panose="02040503050406030204" pitchFamily="18" charset="0"/>
+                        </a:rPr>
+                        <m:t>= </m:t>
+                      </m:r>
+                      <m:f>
+                        <m:fPr>
+                          <m:ctrlPr>
+                            <a:rPr lang="de-DE" i="1">
+                              <a:latin typeface="Cambria Math" panose="02040503050406030204" pitchFamily="18" charset="0"/>
+                            </a:rPr>
+                          </m:ctrlPr>
+                        </m:fPr>
+                        <m:num>
+                          <m:r>
+                            <a:rPr lang="de-DE" i="1">
+                              <a:latin typeface="Cambria Math" panose="02040503050406030204" pitchFamily="18" charset="0"/>
+                            </a:rPr>
+                            <m:t>𝐴</m:t>
+                          </m:r>
+                          <m:r>
+                            <a:rPr lang="de-DE" i="1">
+                              <a:latin typeface="Cambria Math" panose="02040503050406030204" pitchFamily="18" charset="0"/>
+                            </a:rPr>
+                            <m:t> −</m:t>
+                          </m:r>
+                          <m:r>
+                            <m:rPr>
+                              <m:sty m:val="p"/>
+                            </m:rPr>
+                            <a:rPr lang="de-DE">
+                              <a:latin typeface="Cambria Math" panose="02040503050406030204" pitchFamily="18" charset="0"/>
+                            </a:rPr>
+                            <m:t>min</m:t>
+                          </m:r>
+                          <m:r>
+                            <a:rPr lang="de-DE" i="1">
+                              <a:latin typeface="Cambria Math" panose="02040503050406030204" pitchFamily="18" charset="0"/>
+                            </a:rPr>
+                            <m:t>⁡(</m:t>
+                          </m:r>
+                          <m:r>
+                            <a:rPr lang="de-DE" i="1">
+                              <a:latin typeface="Cambria Math" panose="02040503050406030204" pitchFamily="18" charset="0"/>
+                            </a:rPr>
+                            <m:t>𝐴</m:t>
+                          </m:r>
+                          <m:r>
+                            <a:rPr lang="de-DE" i="1">
+                              <a:latin typeface="Cambria Math" panose="02040503050406030204" pitchFamily="18" charset="0"/>
+                            </a:rPr>
+                            <m:t>)</m:t>
+                          </m:r>
+                        </m:num>
+                        <m:den>
+                          <m:func>
+                            <m:funcPr>
+                              <m:ctrlPr>
+                                <a:rPr lang="de-DE" i="1">
+                                  <a:latin typeface="Cambria Math" panose="02040503050406030204" pitchFamily="18" charset="0"/>
+                                </a:rPr>
+                              </m:ctrlPr>
+                            </m:funcPr>
+                            <m:fName>
+                              <m:r>
+                                <m:rPr>
+                                  <m:sty m:val="p"/>
+                                </m:rPr>
+                                <a:rPr lang="de-DE">
+                                  <a:latin typeface="Cambria Math" panose="02040503050406030204" pitchFamily="18" charset="0"/>
+                                </a:rPr>
+                                <m:t>max</m:t>
+                              </m:r>
+                            </m:fName>
+                            <m:e>
+                              <m:d>
+                                <m:dPr>
+                                  <m:ctrlPr>
+                                    <a:rPr lang="de-DE" i="1">
+                                      <a:latin typeface="Cambria Math" panose="02040503050406030204" pitchFamily="18" charset="0"/>
+                                    </a:rPr>
+                                  </m:ctrlPr>
+                                </m:dPr>
+                                <m:e>
+                                  <m:r>
+                                    <a:rPr lang="de-DE" i="1">
+                                      <a:latin typeface="Cambria Math" panose="02040503050406030204" pitchFamily="18" charset="0"/>
+                                    </a:rPr>
+                                    <m:t>𝐴</m:t>
+                                  </m:r>
+                                </m:e>
+                              </m:d>
+                            </m:e>
+                          </m:func>
+                          <m:r>
+                            <a:rPr lang="de-DE" i="1">
+                              <a:latin typeface="Cambria Math" panose="02040503050406030204" pitchFamily="18" charset="0"/>
+                            </a:rPr>
+                            <m:t> −</m:t>
+                          </m:r>
+                          <m:r>
+                            <m:rPr>
+                              <m:sty m:val="p"/>
+                            </m:rPr>
+                            <a:rPr lang="de-DE">
+                              <a:latin typeface="Cambria Math" panose="02040503050406030204" pitchFamily="18" charset="0"/>
+                            </a:rPr>
+                            <m:t>min</m:t>
+                          </m:r>
+                          <m:r>
+                            <a:rPr lang="de-DE" i="1">
+                              <a:latin typeface="Cambria Math" panose="02040503050406030204" pitchFamily="18" charset="0"/>
+                            </a:rPr>
+                            <m:t>⁡(</m:t>
+                          </m:r>
+                          <m:r>
+                            <a:rPr lang="de-DE" i="1">
+                              <a:latin typeface="Cambria Math" panose="02040503050406030204" pitchFamily="18" charset="0"/>
+                            </a:rPr>
+                            <m:t>𝐴</m:t>
+                          </m:r>
+                          <m:r>
+                            <a:rPr lang="de-DE" i="1">
+                              <a:latin typeface="Cambria Math" panose="02040503050406030204" pitchFamily="18" charset="0"/>
+                            </a:rPr>
+                            <m:t>)</m:t>
+                          </m:r>
+                        </m:den>
+                      </m:f>
+                    </m:oMath>
+                  </m:oMathPara>
+                </a14:m>
+                <a:endParaRPr lang="de-DE" dirty="0"/>
+              </a:p>
+            </p:txBody>
+          </p:sp>
+        </mc:Choice>
+        <mc:Fallback>
+          <p:sp>
+            <p:nvSpPr>
+              <p:cNvPr id="7" name="Textfeld 6"/>
+              <p:cNvSpPr txBox="1">
+                <a:spLocks noRot="1" noChangeAspect="1" noMove="1" noResize="1" noEditPoints="1" noAdjustHandles="1" noChangeArrowheads="1" noChangeShapeType="1" noTextEdit="1"/>
+              </p:cNvSpPr>
+              <p:nvPr/>
+            </p:nvSpPr>
+            <p:spPr>
+              <a:xfrm>
+                <a:off x="7669141" y="3809910"/>
+                <a:ext cx="3297458" cy="1223092"/>
+              </a:xfrm>
+              <a:prstGeom prst="rect">
+                <a:avLst/>
+              </a:prstGeom>
+              <a:blipFill rotWithShape="0">
+                <a:blip r:embed="rId3"/>
+                <a:stretch>
+                  <a:fillRect l="-1289" t="-2956"/>
+                </a:stretch>
+              </a:blipFill>
+            </p:spPr>
+            <p:txBody>
+              <a:bodyPr/>
+              <a:lstStyle/>
+              <a:p>
+                <a:r>
+                  <a:rPr lang="de-DE">
+                    <a:noFill/>
+                  </a:rPr>
+                  <a:t> </a:t>
+                </a:r>
+              </a:p>
+            </p:txBody>
+          </p:sp>
+        </mc:Fallback>
+      </mc:AlternateContent>
+      <p:pic>
+        <p:nvPicPr>
+          <p:cNvPr id="8" name="Grafik 7"/>
+          <p:cNvPicPr>
+            <a:picLocks noChangeAspect="1"/>
+          </p:cNvPicPr>
+          <p:nvPr/>
+        </p:nvPicPr>
+        <p:blipFill>
+          <a:blip r:embed="rId4">
+            <a:extLst>
+              <a:ext uri="{28A0092B-C50C-407E-A947-70E740481C1C}">
+                <a14:useLocalDpi xmlns:a14="http://schemas.microsoft.com/office/drawing/2010/main" val="0"/>
+              </a:ext>
+            </a:extLst>
+          </a:blip>
+          <a:stretch>
+            <a:fillRect/>
+          </a:stretch>
+        </p:blipFill>
+        <p:spPr>
+          <a:xfrm>
+            <a:off x="947082" y="3768642"/>
+            <a:ext cx="5953956" cy="1381318"/>
+          </a:xfrm>
+          <a:prstGeom prst="rect">
+            <a:avLst/>
+          </a:prstGeom>
+          <a:ln>
+            <a:noFill/>
+          </a:ln>
+          <a:effectLst>
+            <a:softEdge rad="112500"/>
+          </a:effectLst>
+        </p:spPr>
+      </p:pic>
+      <p:sp>
+        <p:nvSpPr>
+          <p:cNvPr id="11" name="Geschweifte Klammer rechts 10"/>
+          <p:cNvSpPr/>
+          <p:nvPr/>
+        </p:nvSpPr>
+        <p:spPr>
+          <a:xfrm>
+            <a:off x="6988654" y="3678865"/>
+            <a:ext cx="560461" cy="1481728"/>
+          </a:xfrm>
+          <a:prstGeom prst="rightBrace">
+            <a:avLst/>
+          </a:prstGeom>
+        </p:spPr>
+        <p:style>
+          <a:lnRef idx="1">
+            <a:schemeClr val="dk1"/>
+          </a:lnRef>
+          <a:fillRef idx="0">
+            <a:schemeClr val="dk1"/>
+          </a:fillRef>
+          <a:effectRef idx="0">
+            <a:schemeClr val="dk1"/>
+          </a:effectRef>
+          <a:fontRef idx="minor">
+            <a:schemeClr val="tx1"/>
+          </a:fontRef>
+        </p:style>
+        <p:txBody>
+          <a:bodyPr rtlCol="0" anchor="ctr"/>
+          <a:lstStyle/>
+          <a:p>
+            <a:pPr algn="ctr"/>
+            <a:endParaRPr lang="de-DE"/>
+          </a:p>
+        </p:txBody>
+      </p:sp>
+      <p:sp>
+        <p:nvSpPr>
+          <p:cNvPr id="12" name="Geschweifte Klammer rechts 11"/>
+          <p:cNvSpPr/>
+          <p:nvPr/>
+        </p:nvSpPr>
+        <p:spPr>
+          <a:xfrm rot="5400000">
+            <a:off x="3076045" y="3076045"/>
+            <a:ext cx="588951" cy="4678327"/>
+          </a:xfrm>
+          <a:prstGeom prst="rightBrace">
+            <a:avLst/>
+          </a:prstGeom>
+        </p:spPr>
+        <p:style>
+          <a:lnRef idx="1">
+            <a:schemeClr val="dk1"/>
+          </a:lnRef>
+          <a:fillRef idx="0">
+            <a:schemeClr val="dk1"/>
+          </a:fillRef>
+          <a:effectRef idx="0">
+            <a:schemeClr val="dk1"/>
+          </a:effectRef>
+          <a:fontRef idx="minor">
+            <a:schemeClr val="tx1"/>
+          </a:fontRef>
+        </p:style>
+        <p:txBody>
+          <a:bodyPr rtlCol="0" anchor="ctr"/>
+          <a:lstStyle/>
+          <a:p>
+            <a:pPr algn="ctr"/>
+            <a:endParaRPr lang="de-DE"/>
+          </a:p>
+        </p:txBody>
+      </p:sp>
+      <p:sp>
+        <p:nvSpPr>
+          <p:cNvPr id="13" name="Geschweifte Klammer rechts 12"/>
+          <p:cNvSpPr/>
+          <p:nvPr/>
+        </p:nvSpPr>
+        <p:spPr>
+          <a:xfrm rot="5400000">
+            <a:off x="5968101" y="4929683"/>
+            <a:ext cx="588951" cy="1105786"/>
+          </a:xfrm>
+          <a:prstGeom prst="rightBrace">
+            <a:avLst/>
+          </a:prstGeom>
+        </p:spPr>
+        <p:style>
+          <a:lnRef idx="1">
+            <a:schemeClr val="dk1"/>
+          </a:lnRef>
+          <a:fillRef idx="0">
+            <a:schemeClr val="dk1"/>
+          </a:fillRef>
+          <a:effectRef idx="0">
+            <a:schemeClr val="dk1"/>
+          </a:effectRef>
+          <a:fontRef idx="minor">
+            <a:schemeClr val="tx1"/>
+          </a:fontRef>
+        </p:style>
+        <p:txBody>
+          <a:bodyPr rtlCol="0" anchor="ctr"/>
+          <a:lstStyle/>
+          <a:p>
+            <a:pPr algn="ctr"/>
+            <a:endParaRPr lang="de-DE"/>
+          </a:p>
+        </p:txBody>
+      </p:sp>
+      <p:sp>
+        <p:nvSpPr>
+          <p:cNvPr id="14" name="Textfeld 13"/>
+          <p:cNvSpPr txBox="1"/>
+          <p:nvPr/>
+        </p:nvSpPr>
+        <p:spPr>
+          <a:xfrm>
+            <a:off x="2985638" y="5841315"/>
+            <a:ext cx="769763" cy="369332"/>
+          </a:xfrm>
+          <a:prstGeom prst="rect">
+            <a:avLst/>
+          </a:prstGeom>
+          <a:noFill/>
+        </p:spPr>
+        <p:txBody>
+          <a:bodyPr wrap="none" rtlCol="0">
+            <a:spAutoFit/>
+          </a:bodyPr>
+          <a:lstStyle/>
+          <a:p>
+            <a:r>
+              <a:rPr lang="de-DE" dirty="0" smtClean="0"/>
+              <a:t>Inputs</a:t>
+            </a:r>
+            <a:endParaRPr lang="de-DE" dirty="0"/>
+          </a:p>
+        </p:txBody>
+      </p:sp>
+      <p:sp>
+        <p:nvSpPr>
+          <p:cNvPr id="16" name="Textfeld 15"/>
+          <p:cNvSpPr txBox="1"/>
+          <p:nvPr/>
+        </p:nvSpPr>
+        <p:spPr>
+          <a:xfrm>
+            <a:off x="5834413" y="5841315"/>
+            <a:ext cx="856325" cy="369332"/>
+          </a:xfrm>
+          <a:prstGeom prst="rect">
+            <a:avLst/>
+          </a:prstGeom>
+          <a:noFill/>
+        </p:spPr>
+        <p:txBody>
+          <a:bodyPr wrap="none" rtlCol="0">
+            <a:spAutoFit/>
+          </a:bodyPr>
+          <a:lstStyle/>
+          <a:p>
+            <a:r>
+              <a:rPr lang="de-DE" dirty="0" smtClean="0"/>
+              <a:t>Output</a:t>
+            </a:r>
+            <a:endParaRPr lang="de-DE" dirty="0"/>
+          </a:p>
+        </p:txBody>
+      </p:sp>
+      <mc:AlternateContent xmlns:mc="http://schemas.openxmlformats.org/markup-compatibility/2006">
+        <mc:Choice xmlns:a14="http://schemas.microsoft.com/office/drawing/2010/main" Requires="a14">
+          <p:sp>
+            <p:nvSpPr>
+              <p:cNvPr id="17" name="Textfeld 16"/>
+              <p:cNvSpPr txBox="1"/>
+              <p:nvPr/>
+            </p:nvSpPr>
+            <p:spPr>
+              <a:xfrm>
+                <a:off x="1361752" y="3424174"/>
+                <a:ext cx="473784" cy="276999"/>
+              </a:xfrm>
+              <a:prstGeom prst="rect">
+                <a:avLst/>
+              </a:prstGeom>
+              <a:noFill/>
+            </p:spPr>
+            <p:txBody>
+              <a:bodyPr wrap="none" lIns="0" tIns="0" rIns="0" bIns="0" rtlCol="0">
+                <a:spAutoFit/>
+              </a:bodyPr>
+              <a:lstStyle/>
+              <a:p>
+                <a14:m>
+                  <m:oMathPara xmlns:m="http://schemas.openxmlformats.org/officeDocument/2006/math">
+                    <m:oMathParaPr>
+                      <m:jc m:val="centerGroup"/>
+                    </m:oMathParaPr>
+                    <m:oMath xmlns:m="http://schemas.openxmlformats.org/officeDocument/2006/math">
+                      <m:sSub>
+                        <m:sSubPr>
+                          <m:ctrlPr>
+                            <a:rPr lang="de-DE" i="1" smtClean="0">
+                              <a:latin typeface="Cambria Math" panose="02040503050406030204" pitchFamily="18" charset="0"/>
+                            </a:rPr>
+                          </m:ctrlPr>
+                        </m:sSubPr>
+                        <m:e>
+                          <m:r>
+                            <a:rPr lang="de-DE" b="0" i="1" smtClean="0">
+                              <a:latin typeface="Cambria Math" panose="02040503050406030204" pitchFamily="18" charset="0"/>
+                            </a:rPr>
+                            <m:t>𝑘</m:t>
+                          </m:r>
+                        </m:e>
+                        <m:sub>
+                          <m:r>
+                            <a:rPr lang="de-DE" b="0" i="1" smtClean="0">
+                              <a:latin typeface="Cambria Math" panose="02040503050406030204" pitchFamily="18" charset="0"/>
+                            </a:rPr>
+                            <m:t>𝑖</m:t>
+                          </m:r>
+                          <m:r>
+                            <a:rPr lang="de-DE" b="0" i="1" smtClean="0">
+                              <a:latin typeface="Cambria Math" panose="02040503050406030204" pitchFamily="18" charset="0"/>
+                            </a:rPr>
+                            <m:t>−3</m:t>
+                          </m:r>
+                        </m:sub>
+                      </m:sSub>
+                    </m:oMath>
+                  </m:oMathPara>
+                </a14:m>
+                <a:endParaRPr lang="de-DE" dirty="0"/>
+              </a:p>
+            </p:txBody>
+          </p:sp>
+        </mc:Choice>
+        <mc:Fallback>
+          <p:sp>
+            <p:nvSpPr>
+              <p:cNvPr id="17" name="Textfeld 16"/>
+              <p:cNvSpPr txBox="1">
+                <a:spLocks noRot="1" noChangeAspect="1" noMove="1" noResize="1" noEditPoints="1" noAdjustHandles="1" noChangeArrowheads="1" noChangeShapeType="1" noTextEdit="1"/>
+              </p:cNvSpPr>
+              <p:nvPr/>
+            </p:nvSpPr>
+            <p:spPr>
+              <a:xfrm>
+                <a:off x="1361752" y="3424174"/>
+                <a:ext cx="473784" cy="276999"/>
+              </a:xfrm>
+              <a:prstGeom prst="rect">
+                <a:avLst/>
+              </a:prstGeom>
+              <a:blipFill rotWithShape="0">
+                <a:blip r:embed="rId5"/>
+                <a:stretch>
+                  <a:fillRect l="-11538" r="-5128" b="-17778"/>
+                </a:stretch>
+              </a:blipFill>
+            </p:spPr>
+            <p:txBody>
+              <a:bodyPr/>
+              <a:lstStyle/>
+              <a:p>
+                <a:r>
+                  <a:rPr lang="de-DE">
+                    <a:noFill/>
+                  </a:rPr>
+                  <a:t> </a:t>
+                </a:r>
+              </a:p>
+            </p:txBody>
+          </p:sp>
+        </mc:Fallback>
+      </mc:AlternateContent>
+      <mc:AlternateContent xmlns:mc="http://schemas.openxmlformats.org/markup-compatibility/2006">
+        <mc:Choice xmlns:a14="http://schemas.microsoft.com/office/drawing/2010/main" Requires="a14">
+          <p:sp>
+            <p:nvSpPr>
+              <p:cNvPr id="18" name="Textfeld 17"/>
+              <p:cNvSpPr txBox="1"/>
+              <p:nvPr/>
+            </p:nvSpPr>
+            <p:spPr>
+              <a:xfrm>
+                <a:off x="2511854" y="3424173"/>
+                <a:ext cx="473784" cy="276999"/>
+              </a:xfrm>
+              <a:prstGeom prst="rect">
+                <a:avLst/>
+              </a:prstGeom>
+              <a:noFill/>
+            </p:spPr>
+            <p:txBody>
+              <a:bodyPr wrap="none" lIns="0" tIns="0" rIns="0" bIns="0" rtlCol="0">
+                <a:spAutoFit/>
+              </a:bodyPr>
+              <a:lstStyle/>
+              <a:p>
+                <a14:m>
+                  <m:oMathPara xmlns:m="http://schemas.openxmlformats.org/officeDocument/2006/math">
+                    <m:oMathParaPr>
+                      <m:jc m:val="centerGroup"/>
+                    </m:oMathParaPr>
+                    <m:oMath xmlns:m="http://schemas.openxmlformats.org/officeDocument/2006/math">
+                      <m:sSub>
+                        <m:sSubPr>
+                          <m:ctrlPr>
+                            <a:rPr lang="de-DE" i="1" smtClean="0">
+                              <a:latin typeface="Cambria Math" panose="02040503050406030204" pitchFamily="18" charset="0"/>
+                            </a:rPr>
+                          </m:ctrlPr>
+                        </m:sSubPr>
+                        <m:e>
+                          <m:r>
+                            <a:rPr lang="de-DE" b="0" i="1" smtClean="0">
+                              <a:latin typeface="Cambria Math" panose="02040503050406030204" pitchFamily="18" charset="0"/>
+                            </a:rPr>
+                            <m:t>𝑘</m:t>
+                          </m:r>
+                        </m:e>
+                        <m:sub>
+                          <m:r>
+                            <a:rPr lang="de-DE" b="0" i="1" smtClean="0">
+                              <a:latin typeface="Cambria Math" panose="02040503050406030204" pitchFamily="18" charset="0"/>
+                            </a:rPr>
+                            <m:t>𝑖</m:t>
+                          </m:r>
+                          <m:r>
+                            <a:rPr lang="de-DE" b="0" i="1" smtClean="0">
+                              <a:latin typeface="Cambria Math" panose="02040503050406030204" pitchFamily="18" charset="0"/>
+                            </a:rPr>
+                            <m:t>−2</m:t>
+                          </m:r>
+                        </m:sub>
+                      </m:sSub>
+                    </m:oMath>
+                  </m:oMathPara>
+                </a14:m>
+                <a:endParaRPr lang="de-DE" dirty="0"/>
+              </a:p>
+            </p:txBody>
+          </p:sp>
+        </mc:Choice>
+        <mc:Fallback>
+          <p:sp>
+            <p:nvSpPr>
+              <p:cNvPr id="18" name="Textfeld 17"/>
+              <p:cNvSpPr txBox="1">
+                <a:spLocks noRot="1" noChangeAspect="1" noMove="1" noResize="1" noEditPoints="1" noAdjustHandles="1" noChangeArrowheads="1" noChangeShapeType="1" noTextEdit="1"/>
+              </p:cNvSpPr>
+              <p:nvPr/>
+            </p:nvSpPr>
+            <p:spPr>
+              <a:xfrm>
+                <a:off x="2511854" y="3424173"/>
+                <a:ext cx="473784" cy="276999"/>
+              </a:xfrm>
+              <a:prstGeom prst="rect">
+                <a:avLst/>
+              </a:prstGeom>
+              <a:blipFill rotWithShape="0">
+                <a:blip r:embed="rId6"/>
+                <a:stretch>
+                  <a:fillRect l="-11538" r="-5128" b="-17778"/>
+                </a:stretch>
+              </a:blipFill>
+            </p:spPr>
+            <p:txBody>
+              <a:bodyPr/>
+              <a:lstStyle/>
+              <a:p>
+                <a:r>
+                  <a:rPr lang="de-DE">
+                    <a:noFill/>
+                  </a:rPr>
+                  <a:t> </a:t>
+                </a:r>
+              </a:p>
+            </p:txBody>
+          </p:sp>
+        </mc:Fallback>
+      </mc:AlternateContent>
+      <mc:AlternateContent xmlns:mc="http://schemas.openxmlformats.org/markup-compatibility/2006">
+        <mc:Choice xmlns:a14="http://schemas.microsoft.com/office/drawing/2010/main" Requires="a14">
+          <p:sp>
+            <p:nvSpPr>
+              <p:cNvPr id="19" name="Textfeld 18"/>
+              <p:cNvSpPr txBox="1"/>
+              <p:nvPr/>
+            </p:nvSpPr>
+            <p:spPr>
+              <a:xfrm>
+                <a:off x="3600152" y="3457908"/>
+                <a:ext cx="473784" cy="276999"/>
+              </a:xfrm>
+              <a:prstGeom prst="rect">
+                <a:avLst/>
+              </a:prstGeom>
+              <a:noFill/>
+            </p:spPr>
+            <p:txBody>
+              <a:bodyPr wrap="none" lIns="0" tIns="0" rIns="0" bIns="0" rtlCol="0">
+                <a:spAutoFit/>
+              </a:bodyPr>
+              <a:lstStyle/>
+              <a:p>
+                <a14:m>
+                  <m:oMathPara xmlns:m="http://schemas.openxmlformats.org/officeDocument/2006/math">
+                    <m:oMathParaPr>
+                      <m:jc m:val="centerGroup"/>
+                    </m:oMathParaPr>
+                    <m:oMath xmlns:m="http://schemas.openxmlformats.org/officeDocument/2006/math">
+                      <m:sSub>
+                        <m:sSubPr>
+                          <m:ctrlPr>
+                            <a:rPr lang="de-DE" i="1" smtClean="0">
+                              <a:latin typeface="Cambria Math" panose="02040503050406030204" pitchFamily="18" charset="0"/>
+                            </a:rPr>
+                          </m:ctrlPr>
+                        </m:sSubPr>
+                        <m:e>
+                          <m:r>
+                            <a:rPr lang="de-DE" b="0" i="1" smtClean="0">
+                              <a:latin typeface="Cambria Math" panose="02040503050406030204" pitchFamily="18" charset="0"/>
+                            </a:rPr>
+                            <m:t>𝑘</m:t>
+                          </m:r>
+                        </m:e>
+                        <m:sub>
+                          <m:r>
+                            <a:rPr lang="de-DE" b="0" i="1" smtClean="0">
+                              <a:latin typeface="Cambria Math" panose="02040503050406030204" pitchFamily="18" charset="0"/>
+                            </a:rPr>
+                            <m:t>𝑖</m:t>
+                          </m:r>
+                          <m:r>
+                            <a:rPr lang="de-DE" b="0" i="1" smtClean="0">
+                              <a:latin typeface="Cambria Math" panose="02040503050406030204" pitchFamily="18" charset="0"/>
+                            </a:rPr>
+                            <m:t>−1</m:t>
+                          </m:r>
+                        </m:sub>
+                      </m:sSub>
+                    </m:oMath>
+                  </m:oMathPara>
+                </a14:m>
+                <a:endParaRPr lang="de-DE" dirty="0"/>
+              </a:p>
+            </p:txBody>
+          </p:sp>
+        </mc:Choice>
+        <mc:Fallback>
+          <p:sp>
+            <p:nvSpPr>
+              <p:cNvPr id="19" name="Textfeld 18"/>
+              <p:cNvSpPr txBox="1">
+                <a:spLocks noRot="1" noChangeAspect="1" noMove="1" noResize="1" noEditPoints="1" noAdjustHandles="1" noChangeArrowheads="1" noChangeShapeType="1" noTextEdit="1"/>
+              </p:cNvSpPr>
+              <p:nvPr/>
+            </p:nvSpPr>
+            <p:spPr>
+              <a:xfrm>
+                <a:off x="3600152" y="3457908"/>
+                <a:ext cx="473784" cy="276999"/>
+              </a:xfrm>
+              <a:prstGeom prst="rect">
+                <a:avLst/>
+              </a:prstGeom>
+              <a:blipFill rotWithShape="0">
+                <a:blip r:embed="rId7"/>
+                <a:stretch>
+                  <a:fillRect l="-11688" r="-5195" b="-17391"/>
+                </a:stretch>
+              </a:blipFill>
+            </p:spPr>
+            <p:txBody>
+              <a:bodyPr/>
+              <a:lstStyle/>
+              <a:p>
+                <a:r>
+                  <a:rPr lang="de-DE">
+                    <a:noFill/>
+                  </a:rPr>
+                  <a:t> </a:t>
+                </a:r>
+              </a:p>
+            </p:txBody>
+          </p:sp>
+        </mc:Fallback>
+      </mc:AlternateContent>
+      <mc:AlternateContent xmlns:mc="http://schemas.openxmlformats.org/markup-compatibility/2006">
+        <mc:Choice xmlns:a14="http://schemas.microsoft.com/office/drawing/2010/main" Requires="a14">
+          <p:sp>
+            <p:nvSpPr>
+              <p:cNvPr id="20" name="Textfeld 19"/>
+              <p:cNvSpPr txBox="1"/>
+              <p:nvPr/>
+            </p:nvSpPr>
+            <p:spPr>
+              <a:xfrm>
+                <a:off x="4766458" y="3403461"/>
+                <a:ext cx="254172" cy="276999"/>
+              </a:xfrm>
+              <a:prstGeom prst="rect">
+                <a:avLst/>
+              </a:prstGeom>
+              <a:noFill/>
+            </p:spPr>
+            <p:txBody>
+              <a:bodyPr wrap="none" lIns="0" tIns="0" rIns="0" bIns="0" rtlCol="0">
+                <a:spAutoFit/>
+              </a:bodyPr>
+              <a:lstStyle/>
+              <a:p>
+                <a14:m>
+                  <m:oMathPara xmlns:m="http://schemas.openxmlformats.org/officeDocument/2006/math">
+                    <m:oMathParaPr>
+                      <m:jc m:val="centerGroup"/>
+                    </m:oMathParaPr>
+                    <m:oMath xmlns:m="http://schemas.openxmlformats.org/officeDocument/2006/math">
+                      <m:sSub>
+                        <m:sSubPr>
+                          <m:ctrlPr>
+                            <a:rPr lang="de-DE" i="1" smtClean="0">
+                              <a:latin typeface="Cambria Math" panose="02040503050406030204" pitchFamily="18" charset="0"/>
+                            </a:rPr>
+                          </m:ctrlPr>
+                        </m:sSubPr>
+                        <m:e>
+                          <m:r>
+                            <a:rPr lang="de-DE" b="0" i="1" smtClean="0">
+                              <a:latin typeface="Cambria Math" panose="02040503050406030204" pitchFamily="18" charset="0"/>
+                            </a:rPr>
+                            <m:t>𝑘</m:t>
+                          </m:r>
+                        </m:e>
+                        <m:sub>
+                          <m:r>
+                            <a:rPr lang="de-DE" b="0" i="1" smtClean="0">
+                              <a:latin typeface="Cambria Math" panose="02040503050406030204" pitchFamily="18" charset="0"/>
+                            </a:rPr>
+                            <m:t>𝑖</m:t>
+                          </m:r>
+                        </m:sub>
+                      </m:sSub>
+                    </m:oMath>
+                  </m:oMathPara>
+                </a14:m>
+                <a:endParaRPr lang="de-DE" dirty="0"/>
+              </a:p>
+            </p:txBody>
+          </p:sp>
+        </mc:Choice>
+        <mc:Fallback>
+          <p:sp>
+            <p:nvSpPr>
+              <p:cNvPr id="20" name="Textfeld 19"/>
+              <p:cNvSpPr txBox="1">
+                <a:spLocks noRot="1" noChangeAspect="1" noMove="1" noResize="1" noEditPoints="1" noAdjustHandles="1" noChangeArrowheads="1" noChangeShapeType="1" noTextEdit="1"/>
+              </p:cNvSpPr>
+              <p:nvPr/>
+            </p:nvSpPr>
+            <p:spPr>
+              <a:xfrm>
+                <a:off x="4766458" y="3403461"/>
+                <a:ext cx="254172" cy="276999"/>
+              </a:xfrm>
+              <a:prstGeom prst="rect">
+                <a:avLst/>
+              </a:prstGeom>
+              <a:blipFill rotWithShape="0">
+                <a:blip r:embed="rId8"/>
+                <a:stretch>
+                  <a:fillRect l="-23810" r="-7143" b="-17391"/>
+                </a:stretch>
+              </a:blipFill>
+            </p:spPr>
+            <p:txBody>
+              <a:bodyPr/>
+              <a:lstStyle/>
+              <a:p>
+                <a:r>
+                  <a:rPr lang="de-DE">
+                    <a:noFill/>
+                  </a:rPr>
+                  <a:t> </a:t>
+                </a:r>
+              </a:p>
+            </p:txBody>
+          </p:sp>
+        </mc:Fallback>
+      </mc:AlternateContent>
+      <mc:AlternateContent xmlns:mc="http://schemas.openxmlformats.org/markup-compatibility/2006">
+        <mc:Choice xmlns:a14="http://schemas.microsoft.com/office/drawing/2010/main" Requires="a14">
+          <p:sp>
+            <p:nvSpPr>
+              <p:cNvPr id="21" name="Textfeld 20"/>
+              <p:cNvSpPr txBox="1"/>
+              <p:nvPr/>
+            </p:nvSpPr>
+            <p:spPr>
+              <a:xfrm>
+                <a:off x="6025683" y="3420303"/>
+                <a:ext cx="473784" cy="276999"/>
+              </a:xfrm>
+              <a:prstGeom prst="rect">
+                <a:avLst/>
+              </a:prstGeom>
+              <a:noFill/>
+            </p:spPr>
+            <p:txBody>
+              <a:bodyPr wrap="none" lIns="0" tIns="0" rIns="0" bIns="0" rtlCol="0">
+                <a:spAutoFit/>
+              </a:bodyPr>
+              <a:lstStyle/>
+              <a:p>
+                <a14:m>
+                  <m:oMathPara xmlns:m="http://schemas.openxmlformats.org/officeDocument/2006/math">
+                    <m:oMathParaPr>
+                      <m:jc m:val="centerGroup"/>
+                    </m:oMathParaPr>
+                    <m:oMath xmlns:m="http://schemas.openxmlformats.org/officeDocument/2006/math">
+                      <m:sSub>
+                        <m:sSubPr>
+                          <m:ctrlPr>
+                            <a:rPr lang="de-DE" i="1" smtClean="0">
+                              <a:latin typeface="Cambria Math" panose="02040503050406030204" pitchFamily="18" charset="0"/>
+                            </a:rPr>
+                          </m:ctrlPr>
+                        </m:sSubPr>
+                        <m:e>
+                          <m:r>
+                            <a:rPr lang="de-DE" b="0" i="1" smtClean="0">
+                              <a:latin typeface="Cambria Math" panose="02040503050406030204" pitchFamily="18" charset="0"/>
+                            </a:rPr>
+                            <m:t>𝑘</m:t>
+                          </m:r>
+                        </m:e>
+                        <m:sub>
+                          <m:r>
+                            <a:rPr lang="de-DE" b="0" i="1" smtClean="0">
+                              <a:latin typeface="Cambria Math" panose="02040503050406030204" pitchFamily="18" charset="0"/>
+                            </a:rPr>
+                            <m:t>𝑖</m:t>
+                          </m:r>
+                          <m:r>
+                            <a:rPr lang="de-DE" b="0" i="1" smtClean="0">
+                              <a:latin typeface="Cambria Math" panose="02040503050406030204" pitchFamily="18" charset="0"/>
+                            </a:rPr>
+                            <m:t>+1</m:t>
+                          </m:r>
+                        </m:sub>
+                      </m:sSub>
+                    </m:oMath>
+                  </m:oMathPara>
+                </a14:m>
+                <a:endParaRPr lang="de-DE" dirty="0"/>
+              </a:p>
+            </p:txBody>
+          </p:sp>
+        </mc:Choice>
+        <mc:Fallback>
+          <p:sp>
+            <p:nvSpPr>
+              <p:cNvPr id="21" name="Textfeld 20"/>
+              <p:cNvSpPr txBox="1">
+                <a:spLocks noRot="1" noChangeAspect="1" noMove="1" noResize="1" noEditPoints="1" noAdjustHandles="1" noChangeArrowheads="1" noChangeShapeType="1" noTextEdit="1"/>
+              </p:cNvSpPr>
+              <p:nvPr/>
+            </p:nvSpPr>
+            <p:spPr>
+              <a:xfrm>
+                <a:off x="6025683" y="3420303"/>
+                <a:ext cx="473784" cy="276999"/>
+              </a:xfrm>
+              <a:prstGeom prst="rect">
+                <a:avLst/>
+              </a:prstGeom>
+              <a:blipFill rotWithShape="0">
+                <a:blip r:embed="rId9"/>
+                <a:stretch>
+                  <a:fillRect l="-11538" r="-5128" b="-17391"/>
+                </a:stretch>
+              </a:blipFill>
+            </p:spPr>
+            <p:txBody>
+              <a:bodyPr/>
+              <a:lstStyle/>
+              <a:p>
+                <a:r>
+                  <a:rPr lang="de-DE">
+                    <a:noFill/>
+                  </a:rPr>
+                  <a:t> </a:t>
+                </a:r>
+              </a:p>
+            </p:txBody>
+          </p:sp>
+        </mc:Fallback>
+      </mc:AlternateContent>
     </p:spTree>
     <p:extLst>
       <p:ext uri="{BB962C8B-B14F-4D97-AF65-F5344CB8AC3E}">
@@ -15212,6 +16358,14 @@
             <a:pPr marL="0" indent="0">
               <a:buNone/>
             </a:pPr>
+            <a:r>
+              <a:rPr lang="de-DE" dirty="0" smtClean="0"/>
+              <a:t>General / </a:t>
+            </a:r>
+            <a:r>
+              <a:rPr lang="de-DE" dirty="0" err="1" smtClean="0"/>
+              <a:t>overfitting</a:t>
+            </a:r>
             <a:endParaRPr lang="de-DE" dirty="0" smtClean="0"/>
           </a:p>
           <a:p>
@@ -15318,6 +16472,82 @@
           </a:p>
         </p:txBody>
       </p:sp>
+      <p:graphicFrame>
+        <p:nvGraphicFramePr>
+          <p:cNvPr id="7" name="Tabelle 6"/>
+          <p:cNvGraphicFramePr>
+            <a:graphicFrameLocks noGrp="1"/>
+          </p:cNvGraphicFramePr>
+          <p:nvPr>
+            <p:extLst>
+              <p:ext uri="{D42A27DB-BD31-4B8C-83A1-F6EECF244321}">
+                <p14:modId xmlns:p14="http://schemas.microsoft.com/office/powerpoint/2010/main" val="387856225"/>
+              </p:ext>
+            </p:extLst>
+          </p:nvPr>
+        </p:nvGraphicFramePr>
+        <p:xfrm>
+          <a:off x="1872511" y="2686689"/>
+          <a:ext cx="6314559" cy="741680"/>
+        </p:xfrm>
+        <a:graphic>
+          <a:graphicData uri="http://schemas.openxmlformats.org/drawingml/2006/table">
+            <a:tbl>
+              <a:tblPr firstRow="1" bandRow="1">
+                <a:tableStyleId>{5C22544A-7EE6-4342-B048-85BDC9FD1C3A}</a:tableStyleId>
+              </a:tblPr>
+              <a:tblGrid>
+                <a:gridCol w="2944038"/>
+                <a:gridCol w="3370521"/>
+              </a:tblGrid>
+              <a:tr h="370840">
+                <a:tc>
+                  <a:txBody>
+                    <a:bodyPr/>
+                    <a:lstStyle/>
+                    <a:p>
+                      <a:endParaRPr lang="de-DE" dirty="0"/>
+                    </a:p>
+                  </a:txBody>
+                  <a:tcPr/>
+                </a:tc>
+                <a:tc>
+                  <a:txBody>
+                    <a:bodyPr/>
+                    <a:lstStyle/>
+                    <a:p>
+                      <a:endParaRPr lang="de-DE"/>
+                    </a:p>
+                  </a:txBody>
+                  <a:tcPr/>
+                </a:tc>
+              </a:tr>
+              <a:tr h="370840">
+                <a:tc>
+                  <a:txBody>
+                    <a:bodyPr/>
+                    <a:lstStyle/>
+                    <a:p>
+                      <a:endParaRPr lang="de-DE"/>
+                    </a:p>
+                  </a:txBody>
+                  <a:tcPr/>
+                </a:tc>
+                <a:tc>
+                  <a:txBody>
+                    <a:bodyPr/>
+                    <a:lstStyle/>
+                    <a:p>
+                      <a:endParaRPr lang="de-DE" dirty="0"/>
+                    </a:p>
+                  </a:txBody>
+                  <a:tcPr/>
+                </a:tc>
+              </a:tr>
+            </a:tbl>
+          </a:graphicData>
+        </a:graphic>
+      </p:graphicFrame>
     </p:spTree>
     <p:extLst>
       <p:ext uri="{BB962C8B-B14F-4D97-AF65-F5344CB8AC3E}">
@@ -15532,6 +16762,104 @@
           </a:p>
         </p:txBody>
       </p:sp>
+      <p:graphicFrame>
+        <p:nvGraphicFramePr>
+          <p:cNvPr id="7" name="Tabelle 6"/>
+          <p:cNvGraphicFramePr>
+            <a:graphicFrameLocks noGrp="1"/>
+          </p:cNvGraphicFramePr>
+          <p:nvPr>
+            <p:extLst>
+              <p:ext uri="{D42A27DB-BD31-4B8C-83A1-F6EECF244321}">
+                <p14:modId xmlns:p14="http://schemas.microsoft.com/office/powerpoint/2010/main" val="1051124203"/>
+              </p:ext>
+            </p:extLst>
+          </p:nvPr>
+        </p:nvGraphicFramePr>
+        <p:xfrm>
+          <a:off x="1808716" y="3250214"/>
+          <a:ext cx="8128000" cy="1112520"/>
+        </p:xfrm>
+        <a:graphic>
+          <a:graphicData uri="http://schemas.openxmlformats.org/drawingml/2006/table">
+            <a:tbl>
+              <a:tblPr firstRow="1" bandRow="1">
+                <a:tableStyleId>{5C22544A-7EE6-4342-B048-85BDC9FD1C3A}</a:tableStyleId>
+              </a:tblPr>
+              <a:tblGrid>
+                <a:gridCol w="4064000"/>
+                <a:gridCol w="4064000"/>
+              </a:tblGrid>
+              <a:tr h="370840">
+                <a:tc>
+                  <a:txBody>
+                    <a:bodyPr/>
+                    <a:lstStyle/>
+                    <a:p>
+                      <a:endParaRPr lang="de-DE" dirty="0"/>
+                    </a:p>
+                  </a:txBody>
+                  <a:tcPr/>
+                </a:tc>
+                <a:tc>
+                  <a:txBody>
+                    <a:bodyPr/>
+                    <a:lstStyle/>
+                    <a:p>
+                      <a:endParaRPr lang="de-DE"/>
+                    </a:p>
+                  </a:txBody>
+                  <a:tcPr/>
+                </a:tc>
+              </a:tr>
+              <a:tr h="370840">
+                <a:tc>
+                  <a:txBody>
+                    <a:bodyPr/>
+                    <a:lstStyle/>
+                    <a:p>
+                      <a:endParaRPr lang="de-DE"/>
+                    </a:p>
+                  </a:txBody>
+                  <a:tcPr/>
+                </a:tc>
+                <a:tc>
+                  <a:txBody>
+                    <a:bodyPr/>
+                    <a:lstStyle/>
+                    <a:p>
+                      <a:endParaRPr lang="de-DE"/>
+                    </a:p>
+                  </a:txBody>
+                  <a:tcPr/>
+                </a:tc>
+              </a:tr>
+              <a:tr h="370840">
+                <a:tc>
+                  <a:txBody>
+                    <a:bodyPr/>
+                    <a:lstStyle/>
+                    <a:p>
+                      <a:endParaRPr lang="de-DE"/>
+                    </a:p>
+                  </a:txBody>
+                  <a:tcPr/>
+                </a:tc>
+                <a:tc>
+                  <a:txBody>
+                    <a:bodyPr/>
+                    <a:lstStyle/>
+                    <a:p>
+                      <a:endParaRPr lang="de-DE" dirty="0"/>
+                    </a:p>
+                  </a:txBody>
+                  <a:tcPr/>
+                </a:tc>
+              </a:tr>
+            </a:tbl>
+          </a:graphicData>
+        </a:graphic>
+      </p:graphicFrame>
     </p:spTree>
     <p:extLst>
       <p:ext uri="{BB962C8B-B14F-4D97-AF65-F5344CB8AC3E}">
@@ -15615,7 +16943,11 @@
           <a:p>
             <a:r>
               <a:rPr lang="de-DE" dirty="0" smtClean="0"/>
-              <a:t>Optimierung der Lernrate</a:t>
+              <a:t>Optimierung der </a:t>
+            </a:r>
+            <a:r>
+              <a:rPr lang="de-DE" dirty="0" smtClean="0"/>
+              <a:t>Lernregel</a:t>
             </a:r>
             <a:endParaRPr lang="de-DE" dirty="0"/>
           </a:p>
@@ -15744,6 +17076,148 @@
           </a:p>
         </p:txBody>
       </p:sp>
+      <p:graphicFrame>
+        <p:nvGraphicFramePr>
+          <p:cNvPr id="7" name="Tabelle 6"/>
+          <p:cNvGraphicFramePr>
+            <a:graphicFrameLocks noGrp="1"/>
+          </p:cNvGraphicFramePr>
+          <p:nvPr>
+            <p:extLst>
+              <p:ext uri="{D42A27DB-BD31-4B8C-83A1-F6EECF244321}">
+                <p14:modId xmlns:p14="http://schemas.microsoft.com/office/powerpoint/2010/main" val="1519240577"/>
+              </p:ext>
+            </p:extLst>
+          </p:nvPr>
+        </p:nvGraphicFramePr>
+        <p:xfrm>
+          <a:off x="2180856" y="2995033"/>
+          <a:ext cx="8128000" cy="1854200"/>
+        </p:xfrm>
+        <a:graphic>
+          <a:graphicData uri="http://schemas.openxmlformats.org/drawingml/2006/table">
+            <a:tbl>
+              <a:tblPr firstRow="1" bandRow="1">
+                <a:tableStyleId>{5C22544A-7EE6-4342-B048-85BDC9FD1C3A}</a:tableStyleId>
+              </a:tblPr>
+              <a:tblGrid>
+                <a:gridCol w="4064000"/>
+                <a:gridCol w="4064000"/>
+              </a:tblGrid>
+              <a:tr h="370840">
+                <a:tc>
+                  <a:txBody>
+                    <a:bodyPr/>
+                    <a:lstStyle/>
+                    <a:p>
+                      <a:endParaRPr lang="de-DE" dirty="0"/>
+                    </a:p>
+                  </a:txBody>
+                  <a:tcPr/>
+                </a:tc>
+                <a:tc>
+                  <a:txBody>
+                    <a:bodyPr/>
+                    <a:lstStyle/>
+                    <a:p>
+                      <a:endParaRPr lang="de-DE"/>
+                    </a:p>
+                  </a:txBody>
+                  <a:tcPr/>
+                </a:tc>
+              </a:tr>
+              <a:tr h="370840">
+                <a:tc>
+                  <a:txBody>
+                    <a:bodyPr/>
+                    <a:lstStyle/>
+                    <a:p>
+                      <a:endParaRPr lang="de-DE"/>
+                    </a:p>
+                  </a:txBody>
+                  <a:tcPr/>
+                </a:tc>
+                <a:tc>
+                  <a:txBody>
+                    <a:bodyPr/>
+                    <a:lstStyle/>
+                    <a:p>
+                      <a:endParaRPr lang="de-DE"/>
+                    </a:p>
+                  </a:txBody>
+                  <a:tcPr/>
+                </a:tc>
+              </a:tr>
+              <a:tr h="370840">
+                <a:tc>
+                  <a:txBody>
+                    <a:bodyPr/>
+                    <a:lstStyle/>
+                    <a:p>
+                      <a:endParaRPr lang="de-DE"/>
+                    </a:p>
+                  </a:txBody>
+                  <a:tcPr/>
+                </a:tc>
+                <a:tc>
+                  <a:txBody>
+                    <a:bodyPr/>
+                    <a:lstStyle/>
+                    <a:p>
+                      <a:endParaRPr lang="de-DE"/>
+                    </a:p>
+                  </a:txBody>
+                  <a:tcPr/>
+                </a:tc>
+              </a:tr>
+              <a:tr h="370840">
+                <a:tc>
+                  <a:txBody>
+                    <a:bodyPr/>
+                    <a:lstStyle/>
+                    <a:p>
+                      <a:endParaRPr lang="de-DE"/>
+                    </a:p>
+                  </a:txBody>
+                  <a:tcPr/>
+                </a:tc>
+                <a:tc>
+                  <a:txBody>
+                    <a:bodyPr/>
+                    <a:lstStyle/>
+                    <a:p>
+                      <a:endParaRPr lang="de-DE"/>
+                    </a:p>
+                  </a:txBody>
+                  <a:tcPr/>
+                </a:tc>
+              </a:tr>
+              <a:tr h="370840">
+                <a:tc>
+                  <a:txBody>
+                    <a:bodyPr/>
+                    <a:lstStyle/>
+                    <a:p>
+                      <a:endParaRPr lang="de-DE"/>
+                    </a:p>
+                  </a:txBody>
+                  <a:tcPr/>
+                </a:tc>
+                <a:tc>
+                  <a:txBody>
+                    <a:bodyPr/>
+                    <a:lstStyle/>
+                    <a:p>
+                      <a:endParaRPr lang="de-DE" dirty="0"/>
+                    </a:p>
+                  </a:txBody>
+                  <a:tcPr/>
+                </a:tc>
+              </a:tr>
+            </a:tbl>
+          </a:graphicData>
+        </a:graphic>
+      </p:graphicFrame>
     </p:spTree>
     <p:extLst>
       <p:ext uri="{BB962C8B-B14F-4D97-AF65-F5344CB8AC3E}">

--- a/3b) Vortrag/Präsentation.pptx
+++ b/3b) Vortrag/Präsentation.pptx
@@ -5,7 +5,7 @@
     <p:sldMasterId id="2147483648" r:id="rId1"/>
   </p:sldMasterIdLst>
   <p:notesMasterIdLst>
-    <p:notesMasterId r:id="rId47"/>
+    <p:notesMasterId r:id="rId49"/>
   </p:notesMasterIdLst>
   <p:sldIdLst>
     <p:sldId id="256" r:id="rId2"/>
@@ -38,21 +38,23 @@
     <p:sldId id="281" r:id="rId29"/>
     <p:sldId id="262" r:id="rId30"/>
     <p:sldId id="310" r:id="rId31"/>
-    <p:sldId id="315" r:id="rId32"/>
-    <p:sldId id="311" r:id="rId33"/>
-    <p:sldId id="312" r:id="rId34"/>
-    <p:sldId id="313" r:id="rId35"/>
-    <p:sldId id="314" r:id="rId36"/>
-    <p:sldId id="282" r:id="rId37"/>
-    <p:sldId id="273" r:id="rId38"/>
-    <p:sldId id="283" r:id="rId39"/>
-    <p:sldId id="274" r:id="rId40"/>
-    <p:sldId id="284" r:id="rId41"/>
-    <p:sldId id="276" r:id="rId42"/>
-    <p:sldId id="285" r:id="rId43"/>
-    <p:sldId id="286" r:id="rId44"/>
-    <p:sldId id="306" r:id="rId45"/>
-    <p:sldId id="275" r:id="rId46"/>
+    <p:sldId id="316" r:id="rId32"/>
+    <p:sldId id="315" r:id="rId33"/>
+    <p:sldId id="311" r:id="rId34"/>
+    <p:sldId id="312" r:id="rId35"/>
+    <p:sldId id="313" r:id="rId36"/>
+    <p:sldId id="317" r:id="rId37"/>
+    <p:sldId id="318" r:id="rId38"/>
+    <p:sldId id="282" r:id="rId39"/>
+    <p:sldId id="273" r:id="rId40"/>
+    <p:sldId id="283" r:id="rId41"/>
+    <p:sldId id="274" r:id="rId42"/>
+    <p:sldId id="284" r:id="rId43"/>
+    <p:sldId id="276" r:id="rId44"/>
+    <p:sldId id="285" r:id="rId45"/>
+    <p:sldId id="286" r:id="rId46"/>
+    <p:sldId id="306" r:id="rId47"/>
+    <p:sldId id="275" r:id="rId48"/>
   </p:sldIdLst>
   <p:sldSz cx="12192000" cy="6858000"/>
   <p:notesSz cx="6858000" cy="9144000"/>
@@ -159,6 +161,2647 @@
 </p:presentation>
 </file>
 
+<file path=ppt/diagrams/colors1.xml><?xml version="1.0" encoding="utf-8"?>
+<dgm:colorsDef xmlns:dgm="http://schemas.openxmlformats.org/drawingml/2006/diagram" xmlns:a="http://schemas.openxmlformats.org/drawingml/2006/main" uniqueId="urn:microsoft.com/office/officeart/2005/8/colors/accent3_2">
+  <dgm:title val=""/>
+  <dgm:desc val=""/>
+  <dgm:catLst>
+    <dgm:cat type="accent3" pri="11200"/>
+  </dgm:catLst>
+  <dgm:styleLbl name="node0">
+    <dgm:fillClrLst meth="repeat">
+      <a:schemeClr val="accent3"/>
+    </dgm:fillClrLst>
+    <dgm:linClrLst meth="repeat">
+      <a:schemeClr val="lt1"/>
+    </dgm:linClrLst>
+    <dgm:effectClrLst/>
+    <dgm:txLinClrLst/>
+    <dgm:txFillClrLst/>
+    <dgm:txEffectClrLst/>
+  </dgm:styleLbl>
+  <dgm:styleLbl name="node1">
+    <dgm:fillClrLst meth="repeat">
+      <a:schemeClr val="accent3"/>
+    </dgm:fillClrLst>
+    <dgm:linClrLst meth="repeat">
+      <a:schemeClr val="lt1"/>
+    </dgm:linClrLst>
+    <dgm:effectClrLst/>
+    <dgm:txLinClrLst/>
+    <dgm:txFillClrLst/>
+    <dgm:txEffectClrLst/>
+  </dgm:styleLbl>
+  <dgm:styleLbl name="alignNode1">
+    <dgm:fillClrLst meth="repeat">
+      <a:schemeClr val="accent3"/>
+    </dgm:fillClrLst>
+    <dgm:linClrLst meth="repeat">
+      <a:schemeClr val="accent3"/>
+    </dgm:linClrLst>
+    <dgm:effectClrLst/>
+    <dgm:txLinClrLst/>
+    <dgm:txFillClrLst/>
+    <dgm:txEffectClrLst/>
+  </dgm:styleLbl>
+  <dgm:styleLbl name="lnNode1">
+    <dgm:fillClrLst meth="repeat">
+      <a:schemeClr val="accent3"/>
+    </dgm:fillClrLst>
+    <dgm:linClrLst meth="repeat">
+      <a:schemeClr val="lt1"/>
+    </dgm:linClrLst>
+    <dgm:effectClrLst/>
+    <dgm:txLinClrLst/>
+    <dgm:txFillClrLst/>
+    <dgm:txEffectClrLst/>
+  </dgm:styleLbl>
+  <dgm:styleLbl name="vennNode1">
+    <dgm:fillClrLst meth="repeat">
+      <a:schemeClr val="accent3">
+        <a:alpha val="50000"/>
+      </a:schemeClr>
+    </dgm:fillClrLst>
+    <dgm:linClrLst meth="repeat">
+      <a:schemeClr val="lt1"/>
+    </dgm:linClrLst>
+    <dgm:effectClrLst/>
+    <dgm:txLinClrLst/>
+    <dgm:txFillClrLst/>
+    <dgm:txEffectClrLst/>
+  </dgm:styleLbl>
+  <dgm:styleLbl name="node2">
+    <dgm:fillClrLst meth="repeat">
+      <a:schemeClr val="accent3"/>
+    </dgm:fillClrLst>
+    <dgm:linClrLst meth="repeat">
+      <a:schemeClr val="lt1"/>
+    </dgm:linClrLst>
+    <dgm:effectClrLst/>
+    <dgm:txLinClrLst/>
+    <dgm:txFillClrLst/>
+    <dgm:txEffectClrLst/>
+  </dgm:styleLbl>
+  <dgm:styleLbl name="node3">
+    <dgm:fillClrLst meth="repeat">
+      <a:schemeClr val="accent3"/>
+    </dgm:fillClrLst>
+    <dgm:linClrLst meth="repeat">
+      <a:schemeClr val="lt1"/>
+    </dgm:linClrLst>
+    <dgm:effectClrLst/>
+    <dgm:txLinClrLst/>
+    <dgm:txFillClrLst/>
+    <dgm:txEffectClrLst/>
+  </dgm:styleLbl>
+  <dgm:styleLbl name="node4">
+    <dgm:fillClrLst meth="repeat">
+      <a:schemeClr val="accent3"/>
+    </dgm:fillClrLst>
+    <dgm:linClrLst meth="repeat">
+      <a:schemeClr val="lt1"/>
+    </dgm:linClrLst>
+    <dgm:effectClrLst/>
+    <dgm:txLinClrLst/>
+    <dgm:txFillClrLst/>
+    <dgm:txEffectClrLst/>
+  </dgm:styleLbl>
+  <dgm:styleLbl name="fgImgPlace1">
+    <dgm:fillClrLst meth="repeat">
+      <a:schemeClr val="accent3">
+        <a:tint val="50000"/>
+      </a:schemeClr>
+    </dgm:fillClrLst>
+    <dgm:linClrLst meth="repeat">
+      <a:schemeClr val="lt1"/>
+    </dgm:linClrLst>
+    <dgm:effectClrLst/>
+    <dgm:txLinClrLst/>
+    <dgm:txFillClrLst meth="repeat">
+      <a:schemeClr val="lt1"/>
+    </dgm:txFillClrLst>
+    <dgm:txEffectClrLst/>
+  </dgm:styleLbl>
+  <dgm:styleLbl name="alignImgPlace1">
+    <dgm:fillClrLst meth="repeat">
+      <a:schemeClr val="accent3">
+        <a:tint val="50000"/>
+      </a:schemeClr>
+    </dgm:fillClrLst>
+    <dgm:linClrLst meth="repeat">
+      <a:schemeClr val="lt1"/>
+    </dgm:linClrLst>
+    <dgm:effectClrLst/>
+    <dgm:txLinClrLst/>
+    <dgm:txFillClrLst meth="repeat">
+      <a:schemeClr val="lt1"/>
+    </dgm:txFillClrLst>
+    <dgm:txEffectClrLst/>
+  </dgm:styleLbl>
+  <dgm:styleLbl name="bgImgPlace1">
+    <dgm:fillClrLst meth="repeat">
+      <a:schemeClr val="accent3">
+        <a:tint val="50000"/>
+      </a:schemeClr>
+    </dgm:fillClrLst>
+    <dgm:linClrLst meth="repeat">
+      <a:schemeClr val="lt1"/>
+    </dgm:linClrLst>
+    <dgm:effectClrLst/>
+    <dgm:txLinClrLst/>
+    <dgm:txFillClrLst meth="repeat">
+      <a:schemeClr val="lt1"/>
+    </dgm:txFillClrLst>
+    <dgm:txEffectClrLst/>
+  </dgm:styleLbl>
+  <dgm:styleLbl name="sibTrans2D1">
+    <dgm:fillClrLst meth="repeat">
+      <a:schemeClr val="accent3">
+        <a:tint val="60000"/>
+      </a:schemeClr>
+    </dgm:fillClrLst>
+    <dgm:linClrLst meth="repeat">
+      <a:schemeClr val="accent3">
+        <a:tint val="60000"/>
+      </a:schemeClr>
+    </dgm:linClrLst>
+    <dgm:effectClrLst/>
+    <dgm:txLinClrLst/>
+    <dgm:txFillClrLst/>
+    <dgm:txEffectClrLst/>
+  </dgm:styleLbl>
+  <dgm:styleLbl name="fgSibTrans2D1">
+    <dgm:fillClrLst meth="repeat">
+      <a:schemeClr val="accent3">
+        <a:tint val="60000"/>
+      </a:schemeClr>
+    </dgm:fillClrLst>
+    <dgm:linClrLst meth="repeat">
+      <a:schemeClr val="accent3">
+        <a:tint val="60000"/>
+      </a:schemeClr>
+    </dgm:linClrLst>
+    <dgm:effectClrLst/>
+    <dgm:txLinClrLst/>
+    <dgm:txFillClrLst/>
+    <dgm:txEffectClrLst/>
+  </dgm:styleLbl>
+  <dgm:styleLbl name="bgSibTrans2D1">
+    <dgm:fillClrLst meth="repeat">
+      <a:schemeClr val="accent3">
+        <a:tint val="60000"/>
+      </a:schemeClr>
+    </dgm:fillClrLst>
+    <dgm:linClrLst meth="repeat">
+      <a:schemeClr val="accent3">
+        <a:tint val="60000"/>
+      </a:schemeClr>
+    </dgm:linClrLst>
+    <dgm:effectClrLst/>
+    <dgm:txLinClrLst/>
+    <dgm:txFillClrLst/>
+    <dgm:txEffectClrLst/>
+  </dgm:styleLbl>
+  <dgm:styleLbl name="sibTrans1D1">
+    <dgm:fillClrLst meth="repeat">
+      <a:schemeClr val="accent3"/>
+    </dgm:fillClrLst>
+    <dgm:linClrLst meth="repeat">
+      <a:schemeClr val="accent3"/>
+    </dgm:linClrLst>
+    <dgm:effectClrLst/>
+    <dgm:txLinClrLst/>
+    <dgm:txFillClrLst meth="repeat">
+      <a:schemeClr val="tx1"/>
+    </dgm:txFillClrLst>
+    <dgm:txEffectClrLst/>
+  </dgm:styleLbl>
+  <dgm:styleLbl name="callout">
+    <dgm:fillClrLst meth="repeat">
+      <a:schemeClr val="accent3"/>
+    </dgm:fillClrLst>
+    <dgm:linClrLst meth="repeat">
+      <a:schemeClr val="accent3">
+        <a:tint val="50000"/>
+      </a:schemeClr>
+    </dgm:linClrLst>
+    <dgm:effectClrLst/>
+    <dgm:txLinClrLst/>
+    <dgm:txFillClrLst meth="repeat">
+      <a:schemeClr val="tx1"/>
+    </dgm:txFillClrLst>
+    <dgm:txEffectClrLst/>
+  </dgm:styleLbl>
+  <dgm:styleLbl name="asst0">
+    <dgm:fillClrLst meth="repeat">
+      <a:schemeClr val="accent3"/>
+    </dgm:fillClrLst>
+    <dgm:linClrLst meth="repeat">
+      <a:schemeClr val="lt1"/>
+    </dgm:linClrLst>
+    <dgm:effectClrLst/>
+    <dgm:txLinClrLst/>
+    <dgm:txFillClrLst/>
+    <dgm:txEffectClrLst/>
+  </dgm:styleLbl>
+  <dgm:styleLbl name="asst1">
+    <dgm:fillClrLst meth="repeat">
+      <a:schemeClr val="accent3"/>
+    </dgm:fillClrLst>
+    <dgm:linClrLst meth="repeat">
+      <a:schemeClr val="lt1"/>
+    </dgm:linClrLst>
+    <dgm:effectClrLst/>
+    <dgm:txLinClrLst/>
+    <dgm:txFillClrLst/>
+    <dgm:txEffectClrLst/>
+  </dgm:styleLbl>
+  <dgm:styleLbl name="asst2">
+    <dgm:fillClrLst meth="repeat">
+      <a:schemeClr val="accent3"/>
+    </dgm:fillClrLst>
+    <dgm:linClrLst meth="repeat">
+      <a:schemeClr val="lt1"/>
+    </dgm:linClrLst>
+    <dgm:effectClrLst/>
+    <dgm:txLinClrLst/>
+    <dgm:txFillClrLst/>
+    <dgm:txEffectClrLst/>
+  </dgm:styleLbl>
+  <dgm:styleLbl name="asst3">
+    <dgm:fillClrLst meth="repeat">
+      <a:schemeClr val="accent3"/>
+    </dgm:fillClrLst>
+    <dgm:linClrLst meth="repeat">
+      <a:schemeClr val="lt1"/>
+    </dgm:linClrLst>
+    <dgm:effectClrLst/>
+    <dgm:txLinClrLst/>
+    <dgm:txFillClrLst/>
+    <dgm:txEffectClrLst/>
+  </dgm:styleLbl>
+  <dgm:styleLbl name="asst4">
+    <dgm:fillClrLst meth="repeat">
+      <a:schemeClr val="accent3"/>
+    </dgm:fillClrLst>
+    <dgm:linClrLst meth="repeat">
+      <a:schemeClr val="lt1"/>
+    </dgm:linClrLst>
+    <dgm:effectClrLst/>
+    <dgm:txLinClrLst/>
+    <dgm:txFillClrLst/>
+    <dgm:txEffectClrLst/>
+  </dgm:styleLbl>
+  <dgm:styleLbl name="parChTrans2D1">
+    <dgm:fillClrLst meth="repeat">
+      <a:schemeClr val="accent3">
+        <a:tint val="60000"/>
+      </a:schemeClr>
+    </dgm:fillClrLst>
+    <dgm:linClrLst meth="repeat">
+      <a:schemeClr val="accent3">
+        <a:tint val="60000"/>
+      </a:schemeClr>
+    </dgm:linClrLst>
+    <dgm:effectClrLst/>
+    <dgm:txLinClrLst/>
+    <dgm:txFillClrLst meth="repeat">
+      <a:schemeClr val="lt1"/>
+    </dgm:txFillClrLst>
+    <dgm:txEffectClrLst/>
+  </dgm:styleLbl>
+  <dgm:styleLbl name="parChTrans2D2">
+    <dgm:fillClrLst meth="repeat">
+      <a:schemeClr val="accent3"/>
+    </dgm:fillClrLst>
+    <dgm:linClrLst meth="repeat">
+      <a:schemeClr val="accent3"/>
+    </dgm:linClrLst>
+    <dgm:effectClrLst/>
+    <dgm:txLinClrLst/>
+    <dgm:txFillClrLst meth="repeat">
+      <a:schemeClr val="lt1"/>
+    </dgm:txFillClrLst>
+    <dgm:txEffectClrLst/>
+  </dgm:styleLbl>
+  <dgm:styleLbl name="parChTrans2D3">
+    <dgm:fillClrLst meth="repeat">
+      <a:schemeClr val="accent3"/>
+    </dgm:fillClrLst>
+    <dgm:linClrLst meth="repeat">
+      <a:schemeClr val="accent3"/>
+    </dgm:linClrLst>
+    <dgm:effectClrLst/>
+    <dgm:txLinClrLst/>
+    <dgm:txFillClrLst meth="repeat">
+      <a:schemeClr val="lt1"/>
+    </dgm:txFillClrLst>
+    <dgm:txEffectClrLst/>
+  </dgm:styleLbl>
+  <dgm:styleLbl name="parChTrans2D4">
+    <dgm:fillClrLst meth="repeat">
+      <a:schemeClr val="accent3"/>
+    </dgm:fillClrLst>
+    <dgm:linClrLst meth="repeat">
+      <a:schemeClr val="accent3"/>
+    </dgm:linClrLst>
+    <dgm:effectClrLst/>
+    <dgm:txLinClrLst/>
+    <dgm:txFillClrLst meth="repeat">
+      <a:schemeClr val="lt1"/>
+    </dgm:txFillClrLst>
+    <dgm:txEffectClrLst/>
+  </dgm:styleLbl>
+  <dgm:styleLbl name="parChTrans1D1">
+    <dgm:fillClrLst meth="repeat">
+      <a:schemeClr val="accent3"/>
+    </dgm:fillClrLst>
+    <dgm:linClrLst meth="repeat">
+      <a:schemeClr val="accent3">
+        <a:shade val="60000"/>
+      </a:schemeClr>
+    </dgm:linClrLst>
+    <dgm:effectClrLst/>
+    <dgm:txLinClrLst/>
+    <dgm:txFillClrLst meth="repeat">
+      <a:schemeClr val="tx1"/>
+    </dgm:txFillClrLst>
+    <dgm:txEffectClrLst/>
+  </dgm:styleLbl>
+  <dgm:styleLbl name="parChTrans1D2">
+    <dgm:fillClrLst meth="repeat">
+      <a:schemeClr val="accent3"/>
+    </dgm:fillClrLst>
+    <dgm:linClrLst meth="repeat">
+      <a:schemeClr val="accent3">
+        <a:shade val="60000"/>
+      </a:schemeClr>
+    </dgm:linClrLst>
+    <dgm:effectClrLst/>
+    <dgm:txLinClrLst/>
+    <dgm:txFillClrLst meth="repeat">
+      <a:schemeClr val="tx1"/>
+    </dgm:txFillClrLst>
+    <dgm:txEffectClrLst/>
+  </dgm:styleLbl>
+  <dgm:styleLbl name="parChTrans1D3">
+    <dgm:fillClrLst meth="repeat">
+      <a:schemeClr val="accent3"/>
+    </dgm:fillClrLst>
+    <dgm:linClrLst meth="repeat">
+      <a:schemeClr val="accent3">
+        <a:shade val="80000"/>
+      </a:schemeClr>
+    </dgm:linClrLst>
+    <dgm:effectClrLst/>
+    <dgm:txLinClrLst/>
+    <dgm:txFillClrLst meth="repeat">
+      <a:schemeClr val="tx1"/>
+    </dgm:txFillClrLst>
+    <dgm:txEffectClrLst/>
+  </dgm:styleLbl>
+  <dgm:styleLbl name="parChTrans1D4">
+    <dgm:fillClrLst meth="repeat">
+      <a:schemeClr val="accent3"/>
+    </dgm:fillClrLst>
+    <dgm:linClrLst meth="repeat">
+      <a:schemeClr val="accent3">
+        <a:shade val="80000"/>
+      </a:schemeClr>
+    </dgm:linClrLst>
+    <dgm:effectClrLst/>
+    <dgm:txLinClrLst/>
+    <dgm:txFillClrLst meth="repeat">
+      <a:schemeClr val="tx1"/>
+    </dgm:txFillClrLst>
+    <dgm:txEffectClrLst/>
+  </dgm:styleLbl>
+  <dgm:styleLbl name="fgAcc1">
+    <dgm:fillClrLst meth="repeat">
+      <a:schemeClr val="lt1">
+        <a:alpha val="90000"/>
+      </a:schemeClr>
+    </dgm:fillClrLst>
+    <dgm:linClrLst meth="repeat">
+      <a:schemeClr val="accent3"/>
+    </dgm:linClrLst>
+    <dgm:effectClrLst/>
+    <dgm:txLinClrLst/>
+    <dgm:txFillClrLst meth="repeat">
+      <a:schemeClr val="dk1"/>
+    </dgm:txFillClrLst>
+    <dgm:txEffectClrLst/>
+  </dgm:styleLbl>
+  <dgm:styleLbl name="conFgAcc1">
+    <dgm:fillClrLst meth="repeat">
+      <a:schemeClr val="lt1">
+        <a:alpha val="90000"/>
+      </a:schemeClr>
+    </dgm:fillClrLst>
+    <dgm:linClrLst meth="repeat">
+      <a:schemeClr val="accent3"/>
+    </dgm:linClrLst>
+    <dgm:effectClrLst/>
+    <dgm:txLinClrLst/>
+    <dgm:txFillClrLst meth="repeat">
+      <a:schemeClr val="dk1"/>
+    </dgm:txFillClrLst>
+    <dgm:txEffectClrLst/>
+  </dgm:styleLbl>
+  <dgm:styleLbl name="alignAcc1">
+    <dgm:fillClrLst meth="repeat">
+      <a:schemeClr val="lt1">
+        <a:alpha val="90000"/>
+      </a:schemeClr>
+    </dgm:fillClrLst>
+    <dgm:linClrLst meth="repeat">
+      <a:schemeClr val="accent3"/>
+    </dgm:linClrLst>
+    <dgm:effectClrLst/>
+    <dgm:txLinClrLst/>
+    <dgm:txFillClrLst meth="repeat">
+      <a:schemeClr val="dk1"/>
+    </dgm:txFillClrLst>
+    <dgm:txEffectClrLst/>
+  </dgm:styleLbl>
+  <dgm:styleLbl name="trAlignAcc1">
+    <dgm:fillClrLst meth="repeat">
+      <a:schemeClr val="lt1">
+        <a:alpha val="40000"/>
+      </a:schemeClr>
+    </dgm:fillClrLst>
+    <dgm:linClrLst meth="repeat">
+      <a:schemeClr val="accent3"/>
+    </dgm:linClrLst>
+    <dgm:effectClrLst/>
+    <dgm:txLinClrLst/>
+    <dgm:txFillClrLst meth="repeat">
+      <a:schemeClr val="dk1"/>
+    </dgm:txFillClrLst>
+    <dgm:txEffectClrLst/>
+  </dgm:styleLbl>
+  <dgm:styleLbl name="bgAcc1">
+    <dgm:fillClrLst meth="repeat">
+      <a:schemeClr val="lt1">
+        <a:alpha val="90000"/>
+      </a:schemeClr>
+    </dgm:fillClrLst>
+    <dgm:linClrLst meth="repeat">
+      <a:schemeClr val="accent3"/>
+    </dgm:linClrLst>
+    <dgm:effectClrLst/>
+    <dgm:txLinClrLst/>
+    <dgm:txFillClrLst meth="repeat">
+      <a:schemeClr val="dk1"/>
+    </dgm:txFillClrLst>
+    <dgm:txEffectClrLst/>
+  </dgm:styleLbl>
+  <dgm:styleLbl name="solidFgAcc1">
+    <dgm:fillClrLst meth="repeat">
+      <a:schemeClr val="lt1"/>
+    </dgm:fillClrLst>
+    <dgm:linClrLst meth="repeat">
+      <a:schemeClr val="accent3"/>
+    </dgm:linClrLst>
+    <dgm:effectClrLst/>
+    <dgm:txLinClrLst/>
+    <dgm:txFillClrLst meth="repeat">
+      <a:schemeClr val="dk1"/>
+    </dgm:txFillClrLst>
+    <dgm:txEffectClrLst/>
+  </dgm:styleLbl>
+  <dgm:styleLbl name="solidAlignAcc1">
+    <dgm:fillClrLst meth="repeat">
+      <a:schemeClr val="lt1"/>
+    </dgm:fillClrLst>
+    <dgm:linClrLst meth="repeat">
+      <a:schemeClr val="accent3"/>
+    </dgm:linClrLst>
+    <dgm:effectClrLst/>
+    <dgm:txLinClrLst/>
+    <dgm:txFillClrLst meth="repeat">
+      <a:schemeClr val="dk1"/>
+    </dgm:txFillClrLst>
+    <dgm:txEffectClrLst/>
+  </dgm:styleLbl>
+  <dgm:styleLbl name="solidBgAcc1">
+    <dgm:fillClrLst meth="repeat">
+      <a:schemeClr val="lt1"/>
+    </dgm:fillClrLst>
+    <dgm:linClrLst meth="repeat">
+      <a:schemeClr val="accent3"/>
+    </dgm:linClrLst>
+    <dgm:effectClrLst/>
+    <dgm:txLinClrLst/>
+    <dgm:txFillClrLst meth="repeat">
+      <a:schemeClr val="dk1"/>
+    </dgm:txFillClrLst>
+    <dgm:txEffectClrLst/>
+  </dgm:styleLbl>
+  <dgm:styleLbl name="fgAccFollowNode1">
+    <dgm:fillClrLst meth="repeat">
+      <a:schemeClr val="accent3">
+        <a:alpha val="90000"/>
+        <a:tint val="40000"/>
+      </a:schemeClr>
+    </dgm:fillClrLst>
+    <dgm:linClrLst meth="repeat">
+      <a:schemeClr val="accent3">
+        <a:alpha val="90000"/>
+        <a:tint val="40000"/>
+      </a:schemeClr>
+    </dgm:linClrLst>
+    <dgm:effectClrLst/>
+    <dgm:txLinClrLst/>
+    <dgm:txFillClrLst meth="repeat">
+      <a:schemeClr val="dk1"/>
+    </dgm:txFillClrLst>
+    <dgm:txEffectClrLst/>
+  </dgm:styleLbl>
+  <dgm:styleLbl name="alignAccFollowNode1">
+    <dgm:fillClrLst meth="repeat">
+      <a:schemeClr val="accent3">
+        <a:alpha val="90000"/>
+        <a:tint val="40000"/>
+      </a:schemeClr>
+    </dgm:fillClrLst>
+    <dgm:linClrLst meth="repeat">
+      <a:schemeClr val="accent3">
+        <a:alpha val="90000"/>
+        <a:tint val="40000"/>
+      </a:schemeClr>
+    </dgm:linClrLst>
+    <dgm:effectClrLst/>
+    <dgm:txLinClrLst/>
+    <dgm:txFillClrLst meth="repeat">
+      <a:schemeClr val="dk1"/>
+    </dgm:txFillClrLst>
+    <dgm:txEffectClrLst/>
+  </dgm:styleLbl>
+  <dgm:styleLbl name="bgAccFollowNode1">
+    <dgm:fillClrLst meth="repeat">
+      <a:schemeClr val="accent3">
+        <a:alpha val="90000"/>
+        <a:tint val="40000"/>
+      </a:schemeClr>
+    </dgm:fillClrLst>
+    <dgm:linClrLst meth="repeat">
+      <a:schemeClr val="accent3">
+        <a:alpha val="90000"/>
+        <a:tint val="40000"/>
+      </a:schemeClr>
+    </dgm:linClrLst>
+    <dgm:effectClrLst/>
+    <dgm:txLinClrLst/>
+    <dgm:txFillClrLst meth="repeat">
+      <a:schemeClr val="dk1"/>
+    </dgm:txFillClrLst>
+    <dgm:txEffectClrLst/>
+  </dgm:styleLbl>
+  <dgm:styleLbl name="fgAcc0">
+    <dgm:fillClrLst meth="repeat">
+      <a:schemeClr val="lt1">
+        <a:alpha val="90000"/>
+      </a:schemeClr>
+    </dgm:fillClrLst>
+    <dgm:linClrLst meth="repeat">
+      <a:schemeClr val="accent3"/>
+    </dgm:linClrLst>
+    <dgm:effectClrLst/>
+    <dgm:txLinClrLst/>
+    <dgm:txFillClrLst meth="repeat">
+      <a:schemeClr val="dk1"/>
+    </dgm:txFillClrLst>
+    <dgm:txEffectClrLst/>
+  </dgm:styleLbl>
+  <dgm:styleLbl name="fgAcc2">
+    <dgm:fillClrLst meth="repeat">
+      <a:schemeClr val="lt1">
+        <a:alpha val="90000"/>
+      </a:schemeClr>
+    </dgm:fillClrLst>
+    <dgm:linClrLst meth="repeat">
+      <a:schemeClr val="accent3"/>
+    </dgm:linClrLst>
+    <dgm:effectClrLst/>
+    <dgm:txLinClrLst/>
+    <dgm:txFillClrLst meth="repeat">
+      <a:schemeClr val="dk1"/>
+    </dgm:txFillClrLst>
+    <dgm:txEffectClrLst/>
+  </dgm:styleLbl>
+  <dgm:styleLbl name="fgAcc3">
+    <dgm:fillClrLst meth="repeat">
+      <a:schemeClr val="lt1">
+        <a:alpha val="90000"/>
+      </a:schemeClr>
+    </dgm:fillClrLst>
+    <dgm:linClrLst meth="repeat">
+      <a:schemeClr val="accent3"/>
+    </dgm:linClrLst>
+    <dgm:effectClrLst/>
+    <dgm:txLinClrLst/>
+    <dgm:txFillClrLst meth="repeat">
+      <a:schemeClr val="dk1"/>
+    </dgm:txFillClrLst>
+    <dgm:txEffectClrLst/>
+  </dgm:styleLbl>
+  <dgm:styleLbl name="fgAcc4">
+    <dgm:fillClrLst meth="repeat">
+      <a:schemeClr val="lt1">
+        <a:alpha val="90000"/>
+      </a:schemeClr>
+    </dgm:fillClrLst>
+    <dgm:linClrLst meth="repeat">
+      <a:schemeClr val="accent3"/>
+    </dgm:linClrLst>
+    <dgm:effectClrLst/>
+    <dgm:txLinClrLst/>
+    <dgm:txFillClrLst meth="repeat">
+      <a:schemeClr val="dk1"/>
+    </dgm:txFillClrLst>
+    <dgm:txEffectClrLst/>
+  </dgm:styleLbl>
+  <dgm:styleLbl name="bgShp">
+    <dgm:fillClrLst meth="repeat">
+      <a:schemeClr val="accent3">
+        <a:tint val="40000"/>
+      </a:schemeClr>
+    </dgm:fillClrLst>
+    <dgm:linClrLst meth="repeat">
+      <a:schemeClr val="accent3"/>
+    </dgm:linClrLst>
+    <dgm:effectClrLst/>
+    <dgm:txLinClrLst/>
+    <dgm:txFillClrLst meth="repeat">
+      <a:schemeClr val="dk1"/>
+    </dgm:txFillClrLst>
+    <dgm:txEffectClrLst/>
+  </dgm:styleLbl>
+  <dgm:styleLbl name="dkBgShp">
+    <dgm:fillClrLst meth="repeat">
+      <a:schemeClr val="accent3">
+        <a:shade val="80000"/>
+      </a:schemeClr>
+    </dgm:fillClrLst>
+    <dgm:linClrLst meth="repeat">
+      <a:schemeClr val="accent3"/>
+    </dgm:linClrLst>
+    <dgm:effectClrLst/>
+    <dgm:txLinClrLst/>
+    <dgm:txFillClrLst meth="repeat">
+      <a:schemeClr val="lt1"/>
+    </dgm:txFillClrLst>
+    <dgm:txEffectClrLst/>
+  </dgm:styleLbl>
+  <dgm:styleLbl name="trBgShp">
+    <dgm:fillClrLst meth="repeat">
+      <a:schemeClr val="accent3">
+        <a:tint val="50000"/>
+        <a:alpha val="40000"/>
+      </a:schemeClr>
+    </dgm:fillClrLst>
+    <dgm:linClrLst meth="repeat">
+      <a:schemeClr val="accent3"/>
+    </dgm:linClrLst>
+    <dgm:effectClrLst/>
+    <dgm:txLinClrLst/>
+    <dgm:txFillClrLst meth="repeat">
+      <a:schemeClr val="lt1"/>
+    </dgm:txFillClrLst>
+    <dgm:txEffectClrLst/>
+  </dgm:styleLbl>
+  <dgm:styleLbl name="fgShp">
+    <dgm:fillClrLst meth="repeat">
+      <a:schemeClr val="accent3">
+        <a:tint val="60000"/>
+      </a:schemeClr>
+    </dgm:fillClrLst>
+    <dgm:linClrLst meth="repeat">
+      <a:schemeClr val="lt1"/>
+    </dgm:linClrLst>
+    <dgm:effectClrLst/>
+    <dgm:txLinClrLst/>
+    <dgm:txFillClrLst meth="repeat">
+      <a:schemeClr val="dk1"/>
+    </dgm:txFillClrLst>
+    <dgm:txEffectClrLst/>
+  </dgm:styleLbl>
+  <dgm:styleLbl name="revTx">
+    <dgm:fillClrLst meth="repeat">
+      <a:schemeClr val="lt1">
+        <a:alpha val="0"/>
+      </a:schemeClr>
+    </dgm:fillClrLst>
+    <dgm:linClrLst meth="repeat">
+      <a:schemeClr val="dk1">
+        <a:alpha val="0"/>
+      </a:schemeClr>
+    </dgm:linClrLst>
+    <dgm:effectClrLst/>
+    <dgm:txLinClrLst/>
+    <dgm:txFillClrLst meth="repeat">
+      <a:schemeClr val="tx1"/>
+    </dgm:txFillClrLst>
+    <dgm:txEffectClrLst/>
+  </dgm:styleLbl>
+</dgm:colorsDef>
+</file>
+
+<file path=ppt/diagrams/data1.xml><?xml version="1.0" encoding="utf-8"?>
+<dgm:dataModel xmlns:dgm="http://schemas.openxmlformats.org/drawingml/2006/diagram" xmlns:a="http://schemas.openxmlformats.org/drawingml/2006/main">
+  <dgm:ptLst>
+    <dgm:pt modelId="{CF5CA275-FE80-462A-8AEB-CBFBBC94D665}" type="doc">
+      <dgm:prSet loTypeId="urn:microsoft.com/office/officeart/2005/8/layout/chevron1" loCatId="process" qsTypeId="urn:microsoft.com/office/officeart/2005/8/quickstyle/simple1" qsCatId="simple" csTypeId="urn:microsoft.com/office/officeart/2005/8/colors/accent3_2" csCatId="accent3" phldr="1"/>
+      <dgm:spPr/>
+    </dgm:pt>
+    <dgm:pt modelId="{3AF56E40-F3D8-4A49-9A0B-5EF54C7658FD}">
+      <dgm:prSet phldrT="[Text]"/>
+      <dgm:spPr/>
+      <dgm:t>
+        <a:bodyPr/>
+        <a:lstStyle/>
+        <a:p>
+          <a:r>
+            <a:rPr lang="de-DE" dirty="0" smtClean="0"/>
+            <a:t>Topologie</a:t>
+          </a:r>
+          <a:endParaRPr lang="de-DE" dirty="0"/>
+        </a:p>
+      </dgm:t>
+    </dgm:pt>
+    <dgm:pt modelId="{C9232BE9-EB2C-4DF6-A966-9AD6B00D57F6}" type="parTrans" cxnId="{1F2F4A01-2DE2-4243-8762-6F23F41650FD}">
+      <dgm:prSet/>
+      <dgm:spPr/>
+      <dgm:t>
+        <a:bodyPr/>
+        <a:lstStyle/>
+        <a:p>
+          <a:endParaRPr lang="de-DE"/>
+        </a:p>
+      </dgm:t>
+    </dgm:pt>
+    <dgm:pt modelId="{7A56F363-72EA-4FFB-BB5F-7C2043521FC3}" type="sibTrans" cxnId="{1F2F4A01-2DE2-4243-8762-6F23F41650FD}">
+      <dgm:prSet/>
+      <dgm:spPr/>
+      <dgm:t>
+        <a:bodyPr/>
+        <a:lstStyle/>
+        <a:p>
+          <a:endParaRPr lang="de-DE"/>
+        </a:p>
+      </dgm:t>
+    </dgm:pt>
+    <dgm:pt modelId="{DD7F36FC-F40E-4253-89EF-D034576446D4}">
+      <dgm:prSet phldrT="[Text]"/>
+      <dgm:spPr/>
+      <dgm:t>
+        <a:bodyPr/>
+        <a:lstStyle/>
+        <a:p>
+          <a:r>
+            <a:rPr lang="de-DE" dirty="0" smtClean="0"/>
+            <a:t>Transferfunktion</a:t>
+          </a:r>
+          <a:endParaRPr lang="de-DE" dirty="0"/>
+        </a:p>
+      </dgm:t>
+    </dgm:pt>
+    <dgm:pt modelId="{56AC5809-4958-4CE5-BEBA-E8A4DB16498F}" type="parTrans" cxnId="{82630183-6850-47AD-A80A-8B9F6D764D21}">
+      <dgm:prSet/>
+      <dgm:spPr/>
+      <dgm:t>
+        <a:bodyPr/>
+        <a:lstStyle/>
+        <a:p>
+          <a:endParaRPr lang="de-DE"/>
+        </a:p>
+      </dgm:t>
+    </dgm:pt>
+    <dgm:pt modelId="{97FCE202-CEBD-4A36-896B-690460B1A5B0}" type="sibTrans" cxnId="{82630183-6850-47AD-A80A-8B9F6D764D21}">
+      <dgm:prSet/>
+      <dgm:spPr/>
+      <dgm:t>
+        <a:bodyPr/>
+        <a:lstStyle/>
+        <a:p>
+          <a:endParaRPr lang="de-DE"/>
+        </a:p>
+      </dgm:t>
+    </dgm:pt>
+    <dgm:pt modelId="{DDB69E34-AF84-40D7-AA6F-C255B145739F}">
+      <dgm:prSet phldrT="[Text]"/>
+      <dgm:spPr/>
+      <dgm:t>
+        <a:bodyPr/>
+        <a:lstStyle/>
+        <a:p>
+          <a:r>
+            <a:rPr lang="de-DE" dirty="0" smtClean="0"/>
+            <a:t>Lernregel</a:t>
+          </a:r>
+          <a:endParaRPr lang="de-DE" dirty="0"/>
+        </a:p>
+      </dgm:t>
+    </dgm:pt>
+    <dgm:pt modelId="{81336908-17DD-4294-B0B5-988352EC03D1}" type="parTrans" cxnId="{EDF304CC-D1DB-4EC4-B762-FC2DA12484EB}">
+      <dgm:prSet/>
+      <dgm:spPr/>
+      <dgm:t>
+        <a:bodyPr/>
+        <a:lstStyle/>
+        <a:p>
+          <a:endParaRPr lang="de-DE"/>
+        </a:p>
+      </dgm:t>
+    </dgm:pt>
+    <dgm:pt modelId="{039F296E-0505-4EB8-9540-E516B0D75917}" type="sibTrans" cxnId="{EDF304CC-D1DB-4EC4-B762-FC2DA12484EB}">
+      <dgm:prSet/>
+      <dgm:spPr/>
+      <dgm:t>
+        <a:bodyPr/>
+        <a:lstStyle/>
+        <a:p>
+          <a:endParaRPr lang="de-DE"/>
+        </a:p>
+      </dgm:t>
+    </dgm:pt>
+    <dgm:pt modelId="{3774E8E0-2DF4-4179-84DA-E6E71C7651AF}">
+      <dgm:prSet/>
+      <dgm:spPr/>
+      <dgm:t>
+        <a:bodyPr/>
+        <a:lstStyle/>
+        <a:p>
+          <a:r>
+            <a:rPr lang="de-DE" dirty="0" smtClean="0"/>
+            <a:t>Lernrate</a:t>
+          </a:r>
+          <a:endParaRPr lang="de-DE" dirty="0"/>
+        </a:p>
+      </dgm:t>
+    </dgm:pt>
+    <dgm:pt modelId="{BF8C01B4-DF4A-4053-8A8D-7FD1C7B90725}" type="parTrans" cxnId="{6CD1B7A4-BDF7-490E-A96C-335237E6C1B0}">
+      <dgm:prSet/>
+      <dgm:spPr/>
+      <dgm:t>
+        <a:bodyPr/>
+        <a:lstStyle/>
+        <a:p>
+          <a:endParaRPr lang="de-DE"/>
+        </a:p>
+      </dgm:t>
+    </dgm:pt>
+    <dgm:pt modelId="{BEDCCCC5-42ED-40EF-9643-F32CD4090D62}" type="sibTrans" cxnId="{6CD1B7A4-BDF7-490E-A96C-335237E6C1B0}">
+      <dgm:prSet/>
+      <dgm:spPr/>
+      <dgm:t>
+        <a:bodyPr/>
+        <a:lstStyle/>
+        <a:p>
+          <a:endParaRPr lang="de-DE"/>
+        </a:p>
+      </dgm:t>
+    </dgm:pt>
+    <dgm:pt modelId="{A281B430-CED6-47C0-9CC8-6AAEF82CFA41}" type="pres">
+      <dgm:prSet presAssocID="{CF5CA275-FE80-462A-8AEB-CBFBBC94D665}" presName="Name0" presStyleCnt="0">
+        <dgm:presLayoutVars>
+          <dgm:dir/>
+          <dgm:animLvl val="lvl"/>
+          <dgm:resizeHandles val="exact"/>
+        </dgm:presLayoutVars>
+      </dgm:prSet>
+      <dgm:spPr/>
+    </dgm:pt>
+    <dgm:pt modelId="{53E4825B-3D66-406A-9713-5BB390890124}" type="pres">
+      <dgm:prSet presAssocID="{3AF56E40-F3D8-4A49-9A0B-5EF54C7658FD}" presName="parTxOnly" presStyleLbl="node1" presStyleIdx="0" presStyleCnt="4" custLinFactNeighborX="-820" custLinFactNeighborY="685">
+        <dgm:presLayoutVars>
+          <dgm:chMax val="0"/>
+          <dgm:chPref val="0"/>
+          <dgm:bulletEnabled val="1"/>
+        </dgm:presLayoutVars>
+      </dgm:prSet>
+      <dgm:spPr/>
+      <dgm:t>
+        <a:bodyPr/>
+        <a:lstStyle/>
+        <a:p>
+          <a:endParaRPr lang="de-DE"/>
+        </a:p>
+      </dgm:t>
+    </dgm:pt>
+    <dgm:pt modelId="{26F2C24D-CB43-4EE9-9D99-8BBFE1CBDA90}" type="pres">
+      <dgm:prSet presAssocID="{7A56F363-72EA-4FFB-BB5F-7C2043521FC3}" presName="parTxOnlySpace" presStyleCnt="0"/>
+      <dgm:spPr/>
+    </dgm:pt>
+    <dgm:pt modelId="{6D6BD3B1-FDF8-44BB-99F4-33A9A894F98B}" type="pres">
+      <dgm:prSet presAssocID="{DD7F36FC-F40E-4253-89EF-D034576446D4}" presName="parTxOnly" presStyleLbl="node1" presStyleIdx="1" presStyleCnt="4">
+        <dgm:presLayoutVars>
+          <dgm:chMax val="0"/>
+          <dgm:chPref val="0"/>
+          <dgm:bulletEnabled val="1"/>
+        </dgm:presLayoutVars>
+      </dgm:prSet>
+      <dgm:spPr/>
+    </dgm:pt>
+    <dgm:pt modelId="{C13A21D1-9BC4-47CB-8EA5-4FE2F53B7833}" type="pres">
+      <dgm:prSet presAssocID="{97FCE202-CEBD-4A36-896B-690460B1A5B0}" presName="parTxOnlySpace" presStyleCnt="0"/>
+      <dgm:spPr/>
+    </dgm:pt>
+    <dgm:pt modelId="{1759F37C-CE72-40A5-B310-ECFA8240AA69}" type="pres">
+      <dgm:prSet presAssocID="{DDB69E34-AF84-40D7-AA6F-C255B145739F}" presName="parTxOnly" presStyleLbl="node1" presStyleIdx="2" presStyleCnt="4">
+        <dgm:presLayoutVars>
+          <dgm:chMax val="0"/>
+          <dgm:chPref val="0"/>
+          <dgm:bulletEnabled val="1"/>
+        </dgm:presLayoutVars>
+      </dgm:prSet>
+      <dgm:spPr/>
+    </dgm:pt>
+    <dgm:pt modelId="{1A1FCD27-ABC6-4E50-8F05-06EADB1991A2}" type="pres">
+      <dgm:prSet presAssocID="{039F296E-0505-4EB8-9540-E516B0D75917}" presName="parTxOnlySpace" presStyleCnt="0"/>
+      <dgm:spPr/>
+    </dgm:pt>
+    <dgm:pt modelId="{2560545F-FA28-42DD-8D58-823658F4E513}" type="pres">
+      <dgm:prSet presAssocID="{3774E8E0-2DF4-4179-84DA-E6E71C7651AF}" presName="parTxOnly" presStyleLbl="node1" presStyleIdx="3" presStyleCnt="4">
+        <dgm:presLayoutVars>
+          <dgm:chMax val="0"/>
+          <dgm:chPref val="0"/>
+          <dgm:bulletEnabled val="1"/>
+        </dgm:presLayoutVars>
+      </dgm:prSet>
+      <dgm:spPr/>
+    </dgm:pt>
+  </dgm:ptLst>
+  <dgm:cxnLst>
+    <dgm:cxn modelId="{FD03F84F-EB2F-4D0C-B14C-4BAC6C14CECA}" type="presOf" srcId="{CF5CA275-FE80-462A-8AEB-CBFBBC94D665}" destId="{A281B430-CED6-47C0-9CC8-6AAEF82CFA41}" srcOrd="0" destOrd="0" presId="urn:microsoft.com/office/officeart/2005/8/layout/chevron1"/>
+    <dgm:cxn modelId="{1F2F4A01-2DE2-4243-8762-6F23F41650FD}" srcId="{CF5CA275-FE80-462A-8AEB-CBFBBC94D665}" destId="{3AF56E40-F3D8-4A49-9A0B-5EF54C7658FD}" srcOrd="0" destOrd="0" parTransId="{C9232BE9-EB2C-4DF6-A966-9AD6B00D57F6}" sibTransId="{7A56F363-72EA-4FFB-BB5F-7C2043521FC3}"/>
+    <dgm:cxn modelId="{EDF304CC-D1DB-4EC4-B762-FC2DA12484EB}" srcId="{CF5CA275-FE80-462A-8AEB-CBFBBC94D665}" destId="{DDB69E34-AF84-40D7-AA6F-C255B145739F}" srcOrd="2" destOrd="0" parTransId="{81336908-17DD-4294-B0B5-988352EC03D1}" sibTransId="{039F296E-0505-4EB8-9540-E516B0D75917}"/>
+    <dgm:cxn modelId="{82630183-6850-47AD-A80A-8B9F6D764D21}" srcId="{CF5CA275-FE80-462A-8AEB-CBFBBC94D665}" destId="{DD7F36FC-F40E-4253-89EF-D034576446D4}" srcOrd="1" destOrd="0" parTransId="{56AC5809-4958-4CE5-BEBA-E8A4DB16498F}" sibTransId="{97FCE202-CEBD-4A36-896B-690460B1A5B0}"/>
+    <dgm:cxn modelId="{E1A36DD9-A14A-4FE1-96CD-D9D4452E0243}" type="presOf" srcId="{DD7F36FC-F40E-4253-89EF-D034576446D4}" destId="{6D6BD3B1-FDF8-44BB-99F4-33A9A894F98B}" srcOrd="0" destOrd="0" presId="urn:microsoft.com/office/officeart/2005/8/layout/chevron1"/>
+    <dgm:cxn modelId="{198FC4E2-EDBB-4151-B141-7D07A369758A}" type="presOf" srcId="{3774E8E0-2DF4-4179-84DA-E6E71C7651AF}" destId="{2560545F-FA28-42DD-8D58-823658F4E513}" srcOrd="0" destOrd="0" presId="urn:microsoft.com/office/officeart/2005/8/layout/chevron1"/>
+    <dgm:cxn modelId="{9A0B5275-09BB-4D0D-97EF-47757802DFB0}" type="presOf" srcId="{DDB69E34-AF84-40D7-AA6F-C255B145739F}" destId="{1759F37C-CE72-40A5-B310-ECFA8240AA69}" srcOrd="0" destOrd="0" presId="urn:microsoft.com/office/officeart/2005/8/layout/chevron1"/>
+    <dgm:cxn modelId="{6CD1B7A4-BDF7-490E-A96C-335237E6C1B0}" srcId="{CF5CA275-FE80-462A-8AEB-CBFBBC94D665}" destId="{3774E8E0-2DF4-4179-84DA-E6E71C7651AF}" srcOrd="3" destOrd="0" parTransId="{BF8C01B4-DF4A-4053-8A8D-7FD1C7B90725}" sibTransId="{BEDCCCC5-42ED-40EF-9643-F32CD4090D62}"/>
+    <dgm:cxn modelId="{FC9F4226-26A5-4C87-8258-3805A1AF2FCD}" type="presOf" srcId="{3AF56E40-F3D8-4A49-9A0B-5EF54C7658FD}" destId="{53E4825B-3D66-406A-9713-5BB390890124}" srcOrd="0" destOrd="0" presId="urn:microsoft.com/office/officeart/2005/8/layout/chevron1"/>
+    <dgm:cxn modelId="{145F1155-463C-455B-9750-106730AD5107}" type="presParOf" srcId="{A281B430-CED6-47C0-9CC8-6AAEF82CFA41}" destId="{53E4825B-3D66-406A-9713-5BB390890124}" srcOrd="0" destOrd="0" presId="urn:microsoft.com/office/officeart/2005/8/layout/chevron1"/>
+    <dgm:cxn modelId="{7116C5E6-7881-4FB2-BA16-600425F5EF32}" type="presParOf" srcId="{A281B430-CED6-47C0-9CC8-6AAEF82CFA41}" destId="{26F2C24D-CB43-4EE9-9D99-8BBFE1CBDA90}" srcOrd="1" destOrd="0" presId="urn:microsoft.com/office/officeart/2005/8/layout/chevron1"/>
+    <dgm:cxn modelId="{D0DEB894-BDEA-4F79-9653-E4E09E3BEBFB}" type="presParOf" srcId="{A281B430-CED6-47C0-9CC8-6AAEF82CFA41}" destId="{6D6BD3B1-FDF8-44BB-99F4-33A9A894F98B}" srcOrd="2" destOrd="0" presId="urn:microsoft.com/office/officeart/2005/8/layout/chevron1"/>
+    <dgm:cxn modelId="{DC5F9341-69C6-49B9-888B-83932E858C90}" type="presParOf" srcId="{A281B430-CED6-47C0-9CC8-6AAEF82CFA41}" destId="{C13A21D1-9BC4-47CB-8EA5-4FE2F53B7833}" srcOrd="3" destOrd="0" presId="urn:microsoft.com/office/officeart/2005/8/layout/chevron1"/>
+    <dgm:cxn modelId="{90E7D515-F84E-4819-9916-15838F0145A7}" type="presParOf" srcId="{A281B430-CED6-47C0-9CC8-6AAEF82CFA41}" destId="{1759F37C-CE72-40A5-B310-ECFA8240AA69}" srcOrd="4" destOrd="0" presId="urn:microsoft.com/office/officeart/2005/8/layout/chevron1"/>
+    <dgm:cxn modelId="{74197EB2-9B43-4E0D-AE1D-BF12868A4D84}" type="presParOf" srcId="{A281B430-CED6-47C0-9CC8-6AAEF82CFA41}" destId="{1A1FCD27-ABC6-4E50-8F05-06EADB1991A2}" srcOrd="5" destOrd="0" presId="urn:microsoft.com/office/officeart/2005/8/layout/chevron1"/>
+    <dgm:cxn modelId="{9085E296-5EBB-4954-9098-9563D466F1EA}" type="presParOf" srcId="{A281B430-CED6-47C0-9CC8-6AAEF82CFA41}" destId="{2560545F-FA28-42DD-8D58-823658F4E513}" srcOrd="6" destOrd="0" presId="urn:microsoft.com/office/officeart/2005/8/layout/chevron1"/>
+  </dgm:cxnLst>
+  <dgm:bg/>
+  <dgm:whole/>
+  <dgm:extLst>
+    <a:ext uri="http://schemas.microsoft.com/office/drawing/2008/diagram">
+      <dsp:dataModelExt xmlns:dsp="http://schemas.microsoft.com/office/drawing/2008/diagram" relId="rId7" minVer="http://schemas.openxmlformats.org/drawingml/2006/diagram"/>
+    </a:ext>
+  </dgm:extLst>
+</dgm:dataModel>
+</file>
+
+<file path=ppt/diagrams/drawing1.xml><?xml version="1.0" encoding="utf-8"?>
+<dsp:drawing xmlns:dgm="http://schemas.openxmlformats.org/drawingml/2006/diagram" xmlns:dsp="http://schemas.microsoft.com/office/drawing/2008/diagram" xmlns:a="http://schemas.openxmlformats.org/drawingml/2006/main">
+  <dsp:spTree>
+    <dsp:nvGrpSpPr>
+      <dsp:cNvPr id="0" name=""/>
+      <dsp:cNvGrpSpPr/>
+    </dsp:nvGrpSpPr>
+    <dsp:grpSpPr/>
+    <dsp:sp modelId="{53E4825B-3D66-406A-9713-5BB390890124}">
+      <dsp:nvSpPr>
+        <dsp:cNvPr id="0" name=""/>
+        <dsp:cNvSpPr/>
+      </dsp:nvSpPr>
+      <dsp:spPr>
+        <a:xfrm>
+          <a:off x="2590" y="2343975"/>
+          <a:ext cx="2885457" cy="1154182"/>
+        </a:xfrm>
+        <a:prstGeom prst="chevron">
+          <a:avLst/>
+        </a:prstGeom>
+        <a:solidFill>
+          <a:schemeClr val="accent3">
+            <a:hueOff val="0"/>
+            <a:satOff val="0"/>
+            <a:lumOff val="0"/>
+            <a:alphaOff val="0"/>
+          </a:schemeClr>
+        </a:solidFill>
+        <a:ln w="12700" cap="flat" cmpd="sng" algn="ctr">
+          <a:solidFill>
+            <a:schemeClr val="lt1">
+              <a:hueOff val="0"/>
+              <a:satOff val="0"/>
+              <a:lumOff val="0"/>
+              <a:alphaOff val="0"/>
+            </a:schemeClr>
+          </a:solidFill>
+          <a:prstDash val="solid"/>
+          <a:miter lim="800000"/>
+        </a:ln>
+        <a:effectLst/>
+      </dsp:spPr>
+      <dsp:style>
+        <a:lnRef idx="2">
+          <a:scrgbClr r="0" g="0" b="0"/>
+        </a:lnRef>
+        <a:fillRef idx="1">
+          <a:scrgbClr r="0" g="0" b="0"/>
+        </a:fillRef>
+        <a:effectRef idx="0">
+          <a:scrgbClr r="0" g="0" b="0"/>
+        </a:effectRef>
+        <a:fontRef idx="minor">
+          <a:schemeClr val="lt1"/>
+        </a:fontRef>
+      </dsp:style>
+      <dsp:txBody>
+        <a:bodyPr spcFirstLastPara="0" vert="horz" wrap="square" lIns="76010" tIns="25337" rIns="25337" bIns="25337" numCol="1" spcCol="1270" anchor="ctr" anchorCtr="0">
+          <a:noAutofit/>
+        </a:bodyPr>
+        <a:lstStyle/>
+        <a:p>
+          <a:pPr lvl="0" algn="ctr" defTabSz="844550">
+            <a:lnSpc>
+              <a:spcPct val="90000"/>
+            </a:lnSpc>
+            <a:spcBef>
+              <a:spcPct val="0"/>
+            </a:spcBef>
+            <a:spcAft>
+              <a:spcPct val="35000"/>
+            </a:spcAft>
+          </a:pPr>
+          <a:r>
+            <a:rPr lang="de-DE" sz="1900" kern="1200" dirty="0" smtClean="0"/>
+            <a:t>Topologie</a:t>
+          </a:r>
+          <a:endParaRPr lang="de-DE" sz="1900" kern="1200" dirty="0"/>
+        </a:p>
+      </dsp:txBody>
+      <dsp:txXfrm>
+        <a:off x="579681" y="2343975"/>
+        <a:ext cx="1731275" cy="1154182"/>
+      </dsp:txXfrm>
+    </dsp:sp>
+    <dsp:sp modelId="{6D6BD3B1-FDF8-44BB-99F4-33A9A894F98B}">
+      <dsp:nvSpPr>
+        <dsp:cNvPr id="0" name=""/>
+        <dsp:cNvSpPr/>
+      </dsp:nvSpPr>
+      <dsp:spPr>
+        <a:xfrm>
+          <a:off x="2601868" y="2336069"/>
+          <a:ext cx="2885457" cy="1154182"/>
+        </a:xfrm>
+        <a:prstGeom prst="chevron">
+          <a:avLst/>
+        </a:prstGeom>
+        <a:solidFill>
+          <a:schemeClr val="accent3">
+            <a:hueOff val="0"/>
+            <a:satOff val="0"/>
+            <a:lumOff val="0"/>
+            <a:alphaOff val="0"/>
+          </a:schemeClr>
+        </a:solidFill>
+        <a:ln w="12700" cap="flat" cmpd="sng" algn="ctr">
+          <a:solidFill>
+            <a:schemeClr val="lt1">
+              <a:hueOff val="0"/>
+              <a:satOff val="0"/>
+              <a:lumOff val="0"/>
+              <a:alphaOff val="0"/>
+            </a:schemeClr>
+          </a:solidFill>
+          <a:prstDash val="solid"/>
+          <a:miter lim="800000"/>
+        </a:ln>
+        <a:effectLst/>
+      </dsp:spPr>
+      <dsp:style>
+        <a:lnRef idx="2">
+          <a:scrgbClr r="0" g="0" b="0"/>
+        </a:lnRef>
+        <a:fillRef idx="1">
+          <a:scrgbClr r="0" g="0" b="0"/>
+        </a:fillRef>
+        <a:effectRef idx="0">
+          <a:scrgbClr r="0" g="0" b="0"/>
+        </a:effectRef>
+        <a:fontRef idx="minor">
+          <a:schemeClr val="lt1"/>
+        </a:fontRef>
+      </dsp:style>
+      <dsp:txBody>
+        <a:bodyPr spcFirstLastPara="0" vert="horz" wrap="square" lIns="76010" tIns="25337" rIns="25337" bIns="25337" numCol="1" spcCol="1270" anchor="ctr" anchorCtr="0">
+          <a:noAutofit/>
+        </a:bodyPr>
+        <a:lstStyle/>
+        <a:p>
+          <a:pPr lvl="0" algn="ctr" defTabSz="844550">
+            <a:lnSpc>
+              <a:spcPct val="90000"/>
+            </a:lnSpc>
+            <a:spcBef>
+              <a:spcPct val="0"/>
+            </a:spcBef>
+            <a:spcAft>
+              <a:spcPct val="35000"/>
+            </a:spcAft>
+          </a:pPr>
+          <a:r>
+            <a:rPr lang="de-DE" sz="1900" kern="1200" dirty="0" smtClean="0"/>
+            <a:t>Transferfunktion</a:t>
+          </a:r>
+          <a:endParaRPr lang="de-DE" sz="1900" kern="1200" dirty="0"/>
+        </a:p>
+      </dsp:txBody>
+      <dsp:txXfrm>
+        <a:off x="3178959" y="2336069"/>
+        <a:ext cx="1731275" cy="1154182"/>
+      </dsp:txXfrm>
+    </dsp:sp>
+    <dsp:sp modelId="{1759F37C-CE72-40A5-B310-ECFA8240AA69}">
+      <dsp:nvSpPr>
+        <dsp:cNvPr id="0" name=""/>
+        <dsp:cNvSpPr/>
+      </dsp:nvSpPr>
+      <dsp:spPr>
+        <a:xfrm>
+          <a:off x="5198779" y="2336069"/>
+          <a:ext cx="2885457" cy="1154182"/>
+        </a:xfrm>
+        <a:prstGeom prst="chevron">
+          <a:avLst/>
+        </a:prstGeom>
+        <a:solidFill>
+          <a:schemeClr val="accent3">
+            <a:hueOff val="0"/>
+            <a:satOff val="0"/>
+            <a:lumOff val="0"/>
+            <a:alphaOff val="0"/>
+          </a:schemeClr>
+        </a:solidFill>
+        <a:ln w="12700" cap="flat" cmpd="sng" algn="ctr">
+          <a:solidFill>
+            <a:schemeClr val="lt1">
+              <a:hueOff val="0"/>
+              <a:satOff val="0"/>
+              <a:lumOff val="0"/>
+              <a:alphaOff val="0"/>
+            </a:schemeClr>
+          </a:solidFill>
+          <a:prstDash val="solid"/>
+          <a:miter lim="800000"/>
+        </a:ln>
+        <a:effectLst/>
+      </dsp:spPr>
+      <dsp:style>
+        <a:lnRef idx="2">
+          <a:scrgbClr r="0" g="0" b="0"/>
+        </a:lnRef>
+        <a:fillRef idx="1">
+          <a:scrgbClr r="0" g="0" b="0"/>
+        </a:fillRef>
+        <a:effectRef idx="0">
+          <a:scrgbClr r="0" g="0" b="0"/>
+        </a:effectRef>
+        <a:fontRef idx="minor">
+          <a:schemeClr val="lt1"/>
+        </a:fontRef>
+      </dsp:style>
+      <dsp:txBody>
+        <a:bodyPr spcFirstLastPara="0" vert="horz" wrap="square" lIns="76010" tIns="25337" rIns="25337" bIns="25337" numCol="1" spcCol="1270" anchor="ctr" anchorCtr="0">
+          <a:noAutofit/>
+        </a:bodyPr>
+        <a:lstStyle/>
+        <a:p>
+          <a:pPr lvl="0" algn="ctr" defTabSz="844550">
+            <a:lnSpc>
+              <a:spcPct val="90000"/>
+            </a:lnSpc>
+            <a:spcBef>
+              <a:spcPct val="0"/>
+            </a:spcBef>
+            <a:spcAft>
+              <a:spcPct val="35000"/>
+            </a:spcAft>
+          </a:pPr>
+          <a:r>
+            <a:rPr lang="de-DE" sz="1900" kern="1200" dirty="0" smtClean="0"/>
+            <a:t>Lernregel</a:t>
+          </a:r>
+          <a:endParaRPr lang="de-DE" sz="1900" kern="1200" dirty="0"/>
+        </a:p>
+      </dsp:txBody>
+      <dsp:txXfrm>
+        <a:off x="5775870" y="2336069"/>
+        <a:ext cx="1731275" cy="1154182"/>
+      </dsp:txXfrm>
+    </dsp:sp>
+    <dsp:sp modelId="{2560545F-FA28-42DD-8D58-823658F4E513}">
+      <dsp:nvSpPr>
+        <dsp:cNvPr id="0" name=""/>
+        <dsp:cNvSpPr/>
+      </dsp:nvSpPr>
+      <dsp:spPr>
+        <a:xfrm>
+          <a:off x="7795691" y="2336069"/>
+          <a:ext cx="2885457" cy="1154182"/>
+        </a:xfrm>
+        <a:prstGeom prst="chevron">
+          <a:avLst/>
+        </a:prstGeom>
+        <a:solidFill>
+          <a:schemeClr val="accent3">
+            <a:hueOff val="0"/>
+            <a:satOff val="0"/>
+            <a:lumOff val="0"/>
+            <a:alphaOff val="0"/>
+          </a:schemeClr>
+        </a:solidFill>
+        <a:ln w="12700" cap="flat" cmpd="sng" algn="ctr">
+          <a:solidFill>
+            <a:schemeClr val="lt1">
+              <a:hueOff val="0"/>
+              <a:satOff val="0"/>
+              <a:lumOff val="0"/>
+              <a:alphaOff val="0"/>
+            </a:schemeClr>
+          </a:solidFill>
+          <a:prstDash val="solid"/>
+          <a:miter lim="800000"/>
+        </a:ln>
+        <a:effectLst/>
+      </dsp:spPr>
+      <dsp:style>
+        <a:lnRef idx="2">
+          <a:scrgbClr r="0" g="0" b="0"/>
+        </a:lnRef>
+        <a:fillRef idx="1">
+          <a:scrgbClr r="0" g="0" b="0"/>
+        </a:fillRef>
+        <a:effectRef idx="0">
+          <a:scrgbClr r="0" g="0" b="0"/>
+        </a:effectRef>
+        <a:fontRef idx="minor">
+          <a:schemeClr val="lt1"/>
+        </a:fontRef>
+      </dsp:style>
+      <dsp:txBody>
+        <a:bodyPr spcFirstLastPara="0" vert="horz" wrap="square" lIns="76010" tIns="25337" rIns="25337" bIns="25337" numCol="1" spcCol="1270" anchor="ctr" anchorCtr="0">
+          <a:noAutofit/>
+        </a:bodyPr>
+        <a:lstStyle/>
+        <a:p>
+          <a:pPr lvl="0" algn="ctr" defTabSz="844550">
+            <a:lnSpc>
+              <a:spcPct val="90000"/>
+            </a:lnSpc>
+            <a:spcBef>
+              <a:spcPct val="0"/>
+            </a:spcBef>
+            <a:spcAft>
+              <a:spcPct val="35000"/>
+            </a:spcAft>
+          </a:pPr>
+          <a:r>
+            <a:rPr lang="de-DE" sz="1900" kern="1200" dirty="0" smtClean="0"/>
+            <a:t>Lernrate</a:t>
+          </a:r>
+          <a:endParaRPr lang="de-DE" sz="1900" kern="1200" dirty="0"/>
+        </a:p>
+      </dsp:txBody>
+      <dsp:txXfrm>
+        <a:off x="8372782" y="2336069"/>
+        <a:ext cx="1731275" cy="1154182"/>
+      </dsp:txXfrm>
+    </dsp:sp>
+  </dsp:spTree>
+</dsp:drawing>
+</file>
+
+<file path=ppt/diagrams/layout1.xml><?xml version="1.0" encoding="utf-8"?>
+<dgm:layoutDef xmlns:dgm="http://schemas.openxmlformats.org/drawingml/2006/diagram" xmlns:a="http://schemas.openxmlformats.org/drawingml/2006/main" uniqueId="urn:microsoft.com/office/officeart/2005/8/layout/chevron1">
+  <dgm:title val=""/>
+  <dgm:desc val=""/>
+  <dgm:catLst>
+    <dgm:cat type="process" pri="9000"/>
+  </dgm:catLst>
+  <dgm:sampData useDef="1">
+    <dgm:dataModel>
+      <dgm:ptLst/>
+      <dgm:bg/>
+      <dgm:whole/>
+    </dgm:dataModel>
+  </dgm:sampData>
+  <dgm:styleData>
+    <dgm:dataModel>
+      <dgm:ptLst>
+        <dgm:pt modelId="0" type="doc"/>
+        <dgm:pt modelId="1"/>
+        <dgm:pt modelId="2"/>
+      </dgm:ptLst>
+      <dgm:cxnLst>
+        <dgm:cxn modelId="3" srcId="0" destId="1" srcOrd="0" destOrd="0"/>
+        <dgm:cxn modelId="4" srcId="0" destId="2" srcOrd="1" destOrd="0"/>
+      </dgm:cxnLst>
+      <dgm:bg/>
+      <dgm:whole/>
+    </dgm:dataModel>
+  </dgm:styleData>
+  <dgm:clrData>
+    <dgm:dataModel>
+      <dgm:ptLst>
+        <dgm:pt modelId="0" type="doc"/>
+        <dgm:pt modelId="1"/>
+        <dgm:pt modelId="2"/>
+        <dgm:pt modelId="3"/>
+        <dgm:pt modelId="4"/>
+      </dgm:ptLst>
+      <dgm:cxnLst>
+        <dgm:cxn modelId="5" srcId="0" destId="1" srcOrd="0" destOrd="0"/>
+        <dgm:cxn modelId="6" srcId="0" destId="2" srcOrd="1" destOrd="0"/>
+        <dgm:cxn modelId="7" srcId="0" destId="3" srcOrd="2" destOrd="0"/>
+        <dgm:cxn modelId="8" srcId="0" destId="4" srcOrd="3" destOrd="0"/>
+      </dgm:cxnLst>
+      <dgm:bg/>
+      <dgm:whole/>
+    </dgm:dataModel>
+  </dgm:clrData>
+  <dgm:layoutNode name="Name0">
+    <dgm:varLst>
+      <dgm:dir/>
+      <dgm:animLvl val="lvl"/>
+      <dgm:resizeHandles val="exact"/>
+    </dgm:varLst>
+    <dgm:choose name="Name1">
+      <dgm:if name="Name2" func="var" arg="dir" op="equ" val="norm">
+        <dgm:alg type="lin"/>
+      </dgm:if>
+      <dgm:else name="Name3">
+        <dgm:alg type="lin">
+          <dgm:param type="linDir" val="fromR"/>
+        </dgm:alg>
+      </dgm:else>
+    </dgm:choose>
+    <dgm:shape xmlns:r="http://schemas.openxmlformats.org/officeDocument/2006/relationships" r:blip="">
+      <dgm:adjLst/>
+    </dgm:shape>
+    <dgm:presOf/>
+    <dgm:choose name="Name4">
+      <dgm:if name="Name5" axis="des" func="maxDepth" op="gte" val="2">
+        <dgm:constrLst>
+          <dgm:constr type="h" for="ch" forName="composite" refType="h"/>
+          <dgm:constr type="w" for="ch" forName="composite" refType="w"/>
+          <dgm:constr type="w" for="des" forName="parTx"/>
+          <dgm:constr type="h" for="des" forName="parTx" op="equ"/>
+          <dgm:constr type="w" for="des" forName="desTx"/>
+          <dgm:constr type="h" for="des" forName="desTx" op="equ"/>
+          <dgm:constr type="primFontSz" for="des" forName="parTx" val="65"/>
+          <dgm:constr type="secFontSz" for="des" forName="desTx" refType="primFontSz" refFor="des" refForName="parTx" op="equ"/>
+          <dgm:constr type="h" for="des" forName="parTx" refType="primFontSz" refFor="des" refForName="parTx" fact="1.5"/>
+          <dgm:constr type="h" for="des" forName="desTx" refType="primFontSz" refFor="des" refForName="parTx" fact="0.5"/>
+          <dgm:constr type="w" for="ch" forName="space" op="equ" val="-6"/>
+        </dgm:constrLst>
+        <dgm:ruleLst>
+          <dgm:rule type="w" for="ch" forName="composite" val="0" fact="NaN" max="NaN"/>
+          <dgm:rule type="primFontSz" for="des" forName="parTx" val="5" fact="NaN" max="NaN"/>
+        </dgm:ruleLst>
+        <dgm:forEach name="Name6" axis="ch" ptType="node">
+          <dgm:layoutNode name="composite">
+            <dgm:alg type="composite"/>
+            <dgm:shape xmlns:r="http://schemas.openxmlformats.org/officeDocument/2006/relationships" r:blip="">
+              <dgm:adjLst/>
+            </dgm:shape>
+            <dgm:presOf/>
+            <dgm:choose name="Name7">
+              <dgm:if name="Name8" func="var" arg="dir" op="equ" val="norm">
+                <dgm:constrLst>
+                  <dgm:constr type="l" for="ch" forName="parTx"/>
+                  <dgm:constr type="w" for="ch" forName="parTx" refType="w"/>
+                  <dgm:constr type="t" for="ch" forName="parTx"/>
+                  <dgm:constr type="l" for="ch" forName="desTx"/>
+                  <dgm:constr type="w" for="ch" forName="desTx" refType="w" refFor="ch" refForName="parTx" fact="0.8"/>
+                  <dgm:constr type="t" for="ch" forName="desTx" refType="h" refFor="ch" refForName="parTx" fact="1.125"/>
+                </dgm:constrLst>
+              </dgm:if>
+              <dgm:else name="Name9">
+                <dgm:constrLst>
+                  <dgm:constr type="l" for="ch" forName="parTx"/>
+                  <dgm:constr type="w" for="ch" forName="parTx" refType="w"/>
+                  <dgm:constr type="t" for="ch" forName="parTx"/>
+                  <dgm:constr type="l" for="ch" forName="desTx" refType="w" fact="0.2"/>
+                  <dgm:constr type="w" for="ch" forName="desTx" refType="w" refFor="ch" refForName="parTx" fact="0.8"/>
+                  <dgm:constr type="t" for="ch" forName="desTx" refType="h" refFor="ch" refForName="parTx" fact="1.125"/>
+                </dgm:constrLst>
+              </dgm:else>
+            </dgm:choose>
+            <dgm:ruleLst>
+              <dgm:rule type="h" val="INF" fact="NaN" max="NaN"/>
+            </dgm:ruleLst>
+            <dgm:layoutNode name="parTx">
+              <dgm:varLst>
+                <dgm:chMax val="0"/>
+                <dgm:chPref val="0"/>
+                <dgm:bulletEnabled val="1"/>
+              </dgm:varLst>
+              <dgm:alg type="tx"/>
+              <dgm:choose name="Name10">
+                <dgm:if name="Name11" func="var" arg="dir" op="equ" val="norm">
+                  <dgm:shape xmlns:r="http://schemas.openxmlformats.org/officeDocument/2006/relationships" type="chevron" r:blip="">
+                    <dgm:adjLst/>
+                  </dgm:shape>
+                </dgm:if>
+                <dgm:else name="Name12">
+                  <dgm:shape xmlns:r="http://schemas.openxmlformats.org/officeDocument/2006/relationships" rot="180" type="chevron" r:blip="">
+                    <dgm:adjLst/>
+                  </dgm:shape>
+                </dgm:else>
+              </dgm:choose>
+              <dgm:presOf axis="self" ptType="node"/>
+              <dgm:choose name="Name13">
+                <dgm:if name="Name14" func="var" arg="dir" op="equ" val="norm">
+                  <dgm:constrLst>
+                    <dgm:constr type="h" refType="w" op="lte" fact="0.4"/>
+                    <dgm:constr type="h"/>
+                    <dgm:constr type="tMarg" refType="primFontSz" fact="0.105"/>
+                    <dgm:constr type="bMarg" refType="primFontSz" fact="0.105"/>
+                    <dgm:constr type="lMarg" refType="primFontSz" fact="0.315"/>
+                    <dgm:constr type="rMarg" refType="primFontSz" fact="0.105"/>
+                  </dgm:constrLst>
+                </dgm:if>
+                <dgm:else name="Name15">
+                  <dgm:constrLst>
+                    <dgm:constr type="h" refType="w" op="lte" fact="0.4"/>
+                    <dgm:constr type="h"/>
+                    <dgm:constr type="tMarg" refType="primFontSz" fact="0.105"/>
+                    <dgm:constr type="bMarg" refType="primFontSz" fact="0.105"/>
+                    <dgm:constr type="lMarg" refType="primFontSz" fact="0.105"/>
+                    <dgm:constr type="rMarg" refType="primFontSz" fact="0.315"/>
+                  </dgm:constrLst>
+                </dgm:else>
+              </dgm:choose>
+              <dgm:ruleLst>
+                <dgm:rule type="h" val="INF" fact="NaN" max="NaN"/>
+              </dgm:ruleLst>
+            </dgm:layoutNode>
+            <dgm:layoutNode name="desTx" styleLbl="revTx">
+              <dgm:varLst>
+                <dgm:bulletEnabled val="1"/>
+              </dgm:varLst>
+              <dgm:alg type="tx">
+                <dgm:param type="stBulletLvl" val="1"/>
+              </dgm:alg>
+              <dgm:choose name="Name16">
+                <dgm:if name="Name17" axis="ch" ptType="node" func="cnt" op="gte" val="1">
+                  <dgm:shape xmlns:r="http://schemas.openxmlformats.org/officeDocument/2006/relationships" type="rect" r:blip="">
+                    <dgm:adjLst/>
+                  </dgm:shape>
+                </dgm:if>
+                <dgm:else name="Name18">
+                  <dgm:shape xmlns:r="http://schemas.openxmlformats.org/officeDocument/2006/relationships" type="rect" r:blip="" hideGeom="1">
+                    <dgm:adjLst/>
+                  </dgm:shape>
+                </dgm:else>
+              </dgm:choose>
+              <dgm:presOf axis="des" ptType="node"/>
+              <dgm:constrLst>
+                <dgm:constr type="secFontSz" val="65"/>
+                <dgm:constr type="primFontSz" refType="secFontSz"/>
+                <dgm:constr type="h"/>
+                <dgm:constr type="tMarg"/>
+                <dgm:constr type="bMarg"/>
+                <dgm:constr type="rMarg"/>
+                <dgm:constr type="lMarg"/>
+              </dgm:constrLst>
+              <dgm:ruleLst>
+                <dgm:rule type="h" val="INF" fact="NaN" max="NaN"/>
+              </dgm:ruleLst>
+            </dgm:layoutNode>
+          </dgm:layoutNode>
+          <dgm:forEach name="Name19" axis="followSib" ptType="sibTrans" cnt="1">
+            <dgm:layoutNode name="space">
+              <dgm:alg type="sp"/>
+              <dgm:shape xmlns:r="http://schemas.openxmlformats.org/officeDocument/2006/relationships" r:blip="">
+                <dgm:adjLst/>
+              </dgm:shape>
+              <dgm:presOf/>
+              <dgm:constrLst/>
+              <dgm:ruleLst/>
+            </dgm:layoutNode>
+          </dgm:forEach>
+        </dgm:forEach>
+      </dgm:if>
+      <dgm:else name="Name20">
+        <dgm:constrLst>
+          <dgm:constr type="w" for="ch" forName="parTxOnly" refType="w"/>
+          <dgm:constr type="h" for="des" forName="parTxOnly" op="equ"/>
+          <dgm:constr type="primFontSz" for="des" forName="parTxOnly" op="equ" val="65"/>
+          <dgm:constr type="w" for="ch" forName="parTxOnlySpace" refType="w" refFor="ch" refForName="parTxOnly" fact="-0.1"/>
+        </dgm:constrLst>
+        <dgm:ruleLst/>
+        <dgm:forEach name="Name21" axis="ch" ptType="node">
+          <dgm:layoutNode name="parTxOnly">
+            <dgm:varLst>
+              <dgm:chMax val="0"/>
+              <dgm:chPref val="0"/>
+              <dgm:bulletEnabled val="1"/>
+            </dgm:varLst>
+            <dgm:alg type="tx"/>
+            <dgm:choose name="Name22">
+              <dgm:if name="Name23" func="var" arg="dir" op="equ" val="norm">
+                <dgm:shape xmlns:r="http://schemas.openxmlformats.org/officeDocument/2006/relationships" type="chevron" r:blip="">
+                  <dgm:adjLst/>
+                </dgm:shape>
+              </dgm:if>
+              <dgm:else name="Name24">
+                <dgm:shape xmlns:r="http://schemas.openxmlformats.org/officeDocument/2006/relationships" rot="180" type="chevron" r:blip="">
+                  <dgm:adjLst/>
+                </dgm:shape>
+              </dgm:else>
+            </dgm:choose>
+            <dgm:presOf axis="self" ptType="node"/>
+            <dgm:choose name="Name25">
+              <dgm:if name="Name26" func="var" arg="dir" op="equ" val="norm">
+                <dgm:constrLst>
+                  <dgm:constr type="h" refType="w" op="equ" fact="0.4"/>
+                  <dgm:constr type="tMarg" refType="primFontSz" fact="0.105"/>
+                  <dgm:constr type="bMarg" refType="primFontSz" fact="0.105"/>
+                  <dgm:constr type="lMarg" refType="primFontSz" fact="0.315"/>
+                  <dgm:constr type="rMarg" refType="primFontSz" fact="0.105"/>
+                </dgm:constrLst>
+              </dgm:if>
+              <dgm:else name="Name27">
+                <dgm:constrLst>
+                  <dgm:constr type="h" refType="w" op="equ" fact="0.4"/>
+                  <dgm:constr type="tMarg" refType="primFontSz" fact="0.105"/>
+                  <dgm:constr type="bMarg" refType="primFontSz" fact="0.105"/>
+                  <dgm:constr type="lMarg" refType="primFontSz" fact="0.105"/>
+                  <dgm:constr type="rMarg" refType="primFontSz" fact="0.315"/>
+                </dgm:constrLst>
+              </dgm:else>
+            </dgm:choose>
+            <dgm:ruleLst>
+              <dgm:rule type="primFontSz" val="5" fact="NaN" max="NaN"/>
+            </dgm:ruleLst>
+          </dgm:layoutNode>
+          <dgm:forEach name="Name28" axis="followSib" ptType="sibTrans" cnt="1">
+            <dgm:layoutNode name="parTxOnlySpace">
+              <dgm:alg type="sp"/>
+              <dgm:shape xmlns:r="http://schemas.openxmlformats.org/officeDocument/2006/relationships" r:blip="">
+                <dgm:adjLst/>
+              </dgm:shape>
+              <dgm:presOf/>
+              <dgm:constrLst/>
+              <dgm:ruleLst/>
+            </dgm:layoutNode>
+          </dgm:forEach>
+        </dgm:forEach>
+      </dgm:else>
+    </dgm:choose>
+  </dgm:layoutNode>
+</dgm:layoutDef>
+</file>
+
+<file path=ppt/diagrams/quickStyle1.xml><?xml version="1.0" encoding="utf-8"?>
+<dgm:styleDef xmlns:dgm="http://schemas.openxmlformats.org/drawingml/2006/diagram" xmlns:a="http://schemas.openxmlformats.org/drawingml/2006/main" uniqueId="urn:microsoft.com/office/officeart/2005/8/quickstyle/simple1">
+  <dgm:title val=""/>
+  <dgm:desc val=""/>
+  <dgm:catLst>
+    <dgm:cat type="simple" pri="10100"/>
+  </dgm:catLst>
+  <dgm:scene3d>
+    <a:camera prst="orthographicFront"/>
+    <a:lightRig rig="threePt" dir="t"/>
+  </dgm:scene3d>
+  <dgm:styleLbl name="node0">
+    <dgm:scene3d>
+      <a:camera prst="orthographicFront"/>
+      <a:lightRig rig="threePt" dir="t"/>
+    </dgm:scene3d>
+    <dgm:sp3d/>
+    <dgm:txPr/>
+    <dgm:style>
+      <a:lnRef idx="2">
+        <a:scrgbClr r="0" g="0" b="0"/>
+      </a:lnRef>
+      <a:fillRef idx="1">
+        <a:scrgbClr r="0" g="0" b="0"/>
+      </a:fillRef>
+      <a:effectRef idx="0">
+        <a:scrgbClr r="0" g="0" b="0"/>
+      </a:effectRef>
+      <a:fontRef idx="minor">
+        <a:schemeClr val="lt1"/>
+      </a:fontRef>
+    </dgm:style>
+  </dgm:styleLbl>
+  <dgm:styleLbl name="lnNode1">
+    <dgm:scene3d>
+      <a:camera prst="orthographicFront"/>
+      <a:lightRig rig="threePt" dir="t"/>
+    </dgm:scene3d>
+    <dgm:sp3d/>
+    <dgm:txPr/>
+    <dgm:style>
+      <a:lnRef idx="2">
+        <a:scrgbClr r="0" g="0" b="0"/>
+      </a:lnRef>
+      <a:fillRef idx="1">
+        <a:scrgbClr r="0" g="0" b="0"/>
+      </a:fillRef>
+      <a:effectRef idx="0">
+        <a:scrgbClr r="0" g="0" b="0"/>
+      </a:effectRef>
+      <a:fontRef idx="minor">
+        <a:schemeClr val="lt1"/>
+      </a:fontRef>
+    </dgm:style>
+  </dgm:styleLbl>
+  <dgm:styleLbl name="vennNode1">
+    <dgm:scene3d>
+      <a:camera prst="orthographicFront"/>
+      <a:lightRig rig="threePt" dir="t"/>
+    </dgm:scene3d>
+    <dgm:sp3d/>
+    <dgm:txPr/>
+    <dgm:style>
+      <a:lnRef idx="2">
+        <a:scrgbClr r="0" g="0" b="0"/>
+      </a:lnRef>
+      <a:fillRef idx="1">
+        <a:scrgbClr r="0" g="0" b="0"/>
+      </a:fillRef>
+      <a:effectRef idx="0">
+        <a:scrgbClr r="0" g="0" b="0"/>
+      </a:effectRef>
+      <a:fontRef idx="minor">
+        <a:schemeClr val="tx1"/>
+      </a:fontRef>
+    </dgm:style>
+  </dgm:styleLbl>
+  <dgm:styleLbl name="alignNode1">
+    <dgm:scene3d>
+      <a:camera prst="orthographicFront"/>
+      <a:lightRig rig="threePt" dir="t"/>
+    </dgm:scene3d>
+    <dgm:sp3d/>
+    <dgm:txPr/>
+    <dgm:style>
+      <a:lnRef idx="2">
+        <a:scrgbClr r="0" g="0" b="0"/>
+      </a:lnRef>
+      <a:fillRef idx="1">
+        <a:scrgbClr r="0" g="0" b="0"/>
+      </a:fillRef>
+      <a:effectRef idx="0">
+        <a:scrgbClr r="0" g="0" b="0"/>
+      </a:effectRef>
+      <a:fontRef idx="minor">
+        <a:schemeClr val="lt1"/>
+      </a:fontRef>
+    </dgm:style>
+  </dgm:styleLbl>
+  <dgm:styleLbl name="node1">
+    <dgm:scene3d>
+      <a:camera prst="orthographicFront"/>
+      <a:lightRig rig="threePt" dir="t"/>
+    </dgm:scene3d>
+    <dgm:sp3d/>
+    <dgm:txPr/>
+    <dgm:style>
+      <a:lnRef idx="2">
+        <a:scrgbClr r="0" g="0" b="0"/>
+      </a:lnRef>
+      <a:fillRef idx="1">
+        <a:scrgbClr r="0" g="0" b="0"/>
+      </a:fillRef>
+      <a:effectRef idx="0">
+        <a:scrgbClr r="0" g="0" b="0"/>
+      </a:effectRef>
+      <a:fontRef idx="minor">
+        <a:schemeClr val="lt1"/>
+      </a:fontRef>
+    </dgm:style>
+  </dgm:styleLbl>
+  <dgm:styleLbl name="node2">
+    <dgm:scene3d>
+      <a:camera prst="orthographicFront"/>
+      <a:lightRig rig="threePt" dir="t"/>
+    </dgm:scene3d>
+    <dgm:sp3d/>
+    <dgm:txPr/>
+    <dgm:style>
+      <a:lnRef idx="2">
+        <a:scrgbClr r="0" g="0" b="0"/>
+      </a:lnRef>
+      <a:fillRef idx="1">
+        <a:scrgbClr r="0" g="0" b="0"/>
+      </a:fillRef>
+      <a:effectRef idx="0">
+        <a:scrgbClr r="0" g="0" b="0"/>
+      </a:effectRef>
+      <a:fontRef idx="minor">
+        <a:schemeClr val="lt1"/>
+      </a:fontRef>
+    </dgm:style>
+  </dgm:styleLbl>
+  <dgm:styleLbl name="node3">
+    <dgm:scene3d>
+      <a:camera prst="orthographicFront"/>
+      <a:lightRig rig="threePt" dir="t"/>
+    </dgm:scene3d>
+    <dgm:sp3d/>
+    <dgm:txPr/>
+    <dgm:style>
+      <a:lnRef idx="2">
+        <a:scrgbClr r="0" g="0" b="0"/>
+      </a:lnRef>
+      <a:fillRef idx="1">
+        <a:scrgbClr r="0" g="0" b="0"/>
+      </a:fillRef>
+      <a:effectRef idx="0">
+        <a:scrgbClr r="0" g="0" b="0"/>
+      </a:effectRef>
+      <a:fontRef idx="minor">
+        <a:schemeClr val="lt1"/>
+      </a:fontRef>
+    </dgm:style>
+  </dgm:styleLbl>
+  <dgm:styleLbl name="node4">
+    <dgm:scene3d>
+      <a:camera prst="orthographicFront"/>
+      <a:lightRig rig="threePt" dir="t"/>
+    </dgm:scene3d>
+    <dgm:sp3d/>
+    <dgm:txPr/>
+    <dgm:style>
+      <a:lnRef idx="2">
+        <a:scrgbClr r="0" g="0" b="0"/>
+      </a:lnRef>
+      <a:fillRef idx="1">
+        <a:scrgbClr r="0" g="0" b="0"/>
+      </a:fillRef>
+      <a:effectRef idx="0">
+        <a:scrgbClr r="0" g="0" b="0"/>
+      </a:effectRef>
+      <a:fontRef idx="minor">
+        <a:schemeClr val="lt1"/>
+      </a:fontRef>
+    </dgm:style>
+  </dgm:styleLbl>
+  <dgm:styleLbl name="fgImgPlace1">
+    <dgm:scene3d>
+      <a:camera prst="orthographicFront"/>
+      <a:lightRig rig="threePt" dir="t"/>
+    </dgm:scene3d>
+    <dgm:sp3d/>
+    <dgm:txPr/>
+    <dgm:style>
+      <a:lnRef idx="2">
+        <a:scrgbClr r="0" g="0" b="0"/>
+      </a:lnRef>
+      <a:fillRef idx="1">
+        <a:scrgbClr r="0" g="0" b="0"/>
+      </a:fillRef>
+      <a:effectRef idx="0">
+        <a:scrgbClr r="0" g="0" b="0"/>
+      </a:effectRef>
+      <a:fontRef idx="minor"/>
+    </dgm:style>
+  </dgm:styleLbl>
+  <dgm:styleLbl name="alignImgPlace1">
+    <dgm:scene3d>
+      <a:camera prst="orthographicFront"/>
+      <a:lightRig rig="threePt" dir="t"/>
+    </dgm:scene3d>
+    <dgm:sp3d/>
+    <dgm:txPr/>
+    <dgm:style>
+      <a:lnRef idx="2">
+        <a:scrgbClr r="0" g="0" b="0"/>
+      </a:lnRef>
+      <a:fillRef idx="1">
+        <a:scrgbClr r="0" g="0" b="0"/>
+      </a:fillRef>
+      <a:effectRef idx="0">
+        <a:scrgbClr r="0" g="0" b="0"/>
+      </a:effectRef>
+      <a:fontRef idx="minor"/>
+    </dgm:style>
+  </dgm:styleLbl>
+  <dgm:styleLbl name="bgImgPlace1">
+    <dgm:scene3d>
+      <a:camera prst="orthographicFront"/>
+      <a:lightRig rig="threePt" dir="t"/>
+    </dgm:scene3d>
+    <dgm:sp3d/>
+    <dgm:txPr/>
+    <dgm:style>
+      <a:lnRef idx="2">
+        <a:scrgbClr r="0" g="0" b="0"/>
+      </a:lnRef>
+      <a:fillRef idx="1">
+        <a:scrgbClr r="0" g="0" b="0"/>
+      </a:fillRef>
+      <a:effectRef idx="0">
+        <a:scrgbClr r="0" g="0" b="0"/>
+      </a:effectRef>
+      <a:fontRef idx="minor"/>
+    </dgm:style>
+  </dgm:styleLbl>
+  <dgm:styleLbl name="sibTrans2D1">
+    <dgm:scene3d>
+      <a:camera prst="orthographicFront"/>
+      <a:lightRig rig="threePt" dir="t"/>
+    </dgm:scene3d>
+    <dgm:sp3d/>
+    <dgm:txPr/>
+    <dgm:style>
+      <a:lnRef idx="0">
+        <a:scrgbClr r="0" g="0" b="0"/>
+      </a:lnRef>
+      <a:fillRef idx="1">
+        <a:scrgbClr r="0" g="0" b="0"/>
+      </a:fillRef>
+      <a:effectRef idx="0">
+        <a:scrgbClr r="0" g="0" b="0"/>
+      </a:effectRef>
+      <a:fontRef idx="minor">
+        <a:schemeClr val="lt1"/>
+      </a:fontRef>
+    </dgm:style>
+  </dgm:styleLbl>
+  <dgm:styleLbl name="fgSibTrans2D1">
+    <dgm:scene3d>
+      <a:camera prst="orthographicFront"/>
+      <a:lightRig rig="threePt" dir="t"/>
+    </dgm:scene3d>
+    <dgm:sp3d/>
+    <dgm:txPr/>
+    <dgm:style>
+      <a:lnRef idx="0">
+        <a:scrgbClr r="0" g="0" b="0"/>
+      </a:lnRef>
+      <a:fillRef idx="1">
+        <a:scrgbClr r="0" g="0" b="0"/>
+      </a:fillRef>
+      <a:effectRef idx="0">
+        <a:scrgbClr r="0" g="0" b="0"/>
+      </a:effectRef>
+      <a:fontRef idx="minor">
+        <a:schemeClr val="lt1"/>
+      </a:fontRef>
+    </dgm:style>
+  </dgm:styleLbl>
+  <dgm:styleLbl name="bgSibTrans2D1">
+    <dgm:scene3d>
+      <a:camera prst="orthographicFront"/>
+      <a:lightRig rig="threePt" dir="t"/>
+    </dgm:scene3d>
+    <dgm:sp3d/>
+    <dgm:txPr/>
+    <dgm:style>
+      <a:lnRef idx="0">
+        <a:scrgbClr r="0" g="0" b="0"/>
+      </a:lnRef>
+      <a:fillRef idx="1">
+        <a:scrgbClr r="0" g="0" b="0"/>
+      </a:fillRef>
+      <a:effectRef idx="0">
+        <a:scrgbClr r="0" g="0" b="0"/>
+      </a:effectRef>
+      <a:fontRef idx="minor">
+        <a:schemeClr val="lt1"/>
+      </a:fontRef>
+    </dgm:style>
+  </dgm:styleLbl>
+  <dgm:styleLbl name="sibTrans1D1">
+    <dgm:scene3d>
+      <a:camera prst="orthographicFront"/>
+      <a:lightRig rig="threePt" dir="t"/>
+    </dgm:scene3d>
+    <dgm:sp3d/>
+    <dgm:txPr/>
+    <dgm:style>
+      <a:lnRef idx="1">
+        <a:scrgbClr r="0" g="0" b="0"/>
+      </a:lnRef>
+      <a:fillRef idx="0">
+        <a:scrgbClr r="0" g="0" b="0"/>
+      </a:fillRef>
+      <a:effectRef idx="0">
+        <a:scrgbClr r="0" g="0" b="0"/>
+      </a:effectRef>
+      <a:fontRef idx="minor"/>
+    </dgm:style>
+  </dgm:styleLbl>
+  <dgm:styleLbl name="callout">
+    <dgm:scene3d>
+      <a:camera prst="orthographicFront"/>
+      <a:lightRig rig="threePt" dir="t"/>
+    </dgm:scene3d>
+    <dgm:sp3d/>
+    <dgm:txPr/>
+    <dgm:style>
+      <a:lnRef idx="2">
+        <a:scrgbClr r="0" g="0" b="0"/>
+      </a:lnRef>
+      <a:fillRef idx="1">
+        <a:scrgbClr r="0" g="0" b="0"/>
+      </a:fillRef>
+      <a:effectRef idx="0">
+        <a:scrgbClr r="0" g="0" b="0"/>
+      </a:effectRef>
+      <a:fontRef idx="minor"/>
+    </dgm:style>
+  </dgm:styleLbl>
+  <dgm:styleLbl name="asst0">
+    <dgm:scene3d>
+      <a:camera prst="orthographicFront"/>
+      <a:lightRig rig="threePt" dir="t"/>
+    </dgm:scene3d>
+    <dgm:sp3d/>
+    <dgm:txPr/>
+    <dgm:style>
+      <a:lnRef idx="2">
+        <a:scrgbClr r="0" g="0" b="0"/>
+      </a:lnRef>
+      <a:fillRef idx="1">
+        <a:scrgbClr r="0" g="0" b="0"/>
+      </a:fillRef>
+      <a:effectRef idx="0">
+        <a:scrgbClr r="0" g="0" b="0"/>
+      </a:effectRef>
+      <a:fontRef idx="minor">
+        <a:schemeClr val="lt1"/>
+      </a:fontRef>
+    </dgm:style>
+  </dgm:styleLbl>
+  <dgm:styleLbl name="asst1">
+    <dgm:scene3d>
+      <a:camera prst="orthographicFront"/>
+      <a:lightRig rig="threePt" dir="t"/>
+    </dgm:scene3d>
+    <dgm:sp3d/>
+    <dgm:txPr/>
+    <dgm:style>
+      <a:lnRef idx="2">
+        <a:scrgbClr r="0" g="0" b="0"/>
+      </a:lnRef>
+      <a:fillRef idx="1">
+        <a:scrgbClr r="0" g="0" b="0"/>
+      </a:fillRef>
+      <a:effectRef idx="0">
+        <a:scrgbClr r="0" g="0" b="0"/>
+      </a:effectRef>
+      <a:fontRef idx="minor">
+        <a:schemeClr val="lt1"/>
+      </a:fontRef>
+    </dgm:style>
+  </dgm:styleLbl>
+  <dgm:styleLbl name="asst2">
+    <dgm:scene3d>
+      <a:camera prst="orthographicFront"/>
+      <a:lightRig rig="threePt" dir="t"/>
+    </dgm:scene3d>
+    <dgm:sp3d/>
+    <dgm:txPr/>
+    <dgm:style>
+      <a:lnRef idx="2">
+        <a:scrgbClr r="0" g="0" b="0"/>
+      </a:lnRef>
+      <a:fillRef idx="1">
+        <a:scrgbClr r="0" g="0" b="0"/>
+      </a:fillRef>
+      <a:effectRef idx="0">
+        <a:scrgbClr r="0" g="0" b="0"/>
+      </a:effectRef>
+      <a:fontRef idx="minor">
+        <a:schemeClr val="lt1"/>
+      </a:fontRef>
+    </dgm:style>
+  </dgm:styleLbl>
+  <dgm:styleLbl name="asst3">
+    <dgm:scene3d>
+      <a:camera prst="orthographicFront"/>
+      <a:lightRig rig="threePt" dir="t"/>
+    </dgm:scene3d>
+    <dgm:sp3d/>
+    <dgm:txPr/>
+    <dgm:style>
+      <a:lnRef idx="2">
+        <a:scrgbClr r="0" g="0" b="0"/>
+      </a:lnRef>
+      <a:fillRef idx="1">
+        <a:scrgbClr r="0" g="0" b="0"/>
+      </a:fillRef>
+      <a:effectRef idx="0">
+        <a:scrgbClr r="0" g="0" b="0"/>
+      </a:effectRef>
+      <a:fontRef idx="minor">
+        <a:schemeClr val="lt1"/>
+      </a:fontRef>
+    </dgm:style>
+  </dgm:styleLbl>
+  <dgm:styleLbl name="asst4">
+    <dgm:scene3d>
+      <a:camera prst="orthographicFront"/>
+      <a:lightRig rig="threePt" dir="t"/>
+    </dgm:scene3d>
+    <dgm:sp3d/>
+    <dgm:txPr/>
+    <dgm:style>
+      <a:lnRef idx="2">
+        <a:scrgbClr r="0" g="0" b="0"/>
+      </a:lnRef>
+      <a:fillRef idx="1">
+        <a:scrgbClr r="0" g="0" b="0"/>
+      </a:fillRef>
+      <a:effectRef idx="0">
+        <a:scrgbClr r="0" g="0" b="0"/>
+      </a:effectRef>
+      <a:fontRef idx="minor">
+        <a:schemeClr val="lt1"/>
+      </a:fontRef>
+    </dgm:style>
+  </dgm:styleLbl>
+  <dgm:styleLbl name="parChTrans2D1">
+    <dgm:scene3d>
+      <a:camera prst="orthographicFront"/>
+      <a:lightRig rig="threePt" dir="t"/>
+    </dgm:scene3d>
+    <dgm:sp3d/>
+    <dgm:txPr/>
+    <dgm:style>
+      <a:lnRef idx="2">
+        <a:scrgbClr r="0" g="0" b="0"/>
+      </a:lnRef>
+      <a:fillRef idx="1">
+        <a:scrgbClr r="0" g="0" b="0"/>
+      </a:fillRef>
+      <a:effectRef idx="0">
+        <a:scrgbClr r="0" g="0" b="0"/>
+      </a:effectRef>
+      <a:fontRef idx="minor">
+        <a:schemeClr val="lt1"/>
+      </a:fontRef>
+    </dgm:style>
+  </dgm:styleLbl>
+  <dgm:styleLbl name="parChTrans2D2">
+    <dgm:scene3d>
+      <a:camera prst="orthographicFront"/>
+      <a:lightRig rig="threePt" dir="t"/>
+    </dgm:scene3d>
+    <dgm:sp3d/>
+    <dgm:txPr/>
+    <dgm:style>
+      <a:lnRef idx="2">
+        <a:scrgbClr r="0" g="0" b="0"/>
+      </a:lnRef>
+      <a:fillRef idx="1">
+        <a:scrgbClr r="0" g="0" b="0"/>
+      </a:fillRef>
+      <a:effectRef idx="0">
+        <a:scrgbClr r="0" g="0" b="0"/>
+      </a:effectRef>
+      <a:fontRef idx="minor">
+        <a:schemeClr val="lt1"/>
+      </a:fontRef>
+    </dgm:style>
+  </dgm:styleLbl>
+  <dgm:styleLbl name="parChTrans2D3">
+    <dgm:scene3d>
+      <a:camera prst="orthographicFront"/>
+      <a:lightRig rig="threePt" dir="t"/>
+    </dgm:scene3d>
+    <dgm:sp3d/>
+    <dgm:txPr/>
+    <dgm:style>
+      <a:lnRef idx="2">
+        <a:scrgbClr r="0" g="0" b="0"/>
+      </a:lnRef>
+      <a:fillRef idx="1">
+        <a:scrgbClr r="0" g="0" b="0"/>
+      </a:fillRef>
+      <a:effectRef idx="0">
+        <a:scrgbClr r="0" g="0" b="0"/>
+      </a:effectRef>
+      <a:fontRef idx="minor">
+        <a:schemeClr val="lt1"/>
+      </a:fontRef>
+    </dgm:style>
+  </dgm:styleLbl>
+  <dgm:styleLbl name="parChTrans2D4">
+    <dgm:scene3d>
+      <a:camera prst="orthographicFront"/>
+      <a:lightRig rig="threePt" dir="t"/>
+    </dgm:scene3d>
+    <dgm:sp3d/>
+    <dgm:txPr/>
+    <dgm:style>
+      <a:lnRef idx="2">
+        <a:scrgbClr r="0" g="0" b="0"/>
+      </a:lnRef>
+      <a:fillRef idx="1">
+        <a:scrgbClr r="0" g="0" b="0"/>
+      </a:fillRef>
+      <a:effectRef idx="0">
+        <a:scrgbClr r="0" g="0" b="0"/>
+      </a:effectRef>
+      <a:fontRef idx="minor">
+        <a:schemeClr val="lt1"/>
+      </a:fontRef>
+    </dgm:style>
+  </dgm:styleLbl>
+  <dgm:styleLbl name="parChTrans1D1">
+    <dgm:scene3d>
+      <a:camera prst="orthographicFront"/>
+      <a:lightRig rig="threePt" dir="t"/>
+    </dgm:scene3d>
+    <dgm:sp3d/>
+    <dgm:txPr/>
+    <dgm:style>
+      <a:lnRef idx="2">
+        <a:scrgbClr r="0" g="0" b="0"/>
+      </a:lnRef>
+      <a:fillRef idx="0">
+        <a:scrgbClr r="0" g="0" b="0"/>
+      </a:fillRef>
+      <a:effectRef idx="0">
+        <a:scrgbClr r="0" g="0" b="0"/>
+      </a:effectRef>
+      <a:fontRef idx="minor"/>
+    </dgm:style>
+  </dgm:styleLbl>
+  <dgm:styleLbl name="parChTrans1D2">
+    <dgm:scene3d>
+      <a:camera prst="orthographicFront"/>
+      <a:lightRig rig="threePt" dir="t"/>
+    </dgm:scene3d>
+    <dgm:sp3d/>
+    <dgm:txPr/>
+    <dgm:style>
+      <a:lnRef idx="2">
+        <a:scrgbClr r="0" g="0" b="0"/>
+      </a:lnRef>
+      <a:fillRef idx="0">
+        <a:scrgbClr r="0" g="0" b="0"/>
+      </a:fillRef>
+      <a:effectRef idx="0">
+        <a:scrgbClr r="0" g="0" b="0"/>
+      </a:effectRef>
+      <a:fontRef idx="minor"/>
+    </dgm:style>
+  </dgm:styleLbl>
+  <dgm:styleLbl name="parChTrans1D3">
+    <dgm:scene3d>
+      <a:camera prst="orthographicFront"/>
+      <a:lightRig rig="threePt" dir="t"/>
+    </dgm:scene3d>
+    <dgm:sp3d/>
+    <dgm:txPr/>
+    <dgm:style>
+      <a:lnRef idx="2">
+        <a:scrgbClr r="0" g="0" b="0"/>
+      </a:lnRef>
+      <a:fillRef idx="0">
+        <a:scrgbClr r="0" g="0" b="0"/>
+      </a:fillRef>
+      <a:effectRef idx="0">
+        <a:scrgbClr r="0" g="0" b="0"/>
+      </a:effectRef>
+      <a:fontRef idx="minor"/>
+    </dgm:style>
+  </dgm:styleLbl>
+  <dgm:styleLbl name="parChTrans1D4">
+    <dgm:scene3d>
+      <a:camera prst="orthographicFront"/>
+      <a:lightRig rig="threePt" dir="t"/>
+    </dgm:scene3d>
+    <dgm:sp3d/>
+    <dgm:txPr/>
+    <dgm:style>
+      <a:lnRef idx="2">
+        <a:scrgbClr r="0" g="0" b="0"/>
+      </a:lnRef>
+      <a:fillRef idx="0">
+        <a:scrgbClr r="0" g="0" b="0"/>
+      </a:fillRef>
+      <a:effectRef idx="0">
+        <a:scrgbClr r="0" g="0" b="0"/>
+      </a:effectRef>
+      <a:fontRef idx="minor"/>
+    </dgm:style>
+  </dgm:styleLbl>
+  <dgm:styleLbl name="fgAcc1">
+    <dgm:scene3d>
+      <a:camera prst="orthographicFront"/>
+      <a:lightRig rig="threePt" dir="t"/>
+    </dgm:scene3d>
+    <dgm:sp3d/>
+    <dgm:txPr/>
+    <dgm:style>
+      <a:lnRef idx="2">
+        <a:scrgbClr r="0" g="0" b="0"/>
+      </a:lnRef>
+      <a:fillRef idx="1">
+        <a:scrgbClr r="0" g="0" b="0"/>
+      </a:fillRef>
+      <a:effectRef idx="0">
+        <a:scrgbClr r="0" g="0" b="0"/>
+      </a:effectRef>
+      <a:fontRef idx="minor"/>
+    </dgm:style>
+  </dgm:styleLbl>
+  <dgm:styleLbl name="conFgAcc1">
+    <dgm:scene3d>
+      <a:camera prst="orthographicFront"/>
+      <a:lightRig rig="threePt" dir="t"/>
+    </dgm:scene3d>
+    <dgm:sp3d/>
+    <dgm:txPr/>
+    <dgm:style>
+      <a:lnRef idx="2">
+        <a:scrgbClr r="0" g="0" b="0"/>
+      </a:lnRef>
+      <a:fillRef idx="1">
+        <a:scrgbClr r="0" g="0" b="0"/>
+      </a:fillRef>
+      <a:effectRef idx="0">
+        <a:scrgbClr r="0" g="0" b="0"/>
+      </a:effectRef>
+      <a:fontRef idx="minor"/>
+    </dgm:style>
+  </dgm:styleLbl>
+  <dgm:styleLbl name="alignAcc1">
+    <dgm:scene3d>
+      <a:camera prst="orthographicFront"/>
+      <a:lightRig rig="threePt" dir="t"/>
+    </dgm:scene3d>
+    <dgm:sp3d/>
+    <dgm:txPr/>
+    <dgm:style>
+      <a:lnRef idx="2">
+        <a:scrgbClr r="0" g="0" b="0"/>
+      </a:lnRef>
+      <a:fillRef idx="1">
+        <a:scrgbClr r="0" g="0" b="0"/>
+      </a:fillRef>
+      <a:effectRef idx="0">
+        <a:scrgbClr r="0" g="0" b="0"/>
+      </a:effectRef>
+      <a:fontRef idx="minor"/>
+    </dgm:style>
+  </dgm:styleLbl>
+  <dgm:styleLbl name="trAlignAcc1">
+    <dgm:scene3d>
+      <a:camera prst="orthographicFront"/>
+      <a:lightRig rig="threePt" dir="t"/>
+    </dgm:scene3d>
+    <dgm:sp3d/>
+    <dgm:txPr/>
+    <dgm:style>
+      <a:lnRef idx="1">
+        <a:scrgbClr r="0" g="0" b="0"/>
+      </a:lnRef>
+      <a:fillRef idx="1">
+        <a:scrgbClr r="0" g="0" b="0"/>
+      </a:fillRef>
+      <a:effectRef idx="0">
+        <a:scrgbClr r="0" g="0" b="0"/>
+      </a:effectRef>
+      <a:fontRef idx="minor"/>
+    </dgm:style>
+  </dgm:styleLbl>
+  <dgm:styleLbl name="bgAcc1">
+    <dgm:scene3d>
+      <a:camera prst="orthographicFront"/>
+      <a:lightRig rig="threePt" dir="t"/>
+    </dgm:scene3d>
+    <dgm:sp3d/>
+    <dgm:txPr/>
+    <dgm:style>
+      <a:lnRef idx="2">
+        <a:scrgbClr r="0" g="0" b="0"/>
+      </a:lnRef>
+      <a:fillRef idx="1">
+        <a:scrgbClr r="0" g="0" b="0"/>
+      </a:fillRef>
+      <a:effectRef idx="0">
+        <a:scrgbClr r="0" g="0" b="0"/>
+      </a:effectRef>
+      <a:fontRef idx="minor"/>
+    </dgm:style>
+  </dgm:styleLbl>
+  <dgm:styleLbl name="solidFgAcc1">
+    <dgm:scene3d>
+      <a:camera prst="orthographicFront"/>
+      <a:lightRig rig="threePt" dir="t"/>
+    </dgm:scene3d>
+    <dgm:sp3d/>
+    <dgm:txPr/>
+    <dgm:style>
+      <a:lnRef idx="2">
+        <a:scrgbClr r="0" g="0" b="0"/>
+      </a:lnRef>
+      <a:fillRef idx="1">
+        <a:scrgbClr r="0" g="0" b="0"/>
+      </a:fillRef>
+      <a:effectRef idx="0">
+        <a:scrgbClr r="0" g="0" b="0"/>
+      </a:effectRef>
+      <a:fontRef idx="minor"/>
+    </dgm:style>
+  </dgm:styleLbl>
+  <dgm:styleLbl name="solidAlignAcc1">
+    <dgm:scene3d>
+      <a:camera prst="orthographicFront"/>
+      <a:lightRig rig="threePt" dir="t"/>
+    </dgm:scene3d>
+    <dgm:sp3d/>
+    <dgm:txPr/>
+    <dgm:style>
+      <a:lnRef idx="2">
+        <a:scrgbClr r="0" g="0" b="0"/>
+      </a:lnRef>
+      <a:fillRef idx="1">
+        <a:scrgbClr r="0" g="0" b="0"/>
+      </a:fillRef>
+      <a:effectRef idx="0">
+        <a:scrgbClr r="0" g="0" b="0"/>
+      </a:effectRef>
+      <a:fontRef idx="minor"/>
+    </dgm:style>
+  </dgm:styleLbl>
+  <dgm:styleLbl name="solidBgAcc1">
+    <dgm:scene3d>
+      <a:camera prst="orthographicFront"/>
+      <a:lightRig rig="threePt" dir="t"/>
+    </dgm:scene3d>
+    <dgm:sp3d/>
+    <dgm:txPr/>
+    <dgm:style>
+      <a:lnRef idx="2">
+        <a:scrgbClr r="0" g="0" b="0"/>
+      </a:lnRef>
+      <a:fillRef idx="1">
+        <a:scrgbClr r="0" g="0" b="0"/>
+      </a:fillRef>
+      <a:effectRef idx="0">
+        <a:scrgbClr r="0" g="0" b="0"/>
+      </a:effectRef>
+      <a:fontRef idx="minor"/>
+    </dgm:style>
+  </dgm:styleLbl>
+  <dgm:styleLbl name="fgAccFollowNode1">
+    <dgm:scene3d>
+      <a:camera prst="orthographicFront"/>
+      <a:lightRig rig="threePt" dir="t"/>
+    </dgm:scene3d>
+    <dgm:sp3d/>
+    <dgm:txPr/>
+    <dgm:style>
+      <a:lnRef idx="2">
+        <a:scrgbClr r="0" g="0" b="0"/>
+      </a:lnRef>
+      <a:fillRef idx="1">
+        <a:scrgbClr r="0" g="0" b="0"/>
+      </a:fillRef>
+      <a:effectRef idx="0">
+        <a:scrgbClr r="0" g="0" b="0"/>
+      </a:effectRef>
+      <a:fontRef idx="minor"/>
+    </dgm:style>
+  </dgm:styleLbl>
+  <dgm:styleLbl name="alignAccFollowNode1">
+    <dgm:scene3d>
+      <a:camera prst="orthographicFront"/>
+      <a:lightRig rig="threePt" dir="t"/>
+    </dgm:scene3d>
+    <dgm:sp3d/>
+    <dgm:txPr/>
+    <dgm:style>
+      <a:lnRef idx="2">
+        <a:scrgbClr r="0" g="0" b="0"/>
+      </a:lnRef>
+      <a:fillRef idx="1">
+        <a:scrgbClr r="0" g="0" b="0"/>
+      </a:fillRef>
+      <a:effectRef idx="0">
+        <a:scrgbClr r="0" g="0" b="0"/>
+      </a:effectRef>
+      <a:fontRef idx="minor"/>
+    </dgm:style>
+  </dgm:styleLbl>
+  <dgm:styleLbl name="bgAccFollowNode1">
+    <dgm:scene3d>
+      <a:camera prst="orthographicFront"/>
+      <a:lightRig rig="threePt" dir="t"/>
+    </dgm:scene3d>
+    <dgm:sp3d/>
+    <dgm:txPr/>
+    <dgm:style>
+      <a:lnRef idx="2">
+        <a:scrgbClr r="0" g="0" b="0"/>
+      </a:lnRef>
+      <a:fillRef idx="1">
+        <a:scrgbClr r="0" g="0" b="0"/>
+      </a:fillRef>
+      <a:effectRef idx="0">
+        <a:scrgbClr r="0" g="0" b="0"/>
+      </a:effectRef>
+      <a:fontRef idx="minor"/>
+    </dgm:style>
+  </dgm:styleLbl>
+  <dgm:styleLbl name="fgAcc0">
+    <dgm:scene3d>
+      <a:camera prst="orthographicFront"/>
+      <a:lightRig rig="threePt" dir="t"/>
+    </dgm:scene3d>
+    <dgm:sp3d/>
+    <dgm:txPr/>
+    <dgm:style>
+      <a:lnRef idx="2">
+        <a:scrgbClr r="0" g="0" b="0"/>
+      </a:lnRef>
+      <a:fillRef idx="1">
+        <a:scrgbClr r="0" g="0" b="0"/>
+      </a:fillRef>
+      <a:effectRef idx="0">
+        <a:scrgbClr r="0" g="0" b="0"/>
+      </a:effectRef>
+      <a:fontRef idx="minor"/>
+    </dgm:style>
+  </dgm:styleLbl>
+  <dgm:styleLbl name="fgAcc2">
+    <dgm:scene3d>
+      <a:camera prst="orthographicFront"/>
+      <a:lightRig rig="threePt" dir="t"/>
+    </dgm:scene3d>
+    <dgm:sp3d/>
+    <dgm:txPr/>
+    <dgm:style>
+      <a:lnRef idx="2">
+        <a:scrgbClr r="0" g="0" b="0"/>
+      </a:lnRef>
+      <a:fillRef idx="1">
+        <a:scrgbClr r="0" g="0" b="0"/>
+      </a:fillRef>
+      <a:effectRef idx="0">
+        <a:scrgbClr r="0" g="0" b="0"/>
+      </a:effectRef>
+      <a:fontRef idx="minor"/>
+    </dgm:style>
+  </dgm:styleLbl>
+  <dgm:styleLbl name="fgAcc3">
+    <dgm:scene3d>
+      <a:camera prst="orthographicFront"/>
+      <a:lightRig rig="threePt" dir="t"/>
+    </dgm:scene3d>
+    <dgm:sp3d/>
+    <dgm:txPr/>
+    <dgm:style>
+      <a:lnRef idx="2">
+        <a:scrgbClr r="0" g="0" b="0"/>
+      </a:lnRef>
+      <a:fillRef idx="1">
+        <a:scrgbClr r="0" g="0" b="0"/>
+      </a:fillRef>
+      <a:effectRef idx="0">
+        <a:scrgbClr r="0" g="0" b="0"/>
+      </a:effectRef>
+      <a:fontRef idx="minor"/>
+    </dgm:style>
+  </dgm:styleLbl>
+  <dgm:styleLbl name="fgAcc4">
+    <dgm:scene3d>
+      <a:camera prst="orthographicFront"/>
+      <a:lightRig rig="threePt" dir="t"/>
+    </dgm:scene3d>
+    <dgm:sp3d/>
+    <dgm:txPr/>
+    <dgm:style>
+      <a:lnRef idx="2">
+        <a:scrgbClr r="0" g="0" b="0"/>
+      </a:lnRef>
+      <a:fillRef idx="1">
+        <a:scrgbClr r="0" g="0" b="0"/>
+      </a:fillRef>
+      <a:effectRef idx="0">
+        <a:scrgbClr r="0" g="0" b="0"/>
+      </a:effectRef>
+      <a:fontRef idx="minor"/>
+    </dgm:style>
+  </dgm:styleLbl>
+  <dgm:styleLbl name="bgShp">
+    <dgm:scene3d>
+      <a:camera prst="orthographicFront"/>
+      <a:lightRig rig="threePt" dir="t"/>
+    </dgm:scene3d>
+    <dgm:sp3d/>
+    <dgm:txPr/>
+    <dgm:style>
+      <a:lnRef idx="0">
+        <a:scrgbClr r="0" g="0" b="0"/>
+      </a:lnRef>
+      <a:fillRef idx="1">
+        <a:scrgbClr r="0" g="0" b="0"/>
+      </a:fillRef>
+      <a:effectRef idx="0">
+        <a:scrgbClr r="0" g="0" b="0"/>
+      </a:effectRef>
+      <a:fontRef idx="minor"/>
+    </dgm:style>
+  </dgm:styleLbl>
+  <dgm:styleLbl name="dkBgShp">
+    <dgm:scene3d>
+      <a:camera prst="orthographicFront"/>
+      <a:lightRig rig="threePt" dir="t"/>
+    </dgm:scene3d>
+    <dgm:sp3d/>
+    <dgm:txPr/>
+    <dgm:style>
+      <a:lnRef idx="0">
+        <a:scrgbClr r="0" g="0" b="0"/>
+      </a:lnRef>
+      <a:fillRef idx="1">
+        <a:scrgbClr r="0" g="0" b="0"/>
+      </a:fillRef>
+      <a:effectRef idx="0">
+        <a:scrgbClr r="0" g="0" b="0"/>
+      </a:effectRef>
+      <a:fontRef idx="minor"/>
+    </dgm:style>
+  </dgm:styleLbl>
+  <dgm:styleLbl name="trBgShp">
+    <dgm:scene3d>
+      <a:camera prst="orthographicFront"/>
+      <a:lightRig rig="threePt" dir="t"/>
+    </dgm:scene3d>
+    <dgm:sp3d/>
+    <dgm:txPr/>
+    <dgm:style>
+      <a:lnRef idx="0">
+        <a:scrgbClr r="0" g="0" b="0"/>
+      </a:lnRef>
+      <a:fillRef idx="1">
+        <a:scrgbClr r="0" g="0" b="0"/>
+      </a:fillRef>
+      <a:effectRef idx="0">
+        <a:scrgbClr r="0" g="0" b="0"/>
+      </a:effectRef>
+      <a:fontRef idx="minor"/>
+    </dgm:style>
+  </dgm:styleLbl>
+  <dgm:styleLbl name="fgShp">
+    <dgm:scene3d>
+      <a:camera prst="orthographicFront"/>
+      <a:lightRig rig="threePt" dir="t"/>
+    </dgm:scene3d>
+    <dgm:sp3d/>
+    <dgm:txPr/>
+    <dgm:style>
+      <a:lnRef idx="2">
+        <a:scrgbClr r="0" g="0" b="0"/>
+      </a:lnRef>
+      <a:fillRef idx="1">
+        <a:scrgbClr r="0" g="0" b="0"/>
+      </a:fillRef>
+      <a:effectRef idx="0">
+        <a:scrgbClr r="0" g="0" b="0"/>
+      </a:effectRef>
+      <a:fontRef idx="minor"/>
+    </dgm:style>
+  </dgm:styleLbl>
+  <dgm:styleLbl name="revTx">
+    <dgm:scene3d>
+      <a:camera prst="orthographicFront"/>
+      <a:lightRig rig="threePt" dir="t"/>
+    </dgm:scene3d>
+    <dgm:sp3d/>
+    <dgm:txPr/>
+    <dgm:style>
+      <a:lnRef idx="0">
+        <a:scrgbClr r="0" g="0" b="0"/>
+      </a:lnRef>
+      <a:fillRef idx="0">
+        <a:scrgbClr r="0" g="0" b="0"/>
+      </a:fillRef>
+      <a:effectRef idx="0">
+        <a:scrgbClr r="0" g="0" b="0"/>
+      </a:effectRef>
+      <a:fontRef idx="minor"/>
+    </dgm:style>
+  </dgm:styleLbl>
+</dgm:styleDef>
+</file>
+
 <file path=ppt/notesMasters/notesMaster1.xml><?xml version="1.0" encoding="utf-8"?>
 <p:notesMaster xmlns:a="http://schemas.openxmlformats.org/drawingml/2006/main" xmlns:r="http://schemas.openxmlformats.org/officeDocument/2006/relationships" xmlns:p="http://schemas.openxmlformats.org/presentationml/2006/main">
   <p:cSld>
@@ -241,7 +2884,7 @@
           <a:p>
             <a:fld id="{5120BD12-1583-495B-85C5-BFC7DD39358E}" type="datetimeFigureOut">
               <a:rPr lang="de-DE" smtClean="0"/>
-              <a:t>05.12.2015</a:t>
+              <a:t>06.12.2015</a:t>
             </a:fld>
             <a:endParaRPr lang="de-DE"/>
           </a:p>
@@ -603,6 +3246,174 @@
 </p:notes>
 </file>
 
+<file path=ppt/notesSlides/notesSlide10.xml><?xml version="1.0" encoding="utf-8"?>
+<p:notes xmlns:a="http://schemas.openxmlformats.org/drawingml/2006/main" xmlns:r="http://schemas.openxmlformats.org/officeDocument/2006/relationships" xmlns:p="http://schemas.openxmlformats.org/presentationml/2006/main">
+  <p:cSld>
+    <p:spTree>
+      <p:nvGrpSpPr>
+        <p:cNvPr id="1" name=""/>
+        <p:cNvGrpSpPr/>
+        <p:nvPr/>
+      </p:nvGrpSpPr>
+      <p:grpSpPr>
+        <a:xfrm>
+          <a:off x="0" y="0"/>
+          <a:ext cx="0" cy="0"/>
+          <a:chOff x="0" y="0"/>
+          <a:chExt cx="0" cy="0"/>
+        </a:xfrm>
+      </p:grpSpPr>
+      <p:sp>
+        <p:nvSpPr>
+          <p:cNvPr id="2" name="Folienbildplatzhalter 1"/>
+          <p:cNvSpPr>
+            <a:spLocks noGrp="1" noRot="1" noChangeAspect="1"/>
+          </p:cNvSpPr>
+          <p:nvPr>
+            <p:ph type="sldImg"/>
+          </p:nvPr>
+        </p:nvSpPr>
+        <p:spPr/>
+      </p:sp>
+      <p:sp>
+        <p:nvSpPr>
+          <p:cNvPr id="3" name="Notizenplatzhalter 2"/>
+          <p:cNvSpPr>
+            <a:spLocks noGrp="1"/>
+          </p:cNvSpPr>
+          <p:nvPr>
+            <p:ph type="body" idx="1"/>
+          </p:nvPr>
+        </p:nvSpPr>
+        <p:spPr/>
+        <p:txBody>
+          <a:bodyPr/>
+          <a:lstStyle/>
+          <a:p>
+            <a:endParaRPr lang="de-DE" dirty="0"/>
+          </a:p>
+        </p:txBody>
+      </p:sp>
+      <p:sp>
+        <p:nvSpPr>
+          <p:cNvPr id="4" name="Foliennummernplatzhalter 3"/>
+          <p:cNvSpPr>
+            <a:spLocks noGrp="1"/>
+          </p:cNvSpPr>
+          <p:nvPr>
+            <p:ph type="sldNum" sz="quarter" idx="10"/>
+          </p:nvPr>
+        </p:nvSpPr>
+        <p:spPr/>
+        <p:txBody>
+          <a:bodyPr/>
+          <a:lstStyle/>
+          <a:p>
+            <a:fld id="{0B7A52FC-885B-48D0-94A7-F9F16D60E366}" type="slidenum">
+              <a:rPr lang="de-DE" smtClean="0"/>
+              <a:t>35</a:t>
+            </a:fld>
+            <a:endParaRPr lang="de-DE"/>
+          </a:p>
+        </p:txBody>
+      </p:sp>
+    </p:spTree>
+    <p:extLst>
+      <p:ext uri="{BB962C8B-B14F-4D97-AF65-F5344CB8AC3E}">
+        <p14:creationId xmlns:p14="http://schemas.microsoft.com/office/powerpoint/2010/main" val="1788656123"/>
+      </p:ext>
+    </p:extLst>
+  </p:cSld>
+  <p:clrMapOvr>
+    <a:masterClrMapping/>
+  </p:clrMapOvr>
+</p:notes>
+</file>
+
+<file path=ppt/notesSlides/notesSlide11.xml><?xml version="1.0" encoding="utf-8"?>
+<p:notes xmlns:a="http://schemas.openxmlformats.org/drawingml/2006/main" xmlns:r="http://schemas.openxmlformats.org/officeDocument/2006/relationships" xmlns:p="http://schemas.openxmlformats.org/presentationml/2006/main">
+  <p:cSld>
+    <p:spTree>
+      <p:nvGrpSpPr>
+        <p:cNvPr id="1" name=""/>
+        <p:cNvGrpSpPr/>
+        <p:nvPr/>
+      </p:nvGrpSpPr>
+      <p:grpSpPr>
+        <a:xfrm>
+          <a:off x="0" y="0"/>
+          <a:ext cx="0" cy="0"/>
+          <a:chOff x="0" y="0"/>
+          <a:chExt cx="0" cy="0"/>
+        </a:xfrm>
+      </p:grpSpPr>
+      <p:sp>
+        <p:nvSpPr>
+          <p:cNvPr id="2" name="Folienbildplatzhalter 1"/>
+          <p:cNvSpPr>
+            <a:spLocks noGrp="1" noRot="1" noChangeAspect="1"/>
+          </p:cNvSpPr>
+          <p:nvPr>
+            <p:ph type="sldImg"/>
+          </p:nvPr>
+        </p:nvSpPr>
+        <p:spPr/>
+      </p:sp>
+      <p:sp>
+        <p:nvSpPr>
+          <p:cNvPr id="3" name="Notizenplatzhalter 2"/>
+          <p:cNvSpPr>
+            <a:spLocks noGrp="1"/>
+          </p:cNvSpPr>
+          <p:nvPr>
+            <p:ph type="body" idx="1"/>
+          </p:nvPr>
+        </p:nvSpPr>
+        <p:spPr/>
+        <p:txBody>
+          <a:bodyPr/>
+          <a:lstStyle/>
+          <a:p>
+            <a:endParaRPr lang="de-DE" dirty="0"/>
+          </a:p>
+        </p:txBody>
+      </p:sp>
+      <p:sp>
+        <p:nvSpPr>
+          <p:cNvPr id="4" name="Foliennummernplatzhalter 3"/>
+          <p:cNvSpPr>
+            <a:spLocks noGrp="1"/>
+          </p:cNvSpPr>
+          <p:nvPr>
+            <p:ph type="sldNum" sz="quarter" idx="10"/>
+          </p:nvPr>
+        </p:nvSpPr>
+        <p:spPr/>
+        <p:txBody>
+          <a:bodyPr/>
+          <a:lstStyle/>
+          <a:p>
+            <a:fld id="{0B7A52FC-885B-48D0-94A7-F9F16D60E366}" type="slidenum">
+              <a:rPr lang="de-DE" smtClean="0"/>
+              <a:t>36</a:t>
+            </a:fld>
+            <a:endParaRPr lang="de-DE"/>
+          </a:p>
+        </p:txBody>
+      </p:sp>
+    </p:spTree>
+    <p:extLst>
+      <p:ext uri="{BB962C8B-B14F-4D97-AF65-F5344CB8AC3E}">
+        <p14:creationId xmlns:p14="http://schemas.microsoft.com/office/powerpoint/2010/main" val="170008971"/>
+      </p:ext>
+    </p:extLst>
+  </p:cSld>
+  <p:clrMapOvr>
+    <a:masterClrMapping/>
+  </p:clrMapOvr>
+</p:notes>
+</file>
+
 <file path=ppt/notesSlides/notesSlide2.xml><?xml version="1.0" encoding="utf-8"?>
 <p:notes xmlns:a="http://schemas.openxmlformats.org/drawingml/2006/main" xmlns:r="http://schemas.openxmlformats.org/officeDocument/2006/relationships" xmlns:p="http://schemas.openxmlformats.org/presentationml/2006/main">
   <p:cSld>
@@ -933,7 +3744,7 @@
     </p:spTree>
     <p:extLst>
       <p:ext uri="{BB962C8B-B14F-4D97-AF65-F5344CB8AC3E}">
-        <p14:creationId xmlns:p14="http://schemas.microsoft.com/office/powerpoint/2010/main" val="2205954297"/>
+        <p14:creationId xmlns:p14="http://schemas.microsoft.com/office/powerpoint/2010/main" val="1710726029"/>
       </p:ext>
     </p:extLst>
   </p:cSld>
@@ -1017,7 +3828,7 @@
     </p:spTree>
     <p:extLst>
       <p:ext uri="{BB962C8B-B14F-4D97-AF65-F5344CB8AC3E}">
-        <p14:creationId xmlns:p14="http://schemas.microsoft.com/office/powerpoint/2010/main" val="3403097708"/>
+        <p14:creationId xmlns:p14="http://schemas.microsoft.com/office/powerpoint/2010/main" val="2205954297"/>
       </p:ext>
     </p:extLst>
   </p:cSld>
@@ -1101,7 +3912,7 @@
     </p:spTree>
     <p:extLst>
       <p:ext uri="{BB962C8B-B14F-4D97-AF65-F5344CB8AC3E}">
-        <p14:creationId xmlns:p14="http://schemas.microsoft.com/office/powerpoint/2010/main" val="1760629340"/>
+        <p14:creationId xmlns:p14="http://schemas.microsoft.com/office/powerpoint/2010/main" val="3403097708"/>
       </p:ext>
     </p:extLst>
   </p:cSld>
@@ -1185,7 +3996,7 @@
     </p:spTree>
     <p:extLst>
       <p:ext uri="{BB962C8B-B14F-4D97-AF65-F5344CB8AC3E}">
-        <p14:creationId xmlns:p14="http://schemas.microsoft.com/office/powerpoint/2010/main" val="2972790320"/>
+        <p14:creationId xmlns:p14="http://schemas.microsoft.com/office/powerpoint/2010/main" val="1760629340"/>
       </p:ext>
     </p:extLst>
   </p:cSld>
@@ -1269,7 +4080,7 @@
     </p:spTree>
     <p:extLst>
       <p:ext uri="{BB962C8B-B14F-4D97-AF65-F5344CB8AC3E}">
-        <p14:creationId xmlns:p14="http://schemas.microsoft.com/office/powerpoint/2010/main" val="3642219201"/>
+        <p14:creationId xmlns:p14="http://schemas.microsoft.com/office/powerpoint/2010/main" val="2972790320"/>
       </p:ext>
     </p:extLst>
   </p:cSld>
@@ -1530,7 +4341,7 @@
           <a:p>
             <a:fld id="{FEB60944-69D9-40E2-805F-52E6DDFC3E05}" type="datetime1">
               <a:rPr lang="de-DE" smtClean="0"/>
-              <a:t>05.12.2015</a:t>
+              <a:t>06.12.2015</a:t>
             </a:fld>
             <a:endParaRPr lang="de-DE"/>
           </a:p>
@@ -1721,7 +4532,7 @@
           <a:p>
             <a:fld id="{43C6271B-4DF3-4799-BDC9-4973FE68CB18}" type="datetime1">
               <a:rPr lang="de-DE" smtClean="0"/>
-              <a:t>05.12.2015</a:t>
+              <a:t>06.12.2015</a:t>
             </a:fld>
             <a:endParaRPr lang="de-DE"/>
           </a:p>
@@ -1903,7 +4714,7 @@
           <a:p>
             <a:fld id="{7AC709DD-AC18-4FBA-B4E6-46DED743653E}" type="datetime1">
               <a:rPr lang="de-DE" smtClean="0"/>
-              <a:t>05.12.2015</a:t>
+              <a:t>06.12.2015</a:t>
             </a:fld>
             <a:endParaRPr lang="de-DE"/>
           </a:p>
@@ -2160,7 +4971,7 @@
           <a:p>
             <a:fld id="{F3A5CA38-DE03-43E0-AAE8-40DE9D126515}" type="datetime1">
               <a:rPr lang="de-DE" smtClean="0"/>
-              <a:t>05.12.2015</a:t>
+              <a:t>06.12.2015</a:t>
             </a:fld>
             <a:endParaRPr lang="de-DE"/>
           </a:p>
@@ -2403,7 +5214,7 @@
           <a:p>
             <a:fld id="{11090321-36FA-45A6-9663-BC38008A0E9B}" type="datetime1">
               <a:rPr lang="de-DE" smtClean="0"/>
-              <a:t>05.12.2015</a:t>
+              <a:t>06.12.2015</a:t>
             </a:fld>
             <a:endParaRPr lang="de-DE"/>
           </a:p>
@@ -2781,7 +5592,7 @@
           <a:p>
             <a:fld id="{256C77CD-8025-4CCE-8E91-02984A062E73}" type="datetime1">
               <a:rPr lang="de-DE" smtClean="0"/>
-              <a:t>05.12.2015</a:t>
+              <a:t>06.12.2015</a:t>
             </a:fld>
             <a:endParaRPr lang="de-DE"/>
           </a:p>
@@ -2910,7 +5721,7 @@
           <a:p>
             <a:fld id="{613140FE-C567-4560-9D45-46486DBA67D5}" type="datetime1">
               <a:rPr lang="de-DE" smtClean="0"/>
-              <a:t>05.12.2015</a:t>
+              <a:t>06.12.2015</a:t>
             </a:fld>
             <a:endParaRPr lang="de-DE"/>
           </a:p>
@@ -3016,7 +5827,7 @@
           <a:p>
             <a:fld id="{664489CE-C1E2-4395-A707-33A40D5C0A6A}" type="datetime1">
               <a:rPr lang="de-DE" smtClean="0"/>
-              <a:t>05.12.2015</a:t>
+              <a:t>06.12.2015</a:t>
             </a:fld>
             <a:endParaRPr lang="de-DE"/>
           </a:p>
@@ -3304,7 +6115,7 @@
           <a:p>
             <a:fld id="{BE84FF2F-E5B7-4AEF-A728-DCB9E7CE66D1}" type="datetime1">
               <a:rPr lang="de-DE" smtClean="0"/>
-              <a:t>05.12.2015</a:t>
+              <a:t>06.12.2015</a:t>
             </a:fld>
             <a:endParaRPr lang="de-DE"/>
           </a:p>
@@ -3568,7 +6379,7 @@
           <a:p>
             <a:fld id="{1C1C31E4-1EA5-4909-922A-9F42F675C505}" type="datetime1">
               <a:rPr lang="de-DE" smtClean="0"/>
-              <a:t>05.12.2015</a:t>
+              <a:t>06.12.2015</a:t>
             </a:fld>
             <a:endParaRPr lang="de-DE"/>
           </a:p>
@@ -3775,7 +6586,7 @@
           <a:p>
             <a:fld id="{19652882-9BC8-4FD3-AB94-9F037815DBC2}" type="datetime1">
               <a:rPr lang="de-DE" smtClean="0"/>
-              <a:t>05.12.2015</a:t>
+              <a:t>06.12.2015</a:t>
             </a:fld>
             <a:endParaRPr lang="de-DE" dirty="0"/>
           </a:p>
@@ -4504,7 +7315,7 @@
           <a:p>
             <a:fld id="{7AC709DD-AC18-4FBA-B4E6-46DED743653E}" type="datetime1">
               <a:rPr lang="de-DE" smtClean="0"/>
-              <a:t>05.12.2015</a:t>
+              <a:t>06.12.2015</a:t>
             </a:fld>
             <a:endParaRPr lang="de-DE"/>
           </a:p>
@@ -5288,7 +8099,7 @@
           <a:p>
             <a:fld id="{7AC709DD-AC18-4FBA-B4E6-46DED743653E}" type="datetime1">
               <a:rPr lang="de-DE" smtClean="0"/>
-              <a:t>05.12.2015</a:t>
+              <a:t>06.12.2015</a:t>
             </a:fld>
             <a:endParaRPr lang="de-DE"/>
           </a:p>
@@ -6836,7 +9647,7 @@
           <a:p>
             <a:fld id="{7AC709DD-AC18-4FBA-B4E6-46DED743653E}" type="datetime1">
               <a:rPr lang="de-DE" smtClean="0"/>
-              <a:t>05.12.2015</a:t>
+              <a:t>06.12.2015</a:t>
             </a:fld>
             <a:endParaRPr lang="de-DE"/>
           </a:p>
@@ -6998,7 +9809,7 @@
           <a:p>
             <a:fld id="{7AC709DD-AC18-4FBA-B4E6-46DED743653E}" type="datetime1">
               <a:rPr lang="de-DE" smtClean="0"/>
-              <a:t>05.12.2015</a:t>
+              <a:t>06.12.2015</a:t>
             </a:fld>
             <a:endParaRPr lang="de-DE"/>
           </a:p>
@@ -7234,7 +10045,7 @@
           <a:p>
             <a:fld id="{7AC709DD-AC18-4FBA-B4E6-46DED743653E}" type="datetime1">
               <a:rPr lang="de-DE" smtClean="0"/>
-              <a:t>05.12.2015</a:t>
+              <a:t>06.12.2015</a:t>
             </a:fld>
             <a:endParaRPr lang="de-DE"/>
           </a:p>
@@ -9250,7 +12061,7 @@
           <a:p>
             <a:fld id="{7AC709DD-AC18-4FBA-B4E6-46DED743653E}" type="datetime1">
               <a:rPr lang="de-DE" smtClean="0"/>
-              <a:t>05.12.2015</a:t>
+              <a:t>06.12.2015</a:t>
             </a:fld>
             <a:endParaRPr lang="de-DE"/>
           </a:p>
@@ -9535,7 +12346,7 @@
           <a:p>
             <a:fld id="{7AC709DD-AC18-4FBA-B4E6-46DED743653E}" type="datetime1">
               <a:rPr lang="de-DE" smtClean="0"/>
-              <a:t>05.12.2015</a:t>
+              <a:t>06.12.2015</a:t>
             </a:fld>
             <a:endParaRPr lang="de-DE"/>
           </a:p>
@@ -9768,7 +12579,7 @@
           <a:p>
             <a:fld id="{7AC709DD-AC18-4FBA-B4E6-46DED743653E}" type="datetime1">
               <a:rPr lang="de-DE" smtClean="0"/>
-              <a:t>05.12.2015</a:t>
+              <a:t>06.12.2015</a:t>
             </a:fld>
             <a:endParaRPr lang="de-DE"/>
           </a:p>
@@ -10350,7 +13161,7 @@
           <a:p>
             <a:fld id="{7AC709DD-AC18-4FBA-B4E6-46DED743653E}" type="datetime1">
               <a:rPr lang="de-DE" smtClean="0"/>
-              <a:t>05.12.2015</a:t>
+              <a:t>06.12.2015</a:t>
             </a:fld>
             <a:endParaRPr lang="de-DE"/>
           </a:p>
@@ -10836,7 +13647,7 @@
           <a:p>
             <a:fld id="{7AC709DD-AC18-4FBA-B4E6-46DED743653E}" type="datetime1">
               <a:rPr lang="de-DE" smtClean="0"/>
-              <a:t>05.12.2015</a:t>
+              <a:t>06.12.2015</a:t>
             </a:fld>
             <a:endParaRPr lang="de-DE"/>
           </a:p>
@@ -10965,7 +13776,7 @@
           <a:p>
             <a:fld id="{7AC709DD-AC18-4FBA-B4E6-46DED743653E}" type="datetime1">
               <a:rPr lang="de-DE" smtClean="0"/>
-              <a:t>05.12.2015</a:t>
+              <a:t>06.12.2015</a:t>
             </a:fld>
             <a:endParaRPr lang="de-DE"/>
           </a:p>
@@ -11306,7 +14117,7 @@
           <a:p>
             <a:fld id="{7AC709DD-AC18-4FBA-B4E6-46DED743653E}" type="datetime1">
               <a:rPr lang="de-DE" smtClean="0"/>
-              <a:t>05.12.2015</a:t>
+              <a:t>06.12.2015</a:t>
             </a:fld>
             <a:endParaRPr lang="de-DE"/>
           </a:p>
@@ -11485,7 +14296,7 @@
           <a:p>
             <a:fld id="{7AC709DD-AC18-4FBA-B4E6-46DED743653E}" type="datetime1">
               <a:rPr lang="de-DE" smtClean="0"/>
-              <a:t>05.12.2015</a:t>
+              <a:t>06.12.2015</a:t>
             </a:fld>
             <a:endParaRPr lang="de-DE"/>
           </a:p>
@@ -12055,7 +14866,7 @@
           <a:p>
             <a:fld id="{7AC709DD-AC18-4FBA-B4E6-46DED743653E}" type="datetime1">
               <a:rPr lang="de-DE" smtClean="0"/>
-              <a:t>05.12.2015</a:t>
+              <a:t>06.12.2015</a:t>
             </a:fld>
             <a:endParaRPr lang="de-DE"/>
           </a:p>
@@ -12278,7 +15089,7 @@
           <a:p>
             <a:fld id="{7AC709DD-AC18-4FBA-B4E6-46DED743653E}" type="datetime1">
               <a:rPr lang="de-DE" smtClean="0"/>
-              <a:t>05.12.2015</a:t>
+              <a:t>06.12.2015</a:t>
             </a:fld>
             <a:endParaRPr lang="de-DE"/>
           </a:p>
@@ -12571,7 +15382,7 @@
           <a:p>
             <a:fld id="{7AC709DD-AC18-4FBA-B4E6-46DED743653E}" type="datetime1">
               <a:rPr lang="de-DE" smtClean="0"/>
-              <a:t>05.12.2015</a:t>
+              <a:t>06.12.2015</a:t>
             </a:fld>
             <a:endParaRPr lang="de-DE"/>
           </a:p>
@@ -13005,7 +15816,7 @@
           <a:p>
             <a:fld id="{7AC709DD-AC18-4FBA-B4E6-46DED743653E}" type="datetime1">
               <a:rPr lang="de-DE" smtClean="0"/>
-              <a:t>05.12.2015</a:t>
+              <a:t>06.12.2015</a:t>
             </a:fld>
             <a:endParaRPr lang="de-DE"/>
           </a:p>
@@ -13431,7 +16242,7 @@
           <a:p>
             <a:fld id="{7AC709DD-AC18-4FBA-B4E6-46DED743653E}" type="datetime1">
               <a:rPr lang="de-DE" smtClean="0"/>
-              <a:t>05.12.2015</a:t>
+              <a:t>06.12.2015</a:t>
             </a:fld>
             <a:endParaRPr lang="de-DE"/>
           </a:p>
@@ -13773,7 +16584,7 @@
           <a:p>
             <a:fld id="{7AC709DD-AC18-4FBA-B4E6-46DED743653E}" type="datetime1">
               <a:rPr lang="de-DE" smtClean="0"/>
-              <a:t>05.12.2015</a:t>
+              <a:t>06.12.2015</a:t>
             </a:fld>
             <a:endParaRPr lang="de-DE"/>
           </a:p>
@@ -13879,7 +16690,7 @@
           <a:p>
             <a:fld id="{7AC709DD-AC18-4FBA-B4E6-46DED743653E}" type="datetime1">
               <a:rPr lang="de-DE" smtClean="0"/>
-              <a:t>05.12.2015</a:t>
+              <a:t>06.12.2015</a:t>
             </a:fld>
             <a:endParaRPr lang="de-DE"/>
           </a:p>
@@ -14264,7 +17075,7 @@
           <a:p>
             <a:fld id="{7AC709DD-AC18-4FBA-B4E6-46DED743653E}" type="datetime1">
               <a:rPr lang="de-DE" smtClean="0"/>
-              <a:t>05.12.2015</a:t>
+              <a:t>06.12.2015</a:t>
             </a:fld>
             <a:endParaRPr lang="de-DE"/>
           </a:p>
@@ -14430,7 +17241,7 @@
           <a:p>
             <a:fld id="{7AC709DD-AC18-4FBA-B4E6-46DED743653E}" type="datetime1">
               <a:rPr lang="de-DE" smtClean="0"/>
-              <a:t>05.12.2015</a:t>
+              <a:t>06.12.2015</a:t>
             </a:fld>
             <a:endParaRPr lang="de-DE"/>
           </a:p>
@@ -14830,7 +17641,7 @@
           <a:p>
             <a:fld id="{7AC709DD-AC18-4FBA-B4E6-46DED743653E}" type="datetime1">
               <a:rPr lang="de-DE" smtClean="0"/>
-              <a:t>05.12.2015</a:t>
+              <a:t>06.12.2015</a:t>
             </a:fld>
             <a:endParaRPr lang="de-DE"/>
           </a:p>
@@ -14912,156 +17723,166 @@
           </a:prstGeom>
         </p:spPr>
       </p:pic>
-      <p:sp>
-        <p:nvSpPr>
-          <p:cNvPr id="10" name="Textfeld 9"/>
-          <p:cNvSpPr txBox="1"/>
-          <p:nvPr/>
-        </p:nvSpPr>
-        <p:spPr>
-          <a:xfrm>
-            <a:off x="7432174" y="2300887"/>
-            <a:ext cx="3413625" cy="2923877"/>
-          </a:xfrm>
-          <a:prstGeom prst="rect">
-            <a:avLst/>
-          </a:prstGeom>
-          <a:ln>
-            <a:noFill/>
-          </a:ln>
-        </p:spPr>
-        <p:style>
-          <a:lnRef idx="2">
-            <a:schemeClr val="dk1"/>
-          </a:lnRef>
-          <a:fillRef idx="1">
-            <a:schemeClr val="lt1"/>
-          </a:fillRef>
-          <a:effectRef idx="0">
-            <a:schemeClr val="dk1"/>
-          </a:effectRef>
-          <a:fontRef idx="minor">
-            <a:schemeClr val="dk1"/>
-          </a:fontRef>
-        </p:style>
-        <p:txBody>
-          <a:bodyPr wrap="square" rtlCol="0">
-            <a:spAutoFit/>
-          </a:bodyPr>
-          <a:lstStyle/>
-          <a:p>
-            <a:pPr marL="285750" indent="-285750">
-              <a:buFont typeface="Wingdings" panose="05000000000000000000" pitchFamily="2" charset="2"/>
-              <a:buChar char="§"/>
-            </a:pPr>
-            <a:r>
-              <a:rPr lang="de-DE" sz="2400" dirty="0" smtClean="0"/>
-              <a:t>Sukzessive optimieren:</a:t>
-            </a:r>
-          </a:p>
-          <a:p>
-            <a:pPr marL="742950" lvl="1" indent="-285750">
-              <a:buFont typeface="Wingdings" panose="05000000000000000000" pitchFamily="2" charset="2"/>
-              <a:buChar char="§"/>
-            </a:pPr>
-            <a:r>
-              <a:rPr lang="de-DE" sz="2000" dirty="0" smtClean="0"/>
-              <a:t>Topologie</a:t>
-            </a:r>
-          </a:p>
-          <a:p>
-            <a:pPr marL="742950" lvl="1" indent="-285750">
-              <a:buFont typeface="Wingdings" panose="05000000000000000000" pitchFamily="2" charset="2"/>
-              <a:buChar char="§"/>
-            </a:pPr>
-            <a:r>
-              <a:rPr lang="de-DE" sz="2000" dirty="0" smtClean="0"/>
-              <a:t>Transferfunktion</a:t>
-            </a:r>
-          </a:p>
-          <a:p>
-            <a:pPr marL="742950" lvl="1" indent="-285750">
-              <a:buFont typeface="Wingdings" panose="05000000000000000000" pitchFamily="2" charset="2"/>
-              <a:buChar char="§"/>
-            </a:pPr>
-            <a:r>
-              <a:rPr lang="de-DE" sz="2000" dirty="0" smtClean="0"/>
-              <a:t>Lernregel</a:t>
-            </a:r>
-          </a:p>
-          <a:p>
-            <a:pPr marL="285750" indent="-285750">
-              <a:buFont typeface="Wingdings" panose="05000000000000000000" pitchFamily="2" charset="2"/>
-              <a:buChar char="§"/>
-            </a:pPr>
-            <a:endParaRPr lang="de-DE" sz="2000" dirty="0"/>
-          </a:p>
-          <a:p>
-            <a:pPr marL="285750" indent="-285750">
-              <a:buFont typeface="Wingdings" panose="05000000000000000000" pitchFamily="2" charset="2"/>
-              <a:buChar char="§"/>
-            </a:pPr>
-            <a:endParaRPr lang="de-DE" sz="2000" dirty="0" smtClean="0"/>
-          </a:p>
-          <a:p>
-            <a:pPr marL="285750" indent="-285750">
-              <a:buFont typeface="Wingdings" panose="05000000000000000000" pitchFamily="2" charset="2"/>
-              <a:buChar char="§"/>
-            </a:pPr>
-            <a:endParaRPr lang="de-DE" sz="2000" dirty="0"/>
-          </a:p>
-          <a:p>
-            <a:r>
-              <a:rPr lang="de-DE" sz="2000" dirty="0"/>
-              <a:t> </a:t>
-            </a:r>
-            <a:r>
-              <a:rPr lang="de-DE" sz="2000" dirty="0" smtClean="0"/>
-              <a:t>  Jeweils Training und Test</a:t>
-            </a:r>
-          </a:p>
-          <a:p>
-            <a:r>
-              <a:rPr lang="de-DE" sz="2000" dirty="0" smtClean="0"/>
-              <a:t>   bis optimaler Wert gefunden</a:t>
-            </a:r>
-            <a:endParaRPr lang="de-DE" sz="2000" dirty="0"/>
-          </a:p>
-        </p:txBody>
-      </p:sp>
-      <p:cxnSp>
-        <p:nvCxnSpPr>
-          <p:cNvPr id="12" name="Gerade Verbindung mit Pfeil 11"/>
-          <p:cNvCxnSpPr/>
-          <p:nvPr/>
-        </p:nvCxnSpPr>
-        <p:spPr>
-          <a:xfrm>
-            <a:off x="8963247" y="3870251"/>
-            <a:ext cx="0" cy="595423"/>
-          </a:xfrm>
-          <a:prstGeom prst="straightConnector1">
-            <a:avLst/>
-          </a:prstGeom>
-          <a:ln w="76200">
-            <a:tailEnd type="triangle"/>
-          </a:ln>
-        </p:spPr>
-        <p:style>
-          <a:lnRef idx="1">
-            <a:schemeClr val="dk1"/>
-          </a:lnRef>
-          <a:fillRef idx="0">
-            <a:schemeClr val="dk1"/>
-          </a:fillRef>
-          <a:effectRef idx="0">
-            <a:schemeClr val="dk1"/>
-          </a:effectRef>
-          <a:fontRef idx="minor">
-            <a:schemeClr val="tx1"/>
-          </a:fontRef>
-        </p:style>
-      </p:cxnSp>
+      <p:graphicFrame>
+        <p:nvGraphicFramePr>
+          <p:cNvPr id="8" name="Tabelle 7"/>
+          <p:cNvGraphicFramePr>
+            <a:graphicFrameLocks noGrp="1"/>
+          </p:cNvGraphicFramePr>
+          <p:nvPr>
+            <p:extLst>
+              <p:ext uri="{D42A27DB-BD31-4B8C-83A1-F6EECF244321}">
+                <p14:modId xmlns:p14="http://schemas.microsoft.com/office/powerpoint/2010/main" val="2479661460"/>
+              </p:ext>
+            </p:extLst>
+          </p:nvPr>
+        </p:nvGraphicFramePr>
+        <p:xfrm>
+          <a:off x="7382447" y="2332784"/>
+          <a:ext cx="3870846" cy="1483360"/>
+        </p:xfrm>
+        <a:graphic>
+          <a:graphicData uri="http://schemas.openxmlformats.org/drawingml/2006/table">
+            <a:tbl>
+              <a:tblPr firstRow="1" bandRow="1">
+                <a:tableStyleId>{5940675A-B579-460E-94D1-54222C63F5DA}</a:tableStyleId>
+              </a:tblPr>
+              <a:tblGrid>
+                <a:gridCol w="1935423"/>
+                <a:gridCol w="1935423"/>
+              </a:tblGrid>
+              <a:tr h="370840">
+                <a:tc>
+                  <a:txBody>
+                    <a:bodyPr/>
+                    <a:lstStyle/>
+                    <a:p>
+                      <a:pPr algn="ctr"/>
+                      <a:r>
+                        <a:rPr lang="de-DE" dirty="0" smtClean="0"/>
+                        <a:t>Topologie</a:t>
+                      </a:r>
+                      <a:endParaRPr lang="de-DE" dirty="0"/>
+                    </a:p>
+                  </a:txBody>
+                  <a:tcPr anchor="ctr"/>
+                </a:tc>
+                <a:tc>
+                  <a:txBody>
+                    <a:bodyPr/>
+                    <a:lstStyle/>
+                    <a:p>
+                      <a:pPr algn="ctr"/>
+                      <a:r>
+                        <a:rPr lang="de-DE" dirty="0" smtClean="0"/>
+                        <a:t>4-9-1</a:t>
+                      </a:r>
+                      <a:endParaRPr lang="de-DE" dirty="0"/>
+                    </a:p>
+                  </a:txBody>
+                  <a:tcPr anchor="ctr"/>
+                </a:tc>
+              </a:tr>
+              <a:tr h="370840">
+                <a:tc>
+                  <a:txBody>
+                    <a:bodyPr/>
+                    <a:lstStyle/>
+                    <a:p>
+                      <a:pPr algn="ctr"/>
+                      <a:r>
+                        <a:rPr lang="de-DE" dirty="0" smtClean="0"/>
+                        <a:t>Transferfunktion</a:t>
+                      </a:r>
+                      <a:endParaRPr lang="de-DE" dirty="0"/>
+                    </a:p>
+                  </a:txBody>
+                  <a:tcPr anchor="ctr"/>
+                </a:tc>
+                <a:tc>
+                  <a:txBody>
+                    <a:bodyPr/>
+                    <a:lstStyle/>
+                    <a:p>
+                      <a:pPr algn="ctr"/>
+                      <a:r>
+                        <a:rPr lang="de-DE" dirty="0" smtClean="0"/>
+                        <a:t>Sigmoid</a:t>
+                      </a:r>
+                      <a:endParaRPr lang="de-DE" dirty="0"/>
+                    </a:p>
+                  </a:txBody>
+                  <a:tcPr anchor="ctr"/>
+                </a:tc>
+              </a:tr>
+              <a:tr h="370840">
+                <a:tc>
+                  <a:txBody>
+                    <a:bodyPr/>
+                    <a:lstStyle/>
+                    <a:p>
+                      <a:pPr algn="ctr"/>
+                      <a:r>
+                        <a:rPr lang="de-DE" dirty="0" smtClean="0"/>
+                        <a:t>Lernregel</a:t>
+                      </a:r>
+                      <a:endParaRPr lang="de-DE" dirty="0"/>
+                    </a:p>
+                  </a:txBody>
+                  <a:tcPr anchor="ctr"/>
+                </a:tc>
+                <a:tc>
+                  <a:txBody>
+                    <a:bodyPr/>
+                    <a:lstStyle/>
+                    <a:p>
+                      <a:pPr algn="ctr"/>
+                      <a:r>
+                        <a:rPr lang="de-DE" dirty="0" smtClean="0"/>
+                        <a:t>Backpropagation</a:t>
+                      </a:r>
+                      <a:endParaRPr lang="de-DE" dirty="0"/>
+                    </a:p>
+                  </a:txBody>
+                  <a:tcPr anchor="ctr"/>
+                </a:tc>
+              </a:tr>
+              <a:tr h="370840">
+                <a:tc>
+                  <a:txBody>
+                    <a:bodyPr/>
+                    <a:lstStyle/>
+                    <a:p>
+                      <a:pPr algn="ctr"/>
+                      <a:r>
+                        <a:rPr lang="de-DE" dirty="0" smtClean="0"/>
+                        <a:t>Lernrate</a:t>
+                      </a:r>
+                      <a:endParaRPr lang="de-DE" dirty="0"/>
+                    </a:p>
+                  </a:txBody>
+                  <a:tcPr anchor="ctr"/>
+                </a:tc>
+                <a:tc>
+                  <a:txBody>
+                    <a:bodyPr/>
+                    <a:lstStyle/>
+                    <a:p>
+                      <a:pPr algn="ctr"/>
+                      <a:r>
+                        <a:rPr lang="de-DE" dirty="0" smtClean="0"/>
+                        <a:t>0.3</a:t>
+                      </a:r>
+                      <a:endParaRPr lang="de-DE" dirty="0"/>
+                    </a:p>
+                  </a:txBody>
+                  <a:tcPr anchor="ctr"/>
+                </a:tc>
+              </a:tr>
+            </a:tbl>
+          </a:graphicData>
+        </a:graphic>
+      </p:graphicFrame>
     </p:spTree>
     <p:extLst>
       <p:ext uri="{BB962C8B-B14F-4D97-AF65-F5344CB8AC3E}">
@@ -15099,6 +17920,28 @@
           <a:chExt cx="0" cy="0"/>
         </a:xfrm>
       </p:grpSpPr>
+      <p:graphicFrame>
+        <p:nvGraphicFramePr>
+          <p:cNvPr id="7" name="Diagramm 6"/>
+          <p:cNvGraphicFramePr/>
+          <p:nvPr>
+            <p:extLst>
+              <p:ext uri="{D42A27DB-BD31-4B8C-83A1-F6EECF244321}">
+                <p14:modId xmlns:p14="http://schemas.microsoft.com/office/powerpoint/2010/main" val="1022215839"/>
+              </p:ext>
+            </p:extLst>
+          </p:nvPr>
+        </p:nvGraphicFramePr>
+        <p:xfrm>
+          <a:off x="903382" y="202020"/>
+          <a:ext cx="10686105" cy="5826322"/>
+        </p:xfrm>
+        <a:graphic>
+          <a:graphicData uri="http://schemas.openxmlformats.org/drawingml/2006/diagram">
+            <dgm:relIds xmlns:dgm="http://schemas.openxmlformats.org/drawingml/2006/diagram" xmlns:r="http://schemas.openxmlformats.org/officeDocument/2006/relationships" r:dm="rId3" r:lo="rId4" r:qs="rId5" r:cs="rId6"/>
+          </a:graphicData>
+        </a:graphic>
+      </p:graphicFrame>
       <p:sp>
         <p:nvSpPr>
           <p:cNvPr id="2" name="Titel 1"/>
@@ -15139,35 +17982,14 @@
         <p:spPr/>
         <p:txBody>
           <a:bodyPr>
-            <a:noAutofit/>
+            <a:normAutofit/>
           </a:bodyPr>
           <a:lstStyle/>
           <a:p>
             <a:r>
               <a:rPr lang="de-DE" dirty="0" smtClean="0"/>
-              <a:t>Datensätze</a:t>
-            </a:r>
-          </a:p>
-          <a:p>
-            <a:pPr lvl="1"/>
-            <a:r>
-              <a:rPr lang="de-DE" dirty="0" smtClean="0"/>
-              <a:t>Trainingsdatensatz: 450 Daten – vom xx.xx.2013 bis zum xx.xx.2014 </a:t>
-            </a:r>
-            <a:endParaRPr lang="de-DE" dirty="0" smtClean="0"/>
-          </a:p>
-          <a:p>
-            <a:pPr lvl="1"/>
-            <a:r>
-              <a:rPr lang="de-DE" dirty="0" smtClean="0"/>
-              <a:t>Testdatensatz: 150 Daten –  vom xx.xx.2015 bis zum 29.10.2015</a:t>
-            </a:r>
-            <a:endParaRPr lang="de-DE" dirty="0" smtClean="0"/>
-          </a:p>
-          <a:p>
-            <a:pPr marL="457200" lvl="1" indent="0">
-              <a:buNone/>
-            </a:pPr>
+              <a:t>Optimierungsprozess</a:t>
+            </a:r>
             <a:endParaRPr lang="de-DE" dirty="0" smtClean="0"/>
           </a:p>
           <a:p>
@@ -15194,6 +18016,39 @@
             </a:pPr>
             <a:endParaRPr lang="de-DE" dirty="0" smtClean="0"/>
           </a:p>
+          <a:p>
+            <a:pPr marL="0" indent="0">
+              <a:buNone/>
+            </a:pPr>
+            <a:endParaRPr lang="de-DE" dirty="0" smtClean="0"/>
+          </a:p>
+          <a:p>
+            <a:pPr marL="0" indent="0">
+              <a:buNone/>
+            </a:pPr>
+            <a:endParaRPr lang="de-DE" dirty="0" smtClean="0"/>
+          </a:p>
+          <a:p>
+            <a:endParaRPr lang="de-DE" dirty="0"/>
+          </a:p>
+          <a:p>
+            <a:endParaRPr lang="de-DE" dirty="0" smtClean="0"/>
+          </a:p>
+          <a:p>
+            <a:endParaRPr lang="de-DE" dirty="0"/>
+          </a:p>
+          <a:p>
+            <a:pPr marL="0" indent="0">
+              <a:buNone/>
+            </a:pPr>
+            <a:endParaRPr lang="de-DE" dirty="0"/>
+          </a:p>
+          <a:p>
+            <a:pPr marL="0" indent="0">
+              <a:buNone/>
+            </a:pPr>
+            <a:endParaRPr lang="de-DE" dirty="0" smtClean="0"/>
+          </a:p>
         </p:txBody>
       </p:sp>
       <p:sp>
@@ -15213,7 +18068,7 @@
           <a:p>
             <a:fld id="{7AC709DD-AC18-4FBA-B4E6-46DED743653E}" type="datetime1">
               <a:rPr lang="de-DE" smtClean="0"/>
-              <a:t>05.12.2015</a:t>
+              <a:t>06.12.2015</a:t>
             </a:fld>
             <a:endParaRPr lang="de-DE"/>
           </a:p>
@@ -15265,8 +18120,683 @@
           </a:p>
         </p:txBody>
       </p:sp>
-      <mc:AlternateContent xmlns:mc="http://schemas.openxmlformats.org/markup-compatibility/2006">
-        <mc:Choice xmlns:a14="http://schemas.microsoft.com/office/drawing/2010/main" Requires="a14">
+      <p:sp>
+        <p:nvSpPr>
+          <p:cNvPr id="11" name="Geschweifte Klammer links 10"/>
+          <p:cNvSpPr/>
+          <p:nvPr/>
+        </p:nvSpPr>
+        <p:spPr>
+          <a:xfrm rot="16200000">
+            <a:off x="1833623" y="2882639"/>
+            <a:ext cx="606056" cy="2596902"/>
+          </a:xfrm>
+          <a:prstGeom prst="leftBrace">
+            <a:avLst/>
+          </a:prstGeom>
+        </p:spPr>
+        <p:style>
+          <a:lnRef idx="1">
+            <a:schemeClr val="dk1"/>
+          </a:lnRef>
+          <a:fillRef idx="0">
+            <a:schemeClr val="dk1"/>
+          </a:fillRef>
+          <a:effectRef idx="0">
+            <a:schemeClr val="dk1"/>
+          </a:effectRef>
+          <a:fontRef idx="minor">
+            <a:schemeClr val="tx1"/>
+          </a:fontRef>
+        </p:style>
+        <p:txBody>
+          <a:bodyPr rtlCol="0" anchor="ctr"/>
+          <a:lstStyle/>
+          <a:p>
+            <a:pPr algn="ctr"/>
+            <a:endParaRPr lang="de-DE" dirty="0"/>
+          </a:p>
+        </p:txBody>
+      </p:sp>
+      <p:sp>
+        <p:nvSpPr>
+          <p:cNvPr id="12" name="Geschweifte Klammer links 11"/>
+          <p:cNvSpPr/>
+          <p:nvPr/>
+        </p:nvSpPr>
+        <p:spPr>
+          <a:xfrm rot="16200000">
+            <a:off x="4430526" y="2882639"/>
+            <a:ext cx="606056" cy="2596902"/>
+          </a:xfrm>
+          <a:prstGeom prst="leftBrace">
+            <a:avLst/>
+          </a:prstGeom>
+        </p:spPr>
+        <p:style>
+          <a:lnRef idx="1">
+            <a:schemeClr val="dk1"/>
+          </a:lnRef>
+          <a:fillRef idx="0">
+            <a:schemeClr val="dk1"/>
+          </a:fillRef>
+          <a:effectRef idx="0">
+            <a:schemeClr val="dk1"/>
+          </a:effectRef>
+          <a:fontRef idx="minor">
+            <a:schemeClr val="tx1"/>
+          </a:fontRef>
+        </p:style>
+        <p:txBody>
+          <a:bodyPr rtlCol="0" anchor="ctr"/>
+          <a:lstStyle/>
+          <a:p>
+            <a:pPr algn="ctr"/>
+            <a:endParaRPr lang="de-DE"/>
+          </a:p>
+        </p:txBody>
+      </p:sp>
+      <p:sp>
+        <p:nvSpPr>
+          <p:cNvPr id="14" name="Geschweifte Klammer links 13"/>
+          <p:cNvSpPr/>
+          <p:nvPr/>
+        </p:nvSpPr>
+        <p:spPr>
+          <a:xfrm rot="16200000">
+            <a:off x="7091423" y="2882639"/>
+            <a:ext cx="606056" cy="2596902"/>
+          </a:xfrm>
+          <a:prstGeom prst="leftBrace">
+            <a:avLst/>
+          </a:prstGeom>
+        </p:spPr>
+        <p:style>
+          <a:lnRef idx="1">
+            <a:schemeClr val="dk1"/>
+          </a:lnRef>
+          <a:fillRef idx="0">
+            <a:schemeClr val="dk1"/>
+          </a:fillRef>
+          <a:effectRef idx="0">
+            <a:schemeClr val="dk1"/>
+          </a:effectRef>
+          <a:fontRef idx="minor">
+            <a:schemeClr val="tx1"/>
+          </a:fontRef>
+        </p:style>
+        <p:txBody>
+          <a:bodyPr rtlCol="0" anchor="ctr"/>
+          <a:lstStyle/>
+          <a:p>
+            <a:pPr algn="ctr"/>
+            <a:endParaRPr lang="de-DE"/>
+          </a:p>
+        </p:txBody>
+      </p:sp>
+      <p:sp>
+        <p:nvSpPr>
+          <p:cNvPr id="15" name="Geschweifte Klammer links 14"/>
+          <p:cNvSpPr/>
+          <p:nvPr/>
+        </p:nvSpPr>
+        <p:spPr>
+          <a:xfrm rot="16200000">
+            <a:off x="9779688" y="2791275"/>
+            <a:ext cx="606056" cy="2779628"/>
+          </a:xfrm>
+          <a:prstGeom prst="leftBrace">
+            <a:avLst/>
+          </a:prstGeom>
+        </p:spPr>
+        <p:style>
+          <a:lnRef idx="1">
+            <a:schemeClr val="dk1"/>
+          </a:lnRef>
+          <a:fillRef idx="0">
+            <a:schemeClr val="dk1"/>
+          </a:fillRef>
+          <a:effectRef idx="0">
+            <a:schemeClr val="dk1"/>
+          </a:effectRef>
+          <a:fontRef idx="minor">
+            <a:schemeClr val="tx1"/>
+          </a:fontRef>
+        </p:style>
+        <p:txBody>
+          <a:bodyPr rtlCol="0" anchor="ctr"/>
+          <a:lstStyle/>
+          <a:p>
+            <a:pPr algn="ctr"/>
+            <a:endParaRPr lang="de-DE"/>
+          </a:p>
+        </p:txBody>
+      </p:sp>
+      <p:sp>
+        <p:nvSpPr>
+          <p:cNvPr id="19" name="Textfeld 18"/>
+          <p:cNvSpPr txBox="1"/>
+          <p:nvPr/>
+        </p:nvSpPr>
+        <p:spPr>
+          <a:xfrm>
+            <a:off x="1580104" y="4645789"/>
+            <a:ext cx="1461639" cy="1477328"/>
+          </a:xfrm>
+          <a:prstGeom prst="rect">
+            <a:avLst/>
+          </a:prstGeom>
+          <a:noFill/>
+        </p:spPr>
+        <p:txBody>
+          <a:bodyPr wrap="square" rtlCol="0">
+            <a:spAutoFit/>
+          </a:bodyPr>
+          <a:lstStyle/>
+          <a:p>
+            <a:pPr marL="285750" indent="-285750">
+              <a:buFont typeface="Wingdings" panose="05000000000000000000" pitchFamily="2" charset="2"/>
+              <a:buChar char="§"/>
+            </a:pPr>
+            <a:r>
+              <a:rPr lang="de-DE" dirty="0" smtClean="0"/>
+              <a:t>…</a:t>
+            </a:r>
+          </a:p>
+          <a:p>
+            <a:pPr marL="285750" indent="-285750">
+              <a:buFont typeface="Wingdings" panose="05000000000000000000" pitchFamily="2" charset="2"/>
+              <a:buChar char="§"/>
+            </a:pPr>
+            <a:r>
+              <a:rPr lang="de-DE" dirty="0" smtClean="0"/>
+              <a:t>4-5-1 (B) </a:t>
+            </a:r>
+          </a:p>
+          <a:p>
+            <a:pPr marL="285750" indent="-285750">
+              <a:buFont typeface="Wingdings" panose="05000000000000000000" pitchFamily="2" charset="2"/>
+              <a:buChar char="§"/>
+            </a:pPr>
+            <a:r>
+              <a:rPr lang="de-DE" b="1" dirty="0" smtClean="0"/>
+              <a:t>4-9-1</a:t>
+            </a:r>
+            <a:r>
+              <a:rPr lang="de-DE" dirty="0" smtClean="0"/>
+              <a:t> (B)</a:t>
+            </a:r>
+          </a:p>
+          <a:p>
+            <a:pPr marL="285750" indent="-285750">
+              <a:buFont typeface="Wingdings" panose="05000000000000000000" pitchFamily="2" charset="2"/>
+              <a:buChar char="§"/>
+            </a:pPr>
+            <a:r>
+              <a:rPr lang="de-DE" dirty="0" smtClean="0"/>
+              <a:t>4-13-1 (B)</a:t>
+            </a:r>
+          </a:p>
+          <a:p>
+            <a:pPr marL="285750" indent="-285750">
+              <a:buFont typeface="Wingdings" panose="05000000000000000000" pitchFamily="2" charset="2"/>
+              <a:buChar char="§"/>
+            </a:pPr>
+            <a:r>
+              <a:rPr lang="de-DE" dirty="0" smtClean="0"/>
+              <a:t>…</a:t>
+            </a:r>
+          </a:p>
+        </p:txBody>
+      </p:sp>
+      <p:sp>
+        <p:nvSpPr>
+          <p:cNvPr id="20" name="Textfeld 19"/>
+          <p:cNvSpPr txBox="1"/>
+          <p:nvPr/>
+        </p:nvSpPr>
+        <p:spPr>
+          <a:xfrm>
+            <a:off x="3984498" y="4674706"/>
+            <a:ext cx="1479603" cy="646331"/>
+          </a:xfrm>
+          <a:prstGeom prst="rect">
+            <a:avLst/>
+          </a:prstGeom>
+          <a:noFill/>
+        </p:spPr>
+        <p:txBody>
+          <a:bodyPr wrap="square" rtlCol="0">
+            <a:spAutoFit/>
+          </a:bodyPr>
+          <a:lstStyle/>
+          <a:p>
+            <a:pPr marL="285750" indent="-285750">
+              <a:buFont typeface="Wingdings" panose="05000000000000000000" pitchFamily="2" charset="2"/>
+              <a:buChar char="§"/>
+            </a:pPr>
+            <a:r>
+              <a:rPr lang="de-DE" b="1" dirty="0" smtClean="0"/>
+              <a:t>Sigmoid</a:t>
+            </a:r>
+          </a:p>
+          <a:p>
+            <a:pPr marL="285750" indent="-285750">
+              <a:buFont typeface="Wingdings" panose="05000000000000000000" pitchFamily="2" charset="2"/>
+              <a:buChar char="§"/>
+            </a:pPr>
+            <a:r>
+              <a:rPr lang="de-DE" dirty="0" smtClean="0"/>
+              <a:t>Tanh</a:t>
+            </a:r>
+          </a:p>
+        </p:txBody>
+      </p:sp>
+      <p:sp>
+        <p:nvSpPr>
+          <p:cNvPr id="22" name="Textfeld 21"/>
+          <p:cNvSpPr txBox="1"/>
+          <p:nvPr/>
+        </p:nvSpPr>
+        <p:spPr>
+          <a:xfrm>
+            <a:off x="6229545" y="4660481"/>
+            <a:ext cx="2340693" cy="1200329"/>
+          </a:xfrm>
+          <a:prstGeom prst="rect">
+            <a:avLst/>
+          </a:prstGeom>
+          <a:noFill/>
+        </p:spPr>
+        <p:txBody>
+          <a:bodyPr wrap="square" rtlCol="0">
+            <a:spAutoFit/>
+          </a:bodyPr>
+          <a:lstStyle/>
+          <a:p>
+            <a:pPr marL="285750" indent="-285750">
+              <a:buFont typeface="Wingdings" panose="05000000000000000000" pitchFamily="2" charset="2"/>
+              <a:buChar char="§"/>
+            </a:pPr>
+            <a:r>
+              <a:rPr lang="de-DE" b="1" dirty="0" smtClean="0"/>
+              <a:t>Backpropagation</a:t>
+            </a:r>
+          </a:p>
+          <a:p>
+            <a:pPr marL="285750" indent="-285750">
+              <a:buFont typeface="Wingdings" panose="05000000000000000000" pitchFamily="2" charset="2"/>
+              <a:buChar char="§"/>
+            </a:pPr>
+            <a:r>
+              <a:rPr lang="de-DE" dirty="0" smtClean="0"/>
+              <a:t>M-Backpropagation</a:t>
+            </a:r>
+          </a:p>
+          <a:p>
+            <a:pPr marL="285750" indent="-285750">
+              <a:buFont typeface="Wingdings" panose="05000000000000000000" pitchFamily="2" charset="2"/>
+              <a:buChar char="§"/>
+            </a:pPr>
+            <a:r>
+              <a:rPr lang="de-DE" dirty="0" smtClean="0"/>
+              <a:t>R-BP</a:t>
+            </a:r>
+          </a:p>
+          <a:p>
+            <a:pPr marL="285750" indent="-285750">
+              <a:buFont typeface="Wingdings" panose="05000000000000000000" pitchFamily="2" charset="2"/>
+              <a:buChar char="§"/>
+            </a:pPr>
+            <a:endParaRPr lang="de-DE" dirty="0"/>
+          </a:p>
+        </p:txBody>
+      </p:sp>
+      <p:sp>
+        <p:nvSpPr>
+          <p:cNvPr id="23" name="Textfeld 22"/>
+          <p:cNvSpPr txBox="1"/>
+          <p:nvPr/>
+        </p:nvSpPr>
+        <p:spPr>
+          <a:xfrm>
+            <a:off x="9512993" y="4674706"/>
+            <a:ext cx="1137683" cy="1477328"/>
+          </a:xfrm>
+          <a:prstGeom prst="rect">
+            <a:avLst/>
+          </a:prstGeom>
+          <a:noFill/>
+        </p:spPr>
+        <p:txBody>
+          <a:bodyPr wrap="square" rtlCol="0">
+            <a:spAutoFit/>
+          </a:bodyPr>
+          <a:lstStyle/>
+          <a:p>
+            <a:pPr marL="285750" indent="-285750">
+              <a:buFont typeface="Wingdings" panose="05000000000000000000" pitchFamily="2" charset="2"/>
+              <a:buChar char="§"/>
+            </a:pPr>
+            <a:r>
+              <a:rPr lang="de-DE" dirty="0" smtClean="0"/>
+              <a:t>0,7</a:t>
+            </a:r>
+          </a:p>
+          <a:p>
+            <a:pPr marL="285750" indent="-285750">
+              <a:buFont typeface="Wingdings" panose="05000000000000000000" pitchFamily="2" charset="2"/>
+              <a:buChar char="§"/>
+            </a:pPr>
+            <a:r>
+              <a:rPr lang="de-DE" b="1" dirty="0" smtClean="0"/>
+              <a:t>...</a:t>
+            </a:r>
+          </a:p>
+          <a:p>
+            <a:pPr marL="285750" indent="-285750">
+              <a:buFont typeface="Wingdings" panose="05000000000000000000" pitchFamily="2" charset="2"/>
+              <a:buChar char="§"/>
+            </a:pPr>
+            <a:r>
+              <a:rPr lang="de-DE" b="1" dirty="0" smtClean="0"/>
+              <a:t>0.3</a:t>
+            </a:r>
+          </a:p>
+          <a:p>
+            <a:pPr marL="285750" indent="-285750">
+              <a:buFont typeface="Wingdings" panose="05000000000000000000" pitchFamily="2" charset="2"/>
+              <a:buChar char="§"/>
+            </a:pPr>
+            <a:r>
+              <a:rPr lang="de-DE" dirty="0" smtClean="0"/>
+              <a:t>…</a:t>
+            </a:r>
+          </a:p>
+          <a:p>
+            <a:pPr marL="285750" indent="-285750">
+              <a:buFont typeface="Wingdings" panose="05000000000000000000" pitchFamily="2" charset="2"/>
+              <a:buChar char="§"/>
+            </a:pPr>
+            <a:r>
+              <a:rPr lang="de-DE" dirty="0" smtClean="0"/>
+              <a:t>0,1</a:t>
+            </a:r>
+          </a:p>
+        </p:txBody>
+      </p:sp>
+      <p:sp>
+        <p:nvSpPr>
+          <p:cNvPr id="24" name="Eckige Klammer links/rechts 23"/>
+          <p:cNvSpPr/>
+          <p:nvPr/>
+        </p:nvSpPr>
+        <p:spPr>
+          <a:xfrm>
+            <a:off x="1193180" y="4567733"/>
+            <a:ext cx="9721248" cy="1539698"/>
+          </a:xfrm>
+          <a:prstGeom prst="bracketPair">
+            <a:avLst/>
+          </a:prstGeom>
+        </p:spPr>
+        <p:style>
+          <a:lnRef idx="1">
+            <a:schemeClr val="dk1"/>
+          </a:lnRef>
+          <a:fillRef idx="0">
+            <a:schemeClr val="dk1"/>
+          </a:fillRef>
+          <a:effectRef idx="0">
+            <a:schemeClr val="dk1"/>
+          </a:effectRef>
+          <a:fontRef idx="minor">
+            <a:schemeClr val="tx1"/>
+          </a:fontRef>
+        </p:style>
+        <p:txBody>
+          <a:bodyPr rtlCol="0" anchor="ctr"/>
+          <a:lstStyle/>
+          <a:p>
+            <a:pPr algn="ctr"/>
+            <a:endParaRPr lang="de-DE"/>
+          </a:p>
+        </p:txBody>
+      </p:sp>
+      <p:sp>
+        <p:nvSpPr>
+          <p:cNvPr id="25" name="Textfeld 24"/>
+          <p:cNvSpPr txBox="1"/>
+          <p:nvPr/>
+        </p:nvSpPr>
+        <p:spPr>
+          <a:xfrm>
+            <a:off x="10914427" y="4807351"/>
+            <a:ext cx="1269978" cy="923330"/>
+          </a:xfrm>
+          <a:prstGeom prst="rect">
+            <a:avLst/>
+          </a:prstGeom>
+          <a:noFill/>
+        </p:spPr>
+        <p:txBody>
+          <a:bodyPr wrap="square" rtlCol="0">
+            <a:spAutoFit/>
+          </a:bodyPr>
+          <a:lstStyle/>
+          <a:p>
+            <a:pPr algn="ctr"/>
+            <a:r>
+              <a:rPr lang="de-DE" dirty="0" smtClean="0"/>
+              <a:t>Jeweils 20.000 Zyklen</a:t>
+            </a:r>
+            <a:endParaRPr lang="de-DE" dirty="0"/>
+          </a:p>
+        </p:txBody>
+      </p:sp>
+    </p:spTree>
+    <p:extLst>
+      <p:ext uri="{BB962C8B-B14F-4D97-AF65-F5344CB8AC3E}">
+        <p14:creationId xmlns:p14="http://schemas.microsoft.com/office/powerpoint/2010/main" val="3746811798"/>
+      </p:ext>
+    </p:extLst>
+  </p:cSld>
+  <p:clrMapOvr>
+    <a:masterClrMapping/>
+  </p:clrMapOvr>
+  <p:timing>
+    <p:tnLst>
+      <p:par>
+        <p:cTn id="1" dur="indefinite" restart="never" nodeType="tmRoot"/>
+      </p:par>
+    </p:tnLst>
+  </p:timing>
+</p:sld>
+</file>
+
+<file path=ppt/slides/slide32.xml><?xml version="1.0" encoding="utf-8"?>
+<p:sld xmlns:a="http://schemas.openxmlformats.org/drawingml/2006/main" xmlns:r="http://schemas.openxmlformats.org/officeDocument/2006/relationships" xmlns:p="http://schemas.openxmlformats.org/presentationml/2006/main">
+  <p:cSld>
+    <p:spTree>
+      <p:nvGrpSpPr>
+        <p:cNvPr id="1" name=""/>
+        <p:cNvGrpSpPr/>
+        <p:nvPr/>
+      </p:nvGrpSpPr>
+      <p:grpSpPr>
+        <a:xfrm>
+          <a:off x="0" y="0"/>
+          <a:ext cx="0" cy="0"/>
+          <a:chOff x="0" y="0"/>
+          <a:chExt cx="0" cy="0"/>
+        </a:xfrm>
+      </p:grpSpPr>
+      <p:sp>
+        <p:nvSpPr>
+          <p:cNvPr id="2" name="Titel 1"/>
+          <p:cNvSpPr>
+            <a:spLocks noGrp="1"/>
+          </p:cNvSpPr>
+          <p:nvPr>
+            <p:ph type="title"/>
+          </p:nvPr>
+        </p:nvSpPr>
+        <p:spPr/>
+        <p:txBody>
+          <a:bodyPr/>
+          <a:lstStyle/>
+          <a:p>
+            <a:pPr marL="857250" indent="-857250">
+              <a:buFont typeface="+mj-lt"/>
+              <a:buAutoNum type="romanUcPeriod" startAt="5"/>
+            </a:pPr>
+            <a:r>
+              <a:rPr lang="de-DE" b="1" dirty="0" smtClean="0"/>
+              <a:t>Umsetzung des künstlichen neuronalen Netzes</a:t>
+            </a:r>
+            <a:endParaRPr lang="de-DE" dirty="0"/>
+          </a:p>
+        </p:txBody>
+      </p:sp>
+      <p:sp>
+        <p:nvSpPr>
+          <p:cNvPr id="3" name="Inhaltsplatzhalter 2"/>
+          <p:cNvSpPr>
+            <a:spLocks noGrp="1"/>
+          </p:cNvSpPr>
+          <p:nvPr>
+            <p:ph idx="1"/>
+          </p:nvPr>
+        </p:nvSpPr>
+        <p:spPr/>
+        <p:txBody>
+          <a:bodyPr>
+            <a:noAutofit/>
+          </a:bodyPr>
+          <a:lstStyle/>
+          <a:p>
+            <a:r>
+              <a:rPr lang="de-DE" dirty="0" smtClean="0"/>
+              <a:t>Datensätze</a:t>
+            </a:r>
+          </a:p>
+          <a:p>
+            <a:pPr lvl="1"/>
+            <a:r>
+              <a:rPr lang="de-DE" dirty="0" smtClean="0"/>
+              <a:t>Trainingsdatensatz: 450 Daten – vom xx.xx.2013 bis zum xx.xx.2014 </a:t>
+            </a:r>
+          </a:p>
+          <a:p>
+            <a:pPr lvl="1"/>
+            <a:r>
+              <a:rPr lang="de-DE" dirty="0" smtClean="0"/>
+              <a:t>Testdatensatz: 150 Daten –  vom xx.xx.2015 bis zum 29.10.2015</a:t>
+            </a:r>
+          </a:p>
+          <a:p>
+            <a:pPr marL="457200" lvl="1" indent="0">
+              <a:buNone/>
+            </a:pPr>
+            <a:endParaRPr lang="de-DE" dirty="0" smtClean="0"/>
+          </a:p>
+          <a:p>
+            <a:pPr marL="0" indent="0">
+              <a:buNone/>
+            </a:pPr>
+            <a:endParaRPr lang="de-DE" dirty="0" smtClean="0"/>
+          </a:p>
+          <a:p>
+            <a:pPr marL="0" indent="0">
+              <a:buNone/>
+            </a:pPr>
+            <a:endParaRPr lang="de-DE" dirty="0" smtClean="0"/>
+          </a:p>
+          <a:p>
+            <a:pPr marL="0" indent="0">
+              <a:buNone/>
+            </a:pPr>
+            <a:endParaRPr lang="de-DE" dirty="0" smtClean="0"/>
+          </a:p>
+          <a:p>
+            <a:pPr marL="0" indent="0">
+              <a:buNone/>
+            </a:pPr>
+            <a:endParaRPr lang="de-DE" dirty="0" smtClean="0"/>
+          </a:p>
+        </p:txBody>
+      </p:sp>
+      <p:sp>
+        <p:nvSpPr>
+          <p:cNvPr id="4" name="Datumsplatzhalter 3"/>
+          <p:cNvSpPr>
+            <a:spLocks noGrp="1"/>
+          </p:cNvSpPr>
+          <p:nvPr>
+            <p:ph type="dt" sz="half" idx="10"/>
+          </p:nvPr>
+        </p:nvSpPr>
+        <p:spPr/>
+        <p:txBody>
+          <a:bodyPr/>
+          <a:lstStyle/>
+          <a:p>
+            <a:fld id="{7AC709DD-AC18-4FBA-B4E6-46DED743653E}" type="datetime1">
+              <a:rPr lang="de-DE" smtClean="0"/>
+              <a:t>06.12.2015</a:t>
+            </a:fld>
+            <a:endParaRPr lang="de-DE"/>
+          </a:p>
+        </p:txBody>
+      </p:sp>
+      <p:sp>
+        <p:nvSpPr>
+          <p:cNvPr id="5" name="Fußzeilenplatzhalter 4"/>
+          <p:cNvSpPr>
+            <a:spLocks noGrp="1"/>
+          </p:cNvSpPr>
+          <p:nvPr>
+            <p:ph type="ftr" sz="quarter" idx="11"/>
+          </p:nvPr>
+        </p:nvSpPr>
+        <p:spPr/>
+        <p:txBody>
+          <a:bodyPr/>
+          <a:lstStyle/>
+          <a:p>
+            <a:r>
+              <a:rPr lang="de-DE" smtClean="0"/>
+              <a:t>Fakultät Informatik             Sebastian Schötteler &amp; Benedikt Hofrichter</a:t>
+            </a:r>
+            <a:endParaRPr lang="de-DE" dirty="0"/>
+          </a:p>
+        </p:txBody>
+      </p:sp>
+      <p:sp>
+        <p:nvSpPr>
+          <p:cNvPr id="6" name="Foliennummernplatzhalter 5"/>
+          <p:cNvSpPr>
+            <a:spLocks noGrp="1"/>
+          </p:cNvSpPr>
+          <p:nvPr>
+            <p:ph type="sldNum" sz="quarter" idx="12"/>
+          </p:nvPr>
+        </p:nvSpPr>
+        <p:spPr/>
+        <p:txBody>
+          <a:bodyPr/>
+          <a:lstStyle/>
+          <a:p>
+            <a:fld id="{0E226D3C-400E-4353-AAC2-09A0472DC536}" type="slidenum">
+              <a:rPr lang="de-DE" smtClean="0"/>
+              <a:t>31</a:t>
+            </a:fld>
+            <a:endParaRPr lang="de-DE" dirty="0"/>
+          </a:p>
+        </p:txBody>
+      </p:sp>
+      <mc:AlternateContent xmlns:mc="http://schemas.openxmlformats.org/markup-compatibility/2006" xmlns:a14="http://schemas.microsoft.com/office/drawing/2010/main">
+        <mc:Choice Requires="a14">
           <p:sp>
             <p:nvSpPr>
               <p:cNvPr id="7" name="Textfeld 6"/>
@@ -15310,7 +18840,6 @@
                 </a:r>
               </a:p>
               <a:p>
-                <a:pPr/>
                 <a:endParaRPr lang="de-DE" i="1" dirty="0" smtClean="0">
                   <a:latin typeface="Cambria Math" panose="02040503050406030204" pitchFamily="18" charset="0"/>
                 </a:endParaRPr>
@@ -15467,7 +18996,7 @@
             </p:txBody>
           </p:sp>
         </mc:Choice>
-        <mc:Fallback>
+        <mc:Fallback xmlns="">
           <p:sp>
             <p:nvSpPr>
               <p:cNvPr id="7" name="Textfeld 6"/>
@@ -15716,8 +19245,8 @@
           </a:p>
         </p:txBody>
       </p:sp>
-      <mc:AlternateContent xmlns:mc="http://schemas.openxmlformats.org/markup-compatibility/2006">
-        <mc:Choice xmlns:a14="http://schemas.microsoft.com/office/drawing/2010/main" Requires="a14">
+      <mc:AlternateContent xmlns:mc="http://schemas.openxmlformats.org/markup-compatibility/2006" xmlns:a14="http://schemas.microsoft.com/office/drawing/2010/main">
+        <mc:Choice Requires="a14">
           <p:sp>
             <p:nvSpPr>
               <p:cNvPr id="17" name="Textfeld 16"/>
@@ -15740,6 +19269,7 @@
               </a:bodyPr>
               <a:lstStyle/>
               <a:p>
+                <a:pPr/>
                 <a14:m>
                   <m:oMathPara xmlns:m="http://schemas.openxmlformats.org/officeDocument/2006/math">
                     <m:oMathParaPr>
@@ -15785,7 +19315,7 @@
             </p:txBody>
           </p:sp>
         </mc:Choice>
-        <mc:Fallback>
+        <mc:Fallback xmlns="">
           <p:sp>
             <p:nvSpPr>
               <p:cNvPr id="17" name="Textfeld 16"/>
@@ -15824,8 +19354,8 @@
           </p:sp>
         </mc:Fallback>
       </mc:AlternateContent>
-      <mc:AlternateContent xmlns:mc="http://schemas.openxmlformats.org/markup-compatibility/2006">
-        <mc:Choice xmlns:a14="http://schemas.microsoft.com/office/drawing/2010/main" Requires="a14">
+      <mc:AlternateContent xmlns:mc="http://schemas.openxmlformats.org/markup-compatibility/2006" xmlns:a14="http://schemas.microsoft.com/office/drawing/2010/main">
+        <mc:Choice Requires="a14">
           <p:sp>
             <p:nvSpPr>
               <p:cNvPr id="18" name="Textfeld 17"/>
@@ -15848,6 +19378,7 @@
               </a:bodyPr>
               <a:lstStyle/>
               <a:p>
+                <a:pPr/>
                 <a14:m>
                   <m:oMathPara xmlns:m="http://schemas.openxmlformats.org/officeDocument/2006/math">
                     <m:oMathParaPr>
@@ -15893,7 +19424,7 @@
             </p:txBody>
           </p:sp>
         </mc:Choice>
-        <mc:Fallback>
+        <mc:Fallback xmlns="">
           <p:sp>
             <p:nvSpPr>
               <p:cNvPr id="18" name="Textfeld 17"/>
@@ -15932,8 +19463,8 @@
           </p:sp>
         </mc:Fallback>
       </mc:AlternateContent>
-      <mc:AlternateContent xmlns:mc="http://schemas.openxmlformats.org/markup-compatibility/2006">
-        <mc:Choice xmlns:a14="http://schemas.microsoft.com/office/drawing/2010/main" Requires="a14">
+      <mc:AlternateContent xmlns:mc="http://schemas.openxmlformats.org/markup-compatibility/2006" xmlns:a14="http://schemas.microsoft.com/office/drawing/2010/main">
+        <mc:Choice Requires="a14">
           <p:sp>
             <p:nvSpPr>
               <p:cNvPr id="19" name="Textfeld 18"/>
@@ -15956,6 +19487,7 @@
               </a:bodyPr>
               <a:lstStyle/>
               <a:p>
+                <a:pPr/>
                 <a14:m>
                   <m:oMathPara xmlns:m="http://schemas.openxmlformats.org/officeDocument/2006/math">
                     <m:oMathParaPr>
@@ -16001,7 +19533,7 @@
             </p:txBody>
           </p:sp>
         </mc:Choice>
-        <mc:Fallback>
+        <mc:Fallback xmlns="">
           <p:sp>
             <p:nvSpPr>
               <p:cNvPr id="19" name="Textfeld 18"/>
@@ -16040,8 +19572,8 @@
           </p:sp>
         </mc:Fallback>
       </mc:AlternateContent>
-      <mc:AlternateContent xmlns:mc="http://schemas.openxmlformats.org/markup-compatibility/2006">
-        <mc:Choice xmlns:a14="http://schemas.microsoft.com/office/drawing/2010/main" Requires="a14">
+      <mc:AlternateContent xmlns:mc="http://schemas.openxmlformats.org/markup-compatibility/2006" xmlns:a14="http://schemas.microsoft.com/office/drawing/2010/main">
+        <mc:Choice Requires="a14">
           <p:sp>
             <p:nvSpPr>
               <p:cNvPr id="20" name="Textfeld 19"/>
@@ -16064,6 +19596,7 @@
               </a:bodyPr>
               <a:lstStyle/>
               <a:p>
+                <a:pPr/>
                 <a14:m>
                   <m:oMathPara xmlns:m="http://schemas.openxmlformats.org/officeDocument/2006/math">
                     <m:oMathParaPr>
@@ -16103,7 +19636,7 @@
             </p:txBody>
           </p:sp>
         </mc:Choice>
-        <mc:Fallback>
+        <mc:Fallback xmlns="">
           <p:sp>
             <p:nvSpPr>
               <p:cNvPr id="20" name="Textfeld 19"/>
@@ -16142,8 +19675,8 @@
           </p:sp>
         </mc:Fallback>
       </mc:AlternateContent>
-      <mc:AlternateContent xmlns:mc="http://schemas.openxmlformats.org/markup-compatibility/2006">
-        <mc:Choice xmlns:a14="http://schemas.microsoft.com/office/drawing/2010/main" Requires="a14">
+      <mc:AlternateContent xmlns:mc="http://schemas.openxmlformats.org/markup-compatibility/2006" xmlns:a14="http://schemas.microsoft.com/office/drawing/2010/main">
+        <mc:Choice Requires="a14">
           <p:sp>
             <p:nvSpPr>
               <p:cNvPr id="21" name="Textfeld 20"/>
@@ -16166,6 +19699,7 @@
               </a:bodyPr>
               <a:lstStyle/>
               <a:p>
+                <a:pPr/>
                 <a14:m>
                   <m:oMathPara xmlns:m="http://schemas.openxmlformats.org/officeDocument/2006/math">
                     <m:oMathParaPr>
@@ -16211,7 +19745,7 @@
             </p:txBody>
           </p:sp>
         </mc:Choice>
-        <mc:Fallback>
+        <mc:Fallback xmlns="">
           <p:sp>
             <p:nvSpPr>
               <p:cNvPr id="21" name="Textfeld 20"/>
@@ -16270,304 +19804,6 @@
 </p:sld>
 </file>
 
-<file path=ppt/slides/slide32.xml><?xml version="1.0" encoding="utf-8"?>
-<p:sld xmlns:a="http://schemas.openxmlformats.org/drawingml/2006/main" xmlns:r="http://schemas.openxmlformats.org/officeDocument/2006/relationships" xmlns:p="http://schemas.openxmlformats.org/presentationml/2006/main">
-  <p:cSld>
-    <p:spTree>
-      <p:nvGrpSpPr>
-        <p:cNvPr id="1" name=""/>
-        <p:cNvGrpSpPr/>
-        <p:nvPr/>
-      </p:nvGrpSpPr>
-      <p:grpSpPr>
-        <a:xfrm>
-          <a:off x="0" y="0"/>
-          <a:ext cx="0" cy="0"/>
-          <a:chOff x="0" y="0"/>
-          <a:chExt cx="0" cy="0"/>
-        </a:xfrm>
-      </p:grpSpPr>
-      <p:sp>
-        <p:nvSpPr>
-          <p:cNvPr id="2" name="Titel 1"/>
-          <p:cNvSpPr>
-            <a:spLocks noGrp="1"/>
-          </p:cNvSpPr>
-          <p:nvPr>
-            <p:ph type="title"/>
-          </p:nvPr>
-        </p:nvSpPr>
-        <p:spPr/>
-        <p:txBody>
-          <a:bodyPr/>
-          <a:lstStyle/>
-          <a:p>
-            <a:pPr marL="857250" indent="-857250">
-              <a:buFont typeface="+mj-lt"/>
-              <a:buAutoNum type="romanUcPeriod" startAt="5"/>
-            </a:pPr>
-            <a:r>
-              <a:rPr lang="de-DE" b="1" dirty="0" smtClean="0"/>
-              <a:t>Umsetzung des künstlichen neuronalen Netzes</a:t>
-            </a:r>
-            <a:endParaRPr lang="de-DE" dirty="0"/>
-          </a:p>
-        </p:txBody>
-      </p:sp>
-      <p:sp>
-        <p:nvSpPr>
-          <p:cNvPr id="3" name="Inhaltsplatzhalter 2"/>
-          <p:cNvSpPr>
-            <a:spLocks noGrp="1"/>
-          </p:cNvSpPr>
-          <p:nvPr>
-            <p:ph idx="1"/>
-          </p:nvPr>
-        </p:nvSpPr>
-        <p:spPr/>
-        <p:txBody>
-          <a:bodyPr>
-            <a:normAutofit/>
-          </a:bodyPr>
-          <a:lstStyle/>
-          <a:p>
-            <a:r>
-              <a:rPr lang="de-DE" dirty="0" smtClean="0"/>
-              <a:t>Optimierung der Topologie</a:t>
-            </a:r>
-          </a:p>
-          <a:p>
-            <a:pPr marL="0" indent="0">
-              <a:buNone/>
-            </a:pPr>
-            <a:endParaRPr lang="de-DE" dirty="0"/>
-          </a:p>
-          <a:p>
-            <a:endParaRPr lang="de-DE" dirty="0" smtClean="0"/>
-          </a:p>
-          <a:p>
-            <a:endParaRPr lang="de-DE" dirty="0"/>
-          </a:p>
-          <a:p>
-            <a:pPr marL="0" indent="0">
-              <a:buNone/>
-            </a:pPr>
-            <a:endParaRPr lang="de-DE" dirty="0" smtClean="0"/>
-          </a:p>
-          <a:p>
-            <a:pPr marL="0" indent="0">
-              <a:buNone/>
-            </a:pPr>
-            <a:r>
-              <a:rPr lang="de-DE" dirty="0" smtClean="0"/>
-              <a:t>General / </a:t>
-            </a:r>
-            <a:r>
-              <a:rPr lang="de-DE" dirty="0" err="1" smtClean="0"/>
-              <a:t>overfitting</a:t>
-            </a:r>
-            <a:endParaRPr lang="de-DE" dirty="0" smtClean="0"/>
-          </a:p>
-          <a:p>
-            <a:pPr marL="0" indent="0">
-              <a:buNone/>
-            </a:pPr>
-            <a:endParaRPr lang="de-DE" dirty="0" smtClean="0"/>
-          </a:p>
-          <a:p>
-            <a:pPr marL="0" indent="0">
-              <a:buNone/>
-            </a:pPr>
-            <a:endParaRPr lang="de-DE" dirty="0" smtClean="0"/>
-          </a:p>
-          <a:p>
-            <a:endParaRPr lang="de-DE" dirty="0"/>
-          </a:p>
-          <a:p>
-            <a:endParaRPr lang="de-DE" dirty="0" smtClean="0"/>
-          </a:p>
-          <a:p>
-            <a:endParaRPr lang="de-DE" dirty="0"/>
-          </a:p>
-          <a:p>
-            <a:pPr marL="0" indent="0">
-              <a:buNone/>
-            </a:pPr>
-            <a:endParaRPr lang="de-DE" dirty="0"/>
-          </a:p>
-          <a:p>
-            <a:pPr marL="0" indent="0">
-              <a:buNone/>
-            </a:pPr>
-            <a:endParaRPr lang="de-DE" dirty="0" smtClean="0"/>
-          </a:p>
-        </p:txBody>
-      </p:sp>
-      <p:sp>
-        <p:nvSpPr>
-          <p:cNvPr id="4" name="Datumsplatzhalter 3"/>
-          <p:cNvSpPr>
-            <a:spLocks noGrp="1"/>
-          </p:cNvSpPr>
-          <p:nvPr>
-            <p:ph type="dt" sz="half" idx="10"/>
-          </p:nvPr>
-        </p:nvSpPr>
-        <p:spPr/>
-        <p:txBody>
-          <a:bodyPr/>
-          <a:lstStyle/>
-          <a:p>
-            <a:fld id="{7AC709DD-AC18-4FBA-B4E6-46DED743653E}" type="datetime1">
-              <a:rPr lang="de-DE" smtClean="0"/>
-              <a:t>05.12.2015</a:t>
-            </a:fld>
-            <a:endParaRPr lang="de-DE"/>
-          </a:p>
-        </p:txBody>
-      </p:sp>
-      <p:sp>
-        <p:nvSpPr>
-          <p:cNvPr id="5" name="Fußzeilenplatzhalter 4"/>
-          <p:cNvSpPr>
-            <a:spLocks noGrp="1"/>
-          </p:cNvSpPr>
-          <p:nvPr>
-            <p:ph type="ftr" sz="quarter" idx="11"/>
-          </p:nvPr>
-        </p:nvSpPr>
-        <p:spPr/>
-        <p:txBody>
-          <a:bodyPr/>
-          <a:lstStyle/>
-          <a:p>
-            <a:r>
-              <a:rPr lang="de-DE" smtClean="0"/>
-              <a:t>Fakultät Informatik             Sebastian Schötteler &amp; Benedikt Hofrichter</a:t>
-            </a:r>
-            <a:endParaRPr lang="de-DE" dirty="0"/>
-          </a:p>
-        </p:txBody>
-      </p:sp>
-      <p:sp>
-        <p:nvSpPr>
-          <p:cNvPr id="6" name="Foliennummernplatzhalter 5"/>
-          <p:cNvSpPr>
-            <a:spLocks noGrp="1"/>
-          </p:cNvSpPr>
-          <p:nvPr>
-            <p:ph type="sldNum" sz="quarter" idx="12"/>
-          </p:nvPr>
-        </p:nvSpPr>
-        <p:spPr/>
-        <p:txBody>
-          <a:bodyPr/>
-          <a:lstStyle/>
-          <a:p>
-            <a:fld id="{0E226D3C-400E-4353-AAC2-09A0472DC536}" type="slidenum">
-              <a:rPr lang="de-DE" smtClean="0"/>
-              <a:t>31</a:t>
-            </a:fld>
-            <a:endParaRPr lang="de-DE" dirty="0"/>
-          </a:p>
-        </p:txBody>
-      </p:sp>
-      <p:graphicFrame>
-        <p:nvGraphicFramePr>
-          <p:cNvPr id="7" name="Tabelle 6"/>
-          <p:cNvGraphicFramePr>
-            <a:graphicFrameLocks noGrp="1"/>
-          </p:cNvGraphicFramePr>
-          <p:nvPr>
-            <p:extLst>
-              <p:ext uri="{D42A27DB-BD31-4B8C-83A1-F6EECF244321}">
-                <p14:modId xmlns:p14="http://schemas.microsoft.com/office/powerpoint/2010/main" val="387856225"/>
-              </p:ext>
-            </p:extLst>
-          </p:nvPr>
-        </p:nvGraphicFramePr>
-        <p:xfrm>
-          <a:off x="1872511" y="2686689"/>
-          <a:ext cx="6314559" cy="741680"/>
-        </p:xfrm>
-        <a:graphic>
-          <a:graphicData uri="http://schemas.openxmlformats.org/drawingml/2006/table">
-            <a:tbl>
-              <a:tblPr firstRow="1" bandRow="1">
-                <a:tableStyleId>{5C22544A-7EE6-4342-B048-85BDC9FD1C3A}</a:tableStyleId>
-              </a:tblPr>
-              <a:tblGrid>
-                <a:gridCol w="2944038"/>
-                <a:gridCol w="3370521"/>
-              </a:tblGrid>
-              <a:tr h="370840">
-                <a:tc>
-                  <a:txBody>
-                    <a:bodyPr/>
-                    <a:lstStyle/>
-                    <a:p>
-                      <a:endParaRPr lang="de-DE" dirty="0"/>
-                    </a:p>
-                  </a:txBody>
-                  <a:tcPr/>
-                </a:tc>
-                <a:tc>
-                  <a:txBody>
-                    <a:bodyPr/>
-                    <a:lstStyle/>
-                    <a:p>
-                      <a:endParaRPr lang="de-DE"/>
-                    </a:p>
-                  </a:txBody>
-                  <a:tcPr/>
-                </a:tc>
-              </a:tr>
-              <a:tr h="370840">
-                <a:tc>
-                  <a:txBody>
-                    <a:bodyPr/>
-                    <a:lstStyle/>
-                    <a:p>
-                      <a:endParaRPr lang="de-DE"/>
-                    </a:p>
-                  </a:txBody>
-                  <a:tcPr/>
-                </a:tc>
-                <a:tc>
-                  <a:txBody>
-                    <a:bodyPr/>
-                    <a:lstStyle/>
-                    <a:p>
-                      <a:endParaRPr lang="de-DE" dirty="0"/>
-                    </a:p>
-                  </a:txBody>
-                  <a:tcPr/>
-                </a:tc>
-              </a:tr>
-            </a:tbl>
-          </a:graphicData>
-        </a:graphic>
-      </p:graphicFrame>
-    </p:spTree>
-    <p:extLst>
-      <p:ext uri="{BB962C8B-B14F-4D97-AF65-F5344CB8AC3E}">
-        <p14:creationId xmlns:p14="http://schemas.microsoft.com/office/powerpoint/2010/main" val="2364851816"/>
-      </p:ext>
-    </p:extLst>
-  </p:cSld>
-  <p:clrMapOvr>
-    <a:masterClrMapping/>
-  </p:clrMapOvr>
-  <p:timing>
-    <p:tnLst>
-      <p:par>
-        <p:cTn id="1" dur="indefinite" restart="never" nodeType="tmRoot"/>
-      </p:par>
-    </p:tnLst>
-  </p:timing>
-</p:sld>
-</file>
-
 <file path=ppt/slides/slide33.xml><?xml version="1.0" encoding="utf-8"?>
 <p:sld xmlns:a="http://schemas.openxmlformats.org/drawingml/2006/main" xmlns:r="http://schemas.openxmlformats.org/officeDocument/2006/relationships" xmlns:p="http://schemas.openxmlformats.org/presentationml/2006/main">
   <p:cSld>
@@ -16612,87 +19848,170 @@
           </a:p>
         </p:txBody>
       </p:sp>
-      <p:sp>
-        <p:nvSpPr>
-          <p:cNvPr id="3" name="Inhaltsplatzhalter 2"/>
-          <p:cNvSpPr>
-            <a:spLocks noGrp="1"/>
-          </p:cNvSpPr>
-          <p:nvPr>
-            <p:ph idx="1"/>
-          </p:nvPr>
-        </p:nvSpPr>
-        <p:spPr/>
-        <p:txBody>
-          <a:bodyPr>
-            <a:normAutofit/>
-          </a:bodyPr>
-          <a:lstStyle/>
-          <a:p>
-            <a:r>
-              <a:rPr lang="de-DE" dirty="0" smtClean="0"/>
-              <a:t>Optimierung der Transferfunktion</a:t>
-            </a:r>
-          </a:p>
-          <a:p>
-            <a:pPr marL="0" indent="0">
-              <a:buNone/>
-            </a:pPr>
-            <a:endParaRPr lang="de-DE" dirty="0"/>
-          </a:p>
-          <a:p>
-            <a:endParaRPr lang="de-DE" dirty="0" smtClean="0"/>
-          </a:p>
-          <a:p>
-            <a:endParaRPr lang="de-DE" dirty="0"/>
-          </a:p>
-          <a:p>
-            <a:pPr marL="0" indent="0">
-              <a:buNone/>
-            </a:pPr>
-            <a:endParaRPr lang="de-DE" dirty="0" smtClean="0"/>
-          </a:p>
-          <a:p>
-            <a:pPr marL="0" indent="0">
-              <a:buNone/>
-            </a:pPr>
-            <a:endParaRPr lang="de-DE" dirty="0" smtClean="0"/>
-          </a:p>
-          <a:p>
-            <a:pPr marL="0" indent="0">
-              <a:buNone/>
-            </a:pPr>
-            <a:endParaRPr lang="de-DE" dirty="0" smtClean="0"/>
-          </a:p>
-          <a:p>
-            <a:pPr marL="0" indent="0">
-              <a:buNone/>
-            </a:pPr>
-            <a:endParaRPr lang="de-DE" dirty="0" smtClean="0"/>
-          </a:p>
-          <a:p>
-            <a:endParaRPr lang="de-DE" dirty="0"/>
-          </a:p>
-          <a:p>
-            <a:endParaRPr lang="de-DE" dirty="0" smtClean="0"/>
-          </a:p>
-          <a:p>
-            <a:endParaRPr lang="de-DE" dirty="0"/>
-          </a:p>
-          <a:p>
-            <a:pPr marL="0" indent="0">
-              <a:buNone/>
-            </a:pPr>
-            <a:endParaRPr lang="de-DE" dirty="0"/>
-          </a:p>
-          <a:p>
-            <a:pPr marL="0" indent="0">
-              <a:buNone/>
-            </a:pPr>
-            <a:endParaRPr lang="de-DE" dirty="0" smtClean="0"/>
-          </a:p>
-        </p:txBody>
-      </p:sp>
+      <mc:AlternateContent xmlns:mc="http://schemas.openxmlformats.org/markup-compatibility/2006">
+        <mc:Choice xmlns:a14="http://schemas.microsoft.com/office/drawing/2010/main" Requires="a14">
+          <p:sp>
+            <p:nvSpPr>
+              <p:cNvPr id="3" name="Inhaltsplatzhalter 2"/>
+              <p:cNvSpPr>
+                <a:spLocks noGrp="1"/>
+              </p:cNvSpPr>
+              <p:nvPr>
+                <p:ph idx="1"/>
+              </p:nvPr>
+            </p:nvSpPr>
+            <p:spPr/>
+            <p:txBody>
+              <a:bodyPr>
+                <a:normAutofit/>
+              </a:bodyPr>
+              <a:lstStyle/>
+              <a:p>
+                <a:r>
+                  <a:rPr lang="de-DE" dirty="0" smtClean="0"/>
+                  <a:t>Optimierung der Topologie</a:t>
+                </a:r>
+              </a:p>
+              <a:p>
+                <a:endParaRPr lang="de-DE" dirty="0"/>
+              </a:p>
+              <a:p>
+                <a:endParaRPr lang="de-DE" dirty="0" smtClean="0"/>
+              </a:p>
+              <a:p>
+                <a:endParaRPr lang="de-DE" dirty="0"/>
+              </a:p>
+              <a:p>
+                <a:endParaRPr lang="de-DE" dirty="0" smtClean="0"/>
+              </a:p>
+              <a:p>
+                <a:endParaRPr lang="de-DE" dirty="0"/>
+              </a:p>
+              <a:p>
+                <a:endParaRPr lang="de-DE" dirty="0" smtClean="0"/>
+              </a:p>
+              <a:p>
+                <a:pPr lvl="1"/>
+                <a:endParaRPr lang="de-DE" dirty="0" smtClean="0"/>
+              </a:p>
+              <a:p>
+                <a:pPr lvl="1"/>
+                <a:r>
+                  <a:rPr lang="de-DE" dirty="0" smtClean="0"/>
+                  <a:t>Schritte: </a:t>
+                </a:r>
+                <a14:m>
+                  <m:oMath xmlns:m="http://schemas.openxmlformats.org/officeDocument/2006/math">
+                    <m:r>
+                      <a:rPr lang="de-DE" b="0" i="1" smtClean="0">
+                        <a:latin typeface="Cambria Math" panose="02040503050406030204" pitchFamily="18" charset="0"/>
+                      </a:rPr>
+                      <m:t>2</m:t>
+                    </m:r>
+                    <m:r>
+                      <a:rPr lang="de-DE" b="0" i="1" smtClean="0">
+                        <a:latin typeface="Cambria Math" panose="02040503050406030204" pitchFamily="18" charset="0"/>
+                      </a:rPr>
+                      <m:t>𝑛</m:t>
+                    </m:r>
+                    <m:r>
+                      <a:rPr lang="de-DE" b="0" i="1" smtClean="0">
+                        <a:latin typeface="Cambria Math" panose="02040503050406030204" pitchFamily="18" charset="0"/>
+                      </a:rPr>
+                      <m:t>+1</m:t>
+                    </m:r>
+                  </m:oMath>
+                </a14:m>
+                <a:endParaRPr lang="de-DE" dirty="0" smtClean="0"/>
+              </a:p>
+              <a:p>
+                <a:pPr marL="0" indent="0">
+                  <a:buNone/>
+                </a:pPr>
+                <a:endParaRPr lang="de-DE" dirty="0"/>
+              </a:p>
+              <a:p>
+                <a:endParaRPr lang="de-DE" dirty="0" smtClean="0"/>
+              </a:p>
+              <a:p>
+                <a:endParaRPr lang="de-DE" dirty="0"/>
+              </a:p>
+              <a:p>
+                <a:pPr marL="0" indent="0">
+                  <a:buNone/>
+                </a:pPr>
+                <a:endParaRPr lang="de-DE" dirty="0" smtClean="0"/>
+              </a:p>
+              <a:p>
+                <a:pPr marL="0" indent="0">
+                  <a:buNone/>
+                </a:pPr>
+                <a:endParaRPr lang="de-DE" dirty="0" smtClean="0"/>
+              </a:p>
+              <a:p>
+                <a:pPr marL="0" indent="0">
+                  <a:buNone/>
+                </a:pPr>
+                <a:endParaRPr lang="de-DE" dirty="0" smtClean="0"/>
+              </a:p>
+              <a:p>
+                <a:endParaRPr lang="de-DE" dirty="0"/>
+              </a:p>
+              <a:p>
+                <a:endParaRPr lang="de-DE" dirty="0" smtClean="0"/>
+              </a:p>
+              <a:p>
+                <a:endParaRPr lang="de-DE" dirty="0"/>
+              </a:p>
+              <a:p>
+                <a:pPr marL="0" indent="0">
+                  <a:buNone/>
+                </a:pPr>
+                <a:endParaRPr lang="de-DE" dirty="0"/>
+              </a:p>
+              <a:p>
+                <a:pPr marL="0" indent="0">
+                  <a:buNone/>
+                </a:pPr>
+                <a:endParaRPr lang="de-DE" dirty="0" smtClean="0"/>
+              </a:p>
+            </p:txBody>
+          </p:sp>
+        </mc:Choice>
+        <mc:Fallback>
+          <p:sp>
+            <p:nvSpPr>
+              <p:cNvPr id="3" name="Inhaltsplatzhalter 2"/>
+              <p:cNvSpPr>
+                <a:spLocks noGrp="1" noRot="1" noChangeAspect="1" noMove="1" noResize="1" noEditPoints="1" noAdjustHandles="1" noChangeArrowheads="1" noChangeShapeType="1" noTextEdit="1"/>
+              </p:cNvSpPr>
+              <p:nvPr>
+                <p:ph idx="1"/>
+              </p:nvPr>
+            </p:nvSpPr>
+            <p:spPr>
+              <a:blipFill rotWithShape="0">
+                <a:blip r:embed="rId3"/>
+                <a:stretch>
+                  <a:fillRect l="-1043" t="-2241" b="-2661"/>
+                </a:stretch>
+              </a:blipFill>
+            </p:spPr>
+            <p:txBody>
+              <a:bodyPr/>
+              <a:lstStyle/>
+              <a:p>
+                <a:r>
+                  <a:rPr lang="de-DE">
+                    <a:noFill/>
+                  </a:rPr>
+                  <a:t> </a:t>
+                </a:r>
+              </a:p>
+            </p:txBody>
+          </p:sp>
+        </mc:Fallback>
+      </mc:AlternateContent>
       <p:sp>
         <p:nvSpPr>
           <p:cNvPr id="4" name="Datumsplatzhalter 3"/>
@@ -16710,7 +20029,7 @@
           <a:p>
             <a:fld id="{7AC709DD-AC18-4FBA-B4E6-46DED743653E}" type="datetime1">
               <a:rPr lang="de-DE" smtClean="0"/>
-              <a:t>05.12.2015</a:t>
+              <a:t>06.12.2015</a:t>
             </a:fld>
             <a:endParaRPr lang="de-DE"/>
           </a:p>
@@ -16771,37 +20090,85 @@
           <p:nvPr>
             <p:extLst>
               <p:ext uri="{D42A27DB-BD31-4B8C-83A1-F6EECF244321}">
-                <p14:modId xmlns:p14="http://schemas.microsoft.com/office/powerpoint/2010/main" val="1051124203"/>
+                <p14:modId xmlns:p14="http://schemas.microsoft.com/office/powerpoint/2010/main" val="1982343080"/>
               </p:ext>
             </p:extLst>
           </p:nvPr>
         </p:nvGraphicFramePr>
         <p:xfrm>
-          <a:off x="1808716" y="3250214"/>
-          <a:ext cx="8128000" cy="1112520"/>
+          <a:off x="1872511" y="2686689"/>
+          <a:ext cx="8547396" cy="2966720"/>
         </p:xfrm>
         <a:graphic>
           <a:graphicData uri="http://schemas.openxmlformats.org/drawingml/2006/table">
             <a:tbl>
               <a:tblPr firstRow="1" bandRow="1">
-                <a:tableStyleId>{5C22544A-7EE6-4342-B048-85BDC9FD1C3A}</a:tableStyleId>
+                <a:tableStyleId>{5940675A-B579-460E-94D1-54222C63F5DA}</a:tableStyleId>
               </a:tblPr>
               <a:tblGrid>
-                <a:gridCol w="4064000"/>
-                <a:gridCol w="4064000"/>
+                <a:gridCol w="2914274"/>
+                <a:gridCol w="1457137"/>
+                <a:gridCol w="1457137"/>
+                <a:gridCol w="1359424"/>
+                <a:gridCol w="1359424"/>
               </a:tblGrid>
               <a:tr h="370840">
-                <a:tc>
+                <a:tc rowSpan="2">
                   <a:txBody>
                     <a:bodyPr/>
                     <a:lstStyle/>
                     <a:p>
-                      <a:endParaRPr lang="de-DE" dirty="0"/>
+                      <a:pPr algn="ctr"/>
+                      <a:r>
+                        <a:rPr lang="de-DE" b="1" dirty="0" smtClean="0"/>
+                        <a:t>Topologie</a:t>
+                      </a:r>
+                      <a:endParaRPr lang="de-DE" b="1" dirty="0"/>
+                    </a:p>
+                  </a:txBody>
+                  <a:tcPr anchor="ctr"/>
+                </a:tc>
+                <a:tc gridSpan="2">
+                  <a:txBody>
+                    <a:bodyPr/>
+                    <a:lstStyle/>
+                    <a:p>
+                      <a:pPr algn="ctr"/>
+                      <a:r>
+                        <a:rPr lang="de-DE" b="1" dirty="0" smtClean="0"/>
+                        <a:t>MSE</a:t>
+                      </a:r>
+                      <a:endParaRPr lang="de-DE" b="1" dirty="0"/>
+                    </a:p>
+                  </a:txBody>
+                  <a:tcPr anchor="ctr"/>
+                </a:tc>
+                <a:tc hMerge="1">
+                  <a:txBody>
+                    <a:bodyPr/>
+                    <a:lstStyle/>
+                    <a:p>
+                      <a:endParaRPr lang="de-DE"/>
                     </a:p>
                   </a:txBody>
                   <a:tcPr/>
                 </a:tc>
-                <a:tc>
+                <a:tc gridSpan="2">
+                  <a:txBody>
+                    <a:bodyPr/>
+                    <a:lstStyle/>
+                    <a:p>
+                      <a:pPr algn="ctr"/>
+                      <a:r>
+                        <a:rPr lang="de-DE" b="1" dirty="0" smtClean="0"/>
+                        <a:t>MSE-BIAS</a:t>
+                      </a:r>
+                      <a:endParaRPr lang="de-DE" b="1" dirty="0"/>
+                    </a:p>
+                  </a:txBody>
+                  <a:tcPr anchor="ctr"/>
+                </a:tc>
+                <a:tc hMerge="1">
                   <a:txBody>
                     <a:bodyPr/>
                     <a:lstStyle/>
@@ -16813,12 +20180,13 @@
                 </a:tc>
               </a:tr>
               <a:tr h="370840">
-                <a:tc>
+                <a:tc vMerge="1">
                   <a:txBody>
                     <a:bodyPr/>
                     <a:lstStyle/>
                     <a:p>
-                      <a:endParaRPr lang="de-DE"/>
+                      <a:pPr algn="ctr"/>
+                      <a:endParaRPr lang="de-DE" b="1" dirty="0"/>
                     </a:p>
                   </a:txBody>
                   <a:tcPr/>
@@ -16828,10 +20196,60 @@
                     <a:bodyPr/>
                     <a:lstStyle/>
                     <a:p>
-                      <a:endParaRPr lang="de-DE"/>
+                      <a:pPr algn="ctr"/>
+                      <a:r>
+                        <a:rPr lang="de-DE" b="1" dirty="0" smtClean="0"/>
+                        <a:t>Training</a:t>
+                      </a:r>
+                      <a:endParaRPr lang="de-DE" b="1" dirty="0"/>
                     </a:p>
                   </a:txBody>
-                  <a:tcPr/>
+                  <a:tcPr anchor="ctr"/>
+                </a:tc>
+                <a:tc>
+                  <a:txBody>
+                    <a:bodyPr/>
+                    <a:lstStyle/>
+                    <a:p>
+                      <a:pPr algn="ctr"/>
+                      <a:r>
+                        <a:rPr lang="de-DE" b="1" dirty="0" smtClean="0"/>
+                        <a:t>Test</a:t>
+                      </a:r>
+                      <a:endParaRPr lang="de-DE" b="1" dirty="0"/>
+                    </a:p>
+                  </a:txBody>
+                  <a:tcPr anchor="ctr"/>
+                </a:tc>
+                <a:tc>
+                  <a:txBody>
+                    <a:bodyPr/>
+                    <a:lstStyle/>
+                    <a:p>
+                      <a:pPr algn="ctr"/>
+                      <a:r>
+                        <a:rPr lang="de-DE" b="1" dirty="0" smtClean="0"/>
+                        <a:t>Training</a:t>
+                      </a:r>
+                      <a:endParaRPr lang="de-DE" b="1" dirty="0"/>
+                    </a:p>
+                  </a:txBody>
+                  <a:tcPr anchor="ctr"/>
+                </a:tc>
+                <a:tc>
+                  <a:txBody>
+                    <a:bodyPr/>
+                    <a:lstStyle/>
+                    <a:p>
+                      <a:pPr algn="ctr"/>
+                      <a:r>
+                        <a:rPr lang="de-DE" b="1" dirty="0" smtClean="0"/>
+                        <a:t>Test</a:t>
+                      </a:r>
+                      <a:endParaRPr lang="de-DE" b="1" dirty="0"/>
+                    </a:p>
+                  </a:txBody>
+                  <a:tcPr anchor="ctr"/>
                 </a:tc>
               </a:tr>
               <a:tr h="370840">
@@ -16840,30 +20258,420 @@
                     <a:bodyPr/>
                     <a:lstStyle/>
                     <a:p>
-                      <a:endParaRPr lang="de-DE"/>
+                      <a:pPr algn="ctr"/>
+                      <a:r>
+                        <a:rPr lang="de-DE" dirty="0" smtClean="0"/>
+                        <a:t>4-3-1 (B)</a:t>
+                      </a:r>
+                      <a:endParaRPr lang="de-DE" dirty="0"/>
                     </a:p>
                   </a:txBody>
-                  <a:tcPr/>
+                  <a:tcPr anchor="ctr"/>
                 </a:tc>
                 <a:tc>
                   <a:txBody>
                     <a:bodyPr/>
                     <a:lstStyle/>
                     <a:p>
+                      <a:pPr algn="ctr"/>
                       <a:endParaRPr lang="de-DE" dirty="0"/>
                     </a:p>
                   </a:txBody>
-                  <a:tcPr/>
+                  <a:tcPr anchor="ctr"/>
+                </a:tc>
+                <a:tc>
+                  <a:txBody>
+                    <a:bodyPr/>
+                    <a:lstStyle/>
+                    <a:p>
+                      <a:pPr algn="ctr"/>
+                      <a:endParaRPr lang="de-DE" dirty="0"/>
+                    </a:p>
+                  </a:txBody>
+                  <a:tcPr anchor="ctr"/>
+                </a:tc>
+                <a:tc>
+                  <a:txBody>
+                    <a:bodyPr/>
+                    <a:lstStyle/>
+                    <a:p>
+                      <a:pPr algn="ctr"/>
+                      <a:endParaRPr lang="de-DE" dirty="0"/>
+                    </a:p>
+                  </a:txBody>
+                  <a:tcPr anchor="ctr"/>
+                </a:tc>
+                <a:tc>
+                  <a:txBody>
+                    <a:bodyPr/>
+                    <a:lstStyle/>
+                    <a:p>
+                      <a:pPr algn="ctr"/>
+                      <a:endParaRPr lang="de-DE" dirty="0"/>
+                    </a:p>
+                  </a:txBody>
+                  <a:tcPr anchor="ctr"/>
+                </a:tc>
+              </a:tr>
+              <a:tr h="370840">
+                <a:tc>
+                  <a:txBody>
+                    <a:bodyPr/>
+                    <a:lstStyle/>
+                    <a:p>
+                      <a:pPr algn="ctr"/>
+                      <a:r>
+                        <a:rPr lang="de-DE" dirty="0" smtClean="0"/>
+                        <a:t>4-5-1 (B)</a:t>
+                      </a:r>
+                      <a:endParaRPr lang="de-DE" dirty="0"/>
+                    </a:p>
+                  </a:txBody>
+                  <a:tcPr anchor="ctr"/>
+                </a:tc>
+                <a:tc>
+                  <a:txBody>
+                    <a:bodyPr/>
+                    <a:lstStyle/>
+                    <a:p>
+                      <a:pPr algn="ctr"/>
+                      <a:endParaRPr lang="de-DE" dirty="0"/>
+                    </a:p>
+                  </a:txBody>
+                  <a:tcPr anchor="ctr"/>
+                </a:tc>
+                <a:tc>
+                  <a:txBody>
+                    <a:bodyPr/>
+                    <a:lstStyle/>
+                    <a:p>
+                      <a:pPr algn="ctr"/>
+                      <a:endParaRPr lang="de-DE" dirty="0"/>
+                    </a:p>
+                  </a:txBody>
+                  <a:tcPr anchor="ctr"/>
+                </a:tc>
+                <a:tc>
+                  <a:txBody>
+                    <a:bodyPr/>
+                    <a:lstStyle/>
+                    <a:p>
+                      <a:pPr algn="ctr"/>
+                      <a:endParaRPr lang="de-DE" dirty="0"/>
+                    </a:p>
+                  </a:txBody>
+                  <a:tcPr anchor="ctr"/>
+                </a:tc>
+                <a:tc>
+                  <a:txBody>
+                    <a:bodyPr/>
+                    <a:lstStyle/>
+                    <a:p>
+                      <a:pPr algn="ctr"/>
+                      <a:endParaRPr lang="de-DE" dirty="0"/>
+                    </a:p>
+                  </a:txBody>
+                  <a:tcPr anchor="ctr"/>
+                </a:tc>
+              </a:tr>
+              <a:tr h="370840">
+                <a:tc>
+                  <a:txBody>
+                    <a:bodyPr/>
+                    <a:lstStyle/>
+                    <a:p>
+                      <a:pPr algn="ctr"/>
+                      <a:r>
+                        <a:rPr lang="de-DE" dirty="0" smtClean="0"/>
+                        <a:t>4-7-1 (B)</a:t>
+                      </a:r>
+                      <a:endParaRPr lang="de-DE" dirty="0"/>
+                    </a:p>
+                  </a:txBody>
+                  <a:tcPr anchor="ctr"/>
+                </a:tc>
+                <a:tc>
+                  <a:txBody>
+                    <a:bodyPr/>
+                    <a:lstStyle/>
+                    <a:p>
+                      <a:pPr algn="ctr"/>
+                      <a:endParaRPr lang="de-DE" dirty="0"/>
+                    </a:p>
+                  </a:txBody>
+                  <a:tcPr anchor="ctr"/>
+                </a:tc>
+                <a:tc>
+                  <a:txBody>
+                    <a:bodyPr/>
+                    <a:lstStyle/>
+                    <a:p>
+                      <a:pPr algn="ctr"/>
+                      <a:endParaRPr lang="de-DE" dirty="0"/>
+                    </a:p>
+                  </a:txBody>
+                  <a:tcPr anchor="ctr"/>
+                </a:tc>
+                <a:tc>
+                  <a:txBody>
+                    <a:bodyPr/>
+                    <a:lstStyle/>
+                    <a:p>
+                      <a:pPr algn="ctr"/>
+                      <a:endParaRPr lang="de-DE" dirty="0"/>
+                    </a:p>
+                  </a:txBody>
+                  <a:tcPr anchor="ctr"/>
+                </a:tc>
+                <a:tc>
+                  <a:txBody>
+                    <a:bodyPr/>
+                    <a:lstStyle/>
+                    <a:p>
+                      <a:pPr algn="ctr"/>
+                      <a:endParaRPr lang="de-DE" dirty="0"/>
+                    </a:p>
+                  </a:txBody>
+                  <a:tcPr anchor="ctr"/>
+                </a:tc>
+              </a:tr>
+              <a:tr h="370840">
+                <a:tc>
+                  <a:txBody>
+                    <a:bodyPr/>
+                    <a:lstStyle/>
+                    <a:p>
+                      <a:pPr algn="ctr"/>
+                      <a:r>
+                        <a:rPr lang="de-DE" dirty="0" smtClean="0"/>
+                        <a:t>4-9-1 (B)</a:t>
+                      </a:r>
+                      <a:endParaRPr lang="de-DE" dirty="0"/>
+                    </a:p>
+                  </a:txBody>
+                  <a:tcPr anchor="ctr"/>
+                </a:tc>
+                <a:tc>
+                  <a:txBody>
+                    <a:bodyPr/>
+                    <a:lstStyle/>
+                    <a:p>
+                      <a:pPr algn="ctr"/>
+                      <a:endParaRPr lang="de-DE" dirty="0"/>
+                    </a:p>
+                  </a:txBody>
+                  <a:tcPr anchor="ctr"/>
+                </a:tc>
+                <a:tc>
+                  <a:txBody>
+                    <a:bodyPr/>
+                    <a:lstStyle/>
+                    <a:p>
+                      <a:pPr algn="ctr"/>
+                      <a:endParaRPr lang="de-DE" dirty="0"/>
+                    </a:p>
+                  </a:txBody>
+                  <a:tcPr anchor="ctr"/>
+                </a:tc>
+                <a:tc>
+                  <a:txBody>
+                    <a:bodyPr/>
+                    <a:lstStyle/>
+                    <a:p>
+                      <a:pPr algn="ctr"/>
+                      <a:endParaRPr lang="de-DE" dirty="0"/>
+                    </a:p>
+                  </a:txBody>
+                  <a:tcPr anchor="ctr"/>
+                </a:tc>
+                <a:tc>
+                  <a:txBody>
+                    <a:bodyPr/>
+                    <a:lstStyle/>
+                    <a:p>
+                      <a:pPr algn="ctr"/>
+                      <a:endParaRPr lang="de-DE" dirty="0"/>
+                    </a:p>
+                  </a:txBody>
+                  <a:tcPr anchor="ctr"/>
+                </a:tc>
+              </a:tr>
+              <a:tr h="370840">
+                <a:tc>
+                  <a:txBody>
+                    <a:bodyPr/>
+                    <a:lstStyle/>
+                    <a:p>
+                      <a:pPr algn="ctr"/>
+                      <a:r>
+                        <a:rPr lang="de-DE" dirty="0" smtClean="0"/>
+                        <a:t>4-11-1 (B)</a:t>
+                      </a:r>
+                      <a:endParaRPr lang="de-DE" dirty="0"/>
+                    </a:p>
+                  </a:txBody>
+                  <a:tcPr anchor="ctr"/>
+                </a:tc>
+                <a:tc>
+                  <a:txBody>
+                    <a:bodyPr/>
+                    <a:lstStyle/>
+                    <a:p>
+                      <a:pPr algn="ctr"/>
+                      <a:endParaRPr lang="de-DE" dirty="0"/>
+                    </a:p>
+                  </a:txBody>
+                  <a:tcPr anchor="ctr"/>
+                </a:tc>
+                <a:tc>
+                  <a:txBody>
+                    <a:bodyPr/>
+                    <a:lstStyle/>
+                    <a:p>
+                      <a:pPr algn="ctr"/>
+                      <a:endParaRPr lang="de-DE" dirty="0"/>
+                    </a:p>
+                  </a:txBody>
+                  <a:tcPr anchor="ctr"/>
+                </a:tc>
+                <a:tc>
+                  <a:txBody>
+                    <a:bodyPr/>
+                    <a:lstStyle/>
+                    <a:p>
+                      <a:pPr algn="ctr"/>
+                      <a:endParaRPr lang="de-DE" dirty="0"/>
+                    </a:p>
+                  </a:txBody>
+                  <a:tcPr anchor="ctr"/>
+                </a:tc>
+                <a:tc>
+                  <a:txBody>
+                    <a:bodyPr/>
+                    <a:lstStyle/>
+                    <a:p>
+                      <a:pPr algn="ctr"/>
+                      <a:endParaRPr lang="de-DE" dirty="0"/>
+                    </a:p>
+                  </a:txBody>
+                  <a:tcPr anchor="ctr"/>
+                </a:tc>
+              </a:tr>
+              <a:tr h="370840">
+                <a:tc>
+                  <a:txBody>
+                    <a:bodyPr/>
+                    <a:lstStyle/>
+                    <a:p>
+                      <a:pPr algn="ctr"/>
+                      <a:r>
+                        <a:rPr lang="de-DE" dirty="0" smtClean="0"/>
+                        <a:t>4-13-1 (B)</a:t>
+                      </a:r>
+                      <a:endParaRPr lang="de-DE" dirty="0"/>
+                    </a:p>
+                  </a:txBody>
+                  <a:tcPr anchor="ctr"/>
+                </a:tc>
+                <a:tc>
+                  <a:txBody>
+                    <a:bodyPr/>
+                    <a:lstStyle/>
+                    <a:p>
+                      <a:pPr algn="ctr"/>
+                      <a:endParaRPr lang="de-DE" dirty="0"/>
+                    </a:p>
+                  </a:txBody>
+                  <a:tcPr anchor="ctr"/>
+                </a:tc>
+                <a:tc>
+                  <a:txBody>
+                    <a:bodyPr/>
+                    <a:lstStyle/>
+                    <a:p>
+                      <a:pPr algn="ctr"/>
+                      <a:endParaRPr lang="de-DE" dirty="0"/>
+                    </a:p>
+                  </a:txBody>
+                  <a:tcPr anchor="ctr"/>
+                </a:tc>
+                <a:tc>
+                  <a:txBody>
+                    <a:bodyPr/>
+                    <a:lstStyle/>
+                    <a:p>
+                      <a:pPr algn="ctr"/>
+                      <a:endParaRPr lang="de-DE" dirty="0"/>
+                    </a:p>
+                  </a:txBody>
+                  <a:tcPr anchor="ctr"/>
+                </a:tc>
+                <a:tc>
+                  <a:txBody>
+                    <a:bodyPr/>
+                    <a:lstStyle/>
+                    <a:p>
+                      <a:pPr algn="ctr"/>
+                      <a:endParaRPr lang="de-DE" dirty="0"/>
+                    </a:p>
+                  </a:txBody>
+                  <a:tcPr anchor="ctr"/>
                 </a:tc>
               </a:tr>
             </a:tbl>
           </a:graphicData>
         </a:graphic>
       </p:graphicFrame>
+      <p:sp>
+        <p:nvSpPr>
+          <p:cNvPr id="8" name="Rechteck 7"/>
+          <p:cNvSpPr/>
+          <p:nvPr/>
+        </p:nvSpPr>
+        <p:spPr>
+          <a:xfrm>
+            <a:off x="1872000" y="2656800"/>
+            <a:ext cx="8532000" cy="772200"/>
+          </a:xfrm>
+          <a:prstGeom prst="rect">
+            <a:avLst/>
+          </a:prstGeom>
+          <a:noFill/>
+          <a:ln w="28575">
+            <a:solidFill>
+              <a:schemeClr val="tx1"/>
+            </a:solidFill>
+          </a:ln>
+        </p:spPr>
+        <p:style>
+          <a:lnRef idx="2">
+            <a:schemeClr val="accent1">
+              <a:shade val="50000"/>
+            </a:schemeClr>
+          </a:lnRef>
+          <a:fillRef idx="1">
+            <a:schemeClr val="accent1"/>
+          </a:fillRef>
+          <a:effectRef idx="0">
+            <a:schemeClr val="accent1"/>
+          </a:effectRef>
+          <a:fontRef idx="minor">
+            <a:schemeClr val="lt1"/>
+          </a:fontRef>
+        </p:style>
+        <p:txBody>
+          <a:bodyPr rtlCol="0" anchor="ctr"/>
+          <a:lstStyle/>
+          <a:p>
+            <a:pPr algn="ctr"/>
+            <a:endParaRPr lang="de-DE"/>
+          </a:p>
+        </p:txBody>
+      </p:sp>
     </p:spTree>
     <p:extLst>
       <p:ext uri="{BB962C8B-B14F-4D97-AF65-F5344CB8AC3E}">
-        <p14:creationId xmlns:p14="http://schemas.microsoft.com/office/powerpoint/2010/main" val="1192999301"/>
+        <p14:creationId xmlns:p14="http://schemas.microsoft.com/office/powerpoint/2010/main" val="2364851816"/>
       </p:ext>
     </p:extLst>
   </p:cSld>
@@ -16943,12 +20751,13 @@
           <a:p>
             <a:r>
               <a:rPr lang="de-DE" dirty="0" smtClean="0"/>
-              <a:t>Optimierung der </a:t>
-            </a:r>
-            <a:r>
-              <a:rPr lang="de-DE" dirty="0" smtClean="0"/>
-              <a:t>Lernregel</a:t>
-            </a:r>
+              <a:t>Optimierung der Transferfunktion</a:t>
+            </a:r>
+          </a:p>
+          <a:p>
+            <a:pPr marL="0" indent="0">
+              <a:buNone/>
+            </a:pPr>
             <a:endParaRPr lang="de-DE" dirty="0"/>
           </a:p>
           <a:p>
@@ -16982,9 +20791,6 @@
             <a:endParaRPr lang="de-DE" dirty="0" smtClean="0"/>
           </a:p>
           <a:p>
-            <a:endParaRPr lang="de-DE" dirty="0" smtClean="0"/>
-          </a:p>
-          <a:p>
             <a:endParaRPr lang="de-DE" dirty="0"/>
           </a:p>
           <a:p>
@@ -17024,7 +20830,7 @@
           <a:p>
             <a:fld id="{7AC709DD-AC18-4FBA-B4E6-46DED743653E}" type="datetime1">
               <a:rPr lang="de-DE" smtClean="0"/>
-              <a:t>05.12.2015</a:t>
+              <a:t>06.12.2015</a:t>
             </a:fld>
             <a:endParaRPr lang="de-DE"/>
           </a:p>
@@ -17078,44 +20884,65 @@
       </p:sp>
       <p:graphicFrame>
         <p:nvGraphicFramePr>
-          <p:cNvPr id="7" name="Tabelle 6"/>
+          <p:cNvPr id="8" name="Tabelle 7"/>
           <p:cNvGraphicFramePr>
             <a:graphicFrameLocks noGrp="1"/>
           </p:cNvGraphicFramePr>
           <p:nvPr>
             <p:extLst>
               <p:ext uri="{D42A27DB-BD31-4B8C-83A1-F6EECF244321}">
-                <p14:modId xmlns:p14="http://schemas.microsoft.com/office/powerpoint/2010/main" val="1519240577"/>
+                <p14:modId xmlns:p14="http://schemas.microsoft.com/office/powerpoint/2010/main" val="184080365"/>
               </p:ext>
             </p:extLst>
           </p:nvPr>
         </p:nvGraphicFramePr>
         <p:xfrm>
-          <a:off x="2180856" y="2995033"/>
-          <a:ext cx="8128000" cy="1854200"/>
+          <a:off x="1872511" y="2686689"/>
+          <a:ext cx="8547397" cy="1483360"/>
         </p:xfrm>
         <a:graphic>
           <a:graphicData uri="http://schemas.openxmlformats.org/drawingml/2006/table">
             <a:tbl>
               <a:tblPr firstRow="1" bandRow="1">
-                <a:tableStyleId>{5C22544A-7EE6-4342-B048-85BDC9FD1C3A}</a:tableStyleId>
+                <a:tableStyleId>{5940675A-B579-460E-94D1-54222C63F5DA}</a:tableStyleId>
               </a:tblPr>
               <a:tblGrid>
-                <a:gridCol w="4064000"/>
-                <a:gridCol w="4064000"/>
+                <a:gridCol w="4421963"/>
+                <a:gridCol w="2062717"/>
+                <a:gridCol w="2062717"/>
               </a:tblGrid>
               <a:tr h="370840">
-                <a:tc>
+                <a:tc rowSpan="2">
                   <a:txBody>
                     <a:bodyPr/>
                     <a:lstStyle/>
                     <a:p>
-                      <a:endParaRPr lang="de-DE" dirty="0"/>
+                      <a:pPr algn="ctr"/>
+                      <a:r>
+                        <a:rPr lang="de-DE" b="1" dirty="0" smtClean="0"/>
+                        <a:t>Transferfuntion</a:t>
+                      </a:r>
+                      <a:endParaRPr lang="de-DE" b="1" dirty="0"/>
                     </a:p>
                   </a:txBody>
-                  <a:tcPr/>
+                  <a:tcPr anchor="ctr"/>
                 </a:tc>
-                <a:tc>
+                <a:tc gridSpan="2">
+                  <a:txBody>
+                    <a:bodyPr/>
+                    <a:lstStyle/>
+                    <a:p>
+                      <a:pPr algn="ctr"/>
+                      <a:r>
+                        <a:rPr lang="de-DE" b="1" dirty="0" smtClean="0"/>
+                        <a:t>MSE</a:t>
+                      </a:r>
+                      <a:endParaRPr lang="de-DE" b="1" dirty="0"/>
+                    </a:p>
+                  </a:txBody>
+                  <a:tcPr anchor="ctr"/>
+                </a:tc>
+                <a:tc hMerge="1">
                   <a:txBody>
                     <a:bodyPr/>
                     <a:lstStyle/>
@@ -17127,12 +20954,13 @@
                 </a:tc>
               </a:tr>
               <a:tr h="370840">
-                <a:tc>
+                <a:tc vMerge="1">
                   <a:txBody>
                     <a:bodyPr/>
                     <a:lstStyle/>
                     <a:p>
-                      <a:endParaRPr lang="de-DE"/>
+                      <a:pPr algn="ctr"/>
+                      <a:endParaRPr lang="de-DE" dirty="0"/>
                     </a:p>
                   </a:txBody>
                   <a:tcPr/>
@@ -17142,10 +20970,30 @@
                     <a:bodyPr/>
                     <a:lstStyle/>
                     <a:p>
-                      <a:endParaRPr lang="de-DE"/>
+                      <a:pPr algn="ctr"/>
+                      <a:r>
+                        <a:rPr lang="de-DE" dirty="0" smtClean="0"/>
+                        <a:t>Training</a:t>
+                      </a:r>
+                      <a:endParaRPr lang="de-DE" dirty="0"/>
                     </a:p>
                   </a:txBody>
-                  <a:tcPr/>
+                  <a:tcPr anchor="ctr"/>
+                </a:tc>
+                <a:tc>
+                  <a:txBody>
+                    <a:bodyPr/>
+                    <a:lstStyle/>
+                    <a:p>
+                      <a:pPr algn="ctr"/>
+                      <a:r>
+                        <a:rPr lang="de-DE" dirty="0" smtClean="0"/>
+                        <a:t>Test</a:t>
+                      </a:r>
+                      <a:endParaRPr lang="de-DE" dirty="0"/>
+                    </a:p>
+                  </a:txBody>
+                  <a:tcPr anchor="ctr"/>
                 </a:tc>
               </a:tr>
               <a:tr h="370840">
@@ -17154,20 +21002,37 @@
                     <a:bodyPr/>
                     <a:lstStyle/>
                     <a:p>
-                      <a:endParaRPr lang="de-DE"/>
+                      <a:pPr algn="ctr"/>
+                      <a:r>
+                        <a:rPr lang="de-DE" b="0" dirty="0" smtClean="0"/>
+                        <a:t>Sigmoid</a:t>
+                      </a:r>
+                      <a:endParaRPr lang="de-DE" b="0" dirty="0"/>
                     </a:p>
                   </a:txBody>
-                  <a:tcPr/>
+                  <a:tcPr anchor="ctr"/>
                 </a:tc>
                 <a:tc>
                   <a:txBody>
                     <a:bodyPr/>
                     <a:lstStyle/>
                     <a:p>
-                      <a:endParaRPr lang="de-DE"/>
+                      <a:pPr algn="ctr"/>
+                      <a:endParaRPr lang="de-DE" dirty="0"/>
                     </a:p>
                   </a:txBody>
-                  <a:tcPr/>
+                  <a:tcPr anchor="ctr"/>
+                </a:tc>
+                <a:tc>
+                  <a:txBody>
+                    <a:bodyPr/>
+                    <a:lstStyle/>
+                    <a:p>
+                      <a:pPr algn="ctr"/>
+                      <a:endParaRPr lang="de-DE" dirty="0"/>
+                    </a:p>
+                  </a:txBody>
+                  <a:tcPr anchor="ctr"/>
                 </a:tc>
               </a:tr>
               <a:tr h="370840">
@@ -17176,52 +21041,93 @@
                     <a:bodyPr/>
                     <a:lstStyle/>
                     <a:p>
-                      <a:endParaRPr lang="de-DE"/>
+                      <a:pPr algn="ctr"/>
+                      <a:r>
+                        <a:rPr lang="de-DE" b="0" dirty="0" smtClean="0"/>
+                        <a:t>Tanh</a:t>
+                      </a:r>
+                      <a:endParaRPr lang="de-DE" b="0" dirty="0"/>
                     </a:p>
                   </a:txBody>
-                  <a:tcPr/>
+                  <a:tcPr anchor="ctr"/>
                 </a:tc>
                 <a:tc>
                   <a:txBody>
                     <a:bodyPr/>
                     <a:lstStyle/>
                     <a:p>
-                      <a:endParaRPr lang="de-DE"/>
+                      <a:pPr algn="ctr"/>
+                      <a:endParaRPr lang="de-DE" dirty="0"/>
                     </a:p>
                   </a:txBody>
-                  <a:tcPr/>
-                </a:tc>
-              </a:tr>
-              <a:tr h="370840">
-                <a:tc>
-                  <a:txBody>
-                    <a:bodyPr/>
-                    <a:lstStyle/>
-                    <a:p>
-                      <a:endParaRPr lang="de-DE"/>
-                    </a:p>
-                  </a:txBody>
-                  <a:tcPr/>
+                  <a:tcPr anchor="ctr"/>
                 </a:tc>
                 <a:tc>
                   <a:txBody>
                     <a:bodyPr/>
                     <a:lstStyle/>
                     <a:p>
+                      <a:pPr algn="ctr"/>
                       <a:endParaRPr lang="de-DE" dirty="0"/>
                     </a:p>
                   </a:txBody>
-                  <a:tcPr/>
+                  <a:tcPr anchor="ctr"/>
                 </a:tc>
               </a:tr>
             </a:tbl>
           </a:graphicData>
         </a:graphic>
       </p:graphicFrame>
+      <p:sp>
+        <p:nvSpPr>
+          <p:cNvPr id="9" name="Rechteck 8"/>
+          <p:cNvSpPr/>
+          <p:nvPr/>
+        </p:nvSpPr>
+        <p:spPr>
+          <a:xfrm>
+            <a:off x="1872000" y="2656799"/>
+            <a:ext cx="8532000" cy="771569"/>
+          </a:xfrm>
+          <a:prstGeom prst="rect">
+            <a:avLst/>
+          </a:prstGeom>
+          <a:noFill/>
+          <a:ln w="28575">
+            <a:solidFill>
+              <a:schemeClr val="tx1"/>
+            </a:solidFill>
+          </a:ln>
+        </p:spPr>
+        <p:style>
+          <a:lnRef idx="2">
+            <a:schemeClr val="accent1">
+              <a:shade val="50000"/>
+            </a:schemeClr>
+          </a:lnRef>
+          <a:fillRef idx="1">
+            <a:schemeClr val="accent1"/>
+          </a:fillRef>
+          <a:effectRef idx="0">
+            <a:schemeClr val="accent1"/>
+          </a:effectRef>
+          <a:fontRef idx="minor">
+            <a:schemeClr val="lt1"/>
+          </a:fontRef>
+        </p:style>
+        <p:txBody>
+          <a:bodyPr rtlCol="0" anchor="ctr"/>
+          <a:lstStyle/>
+          <a:p>
+            <a:pPr algn="ctr"/>
+            <a:endParaRPr lang="de-DE"/>
+          </a:p>
+        </p:txBody>
+      </p:sp>
     </p:spTree>
     <p:extLst>
       <p:ext uri="{BB962C8B-B14F-4D97-AF65-F5344CB8AC3E}">
-        <p14:creationId xmlns:p14="http://schemas.microsoft.com/office/powerpoint/2010/main" val="2972030942"/>
+        <p14:creationId xmlns:p14="http://schemas.microsoft.com/office/powerpoint/2010/main" val="1192999301"/>
       </p:ext>
     </p:extLst>
   </p:cSld>
@@ -17301,7 +21207,11 @@
           <a:p>
             <a:r>
               <a:rPr lang="de-DE" dirty="0" smtClean="0"/>
-              <a:t>Endergebnis</a:t>
+              <a:t>Optimierung der </a:t>
+            </a:r>
+            <a:r>
+              <a:rPr lang="de-DE" dirty="0" smtClean="0"/>
+              <a:t>Lernregel</a:t>
             </a:r>
             <a:endParaRPr lang="de-DE" dirty="0"/>
           </a:p>
@@ -17336,32 +21246,29 @@
             <a:endParaRPr lang="de-DE" dirty="0" smtClean="0"/>
           </a:p>
           <a:p>
+            <a:endParaRPr lang="de-DE" dirty="0" smtClean="0"/>
+          </a:p>
+          <a:p>
+            <a:endParaRPr lang="de-DE" dirty="0"/>
+          </a:p>
+          <a:p>
+            <a:endParaRPr lang="de-DE" dirty="0" smtClean="0"/>
+          </a:p>
+          <a:p>
+            <a:endParaRPr lang="de-DE" dirty="0"/>
+          </a:p>
+          <a:p>
+            <a:pPr marL="0" indent="0">
+              <a:buNone/>
+            </a:pPr>
+            <a:endParaRPr lang="de-DE" dirty="0"/>
+          </a:p>
+          <a:p>
             <a:pPr marL="0" indent="0">
               <a:buNone/>
             </a:pPr>
             <a:endParaRPr lang="de-DE" dirty="0" smtClean="0"/>
           </a:p>
-          <a:p>
-            <a:endParaRPr lang="de-DE" dirty="0"/>
-          </a:p>
-          <a:p>
-            <a:endParaRPr lang="de-DE" dirty="0" smtClean="0"/>
-          </a:p>
-          <a:p>
-            <a:endParaRPr lang="de-DE" dirty="0"/>
-          </a:p>
-          <a:p>
-            <a:pPr marL="0" indent="0">
-              <a:buNone/>
-            </a:pPr>
-            <a:endParaRPr lang="de-DE" dirty="0"/>
-          </a:p>
-          <a:p>
-            <a:pPr marL="0" indent="0">
-              <a:buNone/>
-            </a:pPr>
-            <a:endParaRPr lang="de-DE" dirty="0" smtClean="0"/>
-          </a:p>
         </p:txBody>
       </p:sp>
       <p:sp>
@@ -17381,7 +21288,7 @@
           <a:p>
             <a:fld id="{7AC709DD-AC18-4FBA-B4E6-46DED743653E}" type="datetime1">
               <a:rPr lang="de-DE" smtClean="0"/>
-              <a:t>05.12.2015</a:t>
+              <a:t>06.12.2015</a:t>
             </a:fld>
             <a:endParaRPr lang="de-DE"/>
           </a:p>
@@ -17433,10 +21340,334 @@
           </a:p>
         </p:txBody>
       </p:sp>
+      <p:graphicFrame>
+        <p:nvGraphicFramePr>
+          <p:cNvPr id="11" name="Tabelle 10"/>
+          <p:cNvGraphicFramePr>
+            <a:graphicFrameLocks noGrp="1"/>
+          </p:cNvGraphicFramePr>
+          <p:nvPr>
+            <p:extLst>
+              <p:ext uri="{D42A27DB-BD31-4B8C-83A1-F6EECF244321}">
+                <p14:modId xmlns:p14="http://schemas.microsoft.com/office/powerpoint/2010/main" val="1916047076"/>
+              </p:ext>
+            </p:extLst>
+          </p:nvPr>
+        </p:nvGraphicFramePr>
+        <p:xfrm>
+          <a:off x="1872511" y="2686689"/>
+          <a:ext cx="8547397" cy="2225040"/>
+        </p:xfrm>
+        <a:graphic>
+          <a:graphicData uri="http://schemas.openxmlformats.org/drawingml/2006/table">
+            <a:tbl>
+              <a:tblPr firstRow="1" bandRow="1">
+                <a:tableStyleId>{5940675A-B579-460E-94D1-54222C63F5DA}</a:tableStyleId>
+              </a:tblPr>
+              <a:tblGrid>
+                <a:gridCol w="4421963"/>
+                <a:gridCol w="2062717"/>
+                <a:gridCol w="2062717"/>
+              </a:tblGrid>
+              <a:tr h="370840">
+                <a:tc rowSpan="2">
+                  <a:txBody>
+                    <a:bodyPr/>
+                    <a:lstStyle/>
+                    <a:p>
+                      <a:pPr algn="ctr"/>
+                      <a:r>
+                        <a:rPr lang="de-DE" b="1" dirty="0" smtClean="0"/>
+                        <a:t>Lernregel</a:t>
+                      </a:r>
+                      <a:endParaRPr lang="de-DE" b="1" dirty="0"/>
+                    </a:p>
+                  </a:txBody>
+                  <a:tcPr anchor="ctr"/>
+                </a:tc>
+                <a:tc gridSpan="2">
+                  <a:txBody>
+                    <a:bodyPr/>
+                    <a:lstStyle/>
+                    <a:p>
+                      <a:pPr algn="ctr"/>
+                      <a:r>
+                        <a:rPr lang="de-DE" b="1" dirty="0" smtClean="0"/>
+                        <a:t>MSE</a:t>
+                      </a:r>
+                      <a:endParaRPr lang="de-DE" b="1" dirty="0"/>
+                    </a:p>
+                  </a:txBody>
+                  <a:tcPr anchor="ctr"/>
+                </a:tc>
+                <a:tc hMerge="1">
+                  <a:txBody>
+                    <a:bodyPr/>
+                    <a:lstStyle/>
+                    <a:p>
+                      <a:endParaRPr lang="de-DE"/>
+                    </a:p>
+                  </a:txBody>
+                  <a:tcPr/>
+                </a:tc>
+              </a:tr>
+              <a:tr h="370840">
+                <a:tc vMerge="1">
+                  <a:txBody>
+                    <a:bodyPr/>
+                    <a:lstStyle/>
+                    <a:p>
+                      <a:pPr algn="ctr"/>
+                      <a:endParaRPr lang="de-DE" dirty="0"/>
+                    </a:p>
+                  </a:txBody>
+                  <a:tcPr/>
+                </a:tc>
+                <a:tc>
+                  <a:txBody>
+                    <a:bodyPr/>
+                    <a:lstStyle/>
+                    <a:p>
+                      <a:pPr algn="ctr"/>
+                      <a:r>
+                        <a:rPr lang="de-DE" dirty="0" smtClean="0"/>
+                        <a:t>Training</a:t>
+                      </a:r>
+                      <a:endParaRPr lang="de-DE" dirty="0"/>
+                    </a:p>
+                  </a:txBody>
+                  <a:tcPr anchor="ctr"/>
+                </a:tc>
+                <a:tc>
+                  <a:txBody>
+                    <a:bodyPr/>
+                    <a:lstStyle/>
+                    <a:p>
+                      <a:pPr algn="ctr"/>
+                      <a:r>
+                        <a:rPr lang="de-DE" dirty="0" smtClean="0"/>
+                        <a:t>Test</a:t>
+                      </a:r>
+                      <a:endParaRPr lang="de-DE" dirty="0"/>
+                    </a:p>
+                  </a:txBody>
+                  <a:tcPr anchor="ctr"/>
+                </a:tc>
+              </a:tr>
+              <a:tr h="370840">
+                <a:tc>
+                  <a:txBody>
+                    <a:bodyPr/>
+                    <a:lstStyle/>
+                    <a:p>
+                      <a:pPr algn="ctr"/>
+                      <a:r>
+                        <a:rPr lang="de-DE" b="0" dirty="0" smtClean="0"/>
+                        <a:t>Backpropagation</a:t>
+                      </a:r>
+                      <a:endParaRPr lang="de-DE" b="0" dirty="0"/>
+                    </a:p>
+                  </a:txBody>
+                  <a:tcPr anchor="ctr"/>
+                </a:tc>
+                <a:tc>
+                  <a:txBody>
+                    <a:bodyPr/>
+                    <a:lstStyle/>
+                    <a:p>
+                      <a:pPr algn="ctr"/>
+                      <a:endParaRPr lang="de-DE" b="0" dirty="0"/>
+                    </a:p>
+                  </a:txBody>
+                  <a:tcPr anchor="ctr"/>
+                </a:tc>
+                <a:tc>
+                  <a:txBody>
+                    <a:bodyPr/>
+                    <a:lstStyle/>
+                    <a:p>
+                      <a:pPr algn="ctr"/>
+                      <a:endParaRPr lang="de-DE" b="0" dirty="0"/>
+                    </a:p>
+                  </a:txBody>
+                  <a:tcPr anchor="ctr"/>
+                </a:tc>
+              </a:tr>
+              <a:tr h="370840">
+                <a:tc>
+                  <a:txBody>
+                    <a:bodyPr/>
+                    <a:lstStyle/>
+                    <a:p>
+                      <a:pPr algn="ctr"/>
+                      <a:r>
+                        <a:rPr lang="de-DE" b="0" dirty="0" smtClean="0"/>
+                        <a:t>Momentum Backpropagation</a:t>
+                      </a:r>
+                      <a:endParaRPr lang="de-DE" b="0" dirty="0"/>
+                    </a:p>
+                  </a:txBody>
+                  <a:tcPr anchor="ctr"/>
+                </a:tc>
+                <a:tc>
+                  <a:txBody>
+                    <a:bodyPr/>
+                    <a:lstStyle/>
+                    <a:p>
+                      <a:pPr algn="ctr"/>
+                      <a:endParaRPr lang="de-DE" b="0" dirty="0"/>
+                    </a:p>
+                  </a:txBody>
+                  <a:tcPr anchor="ctr"/>
+                </a:tc>
+                <a:tc>
+                  <a:txBody>
+                    <a:bodyPr/>
+                    <a:lstStyle/>
+                    <a:p>
+                      <a:pPr algn="ctr"/>
+                      <a:endParaRPr lang="de-DE" b="0" dirty="0"/>
+                    </a:p>
+                  </a:txBody>
+                  <a:tcPr anchor="ctr"/>
+                </a:tc>
+              </a:tr>
+              <a:tr h="370840">
+                <a:tc>
+                  <a:txBody>
+                    <a:bodyPr/>
+                    <a:lstStyle/>
+                    <a:p>
+                      <a:pPr algn="ctr"/>
+                      <a:r>
+                        <a:rPr lang="de-DE" b="0" dirty="0" err="1" smtClean="0"/>
+                        <a:t>Resilient</a:t>
+                      </a:r>
+                      <a:r>
+                        <a:rPr lang="de-DE" b="0" dirty="0" smtClean="0"/>
+                        <a:t> Backpropagation</a:t>
+                      </a:r>
+                      <a:endParaRPr lang="de-DE" b="0" dirty="0"/>
+                    </a:p>
+                  </a:txBody>
+                  <a:tcPr anchor="ctr"/>
+                </a:tc>
+                <a:tc>
+                  <a:txBody>
+                    <a:bodyPr/>
+                    <a:lstStyle/>
+                    <a:p>
+                      <a:pPr algn="ctr"/>
+                      <a:endParaRPr lang="de-DE" b="0" dirty="0"/>
+                    </a:p>
+                  </a:txBody>
+                  <a:tcPr anchor="ctr"/>
+                </a:tc>
+                <a:tc>
+                  <a:txBody>
+                    <a:bodyPr/>
+                    <a:lstStyle/>
+                    <a:p>
+                      <a:pPr algn="ctr"/>
+                      <a:endParaRPr lang="de-DE" b="0" dirty="0"/>
+                    </a:p>
+                  </a:txBody>
+                  <a:tcPr anchor="ctr"/>
+                </a:tc>
+              </a:tr>
+              <a:tr h="370840">
+                <a:tc>
+                  <a:txBody>
+                    <a:bodyPr/>
+                    <a:lstStyle/>
+                    <a:p>
+                      <a:pPr algn="ctr"/>
+                      <a:r>
+                        <a:rPr lang="de-DE" b="0" dirty="0" smtClean="0"/>
+                        <a:t>Dynamic Backpropagation</a:t>
+                      </a:r>
+                      <a:endParaRPr lang="de-DE" b="0" dirty="0"/>
+                    </a:p>
+                  </a:txBody>
+                  <a:tcPr anchor="ctr"/>
+                </a:tc>
+                <a:tc>
+                  <a:txBody>
+                    <a:bodyPr/>
+                    <a:lstStyle/>
+                    <a:p>
+                      <a:pPr algn="ctr"/>
+                      <a:endParaRPr lang="de-DE" b="0" dirty="0"/>
+                    </a:p>
+                  </a:txBody>
+                  <a:tcPr anchor="ctr"/>
+                </a:tc>
+                <a:tc>
+                  <a:txBody>
+                    <a:bodyPr/>
+                    <a:lstStyle/>
+                    <a:p>
+                      <a:pPr algn="ctr"/>
+                      <a:endParaRPr lang="de-DE" b="0" dirty="0"/>
+                    </a:p>
+                  </a:txBody>
+                  <a:tcPr anchor="ctr"/>
+                </a:tc>
+              </a:tr>
+            </a:tbl>
+          </a:graphicData>
+        </a:graphic>
+      </p:graphicFrame>
+      <p:sp>
+        <p:nvSpPr>
+          <p:cNvPr id="12" name="Rechteck 11"/>
+          <p:cNvSpPr/>
+          <p:nvPr/>
+        </p:nvSpPr>
+        <p:spPr>
+          <a:xfrm>
+            <a:off x="1872000" y="2656799"/>
+            <a:ext cx="8532000" cy="771569"/>
+          </a:xfrm>
+          <a:prstGeom prst="rect">
+            <a:avLst/>
+          </a:prstGeom>
+          <a:noFill/>
+          <a:ln w="28575">
+            <a:solidFill>
+              <a:schemeClr val="tx1"/>
+            </a:solidFill>
+          </a:ln>
+        </p:spPr>
+        <p:style>
+          <a:lnRef idx="2">
+            <a:schemeClr val="accent1">
+              <a:shade val="50000"/>
+            </a:schemeClr>
+          </a:lnRef>
+          <a:fillRef idx="1">
+            <a:schemeClr val="accent1"/>
+          </a:fillRef>
+          <a:effectRef idx="0">
+            <a:schemeClr val="accent1"/>
+          </a:effectRef>
+          <a:fontRef idx="minor">
+            <a:schemeClr val="lt1"/>
+          </a:fontRef>
+        </p:style>
+        <p:txBody>
+          <a:bodyPr rtlCol="0" anchor="ctr"/>
+          <a:lstStyle/>
+          <a:p>
+            <a:pPr algn="ctr"/>
+            <a:endParaRPr lang="de-DE"/>
+          </a:p>
+        </p:txBody>
+      </p:sp>
     </p:spTree>
     <p:extLst>
       <p:ext uri="{BB962C8B-B14F-4D97-AF65-F5344CB8AC3E}">
-        <p14:creationId xmlns:p14="http://schemas.microsoft.com/office/powerpoint/2010/main" val="3258359345"/>
+        <p14:creationId xmlns:p14="http://schemas.microsoft.com/office/powerpoint/2010/main" val="2972030942"/>
       </p:ext>
     </p:extLst>
   </p:cSld>
@@ -17472,6 +21703,116 @@
       </p:grpSpPr>
       <p:sp>
         <p:nvSpPr>
+          <p:cNvPr id="2" name="Titel 1"/>
+          <p:cNvSpPr>
+            <a:spLocks noGrp="1"/>
+          </p:cNvSpPr>
+          <p:nvPr>
+            <p:ph type="title"/>
+          </p:nvPr>
+        </p:nvSpPr>
+        <p:spPr/>
+        <p:txBody>
+          <a:bodyPr/>
+          <a:lstStyle/>
+          <a:p>
+            <a:pPr marL="857250" indent="-857250">
+              <a:buFont typeface="+mj-lt"/>
+              <a:buAutoNum type="romanUcPeriod" startAt="5"/>
+            </a:pPr>
+            <a:r>
+              <a:rPr lang="de-DE" b="1" dirty="0" smtClean="0"/>
+              <a:t>Umsetzung des künstlichen neuronalen Netzes</a:t>
+            </a:r>
+            <a:endParaRPr lang="de-DE" dirty="0"/>
+          </a:p>
+        </p:txBody>
+      </p:sp>
+      <p:sp>
+        <p:nvSpPr>
+          <p:cNvPr id="3" name="Inhaltsplatzhalter 2"/>
+          <p:cNvSpPr>
+            <a:spLocks noGrp="1"/>
+          </p:cNvSpPr>
+          <p:nvPr>
+            <p:ph idx="1"/>
+          </p:nvPr>
+        </p:nvSpPr>
+        <p:spPr/>
+        <p:txBody>
+          <a:bodyPr>
+            <a:normAutofit/>
+          </a:bodyPr>
+          <a:lstStyle/>
+          <a:p>
+            <a:r>
+              <a:rPr lang="de-DE" dirty="0" smtClean="0"/>
+              <a:t>Optimierung der </a:t>
+            </a:r>
+            <a:r>
+              <a:rPr lang="de-DE" dirty="0" smtClean="0"/>
+              <a:t>Lernrate</a:t>
+            </a:r>
+            <a:endParaRPr lang="de-DE" dirty="0"/>
+          </a:p>
+          <a:p>
+            <a:endParaRPr lang="de-DE" dirty="0" smtClean="0"/>
+          </a:p>
+          <a:p>
+            <a:endParaRPr lang="de-DE" dirty="0"/>
+          </a:p>
+          <a:p>
+            <a:pPr marL="0" indent="0">
+              <a:buNone/>
+            </a:pPr>
+            <a:endParaRPr lang="de-DE" dirty="0" smtClean="0"/>
+          </a:p>
+          <a:p>
+            <a:pPr marL="0" indent="0">
+              <a:buNone/>
+            </a:pPr>
+            <a:endParaRPr lang="de-DE" dirty="0" smtClean="0"/>
+          </a:p>
+          <a:p>
+            <a:pPr marL="0" indent="0">
+              <a:buNone/>
+            </a:pPr>
+            <a:endParaRPr lang="de-DE" dirty="0" smtClean="0"/>
+          </a:p>
+          <a:p>
+            <a:pPr marL="0" indent="0">
+              <a:buNone/>
+            </a:pPr>
+            <a:endParaRPr lang="de-DE" dirty="0" smtClean="0"/>
+          </a:p>
+          <a:p>
+            <a:endParaRPr lang="de-DE" dirty="0" smtClean="0"/>
+          </a:p>
+          <a:p>
+            <a:endParaRPr lang="de-DE" dirty="0"/>
+          </a:p>
+          <a:p>
+            <a:endParaRPr lang="de-DE" dirty="0" smtClean="0"/>
+          </a:p>
+          <a:p>
+            <a:endParaRPr lang="de-DE" dirty="0"/>
+          </a:p>
+          <a:p>
+            <a:pPr marL="0" indent="0">
+              <a:buNone/>
+            </a:pPr>
+            <a:endParaRPr lang="de-DE" dirty="0"/>
+          </a:p>
+          <a:p>
+            <a:pPr marL="0" indent="0">
+              <a:buNone/>
+            </a:pPr>
+            <a:endParaRPr lang="de-DE" dirty="0" smtClean="0"/>
+          </a:p>
+        </p:txBody>
+      </p:sp>
+      <p:sp>
+        <p:nvSpPr>
           <p:cNvPr id="4" name="Datumsplatzhalter 3"/>
           <p:cNvSpPr>
             <a:spLocks noGrp="1"/>
@@ -17487,7 +21828,7 @@
           <a:p>
             <a:fld id="{7AC709DD-AC18-4FBA-B4E6-46DED743653E}" type="datetime1">
               <a:rPr lang="de-DE" smtClean="0"/>
-              <a:t>05.12.2015</a:t>
+              <a:t>06.12.2015</a:t>
             </a:fld>
             <a:endParaRPr lang="de-DE"/>
           </a:p>
@@ -17509,7 +21850,7 @@
           <a:lstStyle/>
           <a:p>
             <a:r>
-              <a:rPr lang="de-DE" dirty="0" smtClean="0"/>
+              <a:rPr lang="de-DE" smtClean="0"/>
               <a:t>Fakultät Informatik             Sebastian Schötteler &amp; Benedikt Hofrichter</a:t>
             </a:r>
             <a:endParaRPr lang="de-DE" dirty="0"/>
@@ -17534,6 +21875,856 @@
             <a:fld id="{0E226D3C-400E-4353-AAC2-09A0472DC536}" type="slidenum">
               <a:rPr lang="de-DE" smtClean="0"/>
               <a:t>35</a:t>
+            </a:fld>
+            <a:endParaRPr lang="de-DE" dirty="0"/>
+          </a:p>
+        </p:txBody>
+      </p:sp>
+      <p:graphicFrame>
+        <p:nvGraphicFramePr>
+          <p:cNvPr id="9" name="Tabelle 8"/>
+          <p:cNvGraphicFramePr>
+            <a:graphicFrameLocks noGrp="1"/>
+          </p:cNvGraphicFramePr>
+          <p:nvPr>
+            <p:extLst>
+              <p:ext uri="{D42A27DB-BD31-4B8C-83A1-F6EECF244321}">
+                <p14:modId xmlns:p14="http://schemas.microsoft.com/office/powerpoint/2010/main" val="1371382891"/>
+              </p:ext>
+            </p:extLst>
+          </p:nvPr>
+        </p:nvGraphicFramePr>
+        <p:xfrm>
+          <a:off x="1872511" y="2686689"/>
+          <a:ext cx="8547397" cy="2595880"/>
+        </p:xfrm>
+        <a:graphic>
+          <a:graphicData uri="http://schemas.openxmlformats.org/drawingml/2006/table">
+            <a:tbl>
+              <a:tblPr firstRow="1" bandRow="1">
+                <a:tableStyleId>{5940675A-B579-460E-94D1-54222C63F5DA}</a:tableStyleId>
+              </a:tblPr>
+              <a:tblGrid>
+                <a:gridCol w="4421963"/>
+                <a:gridCol w="2062717"/>
+                <a:gridCol w="2062717"/>
+              </a:tblGrid>
+              <a:tr h="370840">
+                <a:tc rowSpan="2">
+                  <a:txBody>
+                    <a:bodyPr/>
+                    <a:lstStyle/>
+                    <a:p>
+                      <a:pPr algn="ctr"/>
+                      <a:r>
+                        <a:rPr lang="de-DE" b="1" dirty="0" smtClean="0"/>
+                        <a:t>Lernrate</a:t>
+                      </a:r>
+                      <a:endParaRPr lang="de-DE" b="1" dirty="0"/>
+                    </a:p>
+                  </a:txBody>
+                  <a:tcPr anchor="ctr"/>
+                </a:tc>
+                <a:tc gridSpan="2">
+                  <a:txBody>
+                    <a:bodyPr/>
+                    <a:lstStyle/>
+                    <a:p>
+                      <a:pPr algn="ctr"/>
+                      <a:r>
+                        <a:rPr lang="de-DE" b="1" dirty="0" smtClean="0"/>
+                        <a:t>MSE</a:t>
+                      </a:r>
+                      <a:endParaRPr lang="de-DE" b="1" dirty="0"/>
+                    </a:p>
+                  </a:txBody>
+                  <a:tcPr/>
+                </a:tc>
+                <a:tc hMerge="1">
+                  <a:txBody>
+                    <a:bodyPr/>
+                    <a:lstStyle/>
+                    <a:p>
+                      <a:endParaRPr lang="de-DE"/>
+                    </a:p>
+                  </a:txBody>
+                  <a:tcPr/>
+                </a:tc>
+              </a:tr>
+              <a:tr h="370840">
+                <a:tc vMerge="1">
+                  <a:txBody>
+                    <a:bodyPr/>
+                    <a:lstStyle/>
+                    <a:p>
+                      <a:pPr algn="ctr"/>
+                      <a:endParaRPr lang="de-DE" dirty="0"/>
+                    </a:p>
+                  </a:txBody>
+                  <a:tcPr/>
+                </a:tc>
+                <a:tc>
+                  <a:txBody>
+                    <a:bodyPr/>
+                    <a:lstStyle/>
+                    <a:p>
+                      <a:pPr algn="ctr"/>
+                      <a:r>
+                        <a:rPr lang="de-DE" dirty="0" smtClean="0"/>
+                        <a:t>Training</a:t>
+                      </a:r>
+                      <a:endParaRPr lang="de-DE" dirty="0"/>
+                    </a:p>
+                  </a:txBody>
+                  <a:tcPr/>
+                </a:tc>
+                <a:tc>
+                  <a:txBody>
+                    <a:bodyPr/>
+                    <a:lstStyle/>
+                    <a:p>
+                      <a:pPr algn="ctr"/>
+                      <a:r>
+                        <a:rPr lang="de-DE" dirty="0" smtClean="0"/>
+                        <a:t>Test</a:t>
+                      </a:r>
+                      <a:endParaRPr lang="de-DE" dirty="0"/>
+                    </a:p>
+                  </a:txBody>
+                  <a:tcPr/>
+                </a:tc>
+              </a:tr>
+              <a:tr h="370840">
+                <a:tc>
+                  <a:txBody>
+                    <a:bodyPr/>
+                    <a:lstStyle/>
+                    <a:p>
+                      <a:pPr algn="ctr"/>
+                      <a:endParaRPr lang="de-DE" b="1" dirty="0"/>
+                    </a:p>
+                  </a:txBody>
+                  <a:tcPr anchor="ctr"/>
+                </a:tc>
+                <a:tc>
+                  <a:txBody>
+                    <a:bodyPr/>
+                    <a:lstStyle/>
+                    <a:p>
+                      <a:pPr algn="ctr"/>
+                      <a:endParaRPr lang="de-DE" dirty="0"/>
+                    </a:p>
+                  </a:txBody>
+                  <a:tcPr/>
+                </a:tc>
+                <a:tc>
+                  <a:txBody>
+                    <a:bodyPr/>
+                    <a:lstStyle/>
+                    <a:p>
+                      <a:pPr algn="ctr"/>
+                      <a:endParaRPr lang="de-DE" dirty="0"/>
+                    </a:p>
+                  </a:txBody>
+                  <a:tcPr/>
+                </a:tc>
+              </a:tr>
+              <a:tr h="370840">
+                <a:tc>
+                  <a:txBody>
+                    <a:bodyPr/>
+                    <a:lstStyle/>
+                    <a:p>
+                      <a:pPr algn="ctr"/>
+                      <a:endParaRPr lang="de-DE" b="1" dirty="0"/>
+                    </a:p>
+                  </a:txBody>
+                  <a:tcPr anchor="ctr"/>
+                </a:tc>
+                <a:tc>
+                  <a:txBody>
+                    <a:bodyPr/>
+                    <a:lstStyle/>
+                    <a:p>
+                      <a:pPr algn="ctr"/>
+                      <a:endParaRPr lang="de-DE" dirty="0"/>
+                    </a:p>
+                  </a:txBody>
+                  <a:tcPr/>
+                </a:tc>
+                <a:tc>
+                  <a:txBody>
+                    <a:bodyPr/>
+                    <a:lstStyle/>
+                    <a:p>
+                      <a:pPr algn="ctr"/>
+                      <a:endParaRPr lang="de-DE" dirty="0"/>
+                    </a:p>
+                  </a:txBody>
+                  <a:tcPr/>
+                </a:tc>
+              </a:tr>
+              <a:tr h="370840">
+                <a:tc>
+                  <a:txBody>
+                    <a:bodyPr/>
+                    <a:lstStyle/>
+                    <a:p>
+                      <a:pPr algn="ctr"/>
+                      <a:endParaRPr lang="de-DE" b="1" dirty="0"/>
+                    </a:p>
+                  </a:txBody>
+                  <a:tcPr anchor="ctr"/>
+                </a:tc>
+                <a:tc>
+                  <a:txBody>
+                    <a:bodyPr/>
+                    <a:lstStyle/>
+                    <a:p>
+                      <a:pPr algn="ctr"/>
+                      <a:endParaRPr lang="de-DE" dirty="0"/>
+                    </a:p>
+                  </a:txBody>
+                  <a:tcPr/>
+                </a:tc>
+                <a:tc>
+                  <a:txBody>
+                    <a:bodyPr/>
+                    <a:lstStyle/>
+                    <a:p>
+                      <a:pPr algn="ctr"/>
+                      <a:endParaRPr lang="de-DE" dirty="0"/>
+                    </a:p>
+                  </a:txBody>
+                  <a:tcPr/>
+                </a:tc>
+              </a:tr>
+              <a:tr h="370840">
+                <a:tc>
+                  <a:txBody>
+                    <a:bodyPr/>
+                    <a:lstStyle/>
+                    <a:p>
+                      <a:pPr algn="ctr"/>
+                      <a:endParaRPr lang="de-DE" b="1" dirty="0"/>
+                    </a:p>
+                  </a:txBody>
+                  <a:tcPr anchor="ctr"/>
+                </a:tc>
+                <a:tc>
+                  <a:txBody>
+                    <a:bodyPr/>
+                    <a:lstStyle/>
+                    <a:p>
+                      <a:pPr algn="ctr"/>
+                      <a:endParaRPr lang="de-DE" dirty="0"/>
+                    </a:p>
+                  </a:txBody>
+                  <a:tcPr/>
+                </a:tc>
+                <a:tc>
+                  <a:txBody>
+                    <a:bodyPr/>
+                    <a:lstStyle/>
+                    <a:p>
+                      <a:pPr algn="ctr"/>
+                      <a:endParaRPr lang="de-DE" dirty="0"/>
+                    </a:p>
+                  </a:txBody>
+                  <a:tcPr/>
+                </a:tc>
+              </a:tr>
+              <a:tr h="370840">
+                <a:tc>
+                  <a:txBody>
+                    <a:bodyPr/>
+                    <a:lstStyle/>
+                    <a:p>
+                      <a:pPr algn="ctr"/>
+                      <a:endParaRPr lang="de-DE" b="1" dirty="0"/>
+                    </a:p>
+                  </a:txBody>
+                  <a:tcPr anchor="ctr"/>
+                </a:tc>
+                <a:tc>
+                  <a:txBody>
+                    <a:bodyPr/>
+                    <a:lstStyle/>
+                    <a:p>
+                      <a:pPr algn="ctr"/>
+                      <a:endParaRPr lang="de-DE" dirty="0"/>
+                    </a:p>
+                  </a:txBody>
+                  <a:tcPr/>
+                </a:tc>
+                <a:tc>
+                  <a:txBody>
+                    <a:bodyPr/>
+                    <a:lstStyle/>
+                    <a:p>
+                      <a:pPr algn="ctr"/>
+                      <a:endParaRPr lang="de-DE" dirty="0"/>
+                    </a:p>
+                  </a:txBody>
+                  <a:tcPr/>
+                </a:tc>
+              </a:tr>
+            </a:tbl>
+          </a:graphicData>
+        </a:graphic>
+      </p:graphicFrame>
+      <p:sp>
+        <p:nvSpPr>
+          <p:cNvPr id="11" name="Rechteck 10"/>
+          <p:cNvSpPr/>
+          <p:nvPr/>
+        </p:nvSpPr>
+        <p:spPr>
+          <a:xfrm>
+            <a:off x="1872000" y="2656799"/>
+            <a:ext cx="8532000" cy="771569"/>
+          </a:xfrm>
+          <a:prstGeom prst="rect">
+            <a:avLst/>
+          </a:prstGeom>
+          <a:noFill/>
+          <a:ln w="28575">
+            <a:solidFill>
+              <a:schemeClr val="tx1"/>
+            </a:solidFill>
+          </a:ln>
+        </p:spPr>
+        <p:style>
+          <a:lnRef idx="2">
+            <a:schemeClr val="accent1">
+              <a:shade val="50000"/>
+            </a:schemeClr>
+          </a:lnRef>
+          <a:fillRef idx="1">
+            <a:schemeClr val="accent1"/>
+          </a:fillRef>
+          <a:effectRef idx="0">
+            <a:schemeClr val="accent1"/>
+          </a:effectRef>
+          <a:fontRef idx="minor">
+            <a:schemeClr val="lt1"/>
+          </a:fontRef>
+        </p:style>
+        <p:txBody>
+          <a:bodyPr rtlCol="0" anchor="ctr"/>
+          <a:lstStyle/>
+          <a:p>
+            <a:pPr algn="ctr"/>
+            <a:endParaRPr lang="de-DE"/>
+          </a:p>
+        </p:txBody>
+      </p:sp>
+    </p:spTree>
+    <p:extLst>
+      <p:ext uri="{BB962C8B-B14F-4D97-AF65-F5344CB8AC3E}">
+        <p14:creationId xmlns:p14="http://schemas.microsoft.com/office/powerpoint/2010/main" val="457440247"/>
+      </p:ext>
+    </p:extLst>
+  </p:cSld>
+  <p:clrMapOvr>
+    <a:masterClrMapping/>
+  </p:clrMapOvr>
+  <p:timing>
+    <p:tnLst>
+      <p:par>
+        <p:cTn id="1" dur="indefinite" restart="never" nodeType="tmRoot"/>
+      </p:par>
+    </p:tnLst>
+  </p:timing>
+</p:sld>
+</file>
+
+<file path=ppt/slides/slide37.xml><?xml version="1.0" encoding="utf-8"?>
+<p:sld xmlns:a="http://schemas.openxmlformats.org/drawingml/2006/main" xmlns:r="http://schemas.openxmlformats.org/officeDocument/2006/relationships" xmlns:p="http://schemas.openxmlformats.org/presentationml/2006/main">
+  <p:cSld>
+    <p:spTree>
+      <p:nvGrpSpPr>
+        <p:cNvPr id="1" name=""/>
+        <p:cNvGrpSpPr/>
+        <p:nvPr/>
+      </p:nvGrpSpPr>
+      <p:grpSpPr>
+        <a:xfrm>
+          <a:off x="0" y="0"/>
+          <a:ext cx="0" cy="0"/>
+          <a:chOff x="0" y="0"/>
+          <a:chExt cx="0" cy="0"/>
+        </a:xfrm>
+      </p:grpSpPr>
+      <p:sp>
+        <p:nvSpPr>
+          <p:cNvPr id="2" name="Titel 1"/>
+          <p:cNvSpPr>
+            <a:spLocks noGrp="1"/>
+          </p:cNvSpPr>
+          <p:nvPr>
+            <p:ph type="title"/>
+          </p:nvPr>
+        </p:nvSpPr>
+        <p:spPr/>
+        <p:txBody>
+          <a:bodyPr/>
+          <a:lstStyle/>
+          <a:p>
+            <a:pPr marL="857250" indent="-857250">
+              <a:buFont typeface="+mj-lt"/>
+              <a:buAutoNum type="romanUcPeriod" startAt="5"/>
+            </a:pPr>
+            <a:r>
+              <a:rPr lang="de-DE" b="1" dirty="0" smtClean="0"/>
+              <a:t>Umsetzung des künstlichen neuronalen Netzes</a:t>
+            </a:r>
+            <a:endParaRPr lang="de-DE" dirty="0"/>
+          </a:p>
+        </p:txBody>
+      </p:sp>
+      <p:sp>
+        <p:nvSpPr>
+          <p:cNvPr id="3" name="Inhaltsplatzhalter 2"/>
+          <p:cNvSpPr>
+            <a:spLocks noGrp="1"/>
+          </p:cNvSpPr>
+          <p:nvPr>
+            <p:ph idx="1"/>
+          </p:nvPr>
+        </p:nvSpPr>
+        <p:spPr/>
+        <p:txBody>
+          <a:bodyPr>
+            <a:normAutofit/>
+          </a:bodyPr>
+          <a:lstStyle/>
+          <a:p>
+            <a:r>
+              <a:rPr lang="de-DE" dirty="0" smtClean="0"/>
+              <a:t>Endgültiges Netz</a:t>
+            </a:r>
+            <a:endParaRPr lang="de-DE" dirty="0" smtClean="0"/>
+          </a:p>
+          <a:p>
+            <a:pPr marL="0" indent="0">
+              <a:buNone/>
+            </a:pPr>
+            <a:endParaRPr lang="de-DE" dirty="0" smtClean="0"/>
+          </a:p>
+          <a:p>
+            <a:pPr marL="0" indent="0">
+              <a:buNone/>
+            </a:pPr>
+            <a:endParaRPr lang="de-DE" dirty="0" smtClean="0"/>
+          </a:p>
+          <a:p>
+            <a:pPr marL="0" indent="0">
+              <a:buNone/>
+            </a:pPr>
+            <a:endParaRPr lang="de-DE" dirty="0" smtClean="0"/>
+          </a:p>
+          <a:p>
+            <a:pPr marL="0" indent="0">
+              <a:buNone/>
+            </a:pPr>
+            <a:endParaRPr lang="de-DE" dirty="0" smtClean="0"/>
+          </a:p>
+          <a:p>
+            <a:pPr marL="0" indent="0">
+              <a:buNone/>
+            </a:pPr>
+            <a:endParaRPr lang="de-DE" dirty="0" smtClean="0"/>
+          </a:p>
+          <a:p>
+            <a:pPr marL="0" indent="0">
+              <a:buNone/>
+            </a:pPr>
+            <a:endParaRPr lang="de-DE" dirty="0" smtClean="0"/>
+          </a:p>
+          <a:p>
+            <a:endParaRPr lang="de-DE" dirty="0"/>
+          </a:p>
+          <a:p>
+            <a:endParaRPr lang="de-DE" dirty="0" smtClean="0"/>
+          </a:p>
+          <a:p>
+            <a:endParaRPr lang="de-DE" dirty="0"/>
+          </a:p>
+          <a:p>
+            <a:pPr marL="0" indent="0">
+              <a:buNone/>
+            </a:pPr>
+            <a:endParaRPr lang="de-DE" dirty="0"/>
+          </a:p>
+          <a:p>
+            <a:pPr marL="0" indent="0">
+              <a:buNone/>
+            </a:pPr>
+            <a:endParaRPr lang="de-DE" dirty="0" smtClean="0"/>
+          </a:p>
+        </p:txBody>
+      </p:sp>
+      <p:sp>
+        <p:nvSpPr>
+          <p:cNvPr id="4" name="Datumsplatzhalter 3"/>
+          <p:cNvSpPr>
+            <a:spLocks noGrp="1"/>
+          </p:cNvSpPr>
+          <p:nvPr>
+            <p:ph type="dt" sz="half" idx="10"/>
+          </p:nvPr>
+        </p:nvSpPr>
+        <p:spPr/>
+        <p:txBody>
+          <a:bodyPr/>
+          <a:lstStyle/>
+          <a:p>
+            <a:fld id="{7AC709DD-AC18-4FBA-B4E6-46DED743653E}" type="datetime1">
+              <a:rPr lang="de-DE" smtClean="0"/>
+              <a:t>06.12.2015</a:t>
+            </a:fld>
+            <a:endParaRPr lang="de-DE"/>
+          </a:p>
+        </p:txBody>
+      </p:sp>
+      <p:sp>
+        <p:nvSpPr>
+          <p:cNvPr id="5" name="Fußzeilenplatzhalter 4"/>
+          <p:cNvSpPr>
+            <a:spLocks noGrp="1"/>
+          </p:cNvSpPr>
+          <p:nvPr>
+            <p:ph type="ftr" sz="quarter" idx="11"/>
+          </p:nvPr>
+        </p:nvSpPr>
+        <p:spPr/>
+        <p:txBody>
+          <a:bodyPr/>
+          <a:lstStyle/>
+          <a:p>
+            <a:r>
+              <a:rPr lang="de-DE" smtClean="0"/>
+              <a:t>Fakultät Informatik             Sebastian Schötteler &amp; Benedikt Hofrichter</a:t>
+            </a:r>
+            <a:endParaRPr lang="de-DE" dirty="0"/>
+          </a:p>
+        </p:txBody>
+      </p:sp>
+      <p:sp>
+        <p:nvSpPr>
+          <p:cNvPr id="6" name="Foliennummernplatzhalter 5"/>
+          <p:cNvSpPr>
+            <a:spLocks noGrp="1"/>
+          </p:cNvSpPr>
+          <p:nvPr>
+            <p:ph type="sldNum" sz="quarter" idx="12"/>
+          </p:nvPr>
+        </p:nvSpPr>
+        <p:spPr/>
+        <p:txBody>
+          <a:bodyPr/>
+          <a:lstStyle/>
+          <a:p>
+            <a:fld id="{0E226D3C-400E-4353-AAC2-09A0472DC536}" type="slidenum">
+              <a:rPr lang="de-DE" smtClean="0"/>
+              <a:t>36</a:t>
+            </a:fld>
+            <a:endParaRPr lang="de-DE" dirty="0"/>
+          </a:p>
+        </p:txBody>
+      </p:sp>
+      <p:pic>
+        <p:nvPicPr>
+          <p:cNvPr id="9" name="Grafik 8"/>
+          <p:cNvPicPr>
+            <a:picLocks noChangeAspect="1"/>
+          </p:cNvPicPr>
+          <p:nvPr/>
+        </p:nvPicPr>
+        <p:blipFill>
+          <a:blip r:embed="rId3">
+            <a:extLst>
+              <a:ext uri="{28A0092B-C50C-407E-A947-70E740481C1C}">
+                <a14:useLocalDpi xmlns:a14="http://schemas.microsoft.com/office/drawing/2010/main" val="0"/>
+              </a:ext>
+            </a:extLst>
+          </a:blip>
+          <a:stretch>
+            <a:fillRect/>
+          </a:stretch>
+        </p:blipFill>
+        <p:spPr>
+          <a:xfrm>
+            <a:off x="1111215" y="2300887"/>
+            <a:ext cx="5863740" cy="3857908"/>
+          </a:xfrm>
+          <a:prstGeom prst="rect">
+            <a:avLst/>
+          </a:prstGeom>
+        </p:spPr>
+      </p:pic>
+      <p:graphicFrame>
+        <p:nvGraphicFramePr>
+          <p:cNvPr id="8" name="Tabelle 7"/>
+          <p:cNvGraphicFramePr>
+            <a:graphicFrameLocks noGrp="1"/>
+          </p:cNvGraphicFramePr>
+          <p:nvPr>
+            <p:extLst>
+              <p:ext uri="{D42A27DB-BD31-4B8C-83A1-F6EECF244321}">
+                <p14:modId xmlns:p14="http://schemas.microsoft.com/office/powerpoint/2010/main" val="3554648270"/>
+              </p:ext>
+            </p:extLst>
+          </p:nvPr>
+        </p:nvGraphicFramePr>
+        <p:xfrm>
+          <a:off x="7382447" y="2332784"/>
+          <a:ext cx="3870846" cy="1483360"/>
+        </p:xfrm>
+        <a:graphic>
+          <a:graphicData uri="http://schemas.openxmlformats.org/drawingml/2006/table">
+            <a:tbl>
+              <a:tblPr firstRow="1" bandRow="1">
+                <a:tableStyleId>{5940675A-B579-460E-94D1-54222C63F5DA}</a:tableStyleId>
+              </a:tblPr>
+              <a:tblGrid>
+                <a:gridCol w="1935423"/>
+                <a:gridCol w="1935423"/>
+              </a:tblGrid>
+              <a:tr h="370840">
+                <a:tc>
+                  <a:txBody>
+                    <a:bodyPr/>
+                    <a:lstStyle/>
+                    <a:p>
+                      <a:pPr algn="ctr"/>
+                      <a:r>
+                        <a:rPr lang="de-DE" dirty="0" smtClean="0"/>
+                        <a:t>Topologie</a:t>
+                      </a:r>
+                      <a:endParaRPr lang="de-DE" dirty="0"/>
+                    </a:p>
+                  </a:txBody>
+                  <a:tcPr anchor="ctr"/>
+                </a:tc>
+                <a:tc>
+                  <a:txBody>
+                    <a:bodyPr/>
+                    <a:lstStyle/>
+                    <a:p>
+                      <a:pPr algn="ctr"/>
+                      <a:r>
+                        <a:rPr lang="de-DE" dirty="0" smtClean="0"/>
+                        <a:t>4-9-1</a:t>
+                      </a:r>
+                      <a:endParaRPr lang="de-DE" dirty="0"/>
+                    </a:p>
+                  </a:txBody>
+                  <a:tcPr anchor="ctr"/>
+                </a:tc>
+              </a:tr>
+              <a:tr h="370840">
+                <a:tc>
+                  <a:txBody>
+                    <a:bodyPr/>
+                    <a:lstStyle/>
+                    <a:p>
+                      <a:pPr algn="ctr"/>
+                      <a:r>
+                        <a:rPr lang="de-DE" dirty="0" smtClean="0"/>
+                        <a:t>Transferfunktion</a:t>
+                      </a:r>
+                      <a:endParaRPr lang="de-DE" dirty="0"/>
+                    </a:p>
+                  </a:txBody>
+                  <a:tcPr anchor="ctr"/>
+                </a:tc>
+                <a:tc>
+                  <a:txBody>
+                    <a:bodyPr/>
+                    <a:lstStyle/>
+                    <a:p>
+                      <a:pPr algn="ctr"/>
+                      <a:r>
+                        <a:rPr lang="de-DE" dirty="0" smtClean="0"/>
+                        <a:t>Sigmoid</a:t>
+                      </a:r>
+                      <a:endParaRPr lang="de-DE" dirty="0"/>
+                    </a:p>
+                  </a:txBody>
+                  <a:tcPr anchor="ctr"/>
+                </a:tc>
+              </a:tr>
+              <a:tr h="370840">
+                <a:tc>
+                  <a:txBody>
+                    <a:bodyPr/>
+                    <a:lstStyle/>
+                    <a:p>
+                      <a:pPr algn="ctr"/>
+                      <a:r>
+                        <a:rPr lang="de-DE" dirty="0" smtClean="0"/>
+                        <a:t>Lernregel</a:t>
+                      </a:r>
+                      <a:endParaRPr lang="de-DE" dirty="0"/>
+                    </a:p>
+                  </a:txBody>
+                  <a:tcPr anchor="ctr"/>
+                </a:tc>
+                <a:tc>
+                  <a:txBody>
+                    <a:bodyPr/>
+                    <a:lstStyle/>
+                    <a:p>
+                      <a:pPr algn="ctr"/>
+                      <a:r>
+                        <a:rPr lang="de-DE" dirty="0" smtClean="0"/>
+                        <a:t>Backpropagation</a:t>
+                      </a:r>
+                      <a:endParaRPr lang="de-DE" dirty="0"/>
+                    </a:p>
+                  </a:txBody>
+                  <a:tcPr anchor="ctr"/>
+                </a:tc>
+              </a:tr>
+              <a:tr h="370840">
+                <a:tc>
+                  <a:txBody>
+                    <a:bodyPr/>
+                    <a:lstStyle/>
+                    <a:p>
+                      <a:pPr algn="ctr"/>
+                      <a:r>
+                        <a:rPr lang="de-DE" dirty="0" smtClean="0"/>
+                        <a:t>Lernrate</a:t>
+                      </a:r>
+                      <a:endParaRPr lang="de-DE" dirty="0"/>
+                    </a:p>
+                  </a:txBody>
+                  <a:tcPr anchor="ctr"/>
+                </a:tc>
+                <a:tc>
+                  <a:txBody>
+                    <a:bodyPr/>
+                    <a:lstStyle/>
+                    <a:p>
+                      <a:pPr algn="ctr"/>
+                      <a:r>
+                        <a:rPr lang="de-DE" dirty="0" smtClean="0"/>
+                        <a:t>0.7</a:t>
+                      </a:r>
+                      <a:endParaRPr lang="de-DE" dirty="0"/>
+                    </a:p>
+                  </a:txBody>
+                  <a:tcPr anchor="ctr"/>
+                </a:tc>
+              </a:tr>
+            </a:tbl>
+          </a:graphicData>
+        </a:graphic>
+      </p:graphicFrame>
+    </p:spTree>
+    <p:extLst>
+      <p:ext uri="{BB962C8B-B14F-4D97-AF65-F5344CB8AC3E}">
+        <p14:creationId xmlns:p14="http://schemas.microsoft.com/office/powerpoint/2010/main" val="1097341238"/>
+      </p:ext>
+    </p:extLst>
+  </p:cSld>
+  <p:clrMapOvr>
+    <a:masterClrMapping/>
+  </p:clrMapOvr>
+  <p:timing>
+    <p:tnLst>
+      <p:par>
+        <p:cTn id="1" dur="indefinite" restart="never" nodeType="tmRoot"/>
+      </p:par>
+    </p:tnLst>
+  </p:timing>
+</p:sld>
+</file>
+
+<file path=ppt/slides/slide38.xml><?xml version="1.0" encoding="utf-8"?>
+<p:sld xmlns:a="http://schemas.openxmlformats.org/drawingml/2006/main" xmlns:r="http://schemas.openxmlformats.org/officeDocument/2006/relationships" xmlns:p="http://schemas.openxmlformats.org/presentationml/2006/main">
+  <p:cSld>
+    <p:spTree>
+      <p:nvGrpSpPr>
+        <p:cNvPr id="1" name=""/>
+        <p:cNvGrpSpPr/>
+        <p:nvPr/>
+      </p:nvGrpSpPr>
+      <p:grpSpPr>
+        <a:xfrm>
+          <a:off x="0" y="0"/>
+          <a:ext cx="0" cy="0"/>
+          <a:chOff x="0" y="0"/>
+          <a:chExt cx="0" cy="0"/>
+        </a:xfrm>
+      </p:grpSpPr>
+      <p:sp>
+        <p:nvSpPr>
+          <p:cNvPr id="4" name="Datumsplatzhalter 3"/>
+          <p:cNvSpPr>
+            <a:spLocks noGrp="1"/>
+          </p:cNvSpPr>
+          <p:nvPr>
+            <p:ph type="dt" sz="half" idx="10"/>
+          </p:nvPr>
+        </p:nvSpPr>
+        <p:spPr/>
+        <p:txBody>
+          <a:bodyPr/>
+          <a:lstStyle/>
+          <a:p>
+            <a:fld id="{7AC709DD-AC18-4FBA-B4E6-46DED743653E}" type="datetime1">
+              <a:rPr lang="de-DE" smtClean="0"/>
+              <a:t>06.12.2015</a:t>
+            </a:fld>
+            <a:endParaRPr lang="de-DE"/>
+          </a:p>
+        </p:txBody>
+      </p:sp>
+      <p:sp>
+        <p:nvSpPr>
+          <p:cNvPr id="5" name="Fußzeilenplatzhalter 4"/>
+          <p:cNvSpPr>
+            <a:spLocks noGrp="1"/>
+          </p:cNvSpPr>
+          <p:nvPr>
+            <p:ph type="ftr" sz="quarter" idx="11"/>
+          </p:nvPr>
+        </p:nvSpPr>
+        <p:spPr/>
+        <p:txBody>
+          <a:bodyPr/>
+          <a:lstStyle/>
+          <a:p>
+            <a:r>
+              <a:rPr lang="de-DE" dirty="0" smtClean="0"/>
+              <a:t>Fakultät Informatik             Sebastian Schötteler &amp; Benedikt Hofrichter</a:t>
+            </a:r>
+            <a:endParaRPr lang="de-DE" dirty="0"/>
+          </a:p>
+        </p:txBody>
+      </p:sp>
+      <p:sp>
+        <p:nvSpPr>
+          <p:cNvPr id="6" name="Foliennummernplatzhalter 5"/>
+          <p:cNvSpPr>
+            <a:spLocks noGrp="1"/>
+          </p:cNvSpPr>
+          <p:nvPr>
+            <p:ph type="sldNum" sz="quarter" idx="12"/>
+          </p:nvPr>
+        </p:nvSpPr>
+        <p:spPr/>
+        <p:txBody>
+          <a:bodyPr/>
+          <a:lstStyle/>
+          <a:p>
+            <a:fld id="{0E226D3C-400E-4353-AAC2-09A0472DC536}" type="slidenum">
+              <a:rPr lang="de-DE" smtClean="0"/>
+              <a:t>37</a:t>
             </a:fld>
             <a:endParaRPr lang="de-DE" dirty="0"/>
           </a:p>
@@ -17745,7 +22936,7 @@
 </p:sld>
 </file>
 
-<file path=ppt/slides/slide37.xml><?xml version="1.0" encoding="utf-8"?>
+<file path=ppt/slides/slide39.xml><?xml version="1.0" encoding="utf-8"?>
 <p:sld xmlns:a="http://schemas.openxmlformats.org/drawingml/2006/main" xmlns:r="http://schemas.openxmlformats.org/officeDocument/2006/relationships" xmlns:p="http://schemas.openxmlformats.org/presentationml/2006/main">
   <p:cSld>
     <p:spTree>
@@ -17829,7 +23020,7 @@
           <a:p>
             <a:fld id="{7AC709DD-AC18-4FBA-B4E6-46DED743653E}" type="datetime1">
               <a:rPr lang="de-DE" smtClean="0"/>
-              <a:t>05.12.2015</a:t>
+              <a:t>06.12.2015</a:t>
             </a:fld>
             <a:endParaRPr lang="de-DE"/>
           </a:p>
@@ -17875,7 +23066,7 @@
           <a:p>
             <a:fld id="{0E226D3C-400E-4353-AAC2-09A0472DC536}" type="slidenum">
               <a:rPr lang="de-DE" smtClean="0"/>
-              <a:t>36</a:t>
+              <a:t>38</a:t>
             </a:fld>
             <a:endParaRPr lang="de-DE" dirty="0"/>
           </a:p>
@@ -17901,7 +23092,7 @@
 </p:sld>
 </file>
 
-<file path=ppt/slides/slide38.xml><?xml version="1.0" encoding="utf-8"?>
+<file path=ppt/slides/slide4.xml><?xml version="1.0" encoding="utf-8"?>
 <p:sld xmlns:a="http://schemas.openxmlformats.org/drawingml/2006/main" xmlns:r="http://schemas.openxmlformats.org/officeDocument/2006/relationships" xmlns:p="http://schemas.openxmlformats.org/presentationml/2006/main">
   <p:cSld>
     <p:spTree>
@@ -17920,6 +23111,139 @@
       </p:grpSpPr>
       <p:sp>
         <p:nvSpPr>
+          <p:cNvPr id="2" name="Titel 1"/>
+          <p:cNvSpPr>
+            <a:spLocks noGrp="1"/>
+          </p:cNvSpPr>
+          <p:nvPr>
+            <p:ph type="title"/>
+          </p:nvPr>
+        </p:nvSpPr>
+        <p:spPr/>
+        <p:txBody>
+          <a:bodyPr/>
+          <a:lstStyle/>
+          <a:p>
+            <a:pPr marL="857250" indent="-857250">
+              <a:buFont typeface="+mj-lt"/>
+              <a:buAutoNum type="romanUcPeriod"/>
+            </a:pPr>
+            <a:r>
+              <a:rPr lang="de-DE" b="1" dirty="0" smtClean="0"/>
+              <a:t>Motivation</a:t>
+            </a:r>
+            <a:endParaRPr lang="de-DE" b="1" dirty="0"/>
+          </a:p>
+        </p:txBody>
+      </p:sp>
+      <p:sp>
+        <p:nvSpPr>
+          <p:cNvPr id="3" name="Inhaltsplatzhalter 2"/>
+          <p:cNvSpPr>
+            <a:spLocks noGrp="1"/>
+          </p:cNvSpPr>
+          <p:nvPr>
+            <p:ph idx="1"/>
+          </p:nvPr>
+        </p:nvSpPr>
+        <p:spPr/>
+        <p:txBody>
+          <a:bodyPr>
+            <a:normAutofit/>
+          </a:bodyPr>
+          <a:lstStyle/>
+          <a:p>
+            <a:pPr>
+              <a:buFont typeface="Wingdings" panose="05000000000000000000" pitchFamily="2" charset="2"/>
+              <a:buChar char="§"/>
+            </a:pPr>
+            <a:r>
+              <a:rPr lang="de-DE" dirty="0" smtClean="0"/>
+              <a:t>Künstliche neuronale Netze sind gutes ein Hilfsmittel zur  Prognose:</a:t>
+            </a:r>
+          </a:p>
+          <a:p>
+            <a:pPr lvl="1"/>
+            <a:r>
+              <a:rPr lang="de-DE" dirty="0" smtClean="0"/>
+              <a:t>Therapieverläufen </a:t>
+            </a:r>
+            <a:r>
+              <a:rPr lang="de-DE" dirty="0"/>
+              <a:t>in der </a:t>
+            </a:r>
+            <a:r>
+              <a:rPr lang="de-DE" dirty="0" smtClean="0"/>
+              <a:t>Medizin</a:t>
+            </a:r>
+          </a:p>
+          <a:p>
+            <a:pPr lvl="1"/>
+            <a:r>
+              <a:rPr lang="de-DE" dirty="0" smtClean="0"/>
+              <a:t>Arbeitslosenzahlen </a:t>
+            </a:r>
+            <a:r>
+              <a:rPr lang="de-DE" dirty="0"/>
+              <a:t>auf dem </a:t>
+            </a:r>
+            <a:r>
+              <a:rPr lang="de-DE" dirty="0" smtClean="0"/>
+              <a:t>Arbeitsmarkt</a:t>
+            </a:r>
+          </a:p>
+          <a:p>
+            <a:pPr lvl="1"/>
+            <a:r>
+              <a:rPr lang="de-DE" dirty="0" smtClean="0"/>
+              <a:t>Börsenkursen</a:t>
+            </a:r>
+            <a:endParaRPr lang="de-DE" dirty="0"/>
+          </a:p>
+          <a:p>
+            <a:pPr lvl="1"/>
+            <a:endParaRPr lang="de-DE" sz="2000" dirty="0" smtClean="0"/>
+          </a:p>
+          <a:p>
+            <a:r>
+              <a:rPr lang="de-DE" dirty="0" smtClean="0"/>
+              <a:t>Besonderheit:</a:t>
+            </a:r>
+          </a:p>
+          <a:p>
+            <a:pPr lvl="1"/>
+            <a:r>
+              <a:rPr lang="de-DE" dirty="0" smtClean="0"/>
+              <a:t>Fähigkeit, nichtlineare Zusammenhänge zu erkennen.</a:t>
+            </a:r>
+          </a:p>
+          <a:p>
+            <a:pPr lvl="1"/>
+            <a:r>
+              <a:rPr lang="de-DE" dirty="0" smtClean="0"/>
+              <a:t>Prognostiziert objektiv und vorurteilsfrei.</a:t>
+            </a:r>
+          </a:p>
+          <a:p>
+            <a:pPr marL="0" indent="0">
+              <a:buNone/>
+            </a:pPr>
+            <a:endParaRPr lang="de-DE" dirty="0" smtClean="0"/>
+          </a:p>
+          <a:p>
+            <a:pPr lvl="1"/>
+            <a:endParaRPr lang="de-DE" sz="2000" dirty="0"/>
+          </a:p>
+          <a:p>
+            <a:endParaRPr lang="de-DE" dirty="0" smtClean="0"/>
+          </a:p>
+          <a:p>
+            <a:endParaRPr lang="de-DE" dirty="0"/>
+          </a:p>
+        </p:txBody>
+      </p:sp>
+      <p:sp>
+        <p:nvSpPr>
           <p:cNvPr id="4" name="Datumsplatzhalter 3"/>
           <p:cNvSpPr>
             <a:spLocks noGrp="1"/>
@@ -17935,7 +23259,7 @@
           <a:p>
             <a:fld id="{7AC709DD-AC18-4FBA-B4E6-46DED743653E}" type="datetime1">
               <a:rPr lang="de-DE" smtClean="0"/>
-              <a:t>05.12.2015</a:t>
+              <a:t>06.12.2015</a:t>
             </a:fld>
             <a:endParaRPr lang="de-DE"/>
           </a:p>
@@ -17957,6 +23281,112 @@
           <a:lstStyle/>
           <a:p>
             <a:r>
+              <a:rPr lang="de-DE" smtClean="0"/>
+              <a:t>Fakultät Informatik             Sebastian Schötteler &amp; Benedikt Hofrichter</a:t>
+            </a:r>
+            <a:endParaRPr lang="de-DE" dirty="0"/>
+          </a:p>
+        </p:txBody>
+      </p:sp>
+      <p:sp>
+        <p:nvSpPr>
+          <p:cNvPr id="6" name="Foliennummernplatzhalter 5"/>
+          <p:cNvSpPr>
+            <a:spLocks noGrp="1"/>
+          </p:cNvSpPr>
+          <p:nvPr>
+            <p:ph type="sldNum" sz="quarter" idx="12"/>
+          </p:nvPr>
+        </p:nvSpPr>
+        <p:spPr/>
+        <p:txBody>
+          <a:bodyPr/>
+          <a:lstStyle/>
+          <a:p>
+            <a:fld id="{0E226D3C-400E-4353-AAC2-09A0472DC536}" type="slidenum">
+              <a:rPr lang="de-DE" smtClean="0"/>
+              <a:t>3</a:t>
+            </a:fld>
+            <a:endParaRPr lang="de-DE" dirty="0"/>
+          </a:p>
+        </p:txBody>
+      </p:sp>
+    </p:spTree>
+    <p:extLst>
+      <p:ext uri="{BB962C8B-B14F-4D97-AF65-F5344CB8AC3E}">
+        <p14:creationId xmlns:p14="http://schemas.microsoft.com/office/powerpoint/2010/main" val="3880735644"/>
+      </p:ext>
+    </p:extLst>
+  </p:cSld>
+  <p:clrMapOvr>
+    <a:masterClrMapping/>
+  </p:clrMapOvr>
+  <p:timing>
+    <p:tnLst>
+      <p:par>
+        <p:cTn id="1" dur="indefinite" restart="never" nodeType="tmRoot"/>
+      </p:par>
+    </p:tnLst>
+  </p:timing>
+</p:sld>
+</file>
+
+<file path=ppt/slides/slide40.xml><?xml version="1.0" encoding="utf-8"?>
+<p:sld xmlns:a="http://schemas.openxmlformats.org/drawingml/2006/main" xmlns:r="http://schemas.openxmlformats.org/officeDocument/2006/relationships" xmlns:p="http://schemas.openxmlformats.org/presentationml/2006/main">
+  <p:cSld>
+    <p:spTree>
+      <p:nvGrpSpPr>
+        <p:cNvPr id="1" name=""/>
+        <p:cNvGrpSpPr/>
+        <p:nvPr/>
+      </p:nvGrpSpPr>
+      <p:grpSpPr>
+        <a:xfrm>
+          <a:off x="0" y="0"/>
+          <a:ext cx="0" cy="0"/>
+          <a:chOff x="0" y="0"/>
+          <a:chExt cx="0" cy="0"/>
+        </a:xfrm>
+      </p:grpSpPr>
+      <p:sp>
+        <p:nvSpPr>
+          <p:cNvPr id="4" name="Datumsplatzhalter 3"/>
+          <p:cNvSpPr>
+            <a:spLocks noGrp="1"/>
+          </p:cNvSpPr>
+          <p:nvPr>
+            <p:ph type="dt" sz="half" idx="10"/>
+          </p:nvPr>
+        </p:nvSpPr>
+        <p:spPr/>
+        <p:txBody>
+          <a:bodyPr/>
+          <a:lstStyle/>
+          <a:p>
+            <a:fld id="{7AC709DD-AC18-4FBA-B4E6-46DED743653E}" type="datetime1">
+              <a:rPr lang="de-DE" smtClean="0"/>
+              <a:t>06.12.2015</a:t>
+            </a:fld>
+            <a:endParaRPr lang="de-DE"/>
+          </a:p>
+        </p:txBody>
+      </p:sp>
+      <p:sp>
+        <p:nvSpPr>
+          <p:cNvPr id="5" name="Fußzeilenplatzhalter 4"/>
+          <p:cNvSpPr>
+            <a:spLocks noGrp="1"/>
+          </p:cNvSpPr>
+          <p:nvPr>
+            <p:ph type="ftr" sz="quarter" idx="11"/>
+          </p:nvPr>
+        </p:nvSpPr>
+        <p:spPr/>
+        <p:txBody>
+          <a:bodyPr/>
+          <a:lstStyle/>
+          <a:p>
+            <a:r>
               <a:rPr lang="de-DE" dirty="0" smtClean="0"/>
               <a:t>Fakultät Informatik             Sebastian Schötteler &amp; Benedikt Hofrichter</a:t>
             </a:r>
@@ -17981,7 +23411,7 @@
           <a:p>
             <a:fld id="{0E226D3C-400E-4353-AAC2-09A0472DC536}" type="slidenum">
               <a:rPr lang="de-DE" smtClean="0"/>
-              <a:t>37</a:t>
+              <a:t>39</a:t>
             </a:fld>
             <a:endParaRPr lang="de-DE" dirty="0"/>
           </a:p>
@@ -18193,7 +23623,7 @@
 </p:sld>
 </file>
 
-<file path=ppt/slides/slide39.xml><?xml version="1.0" encoding="utf-8"?>
+<file path=ppt/slides/slide41.xml><?xml version="1.0" encoding="utf-8"?>
 <p:sld xmlns:a="http://schemas.openxmlformats.org/drawingml/2006/main" xmlns:r="http://schemas.openxmlformats.org/officeDocument/2006/relationships" xmlns:p="http://schemas.openxmlformats.org/presentationml/2006/main">
   <p:cSld>
     <p:spTree>
@@ -18277,7 +23707,7 @@
           <a:p>
             <a:fld id="{7AC709DD-AC18-4FBA-B4E6-46DED743653E}" type="datetime1">
               <a:rPr lang="de-DE" smtClean="0"/>
-              <a:t>05.12.2015</a:t>
+              <a:t>06.12.2015</a:t>
             </a:fld>
             <a:endParaRPr lang="de-DE"/>
           </a:p>
@@ -18323,7 +23753,7 @@
           <a:p>
             <a:fld id="{0E226D3C-400E-4353-AAC2-09A0472DC536}" type="slidenum">
               <a:rPr lang="de-DE" smtClean="0"/>
-              <a:t>38</a:t>
+              <a:t>40</a:t>
             </a:fld>
             <a:endParaRPr lang="de-DE" dirty="0"/>
           </a:p>
@@ -18349,7 +23779,7 @@
 </p:sld>
 </file>
 
-<file path=ppt/slides/slide4.xml><?xml version="1.0" encoding="utf-8"?>
+<file path=ppt/slides/slide42.xml><?xml version="1.0" encoding="utf-8"?>
 <p:sld xmlns:a="http://schemas.openxmlformats.org/drawingml/2006/main" xmlns:r="http://schemas.openxmlformats.org/officeDocument/2006/relationships" xmlns:p="http://schemas.openxmlformats.org/presentationml/2006/main">
   <p:cSld>
     <p:spTree>
@@ -18368,139 +23798,6 @@
       </p:grpSpPr>
       <p:sp>
         <p:nvSpPr>
-          <p:cNvPr id="2" name="Titel 1"/>
-          <p:cNvSpPr>
-            <a:spLocks noGrp="1"/>
-          </p:cNvSpPr>
-          <p:nvPr>
-            <p:ph type="title"/>
-          </p:nvPr>
-        </p:nvSpPr>
-        <p:spPr/>
-        <p:txBody>
-          <a:bodyPr/>
-          <a:lstStyle/>
-          <a:p>
-            <a:pPr marL="857250" indent="-857250">
-              <a:buFont typeface="+mj-lt"/>
-              <a:buAutoNum type="romanUcPeriod"/>
-            </a:pPr>
-            <a:r>
-              <a:rPr lang="de-DE" b="1" dirty="0" smtClean="0"/>
-              <a:t>Motivation</a:t>
-            </a:r>
-            <a:endParaRPr lang="de-DE" b="1" dirty="0"/>
-          </a:p>
-        </p:txBody>
-      </p:sp>
-      <p:sp>
-        <p:nvSpPr>
-          <p:cNvPr id="3" name="Inhaltsplatzhalter 2"/>
-          <p:cNvSpPr>
-            <a:spLocks noGrp="1"/>
-          </p:cNvSpPr>
-          <p:nvPr>
-            <p:ph idx="1"/>
-          </p:nvPr>
-        </p:nvSpPr>
-        <p:spPr/>
-        <p:txBody>
-          <a:bodyPr>
-            <a:normAutofit/>
-          </a:bodyPr>
-          <a:lstStyle/>
-          <a:p>
-            <a:pPr>
-              <a:buFont typeface="Wingdings" panose="05000000000000000000" pitchFamily="2" charset="2"/>
-              <a:buChar char="§"/>
-            </a:pPr>
-            <a:r>
-              <a:rPr lang="de-DE" dirty="0" smtClean="0"/>
-              <a:t>Künstliche neuronale Netze sind gutes ein Hilfsmittel zur  Prognose:</a:t>
-            </a:r>
-          </a:p>
-          <a:p>
-            <a:pPr lvl="1"/>
-            <a:r>
-              <a:rPr lang="de-DE" dirty="0" smtClean="0"/>
-              <a:t>Therapieverläufen </a:t>
-            </a:r>
-            <a:r>
-              <a:rPr lang="de-DE" dirty="0"/>
-              <a:t>in der </a:t>
-            </a:r>
-            <a:r>
-              <a:rPr lang="de-DE" dirty="0" smtClean="0"/>
-              <a:t>Medizin</a:t>
-            </a:r>
-          </a:p>
-          <a:p>
-            <a:pPr lvl="1"/>
-            <a:r>
-              <a:rPr lang="de-DE" dirty="0" smtClean="0"/>
-              <a:t>Arbeitslosenzahlen </a:t>
-            </a:r>
-            <a:r>
-              <a:rPr lang="de-DE" dirty="0"/>
-              <a:t>auf dem </a:t>
-            </a:r>
-            <a:r>
-              <a:rPr lang="de-DE" dirty="0" smtClean="0"/>
-              <a:t>Arbeitsmarkt</a:t>
-            </a:r>
-          </a:p>
-          <a:p>
-            <a:pPr lvl="1"/>
-            <a:r>
-              <a:rPr lang="de-DE" dirty="0" smtClean="0"/>
-              <a:t>Börsenkursen</a:t>
-            </a:r>
-            <a:endParaRPr lang="de-DE" dirty="0"/>
-          </a:p>
-          <a:p>
-            <a:pPr lvl="1"/>
-            <a:endParaRPr lang="de-DE" sz="2000" dirty="0" smtClean="0"/>
-          </a:p>
-          <a:p>
-            <a:r>
-              <a:rPr lang="de-DE" dirty="0" smtClean="0"/>
-              <a:t>Besonderheit:</a:t>
-            </a:r>
-          </a:p>
-          <a:p>
-            <a:pPr lvl="1"/>
-            <a:r>
-              <a:rPr lang="de-DE" dirty="0" smtClean="0"/>
-              <a:t>Fähigkeit, nichtlineare Zusammenhänge zu erkennen.</a:t>
-            </a:r>
-          </a:p>
-          <a:p>
-            <a:pPr lvl="1"/>
-            <a:r>
-              <a:rPr lang="de-DE" dirty="0" smtClean="0"/>
-              <a:t>Prognostiziert objektiv und vorurteilsfrei.</a:t>
-            </a:r>
-          </a:p>
-          <a:p>
-            <a:pPr marL="0" indent="0">
-              <a:buNone/>
-            </a:pPr>
-            <a:endParaRPr lang="de-DE" dirty="0" smtClean="0"/>
-          </a:p>
-          <a:p>
-            <a:pPr lvl="1"/>
-            <a:endParaRPr lang="de-DE" sz="2000" dirty="0"/>
-          </a:p>
-          <a:p>
-            <a:endParaRPr lang="de-DE" dirty="0" smtClean="0"/>
-          </a:p>
-          <a:p>
-            <a:endParaRPr lang="de-DE" dirty="0"/>
-          </a:p>
-        </p:txBody>
-      </p:sp>
-      <p:sp>
-        <p:nvSpPr>
           <p:cNvPr id="4" name="Datumsplatzhalter 3"/>
           <p:cNvSpPr>
             <a:spLocks noGrp="1"/>
@@ -18516,7 +23813,7 @@
           <a:p>
             <a:fld id="{7AC709DD-AC18-4FBA-B4E6-46DED743653E}" type="datetime1">
               <a:rPr lang="de-DE" smtClean="0"/>
-              <a:t>05.12.2015</a:t>
+              <a:t>06.12.2015</a:t>
             </a:fld>
             <a:endParaRPr lang="de-DE"/>
           </a:p>
@@ -18538,7 +23835,7 @@
           <a:lstStyle/>
           <a:p>
             <a:r>
-              <a:rPr lang="de-DE" smtClean="0"/>
+              <a:rPr lang="de-DE" dirty="0" smtClean="0"/>
               <a:t>Fakultät Informatik             Sebastian Schötteler &amp; Benedikt Hofrichter</a:t>
             </a:r>
             <a:endParaRPr lang="de-DE" dirty="0"/>
@@ -18562,113 +23859,7 @@
           <a:p>
             <a:fld id="{0E226D3C-400E-4353-AAC2-09A0472DC536}" type="slidenum">
               <a:rPr lang="de-DE" smtClean="0"/>
-              <a:t>3</a:t>
-            </a:fld>
-            <a:endParaRPr lang="de-DE" dirty="0"/>
-          </a:p>
-        </p:txBody>
-      </p:sp>
-    </p:spTree>
-    <p:extLst>
-      <p:ext uri="{BB962C8B-B14F-4D97-AF65-F5344CB8AC3E}">
-        <p14:creationId xmlns:p14="http://schemas.microsoft.com/office/powerpoint/2010/main" val="3880735644"/>
-      </p:ext>
-    </p:extLst>
-  </p:cSld>
-  <p:clrMapOvr>
-    <a:masterClrMapping/>
-  </p:clrMapOvr>
-  <p:timing>
-    <p:tnLst>
-      <p:par>
-        <p:cTn id="1" dur="indefinite" restart="never" nodeType="tmRoot"/>
-      </p:par>
-    </p:tnLst>
-  </p:timing>
-</p:sld>
-</file>
-
-<file path=ppt/slides/slide40.xml><?xml version="1.0" encoding="utf-8"?>
-<p:sld xmlns:a="http://schemas.openxmlformats.org/drawingml/2006/main" xmlns:r="http://schemas.openxmlformats.org/officeDocument/2006/relationships" xmlns:p="http://schemas.openxmlformats.org/presentationml/2006/main">
-  <p:cSld>
-    <p:spTree>
-      <p:nvGrpSpPr>
-        <p:cNvPr id="1" name=""/>
-        <p:cNvGrpSpPr/>
-        <p:nvPr/>
-      </p:nvGrpSpPr>
-      <p:grpSpPr>
-        <a:xfrm>
-          <a:off x="0" y="0"/>
-          <a:ext cx="0" cy="0"/>
-          <a:chOff x="0" y="0"/>
-          <a:chExt cx="0" cy="0"/>
-        </a:xfrm>
-      </p:grpSpPr>
-      <p:sp>
-        <p:nvSpPr>
-          <p:cNvPr id="4" name="Datumsplatzhalter 3"/>
-          <p:cNvSpPr>
-            <a:spLocks noGrp="1"/>
-          </p:cNvSpPr>
-          <p:nvPr>
-            <p:ph type="dt" sz="half" idx="10"/>
-          </p:nvPr>
-        </p:nvSpPr>
-        <p:spPr/>
-        <p:txBody>
-          <a:bodyPr/>
-          <a:lstStyle/>
-          <a:p>
-            <a:fld id="{7AC709DD-AC18-4FBA-B4E6-46DED743653E}" type="datetime1">
-              <a:rPr lang="de-DE" smtClean="0"/>
-              <a:t>05.12.2015</a:t>
-            </a:fld>
-            <a:endParaRPr lang="de-DE"/>
-          </a:p>
-        </p:txBody>
-      </p:sp>
-      <p:sp>
-        <p:nvSpPr>
-          <p:cNvPr id="5" name="Fußzeilenplatzhalter 4"/>
-          <p:cNvSpPr>
-            <a:spLocks noGrp="1"/>
-          </p:cNvSpPr>
-          <p:nvPr>
-            <p:ph type="ftr" sz="quarter" idx="11"/>
-          </p:nvPr>
-        </p:nvSpPr>
-        <p:spPr/>
-        <p:txBody>
-          <a:bodyPr/>
-          <a:lstStyle/>
-          <a:p>
-            <a:r>
-              <a:rPr lang="de-DE" dirty="0" smtClean="0"/>
-              <a:t>Fakultät Informatik             Sebastian Schötteler &amp; Benedikt Hofrichter</a:t>
-            </a:r>
-            <a:endParaRPr lang="de-DE" dirty="0"/>
-          </a:p>
-        </p:txBody>
-      </p:sp>
-      <p:sp>
-        <p:nvSpPr>
-          <p:cNvPr id="6" name="Foliennummernplatzhalter 5"/>
-          <p:cNvSpPr>
-            <a:spLocks noGrp="1"/>
-          </p:cNvSpPr>
-          <p:nvPr>
-            <p:ph type="sldNum" sz="quarter" idx="12"/>
-          </p:nvPr>
-        </p:nvSpPr>
-        <p:spPr/>
-        <p:txBody>
-          <a:bodyPr/>
-          <a:lstStyle/>
-          <a:p>
-            <a:fld id="{0E226D3C-400E-4353-AAC2-09A0472DC536}" type="slidenum">
-              <a:rPr lang="de-DE" smtClean="0"/>
-              <a:t>39</a:t>
+              <a:t>41</a:t>
             </a:fld>
             <a:endParaRPr lang="de-DE" dirty="0"/>
           </a:p>
@@ -18880,7 +24071,7 @@
 </p:sld>
 </file>
 
-<file path=ppt/slides/slide41.xml><?xml version="1.0" encoding="utf-8"?>
+<file path=ppt/slides/slide43.xml><?xml version="1.0" encoding="utf-8"?>
 <p:sld xmlns:a="http://schemas.openxmlformats.org/drawingml/2006/main" xmlns:r="http://schemas.openxmlformats.org/officeDocument/2006/relationships" xmlns:p="http://schemas.openxmlformats.org/presentationml/2006/main">
   <p:cSld>
     <p:spTree>
@@ -18971,7 +24162,7 @@
           <a:p>
             <a:fld id="{7AC709DD-AC18-4FBA-B4E6-46DED743653E}" type="datetime1">
               <a:rPr lang="de-DE" smtClean="0"/>
-              <a:t>05.12.2015</a:t>
+              <a:t>06.12.2015</a:t>
             </a:fld>
             <a:endParaRPr lang="de-DE"/>
           </a:p>
@@ -19017,7 +24208,7 @@
           <a:p>
             <a:fld id="{0E226D3C-400E-4353-AAC2-09A0472DC536}" type="slidenum">
               <a:rPr lang="de-DE" smtClean="0"/>
-              <a:t>40</a:t>
+              <a:t>42</a:t>
             </a:fld>
             <a:endParaRPr lang="de-DE" dirty="0"/>
           </a:p>
@@ -19043,7 +24234,7 @@
 </p:sld>
 </file>
 
-<file path=ppt/slides/slide42.xml><?xml version="1.0" encoding="utf-8"?>
+<file path=ppt/slides/slide44.xml><?xml version="1.0" encoding="utf-8"?>
 <p:sld xmlns:a="http://schemas.openxmlformats.org/drawingml/2006/main" xmlns:r="http://schemas.openxmlformats.org/officeDocument/2006/relationships" xmlns:p="http://schemas.openxmlformats.org/presentationml/2006/main">
   <p:cSld>
     <p:spTree>
@@ -19077,7 +24268,7 @@
           <a:p>
             <a:fld id="{7AC709DD-AC18-4FBA-B4E6-46DED743653E}" type="datetime1">
               <a:rPr lang="de-DE" smtClean="0"/>
-              <a:t>05.12.2015</a:t>
+              <a:t>06.12.2015</a:t>
             </a:fld>
             <a:endParaRPr lang="de-DE"/>
           </a:p>
@@ -19123,7 +24314,7 @@
           <a:p>
             <a:fld id="{0E226D3C-400E-4353-AAC2-09A0472DC536}" type="slidenum">
               <a:rPr lang="de-DE" smtClean="0"/>
-              <a:t>41</a:t>
+              <a:t>43</a:t>
             </a:fld>
             <a:endParaRPr lang="de-DE" dirty="0"/>
           </a:p>
@@ -19335,7 +24526,7 @@
 </p:sld>
 </file>
 
-<file path=ppt/slides/slide43.xml><?xml version="1.0" encoding="utf-8"?>
+<file path=ppt/slides/slide45.xml><?xml version="1.0" encoding="utf-8"?>
 <p:sld xmlns:a="http://schemas.openxmlformats.org/drawingml/2006/main" xmlns:r="http://schemas.openxmlformats.org/officeDocument/2006/relationships" xmlns:p="http://schemas.openxmlformats.org/presentationml/2006/main">
   <p:cSld>
     <p:spTree>
@@ -19509,7 +24700,7 @@
           <a:p>
             <a:fld id="{7AC709DD-AC18-4FBA-B4E6-46DED743653E}" type="datetime1">
               <a:rPr lang="de-DE" smtClean="0"/>
-              <a:t>05.12.2015</a:t>
+              <a:t>06.12.2015</a:t>
             </a:fld>
             <a:endParaRPr lang="de-DE"/>
           </a:p>
@@ -19555,7 +24746,7 @@
           <a:p>
             <a:fld id="{0E226D3C-400E-4353-AAC2-09A0472DC536}" type="slidenum">
               <a:rPr lang="de-DE" smtClean="0"/>
-              <a:t>42</a:t>
+              <a:t>44</a:t>
             </a:fld>
             <a:endParaRPr lang="de-DE" dirty="0"/>
           </a:p>
@@ -19621,7 +24812,7 @@
 </p:sld>
 </file>
 
-<file path=ppt/slides/slide44.xml><?xml version="1.0" encoding="utf-8"?>
+<file path=ppt/slides/slide46.xml><?xml version="1.0" encoding="utf-8"?>
 <p:sld xmlns:a="http://schemas.openxmlformats.org/drawingml/2006/main" xmlns:r="http://schemas.openxmlformats.org/officeDocument/2006/relationships" xmlns:p="http://schemas.openxmlformats.org/presentationml/2006/main">
   <p:cSld>
     <p:spTree>
@@ -19751,7 +24942,7 @@
           <a:p>
             <a:fld id="{7AC709DD-AC18-4FBA-B4E6-46DED743653E}" type="datetime1">
               <a:rPr lang="de-DE" smtClean="0"/>
-              <a:t>05.12.2015</a:t>
+              <a:t>06.12.2015</a:t>
             </a:fld>
             <a:endParaRPr lang="de-DE"/>
           </a:p>
@@ -19797,7 +24988,7 @@
           <a:p>
             <a:fld id="{0E226D3C-400E-4353-AAC2-09A0472DC536}" type="slidenum">
               <a:rPr lang="de-DE" smtClean="0"/>
-              <a:t>43</a:t>
+              <a:t>45</a:t>
             </a:fld>
             <a:endParaRPr lang="de-DE" dirty="0"/>
           </a:p>
@@ -19823,7 +25014,7 @@
 </p:sld>
 </file>
 
-<file path=ppt/slides/slide45.xml><?xml version="1.0" encoding="utf-8"?>
+<file path=ppt/slides/slide47.xml><?xml version="1.0" encoding="utf-8"?>
 <p:sld xmlns:a="http://schemas.openxmlformats.org/drawingml/2006/main" xmlns:r="http://schemas.openxmlformats.org/officeDocument/2006/relationships" xmlns:p="http://schemas.openxmlformats.org/presentationml/2006/main">
   <p:cSld>
     <p:spTree>
@@ -19886,7 +25077,7 @@
           <a:p>
             <a:fld id="{7AC709DD-AC18-4FBA-B4E6-46DED743653E}" type="datetime1">
               <a:rPr lang="de-DE" smtClean="0"/>
-              <a:t>05.12.2015</a:t>
+              <a:t>06.12.2015</a:t>
             </a:fld>
             <a:endParaRPr lang="de-DE"/>
           </a:p>
@@ -19932,7 +25123,7 @@
           <a:p>
             <a:fld id="{0E226D3C-400E-4353-AAC2-09A0472DC536}" type="slidenum">
               <a:rPr lang="de-DE" smtClean="0"/>
-              <a:t>44</a:t>
+              <a:t>46</a:t>
             </a:fld>
             <a:endParaRPr lang="de-DE" dirty="0"/>
           </a:p>
@@ -20135,7 +25326,7 @@
           <a:p>
             <a:fld id="{7AC709DD-AC18-4FBA-B4E6-46DED743653E}" type="datetime1">
               <a:rPr lang="de-DE" smtClean="0"/>
-              <a:t>05.12.2015</a:t>
+              <a:t>06.12.2015</a:t>
             </a:fld>
             <a:endParaRPr lang="de-DE"/>
           </a:p>
@@ -20241,7 +25432,7 @@
           <a:p>
             <a:fld id="{7AC709DD-AC18-4FBA-B4E6-46DED743653E}" type="datetime1">
               <a:rPr lang="de-DE" smtClean="0"/>
-              <a:t>05.12.2015</a:t>
+              <a:t>06.12.2015</a:t>
             </a:fld>
             <a:endParaRPr lang="de-DE"/>
           </a:p>
@@ -20583,7 +25774,7 @@
           <a:p>
             <a:fld id="{7AC709DD-AC18-4FBA-B4E6-46DED743653E}" type="datetime1">
               <a:rPr lang="de-DE" smtClean="0"/>
-              <a:t>05.12.2015</a:t>
+              <a:t>06.12.2015</a:t>
             </a:fld>
             <a:endParaRPr lang="de-DE"/>
           </a:p>
@@ -20689,7 +25880,7 @@
           <a:p>
             <a:fld id="{7AC709DD-AC18-4FBA-B4E6-46DED743653E}" type="datetime1">
               <a:rPr lang="de-DE" smtClean="0"/>
-              <a:t>05.12.2015</a:t>
+              <a:t>06.12.2015</a:t>
             </a:fld>
             <a:endParaRPr lang="de-DE"/>
           </a:p>
@@ -21117,7 +26308,7 @@
           <a:p>
             <a:fld id="{7AC709DD-AC18-4FBA-B4E6-46DED743653E}" type="datetime1">
               <a:rPr lang="de-DE" smtClean="0"/>
-              <a:t>05.12.2015</a:t>
+              <a:t>06.12.2015</a:t>
             </a:fld>
             <a:endParaRPr lang="de-DE"/>
           </a:p>

--- a/3b) Vortrag/Präsentation.pptx
+++ b/3b) Vortrag/Präsentation.pptx
@@ -5,7 +5,7 @@
     <p:sldMasterId id="2147483648" r:id="rId1"/>
   </p:sldMasterIdLst>
   <p:notesMasterIdLst>
-    <p:notesMasterId r:id="rId49"/>
+    <p:notesMasterId r:id="rId50"/>
   </p:notesMasterIdLst>
   <p:sldIdLst>
     <p:sldId id="256" r:id="rId2"/>
@@ -41,20 +41,21 @@
     <p:sldId id="316" r:id="rId32"/>
     <p:sldId id="315" r:id="rId33"/>
     <p:sldId id="311" r:id="rId34"/>
-    <p:sldId id="312" r:id="rId35"/>
-    <p:sldId id="313" r:id="rId36"/>
-    <p:sldId id="317" r:id="rId37"/>
-    <p:sldId id="318" r:id="rId38"/>
-    <p:sldId id="282" r:id="rId39"/>
-    <p:sldId id="273" r:id="rId40"/>
-    <p:sldId id="283" r:id="rId41"/>
-    <p:sldId id="274" r:id="rId42"/>
-    <p:sldId id="284" r:id="rId43"/>
-    <p:sldId id="276" r:id="rId44"/>
-    <p:sldId id="285" r:id="rId45"/>
-    <p:sldId id="286" r:id="rId46"/>
-    <p:sldId id="306" r:id="rId47"/>
-    <p:sldId id="275" r:id="rId48"/>
+    <p:sldId id="319" r:id="rId35"/>
+    <p:sldId id="312" r:id="rId36"/>
+    <p:sldId id="313" r:id="rId37"/>
+    <p:sldId id="317" r:id="rId38"/>
+    <p:sldId id="318" r:id="rId39"/>
+    <p:sldId id="282" r:id="rId40"/>
+    <p:sldId id="273" r:id="rId41"/>
+    <p:sldId id="283" r:id="rId42"/>
+    <p:sldId id="274" r:id="rId43"/>
+    <p:sldId id="284" r:id="rId44"/>
+    <p:sldId id="276" r:id="rId45"/>
+    <p:sldId id="285" r:id="rId46"/>
+    <p:sldId id="286" r:id="rId47"/>
+    <p:sldId id="306" r:id="rId48"/>
+    <p:sldId id="275" r:id="rId49"/>
   </p:sldIdLst>
   <p:sldSz cx="12192000" cy="6858000"/>
   <p:notesSz cx="6858000" cy="9144000"/>
@@ -1103,6 +1104,13 @@
         </dgm:presLayoutVars>
       </dgm:prSet>
       <dgm:spPr/>
+      <dgm:t>
+        <a:bodyPr/>
+        <a:lstStyle/>
+        <a:p>
+          <a:endParaRPr lang="de-DE"/>
+        </a:p>
+      </dgm:t>
     </dgm:pt>
     <dgm:pt modelId="{C13A21D1-9BC4-47CB-8EA5-4FE2F53B7833}" type="pres">
       <dgm:prSet presAssocID="{97FCE202-CEBD-4A36-896B-690460B1A5B0}" presName="parTxOnlySpace" presStyleCnt="0"/>
@@ -1117,6 +1125,13 @@
         </dgm:presLayoutVars>
       </dgm:prSet>
       <dgm:spPr/>
+      <dgm:t>
+        <a:bodyPr/>
+        <a:lstStyle/>
+        <a:p>
+          <a:endParaRPr lang="de-DE"/>
+        </a:p>
+      </dgm:t>
     </dgm:pt>
     <dgm:pt modelId="{1A1FCD27-ABC6-4E50-8F05-06EADB1991A2}" type="pres">
       <dgm:prSet presAssocID="{039F296E-0505-4EB8-9540-E516B0D75917}" presName="parTxOnlySpace" presStyleCnt="0"/>
@@ -1131,6 +1146,13 @@
         </dgm:presLayoutVars>
       </dgm:prSet>
       <dgm:spPr/>
+      <dgm:t>
+        <a:bodyPr/>
+        <a:lstStyle/>
+        <a:p>
+          <a:endParaRPr lang="de-DE"/>
+        </a:p>
+      </dgm:t>
     </dgm:pt>
   </dgm:ptLst>
   <dgm:cxnLst>
@@ -3320,7 +3342,7 @@
     </p:spTree>
     <p:extLst>
       <p:ext uri="{BB962C8B-B14F-4D97-AF65-F5344CB8AC3E}">
-        <p14:creationId xmlns:p14="http://schemas.microsoft.com/office/powerpoint/2010/main" val="1788656123"/>
+        <p14:creationId xmlns:p14="http://schemas.microsoft.com/office/powerpoint/2010/main" val="2972790320"/>
       </p:ext>
     </p:extLst>
   </p:cSld>
@@ -3396,6 +3418,90 @@
             <a:fld id="{0B7A52FC-885B-48D0-94A7-F9F16D60E366}" type="slidenum">
               <a:rPr lang="de-DE" smtClean="0"/>
               <a:t>36</a:t>
+            </a:fld>
+            <a:endParaRPr lang="de-DE"/>
+          </a:p>
+        </p:txBody>
+      </p:sp>
+    </p:spTree>
+    <p:extLst>
+      <p:ext uri="{BB962C8B-B14F-4D97-AF65-F5344CB8AC3E}">
+        <p14:creationId xmlns:p14="http://schemas.microsoft.com/office/powerpoint/2010/main" val="1788656123"/>
+      </p:ext>
+    </p:extLst>
+  </p:cSld>
+  <p:clrMapOvr>
+    <a:masterClrMapping/>
+  </p:clrMapOvr>
+</p:notes>
+</file>
+
+<file path=ppt/notesSlides/notesSlide12.xml><?xml version="1.0" encoding="utf-8"?>
+<p:notes xmlns:a="http://schemas.openxmlformats.org/drawingml/2006/main" xmlns:r="http://schemas.openxmlformats.org/officeDocument/2006/relationships" xmlns:p="http://schemas.openxmlformats.org/presentationml/2006/main">
+  <p:cSld>
+    <p:spTree>
+      <p:nvGrpSpPr>
+        <p:cNvPr id="1" name=""/>
+        <p:cNvGrpSpPr/>
+        <p:nvPr/>
+      </p:nvGrpSpPr>
+      <p:grpSpPr>
+        <a:xfrm>
+          <a:off x="0" y="0"/>
+          <a:ext cx="0" cy="0"/>
+          <a:chOff x="0" y="0"/>
+          <a:chExt cx="0" cy="0"/>
+        </a:xfrm>
+      </p:grpSpPr>
+      <p:sp>
+        <p:nvSpPr>
+          <p:cNvPr id="2" name="Folienbildplatzhalter 1"/>
+          <p:cNvSpPr>
+            <a:spLocks noGrp="1" noRot="1" noChangeAspect="1"/>
+          </p:cNvSpPr>
+          <p:nvPr>
+            <p:ph type="sldImg"/>
+          </p:nvPr>
+        </p:nvSpPr>
+        <p:spPr/>
+      </p:sp>
+      <p:sp>
+        <p:nvSpPr>
+          <p:cNvPr id="3" name="Notizenplatzhalter 2"/>
+          <p:cNvSpPr>
+            <a:spLocks noGrp="1"/>
+          </p:cNvSpPr>
+          <p:nvPr>
+            <p:ph type="body" idx="1"/>
+          </p:nvPr>
+        </p:nvSpPr>
+        <p:spPr/>
+        <p:txBody>
+          <a:bodyPr/>
+          <a:lstStyle/>
+          <a:p>
+            <a:endParaRPr lang="de-DE" dirty="0"/>
+          </a:p>
+        </p:txBody>
+      </p:sp>
+      <p:sp>
+        <p:nvSpPr>
+          <p:cNvPr id="4" name="Foliennummernplatzhalter 3"/>
+          <p:cNvSpPr>
+            <a:spLocks noGrp="1"/>
+          </p:cNvSpPr>
+          <p:nvPr>
+            <p:ph type="sldNum" sz="quarter" idx="10"/>
+          </p:nvPr>
+        </p:nvSpPr>
+        <p:spPr/>
+        <p:txBody>
+          <a:bodyPr/>
+          <a:lstStyle/>
+          <a:p>
+            <a:fld id="{0B7A52FC-885B-48D0-94A7-F9F16D60E366}" type="slidenum">
+              <a:rPr lang="de-DE" smtClean="0"/>
+              <a:t>37</a:t>
             </a:fld>
             <a:endParaRPr lang="de-DE"/>
           </a:p>
@@ -3996,7 +4102,7 @@
     </p:spTree>
     <p:extLst>
       <p:ext uri="{BB962C8B-B14F-4D97-AF65-F5344CB8AC3E}">
-        <p14:creationId xmlns:p14="http://schemas.microsoft.com/office/powerpoint/2010/main" val="1760629340"/>
+        <p14:creationId xmlns:p14="http://schemas.microsoft.com/office/powerpoint/2010/main" val="1754346312"/>
       </p:ext>
     </p:extLst>
   </p:cSld>
@@ -4080,7 +4186,7 @@
     </p:spTree>
     <p:extLst>
       <p:ext uri="{BB962C8B-B14F-4D97-AF65-F5344CB8AC3E}">
-        <p14:creationId xmlns:p14="http://schemas.microsoft.com/office/powerpoint/2010/main" val="2972790320"/>
+        <p14:creationId xmlns:p14="http://schemas.microsoft.com/office/powerpoint/2010/main" val="1760629340"/>
       </p:ext>
     </p:extLst>
   </p:cSld>
@@ -17990,7 +18096,6 @@
               <a:rPr lang="de-DE" dirty="0" smtClean="0"/>
               <a:t>Optimierungsprozess</a:t>
             </a:r>
-            <a:endParaRPr lang="de-DE" dirty="0" smtClean="0"/>
           </a:p>
           <a:p>
             <a:pPr marL="0" indent="0">
@@ -18480,8 +18585,9 @@
             </a:pPr>
             <a:r>
               <a:rPr lang="de-DE" dirty="0" smtClean="0"/>
-              <a:t>0,7</a:t>
-            </a:r>
+              <a:t>0,9</a:t>
+            </a:r>
+            <a:endParaRPr lang="de-DE" dirty="0" smtClean="0"/>
           </a:p>
           <a:p>
             <a:pPr marL="285750" indent="-285750">
@@ -18533,7 +18639,7 @@
         </p:nvSpPr>
         <p:spPr>
           <a:xfrm>
-            <a:off x="1193180" y="4567733"/>
+            <a:off x="800656" y="4596879"/>
             <a:ext cx="9721248" cy="1539698"/>
           </a:xfrm>
           <a:prstGeom prst="bracketPair">
@@ -18571,8 +18677,8 @@
         </p:nvSpPr>
         <p:spPr>
           <a:xfrm>
-            <a:off x="10914427" y="4807351"/>
-            <a:ext cx="1269978" cy="923330"/>
+            <a:off x="10623665" y="4937479"/>
+            <a:ext cx="1533729" cy="646331"/>
           </a:xfrm>
           <a:prstGeom prst="rect">
             <a:avLst/>
@@ -18588,7 +18694,18 @@
             <a:pPr algn="ctr"/>
             <a:r>
               <a:rPr lang="de-DE" dirty="0" smtClean="0"/>
-              <a:t>Jeweils 20.000 Zyklen</a:t>
+              <a:t>Jeweils: </a:t>
+            </a:r>
+          </a:p>
+          <a:p>
+            <a:pPr algn="ctr"/>
+            <a:r>
+              <a:rPr lang="de-DE" dirty="0"/>
+              <a:t>1</a:t>
+            </a:r>
+            <a:r>
+              <a:rPr lang="de-DE" dirty="0" smtClean="0"/>
+              <a:t>0.000 Zyklen</a:t>
             </a:r>
             <a:endParaRPr lang="de-DE" dirty="0"/>
           </a:p>
@@ -19848,8 +19965,8 @@
           </a:p>
         </p:txBody>
       </p:sp>
-      <mc:AlternateContent xmlns:mc="http://schemas.openxmlformats.org/markup-compatibility/2006">
-        <mc:Choice xmlns:a14="http://schemas.microsoft.com/office/drawing/2010/main" Requires="a14">
+      <mc:AlternateContent xmlns:mc="http://schemas.openxmlformats.org/markup-compatibility/2006" xmlns:a14="http://schemas.microsoft.com/office/drawing/2010/main">
+        <mc:Choice Requires="a14">
           <p:sp>
             <p:nvSpPr>
               <p:cNvPr id="3" name="Inhaltsplatzhalter 2"/>
@@ -19978,7 +20095,7 @@
             </p:txBody>
           </p:sp>
         </mc:Choice>
-        <mc:Fallback>
+        <mc:Fallback xmlns="">
           <p:sp>
             <p:nvSpPr>
               <p:cNvPr id="3" name="Inhaltsplatzhalter 2"/>
@@ -20090,7 +20207,7 @@
           <p:nvPr>
             <p:extLst>
               <p:ext uri="{D42A27DB-BD31-4B8C-83A1-F6EECF244321}">
-                <p14:modId xmlns:p14="http://schemas.microsoft.com/office/powerpoint/2010/main" val="1982343080"/>
+                <p14:modId xmlns:p14="http://schemas.microsoft.com/office/powerpoint/2010/main" val="691178514"/>
               </p:ext>
             </p:extLst>
           </p:nvPr>
@@ -20274,6 +20391,24 @@
                     <a:lstStyle/>
                     <a:p>
                       <a:pPr algn="ctr"/>
+                      <a:r>
+                        <a:rPr lang="de-DE" dirty="0" smtClean="0"/>
+                        <a:t> 0.0011562</a:t>
+                      </a:r>
+                    </a:p>
+                  </a:txBody>
+                  <a:tcPr anchor="ctr"/>
+                </a:tc>
+                <a:tc>
+                  <a:txBody>
+                    <a:bodyPr/>
+                    <a:lstStyle/>
+                    <a:p>
+                      <a:pPr algn="ctr"/>
+                      <a:r>
+                        <a:rPr lang="de-DE" dirty="0" smtClean="0"/>
+                        <a:t>0.002569</a:t>
+                      </a:r>
                       <a:endParaRPr lang="de-DE" dirty="0"/>
                     </a:p>
                   </a:txBody>
@@ -20285,7 +20420,10 @@
                     <a:lstStyle/>
                     <a:p>
                       <a:pPr algn="ctr"/>
-                      <a:endParaRPr lang="de-DE" dirty="0"/>
+                      <a:r>
+                        <a:rPr lang="de-DE" dirty="0" smtClean="0"/>
+                        <a:t>9.149*10^-4</a:t>
+                      </a:r>
                     </a:p>
                   </a:txBody>
                   <a:tcPr anchor="ctr"/>
@@ -20296,17 +20434,10 @@
                     <a:lstStyle/>
                     <a:p>
                       <a:pPr algn="ctr"/>
-                      <a:endParaRPr lang="de-DE" dirty="0"/>
-                    </a:p>
-                  </a:txBody>
-                  <a:tcPr anchor="ctr"/>
-                </a:tc>
-                <a:tc>
-                  <a:txBody>
-                    <a:bodyPr/>
-                    <a:lstStyle/>
-                    <a:p>
-                      <a:pPr algn="ctr"/>
+                      <a:r>
+                        <a:rPr lang="de-DE" dirty="0" smtClean="0"/>
+                        <a:t>0.001168</a:t>
+                      </a:r>
                       <a:endParaRPr lang="de-DE" dirty="0"/>
                     </a:p>
                   </a:txBody>
@@ -20335,6 +20466,24 @@
                     <a:lstStyle/>
                     <a:p>
                       <a:pPr algn="ctr"/>
+                      <a:r>
+                        <a:rPr lang="de-DE" dirty="0" smtClean="0"/>
+                        <a:t>0.001062</a:t>
+                      </a:r>
+                    </a:p>
+                  </a:txBody>
+                  <a:tcPr anchor="ctr"/>
+                </a:tc>
+                <a:tc>
+                  <a:txBody>
+                    <a:bodyPr/>
+                    <a:lstStyle/>
+                    <a:p>
+                      <a:pPr algn="ctr"/>
+                      <a:r>
+                        <a:rPr lang="de-DE" dirty="0" smtClean="0"/>
+                        <a:t>0.002879</a:t>
+                      </a:r>
                       <a:endParaRPr lang="de-DE" dirty="0"/>
                     </a:p>
                   </a:txBody>
@@ -20346,7 +20495,10 @@
                     <a:lstStyle/>
                     <a:p>
                       <a:pPr algn="ctr"/>
-                      <a:endParaRPr lang="de-DE" dirty="0"/>
+                      <a:r>
+                        <a:rPr lang="de-DE" dirty="0" smtClean="0"/>
+                        <a:t>9.2984976</a:t>
+                      </a:r>
                     </a:p>
                   </a:txBody>
                   <a:tcPr anchor="ctr"/>
@@ -20357,17 +20509,10 @@
                     <a:lstStyle/>
                     <a:p>
                       <a:pPr algn="ctr"/>
-                      <a:endParaRPr lang="de-DE" dirty="0"/>
-                    </a:p>
-                  </a:txBody>
-                  <a:tcPr anchor="ctr"/>
-                </a:tc>
-                <a:tc>
-                  <a:txBody>
-                    <a:bodyPr/>
-                    <a:lstStyle/>
-                    <a:p>
-                      <a:pPr algn="ctr"/>
+                      <a:r>
+                        <a:rPr lang="de-DE" dirty="0" smtClean="0"/>
+                        <a:t> 0.001499</a:t>
+                      </a:r>
                       <a:endParaRPr lang="de-DE" dirty="0"/>
                     </a:p>
                   </a:txBody>
@@ -20396,6 +20541,10 @@
                     <a:lstStyle/>
                     <a:p>
                       <a:pPr algn="ctr"/>
+                      <a:r>
+                        <a:rPr lang="de-DE" dirty="0" smtClean="0"/>
+                        <a:t>0,001090</a:t>
+                      </a:r>
                       <a:endParaRPr lang="de-DE" dirty="0"/>
                     </a:p>
                   </a:txBody>
@@ -20407,6 +20556,10 @@
                     <a:lstStyle/>
                     <a:p>
                       <a:pPr algn="ctr"/>
+                      <a:r>
+                        <a:rPr lang="de-DE" dirty="0" smtClean="0"/>
+                        <a:t>0.001774</a:t>
+                      </a:r>
                       <a:endParaRPr lang="de-DE" dirty="0"/>
                     </a:p>
                   </a:txBody>
@@ -20418,6 +20571,10 @@
                     <a:lstStyle/>
                     <a:p>
                       <a:pPr algn="ctr"/>
+                      <a:r>
+                        <a:rPr lang="de-DE" dirty="0" smtClean="0"/>
+                        <a:t>9,407*10^-4</a:t>
+                      </a:r>
                       <a:endParaRPr lang="de-DE" dirty="0"/>
                     </a:p>
                   </a:txBody>
@@ -20429,6 +20586,10 @@
                     <a:lstStyle/>
                     <a:p>
                       <a:pPr algn="ctr"/>
+                      <a:r>
+                        <a:rPr lang="de-DE" dirty="0" smtClean="0"/>
+                        <a:t>0.001781</a:t>
+                      </a:r>
                       <a:endParaRPr lang="de-DE" dirty="0"/>
                     </a:p>
                   </a:txBody>
@@ -20457,6 +20618,10 @@
                     <a:lstStyle/>
                     <a:p>
                       <a:pPr algn="ctr"/>
+                      <a:r>
+                        <a:rPr lang="de-DE" dirty="0" smtClean="0"/>
+                        <a:t>0,001048</a:t>
+                      </a:r>
                       <a:endParaRPr lang="de-DE" dirty="0"/>
                     </a:p>
                   </a:txBody>
@@ -20468,6 +20633,10 @@
                     <a:lstStyle/>
                     <a:p>
                       <a:pPr algn="ctr"/>
+                      <a:r>
+                        <a:rPr lang="de-DE" dirty="0" smtClean="0"/>
+                        <a:t> 0.002134</a:t>
+                      </a:r>
                       <a:endParaRPr lang="de-DE" dirty="0"/>
                     </a:p>
                   </a:txBody>
@@ -20479,6 +20648,10 @@
                     <a:lstStyle/>
                     <a:p>
                       <a:pPr algn="ctr"/>
+                      <a:r>
+                        <a:rPr lang="de-DE" dirty="0" smtClean="0"/>
+                        <a:t>9,488*10^-4</a:t>
+                      </a:r>
                       <a:endParaRPr lang="de-DE" dirty="0"/>
                     </a:p>
                   </a:txBody>
@@ -20490,6 +20663,10 @@
                     <a:lstStyle/>
                     <a:p>
                       <a:pPr algn="ctr"/>
+                      <a:r>
+                        <a:rPr lang="de-DE" dirty="0" smtClean="0"/>
+                        <a:t>0.0024436</a:t>
+                      </a:r>
                       <a:endParaRPr lang="de-DE" dirty="0"/>
                     </a:p>
                   </a:txBody>
@@ -20518,6 +20695,10 @@
                     <a:lstStyle/>
                     <a:p>
                       <a:pPr algn="ctr"/>
+                      <a:r>
+                        <a:rPr lang="de-DE" dirty="0" smtClean="0"/>
+                        <a:t>0,001022</a:t>
+                      </a:r>
                       <a:endParaRPr lang="de-DE" dirty="0"/>
                     </a:p>
                   </a:txBody>
@@ -20529,6 +20710,10 @@
                     <a:lstStyle/>
                     <a:p>
                       <a:pPr algn="ctr"/>
+                      <a:r>
+                        <a:rPr lang="de-DE" dirty="0" smtClean="0"/>
+                        <a:t> 0.001745</a:t>
+                      </a:r>
                       <a:endParaRPr lang="de-DE" dirty="0"/>
                     </a:p>
                   </a:txBody>
@@ -20540,6 +20725,10 @@
                     <a:lstStyle/>
                     <a:p>
                       <a:pPr algn="ctr"/>
+                      <a:r>
+                        <a:rPr lang="de-DE" dirty="0" smtClean="0"/>
+                        <a:t>9,760*10^-4</a:t>
+                      </a:r>
                       <a:endParaRPr lang="de-DE" dirty="0"/>
                     </a:p>
                   </a:txBody>
@@ -20551,6 +20740,10 @@
                     <a:lstStyle/>
                     <a:p>
                       <a:pPr algn="ctr"/>
+                      <a:r>
+                        <a:rPr lang="de-DE" dirty="0" smtClean="0"/>
+                        <a:t>0.0033215</a:t>
+                      </a:r>
                       <a:endParaRPr lang="de-DE" dirty="0"/>
                     </a:p>
                   </a:txBody>
@@ -20579,6 +20772,10 @@
                     <a:lstStyle/>
                     <a:p>
                       <a:pPr algn="ctr"/>
+                      <a:r>
+                        <a:rPr lang="de-DE" dirty="0" smtClean="0"/>
+                        <a:t>0,001002</a:t>
+                      </a:r>
                       <a:endParaRPr lang="de-DE" dirty="0"/>
                     </a:p>
                   </a:txBody>
@@ -20590,6 +20787,10 @@
                     <a:lstStyle/>
                     <a:p>
                       <a:pPr algn="ctr"/>
+                      <a:r>
+                        <a:rPr lang="de-DE" dirty="0" smtClean="0"/>
+                        <a:t> 0.001587</a:t>
+                      </a:r>
                       <a:endParaRPr lang="de-DE" dirty="0"/>
                     </a:p>
                   </a:txBody>
@@ -20601,6 +20802,10 @@
                     <a:lstStyle/>
                     <a:p>
                       <a:pPr algn="ctr"/>
+                      <a:r>
+                        <a:rPr lang="de-DE" dirty="0" smtClean="0"/>
+                        <a:t>9,906*10^-4</a:t>
+                      </a:r>
                       <a:endParaRPr lang="de-DE" dirty="0"/>
                     </a:p>
                   </a:txBody>
@@ -20612,6 +20817,10 @@
                     <a:lstStyle/>
                     <a:p>
                       <a:pPr algn="ctr"/>
+                      <a:r>
+                        <a:rPr lang="de-DE" dirty="0" smtClean="0"/>
+                        <a:t> 0.004067</a:t>
+                      </a:r>
                       <a:endParaRPr lang="de-DE" dirty="0"/>
                     </a:p>
                   </a:txBody>
@@ -20751,8 +20960,46 @@
           <a:p>
             <a:r>
               <a:rPr lang="de-DE" dirty="0" smtClean="0"/>
-              <a:t>Optimierung der Transferfunktion</a:t>
-            </a:r>
+              <a:t>Optimierung der Topologie</a:t>
+            </a:r>
+          </a:p>
+          <a:p>
+            <a:endParaRPr lang="de-DE" dirty="0"/>
+          </a:p>
+          <a:p>
+            <a:endParaRPr lang="de-DE" dirty="0" smtClean="0"/>
+          </a:p>
+          <a:p>
+            <a:endParaRPr lang="de-DE" dirty="0"/>
+          </a:p>
+          <a:p>
+            <a:endParaRPr lang="de-DE" dirty="0" smtClean="0"/>
+          </a:p>
+          <a:p>
+            <a:endParaRPr lang="de-DE" dirty="0"/>
+          </a:p>
+          <a:p>
+            <a:endParaRPr lang="de-DE" dirty="0" smtClean="0"/>
+          </a:p>
+          <a:p>
+            <a:pPr lvl="1"/>
+            <a:endParaRPr lang="de-DE" dirty="0" smtClean="0"/>
+          </a:p>
+          <a:p>
+            <a:pPr lvl="1"/>
+            <a:r>
+              <a:rPr lang="de-DE" dirty="0" smtClean="0"/>
+              <a:t>Wahl: 4-7-1 </a:t>
+            </a:r>
+            <a:r>
+              <a:rPr lang="de-DE" dirty="0" smtClean="0"/>
+              <a:t>mit</a:t>
+            </a:r>
+            <a:r>
+              <a:rPr lang="de-DE" dirty="0" smtClean="0"/>
+              <a:t> BIAS</a:t>
+            </a:r>
+            <a:endParaRPr lang="de-DE" dirty="0" smtClean="0"/>
           </a:p>
           <a:p>
             <a:pPr marL="0" indent="0">
@@ -20765,12 +21012,6 @@
           </a:p>
           <a:p>
             <a:endParaRPr lang="de-DE" dirty="0"/>
-          </a:p>
-          <a:p>
-            <a:pPr marL="0" indent="0">
-              <a:buNone/>
-            </a:pPr>
-            <a:endParaRPr lang="de-DE" dirty="0" smtClean="0"/>
           </a:p>
           <a:p>
             <a:pPr marL="0" indent="0">
@@ -20877,6 +21118,925 @@
             <a:fld id="{0E226D3C-400E-4353-AAC2-09A0472DC536}" type="slidenum">
               <a:rPr lang="de-DE" smtClean="0"/>
               <a:t>33</a:t>
+            </a:fld>
+            <a:endParaRPr lang="de-DE" dirty="0"/>
+          </a:p>
+        </p:txBody>
+      </p:sp>
+      <p:graphicFrame>
+        <p:nvGraphicFramePr>
+          <p:cNvPr id="7" name="Tabelle 6"/>
+          <p:cNvGraphicFramePr>
+            <a:graphicFrameLocks noGrp="1"/>
+          </p:cNvGraphicFramePr>
+          <p:nvPr>
+            <p:extLst>
+              <p:ext uri="{D42A27DB-BD31-4B8C-83A1-F6EECF244321}">
+                <p14:modId xmlns:p14="http://schemas.microsoft.com/office/powerpoint/2010/main" val="2156721553"/>
+              </p:ext>
+            </p:extLst>
+          </p:nvPr>
+        </p:nvGraphicFramePr>
+        <p:xfrm>
+          <a:off x="1872511" y="2686689"/>
+          <a:ext cx="8547396" cy="2966720"/>
+        </p:xfrm>
+        <a:graphic>
+          <a:graphicData uri="http://schemas.openxmlformats.org/drawingml/2006/table">
+            <a:tbl>
+              <a:tblPr firstRow="1" bandRow="1">
+                <a:tableStyleId>{5940675A-B579-460E-94D1-54222C63F5DA}</a:tableStyleId>
+              </a:tblPr>
+              <a:tblGrid>
+                <a:gridCol w="2914274"/>
+                <a:gridCol w="1457137"/>
+                <a:gridCol w="1457137"/>
+                <a:gridCol w="1359424"/>
+                <a:gridCol w="1359424"/>
+              </a:tblGrid>
+              <a:tr h="370840">
+                <a:tc rowSpan="2">
+                  <a:txBody>
+                    <a:bodyPr/>
+                    <a:lstStyle/>
+                    <a:p>
+                      <a:pPr algn="ctr"/>
+                      <a:r>
+                        <a:rPr lang="de-DE" b="1" dirty="0" smtClean="0"/>
+                        <a:t>Topologie</a:t>
+                      </a:r>
+                      <a:endParaRPr lang="de-DE" b="1" dirty="0"/>
+                    </a:p>
+                  </a:txBody>
+                  <a:tcPr anchor="ctr"/>
+                </a:tc>
+                <a:tc gridSpan="2">
+                  <a:txBody>
+                    <a:bodyPr/>
+                    <a:lstStyle/>
+                    <a:p>
+                      <a:pPr algn="ctr"/>
+                      <a:r>
+                        <a:rPr lang="de-DE" b="1" dirty="0" smtClean="0"/>
+                        <a:t>MSE</a:t>
+                      </a:r>
+                      <a:endParaRPr lang="de-DE" b="1" dirty="0"/>
+                    </a:p>
+                  </a:txBody>
+                  <a:tcPr anchor="ctr"/>
+                </a:tc>
+                <a:tc hMerge="1">
+                  <a:txBody>
+                    <a:bodyPr/>
+                    <a:lstStyle/>
+                    <a:p>
+                      <a:endParaRPr lang="de-DE"/>
+                    </a:p>
+                  </a:txBody>
+                  <a:tcPr/>
+                </a:tc>
+                <a:tc gridSpan="2">
+                  <a:txBody>
+                    <a:bodyPr/>
+                    <a:lstStyle/>
+                    <a:p>
+                      <a:pPr algn="ctr"/>
+                      <a:r>
+                        <a:rPr lang="de-DE" b="1" dirty="0" smtClean="0"/>
+                        <a:t>MSE-BIAS</a:t>
+                      </a:r>
+                      <a:endParaRPr lang="de-DE" b="1" dirty="0"/>
+                    </a:p>
+                  </a:txBody>
+                  <a:tcPr anchor="ctr"/>
+                </a:tc>
+                <a:tc hMerge="1">
+                  <a:txBody>
+                    <a:bodyPr/>
+                    <a:lstStyle/>
+                    <a:p>
+                      <a:endParaRPr lang="de-DE"/>
+                    </a:p>
+                  </a:txBody>
+                  <a:tcPr/>
+                </a:tc>
+              </a:tr>
+              <a:tr h="370840">
+                <a:tc vMerge="1">
+                  <a:txBody>
+                    <a:bodyPr/>
+                    <a:lstStyle/>
+                    <a:p>
+                      <a:pPr algn="ctr"/>
+                      <a:endParaRPr lang="de-DE" b="1" dirty="0"/>
+                    </a:p>
+                  </a:txBody>
+                  <a:tcPr/>
+                </a:tc>
+                <a:tc>
+                  <a:txBody>
+                    <a:bodyPr/>
+                    <a:lstStyle/>
+                    <a:p>
+                      <a:pPr algn="ctr"/>
+                      <a:r>
+                        <a:rPr lang="de-DE" b="1" dirty="0" smtClean="0"/>
+                        <a:t>Training</a:t>
+                      </a:r>
+                      <a:endParaRPr lang="de-DE" b="1" dirty="0"/>
+                    </a:p>
+                  </a:txBody>
+                  <a:tcPr anchor="ctr"/>
+                </a:tc>
+                <a:tc>
+                  <a:txBody>
+                    <a:bodyPr/>
+                    <a:lstStyle/>
+                    <a:p>
+                      <a:pPr algn="ctr"/>
+                      <a:r>
+                        <a:rPr lang="de-DE" b="1" dirty="0" smtClean="0"/>
+                        <a:t>Test</a:t>
+                      </a:r>
+                      <a:endParaRPr lang="de-DE" b="1" dirty="0"/>
+                    </a:p>
+                  </a:txBody>
+                  <a:tcPr anchor="ctr"/>
+                </a:tc>
+                <a:tc>
+                  <a:txBody>
+                    <a:bodyPr/>
+                    <a:lstStyle/>
+                    <a:p>
+                      <a:pPr algn="ctr"/>
+                      <a:r>
+                        <a:rPr lang="de-DE" b="1" dirty="0" smtClean="0"/>
+                        <a:t>Training</a:t>
+                      </a:r>
+                      <a:endParaRPr lang="de-DE" b="1" dirty="0"/>
+                    </a:p>
+                  </a:txBody>
+                  <a:tcPr anchor="ctr"/>
+                </a:tc>
+                <a:tc>
+                  <a:txBody>
+                    <a:bodyPr/>
+                    <a:lstStyle/>
+                    <a:p>
+                      <a:pPr algn="ctr"/>
+                      <a:r>
+                        <a:rPr lang="de-DE" b="1" dirty="0" smtClean="0"/>
+                        <a:t>Test</a:t>
+                      </a:r>
+                      <a:endParaRPr lang="de-DE" b="1" dirty="0"/>
+                    </a:p>
+                  </a:txBody>
+                  <a:tcPr anchor="ctr"/>
+                </a:tc>
+              </a:tr>
+              <a:tr h="370840">
+                <a:tc>
+                  <a:txBody>
+                    <a:bodyPr/>
+                    <a:lstStyle/>
+                    <a:p>
+                      <a:pPr algn="ctr"/>
+                      <a:r>
+                        <a:rPr lang="de-DE" dirty="0" smtClean="0"/>
+                        <a:t>4-3-1 (B)</a:t>
+                      </a:r>
+                      <a:endParaRPr lang="de-DE" dirty="0"/>
+                    </a:p>
+                  </a:txBody>
+                  <a:tcPr anchor="ctr"/>
+                </a:tc>
+                <a:tc>
+                  <a:txBody>
+                    <a:bodyPr/>
+                    <a:lstStyle/>
+                    <a:p>
+                      <a:pPr algn="ctr"/>
+                      <a:r>
+                        <a:rPr lang="de-DE" dirty="0" smtClean="0"/>
+                        <a:t> 0.0011562</a:t>
+                      </a:r>
+                    </a:p>
+                  </a:txBody>
+                  <a:tcPr anchor="ctr"/>
+                </a:tc>
+                <a:tc>
+                  <a:txBody>
+                    <a:bodyPr/>
+                    <a:lstStyle/>
+                    <a:p>
+                      <a:pPr algn="ctr"/>
+                      <a:r>
+                        <a:rPr lang="de-DE" dirty="0" smtClean="0"/>
+                        <a:t>0.002569</a:t>
+                      </a:r>
+                      <a:endParaRPr lang="de-DE" dirty="0"/>
+                    </a:p>
+                  </a:txBody>
+                  <a:tcPr anchor="ctr"/>
+                </a:tc>
+                <a:tc>
+                  <a:txBody>
+                    <a:bodyPr/>
+                    <a:lstStyle/>
+                    <a:p>
+                      <a:pPr algn="ctr"/>
+                      <a:r>
+                        <a:rPr lang="de-DE" dirty="0" smtClean="0"/>
+                        <a:t>9.449*10^-4</a:t>
+                      </a:r>
+                    </a:p>
+                  </a:txBody>
+                  <a:tcPr anchor="ctr"/>
+                </a:tc>
+                <a:tc>
+                  <a:txBody>
+                    <a:bodyPr/>
+                    <a:lstStyle/>
+                    <a:p>
+                      <a:pPr algn="ctr"/>
+                      <a:r>
+                        <a:rPr lang="de-DE" dirty="0" smtClean="0"/>
+                        <a:t>0.001788</a:t>
+                      </a:r>
+                      <a:endParaRPr lang="de-DE" dirty="0"/>
+                    </a:p>
+                  </a:txBody>
+                  <a:tcPr anchor="ctr"/>
+                </a:tc>
+              </a:tr>
+              <a:tr h="370840">
+                <a:tc>
+                  <a:txBody>
+                    <a:bodyPr/>
+                    <a:lstStyle/>
+                    <a:p>
+                      <a:pPr algn="ctr"/>
+                      <a:r>
+                        <a:rPr lang="de-DE" dirty="0" smtClean="0"/>
+                        <a:t>4-5-1 (B)</a:t>
+                      </a:r>
+                      <a:endParaRPr lang="de-DE" dirty="0"/>
+                    </a:p>
+                  </a:txBody>
+                  <a:tcPr anchor="ctr"/>
+                </a:tc>
+                <a:tc>
+                  <a:txBody>
+                    <a:bodyPr/>
+                    <a:lstStyle/>
+                    <a:p>
+                      <a:pPr algn="ctr"/>
+                      <a:r>
+                        <a:rPr lang="de-DE" dirty="0" smtClean="0"/>
+                        <a:t>0.001062</a:t>
+                      </a:r>
+                    </a:p>
+                  </a:txBody>
+                  <a:tcPr anchor="ctr"/>
+                </a:tc>
+                <a:tc>
+                  <a:txBody>
+                    <a:bodyPr/>
+                    <a:lstStyle/>
+                    <a:p>
+                      <a:pPr algn="ctr"/>
+                      <a:r>
+                        <a:rPr lang="de-DE" dirty="0" smtClean="0"/>
+                        <a:t>0.002879</a:t>
+                      </a:r>
+                      <a:endParaRPr lang="de-DE" dirty="0"/>
+                    </a:p>
+                  </a:txBody>
+                  <a:tcPr anchor="ctr"/>
+                </a:tc>
+                <a:tc>
+                  <a:txBody>
+                    <a:bodyPr/>
+                    <a:lstStyle/>
+                    <a:p>
+                      <a:pPr algn="ctr"/>
+                      <a:r>
+                        <a:rPr lang="de-DE" dirty="0" smtClean="0"/>
+                        <a:t>9.598*10^-4</a:t>
+                      </a:r>
+                    </a:p>
+                  </a:txBody>
+                  <a:tcPr anchor="ctr"/>
+                </a:tc>
+                <a:tc>
+                  <a:txBody>
+                    <a:bodyPr/>
+                    <a:lstStyle/>
+                    <a:p>
+                      <a:pPr algn="ctr"/>
+                      <a:r>
+                        <a:rPr lang="de-DE" dirty="0" smtClean="0"/>
+                        <a:t> 0.001799</a:t>
+                      </a:r>
+                      <a:endParaRPr lang="de-DE" dirty="0"/>
+                    </a:p>
+                  </a:txBody>
+                  <a:tcPr anchor="ctr"/>
+                </a:tc>
+              </a:tr>
+              <a:tr h="370840">
+                <a:tc>
+                  <a:txBody>
+                    <a:bodyPr/>
+                    <a:lstStyle/>
+                    <a:p>
+                      <a:pPr algn="ctr"/>
+                      <a:r>
+                        <a:rPr lang="de-DE" dirty="0" smtClean="0"/>
+                        <a:t>4-7-1 (B)</a:t>
+                      </a:r>
+                      <a:endParaRPr lang="de-DE" dirty="0"/>
+                    </a:p>
+                  </a:txBody>
+                  <a:tcPr anchor="ctr">
+                    <a:solidFill>
+                      <a:schemeClr val="bg1">
+                        <a:lumMod val="75000"/>
+                      </a:schemeClr>
+                    </a:solidFill>
+                  </a:tcPr>
+                </a:tc>
+                <a:tc>
+                  <a:txBody>
+                    <a:bodyPr/>
+                    <a:lstStyle/>
+                    <a:p>
+                      <a:pPr algn="ctr"/>
+                      <a:r>
+                        <a:rPr lang="de-DE" dirty="0" smtClean="0"/>
+                        <a:t>0,001090</a:t>
+                      </a:r>
+                      <a:endParaRPr lang="de-DE" dirty="0"/>
+                    </a:p>
+                  </a:txBody>
+                  <a:tcPr anchor="ctr">
+                    <a:solidFill>
+                      <a:schemeClr val="bg1">
+                        <a:lumMod val="75000"/>
+                      </a:schemeClr>
+                    </a:solidFill>
+                  </a:tcPr>
+                </a:tc>
+                <a:tc>
+                  <a:txBody>
+                    <a:bodyPr/>
+                    <a:lstStyle/>
+                    <a:p>
+                      <a:pPr algn="ctr"/>
+                      <a:r>
+                        <a:rPr lang="de-DE" dirty="0" smtClean="0"/>
+                        <a:t>0.001784</a:t>
+                      </a:r>
+                      <a:endParaRPr lang="de-DE" dirty="0"/>
+                    </a:p>
+                  </a:txBody>
+                  <a:tcPr anchor="ctr">
+                    <a:solidFill>
+                      <a:schemeClr val="bg1">
+                        <a:lumMod val="75000"/>
+                      </a:schemeClr>
+                    </a:solidFill>
+                  </a:tcPr>
+                </a:tc>
+                <a:tc>
+                  <a:txBody>
+                    <a:bodyPr/>
+                    <a:lstStyle/>
+                    <a:p>
+                      <a:pPr algn="ctr"/>
+                      <a:r>
+                        <a:rPr lang="de-DE" dirty="0" smtClean="0"/>
+                        <a:t>9,407*10^-4</a:t>
+                      </a:r>
+                      <a:endParaRPr lang="de-DE" dirty="0"/>
+                    </a:p>
+                  </a:txBody>
+                  <a:tcPr anchor="ctr">
+                    <a:solidFill>
+                      <a:srgbClr val="FFFF00"/>
+                    </a:solidFill>
+                  </a:tcPr>
+                </a:tc>
+                <a:tc>
+                  <a:txBody>
+                    <a:bodyPr/>
+                    <a:lstStyle/>
+                    <a:p>
+                      <a:pPr algn="ctr"/>
+                      <a:r>
+                        <a:rPr lang="de-DE" dirty="0" smtClean="0"/>
+                        <a:t>0.001781</a:t>
+                      </a:r>
+                      <a:endParaRPr lang="de-DE" dirty="0"/>
+                    </a:p>
+                  </a:txBody>
+                  <a:tcPr anchor="ctr">
+                    <a:solidFill>
+                      <a:srgbClr val="FFFF00"/>
+                    </a:solidFill>
+                  </a:tcPr>
+                </a:tc>
+              </a:tr>
+              <a:tr h="370840">
+                <a:tc>
+                  <a:txBody>
+                    <a:bodyPr/>
+                    <a:lstStyle/>
+                    <a:p>
+                      <a:pPr algn="ctr"/>
+                      <a:r>
+                        <a:rPr lang="de-DE" dirty="0" smtClean="0"/>
+                        <a:t>4-9-1 (B)</a:t>
+                      </a:r>
+                      <a:endParaRPr lang="de-DE" dirty="0"/>
+                    </a:p>
+                  </a:txBody>
+                  <a:tcPr anchor="ctr"/>
+                </a:tc>
+                <a:tc>
+                  <a:txBody>
+                    <a:bodyPr/>
+                    <a:lstStyle/>
+                    <a:p>
+                      <a:pPr algn="ctr"/>
+                      <a:r>
+                        <a:rPr lang="de-DE" dirty="0" smtClean="0"/>
+                        <a:t>0,001048</a:t>
+                      </a:r>
+                      <a:endParaRPr lang="de-DE" dirty="0"/>
+                    </a:p>
+                  </a:txBody>
+                  <a:tcPr anchor="ctr"/>
+                </a:tc>
+                <a:tc>
+                  <a:txBody>
+                    <a:bodyPr/>
+                    <a:lstStyle/>
+                    <a:p>
+                      <a:pPr algn="ctr"/>
+                      <a:r>
+                        <a:rPr lang="de-DE" dirty="0" smtClean="0"/>
+                        <a:t> 0.002134</a:t>
+                      </a:r>
+                      <a:endParaRPr lang="de-DE" dirty="0"/>
+                    </a:p>
+                  </a:txBody>
+                  <a:tcPr anchor="ctr"/>
+                </a:tc>
+                <a:tc>
+                  <a:txBody>
+                    <a:bodyPr/>
+                    <a:lstStyle/>
+                    <a:p>
+                      <a:pPr algn="ctr"/>
+                      <a:r>
+                        <a:rPr lang="de-DE" dirty="0" smtClean="0"/>
+                        <a:t>9,488*10^-4</a:t>
+                      </a:r>
+                      <a:endParaRPr lang="de-DE" dirty="0"/>
+                    </a:p>
+                  </a:txBody>
+                  <a:tcPr anchor="ctr"/>
+                </a:tc>
+                <a:tc>
+                  <a:txBody>
+                    <a:bodyPr/>
+                    <a:lstStyle/>
+                    <a:p>
+                      <a:pPr algn="ctr"/>
+                      <a:r>
+                        <a:rPr lang="de-DE" dirty="0" smtClean="0"/>
+                        <a:t>0.0024436</a:t>
+                      </a:r>
+                      <a:endParaRPr lang="de-DE" dirty="0"/>
+                    </a:p>
+                  </a:txBody>
+                  <a:tcPr anchor="ctr"/>
+                </a:tc>
+              </a:tr>
+              <a:tr h="370840">
+                <a:tc>
+                  <a:txBody>
+                    <a:bodyPr/>
+                    <a:lstStyle/>
+                    <a:p>
+                      <a:pPr algn="ctr"/>
+                      <a:r>
+                        <a:rPr lang="de-DE" dirty="0" smtClean="0"/>
+                        <a:t>4-11-1 (B)</a:t>
+                      </a:r>
+                      <a:endParaRPr lang="de-DE" dirty="0"/>
+                    </a:p>
+                  </a:txBody>
+                  <a:tcPr anchor="ctr"/>
+                </a:tc>
+                <a:tc>
+                  <a:txBody>
+                    <a:bodyPr/>
+                    <a:lstStyle/>
+                    <a:p>
+                      <a:pPr algn="ctr"/>
+                      <a:r>
+                        <a:rPr lang="de-DE" dirty="0" smtClean="0"/>
+                        <a:t>0,001022</a:t>
+                      </a:r>
+                      <a:endParaRPr lang="de-DE" dirty="0"/>
+                    </a:p>
+                  </a:txBody>
+                  <a:tcPr anchor="ctr"/>
+                </a:tc>
+                <a:tc>
+                  <a:txBody>
+                    <a:bodyPr/>
+                    <a:lstStyle/>
+                    <a:p>
+                      <a:pPr algn="ctr"/>
+                      <a:r>
+                        <a:rPr lang="de-DE" dirty="0" smtClean="0"/>
+                        <a:t> 0.001785</a:t>
+                      </a:r>
+                      <a:endParaRPr lang="de-DE" dirty="0"/>
+                    </a:p>
+                  </a:txBody>
+                  <a:tcPr anchor="ctr"/>
+                </a:tc>
+                <a:tc>
+                  <a:txBody>
+                    <a:bodyPr/>
+                    <a:lstStyle/>
+                    <a:p>
+                      <a:pPr algn="ctr"/>
+                      <a:r>
+                        <a:rPr lang="de-DE" dirty="0" smtClean="0"/>
+                        <a:t>9,760*10^-4</a:t>
+                      </a:r>
+                      <a:endParaRPr lang="de-DE" dirty="0"/>
+                    </a:p>
+                  </a:txBody>
+                  <a:tcPr anchor="ctr"/>
+                </a:tc>
+                <a:tc>
+                  <a:txBody>
+                    <a:bodyPr/>
+                    <a:lstStyle/>
+                    <a:p>
+                      <a:pPr algn="ctr"/>
+                      <a:r>
+                        <a:rPr lang="de-DE" dirty="0" smtClean="0"/>
+                        <a:t>0.0033215</a:t>
+                      </a:r>
+                      <a:endParaRPr lang="de-DE" dirty="0"/>
+                    </a:p>
+                  </a:txBody>
+                  <a:tcPr anchor="ctr"/>
+                </a:tc>
+              </a:tr>
+              <a:tr h="370840">
+                <a:tc>
+                  <a:txBody>
+                    <a:bodyPr/>
+                    <a:lstStyle/>
+                    <a:p>
+                      <a:pPr algn="ctr"/>
+                      <a:r>
+                        <a:rPr lang="de-DE" dirty="0" smtClean="0"/>
+                        <a:t>4-13-1 (B)</a:t>
+                      </a:r>
+                      <a:endParaRPr lang="de-DE" dirty="0"/>
+                    </a:p>
+                  </a:txBody>
+                  <a:tcPr anchor="ctr"/>
+                </a:tc>
+                <a:tc>
+                  <a:txBody>
+                    <a:bodyPr/>
+                    <a:lstStyle/>
+                    <a:p>
+                      <a:pPr algn="ctr"/>
+                      <a:r>
+                        <a:rPr lang="de-DE" dirty="0" smtClean="0"/>
+                        <a:t>0,001002</a:t>
+                      </a:r>
+                      <a:endParaRPr lang="de-DE" dirty="0"/>
+                    </a:p>
+                  </a:txBody>
+                  <a:tcPr anchor="ctr"/>
+                </a:tc>
+                <a:tc>
+                  <a:txBody>
+                    <a:bodyPr/>
+                    <a:lstStyle/>
+                    <a:p>
+                      <a:pPr algn="ctr"/>
+                      <a:r>
+                        <a:rPr lang="de-DE" dirty="0" smtClean="0"/>
+                        <a:t> 0.001787</a:t>
+                      </a:r>
+                      <a:endParaRPr lang="de-DE" dirty="0"/>
+                    </a:p>
+                  </a:txBody>
+                  <a:tcPr anchor="ctr"/>
+                </a:tc>
+                <a:tc>
+                  <a:txBody>
+                    <a:bodyPr/>
+                    <a:lstStyle/>
+                    <a:p>
+                      <a:pPr algn="ctr"/>
+                      <a:r>
+                        <a:rPr lang="de-DE" dirty="0" smtClean="0"/>
+                        <a:t>9,906*10^-4</a:t>
+                      </a:r>
+                      <a:endParaRPr lang="de-DE" dirty="0"/>
+                    </a:p>
+                  </a:txBody>
+                  <a:tcPr anchor="ctr"/>
+                </a:tc>
+                <a:tc>
+                  <a:txBody>
+                    <a:bodyPr/>
+                    <a:lstStyle/>
+                    <a:p>
+                      <a:pPr algn="ctr"/>
+                      <a:r>
+                        <a:rPr lang="de-DE" dirty="0" smtClean="0"/>
+                        <a:t> 0.004067</a:t>
+                      </a:r>
+                      <a:endParaRPr lang="de-DE" dirty="0"/>
+                    </a:p>
+                  </a:txBody>
+                  <a:tcPr anchor="ctr"/>
+                </a:tc>
+              </a:tr>
+            </a:tbl>
+          </a:graphicData>
+        </a:graphic>
+      </p:graphicFrame>
+      <p:sp>
+        <p:nvSpPr>
+          <p:cNvPr id="8" name="Rechteck 7"/>
+          <p:cNvSpPr/>
+          <p:nvPr/>
+        </p:nvSpPr>
+        <p:spPr>
+          <a:xfrm>
+            <a:off x="1872000" y="2656800"/>
+            <a:ext cx="8532000" cy="772200"/>
+          </a:xfrm>
+          <a:prstGeom prst="rect">
+            <a:avLst/>
+          </a:prstGeom>
+          <a:noFill/>
+          <a:ln w="28575">
+            <a:solidFill>
+              <a:schemeClr val="tx1"/>
+            </a:solidFill>
+          </a:ln>
+        </p:spPr>
+        <p:style>
+          <a:lnRef idx="2">
+            <a:schemeClr val="accent1">
+              <a:shade val="50000"/>
+            </a:schemeClr>
+          </a:lnRef>
+          <a:fillRef idx="1">
+            <a:schemeClr val="accent1"/>
+          </a:fillRef>
+          <a:effectRef idx="0">
+            <a:schemeClr val="accent1"/>
+          </a:effectRef>
+          <a:fontRef idx="minor">
+            <a:schemeClr val="lt1"/>
+          </a:fontRef>
+        </p:style>
+        <p:txBody>
+          <a:bodyPr rtlCol="0" anchor="ctr"/>
+          <a:lstStyle/>
+          <a:p>
+            <a:pPr algn="ctr"/>
+            <a:endParaRPr lang="de-DE"/>
+          </a:p>
+        </p:txBody>
+      </p:sp>
+    </p:spTree>
+    <p:extLst>
+      <p:ext uri="{BB962C8B-B14F-4D97-AF65-F5344CB8AC3E}">
+        <p14:creationId xmlns:p14="http://schemas.microsoft.com/office/powerpoint/2010/main" val="1892774519"/>
+      </p:ext>
+    </p:extLst>
+  </p:cSld>
+  <p:clrMapOvr>
+    <a:masterClrMapping/>
+  </p:clrMapOvr>
+  <p:timing>
+    <p:tnLst>
+      <p:par>
+        <p:cTn id="1" dur="indefinite" restart="never" nodeType="tmRoot"/>
+      </p:par>
+    </p:tnLst>
+  </p:timing>
+</p:sld>
+</file>
+
+<file path=ppt/slides/slide35.xml><?xml version="1.0" encoding="utf-8"?>
+<p:sld xmlns:a="http://schemas.openxmlformats.org/drawingml/2006/main" xmlns:r="http://schemas.openxmlformats.org/officeDocument/2006/relationships" xmlns:p="http://schemas.openxmlformats.org/presentationml/2006/main">
+  <p:cSld>
+    <p:spTree>
+      <p:nvGrpSpPr>
+        <p:cNvPr id="1" name=""/>
+        <p:cNvGrpSpPr/>
+        <p:nvPr/>
+      </p:nvGrpSpPr>
+      <p:grpSpPr>
+        <a:xfrm>
+          <a:off x="0" y="0"/>
+          <a:ext cx="0" cy="0"/>
+          <a:chOff x="0" y="0"/>
+          <a:chExt cx="0" cy="0"/>
+        </a:xfrm>
+      </p:grpSpPr>
+      <p:sp>
+        <p:nvSpPr>
+          <p:cNvPr id="2" name="Titel 1"/>
+          <p:cNvSpPr>
+            <a:spLocks noGrp="1"/>
+          </p:cNvSpPr>
+          <p:nvPr>
+            <p:ph type="title"/>
+          </p:nvPr>
+        </p:nvSpPr>
+        <p:spPr/>
+        <p:txBody>
+          <a:bodyPr/>
+          <a:lstStyle/>
+          <a:p>
+            <a:pPr marL="857250" indent="-857250">
+              <a:buFont typeface="+mj-lt"/>
+              <a:buAutoNum type="romanUcPeriod" startAt="5"/>
+            </a:pPr>
+            <a:r>
+              <a:rPr lang="de-DE" b="1" dirty="0" smtClean="0"/>
+              <a:t>Umsetzung des künstlichen neuronalen Netzes</a:t>
+            </a:r>
+            <a:endParaRPr lang="de-DE" dirty="0"/>
+          </a:p>
+        </p:txBody>
+      </p:sp>
+      <p:sp>
+        <p:nvSpPr>
+          <p:cNvPr id="3" name="Inhaltsplatzhalter 2"/>
+          <p:cNvSpPr>
+            <a:spLocks noGrp="1"/>
+          </p:cNvSpPr>
+          <p:nvPr>
+            <p:ph idx="1"/>
+          </p:nvPr>
+        </p:nvSpPr>
+        <p:spPr/>
+        <p:txBody>
+          <a:bodyPr>
+            <a:normAutofit/>
+          </a:bodyPr>
+          <a:lstStyle/>
+          <a:p>
+            <a:r>
+              <a:rPr lang="de-DE" dirty="0" smtClean="0"/>
+              <a:t>Optimierung der Transferfunktion</a:t>
+            </a:r>
+          </a:p>
+          <a:p>
+            <a:pPr marL="0" indent="0">
+              <a:buNone/>
+            </a:pPr>
+            <a:endParaRPr lang="de-DE" dirty="0"/>
+          </a:p>
+          <a:p>
+            <a:endParaRPr lang="de-DE" dirty="0" smtClean="0"/>
+          </a:p>
+          <a:p>
+            <a:endParaRPr lang="de-DE" dirty="0"/>
+          </a:p>
+          <a:p>
+            <a:pPr marL="0" indent="0">
+              <a:buNone/>
+            </a:pPr>
+            <a:endParaRPr lang="de-DE" dirty="0" smtClean="0"/>
+          </a:p>
+          <a:p>
+            <a:pPr marL="0" indent="0">
+              <a:buNone/>
+            </a:pPr>
+            <a:endParaRPr lang="de-DE" dirty="0" smtClean="0"/>
+          </a:p>
+          <a:p>
+            <a:pPr marL="0" indent="0">
+              <a:buNone/>
+            </a:pPr>
+            <a:endParaRPr lang="de-DE" dirty="0" smtClean="0"/>
+          </a:p>
+          <a:p>
+            <a:pPr marL="0" indent="0">
+              <a:buNone/>
+            </a:pPr>
+            <a:endParaRPr lang="de-DE" dirty="0" smtClean="0"/>
+          </a:p>
+          <a:p>
+            <a:endParaRPr lang="de-DE" dirty="0"/>
+          </a:p>
+          <a:p>
+            <a:endParaRPr lang="de-DE" dirty="0" smtClean="0"/>
+          </a:p>
+          <a:p>
+            <a:endParaRPr lang="de-DE" dirty="0"/>
+          </a:p>
+          <a:p>
+            <a:pPr marL="0" indent="0">
+              <a:buNone/>
+            </a:pPr>
+            <a:endParaRPr lang="de-DE" dirty="0"/>
+          </a:p>
+          <a:p>
+            <a:pPr marL="0" indent="0">
+              <a:buNone/>
+            </a:pPr>
+            <a:endParaRPr lang="de-DE" dirty="0" smtClean="0"/>
+          </a:p>
+        </p:txBody>
+      </p:sp>
+      <p:sp>
+        <p:nvSpPr>
+          <p:cNvPr id="4" name="Datumsplatzhalter 3"/>
+          <p:cNvSpPr>
+            <a:spLocks noGrp="1"/>
+          </p:cNvSpPr>
+          <p:nvPr>
+            <p:ph type="dt" sz="half" idx="10"/>
+          </p:nvPr>
+        </p:nvSpPr>
+        <p:spPr/>
+        <p:txBody>
+          <a:bodyPr/>
+          <a:lstStyle/>
+          <a:p>
+            <a:fld id="{7AC709DD-AC18-4FBA-B4E6-46DED743653E}" type="datetime1">
+              <a:rPr lang="de-DE" smtClean="0"/>
+              <a:t>06.12.2015</a:t>
+            </a:fld>
+            <a:endParaRPr lang="de-DE"/>
+          </a:p>
+        </p:txBody>
+      </p:sp>
+      <p:sp>
+        <p:nvSpPr>
+          <p:cNvPr id="5" name="Fußzeilenplatzhalter 4"/>
+          <p:cNvSpPr>
+            <a:spLocks noGrp="1"/>
+          </p:cNvSpPr>
+          <p:nvPr>
+            <p:ph type="ftr" sz="quarter" idx="11"/>
+          </p:nvPr>
+        </p:nvSpPr>
+        <p:spPr/>
+        <p:txBody>
+          <a:bodyPr/>
+          <a:lstStyle/>
+          <a:p>
+            <a:r>
+              <a:rPr lang="de-DE" smtClean="0"/>
+              <a:t>Fakultät Informatik             Sebastian Schötteler &amp; Benedikt Hofrichter</a:t>
+            </a:r>
+            <a:endParaRPr lang="de-DE" dirty="0"/>
+          </a:p>
+        </p:txBody>
+      </p:sp>
+      <p:sp>
+        <p:nvSpPr>
+          <p:cNvPr id="6" name="Foliennummernplatzhalter 5"/>
+          <p:cNvSpPr>
+            <a:spLocks noGrp="1"/>
+          </p:cNvSpPr>
+          <p:nvPr>
+            <p:ph type="sldNum" sz="quarter" idx="12"/>
+          </p:nvPr>
+        </p:nvSpPr>
+        <p:spPr/>
+        <p:txBody>
+          <a:bodyPr/>
+          <a:lstStyle/>
+          <a:p>
+            <a:fld id="{0E226D3C-400E-4353-AAC2-09A0472DC536}" type="slidenum">
+              <a:rPr lang="de-DE" smtClean="0"/>
+              <a:t>34</a:t>
             </a:fld>
             <a:endParaRPr lang="de-DE" dirty="0"/>
           </a:p>
@@ -20891,7 +22051,7 @@
           <p:nvPr>
             <p:extLst>
               <p:ext uri="{D42A27DB-BD31-4B8C-83A1-F6EECF244321}">
-                <p14:modId xmlns:p14="http://schemas.microsoft.com/office/powerpoint/2010/main" val="184080365"/>
+                <p14:modId xmlns:p14="http://schemas.microsoft.com/office/powerpoint/2010/main" val="1013514672"/>
               </p:ext>
             </p:extLst>
           </p:nvPr>
@@ -21010,7 +22170,11 @@
                       <a:endParaRPr lang="de-DE" b="0" dirty="0"/>
                     </a:p>
                   </a:txBody>
-                  <a:tcPr anchor="ctr"/>
+                  <a:tcPr anchor="ctr">
+                    <a:solidFill>
+                      <a:srgbClr val="FFFF00"/>
+                    </a:solidFill>
+                  </a:tcPr>
                 </a:tc>
                 <a:tc>
                   <a:txBody>
@@ -21018,10 +22182,18 @@
                     <a:lstStyle/>
                     <a:p>
                       <a:pPr algn="ctr"/>
+                      <a:r>
+                        <a:rPr lang="de-DE" dirty="0" smtClean="0"/>
+                        <a:t>9.406*10^-4</a:t>
+                      </a:r>
                       <a:endParaRPr lang="de-DE" dirty="0"/>
                     </a:p>
                   </a:txBody>
-                  <a:tcPr anchor="ctr"/>
+                  <a:tcPr anchor="ctr">
+                    <a:solidFill>
+                      <a:srgbClr val="FFFF00"/>
+                    </a:solidFill>
+                  </a:tcPr>
                 </a:tc>
                 <a:tc>
                   <a:txBody>
@@ -21029,10 +22201,18 @@
                     <a:lstStyle/>
                     <a:p>
                       <a:pPr algn="ctr"/>
+                      <a:r>
+                        <a:rPr lang="de-DE" dirty="0" smtClean="0"/>
+                        <a:t>0.001767</a:t>
+                      </a:r>
                       <a:endParaRPr lang="de-DE" dirty="0"/>
                     </a:p>
                   </a:txBody>
-                  <a:tcPr anchor="ctr"/>
+                  <a:tcPr anchor="ctr">
+                    <a:solidFill>
+                      <a:srgbClr val="FFFF00"/>
+                    </a:solidFill>
+                  </a:tcPr>
                 </a:tc>
               </a:tr>
               <a:tr h="370840">
@@ -21057,7 +22237,10 @@
                     <a:lstStyle/>
                     <a:p>
                       <a:pPr algn="ctr"/>
-                      <a:endParaRPr lang="de-DE" dirty="0"/>
+                      <a:r>
+                        <a:rPr lang="de-DE" dirty="0" smtClean="0"/>
+                        <a:t>0.0103338</a:t>
+                      </a:r>
                     </a:p>
                   </a:txBody>
                   <a:tcPr anchor="ctr"/>
@@ -21068,6 +22251,10 @@
                     <a:lstStyle/>
                     <a:p>
                       <a:pPr algn="ctr"/>
+                      <a:r>
+                        <a:rPr lang="de-DE" dirty="0" smtClean="0"/>
+                        <a:t>0.0443302</a:t>
+                      </a:r>
                       <a:endParaRPr lang="de-DE" dirty="0"/>
                     </a:p>
                   </a:txBody>
@@ -21144,7 +22331,7 @@
 </p:sld>
 </file>
 
-<file path=ppt/slides/slide35.xml><?xml version="1.0" encoding="utf-8"?>
+<file path=ppt/slides/slide36.xml><?xml version="1.0" encoding="utf-8"?>
 <p:sld xmlns:a="http://schemas.openxmlformats.org/drawingml/2006/main" xmlns:r="http://schemas.openxmlformats.org/officeDocument/2006/relationships" xmlns:p="http://schemas.openxmlformats.org/presentationml/2006/main">
   <p:cSld>
     <p:spTree>
@@ -21198,7 +22385,12 @@
             <p:ph idx="1"/>
           </p:nvPr>
         </p:nvSpPr>
-        <p:spPr/>
+        <p:spPr>
+          <a:xfrm>
+            <a:off x="838200" y="1814993"/>
+            <a:ext cx="10515600" cy="4351338"/>
+          </a:xfrm>
+        </p:spPr>
         <p:txBody>
           <a:bodyPr>
             <a:normAutofit/>
@@ -21207,11 +22399,7 @@
           <a:p>
             <a:r>
               <a:rPr lang="de-DE" dirty="0" smtClean="0"/>
-              <a:t>Optimierung der </a:t>
-            </a:r>
-            <a:r>
-              <a:rPr lang="de-DE" dirty="0" smtClean="0"/>
-              <a:t>Lernregel</a:t>
+              <a:t>Optimierung der Lernregel</a:t>
             </a:r>
             <a:endParaRPr lang="de-DE" dirty="0"/>
           </a:p>
@@ -21334,7 +22522,7 @@
           <a:p>
             <a:fld id="{0E226D3C-400E-4353-AAC2-09A0472DC536}" type="slidenum">
               <a:rPr lang="de-DE" smtClean="0"/>
-              <a:t>34</a:t>
+              <a:t>35</a:t>
             </a:fld>
             <a:endParaRPr lang="de-DE" dirty="0"/>
           </a:p>
@@ -21349,14 +22537,14 @@
           <p:nvPr>
             <p:extLst>
               <p:ext uri="{D42A27DB-BD31-4B8C-83A1-F6EECF244321}">
-                <p14:modId xmlns:p14="http://schemas.microsoft.com/office/powerpoint/2010/main" val="1916047076"/>
+                <p14:modId xmlns:p14="http://schemas.microsoft.com/office/powerpoint/2010/main" val="1497570913"/>
               </p:ext>
             </p:extLst>
           </p:nvPr>
         </p:nvGraphicFramePr>
         <p:xfrm>
           <a:off x="1872511" y="2686689"/>
-          <a:ext cx="8547397" cy="2225040"/>
+          <a:ext cx="8547397" cy="1854200"/>
         </p:xfrm>
         <a:graphic>
           <a:graphicData uri="http://schemas.openxmlformats.org/drawingml/2006/table">
@@ -21476,7 +22664,10 @@
                     <a:lstStyle/>
                     <a:p>
                       <a:pPr algn="ctr"/>
-                      <a:endParaRPr lang="de-DE" b="0" dirty="0"/>
+                      <a:r>
+                        <a:rPr lang="de-DE" b="0" dirty="0" smtClean="0"/>
+                        <a:t> 9.3255267266593</a:t>
+                      </a:r>
                     </a:p>
                   </a:txBody>
                   <a:tcPr anchor="ctr"/>
@@ -21487,6 +22678,10 @@
                     <a:lstStyle/>
                     <a:p>
                       <a:pPr algn="ctr"/>
+                      <a:r>
+                        <a:rPr lang="de-DE" b="0" dirty="0" smtClean="0"/>
+                        <a:t>0.001636</a:t>
+                      </a:r>
                       <a:endParaRPr lang="de-DE" b="0" dirty="0"/>
                     </a:p>
                   </a:txBody>
@@ -21515,7 +22710,10 @@
                     <a:lstStyle/>
                     <a:p>
                       <a:pPr algn="ctr"/>
-                      <a:endParaRPr lang="de-DE" b="0" dirty="0"/>
+                      <a:r>
+                        <a:rPr lang="de-DE" b="0" dirty="0" smtClean="0"/>
+                        <a:t> 9.1092309</a:t>
+                      </a:r>
                     </a:p>
                   </a:txBody>
                   <a:tcPr anchor="ctr"/>
@@ -21526,49 +22724,10 @@
                     <a:lstStyle/>
                     <a:p>
                       <a:pPr algn="ctr"/>
-                      <a:endParaRPr lang="de-DE" b="0" dirty="0"/>
-                    </a:p>
-                  </a:txBody>
-                  <a:tcPr anchor="ctr"/>
-                </a:tc>
-              </a:tr>
-              <a:tr h="370840">
-                <a:tc>
-                  <a:txBody>
-                    <a:bodyPr/>
-                    <a:lstStyle/>
-                    <a:p>
-                      <a:pPr algn="ctr"/>
-                      <a:r>
-                        <a:rPr lang="de-DE" b="0" dirty="0" err="1" smtClean="0"/>
-                        <a:t>Resilient</a:t>
-                      </a:r>
                       <a:r>
                         <a:rPr lang="de-DE" b="0" dirty="0" smtClean="0"/>
-                        <a:t> Backpropagation</a:t>
+                        <a:t> 0.001608</a:t>
                       </a:r>
-                      <a:endParaRPr lang="de-DE" b="0" dirty="0"/>
-                    </a:p>
-                  </a:txBody>
-                  <a:tcPr anchor="ctr"/>
-                </a:tc>
-                <a:tc>
-                  <a:txBody>
-                    <a:bodyPr/>
-                    <a:lstStyle/>
-                    <a:p>
-                      <a:pPr algn="ctr"/>
-                      <a:endParaRPr lang="de-DE" b="0" dirty="0"/>
-                    </a:p>
-                  </a:txBody>
-                  <a:tcPr anchor="ctr"/>
-                </a:tc>
-                <a:tc>
-                  <a:txBody>
-                    <a:bodyPr/>
-                    <a:lstStyle/>
-                    <a:p>
-                      <a:pPr algn="ctr"/>
                       <a:endParaRPr lang="de-DE" b="0" dirty="0"/>
                     </a:p>
                   </a:txBody>
@@ -21584,12 +22743,16 @@
                       <a:pPr algn="ctr"/>
                       <a:r>
                         <a:rPr lang="de-DE" b="0" dirty="0" smtClean="0"/>
-                        <a:t>Dynamic Backpropagation</a:t>
+                        <a:t>Resilient Backpropagation</a:t>
                       </a:r>
                       <a:endParaRPr lang="de-DE" b="0" dirty="0"/>
                     </a:p>
                   </a:txBody>
-                  <a:tcPr anchor="ctr"/>
+                  <a:tcPr anchor="ctr">
+                    <a:solidFill>
+                      <a:srgbClr val="FFFF00"/>
+                    </a:solidFill>
+                  </a:tcPr>
                 </a:tc>
                 <a:tc>
                   <a:txBody>
@@ -21597,10 +22760,17 @@
                     <a:lstStyle/>
                     <a:p>
                       <a:pPr algn="ctr"/>
-                      <a:endParaRPr lang="de-DE" b="0" dirty="0"/>
+                      <a:r>
+                        <a:rPr lang="de-DE" b="0" dirty="0" smtClean="0"/>
+                        <a:t>8.8902113093</a:t>
+                      </a:r>
                     </a:p>
                   </a:txBody>
-                  <a:tcPr anchor="ctr"/>
+                  <a:tcPr anchor="ctr">
+                    <a:solidFill>
+                      <a:srgbClr val="FFFF00"/>
+                    </a:solidFill>
+                  </a:tcPr>
                 </a:tc>
                 <a:tc>
                   <a:txBody>
@@ -21608,10 +22778,18 @@
                     <a:lstStyle/>
                     <a:p>
                       <a:pPr algn="ctr"/>
+                      <a:r>
+                        <a:rPr lang="de-DE" b="0" dirty="0" smtClean="0"/>
+                        <a:t>9.489*10^-4</a:t>
+                      </a:r>
                       <a:endParaRPr lang="de-DE" b="0" dirty="0"/>
                     </a:p>
                   </a:txBody>
-                  <a:tcPr anchor="ctr"/>
+                  <a:tcPr anchor="ctr">
+                    <a:solidFill>
+                      <a:srgbClr val="FFFF00"/>
+                    </a:solidFill>
+                  </a:tcPr>
                 </a:tc>
               </a:tr>
             </a:tbl>
@@ -21684,7 +22862,7 @@
 </p:sld>
 </file>
 
-<file path=ppt/slides/slide36.xml><?xml version="1.0" encoding="utf-8"?>
+<file path=ppt/slides/slide37.xml><?xml version="1.0" encoding="utf-8"?>
 <p:sld xmlns:a="http://schemas.openxmlformats.org/drawingml/2006/main" xmlns:r="http://schemas.openxmlformats.org/officeDocument/2006/relationships" xmlns:p="http://schemas.openxmlformats.org/presentationml/2006/main">
   <p:cSld>
     <p:spTree>
@@ -21747,11 +22925,7 @@
           <a:p>
             <a:r>
               <a:rPr lang="de-DE" dirty="0" smtClean="0"/>
-              <a:t>Optimierung der </a:t>
-            </a:r>
-            <a:r>
-              <a:rPr lang="de-DE" dirty="0" smtClean="0"/>
-              <a:t>Lernrate</a:t>
+              <a:t>Optimierung der Lernrate</a:t>
             </a:r>
             <a:endParaRPr lang="de-DE" dirty="0"/>
           </a:p>
@@ -21874,7 +23048,7 @@
           <a:p>
             <a:fld id="{0E226D3C-400E-4353-AAC2-09A0472DC536}" type="slidenum">
               <a:rPr lang="de-DE" smtClean="0"/>
-              <a:t>35</a:t>
+              <a:t>36</a:t>
             </a:fld>
             <a:endParaRPr lang="de-DE" dirty="0"/>
           </a:p>
@@ -21889,7 +23063,7 @@
           <p:nvPr>
             <p:extLst>
               <p:ext uri="{D42A27DB-BD31-4B8C-83A1-F6EECF244321}">
-                <p14:modId xmlns:p14="http://schemas.microsoft.com/office/powerpoint/2010/main" val="1371382891"/>
+                <p14:modId xmlns:p14="http://schemas.microsoft.com/office/powerpoint/2010/main" val="3677714354"/>
               </p:ext>
             </p:extLst>
           </p:nvPr>
@@ -22001,7 +23175,11 @@
                     <a:lstStyle/>
                     <a:p>
                       <a:pPr algn="ctr"/>
-                      <a:endParaRPr lang="de-DE" b="1" dirty="0"/>
+                      <a:r>
+                        <a:rPr lang="de-DE" b="0" dirty="0" smtClean="0"/>
+                        <a:t>0.1</a:t>
+                      </a:r>
+                      <a:endParaRPr lang="de-DE" b="0" dirty="0"/>
                     </a:p>
                   </a:txBody>
                   <a:tcPr anchor="ctr"/>
@@ -22036,7 +23214,11 @@
                     <a:lstStyle/>
                     <a:p>
                       <a:pPr algn="ctr"/>
-                      <a:endParaRPr lang="de-DE" b="1" dirty="0"/>
+                      <a:r>
+                        <a:rPr lang="de-DE" b="0" dirty="0" smtClean="0"/>
+                        <a:t>0.3</a:t>
+                      </a:r>
+                      <a:endParaRPr lang="de-DE" b="0" dirty="0"/>
                     </a:p>
                   </a:txBody>
                   <a:tcPr anchor="ctr"/>
@@ -22071,7 +23253,11 @@
                     <a:lstStyle/>
                     <a:p>
                       <a:pPr algn="ctr"/>
-                      <a:endParaRPr lang="de-DE" b="1" dirty="0"/>
+                      <a:r>
+                        <a:rPr lang="de-DE" b="0" dirty="0" smtClean="0"/>
+                        <a:t>0.5</a:t>
+                      </a:r>
+                      <a:endParaRPr lang="de-DE" b="0" dirty="0"/>
                     </a:p>
                   </a:txBody>
                   <a:tcPr anchor="ctr"/>
@@ -22106,7 +23292,11 @@
                     <a:lstStyle/>
                     <a:p>
                       <a:pPr algn="ctr"/>
-                      <a:endParaRPr lang="de-DE" b="1" dirty="0"/>
+                      <a:r>
+                        <a:rPr lang="de-DE" b="0" dirty="0" smtClean="0"/>
+                        <a:t>0.7</a:t>
+                      </a:r>
+                      <a:endParaRPr lang="de-DE" b="0" dirty="0"/>
                     </a:p>
                   </a:txBody>
                   <a:tcPr anchor="ctr"/>
@@ -22141,7 +23331,11 @@
                     <a:lstStyle/>
                     <a:p>
                       <a:pPr algn="ctr"/>
-                      <a:endParaRPr lang="de-DE" b="1" dirty="0"/>
+                      <a:r>
+                        <a:rPr lang="de-DE" b="0" dirty="0" smtClean="0"/>
+                        <a:t>0.9</a:t>
+                      </a:r>
+                      <a:endParaRPr lang="de-DE" b="0" dirty="0"/>
                     </a:p>
                   </a:txBody>
                   <a:tcPr anchor="ctr"/>
@@ -22239,7 +23433,7 @@
 </p:sld>
 </file>
 
-<file path=ppt/slides/slide37.xml><?xml version="1.0" encoding="utf-8"?>
+<file path=ppt/slides/slide38.xml><?xml version="1.0" encoding="utf-8"?>
 <p:sld xmlns:a="http://schemas.openxmlformats.org/drawingml/2006/main" xmlns:r="http://schemas.openxmlformats.org/officeDocument/2006/relationships" xmlns:p="http://schemas.openxmlformats.org/presentationml/2006/main">
   <p:cSld>
     <p:spTree>
@@ -22302,8 +23496,27 @@
           <a:p>
             <a:r>
               <a:rPr lang="de-DE" dirty="0" smtClean="0"/>
-              <a:t>Endgültiges Netz</a:t>
-            </a:r>
+              <a:t>Endgültiges </a:t>
+            </a:r>
+            <a:r>
+              <a:rPr lang="de-DE" dirty="0" smtClean="0"/>
+              <a:t>Netz</a:t>
+            </a:r>
+          </a:p>
+          <a:p>
+            <a:endParaRPr lang="de-DE" dirty="0"/>
+          </a:p>
+          <a:p>
+            <a:endParaRPr lang="de-DE" dirty="0" smtClean="0"/>
+          </a:p>
+          <a:p>
+            <a:endParaRPr lang="de-DE" dirty="0"/>
+          </a:p>
+          <a:p>
+            <a:endParaRPr lang="de-DE" dirty="0" smtClean="0"/>
+          </a:p>
+          <a:p>
+            <a:pPr algn="r"/>
             <a:endParaRPr lang="de-DE" dirty="0" smtClean="0"/>
           </a:p>
           <a:p>
@@ -22428,7 +23641,7 @@
           <a:p>
             <a:fld id="{0E226D3C-400E-4353-AAC2-09A0472DC536}" type="slidenum">
               <a:rPr lang="de-DE" smtClean="0"/>
-              <a:t>36</a:t>
+              <a:t>37</a:t>
             </a:fld>
             <a:endParaRPr lang="de-DE" dirty="0"/>
           </a:p>
@@ -22624,6 +23837,56 @@
           </a:graphicData>
         </a:graphic>
       </p:graphicFrame>
+      <p:sp>
+        <p:nvSpPr>
+          <p:cNvPr id="7" name="Textfeld 6"/>
+          <p:cNvSpPr txBox="1"/>
+          <p:nvPr/>
+        </p:nvSpPr>
+        <p:spPr>
+          <a:xfrm>
+            <a:off x="7434525" y="4027057"/>
+            <a:ext cx="4295554" cy="1200329"/>
+          </a:xfrm>
+          <a:prstGeom prst="rect">
+            <a:avLst/>
+          </a:prstGeom>
+          <a:noFill/>
+        </p:spPr>
+        <p:txBody>
+          <a:bodyPr wrap="square" rtlCol="0">
+            <a:spAutoFit/>
+          </a:bodyPr>
+          <a:lstStyle/>
+          <a:p>
+            <a:r>
+              <a:rPr lang="de-DE" dirty="0" smtClean="0"/>
+              <a:t>Endgültiges Netz nochmals mit 200.000 Zyklen trainiert und getestet:</a:t>
+            </a:r>
+          </a:p>
+          <a:p>
+            <a:pPr marL="742950" lvl="1" indent="-285750">
+              <a:buFont typeface="Wingdings" panose="05000000000000000000" pitchFamily="2" charset="2"/>
+              <a:buChar char="§"/>
+            </a:pPr>
+            <a:r>
+              <a:rPr lang="de-DE" dirty="0" smtClean="0"/>
+              <a:t>MSE-Training:</a:t>
+            </a:r>
+          </a:p>
+          <a:p>
+            <a:pPr marL="742950" lvl="1" indent="-285750">
+              <a:buFont typeface="Wingdings" panose="05000000000000000000" pitchFamily="2" charset="2"/>
+              <a:buChar char="§"/>
+            </a:pPr>
+            <a:r>
+              <a:rPr lang="de-DE" dirty="0" smtClean="0"/>
+              <a:t>MSE-Test:</a:t>
+            </a:r>
+            <a:endParaRPr lang="de-DE" dirty="0"/>
+          </a:p>
+        </p:txBody>
+      </p:sp>
     </p:spTree>
     <p:extLst>
       <p:ext uri="{BB962C8B-B14F-4D97-AF65-F5344CB8AC3E}">
@@ -22644,7 +23907,7 @@
 </p:sld>
 </file>
 
-<file path=ppt/slides/slide38.xml><?xml version="1.0" encoding="utf-8"?>
+<file path=ppt/slides/slide39.xml><?xml version="1.0" encoding="utf-8"?>
 <p:sld xmlns:a="http://schemas.openxmlformats.org/drawingml/2006/main" xmlns:r="http://schemas.openxmlformats.org/officeDocument/2006/relationships" xmlns:p="http://schemas.openxmlformats.org/presentationml/2006/main">
   <p:cSld>
     <p:spTree>
@@ -22724,7 +23987,7 @@
           <a:p>
             <a:fld id="{0E226D3C-400E-4353-AAC2-09A0472DC536}" type="slidenum">
               <a:rPr lang="de-DE" smtClean="0"/>
-              <a:t>37</a:t>
+              <a:t>38</a:t>
             </a:fld>
             <a:endParaRPr lang="de-DE" dirty="0"/>
           </a:p>
@@ -22936,162 +24199,6 @@
 </p:sld>
 </file>
 
-<file path=ppt/slides/slide39.xml><?xml version="1.0" encoding="utf-8"?>
-<p:sld xmlns:a="http://schemas.openxmlformats.org/drawingml/2006/main" xmlns:r="http://schemas.openxmlformats.org/officeDocument/2006/relationships" xmlns:p="http://schemas.openxmlformats.org/presentationml/2006/main">
-  <p:cSld>
-    <p:spTree>
-      <p:nvGrpSpPr>
-        <p:cNvPr id="1" name=""/>
-        <p:cNvGrpSpPr/>
-        <p:nvPr/>
-      </p:nvGrpSpPr>
-      <p:grpSpPr>
-        <a:xfrm>
-          <a:off x="0" y="0"/>
-          <a:ext cx="0" cy="0"/>
-          <a:chOff x="0" y="0"/>
-          <a:chExt cx="0" cy="0"/>
-        </a:xfrm>
-      </p:grpSpPr>
-      <p:sp>
-        <p:nvSpPr>
-          <p:cNvPr id="2" name="Titel 1"/>
-          <p:cNvSpPr>
-            <a:spLocks noGrp="1"/>
-          </p:cNvSpPr>
-          <p:nvPr>
-            <p:ph type="title"/>
-          </p:nvPr>
-        </p:nvSpPr>
-        <p:spPr/>
-        <p:txBody>
-          <a:bodyPr/>
-          <a:lstStyle/>
-          <a:p>
-            <a:pPr marL="857250" indent="-857250">
-              <a:buFont typeface="+mj-lt"/>
-              <a:buAutoNum type="romanUcPeriod" startAt="6"/>
-            </a:pPr>
-            <a:r>
-              <a:rPr lang="de-DE" b="1" dirty="0" smtClean="0"/>
-              <a:t>Zusammenführung der Komponenten</a:t>
-            </a:r>
-            <a:endParaRPr lang="de-DE" dirty="0"/>
-          </a:p>
-        </p:txBody>
-      </p:sp>
-      <p:sp>
-        <p:nvSpPr>
-          <p:cNvPr id="3" name="Inhaltsplatzhalter 2"/>
-          <p:cNvSpPr>
-            <a:spLocks noGrp="1"/>
-          </p:cNvSpPr>
-          <p:nvPr>
-            <p:ph idx="1"/>
-          </p:nvPr>
-        </p:nvSpPr>
-        <p:spPr/>
-        <p:txBody>
-          <a:bodyPr/>
-          <a:lstStyle/>
-          <a:p>
-            <a:r>
-              <a:rPr lang="de-DE" dirty="0" smtClean="0"/>
-              <a:t>&lt;&lt;Benedikt&gt;&gt;</a:t>
-            </a:r>
-            <a:endParaRPr lang="de-DE" dirty="0"/>
-          </a:p>
-        </p:txBody>
-      </p:sp>
-      <p:sp>
-        <p:nvSpPr>
-          <p:cNvPr id="4" name="Datumsplatzhalter 3"/>
-          <p:cNvSpPr>
-            <a:spLocks noGrp="1"/>
-          </p:cNvSpPr>
-          <p:nvPr>
-            <p:ph type="dt" sz="half" idx="10"/>
-          </p:nvPr>
-        </p:nvSpPr>
-        <p:spPr/>
-        <p:txBody>
-          <a:bodyPr/>
-          <a:lstStyle/>
-          <a:p>
-            <a:fld id="{7AC709DD-AC18-4FBA-B4E6-46DED743653E}" type="datetime1">
-              <a:rPr lang="de-DE" smtClean="0"/>
-              <a:t>06.12.2015</a:t>
-            </a:fld>
-            <a:endParaRPr lang="de-DE"/>
-          </a:p>
-        </p:txBody>
-      </p:sp>
-      <p:sp>
-        <p:nvSpPr>
-          <p:cNvPr id="5" name="Fußzeilenplatzhalter 4"/>
-          <p:cNvSpPr>
-            <a:spLocks noGrp="1"/>
-          </p:cNvSpPr>
-          <p:nvPr>
-            <p:ph type="ftr" sz="quarter" idx="11"/>
-          </p:nvPr>
-        </p:nvSpPr>
-        <p:spPr/>
-        <p:txBody>
-          <a:bodyPr/>
-          <a:lstStyle/>
-          <a:p>
-            <a:r>
-              <a:rPr lang="de-DE" smtClean="0"/>
-              <a:t>Fakultät Informatik             Sebastian Schötteler &amp; Benedikt Hofrichter</a:t>
-            </a:r>
-            <a:endParaRPr lang="de-DE" dirty="0"/>
-          </a:p>
-        </p:txBody>
-      </p:sp>
-      <p:sp>
-        <p:nvSpPr>
-          <p:cNvPr id="6" name="Foliennummernplatzhalter 5"/>
-          <p:cNvSpPr>
-            <a:spLocks noGrp="1"/>
-          </p:cNvSpPr>
-          <p:nvPr>
-            <p:ph type="sldNum" sz="quarter" idx="12"/>
-          </p:nvPr>
-        </p:nvSpPr>
-        <p:spPr/>
-        <p:txBody>
-          <a:bodyPr/>
-          <a:lstStyle/>
-          <a:p>
-            <a:fld id="{0E226D3C-400E-4353-AAC2-09A0472DC536}" type="slidenum">
-              <a:rPr lang="de-DE" smtClean="0"/>
-              <a:t>38</a:t>
-            </a:fld>
-            <a:endParaRPr lang="de-DE" dirty="0"/>
-          </a:p>
-        </p:txBody>
-      </p:sp>
-    </p:spTree>
-    <p:extLst>
-      <p:ext uri="{BB962C8B-B14F-4D97-AF65-F5344CB8AC3E}">
-        <p14:creationId xmlns:p14="http://schemas.microsoft.com/office/powerpoint/2010/main" val="403237695"/>
-      </p:ext>
-    </p:extLst>
-  </p:cSld>
-  <p:clrMapOvr>
-    <a:masterClrMapping/>
-  </p:clrMapOvr>
-  <p:timing>
-    <p:tnLst>
-      <p:par>
-        <p:cTn id="1" dur="indefinite" restart="never" nodeType="tmRoot"/>
-      </p:par>
-    </p:tnLst>
-  </p:timing>
-</p:sld>
-</file>
-
 <file path=ppt/slides/slide4.xml><?xml version="1.0" encoding="utf-8"?>
 <p:sld xmlns:a="http://schemas.openxmlformats.org/drawingml/2006/main" xmlns:r="http://schemas.openxmlformats.org/officeDocument/2006/relationships" xmlns:p="http://schemas.openxmlformats.org/presentationml/2006/main">
   <p:cSld>
@@ -23350,6 +24457,56 @@
       </p:grpSpPr>
       <p:sp>
         <p:nvSpPr>
+          <p:cNvPr id="2" name="Titel 1"/>
+          <p:cNvSpPr>
+            <a:spLocks noGrp="1"/>
+          </p:cNvSpPr>
+          <p:nvPr>
+            <p:ph type="title"/>
+          </p:nvPr>
+        </p:nvSpPr>
+        <p:spPr/>
+        <p:txBody>
+          <a:bodyPr/>
+          <a:lstStyle/>
+          <a:p>
+            <a:pPr marL="857250" indent="-857250">
+              <a:buFont typeface="+mj-lt"/>
+              <a:buAutoNum type="romanUcPeriod" startAt="6"/>
+            </a:pPr>
+            <a:r>
+              <a:rPr lang="de-DE" b="1" dirty="0" smtClean="0"/>
+              <a:t>Zusammenführung der Komponenten</a:t>
+            </a:r>
+            <a:endParaRPr lang="de-DE" dirty="0"/>
+          </a:p>
+        </p:txBody>
+      </p:sp>
+      <p:sp>
+        <p:nvSpPr>
+          <p:cNvPr id="3" name="Inhaltsplatzhalter 2"/>
+          <p:cNvSpPr>
+            <a:spLocks noGrp="1"/>
+          </p:cNvSpPr>
+          <p:nvPr>
+            <p:ph idx="1"/>
+          </p:nvPr>
+        </p:nvSpPr>
+        <p:spPr/>
+        <p:txBody>
+          <a:bodyPr/>
+          <a:lstStyle/>
+          <a:p>
+            <a:r>
+              <a:rPr lang="de-DE" dirty="0" smtClean="0"/>
+              <a:t>&lt;&lt;Benedikt&gt;&gt;</a:t>
+            </a:r>
+            <a:endParaRPr lang="de-DE" dirty="0"/>
+          </a:p>
+        </p:txBody>
+      </p:sp>
+      <p:sp>
+        <p:nvSpPr>
           <p:cNvPr id="4" name="Datumsplatzhalter 3"/>
           <p:cNvSpPr>
             <a:spLocks noGrp="1"/>
@@ -23387,7 +24544,7 @@
           <a:lstStyle/>
           <a:p>
             <a:r>
-              <a:rPr lang="de-DE" dirty="0" smtClean="0"/>
+              <a:rPr lang="de-DE" smtClean="0"/>
               <a:t>Fakultät Informatik             Sebastian Schötteler &amp; Benedikt Hofrichter</a:t>
             </a:r>
             <a:endParaRPr lang="de-DE" dirty="0"/>
@@ -23412,6 +24569,112 @@
             <a:fld id="{0E226D3C-400E-4353-AAC2-09A0472DC536}" type="slidenum">
               <a:rPr lang="de-DE" smtClean="0"/>
               <a:t>39</a:t>
+            </a:fld>
+            <a:endParaRPr lang="de-DE" dirty="0"/>
+          </a:p>
+        </p:txBody>
+      </p:sp>
+    </p:spTree>
+    <p:extLst>
+      <p:ext uri="{BB962C8B-B14F-4D97-AF65-F5344CB8AC3E}">
+        <p14:creationId xmlns:p14="http://schemas.microsoft.com/office/powerpoint/2010/main" val="403237695"/>
+      </p:ext>
+    </p:extLst>
+  </p:cSld>
+  <p:clrMapOvr>
+    <a:masterClrMapping/>
+  </p:clrMapOvr>
+  <p:timing>
+    <p:tnLst>
+      <p:par>
+        <p:cTn id="1" dur="indefinite" restart="never" nodeType="tmRoot"/>
+      </p:par>
+    </p:tnLst>
+  </p:timing>
+</p:sld>
+</file>
+
+<file path=ppt/slides/slide41.xml><?xml version="1.0" encoding="utf-8"?>
+<p:sld xmlns:a="http://schemas.openxmlformats.org/drawingml/2006/main" xmlns:r="http://schemas.openxmlformats.org/officeDocument/2006/relationships" xmlns:p="http://schemas.openxmlformats.org/presentationml/2006/main">
+  <p:cSld>
+    <p:spTree>
+      <p:nvGrpSpPr>
+        <p:cNvPr id="1" name=""/>
+        <p:cNvGrpSpPr/>
+        <p:nvPr/>
+      </p:nvGrpSpPr>
+      <p:grpSpPr>
+        <a:xfrm>
+          <a:off x="0" y="0"/>
+          <a:ext cx="0" cy="0"/>
+          <a:chOff x="0" y="0"/>
+          <a:chExt cx="0" cy="0"/>
+        </a:xfrm>
+      </p:grpSpPr>
+      <p:sp>
+        <p:nvSpPr>
+          <p:cNvPr id="4" name="Datumsplatzhalter 3"/>
+          <p:cNvSpPr>
+            <a:spLocks noGrp="1"/>
+          </p:cNvSpPr>
+          <p:nvPr>
+            <p:ph type="dt" sz="half" idx="10"/>
+          </p:nvPr>
+        </p:nvSpPr>
+        <p:spPr/>
+        <p:txBody>
+          <a:bodyPr/>
+          <a:lstStyle/>
+          <a:p>
+            <a:fld id="{7AC709DD-AC18-4FBA-B4E6-46DED743653E}" type="datetime1">
+              <a:rPr lang="de-DE" smtClean="0"/>
+              <a:t>06.12.2015</a:t>
+            </a:fld>
+            <a:endParaRPr lang="de-DE"/>
+          </a:p>
+        </p:txBody>
+      </p:sp>
+      <p:sp>
+        <p:nvSpPr>
+          <p:cNvPr id="5" name="Fußzeilenplatzhalter 4"/>
+          <p:cNvSpPr>
+            <a:spLocks noGrp="1"/>
+          </p:cNvSpPr>
+          <p:nvPr>
+            <p:ph type="ftr" sz="quarter" idx="11"/>
+          </p:nvPr>
+        </p:nvSpPr>
+        <p:spPr/>
+        <p:txBody>
+          <a:bodyPr/>
+          <a:lstStyle/>
+          <a:p>
+            <a:r>
+              <a:rPr lang="de-DE" dirty="0" smtClean="0"/>
+              <a:t>Fakultät Informatik             Sebastian Schötteler &amp; Benedikt Hofrichter</a:t>
+            </a:r>
+            <a:endParaRPr lang="de-DE" dirty="0"/>
+          </a:p>
+        </p:txBody>
+      </p:sp>
+      <p:sp>
+        <p:nvSpPr>
+          <p:cNvPr id="6" name="Foliennummernplatzhalter 5"/>
+          <p:cNvSpPr>
+            <a:spLocks noGrp="1"/>
+          </p:cNvSpPr>
+          <p:nvPr>
+            <p:ph type="sldNum" sz="quarter" idx="12"/>
+          </p:nvPr>
+        </p:nvSpPr>
+        <p:spPr/>
+        <p:txBody>
+          <a:bodyPr/>
+          <a:lstStyle/>
+          <a:p>
+            <a:fld id="{0E226D3C-400E-4353-AAC2-09A0472DC536}" type="slidenum">
+              <a:rPr lang="de-DE" smtClean="0"/>
+              <a:t>40</a:t>
             </a:fld>
             <a:endParaRPr lang="de-DE" dirty="0"/>
           </a:p>
@@ -23623,7 +24886,7 @@
 </p:sld>
 </file>
 
-<file path=ppt/slides/slide41.xml><?xml version="1.0" encoding="utf-8"?>
+<file path=ppt/slides/slide42.xml><?xml version="1.0" encoding="utf-8"?>
 <p:sld xmlns:a="http://schemas.openxmlformats.org/drawingml/2006/main" xmlns:r="http://schemas.openxmlformats.org/officeDocument/2006/relationships" xmlns:p="http://schemas.openxmlformats.org/presentationml/2006/main">
   <p:cSld>
     <p:spTree>
@@ -23753,7 +25016,7 @@
           <a:p>
             <a:fld id="{0E226D3C-400E-4353-AAC2-09A0472DC536}" type="slidenum">
               <a:rPr lang="de-DE" smtClean="0"/>
-              <a:t>40</a:t>
+              <a:t>41</a:t>
             </a:fld>
             <a:endParaRPr lang="de-DE" dirty="0"/>
           </a:p>
@@ -23779,7 +25042,7 @@
 </p:sld>
 </file>
 
-<file path=ppt/slides/slide42.xml><?xml version="1.0" encoding="utf-8"?>
+<file path=ppt/slides/slide43.xml><?xml version="1.0" encoding="utf-8"?>
 <p:sld xmlns:a="http://schemas.openxmlformats.org/drawingml/2006/main" xmlns:r="http://schemas.openxmlformats.org/officeDocument/2006/relationships" xmlns:p="http://schemas.openxmlformats.org/presentationml/2006/main">
   <p:cSld>
     <p:spTree>
@@ -23859,7 +25122,7 @@
           <a:p>
             <a:fld id="{0E226D3C-400E-4353-AAC2-09A0472DC536}" type="slidenum">
               <a:rPr lang="de-DE" smtClean="0"/>
-              <a:t>41</a:t>
+              <a:t>42</a:t>
             </a:fld>
             <a:endParaRPr lang="de-DE" dirty="0"/>
           </a:p>
@@ -24071,7 +25334,7 @@
 </p:sld>
 </file>
 
-<file path=ppt/slides/slide43.xml><?xml version="1.0" encoding="utf-8"?>
+<file path=ppt/slides/slide44.xml><?xml version="1.0" encoding="utf-8"?>
 <p:sld xmlns:a="http://schemas.openxmlformats.org/drawingml/2006/main" xmlns:r="http://schemas.openxmlformats.org/officeDocument/2006/relationships" xmlns:p="http://schemas.openxmlformats.org/presentationml/2006/main">
   <p:cSld>
     <p:spTree>
@@ -24208,7 +25471,7 @@
           <a:p>
             <a:fld id="{0E226D3C-400E-4353-AAC2-09A0472DC536}" type="slidenum">
               <a:rPr lang="de-DE" smtClean="0"/>
-              <a:t>42</a:t>
+              <a:t>43</a:t>
             </a:fld>
             <a:endParaRPr lang="de-DE" dirty="0"/>
           </a:p>
@@ -24234,7 +25497,7 @@
 </p:sld>
 </file>
 
-<file path=ppt/slides/slide44.xml><?xml version="1.0" encoding="utf-8"?>
+<file path=ppt/slides/slide45.xml><?xml version="1.0" encoding="utf-8"?>
 <p:sld xmlns:a="http://schemas.openxmlformats.org/drawingml/2006/main" xmlns:r="http://schemas.openxmlformats.org/officeDocument/2006/relationships" xmlns:p="http://schemas.openxmlformats.org/presentationml/2006/main">
   <p:cSld>
     <p:spTree>
@@ -24314,7 +25577,7 @@
           <a:p>
             <a:fld id="{0E226D3C-400E-4353-AAC2-09A0472DC536}" type="slidenum">
               <a:rPr lang="de-DE" smtClean="0"/>
-              <a:t>43</a:t>
+              <a:t>44</a:t>
             </a:fld>
             <a:endParaRPr lang="de-DE" dirty="0"/>
           </a:p>
@@ -24526,7 +25789,7 @@
 </p:sld>
 </file>
 
-<file path=ppt/slides/slide45.xml><?xml version="1.0" encoding="utf-8"?>
+<file path=ppt/slides/slide46.xml><?xml version="1.0" encoding="utf-8"?>
 <p:sld xmlns:a="http://schemas.openxmlformats.org/drawingml/2006/main" xmlns:r="http://schemas.openxmlformats.org/officeDocument/2006/relationships" xmlns:p="http://schemas.openxmlformats.org/presentationml/2006/main">
   <p:cSld>
     <p:spTree>
@@ -24746,7 +26009,7 @@
           <a:p>
             <a:fld id="{0E226D3C-400E-4353-AAC2-09A0472DC536}" type="slidenum">
               <a:rPr lang="de-DE" smtClean="0"/>
-              <a:t>44</a:t>
+              <a:t>45</a:t>
             </a:fld>
             <a:endParaRPr lang="de-DE" dirty="0"/>
           </a:p>
@@ -24796,208 +26059,6 @@
     <p:extLst>
       <p:ext uri="{BB962C8B-B14F-4D97-AF65-F5344CB8AC3E}">
         <p14:creationId xmlns:p14="http://schemas.microsoft.com/office/powerpoint/2010/main" val="3854880417"/>
-      </p:ext>
-    </p:extLst>
-  </p:cSld>
-  <p:clrMapOvr>
-    <a:masterClrMapping/>
-  </p:clrMapOvr>
-  <p:timing>
-    <p:tnLst>
-      <p:par>
-        <p:cTn id="1" dur="indefinite" restart="never" nodeType="tmRoot"/>
-      </p:par>
-    </p:tnLst>
-  </p:timing>
-</p:sld>
-</file>
-
-<file path=ppt/slides/slide46.xml><?xml version="1.0" encoding="utf-8"?>
-<p:sld xmlns:a="http://schemas.openxmlformats.org/drawingml/2006/main" xmlns:r="http://schemas.openxmlformats.org/officeDocument/2006/relationships" xmlns:p="http://schemas.openxmlformats.org/presentationml/2006/main">
-  <p:cSld>
-    <p:spTree>
-      <p:nvGrpSpPr>
-        <p:cNvPr id="1" name=""/>
-        <p:cNvGrpSpPr/>
-        <p:nvPr/>
-      </p:nvGrpSpPr>
-      <p:grpSpPr>
-        <a:xfrm>
-          <a:off x="0" y="0"/>
-          <a:ext cx="0" cy="0"/>
-          <a:chOff x="0" y="0"/>
-          <a:chExt cx="0" cy="0"/>
-        </a:xfrm>
-      </p:grpSpPr>
-      <p:sp>
-        <p:nvSpPr>
-          <p:cNvPr id="2" name="Titel 1"/>
-          <p:cNvSpPr>
-            <a:spLocks noGrp="1"/>
-          </p:cNvSpPr>
-          <p:nvPr>
-            <p:ph type="title"/>
-          </p:nvPr>
-        </p:nvSpPr>
-        <p:spPr/>
-        <p:txBody>
-          <a:bodyPr/>
-          <a:lstStyle/>
-          <a:p>
-            <a:pPr marL="857250" indent="-857250">
-              <a:buFont typeface="+mj-lt"/>
-              <a:buAutoNum type="romanUcPeriod" startAt="9"/>
-            </a:pPr>
-            <a:r>
-              <a:rPr lang="de-DE" b="1" dirty="0" smtClean="0"/>
-              <a:t>Fazit</a:t>
-            </a:r>
-            <a:endParaRPr lang="de-DE" b="1" dirty="0"/>
-          </a:p>
-        </p:txBody>
-      </p:sp>
-      <p:sp>
-        <p:nvSpPr>
-          <p:cNvPr id="3" name="Inhaltsplatzhalter 2"/>
-          <p:cNvSpPr>
-            <a:spLocks noGrp="1"/>
-          </p:cNvSpPr>
-          <p:nvPr>
-            <p:ph idx="1"/>
-          </p:nvPr>
-        </p:nvSpPr>
-        <p:spPr/>
-        <p:txBody>
-          <a:bodyPr>
-            <a:normAutofit/>
-          </a:bodyPr>
-          <a:lstStyle/>
-          <a:p>
-            <a:r>
-              <a:rPr lang="de-DE" dirty="0" smtClean="0"/>
-              <a:t>KNN als Ergänzung sinnvoll, nicht als alleiniges Prognoseintrument.</a:t>
-            </a:r>
-          </a:p>
-          <a:p>
-            <a:endParaRPr lang="de-DE" dirty="0"/>
-          </a:p>
-          <a:p>
-            <a:r>
-              <a:rPr lang="de-DE" dirty="0" smtClean="0"/>
-              <a:t>Anwendungen dieser Art bereits zahlreich auf dem Markt vorhanden:</a:t>
-            </a:r>
-          </a:p>
-          <a:p>
-            <a:pPr lvl="1"/>
-            <a:r>
-              <a:rPr lang="de-DE" dirty="0" smtClean="0"/>
-              <a:t>Neuroshell Trader</a:t>
-            </a:r>
-          </a:p>
-          <a:p>
-            <a:pPr lvl="1"/>
-            <a:r>
-              <a:rPr lang="de-DE" dirty="0" smtClean="0"/>
-              <a:t>Altredo</a:t>
-            </a:r>
-          </a:p>
-          <a:p>
-            <a:pPr lvl="1"/>
-            <a:r>
-              <a:rPr lang="de-DE" dirty="0" smtClean="0"/>
-              <a:t>…</a:t>
-            </a:r>
-          </a:p>
-          <a:p>
-            <a:pPr lvl="1"/>
-            <a:endParaRPr lang="de-DE" dirty="0"/>
-          </a:p>
-          <a:p>
-            <a:pPr lvl="1"/>
-            <a:endParaRPr lang="de-DE" dirty="0" smtClean="0"/>
-          </a:p>
-          <a:p>
-            <a:pPr lvl="1"/>
-            <a:endParaRPr lang="de-DE" dirty="0" smtClean="0"/>
-          </a:p>
-          <a:p>
-            <a:endParaRPr lang="de-DE" dirty="0" smtClean="0"/>
-          </a:p>
-        </p:txBody>
-      </p:sp>
-      <p:sp>
-        <p:nvSpPr>
-          <p:cNvPr id="4" name="Datumsplatzhalter 3"/>
-          <p:cNvSpPr>
-            <a:spLocks noGrp="1"/>
-          </p:cNvSpPr>
-          <p:nvPr>
-            <p:ph type="dt" sz="half" idx="10"/>
-          </p:nvPr>
-        </p:nvSpPr>
-        <p:spPr/>
-        <p:txBody>
-          <a:bodyPr/>
-          <a:lstStyle/>
-          <a:p>
-            <a:fld id="{7AC709DD-AC18-4FBA-B4E6-46DED743653E}" type="datetime1">
-              <a:rPr lang="de-DE" smtClean="0"/>
-              <a:t>06.12.2015</a:t>
-            </a:fld>
-            <a:endParaRPr lang="de-DE"/>
-          </a:p>
-        </p:txBody>
-      </p:sp>
-      <p:sp>
-        <p:nvSpPr>
-          <p:cNvPr id="5" name="Fußzeilenplatzhalter 4"/>
-          <p:cNvSpPr>
-            <a:spLocks noGrp="1"/>
-          </p:cNvSpPr>
-          <p:nvPr>
-            <p:ph type="ftr" sz="quarter" idx="11"/>
-          </p:nvPr>
-        </p:nvSpPr>
-        <p:spPr/>
-        <p:txBody>
-          <a:bodyPr/>
-          <a:lstStyle/>
-          <a:p>
-            <a:r>
-              <a:rPr lang="de-DE" smtClean="0"/>
-              <a:t>Fakultät Informatik             Sebastian Schötteler &amp; Benedikt Hofrichter</a:t>
-            </a:r>
-            <a:endParaRPr lang="de-DE" dirty="0"/>
-          </a:p>
-        </p:txBody>
-      </p:sp>
-      <p:sp>
-        <p:nvSpPr>
-          <p:cNvPr id="6" name="Foliennummernplatzhalter 5"/>
-          <p:cNvSpPr>
-            <a:spLocks noGrp="1"/>
-          </p:cNvSpPr>
-          <p:nvPr>
-            <p:ph type="sldNum" sz="quarter" idx="12"/>
-          </p:nvPr>
-        </p:nvSpPr>
-        <p:spPr/>
-        <p:txBody>
-          <a:bodyPr/>
-          <a:lstStyle/>
-          <a:p>
-            <a:fld id="{0E226D3C-400E-4353-AAC2-09A0472DC536}" type="slidenum">
-              <a:rPr lang="de-DE" smtClean="0"/>
-              <a:t>45</a:t>
-            </a:fld>
-            <a:endParaRPr lang="de-DE" dirty="0"/>
-          </a:p>
-        </p:txBody>
-      </p:sp>
-    </p:spTree>
-    <p:extLst>
-      <p:ext uri="{BB962C8B-B14F-4D97-AF65-F5344CB8AC3E}">
-        <p14:creationId xmlns:p14="http://schemas.microsoft.com/office/powerpoint/2010/main" val="2340749465"/>
       </p:ext>
     </p:extLst>
   </p:cSld>
@@ -25041,6 +26102,208 @@
             <p:ph type="title"/>
           </p:nvPr>
         </p:nvSpPr>
+        <p:spPr/>
+        <p:txBody>
+          <a:bodyPr/>
+          <a:lstStyle/>
+          <a:p>
+            <a:pPr marL="857250" indent="-857250">
+              <a:buFont typeface="+mj-lt"/>
+              <a:buAutoNum type="romanUcPeriod" startAt="9"/>
+            </a:pPr>
+            <a:r>
+              <a:rPr lang="de-DE" b="1" dirty="0" smtClean="0"/>
+              <a:t>Fazit</a:t>
+            </a:r>
+            <a:endParaRPr lang="de-DE" b="1" dirty="0"/>
+          </a:p>
+        </p:txBody>
+      </p:sp>
+      <p:sp>
+        <p:nvSpPr>
+          <p:cNvPr id="3" name="Inhaltsplatzhalter 2"/>
+          <p:cNvSpPr>
+            <a:spLocks noGrp="1"/>
+          </p:cNvSpPr>
+          <p:nvPr>
+            <p:ph idx="1"/>
+          </p:nvPr>
+        </p:nvSpPr>
+        <p:spPr/>
+        <p:txBody>
+          <a:bodyPr>
+            <a:normAutofit/>
+          </a:bodyPr>
+          <a:lstStyle/>
+          <a:p>
+            <a:r>
+              <a:rPr lang="de-DE" dirty="0" smtClean="0"/>
+              <a:t>KNN als Ergänzung sinnvoll, nicht als alleiniges Prognoseintrument.</a:t>
+            </a:r>
+          </a:p>
+          <a:p>
+            <a:endParaRPr lang="de-DE" dirty="0"/>
+          </a:p>
+          <a:p>
+            <a:r>
+              <a:rPr lang="de-DE" dirty="0" smtClean="0"/>
+              <a:t>Anwendungen dieser Art bereits zahlreich auf dem Markt vorhanden:</a:t>
+            </a:r>
+          </a:p>
+          <a:p>
+            <a:pPr lvl="1"/>
+            <a:r>
+              <a:rPr lang="de-DE" dirty="0" smtClean="0"/>
+              <a:t>Neuroshell Trader</a:t>
+            </a:r>
+          </a:p>
+          <a:p>
+            <a:pPr lvl="1"/>
+            <a:r>
+              <a:rPr lang="de-DE" dirty="0" smtClean="0"/>
+              <a:t>Altredo</a:t>
+            </a:r>
+          </a:p>
+          <a:p>
+            <a:pPr lvl="1"/>
+            <a:r>
+              <a:rPr lang="de-DE" dirty="0" smtClean="0"/>
+              <a:t>…</a:t>
+            </a:r>
+          </a:p>
+          <a:p>
+            <a:pPr lvl="1"/>
+            <a:endParaRPr lang="de-DE" dirty="0"/>
+          </a:p>
+          <a:p>
+            <a:pPr lvl="1"/>
+            <a:endParaRPr lang="de-DE" dirty="0" smtClean="0"/>
+          </a:p>
+          <a:p>
+            <a:pPr lvl="1"/>
+            <a:endParaRPr lang="de-DE" dirty="0" smtClean="0"/>
+          </a:p>
+          <a:p>
+            <a:endParaRPr lang="de-DE" dirty="0" smtClean="0"/>
+          </a:p>
+        </p:txBody>
+      </p:sp>
+      <p:sp>
+        <p:nvSpPr>
+          <p:cNvPr id="4" name="Datumsplatzhalter 3"/>
+          <p:cNvSpPr>
+            <a:spLocks noGrp="1"/>
+          </p:cNvSpPr>
+          <p:nvPr>
+            <p:ph type="dt" sz="half" idx="10"/>
+          </p:nvPr>
+        </p:nvSpPr>
+        <p:spPr/>
+        <p:txBody>
+          <a:bodyPr/>
+          <a:lstStyle/>
+          <a:p>
+            <a:fld id="{7AC709DD-AC18-4FBA-B4E6-46DED743653E}" type="datetime1">
+              <a:rPr lang="de-DE" smtClean="0"/>
+              <a:t>06.12.2015</a:t>
+            </a:fld>
+            <a:endParaRPr lang="de-DE"/>
+          </a:p>
+        </p:txBody>
+      </p:sp>
+      <p:sp>
+        <p:nvSpPr>
+          <p:cNvPr id="5" name="Fußzeilenplatzhalter 4"/>
+          <p:cNvSpPr>
+            <a:spLocks noGrp="1"/>
+          </p:cNvSpPr>
+          <p:nvPr>
+            <p:ph type="ftr" sz="quarter" idx="11"/>
+          </p:nvPr>
+        </p:nvSpPr>
+        <p:spPr/>
+        <p:txBody>
+          <a:bodyPr/>
+          <a:lstStyle/>
+          <a:p>
+            <a:r>
+              <a:rPr lang="de-DE" smtClean="0"/>
+              <a:t>Fakultät Informatik             Sebastian Schötteler &amp; Benedikt Hofrichter</a:t>
+            </a:r>
+            <a:endParaRPr lang="de-DE" dirty="0"/>
+          </a:p>
+        </p:txBody>
+      </p:sp>
+      <p:sp>
+        <p:nvSpPr>
+          <p:cNvPr id="6" name="Foliennummernplatzhalter 5"/>
+          <p:cNvSpPr>
+            <a:spLocks noGrp="1"/>
+          </p:cNvSpPr>
+          <p:nvPr>
+            <p:ph type="sldNum" sz="quarter" idx="12"/>
+          </p:nvPr>
+        </p:nvSpPr>
+        <p:spPr/>
+        <p:txBody>
+          <a:bodyPr/>
+          <a:lstStyle/>
+          <a:p>
+            <a:fld id="{0E226D3C-400E-4353-AAC2-09A0472DC536}" type="slidenum">
+              <a:rPr lang="de-DE" smtClean="0"/>
+              <a:t>46</a:t>
+            </a:fld>
+            <a:endParaRPr lang="de-DE" dirty="0"/>
+          </a:p>
+        </p:txBody>
+      </p:sp>
+    </p:spTree>
+    <p:extLst>
+      <p:ext uri="{BB962C8B-B14F-4D97-AF65-F5344CB8AC3E}">
+        <p14:creationId xmlns:p14="http://schemas.microsoft.com/office/powerpoint/2010/main" val="2340749465"/>
+      </p:ext>
+    </p:extLst>
+  </p:cSld>
+  <p:clrMapOvr>
+    <a:masterClrMapping/>
+  </p:clrMapOvr>
+  <p:timing>
+    <p:tnLst>
+      <p:par>
+        <p:cTn id="1" dur="indefinite" restart="never" nodeType="tmRoot"/>
+      </p:par>
+    </p:tnLst>
+  </p:timing>
+</p:sld>
+</file>
+
+<file path=ppt/slides/slide48.xml><?xml version="1.0" encoding="utf-8"?>
+<p:sld xmlns:a="http://schemas.openxmlformats.org/drawingml/2006/main" xmlns:r="http://schemas.openxmlformats.org/officeDocument/2006/relationships" xmlns:p="http://schemas.openxmlformats.org/presentationml/2006/main">
+  <p:cSld>
+    <p:spTree>
+      <p:nvGrpSpPr>
+        <p:cNvPr id="1" name=""/>
+        <p:cNvGrpSpPr/>
+        <p:nvPr/>
+      </p:nvGrpSpPr>
+      <p:grpSpPr>
+        <a:xfrm>
+          <a:off x="0" y="0"/>
+          <a:ext cx="0" cy="0"/>
+          <a:chOff x="0" y="0"/>
+          <a:chExt cx="0" cy="0"/>
+        </a:xfrm>
+      </p:grpSpPr>
+      <p:sp>
+        <p:nvSpPr>
+          <p:cNvPr id="2" name="Titel 1"/>
+          <p:cNvSpPr>
+            <a:spLocks noGrp="1"/>
+          </p:cNvSpPr>
+          <p:nvPr>
+            <p:ph type="title"/>
+          </p:nvPr>
+        </p:nvSpPr>
         <p:spPr>
           <a:xfrm>
             <a:off x="838200" y="2954981"/>
@@ -25123,7 +26386,7 @@
           <a:p>
             <a:fld id="{0E226D3C-400E-4353-AAC2-09A0472DC536}" type="slidenum">
               <a:rPr lang="de-DE" smtClean="0"/>
-              <a:t>46</a:t>
+              <a:t>47</a:t>
             </a:fld>
             <a:endParaRPr lang="de-DE" dirty="0"/>
           </a:p>

--- a/3b) Vortrag/Präsentation.pptx
+++ b/3b) Vortrag/Präsentation.pptx
@@ -18587,7 +18587,6 @@
               <a:rPr lang="de-DE" dirty="0" smtClean="0"/>
               <a:t>0,9</a:t>
             </a:r>
-            <a:endParaRPr lang="de-DE" dirty="0" smtClean="0"/>
           </a:p>
           <a:p>
             <a:pPr marL="285750" indent="-285750">
@@ -18678,7 +18677,7 @@
         <p:spPr>
           <a:xfrm>
             <a:off x="10623665" y="4937479"/>
-            <a:ext cx="1533729" cy="646331"/>
+            <a:ext cx="1533729" cy="923330"/>
           </a:xfrm>
           <a:prstGeom prst="rect">
             <a:avLst/>
@@ -18696,6 +18695,15 @@
               <a:rPr lang="de-DE" dirty="0" smtClean="0"/>
               <a:t>Jeweils: </a:t>
             </a:r>
+            <a:endParaRPr lang="de-DE" dirty="0" smtClean="0"/>
+          </a:p>
+          <a:p>
+            <a:pPr algn="ctr"/>
+            <a:r>
+              <a:rPr lang="de-DE" dirty="0" smtClean="0"/>
+              <a:t>5 mal mit je</a:t>
+            </a:r>
+            <a:endParaRPr lang="de-DE" dirty="0" smtClean="0"/>
           </a:p>
           <a:p>
             <a:pPr algn="ctr"/>
@@ -20422,7 +20430,7 @@
                       <a:pPr algn="ctr"/>
                       <a:r>
                         <a:rPr lang="de-DE" dirty="0" smtClean="0"/>
-                        <a:t>9.149*10^-4</a:t>
+                        <a:t>9.449*10^-4</a:t>
                       </a:r>
                     </a:p>
                   </a:txBody>
@@ -20436,7 +20444,7 @@
                       <a:pPr algn="ctr"/>
                       <a:r>
                         <a:rPr lang="de-DE" dirty="0" smtClean="0"/>
-                        <a:t>0.001168</a:t>
+                        <a:t>0.001788</a:t>
                       </a:r>
                       <a:endParaRPr lang="de-DE" dirty="0"/>
                     </a:p>
@@ -20497,7 +20505,7 @@
                       <a:pPr algn="ctr"/>
                       <a:r>
                         <a:rPr lang="de-DE" dirty="0" smtClean="0"/>
-                        <a:t>9.2984976</a:t>
+                        <a:t>9.598*10^-4</a:t>
                       </a:r>
                     </a:p>
                   </a:txBody>
@@ -20511,7 +20519,7 @@
                       <a:pPr algn="ctr"/>
                       <a:r>
                         <a:rPr lang="de-DE" dirty="0" smtClean="0"/>
-                        <a:t> 0.001499</a:t>
+                        <a:t> 0.001799</a:t>
                       </a:r>
                       <a:endParaRPr lang="de-DE" dirty="0"/>
                     </a:p>
@@ -20558,7 +20566,7 @@
                       <a:pPr algn="ctr"/>
                       <a:r>
                         <a:rPr lang="de-DE" dirty="0" smtClean="0"/>
-                        <a:t>0.001774</a:t>
+                        <a:t>0.001784</a:t>
                       </a:r>
                       <a:endParaRPr lang="de-DE" dirty="0"/>
                     </a:p>
@@ -20712,7 +20720,7 @@
                       <a:pPr algn="ctr"/>
                       <a:r>
                         <a:rPr lang="de-DE" dirty="0" smtClean="0"/>
-                        <a:t> 0.001745</a:t>
+                        <a:t> 0.001785</a:t>
                       </a:r>
                       <a:endParaRPr lang="de-DE" dirty="0"/>
                     </a:p>
@@ -20789,7 +20797,7 @@
                       <a:pPr algn="ctr"/>
                       <a:r>
                         <a:rPr lang="de-DE" dirty="0" smtClean="0"/>
-                        <a:t> 0.001587</a:t>
+                        <a:t> 0.001787</a:t>
                       </a:r>
                       <a:endParaRPr lang="de-DE" dirty="0"/>
                     </a:p>
@@ -20983,22 +20991,6 @@
           </a:p>
           <a:p>
             <a:pPr lvl="1"/>
-            <a:endParaRPr lang="de-DE" dirty="0" smtClean="0"/>
-          </a:p>
-          <a:p>
-            <a:pPr lvl="1"/>
-            <a:r>
-              <a:rPr lang="de-DE" dirty="0" smtClean="0"/>
-              <a:t>Wahl: 4-7-1 </a:t>
-            </a:r>
-            <a:r>
-              <a:rPr lang="de-DE" dirty="0" smtClean="0"/>
-              <a:t>mit</a:t>
-            </a:r>
-            <a:r>
-              <a:rPr lang="de-DE" dirty="0" smtClean="0"/>
-              <a:t> BIAS</a:t>
-            </a:r>
             <a:endParaRPr lang="de-DE" dirty="0" smtClean="0"/>
           </a:p>
           <a:p>
@@ -23063,7 +23055,7 @@
           <p:nvPr>
             <p:extLst>
               <p:ext uri="{D42A27DB-BD31-4B8C-83A1-F6EECF244321}">
-                <p14:modId xmlns:p14="http://schemas.microsoft.com/office/powerpoint/2010/main" val="3677714354"/>
+                <p14:modId xmlns:p14="http://schemas.microsoft.com/office/powerpoint/2010/main" val="2796733504"/>
               </p:ext>
             </p:extLst>
           </p:nvPr>
@@ -23190,7 +23182,10 @@
                     <a:lstStyle/>
                     <a:p>
                       <a:pPr algn="ctr"/>
-                      <a:endParaRPr lang="de-DE" dirty="0"/>
+                      <a:r>
+                        <a:rPr lang="de-DE" dirty="0" smtClean="0"/>
+                        <a:t>0.00111802798736</a:t>
+                      </a:r>
                     </a:p>
                   </a:txBody>
                   <a:tcPr/>
@@ -23201,6 +23196,10 @@
                     <a:lstStyle/>
                     <a:p>
                       <a:pPr algn="ctr"/>
+                      <a:r>
+                        <a:rPr lang="de-DE" dirty="0" smtClean="0"/>
+                        <a:t>0.001425</a:t>
+                      </a:r>
                       <a:endParaRPr lang="de-DE" dirty="0"/>
                     </a:p>
                   </a:txBody>
@@ -23221,7 +23220,11 @@
                       <a:endParaRPr lang="de-DE" b="0" dirty="0"/>
                     </a:p>
                   </a:txBody>
-                  <a:tcPr anchor="ctr"/>
+                  <a:tcPr anchor="ctr">
+                    <a:solidFill>
+                      <a:srgbClr val="FFFF00"/>
+                    </a:solidFill>
+                  </a:tcPr>
                 </a:tc>
                 <a:tc>
                   <a:txBody>
@@ -23229,10 +23232,17 @@
                     <a:lstStyle/>
                     <a:p>
                       <a:pPr algn="ctr"/>
-                      <a:endParaRPr lang="de-DE" dirty="0"/>
+                      <a:r>
+                        <a:rPr lang="de-DE" dirty="0" smtClean="0"/>
+                        <a:t>8.85006624*10^-4</a:t>
+                      </a:r>
                     </a:p>
                   </a:txBody>
-                  <a:tcPr/>
+                  <a:tcPr>
+                    <a:solidFill>
+                      <a:srgbClr val="FFFF00"/>
+                    </a:solidFill>
+                  </a:tcPr>
                 </a:tc>
                 <a:tc>
                   <a:txBody>
@@ -23240,10 +23250,18 @@
                     <a:lstStyle/>
                     <a:p>
                       <a:pPr algn="ctr"/>
+                      <a:r>
+                        <a:rPr lang="de-DE" dirty="0" smtClean="0"/>
+                        <a:t>9.6684*10-4</a:t>
+                      </a:r>
                       <a:endParaRPr lang="de-DE" dirty="0"/>
                     </a:p>
                   </a:txBody>
-                  <a:tcPr/>
+                  <a:tcPr>
+                    <a:solidFill>
+                      <a:srgbClr val="FFFF00"/>
+                    </a:solidFill>
+                  </a:tcPr>
                 </a:tc>
               </a:tr>
               <a:tr h="370840">
@@ -23260,7 +23278,11 @@
                       <a:endParaRPr lang="de-DE" b="0" dirty="0"/>
                     </a:p>
                   </a:txBody>
-                  <a:tcPr anchor="ctr"/>
+                  <a:tcPr anchor="ctr">
+                    <a:solidFill>
+                      <a:srgbClr val="FFFF00"/>
+                    </a:solidFill>
+                  </a:tcPr>
                 </a:tc>
                 <a:tc>
                   <a:txBody>
@@ -23268,10 +23290,17 @@
                     <a:lstStyle/>
                     <a:p>
                       <a:pPr algn="ctr"/>
-                      <a:endParaRPr lang="de-DE" dirty="0"/>
+                      <a:r>
+                        <a:rPr lang="de-DE" dirty="0" smtClean="0"/>
+                        <a:t> 8.64073451*10^-4</a:t>
+                      </a:r>
                     </a:p>
                   </a:txBody>
-                  <a:tcPr/>
+                  <a:tcPr>
+                    <a:solidFill>
+                      <a:srgbClr val="FFFF00"/>
+                    </a:solidFill>
+                  </a:tcPr>
                 </a:tc>
                 <a:tc>
                   <a:txBody>
@@ -23279,10 +23308,18 @@
                     <a:lstStyle/>
                     <a:p>
                       <a:pPr algn="ctr"/>
+                      <a:r>
+                        <a:rPr lang="de-DE" dirty="0" smtClean="0"/>
+                        <a:t> 8.252874*10^-4</a:t>
+                      </a:r>
                       <a:endParaRPr lang="de-DE" dirty="0"/>
                     </a:p>
                   </a:txBody>
-                  <a:tcPr/>
+                  <a:tcPr>
+                    <a:solidFill>
+                      <a:srgbClr val="FFFF00"/>
+                    </a:solidFill>
+                  </a:tcPr>
                 </a:tc>
               </a:tr>
               <a:tr h="370840">
@@ -23299,7 +23336,11 @@
                       <a:endParaRPr lang="de-DE" b="0" dirty="0"/>
                     </a:p>
                   </a:txBody>
-                  <a:tcPr anchor="ctr"/>
+                  <a:tcPr anchor="ctr">
+                    <a:solidFill>
+                      <a:srgbClr val="FFFF00"/>
+                    </a:solidFill>
+                  </a:tcPr>
                 </a:tc>
                 <a:tc>
                   <a:txBody>
@@ -23307,10 +23348,18 @@
                     <a:lstStyle/>
                     <a:p>
                       <a:pPr algn="ctr"/>
+                      <a:r>
+                        <a:rPr lang="de-DE" dirty="0" smtClean="0"/>
+                        <a:t>8.04*10^-4</a:t>
+                      </a:r>
                       <a:endParaRPr lang="de-DE" dirty="0"/>
                     </a:p>
                   </a:txBody>
-                  <a:tcPr/>
+                  <a:tcPr>
+                    <a:solidFill>
+                      <a:srgbClr val="FFFF00"/>
+                    </a:solidFill>
+                  </a:tcPr>
                 </a:tc>
                 <a:tc>
                   <a:txBody>
@@ -23318,10 +23367,18 @@
                     <a:lstStyle/>
                     <a:p>
                       <a:pPr algn="ctr"/>
+                      <a:r>
+                        <a:rPr lang="de-DE" dirty="0" smtClean="0"/>
+                        <a:t> 8.8235*10^-4</a:t>
+                      </a:r>
                       <a:endParaRPr lang="de-DE" dirty="0"/>
                     </a:p>
                   </a:txBody>
-                  <a:tcPr/>
+                  <a:tcPr>
+                    <a:solidFill>
+                      <a:srgbClr val="FFFF00"/>
+                    </a:solidFill>
+                  </a:tcPr>
                 </a:tc>
               </a:tr>
               <a:tr h="370840">
@@ -23346,7 +23403,10 @@
                     <a:lstStyle/>
                     <a:p>
                       <a:pPr algn="ctr"/>
-                      <a:endParaRPr lang="de-DE" dirty="0"/>
+                      <a:r>
+                        <a:rPr lang="de-DE" dirty="0" smtClean="0"/>
+                        <a:t>8.545051</a:t>
+                      </a:r>
                     </a:p>
                   </a:txBody>
                   <a:tcPr/>
@@ -23357,6 +23417,10 @@
                     <a:lstStyle/>
                     <a:p>
                       <a:pPr algn="ctr"/>
+                      <a:r>
+                        <a:rPr lang="de-DE" dirty="0" smtClean="0"/>
+                        <a:t> 8.503012</a:t>
+                      </a:r>
                       <a:endParaRPr lang="de-DE" dirty="0"/>
                     </a:p>
                   </a:txBody>
@@ -23410,6 +23474,76 @@
           <a:p>
             <a:pPr algn="ctr"/>
             <a:endParaRPr lang="de-DE"/>
+          </a:p>
+        </p:txBody>
+      </p:sp>
+      <p:sp>
+        <p:nvSpPr>
+          <p:cNvPr id="7" name="Geschweifte Klammer rechts 6"/>
+          <p:cNvSpPr/>
+          <p:nvPr/>
+        </p:nvSpPr>
+        <p:spPr>
+          <a:xfrm>
+            <a:off x="10520030" y="3806455"/>
+            <a:ext cx="208221" cy="1063257"/>
+          </a:xfrm>
+          <a:prstGeom prst="rightBrace">
+            <a:avLst/>
+          </a:prstGeom>
+        </p:spPr>
+        <p:style>
+          <a:lnRef idx="1">
+            <a:schemeClr val="dk1"/>
+          </a:lnRef>
+          <a:fillRef idx="0">
+            <a:schemeClr val="dk1"/>
+          </a:fillRef>
+          <a:effectRef idx="0">
+            <a:schemeClr val="dk1"/>
+          </a:effectRef>
+          <a:fontRef idx="minor">
+            <a:schemeClr val="tx1"/>
+          </a:fontRef>
+        </p:style>
+        <p:txBody>
+          <a:bodyPr rtlCol="0" anchor="ctr"/>
+          <a:lstStyle/>
+          <a:p>
+            <a:pPr algn="ctr"/>
+            <a:endParaRPr lang="de-DE"/>
+          </a:p>
+        </p:txBody>
+      </p:sp>
+      <p:sp>
+        <p:nvSpPr>
+          <p:cNvPr id="8" name="Textfeld 7"/>
+          <p:cNvSpPr txBox="1"/>
+          <p:nvPr/>
+        </p:nvSpPr>
+        <p:spPr>
+          <a:xfrm>
+            <a:off x="10828373" y="4142785"/>
+            <a:ext cx="1222153" cy="369332"/>
+          </a:xfrm>
+          <a:prstGeom prst="rect">
+            <a:avLst/>
+          </a:prstGeom>
+          <a:solidFill>
+            <a:srgbClr val="FFFF00"/>
+          </a:solidFill>
+        </p:spPr>
+        <p:txBody>
+          <a:bodyPr wrap="square" rtlCol="0">
+            <a:spAutoFit/>
+          </a:bodyPr>
+          <a:lstStyle/>
+          <a:p>
+            <a:r>
+              <a:rPr lang="de-DE" dirty="0" smtClean="0"/>
+              <a:t>Fein: 0.475</a:t>
+            </a:r>
+            <a:endParaRPr lang="de-DE" dirty="0"/>
           </a:p>
         </p:txBody>
       </p:sp>
@@ -23496,11 +23630,7 @@
           <a:p>
             <a:r>
               <a:rPr lang="de-DE" dirty="0" smtClean="0"/>
-              <a:t>Endgültiges </a:t>
-            </a:r>
-            <a:r>
-              <a:rPr lang="de-DE" dirty="0" smtClean="0"/>
-              <a:t>Netz</a:t>
+              <a:t>Endgültiges Netz</a:t>
             </a:r>
           </a:p>
           <a:p>
@@ -23669,8 +23799,8 @@
         </p:blipFill>
         <p:spPr>
           <a:xfrm>
-            <a:off x="1111215" y="2300887"/>
-            <a:ext cx="5863740" cy="3857908"/>
+            <a:off x="1134181" y="2300887"/>
+            <a:ext cx="5817808" cy="3857908"/>
           </a:xfrm>
           <a:prstGeom prst="rect">
             <a:avLst/>
@@ -23686,14 +23816,14 @@
           <p:nvPr>
             <p:extLst>
               <p:ext uri="{D42A27DB-BD31-4B8C-83A1-F6EECF244321}">
-                <p14:modId xmlns:p14="http://schemas.microsoft.com/office/powerpoint/2010/main" val="3554648270"/>
+                <p14:modId xmlns:p14="http://schemas.microsoft.com/office/powerpoint/2010/main" val="1871636605"/>
               </p:ext>
             </p:extLst>
           </p:nvPr>
         </p:nvGraphicFramePr>
         <p:xfrm>
           <a:off x="7382447" y="2332784"/>
-          <a:ext cx="3870846" cy="1483360"/>
+          <a:ext cx="4026288" cy="1483360"/>
         </p:xfrm>
         <a:graphic>
           <a:graphicData uri="http://schemas.openxmlformats.org/drawingml/2006/table">
@@ -23703,7 +23833,7 @@
               </a:tblPr>
               <a:tblGrid>
                 <a:gridCol w="1935423"/>
-                <a:gridCol w="1935423"/>
+                <a:gridCol w="2090865"/>
               </a:tblGrid>
               <a:tr h="370840">
                 <a:tc>
@@ -23729,7 +23859,11 @@
                       <a:pPr algn="ctr"/>
                       <a:r>
                         <a:rPr lang="de-DE" dirty="0" smtClean="0"/>
-                        <a:t>4-9-1</a:t>
+                        <a:t>4-7-1</a:t>
+                      </a:r>
+                      <a:r>
+                        <a:rPr lang="de-DE" baseline="0" dirty="0" smtClean="0"/>
+                        <a:t> mit BIAS</a:t>
                       </a:r>
                       <a:endParaRPr lang="de-DE" dirty="0"/>
                     </a:p>
@@ -23793,7 +23927,7 @@
                       <a:pPr algn="ctr"/>
                       <a:r>
                         <a:rPr lang="de-DE" dirty="0" smtClean="0"/>
-                        <a:t>Backpropagation</a:t>
+                        <a:t>R-Backpropagation</a:t>
                       </a:r>
                       <a:endParaRPr lang="de-DE" dirty="0"/>
                     </a:p>
@@ -23825,7 +23959,7 @@
                       <a:pPr algn="ctr"/>
                       <a:r>
                         <a:rPr lang="de-DE" dirty="0" smtClean="0"/>
-                        <a:t>0.7</a:t>
+                        <a:t>0.475</a:t>
                       </a:r>
                       <a:endParaRPr lang="de-DE" dirty="0"/>
                     </a:p>
@@ -23871,8 +24005,13 @@
             </a:pPr>
             <a:r>
               <a:rPr lang="de-DE" dirty="0" smtClean="0"/>
-              <a:t>MSE-Training:</a:t>
-            </a:r>
+              <a:t>MSE-Training</a:t>
+            </a:r>
+            <a:r>
+              <a:rPr lang="de-DE" dirty="0" smtClean="0"/>
+              <a:t>: </a:t>
+            </a:r>
+            <a:endParaRPr lang="de-DE" dirty="0" smtClean="0"/>
           </a:p>
           <a:p>
             <a:pPr marL="742950" lvl="1" indent="-285750">
@@ -25399,9 +25538,50 @@
             </a:r>
             <a:r>
               <a:rPr lang="de-DE" dirty="0" smtClean="0"/>
-              <a:t>Beide&gt;&gt;</a:t>
-            </a:r>
-            <a:endParaRPr lang="de-DE" dirty="0"/>
+              <a:t>Beide</a:t>
+            </a:r>
+            <a:r>
+              <a:rPr lang="de-DE" dirty="0" smtClean="0"/>
+              <a:t>&gt;&gt;</a:t>
+            </a:r>
+          </a:p>
+          <a:p>
+            <a:r>
+              <a:rPr lang="de-DE" dirty="0" smtClean="0"/>
+              <a:t>Analysierter Zeitraum</a:t>
+            </a:r>
+          </a:p>
+          <a:p>
+            <a:pPr lvl="1"/>
+            <a:r>
+              <a:rPr lang="de-DE" dirty="0" smtClean="0"/>
+              <a:t>Graph =&gt; Alle vom Dashboard</a:t>
+            </a:r>
+          </a:p>
+          <a:p>
+            <a:r>
+              <a:rPr lang="de-DE" dirty="0" smtClean="0"/>
+              <a:t>MSE</a:t>
+            </a:r>
+          </a:p>
+          <a:p>
+            <a:r>
+              <a:rPr lang="de-DE" dirty="0" smtClean="0"/>
+              <a:t>Zu gering gut zu hoch</a:t>
+            </a:r>
+            <a:endParaRPr lang="de-DE" dirty="0" smtClean="0"/>
+          </a:p>
+          <a:p>
+            <a:r>
+              <a:rPr lang="de-DE" dirty="0" smtClean="0"/>
+              <a:t>Gute Prognosen wenn stabil</a:t>
+            </a:r>
+          </a:p>
+          <a:p>
+            <a:r>
+              <a:rPr lang="de-DE" dirty="0" smtClean="0"/>
+              <a:t>Jedoch noch nicht genau genug für Praxis</a:t>
+            </a:r>
           </a:p>
           <a:p>
             <a:endParaRPr lang="de-DE" dirty="0"/>

--- a/3b) Vortrag/Präsentation.pptx
+++ b/3b) Vortrag/Präsentation.pptx
@@ -1191,318 +1191,6 @@
       <dsp:cNvGrpSpPr/>
     </dsp:nvGrpSpPr>
     <dsp:grpSpPr/>
-    <dsp:sp modelId="{53E4825B-3D66-406A-9713-5BB390890124}">
-      <dsp:nvSpPr>
-        <dsp:cNvPr id="0" name=""/>
-        <dsp:cNvSpPr/>
-      </dsp:nvSpPr>
-      <dsp:spPr>
-        <a:xfrm>
-          <a:off x="2590" y="2343975"/>
-          <a:ext cx="2885457" cy="1154182"/>
-        </a:xfrm>
-        <a:prstGeom prst="chevron">
-          <a:avLst/>
-        </a:prstGeom>
-        <a:solidFill>
-          <a:schemeClr val="accent3">
-            <a:hueOff val="0"/>
-            <a:satOff val="0"/>
-            <a:lumOff val="0"/>
-            <a:alphaOff val="0"/>
-          </a:schemeClr>
-        </a:solidFill>
-        <a:ln w="12700" cap="flat" cmpd="sng" algn="ctr">
-          <a:solidFill>
-            <a:schemeClr val="lt1">
-              <a:hueOff val="0"/>
-              <a:satOff val="0"/>
-              <a:lumOff val="0"/>
-              <a:alphaOff val="0"/>
-            </a:schemeClr>
-          </a:solidFill>
-          <a:prstDash val="solid"/>
-          <a:miter lim="800000"/>
-        </a:ln>
-        <a:effectLst/>
-      </dsp:spPr>
-      <dsp:style>
-        <a:lnRef idx="2">
-          <a:scrgbClr r="0" g="0" b="0"/>
-        </a:lnRef>
-        <a:fillRef idx="1">
-          <a:scrgbClr r="0" g="0" b="0"/>
-        </a:fillRef>
-        <a:effectRef idx="0">
-          <a:scrgbClr r="0" g="0" b="0"/>
-        </a:effectRef>
-        <a:fontRef idx="minor">
-          <a:schemeClr val="lt1"/>
-        </a:fontRef>
-      </dsp:style>
-      <dsp:txBody>
-        <a:bodyPr spcFirstLastPara="0" vert="horz" wrap="square" lIns="76010" tIns="25337" rIns="25337" bIns="25337" numCol="1" spcCol="1270" anchor="ctr" anchorCtr="0">
-          <a:noAutofit/>
-        </a:bodyPr>
-        <a:lstStyle/>
-        <a:p>
-          <a:pPr lvl="0" algn="ctr" defTabSz="844550">
-            <a:lnSpc>
-              <a:spcPct val="90000"/>
-            </a:lnSpc>
-            <a:spcBef>
-              <a:spcPct val="0"/>
-            </a:spcBef>
-            <a:spcAft>
-              <a:spcPct val="35000"/>
-            </a:spcAft>
-          </a:pPr>
-          <a:r>
-            <a:rPr lang="de-DE" sz="1900" kern="1200" dirty="0" smtClean="0"/>
-            <a:t>Topologie</a:t>
-          </a:r>
-          <a:endParaRPr lang="de-DE" sz="1900" kern="1200" dirty="0"/>
-        </a:p>
-      </dsp:txBody>
-      <dsp:txXfrm>
-        <a:off x="579681" y="2343975"/>
-        <a:ext cx="1731275" cy="1154182"/>
-      </dsp:txXfrm>
-    </dsp:sp>
-    <dsp:sp modelId="{6D6BD3B1-FDF8-44BB-99F4-33A9A894F98B}">
-      <dsp:nvSpPr>
-        <dsp:cNvPr id="0" name=""/>
-        <dsp:cNvSpPr/>
-      </dsp:nvSpPr>
-      <dsp:spPr>
-        <a:xfrm>
-          <a:off x="2601868" y="2336069"/>
-          <a:ext cx="2885457" cy="1154182"/>
-        </a:xfrm>
-        <a:prstGeom prst="chevron">
-          <a:avLst/>
-        </a:prstGeom>
-        <a:solidFill>
-          <a:schemeClr val="accent3">
-            <a:hueOff val="0"/>
-            <a:satOff val="0"/>
-            <a:lumOff val="0"/>
-            <a:alphaOff val="0"/>
-          </a:schemeClr>
-        </a:solidFill>
-        <a:ln w="12700" cap="flat" cmpd="sng" algn="ctr">
-          <a:solidFill>
-            <a:schemeClr val="lt1">
-              <a:hueOff val="0"/>
-              <a:satOff val="0"/>
-              <a:lumOff val="0"/>
-              <a:alphaOff val="0"/>
-            </a:schemeClr>
-          </a:solidFill>
-          <a:prstDash val="solid"/>
-          <a:miter lim="800000"/>
-        </a:ln>
-        <a:effectLst/>
-      </dsp:spPr>
-      <dsp:style>
-        <a:lnRef idx="2">
-          <a:scrgbClr r="0" g="0" b="0"/>
-        </a:lnRef>
-        <a:fillRef idx="1">
-          <a:scrgbClr r="0" g="0" b="0"/>
-        </a:fillRef>
-        <a:effectRef idx="0">
-          <a:scrgbClr r="0" g="0" b="0"/>
-        </a:effectRef>
-        <a:fontRef idx="minor">
-          <a:schemeClr val="lt1"/>
-        </a:fontRef>
-      </dsp:style>
-      <dsp:txBody>
-        <a:bodyPr spcFirstLastPara="0" vert="horz" wrap="square" lIns="76010" tIns="25337" rIns="25337" bIns="25337" numCol="1" spcCol="1270" anchor="ctr" anchorCtr="0">
-          <a:noAutofit/>
-        </a:bodyPr>
-        <a:lstStyle/>
-        <a:p>
-          <a:pPr lvl="0" algn="ctr" defTabSz="844550">
-            <a:lnSpc>
-              <a:spcPct val="90000"/>
-            </a:lnSpc>
-            <a:spcBef>
-              <a:spcPct val="0"/>
-            </a:spcBef>
-            <a:spcAft>
-              <a:spcPct val="35000"/>
-            </a:spcAft>
-          </a:pPr>
-          <a:r>
-            <a:rPr lang="de-DE" sz="1900" kern="1200" dirty="0" smtClean="0"/>
-            <a:t>Transferfunktion</a:t>
-          </a:r>
-          <a:endParaRPr lang="de-DE" sz="1900" kern="1200" dirty="0"/>
-        </a:p>
-      </dsp:txBody>
-      <dsp:txXfrm>
-        <a:off x="3178959" y="2336069"/>
-        <a:ext cx="1731275" cy="1154182"/>
-      </dsp:txXfrm>
-    </dsp:sp>
-    <dsp:sp modelId="{1759F37C-CE72-40A5-B310-ECFA8240AA69}">
-      <dsp:nvSpPr>
-        <dsp:cNvPr id="0" name=""/>
-        <dsp:cNvSpPr/>
-      </dsp:nvSpPr>
-      <dsp:spPr>
-        <a:xfrm>
-          <a:off x="5198779" y="2336069"/>
-          <a:ext cx="2885457" cy="1154182"/>
-        </a:xfrm>
-        <a:prstGeom prst="chevron">
-          <a:avLst/>
-        </a:prstGeom>
-        <a:solidFill>
-          <a:schemeClr val="accent3">
-            <a:hueOff val="0"/>
-            <a:satOff val="0"/>
-            <a:lumOff val="0"/>
-            <a:alphaOff val="0"/>
-          </a:schemeClr>
-        </a:solidFill>
-        <a:ln w="12700" cap="flat" cmpd="sng" algn="ctr">
-          <a:solidFill>
-            <a:schemeClr val="lt1">
-              <a:hueOff val="0"/>
-              <a:satOff val="0"/>
-              <a:lumOff val="0"/>
-              <a:alphaOff val="0"/>
-            </a:schemeClr>
-          </a:solidFill>
-          <a:prstDash val="solid"/>
-          <a:miter lim="800000"/>
-        </a:ln>
-        <a:effectLst/>
-      </dsp:spPr>
-      <dsp:style>
-        <a:lnRef idx="2">
-          <a:scrgbClr r="0" g="0" b="0"/>
-        </a:lnRef>
-        <a:fillRef idx="1">
-          <a:scrgbClr r="0" g="0" b="0"/>
-        </a:fillRef>
-        <a:effectRef idx="0">
-          <a:scrgbClr r="0" g="0" b="0"/>
-        </a:effectRef>
-        <a:fontRef idx="minor">
-          <a:schemeClr val="lt1"/>
-        </a:fontRef>
-      </dsp:style>
-      <dsp:txBody>
-        <a:bodyPr spcFirstLastPara="0" vert="horz" wrap="square" lIns="76010" tIns="25337" rIns="25337" bIns="25337" numCol="1" spcCol="1270" anchor="ctr" anchorCtr="0">
-          <a:noAutofit/>
-        </a:bodyPr>
-        <a:lstStyle/>
-        <a:p>
-          <a:pPr lvl="0" algn="ctr" defTabSz="844550">
-            <a:lnSpc>
-              <a:spcPct val="90000"/>
-            </a:lnSpc>
-            <a:spcBef>
-              <a:spcPct val="0"/>
-            </a:spcBef>
-            <a:spcAft>
-              <a:spcPct val="35000"/>
-            </a:spcAft>
-          </a:pPr>
-          <a:r>
-            <a:rPr lang="de-DE" sz="1900" kern="1200" dirty="0" smtClean="0"/>
-            <a:t>Lernregel</a:t>
-          </a:r>
-          <a:endParaRPr lang="de-DE" sz="1900" kern="1200" dirty="0"/>
-        </a:p>
-      </dsp:txBody>
-      <dsp:txXfrm>
-        <a:off x="5775870" y="2336069"/>
-        <a:ext cx="1731275" cy="1154182"/>
-      </dsp:txXfrm>
-    </dsp:sp>
-    <dsp:sp modelId="{2560545F-FA28-42DD-8D58-823658F4E513}">
-      <dsp:nvSpPr>
-        <dsp:cNvPr id="0" name=""/>
-        <dsp:cNvSpPr/>
-      </dsp:nvSpPr>
-      <dsp:spPr>
-        <a:xfrm>
-          <a:off x="7795691" y="2336069"/>
-          <a:ext cx="2885457" cy="1154182"/>
-        </a:xfrm>
-        <a:prstGeom prst="chevron">
-          <a:avLst/>
-        </a:prstGeom>
-        <a:solidFill>
-          <a:schemeClr val="accent3">
-            <a:hueOff val="0"/>
-            <a:satOff val="0"/>
-            <a:lumOff val="0"/>
-            <a:alphaOff val="0"/>
-          </a:schemeClr>
-        </a:solidFill>
-        <a:ln w="12700" cap="flat" cmpd="sng" algn="ctr">
-          <a:solidFill>
-            <a:schemeClr val="lt1">
-              <a:hueOff val="0"/>
-              <a:satOff val="0"/>
-              <a:lumOff val="0"/>
-              <a:alphaOff val="0"/>
-            </a:schemeClr>
-          </a:solidFill>
-          <a:prstDash val="solid"/>
-          <a:miter lim="800000"/>
-        </a:ln>
-        <a:effectLst/>
-      </dsp:spPr>
-      <dsp:style>
-        <a:lnRef idx="2">
-          <a:scrgbClr r="0" g="0" b="0"/>
-        </a:lnRef>
-        <a:fillRef idx="1">
-          <a:scrgbClr r="0" g="0" b="0"/>
-        </a:fillRef>
-        <a:effectRef idx="0">
-          <a:scrgbClr r="0" g="0" b="0"/>
-        </a:effectRef>
-        <a:fontRef idx="minor">
-          <a:schemeClr val="lt1"/>
-        </a:fontRef>
-      </dsp:style>
-      <dsp:txBody>
-        <a:bodyPr spcFirstLastPara="0" vert="horz" wrap="square" lIns="76010" tIns="25337" rIns="25337" bIns="25337" numCol="1" spcCol="1270" anchor="ctr" anchorCtr="0">
-          <a:noAutofit/>
-        </a:bodyPr>
-        <a:lstStyle/>
-        <a:p>
-          <a:pPr lvl="0" algn="ctr" defTabSz="844550">
-            <a:lnSpc>
-              <a:spcPct val="90000"/>
-            </a:lnSpc>
-            <a:spcBef>
-              <a:spcPct val="0"/>
-            </a:spcBef>
-            <a:spcAft>
-              <a:spcPct val="35000"/>
-            </a:spcAft>
-          </a:pPr>
-          <a:r>
-            <a:rPr lang="de-DE" sz="1900" kern="1200" dirty="0" smtClean="0"/>
-            <a:t>Lernrate</a:t>
-          </a:r>
-          <a:endParaRPr lang="de-DE" sz="1900" kern="1200" dirty="0"/>
-        </a:p>
-      </dsp:txBody>
-      <dsp:txXfrm>
-        <a:off x="8372782" y="2336069"/>
-        <a:ext cx="1731275" cy="1154182"/>
-      </dsp:txXfrm>
-    </dsp:sp>
   </dsp:spTree>
 </dsp:drawing>
 </file>
@@ -18695,7 +18383,6 @@
               <a:rPr lang="de-DE" dirty="0" smtClean="0"/>
               <a:t>Jeweils: </a:t>
             </a:r>
-            <a:endParaRPr lang="de-DE" dirty="0" smtClean="0"/>
           </a:p>
           <a:p>
             <a:pPr algn="ctr"/>
@@ -18703,7 +18390,6 @@
               <a:rPr lang="de-DE" dirty="0" smtClean="0"/>
               <a:t>5 mal mit je</a:t>
             </a:r>
-            <a:endParaRPr lang="de-DE" dirty="0" smtClean="0"/>
           </a:p>
           <a:p>
             <a:pPr algn="ctr"/>
@@ -24005,11 +23691,15 @@
             </a:pPr>
             <a:r>
               <a:rPr lang="de-DE" dirty="0" smtClean="0"/>
-              <a:t>MSE-Training</a:t>
+              <a:t>MSE-Training: </a:t>
+            </a:r>
+            <a:r>
+              <a:rPr lang="de-DE" dirty="0"/>
+              <a:t>  </a:t>
             </a:r>
             <a:r>
               <a:rPr lang="de-DE" dirty="0" smtClean="0"/>
-              <a:t>: </a:t>
+              <a:t>8.65092237*10^-4</a:t>
             </a:r>
             <a:endParaRPr lang="de-DE" dirty="0" smtClean="0"/>
           </a:p>
@@ -24020,7 +23710,15 @@
             </a:pPr>
             <a:r>
               <a:rPr lang="de-DE" dirty="0" smtClean="0"/>
-              <a:t>MSE-Test:</a:t>
+              <a:t>MSE-Test</a:t>
+            </a:r>
+            <a:r>
+              <a:rPr lang="de-DE" dirty="0"/>
+              <a:t>:   </a:t>
+            </a:r>
+            <a:r>
+              <a:rPr lang="de-DE" dirty="0" smtClean="0"/>
+              <a:t>9.0220*10^-4</a:t>
             </a:r>
             <a:endParaRPr lang="de-DE" dirty="0"/>
           </a:p>
@@ -25538,11 +25236,7 @@
             </a:r>
             <a:r>
               <a:rPr lang="de-DE" dirty="0" smtClean="0"/>
-              <a:t>Beide</a:t>
-            </a:r>
-            <a:r>
-              <a:rPr lang="de-DE" dirty="0" smtClean="0"/>
-              <a:t>&gt;&gt;</a:t>
+              <a:t>Beide&gt;&gt;</a:t>
             </a:r>
           </a:p>
           <a:p>
@@ -25569,7 +25263,6 @@
               <a:rPr lang="de-DE" dirty="0" smtClean="0"/>
               <a:t>Zu gering gut zu hoch</a:t>
             </a:r>
-            <a:endParaRPr lang="de-DE" dirty="0" smtClean="0"/>
           </a:p>
           <a:p>
             <a:r>

--- a/3b) Vortrag/Präsentation.pptx
+++ b/3b) Vortrag/Präsentation.pptx
@@ -5,7 +5,7 @@
     <p:sldMasterId id="2147483648" r:id="rId1"/>
   </p:sldMasterIdLst>
   <p:notesMasterIdLst>
-    <p:notesMasterId r:id="rId50"/>
+    <p:notesMasterId r:id="rId54"/>
   </p:notesMasterIdLst>
   <p:sldIdLst>
     <p:sldId id="256" r:id="rId2"/>
@@ -32,30 +32,34 @@
     <p:sldId id="290" r:id="rId23"/>
     <p:sldId id="305" r:id="rId24"/>
     <p:sldId id="292" r:id="rId25"/>
-    <p:sldId id="309" r:id="rId26"/>
-    <p:sldId id="280" r:id="rId27"/>
-    <p:sldId id="261" r:id="rId28"/>
-    <p:sldId id="281" r:id="rId29"/>
-    <p:sldId id="262" r:id="rId30"/>
-    <p:sldId id="310" r:id="rId31"/>
-    <p:sldId id="316" r:id="rId32"/>
-    <p:sldId id="315" r:id="rId33"/>
-    <p:sldId id="311" r:id="rId34"/>
-    <p:sldId id="319" r:id="rId35"/>
-    <p:sldId id="312" r:id="rId36"/>
-    <p:sldId id="313" r:id="rId37"/>
-    <p:sldId id="317" r:id="rId38"/>
-    <p:sldId id="318" r:id="rId39"/>
-    <p:sldId id="282" r:id="rId40"/>
-    <p:sldId id="273" r:id="rId41"/>
-    <p:sldId id="283" r:id="rId42"/>
-    <p:sldId id="274" r:id="rId43"/>
-    <p:sldId id="284" r:id="rId44"/>
-    <p:sldId id="276" r:id="rId45"/>
-    <p:sldId id="285" r:id="rId46"/>
-    <p:sldId id="286" r:id="rId47"/>
-    <p:sldId id="306" r:id="rId48"/>
-    <p:sldId id="275" r:id="rId49"/>
+    <p:sldId id="320" r:id="rId26"/>
+    <p:sldId id="309" r:id="rId27"/>
+    <p:sldId id="280" r:id="rId28"/>
+    <p:sldId id="261" r:id="rId29"/>
+    <p:sldId id="281" r:id="rId30"/>
+    <p:sldId id="262" r:id="rId31"/>
+    <p:sldId id="310" r:id="rId32"/>
+    <p:sldId id="316" r:id="rId33"/>
+    <p:sldId id="315" r:id="rId34"/>
+    <p:sldId id="311" r:id="rId35"/>
+    <p:sldId id="319" r:id="rId36"/>
+    <p:sldId id="312" r:id="rId37"/>
+    <p:sldId id="321" r:id="rId38"/>
+    <p:sldId id="313" r:id="rId39"/>
+    <p:sldId id="322" r:id="rId40"/>
+    <p:sldId id="317" r:id="rId41"/>
+    <p:sldId id="323" r:id="rId42"/>
+    <p:sldId id="318" r:id="rId43"/>
+    <p:sldId id="282" r:id="rId44"/>
+    <p:sldId id="273" r:id="rId45"/>
+    <p:sldId id="283" r:id="rId46"/>
+    <p:sldId id="274" r:id="rId47"/>
+    <p:sldId id="284" r:id="rId48"/>
+    <p:sldId id="276" r:id="rId49"/>
+    <p:sldId id="285" r:id="rId50"/>
+    <p:sldId id="286" r:id="rId51"/>
+    <p:sldId id="306" r:id="rId52"/>
+    <p:sldId id="275" r:id="rId53"/>
   </p:sldIdLst>
   <p:sldSz cx="12192000" cy="6858000"/>
   <p:notesSz cx="6858000" cy="9144000"/>
@@ -156,7 +160,7 @@
   </p:defaultTextStyle>
   <p:extLst>
     <p:ext uri="{EFAFB233-063F-42B5-8137-9DF3F51BA10A}">
-      <p15:sldGuideLst xmlns:p15="http://schemas.microsoft.com/office/powerpoint/2012/main"/>
+      <p15:sldGuideLst xmlns="" xmlns:p15="http://schemas.microsoft.com/office/powerpoint/2012/main"/>
     </p:ext>
   </p:extLst>
 </p:presentation>
@@ -1191,6 +1195,318 @@
       <dsp:cNvGrpSpPr/>
     </dsp:nvGrpSpPr>
     <dsp:grpSpPr/>
+    <dsp:sp modelId="{53E4825B-3D66-406A-9713-5BB390890124}">
+      <dsp:nvSpPr>
+        <dsp:cNvPr id="0" name=""/>
+        <dsp:cNvSpPr/>
+      </dsp:nvSpPr>
+      <dsp:spPr>
+        <a:xfrm>
+          <a:off x="2590" y="2343975"/>
+          <a:ext cx="2885457" cy="1154182"/>
+        </a:xfrm>
+        <a:prstGeom prst="chevron">
+          <a:avLst/>
+        </a:prstGeom>
+        <a:solidFill>
+          <a:schemeClr val="accent3">
+            <a:hueOff val="0"/>
+            <a:satOff val="0"/>
+            <a:lumOff val="0"/>
+            <a:alphaOff val="0"/>
+          </a:schemeClr>
+        </a:solidFill>
+        <a:ln w="12700" cap="flat" cmpd="sng" algn="ctr">
+          <a:solidFill>
+            <a:schemeClr val="lt1">
+              <a:hueOff val="0"/>
+              <a:satOff val="0"/>
+              <a:lumOff val="0"/>
+              <a:alphaOff val="0"/>
+            </a:schemeClr>
+          </a:solidFill>
+          <a:prstDash val="solid"/>
+          <a:miter lim="800000"/>
+        </a:ln>
+        <a:effectLst/>
+      </dsp:spPr>
+      <dsp:style>
+        <a:lnRef idx="2">
+          <a:scrgbClr r="0" g="0" b="0"/>
+        </a:lnRef>
+        <a:fillRef idx="1">
+          <a:scrgbClr r="0" g="0" b="0"/>
+        </a:fillRef>
+        <a:effectRef idx="0">
+          <a:scrgbClr r="0" g="0" b="0"/>
+        </a:effectRef>
+        <a:fontRef idx="minor">
+          <a:schemeClr val="lt1"/>
+        </a:fontRef>
+      </dsp:style>
+      <dsp:txBody>
+        <a:bodyPr spcFirstLastPara="0" vert="horz" wrap="square" lIns="76010" tIns="25337" rIns="25337" bIns="25337" numCol="1" spcCol="1270" anchor="ctr" anchorCtr="0">
+          <a:noAutofit/>
+        </a:bodyPr>
+        <a:lstStyle/>
+        <a:p>
+          <a:pPr lvl="0" algn="ctr" defTabSz="844550">
+            <a:lnSpc>
+              <a:spcPct val="90000"/>
+            </a:lnSpc>
+            <a:spcBef>
+              <a:spcPct val="0"/>
+            </a:spcBef>
+            <a:spcAft>
+              <a:spcPct val="35000"/>
+            </a:spcAft>
+          </a:pPr>
+          <a:r>
+            <a:rPr lang="de-DE" sz="1900" kern="1200" dirty="0" smtClean="0"/>
+            <a:t>Topologie</a:t>
+          </a:r>
+          <a:endParaRPr lang="de-DE" sz="1900" kern="1200" dirty="0"/>
+        </a:p>
+      </dsp:txBody>
+      <dsp:txXfrm>
+        <a:off x="579681" y="2343975"/>
+        <a:ext cx="1731275" cy="1154182"/>
+      </dsp:txXfrm>
+    </dsp:sp>
+    <dsp:sp modelId="{6D6BD3B1-FDF8-44BB-99F4-33A9A894F98B}">
+      <dsp:nvSpPr>
+        <dsp:cNvPr id="0" name=""/>
+        <dsp:cNvSpPr/>
+      </dsp:nvSpPr>
+      <dsp:spPr>
+        <a:xfrm>
+          <a:off x="2601868" y="2336069"/>
+          <a:ext cx="2885457" cy="1154182"/>
+        </a:xfrm>
+        <a:prstGeom prst="chevron">
+          <a:avLst/>
+        </a:prstGeom>
+        <a:solidFill>
+          <a:schemeClr val="accent3">
+            <a:hueOff val="0"/>
+            <a:satOff val="0"/>
+            <a:lumOff val="0"/>
+            <a:alphaOff val="0"/>
+          </a:schemeClr>
+        </a:solidFill>
+        <a:ln w="12700" cap="flat" cmpd="sng" algn="ctr">
+          <a:solidFill>
+            <a:schemeClr val="lt1">
+              <a:hueOff val="0"/>
+              <a:satOff val="0"/>
+              <a:lumOff val="0"/>
+              <a:alphaOff val="0"/>
+            </a:schemeClr>
+          </a:solidFill>
+          <a:prstDash val="solid"/>
+          <a:miter lim="800000"/>
+        </a:ln>
+        <a:effectLst/>
+      </dsp:spPr>
+      <dsp:style>
+        <a:lnRef idx="2">
+          <a:scrgbClr r="0" g="0" b="0"/>
+        </a:lnRef>
+        <a:fillRef idx="1">
+          <a:scrgbClr r="0" g="0" b="0"/>
+        </a:fillRef>
+        <a:effectRef idx="0">
+          <a:scrgbClr r="0" g="0" b="0"/>
+        </a:effectRef>
+        <a:fontRef idx="minor">
+          <a:schemeClr val="lt1"/>
+        </a:fontRef>
+      </dsp:style>
+      <dsp:txBody>
+        <a:bodyPr spcFirstLastPara="0" vert="horz" wrap="square" lIns="76010" tIns="25337" rIns="25337" bIns="25337" numCol="1" spcCol="1270" anchor="ctr" anchorCtr="0">
+          <a:noAutofit/>
+        </a:bodyPr>
+        <a:lstStyle/>
+        <a:p>
+          <a:pPr lvl="0" algn="ctr" defTabSz="844550">
+            <a:lnSpc>
+              <a:spcPct val="90000"/>
+            </a:lnSpc>
+            <a:spcBef>
+              <a:spcPct val="0"/>
+            </a:spcBef>
+            <a:spcAft>
+              <a:spcPct val="35000"/>
+            </a:spcAft>
+          </a:pPr>
+          <a:r>
+            <a:rPr lang="de-DE" sz="1900" kern="1200" dirty="0" smtClean="0"/>
+            <a:t>Transferfunktion</a:t>
+          </a:r>
+          <a:endParaRPr lang="de-DE" sz="1900" kern="1200" dirty="0"/>
+        </a:p>
+      </dsp:txBody>
+      <dsp:txXfrm>
+        <a:off x="3178959" y="2336069"/>
+        <a:ext cx="1731275" cy="1154182"/>
+      </dsp:txXfrm>
+    </dsp:sp>
+    <dsp:sp modelId="{1759F37C-CE72-40A5-B310-ECFA8240AA69}">
+      <dsp:nvSpPr>
+        <dsp:cNvPr id="0" name=""/>
+        <dsp:cNvSpPr/>
+      </dsp:nvSpPr>
+      <dsp:spPr>
+        <a:xfrm>
+          <a:off x="5198779" y="2336069"/>
+          <a:ext cx="2885457" cy="1154182"/>
+        </a:xfrm>
+        <a:prstGeom prst="chevron">
+          <a:avLst/>
+        </a:prstGeom>
+        <a:solidFill>
+          <a:schemeClr val="accent3">
+            <a:hueOff val="0"/>
+            <a:satOff val="0"/>
+            <a:lumOff val="0"/>
+            <a:alphaOff val="0"/>
+          </a:schemeClr>
+        </a:solidFill>
+        <a:ln w="12700" cap="flat" cmpd="sng" algn="ctr">
+          <a:solidFill>
+            <a:schemeClr val="lt1">
+              <a:hueOff val="0"/>
+              <a:satOff val="0"/>
+              <a:lumOff val="0"/>
+              <a:alphaOff val="0"/>
+            </a:schemeClr>
+          </a:solidFill>
+          <a:prstDash val="solid"/>
+          <a:miter lim="800000"/>
+        </a:ln>
+        <a:effectLst/>
+      </dsp:spPr>
+      <dsp:style>
+        <a:lnRef idx="2">
+          <a:scrgbClr r="0" g="0" b="0"/>
+        </a:lnRef>
+        <a:fillRef idx="1">
+          <a:scrgbClr r="0" g="0" b="0"/>
+        </a:fillRef>
+        <a:effectRef idx="0">
+          <a:scrgbClr r="0" g="0" b="0"/>
+        </a:effectRef>
+        <a:fontRef idx="minor">
+          <a:schemeClr val="lt1"/>
+        </a:fontRef>
+      </dsp:style>
+      <dsp:txBody>
+        <a:bodyPr spcFirstLastPara="0" vert="horz" wrap="square" lIns="76010" tIns="25337" rIns="25337" bIns="25337" numCol="1" spcCol="1270" anchor="ctr" anchorCtr="0">
+          <a:noAutofit/>
+        </a:bodyPr>
+        <a:lstStyle/>
+        <a:p>
+          <a:pPr lvl="0" algn="ctr" defTabSz="844550">
+            <a:lnSpc>
+              <a:spcPct val="90000"/>
+            </a:lnSpc>
+            <a:spcBef>
+              <a:spcPct val="0"/>
+            </a:spcBef>
+            <a:spcAft>
+              <a:spcPct val="35000"/>
+            </a:spcAft>
+          </a:pPr>
+          <a:r>
+            <a:rPr lang="de-DE" sz="1900" kern="1200" dirty="0" smtClean="0"/>
+            <a:t>Lernregel</a:t>
+          </a:r>
+          <a:endParaRPr lang="de-DE" sz="1900" kern="1200" dirty="0"/>
+        </a:p>
+      </dsp:txBody>
+      <dsp:txXfrm>
+        <a:off x="5775870" y="2336069"/>
+        <a:ext cx="1731275" cy="1154182"/>
+      </dsp:txXfrm>
+    </dsp:sp>
+    <dsp:sp modelId="{2560545F-FA28-42DD-8D58-823658F4E513}">
+      <dsp:nvSpPr>
+        <dsp:cNvPr id="0" name=""/>
+        <dsp:cNvSpPr/>
+      </dsp:nvSpPr>
+      <dsp:spPr>
+        <a:xfrm>
+          <a:off x="7795691" y="2336069"/>
+          <a:ext cx="2885457" cy="1154182"/>
+        </a:xfrm>
+        <a:prstGeom prst="chevron">
+          <a:avLst/>
+        </a:prstGeom>
+        <a:solidFill>
+          <a:schemeClr val="accent3">
+            <a:hueOff val="0"/>
+            <a:satOff val="0"/>
+            <a:lumOff val="0"/>
+            <a:alphaOff val="0"/>
+          </a:schemeClr>
+        </a:solidFill>
+        <a:ln w="12700" cap="flat" cmpd="sng" algn="ctr">
+          <a:solidFill>
+            <a:schemeClr val="lt1">
+              <a:hueOff val="0"/>
+              <a:satOff val="0"/>
+              <a:lumOff val="0"/>
+              <a:alphaOff val="0"/>
+            </a:schemeClr>
+          </a:solidFill>
+          <a:prstDash val="solid"/>
+          <a:miter lim="800000"/>
+        </a:ln>
+        <a:effectLst/>
+      </dsp:spPr>
+      <dsp:style>
+        <a:lnRef idx="2">
+          <a:scrgbClr r="0" g="0" b="0"/>
+        </a:lnRef>
+        <a:fillRef idx="1">
+          <a:scrgbClr r="0" g="0" b="0"/>
+        </a:fillRef>
+        <a:effectRef idx="0">
+          <a:scrgbClr r="0" g="0" b="0"/>
+        </a:effectRef>
+        <a:fontRef idx="minor">
+          <a:schemeClr val="lt1"/>
+        </a:fontRef>
+      </dsp:style>
+      <dsp:txBody>
+        <a:bodyPr spcFirstLastPara="0" vert="horz" wrap="square" lIns="76010" tIns="25337" rIns="25337" bIns="25337" numCol="1" spcCol="1270" anchor="ctr" anchorCtr="0">
+          <a:noAutofit/>
+        </a:bodyPr>
+        <a:lstStyle/>
+        <a:p>
+          <a:pPr lvl="0" algn="ctr" defTabSz="844550">
+            <a:lnSpc>
+              <a:spcPct val="90000"/>
+            </a:lnSpc>
+            <a:spcBef>
+              <a:spcPct val="0"/>
+            </a:spcBef>
+            <a:spcAft>
+              <a:spcPct val="35000"/>
+            </a:spcAft>
+          </a:pPr>
+          <a:r>
+            <a:rPr lang="de-DE" sz="1900" kern="1200" dirty="0" smtClean="0"/>
+            <a:t>Lernrate</a:t>
+          </a:r>
+          <a:endParaRPr lang="de-DE" sz="1900" kern="1200" dirty="0"/>
+        </a:p>
+      </dsp:txBody>
+      <dsp:txXfrm>
+        <a:off x="8372782" y="2336069"/>
+        <a:ext cx="1731275" cy="1154182"/>
+      </dsp:txXfrm>
+    </dsp:sp>
   </dsp:spTree>
 </dsp:drawing>
 </file>
@@ -2594,7 +2910,8 @@
           <a:p>
             <a:fld id="{5120BD12-1583-495B-85C5-BFC7DD39358E}" type="datetimeFigureOut">
               <a:rPr lang="de-DE" smtClean="0"/>
-              <a:t>06.12.2015</a:t>
+              <a:pPr/>
+              <a:t>09.12.2015</a:t>
             </a:fld>
             <a:endParaRPr lang="de-DE"/>
           </a:p>
@@ -2753,6 +3070,7 @@
           <a:p>
             <a:fld id="{0B7A52FC-885B-48D0-94A7-F9F16D60E366}" type="slidenum">
               <a:rPr lang="de-DE" smtClean="0"/>
+              <a:pPr/>
               <a:t>‹Nr.›</a:t>
             </a:fld>
             <a:endParaRPr lang="de-DE"/>
@@ -2937,6 +3255,7 @@
           <a:p>
             <a:fld id="{0B7A52FC-885B-48D0-94A7-F9F16D60E366}" type="slidenum">
               <a:rPr lang="de-DE" smtClean="0"/>
+              <a:pPr/>
               <a:t>13</a:t>
             </a:fld>
             <a:endParaRPr lang="de-DE"/>
@@ -3021,7 +3340,8 @@
           <a:p>
             <a:fld id="{0B7A52FC-885B-48D0-94A7-F9F16D60E366}" type="slidenum">
               <a:rPr lang="de-DE" smtClean="0"/>
-              <a:t>35</a:t>
+              <a:pPr/>
+              <a:t>36</a:t>
             </a:fld>
             <a:endParaRPr lang="de-DE"/>
           </a:p>
@@ -3030,7 +3350,7 @@
     </p:spTree>
     <p:extLst>
       <p:ext uri="{BB962C8B-B14F-4D97-AF65-F5344CB8AC3E}">
-        <p14:creationId xmlns:p14="http://schemas.microsoft.com/office/powerpoint/2010/main" val="2972790320"/>
+        <p14:creationId xmlns:p14="http://schemas.microsoft.com/office/powerpoint/2010/main" val="1760629340"/>
       </p:ext>
     </p:extLst>
   </p:cSld>
@@ -3105,7 +3425,8 @@
           <a:p>
             <a:fld id="{0B7A52FC-885B-48D0-94A7-F9F16D60E366}" type="slidenum">
               <a:rPr lang="de-DE" smtClean="0"/>
-              <a:t>36</a:t>
+              <a:pPr/>
+              <a:t>37</a:t>
             </a:fld>
             <a:endParaRPr lang="de-DE"/>
           </a:p>
@@ -3114,7 +3435,7 @@
     </p:spTree>
     <p:extLst>
       <p:ext uri="{BB962C8B-B14F-4D97-AF65-F5344CB8AC3E}">
-        <p14:creationId xmlns:p14="http://schemas.microsoft.com/office/powerpoint/2010/main" val="1788656123"/>
+        <p14:creationId xmlns:p14="http://schemas.microsoft.com/office/powerpoint/2010/main" val="2972790320"/>
       </p:ext>
     </p:extLst>
   </p:cSld>
@@ -3189,7 +3510,263 @@
           <a:p>
             <a:fld id="{0B7A52FC-885B-48D0-94A7-F9F16D60E366}" type="slidenum">
               <a:rPr lang="de-DE" smtClean="0"/>
-              <a:t>37</a:t>
+              <a:pPr/>
+              <a:t>38</a:t>
+            </a:fld>
+            <a:endParaRPr lang="de-DE"/>
+          </a:p>
+        </p:txBody>
+      </p:sp>
+    </p:spTree>
+    <p:extLst>
+      <p:ext uri="{BB962C8B-B14F-4D97-AF65-F5344CB8AC3E}">
+        <p14:creationId xmlns:p14="http://schemas.microsoft.com/office/powerpoint/2010/main" val="2972790320"/>
+      </p:ext>
+    </p:extLst>
+  </p:cSld>
+  <p:clrMapOvr>
+    <a:masterClrMapping/>
+  </p:clrMapOvr>
+</p:notes>
+</file>
+
+<file path=ppt/notesSlides/notesSlide13.xml><?xml version="1.0" encoding="utf-8"?>
+<p:notes xmlns:a="http://schemas.openxmlformats.org/drawingml/2006/main" xmlns:r="http://schemas.openxmlformats.org/officeDocument/2006/relationships" xmlns:p="http://schemas.openxmlformats.org/presentationml/2006/main">
+  <p:cSld>
+    <p:spTree>
+      <p:nvGrpSpPr>
+        <p:cNvPr id="1" name=""/>
+        <p:cNvGrpSpPr/>
+        <p:nvPr/>
+      </p:nvGrpSpPr>
+      <p:grpSpPr>
+        <a:xfrm>
+          <a:off x="0" y="0"/>
+          <a:ext cx="0" cy="0"/>
+          <a:chOff x="0" y="0"/>
+          <a:chExt cx="0" cy="0"/>
+        </a:xfrm>
+      </p:grpSpPr>
+      <p:sp>
+        <p:nvSpPr>
+          <p:cNvPr id="2" name="Folienbildplatzhalter 1"/>
+          <p:cNvSpPr>
+            <a:spLocks noGrp="1" noRot="1" noChangeAspect="1"/>
+          </p:cNvSpPr>
+          <p:nvPr>
+            <p:ph type="sldImg"/>
+          </p:nvPr>
+        </p:nvSpPr>
+        <p:spPr/>
+      </p:sp>
+      <p:sp>
+        <p:nvSpPr>
+          <p:cNvPr id="3" name="Notizenplatzhalter 2"/>
+          <p:cNvSpPr>
+            <a:spLocks noGrp="1"/>
+          </p:cNvSpPr>
+          <p:nvPr>
+            <p:ph type="body" idx="1"/>
+          </p:nvPr>
+        </p:nvSpPr>
+        <p:spPr/>
+        <p:txBody>
+          <a:bodyPr/>
+          <a:lstStyle/>
+          <a:p>
+            <a:endParaRPr lang="de-DE" dirty="0"/>
+          </a:p>
+        </p:txBody>
+      </p:sp>
+      <p:sp>
+        <p:nvSpPr>
+          <p:cNvPr id="4" name="Foliennummernplatzhalter 3"/>
+          <p:cNvSpPr>
+            <a:spLocks noGrp="1"/>
+          </p:cNvSpPr>
+          <p:nvPr>
+            <p:ph type="sldNum" sz="quarter" idx="10"/>
+          </p:nvPr>
+        </p:nvSpPr>
+        <p:spPr/>
+        <p:txBody>
+          <a:bodyPr/>
+          <a:lstStyle/>
+          <a:p>
+            <a:fld id="{0B7A52FC-885B-48D0-94A7-F9F16D60E366}" type="slidenum">
+              <a:rPr lang="de-DE" smtClean="0"/>
+              <a:pPr/>
+              <a:t>39</a:t>
+            </a:fld>
+            <a:endParaRPr lang="de-DE"/>
+          </a:p>
+        </p:txBody>
+      </p:sp>
+    </p:spTree>
+    <p:extLst>
+      <p:ext uri="{BB962C8B-B14F-4D97-AF65-F5344CB8AC3E}">
+        <p14:creationId xmlns:p14="http://schemas.microsoft.com/office/powerpoint/2010/main" val="1788656123"/>
+      </p:ext>
+    </p:extLst>
+  </p:cSld>
+  <p:clrMapOvr>
+    <a:masterClrMapping/>
+  </p:clrMapOvr>
+</p:notes>
+</file>
+
+<file path=ppt/notesSlides/notesSlide14.xml><?xml version="1.0" encoding="utf-8"?>
+<p:notes xmlns:a="http://schemas.openxmlformats.org/drawingml/2006/main" xmlns:r="http://schemas.openxmlformats.org/officeDocument/2006/relationships" xmlns:p="http://schemas.openxmlformats.org/presentationml/2006/main">
+  <p:cSld>
+    <p:spTree>
+      <p:nvGrpSpPr>
+        <p:cNvPr id="1" name=""/>
+        <p:cNvGrpSpPr/>
+        <p:nvPr/>
+      </p:nvGrpSpPr>
+      <p:grpSpPr>
+        <a:xfrm>
+          <a:off x="0" y="0"/>
+          <a:ext cx="0" cy="0"/>
+          <a:chOff x="0" y="0"/>
+          <a:chExt cx="0" cy="0"/>
+        </a:xfrm>
+      </p:grpSpPr>
+      <p:sp>
+        <p:nvSpPr>
+          <p:cNvPr id="2" name="Folienbildplatzhalter 1"/>
+          <p:cNvSpPr>
+            <a:spLocks noGrp="1" noRot="1" noChangeAspect="1"/>
+          </p:cNvSpPr>
+          <p:nvPr>
+            <p:ph type="sldImg"/>
+          </p:nvPr>
+        </p:nvSpPr>
+        <p:spPr/>
+      </p:sp>
+      <p:sp>
+        <p:nvSpPr>
+          <p:cNvPr id="3" name="Notizenplatzhalter 2"/>
+          <p:cNvSpPr>
+            <a:spLocks noGrp="1"/>
+          </p:cNvSpPr>
+          <p:nvPr>
+            <p:ph type="body" idx="1"/>
+          </p:nvPr>
+        </p:nvSpPr>
+        <p:spPr/>
+        <p:txBody>
+          <a:bodyPr/>
+          <a:lstStyle/>
+          <a:p>
+            <a:endParaRPr lang="de-DE" dirty="0"/>
+          </a:p>
+        </p:txBody>
+      </p:sp>
+      <p:sp>
+        <p:nvSpPr>
+          <p:cNvPr id="4" name="Foliennummernplatzhalter 3"/>
+          <p:cNvSpPr>
+            <a:spLocks noGrp="1"/>
+          </p:cNvSpPr>
+          <p:nvPr>
+            <p:ph type="sldNum" sz="quarter" idx="10"/>
+          </p:nvPr>
+        </p:nvSpPr>
+        <p:spPr/>
+        <p:txBody>
+          <a:bodyPr/>
+          <a:lstStyle/>
+          <a:p>
+            <a:fld id="{0B7A52FC-885B-48D0-94A7-F9F16D60E366}" type="slidenum">
+              <a:rPr lang="de-DE" smtClean="0"/>
+              <a:pPr/>
+              <a:t>40</a:t>
+            </a:fld>
+            <a:endParaRPr lang="de-DE"/>
+          </a:p>
+        </p:txBody>
+      </p:sp>
+    </p:spTree>
+    <p:extLst>
+      <p:ext uri="{BB962C8B-B14F-4D97-AF65-F5344CB8AC3E}">
+        <p14:creationId xmlns:p14="http://schemas.microsoft.com/office/powerpoint/2010/main" val="1788656123"/>
+      </p:ext>
+    </p:extLst>
+  </p:cSld>
+  <p:clrMapOvr>
+    <a:masterClrMapping/>
+  </p:clrMapOvr>
+</p:notes>
+</file>
+
+<file path=ppt/notesSlides/notesSlide15.xml><?xml version="1.0" encoding="utf-8"?>
+<p:notes xmlns:a="http://schemas.openxmlformats.org/drawingml/2006/main" xmlns:r="http://schemas.openxmlformats.org/officeDocument/2006/relationships" xmlns:p="http://schemas.openxmlformats.org/presentationml/2006/main">
+  <p:cSld>
+    <p:spTree>
+      <p:nvGrpSpPr>
+        <p:cNvPr id="1" name=""/>
+        <p:cNvGrpSpPr/>
+        <p:nvPr/>
+      </p:nvGrpSpPr>
+      <p:grpSpPr>
+        <a:xfrm>
+          <a:off x="0" y="0"/>
+          <a:ext cx="0" cy="0"/>
+          <a:chOff x="0" y="0"/>
+          <a:chExt cx="0" cy="0"/>
+        </a:xfrm>
+      </p:grpSpPr>
+      <p:sp>
+        <p:nvSpPr>
+          <p:cNvPr id="2" name="Folienbildplatzhalter 1"/>
+          <p:cNvSpPr>
+            <a:spLocks noGrp="1" noRot="1" noChangeAspect="1"/>
+          </p:cNvSpPr>
+          <p:nvPr>
+            <p:ph type="sldImg"/>
+          </p:nvPr>
+        </p:nvSpPr>
+        <p:spPr/>
+      </p:sp>
+      <p:sp>
+        <p:nvSpPr>
+          <p:cNvPr id="3" name="Notizenplatzhalter 2"/>
+          <p:cNvSpPr>
+            <a:spLocks noGrp="1"/>
+          </p:cNvSpPr>
+          <p:nvPr>
+            <p:ph type="body" idx="1"/>
+          </p:nvPr>
+        </p:nvSpPr>
+        <p:spPr/>
+        <p:txBody>
+          <a:bodyPr/>
+          <a:lstStyle/>
+          <a:p>
+            <a:endParaRPr lang="de-DE" dirty="0"/>
+          </a:p>
+        </p:txBody>
+      </p:sp>
+      <p:sp>
+        <p:nvSpPr>
+          <p:cNvPr id="4" name="Foliennummernplatzhalter 3"/>
+          <p:cNvSpPr>
+            <a:spLocks noGrp="1"/>
+          </p:cNvSpPr>
+          <p:nvPr>
+            <p:ph type="sldNum" sz="quarter" idx="10"/>
+          </p:nvPr>
+        </p:nvSpPr>
+        <p:spPr/>
+        <p:txBody>
+          <a:bodyPr/>
+          <a:lstStyle/>
+          <a:p>
+            <a:fld id="{0B7A52FC-885B-48D0-94A7-F9F16D60E366}" type="slidenum">
+              <a:rPr lang="de-DE" smtClean="0"/>
+              <a:pPr/>
+              <a:t>41</a:t>
             </a:fld>
             <a:endParaRPr lang="de-DE"/>
           </a:p>
@@ -3277,6 +3854,7 @@
           <a:p>
             <a:fld id="{0B7A52FC-885B-48D0-94A7-F9F16D60E366}" type="slidenum">
               <a:rPr lang="de-DE" smtClean="0"/>
+              <a:pPr/>
               <a:t>21</a:t>
             </a:fld>
             <a:endParaRPr lang="de-DE"/>
@@ -3361,7 +3939,8 @@
           <a:p>
             <a:fld id="{0B7A52FC-885B-48D0-94A7-F9F16D60E366}" type="slidenum">
               <a:rPr lang="de-DE" smtClean="0"/>
-              <a:t>28</a:t>
+              <a:pPr/>
+              <a:t>29</a:t>
             </a:fld>
             <a:endParaRPr lang="de-DE"/>
           </a:p>
@@ -3445,7 +4024,8 @@
           <a:p>
             <a:fld id="{0B7A52FC-885B-48D0-94A7-F9F16D60E366}" type="slidenum">
               <a:rPr lang="de-DE" smtClean="0"/>
-              <a:t>29</a:t>
+              <a:pPr/>
+              <a:t>30</a:t>
             </a:fld>
             <a:endParaRPr lang="de-DE"/>
           </a:p>
@@ -3529,7 +4109,8 @@
           <a:p>
             <a:fld id="{0B7A52FC-885B-48D0-94A7-F9F16D60E366}" type="slidenum">
               <a:rPr lang="de-DE" smtClean="0"/>
-              <a:t>30</a:t>
+              <a:pPr/>
+              <a:t>31</a:t>
             </a:fld>
             <a:endParaRPr lang="de-DE"/>
           </a:p>
@@ -3613,7 +4194,8 @@
           <a:p>
             <a:fld id="{0B7A52FC-885B-48D0-94A7-F9F16D60E366}" type="slidenum">
               <a:rPr lang="de-DE" smtClean="0"/>
-              <a:t>31</a:t>
+              <a:pPr/>
+              <a:t>32</a:t>
             </a:fld>
             <a:endParaRPr lang="de-DE"/>
           </a:p>
@@ -3697,7 +4279,8 @@
           <a:p>
             <a:fld id="{0B7A52FC-885B-48D0-94A7-F9F16D60E366}" type="slidenum">
               <a:rPr lang="de-DE" smtClean="0"/>
-              <a:t>32</a:t>
+              <a:pPr/>
+              <a:t>33</a:t>
             </a:fld>
             <a:endParaRPr lang="de-DE"/>
           </a:p>
@@ -3781,7 +4364,8 @@
           <a:p>
             <a:fld id="{0B7A52FC-885B-48D0-94A7-F9F16D60E366}" type="slidenum">
               <a:rPr lang="de-DE" smtClean="0"/>
-              <a:t>33</a:t>
+              <a:pPr/>
+              <a:t>34</a:t>
             </a:fld>
             <a:endParaRPr lang="de-DE"/>
           </a:p>
@@ -3865,7 +4449,8 @@
           <a:p>
             <a:fld id="{0B7A52FC-885B-48D0-94A7-F9F16D60E366}" type="slidenum">
               <a:rPr lang="de-DE" smtClean="0"/>
-              <a:t>34</a:t>
+              <a:pPr/>
+              <a:t>35</a:t>
             </a:fld>
             <a:endParaRPr lang="de-DE"/>
           </a:p>
@@ -4135,7 +4720,8 @@
           <a:p>
             <a:fld id="{FEB60944-69D9-40E2-805F-52E6DDFC3E05}" type="datetime1">
               <a:rPr lang="de-DE" smtClean="0"/>
-              <a:t>06.12.2015</a:t>
+              <a:pPr/>
+              <a:t>09.12.2015</a:t>
             </a:fld>
             <a:endParaRPr lang="de-DE"/>
           </a:p>
@@ -4181,6 +4767,7 @@
           <a:p>
             <a:fld id="{0E226D3C-400E-4353-AAC2-09A0472DC536}" type="slidenum">
               <a:rPr lang="de-DE" smtClean="0"/>
+              <a:pPr/>
               <a:t>‹Nr.›</a:t>
             </a:fld>
             <a:endParaRPr lang="de-DE"/>
@@ -4326,7 +4913,8 @@
           <a:p>
             <a:fld id="{43C6271B-4DF3-4799-BDC9-4973FE68CB18}" type="datetime1">
               <a:rPr lang="de-DE" smtClean="0"/>
-              <a:t>06.12.2015</a:t>
+              <a:pPr/>
+              <a:t>09.12.2015</a:t>
             </a:fld>
             <a:endParaRPr lang="de-DE"/>
           </a:p>
@@ -4372,6 +4960,7 @@
           <a:p>
             <a:fld id="{0E226D3C-400E-4353-AAC2-09A0472DC536}" type="slidenum">
               <a:rPr lang="de-DE" smtClean="0"/>
+              <a:pPr/>
               <a:t>‹Nr.›</a:t>
             </a:fld>
             <a:endParaRPr lang="de-DE"/>
@@ -4508,7 +5097,8 @@
           <a:p>
             <a:fld id="{7AC709DD-AC18-4FBA-B4E6-46DED743653E}" type="datetime1">
               <a:rPr lang="de-DE" smtClean="0"/>
-              <a:t>06.12.2015</a:t>
+              <a:pPr/>
+              <a:t>09.12.2015</a:t>
             </a:fld>
             <a:endParaRPr lang="de-DE"/>
           </a:p>
@@ -4554,6 +5144,7 @@
           <a:p>
             <a:fld id="{0E226D3C-400E-4353-AAC2-09A0472DC536}" type="slidenum">
               <a:rPr lang="de-DE" smtClean="0"/>
+              <a:pPr/>
               <a:t>‹Nr.›</a:t>
             </a:fld>
             <a:endParaRPr lang="de-DE" dirty="0"/>
@@ -4765,7 +5356,8 @@
           <a:p>
             <a:fld id="{F3A5CA38-DE03-43E0-AAE8-40DE9D126515}" type="datetime1">
               <a:rPr lang="de-DE" smtClean="0"/>
-              <a:t>06.12.2015</a:t>
+              <a:pPr/>
+              <a:t>09.12.2015</a:t>
             </a:fld>
             <a:endParaRPr lang="de-DE"/>
           </a:p>
@@ -4811,6 +5403,7 @@
           <a:p>
             <a:fld id="{0E226D3C-400E-4353-AAC2-09A0472DC536}" type="slidenum">
               <a:rPr lang="de-DE" smtClean="0"/>
+              <a:pPr/>
               <a:t>‹Nr.›</a:t>
             </a:fld>
             <a:endParaRPr lang="de-DE" dirty="0"/>
@@ -5008,7 +5601,8 @@
           <a:p>
             <a:fld id="{11090321-36FA-45A6-9663-BC38008A0E9B}" type="datetime1">
               <a:rPr lang="de-DE" smtClean="0"/>
-              <a:t>06.12.2015</a:t>
+              <a:pPr/>
+              <a:t>09.12.2015</a:t>
             </a:fld>
             <a:endParaRPr lang="de-DE"/>
           </a:p>
@@ -5054,6 +5648,7 @@
           <a:p>
             <a:fld id="{0E226D3C-400E-4353-AAC2-09A0472DC536}" type="slidenum">
               <a:rPr lang="de-DE" smtClean="0"/>
+              <a:pPr/>
               <a:t>‹Nr.›</a:t>
             </a:fld>
             <a:endParaRPr lang="de-DE" dirty="0"/>
@@ -5386,7 +5981,8 @@
           <a:p>
             <a:fld id="{256C77CD-8025-4CCE-8E91-02984A062E73}" type="datetime1">
               <a:rPr lang="de-DE" smtClean="0"/>
-              <a:t>06.12.2015</a:t>
+              <a:pPr/>
+              <a:t>09.12.2015</a:t>
             </a:fld>
             <a:endParaRPr lang="de-DE"/>
           </a:p>
@@ -5432,6 +6028,7 @@
           <a:p>
             <a:fld id="{0E226D3C-400E-4353-AAC2-09A0472DC536}" type="slidenum">
               <a:rPr lang="de-DE" smtClean="0"/>
+              <a:pPr/>
               <a:t>‹Nr.›</a:t>
             </a:fld>
             <a:endParaRPr lang="de-DE"/>
@@ -5515,7 +6112,8 @@
           <a:p>
             <a:fld id="{613140FE-C567-4560-9D45-46486DBA67D5}" type="datetime1">
               <a:rPr lang="de-DE" smtClean="0"/>
-              <a:t>06.12.2015</a:t>
+              <a:pPr/>
+              <a:t>09.12.2015</a:t>
             </a:fld>
             <a:endParaRPr lang="de-DE"/>
           </a:p>
@@ -5561,6 +6159,7 @@
           <a:p>
             <a:fld id="{0E226D3C-400E-4353-AAC2-09A0472DC536}" type="slidenum">
               <a:rPr lang="de-DE" smtClean="0"/>
+              <a:pPr/>
               <a:t>‹Nr.›</a:t>
             </a:fld>
             <a:endParaRPr lang="de-DE"/>
@@ -5621,7 +6220,8 @@
           <a:p>
             <a:fld id="{664489CE-C1E2-4395-A707-33A40D5C0A6A}" type="datetime1">
               <a:rPr lang="de-DE" smtClean="0"/>
-              <a:t>06.12.2015</a:t>
+              <a:pPr/>
+              <a:t>09.12.2015</a:t>
             </a:fld>
             <a:endParaRPr lang="de-DE"/>
           </a:p>
@@ -5667,6 +6267,7 @@
           <a:p>
             <a:fld id="{0E226D3C-400E-4353-AAC2-09A0472DC536}" type="slidenum">
               <a:rPr lang="de-DE" smtClean="0"/>
+              <a:pPr/>
               <a:t>‹Nr.›</a:t>
             </a:fld>
             <a:endParaRPr lang="de-DE"/>
@@ -5909,7 +6510,8 @@
           <a:p>
             <a:fld id="{BE84FF2F-E5B7-4AEF-A728-DCB9E7CE66D1}" type="datetime1">
               <a:rPr lang="de-DE" smtClean="0"/>
-              <a:t>06.12.2015</a:t>
+              <a:pPr/>
+              <a:t>09.12.2015</a:t>
             </a:fld>
             <a:endParaRPr lang="de-DE"/>
           </a:p>
@@ -5955,6 +6557,7 @@
           <a:p>
             <a:fld id="{0E226D3C-400E-4353-AAC2-09A0472DC536}" type="slidenum">
               <a:rPr lang="de-DE" smtClean="0"/>
+              <a:pPr/>
               <a:t>‹Nr.›</a:t>
             </a:fld>
             <a:endParaRPr lang="de-DE"/>
@@ -6173,7 +6776,8 @@
           <a:p>
             <a:fld id="{1C1C31E4-1EA5-4909-922A-9F42F675C505}" type="datetime1">
               <a:rPr lang="de-DE" smtClean="0"/>
-              <a:t>06.12.2015</a:t>
+              <a:pPr/>
+              <a:t>09.12.2015</a:t>
             </a:fld>
             <a:endParaRPr lang="de-DE"/>
           </a:p>
@@ -6219,6 +6823,7 @@
           <a:p>
             <a:fld id="{0E226D3C-400E-4353-AAC2-09A0472DC536}" type="slidenum">
               <a:rPr lang="de-DE" smtClean="0"/>
+              <a:pPr/>
               <a:t>‹Nr.›</a:t>
             </a:fld>
             <a:endParaRPr lang="de-DE"/>
@@ -6380,7 +6985,8 @@
           <a:p>
             <a:fld id="{19652882-9BC8-4FD3-AB94-9F037815DBC2}" type="datetime1">
               <a:rPr lang="de-DE" smtClean="0"/>
-              <a:t>06.12.2015</a:t>
+              <a:pPr/>
+              <a:t>09.12.2015</a:t>
             </a:fld>
             <a:endParaRPr lang="de-DE" dirty="0"/>
           </a:p>
@@ -6806,7 +7412,7 @@
   </p:txStyles>
   <p:extLst>
     <p:ext uri="{27BBF7A9-308A-43DC-89C8-2F10F3537804}">
-      <p15:sldGuideLst xmlns:p15="http://schemas.microsoft.com/office/powerpoint/2012/main">
+      <p15:sldGuideLst xmlns="" xmlns:p15="http://schemas.microsoft.com/office/powerpoint/2012/main">
         <p15:guide id="1" orient="horz" pos="2160" userDrawn="1">
           <p15:clr>
             <a:srgbClr val="F26B43"/>
@@ -7109,7 +7715,8 @@
           <a:p>
             <a:fld id="{7AC709DD-AC18-4FBA-B4E6-46DED743653E}" type="datetime1">
               <a:rPr lang="de-DE" smtClean="0"/>
-              <a:t>06.12.2015</a:t>
+              <a:pPr/>
+              <a:t>09.12.2015</a:t>
             </a:fld>
             <a:endParaRPr lang="de-DE"/>
           </a:p>
@@ -7155,6 +7762,7 @@
           <a:p>
             <a:fld id="{0E226D3C-400E-4353-AAC2-09A0472DC536}" type="slidenum">
               <a:rPr lang="de-DE" smtClean="0"/>
+              <a:pPr/>
               <a:t>9</a:t>
             </a:fld>
             <a:endParaRPr lang="de-DE" dirty="0"/>
@@ -7893,7 +8501,8 @@
           <a:p>
             <a:fld id="{7AC709DD-AC18-4FBA-B4E6-46DED743653E}" type="datetime1">
               <a:rPr lang="de-DE" smtClean="0"/>
-              <a:t>06.12.2015</a:t>
+              <a:pPr/>
+              <a:t>09.12.2015</a:t>
             </a:fld>
             <a:endParaRPr lang="de-DE"/>
           </a:p>
@@ -7939,6 +8548,7 @@
           <a:p>
             <a:fld id="{0E226D3C-400E-4353-AAC2-09A0472DC536}" type="slidenum">
               <a:rPr lang="de-DE" smtClean="0"/>
+              <a:pPr/>
               <a:t>10</a:t>
             </a:fld>
             <a:endParaRPr lang="de-DE" dirty="0"/>
@@ -8647,8 +9257,8 @@
           </a:p>
         </p:txBody>
       </p:sp>
-      <mc:AlternateContent xmlns:mc="http://schemas.openxmlformats.org/markup-compatibility/2006" xmlns:a14="http://schemas.microsoft.com/office/drawing/2010/main">
-        <mc:Choice Requires="a14">
+      <mc:AlternateContent xmlns:mc="http://schemas.openxmlformats.org/markup-compatibility/2006">
+        <mc:Choice xmlns:a14="http://schemas.microsoft.com/office/drawing/2010/main" Requires="a14">
           <p:sp>
             <p:nvSpPr>
               <p:cNvPr id="3" name="Inhaltsplatzhalter 2"/>
@@ -8741,7 +9351,7 @@
                       <m:sSupPr>
                         <m:ctrlPr>
                           <a:rPr lang="de-DE" b="0" i="1" smtClean="0">
-                            <a:latin typeface="Cambria Math" panose="02040503050406030204" pitchFamily="18" charset="0"/>
+                            <a:latin typeface="Cambria Math"/>
                             <a:ea typeface="Cambria Math" panose="02040503050406030204" pitchFamily="18" charset="0"/>
                           </a:rPr>
                         </m:ctrlPr>
@@ -8802,7 +9412,7 @@
                       <m:sSubPr>
                         <m:ctrlPr>
                           <a:rPr lang="de-DE" b="0" i="1" smtClean="0">
-                            <a:latin typeface="Cambria Math" panose="02040503050406030204" pitchFamily="18" charset="0"/>
+                            <a:latin typeface="Cambria Math"/>
                           </a:rPr>
                         </m:ctrlPr>
                       </m:sSubPr>
@@ -8833,7 +9443,7 @@
                       <m:sSubPr>
                         <m:ctrlPr>
                           <a:rPr lang="de-DE" b="0" i="1" smtClean="0">
-                            <a:latin typeface="Cambria Math" panose="02040503050406030204" pitchFamily="18" charset="0"/>
+                            <a:latin typeface="Cambria Math"/>
                           </a:rPr>
                         </m:ctrlPr>
                       </m:sSubPr>
@@ -8879,7 +9489,7 @@
                         <m:chr m:val="⃑"/>
                         <m:ctrlPr>
                           <a:rPr lang="de-DE" i="1" smtClean="0">
-                            <a:latin typeface="Cambria Math" panose="02040503050406030204" pitchFamily="18" charset="0"/>
+                            <a:latin typeface="Cambria Math"/>
                           </a:rPr>
                         </m:ctrlPr>
                       </m:accPr>
@@ -8902,7 +9512,7 @@
                       <m:dPr>
                         <m:ctrlPr>
                           <a:rPr lang="de-DE" b="0" i="1" smtClean="0">
-                            <a:latin typeface="Cambria Math" panose="02040503050406030204" pitchFamily="18" charset="0"/>
+                            <a:latin typeface="Cambria Math"/>
                           </a:rPr>
                         </m:ctrlPr>
                       </m:dPr>
@@ -8911,7 +9521,7 @@
                           <m:sSubPr>
                             <m:ctrlPr>
                               <a:rPr lang="de-DE" b="0" i="1" smtClean="0">
-                                <a:latin typeface="Cambria Math" panose="02040503050406030204" pitchFamily="18" charset="0"/>
+                                <a:latin typeface="Cambria Math"/>
                               </a:rPr>
                             </m:ctrlPr>
                           </m:sSubPr>
@@ -8942,7 +9552,7 @@
                           <m:sSubPr>
                             <m:ctrlPr>
                               <a:rPr lang="de-DE" b="0" i="1" smtClean="0">
-                                <a:latin typeface="Cambria Math" panose="02040503050406030204" pitchFamily="18" charset="0"/>
+                                <a:latin typeface="Cambria Math"/>
                               </a:rPr>
                             </m:ctrlPr>
                           </m:sSubPr>
@@ -9010,7 +9620,7 @@
                         <m:chr m:val="⃑"/>
                         <m:ctrlPr>
                           <a:rPr lang="de-DE" b="0" i="1" smtClean="0">
-                            <a:latin typeface="Cambria Math" panose="02040503050406030204" pitchFamily="18" charset="0"/>
+                            <a:latin typeface="Cambria Math"/>
                             <a:ea typeface="Cambria Math" panose="02040503050406030204" pitchFamily="18" charset="0"/>
                           </a:rPr>
                         </m:ctrlPr>
@@ -9035,7 +9645,7 @@
                       <m:dPr>
                         <m:ctrlPr>
                           <a:rPr lang="de-DE" b="0" i="1" smtClean="0">
-                            <a:latin typeface="Cambria Math" panose="02040503050406030204" pitchFamily="18" charset="0"/>
+                            <a:latin typeface="Cambria Math"/>
                           </a:rPr>
                         </m:ctrlPr>
                       </m:dPr>
@@ -9044,7 +9654,7 @@
                           <m:sSubPr>
                             <m:ctrlPr>
                               <a:rPr lang="de-DE" b="0" i="1" smtClean="0">
-                                <a:latin typeface="Cambria Math" panose="02040503050406030204" pitchFamily="18" charset="0"/>
+                                <a:latin typeface="Cambria Math"/>
                               </a:rPr>
                             </m:ctrlPr>
                           </m:sSubPr>
@@ -9075,7 +9685,7 @@
                           <m:sSubPr>
                             <m:ctrlPr>
                               <a:rPr lang="de-DE" b="0" i="1" smtClean="0">
-                                <a:latin typeface="Cambria Math" panose="02040503050406030204" pitchFamily="18" charset="0"/>
+                                <a:latin typeface="Cambria Math"/>
                               </a:rPr>
                             </m:ctrlPr>
                           </m:sSubPr>
@@ -9140,7 +9750,7 @@
                           <m:chr m:val="∑"/>
                           <m:ctrlPr>
                             <a:rPr lang="pt-BR" i="1" smtClean="0">
-                              <a:latin typeface="Cambria Math" panose="02040503050406030204" pitchFamily="18" charset="0"/>
+                              <a:latin typeface="Cambria Math"/>
                             </a:rPr>
                           </m:ctrlPr>
                         </m:naryPr>
@@ -9171,7 +9781,7 @@
                             <m:sSubPr>
                               <m:ctrlPr>
                                 <a:rPr lang="pt-BR" i="1" smtClean="0">
-                                  <a:latin typeface="Cambria Math" panose="02040503050406030204" pitchFamily="18" charset="0"/>
+                                  <a:latin typeface="Cambria Math"/>
                                 </a:rPr>
                               </m:ctrlPr>
                             </m:sSubPr>
@@ -9196,7 +9806,7 @@
                             <m:sSubPr>
                               <m:ctrlPr>
                                 <a:rPr lang="pt-BR" i="1" smtClean="0">
-                                  <a:latin typeface="Cambria Math" panose="02040503050406030204" pitchFamily="18" charset="0"/>
+                                  <a:latin typeface="Cambria Math"/>
                                 </a:rPr>
                               </m:ctrlPr>
                             </m:sSubPr>
@@ -9236,7 +9846,7 @@
                         <m:sSubPr>
                           <m:ctrlPr>
                             <a:rPr lang="de-DE" b="0" i="1" smtClean="0">
-                              <a:latin typeface="Cambria Math" panose="02040503050406030204" pitchFamily="18" charset="0"/>
+                              <a:latin typeface="Cambria Math"/>
                               <a:ea typeface="Cambria Math" panose="02040503050406030204" pitchFamily="18" charset="0"/>
                             </a:rPr>
                           </m:ctrlPr>
@@ -9279,7 +9889,7 @@
                           <m:chr m:val="∑"/>
                           <m:ctrlPr>
                             <a:rPr lang="pt-BR" i="1">
-                              <a:latin typeface="Cambria Math" panose="02040503050406030204" pitchFamily="18" charset="0"/>
+                              <a:latin typeface="Cambria Math"/>
                             </a:rPr>
                           </m:ctrlPr>
                         </m:naryPr>
@@ -9310,7 +9920,7 @@
                             <m:sSubPr>
                               <m:ctrlPr>
                                 <a:rPr lang="pt-BR" i="1">
-                                  <a:latin typeface="Cambria Math" panose="02040503050406030204" pitchFamily="18" charset="0"/>
+                                  <a:latin typeface="Cambria Math"/>
                                 </a:rPr>
                               </m:ctrlPr>
                             </m:sSubPr>
@@ -9335,7 +9945,7 @@
                             <m:sSubPr>
                               <m:ctrlPr>
                                 <a:rPr lang="de-DE" i="1" smtClean="0">
-                                  <a:latin typeface="Cambria Math" panose="02040503050406030204" pitchFamily="18" charset="0"/>
+                                  <a:latin typeface="Cambria Math"/>
                                 </a:rPr>
                               </m:ctrlPr>
                             </m:sSubPr>
@@ -9377,16 +9987,28 @@
                 </a:r>
               </a:p>
               <a:p>
-                <a:pPr lvl="2"/>
+                <a:pPr lvl="1"/>
                 <a:r>
                   <a:rPr lang="de-DE" sz="2600" dirty="0" smtClean="0"/>
-                  <a:t>…Also wenn sie durch eine Gerade geteilt werden können. </a:t>
+                  <a:t>2 Klassen sind  linear separierbar, wenn </a:t>
+                </a:r>
+                <a:r>
+                  <a:rPr lang="de-DE" sz="2600" dirty="0" smtClean="0"/>
+                  <a:t>sie durch eine Gerade geteilt </a:t>
+                </a:r>
+                <a:r>
+                  <a:rPr lang="de-DE" sz="2600" dirty="0" smtClean="0"/>
+                  <a:t>werden    können</a:t>
+                </a:r>
+                <a:r>
+                  <a:rPr lang="de-DE" sz="2600" dirty="0" smtClean="0"/>
+                  <a:t>. </a:t>
                 </a:r>
               </a:p>
             </p:txBody>
           </p:sp>
         </mc:Choice>
-        <mc:Fallback xmlns="">
+        <mc:Fallback>
           <p:sp>
             <p:nvSpPr>
               <p:cNvPr id="3" name="Inhaltsplatzhalter 2"/>
@@ -9402,10 +10024,10 @@
                 <a:off x="838200" y="1889423"/>
                 <a:ext cx="10515600" cy="4351338"/>
               </a:xfrm>
-              <a:blipFill rotWithShape="0">
+              <a:blipFill rotWithShape="1">
                 <a:blip r:embed="rId2"/>
                 <a:stretch>
-                  <a:fillRect l="-1043" t="-3922"/>
+                  <a:fillRect l="-1043" t="-3782" r="-2029" b="-1261"/>
                 </a:stretch>
               </a:blipFill>
             </p:spPr>
@@ -9441,7 +10063,8 @@
           <a:p>
             <a:fld id="{7AC709DD-AC18-4FBA-B4E6-46DED743653E}" type="datetime1">
               <a:rPr lang="de-DE" smtClean="0"/>
-              <a:t>06.12.2015</a:t>
+              <a:pPr/>
+              <a:t>09.12.2015</a:t>
             </a:fld>
             <a:endParaRPr lang="de-DE"/>
           </a:p>
@@ -9487,6 +10110,7 @@
           <a:p>
             <a:fld id="{0E226D3C-400E-4353-AAC2-09A0472DC536}" type="slidenum">
               <a:rPr lang="de-DE" smtClean="0"/>
+              <a:pPr/>
               <a:t>11</a:t>
             </a:fld>
             <a:endParaRPr lang="de-DE" dirty="0"/>
@@ -9603,7 +10227,8 @@
           <a:p>
             <a:fld id="{7AC709DD-AC18-4FBA-B4E6-46DED743653E}" type="datetime1">
               <a:rPr lang="de-DE" smtClean="0"/>
-              <a:t>06.12.2015</a:t>
+              <a:pPr/>
+              <a:t>09.12.2015</a:t>
             </a:fld>
             <a:endParaRPr lang="de-DE"/>
           </a:p>
@@ -9649,6 +10274,7 @@
           <a:p>
             <a:fld id="{0E226D3C-400E-4353-AAC2-09A0472DC536}" type="slidenum">
               <a:rPr lang="de-DE" smtClean="0"/>
+              <a:pPr/>
               <a:t>12</a:t>
             </a:fld>
             <a:endParaRPr lang="de-DE" dirty="0"/>
@@ -9664,7 +10290,7 @@
           <p:nvPr/>
         </p:nvPicPr>
         <p:blipFill>
-          <a:blip r:embed="rId2">
+          <a:blip r:embed="rId2" cstate="print">
             <a:extLst>
               <a:ext uri="{28A0092B-C50C-407E-A947-70E740481C1C}">
                 <a14:useLocalDpi xmlns:a14="http://schemas.microsoft.com/office/drawing/2010/main" val="0"/>
@@ -9694,7 +10320,7 @@
           <p:nvPr/>
         </p:nvPicPr>
         <p:blipFill>
-          <a:blip r:embed="rId3">
+          <a:blip r:embed="rId3" cstate="print">
             <a:extLst>
               <a:ext uri="{28A0092B-C50C-407E-A947-70E740481C1C}">
                 <a14:useLocalDpi xmlns:a14="http://schemas.microsoft.com/office/drawing/2010/main" val="0"/>
@@ -9839,7 +10465,8 @@
           <a:p>
             <a:fld id="{7AC709DD-AC18-4FBA-B4E6-46DED743653E}" type="datetime1">
               <a:rPr lang="de-DE" smtClean="0"/>
-              <a:t>06.12.2015</a:t>
+              <a:pPr/>
+              <a:t>09.12.2015</a:t>
             </a:fld>
             <a:endParaRPr lang="de-DE"/>
           </a:p>
@@ -9885,6 +10512,7 @@
           <a:p>
             <a:fld id="{0E226D3C-400E-4353-AAC2-09A0472DC536}" type="slidenum">
               <a:rPr lang="de-DE" smtClean="0"/>
+              <a:pPr/>
               <a:t>13</a:t>
             </a:fld>
             <a:endParaRPr lang="de-DE" dirty="0"/>
@@ -9900,7 +10528,7 @@
           <p:nvPr/>
         </p:nvPicPr>
         <p:blipFill>
-          <a:blip r:embed="rId3">
+          <a:blip r:embed="rId3" cstate="print">
             <a:extLst>
               <a:ext uri="{28A0092B-C50C-407E-A947-70E740481C1C}">
                 <a14:useLocalDpi xmlns:a14="http://schemas.microsoft.com/office/drawing/2010/main" val="0"/>
@@ -9976,7 +10604,7 @@
                         <m:sSubPr>
                           <m:ctrlPr>
                             <a:rPr lang="de-DE" i="1" smtClean="0">
-                              <a:latin typeface="Cambria Math" panose="02040503050406030204" pitchFamily="18" charset="0"/>
+                              <a:latin typeface="Cambria Math"/>
                             </a:rPr>
                           </m:ctrlPr>
                         </m:sSubPr>
@@ -10007,7 +10635,7 @@
                         <m:sSubPr>
                           <m:ctrlPr>
                             <a:rPr lang="de-DE" b="0" i="1" smtClean="0">
-                              <a:latin typeface="Cambria Math" panose="02040503050406030204" pitchFamily="18" charset="0"/>
+                              <a:latin typeface="Cambria Math"/>
                             </a:rPr>
                           </m:ctrlPr>
                         </m:sSubPr>
@@ -10038,7 +10666,7 @@
                         <m:sSubPr>
                           <m:ctrlPr>
                             <a:rPr lang="de-DE" b="0" i="1" smtClean="0">
-                              <a:latin typeface="Cambria Math" panose="02040503050406030204" pitchFamily="18" charset="0"/>
+                              <a:latin typeface="Cambria Math"/>
                             </a:rPr>
                           </m:ctrlPr>
                         </m:sSubPr>
@@ -10069,7 +10697,7 @@
                         <m:sSubPr>
                           <m:ctrlPr>
                             <a:rPr lang="de-DE" b="0" i="1" smtClean="0">
-                              <a:latin typeface="Cambria Math" panose="02040503050406030204" pitchFamily="18" charset="0"/>
+                              <a:latin typeface="Cambria Math"/>
                             </a:rPr>
                           </m:ctrlPr>
                         </m:sSubPr>
@@ -10107,7 +10735,7 @@
                         <m:sSubPr>
                           <m:ctrlPr>
                             <a:rPr lang="de-DE" i="1" smtClean="0">
-                              <a:latin typeface="Cambria Math" panose="02040503050406030204" pitchFamily="18" charset="0"/>
+                              <a:latin typeface="Cambria Math"/>
                             </a:rPr>
                           </m:ctrlPr>
                         </m:sSubPr>
@@ -10132,7 +10760,7 @@
                         <m:dPr>
                           <m:ctrlPr>
                             <a:rPr lang="de-DE" b="0" i="1" smtClean="0">
-                              <a:latin typeface="Cambria Math" panose="02040503050406030204" pitchFamily="18" charset="0"/>
+                              <a:latin typeface="Cambria Math"/>
                             </a:rPr>
                           </m:ctrlPr>
                         </m:dPr>
@@ -10215,7 +10843,7 @@
                       <m:sSubPr>
                         <m:ctrlPr>
                           <a:rPr lang="de-DE" b="0" i="1" smtClean="0">
-                            <a:latin typeface="Cambria Math" panose="02040503050406030204" pitchFamily="18" charset="0"/>
+                            <a:latin typeface="Cambria Math"/>
                           </a:rPr>
                         </m:ctrlPr>
                       </m:sSubPr>
@@ -10246,7 +10874,7 @@
                       <m:sSubPr>
                         <m:ctrlPr>
                           <a:rPr lang="de-DE" b="0" i="1" smtClean="0">
-                            <a:latin typeface="Cambria Math" panose="02040503050406030204" pitchFamily="18" charset="0"/>
+                            <a:latin typeface="Cambria Math"/>
                           </a:rPr>
                         </m:ctrlPr>
                       </m:sSubPr>
@@ -10380,7 +11008,7 @@
                       <m:sSubPr>
                         <m:ctrlPr>
                           <a:rPr lang="de-DE" i="1">
-                            <a:latin typeface="Cambria Math" panose="02040503050406030204" pitchFamily="18" charset="0"/>
+                            <a:latin typeface="Cambria Math"/>
                           </a:rPr>
                         </m:ctrlPr>
                       </m:sSubPr>
@@ -10423,7 +11051,7 @@
                       <m:sSubPr>
                         <m:ctrlPr>
                           <a:rPr lang="de-DE" i="1">
-                            <a:latin typeface="Cambria Math" panose="02040503050406030204" pitchFamily="18" charset="0"/>
+                            <a:latin typeface="Cambria Math"/>
                           </a:rPr>
                         </m:ctrlPr>
                       </m:sSubPr>
@@ -10554,7 +11182,7 @@
                       <m:sSubPr>
                         <m:ctrlPr>
                           <a:rPr lang="de-DE" i="1">
-                            <a:latin typeface="Cambria Math" panose="02040503050406030204" pitchFamily="18" charset="0"/>
+                            <a:latin typeface="Cambria Math"/>
                           </a:rPr>
                         </m:ctrlPr>
                       </m:sSubPr>
@@ -10597,7 +11225,7 @@
                       <m:sSubPr>
                         <m:ctrlPr>
                           <a:rPr lang="de-DE" i="1">
-                            <a:latin typeface="Cambria Math" panose="02040503050406030204" pitchFamily="18" charset="0"/>
+                            <a:latin typeface="Cambria Math"/>
                           </a:rPr>
                         </m:ctrlPr>
                       </m:sSubPr>
@@ -10721,7 +11349,7 @@
                       <m:sSubPr>
                         <m:ctrlPr>
                           <a:rPr lang="de-DE" i="1">
-                            <a:latin typeface="Cambria Math" panose="02040503050406030204" pitchFamily="18" charset="0"/>
+                            <a:latin typeface="Cambria Math"/>
                           </a:rPr>
                         </m:ctrlPr>
                       </m:sSubPr>
@@ -10764,7 +11392,7 @@
                       <m:sSubPr>
                         <m:ctrlPr>
                           <a:rPr lang="de-DE" i="1">
-                            <a:latin typeface="Cambria Math" panose="02040503050406030204" pitchFamily="18" charset="0"/>
+                            <a:latin typeface="Cambria Math"/>
                           </a:rPr>
                         </m:ctrlPr>
                       </m:sSubPr>
@@ -10892,7 +11520,7 @@
                       <m:dPr>
                         <m:ctrlPr>
                           <a:rPr lang="de-DE" b="0" i="1" smtClean="0">
-                            <a:latin typeface="Cambria Math" panose="02040503050406030204" pitchFamily="18" charset="0"/>
+                            <a:latin typeface="Cambria Math"/>
                           </a:rPr>
                         </m:ctrlPr>
                       </m:dPr>
@@ -10927,7 +11555,7 @@
                       <m:sSubPr>
                         <m:ctrlPr>
                           <a:rPr lang="de-DE" b="0" i="1" smtClean="0">
-                            <a:latin typeface="Cambria Math" panose="02040503050406030204" pitchFamily="18" charset="0"/>
+                            <a:latin typeface="Cambria Math"/>
                           </a:rPr>
                         </m:ctrlPr>
                       </m:sSubPr>
@@ -10958,7 +11586,7 @@
                       <m:sSubPr>
                         <m:ctrlPr>
                           <a:rPr lang="de-DE" b="0" i="1" smtClean="0">
-                            <a:latin typeface="Cambria Math" panose="02040503050406030204" pitchFamily="18" charset="0"/>
+                            <a:latin typeface="Cambria Math"/>
                           </a:rPr>
                         </m:ctrlPr>
                       </m:sSubPr>
@@ -11006,7 +11634,7 @@
                         <m:supHide m:val="on"/>
                         <m:ctrlPr>
                           <a:rPr lang="de-DE" b="0" i="1" smtClean="0">
-                            <a:latin typeface="Cambria Math" panose="02040503050406030204" pitchFamily="18" charset="0"/>
+                            <a:latin typeface="Cambria Math"/>
                             <a:ea typeface="Cambria Math" panose="02040503050406030204" pitchFamily="18" charset="0"/>
                           </a:rPr>
                         </m:ctrlPr>
@@ -11025,7 +11653,7 @@
                           <m:dPr>
                             <m:ctrlPr>
                               <a:rPr lang="de-DE" b="0" i="1" smtClean="0">
-                                <a:latin typeface="Cambria Math" panose="02040503050406030204" pitchFamily="18" charset="0"/>
+                                <a:latin typeface="Cambria Math"/>
                                 <a:ea typeface="Cambria Math" panose="02040503050406030204" pitchFamily="18" charset="0"/>
                               </a:rPr>
                             </m:ctrlPr>
@@ -11051,7 +11679,7 @@
                           <m:sSubPr>
                             <m:ctrlPr>
                               <a:rPr lang="de-DE" b="0" i="1" smtClean="0">
-                                <a:latin typeface="Cambria Math" panose="02040503050406030204" pitchFamily="18" charset="0"/>
+                                <a:latin typeface="Cambria Math"/>
                                 <a:ea typeface="Cambria Math" panose="02040503050406030204" pitchFamily="18" charset="0"/>
                               </a:rPr>
                             </m:ctrlPr>
@@ -11086,7 +11714,7 @@
                           <m:sSubPr>
                             <m:ctrlPr>
                               <a:rPr lang="de-DE" b="0" i="1" smtClean="0">
-                                <a:latin typeface="Cambria Math" panose="02040503050406030204" pitchFamily="18" charset="0"/>
+                                <a:latin typeface="Cambria Math"/>
                                 <a:ea typeface="Cambria Math" panose="02040503050406030204" pitchFamily="18" charset="0"/>
                               </a:rPr>
                             </m:ctrlPr>
@@ -11173,7 +11801,7 @@
                 <a:avLst/>
               </a:prstGeom>
               <a:blipFill rotWithShape="0">
-                <a:blip r:embed="rId4"/>
+                <a:blip r:embed="rId4" cstate="print"/>
                 <a:stretch>
                   <a:fillRect l="-740" t="-1115"/>
                 </a:stretch>
@@ -11817,7 +12445,7 @@
                 <a:ext cx="10515600" cy="4351338"/>
               </a:xfrm>
               <a:blipFill rotWithShape="0">
-                <a:blip r:embed="rId2"/>
+                <a:blip r:embed="rId2" cstate="print"/>
                 <a:stretch>
                   <a:fillRect l="-1043" t="-2241"/>
                 </a:stretch>
@@ -11855,7 +12483,8 @@
           <a:p>
             <a:fld id="{7AC709DD-AC18-4FBA-B4E6-46DED743653E}" type="datetime1">
               <a:rPr lang="de-DE" smtClean="0"/>
-              <a:t>06.12.2015</a:t>
+              <a:pPr/>
+              <a:t>09.12.2015</a:t>
             </a:fld>
             <a:endParaRPr lang="de-DE"/>
           </a:p>
@@ -11901,6 +12530,7 @@
           <a:p>
             <a:fld id="{0E226D3C-400E-4353-AAC2-09A0472DC536}" type="slidenum">
               <a:rPr lang="de-DE" smtClean="0"/>
+              <a:pPr/>
               <a:t>14</a:t>
             </a:fld>
             <a:endParaRPr lang="de-DE" dirty="0"/>
@@ -12102,7 +12732,7 @@
                 <a:ext cx="10515600" cy="4351338"/>
               </a:xfrm>
               <a:blipFill rotWithShape="0">
-                <a:blip r:embed="rId2"/>
+                <a:blip r:embed="rId2" cstate="print"/>
                 <a:stretch>
                   <a:fillRect l="-1043" t="-2241" r="-290" b="-2941"/>
                 </a:stretch>
@@ -12140,7 +12770,8 @@
           <a:p>
             <a:fld id="{7AC709DD-AC18-4FBA-B4E6-46DED743653E}" type="datetime1">
               <a:rPr lang="de-DE" smtClean="0"/>
-              <a:t>06.12.2015</a:t>
+              <a:pPr/>
+              <a:t>09.12.2015</a:t>
             </a:fld>
             <a:endParaRPr lang="de-DE"/>
           </a:p>
@@ -12186,6 +12817,7 @@
           <a:p>
             <a:fld id="{0E226D3C-400E-4353-AAC2-09A0472DC536}" type="slidenum">
               <a:rPr lang="de-DE" smtClean="0"/>
+              <a:pPr/>
               <a:t>15</a:t>
             </a:fld>
             <a:endParaRPr lang="de-DE" dirty="0"/>
@@ -12201,7 +12833,7 @@
           <p:nvPr/>
         </p:nvPicPr>
         <p:blipFill>
-          <a:blip r:embed="rId3">
+          <a:blip r:embed="rId3" cstate="print">
             <a:extLst>
               <a:ext uri="{28A0092B-C50C-407E-A947-70E740481C1C}">
                 <a14:useLocalDpi xmlns:a14="http://schemas.microsoft.com/office/drawing/2010/main" val="0"/>
@@ -12373,7 +13005,8 @@
           <a:p>
             <a:fld id="{7AC709DD-AC18-4FBA-B4E6-46DED743653E}" type="datetime1">
               <a:rPr lang="de-DE" smtClean="0"/>
-              <a:t>06.12.2015</a:t>
+              <a:pPr/>
+              <a:t>09.12.2015</a:t>
             </a:fld>
             <a:endParaRPr lang="de-DE"/>
           </a:p>
@@ -12419,6 +13052,7 @@
           <a:p>
             <a:fld id="{0E226D3C-400E-4353-AAC2-09A0472DC536}" type="slidenum">
               <a:rPr lang="de-DE" smtClean="0"/>
+              <a:pPr/>
               <a:t>16</a:t>
             </a:fld>
             <a:endParaRPr lang="de-DE" dirty="0"/>
@@ -12955,7 +13589,8 @@
           <a:p>
             <a:fld id="{7AC709DD-AC18-4FBA-B4E6-46DED743653E}" type="datetime1">
               <a:rPr lang="de-DE" smtClean="0"/>
-              <a:t>06.12.2015</a:t>
+              <a:pPr/>
+              <a:t>09.12.2015</a:t>
             </a:fld>
             <a:endParaRPr lang="de-DE"/>
           </a:p>
@@ -13001,6 +13636,7 @@
           <a:p>
             <a:fld id="{0E226D3C-400E-4353-AAC2-09A0472DC536}" type="slidenum">
               <a:rPr lang="de-DE" smtClean="0"/>
+              <a:pPr/>
               <a:t>17</a:t>
             </a:fld>
             <a:endParaRPr lang="de-DE" dirty="0"/>
@@ -13071,8 +13707,8 @@
           </a:p>
         </p:txBody>
       </p:sp>
-      <mc:AlternateContent xmlns:mc="http://schemas.openxmlformats.org/markup-compatibility/2006" xmlns:a14="http://schemas.microsoft.com/office/drawing/2010/main">
-        <mc:Choice Requires="a14">
+      <mc:AlternateContent xmlns:mc="http://schemas.openxmlformats.org/markup-compatibility/2006">
+        <mc:Choice xmlns:a14="http://schemas.microsoft.com/office/drawing/2010/main" Requires="a14">
           <p:sp>
             <p:nvSpPr>
               <p:cNvPr id="3" name="Inhaltsplatzhalter 2"/>
@@ -13101,7 +13737,7 @@
                       <m:sSubPr>
                         <m:ctrlPr>
                           <a:rPr lang="de-DE" i="1" smtClean="0">
-                            <a:latin typeface="Cambria Math" panose="02040503050406030204" pitchFamily="18" charset="0"/>
+                            <a:latin typeface="Cambria Math"/>
                           </a:rPr>
                         </m:ctrlPr>
                       </m:sSubPr>
@@ -13126,7 +13762,19 @@
                 </a14:m>
                 <a:r>
                   <a:rPr lang="de-DE" dirty="0" smtClean="0"/>
-                  <a:t> = Börsenkurs des DAX am Tag </a:t>
+                  <a:t> = Börsenkurs </a:t>
+                </a:r>
+                <a:r>
+                  <a:rPr lang="de-DE" dirty="0"/>
+                  <a:t> </a:t>
+                </a:r>
+                <a:r>
+                  <a:rPr lang="de-DE" dirty="0" smtClean="0"/>
+                  <a:t>am </a:t>
+                </a:r>
+                <a:r>
+                  <a:rPr lang="de-DE" dirty="0" smtClean="0"/>
+                  <a:t>Tag </a:t>
                 </a:r>
                 <a14:m>
                   <m:oMath xmlns:m="http://schemas.openxmlformats.org/officeDocument/2006/math">
@@ -13151,26 +13799,39 @@
                 </a:r>
                 <a14:m>
                   <m:oMath xmlns:m="http://schemas.openxmlformats.org/officeDocument/2006/math">
-                    <m:r>
-                      <a:rPr lang="de-DE" b="0" i="1" smtClean="0">
-                        <a:latin typeface="Cambria Math" panose="02040503050406030204" pitchFamily="18" charset="0"/>
-                      </a:rPr>
-                      <m:t>𝑉</m:t>
-                    </m:r>
+                    <m:sSub>
+                      <m:sSubPr>
+                        <m:ctrlPr>
+                          <a:rPr lang="de-DE" b="0" i="1" smtClean="0">
+                            <a:latin typeface="Cambria Math"/>
+                          </a:rPr>
+                        </m:ctrlPr>
+                      </m:sSubPr>
+                      <m:e>
+                        <m:r>
+                          <a:rPr lang="de-DE" b="0" i="1" smtClean="0">
+                            <a:latin typeface="Cambria Math"/>
+                          </a:rPr>
+                          <m:t>𝑉</m:t>
+                        </m:r>
+                      </m:e>
+                      <m:sub>
+                        <m:r>
+                          <a:rPr lang="de-DE" b="0" i="1" smtClean="0">
+                            <a:latin typeface="Cambria Math"/>
+                          </a:rPr>
+                          <m:t>𝑖</m:t>
+                        </m:r>
+                      </m:sub>
+                    </m:sSub>
                   </m:oMath>
                 </a14:m>
                 <a:r>
                   <a:rPr lang="de-DE" dirty="0" smtClean="0"/>
-                  <a:t> mit </a:t>
+                  <a:t> </a:t>
                 </a:r>
                 <a14:m>
                   <m:oMath xmlns:m="http://schemas.openxmlformats.org/officeDocument/2006/math">
-                    <m:r>
-                      <a:rPr lang="de-DE" b="0" i="1" smtClean="0">
-                        <a:latin typeface="Cambria Math" panose="02040503050406030204" pitchFamily="18" charset="0"/>
-                      </a:rPr>
-                      <m:t>𝑉</m:t>
-                    </m:r>
                     <m:r>
                       <a:rPr lang="de-DE" b="0" i="1" smtClean="0">
                         <a:latin typeface="Cambria Math" panose="02040503050406030204" pitchFamily="18" charset="0"/>
@@ -13181,7 +13842,7 @@
                       <m:sSubPr>
                         <m:ctrlPr>
                           <a:rPr lang="de-DE" i="1">
-                            <a:latin typeface="Cambria Math" panose="02040503050406030204" pitchFamily="18" charset="0"/>
+                            <a:latin typeface="Cambria Math"/>
                           </a:rPr>
                         </m:ctrlPr>
                       </m:sSubPr>
@@ -13220,7 +13881,7 @@
                       <m:sSubPr>
                         <m:ctrlPr>
                           <a:rPr lang="de-DE" i="1">
-                            <a:latin typeface="Cambria Math" panose="02040503050406030204" pitchFamily="18" charset="0"/>
+                            <a:latin typeface="Cambria Math"/>
                           </a:rPr>
                         </m:ctrlPr>
                       </m:sSubPr>
@@ -13263,7 +13924,7 @@
                       <m:sSubPr>
                         <m:ctrlPr>
                           <a:rPr lang="de-DE" i="1">
-                            <a:latin typeface="Cambria Math" panose="02040503050406030204" pitchFamily="18" charset="0"/>
+                            <a:latin typeface="Cambria Math"/>
                           </a:rPr>
                         </m:ctrlPr>
                       </m:sSubPr>
@@ -13306,7 +13967,7 @@
                       <m:sSubPr>
                         <m:ctrlPr>
                           <a:rPr lang="de-DE" i="1">
-                            <a:latin typeface="Cambria Math" panose="02040503050406030204" pitchFamily="18" charset="0"/>
+                            <a:latin typeface="Cambria Math"/>
                           </a:rPr>
                         </m:ctrlPr>
                       </m:sSubPr>
@@ -13352,7 +14013,7 @@
                       <m:sSubPr>
                         <m:ctrlPr>
                           <a:rPr lang="de-DE" i="1">
-                            <a:latin typeface="Cambria Math" panose="02040503050406030204" pitchFamily="18" charset="0"/>
+                            <a:latin typeface="Cambria Math"/>
                           </a:rPr>
                         </m:ctrlPr>
                       </m:sSubPr>
@@ -13390,7 +14051,7 @@
             </p:txBody>
           </p:sp>
         </mc:Choice>
-        <mc:Fallback xmlns="">
+        <mc:Fallback>
           <p:sp>
             <p:nvSpPr>
               <p:cNvPr id="3" name="Inhaltsplatzhalter 2"/>
@@ -13402,7 +14063,7 @@
               </p:nvPr>
             </p:nvSpPr>
             <p:spPr>
-              <a:blipFill rotWithShape="0">
+              <a:blipFill rotWithShape="1">
                 <a:blip r:embed="rId2"/>
                 <a:stretch>
                   <a:fillRect l="-1043" t="-2241"/>
@@ -13441,7 +14102,8 @@
           <a:p>
             <a:fld id="{7AC709DD-AC18-4FBA-B4E6-46DED743653E}" type="datetime1">
               <a:rPr lang="de-DE" smtClean="0"/>
-              <a:t>06.12.2015</a:t>
+              <a:pPr/>
+              <a:t>09.12.2015</a:t>
             </a:fld>
             <a:endParaRPr lang="de-DE"/>
           </a:p>
@@ -13487,6 +14149,7 @@
           <a:p>
             <a:fld id="{0E226D3C-400E-4353-AAC2-09A0472DC536}" type="slidenum">
               <a:rPr lang="de-DE" smtClean="0"/>
+              <a:pPr/>
               <a:t>18</a:t>
             </a:fld>
             <a:endParaRPr lang="de-DE" dirty="0"/>
@@ -13570,7 +14233,8 @@
           <a:p>
             <a:fld id="{7AC709DD-AC18-4FBA-B4E6-46DED743653E}" type="datetime1">
               <a:rPr lang="de-DE" smtClean="0"/>
-              <a:t>06.12.2015</a:t>
+              <a:pPr/>
+              <a:t>09.12.2015</a:t>
             </a:fld>
             <a:endParaRPr lang="de-DE"/>
           </a:p>
@@ -13616,6 +14280,7 @@
           <a:p>
             <a:fld id="{0E226D3C-400E-4353-AAC2-09A0472DC536}" type="slidenum">
               <a:rPr lang="de-DE" smtClean="0"/>
+              <a:pPr/>
               <a:t>1</a:t>
             </a:fld>
             <a:endParaRPr lang="de-DE" dirty="0"/>
@@ -13780,7 +14445,7 @@
           <p:nvPr/>
         </p:nvPicPr>
         <p:blipFill>
-          <a:blip r:embed="rId2">
+          <a:blip r:embed="rId2" cstate="print">
             <a:duotone>
               <a:schemeClr val="bg2">
                 <a:shade val="45000"/>
@@ -13911,7 +14576,8 @@
           <a:p>
             <a:fld id="{7AC709DD-AC18-4FBA-B4E6-46DED743653E}" type="datetime1">
               <a:rPr lang="de-DE" smtClean="0"/>
-              <a:t>06.12.2015</a:t>
+              <a:pPr/>
+              <a:t>09.12.2015</a:t>
             </a:fld>
             <a:endParaRPr lang="de-DE"/>
           </a:p>
@@ -13957,6 +14623,7 @@
           <a:p>
             <a:fld id="{0E226D3C-400E-4353-AAC2-09A0472DC536}" type="slidenum">
               <a:rPr lang="de-DE" smtClean="0"/>
+              <a:pPr/>
               <a:t>19</a:t>
             </a:fld>
             <a:endParaRPr lang="de-DE" dirty="0"/>
@@ -13972,7 +14639,7 @@
           <p:nvPr/>
         </p:nvPicPr>
         <p:blipFill>
-          <a:blip r:embed="rId2"/>
+          <a:blip r:embed="rId2" cstate="print"/>
           <a:stretch>
             <a:fillRect/>
           </a:stretch>
@@ -14090,7 +14757,8 @@
           <a:p>
             <a:fld id="{7AC709DD-AC18-4FBA-B4E6-46DED743653E}" type="datetime1">
               <a:rPr lang="de-DE" smtClean="0"/>
-              <a:t>06.12.2015</a:t>
+              <a:pPr/>
+              <a:t>09.12.2015</a:t>
             </a:fld>
             <a:endParaRPr lang="de-DE"/>
           </a:p>
@@ -14136,6 +14804,7 @@
           <a:p>
             <a:fld id="{0E226D3C-400E-4353-AAC2-09A0472DC536}" type="slidenum">
               <a:rPr lang="de-DE" smtClean="0"/>
+              <a:pPr/>
               <a:t>20</a:t>
             </a:fld>
             <a:endParaRPr lang="de-DE" dirty="0"/>
@@ -14151,7 +14820,7 @@
           <p:nvPr/>
         </p:nvPicPr>
         <p:blipFill>
-          <a:blip r:embed="rId2"/>
+          <a:blip r:embed="rId2" cstate="print"/>
           <a:stretch>
             <a:fillRect/>
           </a:stretch>
@@ -14390,7 +15059,7 @@
                         <m:fPr>
                           <m:ctrlPr>
                             <a:rPr lang="de-DE" b="0" i="1" smtClean="0">
-                              <a:latin typeface="Cambria Math" panose="02040503050406030204" pitchFamily="18" charset="0"/>
+                              <a:latin typeface="Cambria Math"/>
                             </a:rPr>
                           </m:ctrlPr>
                         </m:fPr>
@@ -14457,7 +15126,7 @@
                         <m:fPr>
                           <m:ctrlPr>
                             <a:rPr lang="de-DE" b="0" i="1" smtClean="0">
-                              <a:latin typeface="Cambria Math" panose="02040503050406030204" pitchFamily="18" charset="0"/>
+                              <a:latin typeface="Cambria Math"/>
                             </a:rPr>
                           </m:ctrlPr>
                         </m:fPr>
@@ -14488,7 +15157,7 @@
                         <m:fPr>
                           <m:ctrlPr>
                             <a:rPr lang="de-DE" b="0" i="1" smtClean="0">
-                              <a:latin typeface="Cambria Math" panose="02040503050406030204" pitchFamily="18" charset="0"/>
+                              <a:latin typeface="Cambria Math"/>
                             </a:rPr>
                           </m:ctrlPr>
                         </m:fPr>
@@ -14622,7 +15291,7 @@
             </p:nvSpPr>
             <p:spPr>
               <a:blipFill rotWithShape="0">
-                <a:blip r:embed="rId3"/>
+                <a:blip r:embed="rId3" cstate="print"/>
                 <a:stretch>
                   <a:fillRect l="-1043" t="-2241"/>
                 </a:stretch>
@@ -14660,7 +15329,8 @@
           <a:p>
             <a:fld id="{7AC709DD-AC18-4FBA-B4E6-46DED743653E}" type="datetime1">
               <a:rPr lang="de-DE" smtClean="0"/>
-              <a:t>06.12.2015</a:t>
+              <a:pPr/>
+              <a:t>09.12.2015</a:t>
             </a:fld>
             <a:endParaRPr lang="de-DE"/>
           </a:p>
@@ -14706,6 +15376,7 @@
           <a:p>
             <a:fld id="{0E226D3C-400E-4353-AAC2-09A0472DC536}" type="slidenum">
               <a:rPr lang="de-DE" smtClean="0"/>
+              <a:pPr/>
               <a:t>21</a:t>
             </a:fld>
             <a:endParaRPr lang="de-DE" dirty="0"/>
@@ -14883,7 +15554,8 @@
           <a:p>
             <a:fld id="{7AC709DD-AC18-4FBA-B4E6-46DED743653E}" type="datetime1">
               <a:rPr lang="de-DE" smtClean="0"/>
-              <a:t>06.12.2015</a:t>
+              <a:pPr/>
+              <a:t>09.12.2015</a:t>
             </a:fld>
             <a:endParaRPr lang="de-DE"/>
           </a:p>
@@ -14929,6 +15601,7 @@
           <a:p>
             <a:fld id="{0E226D3C-400E-4353-AAC2-09A0472DC536}" type="slidenum">
               <a:rPr lang="de-DE" smtClean="0"/>
+              <a:pPr/>
               <a:t>22</a:t>
             </a:fld>
             <a:endParaRPr lang="de-DE" dirty="0"/>
@@ -14944,7 +15617,7 @@
           <p:nvPr/>
         </p:nvPicPr>
         <p:blipFill>
-          <a:blip r:embed="rId2">
+          <a:blip r:embed="rId2" cstate="print">
             <a:extLst>
               <a:ext uri="{28A0092B-C50C-407E-A947-70E740481C1C}">
                 <a14:useLocalDpi xmlns:a14="http://schemas.microsoft.com/office/drawing/2010/main" val="0"/>
@@ -15176,7 +15849,8 @@
           <a:p>
             <a:fld id="{7AC709DD-AC18-4FBA-B4E6-46DED743653E}" type="datetime1">
               <a:rPr lang="de-DE" smtClean="0"/>
-              <a:t>06.12.2015</a:t>
+              <a:pPr/>
+              <a:t>09.12.2015</a:t>
             </a:fld>
             <a:endParaRPr lang="de-DE"/>
           </a:p>
@@ -15222,6 +15896,7 @@
           <a:p>
             <a:fld id="{0E226D3C-400E-4353-AAC2-09A0472DC536}" type="slidenum">
               <a:rPr lang="de-DE" smtClean="0"/>
+              <a:pPr/>
               <a:t>23</a:t>
             </a:fld>
             <a:endParaRPr lang="de-DE" dirty="0"/>
@@ -15292,8 +15967,328 @@
           </a:p>
         </p:txBody>
       </p:sp>
-      <mc:AlternateContent xmlns:mc="http://schemas.openxmlformats.org/markup-compatibility/2006" xmlns:a14="http://schemas.microsoft.com/office/drawing/2010/main">
-        <mc:Choice Requires="a14">
+      <p:sp>
+        <p:nvSpPr>
+          <p:cNvPr id="3" name="Inhaltsplatzhalter 2"/>
+          <p:cNvSpPr>
+            <a:spLocks noGrp="1"/>
+          </p:cNvSpPr>
+          <p:nvPr>
+            <p:ph idx="1"/>
+          </p:nvPr>
+        </p:nvSpPr>
+        <p:spPr>
+          <a:xfrm>
+            <a:off x="838200" y="1889423"/>
+            <a:ext cx="10515600" cy="4351338"/>
+          </a:xfrm>
+        </p:spPr>
+        <p:txBody>
+          <a:bodyPr>
+            <a:normAutofit fontScale="70000" lnSpcReduction="20000"/>
+          </a:bodyPr>
+          <a:lstStyle/>
+          <a:p>
+            <a:r>
+              <a:rPr lang="de-DE" sz="4000" dirty="0" smtClean="0"/>
+              <a:t>Lernverfahren</a:t>
+            </a:r>
+          </a:p>
+          <a:p>
+            <a:pPr lvl="1"/>
+            <a:r>
+              <a:rPr lang="de-DE" sz="3400" dirty="0" smtClean="0"/>
+              <a:t>Überwachtes Lernen</a:t>
+            </a:r>
+          </a:p>
+          <a:p>
+            <a:pPr lvl="2"/>
+            <a:r>
+              <a:rPr lang="de-DE" sz="2800" dirty="0" smtClean="0"/>
+              <a:t>Eingabewerte bekannt</a:t>
+            </a:r>
+          </a:p>
+          <a:p>
+            <a:pPr lvl="2"/>
+            <a:r>
+              <a:rPr lang="de-DE" sz="2800" dirty="0" smtClean="0"/>
+              <a:t>Erwartete Ausgabewerte bekannt</a:t>
+            </a:r>
+          </a:p>
+          <a:p>
+            <a:pPr lvl="2"/>
+            <a:r>
+              <a:rPr lang="de-DE" sz="2800" dirty="0" smtClean="0"/>
+              <a:t>Tatsächlicher Wert wird mit erwarteten Ausgabewert verglichen.</a:t>
+            </a:r>
+          </a:p>
+          <a:p>
+            <a:pPr lvl="2"/>
+            <a:r>
+              <a:rPr lang="de-DE" sz="2800" dirty="0" smtClean="0"/>
+              <a:t>MSE wird gebildet und zum „trainieren“ des Netzes genutzt.</a:t>
+            </a:r>
+          </a:p>
+          <a:p>
+            <a:pPr marL="914400" lvl="2" indent="0">
+              <a:buNone/>
+            </a:pPr>
+            <a:endParaRPr lang="de-DE" sz="1600" dirty="0" smtClean="0"/>
+          </a:p>
+          <a:p>
+            <a:pPr lvl="1"/>
+            <a:r>
+              <a:rPr lang="de-DE" sz="3400" dirty="0" smtClean="0"/>
+              <a:t>Bestärkendes Lernen</a:t>
+            </a:r>
+          </a:p>
+          <a:p>
+            <a:pPr lvl="2"/>
+            <a:r>
+              <a:rPr lang="de-DE" sz="3200" dirty="0" smtClean="0"/>
+              <a:t>Ähnlich wie überwachtes Lernen. </a:t>
+            </a:r>
+            <a:endParaRPr lang="de-DE" sz="3000" dirty="0" smtClean="0"/>
+          </a:p>
+          <a:p>
+            <a:pPr lvl="2"/>
+            <a:r>
+              <a:rPr lang="de-DE" sz="2800" dirty="0" smtClean="0"/>
+              <a:t>Anwendbar, wenn keine Ausgabewerte zur Verfügung stehen.</a:t>
+            </a:r>
+          </a:p>
+          <a:p>
+            <a:pPr lvl="2"/>
+            <a:r>
+              <a:rPr lang="de-DE" sz="2800" dirty="0" smtClean="0"/>
+              <a:t>Netz erhält nur Information ob richtig oder falsch und muss damit trainiert werden.</a:t>
+            </a:r>
+          </a:p>
+          <a:p>
+            <a:pPr lvl="2"/>
+            <a:endParaRPr lang="de-DE" sz="1400" dirty="0" smtClean="0"/>
+          </a:p>
+          <a:p>
+            <a:pPr lvl="1"/>
+            <a:r>
+              <a:rPr lang="de-DE" sz="3400" dirty="0" smtClean="0"/>
+              <a:t>Nicht überwachtes Lernen</a:t>
+            </a:r>
+          </a:p>
+          <a:p>
+            <a:pPr lvl="2"/>
+            <a:r>
+              <a:rPr lang="de-DE" sz="2800" dirty="0" smtClean="0"/>
+              <a:t>Sehr nah am biologischen Vorbild. </a:t>
+            </a:r>
+          </a:p>
+          <a:p>
+            <a:pPr lvl="2"/>
+            <a:r>
+              <a:rPr lang="de-DE" sz="2800" dirty="0" smtClean="0"/>
+              <a:t>Das Neuronale Netz verändert sich entsprechend den Eingabemustern von selbst.</a:t>
+            </a:r>
+          </a:p>
+          <a:p>
+            <a:pPr marL="914400" lvl="2" indent="0">
+              <a:buNone/>
+            </a:pPr>
+            <a:endParaRPr lang="de-DE" dirty="0" smtClean="0"/>
+          </a:p>
+        </p:txBody>
+      </p:sp>
+      <p:sp>
+        <p:nvSpPr>
+          <p:cNvPr id="4" name="Datumsplatzhalter 3"/>
+          <p:cNvSpPr>
+            <a:spLocks noGrp="1"/>
+          </p:cNvSpPr>
+          <p:nvPr>
+            <p:ph type="dt" sz="half" idx="10"/>
+          </p:nvPr>
+        </p:nvSpPr>
+        <p:spPr/>
+        <p:txBody>
+          <a:bodyPr/>
+          <a:lstStyle/>
+          <a:p>
+            <a:fld id="{7AC709DD-AC18-4FBA-B4E6-46DED743653E}" type="datetime1">
+              <a:rPr lang="de-DE" smtClean="0"/>
+              <a:pPr/>
+              <a:t>09.12.2015</a:t>
+            </a:fld>
+            <a:endParaRPr lang="de-DE"/>
+          </a:p>
+        </p:txBody>
+      </p:sp>
+      <p:sp>
+        <p:nvSpPr>
+          <p:cNvPr id="5" name="Fußzeilenplatzhalter 4"/>
+          <p:cNvSpPr>
+            <a:spLocks noGrp="1"/>
+          </p:cNvSpPr>
+          <p:nvPr>
+            <p:ph type="ftr" sz="quarter" idx="11"/>
+          </p:nvPr>
+        </p:nvSpPr>
+        <p:spPr/>
+        <p:txBody>
+          <a:bodyPr/>
+          <a:lstStyle/>
+          <a:p>
+            <a:r>
+              <a:rPr lang="de-DE" smtClean="0"/>
+              <a:t>Fakultät Informatik             Sebastian Schötteler &amp; Benedikt Hofrichter</a:t>
+            </a:r>
+            <a:endParaRPr lang="de-DE" dirty="0"/>
+          </a:p>
+        </p:txBody>
+      </p:sp>
+      <p:sp>
+        <p:nvSpPr>
+          <p:cNvPr id="6" name="Foliennummernplatzhalter 5"/>
+          <p:cNvSpPr>
+            <a:spLocks noGrp="1"/>
+          </p:cNvSpPr>
+          <p:nvPr>
+            <p:ph type="sldNum" sz="quarter" idx="12"/>
+          </p:nvPr>
+        </p:nvSpPr>
+        <p:spPr/>
+        <p:txBody>
+          <a:bodyPr/>
+          <a:lstStyle/>
+          <a:p>
+            <a:fld id="{0E226D3C-400E-4353-AAC2-09A0472DC536}" type="slidenum">
+              <a:rPr lang="de-DE" smtClean="0"/>
+              <a:pPr/>
+              <a:t>24</a:t>
+            </a:fld>
+            <a:endParaRPr lang="de-DE" dirty="0"/>
+          </a:p>
+        </p:txBody>
+      </p:sp>
+      <p:sp>
+        <p:nvSpPr>
+          <p:cNvPr id="7" name="Rechteck 6"/>
+          <p:cNvSpPr/>
+          <p:nvPr/>
+        </p:nvSpPr>
+        <p:spPr>
+          <a:xfrm>
+            <a:off x="560439" y="1710813"/>
+            <a:ext cx="10530348" cy="2079522"/>
+          </a:xfrm>
+          <a:prstGeom prst="rect">
+            <a:avLst/>
+          </a:prstGeom>
+          <a:noFill/>
+          <a:ln>
+            <a:solidFill>
+              <a:schemeClr val="tx1"/>
+            </a:solidFill>
+          </a:ln>
+        </p:spPr>
+        <p:style>
+          <a:lnRef idx="2">
+            <a:schemeClr val="accent1">
+              <a:shade val="50000"/>
+            </a:schemeClr>
+          </a:lnRef>
+          <a:fillRef idx="1">
+            <a:schemeClr val="accent1"/>
+          </a:fillRef>
+          <a:effectRef idx="0">
+            <a:schemeClr val="accent1"/>
+          </a:effectRef>
+          <a:fontRef idx="minor">
+            <a:schemeClr val="lt1"/>
+          </a:fontRef>
+        </p:style>
+        <p:txBody>
+          <a:bodyPr rtlCol="0" anchor="ctr"/>
+          <a:lstStyle/>
+          <a:p>
+            <a:pPr algn="ctr"/>
+            <a:endParaRPr lang="de-DE">
+              <a:ln w="19050">
+                <a:solidFill>
+                  <a:schemeClr val="bg2">
+                    <a:lumMod val="75000"/>
+                  </a:schemeClr>
+                </a:solidFill>
+              </a:ln>
+              <a:noFill/>
+            </a:endParaRPr>
+          </a:p>
+        </p:txBody>
+      </p:sp>
+    </p:spTree>
+    <p:extLst>
+      <p:ext uri="{BB962C8B-B14F-4D97-AF65-F5344CB8AC3E}">
+        <p14:creationId xmlns:p14="http://schemas.microsoft.com/office/powerpoint/2010/main" val="2774152967"/>
+      </p:ext>
+    </p:extLst>
+  </p:cSld>
+  <p:clrMapOvr>
+    <a:masterClrMapping/>
+  </p:clrMapOvr>
+  <p:timing>
+    <p:tnLst>
+      <p:par>
+        <p:cTn id="1" dur="indefinite" restart="never" nodeType="tmRoot"/>
+      </p:par>
+    </p:tnLst>
+  </p:timing>
+</p:sld>
+</file>
+
+<file path=ppt/slides/slide26.xml><?xml version="1.0" encoding="utf-8"?>
+<p:sld xmlns:a="http://schemas.openxmlformats.org/drawingml/2006/main" xmlns:r="http://schemas.openxmlformats.org/officeDocument/2006/relationships" xmlns:p="http://schemas.openxmlformats.org/presentationml/2006/main">
+  <p:cSld>
+    <p:spTree>
+      <p:nvGrpSpPr>
+        <p:cNvPr id="1" name=""/>
+        <p:cNvGrpSpPr/>
+        <p:nvPr/>
+      </p:nvGrpSpPr>
+      <p:grpSpPr>
+        <a:xfrm>
+          <a:off x="0" y="0"/>
+          <a:ext cx="0" cy="0"/>
+          <a:chOff x="0" y="0"/>
+          <a:chExt cx="0" cy="0"/>
+        </a:xfrm>
+      </p:grpSpPr>
+      <p:sp>
+        <p:nvSpPr>
+          <p:cNvPr id="2" name="Titel 1"/>
+          <p:cNvSpPr>
+            <a:spLocks noGrp="1"/>
+          </p:cNvSpPr>
+          <p:nvPr>
+            <p:ph type="title"/>
+          </p:nvPr>
+        </p:nvSpPr>
+        <p:spPr/>
+        <p:txBody>
+          <a:bodyPr/>
+          <a:lstStyle/>
+          <a:p>
+            <a:pPr marL="857250" indent="-857250">
+              <a:buFont typeface="+mj-lt"/>
+              <a:buAutoNum type="romanUcPeriod" startAt="3"/>
+            </a:pPr>
+            <a:r>
+              <a:rPr lang="de-DE" b="1" dirty="0" smtClean="0"/>
+              <a:t>Konzeption des künstlichen neuronalen Netzes</a:t>
+            </a:r>
+            <a:endParaRPr lang="de-DE" dirty="0"/>
+          </a:p>
+        </p:txBody>
+      </p:sp>
+      <mc:AlternateContent xmlns:mc="http://schemas.openxmlformats.org/markup-compatibility/2006">
+        <mc:Choice xmlns:a14="http://schemas.microsoft.com/office/drawing/2010/main" Requires="a14">
           <p:sp>
             <p:nvSpPr>
               <p:cNvPr id="3" name="Inhaltsplatzhalter 2"/>
@@ -15352,7 +16347,7 @@
               <a:p>
                 <a:pPr lvl="2"/>
                 <a:r>
-                  <a:rPr lang="de-DE" sz="2200" dirty="0" smtClean="0"/>
+                  <a:rPr lang="de-DE" sz="2200" u="sng" dirty="0" smtClean="0"/>
                   <a:t>MSE wird gebildet und zum „trainieren“ des Netzes genutzt.</a:t>
                 </a:r>
               </a:p>
@@ -15393,7 +16388,7 @@
                       <m:sSubPr>
                         <m:ctrlPr>
                           <a:rPr lang="de-DE" sz="2600" b="0" i="1" smtClean="0">
-                            <a:latin typeface="Cambria Math" panose="02040503050406030204" pitchFamily="18" charset="0"/>
+                            <a:latin typeface="Cambria Math"/>
                           </a:rPr>
                         </m:ctrlPr>
                       </m:sSubPr>
@@ -15461,7 +16456,7 @@
                       <m:sSupPr>
                         <m:ctrlPr>
                           <a:rPr lang="de-DE" sz="2600" b="0" i="1" smtClean="0">
-                            <a:latin typeface="Cambria Math" panose="02040503050406030204" pitchFamily="18" charset="0"/>
+                            <a:latin typeface="Cambria Math"/>
                           </a:rPr>
                         </m:ctrlPr>
                       </m:sSupPr>
@@ -15470,7 +16465,7 @@
                           <m:sSubPr>
                             <m:ctrlPr>
                               <a:rPr lang="de-DE" sz="2600" i="1">
-                                <a:latin typeface="Cambria Math" panose="02040503050406030204" pitchFamily="18" charset="0"/>
+                                <a:latin typeface="Cambria Math"/>
                               </a:rPr>
                             </m:ctrlPr>
                           </m:sSubPr>
@@ -15555,7 +16550,7 @@
             </p:txBody>
           </p:sp>
         </mc:Choice>
-        <mc:Fallback xmlns="">
+        <mc:Fallback>
           <p:sp>
             <p:nvSpPr>
               <p:cNvPr id="3" name="Inhaltsplatzhalter 2"/>
@@ -15571,10 +16566,10 @@
                 <a:off x="838200" y="1889423"/>
                 <a:ext cx="10515600" cy="4351338"/>
               </a:xfrm>
-              <a:blipFill rotWithShape="0">
+              <a:blipFill rotWithShape="1">
                 <a:blip r:embed="rId2"/>
                 <a:stretch>
-                  <a:fillRect l="-1043" t="-3922"/>
+                  <a:fillRect l="-1043" t="-3782"/>
                 </a:stretch>
               </a:blipFill>
             </p:spPr>
@@ -15610,7 +16605,8 @@
           <a:p>
             <a:fld id="{7AC709DD-AC18-4FBA-B4E6-46DED743653E}" type="datetime1">
               <a:rPr lang="de-DE" smtClean="0"/>
-              <a:t>06.12.2015</a:t>
+              <a:pPr/>
+              <a:t>09.12.2015</a:t>
             </a:fld>
             <a:endParaRPr lang="de-DE"/>
           </a:p>
@@ -15656,7 +16652,8 @@
           <a:p>
             <a:fld id="{0E226D3C-400E-4353-AAC2-09A0472DC536}" type="slidenum">
               <a:rPr lang="de-DE" smtClean="0"/>
-              <a:t>24</a:t>
+              <a:pPr/>
+              <a:t>25</a:t>
             </a:fld>
             <a:endParaRPr lang="de-DE" dirty="0"/>
           </a:p>
@@ -15709,7 +16706,7 @@
                         <m:fPr>
                           <m:ctrlPr>
                             <a:rPr lang="de-DE" sz="2000" b="0" i="1" smtClean="0">
-                              <a:latin typeface="Cambria Math" panose="02040503050406030204" pitchFamily="18" charset="0"/>
+                              <a:latin typeface="Cambria Math"/>
                             </a:rPr>
                           </m:ctrlPr>
                         </m:fPr>
@@ -15735,7 +16732,7 @@
                           <m:chr m:val="∑"/>
                           <m:ctrlPr>
                             <a:rPr lang="de-DE" sz="2000" b="0" i="1" smtClean="0">
-                              <a:latin typeface="Cambria Math" panose="02040503050406030204" pitchFamily="18" charset="0"/>
+                              <a:latin typeface="Cambria Math"/>
                             </a:rPr>
                           </m:ctrlPr>
                         </m:naryPr>
@@ -15763,7 +16760,7 @@
                             <m:sSupPr>
                               <m:ctrlPr>
                                 <a:rPr lang="de-DE" sz="2000" b="0" i="1" smtClean="0">
-                                  <a:latin typeface="Cambria Math" panose="02040503050406030204" pitchFamily="18" charset="0"/>
+                                  <a:latin typeface="Cambria Math"/>
                                 </a:rPr>
                               </m:ctrlPr>
                             </m:sSupPr>
@@ -15778,7 +16775,7 @@
                                 <m:sSubPr>
                                   <m:ctrlPr>
                                     <a:rPr lang="de-DE" sz="2000" b="0" i="1" smtClean="0">
-                                      <a:latin typeface="Cambria Math" panose="02040503050406030204" pitchFamily="18" charset="0"/>
+                                      <a:latin typeface="Cambria Math"/>
                                     </a:rPr>
                                   </m:ctrlPr>
                                 </m:sSubPr>
@@ -15787,7 +16784,7 @@
                                     <m:sSubPr>
                                       <m:ctrlPr>
                                         <a:rPr lang="de-DE" sz="2000" i="1">
-                                          <a:latin typeface="Cambria Math" panose="02040503050406030204" pitchFamily="18" charset="0"/>
+                                          <a:latin typeface="Cambria Math"/>
                                         </a:rPr>
                                       </m:ctrlPr>
                                     </m:sSubPr>
@@ -15840,7 +16837,7 @@
                                 <m:sSubPr>
                                   <m:ctrlPr>
                                     <a:rPr lang="de-DE" sz="2000" b="0" i="1" smtClean="0">
-                                      <a:latin typeface="Cambria Math" panose="02040503050406030204" pitchFamily="18" charset="0"/>
+                                      <a:latin typeface="Cambria Math"/>
                                     </a:rPr>
                                   </m:ctrlPr>
                                 </m:sSubPr>
@@ -15849,7 +16846,7 @@
                                     <m:sSupPr>
                                       <m:ctrlPr>
                                         <a:rPr lang="de-DE" sz="2000" i="1">
-                                          <a:latin typeface="Cambria Math" panose="02040503050406030204" pitchFamily="18" charset="0"/>
+                                          <a:latin typeface="Cambria Math"/>
                                         </a:rPr>
                                       </m:ctrlPr>
                                     </m:sSupPr>
@@ -15858,7 +16855,7 @@
                                         <m:sSubPr>
                                           <m:ctrlPr>
                                             <a:rPr lang="de-DE" sz="2000" i="1">
-                                              <a:latin typeface="Cambria Math" panose="02040503050406030204" pitchFamily="18" charset="0"/>
+                                              <a:latin typeface="Cambria Math"/>
                                             </a:rPr>
                                           </m:ctrlPr>
                                         </m:sSubPr>
@@ -15961,7 +16958,7 @@
                 <a:avLst/>
               </a:prstGeom>
               <a:blipFill rotWithShape="0">
-                <a:blip r:embed="rId3"/>
+                <a:blip r:embed="rId3" cstate="print"/>
                 <a:stretch>
                   <a:fillRect/>
                 </a:stretch>
@@ -16002,7 +16999,7 @@
 </p:sld>
 </file>
 
-<file path=ppt/slides/slide26.xml><?xml version="1.0" encoding="utf-8"?>
+<file path=ppt/slides/slide27.xml><?xml version="1.0" encoding="utf-8"?>
 <p:sld xmlns:a="http://schemas.openxmlformats.org/drawingml/2006/main" xmlns:r="http://schemas.openxmlformats.org/officeDocument/2006/relationships" xmlns:p="http://schemas.openxmlformats.org/presentationml/2006/main">
   <p:cSld>
     <p:spTree>
@@ -16036,7 +17033,8 @@
           <a:p>
             <a:fld id="{7AC709DD-AC18-4FBA-B4E6-46DED743653E}" type="datetime1">
               <a:rPr lang="de-DE" smtClean="0"/>
-              <a:t>06.12.2015</a:t>
+              <a:pPr/>
+              <a:t>09.12.2015</a:t>
             </a:fld>
             <a:endParaRPr lang="de-DE"/>
           </a:p>
@@ -16082,7 +17080,8 @@
           <a:p>
             <a:fld id="{0E226D3C-400E-4353-AAC2-09A0472DC536}" type="slidenum">
               <a:rPr lang="de-DE" smtClean="0"/>
-              <a:t>25</a:t>
+              <a:pPr/>
+              <a:t>26</a:t>
             </a:fld>
             <a:endParaRPr lang="de-DE" dirty="0"/>
           </a:p>
@@ -16246,7 +17245,7 @@
           <p:nvPr/>
         </p:nvPicPr>
         <p:blipFill>
-          <a:blip r:embed="rId2">
+          <a:blip r:embed="rId2" cstate="print">
             <a:duotone>
               <a:schemeClr val="bg2">
                 <a:shade val="45000"/>
@@ -16294,7 +17293,7 @@
 </p:sld>
 </file>
 
-<file path=ppt/slides/slide27.xml><?xml version="1.0" encoding="utf-8"?>
+<file path=ppt/slides/slide28.xml><?xml version="1.0" encoding="utf-8"?>
 <p:sld xmlns:a="http://schemas.openxmlformats.org/drawingml/2006/main" xmlns:r="http://schemas.openxmlformats.org/officeDocument/2006/relationships" xmlns:p="http://schemas.openxmlformats.org/presentationml/2006/main">
   <p:cSld>
     <p:spTree>
@@ -16378,7 +17377,8 @@
           <a:p>
             <a:fld id="{7AC709DD-AC18-4FBA-B4E6-46DED743653E}" type="datetime1">
               <a:rPr lang="de-DE" smtClean="0"/>
-              <a:t>06.12.2015</a:t>
+              <a:pPr/>
+              <a:t>09.12.2015</a:t>
             </a:fld>
             <a:endParaRPr lang="de-DE"/>
           </a:p>
@@ -16424,7 +17424,8 @@
           <a:p>
             <a:fld id="{0E226D3C-400E-4353-AAC2-09A0472DC536}" type="slidenum">
               <a:rPr lang="de-DE" smtClean="0"/>
-              <a:t>26</a:t>
+              <a:pPr/>
+              <a:t>27</a:t>
             </a:fld>
             <a:endParaRPr lang="de-DE" dirty="0"/>
           </a:p>
@@ -16450,7 +17451,7 @@
 </p:sld>
 </file>
 
-<file path=ppt/slides/slide28.xml><?xml version="1.0" encoding="utf-8"?>
+<file path=ppt/slides/slide29.xml><?xml version="1.0" encoding="utf-8"?>
 <p:sld xmlns:a="http://schemas.openxmlformats.org/drawingml/2006/main" xmlns:r="http://schemas.openxmlformats.org/officeDocument/2006/relationships" xmlns:p="http://schemas.openxmlformats.org/presentationml/2006/main">
   <p:cSld>
     <p:spTree>
@@ -16484,7 +17485,8 @@
           <a:p>
             <a:fld id="{7AC709DD-AC18-4FBA-B4E6-46DED743653E}" type="datetime1">
               <a:rPr lang="de-DE" smtClean="0"/>
-              <a:t>06.12.2015</a:t>
+              <a:pPr/>
+              <a:t>09.12.2015</a:t>
             </a:fld>
             <a:endParaRPr lang="de-DE"/>
           </a:p>
@@ -16530,7 +17532,8 @@
           <a:p>
             <a:fld id="{0E226D3C-400E-4353-AAC2-09A0472DC536}" type="slidenum">
               <a:rPr lang="de-DE" smtClean="0"/>
-              <a:t>27</a:t>
+              <a:pPr/>
+              <a:t>28</a:t>
             </a:fld>
             <a:endParaRPr lang="de-DE" dirty="0"/>
           </a:p>
@@ -16694,7 +17697,7 @@
           <p:nvPr/>
         </p:nvPicPr>
         <p:blipFill>
-          <a:blip r:embed="rId2">
+          <a:blip r:embed="rId2" cstate="print">
             <a:duotone>
               <a:schemeClr val="bg2">
                 <a:shade val="45000"/>
@@ -16742,265 +17745,6 @@
 </p:sld>
 </file>
 
-<file path=ppt/slides/slide29.xml><?xml version="1.0" encoding="utf-8"?>
-<p:sld xmlns:a="http://schemas.openxmlformats.org/drawingml/2006/main" xmlns:r="http://schemas.openxmlformats.org/officeDocument/2006/relationships" xmlns:p="http://schemas.openxmlformats.org/presentationml/2006/main">
-  <p:cSld>
-    <p:spTree>
-      <p:nvGrpSpPr>
-        <p:cNvPr id="1" name=""/>
-        <p:cNvGrpSpPr/>
-        <p:nvPr/>
-      </p:nvGrpSpPr>
-      <p:grpSpPr>
-        <a:xfrm>
-          <a:off x="0" y="0"/>
-          <a:ext cx="0" cy="0"/>
-          <a:chOff x="0" y="0"/>
-          <a:chExt cx="0" cy="0"/>
-        </a:xfrm>
-      </p:grpSpPr>
-      <p:sp>
-        <p:nvSpPr>
-          <p:cNvPr id="2" name="Titel 1"/>
-          <p:cNvSpPr>
-            <a:spLocks noGrp="1"/>
-          </p:cNvSpPr>
-          <p:nvPr>
-            <p:ph type="title"/>
-          </p:nvPr>
-        </p:nvSpPr>
-        <p:spPr/>
-        <p:txBody>
-          <a:bodyPr/>
-          <a:lstStyle/>
-          <a:p>
-            <a:pPr marL="857250" indent="-857250">
-              <a:buFont typeface="+mj-lt"/>
-              <a:buAutoNum type="romanUcPeriod" startAt="5"/>
-            </a:pPr>
-            <a:r>
-              <a:rPr lang="de-DE" b="1" dirty="0" smtClean="0"/>
-              <a:t>Umsetzung des künstlichen neuronalen Netzes</a:t>
-            </a:r>
-            <a:endParaRPr lang="de-DE" dirty="0"/>
-          </a:p>
-        </p:txBody>
-      </p:sp>
-      <p:sp>
-        <p:nvSpPr>
-          <p:cNvPr id="3" name="Inhaltsplatzhalter 2"/>
-          <p:cNvSpPr>
-            <a:spLocks noGrp="1"/>
-          </p:cNvSpPr>
-          <p:nvPr>
-            <p:ph idx="1"/>
-          </p:nvPr>
-        </p:nvSpPr>
-        <p:spPr/>
-        <p:txBody>
-          <a:bodyPr/>
-          <a:lstStyle/>
-          <a:p>
-            <a:r>
-              <a:rPr lang="de-DE" dirty="0" smtClean="0"/>
-              <a:t>Umsetzung mit Neuroph</a:t>
-            </a:r>
-          </a:p>
-          <a:p>
-            <a:pPr marL="457200" lvl="1" indent="0">
-              <a:buNone/>
-            </a:pPr>
-            <a:endParaRPr lang="de-DE" dirty="0"/>
-          </a:p>
-          <a:p>
-            <a:pPr lvl="1"/>
-            <a:endParaRPr lang="de-DE" dirty="0" smtClean="0"/>
-          </a:p>
-          <a:p>
-            <a:pPr marL="457200" lvl="1" indent="0">
-              <a:buNone/>
-            </a:pPr>
-            <a:endParaRPr lang="de-DE" dirty="0" smtClean="0"/>
-          </a:p>
-          <a:p>
-            <a:pPr lvl="1"/>
-            <a:endParaRPr lang="de-DE" dirty="0" smtClean="0"/>
-          </a:p>
-          <a:p>
-            <a:endParaRPr lang="de-DE" dirty="0" smtClean="0"/>
-          </a:p>
-          <a:p>
-            <a:endParaRPr lang="de-DE" dirty="0"/>
-          </a:p>
-          <a:p>
-            <a:endParaRPr lang="de-DE" dirty="0" smtClean="0"/>
-          </a:p>
-          <a:p>
-            <a:endParaRPr lang="de-DE" dirty="0"/>
-          </a:p>
-          <a:p>
-            <a:pPr marL="0" indent="0">
-              <a:buNone/>
-            </a:pPr>
-            <a:endParaRPr lang="de-DE" dirty="0"/>
-          </a:p>
-          <a:p>
-            <a:pPr marL="0" indent="0">
-              <a:buNone/>
-            </a:pPr>
-            <a:endParaRPr lang="de-DE" dirty="0" smtClean="0"/>
-          </a:p>
-        </p:txBody>
-      </p:sp>
-      <p:sp>
-        <p:nvSpPr>
-          <p:cNvPr id="4" name="Datumsplatzhalter 3"/>
-          <p:cNvSpPr>
-            <a:spLocks noGrp="1"/>
-          </p:cNvSpPr>
-          <p:nvPr>
-            <p:ph type="dt" sz="half" idx="10"/>
-          </p:nvPr>
-        </p:nvSpPr>
-        <p:spPr/>
-        <p:txBody>
-          <a:bodyPr/>
-          <a:lstStyle/>
-          <a:p>
-            <a:fld id="{7AC709DD-AC18-4FBA-B4E6-46DED743653E}" type="datetime1">
-              <a:rPr lang="de-DE" smtClean="0"/>
-              <a:t>06.12.2015</a:t>
-            </a:fld>
-            <a:endParaRPr lang="de-DE"/>
-          </a:p>
-        </p:txBody>
-      </p:sp>
-      <p:sp>
-        <p:nvSpPr>
-          <p:cNvPr id="5" name="Fußzeilenplatzhalter 4"/>
-          <p:cNvSpPr>
-            <a:spLocks noGrp="1"/>
-          </p:cNvSpPr>
-          <p:nvPr>
-            <p:ph type="ftr" sz="quarter" idx="11"/>
-          </p:nvPr>
-        </p:nvSpPr>
-        <p:spPr/>
-        <p:txBody>
-          <a:bodyPr/>
-          <a:lstStyle/>
-          <a:p>
-            <a:r>
-              <a:rPr lang="de-DE" smtClean="0"/>
-              <a:t>Fakultät Informatik             Sebastian Schötteler &amp; Benedikt Hofrichter</a:t>
-            </a:r>
-            <a:endParaRPr lang="de-DE" dirty="0"/>
-          </a:p>
-        </p:txBody>
-      </p:sp>
-      <p:sp>
-        <p:nvSpPr>
-          <p:cNvPr id="6" name="Foliennummernplatzhalter 5"/>
-          <p:cNvSpPr>
-            <a:spLocks noGrp="1"/>
-          </p:cNvSpPr>
-          <p:nvPr>
-            <p:ph type="sldNum" sz="quarter" idx="12"/>
-          </p:nvPr>
-        </p:nvSpPr>
-        <p:spPr/>
-        <p:txBody>
-          <a:bodyPr/>
-          <a:lstStyle/>
-          <a:p>
-            <a:fld id="{0E226D3C-400E-4353-AAC2-09A0472DC536}" type="slidenum">
-              <a:rPr lang="de-DE" smtClean="0"/>
-              <a:t>28</a:t>
-            </a:fld>
-            <a:endParaRPr lang="de-DE" dirty="0"/>
-          </a:p>
-        </p:txBody>
-      </p:sp>
-      <p:pic>
-        <p:nvPicPr>
-          <p:cNvPr id="8" name="Grafik 7"/>
-          <p:cNvPicPr>
-            <a:picLocks noChangeAspect="1"/>
-          </p:cNvPicPr>
-          <p:nvPr/>
-        </p:nvPicPr>
-        <p:blipFill>
-          <a:blip r:embed="rId3">
-            <a:extLst>
-              <a:ext uri="{28A0092B-C50C-407E-A947-70E740481C1C}">
-                <a14:useLocalDpi xmlns:a14="http://schemas.microsoft.com/office/drawing/2010/main" val="0"/>
-              </a:ext>
-            </a:extLst>
-          </a:blip>
-          <a:stretch>
-            <a:fillRect/>
-          </a:stretch>
-        </p:blipFill>
-        <p:spPr>
-          <a:xfrm>
-            <a:off x="8127245" y="3358356"/>
-            <a:ext cx="2381250" cy="1285875"/>
-          </a:xfrm>
-          <a:prstGeom prst="rect">
-            <a:avLst/>
-          </a:prstGeom>
-        </p:spPr>
-      </p:pic>
-      <p:pic>
-        <p:nvPicPr>
-          <p:cNvPr id="9" name="Grafik 8"/>
-          <p:cNvPicPr>
-            <a:picLocks noChangeAspect="1"/>
-          </p:cNvPicPr>
-          <p:nvPr/>
-        </p:nvPicPr>
-        <p:blipFill>
-          <a:blip r:embed="rId4">
-            <a:extLst>
-              <a:ext uri="{28A0092B-C50C-407E-A947-70E740481C1C}">
-                <a14:useLocalDpi xmlns:a14="http://schemas.microsoft.com/office/drawing/2010/main" val="0"/>
-              </a:ext>
-            </a:extLst>
-          </a:blip>
-          <a:stretch>
-            <a:fillRect/>
-          </a:stretch>
-        </p:blipFill>
-        <p:spPr>
-          <a:xfrm>
-            <a:off x="838200" y="2509989"/>
-            <a:ext cx="5940379" cy="3403343"/>
-          </a:xfrm>
-          <a:prstGeom prst="rect">
-            <a:avLst/>
-          </a:prstGeom>
-        </p:spPr>
-      </p:pic>
-    </p:spTree>
-    <p:extLst>
-      <p:ext uri="{BB962C8B-B14F-4D97-AF65-F5344CB8AC3E}">
-        <p14:creationId xmlns:p14="http://schemas.microsoft.com/office/powerpoint/2010/main" val="4218416104"/>
-      </p:ext>
-    </p:extLst>
-  </p:cSld>
-  <p:clrMapOvr>
-    <a:masterClrMapping/>
-  </p:clrMapOvr>
-  <p:timing>
-    <p:tnLst>
-      <p:par>
-        <p:cTn id="1" dur="indefinite" restart="never" nodeType="tmRoot"/>
-      </p:par>
-    </p:tnLst>
-  </p:timing>
-</p:sld>
-</file>
-
 <file path=ppt/slides/slide3.xml><?xml version="1.0" encoding="utf-8"?>
 <p:sld xmlns:a="http://schemas.openxmlformats.org/drawingml/2006/main" xmlns:r="http://schemas.openxmlformats.org/officeDocument/2006/relationships" xmlns:p="http://schemas.openxmlformats.org/presentationml/2006/main">
   <p:cSld>
@@ -17035,7 +17779,8 @@
           <a:p>
             <a:fld id="{7AC709DD-AC18-4FBA-B4E6-46DED743653E}" type="datetime1">
               <a:rPr lang="de-DE" smtClean="0"/>
-              <a:t>06.12.2015</a:t>
+              <a:pPr/>
+              <a:t>09.12.2015</a:t>
             </a:fld>
             <a:endParaRPr lang="de-DE"/>
           </a:p>
@@ -17081,6 +17826,7 @@
           <a:p>
             <a:fld id="{0E226D3C-400E-4353-AAC2-09A0472DC536}" type="slidenum">
               <a:rPr lang="de-DE" smtClean="0"/>
+              <a:pPr/>
               <a:t>2</a:t>
             </a:fld>
             <a:endParaRPr lang="de-DE" dirty="0"/>
@@ -17245,7 +17991,7 @@
           <p:nvPr/>
         </p:nvPicPr>
         <p:blipFill>
-          <a:blip r:embed="rId2">
+          <a:blip r:embed="rId2" cstate="print">
             <a:duotone>
               <a:schemeClr val="bg2">
                 <a:shade val="45000"/>
@@ -17349,15 +18095,51 @@
         </p:nvSpPr>
         <p:spPr/>
         <p:txBody>
-          <a:bodyPr>
-            <a:normAutofit/>
-          </a:bodyPr>
+          <a:bodyPr/>
           <a:lstStyle/>
           <a:p>
             <a:r>
               <a:rPr lang="de-DE" dirty="0" smtClean="0"/>
-              <a:t>Startnetz aus der Konzeption</a:t>
-            </a:r>
+              <a:t>Umsetzung mit Neuroph</a:t>
+            </a:r>
+          </a:p>
+          <a:p>
+            <a:pPr marL="457200" lvl="1" indent="0">
+              <a:buNone/>
+            </a:pPr>
+            <a:endParaRPr lang="de-DE" dirty="0"/>
+          </a:p>
+          <a:p>
+            <a:pPr lvl="1"/>
+            <a:endParaRPr lang="de-DE" dirty="0" smtClean="0"/>
+          </a:p>
+          <a:p>
+            <a:pPr marL="457200" lvl="1" indent="0">
+              <a:buNone/>
+            </a:pPr>
+            <a:endParaRPr lang="de-DE" dirty="0" smtClean="0"/>
+          </a:p>
+          <a:p>
+            <a:pPr lvl="1"/>
+            <a:endParaRPr lang="de-DE" dirty="0" smtClean="0"/>
+          </a:p>
+          <a:p>
+            <a:endParaRPr lang="de-DE" dirty="0" smtClean="0"/>
+          </a:p>
+          <a:p>
+            <a:endParaRPr lang="de-DE" dirty="0"/>
+          </a:p>
+          <a:p>
+            <a:endParaRPr lang="de-DE" dirty="0" smtClean="0"/>
+          </a:p>
+          <a:p>
+            <a:endParaRPr lang="de-DE" dirty="0"/>
+          </a:p>
+          <a:p>
+            <a:pPr marL="0" indent="0">
+              <a:buNone/>
+            </a:pPr>
+            <a:endParaRPr lang="de-DE" dirty="0"/>
           </a:p>
           <a:p>
             <a:pPr marL="0" indent="0">
@@ -17365,57 +18147,6 @@
             </a:pPr>
             <a:endParaRPr lang="de-DE" dirty="0" smtClean="0"/>
           </a:p>
-          <a:p>
-            <a:pPr marL="0" indent="0">
-              <a:buNone/>
-            </a:pPr>
-            <a:endParaRPr lang="de-DE" dirty="0" smtClean="0"/>
-          </a:p>
-          <a:p>
-            <a:pPr marL="0" indent="0">
-              <a:buNone/>
-            </a:pPr>
-            <a:endParaRPr lang="de-DE" dirty="0" smtClean="0"/>
-          </a:p>
-          <a:p>
-            <a:pPr marL="0" indent="0">
-              <a:buNone/>
-            </a:pPr>
-            <a:endParaRPr lang="de-DE" dirty="0" smtClean="0"/>
-          </a:p>
-          <a:p>
-            <a:pPr marL="0" indent="0">
-              <a:buNone/>
-            </a:pPr>
-            <a:endParaRPr lang="de-DE" dirty="0" smtClean="0"/>
-          </a:p>
-          <a:p>
-            <a:pPr marL="0" indent="0">
-              <a:buNone/>
-            </a:pPr>
-            <a:endParaRPr lang="de-DE" dirty="0" smtClean="0"/>
-          </a:p>
-          <a:p>
-            <a:endParaRPr lang="de-DE" dirty="0"/>
-          </a:p>
-          <a:p>
-            <a:endParaRPr lang="de-DE" dirty="0" smtClean="0"/>
-          </a:p>
-          <a:p>
-            <a:endParaRPr lang="de-DE" dirty="0"/>
-          </a:p>
-          <a:p>
-            <a:pPr marL="0" indent="0">
-              <a:buNone/>
-            </a:pPr>
-            <a:endParaRPr lang="de-DE" dirty="0"/>
-          </a:p>
-          <a:p>
-            <a:pPr marL="0" indent="0">
-              <a:buNone/>
-            </a:pPr>
-            <a:endParaRPr lang="de-DE" dirty="0" smtClean="0"/>
-          </a:p>
         </p:txBody>
       </p:sp>
       <p:sp>
@@ -17435,7 +18166,8 @@
           <a:p>
             <a:fld id="{7AC709DD-AC18-4FBA-B4E6-46DED743653E}" type="datetime1">
               <a:rPr lang="de-DE" smtClean="0"/>
-              <a:t>06.12.2015</a:t>
+              <a:pPr/>
+              <a:t>09.12.2015</a:t>
             </a:fld>
             <a:endParaRPr lang="de-DE"/>
           </a:p>
@@ -17481,12 +18213,43 @@
           <a:p>
             <a:fld id="{0E226D3C-400E-4353-AAC2-09A0472DC536}" type="slidenum">
               <a:rPr lang="de-DE" smtClean="0"/>
+              <a:pPr/>
               <a:t>29</a:t>
             </a:fld>
             <a:endParaRPr lang="de-DE" dirty="0"/>
           </a:p>
         </p:txBody>
       </p:sp>
+      <p:pic>
+        <p:nvPicPr>
+          <p:cNvPr id="8" name="Grafik 7"/>
+          <p:cNvPicPr>
+            <a:picLocks noChangeAspect="1"/>
+          </p:cNvPicPr>
+          <p:nvPr/>
+        </p:nvPicPr>
+        <p:blipFill>
+          <a:blip r:embed="rId3" cstate="print">
+            <a:extLst>
+              <a:ext uri="{28A0092B-C50C-407E-A947-70E740481C1C}">
+                <a14:useLocalDpi xmlns:a14="http://schemas.microsoft.com/office/drawing/2010/main" val="0"/>
+              </a:ext>
+            </a:extLst>
+          </a:blip>
+          <a:stretch>
+            <a:fillRect/>
+          </a:stretch>
+        </p:blipFill>
+        <p:spPr>
+          <a:xfrm>
+            <a:off x="8127245" y="3358356"/>
+            <a:ext cx="2381250" cy="1285875"/>
+          </a:xfrm>
+          <a:prstGeom prst="rect">
+            <a:avLst/>
+          </a:prstGeom>
+        </p:spPr>
+      </p:pic>
       <p:pic>
         <p:nvPicPr>
           <p:cNvPr id="9" name="Grafik 8"/>
@@ -17496,7 +18259,253 @@
           <p:nvPr/>
         </p:nvPicPr>
         <p:blipFill>
-          <a:blip r:embed="rId3">
+          <a:blip r:embed="rId4" cstate="print">
+            <a:extLst>
+              <a:ext uri="{28A0092B-C50C-407E-A947-70E740481C1C}">
+                <a14:useLocalDpi xmlns:a14="http://schemas.microsoft.com/office/drawing/2010/main" val="0"/>
+              </a:ext>
+            </a:extLst>
+          </a:blip>
+          <a:stretch>
+            <a:fillRect/>
+          </a:stretch>
+        </p:blipFill>
+        <p:spPr>
+          <a:xfrm>
+            <a:off x="838200" y="2509989"/>
+            <a:ext cx="5940379" cy="3403343"/>
+          </a:xfrm>
+          <a:prstGeom prst="rect">
+            <a:avLst/>
+          </a:prstGeom>
+        </p:spPr>
+      </p:pic>
+    </p:spTree>
+    <p:extLst>
+      <p:ext uri="{BB962C8B-B14F-4D97-AF65-F5344CB8AC3E}">
+        <p14:creationId xmlns:p14="http://schemas.microsoft.com/office/powerpoint/2010/main" val="4218416104"/>
+      </p:ext>
+    </p:extLst>
+  </p:cSld>
+  <p:clrMapOvr>
+    <a:masterClrMapping/>
+  </p:clrMapOvr>
+  <p:timing>
+    <p:tnLst>
+      <p:par>
+        <p:cTn id="1" dur="indefinite" restart="never" nodeType="tmRoot"/>
+      </p:par>
+    </p:tnLst>
+  </p:timing>
+</p:sld>
+</file>
+
+<file path=ppt/slides/slide31.xml><?xml version="1.0" encoding="utf-8"?>
+<p:sld xmlns:a="http://schemas.openxmlformats.org/drawingml/2006/main" xmlns:r="http://schemas.openxmlformats.org/officeDocument/2006/relationships" xmlns:p="http://schemas.openxmlformats.org/presentationml/2006/main">
+  <p:cSld>
+    <p:spTree>
+      <p:nvGrpSpPr>
+        <p:cNvPr id="1" name=""/>
+        <p:cNvGrpSpPr/>
+        <p:nvPr/>
+      </p:nvGrpSpPr>
+      <p:grpSpPr>
+        <a:xfrm>
+          <a:off x="0" y="0"/>
+          <a:ext cx="0" cy="0"/>
+          <a:chOff x="0" y="0"/>
+          <a:chExt cx="0" cy="0"/>
+        </a:xfrm>
+      </p:grpSpPr>
+      <p:sp>
+        <p:nvSpPr>
+          <p:cNvPr id="2" name="Titel 1"/>
+          <p:cNvSpPr>
+            <a:spLocks noGrp="1"/>
+          </p:cNvSpPr>
+          <p:nvPr>
+            <p:ph type="title"/>
+          </p:nvPr>
+        </p:nvSpPr>
+        <p:spPr/>
+        <p:txBody>
+          <a:bodyPr/>
+          <a:lstStyle/>
+          <a:p>
+            <a:pPr marL="857250" indent="-857250">
+              <a:buFont typeface="+mj-lt"/>
+              <a:buAutoNum type="romanUcPeriod" startAt="5"/>
+            </a:pPr>
+            <a:r>
+              <a:rPr lang="de-DE" b="1" dirty="0" smtClean="0"/>
+              <a:t>Umsetzung des künstlichen neuronalen Netzes</a:t>
+            </a:r>
+            <a:endParaRPr lang="de-DE" dirty="0"/>
+          </a:p>
+        </p:txBody>
+      </p:sp>
+      <p:sp>
+        <p:nvSpPr>
+          <p:cNvPr id="3" name="Inhaltsplatzhalter 2"/>
+          <p:cNvSpPr>
+            <a:spLocks noGrp="1"/>
+          </p:cNvSpPr>
+          <p:nvPr>
+            <p:ph idx="1"/>
+          </p:nvPr>
+        </p:nvSpPr>
+        <p:spPr/>
+        <p:txBody>
+          <a:bodyPr>
+            <a:normAutofit/>
+          </a:bodyPr>
+          <a:lstStyle/>
+          <a:p>
+            <a:r>
+              <a:rPr lang="de-DE" dirty="0" smtClean="0"/>
+              <a:t>Startnetz aus der Konzeption</a:t>
+            </a:r>
+          </a:p>
+          <a:p>
+            <a:pPr marL="0" indent="0">
+              <a:buNone/>
+            </a:pPr>
+            <a:endParaRPr lang="de-DE" dirty="0" smtClean="0"/>
+          </a:p>
+          <a:p>
+            <a:pPr marL="0" indent="0">
+              <a:buNone/>
+            </a:pPr>
+            <a:endParaRPr lang="de-DE" dirty="0" smtClean="0"/>
+          </a:p>
+          <a:p>
+            <a:pPr marL="0" indent="0">
+              <a:buNone/>
+            </a:pPr>
+            <a:endParaRPr lang="de-DE" dirty="0" smtClean="0"/>
+          </a:p>
+          <a:p>
+            <a:pPr marL="0" indent="0">
+              <a:buNone/>
+            </a:pPr>
+            <a:endParaRPr lang="de-DE" dirty="0" smtClean="0"/>
+          </a:p>
+          <a:p>
+            <a:pPr marL="0" indent="0">
+              <a:buNone/>
+            </a:pPr>
+            <a:endParaRPr lang="de-DE" dirty="0" smtClean="0"/>
+          </a:p>
+          <a:p>
+            <a:pPr marL="0" indent="0">
+              <a:buNone/>
+            </a:pPr>
+            <a:endParaRPr lang="de-DE" dirty="0" smtClean="0"/>
+          </a:p>
+          <a:p>
+            <a:endParaRPr lang="de-DE" dirty="0"/>
+          </a:p>
+          <a:p>
+            <a:endParaRPr lang="de-DE" dirty="0" smtClean="0"/>
+          </a:p>
+          <a:p>
+            <a:endParaRPr lang="de-DE" dirty="0"/>
+          </a:p>
+          <a:p>
+            <a:pPr marL="0" indent="0">
+              <a:buNone/>
+            </a:pPr>
+            <a:endParaRPr lang="de-DE" dirty="0"/>
+          </a:p>
+          <a:p>
+            <a:pPr marL="0" indent="0">
+              <a:buNone/>
+            </a:pPr>
+            <a:endParaRPr lang="de-DE" dirty="0" smtClean="0"/>
+          </a:p>
+        </p:txBody>
+      </p:sp>
+      <p:sp>
+        <p:nvSpPr>
+          <p:cNvPr id="4" name="Datumsplatzhalter 3"/>
+          <p:cNvSpPr>
+            <a:spLocks noGrp="1"/>
+          </p:cNvSpPr>
+          <p:nvPr>
+            <p:ph type="dt" sz="half" idx="10"/>
+          </p:nvPr>
+        </p:nvSpPr>
+        <p:spPr/>
+        <p:txBody>
+          <a:bodyPr/>
+          <a:lstStyle/>
+          <a:p>
+            <a:fld id="{7AC709DD-AC18-4FBA-B4E6-46DED743653E}" type="datetime1">
+              <a:rPr lang="de-DE" smtClean="0"/>
+              <a:pPr/>
+              <a:t>09.12.2015</a:t>
+            </a:fld>
+            <a:endParaRPr lang="de-DE"/>
+          </a:p>
+        </p:txBody>
+      </p:sp>
+      <p:sp>
+        <p:nvSpPr>
+          <p:cNvPr id="5" name="Fußzeilenplatzhalter 4"/>
+          <p:cNvSpPr>
+            <a:spLocks noGrp="1"/>
+          </p:cNvSpPr>
+          <p:nvPr>
+            <p:ph type="ftr" sz="quarter" idx="11"/>
+          </p:nvPr>
+        </p:nvSpPr>
+        <p:spPr/>
+        <p:txBody>
+          <a:bodyPr/>
+          <a:lstStyle/>
+          <a:p>
+            <a:r>
+              <a:rPr lang="de-DE" smtClean="0"/>
+              <a:t>Fakultät Informatik             Sebastian Schötteler &amp; Benedikt Hofrichter</a:t>
+            </a:r>
+            <a:endParaRPr lang="de-DE" dirty="0"/>
+          </a:p>
+        </p:txBody>
+      </p:sp>
+      <p:sp>
+        <p:nvSpPr>
+          <p:cNvPr id="6" name="Foliennummernplatzhalter 5"/>
+          <p:cNvSpPr>
+            <a:spLocks noGrp="1"/>
+          </p:cNvSpPr>
+          <p:nvPr>
+            <p:ph type="sldNum" sz="quarter" idx="12"/>
+          </p:nvPr>
+        </p:nvSpPr>
+        <p:spPr/>
+        <p:txBody>
+          <a:bodyPr/>
+          <a:lstStyle/>
+          <a:p>
+            <a:fld id="{0E226D3C-400E-4353-AAC2-09A0472DC536}" type="slidenum">
+              <a:rPr lang="de-DE" smtClean="0"/>
+              <a:pPr/>
+              <a:t>30</a:t>
+            </a:fld>
+            <a:endParaRPr lang="de-DE" dirty="0"/>
+          </a:p>
+        </p:txBody>
+      </p:sp>
+      <p:pic>
+        <p:nvPicPr>
+          <p:cNvPr id="9" name="Grafik 8"/>
+          <p:cNvPicPr>
+            <a:picLocks noChangeAspect="1"/>
+          </p:cNvPicPr>
+          <p:nvPr/>
+        </p:nvPicPr>
+        <p:blipFill>
+          <a:blip r:embed="rId3" cstate="print">
             <a:extLst>
               <a:ext uri="{28A0092B-C50C-407E-A947-70E740481C1C}">
                 <a14:useLocalDpi xmlns:a14="http://schemas.microsoft.com/office/drawing/2010/main" val="0"/>
@@ -17697,7 +18706,7 @@
 </p:sld>
 </file>
 
-<file path=ppt/slides/slide31.xml><?xml version="1.0" encoding="utf-8"?>
+<file path=ppt/slides/slide32.xml><?xml version="1.0" encoding="utf-8"?>
 <p:sld xmlns:a="http://schemas.openxmlformats.org/drawingml/2006/main" xmlns:r="http://schemas.openxmlformats.org/officeDocument/2006/relationships" xmlns:p="http://schemas.openxmlformats.org/presentationml/2006/main">
   <p:cSld>
     <p:spTree>
@@ -17861,7 +18870,8 @@
           <a:p>
             <a:fld id="{7AC709DD-AC18-4FBA-B4E6-46DED743653E}" type="datetime1">
               <a:rPr lang="de-DE" smtClean="0"/>
-              <a:t>06.12.2015</a:t>
+              <a:pPr/>
+              <a:t>09.12.2015</a:t>
             </a:fld>
             <a:endParaRPr lang="de-DE"/>
           </a:p>
@@ -17907,7 +18917,8 @@
           <a:p>
             <a:fld id="{0E226D3C-400E-4353-AAC2-09A0472DC536}" type="slidenum">
               <a:rPr lang="de-DE" smtClean="0"/>
-              <a:t>30</a:t>
+              <a:pPr/>
+              <a:t>31</a:t>
             </a:fld>
             <a:endParaRPr lang="de-DE" dirty="0"/>
           </a:p>
@@ -18425,7 +19436,7 @@
 </p:sld>
 </file>
 
-<file path=ppt/slides/slide32.xml><?xml version="1.0" encoding="utf-8"?>
+<file path=ppt/slides/slide33.xml><?xml version="1.0" encoding="utf-8"?>
 <p:sld xmlns:a="http://schemas.openxmlformats.org/drawingml/2006/main" xmlns:r="http://schemas.openxmlformats.org/officeDocument/2006/relationships" xmlns:p="http://schemas.openxmlformats.org/presentationml/2006/main">
   <p:cSld>
     <p:spTree>
@@ -18495,20 +19506,32 @@
             <a:pPr lvl="1"/>
             <a:r>
               <a:rPr lang="de-DE" dirty="0" smtClean="0"/>
-              <a:t>Trainingsdatensatz: 450 Daten – vom xx.xx.2013 bis zum xx.xx.2014 </a:t>
-            </a:r>
+              <a:t>Trainingsdatensatz: </a:t>
+            </a:r>
+            <a:r>
+              <a:rPr lang="de-DE" dirty="0" smtClean="0"/>
+              <a:t>600</a:t>
+            </a:r>
+            <a:r>
+              <a:rPr lang="de-DE" dirty="0" smtClean="0"/>
+              <a:t> Daten</a:t>
+            </a:r>
+            <a:endParaRPr lang="de-DE" dirty="0" smtClean="0"/>
           </a:p>
           <a:p>
             <a:pPr lvl="1"/>
             <a:r>
               <a:rPr lang="de-DE" dirty="0" smtClean="0"/>
-              <a:t>Testdatensatz: 150 Daten –  vom xx.xx.2015 bis zum 29.10.2015</a:t>
-            </a:r>
-          </a:p>
-          <a:p>
-            <a:pPr marL="457200" lvl="1" indent="0">
-              <a:buNone/>
-            </a:pPr>
+              <a:t>Testdatensatz: </a:t>
+            </a:r>
+            <a:r>
+              <a:rPr lang="de-DE" dirty="0" smtClean="0"/>
+              <a:t>200</a:t>
+            </a:r>
+            <a:r>
+              <a:rPr lang="de-DE" dirty="0" smtClean="0"/>
+              <a:t> Daten</a:t>
+            </a:r>
             <a:endParaRPr lang="de-DE" dirty="0" smtClean="0"/>
           </a:p>
           <a:p>
@@ -18554,7 +19577,8 @@
           <a:p>
             <a:fld id="{7AC709DD-AC18-4FBA-B4E6-46DED743653E}" type="datetime1">
               <a:rPr lang="de-DE" smtClean="0"/>
-              <a:t>06.12.2015</a:t>
+              <a:pPr/>
+              <a:t>09.12.2015</a:t>
             </a:fld>
             <a:endParaRPr lang="de-DE"/>
           </a:p>
@@ -18600,7 +19624,8 @@
           <a:p>
             <a:fld id="{0E226D3C-400E-4353-AAC2-09A0472DC536}" type="slidenum">
               <a:rPr lang="de-DE" smtClean="0"/>
-              <a:t>31</a:t>
+              <a:pPr/>
+              <a:t>32</a:t>
             </a:fld>
             <a:endParaRPr lang="de-DE" dirty="0"/>
           </a:p>
@@ -18679,7 +19704,7 @@
                         <m:fPr>
                           <m:ctrlPr>
                             <a:rPr lang="de-DE" i="1">
-                              <a:latin typeface="Cambria Math" panose="02040503050406030204" pitchFamily="18" charset="0"/>
+                              <a:latin typeface="Cambria Math"/>
                             </a:rPr>
                           </m:ctrlPr>
                         </m:fPr>
@@ -18729,7 +19754,7 @@
                             <m:funcPr>
                               <m:ctrlPr>
                                 <a:rPr lang="de-DE" i="1">
-                                  <a:latin typeface="Cambria Math" panose="02040503050406030204" pitchFamily="18" charset="0"/>
+                                  <a:latin typeface="Cambria Math"/>
                                 </a:rPr>
                               </m:ctrlPr>
                             </m:funcPr>
@@ -18749,7 +19774,7 @@
                                 <m:dPr>
                                   <m:ctrlPr>
                                     <a:rPr lang="de-DE" i="1">
-                                      <a:latin typeface="Cambria Math" panose="02040503050406030204" pitchFamily="18" charset="0"/>
+                                      <a:latin typeface="Cambria Math"/>
                                     </a:rPr>
                                   </m:ctrlPr>
                                 </m:dPr>
@@ -18825,7 +19850,7 @@
                 <a:avLst/>
               </a:prstGeom>
               <a:blipFill rotWithShape="0">
-                <a:blip r:embed="rId3"/>
+                <a:blip r:embed="rId3" cstate="print"/>
                 <a:stretch>
                   <a:fillRect l="-1289" t="-2956"/>
                 </a:stretch>
@@ -18855,7 +19880,7 @@
           <p:nvPr/>
         </p:nvPicPr>
         <p:blipFill>
-          <a:blip r:embed="rId4">
+          <a:blip r:embed="rId4" cstate="print">
             <a:extLst>
               <a:ext uri="{28A0092B-C50C-407E-A947-70E740481C1C}">
                 <a14:useLocalDpi xmlns:a14="http://schemas.microsoft.com/office/drawing/2010/main" val="0"/>
@@ -19091,7 +20116,7 @@
                         <m:sSubPr>
                           <m:ctrlPr>
                             <a:rPr lang="de-DE" i="1" smtClean="0">
-                              <a:latin typeface="Cambria Math" panose="02040503050406030204" pitchFamily="18" charset="0"/>
+                              <a:latin typeface="Cambria Math"/>
                             </a:rPr>
                           </m:ctrlPr>
                         </m:sSubPr>
@@ -19144,7 +20169,7 @@
                 <a:avLst/>
               </a:prstGeom>
               <a:blipFill rotWithShape="0">
-                <a:blip r:embed="rId5"/>
+                <a:blip r:embed="rId5" cstate="print"/>
                 <a:stretch>
                   <a:fillRect l="-11538" r="-5128" b="-17778"/>
                 </a:stretch>
@@ -19200,7 +20225,7 @@
                         <m:sSubPr>
                           <m:ctrlPr>
                             <a:rPr lang="de-DE" i="1" smtClean="0">
-                              <a:latin typeface="Cambria Math" panose="02040503050406030204" pitchFamily="18" charset="0"/>
+                              <a:latin typeface="Cambria Math"/>
                             </a:rPr>
                           </m:ctrlPr>
                         </m:sSubPr>
@@ -19253,7 +20278,7 @@
                 <a:avLst/>
               </a:prstGeom>
               <a:blipFill rotWithShape="0">
-                <a:blip r:embed="rId6"/>
+                <a:blip r:embed="rId6" cstate="print"/>
                 <a:stretch>
                   <a:fillRect l="-11538" r="-5128" b="-17778"/>
                 </a:stretch>
@@ -19309,7 +20334,7 @@
                         <m:sSubPr>
                           <m:ctrlPr>
                             <a:rPr lang="de-DE" i="1" smtClean="0">
-                              <a:latin typeface="Cambria Math" panose="02040503050406030204" pitchFamily="18" charset="0"/>
+                              <a:latin typeface="Cambria Math"/>
                             </a:rPr>
                           </m:ctrlPr>
                         </m:sSubPr>
@@ -19362,7 +20387,7 @@
                 <a:avLst/>
               </a:prstGeom>
               <a:blipFill rotWithShape="0">
-                <a:blip r:embed="rId7"/>
+                <a:blip r:embed="rId7" cstate="print"/>
                 <a:stretch>
                   <a:fillRect l="-11688" r="-5195" b="-17391"/>
                 </a:stretch>
@@ -19418,7 +20443,7 @@
                         <m:sSubPr>
                           <m:ctrlPr>
                             <a:rPr lang="de-DE" i="1" smtClean="0">
-                              <a:latin typeface="Cambria Math" panose="02040503050406030204" pitchFamily="18" charset="0"/>
+                              <a:latin typeface="Cambria Math"/>
                             </a:rPr>
                           </m:ctrlPr>
                         </m:sSubPr>
@@ -19465,7 +20490,7 @@
                 <a:avLst/>
               </a:prstGeom>
               <a:blipFill rotWithShape="0">
-                <a:blip r:embed="rId8"/>
+                <a:blip r:embed="rId8" cstate="print"/>
                 <a:stretch>
                   <a:fillRect l="-23810" r="-7143" b="-17391"/>
                 </a:stretch>
@@ -19521,7 +20546,7 @@
                         <m:sSubPr>
                           <m:ctrlPr>
                             <a:rPr lang="de-DE" i="1" smtClean="0">
-                              <a:latin typeface="Cambria Math" panose="02040503050406030204" pitchFamily="18" charset="0"/>
+                              <a:latin typeface="Cambria Math"/>
                             </a:rPr>
                           </m:ctrlPr>
                         </m:sSubPr>
@@ -19574,7 +20599,7 @@
                 <a:avLst/>
               </a:prstGeom>
               <a:blipFill rotWithShape="0">
-                <a:blip r:embed="rId9"/>
+                <a:blip r:embed="rId9" cstate="print"/>
                 <a:stretch>
                   <a:fillRect l="-11538" r="-5128" b="-17391"/>
                 </a:stretch>
@@ -19615,7 +20640,7 @@
 </p:sld>
 </file>
 
-<file path=ppt/slides/slide33.xml><?xml version="1.0" encoding="utf-8"?>
+<file path=ppt/slides/slide34.xml><?xml version="1.0" encoding="utf-8"?>
 <p:sld xmlns:a="http://schemas.openxmlformats.org/drawingml/2006/main" xmlns:r="http://schemas.openxmlformats.org/officeDocument/2006/relationships" xmlns:p="http://schemas.openxmlformats.org/presentationml/2006/main">
   <p:cSld>
     <p:spTree>
@@ -19802,7 +20827,7 @@
             </p:nvSpPr>
             <p:spPr>
               <a:blipFill rotWithShape="0">
-                <a:blip r:embed="rId3"/>
+                <a:blip r:embed="rId3" cstate="print"/>
                 <a:stretch>
                   <a:fillRect l="-1043" t="-2241" b="-2661"/>
                 </a:stretch>
@@ -19840,7 +20865,8 @@
           <a:p>
             <a:fld id="{7AC709DD-AC18-4FBA-B4E6-46DED743653E}" type="datetime1">
               <a:rPr lang="de-DE" smtClean="0"/>
-              <a:t>06.12.2015</a:t>
+              <a:pPr/>
+              <a:t>09.12.2015</a:t>
             </a:fld>
             <a:endParaRPr lang="de-DE"/>
           </a:p>
@@ -19886,7 +20912,8 @@
           <a:p>
             <a:fld id="{0E226D3C-400E-4353-AAC2-09A0472DC536}" type="slidenum">
               <a:rPr lang="de-DE" smtClean="0"/>
-              <a:t>32</a:t>
+              <a:pPr/>
+              <a:t>33</a:t>
             </a:fld>
             <a:endParaRPr lang="de-DE" dirty="0"/>
           </a:p>
@@ -20533,7 +21560,7 @@
         </p:nvSpPr>
         <p:spPr>
           <a:xfrm>
-            <a:off x="1872000" y="2656800"/>
+            <a:off x="1872000" y="2671548"/>
             <a:ext cx="8532000" cy="772200"/>
           </a:xfrm>
           <a:prstGeom prst="rect">
@@ -20591,7 +21618,7 @@
 </p:sld>
 </file>
 
-<file path=ppt/slides/slide34.xml><?xml version="1.0" encoding="utf-8"?>
+<file path=ppt/slides/slide35.xml><?xml version="1.0" encoding="utf-8"?>
 <p:sld xmlns:a="http://schemas.openxmlformats.org/drawingml/2006/main" xmlns:r="http://schemas.openxmlformats.org/officeDocument/2006/relationships" xmlns:p="http://schemas.openxmlformats.org/presentationml/2006/main">
   <p:cSld>
     <p:spTree>
@@ -20749,7 +21776,8 @@
           <a:p>
             <a:fld id="{7AC709DD-AC18-4FBA-B4E6-46DED743653E}" type="datetime1">
               <a:rPr lang="de-DE" smtClean="0"/>
-              <a:t>06.12.2015</a:t>
+              <a:pPr/>
+              <a:t>09.12.2015</a:t>
             </a:fld>
             <a:endParaRPr lang="de-DE"/>
           </a:p>
@@ -20795,7 +21823,8 @@
           <a:p>
             <a:fld id="{0E226D3C-400E-4353-AAC2-09A0472DC536}" type="slidenum">
               <a:rPr lang="de-DE" smtClean="0"/>
-              <a:t>33</a:t>
+              <a:pPr/>
+              <a:t>34</a:t>
             </a:fld>
             <a:endParaRPr lang="de-DE" dirty="0"/>
           </a:p>
@@ -21526,7 +22555,7 @@
 </p:sld>
 </file>
 
-<file path=ppt/slides/slide35.xml><?xml version="1.0" encoding="utf-8"?>
+<file path=ppt/slides/slide36.xml><?xml version="1.0" encoding="utf-8"?>
 <p:sld xmlns:a="http://schemas.openxmlformats.org/drawingml/2006/main" xmlns:r="http://schemas.openxmlformats.org/officeDocument/2006/relationships" xmlns:p="http://schemas.openxmlformats.org/presentationml/2006/main">
   <p:cSld>
     <p:spTree>
@@ -21668,7 +22697,8 @@
           <a:p>
             <a:fld id="{7AC709DD-AC18-4FBA-B4E6-46DED743653E}" type="datetime1">
               <a:rPr lang="de-DE" smtClean="0"/>
-              <a:t>06.12.2015</a:t>
+              <a:pPr/>
+              <a:t>09.12.2015</a:t>
             </a:fld>
             <a:endParaRPr lang="de-DE"/>
           </a:p>
@@ -21714,7 +22744,8 @@
           <a:p>
             <a:fld id="{0E226D3C-400E-4353-AAC2-09A0472DC536}" type="slidenum">
               <a:rPr lang="de-DE" smtClean="0"/>
-              <a:t>34</a:t>
+              <a:pPr/>
+              <a:t>35</a:t>
             </a:fld>
             <a:endParaRPr lang="de-DE" dirty="0"/>
           </a:p>
@@ -21729,7 +22760,486 @@
           <p:nvPr>
             <p:extLst>
               <p:ext uri="{D42A27DB-BD31-4B8C-83A1-F6EECF244321}">
-                <p14:modId xmlns:p14="http://schemas.microsoft.com/office/powerpoint/2010/main" val="1013514672"/>
+                <p14:modId xmlns:p14="http://schemas.microsoft.com/office/powerpoint/2010/main" val="1764617951"/>
+              </p:ext>
+            </p:extLst>
+          </p:nvPr>
+        </p:nvGraphicFramePr>
+        <p:xfrm>
+          <a:off x="1872511" y="2686689"/>
+          <a:ext cx="8547397" cy="1483360"/>
+        </p:xfrm>
+        <a:graphic>
+          <a:graphicData uri="http://schemas.openxmlformats.org/drawingml/2006/table">
+            <a:tbl>
+              <a:tblPr firstRow="1" bandRow="1">
+                <a:tableStyleId>{5940675A-B579-460E-94D1-54222C63F5DA}</a:tableStyleId>
+              </a:tblPr>
+              <a:tblGrid>
+                <a:gridCol w="4421963"/>
+                <a:gridCol w="2062717"/>
+                <a:gridCol w="2062717"/>
+              </a:tblGrid>
+              <a:tr h="370840">
+                <a:tc rowSpan="2">
+                  <a:txBody>
+                    <a:bodyPr/>
+                    <a:lstStyle/>
+                    <a:p>
+                      <a:pPr algn="ctr"/>
+                      <a:r>
+                        <a:rPr lang="de-DE" b="1" dirty="0" smtClean="0"/>
+                        <a:t>Transferfuntion</a:t>
+                      </a:r>
+                      <a:endParaRPr lang="de-DE" b="1" dirty="0"/>
+                    </a:p>
+                  </a:txBody>
+                  <a:tcPr anchor="ctr"/>
+                </a:tc>
+                <a:tc gridSpan="2">
+                  <a:txBody>
+                    <a:bodyPr/>
+                    <a:lstStyle/>
+                    <a:p>
+                      <a:pPr algn="ctr"/>
+                      <a:r>
+                        <a:rPr lang="de-DE" b="1" dirty="0" smtClean="0"/>
+                        <a:t>MSE</a:t>
+                      </a:r>
+                      <a:endParaRPr lang="de-DE" b="1" dirty="0"/>
+                    </a:p>
+                  </a:txBody>
+                  <a:tcPr anchor="ctr"/>
+                </a:tc>
+                <a:tc hMerge="1">
+                  <a:txBody>
+                    <a:bodyPr/>
+                    <a:lstStyle/>
+                    <a:p>
+                      <a:endParaRPr lang="de-DE"/>
+                    </a:p>
+                  </a:txBody>
+                  <a:tcPr/>
+                </a:tc>
+              </a:tr>
+              <a:tr h="370840">
+                <a:tc vMerge="1">
+                  <a:txBody>
+                    <a:bodyPr/>
+                    <a:lstStyle/>
+                    <a:p>
+                      <a:pPr algn="ctr"/>
+                      <a:endParaRPr lang="de-DE" dirty="0"/>
+                    </a:p>
+                  </a:txBody>
+                  <a:tcPr/>
+                </a:tc>
+                <a:tc>
+                  <a:txBody>
+                    <a:bodyPr/>
+                    <a:lstStyle/>
+                    <a:p>
+                      <a:pPr algn="ctr"/>
+                      <a:r>
+                        <a:rPr lang="de-DE" dirty="0" smtClean="0"/>
+                        <a:t>Training</a:t>
+                      </a:r>
+                      <a:endParaRPr lang="de-DE" dirty="0"/>
+                    </a:p>
+                  </a:txBody>
+                  <a:tcPr anchor="ctr"/>
+                </a:tc>
+                <a:tc>
+                  <a:txBody>
+                    <a:bodyPr/>
+                    <a:lstStyle/>
+                    <a:p>
+                      <a:pPr algn="ctr"/>
+                      <a:r>
+                        <a:rPr lang="de-DE" dirty="0" smtClean="0"/>
+                        <a:t>Test</a:t>
+                      </a:r>
+                      <a:endParaRPr lang="de-DE" dirty="0"/>
+                    </a:p>
+                  </a:txBody>
+                  <a:tcPr anchor="ctr"/>
+                </a:tc>
+              </a:tr>
+              <a:tr h="370840">
+                <a:tc>
+                  <a:txBody>
+                    <a:bodyPr/>
+                    <a:lstStyle/>
+                    <a:p>
+                      <a:pPr algn="ctr"/>
+                      <a:r>
+                        <a:rPr lang="de-DE" b="0" dirty="0" smtClean="0"/>
+                        <a:t>Sigmoid</a:t>
+                      </a:r>
+                      <a:endParaRPr lang="de-DE" b="0" dirty="0"/>
+                    </a:p>
+                  </a:txBody>
+                  <a:tcPr anchor="ctr">
+                    <a:noFill/>
+                  </a:tcPr>
+                </a:tc>
+                <a:tc>
+                  <a:txBody>
+                    <a:bodyPr/>
+                    <a:lstStyle/>
+                    <a:p>
+                      <a:pPr algn="ctr"/>
+                      <a:r>
+                        <a:rPr lang="de-DE" dirty="0" smtClean="0"/>
+                        <a:t>9.406*10^-4</a:t>
+                      </a:r>
+                      <a:endParaRPr lang="de-DE" dirty="0"/>
+                    </a:p>
+                  </a:txBody>
+                  <a:tcPr anchor="ctr">
+                    <a:noFill/>
+                  </a:tcPr>
+                </a:tc>
+                <a:tc>
+                  <a:txBody>
+                    <a:bodyPr/>
+                    <a:lstStyle/>
+                    <a:p>
+                      <a:pPr algn="ctr"/>
+                      <a:r>
+                        <a:rPr lang="de-DE" dirty="0" smtClean="0"/>
+                        <a:t>0.001767</a:t>
+                      </a:r>
+                      <a:endParaRPr lang="de-DE" dirty="0"/>
+                    </a:p>
+                  </a:txBody>
+                  <a:tcPr anchor="ctr">
+                    <a:noFill/>
+                  </a:tcPr>
+                </a:tc>
+              </a:tr>
+              <a:tr h="370840">
+                <a:tc>
+                  <a:txBody>
+                    <a:bodyPr/>
+                    <a:lstStyle/>
+                    <a:p>
+                      <a:pPr algn="ctr"/>
+                      <a:r>
+                        <a:rPr lang="de-DE" b="0" dirty="0" smtClean="0"/>
+                        <a:t>Tanh</a:t>
+                      </a:r>
+                      <a:endParaRPr lang="de-DE" b="0" dirty="0"/>
+                    </a:p>
+                  </a:txBody>
+                  <a:tcPr anchor="ctr"/>
+                </a:tc>
+                <a:tc>
+                  <a:txBody>
+                    <a:bodyPr/>
+                    <a:lstStyle/>
+                    <a:p>
+                      <a:pPr algn="ctr"/>
+                      <a:r>
+                        <a:rPr lang="de-DE" dirty="0" smtClean="0"/>
+                        <a:t>0.0103338</a:t>
+                      </a:r>
+                    </a:p>
+                  </a:txBody>
+                  <a:tcPr anchor="ctr"/>
+                </a:tc>
+                <a:tc>
+                  <a:txBody>
+                    <a:bodyPr/>
+                    <a:lstStyle/>
+                    <a:p>
+                      <a:pPr algn="ctr"/>
+                      <a:r>
+                        <a:rPr lang="de-DE" dirty="0" smtClean="0"/>
+                        <a:t>0.0443302</a:t>
+                      </a:r>
+                      <a:endParaRPr lang="de-DE" dirty="0"/>
+                    </a:p>
+                  </a:txBody>
+                  <a:tcPr anchor="ctr"/>
+                </a:tc>
+              </a:tr>
+            </a:tbl>
+          </a:graphicData>
+        </a:graphic>
+      </p:graphicFrame>
+      <p:sp>
+        <p:nvSpPr>
+          <p:cNvPr id="9" name="Rechteck 8"/>
+          <p:cNvSpPr/>
+          <p:nvPr/>
+        </p:nvSpPr>
+        <p:spPr>
+          <a:xfrm>
+            <a:off x="1872000" y="2656799"/>
+            <a:ext cx="8532000" cy="771569"/>
+          </a:xfrm>
+          <a:prstGeom prst="rect">
+            <a:avLst/>
+          </a:prstGeom>
+          <a:noFill/>
+          <a:ln w="28575">
+            <a:solidFill>
+              <a:schemeClr val="tx1"/>
+            </a:solidFill>
+          </a:ln>
+        </p:spPr>
+        <p:style>
+          <a:lnRef idx="2">
+            <a:schemeClr val="accent1">
+              <a:shade val="50000"/>
+            </a:schemeClr>
+          </a:lnRef>
+          <a:fillRef idx="1">
+            <a:schemeClr val="accent1"/>
+          </a:fillRef>
+          <a:effectRef idx="0">
+            <a:schemeClr val="accent1"/>
+          </a:effectRef>
+          <a:fontRef idx="minor">
+            <a:schemeClr val="lt1"/>
+          </a:fontRef>
+        </p:style>
+        <p:txBody>
+          <a:bodyPr rtlCol="0" anchor="ctr"/>
+          <a:lstStyle/>
+          <a:p>
+            <a:pPr algn="ctr"/>
+            <a:endParaRPr lang="de-DE"/>
+          </a:p>
+        </p:txBody>
+      </p:sp>
+    </p:spTree>
+    <p:extLst>
+      <p:ext uri="{BB962C8B-B14F-4D97-AF65-F5344CB8AC3E}">
+        <p14:creationId xmlns:p14="http://schemas.microsoft.com/office/powerpoint/2010/main" val="1192999301"/>
+      </p:ext>
+    </p:extLst>
+  </p:cSld>
+  <p:clrMapOvr>
+    <a:masterClrMapping/>
+  </p:clrMapOvr>
+  <p:timing>
+    <p:tnLst>
+      <p:par>
+        <p:cTn id="1" dur="indefinite" restart="never" nodeType="tmRoot"/>
+      </p:par>
+    </p:tnLst>
+  </p:timing>
+</p:sld>
+</file>
+
+<file path=ppt/slides/slide37.xml><?xml version="1.0" encoding="utf-8"?>
+<p:sld xmlns:a="http://schemas.openxmlformats.org/drawingml/2006/main" xmlns:r="http://schemas.openxmlformats.org/officeDocument/2006/relationships" xmlns:p="http://schemas.openxmlformats.org/presentationml/2006/main">
+  <p:cSld>
+    <p:spTree>
+      <p:nvGrpSpPr>
+        <p:cNvPr id="1" name=""/>
+        <p:cNvGrpSpPr/>
+        <p:nvPr/>
+      </p:nvGrpSpPr>
+      <p:grpSpPr>
+        <a:xfrm>
+          <a:off x="0" y="0"/>
+          <a:ext cx="0" cy="0"/>
+          <a:chOff x="0" y="0"/>
+          <a:chExt cx="0" cy="0"/>
+        </a:xfrm>
+      </p:grpSpPr>
+      <p:sp>
+        <p:nvSpPr>
+          <p:cNvPr id="2" name="Titel 1"/>
+          <p:cNvSpPr>
+            <a:spLocks noGrp="1"/>
+          </p:cNvSpPr>
+          <p:nvPr>
+            <p:ph type="title"/>
+          </p:nvPr>
+        </p:nvSpPr>
+        <p:spPr/>
+        <p:txBody>
+          <a:bodyPr/>
+          <a:lstStyle/>
+          <a:p>
+            <a:pPr marL="857250" indent="-857250">
+              <a:buFont typeface="+mj-lt"/>
+              <a:buAutoNum type="romanUcPeriod" startAt="5"/>
+            </a:pPr>
+            <a:r>
+              <a:rPr lang="de-DE" b="1" dirty="0" smtClean="0"/>
+              <a:t>Umsetzung des künstlichen neuronalen Netzes</a:t>
+            </a:r>
+            <a:endParaRPr lang="de-DE" dirty="0"/>
+          </a:p>
+        </p:txBody>
+      </p:sp>
+      <p:sp>
+        <p:nvSpPr>
+          <p:cNvPr id="3" name="Inhaltsplatzhalter 2"/>
+          <p:cNvSpPr>
+            <a:spLocks noGrp="1"/>
+          </p:cNvSpPr>
+          <p:nvPr>
+            <p:ph idx="1"/>
+          </p:nvPr>
+        </p:nvSpPr>
+        <p:spPr/>
+        <p:txBody>
+          <a:bodyPr>
+            <a:normAutofit/>
+          </a:bodyPr>
+          <a:lstStyle/>
+          <a:p>
+            <a:r>
+              <a:rPr lang="de-DE" dirty="0" smtClean="0"/>
+              <a:t>Optimierung der Transferfunktion</a:t>
+            </a:r>
+          </a:p>
+          <a:p>
+            <a:pPr marL="0" indent="0">
+              <a:buNone/>
+            </a:pPr>
+            <a:endParaRPr lang="de-DE" dirty="0"/>
+          </a:p>
+          <a:p>
+            <a:endParaRPr lang="de-DE" dirty="0" smtClean="0"/>
+          </a:p>
+          <a:p>
+            <a:endParaRPr lang="de-DE" dirty="0"/>
+          </a:p>
+          <a:p>
+            <a:pPr marL="0" indent="0">
+              <a:buNone/>
+            </a:pPr>
+            <a:endParaRPr lang="de-DE" dirty="0" smtClean="0"/>
+          </a:p>
+          <a:p>
+            <a:pPr marL="0" indent="0">
+              <a:buNone/>
+            </a:pPr>
+            <a:endParaRPr lang="de-DE" dirty="0" smtClean="0"/>
+          </a:p>
+          <a:p>
+            <a:pPr marL="0" indent="0">
+              <a:buNone/>
+            </a:pPr>
+            <a:endParaRPr lang="de-DE" dirty="0" smtClean="0"/>
+          </a:p>
+          <a:p>
+            <a:pPr marL="0" indent="0">
+              <a:buNone/>
+            </a:pPr>
+            <a:endParaRPr lang="de-DE" dirty="0" smtClean="0"/>
+          </a:p>
+          <a:p>
+            <a:endParaRPr lang="de-DE" dirty="0"/>
+          </a:p>
+          <a:p>
+            <a:endParaRPr lang="de-DE" dirty="0" smtClean="0"/>
+          </a:p>
+          <a:p>
+            <a:endParaRPr lang="de-DE" dirty="0"/>
+          </a:p>
+          <a:p>
+            <a:pPr marL="0" indent="0">
+              <a:buNone/>
+            </a:pPr>
+            <a:endParaRPr lang="de-DE" dirty="0"/>
+          </a:p>
+          <a:p>
+            <a:pPr marL="0" indent="0">
+              <a:buNone/>
+            </a:pPr>
+            <a:endParaRPr lang="de-DE" dirty="0" smtClean="0"/>
+          </a:p>
+        </p:txBody>
+      </p:sp>
+      <p:sp>
+        <p:nvSpPr>
+          <p:cNvPr id="4" name="Datumsplatzhalter 3"/>
+          <p:cNvSpPr>
+            <a:spLocks noGrp="1"/>
+          </p:cNvSpPr>
+          <p:nvPr>
+            <p:ph type="dt" sz="half" idx="10"/>
+          </p:nvPr>
+        </p:nvSpPr>
+        <p:spPr/>
+        <p:txBody>
+          <a:bodyPr/>
+          <a:lstStyle/>
+          <a:p>
+            <a:fld id="{7AC709DD-AC18-4FBA-B4E6-46DED743653E}" type="datetime1">
+              <a:rPr lang="de-DE" smtClean="0"/>
+              <a:pPr/>
+              <a:t>09.12.2015</a:t>
+            </a:fld>
+            <a:endParaRPr lang="de-DE"/>
+          </a:p>
+        </p:txBody>
+      </p:sp>
+      <p:sp>
+        <p:nvSpPr>
+          <p:cNvPr id="5" name="Fußzeilenplatzhalter 4"/>
+          <p:cNvSpPr>
+            <a:spLocks noGrp="1"/>
+          </p:cNvSpPr>
+          <p:nvPr>
+            <p:ph type="ftr" sz="quarter" idx="11"/>
+          </p:nvPr>
+        </p:nvSpPr>
+        <p:spPr/>
+        <p:txBody>
+          <a:bodyPr/>
+          <a:lstStyle/>
+          <a:p>
+            <a:r>
+              <a:rPr lang="de-DE" smtClean="0"/>
+              <a:t>Fakultät Informatik             Sebastian Schötteler &amp; Benedikt Hofrichter</a:t>
+            </a:r>
+            <a:endParaRPr lang="de-DE" dirty="0"/>
+          </a:p>
+        </p:txBody>
+      </p:sp>
+      <p:sp>
+        <p:nvSpPr>
+          <p:cNvPr id="6" name="Foliennummernplatzhalter 5"/>
+          <p:cNvSpPr>
+            <a:spLocks noGrp="1"/>
+          </p:cNvSpPr>
+          <p:nvPr>
+            <p:ph type="sldNum" sz="quarter" idx="12"/>
+          </p:nvPr>
+        </p:nvSpPr>
+        <p:spPr/>
+        <p:txBody>
+          <a:bodyPr/>
+          <a:lstStyle/>
+          <a:p>
+            <a:fld id="{0E226D3C-400E-4353-AAC2-09A0472DC536}" type="slidenum">
+              <a:rPr lang="de-DE" smtClean="0"/>
+              <a:pPr/>
+              <a:t>36</a:t>
+            </a:fld>
+            <a:endParaRPr lang="de-DE" dirty="0"/>
+          </a:p>
+        </p:txBody>
+      </p:sp>
+      <p:graphicFrame>
+        <p:nvGraphicFramePr>
+          <p:cNvPr id="8" name="Tabelle 7"/>
+          <p:cNvGraphicFramePr>
+            <a:graphicFrameLocks noGrp="1"/>
+          </p:cNvGraphicFramePr>
+          <p:nvPr>
+            <p:extLst>
+              <p:ext uri="{D42A27DB-BD31-4B8C-83A1-F6EECF244321}">
+                <p14:modId xmlns:p14="http://schemas.microsoft.com/office/powerpoint/2010/main" val="3578110287"/>
               </p:ext>
             </p:extLst>
           </p:nvPr>
@@ -21992,7 +23502,7 @@
     </p:spTree>
     <p:extLst>
       <p:ext uri="{BB962C8B-B14F-4D97-AF65-F5344CB8AC3E}">
-        <p14:creationId xmlns:p14="http://schemas.microsoft.com/office/powerpoint/2010/main" val="1192999301"/>
+        <p14:creationId xmlns:p14="http://schemas.microsoft.com/office/powerpoint/2010/main" val="1773327493"/>
       </p:ext>
     </p:extLst>
   </p:cSld>
@@ -22009,7 +23519,7 @@
 </p:sld>
 </file>
 
-<file path=ppt/slides/slide36.xml><?xml version="1.0" encoding="utf-8"?>
+<file path=ppt/slides/slide38.xml><?xml version="1.0" encoding="utf-8"?>
 <p:sld xmlns:a="http://schemas.openxmlformats.org/drawingml/2006/main" xmlns:r="http://schemas.openxmlformats.org/officeDocument/2006/relationships" xmlns:p="http://schemas.openxmlformats.org/presentationml/2006/main">
   <p:cSld>
     <p:spTree>
@@ -22154,7 +23664,8 @@
           <a:p>
             <a:fld id="{7AC709DD-AC18-4FBA-B4E6-46DED743653E}" type="datetime1">
               <a:rPr lang="de-DE" smtClean="0"/>
-              <a:t>06.12.2015</a:t>
+              <a:pPr/>
+              <a:t>09.12.2015</a:t>
             </a:fld>
             <a:endParaRPr lang="de-DE"/>
           </a:p>
@@ -22200,7 +23711,8 @@
           <a:p>
             <a:fld id="{0E226D3C-400E-4353-AAC2-09A0472DC536}" type="slidenum">
               <a:rPr lang="de-DE" smtClean="0"/>
-              <a:t>35</a:t>
+              <a:pPr/>
+              <a:t>37</a:t>
             </a:fld>
             <a:endParaRPr lang="de-DE" dirty="0"/>
           </a:p>
@@ -22215,7 +23727,534 @@
           <p:nvPr>
             <p:extLst>
               <p:ext uri="{D42A27DB-BD31-4B8C-83A1-F6EECF244321}">
-                <p14:modId xmlns:p14="http://schemas.microsoft.com/office/powerpoint/2010/main" val="1497570913"/>
+                <p14:modId xmlns:p14="http://schemas.microsoft.com/office/powerpoint/2010/main" val="3355329409"/>
+              </p:ext>
+            </p:extLst>
+          </p:nvPr>
+        </p:nvGraphicFramePr>
+        <p:xfrm>
+          <a:off x="1872511" y="2686689"/>
+          <a:ext cx="8547397" cy="1854200"/>
+        </p:xfrm>
+        <a:graphic>
+          <a:graphicData uri="http://schemas.openxmlformats.org/drawingml/2006/table">
+            <a:tbl>
+              <a:tblPr firstRow="1" bandRow="1">
+                <a:tableStyleId>{5940675A-B579-460E-94D1-54222C63F5DA}</a:tableStyleId>
+              </a:tblPr>
+              <a:tblGrid>
+                <a:gridCol w="4421963"/>
+                <a:gridCol w="2062717"/>
+                <a:gridCol w="2062717"/>
+              </a:tblGrid>
+              <a:tr h="370840">
+                <a:tc rowSpan="2">
+                  <a:txBody>
+                    <a:bodyPr/>
+                    <a:lstStyle/>
+                    <a:p>
+                      <a:pPr algn="ctr"/>
+                      <a:r>
+                        <a:rPr lang="de-DE" b="1" dirty="0" smtClean="0"/>
+                        <a:t>Lernregel</a:t>
+                      </a:r>
+                      <a:endParaRPr lang="de-DE" b="1" dirty="0"/>
+                    </a:p>
+                  </a:txBody>
+                  <a:tcPr anchor="ctr"/>
+                </a:tc>
+                <a:tc gridSpan="2">
+                  <a:txBody>
+                    <a:bodyPr/>
+                    <a:lstStyle/>
+                    <a:p>
+                      <a:pPr algn="ctr"/>
+                      <a:r>
+                        <a:rPr lang="de-DE" b="1" dirty="0" smtClean="0"/>
+                        <a:t>MSE</a:t>
+                      </a:r>
+                      <a:endParaRPr lang="de-DE" b="1" dirty="0"/>
+                    </a:p>
+                  </a:txBody>
+                  <a:tcPr anchor="ctr"/>
+                </a:tc>
+                <a:tc hMerge="1">
+                  <a:txBody>
+                    <a:bodyPr/>
+                    <a:lstStyle/>
+                    <a:p>
+                      <a:endParaRPr lang="de-DE"/>
+                    </a:p>
+                  </a:txBody>
+                  <a:tcPr/>
+                </a:tc>
+              </a:tr>
+              <a:tr h="370840">
+                <a:tc vMerge="1">
+                  <a:txBody>
+                    <a:bodyPr/>
+                    <a:lstStyle/>
+                    <a:p>
+                      <a:pPr algn="ctr"/>
+                      <a:endParaRPr lang="de-DE" dirty="0"/>
+                    </a:p>
+                  </a:txBody>
+                  <a:tcPr/>
+                </a:tc>
+                <a:tc>
+                  <a:txBody>
+                    <a:bodyPr/>
+                    <a:lstStyle/>
+                    <a:p>
+                      <a:pPr algn="ctr"/>
+                      <a:r>
+                        <a:rPr lang="de-DE" dirty="0" smtClean="0"/>
+                        <a:t>Training</a:t>
+                      </a:r>
+                      <a:endParaRPr lang="de-DE" dirty="0"/>
+                    </a:p>
+                  </a:txBody>
+                  <a:tcPr anchor="ctr"/>
+                </a:tc>
+                <a:tc>
+                  <a:txBody>
+                    <a:bodyPr/>
+                    <a:lstStyle/>
+                    <a:p>
+                      <a:pPr algn="ctr"/>
+                      <a:r>
+                        <a:rPr lang="de-DE" dirty="0" smtClean="0"/>
+                        <a:t>Test</a:t>
+                      </a:r>
+                      <a:endParaRPr lang="de-DE" dirty="0"/>
+                    </a:p>
+                  </a:txBody>
+                  <a:tcPr anchor="ctr"/>
+                </a:tc>
+              </a:tr>
+              <a:tr h="370840">
+                <a:tc>
+                  <a:txBody>
+                    <a:bodyPr/>
+                    <a:lstStyle/>
+                    <a:p>
+                      <a:pPr algn="ctr"/>
+                      <a:r>
+                        <a:rPr lang="de-DE" b="0" dirty="0" smtClean="0"/>
+                        <a:t>Backpropagation</a:t>
+                      </a:r>
+                      <a:endParaRPr lang="de-DE" b="0" dirty="0"/>
+                    </a:p>
+                  </a:txBody>
+                  <a:tcPr anchor="ctr"/>
+                </a:tc>
+                <a:tc>
+                  <a:txBody>
+                    <a:bodyPr/>
+                    <a:lstStyle/>
+                    <a:p>
+                      <a:pPr algn="ctr"/>
+                      <a:r>
+                        <a:rPr lang="de-DE" b="0" dirty="0" smtClean="0"/>
+                        <a:t> 9.3255267266593</a:t>
+                      </a:r>
+                    </a:p>
+                  </a:txBody>
+                  <a:tcPr anchor="ctr"/>
+                </a:tc>
+                <a:tc>
+                  <a:txBody>
+                    <a:bodyPr/>
+                    <a:lstStyle/>
+                    <a:p>
+                      <a:pPr algn="ctr"/>
+                      <a:r>
+                        <a:rPr lang="de-DE" b="0" dirty="0" smtClean="0"/>
+                        <a:t>0.001636</a:t>
+                      </a:r>
+                      <a:endParaRPr lang="de-DE" b="0" dirty="0"/>
+                    </a:p>
+                  </a:txBody>
+                  <a:tcPr anchor="ctr"/>
+                </a:tc>
+              </a:tr>
+              <a:tr h="370840">
+                <a:tc>
+                  <a:txBody>
+                    <a:bodyPr/>
+                    <a:lstStyle/>
+                    <a:p>
+                      <a:pPr algn="ctr"/>
+                      <a:r>
+                        <a:rPr lang="de-DE" b="0" dirty="0" smtClean="0"/>
+                        <a:t>Momentum Backpropagation</a:t>
+                      </a:r>
+                      <a:endParaRPr lang="de-DE" b="0" dirty="0"/>
+                    </a:p>
+                  </a:txBody>
+                  <a:tcPr anchor="ctr"/>
+                </a:tc>
+                <a:tc>
+                  <a:txBody>
+                    <a:bodyPr/>
+                    <a:lstStyle/>
+                    <a:p>
+                      <a:pPr algn="ctr"/>
+                      <a:r>
+                        <a:rPr lang="de-DE" b="0" dirty="0" smtClean="0"/>
+                        <a:t> 9.1092309</a:t>
+                      </a:r>
+                    </a:p>
+                  </a:txBody>
+                  <a:tcPr anchor="ctr"/>
+                </a:tc>
+                <a:tc>
+                  <a:txBody>
+                    <a:bodyPr/>
+                    <a:lstStyle/>
+                    <a:p>
+                      <a:pPr algn="ctr"/>
+                      <a:r>
+                        <a:rPr lang="de-DE" b="0" dirty="0" smtClean="0"/>
+                        <a:t> 0.001608</a:t>
+                      </a:r>
+                      <a:endParaRPr lang="de-DE" b="0" dirty="0"/>
+                    </a:p>
+                  </a:txBody>
+                  <a:tcPr anchor="ctr"/>
+                </a:tc>
+              </a:tr>
+              <a:tr h="370840">
+                <a:tc>
+                  <a:txBody>
+                    <a:bodyPr/>
+                    <a:lstStyle/>
+                    <a:p>
+                      <a:pPr algn="ctr"/>
+                      <a:r>
+                        <a:rPr lang="de-DE" b="0" dirty="0" smtClean="0"/>
+                        <a:t>Resilient Backpropagation</a:t>
+                      </a:r>
+                      <a:endParaRPr lang="de-DE" b="0" dirty="0"/>
+                    </a:p>
+                  </a:txBody>
+                  <a:tcPr anchor="ctr">
+                    <a:noFill/>
+                  </a:tcPr>
+                </a:tc>
+                <a:tc>
+                  <a:txBody>
+                    <a:bodyPr/>
+                    <a:lstStyle/>
+                    <a:p>
+                      <a:pPr algn="ctr"/>
+                      <a:r>
+                        <a:rPr lang="de-DE" b="0" dirty="0" smtClean="0"/>
+                        <a:t>8.8902113093</a:t>
+                      </a:r>
+                    </a:p>
+                  </a:txBody>
+                  <a:tcPr anchor="ctr">
+                    <a:noFill/>
+                  </a:tcPr>
+                </a:tc>
+                <a:tc>
+                  <a:txBody>
+                    <a:bodyPr/>
+                    <a:lstStyle/>
+                    <a:p>
+                      <a:pPr algn="ctr"/>
+                      <a:r>
+                        <a:rPr lang="de-DE" b="0" dirty="0" smtClean="0"/>
+                        <a:t>9.489*10^-4</a:t>
+                      </a:r>
+                      <a:endParaRPr lang="de-DE" b="0" dirty="0"/>
+                    </a:p>
+                  </a:txBody>
+                  <a:tcPr anchor="ctr">
+                    <a:noFill/>
+                  </a:tcPr>
+                </a:tc>
+              </a:tr>
+            </a:tbl>
+          </a:graphicData>
+        </a:graphic>
+      </p:graphicFrame>
+      <p:sp>
+        <p:nvSpPr>
+          <p:cNvPr id="12" name="Rechteck 11"/>
+          <p:cNvSpPr/>
+          <p:nvPr/>
+        </p:nvSpPr>
+        <p:spPr>
+          <a:xfrm>
+            <a:off x="1872000" y="2656799"/>
+            <a:ext cx="8532000" cy="771569"/>
+          </a:xfrm>
+          <a:prstGeom prst="rect">
+            <a:avLst/>
+          </a:prstGeom>
+          <a:noFill/>
+          <a:ln w="28575">
+            <a:solidFill>
+              <a:schemeClr val="tx1"/>
+            </a:solidFill>
+          </a:ln>
+        </p:spPr>
+        <p:style>
+          <a:lnRef idx="2">
+            <a:schemeClr val="accent1">
+              <a:shade val="50000"/>
+            </a:schemeClr>
+          </a:lnRef>
+          <a:fillRef idx="1">
+            <a:schemeClr val="accent1"/>
+          </a:fillRef>
+          <a:effectRef idx="0">
+            <a:schemeClr val="accent1"/>
+          </a:effectRef>
+          <a:fontRef idx="minor">
+            <a:schemeClr val="lt1"/>
+          </a:fontRef>
+        </p:style>
+        <p:txBody>
+          <a:bodyPr rtlCol="0" anchor="ctr"/>
+          <a:lstStyle/>
+          <a:p>
+            <a:pPr algn="ctr"/>
+            <a:endParaRPr lang="de-DE"/>
+          </a:p>
+        </p:txBody>
+      </p:sp>
+    </p:spTree>
+    <p:extLst>
+      <p:ext uri="{BB962C8B-B14F-4D97-AF65-F5344CB8AC3E}">
+        <p14:creationId xmlns:p14="http://schemas.microsoft.com/office/powerpoint/2010/main" val="2972030942"/>
+      </p:ext>
+    </p:extLst>
+  </p:cSld>
+  <p:clrMapOvr>
+    <a:masterClrMapping/>
+  </p:clrMapOvr>
+  <p:timing>
+    <p:tnLst>
+      <p:par>
+        <p:cTn id="1" dur="indefinite" restart="never" nodeType="tmRoot"/>
+      </p:par>
+    </p:tnLst>
+  </p:timing>
+</p:sld>
+</file>
+
+<file path=ppt/slides/slide39.xml><?xml version="1.0" encoding="utf-8"?>
+<p:sld xmlns:a="http://schemas.openxmlformats.org/drawingml/2006/main" xmlns:r="http://schemas.openxmlformats.org/officeDocument/2006/relationships" xmlns:p="http://schemas.openxmlformats.org/presentationml/2006/main">
+  <p:cSld>
+    <p:spTree>
+      <p:nvGrpSpPr>
+        <p:cNvPr id="1" name=""/>
+        <p:cNvGrpSpPr/>
+        <p:nvPr/>
+      </p:nvGrpSpPr>
+      <p:grpSpPr>
+        <a:xfrm>
+          <a:off x="0" y="0"/>
+          <a:ext cx="0" cy="0"/>
+          <a:chOff x="0" y="0"/>
+          <a:chExt cx="0" cy="0"/>
+        </a:xfrm>
+      </p:grpSpPr>
+      <p:sp>
+        <p:nvSpPr>
+          <p:cNvPr id="2" name="Titel 1"/>
+          <p:cNvSpPr>
+            <a:spLocks noGrp="1"/>
+          </p:cNvSpPr>
+          <p:nvPr>
+            <p:ph type="title"/>
+          </p:nvPr>
+        </p:nvSpPr>
+        <p:spPr/>
+        <p:txBody>
+          <a:bodyPr/>
+          <a:lstStyle/>
+          <a:p>
+            <a:pPr marL="857250" indent="-857250">
+              <a:buFont typeface="+mj-lt"/>
+              <a:buAutoNum type="romanUcPeriod" startAt="5"/>
+            </a:pPr>
+            <a:r>
+              <a:rPr lang="de-DE" b="1" dirty="0" smtClean="0"/>
+              <a:t>Umsetzung des künstlichen neuronalen Netzes</a:t>
+            </a:r>
+            <a:endParaRPr lang="de-DE" dirty="0"/>
+          </a:p>
+        </p:txBody>
+      </p:sp>
+      <p:sp>
+        <p:nvSpPr>
+          <p:cNvPr id="3" name="Inhaltsplatzhalter 2"/>
+          <p:cNvSpPr>
+            <a:spLocks noGrp="1"/>
+          </p:cNvSpPr>
+          <p:nvPr>
+            <p:ph idx="1"/>
+          </p:nvPr>
+        </p:nvSpPr>
+        <p:spPr>
+          <a:xfrm>
+            <a:off x="838200" y="1814993"/>
+            <a:ext cx="10515600" cy="4351338"/>
+          </a:xfrm>
+        </p:spPr>
+        <p:txBody>
+          <a:bodyPr>
+            <a:normAutofit/>
+          </a:bodyPr>
+          <a:lstStyle/>
+          <a:p>
+            <a:r>
+              <a:rPr lang="de-DE" dirty="0" smtClean="0"/>
+              <a:t>Optimierung der Lernregel</a:t>
+            </a:r>
+            <a:endParaRPr lang="de-DE" dirty="0"/>
+          </a:p>
+          <a:p>
+            <a:endParaRPr lang="de-DE" dirty="0" smtClean="0"/>
+          </a:p>
+          <a:p>
+            <a:endParaRPr lang="de-DE" dirty="0"/>
+          </a:p>
+          <a:p>
+            <a:pPr marL="0" indent="0">
+              <a:buNone/>
+            </a:pPr>
+            <a:endParaRPr lang="de-DE" dirty="0" smtClean="0"/>
+          </a:p>
+          <a:p>
+            <a:pPr marL="0" indent="0">
+              <a:buNone/>
+            </a:pPr>
+            <a:endParaRPr lang="de-DE" dirty="0" smtClean="0"/>
+          </a:p>
+          <a:p>
+            <a:pPr marL="0" indent="0">
+              <a:buNone/>
+            </a:pPr>
+            <a:endParaRPr lang="de-DE" dirty="0" smtClean="0"/>
+          </a:p>
+          <a:p>
+            <a:pPr marL="0" indent="0">
+              <a:buNone/>
+            </a:pPr>
+            <a:endParaRPr lang="de-DE" dirty="0" smtClean="0"/>
+          </a:p>
+          <a:p>
+            <a:endParaRPr lang="de-DE" dirty="0" smtClean="0"/>
+          </a:p>
+          <a:p>
+            <a:endParaRPr lang="de-DE" dirty="0"/>
+          </a:p>
+          <a:p>
+            <a:endParaRPr lang="de-DE" dirty="0" smtClean="0"/>
+          </a:p>
+          <a:p>
+            <a:endParaRPr lang="de-DE" dirty="0"/>
+          </a:p>
+          <a:p>
+            <a:pPr marL="0" indent="0">
+              <a:buNone/>
+            </a:pPr>
+            <a:endParaRPr lang="de-DE" dirty="0"/>
+          </a:p>
+          <a:p>
+            <a:pPr marL="0" indent="0">
+              <a:buNone/>
+            </a:pPr>
+            <a:endParaRPr lang="de-DE" dirty="0" smtClean="0"/>
+          </a:p>
+        </p:txBody>
+      </p:sp>
+      <p:sp>
+        <p:nvSpPr>
+          <p:cNvPr id="4" name="Datumsplatzhalter 3"/>
+          <p:cNvSpPr>
+            <a:spLocks noGrp="1"/>
+          </p:cNvSpPr>
+          <p:nvPr>
+            <p:ph type="dt" sz="half" idx="10"/>
+          </p:nvPr>
+        </p:nvSpPr>
+        <p:spPr/>
+        <p:txBody>
+          <a:bodyPr/>
+          <a:lstStyle/>
+          <a:p>
+            <a:fld id="{7AC709DD-AC18-4FBA-B4E6-46DED743653E}" type="datetime1">
+              <a:rPr lang="de-DE" smtClean="0"/>
+              <a:pPr/>
+              <a:t>09.12.2015</a:t>
+            </a:fld>
+            <a:endParaRPr lang="de-DE"/>
+          </a:p>
+        </p:txBody>
+      </p:sp>
+      <p:sp>
+        <p:nvSpPr>
+          <p:cNvPr id="5" name="Fußzeilenplatzhalter 4"/>
+          <p:cNvSpPr>
+            <a:spLocks noGrp="1"/>
+          </p:cNvSpPr>
+          <p:nvPr>
+            <p:ph type="ftr" sz="quarter" idx="11"/>
+          </p:nvPr>
+        </p:nvSpPr>
+        <p:spPr/>
+        <p:txBody>
+          <a:bodyPr/>
+          <a:lstStyle/>
+          <a:p>
+            <a:r>
+              <a:rPr lang="de-DE" smtClean="0"/>
+              <a:t>Fakultät Informatik             Sebastian Schötteler &amp; Benedikt Hofrichter</a:t>
+            </a:r>
+            <a:endParaRPr lang="de-DE" dirty="0"/>
+          </a:p>
+        </p:txBody>
+      </p:sp>
+      <p:sp>
+        <p:nvSpPr>
+          <p:cNvPr id="6" name="Foliennummernplatzhalter 5"/>
+          <p:cNvSpPr>
+            <a:spLocks noGrp="1"/>
+          </p:cNvSpPr>
+          <p:nvPr>
+            <p:ph type="sldNum" sz="quarter" idx="12"/>
+          </p:nvPr>
+        </p:nvSpPr>
+        <p:spPr/>
+        <p:txBody>
+          <a:bodyPr/>
+          <a:lstStyle/>
+          <a:p>
+            <a:fld id="{0E226D3C-400E-4353-AAC2-09A0472DC536}" type="slidenum">
+              <a:rPr lang="de-DE" smtClean="0"/>
+              <a:pPr/>
+              <a:t>38</a:t>
+            </a:fld>
+            <a:endParaRPr lang="de-DE" dirty="0"/>
+          </a:p>
+        </p:txBody>
+      </p:sp>
+      <p:graphicFrame>
+        <p:nvGraphicFramePr>
+          <p:cNvPr id="11" name="Tabelle 10"/>
+          <p:cNvGraphicFramePr>
+            <a:graphicFrameLocks noGrp="1"/>
+          </p:cNvGraphicFramePr>
+          <p:nvPr>
+            <p:extLst>
+              <p:ext uri="{D42A27DB-BD31-4B8C-83A1-F6EECF244321}">
+                <p14:modId xmlns:p14="http://schemas.microsoft.com/office/powerpoint/2010/main" val="4102560926"/>
               </p:ext>
             </p:extLst>
           </p:nvPr>
@@ -22523,7 +24562,7 @@
     </p:spTree>
     <p:extLst>
       <p:ext uri="{BB962C8B-B14F-4D97-AF65-F5344CB8AC3E}">
-        <p14:creationId xmlns:p14="http://schemas.microsoft.com/office/powerpoint/2010/main" val="2972030942"/>
+        <p14:creationId xmlns:p14="http://schemas.microsoft.com/office/powerpoint/2010/main" val="1903718219"/>
       </p:ext>
     </p:extLst>
   </p:cSld>
@@ -22540,7 +24579,7 @@
 </p:sld>
 </file>
 
-<file path=ppt/slides/slide37.xml><?xml version="1.0" encoding="utf-8"?>
+<file path=ppt/slides/slide4.xml><?xml version="1.0" encoding="utf-8"?>
 <p:sld xmlns:a="http://schemas.openxmlformats.org/drawingml/2006/main" xmlns:r="http://schemas.openxmlformats.org/officeDocument/2006/relationships" xmlns:p="http://schemas.openxmlformats.org/presentationml/2006/main">
   <p:cSld>
     <p:spTree>
@@ -22574,13 +24613,13 @@
           <a:p>
             <a:pPr marL="857250" indent="-857250">
               <a:buFont typeface="+mj-lt"/>
-              <a:buAutoNum type="romanUcPeriod" startAt="5"/>
+              <a:buAutoNum type="romanUcPeriod"/>
             </a:pPr>
             <a:r>
               <a:rPr lang="de-DE" b="1" dirty="0" smtClean="0"/>
-              <a:t>Umsetzung des künstlichen neuronalen Netzes</a:t>
-            </a:r>
-            <a:endParaRPr lang="de-DE" dirty="0"/>
+              <a:t>Motivation</a:t>
+            </a:r>
+            <a:endParaRPr lang="de-DE" b="1" dirty="0"/>
           </a:p>
         </p:txBody>
       </p:sp>
@@ -22601,17 +24640,76 @@
           </a:bodyPr>
           <a:lstStyle/>
           <a:p>
+            <a:pPr>
+              <a:buFont typeface="Wingdings" panose="05000000000000000000" pitchFamily="2" charset="2"/>
+              <a:buChar char="§"/>
+            </a:pPr>
             <a:r>
               <a:rPr lang="de-DE" dirty="0" smtClean="0"/>
-              <a:t>Optimierung der Lernrate</a:t>
+              <a:t>Künstliche neuronale Netze als Hilfsmittel zur Prognose:</a:t>
+            </a:r>
+          </a:p>
+          <a:p>
+            <a:pPr lvl="1"/>
+            <a:r>
+              <a:rPr lang="de-DE" dirty="0" smtClean="0"/>
+              <a:t>Therapieverläufen </a:t>
+            </a:r>
+            <a:r>
+              <a:rPr lang="de-DE" dirty="0"/>
+              <a:t>in der </a:t>
+            </a:r>
+            <a:r>
+              <a:rPr lang="de-DE" dirty="0" smtClean="0"/>
+              <a:t>Medizin</a:t>
+            </a:r>
+          </a:p>
+          <a:p>
+            <a:pPr lvl="1"/>
+            <a:r>
+              <a:rPr lang="de-DE" dirty="0" smtClean="0"/>
+              <a:t>Arbeitslosenzahlen </a:t>
+            </a:r>
+            <a:r>
+              <a:rPr lang="de-DE" dirty="0"/>
+              <a:t>auf dem </a:t>
+            </a:r>
+            <a:r>
+              <a:rPr lang="de-DE" dirty="0" smtClean="0"/>
+              <a:t>Arbeitsmarkt</a:t>
+            </a:r>
+          </a:p>
+          <a:p>
+            <a:pPr lvl="1"/>
+            <a:r>
+              <a:rPr lang="de-DE" dirty="0" smtClean="0"/>
+              <a:t>Börsenkursen</a:t>
             </a:r>
             <a:endParaRPr lang="de-DE" dirty="0"/>
           </a:p>
           <a:p>
-            <a:endParaRPr lang="de-DE" dirty="0" smtClean="0"/>
-          </a:p>
-          <a:p>
-            <a:endParaRPr lang="de-DE" dirty="0"/>
+            <a:pPr lvl="1"/>
+            <a:endParaRPr lang="de-DE" sz="2000" dirty="0" smtClean="0"/>
+          </a:p>
+          <a:p>
+            <a:r>
+              <a:rPr lang="de-DE" dirty="0" smtClean="0"/>
+              <a:t>Besonderheit:</a:t>
+            </a:r>
+          </a:p>
+          <a:p>
+            <a:pPr lvl="1"/>
+            <a:r>
+              <a:rPr lang="de-DE" dirty="0" smtClean="0"/>
+              <a:t>Fähigkeit, nichtlineare Zusammenhänge zu erkennen.</a:t>
+            </a:r>
+          </a:p>
+          <a:p>
+            <a:pPr lvl="1"/>
+            <a:r>
+              <a:rPr lang="de-DE" dirty="0" smtClean="0"/>
+              <a:t>Prognostiziert objektiv und vorurteilsfrei.</a:t>
+            </a:r>
           </a:p>
           <a:p>
             <a:pPr marL="0" indent="0">
@@ -22620,6 +24718,182 @@
             <a:endParaRPr lang="de-DE" dirty="0" smtClean="0"/>
           </a:p>
           <a:p>
+            <a:pPr lvl="1"/>
+            <a:endParaRPr lang="de-DE" sz="2000" dirty="0"/>
+          </a:p>
+          <a:p>
+            <a:endParaRPr lang="de-DE" dirty="0" smtClean="0"/>
+          </a:p>
+          <a:p>
+            <a:endParaRPr lang="de-DE" dirty="0"/>
+          </a:p>
+        </p:txBody>
+      </p:sp>
+      <p:sp>
+        <p:nvSpPr>
+          <p:cNvPr id="4" name="Datumsplatzhalter 3"/>
+          <p:cNvSpPr>
+            <a:spLocks noGrp="1"/>
+          </p:cNvSpPr>
+          <p:nvPr>
+            <p:ph type="dt" sz="half" idx="10"/>
+          </p:nvPr>
+        </p:nvSpPr>
+        <p:spPr/>
+        <p:txBody>
+          <a:bodyPr/>
+          <a:lstStyle/>
+          <a:p>
+            <a:fld id="{7AC709DD-AC18-4FBA-B4E6-46DED743653E}" type="datetime1">
+              <a:rPr lang="de-DE" smtClean="0"/>
+              <a:pPr/>
+              <a:t>09.12.2015</a:t>
+            </a:fld>
+            <a:endParaRPr lang="de-DE"/>
+          </a:p>
+        </p:txBody>
+      </p:sp>
+      <p:sp>
+        <p:nvSpPr>
+          <p:cNvPr id="5" name="Fußzeilenplatzhalter 4"/>
+          <p:cNvSpPr>
+            <a:spLocks noGrp="1"/>
+          </p:cNvSpPr>
+          <p:nvPr>
+            <p:ph type="ftr" sz="quarter" idx="11"/>
+          </p:nvPr>
+        </p:nvSpPr>
+        <p:spPr/>
+        <p:txBody>
+          <a:bodyPr/>
+          <a:lstStyle/>
+          <a:p>
+            <a:r>
+              <a:rPr lang="de-DE" smtClean="0"/>
+              <a:t>Fakultät Informatik             Sebastian Schötteler &amp; Benedikt Hofrichter</a:t>
+            </a:r>
+            <a:endParaRPr lang="de-DE" dirty="0"/>
+          </a:p>
+        </p:txBody>
+      </p:sp>
+      <p:sp>
+        <p:nvSpPr>
+          <p:cNvPr id="6" name="Foliennummernplatzhalter 5"/>
+          <p:cNvSpPr>
+            <a:spLocks noGrp="1"/>
+          </p:cNvSpPr>
+          <p:nvPr>
+            <p:ph type="sldNum" sz="quarter" idx="12"/>
+          </p:nvPr>
+        </p:nvSpPr>
+        <p:spPr/>
+        <p:txBody>
+          <a:bodyPr/>
+          <a:lstStyle/>
+          <a:p>
+            <a:fld id="{0E226D3C-400E-4353-AAC2-09A0472DC536}" type="slidenum">
+              <a:rPr lang="de-DE" smtClean="0"/>
+              <a:pPr/>
+              <a:t>3</a:t>
+            </a:fld>
+            <a:endParaRPr lang="de-DE" dirty="0"/>
+          </a:p>
+        </p:txBody>
+      </p:sp>
+    </p:spTree>
+    <p:extLst>
+      <p:ext uri="{BB962C8B-B14F-4D97-AF65-F5344CB8AC3E}">
+        <p14:creationId xmlns:p14="http://schemas.microsoft.com/office/powerpoint/2010/main" val="3880735644"/>
+      </p:ext>
+    </p:extLst>
+  </p:cSld>
+  <p:clrMapOvr>
+    <a:masterClrMapping/>
+  </p:clrMapOvr>
+  <p:timing>
+    <p:tnLst>
+      <p:par>
+        <p:cTn id="1" dur="indefinite" restart="never" nodeType="tmRoot"/>
+      </p:par>
+    </p:tnLst>
+  </p:timing>
+</p:sld>
+</file>
+
+<file path=ppt/slides/slide40.xml><?xml version="1.0" encoding="utf-8"?>
+<p:sld xmlns:a="http://schemas.openxmlformats.org/drawingml/2006/main" xmlns:r="http://schemas.openxmlformats.org/officeDocument/2006/relationships" xmlns:p="http://schemas.openxmlformats.org/presentationml/2006/main">
+  <p:cSld>
+    <p:spTree>
+      <p:nvGrpSpPr>
+        <p:cNvPr id="1" name=""/>
+        <p:cNvGrpSpPr/>
+        <p:nvPr/>
+      </p:nvGrpSpPr>
+      <p:grpSpPr>
+        <a:xfrm>
+          <a:off x="0" y="0"/>
+          <a:ext cx="0" cy="0"/>
+          <a:chOff x="0" y="0"/>
+          <a:chExt cx="0" cy="0"/>
+        </a:xfrm>
+      </p:grpSpPr>
+      <p:sp>
+        <p:nvSpPr>
+          <p:cNvPr id="2" name="Titel 1"/>
+          <p:cNvSpPr>
+            <a:spLocks noGrp="1"/>
+          </p:cNvSpPr>
+          <p:nvPr>
+            <p:ph type="title"/>
+          </p:nvPr>
+        </p:nvSpPr>
+        <p:spPr/>
+        <p:txBody>
+          <a:bodyPr/>
+          <a:lstStyle/>
+          <a:p>
+            <a:pPr marL="857250" indent="-857250">
+              <a:buFont typeface="+mj-lt"/>
+              <a:buAutoNum type="romanUcPeriod" startAt="5"/>
+            </a:pPr>
+            <a:r>
+              <a:rPr lang="de-DE" b="1" dirty="0" smtClean="0"/>
+              <a:t>Umsetzung des künstlichen neuronalen Netzes</a:t>
+            </a:r>
+            <a:endParaRPr lang="de-DE" dirty="0"/>
+          </a:p>
+        </p:txBody>
+      </p:sp>
+      <p:sp>
+        <p:nvSpPr>
+          <p:cNvPr id="3" name="Inhaltsplatzhalter 2"/>
+          <p:cNvSpPr>
+            <a:spLocks noGrp="1"/>
+          </p:cNvSpPr>
+          <p:nvPr>
+            <p:ph idx="1"/>
+          </p:nvPr>
+        </p:nvSpPr>
+        <p:spPr/>
+        <p:txBody>
+          <a:bodyPr>
+            <a:normAutofit/>
+          </a:bodyPr>
+          <a:lstStyle/>
+          <a:p>
+            <a:r>
+              <a:rPr lang="de-DE" dirty="0" smtClean="0"/>
+              <a:t>Optimierung der Lernrate</a:t>
+            </a:r>
+            <a:endParaRPr lang="de-DE" dirty="0"/>
+          </a:p>
+          <a:p>
+            <a:endParaRPr lang="de-DE" dirty="0" smtClean="0"/>
+          </a:p>
+          <a:p>
+            <a:endParaRPr lang="de-DE" dirty="0"/>
+          </a:p>
+          <a:p>
             <a:pPr marL="0" indent="0">
               <a:buNone/>
             </a:pPr>
@@ -22638,6 +24912,12 @@
             <a:endParaRPr lang="de-DE" dirty="0" smtClean="0"/>
           </a:p>
           <a:p>
+            <a:pPr marL="0" indent="0">
+              <a:buNone/>
+            </a:pPr>
+            <a:endParaRPr lang="de-DE" dirty="0" smtClean="0"/>
+          </a:p>
+          <a:p>
             <a:endParaRPr lang="de-DE" dirty="0" smtClean="0"/>
           </a:p>
           <a:p>
@@ -22680,7 +24960,8 @@
           <a:p>
             <a:fld id="{7AC709DD-AC18-4FBA-B4E6-46DED743653E}" type="datetime1">
               <a:rPr lang="de-DE" smtClean="0"/>
-              <a:t>06.12.2015</a:t>
+              <a:pPr/>
+              <a:t>09.12.2015</a:t>
             </a:fld>
             <a:endParaRPr lang="de-DE"/>
           </a:p>
@@ -22726,7 +25007,8 @@
           <a:p>
             <a:fld id="{0E226D3C-400E-4353-AAC2-09A0472DC536}" type="slidenum">
               <a:rPr lang="de-DE" smtClean="0"/>
-              <a:t>36</a:t>
+              <a:pPr/>
+              <a:t>39</a:t>
             </a:fld>
             <a:endParaRPr lang="de-DE" dirty="0"/>
           </a:p>
@@ -22741,7 +25023,634 @@
           <p:nvPr>
             <p:extLst>
               <p:ext uri="{D42A27DB-BD31-4B8C-83A1-F6EECF244321}">
-                <p14:modId xmlns:p14="http://schemas.microsoft.com/office/powerpoint/2010/main" val="2796733504"/>
+                <p14:modId xmlns:p14="http://schemas.microsoft.com/office/powerpoint/2010/main" val="94186745"/>
+              </p:ext>
+            </p:extLst>
+          </p:nvPr>
+        </p:nvGraphicFramePr>
+        <p:xfrm>
+          <a:off x="1872511" y="2686689"/>
+          <a:ext cx="8547397" cy="2595880"/>
+        </p:xfrm>
+        <a:graphic>
+          <a:graphicData uri="http://schemas.openxmlformats.org/drawingml/2006/table">
+            <a:tbl>
+              <a:tblPr firstRow="1" bandRow="1">
+                <a:tableStyleId>{5940675A-B579-460E-94D1-54222C63F5DA}</a:tableStyleId>
+              </a:tblPr>
+              <a:tblGrid>
+                <a:gridCol w="4421963"/>
+                <a:gridCol w="2062717"/>
+                <a:gridCol w="2062717"/>
+              </a:tblGrid>
+              <a:tr h="370840">
+                <a:tc rowSpan="2">
+                  <a:txBody>
+                    <a:bodyPr/>
+                    <a:lstStyle/>
+                    <a:p>
+                      <a:pPr algn="ctr"/>
+                      <a:r>
+                        <a:rPr lang="de-DE" b="1" dirty="0" smtClean="0"/>
+                        <a:t>Lernrate</a:t>
+                      </a:r>
+                      <a:endParaRPr lang="de-DE" b="1" dirty="0"/>
+                    </a:p>
+                  </a:txBody>
+                  <a:tcPr anchor="ctr"/>
+                </a:tc>
+                <a:tc gridSpan="2">
+                  <a:txBody>
+                    <a:bodyPr/>
+                    <a:lstStyle/>
+                    <a:p>
+                      <a:pPr algn="ctr"/>
+                      <a:r>
+                        <a:rPr lang="de-DE" b="1" dirty="0" smtClean="0"/>
+                        <a:t>MSE</a:t>
+                      </a:r>
+                      <a:endParaRPr lang="de-DE" b="1" dirty="0"/>
+                    </a:p>
+                  </a:txBody>
+                  <a:tcPr/>
+                </a:tc>
+                <a:tc hMerge="1">
+                  <a:txBody>
+                    <a:bodyPr/>
+                    <a:lstStyle/>
+                    <a:p>
+                      <a:endParaRPr lang="de-DE"/>
+                    </a:p>
+                  </a:txBody>
+                  <a:tcPr/>
+                </a:tc>
+              </a:tr>
+              <a:tr h="370840">
+                <a:tc vMerge="1">
+                  <a:txBody>
+                    <a:bodyPr/>
+                    <a:lstStyle/>
+                    <a:p>
+                      <a:pPr algn="ctr"/>
+                      <a:endParaRPr lang="de-DE" dirty="0"/>
+                    </a:p>
+                  </a:txBody>
+                  <a:tcPr/>
+                </a:tc>
+                <a:tc>
+                  <a:txBody>
+                    <a:bodyPr/>
+                    <a:lstStyle/>
+                    <a:p>
+                      <a:pPr algn="ctr"/>
+                      <a:r>
+                        <a:rPr lang="de-DE" dirty="0" smtClean="0"/>
+                        <a:t>Training</a:t>
+                      </a:r>
+                      <a:endParaRPr lang="de-DE" dirty="0"/>
+                    </a:p>
+                  </a:txBody>
+                  <a:tcPr/>
+                </a:tc>
+                <a:tc>
+                  <a:txBody>
+                    <a:bodyPr/>
+                    <a:lstStyle/>
+                    <a:p>
+                      <a:pPr algn="ctr"/>
+                      <a:r>
+                        <a:rPr lang="de-DE" dirty="0" smtClean="0"/>
+                        <a:t>Test</a:t>
+                      </a:r>
+                      <a:endParaRPr lang="de-DE" dirty="0"/>
+                    </a:p>
+                  </a:txBody>
+                  <a:tcPr/>
+                </a:tc>
+              </a:tr>
+              <a:tr h="370840">
+                <a:tc>
+                  <a:txBody>
+                    <a:bodyPr/>
+                    <a:lstStyle/>
+                    <a:p>
+                      <a:pPr algn="ctr"/>
+                      <a:r>
+                        <a:rPr lang="de-DE" b="0" dirty="0" smtClean="0"/>
+                        <a:t>0.1</a:t>
+                      </a:r>
+                      <a:endParaRPr lang="de-DE" b="0" dirty="0"/>
+                    </a:p>
+                  </a:txBody>
+                  <a:tcPr anchor="ctr"/>
+                </a:tc>
+                <a:tc>
+                  <a:txBody>
+                    <a:bodyPr/>
+                    <a:lstStyle/>
+                    <a:p>
+                      <a:pPr algn="ctr"/>
+                      <a:r>
+                        <a:rPr lang="de-DE" dirty="0" smtClean="0"/>
+                        <a:t>0.00111802798736</a:t>
+                      </a:r>
+                    </a:p>
+                  </a:txBody>
+                  <a:tcPr/>
+                </a:tc>
+                <a:tc>
+                  <a:txBody>
+                    <a:bodyPr/>
+                    <a:lstStyle/>
+                    <a:p>
+                      <a:pPr algn="ctr"/>
+                      <a:r>
+                        <a:rPr lang="de-DE" dirty="0" smtClean="0"/>
+                        <a:t>0.001425</a:t>
+                      </a:r>
+                      <a:endParaRPr lang="de-DE" dirty="0"/>
+                    </a:p>
+                  </a:txBody>
+                  <a:tcPr/>
+                </a:tc>
+              </a:tr>
+              <a:tr h="370840">
+                <a:tc>
+                  <a:txBody>
+                    <a:bodyPr/>
+                    <a:lstStyle/>
+                    <a:p>
+                      <a:pPr algn="ctr"/>
+                      <a:r>
+                        <a:rPr lang="de-DE" b="0" dirty="0" smtClean="0"/>
+                        <a:t>0.3</a:t>
+                      </a:r>
+                      <a:endParaRPr lang="de-DE" b="0" dirty="0"/>
+                    </a:p>
+                  </a:txBody>
+                  <a:tcPr anchor="ctr">
+                    <a:noFill/>
+                  </a:tcPr>
+                </a:tc>
+                <a:tc>
+                  <a:txBody>
+                    <a:bodyPr/>
+                    <a:lstStyle/>
+                    <a:p>
+                      <a:pPr algn="ctr"/>
+                      <a:r>
+                        <a:rPr lang="de-DE" dirty="0" smtClean="0"/>
+                        <a:t>8.85006624*10^-4</a:t>
+                      </a:r>
+                    </a:p>
+                  </a:txBody>
+                  <a:tcPr>
+                    <a:noFill/>
+                  </a:tcPr>
+                </a:tc>
+                <a:tc>
+                  <a:txBody>
+                    <a:bodyPr/>
+                    <a:lstStyle/>
+                    <a:p>
+                      <a:pPr algn="ctr"/>
+                      <a:r>
+                        <a:rPr lang="de-DE" dirty="0" smtClean="0"/>
+                        <a:t>9.6684*10-4</a:t>
+                      </a:r>
+                      <a:endParaRPr lang="de-DE" dirty="0"/>
+                    </a:p>
+                  </a:txBody>
+                  <a:tcPr>
+                    <a:noFill/>
+                  </a:tcPr>
+                </a:tc>
+              </a:tr>
+              <a:tr h="370840">
+                <a:tc>
+                  <a:txBody>
+                    <a:bodyPr/>
+                    <a:lstStyle/>
+                    <a:p>
+                      <a:pPr algn="ctr"/>
+                      <a:r>
+                        <a:rPr lang="de-DE" b="0" dirty="0" smtClean="0"/>
+                        <a:t>0.5</a:t>
+                      </a:r>
+                      <a:endParaRPr lang="de-DE" b="0" dirty="0"/>
+                    </a:p>
+                  </a:txBody>
+                  <a:tcPr anchor="ctr">
+                    <a:noFill/>
+                  </a:tcPr>
+                </a:tc>
+                <a:tc>
+                  <a:txBody>
+                    <a:bodyPr/>
+                    <a:lstStyle/>
+                    <a:p>
+                      <a:pPr algn="ctr"/>
+                      <a:r>
+                        <a:rPr lang="de-DE" dirty="0" smtClean="0"/>
+                        <a:t> 8.64073451*10^-4</a:t>
+                      </a:r>
+                    </a:p>
+                  </a:txBody>
+                  <a:tcPr>
+                    <a:noFill/>
+                  </a:tcPr>
+                </a:tc>
+                <a:tc>
+                  <a:txBody>
+                    <a:bodyPr/>
+                    <a:lstStyle/>
+                    <a:p>
+                      <a:pPr algn="ctr"/>
+                      <a:r>
+                        <a:rPr lang="de-DE" dirty="0" smtClean="0"/>
+                        <a:t> 8.252874*10^-4</a:t>
+                      </a:r>
+                      <a:endParaRPr lang="de-DE" dirty="0"/>
+                    </a:p>
+                  </a:txBody>
+                  <a:tcPr>
+                    <a:noFill/>
+                  </a:tcPr>
+                </a:tc>
+              </a:tr>
+              <a:tr h="370840">
+                <a:tc>
+                  <a:txBody>
+                    <a:bodyPr/>
+                    <a:lstStyle/>
+                    <a:p>
+                      <a:pPr algn="ctr"/>
+                      <a:r>
+                        <a:rPr lang="de-DE" b="0" dirty="0" smtClean="0"/>
+                        <a:t>0.7</a:t>
+                      </a:r>
+                      <a:endParaRPr lang="de-DE" b="0" dirty="0"/>
+                    </a:p>
+                  </a:txBody>
+                  <a:tcPr anchor="ctr">
+                    <a:noFill/>
+                  </a:tcPr>
+                </a:tc>
+                <a:tc>
+                  <a:txBody>
+                    <a:bodyPr/>
+                    <a:lstStyle/>
+                    <a:p>
+                      <a:pPr algn="ctr"/>
+                      <a:r>
+                        <a:rPr lang="de-DE" dirty="0" smtClean="0"/>
+                        <a:t>8.04*10^-4</a:t>
+                      </a:r>
+                      <a:endParaRPr lang="de-DE" dirty="0"/>
+                    </a:p>
+                  </a:txBody>
+                  <a:tcPr>
+                    <a:noFill/>
+                  </a:tcPr>
+                </a:tc>
+                <a:tc>
+                  <a:txBody>
+                    <a:bodyPr/>
+                    <a:lstStyle/>
+                    <a:p>
+                      <a:pPr algn="ctr"/>
+                      <a:r>
+                        <a:rPr lang="de-DE" dirty="0" smtClean="0"/>
+                        <a:t> 8.8235*10^-4</a:t>
+                      </a:r>
+                      <a:endParaRPr lang="de-DE" dirty="0"/>
+                    </a:p>
+                  </a:txBody>
+                  <a:tcPr>
+                    <a:noFill/>
+                  </a:tcPr>
+                </a:tc>
+              </a:tr>
+              <a:tr h="370840">
+                <a:tc>
+                  <a:txBody>
+                    <a:bodyPr/>
+                    <a:lstStyle/>
+                    <a:p>
+                      <a:pPr algn="ctr"/>
+                      <a:r>
+                        <a:rPr lang="de-DE" b="0" dirty="0" smtClean="0"/>
+                        <a:t>0.9</a:t>
+                      </a:r>
+                      <a:endParaRPr lang="de-DE" b="0" dirty="0"/>
+                    </a:p>
+                  </a:txBody>
+                  <a:tcPr anchor="ctr"/>
+                </a:tc>
+                <a:tc>
+                  <a:txBody>
+                    <a:bodyPr/>
+                    <a:lstStyle/>
+                    <a:p>
+                      <a:pPr algn="ctr"/>
+                      <a:r>
+                        <a:rPr lang="de-DE" dirty="0" smtClean="0"/>
+                        <a:t>8.545051</a:t>
+                      </a:r>
+                    </a:p>
+                  </a:txBody>
+                  <a:tcPr/>
+                </a:tc>
+                <a:tc>
+                  <a:txBody>
+                    <a:bodyPr/>
+                    <a:lstStyle/>
+                    <a:p>
+                      <a:pPr algn="ctr"/>
+                      <a:r>
+                        <a:rPr lang="de-DE" dirty="0" smtClean="0"/>
+                        <a:t> 8.503012</a:t>
+                      </a:r>
+                      <a:endParaRPr lang="de-DE" dirty="0"/>
+                    </a:p>
+                  </a:txBody>
+                  <a:tcPr/>
+                </a:tc>
+              </a:tr>
+            </a:tbl>
+          </a:graphicData>
+        </a:graphic>
+      </p:graphicFrame>
+      <p:sp>
+        <p:nvSpPr>
+          <p:cNvPr id="11" name="Rechteck 10"/>
+          <p:cNvSpPr/>
+          <p:nvPr/>
+        </p:nvSpPr>
+        <p:spPr>
+          <a:xfrm>
+            <a:off x="1872000" y="2656799"/>
+            <a:ext cx="8532000" cy="771569"/>
+          </a:xfrm>
+          <a:prstGeom prst="rect">
+            <a:avLst/>
+          </a:prstGeom>
+          <a:noFill/>
+          <a:ln w="28575">
+            <a:solidFill>
+              <a:schemeClr val="tx1"/>
+            </a:solidFill>
+          </a:ln>
+        </p:spPr>
+        <p:style>
+          <a:lnRef idx="2">
+            <a:schemeClr val="accent1">
+              <a:shade val="50000"/>
+            </a:schemeClr>
+          </a:lnRef>
+          <a:fillRef idx="1">
+            <a:schemeClr val="accent1"/>
+          </a:fillRef>
+          <a:effectRef idx="0">
+            <a:schemeClr val="accent1"/>
+          </a:effectRef>
+          <a:fontRef idx="minor">
+            <a:schemeClr val="lt1"/>
+          </a:fontRef>
+        </p:style>
+        <p:txBody>
+          <a:bodyPr rtlCol="0" anchor="ctr"/>
+          <a:lstStyle/>
+          <a:p>
+            <a:pPr algn="ctr"/>
+            <a:endParaRPr lang="de-DE"/>
+          </a:p>
+        </p:txBody>
+      </p:sp>
+    </p:spTree>
+    <p:extLst>
+      <p:ext uri="{BB962C8B-B14F-4D97-AF65-F5344CB8AC3E}">
+        <p14:creationId xmlns:p14="http://schemas.microsoft.com/office/powerpoint/2010/main" val="457440247"/>
+      </p:ext>
+    </p:extLst>
+  </p:cSld>
+  <p:clrMapOvr>
+    <a:masterClrMapping/>
+  </p:clrMapOvr>
+  <p:timing>
+    <p:tnLst>
+      <p:par>
+        <p:cTn id="1" dur="indefinite" restart="never" nodeType="tmRoot"/>
+      </p:par>
+    </p:tnLst>
+  </p:timing>
+</p:sld>
+</file>
+
+<file path=ppt/slides/slide41.xml><?xml version="1.0" encoding="utf-8"?>
+<p:sld xmlns:a="http://schemas.openxmlformats.org/drawingml/2006/main" xmlns:r="http://schemas.openxmlformats.org/officeDocument/2006/relationships" xmlns:p="http://schemas.openxmlformats.org/presentationml/2006/main">
+  <p:cSld>
+    <p:spTree>
+      <p:nvGrpSpPr>
+        <p:cNvPr id="1" name=""/>
+        <p:cNvGrpSpPr/>
+        <p:nvPr/>
+      </p:nvGrpSpPr>
+      <p:grpSpPr>
+        <a:xfrm>
+          <a:off x="0" y="0"/>
+          <a:ext cx="0" cy="0"/>
+          <a:chOff x="0" y="0"/>
+          <a:chExt cx="0" cy="0"/>
+        </a:xfrm>
+      </p:grpSpPr>
+      <p:sp>
+        <p:nvSpPr>
+          <p:cNvPr id="2" name="Titel 1"/>
+          <p:cNvSpPr>
+            <a:spLocks noGrp="1"/>
+          </p:cNvSpPr>
+          <p:nvPr>
+            <p:ph type="title"/>
+          </p:nvPr>
+        </p:nvSpPr>
+        <p:spPr/>
+        <p:txBody>
+          <a:bodyPr/>
+          <a:lstStyle/>
+          <a:p>
+            <a:pPr marL="857250" indent="-857250">
+              <a:buFont typeface="+mj-lt"/>
+              <a:buAutoNum type="romanUcPeriod" startAt="5"/>
+            </a:pPr>
+            <a:r>
+              <a:rPr lang="de-DE" b="1" dirty="0" smtClean="0"/>
+              <a:t>Umsetzung des künstlichen neuronalen Netzes</a:t>
+            </a:r>
+            <a:endParaRPr lang="de-DE" dirty="0"/>
+          </a:p>
+        </p:txBody>
+      </p:sp>
+      <p:sp>
+        <p:nvSpPr>
+          <p:cNvPr id="3" name="Inhaltsplatzhalter 2"/>
+          <p:cNvSpPr>
+            <a:spLocks noGrp="1"/>
+          </p:cNvSpPr>
+          <p:nvPr>
+            <p:ph idx="1"/>
+          </p:nvPr>
+        </p:nvSpPr>
+        <p:spPr/>
+        <p:txBody>
+          <a:bodyPr>
+            <a:normAutofit/>
+          </a:bodyPr>
+          <a:lstStyle/>
+          <a:p>
+            <a:r>
+              <a:rPr lang="de-DE" dirty="0" smtClean="0"/>
+              <a:t>Optimierung der Lernrate</a:t>
+            </a:r>
+            <a:endParaRPr lang="de-DE" dirty="0"/>
+          </a:p>
+          <a:p>
+            <a:endParaRPr lang="de-DE" dirty="0" smtClean="0"/>
+          </a:p>
+          <a:p>
+            <a:endParaRPr lang="de-DE" dirty="0"/>
+          </a:p>
+          <a:p>
+            <a:pPr marL="0" indent="0">
+              <a:buNone/>
+            </a:pPr>
+            <a:endParaRPr lang="de-DE" dirty="0" smtClean="0"/>
+          </a:p>
+          <a:p>
+            <a:pPr marL="0" indent="0">
+              <a:buNone/>
+            </a:pPr>
+            <a:endParaRPr lang="de-DE" dirty="0" smtClean="0"/>
+          </a:p>
+          <a:p>
+            <a:pPr marL="0" indent="0">
+              <a:buNone/>
+            </a:pPr>
+            <a:endParaRPr lang="de-DE" dirty="0" smtClean="0"/>
+          </a:p>
+          <a:p>
+            <a:pPr marL="0" indent="0">
+              <a:buNone/>
+            </a:pPr>
+            <a:endParaRPr lang="de-DE" dirty="0" smtClean="0"/>
+          </a:p>
+          <a:p>
+            <a:endParaRPr lang="de-DE" dirty="0" smtClean="0"/>
+          </a:p>
+          <a:p>
+            <a:endParaRPr lang="de-DE" dirty="0"/>
+          </a:p>
+          <a:p>
+            <a:endParaRPr lang="de-DE" dirty="0" smtClean="0"/>
+          </a:p>
+          <a:p>
+            <a:endParaRPr lang="de-DE" dirty="0"/>
+          </a:p>
+          <a:p>
+            <a:pPr marL="0" indent="0">
+              <a:buNone/>
+            </a:pPr>
+            <a:endParaRPr lang="de-DE" dirty="0"/>
+          </a:p>
+          <a:p>
+            <a:pPr marL="0" indent="0">
+              <a:buNone/>
+            </a:pPr>
+            <a:endParaRPr lang="de-DE" dirty="0" smtClean="0"/>
+          </a:p>
+        </p:txBody>
+      </p:sp>
+      <p:sp>
+        <p:nvSpPr>
+          <p:cNvPr id="4" name="Datumsplatzhalter 3"/>
+          <p:cNvSpPr>
+            <a:spLocks noGrp="1"/>
+          </p:cNvSpPr>
+          <p:nvPr>
+            <p:ph type="dt" sz="half" idx="10"/>
+          </p:nvPr>
+        </p:nvSpPr>
+        <p:spPr/>
+        <p:txBody>
+          <a:bodyPr/>
+          <a:lstStyle/>
+          <a:p>
+            <a:fld id="{7AC709DD-AC18-4FBA-B4E6-46DED743653E}" type="datetime1">
+              <a:rPr lang="de-DE" smtClean="0"/>
+              <a:pPr/>
+              <a:t>09.12.2015</a:t>
+            </a:fld>
+            <a:endParaRPr lang="de-DE"/>
+          </a:p>
+        </p:txBody>
+      </p:sp>
+      <p:sp>
+        <p:nvSpPr>
+          <p:cNvPr id="5" name="Fußzeilenplatzhalter 4"/>
+          <p:cNvSpPr>
+            <a:spLocks noGrp="1"/>
+          </p:cNvSpPr>
+          <p:nvPr>
+            <p:ph type="ftr" sz="quarter" idx="11"/>
+          </p:nvPr>
+        </p:nvSpPr>
+        <p:spPr/>
+        <p:txBody>
+          <a:bodyPr/>
+          <a:lstStyle/>
+          <a:p>
+            <a:r>
+              <a:rPr lang="de-DE" smtClean="0"/>
+              <a:t>Fakultät Informatik             Sebastian Schötteler &amp; Benedikt Hofrichter</a:t>
+            </a:r>
+            <a:endParaRPr lang="de-DE" dirty="0"/>
+          </a:p>
+        </p:txBody>
+      </p:sp>
+      <p:sp>
+        <p:nvSpPr>
+          <p:cNvPr id="6" name="Foliennummernplatzhalter 5"/>
+          <p:cNvSpPr>
+            <a:spLocks noGrp="1"/>
+          </p:cNvSpPr>
+          <p:nvPr>
+            <p:ph type="sldNum" sz="quarter" idx="12"/>
+          </p:nvPr>
+        </p:nvSpPr>
+        <p:spPr/>
+        <p:txBody>
+          <a:bodyPr/>
+          <a:lstStyle/>
+          <a:p>
+            <a:fld id="{0E226D3C-400E-4353-AAC2-09A0472DC536}" type="slidenum">
+              <a:rPr lang="de-DE" smtClean="0"/>
+              <a:pPr/>
+              <a:t>40</a:t>
+            </a:fld>
+            <a:endParaRPr lang="de-DE" dirty="0"/>
+          </a:p>
+        </p:txBody>
+      </p:sp>
+      <p:graphicFrame>
+        <p:nvGraphicFramePr>
+          <p:cNvPr id="9" name="Tabelle 8"/>
+          <p:cNvGraphicFramePr>
+            <a:graphicFrameLocks noGrp="1"/>
+          </p:cNvGraphicFramePr>
+          <p:nvPr>
+            <p:extLst>
+              <p:ext uri="{D42A27DB-BD31-4B8C-83A1-F6EECF244321}">
+                <p14:modId xmlns:p14="http://schemas.microsoft.com/office/powerpoint/2010/main" val="1025472042"/>
               </p:ext>
             </p:extLst>
           </p:nvPr>
@@ -23236,7 +26145,7 @@
     </p:spTree>
     <p:extLst>
       <p:ext uri="{BB962C8B-B14F-4D97-AF65-F5344CB8AC3E}">
-        <p14:creationId xmlns:p14="http://schemas.microsoft.com/office/powerpoint/2010/main" val="457440247"/>
+        <p14:creationId xmlns:p14="http://schemas.microsoft.com/office/powerpoint/2010/main" val="1852976558"/>
       </p:ext>
     </p:extLst>
   </p:cSld>
@@ -23253,7 +26162,7 @@
 </p:sld>
 </file>
 
-<file path=ppt/slides/slide38.xml><?xml version="1.0" encoding="utf-8"?>
+<file path=ppt/slides/slide42.xml><?xml version="1.0" encoding="utf-8"?>
 <p:sld xmlns:a="http://schemas.openxmlformats.org/drawingml/2006/main" xmlns:r="http://schemas.openxmlformats.org/officeDocument/2006/relationships" xmlns:p="http://schemas.openxmlformats.org/presentationml/2006/main">
   <p:cSld>
     <p:spTree>
@@ -23411,7 +26320,8 @@
           <a:p>
             <a:fld id="{7AC709DD-AC18-4FBA-B4E6-46DED743653E}" type="datetime1">
               <a:rPr lang="de-DE" smtClean="0"/>
-              <a:t>06.12.2015</a:t>
+              <a:pPr/>
+              <a:t>09.12.2015</a:t>
             </a:fld>
             <a:endParaRPr lang="de-DE"/>
           </a:p>
@@ -23457,7 +26367,8 @@
           <a:p>
             <a:fld id="{0E226D3C-400E-4353-AAC2-09A0472DC536}" type="slidenum">
               <a:rPr lang="de-DE" smtClean="0"/>
-              <a:t>37</a:t>
+              <a:pPr/>
+              <a:t>41</a:t>
             </a:fld>
             <a:endParaRPr lang="de-DE" dirty="0"/>
           </a:p>
@@ -23472,7 +26383,7 @@
           <p:nvPr/>
         </p:nvPicPr>
         <p:blipFill>
-          <a:blip r:embed="rId3">
+          <a:blip r:embed="rId3" cstate="print">
             <a:extLst>
               <a:ext uri="{28A0092B-C50C-407E-A947-70E740481C1C}">
                 <a14:useLocalDpi xmlns:a14="http://schemas.microsoft.com/office/drawing/2010/main" val="0"/>
@@ -23701,7 +26612,6 @@
               <a:rPr lang="de-DE" dirty="0" smtClean="0"/>
               <a:t>8.65092237*10^-4</a:t>
             </a:r>
-            <a:endParaRPr lang="de-DE" dirty="0" smtClean="0"/>
           </a:p>
           <a:p>
             <a:pPr marL="742950" lvl="1" indent="-285750">
@@ -23744,7 +26654,7 @@
 </p:sld>
 </file>
 
-<file path=ppt/slides/slide39.xml><?xml version="1.0" encoding="utf-8"?>
+<file path=ppt/slides/slide43.xml><?xml version="1.0" encoding="utf-8"?>
 <p:sld xmlns:a="http://schemas.openxmlformats.org/drawingml/2006/main" xmlns:r="http://schemas.openxmlformats.org/officeDocument/2006/relationships" xmlns:p="http://schemas.openxmlformats.org/presentationml/2006/main">
   <p:cSld>
     <p:spTree>
@@ -23778,7 +26688,8 @@
           <a:p>
             <a:fld id="{7AC709DD-AC18-4FBA-B4E6-46DED743653E}" type="datetime1">
               <a:rPr lang="de-DE" smtClean="0"/>
-              <a:t>06.12.2015</a:t>
+              <a:pPr/>
+              <a:t>09.12.2015</a:t>
             </a:fld>
             <a:endParaRPr lang="de-DE"/>
           </a:p>
@@ -23824,7 +26735,8 @@
           <a:p>
             <a:fld id="{0E226D3C-400E-4353-AAC2-09A0472DC536}" type="slidenum">
               <a:rPr lang="de-DE" smtClean="0"/>
-              <a:t>38</a:t>
+              <a:pPr/>
+              <a:t>42</a:t>
             </a:fld>
             <a:endParaRPr lang="de-DE" dirty="0"/>
           </a:p>
@@ -23988,7 +26900,7 @@
           <p:nvPr/>
         </p:nvPicPr>
         <p:blipFill>
-          <a:blip r:embed="rId2">
+          <a:blip r:embed="rId2" cstate="print">
             <a:duotone>
               <a:schemeClr val="bg2">
                 <a:shade val="45000"/>
@@ -24036,7 +26948,7 @@
 </p:sld>
 </file>
 
-<file path=ppt/slides/slide4.xml><?xml version="1.0" encoding="utf-8"?>
+<file path=ppt/slides/slide44.xml><?xml version="1.0" encoding="utf-8"?>
 <p:sld xmlns:a="http://schemas.openxmlformats.org/drawingml/2006/main" xmlns:r="http://schemas.openxmlformats.org/officeDocument/2006/relationships" xmlns:p="http://schemas.openxmlformats.org/presentationml/2006/main">
   <p:cSld>
     <p:spTree>
@@ -24070,13 +26982,13 @@
           <a:p>
             <a:pPr marL="857250" indent="-857250">
               <a:buFont typeface="+mj-lt"/>
-              <a:buAutoNum type="romanUcPeriod"/>
+              <a:buAutoNum type="romanUcPeriod" startAt="6"/>
             </a:pPr>
             <a:r>
               <a:rPr lang="de-DE" b="1" dirty="0" smtClean="0"/>
-              <a:t>Motivation</a:t>
-            </a:r>
-            <a:endParaRPr lang="de-DE" b="1" dirty="0"/>
+              <a:t>Zusammenführung der Komponenten</a:t>
+            </a:r>
+            <a:endParaRPr lang="de-DE" dirty="0"/>
           </a:p>
         </p:txBody>
       </p:sp>
@@ -24092,96 +27004,13 @@
         </p:nvSpPr>
         <p:spPr/>
         <p:txBody>
-          <a:bodyPr>
-            <a:normAutofit/>
-          </a:bodyPr>
-          <a:lstStyle/>
-          <a:p>
-            <a:pPr>
-              <a:buFont typeface="Wingdings" panose="05000000000000000000" pitchFamily="2" charset="2"/>
-              <a:buChar char="§"/>
-            </a:pPr>
+          <a:bodyPr/>
+          <a:lstStyle/>
+          <a:p>
             <a:r>
               <a:rPr lang="de-DE" dirty="0" smtClean="0"/>
-              <a:t>Künstliche neuronale Netze sind gutes ein Hilfsmittel zur  Prognose:</a:t>
-            </a:r>
-          </a:p>
-          <a:p>
-            <a:pPr lvl="1"/>
-            <a:r>
-              <a:rPr lang="de-DE" dirty="0" smtClean="0"/>
-              <a:t>Therapieverläufen </a:t>
-            </a:r>
-            <a:r>
-              <a:rPr lang="de-DE" dirty="0"/>
-              <a:t>in der </a:t>
-            </a:r>
-            <a:r>
-              <a:rPr lang="de-DE" dirty="0" smtClean="0"/>
-              <a:t>Medizin</a:t>
-            </a:r>
-          </a:p>
-          <a:p>
-            <a:pPr lvl="1"/>
-            <a:r>
-              <a:rPr lang="de-DE" dirty="0" smtClean="0"/>
-              <a:t>Arbeitslosenzahlen </a:t>
-            </a:r>
-            <a:r>
-              <a:rPr lang="de-DE" dirty="0"/>
-              <a:t>auf dem </a:t>
-            </a:r>
-            <a:r>
-              <a:rPr lang="de-DE" dirty="0" smtClean="0"/>
-              <a:t>Arbeitsmarkt</a:t>
-            </a:r>
-          </a:p>
-          <a:p>
-            <a:pPr lvl="1"/>
-            <a:r>
-              <a:rPr lang="de-DE" dirty="0" smtClean="0"/>
-              <a:t>Börsenkursen</a:t>
-            </a:r>
-            <a:endParaRPr lang="de-DE" dirty="0"/>
-          </a:p>
-          <a:p>
-            <a:pPr lvl="1"/>
-            <a:endParaRPr lang="de-DE" sz="2000" dirty="0" smtClean="0"/>
-          </a:p>
-          <a:p>
-            <a:r>
-              <a:rPr lang="de-DE" dirty="0" smtClean="0"/>
-              <a:t>Besonderheit:</a:t>
-            </a:r>
-          </a:p>
-          <a:p>
-            <a:pPr lvl="1"/>
-            <a:r>
-              <a:rPr lang="de-DE" dirty="0" smtClean="0"/>
-              <a:t>Fähigkeit, nichtlineare Zusammenhänge zu erkennen.</a:t>
-            </a:r>
-          </a:p>
-          <a:p>
-            <a:pPr lvl="1"/>
-            <a:r>
-              <a:rPr lang="de-DE" dirty="0" smtClean="0"/>
-              <a:t>Prognostiziert objektiv und vorurteilsfrei.</a:t>
-            </a:r>
-          </a:p>
-          <a:p>
-            <a:pPr marL="0" indent="0">
-              <a:buNone/>
-            </a:pPr>
-            <a:endParaRPr lang="de-DE" dirty="0" smtClean="0"/>
-          </a:p>
-          <a:p>
-            <a:pPr lvl="1"/>
-            <a:endParaRPr lang="de-DE" sz="2000" dirty="0"/>
-          </a:p>
-          <a:p>
-            <a:endParaRPr lang="de-DE" dirty="0" smtClean="0"/>
-          </a:p>
-          <a:p>
+              <a:t>&lt;&lt;Benedikt&gt;&gt;</a:t>
+            </a:r>
             <a:endParaRPr lang="de-DE" dirty="0"/>
           </a:p>
         </p:txBody>
@@ -24203,7 +27032,8 @@
           <a:p>
             <a:fld id="{7AC709DD-AC18-4FBA-B4E6-46DED743653E}" type="datetime1">
               <a:rPr lang="de-DE" smtClean="0"/>
-              <a:t>06.12.2015</a:t>
+              <a:pPr/>
+              <a:t>09.12.2015</a:t>
             </a:fld>
             <a:endParaRPr lang="de-DE"/>
           </a:p>
@@ -24249,163 +27079,8 @@
           <a:p>
             <a:fld id="{0E226D3C-400E-4353-AAC2-09A0472DC536}" type="slidenum">
               <a:rPr lang="de-DE" smtClean="0"/>
-              <a:t>3</a:t>
-            </a:fld>
-            <a:endParaRPr lang="de-DE" dirty="0"/>
-          </a:p>
-        </p:txBody>
-      </p:sp>
-    </p:spTree>
-    <p:extLst>
-      <p:ext uri="{BB962C8B-B14F-4D97-AF65-F5344CB8AC3E}">
-        <p14:creationId xmlns:p14="http://schemas.microsoft.com/office/powerpoint/2010/main" val="3880735644"/>
-      </p:ext>
-    </p:extLst>
-  </p:cSld>
-  <p:clrMapOvr>
-    <a:masterClrMapping/>
-  </p:clrMapOvr>
-  <p:timing>
-    <p:tnLst>
-      <p:par>
-        <p:cTn id="1" dur="indefinite" restart="never" nodeType="tmRoot"/>
-      </p:par>
-    </p:tnLst>
-  </p:timing>
-</p:sld>
-</file>
-
-<file path=ppt/slides/slide40.xml><?xml version="1.0" encoding="utf-8"?>
-<p:sld xmlns:a="http://schemas.openxmlformats.org/drawingml/2006/main" xmlns:r="http://schemas.openxmlformats.org/officeDocument/2006/relationships" xmlns:p="http://schemas.openxmlformats.org/presentationml/2006/main">
-  <p:cSld>
-    <p:spTree>
-      <p:nvGrpSpPr>
-        <p:cNvPr id="1" name=""/>
-        <p:cNvGrpSpPr/>
-        <p:nvPr/>
-      </p:nvGrpSpPr>
-      <p:grpSpPr>
-        <a:xfrm>
-          <a:off x="0" y="0"/>
-          <a:ext cx="0" cy="0"/>
-          <a:chOff x="0" y="0"/>
-          <a:chExt cx="0" cy="0"/>
-        </a:xfrm>
-      </p:grpSpPr>
-      <p:sp>
-        <p:nvSpPr>
-          <p:cNvPr id="2" name="Titel 1"/>
-          <p:cNvSpPr>
-            <a:spLocks noGrp="1"/>
-          </p:cNvSpPr>
-          <p:nvPr>
-            <p:ph type="title"/>
-          </p:nvPr>
-        </p:nvSpPr>
-        <p:spPr/>
-        <p:txBody>
-          <a:bodyPr/>
-          <a:lstStyle/>
-          <a:p>
-            <a:pPr marL="857250" indent="-857250">
-              <a:buFont typeface="+mj-lt"/>
-              <a:buAutoNum type="romanUcPeriod" startAt="6"/>
-            </a:pPr>
-            <a:r>
-              <a:rPr lang="de-DE" b="1" dirty="0" smtClean="0"/>
-              <a:t>Zusammenführung der Komponenten</a:t>
-            </a:r>
-            <a:endParaRPr lang="de-DE" dirty="0"/>
-          </a:p>
-        </p:txBody>
-      </p:sp>
-      <p:sp>
-        <p:nvSpPr>
-          <p:cNvPr id="3" name="Inhaltsplatzhalter 2"/>
-          <p:cNvSpPr>
-            <a:spLocks noGrp="1"/>
-          </p:cNvSpPr>
-          <p:nvPr>
-            <p:ph idx="1"/>
-          </p:nvPr>
-        </p:nvSpPr>
-        <p:spPr/>
-        <p:txBody>
-          <a:bodyPr/>
-          <a:lstStyle/>
-          <a:p>
-            <a:r>
-              <a:rPr lang="de-DE" dirty="0" smtClean="0"/>
-              <a:t>&lt;&lt;Benedikt&gt;&gt;</a:t>
-            </a:r>
-            <a:endParaRPr lang="de-DE" dirty="0"/>
-          </a:p>
-        </p:txBody>
-      </p:sp>
-      <p:sp>
-        <p:nvSpPr>
-          <p:cNvPr id="4" name="Datumsplatzhalter 3"/>
-          <p:cNvSpPr>
-            <a:spLocks noGrp="1"/>
-          </p:cNvSpPr>
-          <p:nvPr>
-            <p:ph type="dt" sz="half" idx="10"/>
-          </p:nvPr>
-        </p:nvSpPr>
-        <p:spPr/>
-        <p:txBody>
-          <a:bodyPr/>
-          <a:lstStyle/>
-          <a:p>
-            <a:fld id="{7AC709DD-AC18-4FBA-B4E6-46DED743653E}" type="datetime1">
-              <a:rPr lang="de-DE" smtClean="0"/>
-              <a:t>06.12.2015</a:t>
-            </a:fld>
-            <a:endParaRPr lang="de-DE"/>
-          </a:p>
-        </p:txBody>
-      </p:sp>
-      <p:sp>
-        <p:nvSpPr>
-          <p:cNvPr id="5" name="Fußzeilenplatzhalter 4"/>
-          <p:cNvSpPr>
-            <a:spLocks noGrp="1"/>
-          </p:cNvSpPr>
-          <p:nvPr>
-            <p:ph type="ftr" sz="quarter" idx="11"/>
-          </p:nvPr>
-        </p:nvSpPr>
-        <p:spPr/>
-        <p:txBody>
-          <a:bodyPr/>
-          <a:lstStyle/>
-          <a:p>
-            <a:r>
-              <a:rPr lang="de-DE" smtClean="0"/>
-              <a:t>Fakultät Informatik             Sebastian Schötteler &amp; Benedikt Hofrichter</a:t>
-            </a:r>
-            <a:endParaRPr lang="de-DE" dirty="0"/>
-          </a:p>
-        </p:txBody>
-      </p:sp>
-      <p:sp>
-        <p:nvSpPr>
-          <p:cNvPr id="6" name="Foliennummernplatzhalter 5"/>
-          <p:cNvSpPr>
-            <a:spLocks noGrp="1"/>
-          </p:cNvSpPr>
-          <p:nvPr>
-            <p:ph type="sldNum" sz="quarter" idx="12"/>
-          </p:nvPr>
-        </p:nvSpPr>
-        <p:spPr/>
-        <p:txBody>
-          <a:bodyPr/>
-          <a:lstStyle/>
-          <a:p>
-            <a:fld id="{0E226D3C-400E-4353-AAC2-09A0472DC536}" type="slidenum">
-              <a:rPr lang="de-DE" smtClean="0"/>
-              <a:t>39</a:t>
+              <a:pPr/>
+              <a:t>43</a:t>
             </a:fld>
             <a:endParaRPr lang="de-DE" dirty="0"/>
           </a:p>
@@ -24431,7 +27106,7 @@
 </p:sld>
 </file>
 
-<file path=ppt/slides/slide41.xml><?xml version="1.0" encoding="utf-8"?>
+<file path=ppt/slides/slide45.xml><?xml version="1.0" encoding="utf-8"?>
 <p:sld xmlns:a="http://schemas.openxmlformats.org/drawingml/2006/main" xmlns:r="http://schemas.openxmlformats.org/officeDocument/2006/relationships" xmlns:p="http://schemas.openxmlformats.org/presentationml/2006/main">
   <p:cSld>
     <p:spTree>
@@ -24465,7 +27140,8 @@
           <a:p>
             <a:fld id="{7AC709DD-AC18-4FBA-B4E6-46DED743653E}" type="datetime1">
               <a:rPr lang="de-DE" smtClean="0"/>
-              <a:t>06.12.2015</a:t>
+              <a:pPr/>
+              <a:t>09.12.2015</a:t>
             </a:fld>
             <a:endParaRPr lang="de-DE"/>
           </a:p>
@@ -24511,7 +27187,8 @@
           <a:p>
             <a:fld id="{0E226D3C-400E-4353-AAC2-09A0472DC536}" type="slidenum">
               <a:rPr lang="de-DE" smtClean="0"/>
-              <a:t>40</a:t>
+              <a:pPr/>
+              <a:t>44</a:t>
             </a:fld>
             <a:endParaRPr lang="de-DE" dirty="0"/>
           </a:p>
@@ -24675,7 +27352,7 @@
           <p:nvPr/>
         </p:nvPicPr>
         <p:blipFill>
-          <a:blip r:embed="rId2">
+          <a:blip r:embed="rId2" cstate="print">
             <a:duotone>
               <a:schemeClr val="bg2">
                 <a:shade val="45000"/>
@@ -24723,7 +27400,7 @@
 </p:sld>
 </file>
 
-<file path=ppt/slides/slide42.xml><?xml version="1.0" encoding="utf-8"?>
+<file path=ppt/slides/slide46.xml><?xml version="1.0" encoding="utf-8"?>
 <p:sld xmlns:a="http://schemas.openxmlformats.org/drawingml/2006/main" xmlns:r="http://schemas.openxmlformats.org/officeDocument/2006/relationships" xmlns:p="http://schemas.openxmlformats.org/presentationml/2006/main">
   <p:cSld>
     <p:spTree>
@@ -24807,7 +27484,8 @@
           <a:p>
             <a:fld id="{7AC709DD-AC18-4FBA-B4E6-46DED743653E}" type="datetime1">
               <a:rPr lang="de-DE" smtClean="0"/>
-              <a:t>06.12.2015</a:t>
+              <a:pPr/>
+              <a:t>09.12.2015</a:t>
             </a:fld>
             <a:endParaRPr lang="de-DE"/>
           </a:p>
@@ -24853,7 +27531,8 @@
           <a:p>
             <a:fld id="{0E226D3C-400E-4353-AAC2-09A0472DC536}" type="slidenum">
               <a:rPr lang="de-DE" smtClean="0"/>
-              <a:t>41</a:t>
+              <a:pPr/>
+              <a:t>45</a:t>
             </a:fld>
             <a:endParaRPr lang="de-DE" dirty="0"/>
           </a:p>
@@ -24879,7 +27558,7 @@
 </p:sld>
 </file>
 
-<file path=ppt/slides/slide43.xml><?xml version="1.0" encoding="utf-8"?>
+<file path=ppt/slides/slide47.xml><?xml version="1.0" encoding="utf-8"?>
 <p:sld xmlns:a="http://schemas.openxmlformats.org/drawingml/2006/main" xmlns:r="http://schemas.openxmlformats.org/officeDocument/2006/relationships" xmlns:p="http://schemas.openxmlformats.org/presentationml/2006/main">
   <p:cSld>
     <p:spTree>
@@ -24913,7 +27592,8 @@
           <a:p>
             <a:fld id="{7AC709DD-AC18-4FBA-B4E6-46DED743653E}" type="datetime1">
               <a:rPr lang="de-DE" smtClean="0"/>
-              <a:t>06.12.2015</a:t>
+              <a:pPr/>
+              <a:t>09.12.2015</a:t>
             </a:fld>
             <a:endParaRPr lang="de-DE"/>
           </a:p>
@@ -24959,7 +27639,8 @@
           <a:p>
             <a:fld id="{0E226D3C-400E-4353-AAC2-09A0472DC536}" type="slidenum">
               <a:rPr lang="de-DE" smtClean="0"/>
-              <a:t>42</a:t>
+              <a:pPr/>
+              <a:t>46</a:t>
             </a:fld>
             <a:endParaRPr lang="de-DE" dirty="0"/>
           </a:p>
@@ -25123,7 +27804,7 @@
           <p:nvPr/>
         </p:nvPicPr>
         <p:blipFill>
-          <a:blip r:embed="rId2">
+          <a:blip r:embed="rId2" cstate="print">
             <a:duotone>
               <a:schemeClr val="bg2">
                 <a:shade val="45000"/>
@@ -25171,7 +27852,7 @@
 </p:sld>
 </file>
 
-<file path=ppt/slides/slide44.xml><?xml version="1.0" encoding="utf-8"?>
+<file path=ppt/slides/slide48.xml><?xml version="1.0" encoding="utf-8"?>
 <p:sld xmlns:a="http://schemas.openxmlformats.org/drawingml/2006/main" xmlns:r="http://schemas.openxmlformats.org/officeDocument/2006/relationships" xmlns:p="http://schemas.openxmlformats.org/presentationml/2006/main">
   <p:cSld>
     <p:spTree>
@@ -25236,8 +27917,19 @@
             </a:r>
             <a:r>
               <a:rPr lang="de-DE" dirty="0" smtClean="0"/>
-              <a:t>Beide&gt;&gt;</a:t>
-            </a:r>
+              <a:t>Beide</a:t>
+            </a:r>
+            <a:r>
+              <a:rPr lang="de-DE" dirty="0" smtClean="0"/>
+              <a:t>&gt;&gt;</a:t>
+            </a:r>
+          </a:p>
+          <a:p>
+            <a:r>
+              <a:rPr lang="de-DE" dirty="0" smtClean="0"/>
+              <a:t>Jeden Kurs einzeln</a:t>
+            </a:r>
+            <a:endParaRPr lang="de-DE" dirty="0" smtClean="0"/>
           </a:p>
           <a:p>
             <a:r>
@@ -25255,8 +27947,9 @@
           <a:p>
             <a:r>
               <a:rPr lang="de-DE" dirty="0" smtClean="0"/>
-              <a:t>MSE</a:t>
-            </a:r>
+              <a:t>MSE,…</a:t>
+            </a:r>
+            <a:endParaRPr lang="de-DE" dirty="0" smtClean="0"/>
           </a:p>
           <a:p>
             <a:r>
@@ -25298,7 +27991,8 @@
           <a:p>
             <a:fld id="{7AC709DD-AC18-4FBA-B4E6-46DED743653E}" type="datetime1">
               <a:rPr lang="de-DE" smtClean="0"/>
-              <a:t>06.12.2015</a:t>
+              <a:pPr/>
+              <a:t>09.12.2015</a:t>
             </a:fld>
             <a:endParaRPr lang="de-DE"/>
           </a:p>
@@ -25344,7 +28038,8 @@
           <a:p>
             <a:fld id="{0E226D3C-400E-4353-AAC2-09A0472DC536}" type="slidenum">
               <a:rPr lang="de-DE" smtClean="0"/>
-              <a:t>43</a:t>
+              <a:pPr/>
+              <a:t>47</a:t>
             </a:fld>
             <a:endParaRPr lang="de-DE" dirty="0"/>
           </a:p>
@@ -25370,7 +28065,7 @@
 </p:sld>
 </file>
 
-<file path=ppt/slides/slide45.xml><?xml version="1.0" encoding="utf-8"?>
+<file path=ppt/slides/slide49.xml><?xml version="1.0" encoding="utf-8"?>
 <p:sld xmlns:a="http://schemas.openxmlformats.org/drawingml/2006/main" xmlns:r="http://schemas.openxmlformats.org/officeDocument/2006/relationships" xmlns:p="http://schemas.openxmlformats.org/presentationml/2006/main">
   <p:cSld>
     <p:spTree>
@@ -25404,7 +28099,8 @@
           <a:p>
             <a:fld id="{7AC709DD-AC18-4FBA-B4E6-46DED743653E}" type="datetime1">
               <a:rPr lang="de-DE" smtClean="0"/>
-              <a:t>06.12.2015</a:t>
+              <a:pPr/>
+              <a:t>09.12.2015</a:t>
             </a:fld>
             <a:endParaRPr lang="de-DE"/>
           </a:p>
@@ -25450,7 +28146,8 @@
           <a:p>
             <a:fld id="{0E226D3C-400E-4353-AAC2-09A0472DC536}" type="slidenum">
               <a:rPr lang="de-DE" smtClean="0"/>
-              <a:t>44</a:t>
+              <a:pPr/>
+              <a:t>48</a:t>
             </a:fld>
             <a:endParaRPr lang="de-DE" dirty="0"/>
           </a:p>
@@ -25614,7 +28311,7 @@
           <p:nvPr/>
         </p:nvPicPr>
         <p:blipFill>
-          <a:blip r:embed="rId2">
+          <a:blip r:embed="rId2" cstate="print">
             <a:duotone>
               <a:schemeClr val="bg2">
                 <a:shade val="45000"/>
@@ -25662,7 +28359,7 @@
 </p:sld>
 </file>
 
-<file path=ppt/slides/slide46.xml><?xml version="1.0" encoding="utf-8"?>
+<file path=ppt/slides/slide5.xml><?xml version="1.0" encoding="utf-8"?>
 <p:sld xmlns:a="http://schemas.openxmlformats.org/drawingml/2006/main" xmlns:r="http://schemas.openxmlformats.org/officeDocument/2006/relationships" xmlns:p="http://schemas.openxmlformats.org/presentationml/2006/main">
   <p:cSld>
     <p:spTree>
@@ -25696,6 +28393,220 @@
           <a:p>
             <a:pPr marL="857250" indent="-857250">
               <a:buFont typeface="+mj-lt"/>
+              <a:buAutoNum type="romanUcPeriod"/>
+            </a:pPr>
+            <a:r>
+              <a:rPr lang="de-DE" b="1" dirty="0" smtClean="0"/>
+              <a:t>Motivation</a:t>
+            </a:r>
+            <a:endParaRPr lang="de-DE" b="1" dirty="0"/>
+          </a:p>
+        </p:txBody>
+      </p:sp>
+      <p:sp>
+        <p:nvSpPr>
+          <p:cNvPr id="3" name="Inhaltsplatzhalter 2"/>
+          <p:cNvSpPr>
+            <a:spLocks noGrp="1"/>
+          </p:cNvSpPr>
+          <p:nvPr>
+            <p:ph idx="1"/>
+          </p:nvPr>
+        </p:nvSpPr>
+        <p:spPr/>
+        <p:txBody>
+          <a:bodyPr>
+            <a:normAutofit/>
+          </a:bodyPr>
+          <a:lstStyle/>
+          <a:p>
+            <a:r>
+              <a:rPr lang="de-DE" dirty="0" smtClean="0"/>
+              <a:t>Zweck der Seminararbeit:</a:t>
+            </a:r>
+          </a:p>
+          <a:p>
+            <a:pPr lvl="1"/>
+            <a:r>
+              <a:rPr lang="de-DE" dirty="0" smtClean="0"/>
+              <a:t>Erstellung einer Anwendung  zur Prognose von Börsenkursen mittels KNN.</a:t>
+            </a:r>
+          </a:p>
+          <a:p>
+            <a:pPr lvl="2"/>
+            <a:r>
+              <a:rPr lang="de-DE" dirty="0" smtClean="0"/>
+              <a:t>Fokus : Erlangen eines Grundverständnisses über KNN.</a:t>
+            </a:r>
+          </a:p>
+          <a:p>
+            <a:pPr lvl="2"/>
+            <a:r>
+              <a:rPr lang="de-DE" dirty="0" smtClean="0"/>
+              <a:t>Präzision der Prognosen sollte jedoch nicht vernachlässigt werden.</a:t>
+            </a:r>
+          </a:p>
+          <a:p>
+            <a:pPr lvl="2"/>
+            <a:endParaRPr lang="de-DE" dirty="0"/>
+          </a:p>
+          <a:p>
+            <a:r>
+              <a:rPr lang="de-DE" dirty="0" smtClean="0"/>
+              <a:t>Die Anwendung soll in der Lage sein...</a:t>
+            </a:r>
+          </a:p>
+          <a:p>
+            <a:pPr lvl="1"/>
+            <a:r>
+              <a:rPr lang="de-DE" dirty="0" smtClean="0"/>
+              <a:t>…den zukünftigen Kurs verschiedener Börsen prognostizieren zu können.</a:t>
+            </a:r>
+          </a:p>
+          <a:p>
+            <a:pPr lvl="1"/>
+            <a:r>
+              <a:rPr lang="de-DE" dirty="0" smtClean="0"/>
+              <a:t>…eine genaue statistische Analyse der Prognose liefern.</a:t>
+            </a:r>
+          </a:p>
+          <a:p>
+            <a:pPr lvl="1"/>
+            <a:endParaRPr lang="de-DE" sz="2000" dirty="0"/>
+          </a:p>
+          <a:p>
+            <a:endParaRPr lang="de-DE" dirty="0" smtClean="0"/>
+          </a:p>
+          <a:p>
+            <a:endParaRPr lang="de-DE" dirty="0"/>
+          </a:p>
+        </p:txBody>
+      </p:sp>
+      <p:sp>
+        <p:nvSpPr>
+          <p:cNvPr id="4" name="Datumsplatzhalter 3"/>
+          <p:cNvSpPr>
+            <a:spLocks noGrp="1"/>
+          </p:cNvSpPr>
+          <p:nvPr>
+            <p:ph type="dt" sz="half" idx="10"/>
+          </p:nvPr>
+        </p:nvSpPr>
+        <p:spPr/>
+        <p:txBody>
+          <a:bodyPr/>
+          <a:lstStyle/>
+          <a:p>
+            <a:fld id="{7AC709DD-AC18-4FBA-B4E6-46DED743653E}" type="datetime1">
+              <a:rPr lang="de-DE" smtClean="0"/>
+              <a:pPr/>
+              <a:t>09.12.2015</a:t>
+            </a:fld>
+            <a:endParaRPr lang="de-DE"/>
+          </a:p>
+        </p:txBody>
+      </p:sp>
+      <p:sp>
+        <p:nvSpPr>
+          <p:cNvPr id="5" name="Fußzeilenplatzhalter 4"/>
+          <p:cNvSpPr>
+            <a:spLocks noGrp="1"/>
+          </p:cNvSpPr>
+          <p:nvPr>
+            <p:ph type="ftr" sz="quarter" idx="11"/>
+          </p:nvPr>
+        </p:nvSpPr>
+        <p:spPr/>
+        <p:txBody>
+          <a:bodyPr/>
+          <a:lstStyle/>
+          <a:p>
+            <a:r>
+              <a:rPr lang="de-DE" smtClean="0"/>
+              <a:t>Fakultät Informatik             Sebastian Schötteler &amp; Benedikt Hofrichter</a:t>
+            </a:r>
+            <a:endParaRPr lang="de-DE" dirty="0"/>
+          </a:p>
+        </p:txBody>
+      </p:sp>
+      <p:sp>
+        <p:nvSpPr>
+          <p:cNvPr id="6" name="Foliennummernplatzhalter 5"/>
+          <p:cNvSpPr>
+            <a:spLocks noGrp="1"/>
+          </p:cNvSpPr>
+          <p:nvPr>
+            <p:ph type="sldNum" sz="quarter" idx="12"/>
+          </p:nvPr>
+        </p:nvSpPr>
+        <p:spPr/>
+        <p:txBody>
+          <a:bodyPr/>
+          <a:lstStyle/>
+          <a:p>
+            <a:fld id="{0E226D3C-400E-4353-AAC2-09A0472DC536}" type="slidenum">
+              <a:rPr lang="de-DE" smtClean="0"/>
+              <a:pPr/>
+              <a:t>4</a:t>
+            </a:fld>
+            <a:endParaRPr lang="de-DE" dirty="0"/>
+          </a:p>
+        </p:txBody>
+      </p:sp>
+    </p:spTree>
+    <p:extLst>
+      <p:ext uri="{BB962C8B-B14F-4D97-AF65-F5344CB8AC3E}">
+        <p14:creationId xmlns:p14="http://schemas.microsoft.com/office/powerpoint/2010/main" val="1352399409"/>
+      </p:ext>
+    </p:extLst>
+  </p:cSld>
+  <p:clrMapOvr>
+    <a:masterClrMapping/>
+  </p:clrMapOvr>
+  <p:timing>
+    <p:tnLst>
+      <p:par>
+        <p:cTn id="1" dur="indefinite" restart="never" nodeType="tmRoot"/>
+      </p:par>
+    </p:tnLst>
+  </p:timing>
+</p:sld>
+</file>
+
+<file path=ppt/slides/slide50.xml><?xml version="1.0" encoding="utf-8"?>
+<p:sld xmlns:a="http://schemas.openxmlformats.org/drawingml/2006/main" xmlns:r="http://schemas.openxmlformats.org/officeDocument/2006/relationships" xmlns:p="http://schemas.openxmlformats.org/presentationml/2006/main">
+  <p:cSld>
+    <p:spTree>
+      <p:nvGrpSpPr>
+        <p:cNvPr id="1" name=""/>
+        <p:cNvGrpSpPr/>
+        <p:nvPr/>
+      </p:nvGrpSpPr>
+      <p:grpSpPr>
+        <a:xfrm>
+          <a:off x="0" y="0"/>
+          <a:ext cx="0" cy="0"/>
+          <a:chOff x="0" y="0"/>
+          <a:chExt cx="0" cy="0"/>
+        </a:xfrm>
+      </p:grpSpPr>
+      <p:sp>
+        <p:nvSpPr>
+          <p:cNvPr id="2" name="Titel 1"/>
+          <p:cNvSpPr>
+            <a:spLocks noGrp="1"/>
+          </p:cNvSpPr>
+          <p:nvPr>
+            <p:ph type="title"/>
+          </p:nvPr>
+        </p:nvSpPr>
+        <p:spPr/>
+        <p:txBody>
+          <a:bodyPr/>
+          <a:lstStyle/>
+          <a:p>
+            <a:pPr marL="857250" indent="-857250">
+              <a:buFont typeface="+mj-lt"/>
               <a:buAutoNum type="romanUcPeriod" startAt="9"/>
             </a:pPr>
             <a:r>
@@ -25836,7 +28747,8 @@
           <a:p>
             <a:fld id="{7AC709DD-AC18-4FBA-B4E6-46DED743653E}" type="datetime1">
               <a:rPr lang="de-DE" smtClean="0"/>
-              <a:t>06.12.2015</a:t>
+              <a:pPr/>
+              <a:t>09.12.2015</a:t>
             </a:fld>
             <a:endParaRPr lang="de-DE"/>
           </a:p>
@@ -25882,7 +28794,8 @@
           <a:p>
             <a:fld id="{0E226D3C-400E-4353-AAC2-09A0472DC536}" type="slidenum">
               <a:rPr lang="de-DE" smtClean="0"/>
-              <a:t>45</a:t>
+              <a:pPr/>
+              <a:t>49</a:t>
             </a:fld>
             <a:endParaRPr lang="de-DE" dirty="0"/>
           </a:p>
@@ -25948,7 +28861,7 @@
 </p:sld>
 </file>
 
-<file path=ppt/slides/slide47.xml><?xml version="1.0" encoding="utf-8"?>
+<file path=ppt/slides/slide51.xml><?xml version="1.0" encoding="utf-8"?>
 <p:sld xmlns:a="http://schemas.openxmlformats.org/drawingml/2006/main" xmlns:r="http://schemas.openxmlformats.org/officeDocument/2006/relationships" xmlns:p="http://schemas.openxmlformats.org/presentationml/2006/main">
   <p:cSld>
     <p:spTree>
@@ -26078,7 +28991,8 @@
           <a:p>
             <a:fld id="{7AC709DD-AC18-4FBA-B4E6-46DED743653E}" type="datetime1">
               <a:rPr lang="de-DE" smtClean="0"/>
-              <a:t>06.12.2015</a:t>
+              <a:pPr/>
+              <a:t>09.12.2015</a:t>
             </a:fld>
             <a:endParaRPr lang="de-DE"/>
           </a:p>
@@ -26124,7 +29038,8 @@
           <a:p>
             <a:fld id="{0E226D3C-400E-4353-AAC2-09A0472DC536}" type="slidenum">
               <a:rPr lang="de-DE" smtClean="0"/>
-              <a:t>46</a:t>
+              <a:pPr/>
+              <a:t>50</a:t>
             </a:fld>
             <a:endParaRPr lang="de-DE" dirty="0"/>
           </a:p>
@@ -26150,7 +29065,7 @@
 </p:sld>
 </file>
 
-<file path=ppt/slides/slide48.xml><?xml version="1.0" encoding="utf-8"?>
+<file path=ppt/slides/slide52.xml><?xml version="1.0" encoding="utf-8"?>
 <p:sld xmlns:a="http://schemas.openxmlformats.org/drawingml/2006/main" xmlns:r="http://schemas.openxmlformats.org/officeDocument/2006/relationships" xmlns:p="http://schemas.openxmlformats.org/presentationml/2006/main">
   <p:cSld>
     <p:spTree>
@@ -26213,7 +29128,8 @@
           <a:p>
             <a:fld id="{7AC709DD-AC18-4FBA-B4E6-46DED743653E}" type="datetime1">
               <a:rPr lang="de-DE" smtClean="0"/>
-              <a:t>06.12.2015</a:t>
+              <a:pPr/>
+              <a:t>09.12.2015</a:t>
             </a:fld>
             <a:endParaRPr lang="de-DE"/>
           </a:p>
@@ -26259,7 +29175,8 @@
           <a:p>
             <a:fld id="{0E226D3C-400E-4353-AAC2-09A0472DC536}" type="slidenum">
               <a:rPr lang="de-DE" smtClean="0"/>
-              <a:t>47</a:t>
+              <a:pPr/>
+              <a:t>51</a:t>
             </a:fld>
             <a:endParaRPr lang="de-DE" dirty="0"/>
           </a:p>
@@ -26274,7 +29191,7 @@
           <p:nvPr/>
         </p:nvPicPr>
         <p:blipFill>
-          <a:blip r:embed="rId2">
+          <a:blip r:embed="rId2" cstate="print">
             <a:duotone>
               <a:schemeClr val="bg2">
                 <a:shade val="45000"/>
@@ -26322,218 +29239,6 @@
 </p:sld>
 </file>
 
-<file path=ppt/slides/slide5.xml><?xml version="1.0" encoding="utf-8"?>
-<p:sld xmlns:a="http://schemas.openxmlformats.org/drawingml/2006/main" xmlns:r="http://schemas.openxmlformats.org/officeDocument/2006/relationships" xmlns:p="http://schemas.openxmlformats.org/presentationml/2006/main">
-  <p:cSld>
-    <p:spTree>
-      <p:nvGrpSpPr>
-        <p:cNvPr id="1" name=""/>
-        <p:cNvGrpSpPr/>
-        <p:nvPr/>
-      </p:nvGrpSpPr>
-      <p:grpSpPr>
-        <a:xfrm>
-          <a:off x="0" y="0"/>
-          <a:ext cx="0" cy="0"/>
-          <a:chOff x="0" y="0"/>
-          <a:chExt cx="0" cy="0"/>
-        </a:xfrm>
-      </p:grpSpPr>
-      <p:sp>
-        <p:nvSpPr>
-          <p:cNvPr id="2" name="Titel 1"/>
-          <p:cNvSpPr>
-            <a:spLocks noGrp="1"/>
-          </p:cNvSpPr>
-          <p:nvPr>
-            <p:ph type="title"/>
-          </p:nvPr>
-        </p:nvSpPr>
-        <p:spPr/>
-        <p:txBody>
-          <a:bodyPr/>
-          <a:lstStyle/>
-          <a:p>
-            <a:pPr marL="857250" indent="-857250">
-              <a:buFont typeface="+mj-lt"/>
-              <a:buAutoNum type="romanUcPeriod"/>
-            </a:pPr>
-            <a:r>
-              <a:rPr lang="de-DE" b="1" dirty="0" smtClean="0"/>
-              <a:t>Motivation</a:t>
-            </a:r>
-            <a:endParaRPr lang="de-DE" b="1" dirty="0"/>
-          </a:p>
-        </p:txBody>
-      </p:sp>
-      <p:sp>
-        <p:nvSpPr>
-          <p:cNvPr id="3" name="Inhaltsplatzhalter 2"/>
-          <p:cNvSpPr>
-            <a:spLocks noGrp="1"/>
-          </p:cNvSpPr>
-          <p:nvPr>
-            <p:ph idx="1"/>
-          </p:nvPr>
-        </p:nvSpPr>
-        <p:spPr/>
-        <p:txBody>
-          <a:bodyPr>
-            <a:normAutofit/>
-          </a:bodyPr>
-          <a:lstStyle/>
-          <a:p>
-            <a:r>
-              <a:rPr lang="de-DE" dirty="0" smtClean="0"/>
-              <a:t>Zweck der Seminararbeit:</a:t>
-            </a:r>
-          </a:p>
-          <a:p>
-            <a:pPr lvl="1"/>
-            <a:r>
-              <a:rPr lang="de-DE" dirty="0" smtClean="0"/>
-              <a:t>Erstellung einer Anwendung  zur Prognose von Börsenkursen mittels KNN.</a:t>
-            </a:r>
-          </a:p>
-          <a:p>
-            <a:pPr lvl="2"/>
-            <a:r>
-              <a:rPr lang="de-DE" dirty="0" smtClean="0"/>
-              <a:t>Fokus liegt auf Erlangen eines Grundverständnisses über KNN, nicht auf Präzision.</a:t>
-            </a:r>
-          </a:p>
-          <a:p>
-            <a:pPr lvl="2"/>
-            <a:r>
-              <a:rPr lang="de-DE" dirty="0" smtClean="0"/>
-              <a:t>Präzision der Prognosen sollte jedoch auch nicht vernachlässigt werden.</a:t>
-            </a:r>
-          </a:p>
-          <a:p>
-            <a:pPr lvl="2"/>
-            <a:endParaRPr lang="de-DE" dirty="0"/>
-          </a:p>
-          <a:p>
-            <a:r>
-              <a:rPr lang="de-DE" dirty="0" smtClean="0"/>
-              <a:t>Die Anwendung soll in der Lage sein...</a:t>
-            </a:r>
-          </a:p>
-          <a:p>
-            <a:pPr lvl="1"/>
-            <a:r>
-              <a:rPr lang="de-DE" dirty="0" smtClean="0"/>
-              <a:t>…den zukünftigen Kurs des DAX prognostizieren zu können.</a:t>
-            </a:r>
-          </a:p>
-          <a:p>
-            <a:pPr lvl="1"/>
-            <a:r>
-              <a:rPr lang="de-DE" dirty="0" smtClean="0"/>
-              <a:t>…eine genaue statistische Analyse der Prognose liefern.</a:t>
-            </a:r>
-          </a:p>
-          <a:p>
-            <a:pPr lvl="1"/>
-            <a:endParaRPr lang="de-DE" sz="2000" dirty="0"/>
-          </a:p>
-          <a:p>
-            <a:endParaRPr lang="de-DE" dirty="0" smtClean="0"/>
-          </a:p>
-          <a:p>
-            <a:endParaRPr lang="de-DE" dirty="0"/>
-          </a:p>
-        </p:txBody>
-      </p:sp>
-      <p:sp>
-        <p:nvSpPr>
-          <p:cNvPr id="4" name="Datumsplatzhalter 3"/>
-          <p:cNvSpPr>
-            <a:spLocks noGrp="1"/>
-          </p:cNvSpPr>
-          <p:nvPr>
-            <p:ph type="dt" sz="half" idx="10"/>
-          </p:nvPr>
-        </p:nvSpPr>
-        <p:spPr/>
-        <p:txBody>
-          <a:bodyPr/>
-          <a:lstStyle/>
-          <a:p>
-            <a:fld id="{7AC709DD-AC18-4FBA-B4E6-46DED743653E}" type="datetime1">
-              <a:rPr lang="de-DE" smtClean="0"/>
-              <a:t>06.12.2015</a:t>
-            </a:fld>
-            <a:endParaRPr lang="de-DE"/>
-          </a:p>
-        </p:txBody>
-      </p:sp>
-      <p:sp>
-        <p:nvSpPr>
-          <p:cNvPr id="5" name="Fußzeilenplatzhalter 4"/>
-          <p:cNvSpPr>
-            <a:spLocks noGrp="1"/>
-          </p:cNvSpPr>
-          <p:nvPr>
-            <p:ph type="ftr" sz="quarter" idx="11"/>
-          </p:nvPr>
-        </p:nvSpPr>
-        <p:spPr/>
-        <p:txBody>
-          <a:bodyPr/>
-          <a:lstStyle/>
-          <a:p>
-            <a:r>
-              <a:rPr lang="de-DE" smtClean="0"/>
-              <a:t>Fakultät Informatik             Sebastian Schötteler &amp; Benedikt Hofrichter</a:t>
-            </a:r>
-            <a:endParaRPr lang="de-DE" dirty="0"/>
-          </a:p>
-        </p:txBody>
-      </p:sp>
-      <p:sp>
-        <p:nvSpPr>
-          <p:cNvPr id="6" name="Foliennummernplatzhalter 5"/>
-          <p:cNvSpPr>
-            <a:spLocks noGrp="1"/>
-          </p:cNvSpPr>
-          <p:nvPr>
-            <p:ph type="sldNum" sz="quarter" idx="12"/>
-          </p:nvPr>
-        </p:nvSpPr>
-        <p:spPr/>
-        <p:txBody>
-          <a:bodyPr/>
-          <a:lstStyle/>
-          <a:p>
-            <a:fld id="{0E226D3C-400E-4353-AAC2-09A0472DC536}" type="slidenum">
-              <a:rPr lang="de-DE" smtClean="0"/>
-              <a:t>4</a:t>
-            </a:fld>
-            <a:endParaRPr lang="de-DE" dirty="0"/>
-          </a:p>
-        </p:txBody>
-      </p:sp>
-    </p:spTree>
-    <p:extLst>
-      <p:ext uri="{BB962C8B-B14F-4D97-AF65-F5344CB8AC3E}">
-        <p14:creationId xmlns:p14="http://schemas.microsoft.com/office/powerpoint/2010/main" val="1352399409"/>
-      </p:ext>
-    </p:extLst>
-  </p:cSld>
-  <p:clrMapOvr>
-    <a:masterClrMapping/>
-  </p:clrMapOvr>
-  <p:timing>
-    <p:tnLst>
-      <p:par>
-        <p:cTn id="1" dur="indefinite" restart="never" nodeType="tmRoot"/>
-      </p:par>
-    </p:tnLst>
-  </p:timing>
-</p:sld>
-</file>
-
 <file path=ppt/slides/slide6.xml><?xml version="1.0" encoding="utf-8"?>
 <p:sld xmlns:a="http://schemas.openxmlformats.org/drawingml/2006/main" xmlns:r="http://schemas.openxmlformats.org/officeDocument/2006/relationships" xmlns:p="http://schemas.openxmlformats.org/presentationml/2006/main">
   <p:cSld>
@@ -26568,7 +29273,8 @@
           <a:p>
             <a:fld id="{7AC709DD-AC18-4FBA-B4E6-46DED743653E}" type="datetime1">
               <a:rPr lang="de-DE" smtClean="0"/>
-              <a:t>06.12.2015</a:t>
+              <a:pPr/>
+              <a:t>09.12.2015</a:t>
             </a:fld>
             <a:endParaRPr lang="de-DE"/>
           </a:p>
@@ -26614,6 +29320,7 @@
           <a:p>
             <a:fld id="{0E226D3C-400E-4353-AAC2-09A0472DC536}" type="slidenum">
               <a:rPr lang="de-DE" smtClean="0"/>
+              <a:pPr/>
               <a:t>5</a:t>
             </a:fld>
             <a:endParaRPr lang="de-DE" dirty="0"/>
@@ -26778,7 +29485,7 @@
           <p:nvPr/>
         </p:nvPicPr>
         <p:blipFill>
-          <a:blip r:embed="rId2">
+          <a:blip r:embed="rId2" cstate="print">
             <a:duotone>
               <a:schemeClr val="bg2">
                 <a:shade val="45000"/>
@@ -26910,7 +29617,8 @@
           <a:p>
             <a:fld id="{7AC709DD-AC18-4FBA-B4E6-46DED743653E}" type="datetime1">
               <a:rPr lang="de-DE" smtClean="0"/>
-              <a:t>06.12.2015</a:t>
+              <a:pPr/>
+              <a:t>09.12.2015</a:t>
             </a:fld>
             <a:endParaRPr lang="de-DE"/>
           </a:p>
@@ -26956,6 +29664,7 @@
           <a:p>
             <a:fld id="{0E226D3C-400E-4353-AAC2-09A0472DC536}" type="slidenum">
               <a:rPr lang="de-DE" smtClean="0"/>
+              <a:pPr/>
               <a:t>6</a:t>
             </a:fld>
             <a:endParaRPr lang="de-DE" dirty="0"/>
@@ -27016,7 +29725,8 @@
           <a:p>
             <a:fld id="{7AC709DD-AC18-4FBA-B4E6-46DED743653E}" type="datetime1">
               <a:rPr lang="de-DE" smtClean="0"/>
-              <a:t>06.12.2015</a:t>
+              <a:pPr/>
+              <a:t>09.12.2015</a:t>
             </a:fld>
             <a:endParaRPr lang="de-DE"/>
           </a:p>
@@ -27062,6 +29772,7 @@
           <a:p>
             <a:fld id="{0E226D3C-400E-4353-AAC2-09A0472DC536}" type="slidenum">
               <a:rPr lang="de-DE" smtClean="0"/>
+              <a:pPr/>
               <a:t>7</a:t>
             </a:fld>
             <a:endParaRPr lang="de-DE" dirty="0"/>
@@ -27226,7 +29937,7 @@
           <p:nvPr/>
         </p:nvPicPr>
         <p:blipFill>
-          <a:blip r:embed="rId2">
+          <a:blip r:embed="rId2" cstate="print">
             <a:duotone>
               <a:schemeClr val="bg2">
                 <a:shade val="45000"/>
@@ -27318,115 +30029,431 @@
           </a:p>
         </p:txBody>
       </p:sp>
-      <p:sp>
-        <p:nvSpPr>
-          <p:cNvPr id="3" name="Inhaltsplatzhalter 2"/>
-          <p:cNvSpPr>
-            <a:spLocks noGrp="1"/>
-          </p:cNvSpPr>
-          <p:nvPr>
-            <p:ph idx="1"/>
-          </p:nvPr>
-        </p:nvSpPr>
-        <p:spPr>
-          <a:xfrm>
-            <a:off x="838199" y="1825625"/>
-            <a:ext cx="10602433" cy="4351338"/>
-          </a:xfrm>
-        </p:spPr>
-        <p:txBody>
-          <a:bodyPr/>
-          <a:lstStyle/>
-          <a:p>
-            <a:r>
-              <a:rPr lang="de-DE" dirty="0" smtClean="0"/>
-              <a:t>Netztyp</a:t>
-            </a:r>
-          </a:p>
-          <a:p>
-            <a:pPr lvl="1"/>
-            <a:r>
-              <a:rPr lang="de-DE" dirty="0" smtClean="0"/>
-              <a:t>Heteroassoziative Netze	:</a:t>
-            </a:r>
-            <a:r>
-              <a:rPr lang="de-DE" dirty="0"/>
-              <a:t> </a:t>
-            </a:r>
-          </a:p>
-          <a:p>
-            <a:pPr lvl="2"/>
-            <a:r>
-              <a:rPr lang="de-DE" dirty="0" smtClean="0"/>
-              <a:t>Bilden einen Inputvektor V</a:t>
-            </a:r>
-            <a:r>
-              <a:rPr lang="de-DE" baseline="-25000" dirty="0" smtClean="0"/>
-              <a:t>i</a:t>
-            </a:r>
-            <a:r>
-              <a:rPr lang="de-DE" dirty="0" smtClean="0"/>
-              <a:t> der Länge n auf einen Outputvektor V</a:t>
-            </a:r>
-            <a:r>
-              <a:rPr lang="de-DE" baseline="-25000" dirty="0" smtClean="0"/>
-              <a:t>o </a:t>
-            </a:r>
-            <a:r>
-              <a:rPr lang="de-DE" dirty="0" smtClean="0"/>
-              <a:t>der Länge 1 bis n ab.</a:t>
-            </a:r>
-          </a:p>
-          <a:p>
-            <a:pPr lvl="1"/>
-            <a:r>
-              <a:rPr lang="de-DE" dirty="0" smtClean="0"/>
-              <a:t>Autoassoziative Netze: </a:t>
-            </a:r>
-          </a:p>
-          <a:p>
-            <a:pPr lvl="2"/>
-            <a:r>
-              <a:rPr lang="de-DE" dirty="0" smtClean="0"/>
-              <a:t>Bilden einen Inputvektor </a:t>
-            </a:r>
-            <a:r>
-              <a:rPr lang="de-DE" dirty="0"/>
-              <a:t>V</a:t>
-            </a:r>
-            <a:r>
-              <a:rPr lang="de-DE" baseline="-25000" dirty="0"/>
-              <a:t>i </a:t>
-            </a:r>
-            <a:r>
-              <a:rPr lang="de-DE" baseline="-25000" dirty="0" smtClean="0"/>
-              <a:t> </a:t>
-            </a:r>
-            <a:r>
-              <a:rPr lang="de-DE" dirty="0" smtClean="0"/>
-              <a:t>der Länge n auf einen Outputvektor V</a:t>
-            </a:r>
-            <a:r>
-              <a:rPr lang="de-DE" baseline="-25000" dirty="0" smtClean="0"/>
-              <a:t>o</a:t>
-            </a:r>
-            <a:r>
-              <a:rPr lang="de-DE" dirty="0" smtClean="0"/>
-              <a:t> der gleichen Länge ab.</a:t>
-            </a:r>
-          </a:p>
-          <a:p>
-            <a:pPr lvl="2"/>
-            <a:endParaRPr lang="de-DE" dirty="0"/>
-          </a:p>
-          <a:p>
-            <a:pPr marL="914400" lvl="2" indent="0">
-              <a:buNone/>
-            </a:pPr>
-            <a:endParaRPr lang="de-DE" dirty="0" smtClean="0"/>
-          </a:p>
-        </p:txBody>
-      </p:sp>
+      <mc:AlternateContent xmlns:mc="http://schemas.openxmlformats.org/markup-compatibility/2006">
+        <mc:Choice xmlns:a14="http://schemas.microsoft.com/office/drawing/2010/main" Requires="a14">
+          <p:sp>
+            <p:nvSpPr>
+              <p:cNvPr id="3" name="Inhaltsplatzhalter 2"/>
+              <p:cNvSpPr>
+                <a:spLocks noGrp="1"/>
+              </p:cNvSpPr>
+              <p:nvPr>
+                <p:ph idx="1"/>
+              </p:nvPr>
+            </p:nvSpPr>
+            <p:spPr>
+              <a:xfrm>
+                <a:off x="838199" y="1825625"/>
+                <a:ext cx="10602433" cy="4351338"/>
+              </a:xfrm>
+            </p:spPr>
+            <p:txBody>
+              <a:bodyPr/>
+              <a:lstStyle/>
+              <a:p>
+                <a:r>
+                  <a:rPr lang="de-DE" dirty="0" smtClean="0"/>
+                  <a:t>Netztyp</a:t>
+                </a:r>
+              </a:p>
+              <a:p>
+                <a:pPr lvl="1"/>
+                <a:r>
+                  <a:rPr lang="de-DE" dirty="0" smtClean="0"/>
+                  <a:t>Heteroassoziative Netze	:</a:t>
+                </a:r>
+                <a:r>
+                  <a:rPr lang="de-DE" dirty="0"/>
+                  <a:t> </a:t>
+                </a:r>
+                <a:endParaRPr lang="de-DE" dirty="0" smtClean="0"/>
+              </a:p>
+              <a:p>
+                <a:pPr lvl="2"/>
+                <a14:m>
+                  <m:oMath xmlns:m="http://schemas.openxmlformats.org/officeDocument/2006/math">
+                    <m:acc>
+                      <m:accPr>
+                        <m:chr m:val="⃗"/>
+                        <m:ctrlPr>
+                          <a:rPr lang="de-DE" i="1" smtClean="0">
+                            <a:latin typeface="Cambria Math"/>
+                          </a:rPr>
+                        </m:ctrlPr>
+                      </m:accPr>
+                      <m:e>
+                        <m:sSub>
+                          <m:sSubPr>
+                            <m:ctrlPr>
+                              <a:rPr lang="de-DE" b="0" i="1" smtClean="0">
+                                <a:latin typeface="Cambria Math"/>
+                              </a:rPr>
+                            </m:ctrlPr>
+                          </m:sSubPr>
+                          <m:e>
+                            <m:r>
+                              <a:rPr lang="de-DE" b="0" i="1" smtClean="0">
+                                <a:latin typeface="Cambria Math"/>
+                              </a:rPr>
+                              <m:t>𝑉</m:t>
+                            </m:r>
+                          </m:e>
+                          <m:sub>
+                            <m:r>
+                              <a:rPr lang="de-DE" b="0" i="1" smtClean="0">
+                                <a:latin typeface="Cambria Math"/>
+                              </a:rPr>
+                              <m:t>𝑖</m:t>
+                            </m:r>
+                          </m:sub>
+                        </m:sSub>
+                      </m:e>
+                    </m:acc>
+                    <m:r>
+                      <a:rPr lang="de-DE" b="0" i="1" smtClean="0">
+                        <a:latin typeface="Cambria Math"/>
+                      </a:rPr>
+                      <m:t> </m:t>
+                    </m:r>
+                    <m:d>
+                      <m:dPr>
+                        <m:ctrlPr>
+                          <a:rPr lang="de-DE" b="0" i="1" smtClean="0">
+                            <a:latin typeface="Cambria Math"/>
+                          </a:rPr>
+                        </m:ctrlPr>
+                      </m:dPr>
+                      <m:e>
+                        <m:r>
+                          <a:rPr lang="de-DE" b="0" i="1" smtClean="0">
+                            <a:latin typeface="Cambria Math"/>
+                          </a:rPr>
+                          <m:t>1,…,</m:t>
+                        </m:r>
+                        <m:r>
+                          <a:rPr lang="de-DE" b="0" i="1" smtClean="0">
+                            <a:latin typeface="Cambria Math"/>
+                          </a:rPr>
+                          <m:t>𝑛</m:t>
+                        </m:r>
+                      </m:e>
+                    </m:d>
+                    <m:r>
+                      <a:rPr lang="de-DE" b="0" i="1" smtClean="0">
+                        <a:latin typeface="Cambria Math"/>
+                        <a:ea typeface="Cambria Math"/>
+                      </a:rPr>
+                      <m:t>→</m:t>
+                    </m:r>
+                    <m:acc>
+                      <m:accPr>
+                        <m:chr m:val="⃗"/>
+                        <m:ctrlPr>
+                          <a:rPr lang="de-DE" i="1">
+                            <a:latin typeface="Cambria Math"/>
+                          </a:rPr>
+                        </m:ctrlPr>
+                      </m:accPr>
+                      <m:e>
+                        <m:sSub>
+                          <m:sSubPr>
+                            <m:ctrlPr>
+                              <a:rPr lang="de-DE" i="1">
+                                <a:latin typeface="Cambria Math"/>
+                              </a:rPr>
+                            </m:ctrlPr>
+                          </m:sSubPr>
+                          <m:e>
+                            <m:r>
+                              <a:rPr lang="de-DE" i="1">
+                                <a:latin typeface="Cambria Math"/>
+                              </a:rPr>
+                              <m:t>𝑉</m:t>
+                            </m:r>
+                          </m:e>
+                          <m:sub>
+                            <m:r>
+                              <a:rPr lang="de-DE" b="0" i="1" smtClean="0">
+                                <a:latin typeface="Cambria Math"/>
+                              </a:rPr>
+                              <m:t>𝑜</m:t>
+                            </m:r>
+                          </m:sub>
+                        </m:sSub>
+                      </m:e>
+                    </m:acc>
+                    <m:r>
+                      <a:rPr lang="de-DE" b="0" i="1" smtClean="0">
+                        <a:latin typeface="Cambria Math"/>
+                      </a:rPr>
+                      <m:t> </m:t>
+                    </m:r>
+                    <m:d>
+                      <m:dPr>
+                        <m:ctrlPr>
+                          <a:rPr lang="de-DE" b="0" i="1" smtClean="0">
+                            <a:latin typeface="Cambria Math"/>
+                          </a:rPr>
+                        </m:ctrlPr>
+                      </m:dPr>
+                      <m:e>
+                        <m:r>
+                          <a:rPr lang="de-DE" b="0" i="1" smtClean="0">
+                            <a:latin typeface="Cambria Math"/>
+                          </a:rPr>
+                          <m:t>1,…,</m:t>
+                        </m:r>
+                        <m:r>
+                          <a:rPr lang="de-DE" b="0" i="1" smtClean="0">
+                            <a:latin typeface="Cambria Math"/>
+                          </a:rPr>
+                          <m:t>𝑘</m:t>
+                        </m:r>
+                      </m:e>
+                    </m:d>
+                    <m:r>
+                      <a:rPr lang="de-DE" b="0" i="1" smtClean="0">
+                        <a:latin typeface="Cambria Math"/>
+                      </a:rPr>
+                      <m:t>;</m:t>
+                    </m:r>
+                    <m:r>
+                      <a:rPr lang="de-DE" b="0" i="1" smtClean="0">
+                        <a:latin typeface="Cambria Math"/>
+                      </a:rPr>
+                      <m:t>𝑘</m:t>
+                    </m:r>
+                    <m:r>
+                      <a:rPr lang="de-DE" b="0" i="1" smtClean="0">
+                        <a:latin typeface="Cambria Math"/>
+                      </a:rPr>
+                      <m:t>≤</m:t>
+                    </m:r>
+                    <m:r>
+                      <a:rPr lang="de-DE" b="0" i="1" smtClean="0">
+                        <a:latin typeface="Cambria Math"/>
+                      </a:rPr>
+                      <m:t>𝑛</m:t>
+                    </m:r>
+                  </m:oMath>
+                </a14:m>
+                <a:endParaRPr lang="de-DE" dirty="0"/>
+              </a:p>
+              <a:p>
+                <a:pPr lvl="1"/>
+                <a:r>
+                  <a:rPr lang="de-DE" dirty="0" smtClean="0"/>
+                  <a:t>Autoassoziative </a:t>
+                </a:r>
+                <a:r>
+                  <a:rPr lang="de-DE" dirty="0" smtClean="0"/>
+                  <a:t>Netze: </a:t>
+                </a:r>
+              </a:p>
+              <a:p>
+                <a:pPr lvl="2"/>
+                <a14:m>
+                  <m:oMath xmlns:m="http://schemas.openxmlformats.org/officeDocument/2006/math">
+                    <m:acc>
+                      <m:accPr>
+                        <m:chr m:val="⃗"/>
+                        <m:ctrlPr>
+                          <a:rPr lang="de-DE" i="1">
+                            <a:latin typeface="Cambria Math"/>
+                          </a:rPr>
+                        </m:ctrlPr>
+                      </m:accPr>
+                      <m:e>
+                        <m:sSub>
+                          <m:sSubPr>
+                            <m:ctrlPr>
+                              <a:rPr lang="de-DE" i="1">
+                                <a:latin typeface="Cambria Math"/>
+                              </a:rPr>
+                            </m:ctrlPr>
+                          </m:sSubPr>
+                          <m:e>
+                            <m:r>
+                              <a:rPr lang="de-DE" i="1">
+                                <a:latin typeface="Cambria Math"/>
+                              </a:rPr>
+                              <m:t>𝑉</m:t>
+                            </m:r>
+                          </m:e>
+                          <m:sub>
+                            <m:r>
+                              <a:rPr lang="de-DE" i="1">
+                                <a:latin typeface="Cambria Math"/>
+                              </a:rPr>
+                              <m:t>𝑖</m:t>
+                            </m:r>
+                          </m:sub>
+                        </m:sSub>
+                      </m:e>
+                    </m:acc>
+                    <m:r>
+                      <a:rPr lang="de-DE" i="1">
+                        <a:latin typeface="Cambria Math"/>
+                      </a:rPr>
+                      <m:t> </m:t>
+                    </m:r>
+                    <m:d>
+                      <m:dPr>
+                        <m:ctrlPr>
+                          <a:rPr lang="de-DE" i="1">
+                            <a:latin typeface="Cambria Math"/>
+                          </a:rPr>
+                        </m:ctrlPr>
+                      </m:dPr>
+                      <m:e>
+                        <m:r>
+                          <a:rPr lang="de-DE" i="1">
+                            <a:latin typeface="Cambria Math"/>
+                          </a:rPr>
+                          <m:t>1,…,</m:t>
+                        </m:r>
+                        <m:r>
+                          <a:rPr lang="de-DE" i="1">
+                            <a:latin typeface="Cambria Math"/>
+                          </a:rPr>
+                          <m:t>𝑛</m:t>
+                        </m:r>
+                      </m:e>
+                    </m:d>
+                    <m:r>
+                      <a:rPr lang="de-DE" i="1">
+                        <a:latin typeface="Cambria Math"/>
+                        <a:ea typeface="Cambria Math"/>
+                      </a:rPr>
+                      <m:t>→</m:t>
+                    </m:r>
+                    <m:acc>
+                      <m:accPr>
+                        <m:chr m:val="⃗"/>
+                        <m:ctrlPr>
+                          <a:rPr lang="de-DE" i="1">
+                            <a:latin typeface="Cambria Math"/>
+                          </a:rPr>
+                        </m:ctrlPr>
+                      </m:accPr>
+                      <m:e>
+                        <m:sSub>
+                          <m:sSubPr>
+                            <m:ctrlPr>
+                              <a:rPr lang="de-DE" i="1">
+                                <a:latin typeface="Cambria Math"/>
+                              </a:rPr>
+                            </m:ctrlPr>
+                          </m:sSubPr>
+                          <m:e>
+                            <m:r>
+                              <a:rPr lang="de-DE" i="1">
+                                <a:latin typeface="Cambria Math"/>
+                              </a:rPr>
+                              <m:t>𝑉</m:t>
+                            </m:r>
+                          </m:e>
+                          <m:sub>
+                            <m:r>
+                              <a:rPr lang="de-DE" i="1">
+                                <a:latin typeface="Cambria Math"/>
+                              </a:rPr>
+                              <m:t>𝑜</m:t>
+                            </m:r>
+                          </m:sub>
+                        </m:sSub>
+                      </m:e>
+                    </m:acc>
+                    <m:r>
+                      <a:rPr lang="de-DE" i="1">
+                        <a:latin typeface="Cambria Math"/>
+                      </a:rPr>
+                      <m:t> </m:t>
+                    </m:r>
+                    <m:d>
+                      <m:dPr>
+                        <m:ctrlPr>
+                          <a:rPr lang="de-DE" i="1">
+                            <a:latin typeface="Cambria Math"/>
+                          </a:rPr>
+                        </m:ctrlPr>
+                      </m:dPr>
+                      <m:e>
+                        <m:r>
+                          <a:rPr lang="de-DE" i="1">
+                            <a:latin typeface="Cambria Math"/>
+                          </a:rPr>
+                          <m:t>1,…,</m:t>
+                        </m:r>
+                        <m:r>
+                          <a:rPr lang="de-DE" b="0" i="1" smtClean="0">
+                            <a:latin typeface="Cambria Math"/>
+                          </a:rPr>
+                          <m:t>𝑛</m:t>
+                        </m:r>
+                      </m:e>
+                    </m:d>
+                  </m:oMath>
+                </a14:m>
+                <a:endParaRPr lang="de-DE" dirty="0"/>
+              </a:p>
+              <a:p>
+                <a:pPr marL="914400" lvl="2" indent="0">
+                  <a:buNone/>
+                </a:pPr>
+                <a:endParaRPr lang="de-DE" dirty="0" smtClean="0"/>
+              </a:p>
+              <a:p>
+                <a:pPr lvl="2"/>
+                <a:endParaRPr lang="de-DE" dirty="0"/>
+              </a:p>
+              <a:p>
+                <a:pPr marL="914400" lvl="2" indent="0">
+                  <a:buNone/>
+                </a:pPr>
+                <a:endParaRPr lang="de-DE" dirty="0" smtClean="0"/>
+              </a:p>
+            </p:txBody>
+          </p:sp>
+        </mc:Choice>
+        <mc:Fallback>
+          <p:sp>
+            <p:nvSpPr>
+              <p:cNvPr id="3" name="Inhaltsplatzhalter 2"/>
+              <p:cNvSpPr>
+                <a:spLocks noGrp="1" noRot="1" noChangeAspect="1" noMove="1" noResize="1" noEditPoints="1" noAdjustHandles="1" noChangeArrowheads="1" noChangeShapeType="1" noTextEdit="1"/>
+              </p:cNvSpPr>
+              <p:nvPr>
+                <p:ph idx="1"/>
+              </p:nvPr>
+            </p:nvSpPr>
+            <p:spPr>
+              <a:xfrm>
+                <a:off x="838199" y="1825625"/>
+                <a:ext cx="10602433" cy="4351338"/>
+              </a:xfrm>
+              <a:blipFill rotWithShape="1">
+                <a:blip r:embed="rId2"/>
+                <a:stretch>
+                  <a:fillRect l="-977" t="-2241"/>
+                </a:stretch>
+              </a:blipFill>
+            </p:spPr>
+            <p:txBody>
+              <a:bodyPr/>
+              <a:lstStyle/>
+              <a:p>
+                <a:r>
+                  <a:rPr lang="de-DE">
+                    <a:noFill/>
+                  </a:rPr>
+                  <a:t> </a:t>
+                </a:r>
+              </a:p>
+            </p:txBody>
+          </p:sp>
+        </mc:Fallback>
+      </mc:AlternateContent>
       <p:sp>
         <p:nvSpPr>
           <p:cNvPr id="4" name="Datumsplatzhalter 3"/>
@@ -27444,7 +30471,8 @@
           <a:p>
             <a:fld id="{7AC709DD-AC18-4FBA-B4E6-46DED743653E}" type="datetime1">
               <a:rPr lang="de-DE" smtClean="0"/>
-              <a:t>06.12.2015</a:t>
+              <a:pPr/>
+              <a:t>09.12.2015</a:t>
             </a:fld>
             <a:endParaRPr lang="de-DE"/>
           </a:p>
@@ -27490,6 +30518,7 @@
           <a:p>
             <a:fld id="{0E226D3C-400E-4353-AAC2-09A0472DC536}" type="slidenum">
               <a:rPr lang="de-DE" smtClean="0"/>
+              <a:pPr/>
               <a:t>8</a:t>
             </a:fld>
             <a:endParaRPr lang="de-DE" dirty="0"/>
@@ -28121,7 +31150,7 @@
     </a:clrScheme>
     <a:fontScheme name="Larissa">
       <a:majorFont>
-        <a:latin typeface="Calibri Light" panose="020F0302020204030204"/>
+        <a:latin typeface="Calibri Light"/>
         <a:ea typeface=""/>
         <a:cs typeface=""/>
         <a:font script="Jpan" typeface="ＭＳ Ｐゴシック"/>
@@ -28156,7 +31185,7 @@
         <a:font script="Geor" typeface="Sylfaen"/>
       </a:majorFont>
       <a:minorFont>
-        <a:latin typeface="Calibri" panose="020F0502020204030204"/>
+        <a:latin typeface="Calibri"/>
         <a:ea typeface=""/>
         <a:cs typeface=""/>
         <a:font script="Jpan" typeface="ＭＳ Ｐゴシック"/>
@@ -28333,7 +31362,7 @@
   <a:extraClrSchemeLst/>
   <a:extLst>
     <a:ext uri="{05A4C25C-085E-4340-85A3-A5531E510DB2}">
-      <thm15:themeFamily xmlns:thm15="http://schemas.microsoft.com/office/thememl/2012/main" name="Office Theme" id="{62F939B6-93AF-4DB8-9C6B-D6C7DFDC589F}" vid="{4A3C46E8-61CC-4603-A589-7422A47A8E4A}"/>
+      <thm15:themeFamily xmlns="" xmlns:thm15="http://schemas.microsoft.com/office/thememl/2012/main" name="Office Theme" id="{62F939B6-93AF-4DB8-9C6B-D6C7DFDC589F}" vid="{4A3C46E8-61CC-4603-A589-7422A47A8E4A}"/>
     </a:ext>
   </a:extLst>
 </a:theme>
@@ -28382,7 +31411,7 @@
     </a:clrScheme>
     <a:fontScheme name="Larissa">
       <a:majorFont>
-        <a:latin typeface="Calibri Light" panose="020F0302020204030204"/>
+        <a:latin typeface="Calibri Light"/>
         <a:ea typeface=""/>
         <a:cs typeface=""/>
         <a:font script="Jpan" typeface="ＭＳ Ｐゴシック"/>
@@ -28417,7 +31446,7 @@
         <a:font script="Geor" typeface="Sylfaen"/>
       </a:majorFont>
       <a:minorFont>
-        <a:latin typeface="Calibri" panose="020F0502020204030204"/>
+        <a:latin typeface="Calibri"/>
         <a:ea typeface=""/>
         <a:cs typeface=""/>
         <a:font script="Jpan" typeface="ＭＳ Ｐゴシック"/>
@@ -28594,7 +31623,7 @@
   <a:extraClrSchemeLst/>
   <a:extLst>
     <a:ext uri="{05A4C25C-085E-4340-85A3-A5531E510DB2}">
-      <thm15:themeFamily xmlns:thm15="http://schemas.microsoft.com/office/thememl/2012/main" name="Office Theme" id="{62F939B6-93AF-4DB8-9C6B-D6C7DFDC589F}" vid="{4A3C46E8-61CC-4603-A589-7422A47A8E4A}"/>
+      <thm15:themeFamily xmlns="" xmlns:thm15="http://schemas.microsoft.com/office/thememl/2012/main" name="Office Theme" id="{62F939B6-93AF-4DB8-9C6B-D6C7DFDC589F}" vid="{4A3C46E8-61CC-4603-A589-7422A47A8E4A}"/>
     </a:ext>
   </a:extLst>
 </a:theme>

--- a/3b) Vortrag/Präsentation.pptx
+++ b/3b) Vortrag/Präsentation.pptx
@@ -1208,318 +1208,6 @@
       <dsp:cNvGrpSpPr/>
     </dsp:nvGrpSpPr>
     <dsp:grpSpPr/>
-    <dsp:sp modelId="{53E4825B-3D66-406A-9713-5BB390890124}">
-      <dsp:nvSpPr>
-        <dsp:cNvPr id="0" name=""/>
-        <dsp:cNvSpPr/>
-      </dsp:nvSpPr>
-      <dsp:spPr>
-        <a:xfrm>
-          <a:off x="2590" y="2343975"/>
-          <a:ext cx="2885457" cy="1154182"/>
-        </a:xfrm>
-        <a:prstGeom prst="chevron">
-          <a:avLst/>
-        </a:prstGeom>
-        <a:solidFill>
-          <a:schemeClr val="accent3">
-            <a:hueOff val="0"/>
-            <a:satOff val="0"/>
-            <a:lumOff val="0"/>
-            <a:alphaOff val="0"/>
-          </a:schemeClr>
-        </a:solidFill>
-        <a:ln w="12700" cap="flat" cmpd="sng" algn="ctr">
-          <a:solidFill>
-            <a:schemeClr val="lt1">
-              <a:hueOff val="0"/>
-              <a:satOff val="0"/>
-              <a:lumOff val="0"/>
-              <a:alphaOff val="0"/>
-            </a:schemeClr>
-          </a:solidFill>
-          <a:prstDash val="solid"/>
-          <a:miter lim="800000"/>
-        </a:ln>
-        <a:effectLst/>
-      </dsp:spPr>
-      <dsp:style>
-        <a:lnRef idx="2">
-          <a:scrgbClr r="0" g="0" b="0"/>
-        </a:lnRef>
-        <a:fillRef idx="1">
-          <a:scrgbClr r="0" g="0" b="0"/>
-        </a:fillRef>
-        <a:effectRef idx="0">
-          <a:scrgbClr r="0" g="0" b="0"/>
-        </a:effectRef>
-        <a:fontRef idx="minor">
-          <a:schemeClr val="lt1"/>
-        </a:fontRef>
-      </dsp:style>
-      <dsp:txBody>
-        <a:bodyPr spcFirstLastPara="0" vert="horz" wrap="square" lIns="76010" tIns="25337" rIns="25337" bIns="25337" numCol="1" spcCol="1270" anchor="ctr" anchorCtr="0">
-          <a:noAutofit/>
-        </a:bodyPr>
-        <a:lstStyle/>
-        <a:p>
-          <a:pPr lvl="0" algn="ctr" defTabSz="844550">
-            <a:lnSpc>
-              <a:spcPct val="90000"/>
-            </a:lnSpc>
-            <a:spcBef>
-              <a:spcPct val="0"/>
-            </a:spcBef>
-            <a:spcAft>
-              <a:spcPct val="35000"/>
-            </a:spcAft>
-          </a:pPr>
-          <a:r>
-            <a:rPr lang="de-DE" sz="1900" kern="1200" dirty="0" smtClean="0"/>
-            <a:t>Topologie</a:t>
-          </a:r>
-          <a:endParaRPr lang="de-DE" sz="1900" kern="1200" dirty="0"/>
-        </a:p>
-      </dsp:txBody>
-      <dsp:txXfrm>
-        <a:off x="579681" y="2343975"/>
-        <a:ext cx="1731275" cy="1154182"/>
-      </dsp:txXfrm>
-    </dsp:sp>
-    <dsp:sp modelId="{6D6BD3B1-FDF8-44BB-99F4-33A9A894F98B}">
-      <dsp:nvSpPr>
-        <dsp:cNvPr id="0" name=""/>
-        <dsp:cNvSpPr/>
-      </dsp:nvSpPr>
-      <dsp:spPr>
-        <a:xfrm>
-          <a:off x="2601868" y="2336069"/>
-          <a:ext cx="2885457" cy="1154182"/>
-        </a:xfrm>
-        <a:prstGeom prst="chevron">
-          <a:avLst/>
-        </a:prstGeom>
-        <a:solidFill>
-          <a:schemeClr val="accent3">
-            <a:hueOff val="0"/>
-            <a:satOff val="0"/>
-            <a:lumOff val="0"/>
-            <a:alphaOff val="0"/>
-          </a:schemeClr>
-        </a:solidFill>
-        <a:ln w="12700" cap="flat" cmpd="sng" algn="ctr">
-          <a:solidFill>
-            <a:schemeClr val="lt1">
-              <a:hueOff val="0"/>
-              <a:satOff val="0"/>
-              <a:lumOff val="0"/>
-              <a:alphaOff val="0"/>
-            </a:schemeClr>
-          </a:solidFill>
-          <a:prstDash val="solid"/>
-          <a:miter lim="800000"/>
-        </a:ln>
-        <a:effectLst/>
-      </dsp:spPr>
-      <dsp:style>
-        <a:lnRef idx="2">
-          <a:scrgbClr r="0" g="0" b="0"/>
-        </a:lnRef>
-        <a:fillRef idx="1">
-          <a:scrgbClr r="0" g="0" b="0"/>
-        </a:fillRef>
-        <a:effectRef idx="0">
-          <a:scrgbClr r="0" g="0" b="0"/>
-        </a:effectRef>
-        <a:fontRef idx="minor">
-          <a:schemeClr val="lt1"/>
-        </a:fontRef>
-      </dsp:style>
-      <dsp:txBody>
-        <a:bodyPr spcFirstLastPara="0" vert="horz" wrap="square" lIns="76010" tIns="25337" rIns="25337" bIns="25337" numCol="1" spcCol="1270" anchor="ctr" anchorCtr="0">
-          <a:noAutofit/>
-        </a:bodyPr>
-        <a:lstStyle/>
-        <a:p>
-          <a:pPr lvl="0" algn="ctr" defTabSz="844550">
-            <a:lnSpc>
-              <a:spcPct val="90000"/>
-            </a:lnSpc>
-            <a:spcBef>
-              <a:spcPct val="0"/>
-            </a:spcBef>
-            <a:spcAft>
-              <a:spcPct val="35000"/>
-            </a:spcAft>
-          </a:pPr>
-          <a:r>
-            <a:rPr lang="de-DE" sz="1900" kern="1200" dirty="0" smtClean="0"/>
-            <a:t>Transferfunktion</a:t>
-          </a:r>
-          <a:endParaRPr lang="de-DE" sz="1900" kern="1200" dirty="0"/>
-        </a:p>
-      </dsp:txBody>
-      <dsp:txXfrm>
-        <a:off x="3178959" y="2336069"/>
-        <a:ext cx="1731275" cy="1154182"/>
-      </dsp:txXfrm>
-    </dsp:sp>
-    <dsp:sp modelId="{1759F37C-CE72-40A5-B310-ECFA8240AA69}">
-      <dsp:nvSpPr>
-        <dsp:cNvPr id="0" name=""/>
-        <dsp:cNvSpPr/>
-      </dsp:nvSpPr>
-      <dsp:spPr>
-        <a:xfrm>
-          <a:off x="5198779" y="2336069"/>
-          <a:ext cx="2885457" cy="1154182"/>
-        </a:xfrm>
-        <a:prstGeom prst="chevron">
-          <a:avLst/>
-        </a:prstGeom>
-        <a:solidFill>
-          <a:schemeClr val="accent3">
-            <a:hueOff val="0"/>
-            <a:satOff val="0"/>
-            <a:lumOff val="0"/>
-            <a:alphaOff val="0"/>
-          </a:schemeClr>
-        </a:solidFill>
-        <a:ln w="12700" cap="flat" cmpd="sng" algn="ctr">
-          <a:solidFill>
-            <a:schemeClr val="lt1">
-              <a:hueOff val="0"/>
-              <a:satOff val="0"/>
-              <a:lumOff val="0"/>
-              <a:alphaOff val="0"/>
-            </a:schemeClr>
-          </a:solidFill>
-          <a:prstDash val="solid"/>
-          <a:miter lim="800000"/>
-        </a:ln>
-        <a:effectLst/>
-      </dsp:spPr>
-      <dsp:style>
-        <a:lnRef idx="2">
-          <a:scrgbClr r="0" g="0" b="0"/>
-        </a:lnRef>
-        <a:fillRef idx="1">
-          <a:scrgbClr r="0" g="0" b="0"/>
-        </a:fillRef>
-        <a:effectRef idx="0">
-          <a:scrgbClr r="0" g="0" b="0"/>
-        </a:effectRef>
-        <a:fontRef idx="minor">
-          <a:schemeClr val="lt1"/>
-        </a:fontRef>
-      </dsp:style>
-      <dsp:txBody>
-        <a:bodyPr spcFirstLastPara="0" vert="horz" wrap="square" lIns="76010" tIns="25337" rIns="25337" bIns="25337" numCol="1" spcCol="1270" anchor="ctr" anchorCtr="0">
-          <a:noAutofit/>
-        </a:bodyPr>
-        <a:lstStyle/>
-        <a:p>
-          <a:pPr lvl="0" algn="ctr" defTabSz="844550">
-            <a:lnSpc>
-              <a:spcPct val="90000"/>
-            </a:lnSpc>
-            <a:spcBef>
-              <a:spcPct val="0"/>
-            </a:spcBef>
-            <a:spcAft>
-              <a:spcPct val="35000"/>
-            </a:spcAft>
-          </a:pPr>
-          <a:r>
-            <a:rPr lang="de-DE" sz="1900" kern="1200" dirty="0" smtClean="0"/>
-            <a:t>Lernregel</a:t>
-          </a:r>
-          <a:endParaRPr lang="de-DE" sz="1900" kern="1200" dirty="0"/>
-        </a:p>
-      </dsp:txBody>
-      <dsp:txXfrm>
-        <a:off x="5775870" y="2336069"/>
-        <a:ext cx="1731275" cy="1154182"/>
-      </dsp:txXfrm>
-    </dsp:sp>
-    <dsp:sp modelId="{2560545F-FA28-42DD-8D58-823658F4E513}">
-      <dsp:nvSpPr>
-        <dsp:cNvPr id="0" name=""/>
-        <dsp:cNvSpPr/>
-      </dsp:nvSpPr>
-      <dsp:spPr>
-        <a:xfrm>
-          <a:off x="7795691" y="2336069"/>
-          <a:ext cx="2885457" cy="1154182"/>
-        </a:xfrm>
-        <a:prstGeom prst="chevron">
-          <a:avLst/>
-        </a:prstGeom>
-        <a:solidFill>
-          <a:schemeClr val="accent3">
-            <a:hueOff val="0"/>
-            <a:satOff val="0"/>
-            <a:lumOff val="0"/>
-            <a:alphaOff val="0"/>
-          </a:schemeClr>
-        </a:solidFill>
-        <a:ln w="12700" cap="flat" cmpd="sng" algn="ctr">
-          <a:solidFill>
-            <a:schemeClr val="lt1">
-              <a:hueOff val="0"/>
-              <a:satOff val="0"/>
-              <a:lumOff val="0"/>
-              <a:alphaOff val="0"/>
-            </a:schemeClr>
-          </a:solidFill>
-          <a:prstDash val="solid"/>
-          <a:miter lim="800000"/>
-        </a:ln>
-        <a:effectLst/>
-      </dsp:spPr>
-      <dsp:style>
-        <a:lnRef idx="2">
-          <a:scrgbClr r="0" g="0" b="0"/>
-        </a:lnRef>
-        <a:fillRef idx="1">
-          <a:scrgbClr r="0" g="0" b="0"/>
-        </a:fillRef>
-        <a:effectRef idx="0">
-          <a:scrgbClr r="0" g="0" b="0"/>
-        </a:effectRef>
-        <a:fontRef idx="minor">
-          <a:schemeClr val="lt1"/>
-        </a:fontRef>
-      </dsp:style>
-      <dsp:txBody>
-        <a:bodyPr spcFirstLastPara="0" vert="horz" wrap="square" lIns="76010" tIns="25337" rIns="25337" bIns="25337" numCol="1" spcCol="1270" anchor="ctr" anchorCtr="0">
-          <a:noAutofit/>
-        </a:bodyPr>
-        <a:lstStyle/>
-        <a:p>
-          <a:pPr lvl="0" algn="ctr" defTabSz="844550">
-            <a:lnSpc>
-              <a:spcPct val="90000"/>
-            </a:lnSpc>
-            <a:spcBef>
-              <a:spcPct val="0"/>
-            </a:spcBef>
-            <a:spcAft>
-              <a:spcPct val="35000"/>
-            </a:spcAft>
-          </a:pPr>
-          <a:r>
-            <a:rPr lang="de-DE" sz="1900" kern="1200" dirty="0" smtClean="0"/>
-            <a:t>Lernrate</a:t>
-          </a:r>
-          <a:endParaRPr lang="de-DE" sz="1900" kern="1200" dirty="0"/>
-        </a:p>
-      </dsp:txBody>
-      <dsp:txXfrm>
-        <a:off x="8372782" y="2336069"/>
-        <a:ext cx="1731275" cy="1154182"/>
-      </dsp:txXfrm>
-    </dsp:sp>
   </dsp:spTree>
 </dsp:drawing>
 </file>
@@ -12290,15 +11978,33 @@
                                   </p:childTnLst>
                                 </p:cTn>
                               </p:par>
+                            </p:childTnLst>
+                          </p:cTn>
+                        </p:par>
+                      </p:childTnLst>
+                    </p:cTn>
+                  </p:par>
+                  <p:par>
+                    <p:cTn id="15" fill="hold">
+                      <p:stCondLst>
+                        <p:cond delay="indefinite"/>
+                      </p:stCondLst>
+                      <p:childTnLst>
+                        <p:par>
+                          <p:cTn id="16" fill="hold">
+                            <p:stCondLst>
+                              <p:cond delay="0"/>
+                            </p:stCondLst>
+                            <p:childTnLst>
                               <p:par>
-                                <p:cTn id="15" presetID="1" presetClass="entr" presetSubtype="0" fill="hold" nodeType="withEffect">
+                                <p:cTn id="17" presetID="1" presetClass="entr" presetSubtype="0" fill="hold" nodeType="clickEffect">
                                   <p:stCondLst>
                                     <p:cond delay="0"/>
                                   </p:stCondLst>
                                   <p:childTnLst>
                                     <p:set>
                                       <p:cBhvr>
-                                        <p:cTn id="16" dur="1" fill="hold">
+                                        <p:cTn id="18" dur="1" fill="hold">
                                           <p:stCondLst>
                                             <p:cond delay="0"/>
                                           </p:stCondLst>
@@ -12321,15 +12027,33 @@
                                   </p:childTnLst>
                                 </p:cTn>
                               </p:par>
+                            </p:childTnLst>
+                          </p:cTn>
+                        </p:par>
+                      </p:childTnLst>
+                    </p:cTn>
+                  </p:par>
+                  <p:par>
+                    <p:cTn id="19" fill="hold">
+                      <p:stCondLst>
+                        <p:cond delay="indefinite"/>
+                      </p:stCondLst>
+                      <p:childTnLst>
+                        <p:par>
+                          <p:cTn id="20" fill="hold">
+                            <p:stCondLst>
+                              <p:cond delay="0"/>
+                            </p:stCondLst>
+                            <p:childTnLst>
                               <p:par>
-                                <p:cTn id="17" presetID="1" presetClass="entr" presetSubtype="0" fill="hold" nodeType="withEffect">
+                                <p:cTn id="21" presetID="1" presetClass="entr" presetSubtype="0" fill="hold" nodeType="clickEffect">
                                   <p:stCondLst>
                                     <p:cond delay="0"/>
                                   </p:stCondLst>
                                   <p:childTnLst>
                                     <p:set>
                                       <p:cBhvr>
-                                        <p:cTn id="18" dur="1" fill="hold">
+                                        <p:cTn id="22" dur="1" fill="hold">
                                           <p:stCondLst>
                                             <p:cond delay="0"/>
                                           </p:stCondLst>
@@ -12352,15 +12076,33 @@
                                   </p:childTnLst>
                                 </p:cTn>
                               </p:par>
+                            </p:childTnLst>
+                          </p:cTn>
+                        </p:par>
+                      </p:childTnLst>
+                    </p:cTn>
+                  </p:par>
+                  <p:par>
+                    <p:cTn id="23" fill="hold">
+                      <p:stCondLst>
+                        <p:cond delay="indefinite"/>
+                      </p:stCondLst>
+                      <p:childTnLst>
+                        <p:par>
+                          <p:cTn id="24" fill="hold">
+                            <p:stCondLst>
+                              <p:cond delay="0"/>
+                            </p:stCondLst>
+                            <p:childTnLst>
                               <p:par>
-                                <p:cTn id="19" presetID="1" presetClass="entr" presetSubtype="0" fill="hold" nodeType="withEffect">
+                                <p:cTn id="25" presetID="1" presetClass="entr" presetSubtype="0" fill="hold" nodeType="clickEffect">
                                   <p:stCondLst>
                                     <p:cond delay="0"/>
                                   </p:stCondLst>
                                   <p:childTnLst>
                                     <p:set>
                                       <p:cBhvr>
-                                        <p:cTn id="20" dur="1" fill="hold">
+                                        <p:cTn id="26" dur="1" fill="hold">
                                           <p:stCondLst>
                                             <p:cond delay="0"/>
                                           </p:stCondLst>
@@ -12390,26 +12132,26 @@
                     </p:cTn>
                   </p:par>
                   <p:par>
-                    <p:cTn id="21" fill="hold">
+                    <p:cTn id="27" fill="hold">
                       <p:stCondLst>
                         <p:cond delay="indefinite"/>
                       </p:stCondLst>
                       <p:childTnLst>
                         <p:par>
-                          <p:cTn id="22" fill="hold">
+                          <p:cTn id="28" fill="hold">
                             <p:stCondLst>
                               <p:cond delay="0"/>
                             </p:stCondLst>
                             <p:childTnLst>
                               <p:par>
-                                <p:cTn id="23" presetID="1" presetClass="entr" presetSubtype="0" fill="hold" nodeType="clickEffect">
+                                <p:cTn id="29" presetID="1" presetClass="entr" presetSubtype="0" fill="hold" nodeType="clickEffect">
                                   <p:stCondLst>
                                     <p:cond delay="0"/>
                                   </p:stCondLst>
                                   <p:childTnLst>
                                     <p:set>
                                       <p:cBhvr>
-                                        <p:cTn id="24" dur="1" fill="hold">
+                                        <p:cTn id="30" dur="1" fill="hold">
                                           <p:stCondLst>
                                             <p:cond delay="0"/>
                                           </p:stCondLst>
@@ -12433,14 +12175,14 @@
                                 </p:cTn>
                               </p:par>
                               <p:par>
-                                <p:cTn id="25" presetID="1" presetClass="entr" presetSubtype="0" fill="hold" nodeType="withEffect">
+                                <p:cTn id="31" presetID="1" presetClass="entr" presetSubtype="0" fill="hold" nodeType="withEffect">
                                   <p:stCondLst>
                                     <p:cond delay="0"/>
                                   </p:stCondLst>
                                   <p:childTnLst>
                                     <p:set>
                                       <p:cBhvr>
-                                        <p:cTn id="26" dur="1" fill="hold">
+                                        <p:cTn id="32" dur="1" fill="hold">
                                           <p:stCondLst>
                                             <p:cond delay="0"/>
                                           </p:stCondLst>
@@ -15197,8 +14939,8 @@
           </a:p>
         </p:txBody>
       </p:sp>
-      <mc:AlternateContent xmlns:mc="http://schemas.openxmlformats.org/markup-compatibility/2006">
-        <mc:Choice xmlns:a14="http://schemas.microsoft.com/office/drawing/2010/main" Requires="a14">
+      <mc:AlternateContent xmlns:mc="http://schemas.openxmlformats.org/markup-compatibility/2006" xmlns:a14="http://schemas.microsoft.com/office/drawing/2010/main">
+        <mc:Choice Requires="a14">
           <p:sp>
             <p:nvSpPr>
               <p:cNvPr id="3" name="Inhaltsplatzhalter 2"/>
@@ -15564,7 +15306,7 @@
             </p:txBody>
           </p:sp>
         </mc:Choice>
-        <mc:Fallback>
+        <mc:Fallback xmlns="">
           <p:sp>
             <p:nvSpPr>
               <p:cNvPr id="3" name="Inhaltsplatzhalter 2"/>
@@ -19592,7 +19334,6 @@
               <a:rPr lang="de-DE" b="1" dirty="0" smtClean="0"/>
               <a:t>0,3</a:t>
             </a:r>
-            <a:endParaRPr lang="de-DE" b="1" dirty="0" smtClean="0"/>
           </a:p>
           <a:p>
             <a:pPr marL="285750" indent="-285750">
@@ -21188,8 +20929,8 @@
           </a:p>
         </p:txBody>
       </p:sp>
-      <mc:AlternateContent xmlns:mc="http://schemas.openxmlformats.org/markup-compatibility/2006">
-        <mc:Choice xmlns:a14="http://schemas.microsoft.com/office/drawing/2010/main" Requires="a14">
+      <mc:AlternateContent xmlns:mc="http://schemas.openxmlformats.org/markup-compatibility/2006" xmlns:a14="http://schemas.microsoft.com/office/drawing/2010/main">
+        <mc:Choice Requires="a14">
           <p:graphicFrame>
             <p:nvGraphicFramePr>
               <p:cNvPr id="7" name="Tabelle 6"/>
@@ -21385,13 +21126,8 @@
                           <a:pPr algn="ctr"/>
                           <a:r>
                             <a:rPr lang="de-DE" dirty="0" smtClean="0"/>
-                            <a:t> </a:t>
+                            <a:t> 0,0011562</a:t>
                           </a:r>
-                          <a:r>
-                            <a:rPr lang="de-DE" dirty="0" smtClean="0"/>
-                            <a:t>0,0011562</a:t>
-                          </a:r>
-                          <a:endParaRPr lang="de-DE" dirty="0" smtClean="0"/>
                         </a:p>
                       </a:txBody>
                       <a:tcPr anchor="ctr"/>
@@ -21512,7 +21248,6 @@
                             <a:rPr lang="de-DE" dirty="0" smtClean="0"/>
                             <a:t>0,001062</a:t>
                           </a:r>
-                          <a:endParaRPr lang="de-DE" dirty="0" smtClean="0"/>
                         </a:p>
                       </a:txBody>
                       <a:tcPr anchor="ctr"/>
@@ -21557,13 +21292,7 @@
                                       <a:rPr lang="de-DE" i="1" dirty="0" smtClean="0">
                                         <a:latin typeface="Cambria Math" panose="02040503050406030204" pitchFamily="18" charset="0"/>
                                       </a:rPr>
-                                      <m:t>9</m:t>
-                                    </m:r>
-                                    <m:r>
-                                      <a:rPr lang="de-DE" i="1" dirty="0" smtClean="0">
-                                        <a:latin typeface="Cambria Math" panose="02040503050406030204" pitchFamily="18" charset="0"/>
-                                      </a:rPr>
-                                      <m:t>,</m:t>
+                                      <m:t>9,</m:t>
                                     </m:r>
                                     <m:r>
                                       <a:rPr lang="de-DE" b="0" i="1" dirty="0" smtClean="0">
@@ -21611,11 +21340,7 @@
                           <a:pPr algn="ctr"/>
                           <a:r>
                             <a:rPr lang="de-DE" dirty="0" smtClean="0"/>
-                            <a:t> </a:t>
-                          </a:r>
-                          <a:r>
-                            <a:rPr lang="de-DE" dirty="0" smtClean="0"/>
-                            <a:t>0,001799</a:t>
+                            <a:t> 0,001799</a:t>
                           </a:r>
                           <a:endParaRPr lang="de-DE" dirty="0"/>
                         </a:p>
@@ -21694,19 +21419,7 @@
                                       <a:rPr lang="de-DE" i="1" dirty="0" smtClean="0">
                                         <a:latin typeface="Cambria Math" panose="02040503050406030204" pitchFamily="18" charset="0"/>
                                       </a:rPr>
-                                      <m:t>9</m:t>
-                                    </m:r>
-                                    <m:r>
-                                      <a:rPr lang="de-DE" i="1" dirty="0" smtClean="0">
-                                        <a:latin typeface="Cambria Math" panose="02040503050406030204" pitchFamily="18" charset="0"/>
-                                      </a:rPr>
-                                      <m:t>,</m:t>
-                                    </m:r>
-                                    <m:r>
-                                      <a:rPr lang="de-DE" i="1" dirty="0" smtClean="0">
-                                        <a:latin typeface="Cambria Math" panose="02040503050406030204" pitchFamily="18" charset="0"/>
-                                      </a:rPr>
-                                      <m:t>4</m:t>
+                                      <m:t>9,4</m:t>
                                     </m:r>
                                     <m:r>
                                       <a:rPr lang="de-DE" b="0" i="1" dirty="0" smtClean="0">
@@ -21801,11 +21514,7 @@
                           <a:pPr algn="ctr"/>
                           <a:r>
                             <a:rPr lang="de-DE" dirty="0" smtClean="0"/>
-                            <a:t> </a:t>
-                          </a:r>
-                          <a:r>
-                            <a:rPr lang="de-DE" dirty="0" smtClean="0"/>
-                            <a:t>0,002134</a:t>
+                            <a:t> 0,002134</a:t>
                           </a:r>
                           <a:endParaRPr lang="de-DE" dirty="0"/>
                         </a:p>
@@ -21837,19 +21546,7 @@
                                       <a:rPr lang="de-DE" i="1" dirty="0" smtClean="0">
                                         <a:latin typeface="Cambria Math" panose="02040503050406030204" pitchFamily="18" charset="0"/>
                                       </a:rPr>
-                                      <m:t>9</m:t>
-                                    </m:r>
-                                    <m:r>
-                                      <a:rPr lang="de-DE" i="1" dirty="0" smtClean="0">
-                                        <a:latin typeface="Cambria Math" panose="02040503050406030204" pitchFamily="18" charset="0"/>
-                                      </a:rPr>
-                                      <m:t>,</m:t>
-                                    </m:r>
-                                    <m:r>
-                                      <a:rPr lang="de-DE" i="1" dirty="0" smtClean="0">
-                                        <a:latin typeface="Cambria Math" panose="02040503050406030204" pitchFamily="18" charset="0"/>
-                                      </a:rPr>
-                                      <m:t>4</m:t>
+                                      <m:t>9,4</m:t>
                                     </m:r>
                                     <m:r>
                                       <a:rPr lang="de-DE" b="0" i="1" dirty="0" smtClean="0">
@@ -21944,11 +21641,7 @@
                           <a:pPr algn="ctr"/>
                           <a:r>
                             <a:rPr lang="de-DE" dirty="0" smtClean="0"/>
-                            <a:t> </a:t>
-                          </a:r>
-                          <a:r>
-                            <a:rPr lang="de-DE" dirty="0" smtClean="0"/>
-                            <a:t>0,001785</a:t>
+                            <a:t> 0,001785</a:t>
                           </a:r>
                           <a:endParaRPr lang="de-DE" dirty="0"/>
                         </a:p>
@@ -21980,13 +21673,7 @@
                                       <a:rPr lang="de-DE" i="1" dirty="0" smtClean="0">
                                         <a:latin typeface="Cambria Math" panose="02040503050406030204" pitchFamily="18" charset="0"/>
                                       </a:rPr>
-                                      <m:t>9</m:t>
-                                    </m:r>
-                                    <m:r>
-                                      <a:rPr lang="de-DE" i="1" dirty="0" smtClean="0">
-                                        <a:latin typeface="Cambria Math" panose="02040503050406030204" pitchFamily="18" charset="0"/>
-                                      </a:rPr>
-                                      <m:t>,</m:t>
+                                      <m:t>9,</m:t>
                                     </m:r>
                                     <m:r>
                                       <a:rPr lang="de-DE" b="0" i="1" dirty="0" smtClean="0">
@@ -22081,11 +21768,7 @@
                           <a:pPr algn="ctr"/>
                           <a:r>
                             <a:rPr lang="de-DE" dirty="0" smtClean="0"/>
-                            <a:t> </a:t>
-                          </a:r>
-                          <a:r>
-                            <a:rPr lang="de-DE" dirty="0" smtClean="0"/>
-                            <a:t>0,001787</a:t>
+                            <a:t> 0,001787</a:t>
                           </a:r>
                           <a:endParaRPr lang="de-DE" dirty="0"/>
                         </a:p>
@@ -22117,13 +21800,7 @@
                                       <a:rPr lang="de-DE" i="1" dirty="0" smtClean="0">
                                         <a:latin typeface="Cambria Math" panose="02040503050406030204" pitchFamily="18" charset="0"/>
                                       </a:rPr>
-                                      <m:t>9</m:t>
-                                    </m:r>
-                                    <m:r>
-                                      <a:rPr lang="de-DE" i="1" dirty="0" smtClean="0">
-                                        <a:latin typeface="Cambria Math" panose="02040503050406030204" pitchFamily="18" charset="0"/>
-                                      </a:rPr>
-                                      <m:t>,</m:t>
+                                      <m:t>9,</m:t>
                                     </m:r>
                                     <m:r>
                                       <a:rPr lang="de-DE" b="0" i="1" dirty="0" smtClean="0">
@@ -22171,11 +21848,7 @@
                           <a:pPr algn="ctr"/>
                           <a:r>
                             <a:rPr lang="de-DE" dirty="0" smtClean="0"/>
-                            <a:t> </a:t>
-                          </a:r>
-                          <a:r>
-                            <a:rPr lang="de-DE" dirty="0" smtClean="0"/>
-                            <a:t>0,004067</a:t>
+                            <a:t> 0,004067</a:t>
                           </a:r>
                           <a:endParaRPr lang="de-DE" dirty="0"/>
                         </a:p>
@@ -22188,7 +21861,7 @@
             </a:graphic>
           </p:graphicFrame>
         </mc:Choice>
-        <mc:Fallback>
+        <mc:Fallback xmlns="">
           <p:graphicFrame>
             <p:nvGraphicFramePr>
               <p:cNvPr id="7" name="Tabelle 6"/>
@@ -23142,8 +22815,8 @@
           </a:p>
         </p:txBody>
       </p:sp>
-      <mc:AlternateContent xmlns:mc="http://schemas.openxmlformats.org/markup-compatibility/2006">
-        <mc:Choice xmlns:a14="http://schemas.microsoft.com/office/drawing/2010/main" Requires="a14">
+      <mc:AlternateContent xmlns:mc="http://schemas.openxmlformats.org/markup-compatibility/2006" xmlns:a14="http://schemas.microsoft.com/office/drawing/2010/main">
+        <mc:Choice Requires="a14">
           <p:graphicFrame>
             <p:nvGraphicFramePr>
               <p:cNvPr id="7" name="Tabelle 6"/>
@@ -23339,13 +23012,8 @@
                           <a:pPr algn="ctr"/>
                           <a:r>
                             <a:rPr lang="de-DE" dirty="0" smtClean="0"/>
-                            <a:t> </a:t>
+                            <a:t> 0,0011562</a:t>
                           </a:r>
-                          <a:r>
-                            <a:rPr lang="de-DE" dirty="0" smtClean="0"/>
-                            <a:t>0,0011562</a:t>
-                          </a:r>
-                          <a:endParaRPr lang="de-DE" dirty="0" smtClean="0"/>
                         </a:p>
                       </a:txBody>
                       <a:tcPr anchor="ctr"/>
@@ -23390,19 +23058,7 @@
                                       <a:rPr lang="de-DE" i="1" dirty="0" smtClean="0">
                                         <a:latin typeface="Cambria Math" panose="02040503050406030204" pitchFamily="18" charset="0"/>
                                       </a:rPr>
-                                      <m:t>9</m:t>
-                                    </m:r>
-                                    <m:r>
-                                      <a:rPr lang="de-DE" i="1" dirty="0" smtClean="0">
-                                        <a:latin typeface="Cambria Math" panose="02040503050406030204" pitchFamily="18" charset="0"/>
-                                      </a:rPr>
-                                      <m:t>,</m:t>
-                                    </m:r>
-                                    <m:r>
-                                      <a:rPr lang="de-DE" i="1" dirty="0" smtClean="0">
-                                        <a:latin typeface="Cambria Math" panose="02040503050406030204" pitchFamily="18" charset="0"/>
-                                      </a:rPr>
-                                      <m:t>449</m:t>
+                                      <m:t>9,449</m:t>
                                     </m:r>
                                     <m:r>
                                       <a:rPr lang="de-DE" i="1" dirty="0" smtClean="0">
@@ -23478,7 +23134,6 @@
                             <a:rPr lang="de-DE" dirty="0" smtClean="0"/>
                             <a:t>0,001062</a:t>
                           </a:r>
-                          <a:endParaRPr lang="de-DE" dirty="0" smtClean="0"/>
                         </a:p>
                       </a:txBody>
                       <a:tcPr anchor="ctr"/>
@@ -23523,13 +23178,7 @@
                                       <a:rPr lang="de-DE" i="1" dirty="0" smtClean="0">
                                         <a:latin typeface="Cambria Math" panose="02040503050406030204" pitchFamily="18" charset="0"/>
                                       </a:rPr>
-                                      <m:t>9</m:t>
-                                    </m:r>
-                                    <m:r>
-                                      <a:rPr lang="de-DE" i="1" dirty="0" smtClean="0">
-                                        <a:latin typeface="Cambria Math" panose="02040503050406030204" pitchFamily="18" charset="0"/>
-                                      </a:rPr>
-                                      <m:t>,</m:t>
+                                      <m:t>9,</m:t>
                                     </m:r>
                                     <m:r>
                                       <a:rPr lang="de-DE" b="0" i="1" dirty="0" smtClean="0">
@@ -23577,11 +23226,7 @@
                           <a:pPr algn="ctr"/>
                           <a:r>
                             <a:rPr lang="de-DE" dirty="0" smtClean="0"/>
-                            <a:t> </a:t>
-                          </a:r>
-                          <a:r>
-                            <a:rPr lang="de-DE" dirty="0" smtClean="0"/>
-                            <a:t>0,001799</a:t>
+                            <a:t> 0,001799</a:t>
                           </a:r>
                           <a:endParaRPr lang="de-DE" dirty="0"/>
                         </a:p>
@@ -23678,19 +23323,7 @@
                                       <a:rPr lang="de-DE" i="1" dirty="0" smtClean="0">
                                         <a:latin typeface="Cambria Math" panose="02040503050406030204" pitchFamily="18" charset="0"/>
                                       </a:rPr>
-                                      <m:t>9</m:t>
-                                    </m:r>
-                                    <m:r>
-                                      <a:rPr lang="de-DE" i="1" dirty="0" smtClean="0">
-                                        <a:latin typeface="Cambria Math" panose="02040503050406030204" pitchFamily="18" charset="0"/>
-                                      </a:rPr>
-                                      <m:t>,</m:t>
-                                    </m:r>
-                                    <m:r>
-                                      <a:rPr lang="de-DE" i="1" dirty="0" smtClean="0">
-                                        <a:latin typeface="Cambria Math" panose="02040503050406030204" pitchFamily="18" charset="0"/>
-                                      </a:rPr>
-                                      <m:t>4</m:t>
+                                      <m:t>9,4</m:t>
                                     </m:r>
                                     <m:r>
                                       <a:rPr lang="de-DE" b="0" i="1" dirty="0" smtClean="0">
@@ -23793,11 +23426,7 @@
                           <a:pPr algn="ctr"/>
                           <a:r>
                             <a:rPr lang="de-DE" dirty="0" smtClean="0"/>
-                            <a:t> </a:t>
-                          </a:r>
-                          <a:r>
-                            <a:rPr lang="de-DE" dirty="0" smtClean="0"/>
-                            <a:t>0,002134</a:t>
+                            <a:t> 0,002134</a:t>
                           </a:r>
                           <a:endParaRPr lang="de-DE" dirty="0"/>
                         </a:p>
@@ -23829,19 +23458,7 @@
                                       <a:rPr lang="de-DE" i="1" dirty="0" smtClean="0">
                                         <a:latin typeface="Cambria Math" panose="02040503050406030204" pitchFamily="18" charset="0"/>
                                       </a:rPr>
-                                      <m:t>9</m:t>
-                                    </m:r>
-                                    <m:r>
-                                      <a:rPr lang="de-DE" i="1" dirty="0" smtClean="0">
-                                        <a:latin typeface="Cambria Math" panose="02040503050406030204" pitchFamily="18" charset="0"/>
-                                      </a:rPr>
-                                      <m:t>,</m:t>
-                                    </m:r>
-                                    <m:r>
-                                      <a:rPr lang="de-DE" i="1" dirty="0" smtClean="0">
-                                        <a:latin typeface="Cambria Math" panose="02040503050406030204" pitchFamily="18" charset="0"/>
-                                      </a:rPr>
-                                      <m:t>4</m:t>
+                                      <m:t>9,4</m:t>
                                     </m:r>
                                     <m:r>
                                       <a:rPr lang="de-DE" b="0" i="1" dirty="0" smtClean="0">
@@ -23936,11 +23553,7 @@
                           <a:pPr algn="ctr"/>
                           <a:r>
                             <a:rPr lang="de-DE" dirty="0" smtClean="0"/>
-                            <a:t> </a:t>
-                          </a:r>
-                          <a:r>
-                            <a:rPr lang="de-DE" dirty="0" smtClean="0"/>
-                            <a:t>0,001785</a:t>
+                            <a:t> 0,001785</a:t>
                           </a:r>
                           <a:endParaRPr lang="de-DE" dirty="0"/>
                         </a:p>
@@ -23972,13 +23585,7 @@
                                       <a:rPr lang="de-DE" i="1" dirty="0" smtClean="0">
                                         <a:latin typeface="Cambria Math" panose="02040503050406030204" pitchFamily="18" charset="0"/>
                                       </a:rPr>
-                                      <m:t>9</m:t>
-                                    </m:r>
-                                    <m:r>
-                                      <a:rPr lang="de-DE" i="1" dirty="0" smtClean="0">
-                                        <a:latin typeface="Cambria Math" panose="02040503050406030204" pitchFamily="18" charset="0"/>
-                                      </a:rPr>
-                                      <m:t>,</m:t>
+                                      <m:t>9,</m:t>
                                     </m:r>
                                     <m:r>
                                       <a:rPr lang="de-DE" b="0" i="1" dirty="0" smtClean="0">
@@ -24073,11 +23680,7 @@
                           <a:pPr algn="ctr"/>
                           <a:r>
                             <a:rPr lang="de-DE" dirty="0" smtClean="0"/>
-                            <a:t> </a:t>
-                          </a:r>
-                          <a:r>
-                            <a:rPr lang="de-DE" dirty="0" smtClean="0"/>
-                            <a:t>0,001787</a:t>
+                            <a:t> 0,001787</a:t>
                           </a:r>
                           <a:endParaRPr lang="de-DE" dirty="0"/>
                         </a:p>
@@ -24109,13 +23712,7 @@
                                       <a:rPr lang="de-DE" i="1" dirty="0" smtClean="0">
                                         <a:latin typeface="Cambria Math" panose="02040503050406030204" pitchFamily="18" charset="0"/>
                                       </a:rPr>
-                                      <m:t>9</m:t>
-                                    </m:r>
-                                    <m:r>
-                                      <a:rPr lang="de-DE" i="1" dirty="0" smtClean="0">
-                                        <a:latin typeface="Cambria Math" panose="02040503050406030204" pitchFamily="18" charset="0"/>
-                                      </a:rPr>
-                                      <m:t>,</m:t>
+                                      <m:t>9,</m:t>
                                     </m:r>
                                     <m:r>
                                       <a:rPr lang="de-DE" b="0" i="1" dirty="0" smtClean="0">
@@ -24163,11 +23760,7 @@
                           <a:pPr algn="ctr"/>
                           <a:r>
                             <a:rPr lang="de-DE" dirty="0" smtClean="0"/>
-                            <a:t> </a:t>
-                          </a:r>
-                          <a:r>
-                            <a:rPr lang="de-DE" dirty="0" smtClean="0"/>
-                            <a:t>0,004067</a:t>
+                            <a:t> 0,004067</a:t>
                           </a:r>
                           <a:endParaRPr lang="de-DE" dirty="0"/>
                         </a:p>
@@ -24180,7 +23773,7 @@
             </a:graphic>
           </p:graphicFrame>
         </mc:Choice>
-        <mc:Fallback>
+        <mc:Fallback xmlns="">
           <p:graphicFrame>
             <p:nvGraphicFramePr>
               <p:cNvPr id="7" name="Tabelle 6"/>
@@ -25140,8 +24733,8 @@
           </a:p>
         </p:txBody>
       </p:sp>
-      <mc:AlternateContent xmlns:mc="http://schemas.openxmlformats.org/markup-compatibility/2006">
-        <mc:Choice xmlns:a14="http://schemas.microsoft.com/office/drawing/2010/main" Requires="a14">
+      <mc:AlternateContent xmlns:mc="http://schemas.openxmlformats.org/markup-compatibility/2006" xmlns:a14="http://schemas.microsoft.com/office/drawing/2010/main">
+        <mc:Choice Requires="a14">
           <p:graphicFrame>
             <p:nvGraphicFramePr>
               <p:cNvPr id="8" name="Tabelle 7"/>
@@ -25299,19 +24892,7 @@
                                       <a:rPr lang="de-DE" i="1" dirty="0" smtClean="0">
                                         <a:latin typeface="Cambria Math" panose="02040503050406030204" pitchFamily="18" charset="0"/>
                                       </a:rPr>
-                                      <m:t>9</m:t>
-                                    </m:r>
-                                    <m:r>
-                                      <a:rPr lang="de-DE" i="1" dirty="0" smtClean="0">
-                                        <a:latin typeface="Cambria Math" panose="02040503050406030204" pitchFamily="18" charset="0"/>
-                                      </a:rPr>
-                                      <m:t>,</m:t>
-                                    </m:r>
-                                    <m:r>
-                                      <a:rPr lang="de-DE" i="1" dirty="0" smtClean="0">
-                                        <a:latin typeface="Cambria Math" panose="02040503050406030204" pitchFamily="18" charset="0"/>
-                                      </a:rPr>
-                                      <m:t>4</m:t>
+                                      <m:t>9,4</m:t>
                                     </m:r>
                                     <m:r>
                                       <a:rPr lang="de-DE" b="0" i="1" dirty="0" smtClean="0">
@@ -25397,7 +24978,6 @@
                             <a:rPr lang="de-DE" dirty="0" smtClean="0"/>
                             <a:t>0,010333</a:t>
                           </a:r>
-                          <a:endParaRPr lang="de-DE" dirty="0" smtClean="0"/>
                         </a:p>
                       </a:txBody>
                       <a:tcPr anchor="ctr"/>
@@ -25423,7 +25003,7 @@
             </a:graphic>
           </p:graphicFrame>
         </mc:Choice>
-        <mc:Fallback>
+        <mc:Fallback xmlns="">
           <p:graphicFrame>
             <p:nvGraphicFramePr>
               <p:cNvPr id="8" name="Tabelle 7"/>
@@ -25906,8 +25486,8 @@
           </a:p>
         </p:txBody>
       </p:sp>
-      <mc:AlternateContent xmlns:mc="http://schemas.openxmlformats.org/markup-compatibility/2006">
-        <mc:Choice xmlns:a14="http://schemas.microsoft.com/office/drawing/2010/main" Requires="a14">
+      <mc:AlternateContent xmlns:mc="http://schemas.openxmlformats.org/markup-compatibility/2006" xmlns:a14="http://schemas.microsoft.com/office/drawing/2010/main">
+        <mc:Choice Requires="a14">
           <p:graphicFrame>
             <p:nvGraphicFramePr>
               <p:cNvPr id="8" name="Tabelle 7"/>
@@ -26067,19 +25647,7 @@
                                       <a:rPr lang="de-DE" i="1" dirty="0" smtClean="0">
                                         <a:latin typeface="Cambria Math" panose="02040503050406030204" pitchFamily="18" charset="0"/>
                                       </a:rPr>
-                                      <m:t>9</m:t>
-                                    </m:r>
-                                    <m:r>
-                                      <a:rPr lang="de-DE" i="1" dirty="0" smtClean="0">
-                                        <a:latin typeface="Cambria Math" panose="02040503050406030204" pitchFamily="18" charset="0"/>
-                                      </a:rPr>
-                                      <m:t>,</m:t>
-                                    </m:r>
-                                    <m:r>
-                                      <a:rPr lang="de-DE" i="1" dirty="0" smtClean="0">
-                                        <a:latin typeface="Cambria Math" panose="02040503050406030204" pitchFamily="18" charset="0"/>
-                                      </a:rPr>
-                                      <m:t>4</m:t>
+                                      <m:t>9,4</m:t>
                                     </m:r>
                                     <m:r>
                                       <a:rPr lang="de-DE" b="0" i="1" dirty="0" smtClean="0">
@@ -26169,7 +25737,6 @@
                             <a:rPr lang="de-DE" dirty="0" smtClean="0"/>
                             <a:t>0,010333</a:t>
                           </a:r>
-                          <a:endParaRPr lang="de-DE" dirty="0" smtClean="0"/>
                         </a:p>
                       </a:txBody>
                       <a:tcPr anchor="ctr"/>
@@ -26195,7 +25762,7 @@
             </a:graphic>
           </p:graphicFrame>
         </mc:Choice>
-        <mc:Fallback>
+        <mc:Fallback xmlns="">
           <p:graphicFrame>
             <p:nvGraphicFramePr>
               <p:cNvPr id="8" name="Tabelle 7"/>
@@ -26685,8 +26252,8 @@
           </a:p>
         </p:txBody>
       </p:sp>
-      <mc:AlternateContent xmlns:mc="http://schemas.openxmlformats.org/markup-compatibility/2006">
-        <mc:Choice xmlns:a14="http://schemas.microsoft.com/office/drawing/2010/main" Requires="a14">
+      <mc:AlternateContent xmlns:mc="http://schemas.openxmlformats.org/markup-compatibility/2006" xmlns:a14="http://schemas.microsoft.com/office/drawing/2010/main">
+        <mc:Choice Requires="a14">
           <p:graphicFrame>
             <p:nvGraphicFramePr>
               <p:cNvPr id="11" name="Tabelle 10"/>
@@ -26842,13 +26409,7 @@
                                       <a:rPr lang="de-DE" i="1" dirty="0" smtClean="0">
                                         <a:latin typeface="Cambria Math" panose="02040503050406030204" pitchFamily="18" charset="0"/>
                                       </a:rPr>
-                                      <m:t>9</m:t>
-                                    </m:r>
-                                    <m:r>
-                                      <a:rPr lang="de-DE" i="1" dirty="0" smtClean="0">
-                                        <a:latin typeface="Cambria Math" panose="02040503050406030204" pitchFamily="18" charset="0"/>
-                                      </a:rPr>
-                                      <m:t>,</m:t>
+                                      <m:t>9,</m:t>
                                     </m:r>
                                     <m:r>
                                       <a:rPr lang="de-DE" b="0" i="1" dirty="0" smtClean="0">
@@ -26945,13 +26506,7 @@
                                       <a:rPr lang="de-DE" i="1" dirty="0" smtClean="0">
                                         <a:latin typeface="Cambria Math" panose="02040503050406030204" pitchFamily="18" charset="0"/>
                                       </a:rPr>
-                                      <m:t>9</m:t>
-                                    </m:r>
-                                    <m:r>
-                                      <a:rPr lang="de-DE" i="1" dirty="0" smtClean="0">
-                                        <a:latin typeface="Cambria Math" panose="02040503050406030204" pitchFamily="18" charset="0"/>
-                                      </a:rPr>
-                                      <m:t>,1</m:t>
+                                      <m:t>9,1</m:t>
                                     </m:r>
                                     <m:r>
                                       <a:rPr lang="de-DE" b="0" i="1" dirty="0" smtClean="0">
@@ -26999,11 +26554,7 @@
                           <a:pPr algn="ctr"/>
                           <a:r>
                             <a:rPr lang="de-DE" b="0" dirty="0" smtClean="0"/>
-                            <a:t> </a:t>
-                          </a:r>
-                          <a:r>
-                            <a:rPr lang="de-DE" b="0" dirty="0" smtClean="0"/>
-                            <a:t>0,001608</a:t>
+                            <a:t> 0,001608</a:t>
                           </a:r>
                           <a:endParaRPr lang="de-DE" b="0" dirty="0"/>
                         </a:p>
@@ -27115,19 +26666,7 @@
                                       <a:rPr lang="de-DE" i="1" dirty="0" smtClean="0">
                                         <a:latin typeface="Cambria Math" panose="02040503050406030204" pitchFamily="18" charset="0"/>
                                       </a:rPr>
-                                      <m:t>9</m:t>
-                                    </m:r>
-                                    <m:r>
-                                      <a:rPr lang="de-DE" i="1" dirty="0" smtClean="0">
-                                        <a:latin typeface="Cambria Math" panose="02040503050406030204" pitchFamily="18" charset="0"/>
-                                      </a:rPr>
-                                      <m:t>,</m:t>
-                                    </m:r>
-                                    <m:r>
-                                      <a:rPr lang="de-DE" i="1" dirty="0" smtClean="0">
-                                        <a:latin typeface="Cambria Math" panose="02040503050406030204" pitchFamily="18" charset="0"/>
-                                      </a:rPr>
-                                      <m:t>4</m:t>
+                                      <m:t>9,4</m:t>
                                     </m:r>
                                     <m:r>
                                       <a:rPr lang="de-DE" b="0" i="1" dirty="0" smtClean="0">
@@ -27175,7 +26714,7 @@
             </a:graphic>
           </p:graphicFrame>
         </mc:Choice>
-        <mc:Fallback>
+        <mc:Fallback xmlns="">
           <p:graphicFrame>
             <p:nvGraphicFramePr>
               <p:cNvPr id="11" name="Tabelle 10"/>
@@ -27716,8 +27255,8 @@
           </a:p>
         </p:txBody>
       </p:sp>
-      <mc:AlternateContent xmlns:mc="http://schemas.openxmlformats.org/markup-compatibility/2006">
-        <mc:Choice xmlns:a14="http://schemas.microsoft.com/office/drawing/2010/main" Requires="a14">
+      <mc:AlternateContent xmlns:mc="http://schemas.openxmlformats.org/markup-compatibility/2006" xmlns:a14="http://schemas.microsoft.com/office/drawing/2010/main">
+        <mc:Choice Requires="a14">
           <p:graphicFrame>
             <p:nvGraphicFramePr>
               <p:cNvPr id="11" name="Tabelle 10"/>
@@ -27873,13 +27412,7 @@
                                       <a:rPr lang="de-DE" i="1" dirty="0" smtClean="0">
                                         <a:latin typeface="Cambria Math" panose="02040503050406030204" pitchFamily="18" charset="0"/>
                                       </a:rPr>
-                                      <m:t>9</m:t>
-                                    </m:r>
-                                    <m:r>
-                                      <a:rPr lang="de-DE" i="1" dirty="0" smtClean="0">
-                                        <a:latin typeface="Cambria Math" panose="02040503050406030204" pitchFamily="18" charset="0"/>
-                                      </a:rPr>
-                                      <m:t>,</m:t>
+                                      <m:t>9,</m:t>
                                     </m:r>
                                     <m:r>
                                       <a:rPr lang="de-DE" b="0" i="1" dirty="0" smtClean="0">
@@ -27976,19 +27509,7 @@
                                       <a:rPr lang="de-DE" i="1" dirty="0" smtClean="0">
                                         <a:latin typeface="Cambria Math" panose="02040503050406030204" pitchFamily="18" charset="0"/>
                                       </a:rPr>
-                                      <m:t>9</m:t>
-                                    </m:r>
-                                    <m:r>
-                                      <a:rPr lang="de-DE" i="1" dirty="0" smtClean="0">
-                                        <a:latin typeface="Cambria Math" panose="02040503050406030204" pitchFamily="18" charset="0"/>
-                                      </a:rPr>
-                                      <m:t>,</m:t>
-                                    </m:r>
-                                    <m:r>
-                                      <a:rPr lang="de-DE" i="1" dirty="0" smtClean="0">
-                                        <a:latin typeface="Cambria Math" panose="02040503050406030204" pitchFamily="18" charset="0"/>
-                                      </a:rPr>
-                                      <m:t>1</m:t>
+                                      <m:t>9,1</m:t>
                                     </m:r>
                                     <m:r>
                                       <a:rPr lang="de-DE" b="0" i="1" dirty="0" smtClean="0">
@@ -28036,11 +27557,7 @@
                           <a:pPr algn="ctr"/>
                           <a:r>
                             <a:rPr lang="de-DE" b="0" dirty="0" smtClean="0"/>
-                            <a:t> </a:t>
-                          </a:r>
-                          <a:r>
-                            <a:rPr lang="de-DE" b="0" dirty="0" smtClean="0"/>
-                            <a:t>0,001608</a:t>
+                            <a:t> 0,001608</a:t>
                           </a:r>
                           <a:endParaRPr lang="de-DE" b="0" dirty="0"/>
                         </a:p>
@@ -28093,19 +27610,7 @@
                                       <a:rPr lang="de-DE" b="0" i="1" dirty="0" smtClean="0">
                                         <a:latin typeface="Cambria Math" panose="02040503050406030204" pitchFamily="18" charset="0"/>
                                       </a:rPr>
-                                      <m:t>8</m:t>
-                                    </m:r>
-                                    <m:r>
-                                      <a:rPr lang="de-DE" b="0" i="1" dirty="0" smtClean="0">
-                                        <a:latin typeface="Cambria Math" panose="02040503050406030204" pitchFamily="18" charset="0"/>
-                                      </a:rPr>
-                                      <m:t>,</m:t>
-                                    </m:r>
-                                    <m:r>
-                                      <a:rPr lang="de-DE" b="0" i="1" dirty="0" smtClean="0">
-                                        <a:latin typeface="Cambria Math" panose="02040503050406030204" pitchFamily="18" charset="0"/>
-                                      </a:rPr>
-                                      <m:t>89</m:t>
+                                      <m:t>8,89</m:t>
                                     </m:r>
                                     <m:r>
                                       <a:rPr lang="de-DE" i="1" dirty="0" smtClean="0">
@@ -28168,19 +27673,7 @@
                                       <a:rPr lang="de-DE" i="1" dirty="0" smtClean="0">
                                         <a:latin typeface="Cambria Math" panose="02040503050406030204" pitchFamily="18" charset="0"/>
                                       </a:rPr>
-                                      <m:t>9</m:t>
-                                    </m:r>
-                                    <m:r>
-                                      <a:rPr lang="de-DE" i="1" dirty="0" smtClean="0">
-                                        <a:latin typeface="Cambria Math" panose="02040503050406030204" pitchFamily="18" charset="0"/>
-                                      </a:rPr>
-                                      <m:t>,</m:t>
-                                    </m:r>
-                                    <m:r>
-                                      <a:rPr lang="de-DE" i="1" dirty="0" smtClean="0">
-                                        <a:latin typeface="Cambria Math" panose="02040503050406030204" pitchFamily="18" charset="0"/>
-                                      </a:rPr>
-                                      <m:t>4</m:t>
+                                      <m:t>9,4</m:t>
                                     </m:r>
                                     <m:r>
                                       <a:rPr lang="de-DE" b="0" i="1" dirty="0" smtClean="0">
@@ -28230,7 +27723,7 @@
             </a:graphic>
           </p:graphicFrame>
         </mc:Choice>
-        <mc:Fallback>
+        <mc:Fallback xmlns="">
           <p:graphicFrame>
             <p:nvGraphicFramePr>
               <p:cNvPr id="11" name="Tabelle 10"/>
@@ -29009,8 +28502,8 @@
           </a:p>
         </p:txBody>
       </p:sp>
-      <mc:AlternateContent xmlns:mc="http://schemas.openxmlformats.org/markup-compatibility/2006">
-        <mc:Choice xmlns:a14="http://schemas.microsoft.com/office/drawing/2010/main" Requires="a14">
+      <mc:AlternateContent xmlns:mc="http://schemas.openxmlformats.org/markup-compatibility/2006" xmlns:a14="http://schemas.microsoft.com/office/drawing/2010/main">
+        <mc:Choice Requires="a14">
           <p:graphicFrame>
             <p:nvGraphicFramePr>
               <p:cNvPr id="9" name="Tabelle 8"/>
@@ -29151,7 +28644,6 @@
                             <a:rPr lang="de-DE" dirty="0" smtClean="0"/>
                             <a:t>0,001118</a:t>
                           </a:r>
-                          <a:endParaRPr lang="de-DE" dirty="0" smtClean="0"/>
                         </a:p>
                       </a:txBody>
                       <a:tcPr/>
@@ -29288,13 +28780,7 @@
                                       <a:rPr lang="de-DE" i="1" dirty="0" smtClean="0">
                                         <a:latin typeface="Cambria Math" panose="02040503050406030204" pitchFamily="18" charset="0"/>
                                       </a:rPr>
-                                      <m:t>9</m:t>
-                                    </m:r>
-                                    <m:r>
-                                      <a:rPr lang="de-DE" i="1" dirty="0" smtClean="0">
-                                        <a:latin typeface="Cambria Math" panose="02040503050406030204" pitchFamily="18" charset="0"/>
-                                      </a:rPr>
-                                      <m:t>,</m:t>
+                                      <m:t>9,</m:t>
                                     </m:r>
                                     <m:r>
                                       <a:rPr lang="de-DE" b="0" i="1" dirty="0" smtClean="0">
@@ -29594,13 +29080,7 @@
                                       <a:rPr lang="de-DE" b="0" i="1" dirty="0" smtClean="0">
                                         <a:latin typeface="Cambria Math" panose="02040503050406030204" pitchFamily="18" charset="0"/>
                                       </a:rPr>
-                                      <m:t>8</m:t>
-                                    </m:r>
-                                    <m:r>
-                                      <a:rPr lang="de-DE" b="0" i="1" dirty="0" smtClean="0">
-                                        <a:latin typeface="Cambria Math" panose="02040503050406030204" pitchFamily="18" charset="0"/>
-                                      </a:rPr>
-                                      <m:t>,823</m:t>
+                                      <m:t>8,823</m:t>
                                     </m:r>
                                     <m:r>
                                       <a:rPr lang="de-DE" i="1" dirty="0" smtClean="0">
@@ -29777,7 +29257,6 @@
                             <a:rPr lang="de-DE" dirty="0" smtClean="0"/>
                             <a:t> </a:t>
                           </a:r>
-                          <a:endParaRPr lang="de-DE" dirty="0" smtClean="0"/>
                         </a:p>
                       </a:txBody>
                       <a:tcPr/>
@@ -29788,7 +29267,7 @@
             </a:graphic>
           </p:graphicFrame>
         </mc:Choice>
-        <mc:Fallback>
+        <mc:Fallback xmlns="">
           <p:graphicFrame>
             <p:nvGraphicFramePr>
               <p:cNvPr id="9" name="Tabelle 8"/>
@@ -30426,8 +29905,8 @@
           </a:p>
         </p:txBody>
       </p:sp>
-      <mc:AlternateContent xmlns:mc="http://schemas.openxmlformats.org/markup-compatibility/2006">
-        <mc:Choice xmlns:a14="http://schemas.microsoft.com/office/drawing/2010/main" Requires="a14">
+      <mc:AlternateContent xmlns:mc="http://schemas.openxmlformats.org/markup-compatibility/2006" xmlns:a14="http://schemas.microsoft.com/office/drawing/2010/main">
+        <mc:Choice Requires="a14">
           <p:graphicFrame>
             <p:nvGraphicFramePr>
               <p:cNvPr id="9" name="Tabelle 8"/>
@@ -30568,7 +30047,6 @@
                             <a:rPr lang="de-DE" dirty="0" smtClean="0"/>
                             <a:t>0,001118</a:t>
                           </a:r>
-                          <a:endParaRPr lang="de-DE" dirty="0" smtClean="0"/>
                         </a:p>
                       </a:txBody>
                       <a:tcPr/>
@@ -30709,13 +30187,7 @@
                                       <a:rPr lang="de-DE" i="1" dirty="0" smtClean="0">
                                         <a:latin typeface="Cambria Math" panose="02040503050406030204" pitchFamily="18" charset="0"/>
                                       </a:rPr>
-                                      <m:t>9</m:t>
-                                    </m:r>
-                                    <m:r>
-                                      <a:rPr lang="de-DE" i="1" dirty="0" smtClean="0">
-                                        <a:latin typeface="Cambria Math" panose="02040503050406030204" pitchFamily="18" charset="0"/>
-                                      </a:rPr>
-                                      <m:t>,</m:t>
+                                      <m:t>9,</m:t>
                                     </m:r>
                                     <m:r>
                                       <a:rPr lang="de-DE" b="0" i="1" dirty="0" smtClean="0">
@@ -30880,19 +30352,7 @@
                                       <a:rPr lang="de-DE" b="0" i="1" dirty="0" smtClean="0">
                                         <a:latin typeface="Cambria Math" panose="02040503050406030204" pitchFamily="18" charset="0"/>
                                       </a:rPr>
-                                      <m:t>8</m:t>
-                                    </m:r>
-                                    <m:r>
-                                      <a:rPr lang="de-DE" b="0" i="1" dirty="0" smtClean="0">
-                                        <a:latin typeface="Cambria Math" panose="02040503050406030204" pitchFamily="18" charset="0"/>
-                                      </a:rPr>
-                                      <m:t>,</m:t>
-                                    </m:r>
-                                    <m:r>
-                                      <a:rPr lang="de-DE" b="0" i="1" dirty="0" smtClean="0">
-                                        <a:latin typeface="Cambria Math" panose="02040503050406030204" pitchFamily="18" charset="0"/>
-                                      </a:rPr>
-                                      <m:t>252</m:t>
+                                      <m:t>8,252</m:t>
                                     </m:r>
                                     <m:r>
                                       <a:rPr lang="de-DE" i="1" dirty="0" smtClean="0">
@@ -30976,19 +30436,7 @@
                                       <a:rPr lang="de-DE" b="0" i="1" dirty="0" smtClean="0">
                                         <a:latin typeface="Cambria Math" panose="02040503050406030204" pitchFamily="18" charset="0"/>
                                       </a:rPr>
-                                      <m:t>8</m:t>
-                                    </m:r>
-                                    <m:r>
-                                      <a:rPr lang="de-DE" b="0" i="1" dirty="0" smtClean="0">
-                                        <a:latin typeface="Cambria Math" panose="02040503050406030204" pitchFamily="18" charset="0"/>
-                                      </a:rPr>
-                                      <m:t>,</m:t>
-                                    </m:r>
-                                    <m:r>
-                                      <a:rPr lang="de-DE" b="0" i="1" dirty="0" smtClean="0">
-                                        <a:latin typeface="Cambria Math" panose="02040503050406030204" pitchFamily="18" charset="0"/>
-                                      </a:rPr>
-                                      <m:t>04</m:t>
+                                      <m:t>8,04</m:t>
                                     </m:r>
                                     <m:r>
                                       <a:rPr lang="de-DE" i="1" dirty="0" smtClean="0">
@@ -31051,19 +30499,7 @@
                                       <a:rPr lang="de-DE" b="0" i="1" dirty="0" smtClean="0">
                                         <a:latin typeface="Cambria Math" panose="02040503050406030204" pitchFamily="18" charset="0"/>
                                       </a:rPr>
-                                      <m:t>8</m:t>
-                                    </m:r>
-                                    <m:r>
-                                      <a:rPr lang="de-DE" b="0" i="1" dirty="0" smtClean="0">
-                                        <a:latin typeface="Cambria Math" panose="02040503050406030204" pitchFamily="18" charset="0"/>
-                                      </a:rPr>
-                                      <m:t>,</m:t>
-                                    </m:r>
-                                    <m:r>
-                                      <a:rPr lang="de-DE" b="0" i="1" dirty="0" smtClean="0">
-                                        <a:latin typeface="Cambria Math" panose="02040503050406030204" pitchFamily="18" charset="0"/>
-                                      </a:rPr>
-                                      <m:t>823</m:t>
+                                      <m:t>8,823</m:t>
                                     </m:r>
                                     <m:r>
                                       <a:rPr lang="de-DE" i="1" dirty="0" smtClean="0">
@@ -31210,19 +30646,7 @@
                                     <a:rPr lang="de-DE" b="0" i="1" dirty="0" smtClean="0">
                                       <a:latin typeface="Cambria Math" panose="02040503050406030204" pitchFamily="18" charset="0"/>
                                     </a:rPr>
-                                    <m:t>8</m:t>
-                                  </m:r>
-                                  <m:r>
-                                    <a:rPr lang="de-DE" b="0" i="1" dirty="0" smtClean="0">
-                                      <a:latin typeface="Cambria Math" panose="02040503050406030204" pitchFamily="18" charset="0"/>
-                                    </a:rPr>
-                                    <m:t>,</m:t>
-                                  </m:r>
-                                  <m:r>
-                                    <a:rPr lang="de-DE" b="0" i="1" dirty="0" smtClean="0">
-                                      <a:latin typeface="Cambria Math" panose="02040503050406030204" pitchFamily="18" charset="0"/>
-                                    </a:rPr>
-                                    <m:t>503</m:t>
+                                    <m:t>8,503</m:t>
                                   </m:r>
                                   <m:r>
                                     <a:rPr lang="de-DE" i="1" dirty="0" smtClean="0">
@@ -31264,7 +30688,7 @@
             </a:graphic>
           </p:graphicFrame>
         </mc:Choice>
-        <mc:Fallback>
+        <mc:Fallback xmlns="">
           <p:graphicFrame>
             <p:nvGraphicFramePr>
               <p:cNvPr id="9" name="Tabelle 8"/>
@@ -31758,11 +31182,7 @@
           <a:p>
             <a:r>
               <a:rPr lang="de-DE" dirty="0" smtClean="0"/>
-              <a:t>Fein: </a:t>
-            </a:r>
-            <a:r>
-              <a:rPr lang="de-DE" dirty="0" smtClean="0"/>
-              <a:t>0,475</a:t>
+              <a:t>Fein: 0,475</a:t>
             </a:r>
             <a:endParaRPr lang="de-DE" dirty="0"/>
           </a:p>
@@ -32194,8 +31614,8 @@
           </a:graphicData>
         </a:graphic>
       </p:graphicFrame>
-      <mc:AlternateContent xmlns:mc="http://schemas.openxmlformats.org/markup-compatibility/2006">
-        <mc:Choice xmlns:a14="http://schemas.microsoft.com/office/drawing/2010/main" Requires="a14">
+      <mc:AlternateContent xmlns:mc="http://schemas.openxmlformats.org/markup-compatibility/2006" xmlns:a14="http://schemas.microsoft.com/office/drawing/2010/main">
+        <mc:Choice Requires="a14">
           <p:sp>
             <p:nvSpPr>
               <p:cNvPr id="7" name="Textfeld 6"/>
@@ -32326,7 +31746,7 @@
             </p:txBody>
           </p:sp>
         </mc:Choice>
-        <mc:Fallback>
+        <mc:Fallback xmlns="">
           <p:sp>
             <p:nvSpPr>
               <p:cNvPr id="7" name="Textfeld 6"/>
@@ -32455,7 +31875,6 @@
               <a:rPr lang="de-DE" dirty="0" smtClean="0"/>
               <a:t>Analog – Nikkei</a:t>
             </a:r>
-            <a:endParaRPr lang="de-DE" dirty="0" smtClean="0"/>
           </a:p>
           <a:p>
             <a:endParaRPr lang="de-DE" dirty="0"/>
@@ -32868,7 +32287,6 @@
               <a:rPr lang="de-DE" dirty="0" smtClean="0"/>
               <a:t>:</a:t>
             </a:r>
-            <a:endParaRPr lang="de-DE" dirty="0" smtClean="0"/>
           </a:p>
           <a:p>
             <a:pPr marL="742950" lvl="1" indent="-285750">
@@ -32964,7 +32382,6 @@
               <a:rPr lang="de-DE" dirty="0" smtClean="0"/>
               <a:t>Analog – Dow Jones</a:t>
             </a:r>
-            <a:endParaRPr lang="de-DE" dirty="0" smtClean="0"/>
           </a:p>
           <a:p>
             <a:endParaRPr lang="de-DE" dirty="0"/>
@@ -34676,15 +34093,7 @@
             <a:pPr lvl="2"/>
             <a:r>
               <a:rPr lang="de-DE" dirty="0" smtClean="0"/>
-              <a:t>Fokus : Erlangen eines Grundverständnisses über </a:t>
-            </a:r>
-            <a:r>
-              <a:rPr lang="de-DE" dirty="0" smtClean="0"/>
-              <a:t>Prognosen mittels KNN</a:t>
-            </a:r>
-            <a:r>
-              <a:rPr lang="de-DE" dirty="0" smtClean="0"/>
-              <a:t>.</a:t>
+              <a:t>Fokus : Erlangen eines Grundverständnisses über Prognosen mittels KNN.</a:t>
             </a:r>
           </a:p>
           <a:p>
@@ -35385,13 +34794,8 @@
           <a:p>
             <a:r>
               <a:rPr lang="de-DE" dirty="0" smtClean="0"/>
-              <a:t>Die Prognose von Börsenkursen ist prinzipiell </a:t>
-            </a:r>
-            <a:r>
-              <a:rPr lang="de-DE" dirty="0" smtClean="0"/>
-              <a:t>möglich.</a:t>
-            </a:r>
-            <a:endParaRPr lang="de-DE" dirty="0" smtClean="0"/>
+              <a:t>Die Prognose von Börsenkursen ist prinzipiell möglich.</a:t>
+            </a:r>
           </a:p>
           <a:p>
             <a:r>

--- a/3b) Vortrag/Präsentation.pptx
+++ b/3b) Vortrag/Präsentation.pptx
@@ -2612,7 +2612,7 @@
             <a:fld id="{5120BD12-1583-495B-85C5-BFC7DD39358E}" type="datetimeFigureOut">
               <a:rPr lang="de-DE" smtClean="0"/>
               <a:pPr/>
-              <a:t>11.12.2015</a:t>
+              <a:t>12.12.2015</a:t>
             </a:fld>
             <a:endParaRPr lang="de-DE"/>
           </a:p>
@@ -4677,7 +4677,7 @@
             <a:fld id="{FEB60944-69D9-40E2-805F-52E6DDFC3E05}" type="datetime1">
               <a:rPr lang="de-DE" smtClean="0"/>
               <a:pPr/>
-              <a:t>11.12.2015</a:t>
+              <a:t>12.12.2015</a:t>
             </a:fld>
             <a:endParaRPr lang="de-DE"/>
           </a:p>
@@ -4870,7 +4870,7 @@
             <a:fld id="{43C6271B-4DF3-4799-BDC9-4973FE68CB18}" type="datetime1">
               <a:rPr lang="de-DE" smtClean="0"/>
               <a:pPr/>
-              <a:t>11.12.2015</a:t>
+              <a:t>12.12.2015</a:t>
             </a:fld>
             <a:endParaRPr lang="de-DE"/>
           </a:p>
@@ -5054,7 +5054,7 @@
             <a:fld id="{7AC709DD-AC18-4FBA-B4E6-46DED743653E}" type="datetime1">
               <a:rPr lang="de-DE" smtClean="0"/>
               <a:pPr/>
-              <a:t>11.12.2015</a:t>
+              <a:t>12.12.2015</a:t>
             </a:fld>
             <a:endParaRPr lang="de-DE"/>
           </a:p>
@@ -5313,7 +5313,7 @@
             <a:fld id="{F3A5CA38-DE03-43E0-AAE8-40DE9D126515}" type="datetime1">
               <a:rPr lang="de-DE" smtClean="0"/>
               <a:pPr/>
-              <a:t>11.12.2015</a:t>
+              <a:t>12.12.2015</a:t>
             </a:fld>
             <a:endParaRPr lang="de-DE"/>
           </a:p>
@@ -5558,7 +5558,7 @@
             <a:fld id="{11090321-36FA-45A6-9663-BC38008A0E9B}" type="datetime1">
               <a:rPr lang="de-DE" smtClean="0"/>
               <a:pPr/>
-              <a:t>11.12.2015</a:t>
+              <a:t>12.12.2015</a:t>
             </a:fld>
             <a:endParaRPr lang="de-DE"/>
           </a:p>
@@ -5938,7 +5938,7 @@
             <a:fld id="{256C77CD-8025-4CCE-8E91-02984A062E73}" type="datetime1">
               <a:rPr lang="de-DE" smtClean="0"/>
               <a:pPr/>
-              <a:t>11.12.2015</a:t>
+              <a:t>12.12.2015</a:t>
             </a:fld>
             <a:endParaRPr lang="de-DE"/>
           </a:p>
@@ -6069,7 +6069,7 @@
             <a:fld id="{613140FE-C567-4560-9D45-46486DBA67D5}" type="datetime1">
               <a:rPr lang="de-DE" smtClean="0"/>
               <a:pPr/>
-              <a:t>11.12.2015</a:t>
+              <a:t>12.12.2015</a:t>
             </a:fld>
             <a:endParaRPr lang="de-DE"/>
           </a:p>
@@ -6177,7 +6177,7 @@
             <a:fld id="{664489CE-C1E2-4395-A707-33A40D5C0A6A}" type="datetime1">
               <a:rPr lang="de-DE" smtClean="0"/>
               <a:pPr/>
-              <a:t>11.12.2015</a:t>
+              <a:t>12.12.2015</a:t>
             </a:fld>
             <a:endParaRPr lang="de-DE"/>
           </a:p>
@@ -6467,7 +6467,7 @@
             <a:fld id="{BE84FF2F-E5B7-4AEF-A728-DCB9E7CE66D1}" type="datetime1">
               <a:rPr lang="de-DE" smtClean="0"/>
               <a:pPr/>
-              <a:t>11.12.2015</a:t>
+              <a:t>12.12.2015</a:t>
             </a:fld>
             <a:endParaRPr lang="de-DE"/>
           </a:p>
@@ -6733,7 +6733,7 @@
             <a:fld id="{1C1C31E4-1EA5-4909-922A-9F42F675C505}" type="datetime1">
               <a:rPr lang="de-DE" smtClean="0"/>
               <a:pPr/>
-              <a:t>11.12.2015</a:t>
+              <a:t>12.12.2015</a:t>
             </a:fld>
             <a:endParaRPr lang="de-DE"/>
           </a:p>
@@ -6942,7 +6942,7 @@
             <a:fld id="{19652882-9BC8-4FD3-AB94-9F037815DBC2}" type="datetime1">
               <a:rPr lang="de-DE" smtClean="0"/>
               <a:pPr/>
-              <a:t>11.12.2015</a:t>
+              <a:t>12.12.2015</a:t>
             </a:fld>
             <a:endParaRPr lang="de-DE" dirty="0"/>
           </a:p>
@@ -7672,7 +7672,7 @@
             <a:fld id="{7AC709DD-AC18-4FBA-B4E6-46DED743653E}" type="datetime1">
               <a:rPr lang="de-DE" smtClean="0"/>
               <a:pPr/>
-              <a:t>11.12.2015</a:t>
+              <a:t>12.12.2015</a:t>
             </a:fld>
             <a:endParaRPr lang="de-DE"/>
           </a:p>
@@ -8428,14 +8428,31 @@
             <a:pPr lvl="2"/>
             <a:r>
               <a:rPr lang="de-DE" dirty="0" smtClean="0"/>
-              <a:t>Definition der linearen Separierbarkeit &amp; Konvergenz-Theorem</a:t>
-            </a:r>
+              <a:t>Definition der </a:t>
+            </a:r>
+            <a:r>
+              <a:rPr lang="de-DE" dirty="0" smtClean="0"/>
+              <a:t>linearen Separierbarkeit </a:t>
+            </a:r>
+            <a:endParaRPr lang="de-DE" dirty="0" smtClean="0"/>
           </a:p>
           <a:p>
             <a:pPr lvl="2"/>
             <a:r>
               <a:rPr lang="de-DE" dirty="0" smtClean="0"/>
-              <a:t>Theorem von Kolmogorov</a:t>
+              <a:t>Beweis der eingeschränkten Fähigkeit von einschichtigen neuronalen Netzen.</a:t>
+            </a:r>
+            <a:endParaRPr lang="de-DE" dirty="0" smtClean="0"/>
+          </a:p>
+          <a:p>
+            <a:pPr lvl="2"/>
+            <a:r>
+              <a:rPr lang="de-DE" dirty="0" smtClean="0"/>
+              <a:t> Konvergenz-Theorem &amp; Theorem </a:t>
+            </a:r>
+            <a:r>
+              <a:rPr lang="de-DE" dirty="0" smtClean="0"/>
+              <a:t>von Kolmogorov</a:t>
             </a:r>
           </a:p>
         </p:txBody>
@@ -8458,7 +8475,7 @@
             <a:fld id="{7AC709DD-AC18-4FBA-B4E6-46DED743653E}" type="datetime1">
               <a:rPr lang="de-DE" smtClean="0"/>
               <a:pPr/>
-              <a:t>11.12.2015</a:t>
+              <a:t>12.12.2015</a:t>
             </a:fld>
             <a:endParaRPr lang="de-DE"/>
           </a:p>
@@ -9213,8 +9230,8 @@
           </a:p>
         </p:txBody>
       </p:sp>
-      <mc:AlternateContent xmlns:mc="http://schemas.openxmlformats.org/markup-compatibility/2006" xmlns:a14="http://schemas.microsoft.com/office/drawing/2010/main">
-        <mc:Choice Requires="a14">
+      <mc:AlternateContent xmlns:mc="http://schemas.openxmlformats.org/markup-compatibility/2006">
+        <mc:Choice xmlns:a14="http://schemas.microsoft.com/office/drawing/2010/main" Requires="a14">
           <p:sp>
             <p:nvSpPr>
               <p:cNvPr id="3" name="Inhaltsplatzhalter 2"/>
@@ -9682,8 +9699,13 @@
                 </a14:m>
                 <a:r>
                   <a:rPr lang="de-DE" dirty="0" smtClean="0"/>
-                  <a:t> die Ungleichungen</a:t>
+                  <a:t> die </a:t>
                 </a:r>
+                <a:r>
+                  <a:rPr lang="de-DE" dirty="0" smtClean="0"/>
+                  <a:t>folgenden Ungleichungen erfüllen:</a:t>
+                </a:r>
+                <a:endParaRPr lang="de-DE" dirty="0" smtClean="0"/>
               </a:p>
               <a:p>
                 <a:pPr marL="457200" lvl="1" indent="0">
@@ -9952,7 +9974,7 @@
             </p:txBody>
           </p:sp>
         </mc:Choice>
-        <mc:Fallback xmlns="">
+        <mc:Fallback>
           <p:sp>
             <p:nvSpPr>
               <p:cNvPr id="3" name="Inhaltsplatzhalter 2"/>
@@ -9968,10 +9990,10 @@
                 <a:off x="838200" y="1889423"/>
                 <a:ext cx="10515600" cy="4351338"/>
               </a:xfrm>
-              <a:blipFill rotWithShape="1">
+              <a:blipFill rotWithShape="0">
                 <a:blip r:embed="rId2"/>
                 <a:stretch>
-                  <a:fillRect l="-1043" t="-3782" r="-2029" b="-1261"/>
+                  <a:fillRect l="-1043" t="-3922" r="-2029" b="-1261"/>
                 </a:stretch>
               </a:blipFill>
             </p:spPr>
@@ -10008,7 +10030,7 @@
             <a:fld id="{7AC709DD-AC18-4FBA-B4E6-46DED743653E}" type="datetime1">
               <a:rPr lang="de-DE" smtClean="0"/>
               <a:pPr/>
-              <a:t>11.12.2015</a:t>
+              <a:t>12.12.2015</a:t>
             </a:fld>
             <a:endParaRPr lang="de-DE"/>
           </a:p>
@@ -10172,7 +10194,7 @@
             <a:fld id="{7AC709DD-AC18-4FBA-B4E6-46DED743653E}" type="datetime1">
               <a:rPr lang="de-DE" smtClean="0"/>
               <a:pPr/>
-              <a:t>11.12.2015</a:t>
+              <a:t>12.12.2015</a:t>
             </a:fld>
             <a:endParaRPr lang="de-DE"/>
           </a:p>
@@ -10410,7 +10432,7 @@
             <a:fld id="{7AC709DD-AC18-4FBA-B4E6-46DED743653E}" type="datetime1">
               <a:rPr lang="de-DE" smtClean="0"/>
               <a:pPr/>
-              <a:t>11.12.2015</a:t>
+              <a:t>12.12.2015</a:t>
             </a:fld>
             <a:endParaRPr lang="de-DE"/>
           </a:p>
@@ -10493,8 +10515,8 @@
           </a:prstGeom>
         </p:spPr>
       </p:pic>
-      <mc:AlternateContent xmlns:mc="http://schemas.openxmlformats.org/markup-compatibility/2006" xmlns:a14="http://schemas.microsoft.com/office/drawing/2010/main">
-        <mc:Choice Requires="a14">
+      <mc:AlternateContent xmlns:mc="http://schemas.openxmlformats.org/markup-compatibility/2006">
+        <mc:Choice xmlns:a14="http://schemas.microsoft.com/office/drawing/2010/main" Requires="a14">
           <p:sp>
             <p:nvSpPr>
               <p:cNvPr id="16" name="Textfeld 15"/>
@@ -11017,17 +11039,10 @@
                       </m:sub>
                     </m:sSub>
                     <m:r>
-                      <a:rPr lang="de-DE" i="1">
+                      <a:rPr lang="de-DE" b="0" i="1" smtClean="0">
                         <a:latin typeface="Cambria Math" panose="02040503050406030204" pitchFamily="18" charset="0"/>
                       </a:rPr>
-                      <m:t> </m:t>
-                    </m:r>
-                    <m:r>
-                      <a:rPr lang="de-DE" i="1" smtClean="0">
-                        <a:latin typeface="Cambria Math" panose="02040503050406030204" pitchFamily="18" charset="0"/>
-                        <a:ea typeface="Cambria Math" panose="02040503050406030204" pitchFamily="18" charset="0"/>
-                      </a:rPr>
-                      <m:t>&lt;</m:t>
+                      <m:t> ≥</m:t>
                     </m:r>
                     <m:r>
                       <m:rPr>
@@ -11191,17 +11206,10 @@
                       </m:sub>
                     </m:sSub>
                     <m:r>
-                      <a:rPr lang="de-DE" i="1">
+                      <a:rPr lang="de-DE" b="0" i="1" smtClean="0">
                         <a:latin typeface="Cambria Math" panose="02040503050406030204" pitchFamily="18" charset="0"/>
                       </a:rPr>
-                      <m:t> </m:t>
-                    </m:r>
-                    <m:r>
-                      <a:rPr lang="de-DE" i="1">
-                        <a:latin typeface="Cambria Math" panose="02040503050406030204" pitchFamily="18" charset="0"/>
-                        <a:ea typeface="Cambria Math" panose="02040503050406030204" pitchFamily="18" charset="0"/>
-                      </a:rPr>
-                      <m:t>&lt;</m:t>
+                      <m:t>≥ </m:t>
                     </m:r>
                     <m:r>
                       <m:rPr>
@@ -11727,7 +11735,7 @@
             </p:txBody>
           </p:sp>
         </mc:Choice>
-        <mc:Fallback xmlns="">
+        <mc:Fallback>
           <p:sp>
             <p:nvSpPr>
               <p:cNvPr id="16" name="Textfeld 15"/>
@@ -11745,7 +11753,7 @@
                 <a:avLst/>
               </a:prstGeom>
               <a:blipFill rotWithShape="0">
-                <a:blip r:embed="rId4" cstate="print"/>
+                <a:blip r:embed="rId4"/>
                 <a:stretch>
                   <a:fillRect l="-740" t="-1115"/>
                 </a:stretch>
@@ -11867,39 +11875,26 @@
                                   </p:childTnLst>
                                 </p:cTn>
                               </p:par>
+                            </p:childTnLst>
+                          </p:cTn>
+                        </p:par>
+                      </p:childTnLst>
+                    </p:cTn>
+                  </p:par>
+                  <p:par>
+                    <p:cTn id="7" fill="hold">
+                      <p:stCondLst>
+                        <p:cond delay="indefinite"/>
+                      </p:stCondLst>
+                      <p:childTnLst>
+                        <p:par>
+                          <p:cTn id="8" fill="hold">
+                            <p:stCondLst>
+                              <p:cond delay="0"/>
+                            </p:stCondLst>
+                            <p:childTnLst>
                               <p:par>
-                                <p:cTn id="7" presetID="1" presetClass="entr" presetSubtype="0" fill="hold" nodeType="withEffect">
-                                  <p:stCondLst>
-                                    <p:cond delay="0"/>
-                                  </p:stCondLst>
-                                  <p:childTnLst>
-                                    <p:set>
-                                      <p:cBhvr>
-                                        <p:cTn id="8" dur="1" fill="hold">
-                                          <p:stCondLst>
-                                            <p:cond delay="0"/>
-                                          </p:stCondLst>
-                                        </p:cTn>
-                                        <p:tgtEl>
-                                          <p:spTgt spid="16">
-                                            <p:txEl>
-                                              <p:pRg st="1" end="1"/>
-                                            </p:txEl>
-                                          </p:spTgt>
-                                        </p:tgtEl>
-                                        <p:attrNameLst>
-                                          <p:attrName>style.visibility</p:attrName>
-                                        </p:attrNameLst>
-                                      </p:cBhvr>
-                                      <p:to>
-                                        <p:strVal val="visible"/>
-                                      </p:to>
-                                    </p:set>
-                                  </p:childTnLst>
-                                </p:cTn>
-                              </p:par>
-                              <p:par>
-                                <p:cTn id="9" presetID="1" presetClass="entr" presetSubtype="0" fill="hold" nodeType="withEffect">
+                                <p:cTn id="9" presetID="1" presetClass="entr" presetSubtype="0" fill="hold" nodeType="clickEffect">
                                   <p:stCondLst>
                                     <p:cond delay="0"/>
                                   </p:stCondLst>
@@ -11914,7 +11909,7 @@
                                         <p:tgtEl>
                                           <p:spTgt spid="16">
                                             <p:txEl>
-                                              <p:pRg st="2" end="2"/>
+                                              <p:pRg st="1" end="1"/>
                                             </p:txEl>
                                           </p:spTgt>
                                         </p:tgtEl>
@@ -11963,7 +11958,7 @@
                                         <p:tgtEl>
                                           <p:spTgt spid="16">
                                             <p:txEl>
-                                              <p:pRg st="4" end="4"/>
+                                              <p:pRg st="2" end="2"/>
                                             </p:txEl>
                                           </p:spTgt>
                                         </p:tgtEl>
@@ -12012,7 +12007,7 @@
                                         <p:tgtEl>
                                           <p:spTgt spid="16">
                                             <p:txEl>
-                                              <p:pRg st="5" end="5"/>
+                                              <p:pRg st="4" end="4"/>
                                             </p:txEl>
                                           </p:spTgt>
                                         </p:tgtEl>
@@ -12061,7 +12056,7 @@
                                         <p:tgtEl>
                                           <p:spTgt spid="16">
                                             <p:txEl>
-                                              <p:pRg st="6" end="6"/>
+                                              <p:pRg st="5" end="5"/>
                                             </p:txEl>
                                           </p:spTgt>
                                         </p:tgtEl>
@@ -12110,7 +12105,7 @@
                                         <p:tgtEl>
                                           <p:spTgt spid="16">
                                             <p:txEl>
-                                              <p:pRg st="7" end="7"/>
+                                              <p:pRg st="6" end="6"/>
                                             </p:txEl>
                                           </p:spTgt>
                                         </p:tgtEl>
@@ -12159,6 +12154,55 @@
                                         <p:tgtEl>
                                           <p:spTgt spid="16">
                                             <p:txEl>
+                                              <p:pRg st="7" end="7"/>
+                                            </p:txEl>
+                                          </p:spTgt>
+                                        </p:tgtEl>
+                                        <p:attrNameLst>
+                                          <p:attrName>style.visibility</p:attrName>
+                                        </p:attrNameLst>
+                                      </p:cBhvr>
+                                      <p:to>
+                                        <p:strVal val="visible"/>
+                                      </p:to>
+                                    </p:set>
+                                  </p:childTnLst>
+                                </p:cTn>
+                              </p:par>
+                            </p:childTnLst>
+                          </p:cTn>
+                        </p:par>
+                      </p:childTnLst>
+                    </p:cTn>
+                  </p:par>
+                  <p:par>
+                    <p:cTn id="31" fill="hold">
+                      <p:stCondLst>
+                        <p:cond delay="indefinite"/>
+                      </p:stCondLst>
+                      <p:childTnLst>
+                        <p:par>
+                          <p:cTn id="32" fill="hold">
+                            <p:stCondLst>
+                              <p:cond delay="0"/>
+                            </p:stCondLst>
+                            <p:childTnLst>
+                              <p:par>
+                                <p:cTn id="33" presetID="1" presetClass="entr" presetSubtype="0" fill="hold" nodeType="clickEffect">
+                                  <p:stCondLst>
+                                    <p:cond delay="0"/>
+                                  </p:stCondLst>
+                                  <p:childTnLst>
+                                    <p:set>
+                                      <p:cBhvr>
+                                        <p:cTn id="34" dur="1" fill="hold">
+                                          <p:stCondLst>
+                                            <p:cond delay="0"/>
+                                          </p:stCondLst>
+                                        </p:cTn>
+                                        <p:tgtEl>
+                                          <p:spTgt spid="16">
+                                            <p:txEl>
                                               <p:pRg st="8" end="8"/>
                                             </p:txEl>
                                           </p:spTgt>
@@ -12174,15 +12218,33 @@
                                   </p:childTnLst>
                                 </p:cTn>
                               </p:par>
+                            </p:childTnLst>
+                          </p:cTn>
+                        </p:par>
+                      </p:childTnLst>
+                    </p:cTn>
+                  </p:par>
+                  <p:par>
+                    <p:cTn id="35" fill="hold">
+                      <p:stCondLst>
+                        <p:cond delay="indefinite"/>
+                      </p:stCondLst>
+                      <p:childTnLst>
+                        <p:par>
+                          <p:cTn id="36" fill="hold">
+                            <p:stCondLst>
+                              <p:cond delay="0"/>
+                            </p:stCondLst>
+                            <p:childTnLst>
                               <p:par>
-                                <p:cTn id="31" presetID="1" presetClass="entr" presetSubtype="0" fill="hold" nodeType="withEffect">
+                                <p:cTn id="37" presetID="1" presetClass="entr" presetSubtype="0" fill="hold" nodeType="clickEffect">
                                   <p:stCondLst>
                                     <p:cond delay="0"/>
                                   </p:stCondLst>
                                   <p:childTnLst>
                                     <p:set>
                                       <p:cBhvr>
-                                        <p:cTn id="32" dur="1" fill="hold">
+                                        <p:cTn id="38" dur="1" fill="hold">
                                           <p:stCondLst>
                                             <p:cond delay="0"/>
                                           </p:stCondLst>
@@ -12482,7 +12544,7 @@
             <a:fld id="{7AC709DD-AC18-4FBA-B4E6-46DED743653E}" type="datetime1">
               <a:rPr lang="de-DE" smtClean="0"/>
               <a:pPr/>
-              <a:t>11.12.2015</a:t>
+              <a:t>12.12.2015</a:t>
             </a:fld>
             <a:endParaRPr lang="de-DE"/>
           </a:p>
@@ -12769,7 +12831,7 @@
             <a:fld id="{7AC709DD-AC18-4FBA-B4E6-46DED743653E}" type="datetime1">
               <a:rPr lang="de-DE" smtClean="0"/>
               <a:pPr/>
-              <a:t>11.12.2015</a:t>
+              <a:t>12.12.2015</a:t>
             </a:fld>
             <a:endParaRPr lang="de-DE"/>
           </a:p>
@@ -13004,7 +13066,7 @@
             <a:fld id="{7AC709DD-AC18-4FBA-B4E6-46DED743653E}" type="datetime1">
               <a:rPr lang="de-DE" smtClean="0"/>
               <a:pPr/>
-              <a:t>11.12.2015</a:t>
+              <a:t>12.12.2015</a:t>
             </a:fld>
             <a:endParaRPr lang="de-DE"/>
           </a:p>
@@ -13588,7 +13650,7 @@
             <a:fld id="{7AC709DD-AC18-4FBA-B4E6-46DED743653E}" type="datetime1">
               <a:rPr lang="de-DE" smtClean="0"/>
               <a:pPr/>
-              <a:t>11.12.2015</a:t>
+              <a:t>12.12.2015</a:t>
             </a:fld>
             <a:endParaRPr lang="de-DE"/>
           </a:p>
@@ -14097,7 +14159,7 @@
             <a:fld id="{7AC709DD-AC18-4FBA-B4E6-46DED743653E}" type="datetime1">
               <a:rPr lang="de-DE" smtClean="0"/>
               <a:pPr/>
-              <a:t>11.12.2015</a:t>
+              <a:t>12.12.2015</a:t>
             </a:fld>
             <a:endParaRPr lang="de-DE"/>
           </a:p>
@@ -14228,7 +14290,7 @@
             <a:fld id="{7AC709DD-AC18-4FBA-B4E6-46DED743653E}" type="datetime1">
               <a:rPr lang="de-DE" smtClean="0"/>
               <a:pPr/>
-              <a:t>11.12.2015</a:t>
+              <a:t>12.12.2015</a:t>
             </a:fld>
             <a:endParaRPr lang="de-DE"/>
           </a:p>
@@ -14571,7 +14633,7 @@
             <a:fld id="{7AC709DD-AC18-4FBA-B4E6-46DED743653E}" type="datetime1">
               <a:rPr lang="de-DE" smtClean="0"/>
               <a:pPr/>
-              <a:t>11.12.2015</a:t>
+              <a:t>12.12.2015</a:t>
             </a:fld>
             <a:endParaRPr lang="de-DE"/>
           </a:p>
@@ -14752,7 +14814,7 @@
             <a:fld id="{7AC709DD-AC18-4FBA-B4E6-46DED743653E}" type="datetime1">
               <a:rPr lang="de-DE" smtClean="0"/>
               <a:pPr/>
-              <a:t>11.12.2015</a:t>
+              <a:t>12.12.2015</a:t>
             </a:fld>
             <a:endParaRPr lang="de-DE"/>
           </a:p>
@@ -15358,7 +15420,7 @@
             <a:fld id="{7AC709DD-AC18-4FBA-B4E6-46DED743653E}" type="datetime1">
               <a:rPr lang="de-DE" smtClean="0"/>
               <a:pPr/>
-              <a:t>11.12.2015</a:t>
+              <a:t>12.12.2015</a:t>
             </a:fld>
             <a:endParaRPr lang="de-DE"/>
           </a:p>
@@ -15583,7 +15645,7 @@
             <a:fld id="{7AC709DD-AC18-4FBA-B4E6-46DED743653E}" type="datetime1">
               <a:rPr lang="de-DE" smtClean="0"/>
               <a:pPr/>
-              <a:t>11.12.2015</a:t>
+              <a:t>12.12.2015</a:t>
             </a:fld>
             <a:endParaRPr lang="de-DE"/>
           </a:p>
@@ -15878,7 +15940,7 @@
             <a:fld id="{7AC709DD-AC18-4FBA-B4E6-46DED743653E}" type="datetime1">
               <a:rPr lang="de-DE" smtClean="0"/>
               <a:pPr/>
-              <a:t>11.12.2015</a:t>
+              <a:t>12.12.2015</a:t>
             </a:fld>
             <a:endParaRPr lang="de-DE"/>
           </a:p>
@@ -16143,7 +16205,7 @@
             <a:fld id="{7AC709DD-AC18-4FBA-B4E6-46DED743653E}" type="datetime1">
               <a:rPr lang="de-DE" smtClean="0"/>
               <a:pPr/>
-              <a:t>11.12.2015</a:t>
+              <a:t>12.12.2015</a:t>
             </a:fld>
             <a:endParaRPr lang="de-DE"/>
           </a:p>
@@ -16634,7 +16696,7 @@
             <a:fld id="{7AC709DD-AC18-4FBA-B4E6-46DED743653E}" type="datetime1">
               <a:rPr lang="de-DE" smtClean="0"/>
               <a:pPr/>
-              <a:t>11.12.2015</a:t>
+              <a:t>12.12.2015</a:t>
             </a:fld>
             <a:endParaRPr lang="de-DE"/>
           </a:p>
@@ -17062,7 +17124,7 @@
             <a:fld id="{7AC709DD-AC18-4FBA-B4E6-46DED743653E}" type="datetime1">
               <a:rPr lang="de-DE" smtClean="0"/>
               <a:pPr/>
-              <a:t>11.12.2015</a:t>
+              <a:t>12.12.2015</a:t>
             </a:fld>
             <a:endParaRPr lang="de-DE"/>
           </a:p>
@@ -17406,7 +17468,7 @@
             <a:fld id="{7AC709DD-AC18-4FBA-B4E6-46DED743653E}" type="datetime1">
               <a:rPr lang="de-DE" smtClean="0"/>
               <a:pPr/>
-              <a:t>11.12.2015</a:t>
+              <a:t>12.12.2015</a:t>
             </a:fld>
             <a:endParaRPr lang="de-DE"/>
           </a:p>
@@ -17514,7 +17576,7 @@
             <a:fld id="{7AC709DD-AC18-4FBA-B4E6-46DED743653E}" type="datetime1">
               <a:rPr lang="de-DE" smtClean="0"/>
               <a:pPr/>
-              <a:t>11.12.2015</a:t>
+              <a:t>12.12.2015</a:t>
             </a:fld>
             <a:endParaRPr lang="de-DE"/>
           </a:p>
@@ -17808,7 +17870,7 @@
             <a:fld id="{7AC709DD-AC18-4FBA-B4E6-46DED743653E}" type="datetime1">
               <a:rPr lang="de-DE" smtClean="0"/>
               <a:pPr/>
-              <a:t>11.12.2015</a:t>
+              <a:t>12.12.2015</a:t>
             </a:fld>
             <a:endParaRPr lang="de-DE"/>
           </a:p>
@@ -18195,7 +18257,7 @@
             <a:fld id="{7AC709DD-AC18-4FBA-B4E6-46DED743653E}" type="datetime1">
               <a:rPr lang="de-DE" smtClean="0"/>
               <a:pPr/>
-              <a:t>11.12.2015</a:t>
+              <a:t>12.12.2015</a:t>
             </a:fld>
             <a:endParaRPr lang="de-DE"/>
           </a:p>
@@ -18471,7 +18533,7 @@
             <a:fld id="{7AC709DD-AC18-4FBA-B4E6-46DED743653E}" type="datetime1">
               <a:rPr lang="de-DE" smtClean="0"/>
               <a:pPr/>
-              <a:t>11.12.2015</a:t>
+              <a:t>12.12.2015</a:t>
             </a:fld>
             <a:endParaRPr lang="de-DE"/>
           </a:p>
@@ -18899,7 +18961,7 @@
             <a:fld id="{7AC709DD-AC18-4FBA-B4E6-46DED743653E}" type="datetime1">
               <a:rPr lang="de-DE" smtClean="0"/>
               <a:pPr/>
-              <a:t>11.12.2015</a:t>
+              <a:t>12.12.2015</a:t>
             </a:fld>
             <a:endParaRPr lang="de-DE"/>
           </a:p>
@@ -19588,7 +19650,7 @@
             <a:fld id="{7AC709DD-AC18-4FBA-B4E6-46DED743653E}" type="datetime1">
               <a:rPr lang="de-DE" smtClean="0"/>
               <a:pPr/>
-              <a:t>11.12.2015</a:t>
+              <a:t>12.12.2015</a:t>
             </a:fld>
             <a:endParaRPr lang="de-DE"/>
           </a:p>
@@ -20876,7 +20938,7 @@
             <a:fld id="{7AC709DD-AC18-4FBA-B4E6-46DED743653E}" type="datetime1">
               <a:rPr lang="de-DE" smtClean="0"/>
               <a:pPr/>
-              <a:t>11.12.2015</a:t>
+              <a:t>12.12.2015</a:t>
             </a:fld>
             <a:endParaRPr lang="de-DE"/>
           </a:p>
@@ -22762,7 +22824,7 @@
             <a:fld id="{7AC709DD-AC18-4FBA-B4E6-46DED743653E}" type="datetime1">
               <a:rPr lang="de-DE" smtClean="0"/>
               <a:pPr/>
-              <a:t>11.12.2015</a:t>
+              <a:t>12.12.2015</a:t>
             </a:fld>
             <a:endParaRPr lang="de-DE"/>
           </a:p>
@@ -24680,7 +24742,7 @@
             <a:fld id="{7AC709DD-AC18-4FBA-B4E6-46DED743653E}" type="datetime1">
               <a:rPr lang="de-DE" smtClean="0"/>
               <a:pPr/>
-              <a:t>11.12.2015</a:t>
+              <a:t>12.12.2015</a:t>
             </a:fld>
             <a:endParaRPr lang="de-DE"/>
           </a:p>
@@ -25433,7 +25495,7 @@
             <a:fld id="{7AC709DD-AC18-4FBA-B4E6-46DED743653E}" type="datetime1">
               <a:rPr lang="de-DE" smtClean="0"/>
               <a:pPr/>
-              <a:t>11.12.2015</a:t>
+              <a:t>12.12.2015</a:t>
             </a:fld>
             <a:endParaRPr lang="de-DE"/>
           </a:p>
@@ -26199,7 +26261,7 @@
             <a:fld id="{7AC709DD-AC18-4FBA-B4E6-46DED743653E}" type="datetime1">
               <a:rPr lang="de-DE" smtClean="0"/>
               <a:pPr/>
-              <a:t>11.12.2015</a:t>
+              <a:t>12.12.2015</a:t>
             </a:fld>
             <a:endParaRPr lang="de-DE"/>
           </a:p>
@@ -27202,7 +27264,7 @@
             <a:fld id="{7AC709DD-AC18-4FBA-B4E6-46DED743653E}" type="datetime1">
               <a:rPr lang="de-DE" smtClean="0"/>
               <a:pPr/>
-              <a:t>11.12.2015</a:t>
+              <a:t>12.12.2015</a:t>
             </a:fld>
             <a:endParaRPr lang="de-DE"/>
           </a:p>
@@ -28235,7 +28297,7 @@
             <a:fld id="{7AC709DD-AC18-4FBA-B4E6-46DED743653E}" type="datetime1">
               <a:rPr lang="de-DE" smtClean="0"/>
               <a:pPr/>
-              <a:t>11.12.2015</a:t>
+              <a:t>12.12.2015</a:t>
             </a:fld>
             <a:endParaRPr lang="de-DE"/>
           </a:p>
@@ -28449,7 +28511,7 @@
             <a:fld id="{7AC709DD-AC18-4FBA-B4E6-46DED743653E}" type="datetime1">
               <a:rPr lang="de-DE" smtClean="0"/>
               <a:pPr/>
-              <a:t>11.12.2015</a:t>
+              <a:t>12.12.2015</a:t>
             </a:fld>
             <a:endParaRPr lang="de-DE"/>
           </a:p>
@@ -29852,7 +29914,7 @@
             <a:fld id="{7AC709DD-AC18-4FBA-B4E6-46DED743653E}" type="datetime1">
               <a:rPr lang="de-DE" smtClean="0"/>
               <a:pPr/>
-              <a:t>11.12.2015</a:t>
+              <a:t>12.12.2015</a:t>
             </a:fld>
             <a:endParaRPr lang="de-DE"/>
           </a:p>
@@ -31271,7 +31333,7 @@
           <a:p>
             <a:r>
               <a:rPr lang="de-DE" dirty="0" smtClean="0"/>
-              <a:t>Endgültiges Netz</a:t>
+              <a:t>Endgültiges Netz – DAX</a:t>
             </a:r>
           </a:p>
           <a:p>
@@ -31367,7 +31429,7 @@
             <a:fld id="{7AC709DD-AC18-4FBA-B4E6-46DED743653E}" type="datetime1">
               <a:rPr lang="de-DE" smtClean="0"/>
               <a:pPr/>
-              <a:t>11.12.2015</a:t>
+              <a:t>12.12.2015</a:t>
             </a:fld>
             <a:endParaRPr lang="de-DE"/>
           </a:p>
@@ -31664,10 +31726,16 @@
                       </m:sSupPr>
                       <m:e>
                         <m:r>
+                          <a:rPr lang="de-DE" b="0" i="1" dirty="0" smtClean="0">
+                            <a:latin typeface="Cambria Math" panose="02040503050406030204" pitchFamily="18" charset="0"/>
+                          </a:rPr>
+                          <m:t>4</m:t>
+                        </m:r>
+                        <m:r>
                           <a:rPr lang="de-DE" i="1" dirty="0">
                             <a:latin typeface="Cambria Math" panose="02040503050406030204" pitchFamily="18" charset="0"/>
                           </a:rPr>
-                          <m:t>8,252</m:t>
+                          <m:t>,252</m:t>
                         </m:r>
                         <m:r>
                           <a:rPr lang="de-DE" i="1" dirty="0">
@@ -31682,7 +31750,13 @@
                           <a:rPr lang="de-DE" i="1" dirty="0">
                             <a:latin typeface="Cambria Math" panose="02040503050406030204" pitchFamily="18" charset="0"/>
                           </a:rPr>
-                          <m:t>−4</m:t>
+                          <m:t>−</m:t>
+                        </m:r>
+                        <m:r>
+                          <a:rPr lang="de-DE" b="0" i="1" dirty="0" smtClean="0">
+                            <a:latin typeface="Cambria Math" panose="02040503050406030204" pitchFamily="18" charset="0"/>
+                          </a:rPr>
+                          <m:t>5</m:t>
                         </m:r>
                       </m:sup>
                     </m:sSup>
@@ -31704,17 +31778,23 @@
                     <m:sSup>
                       <m:sSupPr>
                         <m:ctrlPr>
-                          <a:rPr lang="de-DE" i="1" dirty="0">
+                          <a:rPr lang="de-DE" i="1" dirty="0" smtClean="0">
                             <a:latin typeface="Cambria Math" panose="02040503050406030204" pitchFamily="18" charset="0"/>
                           </a:rPr>
                         </m:ctrlPr>
                       </m:sSupPr>
                       <m:e>
                         <m:r>
+                          <a:rPr lang="de-DE" b="0" i="1" dirty="0" smtClean="0">
+                            <a:latin typeface="Cambria Math" panose="02040503050406030204" pitchFamily="18" charset="0"/>
+                          </a:rPr>
+                          <m:t>4</m:t>
+                        </m:r>
+                        <m:r>
                           <a:rPr lang="de-DE" i="1" dirty="0">
                             <a:latin typeface="Cambria Math" panose="02040503050406030204" pitchFamily="18" charset="0"/>
                           </a:rPr>
-                          <m:t>8,</m:t>
+                          <m:t>,</m:t>
                         </m:r>
                         <m:r>
                           <a:rPr lang="de-DE" b="0" i="1" dirty="0" smtClean="0">
@@ -31735,7 +31815,13 @@
                           <a:rPr lang="de-DE" i="1" dirty="0">
                             <a:latin typeface="Cambria Math" panose="02040503050406030204" pitchFamily="18" charset="0"/>
                           </a:rPr>
-                          <m:t>−4</m:t>
+                          <m:t>−</m:t>
+                        </m:r>
+                        <m:r>
+                          <a:rPr lang="de-DE" b="0" i="1" dirty="0" smtClean="0">
+                            <a:latin typeface="Cambria Math" panose="02040503050406030204" pitchFamily="18" charset="0"/>
+                          </a:rPr>
+                          <m:t>5</m:t>
                         </m:r>
                       </m:sup>
                     </m:sSup>
@@ -31766,7 +31852,7 @@
               <a:blipFill rotWithShape="0">
                 <a:blip r:embed="rId4"/>
                 <a:stretch>
-                  <a:fillRect l="-1278" t="-3046" b="-7107"/>
+                  <a:fillRect l="-1278" t="-3046" b="-7614"/>
                 </a:stretch>
               </a:blipFill>
             </p:spPr>
@@ -31969,7 +32055,7 @@
             <a:fld id="{7AC709DD-AC18-4FBA-B4E6-46DED743653E}" type="datetime1">
               <a:rPr lang="de-DE" smtClean="0"/>
               <a:pPr/>
-              <a:t>11.12.2015</a:t>
+              <a:t>12.12.2015</a:t>
             </a:fld>
             <a:endParaRPr lang="de-DE"/>
           </a:p>
@@ -32061,7 +32147,7 @@
           <p:nvPr>
             <p:extLst>
               <p:ext uri="{D42A27DB-BD31-4B8C-83A1-F6EECF244321}">
-                <p14:modId xmlns:p14="http://schemas.microsoft.com/office/powerpoint/2010/main" val="3593670066"/>
+                <p14:modId xmlns:p14="http://schemas.microsoft.com/office/powerpoint/2010/main" val="2403215366"/>
               </p:ext>
             </p:extLst>
           </p:nvPr>
@@ -32208,15 +32294,7 @@
                             <a:srgbClr val="FF0000"/>
                           </a:solidFill>
                         </a:rPr>
-                        <a:t>Andere</a:t>
-                      </a:r>
-                      <a:r>
-                        <a:rPr lang="de-DE" baseline="0" dirty="0" smtClean="0">
-                          <a:solidFill>
-                            <a:srgbClr val="FF0000"/>
-                          </a:solidFill>
-                        </a:rPr>
-                        <a:t> Lernrate</a:t>
+                        <a:t>0.350</a:t>
                       </a:r>
                       <a:endParaRPr lang="de-DE" dirty="0">
                         <a:solidFill>
@@ -32232,71 +32310,201 @@
           </a:graphicData>
         </a:graphic>
       </p:graphicFrame>
-      <p:sp>
-        <p:nvSpPr>
-          <p:cNvPr id="7" name="Textfeld 6"/>
-          <p:cNvSpPr txBox="1"/>
-          <p:nvPr/>
-        </p:nvSpPr>
-        <p:spPr>
-          <a:xfrm>
-            <a:off x="7434525" y="4027057"/>
-            <a:ext cx="4295554" cy="1477328"/>
-          </a:xfrm>
-          <a:prstGeom prst="rect">
-            <a:avLst/>
-          </a:prstGeom>
-          <a:noFill/>
-        </p:spPr>
-        <p:txBody>
-          <a:bodyPr wrap="square" rtlCol="0">
-            <a:spAutoFit/>
-          </a:bodyPr>
-          <a:lstStyle/>
-          <a:p>
-            <a:r>
-              <a:rPr lang="de-DE" dirty="0" smtClean="0"/>
-              <a:t>Endgültiges Netz nochmals mit 200.000 Zyklen trainiert und getestet:</a:t>
-            </a:r>
-          </a:p>
-          <a:p>
-            <a:pPr marL="742950" lvl="1" indent="-285750">
-              <a:buFont typeface="Wingdings" panose="05000000000000000000" pitchFamily="2" charset="2"/>
-              <a:buChar char="§"/>
-            </a:pPr>
-            <a:r>
-              <a:rPr lang="de-DE" dirty="0"/>
-              <a:t>MSE-Training</a:t>
-            </a:r>
-            <a:r>
-              <a:rPr lang="de-DE" dirty="0" smtClean="0"/>
-              <a:t>:</a:t>
-            </a:r>
-            <a:endParaRPr lang="de-DE" dirty="0"/>
-          </a:p>
-          <a:p>
-            <a:pPr marL="742950" lvl="1" indent="-285750">
-              <a:buFont typeface="Wingdings" panose="05000000000000000000" pitchFamily="2" charset="2"/>
-              <a:buChar char="§"/>
-            </a:pPr>
-            <a:r>
-              <a:rPr lang="de-DE" dirty="0"/>
-              <a:t>MSE-Test</a:t>
-            </a:r>
-            <a:r>
-              <a:rPr lang="de-DE" dirty="0" smtClean="0"/>
-              <a:t>:</a:t>
-            </a:r>
-          </a:p>
-          <a:p>
-            <a:pPr marL="742950" lvl="1" indent="-285750">
-              <a:buFont typeface="Wingdings" panose="05000000000000000000" pitchFamily="2" charset="2"/>
-              <a:buChar char="§"/>
-            </a:pPr>
-            <a:endParaRPr lang="de-DE" dirty="0"/>
-          </a:p>
-        </p:txBody>
-      </p:sp>
+      <mc:AlternateContent xmlns:mc="http://schemas.openxmlformats.org/markup-compatibility/2006" xmlns:a14="http://schemas.microsoft.com/office/drawing/2010/main">
+        <mc:Choice Requires="a14">
+          <p:sp>
+            <p:nvSpPr>
+              <p:cNvPr id="7" name="Textfeld 6"/>
+              <p:cNvSpPr txBox="1"/>
+              <p:nvPr/>
+            </p:nvSpPr>
+            <p:spPr>
+              <a:xfrm>
+                <a:off x="7434525" y="4027057"/>
+                <a:ext cx="4295554" cy="1206484"/>
+              </a:xfrm>
+              <a:prstGeom prst="rect">
+                <a:avLst/>
+              </a:prstGeom>
+              <a:noFill/>
+            </p:spPr>
+            <p:txBody>
+              <a:bodyPr wrap="square" rtlCol="0">
+                <a:spAutoFit/>
+              </a:bodyPr>
+              <a:lstStyle/>
+              <a:p>
+                <a:r>
+                  <a:rPr lang="de-DE" dirty="0" smtClean="0"/>
+                  <a:t>Endgültiges Netz nochmals mit 200.000 Zyklen trainiert und getestet:</a:t>
+                </a:r>
+              </a:p>
+              <a:p>
+                <a:pPr marL="742950" lvl="1" indent="-285750">
+                  <a:buFont typeface="Wingdings" panose="05000000000000000000" pitchFamily="2" charset="2"/>
+                  <a:buChar char="§"/>
+                </a:pPr>
+                <a:r>
+                  <a:rPr lang="de-DE" dirty="0"/>
+                  <a:t>MSE-Training:   </a:t>
+                </a:r>
+                <a14:m>
+                  <m:oMath xmlns:m="http://schemas.openxmlformats.org/officeDocument/2006/math">
+                    <m:sSup>
+                      <m:sSupPr>
+                        <m:ctrlPr>
+                          <a:rPr lang="de-DE" i="1" dirty="0">
+                            <a:latin typeface="Cambria Math" panose="02040503050406030204" pitchFamily="18" charset="0"/>
+                          </a:rPr>
+                        </m:ctrlPr>
+                      </m:sSupPr>
+                      <m:e>
+                        <m:r>
+                          <a:rPr lang="de-DE" b="0" i="1" dirty="0" smtClean="0">
+                            <a:latin typeface="Cambria Math" panose="02040503050406030204" pitchFamily="18" charset="0"/>
+                          </a:rPr>
+                          <m:t>1.3</m:t>
+                        </m:r>
+                        <m:r>
+                          <a:rPr lang="de-DE" i="1" dirty="0">
+                            <a:latin typeface="Cambria Math" panose="02040503050406030204" pitchFamily="18" charset="0"/>
+                          </a:rPr>
+                          <m:t>5</m:t>
+                        </m:r>
+                        <m:r>
+                          <a:rPr lang="de-DE" b="0" i="1" dirty="0" smtClean="0">
+                            <a:latin typeface="Cambria Math" panose="02040503050406030204" pitchFamily="18" charset="0"/>
+                          </a:rPr>
+                          <m:t>0</m:t>
+                        </m:r>
+                        <m:r>
+                          <a:rPr lang="de-DE" i="1" dirty="0">
+                            <a:latin typeface="Cambria Math" panose="02040503050406030204" pitchFamily="18" charset="0"/>
+                            <a:ea typeface="Cambria Math" panose="02040503050406030204" pitchFamily="18" charset="0"/>
+                          </a:rPr>
+                          <m:t>∙10</m:t>
+                        </m:r>
+                      </m:e>
+                      <m:sup>
+                        <m:r>
+                          <a:rPr lang="de-DE" i="1" dirty="0">
+                            <a:latin typeface="Cambria Math" panose="02040503050406030204" pitchFamily="18" charset="0"/>
+                          </a:rPr>
+                          <m:t>−5</m:t>
+                        </m:r>
+                      </m:sup>
+                    </m:sSup>
+                  </m:oMath>
+                </a14:m>
+                <a:endParaRPr lang="de-DE" dirty="0"/>
+              </a:p>
+              <a:p>
+                <a:pPr marL="742950" lvl="1" indent="-285750">
+                  <a:buFont typeface="Wingdings" panose="05000000000000000000" pitchFamily="2" charset="2"/>
+                  <a:buChar char="§"/>
+                </a:pPr>
+                <a:r>
+                  <a:rPr lang="de-DE" dirty="0"/>
+                  <a:t>MSE-Test: </a:t>
+                </a:r>
+                <a14:m>
+                  <m:oMath xmlns:m="http://schemas.openxmlformats.org/officeDocument/2006/math">
+                    <m:sSup>
+                      <m:sSupPr>
+                        <m:ctrlPr>
+                          <a:rPr lang="de-DE" i="1" dirty="0">
+                            <a:latin typeface="Cambria Math" panose="02040503050406030204" pitchFamily="18" charset="0"/>
+                          </a:rPr>
+                        </m:ctrlPr>
+                      </m:sSupPr>
+                      <m:e>
+                        <m:r>
+                          <a:rPr lang="de-DE" b="0" i="1" dirty="0" smtClean="0">
+                            <a:latin typeface="Cambria Math" panose="02040503050406030204" pitchFamily="18" charset="0"/>
+                          </a:rPr>
+                          <m:t>4</m:t>
+                        </m:r>
+                        <m:r>
+                          <a:rPr lang="de-DE" i="1" dirty="0">
+                            <a:latin typeface="Cambria Math" panose="02040503050406030204" pitchFamily="18" charset="0"/>
+                          </a:rPr>
+                          <m:t>,</m:t>
+                        </m:r>
+                        <m:r>
+                          <a:rPr lang="de-DE" b="0" i="1" dirty="0" smtClean="0">
+                            <a:latin typeface="Cambria Math" panose="02040503050406030204" pitchFamily="18" charset="0"/>
+                          </a:rPr>
+                          <m:t>5</m:t>
+                        </m:r>
+                        <m:r>
+                          <a:rPr lang="de-DE" i="1" dirty="0">
+                            <a:latin typeface="Cambria Math" panose="02040503050406030204" pitchFamily="18" charset="0"/>
+                          </a:rPr>
+                          <m:t>20</m:t>
+                        </m:r>
+                        <m:r>
+                          <a:rPr lang="de-DE" i="1" dirty="0">
+                            <a:latin typeface="Cambria Math" panose="02040503050406030204" pitchFamily="18" charset="0"/>
+                            <a:ea typeface="Cambria Math" panose="02040503050406030204" pitchFamily="18" charset="0"/>
+                          </a:rPr>
+                          <m:t>∙10</m:t>
+                        </m:r>
+                      </m:e>
+                      <m:sup>
+                        <m:r>
+                          <a:rPr lang="de-DE" i="1" dirty="0">
+                            <a:latin typeface="Cambria Math" panose="02040503050406030204" pitchFamily="18" charset="0"/>
+                          </a:rPr>
+                          <m:t>−5</m:t>
+                        </m:r>
+                      </m:sup>
+                    </m:sSup>
+                  </m:oMath>
+                </a14:m>
+                <a:endParaRPr lang="de-DE" dirty="0"/>
+              </a:p>
+            </p:txBody>
+          </p:sp>
+        </mc:Choice>
+        <mc:Fallback xmlns="">
+          <p:sp>
+            <p:nvSpPr>
+              <p:cNvPr id="7" name="Textfeld 6"/>
+              <p:cNvSpPr txBox="1">
+                <a:spLocks noRot="1" noChangeAspect="1" noMove="1" noResize="1" noEditPoints="1" noAdjustHandles="1" noChangeArrowheads="1" noChangeShapeType="1" noTextEdit="1"/>
+              </p:cNvSpPr>
+              <p:nvPr/>
+            </p:nvSpPr>
+            <p:spPr>
+              <a:xfrm>
+                <a:off x="7434525" y="4027057"/>
+                <a:ext cx="4295554" cy="1206484"/>
+              </a:xfrm>
+              <a:prstGeom prst="rect">
+                <a:avLst/>
+              </a:prstGeom>
+              <a:blipFill rotWithShape="0">
+                <a:blip r:embed="rId4"/>
+                <a:stretch>
+                  <a:fillRect l="-1278" t="-3030" b="-7071"/>
+                </a:stretch>
+              </a:blipFill>
+            </p:spPr>
+            <p:txBody>
+              <a:bodyPr/>
+              <a:lstStyle/>
+              <a:p>
+                <a:r>
+                  <a:rPr lang="de-DE">
+                    <a:noFill/>
+                  </a:rPr>
+                  <a:t> </a:t>
+                </a:r>
+              </a:p>
+            </p:txBody>
+          </p:sp>
+        </mc:Fallback>
+      </mc:AlternateContent>
     </p:spTree>
     <p:extLst>
       <p:ext uri="{BB962C8B-B14F-4D97-AF65-F5344CB8AC3E}">
@@ -32476,7 +32684,7 @@
             <a:fld id="{7AC709DD-AC18-4FBA-B4E6-46DED743653E}" type="datetime1">
               <a:rPr lang="de-DE" smtClean="0"/>
               <a:pPr/>
-              <a:t>11.12.2015</a:t>
+              <a:t>12.12.2015</a:t>
             </a:fld>
             <a:endParaRPr lang="de-DE"/>
           </a:p>
@@ -32568,7 +32776,7 @@
           <p:nvPr>
             <p:extLst>
               <p:ext uri="{D42A27DB-BD31-4B8C-83A1-F6EECF244321}">
-                <p14:modId xmlns:p14="http://schemas.microsoft.com/office/powerpoint/2010/main" val="960441531"/>
+                <p14:modId xmlns:p14="http://schemas.microsoft.com/office/powerpoint/2010/main" val="2906290597"/>
               </p:ext>
             </p:extLst>
           </p:nvPr>
@@ -32715,15 +32923,7 @@
                             <a:srgbClr val="FF0000"/>
                           </a:solidFill>
                         </a:rPr>
-                        <a:t>Andere</a:t>
-                      </a:r>
-                      <a:r>
-                        <a:rPr lang="de-DE" baseline="0" dirty="0" smtClean="0">
-                          <a:solidFill>
-                            <a:srgbClr val="FF0000"/>
-                          </a:solidFill>
-                        </a:rPr>
-                        <a:t> Lernrate</a:t>
+                        <a:t>0.6</a:t>
                       </a:r>
                       <a:endParaRPr lang="de-DE" dirty="0">
                         <a:solidFill>
@@ -32739,65 +32939,201 @@
           </a:graphicData>
         </a:graphic>
       </p:graphicFrame>
-      <p:sp>
-        <p:nvSpPr>
-          <p:cNvPr id="7" name="Textfeld 6"/>
-          <p:cNvSpPr txBox="1"/>
-          <p:nvPr/>
-        </p:nvSpPr>
-        <p:spPr>
-          <a:xfrm>
-            <a:off x="7434525" y="4027057"/>
-            <a:ext cx="4295554" cy="1200329"/>
-          </a:xfrm>
-          <a:prstGeom prst="rect">
-            <a:avLst/>
-          </a:prstGeom>
-          <a:noFill/>
-        </p:spPr>
-        <p:txBody>
-          <a:bodyPr wrap="square" rtlCol="0">
-            <a:spAutoFit/>
-          </a:bodyPr>
-          <a:lstStyle/>
-          <a:p>
-            <a:r>
-              <a:rPr lang="de-DE" dirty="0" smtClean="0"/>
-              <a:t>Endgültiges Netz nochmals mit 200.000 Zyklen trainiert und getestet:</a:t>
-            </a:r>
-          </a:p>
-          <a:p>
-            <a:pPr marL="742950" lvl="1" indent="-285750">
-              <a:buFont typeface="Wingdings" panose="05000000000000000000" pitchFamily="2" charset="2"/>
-              <a:buChar char="§"/>
-            </a:pPr>
-            <a:r>
-              <a:rPr lang="de-DE" dirty="0"/>
-              <a:t>MSE-Training</a:t>
-            </a:r>
-            <a:r>
-              <a:rPr lang="de-DE" dirty="0" smtClean="0"/>
-              <a:t>:</a:t>
-            </a:r>
-            <a:endParaRPr lang="de-DE" dirty="0"/>
-          </a:p>
-          <a:p>
-            <a:pPr marL="742950" lvl="1" indent="-285750">
-              <a:buFont typeface="Wingdings" panose="05000000000000000000" pitchFamily="2" charset="2"/>
-              <a:buChar char="§"/>
-            </a:pPr>
-            <a:r>
-              <a:rPr lang="de-DE" dirty="0"/>
-              <a:t>MSE-Test</a:t>
-            </a:r>
-            <a:r>
-              <a:rPr lang="de-DE" dirty="0" smtClean="0"/>
-              <a:t>:</a:t>
-            </a:r>
-            <a:endParaRPr lang="de-DE" dirty="0"/>
-          </a:p>
-        </p:txBody>
-      </p:sp>
+      <mc:AlternateContent xmlns:mc="http://schemas.openxmlformats.org/markup-compatibility/2006" xmlns:a14="http://schemas.microsoft.com/office/drawing/2010/main">
+        <mc:Choice Requires="a14">
+          <p:sp>
+            <p:nvSpPr>
+              <p:cNvPr id="7" name="Textfeld 6"/>
+              <p:cNvSpPr txBox="1"/>
+              <p:nvPr/>
+            </p:nvSpPr>
+            <p:spPr>
+              <a:xfrm>
+                <a:off x="7434525" y="4027057"/>
+                <a:ext cx="4295554" cy="1200329"/>
+              </a:xfrm>
+              <a:prstGeom prst="rect">
+                <a:avLst/>
+              </a:prstGeom>
+              <a:noFill/>
+            </p:spPr>
+            <p:txBody>
+              <a:bodyPr wrap="square" rtlCol="0">
+                <a:spAutoFit/>
+              </a:bodyPr>
+              <a:lstStyle/>
+              <a:p>
+                <a:r>
+                  <a:rPr lang="de-DE" dirty="0" smtClean="0"/>
+                  <a:t>Endgültiges Netz nochmals mit 200.000 Zyklen trainiert und getestet:</a:t>
+                </a:r>
+              </a:p>
+              <a:p>
+                <a:pPr marL="742950" lvl="1" indent="-285750">
+                  <a:buFont typeface="Wingdings" panose="05000000000000000000" pitchFamily="2" charset="2"/>
+                  <a:buChar char="§"/>
+                </a:pPr>
+                <a:r>
+                  <a:rPr lang="de-DE" dirty="0"/>
+                  <a:t>MSE-Training:   </a:t>
+                </a:r>
+                <a14:m>
+                  <m:oMath xmlns:m="http://schemas.openxmlformats.org/officeDocument/2006/math">
+                    <m:sSup>
+                      <m:sSupPr>
+                        <m:ctrlPr>
+                          <a:rPr lang="de-DE" i="1" dirty="0">
+                            <a:latin typeface="Cambria Math" panose="02040503050406030204" pitchFamily="18" charset="0"/>
+                          </a:rPr>
+                        </m:ctrlPr>
+                      </m:sSupPr>
+                      <m:e>
+                        <m:r>
+                          <a:rPr lang="de-DE" b="0" i="1" dirty="0" smtClean="0">
+                            <a:latin typeface="Cambria Math" panose="02040503050406030204" pitchFamily="18" charset="0"/>
+                          </a:rPr>
+                          <m:t>6</m:t>
+                        </m:r>
+                        <m:r>
+                          <a:rPr lang="de-DE" i="1" dirty="0">
+                            <a:latin typeface="Cambria Math" panose="02040503050406030204" pitchFamily="18" charset="0"/>
+                          </a:rPr>
+                          <m:t>,</m:t>
+                        </m:r>
+                        <m:r>
+                          <a:rPr lang="de-DE" b="0" i="1" dirty="0" smtClean="0">
+                            <a:latin typeface="Cambria Math" panose="02040503050406030204" pitchFamily="18" charset="0"/>
+                          </a:rPr>
+                          <m:t>67</m:t>
+                        </m:r>
+                        <m:r>
+                          <a:rPr lang="de-DE" i="1" dirty="0">
+                            <a:latin typeface="Cambria Math" panose="02040503050406030204" pitchFamily="18" charset="0"/>
+                          </a:rPr>
+                          <m:t>2</m:t>
+                        </m:r>
+                        <m:r>
+                          <a:rPr lang="de-DE" i="1" dirty="0">
+                            <a:latin typeface="Cambria Math" panose="02040503050406030204" pitchFamily="18" charset="0"/>
+                            <a:ea typeface="Cambria Math" panose="02040503050406030204" pitchFamily="18" charset="0"/>
+                          </a:rPr>
+                          <m:t>∙10</m:t>
+                        </m:r>
+                      </m:e>
+                      <m:sup>
+                        <m:r>
+                          <a:rPr lang="de-DE" i="1" dirty="0">
+                            <a:latin typeface="Cambria Math" panose="02040503050406030204" pitchFamily="18" charset="0"/>
+                          </a:rPr>
+                          <m:t>−5</m:t>
+                        </m:r>
+                      </m:sup>
+                    </m:sSup>
+                  </m:oMath>
+                </a14:m>
+                <a:endParaRPr lang="de-DE" dirty="0"/>
+              </a:p>
+              <a:p>
+                <a:pPr marL="742950" lvl="1" indent="-285750">
+                  <a:buFont typeface="Wingdings" panose="05000000000000000000" pitchFamily="2" charset="2"/>
+                  <a:buChar char="§"/>
+                </a:pPr>
+                <a:r>
+                  <a:rPr lang="de-DE" dirty="0"/>
+                  <a:t>MSE-Test: </a:t>
+                </a:r>
+                <a14:m>
+                  <m:oMath xmlns:m="http://schemas.openxmlformats.org/officeDocument/2006/math">
+                    <m:sSup>
+                      <m:sSupPr>
+                        <m:ctrlPr>
+                          <a:rPr lang="de-DE" i="1" dirty="0">
+                            <a:latin typeface="Cambria Math" panose="02040503050406030204" pitchFamily="18" charset="0"/>
+                          </a:rPr>
+                        </m:ctrlPr>
+                      </m:sSupPr>
+                      <m:e>
+                        <m:r>
+                          <a:rPr lang="de-DE" b="0" i="1" dirty="0" smtClean="0">
+                            <a:latin typeface="Cambria Math" panose="02040503050406030204" pitchFamily="18" charset="0"/>
+                          </a:rPr>
+                          <m:t>2</m:t>
+                        </m:r>
+                        <m:r>
+                          <a:rPr lang="de-DE" i="1" dirty="0">
+                            <a:latin typeface="Cambria Math" panose="02040503050406030204" pitchFamily="18" charset="0"/>
+                          </a:rPr>
+                          <m:t>,820</m:t>
+                        </m:r>
+                        <m:r>
+                          <a:rPr lang="de-DE" i="1" dirty="0">
+                            <a:latin typeface="Cambria Math" panose="02040503050406030204" pitchFamily="18" charset="0"/>
+                            <a:ea typeface="Cambria Math" panose="02040503050406030204" pitchFamily="18" charset="0"/>
+                          </a:rPr>
+                          <m:t>∙10</m:t>
+                        </m:r>
+                      </m:e>
+                      <m:sup>
+                        <m:r>
+                          <a:rPr lang="de-DE" i="1" dirty="0">
+                            <a:latin typeface="Cambria Math" panose="02040503050406030204" pitchFamily="18" charset="0"/>
+                          </a:rPr>
+                          <m:t>−</m:t>
+                        </m:r>
+                        <m:r>
+                          <a:rPr lang="de-DE" b="0" i="1" dirty="0" smtClean="0">
+                            <a:latin typeface="Cambria Math" panose="02040503050406030204" pitchFamily="18" charset="0"/>
+                          </a:rPr>
+                          <m:t>4</m:t>
+                        </m:r>
+                      </m:sup>
+                    </m:sSup>
+                  </m:oMath>
+                </a14:m>
+                <a:endParaRPr lang="de-DE" dirty="0"/>
+              </a:p>
+            </p:txBody>
+          </p:sp>
+        </mc:Choice>
+        <mc:Fallback xmlns="">
+          <p:sp>
+            <p:nvSpPr>
+              <p:cNvPr id="7" name="Textfeld 6"/>
+              <p:cNvSpPr txBox="1">
+                <a:spLocks noRot="1" noChangeAspect="1" noMove="1" noResize="1" noEditPoints="1" noAdjustHandles="1" noChangeArrowheads="1" noChangeShapeType="1" noTextEdit="1"/>
+              </p:cNvSpPr>
+              <p:nvPr/>
+            </p:nvSpPr>
+            <p:spPr>
+              <a:xfrm>
+                <a:off x="7434525" y="4027057"/>
+                <a:ext cx="4295554" cy="1200329"/>
+              </a:xfrm>
+              <a:prstGeom prst="rect">
+                <a:avLst/>
+              </a:prstGeom>
+              <a:blipFill rotWithShape="0">
+                <a:blip r:embed="rId4"/>
+                <a:stretch>
+                  <a:fillRect l="-1278" t="-3046" b="-7614"/>
+                </a:stretch>
+              </a:blipFill>
+            </p:spPr>
+            <p:txBody>
+              <a:bodyPr/>
+              <a:lstStyle/>
+              <a:p>
+                <a:r>
+                  <a:rPr lang="de-DE">
+                    <a:noFill/>
+                  </a:rPr>
+                  <a:t> </a:t>
+                </a:r>
+              </a:p>
+            </p:txBody>
+          </p:sp>
+        </mc:Fallback>
+      </mc:AlternateContent>
     </p:spTree>
     <p:extLst>
       <p:ext uri="{BB962C8B-B14F-4D97-AF65-F5344CB8AC3E}">
@@ -32853,7 +33189,7 @@
             <a:fld id="{7AC709DD-AC18-4FBA-B4E6-46DED743653E}" type="datetime1">
               <a:rPr lang="de-DE" smtClean="0"/>
               <a:pPr/>
-              <a:t>11.12.2015</a:t>
+              <a:t>12.12.2015</a:t>
             </a:fld>
             <a:endParaRPr lang="de-DE"/>
           </a:p>
@@ -33197,7 +33533,7 @@
             <a:fld id="{7AC709DD-AC18-4FBA-B4E6-46DED743653E}" type="datetime1">
               <a:rPr lang="de-DE" smtClean="0"/>
               <a:pPr/>
-              <a:t>11.12.2015</a:t>
+              <a:t>12.12.2015</a:t>
             </a:fld>
             <a:endParaRPr lang="de-DE"/>
           </a:p>
@@ -33305,7 +33641,7 @@
             <a:fld id="{7AC709DD-AC18-4FBA-B4E6-46DED743653E}" type="datetime1">
               <a:rPr lang="de-DE" smtClean="0"/>
               <a:pPr/>
-              <a:t>11.12.2015</a:t>
+              <a:t>12.12.2015</a:t>
             </a:fld>
             <a:endParaRPr lang="de-DE"/>
           </a:p>
@@ -33649,7 +33985,7 @@
             <a:fld id="{7AC709DD-AC18-4FBA-B4E6-46DED743653E}" type="datetime1">
               <a:rPr lang="de-DE" smtClean="0"/>
               <a:pPr/>
-              <a:t>11.12.2015</a:t>
+              <a:t>12.12.2015</a:t>
             </a:fld>
             <a:endParaRPr lang="de-DE"/>
           </a:p>
@@ -33757,7 +34093,7 @@
             <a:fld id="{7AC709DD-AC18-4FBA-B4E6-46DED743653E}" type="datetime1">
               <a:rPr lang="de-DE" smtClean="0"/>
               <a:pPr/>
-              <a:t>11.12.2015</a:t>
+              <a:t>12.12.2015</a:t>
             </a:fld>
             <a:endParaRPr lang="de-DE"/>
           </a:p>
@@ -34157,7 +34493,7 @@
             <a:fld id="{7AC709DD-AC18-4FBA-B4E6-46DED743653E}" type="datetime1">
               <a:rPr lang="de-DE" smtClean="0"/>
               <a:pPr/>
-              <a:t>11.12.2015</a:t>
+              <a:t>12.12.2015</a:t>
             </a:fld>
             <a:endParaRPr lang="de-DE"/>
           </a:p>
@@ -34364,7 +34700,7 @@
             <a:fld id="{7AC709DD-AC18-4FBA-B4E6-46DED743653E}" type="datetime1">
               <a:rPr lang="de-DE" smtClean="0"/>
               <a:pPr/>
-              <a:t>11.12.2015</a:t>
+              <a:t>12.12.2015</a:t>
             </a:fld>
             <a:endParaRPr lang="de-DE"/>
           </a:p>
@@ -34472,7 +34808,7 @@
             <a:fld id="{7AC709DD-AC18-4FBA-B4E6-46DED743653E}" type="datetime1">
               <a:rPr lang="de-DE" smtClean="0"/>
               <a:pPr/>
-              <a:t>11.12.2015</a:t>
+              <a:t>12.12.2015</a:t>
             </a:fld>
             <a:endParaRPr lang="de-DE"/>
           </a:p>
@@ -34906,7 +35242,7 @@
             <a:fld id="{7AC709DD-AC18-4FBA-B4E6-46DED743653E}" type="datetime1">
               <a:rPr lang="de-DE" smtClean="0"/>
               <a:pPr/>
-              <a:t>11.12.2015</a:t>
+              <a:t>12.12.2015</a:t>
             </a:fld>
             <a:endParaRPr lang="de-DE"/>
           </a:p>
@@ -35150,7 +35486,7 @@
             <a:fld id="{7AC709DD-AC18-4FBA-B4E6-46DED743653E}" type="datetime1">
               <a:rPr lang="de-DE" smtClean="0"/>
               <a:pPr/>
-              <a:t>11.12.2015</a:t>
+              <a:t>12.12.2015</a:t>
             </a:fld>
             <a:endParaRPr lang="de-DE"/>
           </a:p>
@@ -35252,8 +35588,8 @@
         </p:nvSpPr>
         <p:spPr>
           <a:xfrm>
-            <a:off x="838200" y="2954981"/>
-            <a:ext cx="10515600" cy="1325563"/>
+            <a:off x="305364" y="2954981"/>
+            <a:ext cx="9886502" cy="1325563"/>
           </a:xfrm>
         </p:spPr>
         <p:txBody>
@@ -35263,7 +35599,14 @@
             <a:pPr algn="ctr"/>
             <a:r>
               <a:rPr lang="de-DE" b="1" dirty="0" smtClean="0"/>
-              <a:t>Fragen?</a:t>
+              <a:t>Präsentationsende…</a:t>
+            </a:r>
+            <a:br>
+              <a:rPr lang="de-DE" b="1" dirty="0" smtClean="0"/>
+            </a:br>
+            <a:r>
+              <a:rPr lang="de-DE" b="1" dirty="0" smtClean="0"/>
+              <a:t>	                                  …Fragen &amp; Diskussion</a:t>
             </a:r>
             <a:endParaRPr lang="de-DE" b="1" dirty="0"/>
           </a:p>
@@ -35287,7 +35630,7 @@
             <a:fld id="{7AC709DD-AC18-4FBA-B4E6-46DED743653E}" type="datetime1">
               <a:rPr lang="de-DE" smtClean="0"/>
               <a:pPr/>
-              <a:t>11.12.2015</a:t>
+              <a:t>12.12.2015</a:t>
             </a:fld>
             <a:endParaRPr lang="de-DE"/>
           </a:p>
@@ -35432,7 +35775,7 @@
             <a:fld id="{7AC709DD-AC18-4FBA-B4E6-46DED743653E}" type="datetime1">
               <a:rPr lang="de-DE" smtClean="0"/>
               <a:pPr/>
-              <a:t>11.12.2015</a:t>
+              <a:t>12.12.2015</a:t>
             </a:fld>
             <a:endParaRPr lang="de-DE"/>
           </a:p>
@@ -35776,7 +36119,7 @@
             <a:fld id="{7AC709DD-AC18-4FBA-B4E6-46DED743653E}" type="datetime1">
               <a:rPr lang="de-DE" smtClean="0"/>
               <a:pPr/>
-              <a:t>11.12.2015</a:t>
+              <a:t>12.12.2015</a:t>
             </a:fld>
             <a:endParaRPr lang="de-DE"/>
           </a:p>
@@ -35884,7 +36227,7 @@
             <a:fld id="{7AC709DD-AC18-4FBA-B4E6-46DED743653E}" type="datetime1">
               <a:rPr lang="de-DE" smtClean="0"/>
               <a:pPr/>
-              <a:t>11.12.2015</a:t>
+              <a:t>12.12.2015</a:t>
             </a:fld>
             <a:endParaRPr lang="de-DE"/>
           </a:p>
@@ -36626,7 +36969,7 @@
             <a:fld id="{7AC709DD-AC18-4FBA-B4E6-46DED743653E}" type="datetime1">
               <a:rPr lang="de-DE" smtClean="0"/>
               <a:pPr/>
-              <a:t>11.12.2015</a:t>
+              <a:t>12.12.2015</a:t>
             </a:fld>
             <a:endParaRPr lang="de-DE"/>
           </a:p>

--- a/3b) Vortrag/Präsentation.pptx
+++ b/3b) Vortrag/Präsentation.pptx
@@ -1208,6 +1208,318 @@
       <dsp:cNvGrpSpPr/>
     </dsp:nvGrpSpPr>
     <dsp:grpSpPr/>
+    <dsp:sp modelId="{53E4825B-3D66-406A-9713-5BB390890124}">
+      <dsp:nvSpPr>
+        <dsp:cNvPr id="0" name=""/>
+        <dsp:cNvSpPr/>
+      </dsp:nvSpPr>
+      <dsp:spPr>
+        <a:xfrm>
+          <a:off x="2590" y="2343975"/>
+          <a:ext cx="2885457" cy="1154182"/>
+        </a:xfrm>
+        <a:prstGeom prst="chevron">
+          <a:avLst/>
+        </a:prstGeom>
+        <a:solidFill>
+          <a:schemeClr val="accent3">
+            <a:hueOff val="0"/>
+            <a:satOff val="0"/>
+            <a:lumOff val="0"/>
+            <a:alphaOff val="0"/>
+          </a:schemeClr>
+        </a:solidFill>
+        <a:ln w="12700" cap="flat" cmpd="sng" algn="ctr">
+          <a:solidFill>
+            <a:schemeClr val="lt1">
+              <a:hueOff val="0"/>
+              <a:satOff val="0"/>
+              <a:lumOff val="0"/>
+              <a:alphaOff val="0"/>
+            </a:schemeClr>
+          </a:solidFill>
+          <a:prstDash val="solid"/>
+          <a:miter lim="800000"/>
+        </a:ln>
+        <a:effectLst/>
+      </dsp:spPr>
+      <dsp:style>
+        <a:lnRef idx="2">
+          <a:scrgbClr r="0" g="0" b="0"/>
+        </a:lnRef>
+        <a:fillRef idx="1">
+          <a:scrgbClr r="0" g="0" b="0"/>
+        </a:fillRef>
+        <a:effectRef idx="0">
+          <a:scrgbClr r="0" g="0" b="0"/>
+        </a:effectRef>
+        <a:fontRef idx="minor">
+          <a:schemeClr val="lt1"/>
+        </a:fontRef>
+      </dsp:style>
+      <dsp:txBody>
+        <a:bodyPr spcFirstLastPara="0" vert="horz" wrap="square" lIns="76010" tIns="25337" rIns="25337" bIns="25337" numCol="1" spcCol="1270" anchor="ctr" anchorCtr="0">
+          <a:noAutofit/>
+        </a:bodyPr>
+        <a:lstStyle/>
+        <a:p>
+          <a:pPr lvl="0" algn="ctr" defTabSz="844550">
+            <a:lnSpc>
+              <a:spcPct val="90000"/>
+            </a:lnSpc>
+            <a:spcBef>
+              <a:spcPct val="0"/>
+            </a:spcBef>
+            <a:spcAft>
+              <a:spcPct val="35000"/>
+            </a:spcAft>
+          </a:pPr>
+          <a:r>
+            <a:rPr lang="de-DE" sz="1900" kern="1200" dirty="0" smtClean="0"/>
+            <a:t>Topologie</a:t>
+          </a:r>
+          <a:endParaRPr lang="de-DE" sz="1900" kern="1200" dirty="0"/>
+        </a:p>
+      </dsp:txBody>
+      <dsp:txXfrm>
+        <a:off x="579681" y="2343975"/>
+        <a:ext cx="1731275" cy="1154182"/>
+      </dsp:txXfrm>
+    </dsp:sp>
+    <dsp:sp modelId="{6D6BD3B1-FDF8-44BB-99F4-33A9A894F98B}">
+      <dsp:nvSpPr>
+        <dsp:cNvPr id="0" name=""/>
+        <dsp:cNvSpPr/>
+      </dsp:nvSpPr>
+      <dsp:spPr>
+        <a:xfrm>
+          <a:off x="2601868" y="2336069"/>
+          <a:ext cx="2885457" cy="1154182"/>
+        </a:xfrm>
+        <a:prstGeom prst="chevron">
+          <a:avLst/>
+        </a:prstGeom>
+        <a:solidFill>
+          <a:schemeClr val="accent3">
+            <a:hueOff val="0"/>
+            <a:satOff val="0"/>
+            <a:lumOff val="0"/>
+            <a:alphaOff val="0"/>
+          </a:schemeClr>
+        </a:solidFill>
+        <a:ln w="12700" cap="flat" cmpd="sng" algn="ctr">
+          <a:solidFill>
+            <a:schemeClr val="lt1">
+              <a:hueOff val="0"/>
+              <a:satOff val="0"/>
+              <a:lumOff val="0"/>
+              <a:alphaOff val="0"/>
+            </a:schemeClr>
+          </a:solidFill>
+          <a:prstDash val="solid"/>
+          <a:miter lim="800000"/>
+        </a:ln>
+        <a:effectLst/>
+      </dsp:spPr>
+      <dsp:style>
+        <a:lnRef idx="2">
+          <a:scrgbClr r="0" g="0" b="0"/>
+        </a:lnRef>
+        <a:fillRef idx="1">
+          <a:scrgbClr r="0" g="0" b="0"/>
+        </a:fillRef>
+        <a:effectRef idx="0">
+          <a:scrgbClr r="0" g="0" b="0"/>
+        </a:effectRef>
+        <a:fontRef idx="minor">
+          <a:schemeClr val="lt1"/>
+        </a:fontRef>
+      </dsp:style>
+      <dsp:txBody>
+        <a:bodyPr spcFirstLastPara="0" vert="horz" wrap="square" lIns="76010" tIns="25337" rIns="25337" bIns="25337" numCol="1" spcCol="1270" anchor="ctr" anchorCtr="0">
+          <a:noAutofit/>
+        </a:bodyPr>
+        <a:lstStyle/>
+        <a:p>
+          <a:pPr lvl="0" algn="ctr" defTabSz="844550">
+            <a:lnSpc>
+              <a:spcPct val="90000"/>
+            </a:lnSpc>
+            <a:spcBef>
+              <a:spcPct val="0"/>
+            </a:spcBef>
+            <a:spcAft>
+              <a:spcPct val="35000"/>
+            </a:spcAft>
+          </a:pPr>
+          <a:r>
+            <a:rPr lang="de-DE" sz="1900" kern="1200" dirty="0" smtClean="0"/>
+            <a:t>Transferfunktion</a:t>
+          </a:r>
+          <a:endParaRPr lang="de-DE" sz="1900" kern="1200" dirty="0"/>
+        </a:p>
+      </dsp:txBody>
+      <dsp:txXfrm>
+        <a:off x="3178959" y="2336069"/>
+        <a:ext cx="1731275" cy="1154182"/>
+      </dsp:txXfrm>
+    </dsp:sp>
+    <dsp:sp modelId="{1759F37C-CE72-40A5-B310-ECFA8240AA69}">
+      <dsp:nvSpPr>
+        <dsp:cNvPr id="0" name=""/>
+        <dsp:cNvSpPr/>
+      </dsp:nvSpPr>
+      <dsp:spPr>
+        <a:xfrm>
+          <a:off x="5198779" y="2336069"/>
+          <a:ext cx="2885457" cy="1154182"/>
+        </a:xfrm>
+        <a:prstGeom prst="chevron">
+          <a:avLst/>
+        </a:prstGeom>
+        <a:solidFill>
+          <a:schemeClr val="accent3">
+            <a:hueOff val="0"/>
+            <a:satOff val="0"/>
+            <a:lumOff val="0"/>
+            <a:alphaOff val="0"/>
+          </a:schemeClr>
+        </a:solidFill>
+        <a:ln w="12700" cap="flat" cmpd="sng" algn="ctr">
+          <a:solidFill>
+            <a:schemeClr val="lt1">
+              <a:hueOff val="0"/>
+              <a:satOff val="0"/>
+              <a:lumOff val="0"/>
+              <a:alphaOff val="0"/>
+            </a:schemeClr>
+          </a:solidFill>
+          <a:prstDash val="solid"/>
+          <a:miter lim="800000"/>
+        </a:ln>
+        <a:effectLst/>
+      </dsp:spPr>
+      <dsp:style>
+        <a:lnRef idx="2">
+          <a:scrgbClr r="0" g="0" b="0"/>
+        </a:lnRef>
+        <a:fillRef idx="1">
+          <a:scrgbClr r="0" g="0" b="0"/>
+        </a:fillRef>
+        <a:effectRef idx="0">
+          <a:scrgbClr r="0" g="0" b="0"/>
+        </a:effectRef>
+        <a:fontRef idx="minor">
+          <a:schemeClr val="lt1"/>
+        </a:fontRef>
+      </dsp:style>
+      <dsp:txBody>
+        <a:bodyPr spcFirstLastPara="0" vert="horz" wrap="square" lIns="76010" tIns="25337" rIns="25337" bIns="25337" numCol="1" spcCol="1270" anchor="ctr" anchorCtr="0">
+          <a:noAutofit/>
+        </a:bodyPr>
+        <a:lstStyle/>
+        <a:p>
+          <a:pPr lvl="0" algn="ctr" defTabSz="844550">
+            <a:lnSpc>
+              <a:spcPct val="90000"/>
+            </a:lnSpc>
+            <a:spcBef>
+              <a:spcPct val="0"/>
+            </a:spcBef>
+            <a:spcAft>
+              <a:spcPct val="35000"/>
+            </a:spcAft>
+          </a:pPr>
+          <a:r>
+            <a:rPr lang="de-DE" sz="1900" kern="1200" dirty="0" smtClean="0"/>
+            <a:t>Lernregel</a:t>
+          </a:r>
+          <a:endParaRPr lang="de-DE" sz="1900" kern="1200" dirty="0"/>
+        </a:p>
+      </dsp:txBody>
+      <dsp:txXfrm>
+        <a:off x="5775870" y="2336069"/>
+        <a:ext cx="1731275" cy="1154182"/>
+      </dsp:txXfrm>
+    </dsp:sp>
+    <dsp:sp modelId="{2560545F-FA28-42DD-8D58-823658F4E513}">
+      <dsp:nvSpPr>
+        <dsp:cNvPr id="0" name=""/>
+        <dsp:cNvSpPr/>
+      </dsp:nvSpPr>
+      <dsp:spPr>
+        <a:xfrm>
+          <a:off x="7795691" y="2336069"/>
+          <a:ext cx="2885457" cy="1154182"/>
+        </a:xfrm>
+        <a:prstGeom prst="chevron">
+          <a:avLst/>
+        </a:prstGeom>
+        <a:solidFill>
+          <a:schemeClr val="accent3">
+            <a:hueOff val="0"/>
+            <a:satOff val="0"/>
+            <a:lumOff val="0"/>
+            <a:alphaOff val="0"/>
+          </a:schemeClr>
+        </a:solidFill>
+        <a:ln w="12700" cap="flat" cmpd="sng" algn="ctr">
+          <a:solidFill>
+            <a:schemeClr val="lt1">
+              <a:hueOff val="0"/>
+              <a:satOff val="0"/>
+              <a:lumOff val="0"/>
+              <a:alphaOff val="0"/>
+            </a:schemeClr>
+          </a:solidFill>
+          <a:prstDash val="solid"/>
+          <a:miter lim="800000"/>
+        </a:ln>
+        <a:effectLst/>
+      </dsp:spPr>
+      <dsp:style>
+        <a:lnRef idx="2">
+          <a:scrgbClr r="0" g="0" b="0"/>
+        </a:lnRef>
+        <a:fillRef idx="1">
+          <a:scrgbClr r="0" g="0" b="0"/>
+        </a:fillRef>
+        <a:effectRef idx="0">
+          <a:scrgbClr r="0" g="0" b="0"/>
+        </a:effectRef>
+        <a:fontRef idx="minor">
+          <a:schemeClr val="lt1"/>
+        </a:fontRef>
+      </dsp:style>
+      <dsp:txBody>
+        <a:bodyPr spcFirstLastPara="0" vert="horz" wrap="square" lIns="76010" tIns="25337" rIns="25337" bIns="25337" numCol="1" spcCol="1270" anchor="ctr" anchorCtr="0">
+          <a:noAutofit/>
+        </a:bodyPr>
+        <a:lstStyle/>
+        <a:p>
+          <a:pPr lvl="0" algn="ctr" defTabSz="844550">
+            <a:lnSpc>
+              <a:spcPct val="90000"/>
+            </a:lnSpc>
+            <a:spcBef>
+              <a:spcPct val="0"/>
+            </a:spcBef>
+            <a:spcAft>
+              <a:spcPct val="35000"/>
+            </a:spcAft>
+          </a:pPr>
+          <a:r>
+            <a:rPr lang="de-DE" sz="1900" kern="1200" dirty="0" smtClean="0"/>
+            <a:t>Lernrate</a:t>
+          </a:r>
+          <a:endParaRPr lang="de-DE" sz="1900" kern="1200" dirty="0"/>
+        </a:p>
+      </dsp:txBody>
+      <dsp:txXfrm>
+        <a:off x="8372782" y="2336069"/>
+        <a:ext cx="1731275" cy="1154182"/>
+      </dsp:txXfrm>
+    </dsp:sp>
   </dsp:spTree>
 </dsp:drawing>
 </file>
@@ -8428,13 +8740,8 @@
             <a:pPr lvl="2"/>
             <a:r>
               <a:rPr lang="de-DE" dirty="0" smtClean="0"/>
-              <a:t>Definition der </a:t>
-            </a:r>
-            <a:r>
-              <a:rPr lang="de-DE" dirty="0" smtClean="0"/>
-              <a:t>linearen Separierbarkeit </a:t>
-            </a:r>
-            <a:endParaRPr lang="de-DE" dirty="0" smtClean="0"/>
+              <a:t>Definition der linearen Separierbarkeit </a:t>
+            </a:r>
           </a:p>
           <a:p>
             <a:pPr lvl="2"/>
@@ -8442,17 +8749,12 @@
               <a:rPr lang="de-DE" dirty="0" smtClean="0"/>
               <a:t>Beweis der eingeschränkten Fähigkeit von einschichtigen neuronalen Netzen.</a:t>
             </a:r>
-            <a:endParaRPr lang="de-DE" dirty="0" smtClean="0"/>
           </a:p>
           <a:p>
             <a:pPr lvl="2"/>
             <a:r>
               <a:rPr lang="de-DE" dirty="0" smtClean="0"/>
-              <a:t> Konvergenz-Theorem &amp; Theorem </a:t>
-            </a:r>
-            <a:r>
-              <a:rPr lang="de-DE" dirty="0" smtClean="0"/>
-              <a:t>von Kolmogorov</a:t>
+              <a:t> Konvergenz-Theorem &amp; Theorem von Kolmogorov</a:t>
             </a:r>
           </a:p>
         </p:txBody>
@@ -9230,8 +9532,8 @@
           </a:p>
         </p:txBody>
       </p:sp>
-      <mc:AlternateContent xmlns:mc="http://schemas.openxmlformats.org/markup-compatibility/2006">
-        <mc:Choice xmlns:a14="http://schemas.microsoft.com/office/drawing/2010/main" Requires="a14">
+      <mc:AlternateContent xmlns:mc="http://schemas.openxmlformats.org/markup-compatibility/2006" xmlns:a14="http://schemas.microsoft.com/office/drawing/2010/main">
+        <mc:Choice Requires="a14">
           <p:sp>
             <p:nvSpPr>
               <p:cNvPr id="3" name="Inhaltsplatzhalter 2"/>
@@ -9699,13 +10001,8 @@
                 </a14:m>
                 <a:r>
                   <a:rPr lang="de-DE" dirty="0" smtClean="0"/>
-                  <a:t> die </a:t>
+                  <a:t> die folgenden Ungleichungen erfüllen:</a:t>
                 </a:r>
-                <a:r>
-                  <a:rPr lang="de-DE" dirty="0" smtClean="0"/>
-                  <a:t>folgenden Ungleichungen erfüllen:</a:t>
-                </a:r>
-                <a:endParaRPr lang="de-DE" dirty="0" smtClean="0"/>
               </a:p>
               <a:p>
                 <a:pPr marL="457200" lvl="1" indent="0">
@@ -9974,7 +10271,7 @@
             </p:txBody>
           </p:sp>
         </mc:Choice>
-        <mc:Fallback>
+        <mc:Fallback xmlns="">
           <p:sp>
             <p:nvSpPr>
               <p:cNvPr id="3" name="Inhaltsplatzhalter 2"/>
@@ -10515,8 +10812,8 @@
           </a:prstGeom>
         </p:spPr>
       </p:pic>
-      <mc:AlternateContent xmlns:mc="http://schemas.openxmlformats.org/markup-compatibility/2006">
-        <mc:Choice xmlns:a14="http://schemas.microsoft.com/office/drawing/2010/main" Requires="a14">
+      <mc:AlternateContent xmlns:mc="http://schemas.openxmlformats.org/markup-compatibility/2006" xmlns:a14="http://schemas.microsoft.com/office/drawing/2010/main">
+        <mc:Choice Requires="a14">
           <p:sp>
             <p:nvSpPr>
               <p:cNvPr id="16" name="Textfeld 15"/>
@@ -11735,7 +12032,7 @@
             </p:txBody>
           </p:sp>
         </mc:Choice>
-        <mc:Fallback>
+        <mc:Fallback xmlns="">
           <p:sp>
             <p:nvSpPr>
               <p:cNvPr id="16" name="Textfeld 15"/>
@@ -15001,8 +15298,8 @@
           </a:p>
         </p:txBody>
       </p:sp>
-      <mc:AlternateContent xmlns:mc="http://schemas.openxmlformats.org/markup-compatibility/2006" xmlns:a14="http://schemas.microsoft.com/office/drawing/2010/main">
-        <mc:Choice Requires="a14">
+      <mc:AlternateContent xmlns:mc="http://schemas.openxmlformats.org/markup-compatibility/2006">
+        <mc:Choice xmlns:a14="http://schemas.microsoft.com/office/drawing/2010/main" Requires="a14">
           <p:sp>
             <p:nvSpPr>
               <p:cNvPr id="3" name="Inhaltsplatzhalter 2"/>
@@ -15073,8 +15370,9 @@
                 </a14:m>
                 <a:r>
                   <a:rPr lang="de-DE" dirty="0" smtClean="0"/>
-                  <a:t>  fehlende Generalisierungsfähigkeit.</a:t>
+                  <a:t> Regelsatz kann nicht abgespeichert werden.</a:t>
                 </a:r>
+                <a:endParaRPr lang="de-DE" dirty="0" smtClean="0"/>
               </a:p>
               <a:p>
                 <a:pPr lvl="2"/>
@@ -15368,7 +15666,7 @@
             </p:txBody>
           </p:sp>
         </mc:Choice>
-        <mc:Fallback xmlns="">
+        <mc:Fallback>
           <p:sp>
             <p:nvSpPr>
               <p:cNvPr id="3" name="Inhaltsplatzhalter 2"/>
@@ -18625,7 +18923,7 @@
           <p:nvPr>
             <p:extLst>
               <p:ext uri="{D42A27DB-BD31-4B8C-83A1-F6EECF244321}">
-                <p14:modId xmlns:p14="http://schemas.microsoft.com/office/powerpoint/2010/main" val="3651911051"/>
+                <p14:modId xmlns:p14="http://schemas.microsoft.com/office/powerpoint/2010/main" val="1457994747"/>
               </p:ext>
             </p:extLst>
           </p:nvPr>
@@ -18764,7 +19062,7 @@
                       <a:pPr algn="ctr"/>
                       <a:r>
                         <a:rPr lang="de-DE" dirty="0" smtClean="0"/>
-                        <a:t>0,3</a:t>
+                        <a:t>0,7</a:t>
                       </a:r>
                       <a:endParaRPr lang="de-DE" dirty="0"/>
                     </a:p>
@@ -19393,9 +19691,10 @@
               <a:buChar char="§"/>
             </a:pPr>
             <a:r>
-              <a:rPr lang="de-DE" b="1" dirty="0" smtClean="0"/>
-              <a:t>0,3</a:t>
-            </a:r>
+              <a:rPr lang="de-DE" b="1" smtClean="0"/>
+              <a:t>0,7</a:t>
+            </a:r>
+            <a:endParaRPr lang="de-DE" b="1" dirty="0" smtClean="0"/>
           </a:p>
           <a:p>
             <a:pPr marL="285750" indent="-285750">
